--- a/UG_results.pptx
+++ b/UG_results.pptx
@@ -7,6 +7,7 @@
   <p:sldIdLst>
     <p:sldId id="256" r:id="rId2"/>
     <p:sldId id="257" r:id="rId3"/>
+    <p:sldId id="258" r:id="rId4"/>
   </p:sldIdLst>
   <p:sldSz cx="12192000" cy="6858000"/>
   <p:notesSz cx="6858000" cy="9144000"/>
@@ -105,6 +106,11 @@
       </a:defRPr>
     </a:lvl9pPr>
   </p:defaultTextStyle>
+  <p:extLst>
+    <p:ext uri="{EFAFB233-063F-42B5-8137-9DF3F51BA10A}">
+      <p15:sldGuideLst xmlns:p15="http://schemas.microsoft.com/office/powerpoint/2012/main"/>
+    </p:ext>
+  </p:extLst>
 </p:presentation>
 </file>
 
@@ -134,7 +140,7 @@
           <p:cNvPr id="2" name="Title 1">
             <a:extLst>
               <a:ext uri="{FF2B5EF4-FFF2-40B4-BE49-F238E27FC236}">
-                <a16:creationId xmlns:a16="http://schemas.microsoft.com/office/drawing/2014/main" id="{A770637A-7F70-4788-A8DB-6F8A001AE731}"/>
+                <a16:creationId xmlns:a16="http://schemas.microsoft.com/office/drawing/2014/main" xmlns="" id="{A770637A-7F70-4788-A8DB-6F8A001AE731}"/>
               </a:ext>
             </a:extLst>
           </p:cNvPr>
@@ -172,7 +178,7 @@
           <p:cNvPr id="3" name="Subtitle 2">
             <a:extLst>
               <a:ext uri="{FF2B5EF4-FFF2-40B4-BE49-F238E27FC236}">
-                <a16:creationId xmlns:a16="http://schemas.microsoft.com/office/drawing/2014/main" id="{F9D5404F-EB55-4B5E-B9CE-AC2A0B6C47CB}"/>
+                <a16:creationId xmlns:a16="http://schemas.microsoft.com/office/drawing/2014/main" xmlns="" id="{F9D5404F-EB55-4B5E-B9CE-AC2A0B6C47CB}"/>
               </a:ext>
             </a:extLst>
           </p:cNvPr>
@@ -243,7 +249,7 @@
           <p:cNvPr id="4" name="Date Placeholder 3">
             <a:extLst>
               <a:ext uri="{FF2B5EF4-FFF2-40B4-BE49-F238E27FC236}">
-                <a16:creationId xmlns:a16="http://schemas.microsoft.com/office/drawing/2014/main" id="{7808CDBC-CAE1-487B-A4E5-3CB70D4EAEEB}"/>
+                <a16:creationId xmlns:a16="http://schemas.microsoft.com/office/drawing/2014/main" xmlns="" id="{7808CDBC-CAE1-487B-A4E5-3CB70D4EAEEB}"/>
               </a:ext>
             </a:extLst>
           </p:cNvPr>
@@ -261,7 +267,7 @@
           <a:p>
             <a:fld id="{96B0AB5A-E802-48CF-A5B9-FE8704AC6519}" type="datetimeFigureOut">
               <a:rPr lang="en-CA" smtClean="0"/>
-              <a:t>15/09/2017</a:t>
+              <a:t>2017-09-19</a:t>
             </a:fld>
             <a:endParaRPr lang="en-CA"/>
           </a:p>
@@ -272,7 +278,7 @@
           <p:cNvPr id="5" name="Footer Placeholder 4">
             <a:extLst>
               <a:ext uri="{FF2B5EF4-FFF2-40B4-BE49-F238E27FC236}">
-                <a16:creationId xmlns:a16="http://schemas.microsoft.com/office/drawing/2014/main" id="{50D5A8BB-D166-4343-997B-EF673CB40FAD}"/>
+                <a16:creationId xmlns:a16="http://schemas.microsoft.com/office/drawing/2014/main" xmlns="" id="{50D5A8BB-D166-4343-997B-EF673CB40FAD}"/>
               </a:ext>
             </a:extLst>
           </p:cNvPr>
@@ -297,7 +303,7 @@
           <p:cNvPr id="6" name="Slide Number Placeholder 5">
             <a:extLst>
               <a:ext uri="{FF2B5EF4-FFF2-40B4-BE49-F238E27FC236}">
-                <a16:creationId xmlns:a16="http://schemas.microsoft.com/office/drawing/2014/main" id="{6BC260DA-D757-4992-B138-BBE00B22D846}"/>
+                <a16:creationId xmlns:a16="http://schemas.microsoft.com/office/drawing/2014/main" xmlns="" id="{6BC260DA-D757-4992-B138-BBE00B22D846}"/>
               </a:ext>
             </a:extLst>
           </p:cNvPr>
@@ -356,7 +362,7 @@
           <p:cNvPr id="2" name="Title 1">
             <a:extLst>
               <a:ext uri="{FF2B5EF4-FFF2-40B4-BE49-F238E27FC236}">
-                <a16:creationId xmlns:a16="http://schemas.microsoft.com/office/drawing/2014/main" id="{68951A57-6E16-4A71-98CB-2307E282C3C2}"/>
+                <a16:creationId xmlns:a16="http://schemas.microsoft.com/office/drawing/2014/main" xmlns="" id="{68951A57-6E16-4A71-98CB-2307E282C3C2}"/>
               </a:ext>
             </a:extLst>
           </p:cNvPr>
@@ -385,7 +391,7 @@
           <p:cNvPr id="3" name="Vertical Text Placeholder 2">
             <a:extLst>
               <a:ext uri="{FF2B5EF4-FFF2-40B4-BE49-F238E27FC236}">
-                <a16:creationId xmlns:a16="http://schemas.microsoft.com/office/drawing/2014/main" id="{7F111875-20D3-450B-8A7D-100D7AD10DA2}"/>
+                <a16:creationId xmlns:a16="http://schemas.microsoft.com/office/drawing/2014/main" xmlns="" id="{7F111875-20D3-450B-8A7D-100D7AD10DA2}"/>
               </a:ext>
             </a:extLst>
           </p:cNvPr>
@@ -443,7 +449,7 @@
           <p:cNvPr id="4" name="Date Placeholder 3">
             <a:extLst>
               <a:ext uri="{FF2B5EF4-FFF2-40B4-BE49-F238E27FC236}">
-                <a16:creationId xmlns:a16="http://schemas.microsoft.com/office/drawing/2014/main" id="{98F3875F-0C83-48C3-8881-97B38467BFC0}"/>
+                <a16:creationId xmlns:a16="http://schemas.microsoft.com/office/drawing/2014/main" xmlns="" id="{98F3875F-0C83-48C3-8881-97B38467BFC0}"/>
               </a:ext>
             </a:extLst>
           </p:cNvPr>
@@ -461,7 +467,7 @@
           <a:p>
             <a:fld id="{96B0AB5A-E802-48CF-A5B9-FE8704AC6519}" type="datetimeFigureOut">
               <a:rPr lang="en-CA" smtClean="0"/>
-              <a:t>15/09/2017</a:t>
+              <a:t>2017-09-19</a:t>
             </a:fld>
             <a:endParaRPr lang="en-CA"/>
           </a:p>
@@ -472,7 +478,7 @@
           <p:cNvPr id="5" name="Footer Placeholder 4">
             <a:extLst>
               <a:ext uri="{FF2B5EF4-FFF2-40B4-BE49-F238E27FC236}">
-                <a16:creationId xmlns:a16="http://schemas.microsoft.com/office/drawing/2014/main" id="{F2640ABB-0B39-4E48-B67F-13EB2E5E88B0}"/>
+                <a16:creationId xmlns:a16="http://schemas.microsoft.com/office/drawing/2014/main" xmlns="" id="{F2640ABB-0B39-4E48-B67F-13EB2E5E88B0}"/>
               </a:ext>
             </a:extLst>
           </p:cNvPr>
@@ -497,7 +503,7 @@
           <p:cNvPr id="6" name="Slide Number Placeholder 5">
             <a:extLst>
               <a:ext uri="{FF2B5EF4-FFF2-40B4-BE49-F238E27FC236}">
-                <a16:creationId xmlns:a16="http://schemas.microsoft.com/office/drawing/2014/main" id="{D54C0341-9536-4979-9F6E-429B5834248C}"/>
+                <a16:creationId xmlns:a16="http://schemas.microsoft.com/office/drawing/2014/main" xmlns="" id="{D54C0341-9536-4979-9F6E-429B5834248C}"/>
               </a:ext>
             </a:extLst>
           </p:cNvPr>
@@ -556,7 +562,7 @@
           <p:cNvPr id="2" name="Vertical Title 1">
             <a:extLst>
               <a:ext uri="{FF2B5EF4-FFF2-40B4-BE49-F238E27FC236}">
-                <a16:creationId xmlns:a16="http://schemas.microsoft.com/office/drawing/2014/main" id="{20D0E6FE-C5AB-4578-BB2A-E718F0F3D4BA}"/>
+                <a16:creationId xmlns:a16="http://schemas.microsoft.com/office/drawing/2014/main" xmlns="" id="{20D0E6FE-C5AB-4578-BB2A-E718F0F3D4BA}"/>
               </a:ext>
             </a:extLst>
           </p:cNvPr>
@@ -590,7 +596,7 @@
           <p:cNvPr id="3" name="Vertical Text Placeholder 2">
             <a:extLst>
               <a:ext uri="{FF2B5EF4-FFF2-40B4-BE49-F238E27FC236}">
-                <a16:creationId xmlns:a16="http://schemas.microsoft.com/office/drawing/2014/main" id="{4D9442B6-6798-4E3F-BC43-D487421D33ED}"/>
+                <a16:creationId xmlns:a16="http://schemas.microsoft.com/office/drawing/2014/main" xmlns="" id="{4D9442B6-6798-4E3F-BC43-D487421D33ED}"/>
               </a:ext>
             </a:extLst>
           </p:cNvPr>
@@ -653,7 +659,7 @@
           <p:cNvPr id="4" name="Date Placeholder 3">
             <a:extLst>
               <a:ext uri="{FF2B5EF4-FFF2-40B4-BE49-F238E27FC236}">
-                <a16:creationId xmlns:a16="http://schemas.microsoft.com/office/drawing/2014/main" id="{D8E8FDF4-0673-47D2-AEF1-4ECE10E40BDA}"/>
+                <a16:creationId xmlns:a16="http://schemas.microsoft.com/office/drawing/2014/main" xmlns="" id="{D8E8FDF4-0673-47D2-AEF1-4ECE10E40BDA}"/>
               </a:ext>
             </a:extLst>
           </p:cNvPr>
@@ -671,7 +677,7 @@
           <a:p>
             <a:fld id="{96B0AB5A-E802-48CF-A5B9-FE8704AC6519}" type="datetimeFigureOut">
               <a:rPr lang="en-CA" smtClean="0"/>
-              <a:t>15/09/2017</a:t>
+              <a:t>2017-09-19</a:t>
             </a:fld>
             <a:endParaRPr lang="en-CA"/>
           </a:p>
@@ -682,7 +688,7 @@
           <p:cNvPr id="5" name="Footer Placeholder 4">
             <a:extLst>
               <a:ext uri="{FF2B5EF4-FFF2-40B4-BE49-F238E27FC236}">
-                <a16:creationId xmlns:a16="http://schemas.microsoft.com/office/drawing/2014/main" id="{E953779D-E55D-4C51-B09C-5B7930947D6C}"/>
+                <a16:creationId xmlns:a16="http://schemas.microsoft.com/office/drawing/2014/main" xmlns="" id="{E953779D-E55D-4C51-B09C-5B7930947D6C}"/>
               </a:ext>
             </a:extLst>
           </p:cNvPr>
@@ -707,7 +713,7 @@
           <p:cNvPr id="6" name="Slide Number Placeholder 5">
             <a:extLst>
               <a:ext uri="{FF2B5EF4-FFF2-40B4-BE49-F238E27FC236}">
-                <a16:creationId xmlns:a16="http://schemas.microsoft.com/office/drawing/2014/main" id="{28E9A841-3B09-42DC-8684-FE1A19B9552A}"/>
+                <a16:creationId xmlns:a16="http://schemas.microsoft.com/office/drawing/2014/main" xmlns="" id="{28E9A841-3B09-42DC-8684-FE1A19B9552A}"/>
               </a:ext>
             </a:extLst>
           </p:cNvPr>
@@ -766,7 +772,7 @@
           <p:cNvPr id="2" name="Title 1">
             <a:extLst>
               <a:ext uri="{FF2B5EF4-FFF2-40B4-BE49-F238E27FC236}">
-                <a16:creationId xmlns:a16="http://schemas.microsoft.com/office/drawing/2014/main" id="{1C2B00DB-F0DF-4138-ABCE-C402834F38C7}"/>
+                <a16:creationId xmlns:a16="http://schemas.microsoft.com/office/drawing/2014/main" xmlns="" id="{1C2B00DB-F0DF-4138-ABCE-C402834F38C7}"/>
               </a:ext>
             </a:extLst>
           </p:cNvPr>
@@ -795,7 +801,7 @@
           <p:cNvPr id="3" name="Content Placeholder 2">
             <a:extLst>
               <a:ext uri="{FF2B5EF4-FFF2-40B4-BE49-F238E27FC236}">
-                <a16:creationId xmlns:a16="http://schemas.microsoft.com/office/drawing/2014/main" id="{C393E18F-528D-46DF-8DCA-5674757975BF}"/>
+                <a16:creationId xmlns:a16="http://schemas.microsoft.com/office/drawing/2014/main" xmlns="" id="{C393E18F-528D-46DF-8DCA-5674757975BF}"/>
               </a:ext>
             </a:extLst>
           </p:cNvPr>
@@ -853,7 +859,7 @@
           <p:cNvPr id="4" name="Date Placeholder 3">
             <a:extLst>
               <a:ext uri="{FF2B5EF4-FFF2-40B4-BE49-F238E27FC236}">
-                <a16:creationId xmlns:a16="http://schemas.microsoft.com/office/drawing/2014/main" id="{AE5FACCA-E424-4C6C-B376-B62146CE191B}"/>
+                <a16:creationId xmlns:a16="http://schemas.microsoft.com/office/drawing/2014/main" xmlns="" id="{AE5FACCA-E424-4C6C-B376-B62146CE191B}"/>
               </a:ext>
             </a:extLst>
           </p:cNvPr>
@@ -871,7 +877,7 @@
           <a:p>
             <a:fld id="{96B0AB5A-E802-48CF-A5B9-FE8704AC6519}" type="datetimeFigureOut">
               <a:rPr lang="en-CA" smtClean="0"/>
-              <a:t>15/09/2017</a:t>
+              <a:t>2017-09-19</a:t>
             </a:fld>
             <a:endParaRPr lang="en-CA"/>
           </a:p>
@@ -882,7 +888,7 @@
           <p:cNvPr id="5" name="Footer Placeholder 4">
             <a:extLst>
               <a:ext uri="{FF2B5EF4-FFF2-40B4-BE49-F238E27FC236}">
-                <a16:creationId xmlns:a16="http://schemas.microsoft.com/office/drawing/2014/main" id="{E88A8849-1252-418B-86C9-3FB1D770E4C1}"/>
+                <a16:creationId xmlns:a16="http://schemas.microsoft.com/office/drawing/2014/main" xmlns="" id="{E88A8849-1252-418B-86C9-3FB1D770E4C1}"/>
               </a:ext>
             </a:extLst>
           </p:cNvPr>
@@ -907,7 +913,7 @@
           <p:cNvPr id="6" name="Slide Number Placeholder 5">
             <a:extLst>
               <a:ext uri="{FF2B5EF4-FFF2-40B4-BE49-F238E27FC236}">
-                <a16:creationId xmlns:a16="http://schemas.microsoft.com/office/drawing/2014/main" id="{2213DBDE-BBC2-4EE9-AA49-CBE1CA9AF8E1}"/>
+                <a16:creationId xmlns:a16="http://schemas.microsoft.com/office/drawing/2014/main" xmlns="" id="{2213DBDE-BBC2-4EE9-AA49-CBE1CA9AF8E1}"/>
               </a:ext>
             </a:extLst>
           </p:cNvPr>
@@ -966,7 +972,7 @@
           <p:cNvPr id="2" name="Title 1">
             <a:extLst>
               <a:ext uri="{FF2B5EF4-FFF2-40B4-BE49-F238E27FC236}">
-                <a16:creationId xmlns:a16="http://schemas.microsoft.com/office/drawing/2014/main" id="{32D6B6B8-2C76-441A-90C7-2648223BB744}"/>
+                <a16:creationId xmlns:a16="http://schemas.microsoft.com/office/drawing/2014/main" xmlns="" id="{32D6B6B8-2C76-441A-90C7-2648223BB744}"/>
               </a:ext>
             </a:extLst>
           </p:cNvPr>
@@ -1004,7 +1010,7 @@
           <p:cNvPr id="3" name="Text Placeholder 2">
             <a:extLst>
               <a:ext uri="{FF2B5EF4-FFF2-40B4-BE49-F238E27FC236}">
-                <a16:creationId xmlns:a16="http://schemas.microsoft.com/office/drawing/2014/main" id="{B4FD13C0-2671-4F5B-BC76-3285DF8F0D0A}"/>
+                <a16:creationId xmlns:a16="http://schemas.microsoft.com/office/drawing/2014/main" xmlns="" id="{B4FD13C0-2671-4F5B-BC76-3285DF8F0D0A}"/>
               </a:ext>
             </a:extLst>
           </p:cNvPr>
@@ -1129,7 +1135,7 @@
           <p:cNvPr id="4" name="Date Placeholder 3">
             <a:extLst>
               <a:ext uri="{FF2B5EF4-FFF2-40B4-BE49-F238E27FC236}">
-                <a16:creationId xmlns:a16="http://schemas.microsoft.com/office/drawing/2014/main" id="{15FAF587-BBF7-4795-A539-160E1CBB4D0C}"/>
+                <a16:creationId xmlns:a16="http://schemas.microsoft.com/office/drawing/2014/main" xmlns="" id="{15FAF587-BBF7-4795-A539-160E1CBB4D0C}"/>
               </a:ext>
             </a:extLst>
           </p:cNvPr>
@@ -1147,7 +1153,7 @@
           <a:p>
             <a:fld id="{96B0AB5A-E802-48CF-A5B9-FE8704AC6519}" type="datetimeFigureOut">
               <a:rPr lang="en-CA" smtClean="0"/>
-              <a:t>15/09/2017</a:t>
+              <a:t>2017-09-19</a:t>
             </a:fld>
             <a:endParaRPr lang="en-CA"/>
           </a:p>
@@ -1158,7 +1164,7 @@
           <p:cNvPr id="5" name="Footer Placeholder 4">
             <a:extLst>
               <a:ext uri="{FF2B5EF4-FFF2-40B4-BE49-F238E27FC236}">
-                <a16:creationId xmlns:a16="http://schemas.microsoft.com/office/drawing/2014/main" id="{A43711F6-2BA4-43F7-ADE4-F55606E83807}"/>
+                <a16:creationId xmlns:a16="http://schemas.microsoft.com/office/drawing/2014/main" xmlns="" id="{A43711F6-2BA4-43F7-ADE4-F55606E83807}"/>
               </a:ext>
             </a:extLst>
           </p:cNvPr>
@@ -1183,7 +1189,7 @@
           <p:cNvPr id="6" name="Slide Number Placeholder 5">
             <a:extLst>
               <a:ext uri="{FF2B5EF4-FFF2-40B4-BE49-F238E27FC236}">
-                <a16:creationId xmlns:a16="http://schemas.microsoft.com/office/drawing/2014/main" id="{A0814A98-C0EE-4830-9E95-AB51A3D46328}"/>
+                <a16:creationId xmlns:a16="http://schemas.microsoft.com/office/drawing/2014/main" xmlns="" id="{A0814A98-C0EE-4830-9E95-AB51A3D46328}"/>
               </a:ext>
             </a:extLst>
           </p:cNvPr>
@@ -1242,7 +1248,7 @@
           <p:cNvPr id="2" name="Title 1">
             <a:extLst>
               <a:ext uri="{FF2B5EF4-FFF2-40B4-BE49-F238E27FC236}">
-                <a16:creationId xmlns:a16="http://schemas.microsoft.com/office/drawing/2014/main" id="{0F190E3E-504C-44BD-9375-90382E6A4B2D}"/>
+                <a16:creationId xmlns:a16="http://schemas.microsoft.com/office/drawing/2014/main" xmlns="" id="{0F190E3E-504C-44BD-9375-90382E6A4B2D}"/>
               </a:ext>
             </a:extLst>
           </p:cNvPr>
@@ -1271,7 +1277,7 @@
           <p:cNvPr id="3" name="Content Placeholder 2">
             <a:extLst>
               <a:ext uri="{FF2B5EF4-FFF2-40B4-BE49-F238E27FC236}">
-                <a16:creationId xmlns:a16="http://schemas.microsoft.com/office/drawing/2014/main" id="{F6CAE47C-1CB8-4A76-9E77-960D3E128C25}"/>
+                <a16:creationId xmlns:a16="http://schemas.microsoft.com/office/drawing/2014/main" xmlns="" id="{F6CAE47C-1CB8-4A76-9E77-960D3E128C25}"/>
               </a:ext>
             </a:extLst>
           </p:cNvPr>
@@ -1334,7 +1340,7 @@
           <p:cNvPr id="4" name="Content Placeholder 3">
             <a:extLst>
               <a:ext uri="{FF2B5EF4-FFF2-40B4-BE49-F238E27FC236}">
-                <a16:creationId xmlns:a16="http://schemas.microsoft.com/office/drawing/2014/main" id="{7020F4A4-A6BF-47E5-92FC-8201B6593F83}"/>
+                <a16:creationId xmlns:a16="http://schemas.microsoft.com/office/drawing/2014/main" xmlns="" id="{7020F4A4-A6BF-47E5-92FC-8201B6593F83}"/>
               </a:ext>
             </a:extLst>
           </p:cNvPr>
@@ -1397,7 +1403,7 @@
           <p:cNvPr id="5" name="Date Placeholder 4">
             <a:extLst>
               <a:ext uri="{FF2B5EF4-FFF2-40B4-BE49-F238E27FC236}">
-                <a16:creationId xmlns:a16="http://schemas.microsoft.com/office/drawing/2014/main" id="{1AA361B5-9AA3-4229-8D44-CEB57C12ED73}"/>
+                <a16:creationId xmlns:a16="http://schemas.microsoft.com/office/drawing/2014/main" xmlns="" id="{1AA361B5-9AA3-4229-8D44-CEB57C12ED73}"/>
               </a:ext>
             </a:extLst>
           </p:cNvPr>
@@ -1415,7 +1421,7 @@
           <a:p>
             <a:fld id="{96B0AB5A-E802-48CF-A5B9-FE8704AC6519}" type="datetimeFigureOut">
               <a:rPr lang="en-CA" smtClean="0"/>
-              <a:t>15/09/2017</a:t>
+              <a:t>2017-09-19</a:t>
             </a:fld>
             <a:endParaRPr lang="en-CA"/>
           </a:p>
@@ -1426,7 +1432,7 @@
           <p:cNvPr id="6" name="Footer Placeholder 5">
             <a:extLst>
               <a:ext uri="{FF2B5EF4-FFF2-40B4-BE49-F238E27FC236}">
-                <a16:creationId xmlns:a16="http://schemas.microsoft.com/office/drawing/2014/main" id="{8AAA7D8C-2AFC-4C12-92A2-9D98EF3FC76A}"/>
+                <a16:creationId xmlns:a16="http://schemas.microsoft.com/office/drawing/2014/main" xmlns="" id="{8AAA7D8C-2AFC-4C12-92A2-9D98EF3FC76A}"/>
               </a:ext>
             </a:extLst>
           </p:cNvPr>
@@ -1451,7 +1457,7 @@
           <p:cNvPr id="7" name="Slide Number Placeholder 6">
             <a:extLst>
               <a:ext uri="{FF2B5EF4-FFF2-40B4-BE49-F238E27FC236}">
-                <a16:creationId xmlns:a16="http://schemas.microsoft.com/office/drawing/2014/main" id="{33FD714B-B89C-43C1-A417-A6A05C50FDD6}"/>
+                <a16:creationId xmlns:a16="http://schemas.microsoft.com/office/drawing/2014/main" xmlns="" id="{33FD714B-B89C-43C1-A417-A6A05C50FDD6}"/>
               </a:ext>
             </a:extLst>
           </p:cNvPr>
@@ -1510,7 +1516,7 @@
           <p:cNvPr id="2" name="Title 1">
             <a:extLst>
               <a:ext uri="{FF2B5EF4-FFF2-40B4-BE49-F238E27FC236}">
-                <a16:creationId xmlns:a16="http://schemas.microsoft.com/office/drawing/2014/main" id="{B0D13C32-3583-406D-BB55-24C24E430751}"/>
+                <a16:creationId xmlns:a16="http://schemas.microsoft.com/office/drawing/2014/main" xmlns="" id="{B0D13C32-3583-406D-BB55-24C24E430751}"/>
               </a:ext>
             </a:extLst>
           </p:cNvPr>
@@ -1544,7 +1550,7 @@
           <p:cNvPr id="3" name="Text Placeholder 2">
             <a:extLst>
               <a:ext uri="{FF2B5EF4-FFF2-40B4-BE49-F238E27FC236}">
-                <a16:creationId xmlns:a16="http://schemas.microsoft.com/office/drawing/2014/main" id="{B918888A-2B6D-46A5-AE6E-A1FF449737AB}"/>
+                <a16:creationId xmlns:a16="http://schemas.microsoft.com/office/drawing/2014/main" xmlns="" id="{B918888A-2B6D-46A5-AE6E-A1FF449737AB}"/>
               </a:ext>
             </a:extLst>
           </p:cNvPr>
@@ -1615,7 +1621,7 @@
           <p:cNvPr id="4" name="Content Placeholder 3">
             <a:extLst>
               <a:ext uri="{FF2B5EF4-FFF2-40B4-BE49-F238E27FC236}">
-                <a16:creationId xmlns:a16="http://schemas.microsoft.com/office/drawing/2014/main" id="{8376B253-61D6-4CF9-B63B-20481633C4B7}"/>
+                <a16:creationId xmlns:a16="http://schemas.microsoft.com/office/drawing/2014/main" xmlns="" id="{8376B253-61D6-4CF9-B63B-20481633C4B7}"/>
               </a:ext>
             </a:extLst>
           </p:cNvPr>
@@ -1678,7 +1684,7 @@
           <p:cNvPr id="5" name="Text Placeholder 4">
             <a:extLst>
               <a:ext uri="{FF2B5EF4-FFF2-40B4-BE49-F238E27FC236}">
-                <a16:creationId xmlns:a16="http://schemas.microsoft.com/office/drawing/2014/main" id="{382753D1-7E4F-4976-AE02-B8CA399556CE}"/>
+                <a16:creationId xmlns:a16="http://schemas.microsoft.com/office/drawing/2014/main" xmlns="" id="{382753D1-7E4F-4976-AE02-B8CA399556CE}"/>
               </a:ext>
             </a:extLst>
           </p:cNvPr>
@@ -1749,7 +1755,7 @@
           <p:cNvPr id="6" name="Content Placeholder 5">
             <a:extLst>
               <a:ext uri="{FF2B5EF4-FFF2-40B4-BE49-F238E27FC236}">
-                <a16:creationId xmlns:a16="http://schemas.microsoft.com/office/drawing/2014/main" id="{4C468A93-F5B5-49E9-B836-9872129CC484}"/>
+                <a16:creationId xmlns:a16="http://schemas.microsoft.com/office/drawing/2014/main" xmlns="" id="{4C468A93-F5B5-49E9-B836-9872129CC484}"/>
               </a:ext>
             </a:extLst>
           </p:cNvPr>
@@ -1812,7 +1818,7 @@
           <p:cNvPr id="7" name="Date Placeholder 6">
             <a:extLst>
               <a:ext uri="{FF2B5EF4-FFF2-40B4-BE49-F238E27FC236}">
-                <a16:creationId xmlns:a16="http://schemas.microsoft.com/office/drawing/2014/main" id="{695DD8CB-5889-49EA-9BAD-528818612ABE}"/>
+                <a16:creationId xmlns:a16="http://schemas.microsoft.com/office/drawing/2014/main" xmlns="" id="{695DD8CB-5889-49EA-9BAD-528818612ABE}"/>
               </a:ext>
             </a:extLst>
           </p:cNvPr>
@@ -1830,7 +1836,7 @@
           <a:p>
             <a:fld id="{96B0AB5A-E802-48CF-A5B9-FE8704AC6519}" type="datetimeFigureOut">
               <a:rPr lang="en-CA" smtClean="0"/>
-              <a:t>15/09/2017</a:t>
+              <a:t>2017-09-19</a:t>
             </a:fld>
             <a:endParaRPr lang="en-CA"/>
           </a:p>
@@ -1841,7 +1847,7 @@
           <p:cNvPr id="8" name="Footer Placeholder 7">
             <a:extLst>
               <a:ext uri="{FF2B5EF4-FFF2-40B4-BE49-F238E27FC236}">
-                <a16:creationId xmlns:a16="http://schemas.microsoft.com/office/drawing/2014/main" id="{8501B846-1316-4807-8A54-DA3AC47AD72F}"/>
+                <a16:creationId xmlns:a16="http://schemas.microsoft.com/office/drawing/2014/main" xmlns="" id="{8501B846-1316-4807-8A54-DA3AC47AD72F}"/>
               </a:ext>
             </a:extLst>
           </p:cNvPr>
@@ -1866,7 +1872,7 @@
           <p:cNvPr id="9" name="Slide Number Placeholder 8">
             <a:extLst>
               <a:ext uri="{FF2B5EF4-FFF2-40B4-BE49-F238E27FC236}">
-                <a16:creationId xmlns:a16="http://schemas.microsoft.com/office/drawing/2014/main" id="{689B354F-D580-4F3A-AB73-5BC965F2B569}"/>
+                <a16:creationId xmlns:a16="http://schemas.microsoft.com/office/drawing/2014/main" xmlns="" id="{689B354F-D580-4F3A-AB73-5BC965F2B569}"/>
               </a:ext>
             </a:extLst>
           </p:cNvPr>
@@ -1925,7 +1931,7 @@
           <p:cNvPr id="2" name="Title 1">
             <a:extLst>
               <a:ext uri="{FF2B5EF4-FFF2-40B4-BE49-F238E27FC236}">
-                <a16:creationId xmlns:a16="http://schemas.microsoft.com/office/drawing/2014/main" id="{79DDE365-D52A-428F-AB9F-8CF9AC3D43A2}"/>
+                <a16:creationId xmlns:a16="http://schemas.microsoft.com/office/drawing/2014/main" xmlns="" id="{79DDE365-D52A-428F-AB9F-8CF9AC3D43A2}"/>
               </a:ext>
             </a:extLst>
           </p:cNvPr>
@@ -1954,7 +1960,7 @@
           <p:cNvPr id="3" name="Date Placeholder 2">
             <a:extLst>
               <a:ext uri="{FF2B5EF4-FFF2-40B4-BE49-F238E27FC236}">
-                <a16:creationId xmlns:a16="http://schemas.microsoft.com/office/drawing/2014/main" id="{1B902405-9BC8-4DCF-89BD-1C3021158836}"/>
+                <a16:creationId xmlns:a16="http://schemas.microsoft.com/office/drawing/2014/main" xmlns="" id="{1B902405-9BC8-4DCF-89BD-1C3021158836}"/>
               </a:ext>
             </a:extLst>
           </p:cNvPr>
@@ -1972,7 +1978,7 @@
           <a:p>
             <a:fld id="{96B0AB5A-E802-48CF-A5B9-FE8704AC6519}" type="datetimeFigureOut">
               <a:rPr lang="en-CA" smtClean="0"/>
-              <a:t>15/09/2017</a:t>
+              <a:t>2017-09-19</a:t>
             </a:fld>
             <a:endParaRPr lang="en-CA"/>
           </a:p>
@@ -1983,7 +1989,7 @@
           <p:cNvPr id="4" name="Footer Placeholder 3">
             <a:extLst>
               <a:ext uri="{FF2B5EF4-FFF2-40B4-BE49-F238E27FC236}">
-                <a16:creationId xmlns:a16="http://schemas.microsoft.com/office/drawing/2014/main" id="{5741E3B3-AB1D-4FEA-A844-6DD4E7C45709}"/>
+                <a16:creationId xmlns:a16="http://schemas.microsoft.com/office/drawing/2014/main" xmlns="" id="{5741E3B3-AB1D-4FEA-A844-6DD4E7C45709}"/>
               </a:ext>
             </a:extLst>
           </p:cNvPr>
@@ -2008,7 +2014,7 @@
           <p:cNvPr id="5" name="Slide Number Placeholder 4">
             <a:extLst>
               <a:ext uri="{FF2B5EF4-FFF2-40B4-BE49-F238E27FC236}">
-                <a16:creationId xmlns:a16="http://schemas.microsoft.com/office/drawing/2014/main" id="{449737C3-89A9-4077-A0AE-16155EBF7C96}"/>
+                <a16:creationId xmlns:a16="http://schemas.microsoft.com/office/drawing/2014/main" xmlns="" id="{449737C3-89A9-4077-A0AE-16155EBF7C96}"/>
               </a:ext>
             </a:extLst>
           </p:cNvPr>
@@ -2067,7 +2073,7 @@
           <p:cNvPr id="2" name="Date Placeholder 1">
             <a:extLst>
               <a:ext uri="{FF2B5EF4-FFF2-40B4-BE49-F238E27FC236}">
-                <a16:creationId xmlns:a16="http://schemas.microsoft.com/office/drawing/2014/main" id="{67E2FC56-905E-4427-BB9F-0599D987CF0A}"/>
+                <a16:creationId xmlns:a16="http://schemas.microsoft.com/office/drawing/2014/main" xmlns="" id="{67E2FC56-905E-4427-BB9F-0599D987CF0A}"/>
               </a:ext>
             </a:extLst>
           </p:cNvPr>
@@ -2085,7 +2091,7 @@
           <a:p>
             <a:fld id="{96B0AB5A-E802-48CF-A5B9-FE8704AC6519}" type="datetimeFigureOut">
               <a:rPr lang="en-CA" smtClean="0"/>
-              <a:t>15/09/2017</a:t>
+              <a:t>2017-09-19</a:t>
             </a:fld>
             <a:endParaRPr lang="en-CA"/>
           </a:p>
@@ -2096,7 +2102,7 @@
           <p:cNvPr id="3" name="Footer Placeholder 2">
             <a:extLst>
               <a:ext uri="{FF2B5EF4-FFF2-40B4-BE49-F238E27FC236}">
-                <a16:creationId xmlns:a16="http://schemas.microsoft.com/office/drawing/2014/main" id="{487C4D51-B9C6-4DF9-B99D-02567E8C682D}"/>
+                <a16:creationId xmlns:a16="http://schemas.microsoft.com/office/drawing/2014/main" xmlns="" id="{487C4D51-B9C6-4DF9-B99D-02567E8C682D}"/>
               </a:ext>
             </a:extLst>
           </p:cNvPr>
@@ -2121,7 +2127,7 @@
           <p:cNvPr id="4" name="Slide Number Placeholder 3">
             <a:extLst>
               <a:ext uri="{FF2B5EF4-FFF2-40B4-BE49-F238E27FC236}">
-                <a16:creationId xmlns:a16="http://schemas.microsoft.com/office/drawing/2014/main" id="{0190AAD4-0860-4BD5-8057-18876B454949}"/>
+                <a16:creationId xmlns:a16="http://schemas.microsoft.com/office/drawing/2014/main" xmlns="" id="{0190AAD4-0860-4BD5-8057-18876B454949}"/>
               </a:ext>
             </a:extLst>
           </p:cNvPr>
@@ -2180,7 +2186,7 @@
           <p:cNvPr id="2" name="Title 1">
             <a:extLst>
               <a:ext uri="{FF2B5EF4-FFF2-40B4-BE49-F238E27FC236}">
-                <a16:creationId xmlns:a16="http://schemas.microsoft.com/office/drawing/2014/main" id="{38D0AC77-2DD6-4F80-AED8-5F2DEAFE47A5}"/>
+                <a16:creationId xmlns:a16="http://schemas.microsoft.com/office/drawing/2014/main" xmlns="" id="{38D0AC77-2DD6-4F80-AED8-5F2DEAFE47A5}"/>
               </a:ext>
             </a:extLst>
           </p:cNvPr>
@@ -2218,7 +2224,7 @@
           <p:cNvPr id="3" name="Content Placeholder 2">
             <a:extLst>
               <a:ext uri="{FF2B5EF4-FFF2-40B4-BE49-F238E27FC236}">
-                <a16:creationId xmlns:a16="http://schemas.microsoft.com/office/drawing/2014/main" id="{8A50F9F6-EF62-405A-BD73-A4D257EA25C1}"/>
+                <a16:creationId xmlns:a16="http://schemas.microsoft.com/office/drawing/2014/main" xmlns="" id="{8A50F9F6-EF62-405A-BD73-A4D257EA25C1}"/>
               </a:ext>
             </a:extLst>
           </p:cNvPr>
@@ -2309,7 +2315,7 @@
           <p:cNvPr id="4" name="Text Placeholder 3">
             <a:extLst>
               <a:ext uri="{FF2B5EF4-FFF2-40B4-BE49-F238E27FC236}">
-                <a16:creationId xmlns:a16="http://schemas.microsoft.com/office/drawing/2014/main" id="{C2D29C1A-CCB3-4892-8341-4E47EA725C2E}"/>
+                <a16:creationId xmlns:a16="http://schemas.microsoft.com/office/drawing/2014/main" xmlns="" id="{C2D29C1A-CCB3-4892-8341-4E47EA725C2E}"/>
               </a:ext>
             </a:extLst>
           </p:cNvPr>
@@ -2380,7 +2386,7 @@
           <p:cNvPr id="5" name="Date Placeholder 4">
             <a:extLst>
               <a:ext uri="{FF2B5EF4-FFF2-40B4-BE49-F238E27FC236}">
-                <a16:creationId xmlns:a16="http://schemas.microsoft.com/office/drawing/2014/main" id="{4A49B093-3DB2-42E5-90E6-7961FD1DEF69}"/>
+                <a16:creationId xmlns:a16="http://schemas.microsoft.com/office/drawing/2014/main" xmlns="" id="{4A49B093-3DB2-42E5-90E6-7961FD1DEF69}"/>
               </a:ext>
             </a:extLst>
           </p:cNvPr>
@@ -2398,7 +2404,7 @@
           <a:p>
             <a:fld id="{96B0AB5A-E802-48CF-A5B9-FE8704AC6519}" type="datetimeFigureOut">
               <a:rPr lang="en-CA" smtClean="0"/>
-              <a:t>15/09/2017</a:t>
+              <a:t>2017-09-19</a:t>
             </a:fld>
             <a:endParaRPr lang="en-CA"/>
           </a:p>
@@ -2409,7 +2415,7 @@
           <p:cNvPr id="6" name="Footer Placeholder 5">
             <a:extLst>
               <a:ext uri="{FF2B5EF4-FFF2-40B4-BE49-F238E27FC236}">
-                <a16:creationId xmlns:a16="http://schemas.microsoft.com/office/drawing/2014/main" id="{DF18E932-8D4E-4B86-ADE7-DAF5963F6D69}"/>
+                <a16:creationId xmlns:a16="http://schemas.microsoft.com/office/drawing/2014/main" xmlns="" id="{DF18E932-8D4E-4B86-ADE7-DAF5963F6D69}"/>
               </a:ext>
             </a:extLst>
           </p:cNvPr>
@@ -2434,7 +2440,7 @@
           <p:cNvPr id="7" name="Slide Number Placeholder 6">
             <a:extLst>
               <a:ext uri="{FF2B5EF4-FFF2-40B4-BE49-F238E27FC236}">
-                <a16:creationId xmlns:a16="http://schemas.microsoft.com/office/drawing/2014/main" id="{2A6BCD62-2E53-46BB-8674-8A6BC93614B3}"/>
+                <a16:creationId xmlns:a16="http://schemas.microsoft.com/office/drawing/2014/main" xmlns="" id="{2A6BCD62-2E53-46BB-8674-8A6BC93614B3}"/>
               </a:ext>
             </a:extLst>
           </p:cNvPr>
@@ -2493,7 +2499,7 @@
           <p:cNvPr id="2" name="Title 1">
             <a:extLst>
               <a:ext uri="{FF2B5EF4-FFF2-40B4-BE49-F238E27FC236}">
-                <a16:creationId xmlns:a16="http://schemas.microsoft.com/office/drawing/2014/main" id="{BE66942B-4AEE-47BA-A130-8FE3D07A2517}"/>
+                <a16:creationId xmlns:a16="http://schemas.microsoft.com/office/drawing/2014/main" xmlns="" id="{BE66942B-4AEE-47BA-A130-8FE3D07A2517}"/>
               </a:ext>
             </a:extLst>
           </p:cNvPr>
@@ -2531,7 +2537,7 @@
           <p:cNvPr id="3" name="Picture Placeholder 2">
             <a:extLst>
               <a:ext uri="{FF2B5EF4-FFF2-40B4-BE49-F238E27FC236}">
-                <a16:creationId xmlns:a16="http://schemas.microsoft.com/office/drawing/2014/main" id="{A24C110B-5666-4CAC-9935-17BA900407EB}"/>
+                <a16:creationId xmlns:a16="http://schemas.microsoft.com/office/drawing/2014/main" xmlns="" id="{A24C110B-5666-4CAC-9935-17BA900407EB}"/>
               </a:ext>
             </a:extLst>
           </p:cNvPr>
@@ -2598,7 +2604,7 @@
           <p:cNvPr id="4" name="Text Placeholder 3">
             <a:extLst>
               <a:ext uri="{FF2B5EF4-FFF2-40B4-BE49-F238E27FC236}">
-                <a16:creationId xmlns:a16="http://schemas.microsoft.com/office/drawing/2014/main" id="{1A5EEBFA-7C3F-40BC-A736-89E2871AB916}"/>
+                <a16:creationId xmlns:a16="http://schemas.microsoft.com/office/drawing/2014/main" xmlns="" id="{1A5EEBFA-7C3F-40BC-A736-89E2871AB916}"/>
               </a:ext>
             </a:extLst>
           </p:cNvPr>
@@ -2669,7 +2675,7 @@
           <p:cNvPr id="5" name="Date Placeholder 4">
             <a:extLst>
               <a:ext uri="{FF2B5EF4-FFF2-40B4-BE49-F238E27FC236}">
-                <a16:creationId xmlns:a16="http://schemas.microsoft.com/office/drawing/2014/main" id="{0F9791BC-52F7-4098-BD77-EB52CAD311D7}"/>
+                <a16:creationId xmlns:a16="http://schemas.microsoft.com/office/drawing/2014/main" xmlns="" id="{0F9791BC-52F7-4098-BD77-EB52CAD311D7}"/>
               </a:ext>
             </a:extLst>
           </p:cNvPr>
@@ -2687,7 +2693,7 @@
           <a:p>
             <a:fld id="{96B0AB5A-E802-48CF-A5B9-FE8704AC6519}" type="datetimeFigureOut">
               <a:rPr lang="en-CA" smtClean="0"/>
-              <a:t>15/09/2017</a:t>
+              <a:t>2017-09-19</a:t>
             </a:fld>
             <a:endParaRPr lang="en-CA"/>
           </a:p>
@@ -2698,7 +2704,7 @@
           <p:cNvPr id="6" name="Footer Placeholder 5">
             <a:extLst>
               <a:ext uri="{FF2B5EF4-FFF2-40B4-BE49-F238E27FC236}">
-                <a16:creationId xmlns:a16="http://schemas.microsoft.com/office/drawing/2014/main" id="{E2F409E7-1C98-4E39-B7A6-5F89DA98469F}"/>
+                <a16:creationId xmlns:a16="http://schemas.microsoft.com/office/drawing/2014/main" xmlns="" id="{E2F409E7-1C98-4E39-B7A6-5F89DA98469F}"/>
               </a:ext>
             </a:extLst>
           </p:cNvPr>
@@ -2723,7 +2729,7 @@
           <p:cNvPr id="7" name="Slide Number Placeholder 6">
             <a:extLst>
               <a:ext uri="{FF2B5EF4-FFF2-40B4-BE49-F238E27FC236}">
-                <a16:creationId xmlns:a16="http://schemas.microsoft.com/office/drawing/2014/main" id="{BDC7D36C-18CF-4995-B3BF-440113BC7738}"/>
+                <a16:creationId xmlns:a16="http://schemas.microsoft.com/office/drawing/2014/main" xmlns="" id="{BDC7D36C-18CF-4995-B3BF-440113BC7738}"/>
               </a:ext>
             </a:extLst>
           </p:cNvPr>
@@ -2787,7 +2793,7 @@
           <p:cNvPr id="2" name="Title Placeholder 1">
             <a:extLst>
               <a:ext uri="{FF2B5EF4-FFF2-40B4-BE49-F238E27FC236}">
-                <a16:creationId xmlns:a16="http://schemas.microsoft.com/office/drawing/2014/main" id="{E5B4AD75-DD9C-4FBC-861B-1923DAD4C653}"/>
+                <a16:creationId xmlns:a16="http://schemas.microsoft.com/office/drawing/2014/main" xmlns="" id="{E5B4AD75-DD9C-4FBC-861B-1923DAD4C653}"/>
               </a:ext>
             </a:extLst>
           </p:cNvPr>
@@ -2826,7 +2832,7 @@
           <p:cNvPr id="3" name="Text Placeholder 2">
             <a:extLst>
               <a:ext uri="{FF2B5EF4-FFF2-40B4-BE49-F238E27FC236}">
-                <a16:creationId xmlns:a16="http://schemas.microsoft.com/office/drawing/2014/main" id="{4D568E8A-8FC5-429A-BBC2-86B33A87A88A}"/>
+                <a16:creationId xmlns:a16="http://schemas.microsoft.com/office/drawing/2014/main" xmlns="" id="{4D568E8A-8FC5-429A-BBC2-86B33A87A88A}"/>
               </a:ext>
             </a:extLst>
           </p:cNvPr>
@@ -2894,7 +2900,7 @@
           <p:cNvPr id="4" name="Date Placeholder 3">
             <a:extLst>
               <a:ext uri="{FF2B5EF4-FFF2-40B4-BE49-F238E27FC236}">
-                <a16:creationId xmlns:a16="http://schemas.microsoft.com/office/drawing/2014/main" id="{29A9B9B8-7E0D-4EC3-A0F8-0CFBC57A3D7E}"/>
+                <a16:creationId xmlns:a16="http://schemas.microsoft.com/office/drawing/2014/main" xmlns="" id="{29A9B9B8-7E0D-4EC3-A0F8-0CFBC57A3D7E}"/>
               </a:ext>
             </a:extLst>
           </p:cNvPr>
@@ -2930,7 +2936,7 @@
           <a:p>
             <a:fld id="{96B0AB5A-E802-48CF-A5B9-FE8704AC6519}" type="datetimeFigureOut">
               <a:rPr lang="en-CA" smtClean="0"/>
-              <a:t>15/09/2017</a:t>
+              <a:t>2017-09-19</a:t>
             </a:fld>
             <a:endParaRPr lang="en-CA"/>
           </a:p>
@@ -2941,7 +2947,7 @@
           <p:cNvPr id="5" name="Footer Placeholder 4">
             <a:extLst>
               <a:ext uri="{FF2B5EF4-FFF2-40B4-BE49-F238E27FC236}">
-                <a16:creationId xmlns:a16="http://schemas.microsoft.com/office/drawing/2014/main" id="{5701BCBF-10E5-4F5A-AFDC-06F55B5CAA8F}"/>
+                <a16:creationId xmlns:a16="http://schemas.microsoft.com/office/drawing/2014/main" xmlns="" id="{5701BCBF-10E5-4F5A-AFDC-06F55B5CAA8F}"/>
               </a:ext>
             </a:extLst>
           </p:cNvPr>
@@ -2984,7 +2990,7 @@
           <p:cNvPr id="6" name="Slide Number Placeholder 5">
             <a:extLst>
               <a:ext uri="{FF2B5EF4-FFF2-40B4-BE49-F238E27FC236}">
-                <a16:creationId xmlns:a16="http://schemas.microsoft.com/office/drawing/2014/main" id="{68C4BCD5-C523-4222-8576-785E1DE19235}"/>
+                <a16:creationId xmlns:a16="http://schemas.microsoft.com/office/drawing/2014/main" xmlns="" id="{68C4BCD5-C523-4222-8576-785E1DE19235}"/>
               </a:ext>
             </a:extLst>
           </p:cNvPr>
@@ -3352,7 +3358,7 @@
           <p:cNvPr id="2" name="Title 1">
             <a:extLst>
               <a:ext uri="{FF2B5EF4-FFF2-40B4-BE49-F238E27FC236}">
-                <a16:creationId xmlns:a16="http://schemas.microsoft.com/office/drawing/2014/main" id="{FA47EB2B-4331-4E3D-9575-372974FA84E1}"/>
+                <a16:creationId xmlns:a16="http://schemas.microsoft.com/office/drawing/2014/main" xmlns="" id="{FA47EB2B-4331-4E3D-9575-372974FA84E1}"/>
               </a:ext>
             </a:extLst>
           </p:cNvPr>
@@ -3377,7 +3383,7 @@
           <p:cNvPr id="3" name="Subtitle 2">
             <a:extLst>
               <a:ext uri="{FF2B5EF4-FFF2-40B4-BE49-F238E27FC236}">
-                <a16:creationId xmlns:a16="http://schemas.microsoft.com/office/drawing/2014/main" id="{A4D09F98-919E-4EAE-8FE4-8DF28106A8A4}"/>
+                <a16:creationId xmlns:a16="http://schemas.microsoft.com/office/drawing/2014/main" xmlns="" id="{A4D09F98-919E-4EAE-8FE4-8DF28106A8A4}"/>
               </a:ext>
             </a:extLst>
           </p:cNvPr>
@@ -3432,7 +3438,7 @@
           <p:cNvPr id="2" name="Title 1">
             <a:extLst>
               <a:ext uri="{FF2B5EF4-FFF2-40B4-BE49-F238E27FC236}">
-                <a16:creationId xmlns:a16="http://schemas.microsoft.com/office/drawing/2014/main" id="{C0DC2B9B-FCB5-4621-ABB4-77B660602A25}"/>
+                <a16:creationId xmlns:a16="http://schemas.microsoft.com/office/drawing/2014/main" xmlns="" id="{C0DC2B9B-FCB5-4621-ABB4-77B660602A25}"/>
               </a:ext>
             </a:extLst>
           </p:cNvPr>
@@ -3450,8 +3456,17 @@
           <a:p>
             <a:r>
               <a:rPr lang="en-CA" dirty="0"/>
-              <a:t>% of rejecting offers</a:t>
-            </a:r>
+              <a:t>% of </a:t>
+            </a:r>
+            <a:r>
+              <a:rPr lang="en-CA" dirty="0" smtClean="0"/>
+              <a:t>rejecting </a:t>
+            </a:r>
+            <a:r>
+              <a:rPr lang="en-CA" dirty="0" smtClean="0"/>
+              <a:t>offers in all participants</a:t>
+            </a:r>
+            <a:endParaRPr lang="en-CA" dirty="0"/>
           </a:p>
         </p:txBody>
       </p:sp>
@@ -3460,7 +3475,7 @@
           <p:cNvPr id="4" name="Content Placeholder 3" descr="C:\Users\ke\Desktop\Figure_1.png">
             <a:extLst>
               <a:ext uri="{FF2B5EF4-FFF2-40B4-BE49-F238E27FC236}">
-                <a16:creationId xmlns:a16="http://schemas.microsoft.com/office/drawing/2014/main" id="{4D21BC85-7DF2-4CAA-BD03-EE4871E463F2}"/>
+                <a16:creationId xmlns:a16="http://schemas.microsoft.com/office/drawing/2014/main" xmlns="" id="{4D21BC85-7DF2-4CAA-BD03-EE4871E463F2}"/>
               </a:ext>
             </a:extLst>
           </p:cNvPr>
@@ -3487,7 +3502,7 @@
         <p:spPr bwMode="auto">
           <a:xfrm>
             <a:off x="1060577" y="1403594"/>
-            <a:ext cx="2854931" cy="2746375"/>
+            <a:ext cx="2891663" cy="3259846"/>
           </a:xfrm>
           <a:prstGeom prst="rect">
             <a:avLst/>
@@ -3498,12 +3513,90 @@
           </a:ln>
         </p:spPr>
       </p:pic>
+      <p:sp>
+        <p:nvSpPr>
+          <p:cNvPr id="6" name="TextBox 5">
+            <a:extLst>
+              <a:ext uri="{FF2B5EF4-FFF2-40B4-BE49-F238E27FC236}">
+                <a16:creationId xmlns:a16="http://schemas.microsoft.com/office/drawing/2014/main" xmlns="" id="{FF07B87F-C8DD-4F75-AF75-8EE671EF4690}"/>
+              </a:ext>
+            </a:extLst>
+          </p:cNvPr>
+          <p:cNvSpPr txBox="1"/>
+          <p:nvPr/>
+        </p:nvSpPr>
+        <p:spPr>
+          <a:xfrm>
+            <a:off x="3868819" y="3338362"/>
+            <a:ext cx="7175101" cy="1200329"/>
+          </a:xfrm>
+          <a:prstGeom prst="rect">
+            <a:avLst/>
+          </a:prstGeom>
+          <a:noFill/>
+        </p:spPr>
+        <p:txBody>
+          <a:bodyPr wrap="square" rtlCol="0">
+            <a:spAutoFit/>
+          </a:bodyPr>
+          <a:lstStyle/>
+          <a:p>
+            <a:pPr marL="285750" indent="-285750">
+              <a:buFont typeface="Arial" charset="0"/>
+              <a:buChar char="•"/>
+            </a:pPr>
+            <a:r>
+              <a:rPr lang="en-CA" dirty="0" smtClean="0"/>
+              <a:t> proportion of accepting faired/</a:t>
+            </a:r>
+            <a:r>
+              <a:rPr lang="en-CA" dirty="0" err="1" smtClean="0"/>
+              <a:t>unfaired</a:t>
+            </a:r>
+            <a:r>
+              <a:rPr lang="en-CA" dirty="0" smtClean="0"/>
+              <a:t> offers is significantly different from the proportion of rejecting faired/</a:t>
+            </a:r>
+            <a:r>
+              <a:rPr lang="en-CA" dirty="0" err="1" smtClean="0"/>
+              <a:t>unfaired</a:t>
+            </a:r>
+            <a:r>
+              <a:rPr lang="en-CA" dirty="0" smtClean="0"/>
+              <a:t> offers, p=0.</a:t>
+            </a:r>
+          </a:p>
+          <a:p>
+            <a:pPr marL="285750" indent="-285750">
+              <a:buFont typeface="Arial" charset="0"/>
+              <a:buChar char="•"/>
+            </a:pPr>
+            <a:r>
+              <a:rPr lang="en-CA" dirty="0" smtClean="0"/>
+              <a:t>Proportion of rejecting faired offers is significantl</a:t>
+            </a:r>
+            <a:r>
+              <a:rPr lang="en-CA" dirty="0" smtClean="0"/>
+              <a:t>y different from rejecting </a:t>
+            </a:r>
+            <a:r>
+              <a:rPr lang="en-CA" dirty="0" err="1" smtClean="0"/>
+              <a:t>unfaired</a:t>
+            </a:r>
+            <a:r>
+              <a:rPr lang="en-CA" dirty="0" smtClean="0"/>
+              <a:t> offers, p=0.</a:t>
+            </a:r>
+            <a:endParaRPr lang="en-CA" dirty="0"/>
+          </a:p>
+        </p:txBody>
+      </p:sp>
       <p:graphicFrame>
         <p:nvGraphicFramePr>
           <p:cNvPr id="5" name="Table 4">
             <a:extLst>
               <a:ext uri="{FF2B5EF4-FFF2-40B4-BE49-F238E27FC236}">
-                <a16:creationId xmlns:a16="http://schemas.microsoft.com/office/drawing/2014/main" id="{7229B7B9-B18A-4703-9B4E-3C8CBCE0D5D8}"/>
+                <a16:creationId xmlns:a16="http://schemas.microsoft.com/office/drawing/2014/main" xmlns="" id="{7229B7B9-B18A-4703-9B4E-3C8CBCE0D5D8}"/>
               </a:ext>
             </a:extLst>
           </p:cNvPr>
@@ -3513,7 +3606,7 @@
           <p:nvPr>
             <p:extLst>
               <p:ext uri="{D42A27DB-BD31-4B8C-83A1-F6EECF244321}">
-                <p14:modId xmlns:p14="http://schemas.microsoft.com/office/powerpoint/2010/main" val="3289460185"/>
+                <p14:modId xmlns:p14="http://schemas.microsoft.com/office/powerpoint/2010/main" val="754223875"/>
               </p:ext>
             </p:extLst>
           </p:nvPr>
@@ -3525,26 +3618,28 @@
         <a:graphic>
           <a:graphicData uri="http://schemas.openxmlformats.org/drawingml/2006/table">
             <a:tbl>
-              <a:tblPr/>
+              <a:tblPr>
+                <a:tableStyleId>{5C22544A-7EE6-4342-B048-85BDC9FD1C3A}</a:tableStyleId>
+              </a:tblPr>
               <a:tblGrid>
                 <a:gridCol w="983916">
                   <a:extLst>
                     <a:ext uri="{9D8B030D-6E8A-4147-A177-3AD203B41FA5}">
-                      <a16:colId xmlns:a16="http://schemas.microsoft.com/office/drawing/2014/main" val="3735259432"/>
+                      <a16:colId xmlns:a16="http://schemas.microsoft.com/office/drawing/2014/main" xmlns="" val="3735259432"/>
                     </a:ext>
                   </a:extLst>
                 </a:gridCol>
                 <a:gridCol w="983916">
                   <a:extLst>
                     <a:ext uri="{9D8B030D-6E8A-4147-A177-3AD203B41FA5}">
-                      <a16:colId xmlns:a16="http://schemas.microsoft.com/office/drawing/2014/main" val="1134382208"/>
+                      <a16:colId xmlns:a16="http://schemas.microsoft.com/office/drawing/2014/main" xmlns="" val="1134382208"/>
                     </a:ext>
                   </a:extLst>
                 </a:gridCol>
                 <a:gridCol w="983916">
                   <a:extLst>
                     <a:ext uri="{9D8B030D-6E8A-4147-A177-3AD203B41FA5}">
-                      <a16:colId xmlns:a16="http://schemas.microsoft.com/office/drawing/2014/main" val="1257578719"/>
+                      <a16:colId xmlns:a16="http://schemas.microsoft.com/office/drawing/2014/main" xmlns="" val="1257578719"/>
                     </a:ext>
                   </a:extLst>
                 </a:gridCol>
@@ -3557,31 +3652,21 @@
                     <a:p>
                       <a:pPr algn="l" fontAlgn="b"/>
                       <a:r>
-                        <a:rPr lang="en-CA" sz="1100" b="0" i="0" u="none" strike="noStrike" dirty="0">
-                          <a:solidFill>
-                            <a:srgbClr val="000000"/>
-                          </a:solidFill>
+                        <a:rPr lang="en-CA" sz="1100" u="none" strike="noStrike" dirty="0">
                           <a:effectLst/>
-                          <a:latin typeface="Calibri" panose="020F0502020204030204" pitchFamily="34" charset="0"/>
                         </a:rPr>
                         <a:t>fairness</a:t>
                       </a:r>
+                      <a:endParaRPr lang="en-CA" sz="1100" b="0" i="0" u="none" strike="noStrike" dirty="0">
+                        <a:solidFill>
+                          <a:srgbClr val="000000"/>
+                        </a:solidFill>
+                        <a:effectLst/>
+                        <a:latin typeface="Calibri" panose="020F0502020204030204" pitchFamily="34" charset="0"/>
+                      </a:endParaRPr>
                     </a:p>
                   </a:txBody>
-                  <a:tcPr marL="9525" marR="9525" marT="9525" marB="0" anchor="b">
-                    <a:lnL>
-                      <a:noFill/>
-                    </a:lnL>
-                    <a:lnR>
-                      <a:noFill/>
-                    </a:lnR>
-                    <a:lnT>
-                      <a:noFill/>
-                    </a:lnT>
-                    <a:lnB>
-                      <a:noFill/>
-                    </a:lnB>
-                  </a:tcPr>
+                  <a:tcPr marL="9525" marR="9525" marT="9525" marB="0" anchor="b"/>
                 </a:tc>
                 <a:tc>
                   <a:txBody>
@@ -3590,31 +3675,21 @@
                     <a:p>
                       <a:pPr algn="l" fontAlgn="b"/>
                       <a:r>
-                        <a:rPr lang="en-CA" sz="1100" b="0" i="0" u="none" strike="noStrike">
-                          <a:solidFill>
-                            <a:srgbClr val="000000"/>
-                          </a:solidFill>
+                        <a:rPr lang="en-CA" sz="1100" u="none" strike="noStrike">
                           <a:effectLst/>
-                          <a:latin typeface="Calibri" panose="020F0502020204030204" pitchFamily="34" charset="0"/>
                         </a:rPr>
                         <a:t>reject</a:t>
                       </a:r>
+                      <a:endParaRPr lang="en-CA" sz="1100" b="0" i="0" u="none" strike="noStrike">
+                        <a:solidFill>
+                          <a:srgbClr val="000000"/>
+                        </a:solidFill>
+                        <a:effectLst/>
+                        <a:latin typeface="Calibri" panose="020F0502020204030204" pitchFamily="34" charset="0"/>
+                      </a:endParaRPr>
                     </a:p>
                   </a:txBody>
-                  <a:tcPr marL="9525" marR="9525" marT="9525" marB="0" anchor="b">
-                    <a:lnL>
-                      <a:noFill/>
-                    </a:lnL>
-                    <a:lnR>
-                      <a:noFill/>
-                    </a:lnR>
-                    <a:lnT>
-                      <a:noFill/>
-                    </a:lnT>
-                    <a:lnB>
-                      <a:noFill/>
-                    </a:lnB>
-                  </a:tcPr>
+                  <a:tcPr marL="9525" marR="9525" marT="9525" marB="0" anchor="b"/>
                 </a:tc>
                 <a:tc>
                   <a:txBody>
@@ -3623,35 +3698,25 @@
                     <a:p>
                       <a:pPr algn="l" fontAlgn="b"/>
                       <a:r>
-                        <a:rPr lang="en-CA" sz="1100" b="0" i="0" u="none" strike="noStrike">
-                          <a:solidFill>
-                            <a:srgbClr val="000000"/>
-                          </a:solidFill>
+                        <a:rPr lang="en-CA" sz="1100" u="none" strike="noStrike">
                           <a:effectLst/>
-                          <a:latin typeface="Calibri" panose="020F0502020204030204" pitchFamily="34" charset="0"/>
                         </a:rPr>
                         <a:t>accept</a:t>
                       </a:r>
+                      <a:endParaRPr lang="en-CA" sz="1100" b="0" i="0" u="none" strike="noStrike">
+                        <a:solidFill>
+                          <a:srgbClr val="000000"/>
+                        </a:solidFill>
+                        <a:effectLst/>
+                        <a:latin typeface="Calibri" panose="020F0502020204030204" pitchFamily="34" charset="0"/>
+                      </a:endParaRPr>
                     </a:p>
                   </a:txBody>
-                  <a:tcPr marL="9525" marR="9525" marT="9525" marB="0" anchor="b">
-                    <a:lnL>
-                      <a:noFill/>
-                    </a:lnL>
-                    <a:lnR>
-                      <a:noFill/>
-                    </a:lnR>
-                    <a:lnT>
-                      <a:noFill/>
-                    </a:lnT>
-                    <a:lnB>
-                      <a:noFill/>
-                    </a:lnB>
-                  </a:tcPr>
+                  <a:tcPr marL="9525" marR="9525" marT="9525" marB="0" anchor="b"/>
                 </a:tc>
                 <a:extLst>
                   <a:ext uri="{0D108BD9-81ED-4DB2-BD59-A6C34878D82A}">
-                    <a16:rowId xmlns:a16="http://schemas.microsoft.com/office/drawing/2014/main" val="1625375486"/>
+                    <a16:rowId xmlns:a16="http://schemas.microsoft.com/office/drawing/2014/main" xmlns="" val="1625375486"/>
                   </a:ext>
                 </a:extLst>
               </a:tr>
@@ -3663,31 +3728,21 @@
                     <a:p>
                       <a:pPr algn="l" fontAlgn="b"/>
                       <a:r>
-                        <a:rPr lang="en-CA" sz="1100" b="0" i="0" u="none" strike="noStrike" dirty="0">
-                          <a:solidFill>
-                            <a:srgbClr val="000000"/>
-                          </a:solidFill>
+                        <a:rPr lang="en-CA" sz="1100" u="none" strike="noStrike" dirty="0">
                           <a:effectLst/>
-                          <a:latin typeface="Calibri" panose="020F0502020204030204" pitchFamily="34" charset="0"/>
                         </a:rPr>
                         <a:t>fair</a:t>
                       </a:r>
+                      <a:endParaRPr lang="en-CA" sz="1100" b="0" i="0" u="none" strike="noStrike" dirty="0">
+                        <a:solidFill>
+                          <a:srgbClr val="000000"/>
+                        </a:solidFill>
+                        <a:effectLst/>
+                        <a:latin typeface="Calibri" panose="020F0502020204030204" pitchFamily="34" charset="0"/>
+                      </a:endParaRPr>
                     </a:p>
                   </a:txBody>
-                  <a:tcPr marL="9525" marR="9525" marT="9525" marB="0" anchor="b">
-                    <a:lnL>
-                      <a:noFill/>
-                    </a:lnL>
-                    <a:lnR>
-                      <a:noFill/>
-                    </a:lnR>
-                    <a:lnT>
-                      <a:noFill/>
-                    </a:lnT>
-                    <a:lnB>
-                      <a:noFill/>
-                    </a:lnB>
-                  </a:tcPr>
+                  <a:tcPr marL="9525" marR="9525" marT="9525" marB="0" anchor="b"/>
                 </a:tc>
                 <a:tc>
                   <a:txBody>
@@ -3696,31 +3751,21 @@
                     <a:p>
                       <a:pPr algn="r" fontAlgn="b"/>
                       <a:r>
-                        <a:rPr lang="en-CA" sz="1100" b="0" i="0" u="none" strike="noStrike" dirty="0">
-                          <a:solidFill>
-                            <a:srgbClr val="000000"/>
-                          </a:solidFill>
+                        <a:rPr lang="en-CA" sz="1100" u="none" strike="noStrike" dirty="0">
                           <a:effectLst/>
-                          <a:latin typeface="Calibri" panose="020F0502020204030204" pitchFamily="34" charset="0"/>
                         </a:rPr>
                         <a:t>212</a:t>
                       </a:r>
+                      <a:endParaRPr lang="en-CA" sz="1100" b="0" i="0" u="none" strike="noStrike" dirty="0">
+                        <a:solidFill>
+                          <a:srgbClr val="000000"/>
+                        </a:solidFill>
+                        <a:effectLst/>
+                        <a:latin typeface="Calibri" panose="020F0502020204030204" pitchFamily="34" charset="0"/>
+                      </a:endParaRPr>
                     </a:p>
                   </a:txBody>
-                  <a:tcPr marL="9525" marR="9525" marT="9525" marB="0" anchor="b">
-                    <a:lnL>
-                      <a:noFill/>
-                    </a:lnL>
-                    <a:lnR>
-                      <a:noFill/>
-                    </a:lnR>
-                    <a:lnT>
-                      <a:noFill/>
-                    </a:lnT>
-                    <a:lnB>
-                      <a:noFill/>
-                    </a:lnB>
-                  </a:tcPr>
+                  <a:tcPr marL="9525" marR="9525" marT="9525" marB="0" anchor="b"/>
                 </a:tc>
                 <a:tc>
                   <a:txBody>
@@ -3729,35 +3774,25 @@
                     <a:p>
                       <a:pPr algn="r" fontAlgn="b"/>
                       <a:r>
-                        <a:rPr lang="en-CA" sz="1100" b="0" i="0" u="none" strike="noStrike">
-                          <a:solidFill>
-                            <a:srgbClr val="000000"/>
-                          </a:solidFill>
+                        <a:rPr lang="en-CA" sz="1100" u="none" strike="noStrike">
                           <a:effectLst/>
-                          <a:latin typeface="Calibri" panose="020F0502020204030204" pitchFamily="34" charset="0"/>
                         </a:rPr>
                         <a:t>1333</a:t>
                       </a:r>
+                      <a:endParaRPr lang="en-CA" sz="1100" b="0" i="0" u="none" strike="noStrike">
+                        <a:solidFill>
+                          <a:srgbClr val="000000"/>
+                        </a:solidFill>
+                        <a:effectLst/>
+                        <a:latin typeface="Calibri" panose="020F0502020204030204" pitchFamily="34" charset="0"/>
+                      </a:endParaRPr>
                     </a:p>
                   </a:txBody>
-                  <a:tcPr marL="9525" marR="9525" marT="9525" marB="0" anchor="b">
-                    <a:lnL>
-                      <a:noFill/>
-                    </a:lnL>
-                    <a:lnR>
-                      <a:noFill/>
-                    </a:lnR>
-                    <a:lnT>
-                      <a:noFill/>
-                    </a:lnT>
-                    <a:lnB>
-                      <a:noFill/>
-                    </a:lnB>
-                  </a:tcPr>
+                  <a:tcPr marL="9525" marR="9525" marT="9525" marB="0" anchor="b"/>
                 </a:tc>
                 <a:extLst>
                   <a:ext uri="{0D108BD9-81ED-4DB2-BD59-A6C34878D82A}">
-                    <a16:rowId xmlns:a16="http://schemas.microsoft.com/office/drawing/2014/main" val="1346036712"/>
+                    <a16:rowId xmlns:a16="http://schemas.microsoft.com/office/drawing/2014/main" xmlns="" val="1346036712"/>
                   </a:ext>
                 </a:extLst>
               </a:tr>
@@ -3769,31 +3804,21 @@
                     <a:p>
                       <a:pPr algn="l" fontAlgn="b"/>
                       <a:r>
-                        <a:rPr lang="en-CA" sz="1100" b="0" i="0" u="none" strike="noStrike">
-                          <a:solidFill>
-                            <a:srgbClr val="000000"/>
-                          </a:solidFill>
+                        <a:rPr lang="en-CA" sz="1100" u="none" strike="noStrike">
                           <a:effectLst/>
-                          <a:latin typeface="Calibri" panose="020F0502020204030204" pitchFamily="34" charset="0"/>
                         </a:rPr>
                         <a:t>unfair</a:t>
                       </a:r>
+                      <a:endParaRPr lang="en-CA" sz="1100" b="0" i="0" u="none" strike="noStrike">
+                        <a:solidFill>
+                          <a:srgbClr val="000000"/>
+                        </a:solidFill>
+                        <a:effectLst/>
+                        <a:latin typeface="Calibri" panose="020F0502020204030204" pitchFamily="34" charset="0"/>
+                      </a:endParaRPr>
                     </a:p>
                   </a:txBody>
-                  <a:tcPr marL="9525" marR="9525" marT="9525" marB="0" anchor="b">
-                    <a:lnL>
-                      <a:noFill/>
-                    </a:lnL>
-                    <a:lnR>
-                      <a:noFill/>
-                    </a:lnR>
-                    <a:lnT>
-                      <a:noFill/>
-                    </a:lnT>
-                    <a:lnB>
-                      <a:noFill/>
-                    </a:lnB>
-                  </a:tcPr>
+                  <a:tcPr marL="9525" marR="9525" marT="9525" marB="0" anchor="b"/>
                 </a:tc>
                 <a:tc>
                   <a:txBody>
@@ -3802,31 +3827,21 @@
                     <a:p>
                       <a:pPr algn="r" fontAlgn="b"/>
                       <a:r>
-                        <a:rPr lang="en-CA" sz="1100" b="0" i="0" u="none" strike="noStrike" dirty="0">
-                          <a:solidFill>
-                            <a:srgbClr val="000000"/>
-                          </a:solidFill>
+                        <a:rPr lang="en-CA" sz="1100" u="none" strike="noStrike" dirty="0">
                           <a:effectLst/>
-                          <a:latin typeface="Calibri" panose="020F0502020204030204" pitchFamily="34" charset="0"/>
                         </a:rPr>
                         <a:t>2481</a:t>
                       </a:r>
+                      <a:endParaRPr lang="en-CA" sz="1100" b="0" i="0" u="none" strike="noStrike" dirty="0">
+                        <a:solidFill>
+                          <a:srgbClr val="000000"/>
+                        </a:solidFill>
+                        <a:effectLst/>
+                        <a:latin typeface="Calibri" panose="020F0502020204030204" pitchFamily="34" charset="0"/>
+                      </a:endParaRPr>
                     </a:p>
                   </a:txBody>
-                  <a:tcPr marL="9525" marR="9525" marT="9525" marB="0" anchor="b">
-                    <a:lnL>
-                      <a:noFill/>
-                    </a:lnL>
-                    <a:lnR>
-                      <a:noFill/>
-                    </a:lnR>
-                    <a:lnT>
-                      <a:noFill/>
-                    </a:lnT>
-                    <a:lnB>
-                      <a:noFill/>
-                    </a:lnB>
-                  </a:tcPr>
+                  <a:tcPr marL="9525" marR="9525" marT="9525" marB="0" anchor="b"/>
                 </a:tc>
                 <a:tc>
                   <a:txBody>
@@ -3835,35 +3850,25 @@
                     <a:p>
                       <a:pPr algn="r" fontAlgn="b"/>
                       <a:r>
-                        <a:rPr lang="en-CA" sz="1100" b="0" i="0" u="none" strike="noStrike" dirty="0">
-                          <a:solidFill>
-                            <a:srgbClr val="000000"/>
-                          </a:solidFill>
+                        <a:rPr lang="en-CA" sz="1100" u="none" strike="noStrike" dirty="0">
                           <a:effectLst/>
-                          <a:latin typeface="Calibri" panose="020F0502020204030204" pitchFamily="34" charset="0"/>
                         </a:rPr>
                         <a:t>4008</a:t>
                       </a:r>
+                      <a:endParaRPr lang="en-CA" sz="1100" b="0" i="0" u="none" strike="noStrike" dirty="0">
+                        <a:solidFill>
+                          <a:srgbClr val="000000"/>
+                        </a:solidFill>
+                        <a:effectLst/>
+                        <a:latin typeface="Calibri" panose="020F0502020204030204" pitchFamily="34" charset="0"/>
+                      </a:endParaRPr>
                     </a:p>
                   </a:txBody>
-                  <a:tcPr marL="9525" marR="9525" marT="9525" marB="0" anchor="b">
-                    <a:lnL>
-                      <a:noFill/>
-                    </a:lnL>
-                    <a:lnR>
-                      <a:noFill/>
-                    </a:lnR>
-                    <a:lnT>
-                      <a:noFill/>
-                    </a:lnT>
-                    <a:lnB>
-                      <a:noFill/>
-                    </a:lnB>
-                  </a:tcPr>
+                  <a:tcPr marL="9525" marR="9525" marT="9525" marB="0" anchor="b"/>
                 </a:tc>
                 <a:extLst>
                   <a:ext uri="{0D108BD9-81ED-4DB2-BD59-A6C34878D82A}">
-                    <a16:rowId xmlns:a16="http://schemas.microsoft.com/office/drawing/2014/main" val="2275640152"/>
+                    <a16:rowId xmlns:a16="http://schemas.microsoft.com/office/drawing/2014/main" xmlns="" val="2275640152"/>
                   </a:ext>
                 </a:extLst>
               </a:tr>
@@ -3871,42 +3876,90 @@
           </a:graphicData>
         </a:graphic>
       </p:graphicFrame>
-      <p:sp>
-        <p:nvSpPr>
-          <p:cNvPr id="6" name="TextBox 5">
-            <a:extLst>
-              <a:ext uri="{FF2B5EF4-FFF2-40B4-BE49-F238E27FC236}">
-                <a16:creationId xmlns:a16="http://schemas.microsoft.com/office/drawing/2014/main" id="{FF07B87F-C8DD-4F75-AF75-8EE671EF4690}"/>
-              </a:ext>
-            </a:extLst>
-          </p:cNvPr>
-          <p:cNvSpPr txBox="1"/>
-          <p:nvPr/>
-        </p:nvSpPr>
-        <p:spPr>
-          <a:xfrm>
-            <a:off x="4732419" y="3368842"/>
-            <a:ext cx="6128085" cy="369332"/>
-          </a:xfrm>
-          <a:prstGeom prst="rect">
-            <a:avLst/>
-          </a:prstGeom>
-          <a:noFill/>
-        </p:spPr>
-        <p:txBody>
-          <a:bodyPr wrap="square" rtlCol="0">
-            <a:spAutoFit/>
-          </a:bodyPr>
-          <a:lstStyle/>
-          <a:p>
-            <a:endParaRPr lang="en-CA" dirty="0"/>
-          </a:p>
-        </p:txBody>
-      </p:sp>
     </p:spTree>
     <p:extLst>
       <p:ext uri="{BB962C8B-B14F-4D97-AF65-F5344CB8AC3E}">
         <p14:creationId xmlns:p14="http://schemas.microsoft.com/office/powerpoint/2010/main" val="176114989"/>
+      </p:ext>
+    </p:extLst>
+  </p:cSld>
+  <p:clrMapOvr>
+    <a:masterClrMapping/>
+  </p:clrMapOvr>
+</p:sld>
+</file>
+
+<file path=ppt/slides/slide3.xml><?xml version="1.0" encoding="utf-8"?>
+<p:sld xmlns:a="http://schemas.openxmlformats.org/drawingml/2006/main" xmlns:r="http://schemas.openxmlformats.org/officeDocument/2006/relationships" xmlns:p="http://schemas.openxmlformats.org/presentationml/2006/main">
+  <p:cSld>
+    <p:spTree>
+      <p:nvGrpSpPr>
+        <p:cNvPr id="1" name=""/>
+        <p:cNvGrpSpPr/>
+        <p:nvPr/>
+      </p:nvGrpSpPr>
+      <p:grpSpPr>
+        <a:xfrm>
+          <a:off x="0" y="0"/>
+          <a:ext cx="0" cy="0"/>
+          <a:chOff x="0" y="0"/>
+          <a:chExt cx="0" cy="0"/>
+        </a:xfrm>
+      </p:grpSpPr>
+      <p:sp>
+        <p:nvSpPr>
+          <p:cNvPr id="2" name="Title 1"/>
+          <p:cNvSpPr>
+            <a:spLocks noGrp="1"/>
+          </p:cNvSpPr>
+          <p:nvPr>
+            <p:ph type="title"/>
+          </p:nvPr>
+        </p:nvSpPr>
+        <p:spPr/>
+        <p:txBody>
+          <a:bodyPr/>
+          <a:lstStyle/>
+          <a:p>
+            <a:r>
+              <a:rPr lang="en-US" dirty="0" smtClean="0"/>
+              <a:t>Demographics	</a:t>
+            </a:r>
+            <a:endParaRPr lang="en-US" dirty="0"/>
+          </a:p>
+        </p:txBody>
+      </p:sp>
+      <p:sp>
+        <p:nvSpPr>
+          <p:cNvPr id="3" name="Content Placeholder 2"/>
+          <p:cNvSpPr>
+            <a:spLocks noGrp="1"/>
+          </p:cNvSpPr>
+          <p:nvPr>
+            <p:ph idx="1"/>
+          </p:nvPr>
+        </p:nvSpPr>
+        <p:spPr/>
+        <p:txBody>
+          <a:bodyPr/>
+          <a:lstStyle/>
+          <a:p>
+            <a:r>
+              <a:rPr lang="en-US" dirty="0" smtClean="0"/>
+              <a:t>Are groups significantly different in </a:t>
+            </a:r>
+            <a:r>
+              <a:rPr lang="en-US" smtClean="0"/>
+              <a:t>demographics info?</a:t>
+            </a:r>
+            <a:endParaRPr lang="en-US" dirty="0"/>
+          </a:p>
+        </p:txBody>
+      </p:sp>
+    </p:spTree>
+    <p:extLst>
+      <p:ext uri="{BB962C8B-B14F-4D97-AF65-F5344CB8AC3E}">
+        <p14:creationId xmlns:p14="http://schemas.microsoft.com/office/powerpoint/2010/main" val="915773763"/>
       </p:ext>
     </p:extLst>
   </p:cSld>

--- a/UG_results.pptx
+++ b/UG_results.pptx
@@ -8,6 +8,7 @@
     <p:sldId id="256" r:id="rId2"/>
     <p:sldId id="257" r:id="rId3"/>
     <p:sldId id="258" r:id="rId4"/>
+    <p:sldId id="259" r:id="rId5"/>
   </p:sldIdLst>
   <p:sldSz cx="12192000" cy="6858000"/>
   <p:notesSz cx="6858000" cy="9144000"/>
@@ -118,6 +119,1802 @@
 <p1510:revInfo xmlns:a="http://schemas.openxmlformats.org/drawingml/2006/main" xmlns:r="http://schemas.openxmlformats.org/officeDocument/2006/relationships" xmlns:p1510="http://schemas.microsoft.com/office/powerpoint/2015/10/main"/>
 </file>
 
+<file path=ppt/charts/chart1.xml><?xml version="1.0" encoding="utf-8"?>
+<c:chartSpace xmlns:c="http://schemas.openxmlformats.org/drawingml/2006/chart" xmlns:a="http://schemas.openxmlformats.org/drawingml/2006/main" xmlns:r="http://schemas.openxmlformats.org/officeDocument/2006/relationships" xmlns:c16r2="http://schemas.microsoft.com/office/drawing/2015/06/chart">
+  <c:date1904 val="0"/>
+  <c:lang val="en-US"/>
+  <c:roundedCorners val="0"/>
+  <mc:AlternateContent xmlns:mc="http://schemas.openxmlformats.org/markup-compatibility/2006">
+    <mc:Choice xmlns:c14="http://schemas.microsoft.com/office/drawing/2007/8/2/chart" Requires="c14">
+      <c14:style val="102"/>
+    </mc:Choice>
+    <mc:Fallback>
+      <c:style val="2"/>
+    </mc:Fallback>
+  </mc:AlternateContent>
+  <c:chart>
+    <c:autoTitleDeleted val="1"/>
+    <c:plotArea>
+      <c:layout/>
+      <c:barChart>
+        <c:barDir val="col"/>
+        <c:grouping val="clustered"/>
+        <c:varyColors val="0"/>
+        <c:ser>
+          <c:idx val="0"/>
+          <c:order val="0"/>
+          <c:tx>
+            <c:strRef>
+              <c:f>byGroup_count!$B$21</c:f>
+              <c:strCache>
+                <c:ptCount val="1"/>
+                <c:pt idx="0">
+                  <c:v>Accept_fair</c:v>
+                </c:pt>
+              </c:strCache>
+            </c:strRef>
+          </c:tx>
+          <c:spPr>
+            <a:solidFill>
+              <a:schemeClr val="accent1"/>
+            </a:solidFill>
+            <a:ln>
+              <a:noFill/>
+            </a:ln>
+            <a:effectLst/>
+          </c:spPr>
+          <c:invertIfNegative val="0"/>
+          <c:cat>
+            <c:strRef>
+              <c:f>byGroup_count!$A$22:$A$26</c:f>
+              <c:strCache>
+                <c:ptCount val="5"/>
+                <c:pt idx="0">
+                  <c:v>AttempterHL</c:v>
+                </c:pt>
+                <c:pt idx="1">
+                  <c:v>AttempterLL</c:v>
+                </c:pt>
+                <c:pt idx="2">
+                  <c:v>control</c:v>
+                </c:pt>
+                <c:pt idx="3">
+                  <c:v>depression</c:v>
+                </c:pt>
+                <c:pt idx="4">
+                  <c:v>ideator</c:v>
+                </c:pt>
+              </c:strCache>
+            </c:strRef>
+          </c:cat>
+          <c:val>
+            <c:numRef>
+              <c:f>byGroup_count!$B$22:$B$26</c:f>
+              <c:numCache>
+                <c:formatCode>General</c:formatCode>
+                <c:ptCount val="5"/>
+                <c:pt idx="0">
+                  <c:v>0.82352941176470584</c:v>
+                </c:pt>
+                <c:pt idx="1">
+                  <c:v>0.85333333333333339</c:v>
+                </c:pt>
+                <c:pt idx="2">
+                  <c:v>0.86111111111111116</c:v>
+                </c:pt>
+                <c:pt idx="3">
+                  <c:v>0.87826086956521743</c:v>
+                </c:pt>
+                <c:pt idx="4">
+                  <c:v>0.89122807017543859</c:v>
+                </c:pt>
+              </c:numCache>
+            </c:numRef>
+          </c:val>
+          <c:extLst>
+            <c:ext xmlns:c16="http://schemas.microsoft.com/office/drawing/2014/chart" uri="{C3380CC4-5D6E-409C-BE32-E72D297353CC}">
+              <c16:uniqueId val="{00000000-F70F-41F5-B2D6-AE83D0A62560}"/>
+            </c:ext>
+          </c:extLst>
+        </c:ser>
+        <c:ser>
+          <c:idx val="1"/>
+          <c:order val="1"/>
+          <c:tx>
+            <c:strRef>
+              <c:f>byGroup_count!$B$28</c:f>
+              <c:strCache>
+                <c:ptCount val="1"/>
+                <c:pt idx="0">
+                  <c:v>Accept_unfair</c:v>
+                </c:pt>
+              </c:strCache>
+            </c:strRef>
+          </c:tx>
+          <c:spPr>
+            <a:solidFill>
+              <a:schemeClr val="accent2"/>
+            </a:solidFill>
+            <a:ln>
+              <a:noFill/>
+            </a:ln>
+            <a:effectLst/>
+          </c:spPr>
+          <c:invertIfNegative val="0"/>
+          <c:cat>
+            <c:strRef>
+              <c:f>byGroup_count!$A$22:$A$26</c:f>
+              <c:strCache>
+                <c:ptCount val="5"/>
+                <c:pt idx="0">
+                  <c:v>AttempterHL</c:v>
+                </c:pt>
+                <c:pt idx="1">
+                  <c:v>AttempterLL</c:v>
+                </c:pt>
+                <c:pt idx="2">
+                  <c:v>control</c:v>
+                </c:pt>
+                <c:pt idx="3">
+                  <c:v>depression</c:v>
+                </c:pt>
+                <c:pt idx="4">
+                  <c:v>ideator</c:v>
+                </c:pt>
+              </c:strCache>
+            </c:strRef>
+          </c:cat>
+          <c:val>
+            <c:numRef>
+              <c:f>byGroup_count!$B$29:$B$33</c:f>
+              <c:numCache>
+                <c:formatCode>General</c:formatCode>
+                <c:ptCount val="5"/>
+                <c:pt idx="0">
+                  <c:v>0.56769374416433238</c:v>
+                </c:pt>
+                <c:pt idx="1">
+                  <c:v>0.56349206349206349</c:v>
+                </c:pt>
+                <c:pt idx="2">
+                  <c:v>0.61375661375661372</c:v>
+                </c:pt>
+                <c:pt idx="3">
+                  <c:v>0.68530020703933747</c:v>
+                </c:pt>
+                <c:pt idx="4">
+                  <c:v>0.64243943191311614</c:v>
+                </c:pt>
+              </c:numCache>
+            </c:numRef>
+          </c:val>
+          <c:extLst>
+            <c:ext xmlns:c16="http://schemas.microsoft.com/office/drawing/2014/chart" uri="{C3380CC4-5D6E-409C-BE32-E72D297353CC}">
+              <c16:uniqueId val="{00000001-F70F-41F5-B2D6-AE83D0A62560}"/>
+            </c:ext>
+          </c:extLst>
+        </c:ser>
+        <c:dLbls>
+          <c:showLegendKey val="0"/>
+          <c:showVal val="0"/>
+          <c:showCatName val="0"/>
+          <c:showSerName val="0"/>
+          <c:showPercent val="0"/>
+          <c:showBubbleSize val="0"/>
+        </c:dLbls>
+        <c:gapWidth val="219"/>
+        <c:overlap val="-27"/>
+        <c:axId val="464035056"/>
+        <c:axId val="464039320"/>
+      </c:barChart>
+      <c:catAx>
+        <c:axId val="464035056"/>
+        <c:scaling>
+          <c:orientation val="minMax"/>
+        </c:scaling>
+        <c:delete val="0"/>
+        <c:axPos val="b"/>
+        <c:numFmt formatCode="General" sourceLinked="1"/>
+        <c:majorTickMark val="none"/>
+        <c:minorTickMark val="none"/>
+        <c:tickLblPos val="nextTo"/>
+        <c:spPr>
+          <a:noFill/>
+          <a:ln w="9525" cap="flat" cmpd="sng" algn="ctr">
+            <a:solidFill>
+              <a:schemeClr val="tx1">
+                <a:lumMod val="15000"/>
+                <a:lumOff val="85000"/>
+              </a:schemeClr>
+            </a:solidFill>
+            <a:round/>
+          </a:ln>
+          <a:effectLst/>
+        </c:spPr>
+        <c:txPr>
+          <a:bodyPr rot="-60000000" spcFirstLastPara="1" vertOverflow="ellipsis" vert="horz" wrap="square" anchor="ctr" anchorCtr="1"/>
+          <a:lstStyle/>
+          <a:p>
+            <a:pPr>
+              <a:defRPr sz="900" b="0" i="0" u="none" strike="noStrike" kern="1200" baseline="0">
+                <a:solidFill>
+                  <a:schemeClr val="tx1">
+                    <a:lumMod val="65000"/>
+                    <a:lumOff val="35000"/>
+                  </a:schemeClr>
+                </a:solidFill>
+                <a:latin typeface="+mn-lt"/>
+                <a:ea typeface="+mn-ea"/>
+                <a:cs typeface="+mn-cs"/>
+              </a:defRPr>
+            </a:pPr>
+            <a:endParaRPr lang="en-US"/>
+          </a:p>
+        </c:txPr>
+        <c:crossAx val="464039320"/>
+        <c:crosses val="autoZero"/>
+        <c:auto val="1"/>
+        <c:lblAlgn val="ctr"/>
+        <c:lblOffset val="100"/>
+        <c:noMultiLvlLbl val="0"/>
+      </c:catAx>
+      <c:valAx>
+        <c:axId val="464039320"/>
+        <c:scaling>
+          <c:orientation val="minMax"/>
+        </c:scaling>
+        <c:delete val="0"/>
+        <c:axPos val="l"/>
+        <c:majorGridlines>
+          <c:spPr>
+            <a:ln w="9525" cap="flat" cmpd="sng" algn="ctr">
+              <a:solidFill>
+                <a:schemeClr val="tx1">
+                  <a:lumMod val="15000"/>
+                  <a:lumOff val="85000"/>
+                </a:schemeClr>
+              </a:solidFill>
+              <a:round/>
+            </a:ln>
+            <a:effectLst/>
+          </c:spPr>
+        </c:majorGridlines>
+        <c:numFmt formatCode="General" sourceLinked="1"/>
+        <c:majorTickMark val="none"/>
+        <c:minorTickMark val="none"/>
+        <c:tickLblPos val="nextTo"/>
+        <c:spPr>
+          <a:noFill/>
+          <a:ln>
+            <a:noFill/>
+          </a:ln>
+          <a:effectLst/>
+        </c:spPr>
+        <c:txPr>
+          <a:bodyPr rot="-60000000" spcFirstLastPara="1" vertOverflow="ellipsis" vert="horz" wrap="square" anchor="ctr" anchorCtr="1"/>
+          <a:lstStyle/>
+          <a:p>
+            <a:pPr>
+              <a:defRPr sz="900" b="0" i="0" u="none" strike="noStrike" kern="1200" baseline="0">
+                <a:solidFill>
+                  <a:schemeClr val="tx1">
+                    <a:lumMod val="65000"/>
+                    <a:lumOff val="35000"/>
+                  </a:schemeClr>
+                </a:solidFill>
+                <a:latin typeface="+mn-lt"/>
+                <a:ea typeface="+mn-ea"/>
+                <a:cs typeface="+mn-cs"/>
+              </a:defRPr>
+            </a:pPr>
+            <a:endParaRPr lang="en-US"/>
+          </a:p>
+        </c:txPr>
+        <c:crossAx val="464035056"/>
+        <c:crosses val="autoZero"/>
+        <c:crossBetween val="between"/>
+      </c:valAx>
+      <c:spPr>
+        <a:noFill/>
+        <a:ln>
+          <a:noFill/>
+        </a:ln>
+        <a:effectLst/>
+      </c:spPr>
+    </c:plotArea>
+    <c:legend>
+      <c:legendPos val="b"/>
+      <c:overlay val="0"/>
+      <c:spPr>
+        <a:noFill/>
+        <a:ln>
+          <a:noFill/>
+        </a:ln>
+        <a:effectLst/>
+      </c:spPr>
+      <c:txPr>
+        <a:bodyPr rot="0" spcFirstLastPara="1" vertOverflow="ellipsis" vert="horz" wrap="square" anchor="ctr" anchorCtr="1"/>
+        <a:lstStyle/>
+        <a:p>
+          <a:pPr>
+            <a:defRPr sz="900" b="0" i="0" u="none" strike="noStrike" kern="1200" baseline="0">
+              <a:solidFill>
+                <a:schemeClr val="tx1">
+                  <a:lumMod val="65000"/>
+                  <a:lumOff val="35000"/>
+                </a:schemeClr>
+              </a:solidFill>
+              <a:latin typeface="+mn-lt"/>
+              <a:ea typeface="+mn-ea"/>
+              <a:cs typeface="+mn-cs"/>
+            </a:defRPr>
+          </a:pPr>
+          <a:endParaRPr lang="en-US"/>
+        </a:p>
+      </c:txPr>
+    </c:legend>
+    <c:plotVisOnly val="1"/>
+    <c:dispBlanksAs val="gap"/>
+    <c:showDLblsOverMax val="0"/>
+  </c:chart>
+  <c:spPr>
+    <a:noFill/>
+    <a:ln>
+      <a:noFill/>
+    </a:ln>
+    <a:effectLst/>
+  </c:spPr>
+  <c:txPr>
+    <a:bodyPr/>
+    <a:lstStyle/>
+    <a:p>
+      <a:pPr>
+        <a:defRPr/>
+      </a:pPr>
+      <a:endParaRPr lang="en-US"/>
+    </a:p>
+  </c:txPr>
+  <c:externalData r:id="rId3">
+    <c:autoUpdate val="0"/>
+  </c:externalData>
+</c:chartSpace>
+</file>
+
+<file path=ppt/charts/chart2.xml><?xml version="1.0" encoding="utf-8"?>
+<c:chartSpace xmlns:c="http://schemas.openxmlformats.org/drawingml/2006/chart" xmlns:a="http://schemas.openxmlformats.org/drawingml/2006/main" xmlns:r="http://schemas.openxmlformats.org/officeDocument/2006/relationships" xmlns:c16r2="http://schemas.microsoft.com/office/drawing/2015/06/chart">
+  <c:date1904 val="0"/>
+  <c:lang val="en-US"/>
+  <c:roundedCorners val="0"/>
+  <mc:AlternateContent xmlns:mc="http://schemas.openxmlformats.org/markup-compatibility/2006">
+    <mc:Choice xmlns:c14="http://schemas.microsoft.com/office/drawing/2007/8/2/chart" Requires="c14">
+      <c14:style val="102"/>
+    </mc:Choice>
+    <mc:Fallback>
+      <c:style val="2"/>
+    </mc:Fallback>
+  </mc:AlternateContent>
+  <c:chart>
+    <c:autoTitleDeleted val="1"/>
+    <c:plotArea>
+      <c:layout/>
+      <c:barChart>
+        <c:barDir val="col"/>
+        <c:grouping val="clustered"/>
+        <c:varyColors val="0"/>
+        <c:ser>
+          <c:idx val="0"/>
+          <c:order val="0"/>
+          <c:tx>
+            <c:strRef>
+              <c:f>byGroup_count!$G$21</c:f>
+              <c:strCache>
+                <c:ptCount val="1"/>
+                <c:pt idx="0">
+                  <c:v>Accept_fair</c:v>
+                </c:pt>
+              </c:strCache>
+            </c:strRef>
+          </c:tx>
+          <c:spPr>
+            <a:solidFill>
+              <a:schemeClr val="accent1"/>
+            </a:solidFill>
+            <a:ln>
+              <a:noFill/>
+            </a:ln>
+            <a:effectLst/>
+          </c:spPr>
+          <c:invertIfNegative val="0"/>
+          <c:cat>
+            <c:strRef>
+              <c:f>byGroup_count!$F$22:$F$25</c:f>
+              <c:strCache>
+                <c:ptCount val="4"/>
+                <c:pt idx="0">
+                  <c:v>attempter</c:v>
+                </c:pt>
+                <c:pt idx="1">
+                  <c:v>control</c:v>
+                </c:pt>
+                <c:pt idx="2">
+                  <c:v>depression</c:v>
+                </c:pt>
+                <c:pt idx="3">
+                  <c:v>ideator</c:v>
+                </c:pt>
+              </c:strCache>
+            </c:strRef>
+          </c:cat>
+          <c:val>
+            <c:numRef>
+              <c:f>byGroup_count!$G$22:$G$25</c:f>
+              <c:numCache>
+                <c:formatCode>General</c:formatCode>
+                <c:ptCount val="4"/>
+                <c:pt idx="0">
+                  <c:v>0.83963963963963961</c:v>
+                </c:pt>
+                <c:pt idx="1">
+                  <c:v>0.86111111111111116</c:v>
+                </c:pt>
+                <c:pt idx="2">
+                  <c:v>0.87826086956521743</c:v>
+                </c:pt>
+                <c:pt idx="3">
+                  <c:v>0.89122807017543859</c:v>
+                </c:pt>
+              </c:numCache>
+            </c:numRef>
+          </c:val>
+          <c:extLst>
+            <c:ext xmlns:c16="http://schemas.microsoft.com/office/drawing/2014/chart" uri="{C3380CC4-5D6E-409C-BE32-E72D297353CC}">
+              <c16:uniqueId val="{00000000-14F8-4FC0-8B36-2D205290046D}"/>
+            </c:ext>
+          </c:extLst>
+        </c:ser>
+        <c:ser>
+          <c:idx val="1"/>
+          <c:order val="1"/>
+          <c:tx>
+            <c:strRef>
+              <c:f>byGroup_count!$G$28</c:f>
+              <c:strCache>
+                <c:ptCount val="1"/>
+                <c:pt idx="0">
+                  <c:v>Accept_unfair</c:v>
+                </c:pt>
+              </c:strCache>
+            </c:strRef>
+          </c:tx>
+          <c:spPr>
+            <a:solidFill>
+              <a:schemeClr val="accent2"/>
+            </a:solidFill>
+            <a:ln>
+              <a:noFill/>
+            </a:ln>
+            <a:effectLst/>
+          </c:spPr>
+          <c:invertIfNegative val="0"/>
+          <c:cat>
+            <c:strRef>
+              <c:f>byGroup_count!$F$22:$F$25</c:f>
+              <c:strCache>
+                <c:ptCount val="4"/>
+                <c:pt idx="0">
+                  <c:v>attempter</c:v>
+                </c:pt>
+                <c:pt idx="1">
+                  <c:v>control</c:v>
+                </c:pt>
+                <c:pt idx="2">
+                  <c:v>depression</c:v>
+                </c:pt>
+                <c:pt idx="3">
+                  <c:v>ideator</c:v>
+                </c:pt>
+              </c:strCache>
+            </c:strRef>
+          </c:cat>
+          <c:val>
+            <c:numRef>
+              <c:f>byGroup_count!$G$29:$G$32</c:f>
+              <c:numCache>
+                <c:formatCode>General</c:formatCode>
+                <c:ptCount val="4"/>
+                <c:pt idx="0">
+                  <c:v>0.56542256542256542</c:v>
+                </c:pt>
+                <c:pt idx="1">
+                  <c:v>0.61375661375661372</c:v>
+                </c:pt>
+                <c:pt idx="2">
+                  <c:v>0.68530020703933747</c:v>
+                </c:pt>
+                <c:pt idx="3">
+                  <c:v>0.64243943191311614</c:v>
+                </c:pt>
+              </c:numCache>
+            </c:numRef>
+          </c:val>
+          <c:extLst>
+            <c:ext xmlns:c16="http://schemas.microsoft.com/office/drawing/2014/chart" uri="{C3380CC4-5D6E-409C-BE32-E72D297353CC}">
+              <c16:uniqueId val="{00000001-14F8-4FC0-8B36-2D205290046D}"/>
+            </c:ext>
+          </c:extLst>
+        </c:ser>
+        <c:dLbls>
+          <c:showLegendKey val="0"/>
+          <c:showVal val="0"/>
+          <c:showCatName val="0"/>
+          <c:showSerName val="0"/>
+          <c:showPercent val="0"/>
+          <c:showBubbleSize val="0"/>
+        </c:dLbls>
+        <c:gapWidth val="219"/>
+        <c:overlap val="-27"/>
+        <c:axId val="381114408"/>
+        <c:axId val="381115720"/>
+      </c:barChart>
+      <c:catAx>
+        <c:axId val="381114408"/>
+        <c:scaling>
+          <c:orientation val="minMax"/>
+        </c:scaling>
+        <c:delete val="0"/>
+        <c:axPos val="b"/>
+        <c:numFmt formatCode="General" sourceLinked="1"/>
+        <c:majorTickMark val="none"/>
+        <c:minorTickMark val="none"/>
+        <c:tickLblPos val="nextTo"/>
+        <c:spPr>
+          <a:noFill/>
+          <a:ln w="9525" cap="flat" cmpd="sng" algn="ctr">
+            <a:solidFill>
+              <a:schemeClr val="tx1">
+                <a:lumMod val="15000"/>
+                <a:lumOff val="85000"/>
+              </a:schemeClr>
+            </a:solidFill>
+            <a:round/>
+          </a:ln>
+          <a:effectLst/>
+        </c:spPr>
+        <c:txPr>
+          <a:bodyPr rot="-60000000" spcFirstLastPara="1" vertOverflow="ellipsis" vert="horz" wrap="square" anchor="ctr" anchorCtr="1"/>
+          <a:lstStyle/>
+          <a:p>
+            <a:pPr>
+              <a:defRPr sz="900" b="0" i="0" u="none" strike="noStrike" kern="1200" baseline="0">
+                <a:solidFill>
+                  <a:schemeClr val="tx1">
+                    <a:lumMod val="65000"/>
+                    <a:lumOff val="35000"/>
+                  </a:schemeClr>
+                </a:solidFill>
+                <a:latin typeface="+mn-lt"/>
+                <a:ea typeface="+mn-ea"/>
+                <a:cs typeface="+mn-cs"/>
+              </a:defRPr>
+            </a:pPr>
+            <a:endParaRPr lang="en-US"/>
+          </a:p>
+        </c:txPr>
+        <c:crossAx val="381115720"/>
+        <c:crosses val="autoZero"/>
+        <c:auto val="1"/>
+        <c:lblAlgn val="ctr"/>
+        <c:lblOffset val="100"/>
+        <c:noMultiLvlLbl val="0"/>
+      </c:catAx>
+      <c:valAx>
+        <c:axId val="381115720"/>
+        <c:scaling>
+          <c:orientation val="minMax"/>
+        </c:scaling>
+        <c:delete val="0"/>
+        <c:axPos val="l"/>
+        <c:majorGridlines>
+          <c:spPr>
+            <a:ln w="9525" cap="flat" cmpd="sng" algn="ctr">
+              <a:solidFill>
+                <a:schemeClr val="tx1">
+                  <a:lumMod val="15000"/>
+                  <a:lumOff val="85000"/>
+                </a:schemeClr>
+              </a:solidFill>
+              <a:round/>
+            </a:ln>
+            <a:effectLst/>
+          </c:spPr>
+        </c:majorGridlines>
+        <c:numFmt formatCode="General" sourceLinked="1"/>
+        <c:majorTickMark val="none"/>
+        <c:minorTickMark val="none"/>
+        <c:tickLblPos val="nextTo"/>
+        <c:spPr>
+          <a:noFill/>
+          <a:ln>
+            <a:noFill/>
+          </a:ln>
+          <a:effectLst/>
+        </c:spPr>
+        <c:txPr>
+          <a:bodyPr rot="-60000000" spcFirstLastPara="1" vertOverflow="ellipsis" vert="horz" wrap="square" anchor="ctr" anchorCtr="1"/>
+          <a:lstStyle/>
+          <a:p>
+            <a:pPr>
+              <a:defRPr sz="900" b="0" i="0" u="none" strike="noStrike" kern="1200" baseline="0">
+                <a:solidFill>
+                  <a:schemeClr val="tx1">
+                    <a:lumMod val="65000"/>
+                    <a:lumOff val="35000"/>
+                  </a:schemeClr>
+                </a:solidFill>
+                <a:latin typeface="+mn-lt"/>
+                <a:ea typeface="+mn-ea"/>
+                <a:cs typeface="+mn-cs"/>
+              </a:defRPr>
+            </a:pPr>
+            <a:endParaRPr lang="en-US"/>
+          </a:p>
+        </c:txPr>
+        <c:crossAx val="381114408"/>
+        <c:crosses val="autoZero"/>
+        <c:crossBetween val="between"/>
+      </c:valAx>
+      <c:spPr>
+        <a:noFill/>
+        <a:ln>
+          <a:noFill/>
+        </a:ln>
+        <a:effectLst/>
+      </c:spPr>
+    </c:plotArea>
+    <c:legend>
+      <c:legendPos val="b"/>
+      <c:overlay val="0"/>
+      <c:spPr>
+        <a:noFill/>
+        <a:ln>
+          <a:noFill/>
+        </a:ln>
+        <a:effectLst/>
+      </c:spPr>
+      <c:txPr>
+        <a:bodyPr rot="0" spcFirstLastPara="1" vertOverflow="ellipsis" vert="horz" wrap="square" anchor="ctr" anchorCtr="1"/>
+        <a:lstStyle/>
+        <a:p>
+          <a:pPr>
+            <a:defRPr sz="900" b="0" i="0" u="none" strike="noStrike" kern="1200" baseline="0">
+              <a:solidFill>
+                <a:schemeClr val="tx1">
+                  <a:lumMod val="65000"/>
+                  <a:lumOff val="35000"/>
+                </a:schemeClr>
+              </a:solidFill>
+              <a:latin typeface="+mn-lt"/>
+              <a:ea typeface="+mn-ea"/>
+              <a:cs typeface="+mn-cs"/>
+            </a:defRPr>
+          </a:pPr>
+          <a:endParaRPr lang="en-US"/>
+        </a:p>
+      </c:txPr>
+    </c:legend>
+    <c:plotVisOnly val="1"/>
+    <c:dispBlanksAs val="gap"/>
+    <c:showDLblsOverMax val="0"/>
+  </c:chart>
+  <c:spPr>
+    <a:noFill/>
+    <a:ln>
+      <a:noFill/>
+    </a:ln>
+    <a:effectLst/>
+  </c:spPr>
+  <c:txPr>
+    <a:bodyPr/>
+    <a:lstStyle/>
+    <a:p>
+      <a:pPr>
+        <a:defRPr/>
+      </a:pPr>
+      <a:endParaRPr lang="en-US"/>
+    </a:p>
+  </c:txPr>
+  <c:externalData r:id="rId3">
+    <c:autoUpdate val="0"/>
+  </c:externalData>
+</c:chartSpace>
+</file>
+
+<file path=ppt/charts/colors1.xml><?xml version="1.0" encoding="utf-8"?>
+<cs:colorStyle xmlns:cs="http://schemas.microsoft.com/office/drawing/2012/chartStyle" xmlns:a="http://schemas.openxmlformats.org/drawingml/2006/main" meth="cycle" id="10">
+  <a:schemeClr val="accent1"/>
+  <a:schemeClr val="accent2"/>
+  <a:schemeClr val="accent3"/>
+  <a:schemeClr val="accent4"/>
+  <a:schemeClr val="accent5"/>
+  <a:schemeClr val="accent6"/>
+  <cs:variation/>
+  <cs:variation>
+    <a:lumMod val="60000"/>
+  </cs:variation>
+  <cs:variation>
+    <a:lumMod val="80000"/>
+    <a:lumOff val="20000"/>
+  </cs:variation>
+  <cs:variation>
+    <a:lumMod val="80000"/>
+  </cs:variation>
+  <cs:variation>
+    <a:lumMod val="60000"/>
+    <a:lumOff val="40000"/>
+  </cs:variation>
+  <cs:variation>
+    <a:lumMod val="50000"/>
+  </cs:variation>
+  <cs:variation>
+    <a:lumMod val="70000"/>
+    <a:lumOff val="30000"/>
+  </cs:variation>
+  <cs:variation>
+    <a:lumMod val="70000"/>
+  </cs:variation>
+  <cs:variation>
+    <a:lumMod val="50000"/>
+    <a:lumOff val="50000"/>
+  </cs:variation>
+</cs:colorStyle>
+</file>
+
+<file path=ppt/charts/colors2.xml><?xml version="1.0" encoding="utf-8"?>
+<cs:colorStyle xmlns:cs="http://schemas.microsoft.com/office/drawing/2012/chartStyle" xmlns:a="http://schemas.openxmlformats.org/drawingml/2006/main" meth="cycle" id="10">
+  <a:schemeClr val="accent1"/>
+  <a:schemeClr val="accent2"/>
+  <a:schemeClr val="accent3"/>
+  <a:schemeClr val="accent4"/>
+  <a:schemeClr val="accent5"/>
+  <a:schemeClr val="accent6"/>
+  <cs:variation/>
+  <cs:variation>
+    <a:lumMod val="60000"/>
+  </cs:variation>
+  <cs:variation>
+    <a:lumMod val="80000"/>
+    <a:lumOff val="20000"/>
+  </cs:variation>
+  <cs:variation>
+    <a:lumMod val="80000"/>
+  </cs:variation>
+  <cs:variation>
+    <a:lumMod val="60000"/>
+    <a:lumOff val="40000"/>
+  </cs:variation>
+  <cs:variation>
+    <a:lumMod val="50000"/>
+  </cs:variation>
+  <cs:variation>
+    <a:lumMod val="70000"/>
+    <a:lumOff val="30000"/>
+  </cs:variation>
+  <cs:variation>
+    <a:lumMod val="70000"/>
+  </cs:variation>
+  <cs:variation>
+    <a:lumMod val="50000"/>
+    <a:lumOff val="50000"/>
+  </cs:variation>
+</cs:colorStyle>
+</file>
+
+<file path=ppt/charts/style1.xml><?xml version="1.0" encoding="utf-8"?>
+<cs:chartStyle xmlns:cs="http://schemas.microsoft.com/office/drawing/2012/chartStyle" xmlns:a="http://schemas.openxmlformats.org/drawingml/2006/main" id="201">
+  <cs:axisTitle>
+    <cs:lnRef idx="0"/>
+    <cs:fillRef idx="0"/>
+    <cs:effectRef idx="0"/>
+    <cs:fontRef idx="minor">
+      <a:schemeClr val="tx1">
+        <a:lumMod val="65000"/>
+        <a:lumOff val="35000"/>
+      </a:schemeClr>
+    </cs:fontRef>
+    <cs:defRPr sz="1000" kern="1200"/>
+  </cs:axisTitle>
+  <cs:categoryAxis>
+    <cs:lnRef idx="0"/>
+    <cs:fillRef idx="0"/>
+    <cs:effectRef idx="0"/>
+    <cs:fontRef idx="minor">
+      <a:schemeClr val="tx1">
+        <a:lumMod val="65000"/>
+        <a:lumOff val="35000"/>
+      </a:schemeClr>
+    </cs:fontRef>
+    <cs:spPr>
+      <a:ln w="9525" cap="flat" cmpd="sng" algn="ctr">
+        <a:solidFill>
+          <a:schemeClr val="tx1">
+            <a:lumMod val="15000"/>
+            <a:lumOff val="85000"/>
+          </a:schemeClr>
+        </a:solidFill>
+        <a:round/>
+      </a:ln>
+    </cs:spPr>
+    <cs:defRPr sz="900" kern="1200"/>
+  </cs:categoryAxis>
+  <cs:chartArea mods="allowNoFillOverride allowNoLineOverride">
+    <cs:lnRef idx="0"/>
+    <cs:fillRef idx="0"/>
+    <cs:effectRef idx="0"/>
+    <cs:fontRef idx="minor">
+      <a:schemeClr val="tx1"/>
+    </cs:fontRef>
+    <cs:spPr>
+      <a:solidFill>
+        <a:schemeClr val="bg1"/>
+      </a:solidFill>
+      <a:ln w="9525" cap="flat" cmpd="sng" algn="ctr">
+        <a:solidFill>
+          <a:schemeClr val="tx1">
+            <a:lumMod val="15000"/>
+            <a:lumOff val="85000"/>
+          </a:schemeClr>
+        </a:solidFill>
+        <a:round/>
+      </a:ln>
+    </cs:spPr>
+    <cs:defRPr sz="1000" kern="1200"/>
+  </cs:chartArea>
+  <cs:dataLabel>
+    <cs:lnRef idx="0"/>
+    <cs:fillRef idx="0"/>
+    <cs:effectRef idx="0"/>
+    <cs:fontRef idx="minor">
+      <a:schemeClr val="tx1">
+        <a:lumMod val="75000"/>
+        <a:lumOff val="25000"/>
+      </a:schemeClr>
+    </cs:fontRef>
+    <cs:defRPr sz="900" kern="1200"/>
+  </cs:dataLabel>
+  <cs:dataLabelCallout>
+    <cs:lnRef idx="0"/>
+    <cs:fillRef idx="0"/>
+    <cs:effectRef idx="0"/>
+    <cs:fontRef idx="minor">
+      <a:schemeClr val="dk1">
+        <a:lumMod val="65000"/>
+        <a:lumOff val="35000"/>
+      </a:schemeClr>
+    </cs:fontRef>
+    <cs:spPr>
+      <a:solidFill>
+        <a:schemeClr val="lt1"/>
+      </a:solidFill>
+      <a:ln>
+        <a:solidFill>
+          <a:schemeClr val="dk1">
+            <a:lumMod val="25000"/>
+            <a:lumOff val="75000"/>
+          </a:schemeClr>
+        </a:solidFill>
+      </a:ln>
+    </cs:spPr>
+    <cs:defRPr sz="900" kern="1200"/>
+    <cs:bodyPr rot="0" spcFirstLastPara="1" vertOverflow="clip" horzOverflow="clip" vert="horz" wrap="square" lIns="36576" tIns="18288" rIns="36576" bIns="18288" anchor="ctr" anchorCtr="1">
+      <a:spAutoFit/>
+    </cs:bodyPr>
+  </cs:dataLabelCallout>
+  <cs:dataPoint>
+    <cs:lnRef idx="0"/>
+    <cs:fillRef idx="1">
+      <cs:styleClr val="auto"/>
+    </cs:fillRef>
+    <cs:effectRef idx="0"/>
+    <cs:fontRef idx="minor">
+      <a:schemeClr val="tx1"/>
+    </cs:fontRef>
+  </cs:dataPoint>
+  <cs:dataPoint3D>
+    <cs:lnRef idx="0"/>
+    <cs:fillRef idx="1">
+      <cs:styleClr val="auto"/>
+    </cs:fillRef>
+    <cs:effectRef idx="0"/>
+    <cs:fontRef idx="minor">
+      <a:schemeClr val="tx1"/>
+    </cs:fontRef>
+  </cs:dataPoint3D>
+  <cs:dataPointLine>
+    <cs:lnRef idx="0">
+      <cs:styleClr val="auto"/>
+    </cs:lnRef>
+    <cs:fillRef idx="1"/>
+    <cs:effectRef idx="0"/>
+    <cs:fontRef idx="minor">
+      <a:schemeClr val="tx1"/>
+    </cs:fontRef>
+    <cs:spPr>
+      <a:ln w="28575" cap="rnd">
+        <a:solidFill>
+          <a:schemeClr val="phClr"/>
+        </a:solidFill>
+        <a:round/>
+      </a:ln>
+    </cs:spPr>
+  </cs:dataPointLine>
+  <cs:dataPointMarker>
+    <cs:lnRef idx="0">
+      <cs:styleClr val="auto"/>
+    </cs:lnRef>
+    <cs:fillRef idx="1">
+      <cs:styleClr val="auto"/>
+    </cs:fillRef>
+    <cs:effectRef idx="0"/>
+    <cs:fontRef idx="minor">
+      <a:schemeClr val="tx1"/>
+    </cs:fontRef>
+    <cs:spPr>
+      <a:ln w="9525">
+        <a:solidFill>
+          <a:schemeClr val="phClr"/>
+        </a:solidFill>
+      </a:ln>
+    </cs:spPr>
+  </cs:dataPointMarker>
+  <cs:dataPointMarkerLayout symbol="circle" size="5"/>
+  <cs:dataPointWireframe>
+    <cs:lnRef idx="0">
+      <cs:styleClr val="auto"/>
+    </cs:lnRef>
+    <cs:fillRef idx="1"/>
+    <cs:effectRef idx="0"/>
+    <cs:fontRef idx="minor">
+      <a:schemeClr val="tx1"/>
+    </cs:fontRef>
+    <cs:spPr>
+      <a:ln w="9525" cap="rnd">
+        <a:solidFill>
+          <a:schemeClr val="phClr"/>
+        </a:solidFill>
+        <a:round/>
+      </a:ln>
+    </cs:spPr>
+  </cs:dataPointWireframe>
+  <cs:dataTable>
+    <cs:lnRef idx="0"/>
+    <cs:fillRef idx="0"/>
+    <cs:effectRef idx="0"/>
+    <cs:fontRef idx="minor">
+      <a:schemeClr val="tx1">
+        <a:lumMod val="65000"/>
+        <a:lumOff val="35000"/>
+      </a:schemeClr>
+    </cs:fontRef>
+    <cs:spPr>
+      <a:noFill/>
+      <a:ln w="9525" cap="flat" cmpd="sng" algn="ctr">
+        <a:solidFill>
+          <a:schemeClr val="tx1">
+            <a:lumMod val="15000"/>
+            <a:lumOff val="85000"/>
+          </a:schemeClr>
+        </a:solidFill>
+        <a:round/>
+      </a:ln>
+    </cs:spPr>
+    <cs:defRPr sz="900" kern="1200"/>
+  </cs:dataTable>
+  <cs:downBar>
+    <cs:lnRef idx="0"/>
+    <cs:fillRef idx="0"/>
+    <cs:effectRef idx="0"/>
+    <cs:fontRef idx="minor">
+      <a:schemeClr val="dk1"/>
+    </cs:fontRef>
+    <cs:spPr>
+      <a:solidFill>
+        <a:schemeClr val="dk1">
+          <a:lumMod val="65000"/>
+          <a:lumOff val="35000"/>
+        </a:schemeClr>
+      </a:solidFill>
+      <a:ln w="9525">
+        <a:solidFill>
+          <a:schemeClr val="tx1">
+            <a:lumMod val="65000"/>
+            <a:lumOff val="35000"/>
+          </a:schemeClr>
+        </a:solidFill>
+      </a:ln>
+    </cs:spPr>
+  </cs:downBar>
+  <cs:dropLine>
+    <cs:lnRef idx="0"/>
+    <cs:fillRef idx="0"/>
+    <cs:effectRef idx="0"/>
+    <cs:fontRef idx="minor">
+      <a:schemeClr val="tx1"/>
+    </cs:fontRef>
+    <cs:spPr>
+      <a:ln w="9525" cap="flat" cmpd="sng" algn="ctr">
+        <a:solidFill>
+          <a:schemeClr val="tx1">
+            <a:lumMod val="35000"/>
+            <a:lumOff val="65000"/>
+          </a:schemeClr>
+        </a:solidFill>
+        <a:round/>
+      </a:ln>
+    </cs:spPr>
+  </cs:dropLine>
+  <cs:errorBar>
+    <cs:lnRef idx="0"/>
+    <cs:fillRef idx="0"/>
+    <cs:effectRef idx="0"/>
+    <cs:fontRef idx="minor">
+      <a:schemeClr val="tx1"/>
+    </cs:fontRef>
+    <cs:spPr>
+      <a:ln w="9525" cap="flat" cmpd="sng" algn="ctr">
+        <a:solidFill>
+          <a:schemeClr val="tx1">
+            <a:lumMod val="65000"/>
+            <a:lumOff val="35000"/>
+          </a:schemeClr>
+        </a:solidFill>
+        <a:round/>
+      </a:ln>
+    </cs:spPr>
+  </cs:errorBar>
+  <cs:floor>
+    <cs:lnRef idx="0"/>
+    <cs:fillRef idx="0"/>
+    <cs:effectRef idx="0"/>
+    <cs:fontRef idx="minor">
+      <a:schemeClr val="tx1"/>
+    </cs:fontRef>
+    <cs:spPr>
+      <a:noFill/>
+      <a:ln>
+        <a:noFill/>
+      </a:ln>
+    </cs:spPr>
+  </cs:floor>
+  <cs:gridlineMajor>
+    <cs:lnRef idx="0"/>
+    <cs:fillRef idx="0"/>
+    <cs:effectRef idx="0"/>
+    <cs:fontRef idx="minor">
+      <a:schemeClr val="tx1"/>
+    </cs:fontRef>
+    <cs:spPr>
+      <a:ln w="9525" cap="flat" cmpd="sng" algn="ctr">
+        <a:solidFill>
+          <a:schemeClr val="tx1">
+            <a:lumMod val="15000"/>
+            <a:lumOff val="85000"/>
+          </a:schemeClr>
+        </a:solidFill>
+        <a:round/>
+      </a:ln>
+    </cs:spPr>
+  </cs:gridlineMajor>
+  <cs:gridlineMinor>
+    <cs:lnRef idx="0"/>
+    <cs:fillRef idx="0"/>
+    <cs:effectRef idx="0"/>
+    <cs:fontRef idx="minor">
+      <a:schemeClr val="tx1"/>
+    </cs:fontRef>
+    <cs:spPr>
+      <a:ln w="9525" cap="flat" cmpd="sng" algn="ctr">
+        <a:solidFill>
+          <a:schemeClr val="tx1">
+            <a:lumMod val="5000"/>
+            <a:lumOff val="95000"/>
+          </a:schemeClr>
+        </a:solidFill>
+        <a:round/>
+      </a:ln>
+    </cs:spPr>
+  </cs:gridlineMinor>
+  <cs:hiLoLine>
+    <cs:lnRef idx="0"/>
+    <cs:fillRef idx="0"/>
+    <cs:effectRef idx="0"/>
+    <cs:fontRef idx="minor">
+      <a:schemeClr val="tx1"/>
+    </cs:fontRef>
+    <cs:spPr>
+      <a:ln w="9525" cap="flat" cmpd="sng" algn="ctr">
+        <a:solidFill>
+          <a:schemeClr val="tx1">
+            <a:lumMod val="75000"/>
+            <a:lumOff val="25000"/>
+          </a:schemeClr>
+        </a:solidFill>
+        <a:round/>
+      </a:ln>
+    </cs:spPr>
+  </cs:hiLoLine>
+  <cs:leaderLine>
+    <cs:lnRef idx="0"/>
+    <cs:fillRef idx="0"/>
+    <cs:effectRef idx="0"/>
+    <cs:fontRef idx="minor">
+      <a:schemeClr val="tx1"/>
+    </cs:fontRef>
+    <cs:spPr>
+      <a:ln w="9525" cap="flat" cmpd="sng" algn="ctr">
+        <a:solidFill>
+          <a:schemeClr val="tx1">
+            <a:lumMod val="35000"/>
+            <a:lumOff val="65000"/>
+          </a:schemeClr>
+        </a:solidFill>
+        <a:round/>
+      </a:ln>
+    </cs:spPr>
+  </cs:leaderLine>
+  <cs:legend>
+    <cs:lnRef idx="0"/>
+    <cs:fillRef idx="0"/>
+    <cs:effectRef idx="0"/>
+    <cs:fontRef idx="minor">
+      <a:schemeClr val="tx1">
+        <a:lumMod val="65000"/>
+        <a:lumOff val="35000"/>
+      </a:schemeClr>
+    </cs:fontRef>
+    <cs:defRPr sz="900" kern="1200"/>
+  </cs:legend>
+  <cs:plotArea mods="allowNoFillOverride allowNoLineOverride">
+    <cs:lnRef idx="0"/>
+    <cs:fillRef idx="0"/>
+    <cs:effectRef idx="0"/>
+    <cs:fontRef idx="minor">
+      <a:schemeClr val="tx1"/>
+    </cs:fontRef>
+  </cs:plotArea>
+  <cs:plotArea3D mods="allowNoFillOverride allowNoLineOverride">
+    <cs:lnRef idx="0"/>
+    <cs:fillRef idx="0"/>
+    <cs:effectRef idx="0"/>
+    <cs:fontRef idx="minor">
+      <a:schemeClr val="tx1"/>
+    </cs:fontRef>
+  </cs:plotArea3D>
+  <cs:seriesAxis>
+    <cs:lnRef idx="0"/>
+    <cs:fillRef idx="0"/>
+    <cs:effectRef idx="0"/>
+    <cs:fontRef idx="minor">
+      <a:schemeClr val="tx1">
+        <a:lumMod val="65000"/>
+        <a:lumOff val="35000"/>
+      </a:schemeClr>
+    </cs:fontRef>
+    <cs:defRPr sz="900" kern="1200"/>
+  </cs:seriesAxis>
+  <cs:seriesLine>
+    <cs:lnRef idx="0"/>
+    <cs:fillRef idx="0"/>
+    <cs:effectRef idx="0"/>
+    <cs:fontRef idx="minor">
+      <a:schemeClr val="tx1"/>
+    </cs:fontRef>
+    <cs:spPr>
+      <a:ln w="9525" cap="flat" cmpd="sng" algn="ctr">
+        <a:solidFill>
+          <a:schemeClr val="tx1">
+            <a:lumMod val="35000"/>
+            <a:lumOff val="65000"/>
+          </a:schemeClr>
+        </a:solidFill>
+        <a:round/>
+      </a:ln>
+    </cs:spPr>
+  </cs:seriesLine>
+  <cs:title>
+    <cs:lnRef idx="0"/>
+    <cs:fillRef idx="0"/>
+    <cs:effectRef idx="0"/>
+    <cs:fontRef idx="minor">
+      <a:schemeClr val="tx1">
+        <a:lumMod val="65000"/>
+        <a:lumOff val="35000"/>
+      </a:schemeClr>
+    </cs:fontRef>
+    <cs:defRPr sz="1400" b="0" kern="1200" spc="0" baseline="0"/>
+  </cs:title>
+  <cs:trendline>
+    <cs:lnRef idx="0">
+      <cs:styleClr val="auto"/>
+    </cs:lnRef>
+    <cs:fillRef idx="0"/>
+    <cs:effectRef idx="0"/>
+    <cs:fontRef idx="minor">
+      <a:schemeClr val="tx1"/>
+    </cs:fontRef>
+    <cs:spPr>
+      <a:ln w="19050" cap="rnd">
+        <a:solidFill>
+          <a:schemeClr val="phClr"/>
+        </a:solidFill>
+        <a:prstDash val="sysDot"/>
+      </a:ln>
+    </cs:spPr>
+  </cs:trendline>
+  <cs:trendlineLabel>
+    <cs:lnRef idx="0"/>
+    <cs:fillRef idx="0"/>
+    <cs:effectRef idx="0"/>
+    <cs:fontRef idx="minor">
+      <a:schemeClr val="tx1">
+        <a:lumMod val="65000"/>
+        <a:lumOff val="35000"/>
+      </a:schemeClr>
+    </cs:fontRef>
+    <cs:defRPr sz="900" kern="1200"/>
+  </cs:trendlineLabel>
+  <cs:upBar>
+    <cs:lnRef idx="0"/>
+    <cs:fillRef idx="0"/>
+    <cs:effectRef idx="0"/>
+    <cs:fontRef idx="minor">
+      <a:schemeClr val="dk1"/>
+    </cs:fontRef>
+    <cs:spPr>
+      <a:solidFill>
+        <a:schemeClr val="lt1"/>
+      </a:solidFill>
+      <a:ln w="9525">
+        <a:solidFill>
+          <a:schemeClr val="tx1">
+            <a:lumMod val="15000"/>
+            <a:lumOff val="85000"/>
+          </a:schemeClr>
+        </a:solidFill>
+      </a:ln>
+    </cs:spPr>
+  </cs:upBar>
+  <cs:valueAxis>
+    <cs:lnRef idx="0"/>
+    <cs:fillRef idx="0"/>
+    <cs:effectRef idx="0"/>
+    <cs:fontRef idx="minor">
+      <a:schemeClr val="tx1">
+        <a:lumMod val="65000"/>
+        <a:lumOff val="35000"/>
+      </a:schemeClr>
+    </cs:fontRef>
+    <cs:defRPr sz="900" kern="1200"/>
+  </cs:valueAxis>
+  <cs:wall>
+    <cs:lnRef idx="0"/>
+    <cs:fillRef idx="0"/>
+    <cs:effectRef idx="0"/>
+    <cs:fontRef idx="minor">
+      <a:schemeClr val="tx1"/>
+    </cs:fontRef>
+    <cs:spPr>
+      <a:noFill/>
+      <a:ln>
+        <a:noFill/>
+      </a:ln>
+    </cs:spPr>
+  </cs:wall>
+</cs:chartStyle>
+</file>
+
+<file path=ppt/charts/style2.xml><?xml version="1.0" encoding="utf-8"?>
+<cs:chartStyle xmlns:cs="http://schemas.microsoft.com/office/drawing/2012/chartStyle" xmlns:a="http://schemas.openxmlformats.org/drawingml/2006/main" id="201">
+  <cs:axisTitle>
+    <cs:lnRef idx="0"/>
+    <cs:fillRef idx="0"/>
+    <cs:effectRef idx="0"/>
+    <cs:fontRef idx="minor">
+      <a:schemeClr val="tx1">
+        <a:lumMod val="65000"/>
+        <a:lumOff val="35000"/>
+      </a:schemeClr>
+    </cs:fontRef>
+    <cs:defRPr sz="1000" kern="1200"/>
+  </cs:axisTitle>
+  <cs:categoryAxis>
+    <cs:lnRef idx="0"/>
+    <cs:fillRef idx="0"/>
+    <cs:effectRef idx="0"/>
+    <cs:fontRef idx="minor">
+      <a:schemeClr val="tx1">
+        <a:lumMod val="65000"/>
+        <a:lumOff val="35000"/>
+      </a:schemeClr>
+    </cs:fontRef>
+    <cs:spPr>
+      <a:ln w="9525" cap="flat" cmpd="sng" algn="ctr">
+        <a:solidFill>
+          <a:schemeClr val="tx1">
+            <a:lumMod val="15000"/>
+            <a:lumOff val="85000"/>
+          </a:schemeClr>
+        </a:solidFill>
+        <a:round/>
+      </a:ln>
+    </cs:spPr>
+    <cs:defRPr sz="900" kern="1200"/>
+  </cs:categoryAxis>
+  <cs:chartArea mods="allowNoFillOverride allowNoLineOverride">
+    <cs:lnRef idx="0"/>
+    <cs:fillRef idx="0"/>
+    <cs:effectRef idx="0"/>
+    <cs:fontRef idx="minor">
+      <a:schemeClr val="tx1"/>
+    </cs:fontRef>
+    <cs:spPr>
+      <a:solidFill>
+        <a:schemeClr val="bg1"/>
+      </a:solidFill>
+      <a:ln w="9525" cap="flat" cmpd="sng" algn="ctr">
+        <a:solidFill>
+          <a:schemeClr val="tx1">
+            <a:lumMod val="15000"/>
+            <a:lumOff val="85000"/>
+          </a:schemeClr>
+        </a:solidFill>
+        <a:round/>
+      </a:ln>
+    </cs:spPr>
+    <cs:defRPr sz="1000" kern="1200"/>
+  </cs:chartArea>
+  <cs:dataLabel>
+    <cs:lnRef idx="0"/>
+    <cs:fillRef idx="0"/>
+    <cs:effectRef idx="0"/>
+    <cs:fontRef idx="minor">
+      <a:schemeClr val="tx1">
+        <a:lumMod val="75000"/>
+        <a:lumOff val="25000"/>
+      </a:schemeClr>
+    </cs:fontRef>
+    <cs:defRPr sz="900" kern="1200"/>
+  </cs:dataLabel>
+  <cs:dataLabelCallout>
+    <cs:lnRef idx="0"/>
+    <cs:fillRef idx="0"/>
+    <cs:effectRef idx="0"/>
+    <cs:fontRef idx="minor">
+      <a:schemeClr val="dk1">
+        <a:lumMod val="65000"/>
+        <a:lumOff val="35000"/>
+      </a:schemeClr>
+    </cs:fontRef>
+    <cs:spPr>
+      <a:solidFill>
+        <a:schemeClr val="lt1"/>
+      </a:solidFill>
+      <a:ln>
+        <a:solidFill>
+          <a:schemeClr val="dk1">
+            <a:lumMod val="25000"/>
+            <a:lumOff val="75000"/>
+          </a:schemeClr>
+        </a:solidFill>
+      </a:ln>
+    </cs:spPr>
+    <cs:defRPr sz="900" kern="1200"/>
+    <cs:bodyPr rot="0" spcFirstLastPara="1" vertOverflow="clip" horzOverflow="clip" vert="horz" wrap="square" lIns="36576" tIns="18288" rIns="36576" bIns="18288" anchor="ctr" anchorCtr="1">
+      <a:spAutoFit/>
+    </cs:bodyPr>
+  </cs:dataLabelCallout>
+  <cs:dataPoint>
+    <cs:lnRef idx="0"/>
+    <cs:fillRef idx="1">
+      <cs:styleClr val="auto"/>
+    </cs:fillRef>
+    <cs:effectRef idx="0"/>
+    <cs:fontRef idx="minor">
+      <a:schemeClr val="tx1"/>
+    </cs:fontRef>
+  </cs:dataPoint>
+  <cs:dataPoint3D>
+    <cs:lnRef idx="0"/>
+    <cs:fillRef idx="1">
+      <cs:styleClr val="auto"/>
+    </cs:fillRef>
+    <cs:effectRef idx="0"/>
+    <cs:fontRef idx="minor">
+      <a:schemeClr val="tx1"/>
+    </cs:fontRef>
+  </cs:dataPoint3D>
+  <cs:dataPointLine>
+    <cs:lnRef idx="0">
+      <cs:styleClr val="auto"/>
+    </cs:lnRef>
+    <cs:fillRef idx="1"/>
+    <cs:effectRef idx="0"/>
+    <cs:fontRef idx="minor">
+      <a:schemeClr val="tx1"/>
+    </cs:fontRef>
+    <cs:spPr>
+      <a:ln w="28575" cap="rnd">
+        <a:solidFill>
+          <a:schemeClr val="phClr"/>
+        </a:solidFill>
+        <a:round/>
+      </a:ln>
+    </cs:spPr>
+  </cs:dataPointLine>
+  <cs:dataPointMarker>
+    <cs:lnRef idx="0">
+      <cs:styleClr val="auto"/>
+    </cs:lnRef>
+    <cs:fillRef idx="1">
+      <cs:styleClr val="auto"/>
+    </cs:fillRef>
+    <cs:effectRef idx="0"/>
+    <cs:fontRef idx="minor">
+      <a:schemeClr val="tx1"/>
+    </cs:fontRef>
+    <cs:spPr>
+      <a:ln w="9525">
+        <a:solidFill>
+          <a:schemeClr val="phClr"/>
+        </a:solidFill>
+      </a:ln>
+    </cs:spPr>
+  </cs:dataPointMarker>
+  <cs:dataPointMarkerLayout symbol="circle" size="5"/>
+  <cs:dataPointWireframe>
+    <cs:lnRef idx="0">
+      <cs:styleClr val="auto"/>
+    </cs:lnRef>
+    <cs:fillRef idx="1"/>
+    <cs:effectRef idx="0"/>
+    <cs:fontRef idx="minor">
+      <a:schemeClr val="tx1"/>
+    </cs:fontRef>
+    <cs:spPr>
+      <a:ln w="9525" cap="rnd">
+        <a:solidFill>
+          <a:schemeClr val="phClr"/>
+        </a:solidFill>
+        <a:round/>
+      </a:ln>
+    </cs:spPr>
+  </cs:dataPointWireframe>
+  <cs:dataTable>
+    <cs:lnRef idx="0"/>
+    <cs:fillRef idx="0"/>
+    <cs:effectRef idx="0"/>
+    <cs:fontRef idx="minor">
+      <a:schemeClr val="tx1">
+        <a:lumMod val="65000"/>
+        <a:lumOff val="35000"/>
+      </a:schemeClr>
+    </cs:fontRef>
+    <cs:spPr>
+      <a:noFill/>
+      <a:ln w="9525" cap="flat" cmpd="sng" algn="ctr">
+        <a:solidFill>
+          <a:schemeClr val="tx1">
+            <a:lumMod val="15000"/>
+            <a:lumOff val="85000"/>
+          </a:schemeClr>
+        </a:solidFill>
+        <a:round/>
+      </a:ln>
+    </cs:spPr>
+    <cs:defRPr sz="900" kern="1200"/>
+  </cs:dataTable>
+  <cs:downBar>
+    <cs:lnRef idx="0"/>
+    <cs:fillRef idx="0"/>
+    <cs:effectRef idx="0"/>
+    <cs:fontRef idx="minor">
+      <a:schemeClr val="dk1"/>
+    </cs:fontRef>
+    <cs:spPr>
+      <a:solidFill>
+        <a:schemeClr val="dk1">
+          <a:lumMod val="65000"/>
+          <a:lumOff val="35000"/>
+        </a:schemeClr>
+      </a:solidFill>
+      <a:ln w="9525">
+        <a:solidFill>
+          <a:schemeClr val="tx1">
+            <a:lumMod val="65000"/>
+            <a:lumOff val="35000"/>
+          </a:schemeClr>
+        </a:solidFill>
+      </a:ln>
+    </cs:spPr>
+  </cs:downBar>
+  <cs:dropLine>
+    <cs:lnRef idx="0"/>
+    <cs:fillRef idx="0"/>
+    <cs:effectRef idx="0"/>
+    <cs:fontRef idx="minor">
+      <a:schemeClr val="tx1"/>
+    </cs:fontRef>
+    <cs:spPr>
+      <a:ln w="9525" cap="flat" cmpd="sng" algn="ctr">
+        <a:solidFill>
+          <a:schemeClr val="tx1">
+            <a:lumMod val="35000"/>
+            <a:lumOff val="65000"/>
+          </a:schemeClr>
+        </a:solidFill>
+        <a:round/>
+      </a:ln>
+    </cs:spPr>
+  </cs:dropLine>
+  <cs:errorBar>
+    <cs:lnRef idx="0"/>
+    <cs:fillRef idx="0"/>
+    <cs:effectRef idx="0"/>
+    <cs:fontRef idx="minor">
+      <a:schemeClr val="tx1"/>
+    </cs:fontRef>
+    <cs:spPr>
+      <a:ln w="9525" cap="flat" cmpd="sng" algn="ctr">
+        <a:solidFill>
+          <a:schemeClr val="tx1">
+            <a:lumMod val="65000"/>
+            <a:lumOff val="35000"/>
+          </a:schemeClr>
+        </a:solidFill>
+        <a:round/>
+      </a:ln>
+    </cs:spPr>
+  </cs:errorBar>
+  <cs:floor>
+    <cs:lnRef idx="0"/>
+    <cs:fillRef idx="0"/>
+    <cs:effectRef idx="0"/>
+    <cs:fontRef idx="minor">
+      <a:schemeClr val="tx1"/>
+    </cs:fontRef>
+    <cs:spPr>
+      <a:noFill/>
+      <a:ln>
+        <a:noFill/>
+      </a:ln>
+    </cs:spPr>
+  </cs:floor>
+  <cs:gridlineMajor>
+    <cs:lnRef idx="0"/>
+    <cs:fillRef idx="0"/>
+    <cs:effectRef idx="0"/>
+    <cs:fontRef idx="minor">
+      <a:schemeClr val="tx1"/>
+    </cs:fontRef>
+    <cs:spPr>
+      <a:ln w="9525" cap="flat" cmpd="sng" algn="ctr">
+        <a:solidFill>
+          <a:schemeClr val="tx1">
+            <a:lumMod val="15000"/>
+            <a:lumOff val="85000"/>
+          </a:schemeClr>
+        </a:solidFill>
+        <a:round/>
+      </a:ln>
+    </cs:spPr>
+  </cs:gridlineMajor>
+  <cs:gridlineMinor>
+    <cs:lnRef idx="0"/>
+    <cs:fillRef idx="0"/>
+    <cs:effectRef idx="0"/>
+    <cs:fontRef idx="minor">
+      <a:schemeClr val="tx1"/>
+    </cs:fontRef>
+    <cs:spPr>
+      <a:ln w="9525" cap="flat" cmpd="sng" algn="ctr">
+        <a:solidFill>
+          <a:schemeClr val="tx1">
+            <a:lumMod val="5000"/>
+            <a:lumOff val="95000"/>
+          </a:schemeClr>
+        </a:solidFill>
+        <a:round/>
+      </a:ln>
+    </cs:spPr>
+  </cs:gridlineMinor>
+  <cs:hiLoLine>
+    <cs:lnRef idx="0"/>
+    <cs:fillRef idx="0"/>
+    <cs:effectRef idx="0"/>
+    <cs:fontRef idx="minor">
+      <a:schemeClr val="tx1"/>
+    </cs:fontRef>
+    <cs:spPr>
+      <a:ln w="9525" cap="flat" cmpd="sng" algn="ctr">
+        <a:solidFill>
+          <a:schemeClr val="tx1">
+            <a:lumMod val="75000"/>
+            <a:lumOff val="25000"/>
+          </a:schemeClr>
+        </a:solidFill>
+        <a:round/>
+      </a:ln>
+    </cs:spPr>
+  </cs:hiLoLine>
+  <cs:leaderLine>
+    <cs:lnRef idx="0"/>
+    <cs:fillRef idx="0"/>
+    <cs:effectRef idx="0"/>
+    <cs:fontRef idx="minor">
+      <a:schemeClr val="tx1"/>
+    </cs:fontRef>
+    <cs:spPr>
+      <a:ln w="9525" cap="flat" cmpd="sng" algn="ctr">
+        <a:solidFill>
+          <a:schemeClr val="tx1">
+            <a:lumMod val="35000"/>
+            <a:lumOff val="65000"/>
+          </a:schemeClr>
+        </a:solidFill>
+        <a:round/>
+      </a:ln>
+    </cs:spPr>
+  </cs:leaderLine>
+  <cs:legend>
+    <cs:lnRef idx="0"/>
+    <cs:fillRef idx="0"/>
+    <cs:effectRef idx="0"/>
+    <cs:fontRef idx="minor">
+      <a:schemeClr val="tx1">
+        <a:lumMod val="65000"/>
+        <a:lumOff val="35000"/>
+      </a:schemeClr>
+    </cs:fontRef>
+    <cs:defRPr sz="900" kern="1200"/>
+  </cs:legend>
+  <cs:plotArea mods="allowNoFillOverride allowNoLineOverride">
+    <cs:lnRef idx="0"/>
+    <cs:fillRef idx="0"/>
+    <cs:effectRef idx="0"/>
+    <cs:fontRef idx="minor">
+      <a:schemeClr val="tx1"/>
+    </cs:fontRef>
+  </cs:plotArea>
+  <cs:plotArea3D mods="allowNoFillOverride allowNoLineOverride">
+    <cs:lnRef idx="0"/>
+    <cs:fillRef idx="0"/>
+    <cs:effectRef idx="0"/>
+    <cs:fontRef idx="minor">
+      <a:schemeClr val="tx1"/>
+    </cs:fontRef>
+  </cs:plotArea3D>
+  <cs:seriesAxis>
+    <cs:lnRef idx="0"/>
+    <cs:fillRef idx="0"/>
+    <cs:effectRef idx="0"/>
+    <cs:fontRef idx="minor">
+      <a:schemeClr val="tx1">
+        <a:lumMod val="65000"/>
+        <a:lumOff val="35000"/>
+      </a:schemeClr>
+    </cs:fontRef>
+    <cs:defRPr sz="900" kern="1200"/>
+  </cs:seriesAxis>
+  <cs:seriesLine>
+    <cs:lnRef idx="0"/>
+    <cs:fillRef idx="0"/>
+    <cs:effectRef idx="0"/>
+    <cs:fontRef idx="minor">
+      <a:schemeClr val="tx1"/>
+    </cs:fontRef>
+    <cs:spPr>
+      <a:ln w="9525" cap="flat" cmpd="sng" algn="ctr">
+        <a:solidFill>
+          <a:schemeClr val="tx1">
+            <a:lumMod val="35000"/>
+            <a:lumOff val="65000"/>
+          </a:schemeClr>
+        </a:solidFill>
+        <a:round/>
+      </a:ln>
+    </cs:spPr>
+  </cs:seriesLine>
+  <cs:title>
+    <cs:lnRef idx="0"/>
+    <cs:fillRef idx="0"/>
+    <cs:effectRef idx="0"/>
+    <cs:fontRef idx="minor">
+      <a:schemeClr val="tx1">
+        <a:lumMod val="65000"/>
+        <a:lumOff val="35000"/>
+      </a:schemeClr>
+    </cs:fontRef>
+    <cs:defRPr sz="1400" b="0" kern="1200" spc="0" baseline="0"/>
+  </cs:title>
+  <cs:trendline>
+    <cs:lnRef idx="0">
+      <cs:styleClr val="auto"/>
+    </cs:lnRef>
+    <cs:fillRef idx="0"/>
+    <cs:effectRef idx="0"/>
+    <cs:fontRef idx="minor">
+      <a:schemeClr val="tx1"/>
+    </cs:fontRef>
+    <cs:spPr>
+      <a:ln w="19050" cap="rnd">
+        <a:solidFill>
+          <a:schemeClr val="phClr"/>
+        </a:solidFill>
+        <a:prstDash val="sysDot"/>
+      </a:ln>
+    </cs:spPr>
+  </cs:trendline>
+  <cs:trendlineLabel>
+    <cs:lnRef idx="0"/>
+    <cs:fillRef idx="0"/>
+    <cs:effectRef idx="0"/>
+    <cs:fontRef idx="minor">
+      <a:schemeClr val="tx1">
+        <a:lumMod val="65000"/>
+        <a:lumOff val="35000"/>
+      </a:schemeClr>
+    </cs:fontRef>
+    <cs:defRPr sz="900" kern="1200"/>
+  </cs:trendlineLabel>
+  <cs:upBar>
+    <cs:lnRef idx="0"/>
+    <cs:fillRef idx="0"/>
+    <cs:effectRef idx="0"/>
+    <cs:fontRef idx="minor">
+      <a:schemeClr val="dk1"/>
+    </cs:fontRef>
+    <cs:spPr>
+      <a:solidFill>
+        <a:schemeClr val="lt1"/>
+      </a:solidFill>
+      <a:ln w="9525">
+        <a:solidFill>
+          <a:schemeClr val="tx1">
+            <a:lumMod val="15000"/>
+            <a:lumOff val="85000"/>
+          </a:schemeClr>
+        </a:solidFill>
+      </a:ln>
+    </cs:spPr>
+  </cs:upBar>
+  <cs:valueAxis>
+    <cs:lnRef idx="0"/>
+    <cs:fillRef idx="0"/>
+    <cs:effectRef idx="0"/>
+    <cs:fontRef idx="minor">
+      <a:schemeClr val="tx1">
+        <a:lumMod val="65000"/>
+        <a:lumOff val="35000"/>
+      </a:schemeClr>
+    </cs:fontRef>
+    <cs:defRPr sz="900" kern="1200"/>
+  </cs:valueAxis>
+  <cs:wall>
+    <cs:lnRef idx="0"/>
+    <cs:fillRef idx="0"/>
+    <cs:effectRef idx="0"/>
+    <cs:fontRef idx="minor">
+      <a:schemeClr val="tx1"/>
+    </cs:fontRef>
+    <cs:spPr>
+      <a:noFill/>
+      <a:ln>
+        <a:noFill/>
+      </a:ln>
+    </cs:spPr>
+  </cs:wall>
+</cs:chartStyle>
+</file>
+
 <file path=ppt/slideLayouts/slideLayout1.xml><?xml version="1.0" encoding="utf-8"?>
 <p:sldLayout xmlns:a="http://schemas.openxmlformats.org/drawingml/2006/main" xmlns:r="http://schemas.openxmlformats.org/officeDocument/2006/relationships" xmlns:p="http://schemas.openxmlformats.org/presentationml/2006/main" type="title" preserve="1">
   <p:cSld name="Title Slide">
@@ -140,7 +1937,7 @@
           <p:cNvPr id="2" name="Title 1">
             <a:extLst>
               <a:ext uri="{FF2B5EF4-FFF2-40B4-BE49-F238E27FC236}">
-                <a16:creationId xmlns:a16="http://schemas.microsoft.com/office/drawing/2014/main" xmlns="" id="{A770637A-7F70-4788-A8DB-6F8A001AE731}"/>
+                <a16:creationId xmlns:a16="http://schemas.microsoft.com/office/drawing/2014/main" id="{A770637A-7F70-4788-A8DB-6F8A001AE731}"/>
               </a:ext>
             </a:extLst>
           </p:cNvPr>
@@ -178,7 +1975,7 @@
           <p:cNvPr id="3" name="Subtitle 2">
             <a:extLst>
               <a:ext uri="{FF2B5EF4-FFF2-40B4-BE49-F238E27FC236}">
-                <a16:creationId xmlns:a16="http://schemas.microsoft.com/office/drawing/2014/main" xmlns="" id="{F9D5404F-EB55-4B5E-B9CE-AC2A0B6C47CB}"/>
+                <a16:creationId xmlns:a16="http://schemas.microsoft.com/office/drawing/2014/main" id="{F9D5404F-EB55-4B5E-B9CE-AC2A0B6C47CB}"/>
               </a:ext>
             </a:extLst>
           </p:cNvPr>
@@ -249,7 +2046,7 @@
           <p:cNvPr id="4" name="Date Placeholder 3">
             <a:extLst>
               <a:ext uri="{FF2B5EF4-FFF2-40B4-BE49-F238E27FC236}">
-                <a16:creationId xmlns:a16="http://schemas.microsoft.com/office/drawing/2014/main" xmlns="" id="{7808CDBC-CAE1-487B-A4E5-3CB70D4EAEEB}"/>
+                <a16:creationId xmlns:a16="http://schemas.microsoft.com/office/drawing/2014/main" id="{7808CDBC-CAE1-487B-A4E5-3CB70D4EAEEB}"/>
               </a:ext>
             </a:extLst>
           </p:cNvPr>
@@ -267,7 +2064,7 @@
           <a:p>
             <a:fld id="{96B0AB5A-E802-48CF-A5B9-FE8704AC6519}" type="datetimeFigureOut">
               <a:rPr lang="en-CA" smtClean="0"/>
-              <a:t>2017-09-19</a:t>
+              <a:t>19/09/2017</a:t>
             </a:fld>
             <a:endParaRPr lang="en-CA"/>
           </a:p>
@@ -278,7 +2075,7 @@
           <p:cNvPr id="5" name="Footer Placeholder 4">
             <a:extLst>
               <a:ext uri="{FF2B5EF4-FFF2-40B4-BE49-F238E27FC236}">
-                <a16:creationId xmlns:a16="http://schemas.microsoft.com/office/drawing/2014/main" xmlns="" id="{50D5A8BB-D166-4343-997B-EF673CB40FAD}"/>
+                <a16:creationId xmlns:a16="http://schemas.microsoft.com/office/drawing/2014/main" id="{50D5A8BB-D166-4343-997B-EF673CB40FAD}"/>
               </a:ext>
             </a:extLst>
           </p:cNvPr>
@@ -303,7 +2100,7 @@
           <p:cNvPr id="6" name="Slide Number Placeholder 5">
             <a:extLst>
               <a:ext uri="{FF2B5EF4-FFF2-40B4-BE49-F238E27FC236}">
-                <a16:creationId xmlns:a16="http://schemas.microsoft.com/office/drawing/2014/main" xmlns="" id="{6BC260DA-D757-4992-B138-BBE00B22D846}"/>
+                <a16:creationId xmlns:a16="http://schemas.microsoft.com/office/drawing/2014/main" id="{6BC260DA-D757-4992-B138-BBE00B22D846}"/>
               </a:ext>
             </a:extLst>
           </p:cNvPr>
@@ -362,7 +2159,7 @@
           <p:cNvPr id="2" name="Title 1">
             <a:extLst>
               <a:ext uri="{FF2B5EF4-FFF2-40B4-BE49-F238E27FC236}">
-                <a16:creationId xmlns:a16="http://schemas.microsoft.com/office/drawing/2014/main" xmlns="" id="{68951A57-6E16-4A71-98CB-2307E282C3C2}"/>
+                <a16:creationId xmlns:a16="http://schemas.microsoft.com/office/drawing/2014/main" id="{68951A57-6E16-4A71-98CB-2307E282C3C2}"/>
               </a:ext>
             </a:extLst>
           </p:cNvPr>
@@ -391,7 +2188,7 @@
           <p:cNvPr id="3" name="Vertical Text Placeholder 2">
             <a:extLst>
               <a:ext uri="{FF2B5EF4-FFF2-40B4-BE49-F238E27FC236}">
-                <a16:creationId xmlns:a16="http://schemas.microsoft.com/office/drawing/2014/main" xmlns="" id="{7F111875-20D3-450B-8A7D-100D7AD10DA2}"/>
+                <a16:creationId xmlns:a16="http://schemas.microsoft.com/office/drawing/2014/main" id="{7F111875-20D3-450B-8A7D-100D7AD10DA2}"/>
               </a:ext>
             </a:extLst>
           </p:cNvPr>
@@ -449,7 +2246,7 @@
           <p:cNvPr id="4" name="Date Placeholder 3">
             <a:extLst>
               <a:ext uri="{FF2B5EF4-FFF2-40B4-BE49-F238E27FC236}">
-                <a16:creationId xmlns:a16="http://schemas.microsoft.com/office/drawing/2014/main" xmlns="" id="{98F3875F-0C83-48C3-8881-97B38467BFC0}"/>
+                <a16:creationId xmlns:a16="http://schemas.microsoft.com/office/drawing/2014/main" id="{98F3875F-0C83-48C3-8881-97B38467BFC0}"/>
               </a:ext>
             </a:extLst>
           </p:cNvPr>
@@ -467,7 +2264,7 @@
           <a:p>
             <a:fld id="{96B0AB5A-E802-48CF-A5B9-FE8704AC6519}" type="datetimeFigureOut">
               <a:rPr lang="en-CA" smtClean="0"/>
-              <a:t>2017-09-19</a:t>
+              <a:t>19/09/2017</a:t>
             </a:fld>
             <a:endParaRPr lang="en-CA"/>
           </a:p>
@@ -478,7 +2275,7 @@
           <p:cNvPr id="5" name="Footer Placeholder 4">
             <a:extLst>
               <a:ext uri="{FF2B5EF4-FFF2-40B4-BE49-F238E27FC236}">
-                <a16:creationId xmlns:a16="http://schemas.microsoft.com/office/drawing/2014/main" xmlns="" id="{F2640ABB-0B39-4E48-B67F-13EB2E5E88B0}"/>
+                <a16:creationId xmlns:a16="http://schemas.microsoft.com/office/drawing/2014/main" id="{F2640ABB-0B39-4E48-B67F-13EB2E5E88B0}"/>
               </a:ext>
             </a:extLst>
           </p:cNvPr>
@@ -503,7 +2300,7 @@
           <p:cNvPr id="6" name="Slide Number Placeholder 5">
             <a:extLst>
               <a:ext uri="{FF2B5EF4-FFF2-40B4-BE49-F238E27FC236}">
-                <a16:creationId xmlns:a16="http://schemas.microsoft.com/office/drawing/2014/main" xmlns="" id="{D54C0341-9536-4979-9F6E-429B5834248C}"/>
+                <a16:creationId xmlns:a16="http://schemas.microsoft.com/office/drawing/2014/main" id="{D54C0341-9536-4979-9F6E-429B5834248C}"/>
               </a:ext>
             </a:extLst>
           </p:cNvPr>
@@ -562,7 +2359,7 @@
           <p:cNvPr id="2" name="Vertical Title 1">
             <a:extLst>
               <a:ext uri="{FF2B5EF4-FFF2-40B4-BE49-F238E27FC236}">
-                <a16:creationId xmlns:a16="http://schemas.microsoft.com/office/drawing/2014/main" xmlns="" id="{20D0E6FE-C5AB-4578-BB2A-E718F0F3D4BA}"/>
+                <a16:creationId xmlns:a16="http://schemas.microsoft.com/office/drawing/2014/main" id="{20D0E6FE-C5AB-4578-BB2A-E718F0F3D4BA}"/>
               </a:ext>
             </a:extLst>
           </p:cNvPr>
@@ -596,7 +2393,7 @@
           <p:cNvPr id="3" name="Vertical Text Placeholder 2">
             <a:extLst>
               <a:ext uri="{FF2B5EF4-FFF2-40B4-BE49-F238E27FC236}">
-                <a16:creationId xmlns:a16="http://schemas.microsoft.com/office/drawing/2014/main" xmlns="" id="{4D9442B6-6798-4E3F-BC43-D487421D33ED}"/>
+                <a16:creationId xmlns:a16="http://schemas.microsoft.com/office/drawing/2014/main" id="{4D9442B6-6798-4E3F-BC43-D487421D33ED}"/>
               </a:ext>
             </a:extLst>
           </p:cNvPr>
@@ -659,7 +2456,7 @@
           <p:cNvPr id="4" name="Date Placeholder 3">
             <a:extLst>
               <a:ext uri="{FF2B5EF4-FFF2-40B4-BE49-F238E27FC236}">
-                <a16:creationId xmlns:a16="http://schemas.microsoft.com/office/drawing/2014/main" xmlns="" id="{D8E8FDF4-0673-47D2-AEF1-4ECE10E40BDA}"/>
+                <a16:creationId xmlns:a16="http://schemas.microsoft.com/office/drawing/2014/main" id="{D8E8FDF4-0673-47D2-AEF1-4ECE10E40BDA}"/>
               </a:ext>
             </a:extLst>
           </p:cNvPr>
@@ -677,7 +2474,7 @@
           <a:p>
             <a:fld id="{96B0AB5A-E802-48CF-A5B9-FE8704AC6519}" type="datetimeFigureOut">
               <a:rPr lang="en-CA" smtClean="0"/>
-              <a:t>2017-09-19</a:t>
+              <a:t>19/09/2017</a:t>
             </a:fld>
             <a:endParaRPr lang="en-CA"/>
           </a:p>
@@ -688,7 +2485,7 @@
           <p:cNvPr id="5" name="Footer Placeholder 4">
             <a:extLst>
               <a:ext uri="{FF2B5EF4-FFF2-40B4-BE49-F238E27FC236}">
-                <a16:creationId xmlns:a16="http://schemas.microsoft.com/office/drawing/2014/main" xmlns="" id="{E953779D-E55D-4C51-B09C-5B7930947D6C}"/>
+                <a16:creationId xmlns:a16="http://schemas.microsoft.com/office/drawing/2014/main" id="{E953779D-E55D-4C51-B09C-5B7930947D6C}"/>
               </a:ext>
             </a:extLst>
           </p:cNvPr>
@@ -713,7 +2510,7 @@
           <p:cNvPr id="6" name="Slide Number Placeholder 5">
             <a:extLst>
               <a:ext uri="{FF2B5EF4-FFF2-40B4-BE49-F238E27FC236}">
-                <a16:creationId xmlns:a16="http://schemas.microsoft.com/office/drawing/2014/main" xmlns="" id="{28E9A841-3B09-42DC-8684-FE1A19B9552A}"/>
+                <a16:creationId xmlns:a16="http://schemas.microsoft.com/office/drawing/2014/main" id="{28E9A841-3B09-42DC-8684-FE1A19B9552A}"/>
               </a:ext>
             </a:extLst>
           </p:cNvPr>
@@ -772,7 +2569,7 @@
           <p:cNvPr id="2" name="Title 1">
             <a:extLst>
               <a:ext uri="{FF2B5EF4-FFF2-40B4-BE49-F238E27FC236}">
-                <a16:creationId xmlns:a16="http://schemas.microsoft.com/office/drawing/2014/main" xmlns="" id="{1C2B00DB-F0DF-4138-ABCE-C402834F38C7}"/>
+                <a16:creationId xmlns:a16="http://schemas.microsoft.com/office/drawing/2014/main" id="{1C2B00DB-F0DF-4138-ABCE-C402834F38C7}"/>
               </a:ext>
             </a:extLst>
           </p:cNvPr>
@@ -801,7 +2598,7 @@
           <p:cNvPr id="3" name="Content Placeholder 2">
             <a:extLst>
               <a:ext uri="{FF2B5EF4-FFF2-40B4-BE49-F238E27FC236}">
-                <a16:creationId xmlns:a16="http://schemas.microsoft.com/office/drawing/2014/main" xmlns="" id="{C393E18F-528D-46DF-8DCA-5674757975BF}"/>
+                <a16:creationId xmlns:a16="http://schemas.microsoft.com/office/drawing/2014/main" id="{C393E18F-528D-46DF-8DCA-5674757975BF}"/>
               </a:ext>
             </a:extLst>
           </p:cNvPr>
@@ -859,7 +2656,7 @@
           <p:cNvPr id="4" name="Date Placeholder 3">
             <a:extLst>
               <a:ext uri="{FF2B5EF4-FFF2-40B4-BE49-F238E27FC236}">
-                <a16:creationId xmlns:a16="http://schemas.microsoft.com/office/drawing/2014/main" xmlns="" id="{AE5FACCA-E424-4C6C-B376-B62146CE191B}"/>
+                <a16:creationId xmlns:a16="http://schemas.microsoft.com/office/drawing/2014/main" id="{AE5FACCA-E424-4C6C-B376-B62146CE191B}"/>
               </a:ext>
             </a:extLst>
           </p:cNvPr>
@@ -877,7 +2674,7 @@
           <a:p>
             <a:fld id="{96B0AB5A-E802-48CF-A5B9-FE8704AC6519}" type="datetimeFigureOut">
               <a:rPr lang="en-CA" smtClean="0"/>
-              <a:t>2017-09-19</a:t>
+              <a:t>19/09/2017</a:t>
             </a:fld>
             <a:endParaRPr lang="en-CA"/>
           </a:p>
@@ -888,7 +2685,7 @@
           <p:cNvPr id="5" name="Footer Placeholder 4">
             <a:extLst>
               <a:ext uri="{FF2B5EF4-FFF2-40B4-BE49-F238E27FC236}">
-                <a16:creationId xmlns:a16="http://schemas.microsoft.com/office/drawing/2014/main" xmlns="" id="{E88A8849-1252-418B-86C9-3FB1D770E4C1}"/>
+                <a16:creationId xmlns:a16="http://schemas.microsoft.com/office/drawing/2014/main" id="{E88A8849-1252-418B-86C9-3FB1D770E4C1}"/>
               </a:ext>
             </a:extLst>
           </p:cNvPr>
@@ -913,7 +2710,7 @@
           <p:cNvPr id="6" name="Slide Number Placeholder 5">
             <a:extLst>
               <a:ext uri="{FF2B5EF4-FFF2-40B4-BE49-F238E27FC236}">
-                <a16:creationId xmlns:a16="http://schemas.microsoft.com/office/drawing/2014/main" xmlns="" id="{2213DBDE-BBC2-4EE9-AA49-CBE1CA9AF8E1}"/>
+                <a16:creationId xmlns:a16="http://schemas.microsoft.com/office/drawing/2014/main" id="{2213DBDE-BBC2-4EE9-AA49-CBE1CA9AF8E1}"/>
               </a:ext>
             </a:extLst>
           </p:cNvPr>
@@ -972,7 +2769,7 @@
           <p:cNvPr id="2" name="Title 1">
             <a:extLst>
               <a:ext uri="{FF2B5EF4-FFF2-40B4-BE49-F238E27FC236}">
-                <a16:creationId xmlns:a16="http://schemas.microsoft.com/office/drawing/2014/main" xmlns="" id="{32D6B6B8-2C76-441A-90C7-2648223BB744}"/>
+                <a16:creationId xmlns:a16="http://schemas.microsoft.com/office/drawing/2014/main" id="{32D6B6B8-2C76-441A-90C7-2648223BB744}"/>
               </a:ext>
             </a:extLst>
           </p:cNvPr>
@@ -1010,7 +2807,7 @@
           <p:cNvPr id="3" name="Text Placeholder 2">
             <a:extLst>
               <a:ext uri="{FF2B5EF4-FFF2-40B4-BE49-F238E27FC236}">
-                <a16:creationId xmlns:a16="http://schemas.microsoft.com/office/drawing/2014/main" xmlns="" id="{B4FD13C0-2671-4F5B-BC76-3285DF8F0D0A}"/>
+                <a16:creationId xmlns:a16="http://schemas.microsoft.com/office/drawing/2014/main" id="{B4FD13C0-2671-4F5B-BC76-3285DF8F0D0A}"/>
               </a:ext>
             </a:extLst>
           </p:cNvPr>
@@ -1135,7 +2932,7 @@
           <p:cNvPr id="4" name="Date Placeholder 3">
             <a:extLst>
               <a:ext uri="{FF2B5EF4-FFF2-40B4-BE49-F238E27FC236}">
-                <a16:creationId xmlns:a16="http://schemas.microsoft.com/office/drawing/2014/main" xmlns="" id="{15FAF587-BBF7-4795-A539-160E1CBB4D0C}"/>
+                <a16:creationId xmlns:a16="http://schemas.microsoft.com/office/drawing/2014/main" id="{15FAF587-BBF7-4795-A539-160E1CBB4D0C}"/>
               </a:ext>
             </a:extLst>
           </p:cNvPr>
@@ -1153,7 +2950,7 @@
           <a:p>
             <a:fld id="{96B0AB5A-E802-48CF-A5B9-FE8704AC6519}" type="datetimeFigureOut">
               <a:rPr lang="en-CA" smtClean="0"/>
-              <a:t>2017-09-19</a:t>
+              <a:t>19/09/2017</a:t>
             </a:fld>
             <a:endParaRPr lang="en-CA"/>
           </a:p>
@@ -1164,7 +2961,7 @@
           <p:cNvPr id="5" name="Footer Placeholder 4">
             <a:extLst>
               <a:ext uri="{FF2B5EF4-FFF2-40B4-BE49-F238E27FC236}">
-                <a16:creationId xmlns:a16="http://schemas.microsoft.com/office/drawing/2014/main" xmlns="" id="{A43711F6-2BA4-43F7-ADE4-F55606E83807}"/>
+                <a16:creationId xmlns:a16="http://schemas.microsoft.com/office/drawing/2014/main" id="{A43711F6-2BA4-43F7-ADE4-F55606E83807}"/>
               </a:ext>
             </a:extLst>
           </p:cNvPr>
@@ -1189,7 +2986,7 @@
           <p:cNvPr id="6" name="Slide Number Placeholder 5">
             <a:extLst>
               <a:ext uri="{FF2B5EF4-FFF2-40B4-BE49-F238E27FC236}">
-                <a16:creationId xmlns:a16="http://schemas.microsoft.com/office/drawing/2014/main" xmlns="" id="{A0814A98-C0EE-4830-9E95-AB51A3D46328}"/>
+                <a16:creationId xmlns:a16="http://schemas.microsoft.com/office/drawing/2014/main" id="{A0814A98-C0EE-4830-9E95-AB51A3D46328}"/>
               </a:ext>
             </a:extLst>
           </p:cNvPr>
@@ -1248,7 +3045,7 @@
           <p:cNvPr id="2" name="Title 1">
             <a:extLst>
               <a:ext uri="{FF2B5EF4-FFF2-40B4-BE49-F238E27FC236}">
-                <a16:creationId xmlns:a16="http://schemas.microsoft.com/office/drawing/2014/main" xmlns="" id="{0F190E3E-504C-44BD-9375-90382E6A4B2D}"/>
+                <a16:creationId xmlns:a16="http://schemas.microsoft.com/office/drawing/2014/main" id="{0F190E3E-504C-44BD-9375-90382E6A4B2D}"/>
               </a:ext>
             </a:extLst>
           </p:cNvPr>
@@ -1277,7 +3074,7 @@
           <p:cNvPr id="3" name="Content Placeholder 2">
             <a:extLst>
               <a:ext uri="{FF2B5EF4-FFF2-40B4-BE49-F238E27FC236}">
-                <a16:creationId xmlns:a16="http://schemas.microsoft.com/office/drawing/2014/main" xmlns="" id="{F6CAE47C-1CB8-4A76-9E77-960D3E128C25}"/>
+                <a16:creationId xmlns:a16="http://schemas.microsoft.com/office/drawing/2014/main" id="{F6CAE47C-1CB8-4A76-9E77-960D3E128C25}"/>
               </a:ext>
             </a:extLst>
           </p:cNvPr>
@@ -1340,7 +3137,7 @@
           <p:cNvPr id="4" name="Content Placeholder 3">
             <a:extLst>
               <a:ext uri="{FF2B5EF4-FFF2-40B4-BE49-F238E27FC236}">
-                <a16:creationId xmlns:a16="http://schemas.microsoft.com/office/drawing/2014/main" xmlns="" id="{7020F4A4-A6BF-47E5-92FC-8201B6593F83}"/>
+                <a16:creationId xmlns:a16="http://schemas.microsoft.com/office/drawing/2014/main" id="{7020F4A4-A6BF-47E5-92FC-8201B6593F83}"/>
               </a:ext>
             </a:extLst>
           </p:cNvPr>
@@ -1403,7 +3200,7 @@
           <p:cNvPr id="5" name="Date Placeholder 4">
             <a:extLst>
               <a:ext uri="{FF2B5EF4-FFF2-40B4-BE49-F238E27FC236}">
-                <a16:creationId xmlns:a16="http://schemas.microsoft.com/office/drawing/2014/main" xmlns="" id="{1AA361B5-9AA3-4229-8D44-CEB57C12ED73}"/>
+                <a16:creationId xmlns:a16="http://schemas.microsoft.com/office/drawing/2014/main" id="{1AA361B5-9AA3-4229-8D44-CEB57C12ED73}"/>
               </a:ext>
             </a:extLst>
           </p:cNvPr>
@@ -1421,7 +3218,7 @@
           <a:p>
             <a:fld id="{96B0AB5A-E802-48CF-A5B9-FE8704AC6519}" type="datetimeFigureOut">
               <a:rPr lang="en-CA" smtClean="0"/>
-              <a:t>2017-09-19</a:t>
+              <a:t>19/09/2017</a:t>
             </a:fld>
             <a:endParaRPr lang="en-CA"/>
           </a:p>
@@ -1432,7 +3229,7 @@
           <p:cNvPr id="6" name="Footer Placeholder 5">
             <a:extLst>
               <a:ext uri="{FF2B5EF4-FFF2-40B4-BE49-F238E27FC236}">
-                <a16:creationId xmlns:a16="http://schemas.microsoft.com/office/drawing/2014/main" xmlns="" id="{8AAA7D8C-2AFC-4C12-92A2-9D98EF3FC76A}"/>
+                <a16:creationId xmlns:a16="http://schemas.microsoft.com/office/drawing/2014/main" id="{8AAA7D8C-2AFC-4C12-92A2-9D98EF3FC76A}"/>
               </a:ext>
             </a:extLst>
           </p:cNvPr>
@@ -1457,7 +3254,7 @@
           <p:cNvPr id="7" name="Slide Number Placeholder 6">
             <a:extLst>
               <a:ext uri="{FF2B5EF4-FFF2-40B4-BE49-F238E27FC236}">
-                <a16:creationId xmlns:a16="http://schemas.microsoft.com/office/drawing/2014/main" xmlns="" id="{33FD714B-B89C-43C1-A417-A6A05C50FDD6}"/>
+                <a16:creationId xmlns:a16="http://schemas.microsoft.com/office/drawing/2014/main" id="{33FD714B-B89C-43C1-A417-A6A05C50FDD6}"/>
               </a:ext>
             </a:extLst>
           </p:cNvPr>
@@ -1516,7 +3313,7 @@
           <p:cNvPr id="2" name="Title 1">
             <a:extLst>
               <a:ext uri="{FF2B5EF4-FFF2-40B4-BE49-F238E27FC236}">
-                <a16:creationId xmlns:a16="http://schemas.microsoft.com/office/drawing/2014/main" xmlns="" id="{B0D13C32-3583-406D-BB55-24C24E430751}"/>
+                <a16:creationId xmlns:a16="http://schemas.microsoft.com/office/drawing/2014/main" id="{B0D13C32-3583-406D-BB55-24C24E430751}"/>
               </a:ext>
             </a:extLst>
           </p:cNvPr>
@@ -1550,7 +3347,7 @@
           <p:cNvPr id="3" name="Text Placeholder 2">
             <a:extLst>
               <a:ext uri="{FF2B5EF4-FFF2-40B4-BE49-F238E27FC236}">
-                <a16:creationId xmlns:a16="http://schemas.microsoft.com/office/drawing/2014/main" xmlns="" id="{B918888A-2B6D-46A5-AE6E-A1FF449737AB}"/>
+                <a16:creationId xmlns:a16="http://schemas.microsoft.com/office/drawing/2014/main" id="{B918888A-2B6D-46A5-AE6E-A1FF449737AB}"/>
               </a:ext>
             </a:extLst>
           </p:cNvPr>
@@ -1621,7 +3418,7 @@
           <p:cNvPr id="4" name="Content Placeholder 3">
             <a:extLst>
               <a:ext uri="{FF2B5EF4-FFF2-40B4-BE49-F238E27FC236}">
-                <a16:creationId xmlns:a16="http://schemas.microsoft.com/office/drawing/2014/main" xmlns="" id="{8376B253-61D6-4CF9-B63B-20481633C4B7}"/>
+                <a16:creationId xmlns:a16="http://schemas.microsoft.com/office/drawing/2014/main" id="{8376B253-61D6-4CF9-B63B-20481633C4B7}"/>
               </a:ext>
             </a:extLst>
           </p:cNvPr>
@@ -1684,7 +3481,7 @@
           <p:cNvPr id="5" name="Text Placeholder 4">
             <a:extLst>
               <a:ext uri="{FF2B5EF4-FFF2-40B4-BE49-F238E27FC236}">
-                <a16:creationId xmlns:a16="http://schemas.microsoft.com/office/drawing/2014/main" xmlns="" id="{382753D1-7E4F-4976-AE02-B8CA399556CE}"/>
+                <a16:creationId xmlns:a16="http://schemas.microsoft.com/office/drawing/2014/main" id="{382753D1-7E4F-4976-AE02-B8CA399556CE}"/>
               </a:ext>
             </a:extLst>
           </p:cNvPr>
@@ -1755,7 +3552,7 @@
           <p:cNvPr id="6" name="Content Placeholder 5">
             <a:extLst>
               <a:ext uri="{FF2B5EF4-FFF2-40B4-BE49-F238E27FC236}">
-                <a16:creationId xmlns:a16="http://schemas.microsoft.com/office/drawing/2014/main" xmlns="" id="{4C468A93-F5B5-49E9-B836-9872129CC484}"/>
+                <a16:creationId xmlns:a16="http://schemas.microsoft.com/office/drawing/2014/main" id="{4C468A93-F5B5-49E9-B836-9872129CC484}"/>
               </a:ext>
             </a:extLst>
           </p:cNvPr>
@@ -1818,7 +3615,7 @@
           <p:cNvPr id="7" name="Date Placeholder 6">
             <a:extLst>
               <a:ext uri="{FF2B5EF4-FFF2-40B4-BE49-F238E27FC236}">
-                <a16:creationId xmlns:a16="http://schemas.microsoft.com/office/drawing/2014/main" xmlns="" id="{695DD8CB-5889-49EA-9BAD-528818612ABE}"/>
+                <a16:creationId xmlns:a16="http://schemas.microsoft.com/office/drawing/2014/main" id="{695DD8CB-5889-49EA-9BAD-528818612ABE}"/>
               </a:ext>
             </a:extLst>
           </p:cNvPr>
@@ -1836,7 +3633,7 @@
           <a:p>
             <a:fld id="{96B0AB5A-E802-48CF-A5B9-FE8704AC6519}" type="datetimeFigureOut">
               <a:rPr lang="en-CA" smtClean="0"/>
-              <a:t>2017-09-19</a:t>
+              <a:t>19/09/2017</a:t>
             </a:fld>
             <a:endParaRPr lang="en-CA"/>
           </a:p>
@@ -1847,7 +3644,7 @@
           <p:cNvPr id="8" name="Footer Placeholder 7">
             <a:extLst>
               <a:ext uri="{FF2B5EF4-FFF2-40B4-BE49-F238E27FC236}">
-                <a16:creationId xmlns:a16="http://schemas.microsoft.com/office/drawing/2014/main" xmlns="" id="{8501B846-1316-4807-8A54-DA3AC47AD72F}"/>
+                <a16:creationId xmlns:a16="http://schemas.microsoft.com/office/drawing/2014/main" id="{8501B846-1316-4807-8A54-DA3AC47AD72F}"/>
               </a:ext>
             </a:extLst>
           </p:cNvPr>
@@ -1872,7 +3669,7 @@
           <p:cNvPr id="9" name="Slide Number Placeholder 8">
             <a:extLst>
               <a:ext uri="{FF2B5EF4-FFF2-40B4-BE49-F238E27FC236}">
-                <a16:creationId xmlns:a16="http://schemas.microsoft.com/office/drawing/2014/main" xmlns="" id="{689B354F-D580-4F3A-AB73-5BC965F2B569}"/>
+                <a16:creationId xmlns:a16="http://schemas.microsoft.com/office/drawing/2014/main" id="{689B354F-D580-4F3A-AB73-5BC965F2B569}"/>
               </a:ext>
             </a:extLst>
           </p:cNvPr>
@@ -1931,7 +3728,7 @@
           <p:cNvPr id="2" name="Title 1">
             <a:extLst>
               <a:ext uri="{FF2B5EF4-FFF2-40B4-BE49-F238E27FC236}">
-                <a16:creationId xmlns:a16="http://schemas.microsoft.com/office/drawing/2014/main" xmlns="" id="{79DDE365-D52A-428F-AB9F-8CF9AC3D43A2}"/>
+                <a16:creationId xmlns:a16="http://schemas.microsoft.com/office/drawing/2014/main" id="{79DDE365-D52A-428F-AB9F-8CF9AC3D43A2}"/>
               </a:ext>
             </a:extLst>
           </p:cNvPr>
@@ -1960,7 +3757,7 @@
           <p:cNvPr id="3" name="Date Placeholder 2">
             <a:extLst>
               <a:ext uri="{FF2B5EF4-FFF2-40B4-BE49-F238E27FC236}">
-                <a16:creationId xmlns:a16="http://schemas.microsoft.com/office/drawing/2014/main" xmlns="" id="{1B902405-9BC8-4DCF-89BD-1C3021158836}"/>
+                <a16:creationId xmlns:a16="http://schemas.microsoft.com/office/drawing/2014/main" id="{1B902405-9BC8-4DCF-89BD-1C3021158836}"/>
               </a:ext>
             </a:extLst>
           </p:cNvPr>
@@ -1978,7 +3775,7 @@
           <a:p>
             <a:fld id="{96B0AB5A-E802-48CF-A5B9-FE8704AC6519}" type="datetimeFigureOut">
               <a:rPr lang="en-CA" smtClean="0"/>
-              <a:t>2017-09-19</a:t>
+              <a:t>19/09/2017</a:t>
             </a:fld>
             <a:endParaRPr lang="en-CA"/>
           </a:p>
@@ -1989,7 +3786,7 @@
           <p:cNvPr id="4" name="Footer Placeholder 3">
             <a:extLst>
               <a:ext uri="{FF2B5EF4-FFF2-40B4-BE49-F238E27FC236}">
-                <a16:creationId xmlns:a16="http://schemas.microsoft.com/office/drawing/2014/main" xmlns="" id="{5741E3B3-AB1D-4FEA-A844-6DD4E7C45709}"/>
+                <a16:creationId xmlns:a16="http://schemas.microsoft.com/office/drawing/2014/main" id="{5741E3B3-AB1D-4FEA-A844-6DD4E7C45709}"/>
               </a:ext>
             </a:extLst>
           </p:cNvPr>
@@ -2014,7 +3811,7 @@
           <p:cNvPr id="5" name="Slide Number Placeholder 4">
             <a:extLst>
               <a:ext uri="{FF2B5EF4-FFF2-40B4-BE49-F238E27FC236}">
-                <a16:creationId xmlns:a16="http://schemas.microsoft.com/office/drawing/2014/main" xmlns="" id="{449737C3-89A9-4077-A0AE-16155EBF7C96}"/>
+                <a16:creationId xmlns:a16="http://schemas.microsoft.com/office/drawing/2014/main" id="{449737C3-89A9-4077-A0AE-16155EBF7C96}"/>
               </a:ext>
             </a:extLst>
           </p:cNvPr>
@@ -2073,7 +3870,7 @@
           <p:cNvPr id="2" name="Date Placeholder 1">
             <a:extLst>
               <a:ext uri="{FF2B5EF4-FFF2-40B4-BE49-F238E27FC236}">
-                <a16:creationId xmlns:a16="http://schemas.microsoft.com/office/drawing/2014/main" xmlns="" id="{67E2FC56-905E-4427-BB9F-0599D987CF0A}"/>
+                <a16:creationId xmlns:a16="http://schemas.microsoft.com/office/drawing/2014/main" id="{67E2FC56-905E-4427-BB9F-0599D987CF0A}"/>
               </a:ext>
             </a:extLst>
           </p:cNvPr>
@@ -2091,7 +3888,7 @@
           <a:p>
             <a:fld id="{96B0AB5A-E802-48CF-A5B9-FE8704AC6519}" type="datetimeFigureOut">
               <a:rPr lang="en-CA" smtClean="0"/>
-              <a:t>2017-09-19</a:t>
+              <a:t>19/09/2017</a:t>
             </a:fld>
             <a:endParaRPr lang="en-CA"/>
           </a:p>
@@ -2102,7 +3899,7 @@
           <p:cNvPr id="3" name="Footer Placeholder 2">
             <a:extLst>
               <a:ext uri="{FF2B5EF4-FFF2-40B4-BE49-F238E27FC236}">
-                <a16:creationId xmlns:a16="http://schemas.microsoft.com/office/drawing/2014/main" xmlns="" id="{487C4D51-B9C6-4DF9-B99D-02567E8C682D}"/>
+                <a16:creationId xmlns:a16="http://schemas.microsoft.com/office/drawing/2014/main" id="{487C4D51-B9C6-4DF9-B99D-02567E8C682D}"/>
               </a:ext>
             </a:extLst>
           </p:cNvPr>
@@ -2127,7 +3924,7 @@
           <p:cNvPr id="4" name="Slide Number Placeholder 3">
             <a:extLst>
               <a:ext uri="{FF2B5EF4-FFF2-40B4-BE49-F238E27FC236}">
-                <a16:creationId xmlns:a16="http://schemas.microsoft.com/office/drawing/2014/main" xmlns="" id="{0190AAD4-0860-4BD5-8057-18876B454949}"/>
+                <a16:creationId xmlns:a16="http://schemas.microsoft.com/office/drawing/2014/main" id="{0190AAD4-0860-4BD5-8057-18876B454949}"/>
               </a:ext>
             </a:extLst>
           </p:cNvPr>
@@ -2186,7 +3983,7 @@
           <p:cNvPr id="2" name="Title 1">
             <a:extLst>
               <a:ext uri="{FF2B5EF4-FFF2-40B4-BE49-F238E27FC236}">
-                <a16:creationId xmlns:a16="http://schemas.microsoft.com/office/drawing/2014/main" xmlns="" id="{38D0AC77-2DD6-4F80-AED8-5F2DEAFE47A5}"/>
+                <a16:creationId xmlns:a16="http://schemas.microsoft.com/office/drawing/2014/main" id="{38D0AC77-2DD6-4F80-AED8-5F2DEAFE47A5}"/>
               </a:ext>
             </a:extLst>
           </p:cNvPr>
@@ -2224,7 +4021,7 @@
           <p:cNvPr id="3" name="Content Placeholder 2">
             <a:extLst>
               <a:ext uri="{FF2B5EF4-FFF2-40B4-BE49-F238E27FC236}">
-                <a16:creationId xmlns:a16="http://schemas.microsoft.com/office/drawing/2014/main" xmlns="" id="{8A50F9F6-EF62-405A-BD73-A4D257EA25C1}"/>
+                <a16:creationId xmlns:a16="http://schemas.microsoft.com/office/drawing/2014/main" id="{8A50F9F6-EF62-405A-BD73-A4D257EA25C1}"/>
               </a:ext>
             </a:extLst>
           </p:cNvPr>
@@ -2315,7 +4112,7 @@
           <p:cNvPr id="4" name="Text Placeholder 3">
             <a:extLst>
               <a:ext uri="{FF2B5EF4-FFF2-40B4-BE49-F238E27FC236}">
-                <a16:creationId xmlns:a16="http://schemas.microsoft.com/office/drawing/2014/main" xmlns="" id="{C2D29C1A-CCB3-4892-8341-4E47EA725C2E}"/>
+                <a16:creationId xmlns:a16="http://schemas.microsoft.com/office/drawing/2014/main" id="{C2D29C1A-CCB3-4892-8341-4E47EA725C2E}"/>
               </a:ext>
             </a:extLst>
           </p:cNvPr>
@@ -2386,7 +4183,7 @@
           <p:cNvPr id="5" name="Date Placeholder 4">
             <a:extLst>
               <a:ext uri="{FF2B5EF4-FFF2-40B4-BE49-F238E27FC236}">
-                <a16:creationId xmlns:a16="http://schemas.microsoft.com/office/drawing/2014/main" xmlns="" id="{4A49B093-3DB2-42E5-90E6-7961FD1DEF69}"/>
+                <a16:creationId xmlns:a16="http://schemas.microsoft.com/office/drawing/2014/main" id="{4A49B093-3DB2-42E5-90E6-7961FD1DEF69}"/>
               </a:ext>
             </a:extLst>
           </p:cNvPr>
@@ -2404,7 +4201,7 @@
           <a:p>
             <a:fld id="{96B0AB5A-E802-48CF-A5B9-FE8704AC6519}" type="datetimeFigureOut">
               <a:rPr lang="en-CA" smtClean="0"/>
-              <a:t>2017-09-19</a:t>
+              <a:t>19/09/2017</a:t>
             </a:fld>
             <a:endParaRPr lang="en-CA"/>
           </a:p>
@@ -2415,7 +4212,7 @@
           <p:cNvPr id="6" name="Footer Placeholder 5">
             <a:extLst>
               <a:ext uri="{FF2B5EF4-FFF2-40B4-BE49-F238E27FC236}">
-                <a16:creationId xmlns:a16="http://schemas.microsoft.com/office/drawing/2014/main" xmlns="" id="{DF18E932-8D4E-4B86-ADE7-DAF5963F6D69}"/>
+                <a16:creationId xmlns:a16="http://schemas.microsoft.com/office/drawing/2014/main" id="{DF18E932-8D4E-4B86-ADE7-DAF5963F6D69}"/>
               </a:ext>
             </a:extLst>
           </p:cNvPr>
@@ -2440,7 +4237,7 @@
           <p:cNvPr id="7" name="Slide Number Placeholder 6">
             <a:extLst>
               <a:ext uri="{FF2B5EF4-FFF2-40B4-BE49-F238E27FC236}">
-                <a16:creationId xmlns:a16="http://schemas.microsoft.com/office/drawing/2014/main" xmlns="" id="{2A6BCD62-2E53-46BB-8674-8A6BC93614B3}"/>
+                <a16:creationId xmlns:a16="http://schemas.microsoft.com/office/drawing/2014/main" id="{2A6BCD62-2E53-46BB-8674-8A6BC93614B3}"/>
               </a:ext>
             </a:extLst>
           </p:cNvPr>
@@ -2499,7 +4296,7 @@
           <p:cNvPr id="2" name="Title 1">
             <a:extLst>
               <a:ext uri="{FF2B5EF4-FFF2-40B4-BE49-F238E27FC236}">
-                <a16:creationId xmlns:a16="http://schemas.microsoft.com/office/drawing/2014/main" xmlns="" id="{BE66942B-4AEE-47BA-A130-8FE3D07A2517}"/>
+                <a16:creationId xmlns:a16="http://schemas.microsoft.com/office/drawing/2014/main" id="{BE66942B-4AEE-47BA-A130-8FE3D07A2517}"/>
               </a:ext>
             </a:extLst>
           </p:cNvPr>
@@ -2537,7 +4334,7 @@
           <p:cNvPr id="3" name="Picture Placeholder 2">
             <a:extLst>
               <a:ext uri="{FF2B5EF4-FFF2-40B4-BE49-F238E27FC236}">
-                <a16:creationId xmlns:a16="http://schemas.microsoft.com/office/drawing/2014/main" xmlns="" id="{A24C110B-5666-4CAC-9935-17BA900407EB}"/>
+                <a16:creationId xmlns:a16="http://schemas.microsoft.com/office/drawing/2014/main" id="{A24C110B-5666-4CAC-9935-17BA900407EB}"/>
               </a:ext>
             </a:extLst>
           </p:cNvPr>
@@ -2604,7 +4401,7 @@
           <p:cNvPr id="4" name="Text Placeholder 3">
             <a:extLst>
               <a:ext uri="{FF2B5EF4-FFF2-40B4-BE49-F238E27FC236}">
-                <a16:creationId xmlns:a16="http://schemas.microsoft.com/office/drawing/2014/main" xmlns="" id="{1A5EEBFA-7C3F-40BC-A736-89E2871AB916}"/>
+                <a16:creationId xmlns:a16="http://schemas.microsoft.com/office/drawing/2014/main" id="{1A5EEBFA-7C3F-40BC-A736-89E2871AB916}"/>
               </a:ext>
             </a:extLst>
           </p:cNvPr>
@@ -2675,7 +4472,7 @@
           <p:cNvPr id="5" name="Date Placeholder 4">
             <a:extLst>
               <a:ext uri="{FF2B5EF4-FFF2-40B4-BE49-F238E27FC236}">
-                <a16:creationId xmlns:a16="http://schemas.microsoft.com/office/drawing/2014/main" xmlns="" id="{0F9791BC-52F7-4098-BD77-EB52CAD311D7}"/>
+                <a16:creationId xmlns:a16="http://schemas.microsoft.com/office/drawing/2014/main" id="{0F9791BC-52F7-4098-BD77-EB52CAD311D7}"/>
               </a:ext>
             </a:extLst>
           </p:cNvPr>
@@ -2693,7 +4490,7 @@
           <a:p>
             <a:fld id="{96B0AB5A-E802-48CF-A5B9-FE8704AC6519}" type="datetimeFigureOut">
               <a:rPr lang="en-CA" smtClean="0"/>
-              <a:t>2017-09-19</a:t>
+              <a:t>19/09/2017</a:t>
             </a:fld>
             <a:endParaRPr lang="en-CA"/>
           </a:p>
@@ -2704,7 +4501,7 @@
           <p:cNvPr id="6" name="Footer Placeholder 5">
             <a:extLst>
               <a:ext uri="{FF2B5EF4-FFF2-40B4-BE49-F238E27FC236}">
-                <a16:creationId xmlns:a16="http://schemas.microsoft.com/office/drawing/2014/main" xmlns="" id="{E2F409E7-1C98-4E39-B7A6-5F89DA98469F}"/>
+                <a16:creationId xmlns:a16="http://schemas.microsoft.com/office/drawing/2014/main" id="{E2F409E7-1C98-4E39-B7A6-5F89DA98469F}"/>
               </a:ext>
             </a:extLst>
           </p:cNvPr>
@@ -2729,7 +4526,7 @@
           <p:cNvPr id="7" name="Slide Number Placeholder 6">
             <a:extLst>
               <a:ext uri="{FF2B5EF4-FFF2-40B4-BE49-F238E27FC236}">
-                <a16:creationId xmlns:a16="http://schemas.microsoft.com/office/drawing/2014/main" xmlns="" id="{BDC7D36C-18CF-4995-B3BF-440113BC7738}"/>
+                <a16:creationId xmlns:a16="http://schemas.microsoft.com/office/drawing/2014/main" id="{BDC7D36C-18CF-4995-B3BF-440113BC7738}"/>
               </a:ext>
             </a:extLst>
           </p:cNvPr>
@@ -2793,7 +4590,7 @@
           <p:cNvPr id="2" name="Title Placeholder 1">
             <a:extLst>
               <a:ext uri="{FF2B5EF4-FFF2-40B4-BE49-F238E27FC236}">
-                <a16:creationId xmlns:a16="http://schemas.microsoft.com/office/drawing/2014/main" xmlns="" id="{E5B4AD75-DD9C-4FBC-861B-1923DAD4C653}"/>
+                <a16:creationId xmlns:a16="http://schemas.microsoft.com/office/drawing/2014/main" id="{E5B4AD75-DD9C-4FBC-861B-1923DAD4C653}"/>
               </a:ext>
             </a:extLst>
           </p:cNvPr>
@@ -2832,7 +4629,7 @@
           <p:cNvPr id="3" name="Text Placeholder 2">
             <a:extLst>
               <a:ext uri="{FF2B5EF4-FFF2-40B4-BE49-F238E27FC236}">
-                <a16:creationId xmlns:a16="http://schemas.microsoft.com/office/drawing/2014/main" xmlns="" id="{4D568E8A-8FC5-429A-BBC2-86B33A87A88A}"/>
+                <a16:creationId xmlns:a16="http://schemas.microsoft.com/office/drawing/2014/main" id="{4D568E8A-8FC5-429A-BBC2-86B33A87A88A}"/>
               </a:ext>
             </a:extLst>
           </p:cNvPr>
@@ -2900,7 +4697,7 @@
           <p:cNvPr id="4" name="Date Placeholder 3">
             <a:extLst>
               <a:ext uri="{FF2B5EF4-FFF2-40B4-BE49-F238E27FC236}">
-                <a16:creationId xmlns:a16="http://schemas.microsoft.com/office/drawing/2014/main" xmlns="" id="{29A9B9B8-7E0D-4EC3-A0F8-0CFBC57A3D7E}"/>
+                <a16:creationId xmlns:a16="http://schemas.microsoft.com/office/drawing/2014/main" id="{29A9B9B8-7E0D-4EC3-A0F8-0CFBC57A3D7E}"/>
               </a:ext>
             </a:extLst>
           </p:cNvPr>
@@ -2936,7 +4733,7 @@
           <a:p>
             <a:fld id="{96B0AB5A-E802-48CF-A5B9-FE8704AC6519}" type="datetimeFigureOut">
               <a:rPr lang="en-CA" smtClean="0"/>
-              <a:t>2017-09-19</a:t>
+              <a:t>19/09/2017</a:t>
             </a:fld>
             <a:endParaRPr lang="en-CA"/>
           </a:p>
@@ -2947,7 +4744,7 @@
           <p:cNvPr id="5" name="Footer Placeholder 4">
             <a:extLst>
               <a:ext uri="{FF2B5EF4-FFF2-40B4-BE49-F238E27FC236}">
-                <a16:creationId xmlns:a16="http://schemas.microsoft.com/office/drawing/2014/main" xmlns="" id="{5701BCBF-10E5-4F5A-AFDC-06F55B5CAA8F}"/>
+                <a16:creationId xmlns:a16="http://schemas.microsoft.com/office/drawing/2014/main" id="{5701BCBF-10E5-4F5A-AFDC-06F55B5CAA8F}"/>
               </a:ext>
             </a:extLst>
           </p:cNvPr>
@@ -2990,7 +4787,7 @@
           <p:cNvPr id="6" name="Slide Number Placeholder 5">
             <a:extLst>
               <a:ext uri="{FF2B5EF4-FFF2-40B4-BE49-F238E27FC236}">
-                <a16:creationId xmlns:a16="http://schemas.microsoft.com/office/drawing/2014/main" xmlns="" id="{68C4BCD5-C523-4222-8576-785E1DE19235}"/>
+                <a16:creationId xmlns:a16="http://schemas.microsoft.com/office/drawing/2014/main" id="{68C4BCD5-C523-4222-8576-785E1DE19235}"/>
               </a:ext>
             </a:extLst>
           </p:cNvPr>
@@ -3358,7 +5155,7 @@
           <p:cNvPr id="2" name="Title 1">
             <a:extLst>
               <a:ext uri="{FF2B5EF4-FFF2-40B4-BE49-F238E27FC236}">
-                <a16:creationId xmlns:a16="http://schemas.microsoft.com/office/drawing/2014/main" xmlns="" id="{FA47EB2B-4331-4E3D-9575-372974FA84E1}"/>
+                <a16:creationId xmlns:a16="http://schemas.microsoft.com/office/drawing/2014/main" id="{FA47EB2B-4331-4E3D-9575-372974FA84E1}"/>
               </a:ext>
             </a:extLst>
           </p:cNvPr>
@@ -3383,7 +5180,7 @@
           <p:cNvPr id="3" name="Subtitle 2">
             <a:extLst>
               <a:ext uri="{FF2B5EF4-FFF2-40B4-BE49-F238E27FC236}">
-                <a16:creationId xmlns:a16="http://schemas.microsoft.com/office/drawing/2014/main" xmlns="" id="{A4D09F98-919E-4EAE-8FE4-8DF28106A8A4}"/>
+                <a16:creationId xmlns:a16="http://schemas.microsoft.com/office/drawing/2014/main" id="{A4D09F98-919E-4EAE-8FE4-8DF28106A8A4}"/>
               </a:ext>
             </a:extLst>
           </p:cNvPr>
@@ -3438,7 +5235,7 @@
           <p:cNvPr id="2" name="Title 1">
             <a:extLst>
               <a:ext uri="{FF2B5EF4-FFF2-40B4-BE49-F238E27FC236}">
-                <a16:creationId xmlns:a16="http://schemas.microsoft.com/office/drawing/2014/main" xmlns="" id="{C0DC2B9B-FCB5-4621-ABB4-77B660602A25}"/>
+                <a16:creationId xmlns:a16="http://schemas.microsoft.com/office/drawing/2014/main" id="{C0DC2B9B-FCB5-4621-ABB4-77B660602A25}"/>
               </a:ext>
             </a:extLst>
           </p:cNvPr>
@@ -3456,17 +5253,8 @@
           <a:p>
             <a:r>
               <a:rPr lang="en-CA" dirty="0"/>
-              <a:t>% of </a:t>
-            </a:r>
-            <a:r>
-              <a:rPr lang="en-CA" dirty="0" smtClean="0"/>
-              <a:t>rejecting </a:t>
-            </a:r>
-            <a:r>
-              <a:rPr lang="en-CA" dirty="0" smtClean="0"/>
-              <a:t>offers in all participants</a:t>
-            </a:r>
-            <a:endParaRPr lang="en-CA" dirty="0"/>
+              <a:t>% of rejecting offers in all participants</a:t>
+            </a:r>
           </a:p>
         </p:txBody>
       </p:sp>
@@ -3475,7 +5263,7 @@
           <p:cNvPr id="4" name="Content Placeholder 3" descr="C:\Users\ke\Desktop\Figure_1.png">
             <a:extLst>
               <a:ext uri="{FF2B5EF4-FFF2-40B4-BE49-F238E27FC236}">
-                <a16:creationId xmlns:a16="http://schemas.microsoft.com/office/drawing/2014/main" xmlns="" id="{4D21BC85-7DF2-4CAA-BD03-EE4871E463F2}"/>
+                <a16:creationId xmlns:a16="http://schemas.microsoft.com/office/drawing/2014/main" id="{4D21BC85-7DF2-4CAA-BD03-EE4871E463F2}"/>
               </a:ext>
             </a:extLst>
           </p:cNvPr>
@@ -3518,7 +5306,7 @@
           <p:cNvPr id="6" name="TextBox 5">
             <a:extLst>
               <a:ext uri="{FF2B5EF4-FFF2-40B4-BE49-F238E27FC236}">
-                <a16:creationId xmlns:a16="http://schemas.microsoft.com/office/drawing/2014/main" xmlns="" id="{FF07B87F-C8DD-4F75-AF75-8EE671EF4690}"/>
+                <a16:creationId xmlns:a16="http://schemas.microsoft.com/office/drawing/2014/main" id="{FF07B87F-C8DD-4F75-AF75-8EE671EF4690}"/>
               </a:ext>
             </a:extLst>
           </p:cNvPr>
@@ -3528,7 +5316,7 @@
         <p:spPr>
           <a:xfrm>
             <a:off x="3868819" y="3338362"/>
-            <a:ext cx="7175101" cy="1200329"/>
+            <a:ext cx="7175101" cy="1477328"/>
           </a:xfrm>
           <a:prstGeom prst="rect">
             <a:avLst/>
@@ -3546,24 +5334,8 @@
               <a:buChar char="•"/>
             </a:pPr>
             <a:r>
-              <a:rPr lang="en-CA" dirty="0" smtClean="0"/>
-              <a:t> proportion of accepting faired/</a:t>
-            </a:r>
-            <a:r>
-              <a:rPr lang="en-CA" dirty="0" err="1" smtClean="0"/>
-              <a:t>unfaired</a:t>
-            </a:r>
-            <a:r>
-              <a:rPr lang="en-CA" dirty="0" smtClean="0"/>
-              <a:t> offers is significantly different from the proportion of rejecting faired/</a:t>
-            </a:r>
-            <a:r>
-              <a:rPr lang="en-CA" dirty="0" err="1" smtClean="0"/>
-              <a:t>unfaired</a:t>
-            </a:r>
-            <a:r>
-              <a:rPr lang="en-CA" dirty="0" smtClean="0"/>
-              <a:t> offers, p=0.</a:t>
+              <a:rPr lang="en-CA" dirty="0"/>
+              <a:t>proportion of accepting faired/unfair offers is significantly different from the proportion of rejecting faired/unfair offers, p=0.</a:t>
             </a:r>
           </a:p>
           <a:p>
@@ -3572,22 +5344,19 @@
               <a:buChar char="•"/>
             </a:pPr>
             <a:r>
-              <a:rPr lang="en-CA" dirty="0" smtClean="0"/>
-              <a:t>Proportion of rejecting faired offers is significantl</a:t>
-            </a:r>
-            <a:r>
-              <a:rPr lang="en-CA" dirty="0" smtClean="0"/>
-              <a:t>y different from rejecting </a:t>
-            </a:r>
-            <a:r>
-              <a:rPr lang="en-CA" dirty="0" err="1" smtClean="0"/>
-              <a:t>unfaired</a:t>
-            </a:r>
-            <a:r>
-              <a:rPr lang="en-CA" dirty="0" smtClean="0"/>
-              <a:t> offers, p=0.</a:t>
-            </a:r>
-            <a:endParaRPr lang="en-CA" dirty="0"/>
+              <a:rPr lang="en-CA" dirty="0"/>
+              <a:t>Proportion of rejecting faired offers is significantly different from rejecting unfair offers, p=0.</a:t>
+            </a:r>
+          </a:p>
+          <a:p>
+            <a:pPr marL="285750" indent="-285750">
+              <a:buFont typeface="Arial" charset="0"/>
+              <a:buChar char="•"/>
+            </a:pPr>
+            <a:r>
+              <a:rPr lang="en-CA" dirty="0"/>
+              <a:t>Binomial test</a:t>
+            </a:r>
           </a:p>
         </p:txBody>
       </p:sp>
@@ -3596,7 +5365,7 @@
           <p:cNvPr id="5" name="Table 4">
             <a:extLst>
               <a:ext uri="{FF2B5EF4-FFF2-40B4-BE49-F238E27FC236}">
-                <a16:creationId xmlns:a16="http://schemas.microsoft.com/office/drawing/2014/main" xmlns="" id="{7229B7B9-B18A-4703-9B4E-3C8CBCE0D5D8}"/>
+                <a16:creationId xmlns:a16="http://schemas.microsoft.com/office/drawing/2014/main" id="{7229B7B9-B18A-4703-9B4E-3C8CBCE0D5D8}"/>
               </a:ext>
             </a:extLst>
           </p:cNvPr>
@@ -3625,21 +5394,21 @@
                 <a:gridCol w="983916">
                   <a:extLst>
                     <a:ext uri="{9D8B030D-6E8A-4147-A177-3AD203B41FA5}">
-                      <a16:colId xmlns:a16="http://schemas.microsoft.com/office/drawing/2014/main" xmlns="" val="3735259432"/>
+                      <a16:colId xmlns:a16="http://schemas.microsoft.com/office/drawing/2014/main" val="3735259432"/>
                     </a:ext>
                   </a:extLst>
                 </a:gridCol>
                 <a:gridCol w="983916">
                   <a:extLst>
                     <a:ext uri="{9D8B030D-6E8A-4147-A177-3AD203B41FA5}">
-                      <a16:colId xmlns:a16="http://schemas.microsoft.com/office/drawing/2014/main" xmlns="" val="1134382208"/>
+                      <a16:colId xmlns:a16="http://schemas.microsoft.com/office/drawing/2014/main" val="1134382208"/>
                     </a:ext>
                   </a:extLst>
                 </a:gridCol>
                 <a:gridCol w="983916">
                   <a:extLst>
                     <a:ext uri="{9D8B030D-6E8A-4147-A177-3AD203B41FA5}">
-                      <a16:colId xmlns:a16="http://schemas.microsoft.com/office/drawing/2014/main" xmlns="" val="1257578719"/>
+                      <a16:colId xmlns:a16="http://schemas.microsoft.com/office/drawing/2014/main" val="1257578719"/>
                     </a:ext>
                   </a:extLst>
                 </a:gridCol>
@@ -3716,7 +5485,7 @@
                 </a:tc>
                 <a:extLst>
                   <a:ext uri="{0D108BD9-81ED-4DB2-BD59-A6C34878D82A}">
-                    <a16:rowId xmlns:a16="http://schemas.microsoft.com/office/drawing/2014/main" xmlns="" val="1625375486"/>
+                    <a16:rowId xmlns:a16="http://schemas.microsoft.com/office/drawing/2014/main" val="1625375486"/>
                   </a:ext>
                 </a:extLst>
               </a:tr>
@@ -3792,7 +5561,7 @@
                 </a:tc>
                 <a:extLst>
                   <a:ext uri="{0D108BD9-81ED-4DB2-BD59-A6C34878D82A}">
-                    <a16:rowId xmlns:a16="http://schemas.microsoft.com/office/drawing/2014/main" xmlns="" val="1346036712"/>
+                    <a16:rowId xmlns:a16="http://schemas.microsoft.com/office/drawing/2014/main" val="1346036712"/>
                   </a:ext>
                 </a:extLst>
               </a:tr>
@@ -3868,7 +5637,7 @@
                 </a:tc>
                 <a:extLst>
                   <a:ext uri="{0D108BD9-81ED-4DB2-BD59-A6C34878D82A}">
-                    <a16:rowId xmlns:a16="http://schemas.microsoft.com/office/drawing/2014/main" xmlns="" val="2275640152"/>
+                    <a16:rowId xmlns:a16="http://schemas.microsoft.com/office/drawing/2014/main" val="2275640152"/>
                   </a:ext>
                 </a:extLst>
               </a:tr>
@@ -3922,10 +5691,9 @@
           <a:lstStyle/>
           <a:p>
             <a:r>
-              <a:rPr lang="en-US" dirty="0" smtClean="0"/>
+              <a:rPr lang="en-US" dirty="0"/>
               <a:t>Demographics	</a:t>
             </a:r>
-            <a:endParaRPr lang="en-US" dirty="0"/>
           </a:p>
         </p:txBody>
       </p:sp>
@@ -3945,14 +5713,134 @@
           <a:lstStyle/>
           <a:p>
             <a:r>
-              <a:rPr lang="en-US" dirty="0" smtClean="0"/>
-              <a:t>Are groups significantly different in </a:t>
-            </a:r>
-            <a:r>
-              <a:rPr lang="en-US" smtClean="0"/>
-              <a:t>demographics info?</a:t>
-            </a:r>
+              <a:rPr lang="en-US" dirty="0"/>
+              <a:t>Are groups significantly different in demographics info?</a:t>
+            </a:r>
+          </a:p>
+          <a:p>
             <a:endParaRPr lang="en-US" dirty="0"/>
+          </a:p>
+        </p:txBody>
+      </p:sp>
+      <p:pic>
+        <p:nvPicPr>
+          <p:cNvPr id="4" name="Picture 3">
+            <a:extLst>
+              <a:ext uri="{FF2B5EF4-FFF2-40B4-BE49-F238E27FC236}">
+                <a16:creationId xmlns:a16="http://schemas.microsoft.com/office/drawing/2014/main" id="{83503D01-4845-4860-81B1-C045015D081B}"/>
+              </a:ext>
+            </a:extLst>
+          </p:cNvPr>
+          <p:cNvPicPr>
+            <a:picLocks noChangeAspect="1"/>
+          </p:cNvPicPr>
+          <p:nvPr/>
+        </p:nvPicPr>
+        <p:blipFill>
+          <a:blip r:embed="rId2"/>
+          <a:stretch>
+            <a:fillRect/>
+          </a:stretch>
+        </p:blipFill>
+        <p:spPr>
+          <a:xfrm>
+            <a:off x="838200" y="2387857"/>
+            <a:ext cx="3564467" cy="2199785"/>
+          </a:xfrm>
+          <a:prstGeom prst="rect">
+            <a:avLst/>
+          </a:prstGeom>
+        </p:spPr>
+      </p:pic>
+      <p:sp>
+        <p:nvSpPr>
+          <p:cNvPr id="5" name="TextBox 4">
+            <a:extLst>
+              <a:ext uri="{FF2B5EF4-FFF2-40B4-BE49-F238E27FC236}">
+                <a16:creationId xmlns:a16="http://schemas.microsoft.com/office/drawing/2014/main" id="{EA5D9DFF-BAE7-4ACF-8630-9B7F07FFE7C3}"/>
+              </a:ext>
+            </a:extLst>
+          </p:cNvPr>
+          <p:cNvSpPr txBox="1"/>
+          <p:nvPr/>
+        </p:nvSpPr>
+        <p:spPr>
+          <a:xfrm>
+            <a:off x="5118100" y="2387857"/>
+            <a:ext cx="6235700" cy="1477328"/>
+          </a:xfrm>
+          <a:prstGeom prst="rect">
+            <a:avLst/>
+          </a:prstGeom>
+          <a:noFill/>
+        </p:spPr>
+        <p:txBody>
+          <a:bodyPr wrap="square" rtlCol="0">
+            <a:spAutoFit/>
+          </a:bodyPr>
+          <a:lstStyle/>
+          <a:p>
+            <a:pPr marL="285750" indent="-285750">
+              <a:buFont typeface="Arial" panose="020B0604020202020204" pitchFamily="34" charset="0"/>
+              <a:buChar char="•"/>
+            </a:pPr>
+            <a:r>
+              <a:rPr lang="en-CA" dirty="0"/>
+              <a:t>The baseline ages are significantly different across the 4 groups,  F(3) = 2.826, p=0.426. </a:t>
+            </a:r>
+            <a:r>
+              <a:rPr lang="en-CA" dirty="0" err="1"/>
+              <a:t>Ideators</a:t>
+            </a:r>
+            <a:r>
+              <a:rPr lang="en-CA" dirty="0"/>
+              <a:t> and controls are significantly different (Tukey HSD), p=0.042.</a:t>
+            </a:r>
+          </a:p>
+          <a:p>
+            <a:pPr marL="285750" indent="-285750">
+              <a:buFont typeface="Arial" panose="020B0604020202020204" pitchFamily="34" charset="0"/>
+              <a:buChar char="•"/>
+            </a:pPr>
+            <a:r>
+              <a:rPr lang="en-CA" dirty="0"/>
+              <a:t>The baseline ages are not significantly across the 5 groups (attempter HL &amp; LL), F(4) = 2.364, p=0.058.</a:t>
+            </a:r>
+          </a:p>
+        </p:txBody>
+      </p:sp>
+      <p:sp>
+        <p:nvSpPr>
+          <p:cNvPr id="6" name="TextBox 5">
+            <a:extLst>
+              <a:ext uri="{FF2B5EF4-FFF2-40B4-BE49-F238E27FC236}">
+                <a16:creationId xmlns:a16="http://schemas.microsoft.com/office/drawing/2014/main" id="{47C1B0C9-06AE-4033-9D9E-4BE9EEEDB71F}"/>
+              </a:ext>
+            </a:extLst>
+          </p:cNvPr>
+          <p:cNvSpPr txBox="1"/>
+          <p:nvPr/>
+        </p:nvSpPr>
+        <p:spPr>
+          <a:xfrm>
+            <a:off x="2150533" y="4587642"/>
+            <a:ext cx="1913467" cy="369332"/>
+          </a:xfrm>
+          <a:prstGeom prst="rect">
+            <a:avLst/>
+          </a:prstGeom>
+          <a:noFill/>
+        </p:spPr>
+        <p:txBody>
+          <a:bodyPr wrap="square" rtlCol="0">
+            <a:spAutoFit/>
+          </a:bodyPr>
+          <a:lstStyle/>
+          <a:p>
+            <a:r>
+              <a:rPr lang="en-CA" dirty="0"/>
+              <a:t>5-levels</a:t>
+            </a:r>
           </a:p>
         </p:txBody>
       </p:sp>
@@ -3960,6 +5848,214 @@
     <p:extLst>
       <p:ext uri="{BB962C8B-B14F-4D97-AF65-F5344CB8AC3E}">
         <p14:creationId xmlns:p14="http://schemas.microsoft.com/office/powerpoint/2010/main" val="915773763"/>
+      </p:ext>
+    </p:extLst>
+  </p:cSld>
+  <p:clrMapOvr>
+    <a:masterClrMapping/>
+  </p:clrMapOvr>
+</p:sld>
+</file>
+
+<file path=ppt/slides/slide4.xml><?xml version="1.0" encoding="utf-8"?>
+<p:sld xmlns:a="http://schemas.openxmlformats.org/drawingml/2006/main" xmlns:r="http://schemas.openxmlformats.org/officeDocument/2006/relationships" xmlns:p="http://schemas.openxmlformats.org/presentationml/2006/main">
+  <p:cSld>
+    <p:spTree>
+      <p:nvGrpSpPr>
+        <p:cNvPr id="1" name=""/>
+        <p:cNvGrpSpPr/>
+        <p:nvPr/>
+      </p:nvGrpSpPr>
+      <p:grpSpPr>
+        <a:xfrm>
+          <a:off x="0" y="0"/>
+          <a:ext cx="0" cy="0"/>
+          <a:chOff x="0" y="0"/>
+          <a:chExt cx="0" cy="0"/>
+        </a:xfrm>
+      </p:grpSpPr>
+      <p:sp>
+        <p:nvSpPr>
+          <p:cNvPr id="2" name="Title 1">
+            <a:extLst>
+              <a:ext uri="{FF2B5EF4-FFF2-40B4-BE49-F238E27FC236}">
+                <a16:creationId xmlns:a16="http://schemas.microsoft.com/office/drawing/2014/main" id="{9E72733B-3ADC-4709-8C8B-A6CBD9E2C805}"/>
+              </a:ext>
+            </a:extLst>
+          </p:cNvPr>
+          <p:cNvSpPr>
+            <a:spLocks noGrp="1"/>
+          </p:cNvSpPr>
+          <p:nvPr>
+            <p:ph type="title"/>
+          </p:nvPr>
+        </p:nvSpPr>
+        <p:spPr/>
+        <p:txBody>
+          <a:bodyPr/>
+          <a:lstStyle/>
+          <a:p>
+            <a:r>
+              <a:rPr lang="en-CA" dirty="0"/>
+              <a:t>Groups and offers	</a:t>
+            </a:r>
+          </a:p>
+        </p:txBody>
+      </p:sp>
+      <p:sp>
+        <p:nvSpPr>
+          <p:cNvPr id="3" name="Content Placeholder 2">
+            <a:extLst>
+              <a:ext uri="{FF2B5EF4-FFF2-40B4-BE49-F238E27FC236}">
+                <a16:creationId xmlns:a16="http://schemas.microsoft.com/office/drawing/2014/main" id="{B89620BF-6236-4713-8FEC-A6D0D87A8EB4}"/>
+              </a:ext>
+            </a:extLst>
+          </p:cNvPr>
+          <p:cNvSpPr>
+            <a:spLocks noGrp="1"/>
+          </p:cNvSpPr>
+          <p:nvPr>
+            <p:ph idx="1"/>
+          </p:nvPr>
+        </p:nvSpPr>
+        <p:spPr/>
+        <p:txBody>
+          <a:bodyPr/>
+          <a:lstStyle/>
+          <a:p>
+            <a:r>
+              <a:rPr lang="en-CA" dirty="0"/>
+              <a:t>Is the tendency of accepting/rejecting offers independent from groups? One-sample chi-square for accept and reject.</a:t>
+            </a:r>
+          </a:p>
+          <a:p>
+            <a:endParaRPr lang="en-CA" dirty="0"/>
+          </a:p>
+        </p:txBody>
+      </p:sp>
+      <p:graphicFrame>
+        <p:nvGraphicFramePr>
+          <p:cNvPr id="5" name="Chart 4">
+            <a:extLst>
+              <a:ext uri="{FF2B5EF4-FFF2-40B4-BE49-F238E27FC236}">
+                <a16:creationId xmlns:a16="http://schemas.microsoft.com/office/drawing/2014/main" id="{B9B1E397-67AB-480C-990E-A418DFCD995F}"/>
+              </a:ext>
+            </a:extLst>
+          </p:cNvPr>
+          <p:cNvGraphicFramePr>
+            <a:graphicFrameLocks/>
+          </p:cNvGraphicFramePr>
+          <p:nvPr>
+            <p:extLst>
+              <p:ext uri="{D42A27DB-BD31-4B8C-83A1-F6EECF244321}">
+                <p14:modId xmlns:p14="http://schemas.microsoft.com/office/powerpoint/2010/main" val="3272880318"/>
+              </p:ext>
+            </p:extLst>
+          </p:nvPr>
+        </p:nvGraphicFramePr>
+        <p:xfrm>
+          <a:off x="838200" y="3056467"/>
+          <a:ext cx="3911600" cy="1515533"/>
+        </p:xfrm>
+        <a:graphic>
+          <a:graphicData uri="http://schemas.openxmlformats.org/drawingml/2006/chart">
+            <c:chart xmlns:c="http://schemas.openxmlformats.org/drawingml/2006/chart" xmlns:r="http://schemas.openxmlformats.org/officeDocument/2006/relationships" r:id="rId2"/>
+          </a:graphicData>
+        </a:graphic>
+      </p:graphicFrame>
+      <p:graphicFrame>
+        <p:nvGraphicFramePr>
+          <p:cNvPr id="6" name="Chart 5">
+            <a:extLst>
+              <a:ext uri="{FF2B5EF4-FFF2-40B4-BE49-F238E27FC236}">
+                <a16:creationId xmlns:a16="http://schemas.microsoft.com/office/drawing/2014/main" id="{4B0EFEA8-71A8-40C1-817E-1FFBB3DAB05D}"/>
+              </a:ext>
+            </a:extLst>
+          </p:cNvPr>
+          <p:cNvGraphicFramePr>
+            <a:graphicFrameLocks/>
+          </p:cNvGraphicFramePr>
+          <p:nvPr>
+            <p:extLst>
+              <p:ext uri="{D42A27DB-BD31-4B8C-83A1-F6EECF244321}">
+                <p14:modId xmlns:p14="http://schemas.microsoft.com/office/powerpoint/2010/main" val="3801342422"/>
+              </p:ext>
+            </p:extLst>
+          </p:nvPr>
+        </p:nvGraphicFramePr>
+        <p:xfrm>
+          <a:off x="838200" y="4706937"/>
+          <a:ext cx="3797300" cy="1371600"/>
+        </p:xfrm>
+        <a:graphic>
+          <a:graphicData uri="http://schemas.openxmlformats.org/drawingml/2006/chart">
+            <c:chart xmlns:c="http://schemas.openxmlformats.org/drawingml/2006/chart" xmlns:r="http://schemas.openxmlformats.org/officeDocument/2006/relationships" r:id="rId3"/>
+          </a:graphicData>
+        </a:graphic>
+      </p:graphicFrame>
+      <p:sp>
+        <p:nvSpPr>
+          <p:cNvPr id="7" name="TextBox 6">
+            <a:extLst>
+              <a:ext uri="{FF2B5EF4-FFF2-40B4-BE49-F238E27FC236}">
+                <a16:creationId xmlns:a16="http://schemas.microsoft.com/office/drawing/2014/main" id="{92890340-7891-4130-B5AC-93FDC518A8C2}"/>
+              </a:ext>
+            </a:extLst>
+          </p:cNvPr>
+          <p:cNvSpPr txBox="1"/>
+          <p:nvPr/>
+        </p:nvSpPr>
+        <p:spPr>
+          <a:xfrm>
+            <a:off x="5562600" y="3213100"/>
+            <a:ext cx="4724400" cy="1754326"/>
+          </a:xfrm>
+          <a:prstGeom prst="rect">
+            <a:avLst/>
+          </a:prstGeom>
+          <a:noFill/>
+        </p:spPr>
+        <p:txBody>
+          <a:bodyPr wrap="square" rtlCol="0">
+            <a:spAutoFit/>
+          </a:bodyPr>
+          <a:lstStyle/>
+          <a:p>
+            <a:pPr marL="285750" indent="-285750">
+              <a:buFont typeface="Arial" panose="020B0604020202020204" pitchFamily="34" charset="0"/>
+              <a:buChar char="•"/>
+            </a:pPr>
+            <a:r>
+              <a:rPr lang="en-CA" dirty="0"/>
+              <a:t>Are groups more likely to accept offers in fair &amp; unfair condition? </a:t>
+            </a:r>
+          </a:p>
+          <a:p>
+            <a:pPr marL="285750" indent="-285750">
+              <a:buFont typeface="Arial" panose="020B0604020202020204" pitchFamily="34" charset="0"/>
+              <a:buChar char="•"/>
+            </a:pPr>
+            <a:r>
+              <a:rPr lang="en-CA" dirty="0"/>
+              <a:t>Is accepting fair offers significantly larger than unfair offers within a group?</a:t>
+            </a:r>
+          </a:p>
+          <a:p>
+            <a:pPr marL="285750" indent="-285750">
+              <a:buFont typeface="Arial" panose="020B0604020202020204" pitchFamily="34" charset="0"/>
+              <a:buChar char="•"/>
+            </a:pPr>
+            <a:r>
+              <a:rPr lang="en-CA" dirty="0"/>
+              <a:t>Is accepting fair offers independent from groups?</a:t>
+            </a:r>
+          </a:p>
+        </p:txBody>
+      </p:sp>
+    </p:spTree>
+    <p:extLst>
+      <p:ext uri="{BB962C8B-B14F-4D97-AF65-F5344CB8AC3E}">
+        <p14:creationId xmlns:p14="http://schemas.microsoft.com/office/powerpoint/2010/main" val="1955577812"/>
       </p:ext>
     </p:extLst>
   </p:cSld>

--- a/UG_results.pptx
+++ b/UG_results.pptx
@@ -9,6 +9,8 @@
     <p:sldId id="257" r:id="rId3"/>
     <p:sldId id="258" r:id="rId4"/>
     <p:sldId id="259" r:id="rId5"/>
+    <p:sldId id="260" r:id="rId6"/>
+    <p:sldId id="261" r:id="rId7"/>
   </p:sldIdLst>
   <p:sldSz cx="12192000" cy="6858000"/>
   <p:notesSz cx="6858000" cy="9144000"/>
@@ -120,7 +122,7 @@
 </file>
 
 <file path=ppt/charts/chart1.xml><?xml version="1.0" encoding="utf-8"?>
-<c:chartSpace xmlns:c="http://schemas.openxmlformats.org/drawingml/2006/chart" xmlns:a="http://schemas.openxmlformats.org/drawingml/2006/main" xmlns:r="http://schemas.openxmlformats.org/officeDocument/2006/relationships" xmlns:c16r2="http://schemas.microsoft.com/office/drawing/2015/06/chart">
+<c:chartSpace xmlns:c="http://schemas.openxmlformats.org/drawingml/2006/chart" xmlns:a="http://schemas.openxmlformats.org/drawingml/2006/main" xmlns:r="http://schemas.openxmlformats.org/officeDocument/2006/relationships">
   <c:date1904 val="0"/>
   <c:lang val="en-US"/>
   <c:roundedCorners val="0"/>
@@ -194,24 +196,24 @@
                 <c:formatCode>General</c:formatCode>
                 <c:ptCount val="5"/>
                 <c:pt idx="0">
-                  <c:v>0.82352941176470584</c:v>
+                  <c:v>0.823529411764706</c:v>
                 </c:pt>
                 <c:pt idx="1">
-                  <c:v>0.85333333333333339</c:v>
+                  <c:v>0.853333333333333</c:v>
                 </c:pt>
                 <c:pt idx="2">
-                  <c:v>0.86111111111111116</c:v>
+                  <c:v>0.861111111111111</c:v>
                 </c:pt>
                 <c:pt idx="3">
-                  <c:v>0.87826086956521743</c:v>
+                  <c:v>0.878260869565217</c:v>
                 </c:pt>
                 <c:pt idx="4">
-                  <c:v>0.89122807017543859</c:v>
+                  <c:v>0.891228070175439</c:v>
                 </c:pt>
               </c:numCache>
             </c:numRef>
           </c:val>
-          <c:extLst>
+          <c:extLst xmlns:c16r2="http://schemas.microsoft.com/office/drawing/2015/06/chart">
             <c:ext xmlns:c16="http://schemas.microsoft.com/office/drawing/2014/chart" uri="{C3380CC4-5D6E-409C-BE32-E72D297353CC}">
               <c16:uniqueId val="{00000000-F70F-41F5-B2D6-AE83D0A62560}"/>
             </c:ext>
@@ -271,24 +273,24 @@
                 <c:formatCode>General</c:formatCode>
                 <c:ptCount val="5"/>
                 <c:pt idx="0">
-                  <c:v>0.56769374416433238</c:v>
+                  <c:v>0.567693744164332</c:v>
                 </c:pt>
                 <c:pt idx="1">
-                  <c:v>0.56349206349206349</c:v>
+                  <c:v>0.563492063492063</c:v>
                 </c:pt>
                 <c:pt idx="2">
-                  <c:v>0.61375661375661372</c:v>
+                  <c:v>0.613756613756614</c:v>
                 </c:pt>
                 <c:pt idx="3">
-                  <c:v>0.68530020703933747</c:v>
+                  <c:v>0.685300207039338</c:v>
                 </c:pt>
                 <c:pt idx="4">
-                  <c:v>0.64243943191311614</c:v>
+                  <c:v>0.642439431913116</c:v>
                 </c:pt>
               </c:numCache>
             </c:numRef>
           </c:val>
-          <c:extLst>
+          <c:extLst xmlns:c16r2="http://schemas.microsoft.com/office/drawing/2015/06/chart">
             <c:ext xmlns:c16="http://schemas.microsoft.com/office/drawing/2014/chart" uri="{C3380CC4-5D6E-409C-BE32-E72D297353CC}">
               <c16:uniqueId val="{00000001-F70F-41F5-B2D6-AE83D0A62560}"/>
             </c:ext>
@@ -304,11 +306,11 @@
         </c:dLbls>
         <c:gapWidth val="219"/>
         <c:overlap val="-27"/>
-        <c:axId val="464035056"/>
-        <c:axId val="464039320"/>
+        <c:axId val="504788624"/>
+        <c:axId val="504817232"/>
       </c:barChart>
       <c:catAx>
-        <c:axId val="464035056"/>
+        <c:axId val="504788624"/>
         <c:scaling>
           <c:orientation val="minMax"/>
         </c:scaling>
@@ -351,7 +353,7 @@
             <a:endParaRPr lang="en-US"/>
           </a:p>
         </c:txPr>
-        <c:crossAx val="464039320"/>
+        <c:crossAx val="504817232"/>
         <c:crosses val="autoZero"/>
         <c:auto val="1"/>
         <c:lblAlgn val="ctr"/>
@@ -359,7 +361,7 @@
         <c:noMultiLvlLbl val="0"/>
       </c:catAx>
       <c:valAx>
-        <c:axId val="464039320"/>
+        <c:axId val="504817232"/>
         <c:scaling>
           <c:orientation val="minMax"/>
         </c:scaling>
@@ -410,7 +412,7 @@
             <a:endParaRPr lang="en-US"/>
           </a:p>
         </c:txPr>
-        <c:crossAx val="464035056"/>
+        <c:crossAx val="504788624"/>
         <c:crosses val="autoZero"/>
         <c:crossBetween val="between"/>
       </c:valAx>
@@ -424,6 +426,7 @@
     </c:plotArea>
     <c:legend>
       <c:legendPos val="b"/>
+      <c:layout/>
       <c:overlay val="0"/>
       <c:spPr>
         <a:noFill/>
@@ -481,7 +484,7 @@
 </file>
 
 <file path=ppt/charts/chart2.xml><?xml version="1.0" encoding="utf-8"?>
-<c:chartSpace xmlns:c="http://schemas.openxmlformats.org/drawingml/2006/chart" xmlns:a="http://schemas.openxmlformats.org/drawingml/2006/main" xmlns:r="http://schemas.openxmlformats.org/officeDocument/2006/relationships" xmlns:c16r2="http://schemas.microsoft.com/office/drawing/2015/06/chart">
+<c:chartSpace xmlns:c="http://schemas.openxmlformats.org/drawingml/2006/chart" xmlns:a="http://schemas.openxmlformats.org/drawingml/2006/main" xmlns:r="http://schemas.openxmlformats.org/officeDocument/2006/relationships">
   <c:date1904 val="0"/>
   <c:lang val="en-US"/>
   <c:roundedCorners val="0"/>
@@ -552,21 +555,21 @@
                 <c:formatCode>General</c:formatCode>
                 <c:ptCount val="4"/>
                 <c:pt idx="0">
-                  <c:v>0.83963963963963961</c:v>
+                  <c:v>0.83963963963964</c:v>
                 </c:pt>
                 <c:pt idx="1">
-                  <c:v>0.86111111111111116</c:v>
+                  <c:v>0.861111111111111</c:v>
                 </c:pt>
                 <c:pt idx="2">
-                  <c:v>0.87826086956521743</c:v>
+                  <c:v>0.878260869565217</c:v>
                 </c:pt>
                 <c:pt idx="3">
-                  <c:v>0.89122807017543859</c:v>
+                  <c:v>0.891228070175439</c:v>
                 </c:pt>
               </c:numCache>
             </c:numRef>
           </c:val>
-          <c:extLst>
+          <c:extLst xmlns:c16r2="http://schemas.microsoft.com/office/drawing/2015/06/chart">
             <c:ext xmlns:c16="http://schemas.microsoft.com/office/drawing/2014/chart" uri="{C3380CC4-5D6E-409C-BE32-E72D297353CC}">
               <c16:uniqueId val="{00000000-14F8-4FC0-8B36-2D205290046D}"/>
             </c:ext>
@@ -623,21 +626,21 @@
                 <c:formatCode>General</c:formatCode>
                 <c:ptCount val="4"/>
                 <c:pt idx="0">
-                  <c:v>0.56542256542256542</c:v>
+                  <c:v>0.565422565422565</c:v>
                 </c:pt>
                 <c:pt idx="1">
-                  <c:v>0.61375661375661372</c:v>
+                  <c:v>0.613756613756614</c:v>
                 </c:pt>
                 <c:pt idx="2">
-                  <c:v>0.68530020703933747</c:v>
+                  <c:v>0.685300207039338</c:v>
                 </c:pt>
                 <c:pt idx="3">
-                  <c:v>0.64243943191311614</c:v>
+                  <c:v>0.642439431913116</c:v>
                 </c:pt>
               </c:numCache>
             </c:numRef>
           </c:val>
-          <c:extLst>
+          <c:extLst xmlns:c16r2="http://schemas.microsoft.com/office/drawing/2015/06/chart">
             <c:ext xmlns:c16="http://schemas.microsoft.com/office/drawing/2014/chart" uri="{C3380CC4-5D6E-409C-BE32-E72D297353CC}">
               <c16:uniqueId val="{00000001-14F8-4FC0-8B36-2D205290046D}"/>
             </c:ext>
@@ -653,11 +656,11 @@
         </c:dLbls>
         <c:gapWidth val="219"/>
         <c:overlap val="-27"/>
-        <c:axId val="381114408"/>
-        <c:axId val="381115720"/>
+        <c:axId val="419852672"/>
+        <c:axId val="420103424"/>
       </c:barChart>
       <c:catAx>
-        <c:axId val="381114408"/>
+        <c:axId val="419852672"/>
         <c:scaling>
           <c:orientation val="minMax"/>
         </c:scaling>
@@ -700,7 +703,7 @@
             <a:endParaRPr lang="en-US"/>
           </a:p>
         </c:txPr>
-        <c:crossAx val="381115720"/>
+        <c:crossAx val="420103424"/>
         <c:crosses val="autoZero"/>
         <c:auto val="1"/>
         <c:lblAlgn val="ctr"/>
@@ -708,7 +711,7 @@
         <c:noMultiLvlLbl val="0"/>
       </c:catAx>
       <c:valAx>
-        <c:axId val="381115720"/>
+        <c:axId val="420103424"/>
         <c:scaling>
           <c:orientation val="minMax"/>
         </c:scaling>
@@ -759,7 +762,7 @@
             <a:endParaRPr lang="en-US"/>
           </a:p>
         </c:txPr>
-        <c:crossAx val="381114408"/>
+        <c:crossAx val="419852672"/>
         <c:crosses val="autoZero"/>
         <c:crossBetween val="between"/>
       </c:valAx>
@@ -773,6 +776,7 @@
     </c:plotArea>
     <c:legend>
       <c:legendPos val="b"/>
+      <c:layout/>
       <c:overlay val="0"/>
       <c:spPr>
         <a:noFill/>
@@ -802,6 +806,1391 @@
         </a:p>
       </c:txPr>
     </c:legend>
+    <c:plotVisOnly val="1"/>
+    <c:dispBlanksAs val="gap"/>
+    <c:showDLblsOverMax val="0"/>
+  </c:chart>
+  <c:spPr>
+    <a:noFill/>
+    <a:ln>
+      <a:noFill/>
+    </a:ln>
+    <a:effectLst/>
+  </c:spPr>
+  <c:txPr>
+    <a:bodyPr/>
+    <a:lstStyle/>
+    <a:p>
+      <a:pPr>
+        <a:defRPr/>
+      </a:pPr>
+      <a:endParaRPr lang="en-US"/>
+    </a:p>
+  </c:txPr>
+  <c:externalData r:id="rId3">
+    <c:autoUpdate val="0"/>
+  </c:externalData>
+</c:chartSpace>
+</file>
+
+<file path=ppt/charts/chart3.xml><?xml version="1.0" encoding="utf-8"?>
+<c:chartSpace xmlns:c="http://schemas.openxmlformats.org/drawingml/2006/chart" xmlns:a="http://schemas.openxmlformats.org/drawingml/2006/main" xmlns:r="http://schemas.openxmlformats.org/officeDocument/2006/relationships">
+  <c:date1904 val="0"/>
+  <c:lang val="en-US"/>
+  <c:roundedCorners val="0"/>
+  <mc:AlternateContent xmlns:mc="http://schemas.openxmlformats.org/markup-compatibility/2006">
+    <mc:Choice xmlns:c14="http://schemas.microsoft.com/office/drawing/2007/8/2/chart" Requires="c14">
+      <c14:style val="102"/>
+    </mc:Choice>
+    <mc:Fallback>
+      <c:style val="2"/>
+    </mc:Fallback>
+  </mc:AlternateContent>
+  <c:chart>
+    <c:title>
+      <c:tx>
+        <c:rich>
+          <a:bodyPr rot="0" spcFirstLastPara="1" vertOverflow="ellipsis" vert="horz" wrap="square" anchor="ctr" anchorCtr="1"/>
+          <a:lstStyle/>
+          <a:p>
+            <a:pPr>
+              <a:defRPr sz="1400" b="0" i="0" u="none" strike="noStrike" kern="1200" spc="0" baseline="0">
+                <a:solidFill>
+                  <a:schemeClr val="tx1">
+                    <a:lumMod val="65000"/>
+                    <a:lumOff val="35000"/>
+                  </a:schemeClr>
+                </a:solidFill>
+                <a:latin typeface="+mn-lt"/>
+                <a:ea typeface="+mn-ea"/>
+                <a:cs typeface="+mn-cs"/>
+              </a:defRPr>
+            </a:pPr>
+            <a:r>
+              <a:rPr lang="en-US"/>
+              <a:t>% of accepted</a:t>
+            </a:r>
+            <a:r>
+              <a:rPr lang="en-US" baseline="0"/>
+              <a:t> trials</a:t>
+            </a:r>
+            <a:endParaRPr lang="en-US"/>
+          </a:p>
+        </c:rich>
+      </c:tx>
+      <c:layout/>
+      <c:overlay val="0"/>
+      <c:spPr>
+        <a:noFill/>
+        <a:ln>
+          <a:noFill/>
+        </a:ln>
+        <a:effectLst/>
+      </c:spPr>
+      <c:txPr>
+        <a:bodyPr rot="0" spcFirstLastPara="1" vertOverflow="ellipsis" vert="horz" wrap="square" anchor="ctr" anchorCtr="1"/>
+        <a:lstStyle/>
+        <a:p>
+          <a:pPr>
+            <a:defRPr sz="1400" b="0" i="0" u="none" strike="noStrike" kern="1200" spc="0" baseline="0">
+              <a:solidFill>
+                <a:schemeClr val="tx1">
+                  <a:lumMod val="65000"/>
+                  <a:lumOff val="35000"/>
+                </a:schemeClr>
+              </a:solidFill>
+              <a:latin typeface="+mn-lt"/>
+              <a:ea typeface="+mn-ea"/>
+              <a:cs typeface="+mn-cs"/>
+            </a:defRPr>
+          </a:pPr>
+          <a:endParaRPr lang="en-US"/>
+        </a:p>
+      </c:txPr>
+    </c:title>
+    <c:autoTitleDeleted val="0"/>
+    <c:plotArea>
+      <c:layout/>
+      <c:barChart>
+        <c:barDir val="col"/>
+        <c:grouping val="stacked"/>
+        <c:varyColors val="0"/>
+        <c:ser>
+          <c:idx val="0"/>
+          <c:order val="0"/>
+          <c:tx>
+            <c:strRef>
+              <c:f>Sheet3!$D$1</c:f>
+              <c:strCache>
+                <c:ptCount val="1"/>
+                <c:pt idx="0">
+                  <c:v>Accept</c:v>
+                </c:pt>
+              </c:strCache>
+            </c:strRef>
+          </c:tx>
+          <c:spPr>
+            <a:solidFill>
+              <a:schemeClr val="accent1"/>
+            </a:solidFill>
+            <a:ln>
+              <a:noFill/>
+            </a:ln>
+            <a:effectLst/>
+          </c:spPr>
+          <c:invertIfNegative val="0"/>
+          <c:dPt>
+            <c:idx val="1"/>
+            <c:invertIfNegative val="0"/>
+            <c:bubble3D val="0"/>
+            <c:spPr>
+              <a:solidFill>
+                <a:srgbClr val="FFC000"/>
+              </a:solidFill>
+              <a:ln>
+                <a:noFill/>
+              </a:ln>
+              <a:effectLst/>
+            </c:spPr>
+          </c:dPt>
+          <c:dPt>
+            <c:idx val="3"/>
+            <c:invertIfNegative val="0"/>
+            <c:bubble3D val="0"/>
+            <c:spPr>
+              <a:solidFill>
+                <a:srgbClr val="FFC000"/>
+              </a:solidFill>
+              <a:ln>
+                <a:noFill/>
+              </a:ln>
+              <a:effectLst/>
+            </c:spPr>
+          </c:dPt>
+          <c:dPt>
+            <c:idx val="5"/>
+            <c:invertIfNegative val="0"/>
+            <c:bubble3D val="0"/>
+            <c:spPr>
+              <a:solidFill>
+                <a:srgbClr val="FFC000"/>
+              </a:solidFill>
+              <a:ln>
+                <a:noFill/>
+              </a:ln>
+              <a:effectLst/>
+            </c:spPr>
+          </c:dPt>
+          <c:dPt>
+            <c:idx val="7"/>
+            <c:invertIfNegative val="0"/>
+            <c:bubble3D val="0"/>
+            <c:spPr>
+              <a:solidFill>
+                <a:srgbClr val="FFC000"/>
+              </a:solidFill>
+              <a:ln>
+                <a:noFill/>
+              </a:ln>
+              <a:effectLst/>
+            </c:spPr>
+          </c:dPt>
+          <c:dPt>
+            <c:idx val="9"/>
+            <c:invertIfNegative val="0"/>
+            <c:bubble3D val="0"/>
+            <c:spPr>
+              <a:solidFill>
+                <a:srgbClr val="FFC000"/>
+              </a:solidFill>
+              <a:ln>
+                <a:noFill/>
+              </a:ln>
+              <a:effectLst/>
+            </c:spPr>
+          </c:dPt>
+          <c:dPt>
+            <c:idx val="11"/>
+            <c:invertIfNegative val="0"/>
+            <c:bubble3D val="0"/>
+            <c:spPr>
+              <a:solidFill>
+                <a:srgbClr val="FFC000"/>
+              </a:solidFill>
+              <a:ln>
+                <a:noFill/>
+              </a:ln>
+              <a:effectLst/>
+            </c:spPr>
+          </c:dPt>
+          <c:dPt>
+            <c:idx val="13"/>
+            <c:invertIfNegative val="0"/>
+            <c:bubble3D val="0"/>
+            <c:spPr>
+              <a:solidFill>
+                <a:srgbClr val="FFC000"/>
+              </a:solidFill>
+              <a:ln>
+                <a:noFill/>
+              </a:ln>
+              <a:effectLst/>
+            </c:spPr>
+          </c:dPt>
+          <c:dPt>
+            <c:idx val="15"/>
+            <c:invertIfNegative val="0"/>
+            <c:bubble3D val="0"/>
+            <c:spPr>
+              <a:solidFill>
+                <a:srgbClr val="FFC000"/>
+              </a:solidFill>
+              <a:ln>
+                <a:noFill/>
+              </a:ln>
+              <a:effectLst/>
+            </c:spPr>
+          </c:dPt>
+          <c:dPt>
+            <c:idx val="17"/>
+            <c:invertIfNegative val="0"/>
+            <c:bubble3D val="0"/>
+            <c:spPr>
+              <a:solidFill>
+                <a:srgbClr val="FFC000"/>
+              </a:solidFill>
+              <a:ln>
+                <a:noFill/>
+              </a:ln>
+              <a:effectLst/>
+            </c:spPr>
+          </c:dPt>
+          <c:dPt>
+            <c:idx val="19"/>
+            <c:invertIfNegative val="0"/>
+            <c:bubble3D val="0"/>
+            <c:spPr>
+              <a:solidFill>
+                <a:srgbClr val="FFC000"/>
+              </a:solidFill>
+              <a:ln>
+                <a:noFill/>
+              </a:ln>
+              <a:effectLst/>
+            </c:spPr>
+          </c:dPt>
+          <c:dPt>
+            <c:idx val="21"/>
+            <c:invertIfNegative val="0"/>
+            <c:bubble3D val="0"/>
+            <c:spPr>
+              <a:solidFill>
+                <a:srgbClr val="FFC000"/>
+              </a:solidFill>
+              <a:ln>
+                <a:noFill/>
+              </a:ln>
+              <a:effectLst/>
+            </c:spPr>
+          </c:dPt>
+          <c:dPt>
+            <c:idx val="23"/>
+            <c:invertIfNegative val="0"/>
+            <c:bubble3D val="0"/>
+            <c:spPr>
+              <a:solidFill>
+                <a:srgbClr val="FFC000"/>
+              </a:solidFill>
+              <a:ln>
+                <a:noFill/>
+              </a:ln>
+              <a:effectLst/>
+            </c:spPr>
+          </c:dPt>
+          <c:cat>
+            <c:multiLvlStrRef>
+              <c:f>Sheet3!$A$2:$C$25</c:f>
+              <c:multiLvlStrCache>
+                <c:ptCount val="24"/>
+                <c:lvl>
+                  <c:pt idx="0">
+                    <c:v>fair</c:v>
+                  </c:pt>
+                  <c:pt idx="1">
+                    <c:v>unfair</c:v>
+                  </c:pt>
+                  <c:pt idx="2">
+                    <c:v>fair</c:v>
+                  </c:pt>
+                  <c:pt idx="3">
+                    <c:v>unfair</c:v>
+                  </c:pt>
+                  <c:pt idx="4">
+                    <c:v>fair</c:v>
+                  </c:pt>
+                  <c:pt idx="5">
+                    <c:v>unfair</c:v>
+                  </c:pt>
+                  <c:pt idx="6">
+                    <c:v>fair</c:v>
+                  </c:pt>
+                  <c:pt idx="7">
+                    <c:v>unfair</c:v>
+                  </c:pt>
+                  <c:pt idx="8">
+                    <c:v>fair</c:v>
+                  </c:pt>
+                  <c:pt idx="9">
+                    <c:v>unfair</c:v>
+                  </c:pt>
+                  <c:pt idx="10">
+                    <c:v>fair</c:v>
+                  </c:pt>
+                  <c:pt idx="11">
+                    <c:v>unfair</c:v>
+                  </c:pt>
+                  <c:pt idx="12">
+                    <c:v>fair</c:v>
+                  </c:pt>
+                  <c:pt idx="13">
+                    <c:v>unfair</c:v>
+                  </c:pt>
+                  <c:pt idx="14">
+                    <c:v>fair</c:v>
+                  </c:pt>
+                  <c:pt idx="15">
+                    <c:v>unfair</c:v>
+                  </c:pt>
+                  <c:pt idx="16">
+                    <c:v>fair</c:v>
+                  </c:pt>
+                  <c:pt idx="17">
+                    <c:v>unfair</c:v>
+                  </c:pt>
+                  <c:pt idx="18">
+                    <c:v>fair</c:v>
+                  </c:pt>
+                  <c:pt idx="19">
+                    <c:v>unfair</c:v>
+                  </c:pt>
+                  <c:pt idx="20">
+                    <c:v>fair</c:v>
+                  </c:pt>
+                  <c:pt idx="21">
+                    <c:v>unfair</c:v>
+                  </c:pt>
+                  <c:pt idx="22">
+                    <c:v>fair</c:v>
+                  </c:pt>
+                  <c:pt idx="23">
+                    <c:v>unfair</c:v>
+                  </c:pt>
+                </c:lvl>
+                <c:lvl>
+                  <c:pt idx="0">
+                    <c:v>Base</c:v>
+                  </c:pt>
+                  <c:pt idx="2">
+                    <c:v>Pun</c:v>
+                  </c:pt>
+                  <c:pt idx="4">
+                    <c:v>Emp</c:v>
+                  </c:pt>
+                  <c:pt idx="6">
+                    <c:v>Base</c:v>
+                  </c:pt>
+                  <c:pt idx="8">
+                    <c:v>Pun</c:v>
+                  </c:pt>
+                  <c:pt idx="10">
+                    <c:v>Emp</c:v>
+                  </c:pt>
+                  <c:pt idx="12">
+                    <c:v>Base</c:v>
+                  </c:pt>
+                  <c:pt idx="14">
+                    <c:v>Pun</c:v>
+                  </c:pt>
+                  <c:pt idx="16">
+                    <c:v>Emp</c:v>
+                  </c:pt>
+                  <c:pt idx="18">
+                    <c:v>Base</c:v>
+                  </c:pt>
+                  <c:pt idx="20">
+                    <c:v>Pun</c:v>
+                  </c:pt>
+                  <c:pt idx="22">
+                    <c:v>Emp</c:v>
+                  </c:pt>
+                </c:lvl>
+                <c:lvl>
+                  <c:pt idx="0">
+                    <c:v>attempter</c:v>
+                  </c:pt>
+                  <c:pt idx="6">
+                    <c:v>control</c:v>
+                  </c:pt>
+                  <c:pt idx="12">
+                    <c:v>depression</c:v>
+                  </c:pt>
+                  <c:pt idx="18">
+                    <c:v>ideator</c:v>
+                  </c:pt>
+                </c:lvl>
+              </c:multiLvlStrCache>
+            </c:multiLvlStrRef>
+          </c:cat>
+          <c:val>
+            <c:numRef>
+              <c:f>Sheet3!$D$2:$D$25</c:f>
+              <c:numCache>
+                <c:formatCode>General</c:formatCode>
+                <c:ptCount val="24"/>
+                <c:pt idx="0">
+                  <c:v>0.956756756756757</c:v>
+                </c:pt>
+                <c:pt idx="1">
+                  <c:v>0.575289575289575</c:v>
+                </c:pt>
+                <c:pt idx="2">
+                  <c:v>0.632432432432432</c:v>
+                </c:pt>
+                <c:pt idx="3">
+                  <c:v>0.328185328185328</c:v>
+                </c:pt>
+                <c:pt idx="4">
+                  <c:v>0.92972972972973</c:v>
+                </c:pt>
+                <c:pt idx="5">
+                  <c:v>0.792792792792793</c:v>
+                </c:pt>
+                <c:pt idx="6">
+                  <c:v>0.958333333333333</c:v>
+                </c:pt>
+                <c:pt idx="7">
+                  <c:v>0.567460317460317</c:v>
+                </c:pt>
+                <c:pt idx="8">
+                  <c:v>0.683333333333333</c:v>
+                </c:pt>
+                <c:pt idx="9">
+                  <c:v>0.400793650793651</c:v>
+                </c:pt>
+                <c:pt idx="10">
+                  <c:v>0.941666666666667</c:v>
+                </c:pt>
+                <c:pt idx="11">
+                  <c:v>0.873015873015873</c:v>
+                </c:pt>
+                <c:pt idx="12">
+                  <c:v>0.973913043478261</c:v>
+                </c:pt>
+                <c:pt idx="13">
+                  <c:v>0.701863354037267</c:v>
+                </c:pt>
+                <c:pt idx="14">
+                  <c:v>0.721739130434783</c:v>
+                </c:pt>
+                <c:pt idx="15">
+                  <c:v>0.527950310559006</c:v>
+                </c:pt>
+                <c:pt idx="16">
+                  <c:v>0.939130434782609</c:v>
+                </c:pt>
+                <c:pt idx="17">
+                  <c:v>0.826086956521739</c:v>
+                </c:pt>
+                <c:pt idx="18">
+                  <c:v>0.989473684210526</c:v>
+                </c:pt>
+                <c:pt idx="19">
+                  <c:v>0.601503759398496</c:v>
+                </c:pt>
+                <c:pt idx="20">
+                  <c:v>0.694736842105263</c:v>
+                </c:pt>
+                <c:pt idx="21">
+                  <c:v>0.428571428571429</c:v>
+                </c:pt>
+                <c:pt idx="22">
+                  <c:v>0.989473684210526</c:v>
+                </c:pt>
+                <c:pt idx="23">
+                  <c:v>0.897243107769423</c:v>
+                </c:pt>
+              </c:numCache>
+            </c:numRef>
+          </c:val>
+        </c:ser>
+        <c:dLbls>
+          <c:showLegendKey val="0"/>
+          <c:showVal val="0"/>
+          <c:showCatName val="0"/>
+          <c:showSerName val="0"/>
+          <c:showPercent val="0"/>
+          <c:showBubbleSize val="0"/>
+        </c:dLbls>
+        <c:gapWidth val="150"/>
+        <c:overlap val="100"/>
+        <c:axId val="469366160"/>
+        <c:axId val="464936432"/>
+      </c:barChart>
+      <c:catAx>
+        <c:axId val="469366160"/>
+        <c:scaling>
+          <c:orientation val="minMax"/>
+        </c:scaling>
+        <c:delete val="0"/>
+        <c:axPos val="b"/>
+        <c:numFmt formatCode="General" sourceLinked="1"/>
+        <c:majorTickMark val="none"/>
+        <c:minorTickMark val="none"/>
+        <c:tickLblPos val="nextTo"/>
+        <c:spPr>
+          <a:noFill/>
+          <a:ln w="9525" cap="flat" cmpd="sng" algn="ctr">
+            <a:solidFill>
+              <a:schemeClr val="tx1">
+                <a:lumMod val="15000"/>
+                <a:lumOff val="85000"/>
+              </a:schemeClr>
+            </a:solidFill>
+            <a:round/>
+          </a:ln>
+          <a:effectLst/>
+        </c:spPr>
+        <c:txPr>
+          <a:bodyPr rot="-60000000" spcFirstLastPara="1" vertOverflow="ellipsis" vert="horz" wrap="square" anchor="ctr" anchorCtr="1"/>
+          <a:lstStyle/>
+          <a:p>
+            <a:pPr>
+              <a:defRPr sz="900" b="0" i="0" u="none" strike="noStrike" kern="1200" baseline="0">
+                <a:solidFill>
+                  <a:schemeClr val="tx1">
+                    <a:lumMod val="65000"/>
+                    <a:lumOff val="35000"/>
+                  </a:schemeClr>
+                </a:solidFill>
+                <a:latin typeface="+mn-lt"/>
+                <a:ea typeface="+mn-ea"/>
+                <a:cs typeface="+mn-cs"/>
+              </a:defRPr>
+            </a:pPr>
+            <a:endParaRPr lang="en-US"/>
+          </a:p>
+        </c:txPr>
+        <c:crossAx val="464936432"/>
+        <c:crosses val="autoZero"/>
+        <c:auto val="1"/>
+        <c:lblAlgn val="ctr"/>
+        <c:lblOffset val="100"/>
+        <c:noMultiLvlLbl val="0"/>
+      </c:catAx>
+      <c:valAx>
+        <c:axId val="464936432"/>
+        <c:scaling>
+          <c:orientation val="minMax"/>
+          <c:max val="1.0"/>
+        </c:scaling>
+        <c:delete val="0"/>
+        <c:axPos val="l"/>
+        <c:majorGridlines>
+          <c:spPr>
+            <a:ln w="9525" cap="flat" cmpd="sng" algn="ctr">
+              <a:solidFill>
+                <a:schemeClr val="tx1">
+                  <a:lumMod val="15000"/>
+                  <a:lumOff val="85000"/>
+                </a:schemeClr>
+              </a:solidFill>
+              <a:round/>
+            </a:ln>
+            <a:effectLst/>
+          </c:spPr>
+        </c:majorGridlines>
+        <c:majorTickMark val="none"/>
+        <c:minorTickMark val="none"/>
+        <c:tickLblPos val="nextTo"/>
+        <c:spPr>
+          <a:noFill/>
+          <a:ln>
+            <a:noFill/>
+          </a:ln>
+          <a:effectLst/>
+        </c:spPr>
+        <c:txPr>
+          <a:bodyPr rot="-60000000" spcFirstLastPara="1" vertOverflow="ellipsis" vert="horz" wrap="square" anchor="ctr" anchorCtr="1"/>
+          <a:lstStyle/>
+          <a:p>
+            <a:pPr>
+              <a:defRPr sz="900" b="0" i="0" u="none" strike="noStrike" kern="1200" baseline="0">
+                <a:solidFill>
+                  <a:schemeClr val="tx1">
+                    <a:lumMod val="65000"/>
+                    <a:lumOff val="35000"/>
+                  </a:schemeClr>
+                </a:solidFill>
+                <a:latin typeface="+mn-lt"/>
+                <a:ea typeface="+mn-ea"/>
+                <a:cs typeface="+mn-cs"/>
+              </a:defRPr>
+            </a:pPr>
+            <a:endParaRPr lang="en-US"/>
+          </a:p>
+        </c:txPr>
+        <c:crossAx val="469366160"/>
+        <c:crosses val="autoZero"/>
+        <c:crossBetween val="between"/>
+      </c:valAx>
+      <c:spPr>
+        <a:noFill/>
+        <a:ln>
+          <a:noFill/>
+        </a:ln>
+        <a:effectLst/>
+      </c:spPr>
+    </c:plotArea>
+    <c:plotVisOnly val="1"/>
+    <c:dispBlanksAs val="gap"/>
+    <c:showDLblsOverMax val="0"/>
+  </c:chart>
+  <c:spPr>
+    <a:noFill/>
+    <a:ln>
+      <a:noFill/>
+    </a:ln>
+    <a:effectLst/>
+  </c:spPr>
+  <c:txPr>
+    <a:bodyPr/>
+    <a:lstStyle/>
+    <a:p>
+      <a:pPr>
+        <a:defRPr/>
+      </a:pPr>
+      <a:endParaRPr lang="en-US"/>
+    </a:p>
+  </c:txPr>
+  <c:externalData r:id="rId3">
+    <c:autoUpdate val="0"/>
+  </c:externalData>
+</c:chartSpace>
+</file>
+
+<file path=ppt/charts/chart4.xml><?xml version="1.0" encoding="utf-8"?>
+<c:chartSpace xmlns:c="http://schemas.openxmlformats.org/drawingml/2006/chart" xmlns:a="http://schemas.openxmlformats.org/drawingml/2006/main" xmlns:r="http://schemas.openxmlformats.org/officeDocument/2006/relationships">
+  <c:date1904 val="0"/>
+  <c:lang val="en-US"/>
+  <c:roundedCorners val="0"/>
+  <mc:AlternateContent xmlns:mc="http://schemas.openxmlformats.org/markup-compatibility/2006">
+    <mc:Choice xmlns:c14="http://schemas.microsoft.com/office/drawing/2007/8/2/chart" Requires="c14">
+      <c14:style val="102"/>
+    </mc:Choice>
+    <mc:Fallback>
+      <c:style val="2"/>
+    </mc:Fallback>
+  </mc:AlternateContent>
+  <c:chart>
+    <c:title>
+      <c:tx>
+        <c:rich>
+          <a:bodyPr rot="0" spcFirstLastPara="1" vertOverflow="ellipsis" vert="horz" wrap="square" anchor="ctr" anchorCtr="1"/>
+          <a:lstStyle/>
+          <a:p>
+            <a:pPr>
+              <a:defRPr sz="1400" b="0" i="0" u="none" strike="noStrike" kern="1200" spc="0" baseline="0">
+                <a:solidFill>
+                  <a:schemeClr val="tx1">
+                    <a:lumMod val="65000"/>
+                    <a:lumOff val="35000"/>
+                  </a:schemeClr>
+                </a:solidFill>
+                <a:latin typeface="+mn-lt"/>
+                <a:ea typeface="+mn-ea"/>
+                <a:cs typeface="+mn-cs"/>
+              </a:defRPr>
+            </a:pPr>
+            <a:r>
+              <a:rPr lang="en-US"/>
+              <a:t>%</a:t>
+            </a:r>
+            <a:r>
+              <a:rPr lang="en-US" baseline="0"/>
+              <a:t> of a</a:t>
+            </a:r>
+            <a:r>
+              <a:rPr lang="en-US"/>
+              <a:t>ccepted trials</a:t>
+            </a:r>
+          </a:p>
+        </c:rich>
+      </c:tx>
+      <c:layout/>
+      <c:overlay val="0"/>
+      <c:spPr>
+        <a:noFill/>
+        <a:ln>
+          <a:noFill/>
+        </a:ln>
+        <a:effectLst/>
+      </c:spPr>
+      <c:txPr>
+        <a:bodyPr rot="0" spcFirstLastPara="1" vertOverflow="ellipsis" vert="horz" wrap="square" anchor="ctr" anchorCtr="1"/>
+        <a:lstStyle/>
+        <a:p>
+          <a:pPr>
+            <a:defRPr sz="1400" b="0" i="0" u="none" strike="noStrike" kern="1200" spc="0" baseline="0">
+              <a:solidFill>
+                <a:schemeClr val="tx1">
+                  <a:lumMod val="65000"/>
+                  <a:lumOff val="35000"/>
+                </a:schemeClr>
+              </a:solidFill>
+              <a:latin typeface="+mn-lt"/>
+              <a:ea typeface="+mn-ea"/>
+              <a:cs typeface="+mn-cs"/>
+            </a:defRPr>
+          </a:pPr>
+          <a:endParaRPr lang="en-US"/>
+        </a:p>
+      </c:txPr>
+    </c:title>
+    <c:autoTitleDeleted val="0"/>
+    <c:plotArea>
+      <c:layout/>
+      <c:barChart>
+        <c:barDir val="col"/>
+        <c:grouping val="stacked"/>
+        <c:varyColors val="0"/>
+        <c:ser>
+          <c:idx val="0"/>
+          <c:order val="0"/>
+          <c:tx>
+            <c:strRef>
+              <c:f>Sheet2!$D$1</c:f>
+              <c:strCache>
+                <c:ptCount val="1"/>
+                <c:pt idx="0">
+                  <c:v>Accept</c:v>
+                </c:pt>
+              </c:strCache>
+            </c:strRef>
+          </c:tx>
+          <c:spPr>
+            <a:solidFill>
+              <a:schemeClr val="accent1"/>
+            </a:solidFill>
+            <a:ln>
+              <a:noFill/>
+            </a:ln>
+            <a:effectLst/>
+          </c:spPr>
+          <c:invertIfNegative val="0"/>
+          <c:dPt>
+            <c:idx val="1"/>
+            <c:invertIfNegative val="0"/>
+            <c:bubble3D val="0"/>
+            <c:spPr>
+              <a:solidFill>
+                <a:srgbClr val="FFC000"/>
+              </a:solidFill>
+              <a:ln>
+                <a:solidFill>
+                  <a:srgbClr val="FFC000"/>
+                </a:solidFill>
+              </a:ln>
+              <a:effectLst/>
+            </c:spPr>
+          </c:dPt>
+          <c:dPt>
+            <c:idx val="3"/>
+            <c:invertIfNegative val="0"/>
+            <c:bubble3D val="0"/>
+            <c:spPr>
+              <a:solidFill>
+                <a:srgbClr val="FFC000"/>
+              </a:solidFill>
+              <a:ln>
+                <a:noFill/>
+              </a:ln>
+              <a:effectLst/>
+            </c:spPr>
+          </c:dPt>
+          <c:dPt>
+            <c:idx val="5"/>
+            <c:invertIfNegative val="0"/>
+            <c:bubble3D val="0"/>
+            <c:spPr>
+              <a:solidFill>
+                <a:srgbClr val="FFC000"/>
+              </a:solidFill>
+              <a:ln>
+                <a:noFill/>
+              </a:ln>
+              <a:effectLst/>
+            </c:spPr>
+          </c:dPt>
+          <c:dPt>
+            <c:idx val="7"/>
+            <c:invertIfNegative val="0"/>
+            <c:bubble3D val="0"/>
+            <c:spPr>
+              <a:solidFill>
+                <a:srgbClr val="FFC000"/>
+              </a:solidFill>
+              <a:ln>
+                <a:noFill/>
+              </a:ln>
+              <a:effectLst/>
+            </c:spPr>
+          </c:dPt>
+          <c:dPt>
+            <c:idx val="9"/>
+            <c:invertIfNegative val="0"/>
+            <c:bubble3D val="0"/>
+            <c:spPr>
+              <a:solidFill>
+                <a:srgbClr val="FFC000"/>
+              </a:solidFill>
+              <a:ln>
+                <a:noFill/>
+              </a:ln>
+              <a:effectLst/>
+            </c:spPr>
+          </c:dPt>
+          <c:dPt>
+            <c:idx val="11"/>
+            <c:invertIfNegative val="0"/>
+            <c:bubble3D val="0"/>
+            <c:spPr>
+              <a:solidFill>
+                <a:srgbClr val="FFC000"/>
+              </a:solidFill>
+              <a:ln>
+                <a:noFill/>
+              </a:ln>
+              <a:effectLst/>
+            </c:spPr>
+          </c:dPt>
+          <c:dPt>
+            <c:idx val="13"/>
+            <c:invertIfNegative val="0"/>
+            <c:bubble3D val="0"/>
+            <c:spPr>
+              <a:solidFill>
+                <a:srgbClr val="FFC000"/>
+              </a:solidFill>
+              <a:ln>
+                <a:noFill/>
+              </a:ln>
+              <a:effectLst/>
+            </c:spPr>
+          </c:dPt>
+          <c:dPt>
+            <c:idx val="15"/>
+            <c:invertIfNegative val="0"/>
+            <c:bubble3D val="0"/>
+            <c:spPr>
+              <a:solidFill>
+                <a:srgbClr val="FFC000"/>
+              </a:solidFill>
+              <a:ln>
+                <a:noFill/>
+              </a:ln>
+              <a:effectLst/>
+            </c:spPr>
+          </c:dPt>
+          <c:dPt>
+            <c:idx val="17"/>
+            <c:invertIfNegative val="0"/>
+            <c:bubble3D val="0"/>
+            <c:spPr>
+              <a:solidFill>
+                <a:srgbClr val="FFC000"/>
+              </a:solidFill>
+              <a:ln>
+                <a:noFill/>
+              </a:ln>
+              <a:effectLst/>
+            </c:spPr>
+          </c:dPt>
+          <c:dPt>
+            <c:idx val="19"/>
+            <c:invertIfNegative val="0"/>
+            <c:bubble3D val="0"/>
+            <c:spPr>
+              <a:solidFill>
+                <a:srgbClr val="FFC000"/>
+              </a:solidFill>
+              <a:ln>
+                <a:noFill/>
+              </a:ln>
+              <a:effectLst/>
+            </c:spPr>
+          </c:dPt>
+          <c:dPt>
+            <c:idx val="21"/>
+            <c:invertIfNegative val="0"/>
+            <c:bubble3D val="0"/>
+            <c:spPr>
+              <a:solidFill>
+                <a:srgbClr val="FFC000"/>
+              </a:solidFill>
+              <a:ln>
+                <a:noFill/>
+              </a:ln>
+              <a:effectLst/>
+            </c:spPr>
+          </c:dPt>
+          <c:dPt>
+            <c:idx val="23"/>
+            <c:invertIfNegative val="0"/>
+            <c:bubble3D val="0"/>
+            <c:spPr>
+              <a:solidFill>
+                <a:srgbClr val="FFC000"/>
+              </a:solidFill>
+              <a:ln>
+                <a:noFill/>
+              </a:ln>
+              <a:effectLst/>
+            </c:spPr>
+          </c:dPt>
+          <c:dPt>
+            <c:idx val="25"/>
+            <c:invertIfNegative val="0"/>
+            <c:bubble3D val="0"/>
+            <c:spPr>
+              <a:solidFill>
+                <a:srgbClr val="FFC000"/>
+              </a:solidFill>
+              <a:ln>
+                <a:noFill/>
+              </a:ln>
+              <a:effectLst/>
+            </c:spPr>
+          </c:dPt>
+          <c:dPt>
+            <c:idx val="27"/>
+            <c:invertIfNegative val="0"/>
+            <c:bubble3D val="0"/>
+            <c:spPr>
+              <a:solidFill>
+                <a:srgbClr val="FFC000"/>
+              </a:solidFill>
+              <a:ln>
+                <a:noFill/>
+              </a:ln>
+              <a:effectLst/>
+            </c:spPr>
+          </c:dPt>
+          <c:dPt>
+            <c:idx val="29"/>
+            <c:invertIfNegative val="0"/>
+            <c:bubble3D val="0"/>
+            <c:spPr>
+              <a:solidFill>
+                <a:srgbClr val="FFC000"/>
+              </a:solidFill>
+              <a:ln>
+                <a:noFill/>
+              </a:ln>
+              <a:effectLst/>
+            </c:spPr>
+          </c:dPt>
+          <c:cat>
+            <c:multiLvlStrRef>
+              <c:f>Sheet2!$A$2:$C$31</c:f>
+              <c:multiLvlStrCache>
+                <c:ptCount val="30"/>
+                <c:lvl>
+                  <c:pt idx="0">
+                    <c:v>fair</c:v>
+                  </c:pt>
+                  <c:pt idx="1">
+                    <c:v>unfair</c:v>
+                  </c:pt>
+                  <c:pt idx="2">
+                    <c:v>fair</c:v>
+                  </c:pt>
+                  <c:pt idx="3">
+                    <c:v>unfair</c:v>
+                  </c:pt>
+                  <c:pt idx="4">
+                    <c:v>fair</c:v>
+                  </c:pt>
+                  <c:pt idx="5">
+                    <c:v>unfair</c:v>
+                  </c:pt>
+                  <c:pt idx="6">
+                    <c:v>fair</c:v>
+                  </c:pt>
+                  <c:pt idx="7">
+                    <c:v>unfair</c:v>
+                  </c:pt>
+                  <c:pt idx="8">
+                    <c:v>fair</c:v>
+                  </c:pt>
+                  <c:pt idx="9">
+                    <c:v>unfair</c:v>
+                  </c:pt>
+                  <c:pt idx="10">
+                    <c:v>fair</c:v>
+                  </c:pt>
+                  <c:pt idx="11">
+                    <c:v>unfair</c:v>
+                  </c:pt>
+                  <c:pt idx="12">
+                    <c:v>fair</c:v>
+                  </c:pt>
+                  <c:pt idx="13">
+                    <c:v>unfair</c:v>
+                  </c:pt>
+                  <c:pt idx="14">
+                    <c:v>fair</c:v>
+                  </c:pt>
+                  <c:pt idx="15">
+                    <c:v>unfair</c:v>
+                  </c:pt>
+                  <c:pt idx="16">
+                    <c:v>fair</c:v>
+                  </c:pt>
+                  <c:pt idx="17">
+                    <c:v>unfair</c:v>
+                  </c:pt>
+                  <c:pt idx="18">
+                    <c:v>fair</c:v>
+                  </c:pt>
+                  <c:pt idx="19">
+                    <c:v>unfair</c:v>
+                  </c:pt>
+                  <c:pt idx="20">
+                    <c:v>fair</c:v>
+                  </c:pt>
+                  <c:pt idx="21">
+                    <c:v>unfair</c:v>
+                  </c:pt>
+                  <c:pt idx="22">
+                    <c:v>fair</c:v>
+                  </c:pt>
+                  <c:pt idx="23">
+                    <c:v>unfair</c:v>
+                  </c:pt>
+                  <c:pt idx="24">
+                    <c:v>fair</c:v>
+                  </c:pt>
+                  <c:pt idx="25">
+                    <c:v>unfair</c:v>
+                  </c:pt>
+                  <c:pt idx="26">
+                    <c:v>fair</c:v>
+                  </c:pt>
+                  <c:pt idx="27">
+                    <c:v>unfair</c:v>
+                  </c:pt>
+                  <c:pt idx="28">
+                    <c:v>fair</c:v>
+                  </c:pt>
+                  <c:pt idx="29">
+                    <c:v>unfair</c:v>
+                  </c:pt>
+                </c:lvl>
+                <c:lvl>
+                  <c:pt idx="0">
+                    <c:v>Base</c:v>
+                  </c:pt>
+                  <c:pt idx="2">
+                    <c:v>Pun</c:v>
+                  </c:pt>
+                  <c:pt idx="4">
+                    <c:v>Emp</c:v>
+                  </c:pt>
+                  <c:pt idx="6">
+                    <c:v>Base</c:v>
+                  </c:pt>
+                  <c:pt idx="8">
+                    <c:v>Pun</c:v>
+                  </c:pt>
+                  <c:pt idx="10">
+                    <c:v>Emp</c:v>
+                  </c:pt>
+                  <c:pt idx="12">
+                    <c:v>Base</c:v>
+                  </c:pt>
+                  <c:pt idx="14">
+                    <c:v>Pun</c:v>
+                  </c:pt>
+                  <c:pt idx="16">
+                    <c:v>Emp</c:v>
+                  </c:pt>
+                  <c:pt idx="18">
+                    <c:v>Base</c:v>
+                  </c:pt>
+                  <c:pt idx="20">
+                    <c:v>Pun</c:v>
+                  </c:pt>
+                  <c:pt idx="22">
+                    <c:v>Emp</c:v>
+                  </c:pt>
+                  <c:pt idx="24">
+                    <c:v>Base</c:v>
+                  </c:pt>
+                  <c:pt idx="26">
+                    <c:v>Pun</c:v>
+                  </c:pt>
+                  <c:pt idx="28">
+                    <c:v>Emp</c:v>
+                  </c:pt>
+                </c:lvl>
+                <c:lvl>
+                  <c:pt idx="0">
+                    <c:v>AttempterHL</c:v>
+                  </c:pt>
+                  <c:pt idx="6">
+                    <c:v>AttempterLL</c:v>
+                  </c:pt>
+                  <c:pt idx="12">
+                    <c:v>control</c:v>
+                  </c:pt>
+                  <c:pt idx="18">
+                    <c:v>depression</c:v>
+                  </c:pt>
+                  <c:pt idx="24">
+                    <c:v>ideator</c:v>
+                  </c:pt>
+                </c:lvl>
+              </c:multiLvlStrCache>
+            </c:multiLvlStrRef>
+          </c:cat>
+          <c:val>
+            <c:numRef>
+              <c:f>Sheet2!$D$2:$D$31</c:f>
+              <c:numCache>
+                <c:formatCode>General</c:formatCode>
+                <c:ptCount val="30"/>
+                <c:pt idx="0">
+                  <c:v>0.941176470588235</c:v>
+                </c:pt>
+                <c:pt idx="1">
+                  <c:v>0.557422969187675</c:v>
+                </c:pt>
+                <c:pt idx="2">
+                  <c:v>0.576470588235294</c:v>
+                </c:pt>
+                <c:pt idx="3">
+                  <c:v>0.324929971988795</c:v>
+                </c:pt>
+                <c:pt idx="4">
+                  <c:v>0.952941176470588</c:v>
+                </c:pt>
+                <c:pt idx="5">
+                  <c:v>0.820728291316527</c:v>
+                </c:pt>
+                <c:pt idx="6">
+                  <c:v>0.97</c:v>
+                </c:pt>
+                <c:pt idx="7">
+                  <c:v>0.59047619047619</c:v>
+                </c:pt>
+                <c:pt idx="8">
+                  <c:v>0.68</c:v>
+                </c:pt>
+                <c:pt idx="9">
+                  <c:v>0.330952380952381</c:v>
+                </c:pt>
+                <c:pt idx="10">
+                  <c:v>0.91</c:v>
+                </c:pt>
+                <c:pt idx="11">
+                  <c:v>0.769047619047619</c:v>
+                </c:pt>
+                <c:pt idx="12">
+                  <c:v>0.958333333333333</c:v>
+                </c:pt>
+                <c:pt idx="13">
+                  <c:v>0.567460317460317</c:v>
+                </c:pt>
+                <c:pt idx="14">
+                  <c:v>0.683333333333333</c:v>
+                </c:pt>
+                <c:pt idx="15">
+                  <c:v>0.400793650793651</c:v>
+                </c:pt>
+                <c:pt idx="16">
+                  <c:v>0.941666666666667</c:v>
+                </c:pt>
+                <c:pt idx="17">
+                  <c:v>0.873015873015873</c:v>
+                </c:pt>
+                <c:pt idx="18">
+                  <c:v>0.973913043478261</c:v>
+                </c:pt>
+                <c:pt idx="19">
+                  <c:v>0.701863354037267</c:v>
+                </c:pt>
+                <c:pt idx="20">
+                  <c:v>0.721739130434783</c:v>
+                </c:pt>
+                <c:pt idx="21">
+                  <c:v>0.527950310559006</c:v>
+                </c:pt>
+                <c:pt idx="22">
+                  <c:v>0.939130434782609</c:v>
+                </c:pt>
+                <c:pt idx="23">
+                  <c:v>0.826086956521739</c:v>
+                </c:pt>
+                <c:pt idx="24">
+                  <c:v>0.989473684210526</c:v>
+                </c:pt>
+                <c:pt idx="25">
+                  <c:v>0.601503759398496</c:v>
+                </c:pt>
+                <c:pt idx="26">
+                  <c:v>0.694736842105263</c:v>
+                </c:pt>
+                <c:pt idx="27">
+                  <c:v>0.428571428571429</c:v>
+                </c:pt>
+                <c:pt idx="28">
+                  <c:v>0.989473684210526</c:v>
+                </c:pt>
+                <c:pt idx="29">
+                  <c:v>0.897243107769423</c:v>
+                </c:pt>
+              </c:numCache>
+            </c:numRef>
+          </c:val>
+        </c:ser>
+        <c:dLbls>
+          <c:showLegendKey val="0"/>
+          <c:showVal val="0"/>
+          <c:showCatName val="0"/>
+          <c:showSerName val="0"/>
+          <c:showPercent val="0"/>
+          <c:showBubbleSize val="0"/>
+        </c:dLbls>
+        <c:gapWidth val="150"/>
+        <c:overlap val="100"/>
+        <c:axId val="427724544"/>
+        <c:axId val="465242160"/>
+      </c:barChart>
+      <c:catAx>
+        <c:axId val="427724544"/>
+        <c:scaling>
+          <c:orientation val="minMax"/>
+        </c:scaling>
+        <c:delete val="0"/>
+        <c:axPos val="b"/>
+        <c:numFmt formatCode="General" sourceLinked="1"/>
+        <c:majorTickMark val="none"/>
+        <c:minorTickMark val="none"/>
+        <c:tickLblPos val="nextTo"/>
+        <c:spPr>
+          <a:noFill/>
+          <a:ln w="9525" cap="flat" cmpd="sng" algn="ctr">
+            <a:solidFill>
+              <a:schemeClr val="tx1">
+                <a:lumMod val="15000"/>
+                <a:lumOff val="85000"/>
+              </a:schemeClr>
+            </a:solidFill>
+            <a:round/>
+          </a:ln>
+          <a:effectLst/>
+        </c:spPr>
+        <c:txPr>
+          <a:bodyPr rot="-60000000" spcFirstLastPara="1" vertOverflow="ellipsis" vert="horz" wrap="square" anchor="ctr" anchorCtr="1"/>
+          <a:lstStyle/>
+          <a:p>
+            <a:pPr>
+              <a:defRPr sz="900" b="0" i="0" u="none" strike="noStrike" kern="1200" baseline="0">
+                <a:solidFill>
+                  <a:schemeClr val="tx1">
+                    <a:lumMod val="65000"/>
+                    <a:lumOff val="35000"/>
+                  </a:schemeClr>
+                </a:solidFill>
+                <a:latin typeface="+mn-lt"/>
+                <a:ea typeface="+mn-ea"/>
+                <a:cs typeface="+mn-cs"/>
+              </a:defRPr>
+            </a:pPr>
+            <a:endParaRPr lang="en-US"/>
+          </a:p>
+        </c:txPr>
+        <c:crossAx val="465242160"/>
+        <c:crosses val="autoZero"/>
+        <c:auto val="1"/>
+        <c:lblAlgn val="ctr"/>
+        <c:lblOffset val="100"/>
+        <c:noMultiLvlLbl val="0"/>
+      </c:catAx>
+      <c:valAx>
+        <c:axId val="465242160"/>
+        <c:scaling>
+          <c:orientation val="minMax"/>
+          <c:max val="1.0"/>
+        </c:scaling>
+        <c:delete val="0"/>
+        <c:axPos val="l"/>
+        <c:majorGridlines>
+          <c:spPr>
+            <a:ln w="9525" cap="flat" cmpd="sng" algn="ctr">
+              <a:solidFill>
+                <a:schemeClr val="tx1">
+                  <a:lumMod val="15000"/>
+                  <a:lumOff val="85000"/>
+                </a:schemeClr>
+              </a:solidFill>
+              <a:round/>
+            </a:ln>
+            <a:effectLst/>
+          </c:spPr>
+        </c:majorGridlines>
+        <c:majorTickMark val="none"/>
+        <c:minorTickMark val="none"/>
+        <c:tickLblPos val="nextTo"/>
+        <c:spPr>
+          <a:noFill/>
+          <a:ln>
+            <a:noFill/>
+          </a:ln>
+          <a:effectLst/>
+        </c:spPr>
+        <c:txPr>
+          <a:bodyPr rot="-60000000" spcFirstLastPara="1" vertOverflow="ellipsis" vert="horz" wrap="square" anchor="ctr" anchorCtr="1"/>
+          <a:lstStyle/>
+          <a:p>
+            <a:pPr>
+              <a:defRPr sz="900" b="0" i="0" u="none" strike="noStrike" kern="1200" baseline="0">
+                <a:solidFill>
+                  <a:schemeClr val="tx1">
+                    <a:lumMod val="65000"/>
+                    <a:lumOff val="35000"/>
+                  </a:schemeClr>
+                </a:solidFill>
+                <a:latin typeface="+mn-lt"/>
+                <a:ea typeface="+mn-ea"/>
+                <a:cs typeface="+mn-cs"/>
+              </a:defRPr>
+            </a:pPr>
+            <a:endParaRPr lang="en-US"/>
+          </a:p>
+        </c:txPr>
+        <c:crossAx val="427724544"/>
+        <c:crosses val="autoZero"/>
+        <c:crossBetween val="between"/>
+      </c:valAx>
+      <c:spPr>
+        <a:noFill/>
+        <a:ln>
+          <a:noFill/>
+        </a:ln>
+        <a:effectLst/>
+      </c:spPr>
+    </c:plotArea>
     <c:plotVisOnly val="1"/>
     <c:dispBlanksAs val="gap"/>
     <c:showDLblsOverMax val="0"/>
@@ -909,6 +2298,86 @@
 </cs:colorStyle>
 </file>
 
+<file path=ppt/charts/colors3.xml><?xml version="1.0" encoding="utf-8"?>
+<cs:colorStyle xmlns:cs="http://schemas.microsoft.com/office/drawing/2012/chartStyle" xmlns:a="http://schemas.openxmlformats.org/drawingml/2006/main" meth="cycle" id="10">
+  <a:schemeClr val="accent1"/>
+  <a:schemeClr val="accent2"/>
+  <a:schemeClr val="accent3"/>
+  <a:schemeClr val="accent4"/>
+  <a:schemeClr val="accent5"/>
+  <a:schemeClr val="accent6"/>
+  <cs:variation/>
+  <cs:variation>
+    <a:lumMod val="60000"/>
+  </cs:variation>
+  <cs:variation>
+    <a:lumMod val="80000"/>
+    <a:lumOff val="20000"/>
+  </cs:variation>
+  <cs:variation>
+    <a:lumMod val="80000"/>
+  </cs:variation>
+  <cs:variation>
+    <a:lumMod val="60000"/>
+    <a:lumOff val="40000"/>
+  </cs:variation>
+  <cs:variation>
+    <a:lumMod val="50000"/>
+  </cs:variation>
+  <cs:variation>
+    <a:lumMod val="70000"/>
+    <a:lumOff val="30000"/>
+  </cs:variation>
+  <cs:variation>
+    <a:lumMod val="70000"/>
+  </cs:variation>
+  <cs:variation>
+    <a:lumMod val="50000"/>
+    <a:lumOff val="50000"/>
+  </cs:variation>
+</cs:colorStyle>
+</file>
+
+<file path=ppt/charts/colors4.xml><?xml version="1.0" encoding="utf-8"?>
+<cs:colorStyle xmlns:cs="http://schemas.microsoft.com/office/drawing/2012/chartStyle" xmlns:a="http://schemas.openxmlformats.org/drawingml/2006/main" meth="cycle" id="10">
+  <a:schemeClr val="accent1"/>
+  <a:schemeClr val="accent2"/>
+  <a:schemeClr val="accent3"/>
+  <a:schemeClr val="accent4"/>
+  <a:schemeClr val="accent5"/>
+  <a:schemeClr val="accent6"/>
+  <cs:variation/>
+  <cs:variation>
+    <a:lumMod val="60000"/>
+  </cs:variation>
+  <cs:variation>
+    <a:lumMod val="80000"/>
+    <a:lumOff val="20000"/>
+  </cs:variation>
+  <cs:variation>
+    <a:lumMod val="80000"/>
+  </cs:variation>
+  <cs:variation>
+    <a:lumMod val="60000"/>
+    <a:lumOff val="40000"/>
+  </cs:variation>
+  <cs:variation>
+    <a:lumMod val="50000"/>
+  </cs:variation>
+  <cs:variation>
+    <a:lumMod val="70000"/>
+    <a:lumOff val="30000"/>
+  </cs:variation>
+  <cs:variation>
+    <a:lumMod val="70000"/>
+  </cs:variation>
+  <cs:variation>
+    <a:lumMod val="50000"/>
+    <a:lumOff val="50000"/>
+  </cs:variation>
+</cs:colorStyle>
+</file>
+
 <file path=ppt/charts/style1.xml><?xml version="1.0" encoding="utf-8"?>
 <cs:chartStyle xmlns:cs="http://schemas.microsoft.com/office/drawing/2012/chartStyle" xmlns:a="http://schemas.openxmlformats.org/drawingml/2006/main" id="201">
   <cs:axisTitle>
@@ -1883,6 +3352,1016 @@
             <a:lumOff val="85000"/>
           </a:schemeClr>
         </a:solidFill>
+      </a:ln>
+    </cs:spPr>
+  </cs:upBar>
+  <cs:valueAxis>
+    <cs:lnRef idx="0"/>
+    <cs:fillRef idx="0"/>
+    <cs:effectRef idx="0"/>
+    <cs:fontRef idx="minor">
+      <a:schemeClr val="tx1">
+        <a:lumMod val="65000"/>
+        <a:lumOff val="35000"/>
+      </a:schemeClr>
+    </cs:fontRef>
+    <cs:defRPr sz="900" kern="1200"/>
+  </cs:valueAxis>
+  <cs:wall>
+    <cs:lnRef idx="0"/>
+    <cs:fillRef idx="0"/>
+    <cs:effectRef idx="0"/>
+    <cs:fontRef idx="minor">
+      <a:schemeClr val="tx1"/>
+    </cs:fontRef>
+    <cs:spPr>
+      <a:noFill/>
+      <a:ln>
+        <a:noFill/>
+      </a:ln>
+    </cs:spPr>
+  </cs:wall>
+</cs:chartStyle>
+</file>
+
+<file path=ppt/charts/style3.xml><?xml version="1.0" encoding="utf-8"?>
+<cs:chartStyle xmlns:cs="http://schemas.microsoft.com/office/drawing/2012/chartStyle" xmlns:a="http://schemas.openxmlformats.org/drawingml/2006/main" id="297">
+  <cs:axisTitle>
+    <cs:lnRef idx="0"/>
+    <cs:fillRef idx="0"/>
+    <cs:effectRef idx="0"/>
+    <cs:fontRef idx="minor">
+      <a:schemeClr val="tx1">
+        <a:lumMod val="65000"/>
+        <a:lumOff val="35000"/>
+      </a:schemeClr>
+    </cs:fontRef>
+    <cs:defRPr sz="1000" kern="1200"/>
+  </cs:axisTitle>
+  <cs:categoryAxis>
+    <cs:lnRef idx="0"/>
+    <cs:fillRef idx="0"/>
+    <cs:effectRef idx="0"/>
+    <cs:fontRef idx="minor">
+      <a:schemeClr val="tx1">
+        <a:lumMod val="65000"/>
+        <a:lumOff val="35000"/>
+      </a:schemeClr>
+    </cs:fontRef>
+    <cs:spPr>
+      <a:ln w="9525" cap="flat" cmpd="sng" algn="ctr">
+        <a:solidFill>
+          <a:schemeClr val="tx1">
+            <a:lumMod val="15000"/>
+            <a:lumOff val="85000"/>
+          </a:schemeClr>
+        </a:solidFill>
+        <a:round/>
+      </a:ln>
+    </cs:spPr>
+    <cs:defRPr sz="900" kern="1200"/>
+  </cs:categoryAxis>
+  <cs:chartArea mods="allowNoFillOverride allowNoLineOverride">
+    <cs:lnRef idx="0"/>
+    <cs:fillRef idx="0"/>
+    <cs:effectRef idx="0"/>
+    <cs:fontRef idx="minor">
+      <a:schemeClr val="tx1"/>
+    </cs:fontRef>
+    <cs:spPr>
+      <a:solidFill>
+        <a:schemeClr val="bg1"/>
+      </a:solidFill>
+      <a:ln w="9525" cap="flat" cmpd="sng" algn="ctr">
+        <a:solidFill>
+          <a:schemeClr val="tx1">
+            <a:lumMod val="15000"/>
+            <a:lumOff val="85000"/>
+          </a:schemeClr>
+        </a:solidFill>
+        <a:round/>
+      </a:ln>
+    </cs:spPr>
+    <cs:defRPr sz="1000" kern="1200"/>
+  </cs:chartArea>
+  <cs:dataLabel>
+    <cs:lnRef idx="0"/>
+    <cs:fillRef idx="0"/>
+    <cs:effectRef idx="0"/>
+    <cs:fontRef idx="minor">
+      <a:schemeClr val="tx1">
+        <a:lumMod val="75000"/>
+        <a:lumOff val="25000"/>
+      </a:schemeClr>
+    </cs:fontRef>
+    <cs:defRPr sz="900" kern="1200"/>
+  </cs:dataLabel>
+  <cs:dataLabelCallout>
+    <cs:lnRef idx="0"/>
+    <cs:fillRef idx="0"/>
+    <cs:effectRef idx="0"/>
+    <cs:fontRef idx="minor">
+      <a:schemeClr val="dk1">
+        <a:lumMod val="65000"/>
+        <a:lumOff val="35000"/>
+      </a:schemeClr>
+    </cs:fontRef>
+    <cs:spPr>
+      <a:solidFill>
+        <a:schemeClr val="lt1"/>
+      </a:solidFill>
+      <a:ln>
+        <a:solidFill>
+          <a:schemeClr val="dk1">
+            <a:lumMod val="25000"/>
+            <a:lumOff val="75000"/>
+          </a:schemeClr>
+        </a:solidFill>
+      </a:ln>
+    </cs:spPr>
+    <cs:defRPr sz="900" kern="1200"/>
+    <cs:bodyPr rot="0" spcFirstLastPara="1" vertOverflow="clip" horzOverflow="clip" vert="horz" wrap="square" lIns="36576" tIns="18288" rIns="36576" bIns="18288" anchor="ctr" anchorCtr="1">
+      <a:spAutoFit/>
+    </cs:bodyPr>
+  </cs:dataLabelCallout>
+  <cs:dataPoint>
+    <cs:lnRef idx="0"/>
+    <cs:fillRef idx="1">
+      <cs:styleClr val="auto"/>
+    </cs:fillRef>
+    <cs:effectRef idx="0"/>
+    <cs:fontRef idx="minor">
+      <a:schemeClr val="tx1"/>
+    </cs:fontRef>
+  </cs:dataPoint>
+  <cs:dataPoint3D>
+    <cs:lnRef idx="0"/>
+    <cs:fillRef idx="1">
+      <cs:styleClr val="auto"/>
+    </cs:fillRef>
+    <cs:effectRef idx="0"/>
+    <cs:fontRef idx="minor">
+      <a:schemeClr val="tx1"/>
+    </cs:fontRef>
+  </cs:dataPoint3D>
+  <cs:dataPointLine>
+    <cs:lnRef idx="0">
+      <cs:styleClr val="auto"/>
+    </cs:lnRef>
+    <cs:fillRef idx="1"/>
+    <cs:effectRef idx="0"/>
+    <cs:fontRef idx="minor">
+      <a:schemeClr val="tx1"/>
+    </cs:fontRef>
+    <cs:spPr>
+      <a:ln w="28575" cap="rnd">
+        <a:solidFill>
+          <a:schemeClr val="phClr"/>
+        </a:solidFill>
+        <a:round/>
+      </a:ln>
+    </cs:spPr>
+  </cs:dataPointLine>
+  <cs:dataPointMarker>
+    <cs:lnRef idx="0">
+      <cs:styleClr val="auto"/>
+    </cs:lnRef>
+    <cs:fillRef idx="1">
+      <cs:styleClr val="auto"/>
+    </cs:fillRef>
+    <cs:effectRef idx="0"/>
+    <cs:fontRef idx="minor">
+      <a:schemeClr val="tx1"/>
+    </cs:fontRef>
+    <cs:spPr>
+      <a:ln w="9525">
+        <a:solidFill>
+          <a:schemeClr val="phClr"/>
+        </a:solidFill>
+      </a:ln>
+    </cs:spPr>
+  </cs:dataPointMarker>
+  <cs:dataPointMarkerLayout symbol="circle" size="5"/>
+  <cs:dataPointWireframe>
+    <cs:lnRef idx="0">
+      <cs:styleClr val="auto"/>
+    </cs:lnRef>
+    <cs:fillRef idx="1"/>
+    <cs:effectRef idx="0"/>
+    <cs:fontRef idx="minor">
+      <a:schemeClr val="tx1"/>
+    </cs:fontRef>
+    <cs:spPr>
+      <a:ln w="9525" cap="rnd">
+        <a:solidFill>
+          <a:schemeClr val="phClr"/>
+        </a:solidFill>
+        <a:round/>
+      </a:ln>
+    </cs:spPr>
+  </cs:dataPointWireframe>
+  <cs:dataTable>
+    <cs:lnRef idx="0"/>
+    <cs:fillRef idx="0"/>
+    <cs:effectRef idx="0"/>
+    <cs:fontRef idx="minor">
+      <a:schemeClr val="tx1">
+        <a:lumMod val="65000"/>
+        <a:lumOff val="35000"/>
+      </a:schemeClr>
+    </cs:fontRef>
+    <cs:spPr>
+      <a:noFill/>
+      <a:ln w="9525" cap="flat" cmpd="sng" algn="ctr">
+        <a:solidFill>
+          <a:schemeClr val="tx1">
+            <a:lumMod val="15000"/>
+            <a:lumOff val="85000"/>
+          </a:schemeClr>
+        </a:solidFill>
+        <a:round/>
+      </a:ln>
+    </cs:spPr>
+    <cs:defRPr sz="900" kern="1200"/>
+  </cs:dataTable>
+  <cs:downBar>
+    <cs:lnRef idx="0"/>
+    <cs:fillRef idx="0"/>
+    <cs:effectRef idx="0"/>
+    <cs:fontRef idx="minor">
+      <a:schemeClr val="tx1"/>
+    </cs:fontRef>
+    <cs:spPr>
+      <a:solidFill>
+        <a:schemeClr val="dk1">
+          <a:lumMod val="75000"/>
+          <a:lumOff val="25000"/>
+        </a:schemeClr>
+      </a:solidFill>
+      <a:ln w="9525" cap="flat" cmpd="sng" algn="ctr">
+        <a:solidFill>
+          <a:schemeClr val="tx1">
+            <a:lumMod val="65000"/>
+            <a:lumOff val="35000"/>
+          </a:schemeClr>
+        </a:solidFill>
+        <a:round/>
+      </a:ln>
+    </cs:spPr>
+  </cs:downBar>
+  <cs:dropLine>
+    <cs:lnRef idx="0"/>
+    <cs:fillRef idx="0"/>
+    <cs:effectRef idx="0"/>
+    <cs:fontRef idx="minor">
+      <a:schemeClr val="tx1"/>
+    </cs:fontRef>
+    <cs:spPr>
+      <a:ln w="9525" cap="flat" cmpd="sng" algn="ctr">
+        <a:solidFill>
+          <a:schemeClr val="tx1">
+            <a:lumMod val="35000"/>
+            <a:lumOff val="65000"/>
+          </a:schemeClr>
+        </a:solidFill>
+        <a:round/>
+      </a:ln>
+    </cs:spPr>
+  </cs:dropLine>
+  <cs:errorBar>
+    <cs:lnRef idx="0"/>
+    <cs:fillRef idx="0"/>
+    <cs:effectRef idx="0"/>
+    <cs:fontRef idx="minor">
+      <a:schemeClr val="tx1"/>
+    </cs:fontRef>
+    <cs:spPr>
+      <a:ln w="9525" cap="flat" cmpd="sng" algn="ctr">
+        <a:solidFill>
+          <a:schemeClr val="tx1">
+            <a:lumMod val="65000"/>
+            <a:lumOff val="35000"/>
+          </a:schemeClr>
+        </a:solidFill>
+        <a:round/>
+      </a:ln>
+    </cs:spPr>
+  </cs:errorBar>
+  <cs:floor>
+    <cs:lnRef idx="0"/>
+    <cs:fillRef idx="0"/>
+    <cs:effectRef idx="0"/>
+    <cs:fontRef idx="minor">
+      <a:schemeClr val="tx1"/>
+    </cs:fontRef>
+    <cs:spPr>
+      <a:noFill/>
+      <a:ln>
+        <a:noFill/>
+      </a:ln>
+    </cs:spPr>
+  </cs:floor>
+  <cs:gridlineMajor>
+    <cs:lnRef idx="0"/>
+    <cs:fillRef idx="0"/>
+    <cs:effectRef idx="0"/>
+    <cs:fontRef idx="minor">
+      <a:schemeClr val="tx1"/>
+    </cs:fontRef>
+    <cs:spPr>
+      <a:ln w="9525" cap="flat" cmpd="sng" algn="ctr">
+        <a:solidFill>
+          <a:schemeClr val="tx1">
+            <a:lumMod val="15000"/>
+            <a:lumOff val="85000"/>
+          </a:schemeClr>
+        </a:solidFill>
+        <a:round/>
+      </a:ln>
+    </cs:spPr>
+  </cs:gridlineMajor>
+  <cs:gridlineMinor>
+    <cs:lnRef idx="0"/>
+    <cs:fillRef idx="0"/>
+    <cs:effectRef idx="0"/>
+    <cs:fontRef idx="minor">
+      <a:schemeClr val="tx1"/>
+    </cs:fontRef>
+    <cs:spPr>
+      <a:ln w="9525" cap="flat" cmpd="sng" algn="ctr">
+        <a:solidFill>
+          <a:schemeClr val="tx1">
+            <a:lumMod val="5000"/>
+            <a:lumOff val="95000"/>
+          </a:schemeClr>
+        </a:solidFill>
+        <a:round/>
+      </a:ln>
+    </cs:spPr>
+  </cs:gridlineMinor>
+  <cs:hiLoLine>
+    <cs:lnRef idx="0"/>
+    <cs:fillRef idx="0"/>
+    <cs:effectRef idx="0"/>
+    <cs:fontRef idx="minor">
+      <a:schemeClr val="tx1"/>
+    </cs:fontRef>
+    <cs:spPr>
+      <a:ln w="9525" cap="flat" cmpd="sng" algn="ctr">
+        <a:solidFill>
+          <a:schemeClr val="tx1">
+            <a:lumMod val="50000"/>
+            <a:lumOff val="50000"/>
+          </a:schemeClr>
+        </a:solidFill>
+        <a:round/>
+      </a:ln>
+    </cs:spPr>
+  </cs:hiLoLine>
+  <cs:leaderLine>
+    <cs:lnRef idx="0"/>
+    <cs:fillRef idx="0"/>
+    <cs:effectRef idx="0"/>
+    <cs:fontRef idx="minor">
+      <a:schemeClr val="tx1"/>
+    </cs:fontRef>
+    <cs:spPr>
+      <a:ln w="9525" cap="flat" cmpd="sng" algn="ctr">
+        <a:solidFill>
+          <a:schemeClr val="tx1">
+            <a:lumMod val="35000"/>
+            <a:lumOff val="65000"/>
+          </a:schemeClr>
+        </a:solidFill>
+        <a:round/>
+      </a:ln>
+    </cs:spPr>
+  </cs:leaderLine>
+  <cs:legend>
+    <cs:lnRef idx="0"/>
+    <cs:fillRef idx="0"/>
+    <cs:effectRef idx="0"/>
+    <cs:fontRef idx="minor">
+      <a:schemeClr val="tx1">
+        <a:lumMod val="65000"/>
+        <a:lumOff val="35000"/>
+      </a:schemeClr>
+    </cs:fontRef>
+    <cs:defRPr sz="900" kern="1200"/>
+  </cs:legend>
+  <cs:plotArea mods="allowNoFillOverride allowNoLineOverride">
+    <cs:lnRef idx="0"/>
+    <cs:fillRef idx="0"/>
+    <cs:effectRef idx="0"/>
+    <cs:fontRef idx="minor">
+      <a:schemeClr val="tx1"/>
+    </cs:fontRef>
+  </cs:plotArea>
+  <cs:plotArea3D mods="allowNoFillOverride allowNoLineOverride">
+    <cs:lnRef idx="0"/>
+    <cs:fillRef idx="0"/>
+    <cs:effectRef idx="0"/>
+    <cs:fontRef idx="minor">
+      <a:schemeClr val="tx1"/>
+    </cs:fontRef>
+  </cs:plotArea3D>
+  <cs:seriesAxis>
+    <cs:lnRef idx="0"/>
+    <cs:fillRef idx="0"/>
+    <cs:effectRef idx="0"/>
+    <cs:fontRef idx="minor">
+      <a:schemeClr val="tx1">
+        <a:lumMod val="65000"/>
+        <a:lumOff val="35000"/>
+      </a:schemeClr>
+    </cs:fontRef>
+    <cs:defRPr sz="900" kern="1200"/>
+  </cs:seriesAxis>
+  <cs:seriesLine>
+    <cs:lnRef idx="0"/>
+    <cs:fillRef idx="0"/>
+    <cs:effectRef idx="0"/>
+    <cs:fontRef idx="minor">
+      <a:schemeClr val="tx1"/>
+    </cs:fontRef>
+    <cs:spPr>
+      <a:ln w="9525" cap="flat" cmpd="sng" algn="ctr">
+        <a:solidFill>
+          <a:schemeClr val="tx1">
+            <a:lumMod val="35000"/>
+            <a:lumOff val="65000"/>
+          </a:schemeClr>
+        </a:solidFill>
+        <a:round/>
+      </a:ln>
+    </cs:spPr>
+  </cs:seriesLine>
+  <cs:title>
+    <cs:lnRef idx="0"/>
+    <cs:fillRef idx="0"/>
+    <cs:effectRef idx="0"/>
+    <cs:fontRef idx="minor">
+      <a:schemeClr val="tx1">
+        <a:lumMod val="65000"/>
+        <a:lumOff val="35000"/>
+      </a:schemeClr>
+    </cs:fontRef>
+    <cs:defRPr sz="1400" b="0" kern="1200" spc="0" baseline="0"/>
+  </cs:title>
+  <cs:trendline>
+    <cs:lnRef idx="0">
+      <cs:styleClr val="auto"/>
+    </cs:lnRef>
+    <cs:fillRef idx="0"/>
+    <cs:effectRef idx="0"/>
+    <cs:fontRef idx="minor">
+      <a:schemeClr val="tx1"/>
+    </cs:fontRef>
+    <cs:spPr>
+      <a:ln w="19050" cap="rnd">
+        <a:solidFill>
+          <a:schemeClr val="phClr"/>
+        </a:solidFill>
+        <a:prstDash val="sysDot"/>
+      </a:ln>
+    </cs:spPr>
+  </cs:trendline>
+  <cs:trendlineLabel>
+    <cs:lnRef idx="0"/>
+    <cs:fillRef idx="0"/>
+    <cs:effectRef idx="0"/>
+    <cs:fontRef idx="minor">
+      <a:schemeClr val="tx1">
+        <a:lumMod val="65000"/>
+        <a:lumOff val="35000"/>
+      </a:schemeClr>
+    </cs:fontRef>
+    <cs:defRPr sz="900" kern="1200"/>
+  </cs:trendlineLabel>
+  <cs:upBar>
+    <cs:lnRef idx="0"/>
+    <cs:fillRef idx="0"/>
+    <cs:effectRef idx="0"/>
+    <cs:fontRef idx="minor">
+      <a:schemeClr val="tx1"/>
+    </cs:fontRef>
+    <cs:spPr>
+      <a:solidFill>
+        <a:schemeClr val="lt1"/>
+      </a:solidFill>
+      <a:ln w="9525" cap="flat" cmpd="sng" algn="ctr">
+        <a:solidFill>
+          <a:schemeClr val="tx1">
+            <a:lumMod val="65000"/>
+            <a:lumOff val="35000"/>
+          </a:schemeClr>
+        </a:solidFill>
+        <a:round/>
+      </a:ln>
+    </cs:spPr>
+  </cs:upBar>
+  <cs:valueAxis>
+    <cs:lnRef idx="0"/>
+    <cs:fillRef idx="0"/>
+    <cs:effectRef idx="0"/>
+    <cs:fontRef idx="minor">
+      <a:schemeClr val="tx1">
+        <a:lumMod val="65000"/>
+        <a:lumOff val="35000"/>
+      </a:schemeClr>
+    </cs:fontRef>
+    <cs:defRPr sz="900" kern="1200"/>
+  </cs:valueAxis>
+  <cs:wall>
+    <cs:lnRef idx="0"/>
+    <cs:fillRef idx="0"/>
+    <cs:effectRef idx="0"/>
+    <cs:fontRef idx="minor">
+      <a:schemeClr val="tx1"/>
+    </cs:fontRef>
+    <cs:spPr>
+      <a:noFill/>
+      <a:ln>
+        <a:noFill/>
+      </a:ln>
+    </cs:spPr>
+  </cs:wall>
+</cs:chartStyle>
+</file>
+
+<file path=ppt/charts/style4.xml><?xml version="1.0" encoding="utf-8"?>
+<cs:chartStyle xmlns:cs="http://schemas.microsoft.com/office/drawing/2012/chartStyle" xmlns:a="http://schemas.openxmlformats.org/drawingml/2006/main" id="297">
+  <cs:axisTitle>
+    <cs:lnRef idx="0"/>
+    <cs:fillRef idx="0"/>
+    <cs:effectRef idx="0"/>
+    <cs:fontRef idx="minor">
+      <a:schemeClr val="tx1">
+        <a:lumMod val="65000"/>
+        <a:lumOff val="35000"/>
+      </a:schemeClr>
+    </cs:fontRef>
+    <cs:defRPr sz="1000" kern="1200"/>
+  </cs:axisTitle>
+  <cs:categoryAxis>
+    <cs:lnRef idx="0"/>
+    <cs:fillRef idx="0"/>
+    <cs:effectRef idx="0"/>
+    <cs:fontRef idx="minor">
+      <a:schemeClr val="tx1">
+        <a:lumMod val="65000"/>
+        <a:lumOff val="35000"/>
+      </a:schemeClr>
+    </cs:fontRef>
+    <cs:spPr>
+      <a:ln w="9525" cap="flat" cmpd="sng" algn="ctr">
+        <a:solidFill>
+          <a:schemeClr val="tx1">
+            <a:lumMod val="15000"/>
+            <a:lumOff val="85000"/>
+          </a:schemeClr>
+        </a:solidFill>
+        <a:round/>
+      </a:ln>
+    </cs:spPr>
+    <cs:defRPr sz="900" kern="1200"/>
+  </cs:categoryAxis>
+  <cs:chartArea mods="allowNoFillOverride allowNoLineOverride">
+    <cs:lnRef idx="0"/>
+    <cs:fillRef idx="0"/>
+    <cs:effectRef idx="0"/>
+    <cs:fontRef idx="minor">
+      <a:schemeClr val="tx1"/>
+    </cs:fontRef>
+    <cs:spPr>
+      <a:solidFill>
+        <a:schemeClr val="bg1"/>
+      </a:solidFill>
+      <a:ln w="9525" cap="flat" cmpd="sng" algn="ctr">
+        <a:solidFill>
+          <a:schemeClr val="tx1">
+            <a:lumMod val="15000"/>
+            <a:lumOff val="85000"/>
+          </a:schemeClr>
+        </a:solidFill>
+        <a:round/>
+      </a:ln>
+    </cs:spPr>
+    <cs:defRPr sz="1000" kern="1200"/>
+  </cs:chartArea>
+  <cs:dataLabel>
+    <cs:lnRef idx="0"/>
+    <cs:fillRef idx="0"/>
+    <cs:effectRef idx="0"/>
+    <cs:fontRef idx="minor">
+      <a:schemeClr val="tx1">
+        <a:lumMod val="75000"/>
+        <a:lumOff val="25000"/>
+      </a:schemeClr>
+    </cs:fontRef>
+    <cs:defRPr sz="900" kern="1200"/>
+  </cs:dataLabel>
+  <cs:dataLabelCallout>
+    <cs:lnRef idx="0"/>
+    <cs:fillRef idx="0"/>
+    <cs:effectRef idx="0"/>
+    <cs:fontRef idx="minor">
+      <a:schemeClr val="dk1">
+        <a:lumMod val="65000"/>
+        <a:lumOff val="35000"/>
+      </a:schemeClr>
+    </cs:fontRef>
+    <cs:spPr>
+      <a:solidFill>
+        <a:schemeClr val="lt1"/>
+      </a:solidFill>
+      <a:ln>
+        <a:solidFill>
+          <a:schemeClr val="dk1">
+            <a:lumMod val="25000"/>
+            <a:lumOff val="75000"/>
+          </a:schemeClr>
+        </a:solidFill>
+      </a:ln>
+    </cs:spPr>
+    <cs:defRPr sz="900" kern="1200"/>
+    <cs:bodyPr rot="0" spcFirstLastPara="1" vertOverflow="clip" horzOverflow="clip" vert="horz" wrap="square" lIns="36576" tIns="18288" rIns="36576" bIns="18288" anchor="ctr" anchorCtr="1">
+      <a:spAutoFit/>
+    </cs:bodyPr>
+  </cs:dataLabelCallout>
+  <cs:dataPoint>
+    <cs:lnRef idx="0"/>
+    <cs:fillRef idx="1">
+      <cs:styleClr val="auto"/>
+    </cs:fillRef>
+    <cs:effectRef idx="0"/>
+    <cs:fontRef idx="minor">
+      <a:schemeClr val="tx1"/>
+    </cs:fontRef>
+  </cs:dataPoint>
+  <cs:dataPoint3D>
+    <cs:lnRef idx="0"/>
+    <cs:fillRef idx="1">
+      <cs:styleClr val="auto"/>
+    </cs:fillRef>
+    <cs:effectRef idx="0"/>
+    <cs:fontRef idx="minor">
+      <a:schemeClr val="tx1"/>
+    </cs:fontRef>
+  </cs:dataPoint3D>
+  <cs:dataPointLine>
+    <cs:lnRef idx="0">
+      <cs:styleClr val="auto"/>
+    </cs:lnRef>
+    <cs:fillRef idx="1"/>
+    <cs:effectRef idx="0"/>
+    <cs:fontRef idx="minor">
+      <a:schemeClr val="tx1"/>
+    </cs:fontRef>
+    <cs:spPr>
+      <a:ln w="28575" cap="rnd">
+        <a:solidFill>
+          <a:schemeClr val="phClr"/>
+        </a:solidFill>
+        <a:round/>
+      </a:ln>
+    </cs:spPr>
+  </cs:dataPointLine>
+  <cs:dataPointMarker>
+    <cs:lnRef idx="0">
+      <cs:styleClr val="auto"/>
+    </cs:lnRef>
+    <cs:fillRef idx="1">
+      <cs:styleClr val="auto"/>
+    </cs:fillRef>
+    <cs:effectRef idx="0"/>
+    <cs:fontRef idx="minor">
+      <a:schemeClr val="tx1"/>
+    </cs:fontRef>
+    <cs:spPr>
+      <a:ln w="9525">
+        <a:solidFill>
+          <a:schemeClr val="phClr"/>
+        </a:solidFill>
+      </a:ln>
+    </cs:spPr>
+  </cs:dataPointMarker>
+  <cs:dataPointMarkerLayout symbol="circle" size="5"/>
+  <cs:dataPointWireframe>
+    <cs:lnRef idx="0">
+      <cs:styleClr val="auto"/>
+    </cs:lnRef>
+    <cs:fillRef idx="1"/>
+    <cs:effectRef idx="0"/>
+    <cs:fontRef idx="minor">
+      <a:schemeClr val="tx1"/>
+    </cs:fontRef>
+    <cs:spPr>
+      <a:ln w="9525" cap="rnd">
+        <a:solidFill>
+          <a:schemeClr val="phClr"/>
+        </a:solidFill>
+        <a:round/>
+      </a:ln>
+    </cs:spPr>
+  </cs:dataPointWireframe>
+  <cs:dataTable>
+    <cs:lnRef idx="0"/>
+    <cs:fillRef idx="0"/>
+    <cs:effectRef idx="0"/>
+    <cs:fontRef idx="minor">
+      <a:schemeClr val="tx1">
+        <a:lumMod val="65000"/>
+        <a:lumOff val="35000"/>
+      </a:schemeClr>
+    </cs:fontRef>
+    <cs:spPr>
+      <a:noFill/>
+      <a:ln w="9525" cap="flat" cmpd="sng" algn="ctr">
+        <a:solidFill>
+          <a:schemeClr val="tx1">
+            <a:lumMod val="15000"/>
+            <a:lumOff val="85000"/>
+          </a:schemeClr>
+        </a:solidFill>
+        <a:round/>
+      </a:ln>
+    </cs:spPr>
+    <cs:defRPr sz="900" kern="1200"/>
+  </cs:dataTable>
+  <cs:downBar>
+    <cs:lnRef idx="0"/>
+    <cs:fillRef idx="0"/>
+    <cs:effectRef idx="0"/>
+    <cs:fontRef idx="minor">
+      <a:schemeClr val="tx1"/>
+    </cs:fontRef>
+    <cs:spPr>
+      <a:solidFill>
+        <a:schemeClr val="dk1">
+          <a:lumMod val="75000"/>
+          <a:lumOff val="25000"/>
+        </a:schemeClr>
+      </a:solidFill>
+      <a:ln w="9525" cap="flat" cmpd="sng" algn="ctr">
+        <a:solidFill>
+          <a:schemeClr val="tx1">
+            <a:lumMod val="65000"/>
+            <a:lumOff val="35000"/>
+          </a:schemeClr>
+        </a:solidFill>
+        <a:round/>
+      </a:ln>
+    </cs:spPr>
+  </cs:downBar>
+  <cs:dropLine>
+    <cs:lnRef idx="0"/>
+    <cs:fillRef idx="0"/>
+    <cs:effectRef idx="0"/>
+    <cs:fontRef idx="minor">
+      <a:schemeClr val="tx1"/>
+    </cs:fontRef>
+    <cs:spPr>
+      <a:ln w="9525" cap="flat" cmpd="sng" algn="ctr">
+        <a:solidFill>
+          <a:schemeClr val="tx1">
+            <a:lumMod val="35000"/>
+            <a:lumOff val="65000"/>
+          </a:schemeClr>
+        </a:solidFill>
+        <a:round/>
+      </a:ln>
+    </cs:spPr>
+  </cs:dropLine>
+  <cs:errorBar>
+    <cs:lnRef idx="0"/>
+    <cs:fillRef idx="0"/>
+    <cs:effectRef idx="0"/>
+    <cs:fontRef idx="minor">
+      <a:schemeClr val="tx1"/>
+    </cs:fontRef>
+    <cs:spPr>
+      <a:ln w="9525" cap="flat" cmpd="sng" algn="ctr">
+        <a:solidFill>
+          <a:schemeClr val="tx1">
+            <a:lumMod val="65000"/>
+            <a:lumOff val="35000"/>
+          </a:schemeClr>
+        </a:solidFill>
+        <a:round/>
+      </a:ln>
+    </cs:spPr>
+  </cs:errorBar>
+  <cs:floor>
+    <cs:lnRef idx="0"/>
+    <cs:fillRef idx="0"/>
+    <cs:effectRef idx="0"/>
+    <cs:fontRef idx="minor">
+      <a:schemeClr val="tx1"/>
+    </cs:fontRef>
+    <cs:spPr>
+      <a:noFill/>
+      <a:ln>
+        <a:noFill/>
+      </a:ln>
+    </cs:spPr>
+  </cs:floor>
+  <cs:gridlineMajor>
+    <cs:lnRef idx="0"/>
+    <cs:fillRef idx="0"/>
+    <cs:effectRef idx="0"/>
+    <cs:fontRef idx="minor">
+      <a:schemeClr val="tx1"/>
+    </cs:fontRef>
+    <cs:spPr>
+      <a:ln w="9525" cap="flat" cmpd="sng" algn="ctr">
+        <a:solidFill>
+          <a:schemeClr val="tx1">
+            <a:lumMod val="15000"/>
+            <a:lumOff val="85000"/>
+          </a:schemeClr>
+        </a:solidFill>
+        <a:round/>
+      </a:ln>
+    </cs:spPr>
+  </cs:gridlineMajor>
+  <cs:gridlineMinor>
+    <cs:lnRef idx="0"/>
+    <cs:fillRef idx="0"/>
+    <cs:effectRef idx="0"/>
+    <cs:fontRef idx="minor">
+      <a:schemeClr val="tx1"/>
+    </cs:fontRef>
+    <cs:spPr>
+      <a:ln w="9525" cap="flat" cmpd="sng" algn="ctr">
+        <a:solidFill>
+          <a:schemeClr val="tx1">
+            <a:lumMod val="5000"/>
+            <a:lumOff val="95000"/>
+          </a:schemeClr>
+        </a:solidFill>
+        <a:round/>
+      </a:ln>
+    </cs:spPr>
+  </cs:gridlineMinor>
+  <cs:hiLoLine>
+    <cs:lnRef idx="0"/>
+    <cs:fillRef idx="0"/>
+    <cs:effectRef idx="0"/>
+    <cs:fontRef idx="minor">
+      <a:schemeClr val="tx1"/>
+    </cs:fontRef>
+    <cs:spPr>
+      <a:ln w="9525" cap="flat" cmpd="sng" algn="ctr">
+        <a:solidFill>
+          <a:schemeClr val="tx1">
+            <a:lumMod val="50000"/>
+            <a:lumOff val="50000"/>
+          </a:schemeClr>
+        </a:solidFill>
+        <a:round/>
+      </a:ln>
+    </cs:spPr>
+  </cs:hiLoLine>
+  <cs:leaderLine>
+    <cs:lnRef idx="0"/>
+    <cs:fillRef idx="0"/>
+    <cs:effectRef idx="0"/>
+    <cs:fontRef idx="minor">
+      <a:schemeClr val="tx1"/>
+    </cs:fontRef>
+    <cs:spPr>
+      <a:ln w="9525" cap="flat" cmpd="sng" algn="ctr">
+        <a:solidFill>
+          <a:schemeClr val="tx1">
+            <a:lumMod val="35000"/>
+            <a:lumOff val="65000"/>
+          </a:schemeClr>
+        </a:solidFill>
+        <a:round/>
+      </a:ln>
+    </cs:spPr>
+  </cs:leaderLine>
+  <cs:legend>
+    <cs:lnRef idx="0"/>
+    <cs:fillRef idx="0"/>
+    <cs:effectRef idx="0"/>
+    <cs:fontRef idx="minor">
+      <a:schemeClr val="tx1">
+        <a:lumMod val="65000"/>
+        <a:lumOff val="35000"/>
+      </a:schemeClr>
+    </cs:fontRef>
+    <cs:defRPr sz="900" kern="1200"/>
+  </cs:legend>
+  <cs:plotArea mods="allowNoFillOverride allowNoLineOverride">
+    <cs:lnRef idx="0"/>
+    <cs:fillRef idx="0"/>
+    <cs:effectRef idx="0"/>
+    <cs:fontRef idx="minor">
+      <a:schemeClr val="tx1"/>
+    </cs:fontRef>
+  </cs:plotArea>
+  <cs:plotArea3D mods="allowNoFillOverride allowNoLineOverride">
+    <cs:lnRef idx="0"/>
+    <cs:fillRef idx="0"/>
+    <cs:effectRef idx="0"/>
+    <cs:fontRef idx="minor">
+      <a:schemeClr val="tx1"/>
+    </cs:fontRef>
+  </cs:plotArea3D>
+  <cs:seriesAxis>
+    <cs:lnRef idx="0"/>
+    <cs:fillRef idx="0"/>
+    <cs:effectRef idx="0"/>
+    <cs:fontRef idx="minor">
+      <a:schemeClr val="tx1">
+        <a:lumMod val="65000"/>
+        <a:lumOff val="35000"/>
+      </a:schemeClr>
+    </cs:fontRef>
+    <cs:defRPr sz="900" kern="1200"/>
+  </cs:seriesAxis>
+  <cs:seriesLine>
+    <cs:lnRef idx="0"/>
+    <cs:fillRef idx="0"/>
+    <cs:effectRef idx="0"/>
+    <cs:fontRef idx="minor">
+      <a:schemeClr val="tx1"/>
+    </cs:fontRef>
+    <cs:spPr>
+      <a:ln w="9525" cap="flat" cmpd="sng" algn="ctr">
+        <a:solidFill>
+          <a:schemeClr val="tx1">
+            <a:lumMod val="35000"/>
+            <a:lumOff val="65000"/>
+          </a:schemeClr>
+        </a:solidFill>
+        <a:round/>
+      </a:ln>
+    </cs:spPr>
+  </cs:seriesLine>
+  <cs:title>
+    <cs:lnRef idx="0"/>
+    <cs:fillRef idx="0"/>
+    <cs:effectRef idx="0"/>
+    <cs:fontRef idx="minor">
+      <a:schemeClr val="tx1">
+        <a:lumMod val="65000"/>
+        <a:lumOff val="35000"/>
+      </a:schemeClr>
+    </cs:fontRef>
+    <cs:defRPr sz="1400" b="0" kern="1200" spc="0" baseline="0"/>
+  </cs:title>
+  <cs:trendline>
+    <cs:lnRef idx="0">
+      <cs:styleClr val="auto"/>
+    </cs:lnRef>
+    <cs:fillRef idx="0"/>
+    <cs:effectRef idx="0"/>
+    <cs:fontRef idx="minor">
+      <a:schemeClr val="tx1"/>
+    </cs:fontRef>
+    <cs:spPr>
+      <a:ln w="19050" cap="rnd">
+        <a:solidFill>
+          <a:schemeClr val="phClr"/>
+        </a:solidFill>
+        <a:prstDash val="sysDot"/>
+      </a:ln>
+    </cs:spPr>
+  </cs:trendline>
+  <cs:trendlineLabel>
+    <cs:lnRef idx="0"/>
+    <cs:fillRef idx="0"/>
+    <cs:effectRef idx="0"/>
+    <cs:fontRef idx="minor">
+      <a:schemeClr val="tx1">
+        <a:lumMod val="65000"/>
+        <a:lumOff val="35000"/>
+      </a:schemeClr>
+    </cs:fontRef>
+    <cs:defRPr sz="900" kern="1200"/>
+  </cs:trendlineLabel>
+  <cs:upBar>
+    <cs:lnRef idx="0"/>
+    <cs:fillRef idx="0"/>
+    <cs:effectRef idx="0"/>
+    <cs:fontRef idx="minor">
+      <a:schemeClr val="tx1"/>
+    </cs:fontRef>
+    <cs:spPr>
+      <a:solidFill>
+        <a:schemeClr val="lt1"/>
+      </a:solidFill>
+      <a:ln w="9525" cap="flat" cmpd="sng" algn="ctr">
+        <a:solidFill>
+          <a:schemeClr val="tx1">
+            <a:lumMod val="65000"/>
+            <a:lumOff val="35000"/>
+          </a:schemeClr>
+        </a:solidFill>
+        <a:round/>
       </a:ln>
     </cs:spPr>
   </cs:upBar>
@@ -1937,7 +4416,7 @@
           <p:cNvPr id="2" name="Title 1">
             <a:extLst>
               <a:ext uri="{FF2B5EF4-FFF2-40B4-BE49-F238E27FC236}">
-                <a16:creationId xmlns:a16="http://schemas.microsoft.com/office/drawing/2014/main" id="{A770637A-7F70-4788-A8DB-6F8A001AE731}"/>
+                <a16:creationId xmlns:a16="http://schemas.microsoft.com/office/drawing/2014/main" xmlns="" id="{A770637A-7F70-4788-A8DB-6F8A001AE731}"/>
               </a:ext>
             </a:extLst>
           </p:cNvPr>
@@ -1975,7 +4454,7 @@
           <p:cNvPr id="3" name="Subtitle 2">
             <a:extLst>
               <a:ext uri="{FF2B5EF4-FFF2-40B4-BE49-F238E27FC236}">
-                <a16:creationId xmlns:a16="http://schemas.microsoft.com/office/drawing/2014/main" id="{F9D5404F-EB55-4B5E-B9CE-AC2A0B6C47CB}"/>
+                <a16:creationId xmlns:a16="http://schemas.microsoft.com/office/drawing/2014/main" xmlns="" id="{F9D5404F-EB55-4B5E-B9CE-AC2A0B6C47CB}"/>
               </a:ext>
             </a:extLst>
           </p:cNvPr>
@@ -2046,7 +4525,7 @@
           <p:cNvPr id="4" name="Date Placeholder 3">
             <a:extLst>
               <a:ext uri="{FF2B5EF4-FFF2-40B4-BE49-F238E27FC236}">
-                <a16:creationId xmlns:a16="http://schemas.microsoft.com/office/drawing/2014/main" id="{7808CDBC-CAE1-487B-A4E5-3CB70D4EAEEB}"/>
+                <a16:creationId xmlns:a16="http://schemas.microsoft.com/office/drawing/2014/main" xmlns="" id="{7808CDBC-CAE1-487B-A4E5-3CB70D4EAEEB}"/>
               </a:ext>
             </a:extLst>
           </p:cNvPr>
@@ -2064,7 +4543,7 @@
           <a:p>
             <a:fld id="{96B0AB5A-E802-48CF-A5B9-FE8704AC6519}" type="datetimeFigureOut">
               <a:rPr lang="en-CA" smtClean="0"/>
-              <a:t>19/09/2017</a:t>
+              <a:t>2017-09-19</a:t>
             </a:fld>
             <a:endParaRPr lang="en-CA"/>
           </a:p>
@@ -2075,7 +4554,7 @@
           <p:cNvPr id="5" name="Footer Placeholder 4">
             <a:extLst>
               <a:ext uri="{FF2B5EF4-FFF2-40B4-BE49-F238E27FC236}">
-                <a16:creationId xmlns:a16="http://schemas.microsoft.com/office/drawing/2014/main" id="{50D5A8BB-D166-4343-997B-EF673CB40FAD}"/>
+                <a16:creationId xmlns:a16="http://schemas.microsoft.com/office/drawing/2014/main" xmlns="" id="{50D5A8BB-D166-4343-997B-EF673CB40FAD}"/>
               </a:ext>
             </a:extLst>
           </p:cNvPr>
@@ -2100,7 +4579,7 @@
           <p:cNvPr id="6" name="Slide Number Placeholder 5">
             <a:extLst>
               <a:ext uri="{FF2B5EF4-FFF2-40B4-BE49-F238E27FC236}">
-                <a16:creationId xmlns:a16="http://schemas.microsoft.com/office/drawing/2014/main" id="{6BC260DA-D757-4992-B138-BBE00B22D846}"/>
+                <a16:creationId xmlns:a16="http://schemas.microsoft.com/office/drawing/2014/main" xmlns="" id="{6BC260DA-D757-4992-B138-BBE00B22D846}"/>
               </a:ext>
             </a:extLst>
           </p:cNvPr>
@@ -2159,7 +4638,7 @@
           <p:cNvPr id="2" name="Title 1">
             <a:extLst>
               <a:ext uri="{FF2B5EF4-FFF2-40B4-BE49-F238E27FC236}">
-                <a16:creationId xmlns:a16="http://schemas.microsoft.com/office/drawing/2014/main" id="{68951A57-6E16-4A71-98CB-2307E282C3C2}"/>
+                <a16:creationId xmlns:a16="http://schemas.microsoft.com/office/drawing/2014/main" xmlns="" id="{68951A57-6E16-4A71-98CB-2307E282C3C2}"/>
               </a:ext>
             </a:extLst>
           </p:cNvPr>
@@ -2188,7 +4667,7 @@
           <p:cNvPr id="3" name="Vertical Text Placeholder 2">
             <a:extLst>
               <a:ext uri="{FF2B5EF4-FFF2-40B4-BE49-F238E27FC236}">
-                <a16:creationId xmlns:a16="http://schemas.microsoft.com/office/drawing/2014/main" id="{7F111875-20D3-450B-8A7D-100D7AD10DA2}"/>
+                <a16:creationId xmlns:a16="http://schemas.microsoft.com/office/drawing/2014/main" xmlns="" id="{7F111875-20D3-450B-8A7D-100D7AD10DA2}"/>
               </a:ext>
             </a:extLst>
           </p:cNvPr>
@@ -2246,7 +4725,7 @@
           <p:cNvPr id="4" name="Date Placeholder 3">
             <a:extLst>
               <a:ext uri="{FF2B5EF4-FFF2-40B4-BE49-F238E27FC236}">
-                <a16:creationId xmlns:a16="http://schemas.microsoft.com/office/drawing/2014/main" id="{98F3875F-0C83-48C3-8881-97B38467BFC0}"/>
+                <a16:creationId xmlns:a16="http://schemas.microsoft.com/office/drawing/2014/main" xmlns="" id="{98F3875F-0C83-48C3-8881-97B38467BFC0}"/>
               </a:ext>
             </a:extLst>
           </p:cNvPr>
@@ -2264,7 +4743,7 @@
           <a:p>
             <a:fld id="{96B0AB5A-E802-48CF-A5B9-FE8704AC6519}" type="datetimeFigureOut">
               <a:rPr lang="en-CA" smtClean="0"/>
-              <a:t>19/09/2017</a:t>
+              <a:t>2017-09-19</a:t>
             </a:fld>
             <a:endParaRPr lang="en-CA"/>
           </a:p>
@@ -2275,7 +4754,7 @@
           <p:cNvPr id="5" name="Footer Placeholder 4">
             <a:extLst>
               <a:ext uri="{FF2B5EF4-FFF2-40B4-BE49-F238E27FC236}">
-                <a16:creationId xmlns:a16="http://schemas.microsoft.com/office/drawing/2014/main" id="{F2640ABB-0B39-4E48-B67F-13EB2E5E88B0}"/>
+                <a16:creationId xmlns:a16="http://schemas.microsoft.com/office/drawing/2014/main" xmlns="" id="{F2640ABB-0B39-4E48-B67F-13EB2E5E88B0}"/>
               </a:ext>
             </a:extLst>
           </p:cNvPr>
@@ -2300,7 +4779,7 @@
           <p:cNvPr id="6" name="Slide Number Placeholder 5">
             <a:extLst>
               <a:ext uri="{FF2B5EF4-FFF2-40B4-BE49-F238E27FC236}">
-                <a16:creationId xmlns:a16="http://schemas.microsoft.com/office/drawing/2014/main" id="{D54C0341-9536-4979-9F6E-429B5834248C}"/>
+                <a16:creationId xmlns:a16="http://schemas.microsoft.com/office/drawing/2014/main" xmlns="" id="{D54C0341-9536-4979-9F6E-429B5834248C}"/>
               </a:ext>
             </a:extLst>
           </p:cNvPr>
@@ -2359,7 +4838,7 @@
           <p:cNvPr id="2" name="Vertical Title 1">
             <a:extLst>
               <a:ext uri="{FF2B5EF4-FFF2-40B4-BE49-F238E27FC236}">
-                <a16:creationId xmlns:a16="http://schemas.microsoft.com/office/drawing/2014/main" id="{20D0E6FE-C5AB-4578-BB2A-E718F0F3D4BA}"/>
+                <a16:creationId xmlns:a16="http://schemas.microsoft.com/office/drawing/2014/main" xmlns="" id="{20D0E6FE-C5AB-4578-BB2A-E718F0F3D4BA}"/>
               </a:ext>
             </a:extLst>
           </p:cNvPr>
@@ -2393,7 +4872,7 @@
           <p:cNvPr id="3" name="Vertical Text Placeholder 2">
             <a:extLst>
               <a:ext uri="{FF2B5EF4-FFF2-40B4-BE49-F238E27FC236}">
-                <a16:creationId xmlns:a16="http://schemas.microsoft.com/office/drawing/2014/main" id="{4D9442B6-6798-4E3F-BC43-D487421D33ED}"/>
+                <a16:creationId xmlns:a16="http://schemas.microsoft.com/office/drawing/2014/main" xmlns="" id="{4D9442B6-6798-4E3F-BC43-D487421D33ED}"/>
               </a:ext>
             </a:extLst>
           </p:cNvPr>
@@ -2456,7 +4935,7 @@
           <p:cNvPr id="4" name="Date Placeholder 3">
             <a:extLst>
               <a:ext uri="{FF2B5EF4-FFF2-40B4-BE49-F238E27FC236}">
-                <a16:creationId xmlns:a16="http://schemas.microsoft.com/office/drawing/2014/main" id="{D8E8FDF4-0673-47D2-AEF1-4ECE10E40BDA}"/>
+                <a16:creationId xmlns:a16="http://schemas.microsoft.com/office/drawing/2014/main" xmlns="" id="{D8E8FDF4-0673-47D2-AEF1-4ECE10E40BDA}"/>
               </a:ext>
             </a:extLst>
           </p:cNvPr>
@@ -2474,7 +4953,7 @@
           <a:p>
             <a:fld id="{96B0AB5A-E802-48CF-A5B9-FE8704AC6519}" type="datetimeFigureOut">
               <a:rPr lang="en-CA" smtClean="0"/>
-              <a:t>19/09/2017</a:t>
+              <a:t>2017-09-19</a:t>
             </a:fld>
             <a:endParaRPr lang="en-CA"/>
           </a:p>
@@ -2485,7 +4964,7 @@
           <p:cNvPr id="5" name="Footer Placeholder 4">
             <a:extLst>
               <a:ext uri="{FF2B5EF4-FFF2-40B4-BE49-F238E27FC236}">
-                <a16:creationId xmlns:a16="http://schemas.microsoft.com/office/drawing/2014/main" id="{E953779D-E55D-4C51-B09C-5B7930947D6C}"/>
+                <a16:creationId xmlns:a16="http://schemas.microsoft.com/office/drawing/2014/main" xmlns="" id="{E953779D-E55D-4C51-B09C-5B7930947D6C}"/>
               </a:ext>
             </a:extLst>
           </p:cNvPr>
@@ -2510,7 +4989,7 @@
           <p:cNvPr id="6" name="Slide Number Placeholder 5">
             <a:extLst>
               <a:ext uri="{FF2B5EF4-FFF2-40B4-BE49-F238E27FC236}">
-                <a16:creationId xmlns:a16="http://schemas.microsoft.com/office/drawing/2014/main" id="{28E9A841-3B09-42DC-8684-FE1A19B9552A}"/>
+                <a16:creationId xmlns:a16="http://schemas.microsoft.com/office/drawing/2014/main" xmlns="" id="{28E9A841-3B09-42DC-8684-FE1A19B9552A}"/>
               </a:ext>
             </a:extLst>
           </p:cNvPr>
@@ -2569,7 +5048,7 @@
           <p:cNvPr id="2" name="Title 1">
             <a:extLst>
               <a:ext uri="{FF2B5EF4-FFF2-40B4-BE49-F238E27FC236}">
-                <a16:creationId xmlns:a16="http://schemas.microsoft.com/office/drawing/2014/main" id="{1C2B00DB-F0DF-4138-ABCE-C402834F38C7}"/>
+                <a16:creationId xmlns:a16="http://schemas.microsoft.com/office/drawing/2014/main" xmlns="" id="{1C2B00DB-F0DF-4138-ABCE-C402834F38C7}"/>
               </a:ext>
             </a:extLst>
           </p:cNvPr>
@@ -2598,7 +5077,7 @@
           <p:cNvPr id="3" name="Content Placeholder 2">
             <a:extLst>
               <a:ext uri="{FF2B5EF4-FFF2-40B4-BE49-F238E27FC236}">
-                <a16:creationId xmlns:a16="http://schemas.microsoft.com/office/drawing/2014/main" id="{C393E18F-528D-46DF-8DCA-5674757975BF}"/>
+                <a16:creationId xmlns:a16="http://schemas.microsoft.com/office/drawing/2014/main" xmlns="" id="{C393E18F-528D-46DF-8DCA-5674757975BF}"/>
               </a:ext>
             </a:extLst>
           </p:cNvPr>
@@ -2656,7 +5135,7 @@
           <p:cNvPr id="4" name="Date Placeholder 3">
             <a:extLst>
               <a:ext uri="{FF2B5EF4-FFF2-40B4-BE49-F238E27FC236}">
-                <a16:creationId xmlns:a16="http://schemas.microsoft.com/office/drawing/2014/main" id="{AE5FACCA-E424-4C6C-B376-B62146CE191B}"/>
+                <a16:creationId xmlns:a16="http://schemas.microsoft.com/office/drawing/2014/main" xmlns="" id="{AE5FACCA-E424-4C6C-B376-B62146CE191B}"/>
               </a:ext>
             </a:extLst>
           </p:cNvPr>
@@ -2674,7 +5153,7 @@
           <a:p>
             <a:fld id="{96B0AB5A-E802-48CF-A5B9-FE8704AC6519}" type="datetimeFigureOut">
               <a:rPr lang="en-CA" smtClean="0"/>
-              <a:t>19/09/2017</a:t>
+              <a:t>2017-09-19</a:t>
             </a:fld>
             <a:endParaRPr lang="en-CA"/>
           </a:p>
@@ -2685,7 +5164,7 @@
           <p:cNvPr id="5" name="Footer Placeholder 4">
             <a:extLst>
               <a:ext uri="{FF2B5EF4-FFF2-40B4-BE49-F238E27FC236}">
-                <a16:creationId xmlns:a16="http://schemas.microsoft.com/office/drawing/2014/main" id="{E88A8849-1252-418B-86C9-3FB1D770E4C1}"/>
+                <a16:creationId xmlns:a16="http://schemas.microsoft.com/office/drawing/2014/main" xmlns="" id="{E88A8849-1252-418B-86C9-3FB1D770E4C1}"/>
               </a:ext>
             </a:extLst>
           </p:cNvPr>
@@ -2710,7 +5189,7 @@
           <p:cNvPr id="6" name="Slide Number Placeholder 5">
             <a:extLst>
               <a:ext uri="{FF2B5EF4-FFF2-40B4-BE49-F238E27FC236}">
-                <a16:creationId xmlns:a16="http://schemas.microsoft.com/office/drawing/2014/main" id="{2213DBDE-BBC2-4EE9-AA49-CBE1CA9AF8E1}"/>
+                <a16:creationId xmlns:a16="http://schemas.microsoft.com/office/drawing/2014/main" xmlns="" id="{2213DBDE-BBC2-4EE9-AA49-CBE1CA9AF8E1}"/>
               </a:ext>
             </a:extLst>
           </p:cNvPr>
@@ -2769,7 +5248,7 @@
           <p:cNvPr id="2" name="Title 1">
             <a:extLst>
               <a:ext uri="{FF2B5EF4-FFF2-40B4-BE49-F238E27FC236}">
-                <a16:creationId xmlns:a16="http://schemas.microsoft.com/office/drawing/2014/main" id="{32D6B6B8-2C76-441A-90C7-2648223BB744}"/>
+                <a16:creationId xmlns:a16="http://schemas.microsoft.com/office/drawing/2014/main" xmlns="" id="{32D6B6B8-2C76-441A-90C7-2648223BB744}"/>
               </a:ext>
             </a:extLst>
           </p:cNvPr>
@@ -2807,7 +5286,7 @@
           <p:cNvPr id="3" name="Text Placeholder 2">
             <a:extLst>
               <a:ext uri="{FF2B5EF4-FFF2-40B4-BE49-F238E27FC236}">
-                <a16:creationId xmlns:a16="http://schemas.microsoft.com/office/drawing/2014/main" id="{B4FD13C0-2671-4F5B-BC76-3285DF8F0D0A}"/>
+                <a16:creationId xmlns:a16="http://schemas.microsoft.com/office/drawing/2014/main" xmlns="" id="{B4FD13C0-2671-4F5B-BC76-3285DF8F0D0A}"/>
               </a:ext>
             </a:extLst>
           </p:cNvPr>
@@ -2932,7 +5411,7 @@
           <p:cNvPr id="4" name="Date Placeholder 3">
             <a:extLst>
               <a:ext uri="{FF2B5EF4-FFF2-40B4-BE49-F238E27FC236}">
-                <a16:creationId xmlns:a16="http://schemas.microsoft.com/office/drawing/2014/main" id="{15FAF587-BBF7-4795-A539-160E1CBB4D0C}"/>
+                <a16:creationId xmlns:a16="http://schemas.microsoft.com/office/drawing/2014/main" xmlns="" id="{15FAF587-BBF7-4795-A539-160E1CBB4D0C}"/>
               </a:ext>
             </a:extLst>
           </p:cNvPr>
@@ -2950,7 +5429,7 @@
           <a:p>
             <a:fld id="{96B0AB5A-E802-48CF-A5B9-FE8704AC6519}" type="datetimeFigureOut">
               <a:rPr lang="en-CA" smtClean="0"/>
-              <a:t>19/09/2017</a:t>
+              <a:t>2017-09-19</a:t>
             </a:fld>
             <a:endParaRPr lang="en-CA"/>
           </a:p>
@@ -2961,7 +5440,7 @@
           <p:cNvPr id="5" name="Footer Placeholder 4">
             <a:extLst>
               <a:ext uri="{FF2B5EF4-FFF2-40B4-BE49-F238E27FC236}">
-                <a16:creationId xmlns:a16="http://schemas.microsoft.com/office/drawing/2014/main" id="{A43711F6-2BA4-43F7-ADE4-F55606E83807}"/>
+                <a16:creationId xmlns:a16="http://schemas.microsoft.com/office/drawing/2014/main" xmlns="" id="{A43711F6-2BA4-43F7-ADE4-F55606E83807}"/>
               </a:ext>
             </a:extLst>
           </p:cNvPr>
@@ -2986,7 +5465,7 @@
           <p:cNvPr id="6" name="Slide Number Placeholder 5">
             <a:extLst>
               <a:ext uri="{FF2B5EF4-FFF2-40B4-BE49-F238E27FC236}">
-                <a16:creationId xmlns:a16="http://schemas.microsoft.com/office/drawing/2014/main" id="{A0814A98-C0EE-4830-9E95-AB51A3D46328}"/>
+                <a16:creationId xmlns:a16="http://schemas.microsoft.com/office/drawing/2014/main" xmlns="" id="{A0814A98-C0EE-4830-9E95-AB51A3D46328}"/>
               </a:ext>
             </a:extLst>
           </p:cNvPr>
@@ -3045,7 +5524,7 @@
           <p:cNvPr id="2" name="Title 1">
             <a:extLst>
               <a:ext uri="{FF2B5EF4-FFF2-40B4-BE49-F238E27FC236}">
-                <a16:creationId xmlns:a16="http://schemas.microsoft.com/office/drawing/2014/main" id="{0F190E3E-504C-44BD-9375-90382E6A4B2D}"/>
+                <a16:creationId xmlns:a16="http://schemas.microsoft.com/office/drawing/2014/main" xmlns="" id="{0F190E3E-504C-44BD-9375-90382E6A4B2D}"/>
               </a:ext>
             </a:extLst>
           </p:cNvPr>
@@ -3074,7 +5553,7 @@
           <p:cNvPr id="3" name="Content Placeholder 2">
             <a:extLst>
               <a:ext uri="{FF2B5EF4-FFF2-40B4-BE49-F238E27FC236}">
-                <a16:creationId xmlns:a16="http://schemas.microsoft.com/office/drawing/2014/main" id="{F6CAE47C-1CB8-4A76-9E77-960D3E128C25}"/>
+                <a16:creationId xmlns:a16="http://schemas.microsoft.com/office/drawing/2014/main" xmlns="" id="{F6CAE47C-1CB8-4A76-9E77-960D3E128C25}"/>
               </a:ext>
             </a:extLst>
           </p:cNvPr>
@@ -3137,7 +5616,7 @@
           <p:cNvPr id="4" name="Content Placeholder 3">
             <a:extLst>
               <a:ext uri="{FF2B5EF4-FFF2-40B4-BE49-F238E27FC236}">
-                <a16:creationId xmlns:a16="http://schemas.microsoft.com/office/drawing/2014/main" id="{7020F4A4-A6BF-47E5-92FC-8201B6593F83}"/>
+                <a16:creationId xmlns:a16="http://schemas.microsoft.com/office/drawing/2014/main" xmlns="" id="{7020F4A4-A6BF-47E5-92FC-8201B6593F83}"/>
               </a:ext>
             </a:extLst>
           </p:cNvPr>
@@ -3200,7 +5679,7 @@
           <p:cNvPr id="5" name="Date Placeholder 4">
             <a:extLst>
               <a:ext uri="{FF2B5EF4-FFF2-40B4-BE49-F238E27FC236}">
-                <a16:creationId xmlns:a16="http://schemas.microsoft.com/office/drawing/2014/main" id="{1AA361B5-9AA3-4229-8D44-CEB57C12ED73}"/>
+                <a16:creationId xmlns:a16="http://schemas.microsoft.com/office/drawing/2014/main" xmlns="" id="{1AA361B5-9AA3-4229-8D44-CEB57C12ED73}"/>
               </a:ext>
             </a:extLst>
           </p:cNvPr>
@@ -3218,7 +5697,7 @@
           <a:p>
             <a:fld id="{96B0AB5A-E802-48CF-A5B9-FE8704AC6519}" type="datetimeFigureOut">
               <a:rPr lang="en-CA" smtClean="0"/>
-              <a:t>19/09/2017</a:t>
+              <a:t>2017-09-19</a:t>
             </a:fld>
             <a:endParaRPr lang="en-CA"/>
           </a:p>
@@ -3229,7 +5708,7 @@
           <p:cNvPr id="6" name="Footer Placeholder 5">
             <a:extLst>
               <a:ext uri="{FF2B5EF4-FFF2-40B4-BE49-F238E27FC236}">
-                <a16:creationId xmlns:a16="http://schemas.microsoft.com/office/drawing/2014/main" id="{8AAA7D8C-2AFC-4C12-92A2-9D98EF3FC76A}"/>
+                <a16:creationId xmlns:a16="http://schemas.microsoft.com/office/drawing/2014/main" xmlns="" id="{8AAA7D8C-2AFC-4C12-92A2-9D98EF3FC76A}"/>
               </a:ext>
             </a:extLst>
           </p:cNvPr>
@@ -3254,7 +5733,7 @@
           <p:cNvPr id="7" name="Slide Number Placeholder 6">
             <a:extLst>
               <a:ext uri="{FF2B5EF4-FFF2-40B4-BE49-F238E27FC236}">
-                <a16:creationId xmlns:a16="http://schemas.microsoft.com/office/drawing/2014/main" id="{33FD714B-B89C-43C1-A417-A6A05C50FDD6}"/>
+                <a16:creationId xmlns:a16="http://schemas.microsoft.com/office/drawing/2014/main" xmlns="" id="{33FD714B-B89C-43C1-A417-A6A05C50FDD6}"/>
               </a:ext>
             </a:extLst>
           </p:cNvPr>
@@ -3313,7 +5792,7 @@
           <p:cNvPr id="2" name="Title 1">
             <a:extLst>
               <a:ext uri="{FF2B5EF4-FFF2-40B4-BE49-F238E27FC236}">
-                <a16:creationId xmlns:a16="http://schemas.microsoft.com/office/drawing/2014/main" id="{B0D13C32-3583-406D-BB55-24C24E430751}"/>
+                <a16:creationId xmlns:a16="http://schemas.microsoft.com/office/drawing/2014/main" xmlns="" id="{B0D13C32-3583-406D-BB55-24C24E430751}"/>
               </a:ext>
             </a:extLst>
           </p:cNvPr>
@@ -3347,7 +5826,7 @@
           <p:cNvPr id="3" name="Text Placeholder 2">
             <a:extLst>
               <a:ext uri="{FF2B5EF4-FFF2-40B4-BE49-F238E27FC236}">
-                <a16:creationId xmlns:a16="http://schemas.microsoft.com/office/drawing/2014/main" id="{B918888A-2B6D-46A5-AE6E-A1FF449737AB}"/>
+                <a16:creationId xmlns:a16="http://schemas.microsoft.com/office/drawing/2014/main" xmlns="" id="{B918888A-2B6D-46A5-AE6E-A1FF449737AB}"/>
               </a:ext>
             </a:extLst>
           </p:cNvPr>
@@ -3418,7 +5897,7 @@
           <p:cNvPr id="4" name="Content Placeholder 3">
             <a:extLst>
               <a:ext uri="{FF2B5EF4-FFF2-40B4-BE49-F238E27FC236}">
-                <a16:creationId xmlns:a16="http://schemas.microsoft.com/office/drawing/2014/main" id="{8376B253-61D6-4CF9-B63B-20481633C4B7}"/>
+                <a16:creationId xmlns:a16="http://schemas.microsoft.com/office/drawing/2014/main" xmlns="" id="{8376B253-61D6-4CF9-B63B-20481633C4B7}"/>
               </a:ext>
             </a:extLst>
           </p:cNvPr>
@@ -3481,7 +5960,7 @@
           <p:cNvPr id="5" name="Text Placeholder 4">
             <a:extLst>
               <a:ext uri="{FF2B5EF4-FFF2-40B4-BE49-F238E27FC236}">
-                <a16:creationId xmlns:a16="http://schemas.microsoft.com/office/drawing/2014/main" id="{382753D1-7E4F-4976-AE02-B8CA399556CE}"/>
+                <a16:creationId xmlns:a16="http://schemas.microsoft.com/office/drawing/2014/main" xmlns="" id="{382753D1-7E4F-4976-AE02-B8CA399556CE}"/>
               </a:ext>
             </a:extLst>
           </p:cNvPr>
@@ -3552,7 +6031,7 @@
           <p:cNvPr id="6" name="Content Placeholder 5">
             <a:extLst>
               <a:ext uri="{FF2B5EF4-FFF2-40B4-BE49-F238E27FC236}">
-                <a16:creationId xmlns:a16="http://schemas.microsoft.com/office/drawing/2014/main" id="{4C468A93-F5B5-49E9-B836-9872129CC484}"/>
+                <a16:creationId xmlns:a16="http://schemas.microsoft.com/office/drawing/2014/main" xmlns="" id="{4C468A93-F5B5-49E9-B836-9872129CC484}"/>
               </a:ext>
             </a:extLst>
           </p:cNvPr>
@@ -3615,7 +6094,7 @@
           <p:cNvPr id="7" name="Date Placeholder 6">
             <a:extLst>
               <a:ext uri="{FF2B5EF4-FFF2-40B4-BE49-F238E27FC236}">
-                <a16:creationId xmlns:a16="http://schemas.microsoft.com/office/drawing/2014/main" id="{695DD8CB-5889-49EA-9BAD-528818612ABE}"/>
+                <a16:creationId xmlns:a16="http://schemas.microsoft.com/office/drawing/2014/main" xmlns="" id="{695DD8CB-5889-49EA-9BAD-528818612ABE}"/>
               </a:ext>
             </a:extLst>
           </p:cNvPr>
@@ -3633,7 +6112,7 @@
           <a:p>
             <a:fld id="{96B0AB5A-E802-48CF-A5B9-FE8704AC6519}" type="datetimeFigureOut">
               <a:rPr lang="en-CA" smtClean="0"/>
-              <a:t>19/09/2017</a:t>
+              <a:t>2017-09-19</a:t>
             </a:fld>
             <a:endParaRPr lang="en-CA"/>
           </a:p>
@@ -3644,7 +6123,7 @@
           <p:cNvPr id="8" name="Footer Placeholder 7">
             <a:extLst>
               <a:ext uri="{FF2B5EF4-FFF2-40B4-BE49-F238E27FC236}">
-                <a16:creationId xmlns:a16="http://schemas.microsoft.com/office/drawing/2014/main" id="{8501B846-1316-4807-8A54-DA3AC47AD72F}"/>
+                <a16:creationId xmlns:a16="http://schemas.microsoft.com/office/drawing/2014/main" xmlns="" id="{8501B846-1316-4807-8A54-DA3AC47AD72F}"/>
               </a:ext>
             </a:extLst>
           </p:cNvPr>
@@ -3669,7 +6148,7 @@
           <p:cNvPr id="9" name="Slide Number Placeholder 8">
             <a:extLst>
               <a:ext uri="{FF2B5EF4-FFF2-40B4-BE49-F238E27FC236}">
-                <a16:creationId xmlns:a16="http://schemas.microsoft.com/office/drawing/2014/main" id="{689B354F-D580-4F3A-AB73-5BC965F2B569}"/>
+                <a16:creationId xmlns:a16="http://schemas.microsoft.com/office/drawing/2014/main" xmlns="" id="{689B354F-D580-4F3A-AB73-5BC965F2B569}"/>
               </a:ext>
             </a:extLst>
           </p:cNvPr>
@@ -3728,7 +6207,7 @@
           <p:cNvPr id="2" name="Title 1">
             <a:extLst>
               <a:ext uri="{FF2B5EF4-FFF2-40B4-BE49-F238E27FC236}">
-                <a16:creationId xmlns:a16="http://schemas.microsoft.com/office/drawing/2014/main" id="{79DDE365-D52A-428F-AB9F-8CF9AC3D43A2}"/>
+                <a16:creationId xmlns:a16="http://schemas.microsoft.com/office/drawing/2014/main" xmlns="" id="{79DDE365-D52A-428F-AB9F-8CF9AC3D43A2}"/>
               </a:ext>
             </a:extLst>
           </p:cNvPr>
@@ -3757,7 +6236,7 @@
           <p:cNvPr id="3" name="Date Placeholder 2">
             <a:extLst>
               <a:ext uri="{FF2B5EF4-FFF2-40B4-BE49-F238E27FC236}">
-                <a16:creationId xmlns:a16="http://schemas.microsoft.com/office/drawing/2014/main" id="{1B902405-9BC8-4DCF-89BD-1C3021158836}"/>
+                <a16:creationId xmlns:a16="http://schemas.microsoft.com/office/drawing/2014/main" xmlns="" id="{1B902405-9BC8-4DCF-89BD-1C3021158836}"/>
               </a:ext>
             </a:extLst>
           </p:cNvPr>
@@ -3775,7 +6254,7 @@
           <a:p>
             <a:fld id="{96B0AB5A-E802-48CF-A5B9-FE8704AC6519}" type="datetimeFigureOut">
               <a:rPr lang="en-CA" smtClean="0"/>
-              <a:t>19/09/2017</a:t>
+              <a:t>2017-09-19</a:t>
             </a:fld>
             <a:endParaRPr lang="en-CA"/>
           </a:p>
@@ -3786,7 +6265,7 @@
           <p:cNvPr id="4" name="Footer Placeholder 3">
             <a:extLst>
               <a:ext uri="{FF2B5EF4-FFF2-40B4-BE49-F238E27FC236}">
-                <a16:creationId xmlns:a16="http://schemas.microsoft.com/office/drawing/2014/main" id="{5741E3B3-AB1D-4FEA-A844-6DD4E7C45709}"/>
+                <a16:creationId xmlns:a16="http://schemas.microsoft.com/office/drawing/2014/main" xmlns="" id="{5741E3B3-AB1D-4FEA-A844-6DD4E7C45709}"/>
               </a:ext>
             </a:extLst>
           </p:cNvPr>
@@ -3811,7 +6290,7 @@
           <p:cNvPr id="5" name="Slide Number Placeholder 4">
             <a:extLst>
               <a:ext uri="{FF2B5EF4-FFF2-40B4-BE49-F238E27FC236}">
-                <a16:creationId xmlns:a16="http://schemas.microsoft.com/office/drawing/2014/main" id="{449737C3-89A9-4077-A0AE-16155EBF7C96}"/>
+                <a16:creationId xmlns:a16="http://schemas.microsoft.com/office/drawing/2014/main" xmlns="" id="{449737C3-89A9-4077-A0AE-16155EBF7C96}"/>
               </a:ext>
             </a:extLst>
           </p:cNvPr>
@@ -3870,7 +6349,7 @@
           <p:cNvPr id="2" name="Date Placeholder 1">
             <a:extLst>
               <a:ext uri="{FF2B5EF4-FFF2-40B4-BE49-F238E27FC236}">
-                <a16:creationId xmlns:a16="http://schemas.microsoft.com/office/drawing/2014/main" id="{67E2FC56-905E-4427-BB9F-0599D987CF0A}"/>
+                <a16:creationId xmlns:a16="http://schemas.microsoft.com/office/drawing/2014/main" xmlns="" id="{67E2FC56-905E-4427-BB9F-0599D987CF0A}"/>
               </a:ext>
             </a:extLst>
           </p:cNvPr>
@@ -3888,7 +6367,7 @@
           <a:p>
             <a:fld id="{96B0AB5A-E802-48CF-A5B9-FE8704AC6519}" type="datetimeFigureOut">
               <a:rPr lang="en-CA" smtClean="0"/>
-              <a:t>19/09/2017</a:t>
+              <a:t>2017-09-19</a:t>
             </a:fld>
             <a:endParaRPr lang="en-CA"/>
           </a:p>
@@ -3899,7 +6378,7 @@
           <p:cNvPr id="3" name="Footer Placeholder 2">
             <a:extLst>
               <a:ext uri="{FF2B5EF4-FFF2-40B4-BE49-F238E27FC236}">
-                <a16:creationId xmlns:a16="http://schemas.microsoft.com/office/drawing/2014/main" id="{487C4D51-B9C6-4DF9-B99D-02567E8C682D}"/>
+                <a16:creationId xmlns:a16="http://schemas.microsoft.com/office/drawing/2014/main" xmlns="" id="{487C4D51-B9C6-4DF9-B99D-02567E8C682D}"/>
               </a:ext>
             </a:extLst>
           </p:cNvPr>
@@ -3924,7 +6403,7 @@
           <p:cNvPr id="4" name="Slide Number Placeholder 3">
             <a:extLst>
               <a:ext uri="{FF2B5EF4-FFF2-40B4-BE49-F238E27FC236}">
-                <a16:creationId xmlns:a16="http://schemas.microsoft.com/office/drawing/2014/main" id="{0190AAD4-0860-4BD5-8057-18876B454949}"/>
+                <a16:creationId xmlns:a16="http://schemas.microsoft.com/office/drawing/2014/main" xmlns="" id="{0190AAD4-0860-4BD5-8057-18876B454949}"/>
               </a:ext>
             </a:extLst>
           </p:cNvPr>
@@ -3983,7 +6462,7 @@
           <p:cNvPr id="2" name="Title 1">
             <a:extLst>
               <a:ext uri="{FF2B5EF4-FFF2-40B4-BE49-F238E27FC236}">
-                <a16:creationId xmlns:a16="http://schemas.microsoft.com/office/drawing/2014/main" id="{38D0AC77-2DD6-4F80-AED8-5F2DEAFE47A5}"/>
+                <a16:creationId xmlns:a16="http://schemas.microsoft.com/office/drawing/2014/main" xmlns="" id="{38D0AC77-2DD6-4F80-AED8-5F2DEAFE47A5}"/>
               </a:ext>
             </a:extLst>
           </p:cNvPr>
@@ -4021,7 +6500,7 @@
           <p:cNvPr id="3" name="Content Placeholder 2">
             <a:extLst>
               <a:ext uri="{FF2B5EF4-FFF2-40B4-BE49-F238E27FC236}">
-                <a16:creationId xmlns:a16="http://schemas.microsoft.com/office/drawing/2014/main" id="{8A50F9F6-EF62-405A-BD73-A4D257EA25C1}"/>
+                <a16:creationId xmlns:a16="http://schemas.microsoft.com/office/drawing/2014/main" xmlns="" id="{8A50F9F6-EF62-405A-BD73-A4D257EA25C1}"/>
               </a:ext>
             </a:extLst>
           </p:cNvPr>
@@ -4112,7 +6591,7 @@
           <p:cNvPr id="4" name="Text Placeholder 3">
             <a:extLst>
               <a:ext uri="{FF2B5EF4-FFF2-40B4-BE49-F238E27FC236}">
-                <a16:creationId xmlns:a16="http://schemas.microsoft.com/office/drawing/2014/main" id="{C2D29C1A-CCB3-4892-8341-4E47EA725C2E}"/>
+                <a16:creationId xmlns:a16="http://schemas.microsoft.com/office/drawing/2014/main" xmlns="" id="{C2D29C1A-CCB3-4892-8341-4E47EA725C2E}"/>
               </a:ext>
             </a:extLst>
           </p:cNvPr>
@@ -4183,7 +6662,7 @@
           <p:cNvPr id="5" name="Date Placeholder 4">
             <a:extLst>
               <a:ext uri="{FF2B5EF4-FFF2-40B4-BE49-F238E27FC236}">
-                <a16:creationId xmlns:a16="http://schemas.microsoft.com/office/drawing/2014/main" id="{4A49B093-3DB2-42E5-90E6-7961FD1DEF69}"/>
+                <a16:creationId xmlns:a16="http://schemas.microsoft.com/office/drawing/2014/main" xmlns="" id="{4A49B093-3DB2-42E5-90E6-7961FD1DEF69}"/>
               </a:ext>
             </a:extLst>
           </p:cNvPr>
@@ -4201,7 +6680,7 @@
           <a:p>
             <a:fld id="{96B0AB5A-E802-48CF-A5B9-FE8704AC6519}" type="datetimeFigureOut">
               <a:rPr lang="en-CA" smtClean="0"/>
-              <a:t>19/09/2017</a:t>
+              <a:t>2017-09-19</a:t>
             </a:fld>
             <a:endParaRPr lang="en-CA"/>
           </a:p>
@@ -4212,7 +6691,7 @@
           <p:cNvPr id="6" name="Footer Placeholder 5">
             <a:extLst>
               <a:ext uri="{FF2B5EF4-FFF2-40B4-BE49-F238E27FC236}">
-                <a16:creationId xmlns:a16="http://schemas.microsoft.com/office/drawing/2014/main" id="{DF18E932-8D4E-4B86-ADE7-DAF5963F6D69}"/>
+                <a16:creationId xmlns:a16="http://schemas.microsoft.com/office/drawing/2014/main" xmlns="" id="{DF18E932-8D4E-4B86-ADE7-DAF5963F6D69}"/>
               </a:ext>
             </a:extLst>
           </p:cNvPr>
@@ -4237,7 +6716,7 @@
           <p:cNvPr id="7" name="Slide Number Placeholder 6">
             <a:extLst>
               <a:ext uri="{FF2B5EF4-FFF2-40B4-BE49-F238E27FC236}">
-                <a16:creationId xmlns:a16="http://schemas.microsoft.com/office/drawing/2014/main" id="{2A6BCD62-2E53-46BB-8674-8A6BC93614B3}"/>
+                <a16:creationId xmlns:a16="http://schemas.microsoft.com/office/drawing/2014/main" xmlns="" id="{2A6BCD62-2E53-46BB-8674-8A6BC93614B3}"/>
               </a:ext>
             </a:extLst>
           </p:cNvPr>
@@ -4296,7 +6775,7 @@
           <p:cNvPr id="2" name="Title 1">
             <a:extLst>
               <a:ext uri="{FF2B5EF4-FFF2-40B4-BE49-F238E27FC236}">
-                <a16:creationId xmlns:a16="http://schemas.microsoft.com/office/drawing/2014/main" id="{BE66942B-4AEE-47BA-A130-8FE3D07A2517}"/>
+                <a16:creationId xmlns:a16="http://schemas.microsoft.com/office/drawing/2014/main" xmlns="" id="{BE66942B-4AEE-47BA-A130-8FE3D07A2517}"/>
               </a:ext>
             </a:extLst>
           </p:cNvPr>
@@ -4334,7 +6813,7 @@
           <p:cNvPr id="3" name="Picture Placeholder 2">
             <a:extLst>
               <a:ext uri="{FF2B5EF4-FFF2-40B4-BE49-F238E27FC236}">
-                <a16:creationId xmlns:a16="http://schemas.microsoft.com/office/drawing/2014/main" id="{A24C110B-5666-4CAC-9935-17BA900407EB}"/>
+                <a16:creationId xmlns:a16="http://schemas.microsoft.com/office/drawing/2014/main" xmlns="" id="{A24C110B-5666-4CAC-9935-17BA900407EB}"/>
               </a:ext>
             </a:extLst>
           </p:cNvPr>
@@ -4401,7 +6880,7 @@
           <p:cNvPr id="4" name="Text Placeholder 3">
             <a:extLst>
               <a:ext uri="{FF2B5EF4-FFF2-40B4-BE49-F238E27FC236}">
-                <a16:creationId xmlns:a16="http://schemas.microsoft.com/office/drawing/2014/main" id="{1A5EEBFA-7C3F-40BC-A736-89E2871AB916}"/>
+                <a16:creationId xmlns:a16="http://schemas.microsoft.com/office/drawing/2014/main" xmlns="" id="{1A5EEBFA-7C3F-40BC-A736-89E2871AB916}"/>
               </a:ext>
             </a:extLst>
           </p:cNvPr>
@@ -4472,7 +6951,7 @@
           <p:cNvPr id="5" name="Date Placeholder 4">
             <a:extLst>
               <a:ext uri="{FF2B5EF4-FFF2-40B4-BE49-F238E27FC236}">
-                <a16:creationId xmlns:a16="http://schemas.microsoft.com/office/drawing/2014/main" id="{0F9791BC-52F7-4098-BD77-EB52CAD311D7}"/>
+                <a16:creationId xmlns:a16="http://schemas.microsoft.com/office/drawing/2014/main" xmlns="" id="{0F9791BC-52F7-4098-BD77-EB52CAD311D7}"/>
               </a:ext>
             </a:extLst>
           </p:cNvPr>
@@ -4490,7 +6969,7 @@
           <a:p>
             <a:fld id="{96B0AB5A-E802-48CF-A5B9-FE8704AC6519}" type="datetimeFigureOut">
               <a:rPr lang="en-CA" smtClean="0"/>
-              <a:t>19/09/2017</a:t>
+              <a:t>2017-09-19</a:t>
             </a:fld>
             <a:endParaRPr lang="en-CA"/>
           </a:p>
@@ -4501,7 +6980,7 @@
           <p:cNvPr id="6" name="Footer Placeholder 5">
             <a:extLst>
               <a:ext uri="{FF2B5EF4-FFF2-40B4-BE49-F238E27FC236}">
-                <a16:creationId xmlns:a16="http://schemas.microsoft.com/office/drawing/2014/main" id="{E2F409E7-1C98-4E39-B7A6-5F89DA98469F}"/>
+                <a16:creationId xmlns:a16="http://schemas.microsoft.com/office/drawing/2014/main" xmlns="" id="{E2F409E7-1C98-4E39-B7A6-5F89DA98469F}"/>
               </a:ext>
             </a:extLst>
           </p:cNvPr>
@@ -4526,7 +7005,7 @@
           <p:cNvPr id="7" name="Slide Number Placeholder 6">
             <a:extLst>
               <a:ext uri="{FF2B5EF4-FFF2-40B4-BE49-F238E27FC236}">
-                <a16:creationId xmlns:a16="http://schemas.microsoft.com/office/drawing/2014/main" id="{BDC7D36C-18CF-4995-B3BF-440113BC7738}"/>
+                <a16:creationId xmlns:a16="http://schemas.microsoft.com/office/drawing/2014/main" xmlns="" id="{BDC7D36C-18CF-4995-B3BF-440113BC7738}"/>
               </a:ext>
             </a:extLst>
           </p:cNvPr>
@@ -4590,7 +7069,7 @@
           <p:cNvPr id="2" name="Title Placeholder 1">
             <a:extLst>
               <a:ext uri="{FF2B5EF4-FFF2-40B4-BE49-F238E27FC236}">
-                <a16:creationId xmlns:a16="http://schemas.microsoft.com/office/drawing/2014/main" id="{E5B4AD75-DD9C-4FBC-861B-1923DAD4C653}"/>
+                <a16:creationId xmlns:a16="http://schemas.microsoft.com/office/drawing/2014/main" xmlns="" id="{E5B4AD75-DD9C-4FBC-861B-1923DAD4C653}"/>
               </a:ext>
             </a:extLst>
           </p:cNvPr>
@@ -4629,7 +7108,7 @@
           <p:cNvPr id="3" name="Text Placeholder 2">
             <a:extLst>
               <a:ext uri="{FF2B5EF4-FFF2-40B4-BE49-F238E27FC236}">
-                <a16:creationId xmlns:a16="http://schemas.microsoft.com/office/drawing/2014/main" id="{4D568E8A-8FC5-429A-BBC2-86B33A87A88A}"/>
+                <a16:creationId xmlns:a16="http://schemas.microsoft.com/office/drawing/2014/main" xmlns="" id="{4D568E8A-8FC5-429A-BBC2-86B33A87A88A}"/>
               </a:ext>
             </a:extLst>
           </p:cNvPr>
@@ -4697,7 +7176,7 @@
           <p:cNvPr id="4" name="Date Placeholder 3">
             <a:extLst>
               <a:ext uri="{FF2B5EF4-FFF2-40B4-BE49-F238E27FC236}">
-                <a16:creationId xmlns:a16="http://schemas.microsoft.com/office/drawing/2014/main" id="{29A9B9B8-7E0D-4EC3-A0F8-0CFBC57A3D7E}"/>
+                <a16:creationId xmlns:a16="http://schemas.microsoft.com/office/drawing/2014/main" xmlns="" id="{29A9B9B8-7E0D-4EC3-A0F8-0CFBC57A3D7E}"/>
               </a:ext>
             </a:extLst>
           </p:cNvPr>
@@ -4733,7 +7212,7 @@
           <a:p>
             <a:fld id="{96B0AB5A-E802-48CF-A5B9-FE8704AC6519}" type="datetimeFigureOut">
               <a:rPr lang="en-CA" smtClean="0"/>
-              <a:t>19/09/2017</a:t>
+              <a:t>2017-09-19</a:t>
             </a:fld>
             <a:endParaRPr lang="en-CA"/>
           </a:p>
@@ -4744,7 +7223,7 @@
           <p:cNvPr id="5" name="Footer Placeholder 4">
             <a:extLst>
               <a:ext uri="{FF2B5EF4-FFF2-40B4-BE49-F238E27FC236}">
-                <a16:creationId xmlns:a16="http://schemas.microsoft.com/office/drawing/2014/main" id="{5701BCBF-10E5-4F5A-AFDC-06F55B5CAA8F}"/>
+                <a16:creationId xmlns:a16="http://schemas.microsoft.com/office/drawing/2014/main" xmlns="" id="{5701BCBF-10E5-4F5A-AFDC-06F55B5CAA8F}"/>
               </a:ext>
             </a:extLst>
           </p:cNvPr>
@@ -4787,7 +7266,7 @@
           <p:cNvPr id="6" name="Slide Number Placeholder 5">
             <a:extLst>
               <a:ext uri="{FF2B5EF4-FFF2-40B4-BE49-F238E27FC236}">
-                <a16:creationId xmlns:a16="http://schemas.microsoft.com/office/drawing/2014/main" id="{68C4BCD5-C523-4222-8576-785E1DE19235}"/>
+                <a16:creationId xmlns:a16="http://schemas.microsoft.com/office/drawing/2014/main" xmlns="" id="{68C4BCD5-C523-4222-8576-785E1DE19235}"/>
               </a:ext>
             </a:extLst>
           </p:cNvPr>
@@ -5155,7 +7634,7 @@
           <p:cNvPr id="2" name="Title 1">
             <a:extLst>
               <a:ext uri="{FF2B5EF4-FFF2-40B4-BE49-F238E27FC236}">
-                <a16:creationId xmlns:a16="http://schemas.microsoft.com/office/drawing/2014/main" id="{FA47EB2B-4331-4E3D-9575-372974FA84E1}"/>
+                <a16:creationId xmlns:a16="http://schemas.microsoft.com/office/drawing/2014/main" xmlns="" id="{FA47EB2B-4331-4E3D-9575-372974FA84E1}"/>
               </a:ext>
             </a:extLst>
           </p:cNvPr>
@@ -5180,7 +7659,7 @@
           <p:cNvPr id="3" name="Subtitle 2">
             <a:extLst>
               <a:ext uri="{FF2B5EF4-FFF2-40B4-BE49-F238E27FC236}">
-                <a16:creationId xmlns:a16="http://schemas.microsoft.com/office/drawing/2014/main" id="{A4D09F98-919E-4EAE-8FE4-8DF28106A8A4}"/>
+                <a16:creationId xmlns:a16="http://schemas.microsoft.com/office/drawing/2014/main" xmlns="" id="{A4D09F98-919E-4EAE-8FE4-8DF28106A8A4}"/>
               </a:ext>
             </a:extLst>
           </p:cNvPr>
@@ -5235,7 +7714,7 @@
           <p:cNvPr id="2" name="Title 1">
             <a:extLst>
               <a:ext uri="{FF2B5EF4-FFF2-40B4-BE49-F238E27FC236}">
-                <a16:creationId xmlns:a16="http://schemas.microsoft.com/office/drawing/2014/main" id="{C0DC2B9B-FCB5-4621-ABB4-77B660602A25}"/>
+                <a16:creationId xmlns:a16="http://schemas.microsoft.com/office/drawing/2014/main" xmlns="" id="{C0DC2B9B-FCB5-4621-ABB4-77B660602A25}"/>
               </a:ext>
             </a:extLst>
           </p:cNvPr>
@@ -5263,7 +7742,7 @@
           <p:cNvPr id="4" name="Content Placeholder 3" descr="C:\Users\ke\Desktop\Figure_1.png">
             <a:extLst>
               <a:ext uri="{FF2B5EF4-FFF2-40B4-BE49-F238E27FC236}">
-                <a16:creationId xmlns:a16="http://schemas.microsoft.com/office/drawing/2014/main" id="{4D21BC85-7DF2-4CAA-BD03-EE4871E463F2}"/>
+                <a16:creationId xmlns:a16="http://schemas.microsoft.com/office/drawing/2014/main" xmlns="" id="{4D21BC85-7DF2-4CAA-BD03-EE4871E463F2}"/>
               </a:ext>
             </a:extLst>
           </p:cNvPr>
@@ -5306,7 +7785,7 @@
           <p:cNvPr id="6" name="TextBox 5">
             <a:extLst>
               <a:ext uri="{FF2B5EF4-FFF2-40B4-BE49-F238E27FC236}">
-                <a16:creationId xmlns:a16="http://schemas.microsoft.com/office/drawing/2014/main" id="{FF07B87F-C8DD-4F75-AF75-8EE671EF4690}"/>
+                <a16:creationId xmlns:a16="http://schemas.microsoft.com/office/drawing/2014/main" xmlns="" id="{FF07B87F-C8DD-4F75-AF75-8EE671EF4690}"/>
               </a:ext>
             </a:extLst>
           </p:cNvPr>
@@ -5365,7 +7844,7 @@
           <p:cNvPr id="5" name="Table 4">
             <a:extLst>
               <a:ext uri="{FF2B5EF4-FFF2-40B4-BE49-F238E27FC236}">
-                <a16:creationId xmlns:a16="http://schemas.microsoft.com/office/drawing/2014/main" id="{7229B7B9-B18A-4703-9B4E-3C8CBCE0D5D8}"/>
+                <a16:creationId xmlns:a16="http://schemas.microsoft.com/office/drawing/2014/main" xmlns="" id="{7229B7B9-B18A-4703-9B4E-3C8CBCE0D5D8}"/>
               </a:ext>
             </a:extLst>
           </p:cNvPr>
@@ -5394,21 +7873,21 @@
                 <a:gridCol w="983916">
                   <a:extLst>
                     <a:ext uri="{9D8B030D-6E8A-4147-A177-3AD203B41FA5}">
-                      <a16:colId xmlns:a16="http://schemas.microsoft.com/office/drawing/2014/main" val="3735259432"/>
+                      <a16:colId xmlns:a16="http://schemas.microsoft.com/office/drawing/2014/main" xmlns="" val="3735259432"/>
                     </a:ext>
                   </a:extLst>
                 </a:gridCol>
                 <a:gridCol w="983916">
                   <a:extLst>
                     <a:ext uri="{9D8B030D-6E8A-4147-A177-3AD203B41FA5}">
-                      <a16:colId xmlns:a16="http://schemas.microsoft.com/office/drawing/2014/main" val="1134382208"/>
+                      <a16:colId xmlns:a16="http://schemas.microsoft.com/office/drawing/2014/main" xmlns="" val="1134382208"/>
                     </a:ext>
                   </a:extLst>
                 </a:gridCol>
                 <a:gridCol w="983916">
                   <a:extLst>
                     <a:ext uri="{9D8B030D-6E8A-4147-A177-3AD203B41FA5}">
-                      <a16:colId xmlns:a16="http://schemas.microsoft.com/office/drawing/2014/main" val="1257578719"/>
+                      <a16:colId xmlns:a16="http://schemas.microsoft.com/office/drawing/2014/main" xmlns="" val="1257578719"/>
                     </a:ext>
                   </a:extLst>
                 </a:gridCol>
@@ -5485,7 +7964,7 @@
                 </a:tc>
                 <a:extLst>
                   <a:ext uri="{0D108BD9-81ED-4DB2-BD59-A6C34878D82A}">
-                    <a16:rowId xmlns:a16="http://schemas.microsoft.com/office/drawing/2014/main" val="1625375486"/>
+                    <a16:rowId xmlns:a16="http://schemas.microsoft.com/office/drawing/2014/main" xmlns="" val="1625375486"/>
                   </a:ext>
                 </a:extLst>
               </a:tr>
@@ -5561,7 +8040,7 @@
                 </a:tc>
                 <a:extLst>
                   <a:ext uri="{0D108BD9-81ED-4DB2-BD59-A6C34878D82A}">
-                    <a16:rowId xmlns:a16="http://schemas.microsoft.com/office/drawing/2014/main" val="1346036712"/>
+                    <a16:rowId xmlns:a16="http://schemas.microsoft.com/office/drawing/2014/main" xmlns="" val="1346036712"/>
                   </a:ext>
                 </a:extLst>
               </a:tr>
@@ -5637,7 +8116,7 @@
                 </a:tc>
                 <a:extLst>
                   <a:ext uri="{0D108BD9-81ED-4DB2-BD59-A6C34878D82A}">
-                    <a16:rowId xmlns:a16="http://schemas.microsoft.com/office/drawing/2014/main" val="2275640152"/>
+                    <a16:rowId xmlns:a16="http://schemas.microsoft.com/office/drawing/2014/main" xmlns="" val="2275640152"/>
                   </a:ext>
                 </a:extLst>
               </a:tr>
@@ -5727,7 +8206,7 @@
           <p:cNvPr id="4" name="Picture 3">
             <a:extLst>
               <a:ext uri="{FF2B5EF4-FFF2-40B4-BE49-F238E27FC236}">
-                <a16:creationId xmlns:a16="http://schemas.microsoft.com/office/drawing/2014/main" id="{83503D01-4845-4860-81B1-C045015D081B}"/>
+                <a16:creationId xmlns:a16="http://schemas.microsoft.com/office/drawing/2014/main" xmlns="" id="{83503D01-4845-4860-81B1-C045015D081B}"/>
               </a:ext>
             </a:extLst>
           </p:cNvPr>
@@ -5757,7 +8236,7 @@
           <p:cNvPr id="5" name="TextBox 4">
             <a:extLst>
               <a:ext uri="{FF2B5EF4-FFF2-40B4-BE49-F238E27FC236}">
-                <a16:creationId xmlns:a16="http://schemas.microsoft.com/office/drawing/2014/main" id="{EA5D9DFF-BAE7-4ACF-8630-9B7F07FFE7C3}"/>
+                <a16:creationId xmlns:a16="http://schemas.microsoft.com/office/drawing/2014/main" xmlns="" id="{EA5D9DFF-BAE7-4ACF-8630-9B7F07FFE7C3}"/>
               </a:ext>
             </a:extLst>
           </p:cNvPr>
@@ -5814,7 +8293,7 @@
           <p:cNvPr id="6" name="TextBox 5">
             <a:extLst>
               <a:ext uri="{FF2B5EF4-FFF2-40B4-BE49-F238E27FC236}">
-                <a16:creationId xmlns:a16="http://schemas.microsoft.com/office/drawing/2014/main" id="{47C1B0C9-06AE-4033-9D9E-4BE9EEEDB71F}"/>
+                <a16:creationId xmlns:a16="http://schemas.microsoft.com/office/drawing/2014/main" xmlns="" id="{47C1B0C9-06AE-4033-9D9E-4BE9EEEDB71F}"/>
               </a:ext>
             </a:extLst>
           </p:cNvPr>
@@ -5879,7 +8358,7 @@
           <p:cNvPr id="2" name="Title 1">
             <a:extLst>
               <a:ext uri="{FF2B5EF4-FFF2-40B4-BE49-F238E27FC236}">
-                <a16:creationId xmlns:a16="http://schemas.microsoft.com/office/drawing/2014/main" id="{9E72733B-3ADC-4709-8C8B-A6CBD9E2C805}"/>
+                <a16:creationId xmlns:a16="http://schemas.microsoft.com/office/drawing/2014/main" xmlns="" id="{9E72733B-3ADC-4709-8C8B-A6CBD9E2C805}"/>
               </a:ext>
             </a:extLst>
           </p:cNvPr>
@@ -5907,7 +8386,7 @@
           <p:cNvPr id="3" name="Content Placeholder 2">
             <a:extLst>
               <a:ext uri="{FF2B5EF4-FFF2-40B4-BE49-F238E27FC236}">
-                <a16:creationId xmlns:a16="http://schemas.microsoft.com/office/drawing/2014/main" id="{B89620BF-6236-4713-8FEC-A6D0D87A8EB4}"/>
+                <a16:creationId xmlns:a16="http://schemas.microsoft.com/office/drawing/2014/main" xmlns="" id="{B89620BF-6236-4713-8FEC-A6D0D87A8EB4}"/>
               </a:ext>
             </a:extLst>
           </p:cNvPr>
@@ -5923,12 +8402,23 @@
           <a:bodyPr/>
           <a:lstStyle/>
           <a:p>
-            <a:r>
-              <a:rPr lang="en-CA" dirty="0"/>
-              <a:t>Is the tendency of accepting/rejecting offers independent from groups? One-sample chi-square for accept and reject.</a:t>
-            </a:r>
-          </a:p>
-          <a:p>
+            <a:pPr marL="0" marR="0" lvl="0" indent="0" defTabSz="914400" eaLnBrk="1" fontAlgn="auto" latinLnBrk="0" hangingPunct="1">
+              <a:lnSpc>
+                <a:spcPct val="100000"/>
+              </a:lnSpc>
+              <a:spcBef>
+                <a:spcPts val="0"/>
+              </a:spcBef>
+              <a:spcAft>
+                <a:spcPts val="0"/>
+              </a:spcAft>
+              <a:buClrTx/>
+              <a:buSzTx/>
+              <a:buFontTx/>
+              <a:buNone/>
+              <a:tabLst/>
+              <a:defRPr/>
+            </a:pPr>
             <a:endParaRPr lang="en-CA" dirty="0"/>
           </a:p>
         </p:txBody>
@@ -5938,7 +8428,7 @@
           <p:cNvPr id="5" name="Chart 4">
             <a:extLst>
               <a:ext uri="{FF2B5EF4-FFF2-40B4-BE49-F238E27FC236}">
-                <a16:creationId xmlns:a16="http://schemas.microsoft.com/office/drawing/2014/main" id="{B9B1E397-67AB-480C-990E-A418DFCD995F}"/>
+                <a16:creationId xmlns:a16="http://schemas.microsoft.com/office/drawing/2014/main" xmlns="" id="{B9B1E397-67AB-480C-990E-A418DFCD995F}"/>
               </a:ext>
             </a:extLst>
           </p:cNvPr>
@@ -5948,14 +8438,14 @@
           <p:nvPr>
             <p:extLst>
               <p:ext uri="{D42A27DB-BD31-4B8C-83A1-F6EECF244321}">
-                <p14:modId xmlns:p14="http://schemas.microsoft.com/office/powerpoint/2010/main" val="3272880318"/>
+                <p14:modId xmlns:p14="http://schemas.microsoft.com/office/powerpoint/2010/main" val="841362625"/>
               </p:ext>
             </p:extLst>
           </p:nvPr>
         </p:nvGraphicFramePr>
         <p:xfrm>
-          <a:off x="838200" y="3056467"/>
-          <a:ext cx="3911600" cy="1515533"/>
+          <a:off x="838200" y="2114550"/>
+          <a:ext cx="3797300" cy="2197100"/>
         </p:xfrm>
         <a:graphic>
           <a:graphicData uri="http://schemas.openxmlformats.org/drawingml/2006/chart">
@@ -5968,7 +8458,7 @@
           <p:cNvPr id="6" name="Chart 5">
             <a:extLst>
               <a:ext uri="{FF2B5EF4-FFF2-40B4-BE49-F238E27FC236}">
-                <a16:creationId xmlns:a16="http://schemas.microsoft.com/office/drawing/2014/main" id="{4B0EFEA8-71A8-40C1-817E-1FFBB3DAB05D}"/>
+                <a16:creationId xmlns:a16="http://schemas.microsoft.com/office/drawing/2014/main" xmlns="" id="{4B0EFEA8-71A8-40C1-817E-1FFBB3DAB05D}"/>
               </a:ext>
             </a:extLst>
           </p:cNvPr>
@@ -5978,14 +8468,14 @@
           <p:nvPr>
             <p:extLst>
               <p:ext uri="{D42A27DB-BD31-4B8C-83A1-F6EECF244321}">
-                <p14:modId xmlns:p14="http://schemas.microsoft.com/office/powerpoint/2010/main" val="3801342422"/>
+                <p14:modId xmlns:p14="http://schemas.microsoft.com/office/powerpoint/2010/main" val="816903928"/>
               </p:ext>
             </p:extLst>
           </p:nvPr>
         </p:nvGraphicFramePr>
         <p:xfrm>
-          <a:off x="838200" y="4706937"/>
-          <a:ext cx="3797300" cy="1371600"/>
+          <a:off x="838200" y="4152900"/>
+          <a:ext cx="3797300" cy="1925637"/>
         </p:xfrm>
         <a:graphic>
           <a:graphicData uri="http://schemas.openxmlformats.org/drawingml/2006/chart">
@@ -5998,7 +8488,7 @@
           <p:cNvPr id="7" name="TextBox 6">
             <a:extLst>
               <a:ext uri="{FF2B5EF4-FFF2-40B4-BE49-F238E27FC236}">
-                <a16:creationId xmlns:a16="http://schemas.microsoft.com/office/drawing/2014/main" id="{92890340-7891-4130-B5AC-93FDC518A8C2}"/>
+                <a16:creationId xmlns:a16="http://schemas.microsoft.com/office/drawing/2014/main" xmlns="" id="{92890340-7891-4130-B5AC-93FDC518A8C2}"/>
               </a:ext>
             </a:extLst>
           </p:cNvPr>
@@ -6007,8 +8497,8 @@
         </p:nvSpPr>
         <p:spPr>
           <a:xfrm>
-            <a:off x="5562600" y="3213100"/>
-            <a:ext cx="4724400" cy="1754326"/>
+            <a:off x="5334000" y="1969969"/>
+            <a:ext cx="5791200" cy="2031325"/>
           </a:xfrm>
           <a:prstGeom prst="rect">
             <a:avLst/>
@@ -6026,8 +8516,47 @@
               <a:buChar char="•"/>
             </a:pPr>
             <a:r>
+              <a:rPr lang="en-CA" dirty="0" smtClean="0"/>
+              <a:t>Is </a:t>
+            </a:r>
+            <a:r>
+              <a:rPr lang="en-CA"/>
+              <a:t>accepting </a:t>
+            </a:r>
+            <a:r>
+              <a:rPr lang="en-CA" smtClean="0"/>
+              <a:t>fair/unfair offers </a:t>
+            </a:r>
+            <a:r>
               <a:rPr lang="en-CA" dirty="0"/>
-              <a:t>Are groups more likely to accept offers in fair &amp; unfair condition? </a:t>
+              <a:t>significantly </a:t>
+            </a:r>
+            <a:r>
+              <a:rPr lang="en-CA" dirty="0" smtClean="0"/>
+              <a:t>larger/smaller </a:t>
+            </a:r>
+            <a:r>
+              <a:rPr lang="en-CA" dirty="0"/>
+              <a:t>than unfair offers within a group</a:t>
+            </a:r>
+            <a:r>
+              <a:rPr lang="en-CA" dirty="0"/>
+              <a:t>? </a:t>
+            </a:r>
+            <a:endParaRPr lang="en-CA" dirty="0" smtClean="0"/>
+          </a:p>
+          <a:p>
+            <a:pPr marL="742950" lvl="1" indent="-285750">
+              <a:buFont typeface="Arial" panose="020B0604020202020204" pitchFamily="34" charset="0"/>
+              <a:buChar char="•"/>
+            </a:pPr>
+            <a:r>
+              <a:rPr lang="en-CA" dirty="0" smtClean="0"/>
+              <a:t>Yes</a:t>
+            </a:r>
+            <a:r>
+              <a:rPr lang="en-CA" dirty="0"/>
+              <a:t>. Binomial test(accept, reject)</a:t>
             </a:r>
           </a:p>
           <a:p>
@@ -6035,10 +8564,7 @@
               <a:buFont typeface="Arial" panose="020B0604020202020204" pitchFamily="34" charset="0"/>
               <a:buChar char="•"/>
             </a:pPr>
-            <a:r>
-              <a:rPr lang="en-CA" dirty="0"/>
-              <a:t>Is accepting fair offers significantly larger than unfair offers within a group?</a:t>
-            </a:r>
+            <a:endParaRPr lang="en-CA" dirty="0"/>
           </a:p>
           <a:p>
             <a:pPr marL="285750" indent="-285750">
@@ -6047,8 +8573,31 @@
             </a:pPr>
             <a:r>
               <a:rPr lang="en-CA" dirty="0"/>
-              <a:t>Is accepting fair offers independent from groups?</a:t>
-            </a:r>
+              <a:t>Is accepting </a:t>
+            </a:r>
+            <a:r>
+              <a:rPr lang="en-CA" dirty="0" smtClean="0"/>
+              <a:t>fair/unfair </a:t>
+            </a:r>
+            <a:r>
+              <a:rPr lang="en-CA" dirty="0"/>
+              <a:t>offers </a:t>
+            </a:r>
+            <a:r>
+              <a:rPr lang="en-CA" dirty="0" smtClean="0"/>
+              <a:t>significantly different across groups?</a:t>
+            </a:r>
+          </a:p>
+          <a:p>
+            <a:pPr marL="742950" lvl="1" indent="-285750">
+              <a:buFont typeface="Arial" panose="020B0604020202020204" pitchFamily="34" charset="0"/>
+              <a:buChar char="•"/>
+            </a:pPr>
+            <a:r>
+              <a:rPr lang="en-CA" dirty="0" smtClean="0"/>
+              <a:t>Yes, chi-square goodness of fit.</a:t>
+            </a:r>
+            <a:endParaRPr lang="en-CA" dirty="0"/>
           </a:p>
         </p:txBody>
       </p:sp>
@@ -6056,6 +8605,244 @@
     <p:extLst>
       <p:ext uri="{BB962C8B-B14F-4D97-AF65-F5344CB8AC3E}">
         <p14:creationId xmlns:p14="http://schemas.microsoft.com/office/powerpoint/2010/main" val="1955577812"/>
+      </p:ext>
+    </p:extLst>
+  </p:cSld>
+  <p:clrMapOvr>
+    <a:masterClrMapping/>
+  </p:clrMapOvr>
+</p:sld>
+</file>
+
+<file path=ppt/slides/slide5.xml><?xml version="1.0" encoding="utf-8"?>
+<p:sld xmlns:a="http://schemas.openxmlformats.org/drawingml/2006/main" xmlns:r="http://schemas.openxmlformats.org/officeDocument/2006/relationships" xmlns:p="http://schemas.openxmlformats.org/presentationml/2006/main">
+  <p:cSld>
+    <p:spTree>
+      <p:nvGrpSpPr>
+        <p:cNvPr id="1" name=""/>
+        <p:cNvGrpSpPr/>
+        <p:nvPr/>
+      </p:nvGrpSpPr>
+      <p:grpSpPr>
+        <a:xfrm>
+          <a:off x="0" y="0"/>
+          <a:ext cx="0" cy="0"/>
+          <a:chOff x="0" y="0"/>
+          <a:chExt cx="0" cy="0"/>
+        </a:xfrm>
+      </p:grpSpPr>
+      <p:sp>
+        <p:nvSpPr>
+          <p:cNvPr id="2" name="Title 1"/>
+          <p:cNvSpPr>
+            <a:spLocks noGrp="1"/>
+          </p:cNvSpPr>
+          <p:nvPr>
+            <p:ph type="title"/>
+          </p:nvPr>
+        </p:nvSpPr>
+        <p:spPr/>
+        <p:txBody>
+          <a:bodyPr/>
+          <a:lstStyle/>
+          <a:p>
+            <a:r>
+              <a:rPr lang="en-US" dirty="0" smtClean="0"/>
+              <a:t>5 Groups, conditions, and fairness</a:t>
+            </a:r>
+            <a:endParaRPr lang="en-US" dirty="0"/>
+          </a:p>
+        </p:txBody>
+      </p:sp>
+      <p:graphicFrame>
+        <p:nvGraphicFramePr>
+          <p:cNvPr id="4" name="Content Placeholder 3"/>
+          <p:cNvGraphicFramePr>
+            <a:graphicFrameLocks noGrp="1"/>
+          </p:cNvGraphicFramePr>
+          <p:nvPr>
+            <p:ph idx="1"/>
+            <p:extLst>
+              <p:ext uri="{D42A27DB-BD31-4B8C-83A1-F6EECF244321}">
+                <p14:modId xmlns:p14="http://schemas.microsoft.com/office/powerpoint/2010/main" val="1234561425"/>
+              </p:ext>
+            </p:extLst>
+          </p:nvPr>
+        </p:nvGraphicFramePr>
+        <p:xfrm>
+          <a:off x="474133" y="1180307"/>
+          <a:ext cx="4389967" cy="2578894"/>
+        </p:xfrm>
+        <a:graphic>
+          <a:graphicData uri="http://schemas.openxmlformats.org/drawingml/2006/chart">
+            <c:chart xmlns:c="http://schemas.openxmlformats.org/drawingml/2006/chart" xmlns:r="http://schemas.openxmlformats.org/officeDocument/2006/relationships" r:id="rId2"/>
+          </a:graphicData>
+        </a:graphic>
+      </p:graphicFrame>
+      <p:sp>
+        <p:nvSpPr>
+          <p:cNvPr id="7" name="TextBox 6"/>
+          <p:cNvSpPr txBox="1"/>
+          <p:nvPr/>
+        </p:nvSpPr>
+        <p:spPr>
+          <a:xfrm>
+            <a:off x="4978400" y="1690688"/>
+            <a:ext cx="4965700" cy="369332"/>
+          </a:xfrm>
+          <a:prstGeom prst="rect">
+            <a:avLst/>
+          </a:prstGeom>
+          <a:noFill/>
+        </p:spPr>
+        <p:txBody>
+          <a:bodyPr wrap="square" rtlCol="0">
+            <a:spAutoFit/>
+          </a:bodyPr>
+          <a:lstStyle/>
+          <a:p>
+            <a:pPr marL="285750" indent="-285750">
+              <a:buFont typeface="Arial" charset="0"/>
+              <a:buChar char="•"/>
+            </a:pPr>
+            <a:endParaRPr lang="en-US" dirty="0"/>
+          </a:p>
+        </p:txBody>
+      </p:sp>
+    </p:spTree>
+    <p:extLst>
+      <p:ext uri="{BB962C8B-B14F-4D97-AF65-F5344CB8AC3E}">
+        <p14:creationId xmlns:p14="http://schemas.microsoft.com/office/powerpoint/2010/main" val="330937313"/>
+      </p:ext>
+    </p:extLst>
+  </p:cSld>
+  <p:clrMapOvr>
+    <a:masterClrMapping/>
+  </p:clrMapOvr>
+</p:sld>
+</file>
+
+<file path=ppt/slides/slide6.xml><?xml version="1.0" encoding="utf-8"?>
+<p:sld xmlns:a="http://schemas.openxmlformats.org/drawingml/2006/main" xmlns:r="http://schemas.openxmlformats.org/officeDocument/2006/relationships" xmlns:p="http://schemas.openxmlformats.org/presentationml/2006/main">
+  <p:cSld>
+    <p:spTree>
+      <p:nvGrpSpPr>
+        <p:cNvPr id="1" name=""/>
+        <p:cNvGrpSpPr/>
+        <p:nvPr/>
+      </p:nvGrpSpPr>
+      <p:grpSpPr>
+        <a:xfrm>
+          <a:off x="0" y="0"/>
+          <a:ext cx="0" cy="0"/>
+          <a:chOff x="0" y="0"/>
+          <a:chExt cx="0" cy="0"/>
+        </a:xfrm>
+      </p:grpSpPr>
+      <p:sp>
+        <p:nvSpPr>
+          <p:cNvPr id="2" name="Title 1"/>
+          <p:cNvSpPr>
+            <a:spLocks noGrp="1"/>
+          </p:cNvSpPr>
+          <p:nvPr>
+            <p:ph type="title"/>
+          </p:nvPr>
+        </p:nvSpPr>
+        <p:spPr/>
+        <p:txBody>
+          <a:bodyPr/>
+          <a:lstStyle/>
+          <a:p>
+            <a:r>
+              <a:rPr lang="en-US" dirty="0" smtClean="0"/>
+              <a:t>4 </a:t>
+            </a:r>
+            <a:r>
+              <a:rPr lang="en-US" dirty="0"/>
+              <a:t>Groups, conditions, and </a:t>
+            </a:r>
+            <a:r>
+              <a:rPr lang="en-US" dirty="0" smtClean="0"/>
+              <a:t>fairness</a:t>
+            </a:r>
+            <a:endParaRPr lang="en-US" dirty="0"/>
+          </a:p>
+        </p:txBody>
+      </p:sp>
+      <p:graphicFrame>
+        <p:nvGraphicFramePr>
+          <p:cNvPr id="4" name="Content Placeholder 3"/>
+          <p:cNvGraphicFramePr>
+            <a:graphicFrameLocks noGrp="1"/>
+          </p:cNvGraphicFramePr>
+          <p:nvPr>
+            <p:ph idx="1"/>
+            <p:extLst>
+              <p:ext uri="{D42A27DB-BD31-4B8C-83A1-F6EECF244321}">
+                <p14:modId xmlns:p14="http://schemas.microsoft.com/office/powerpoint/2010/main" val="199709151"/>
+              </p:ext>
+            </p:extLst>
+          </p:nvPr>
+        </p:nvGraphicFramePr>
+        <p:xfrm>
+          <a:off x="279400" y="1485899"/>
+          <a:ext cx="4483100" cy="2921001"/>
+        </p:xfrm>
+        <a:graphic>
+          <a:graphicData uri="http://schemas.openxmlformats.org/drawingml/2006/chart">
+            <c:chart xmlns:c="http://schemas.openxmlformats.org/drawingml/2006/chart" xmlns:r="http://schemas.openxmlformats.org/officeDocument/2006/relationships" r:id="rId2"/>
+          </a:graphicData>
+        </a:graphic>
+      </p:graphicFrame>
+      <p:sp>
+        <p:nvSpPr>
+          <p:cNvPr id="7" name="TextBox 6"/>
+          <p:cNvSpPr txBox="1"/>
+          <p:nvPr/>
+        </p:nvSpPr>
+        <p:spPr>
+          <a:xfrm>
+            <a:off x="5346700" y="1828800"/>
+            <a:ext cx="6565900" cy="923330"/>
+          </a:xfrm>
+          <a:prstGeom prst="rect">
+            <a:avLst/>
+          </a:prstGeom>
+          <a:noFill/>
+        </p:spPr>
+        <p:txBody>
+          <a:bodyPr wrap="square" rtlCol="0">
+            <a:spAutoFit/>
+          </a:bodyPr>
+          <a:lstStyle/>
+          <a:p>
+            <a:pPr marL="285750" indent="-285750">
+              <a:buFont typeface="Arial" charset="0"/>
+              <a:buChar char="•"/>
+            </a:pPr>
+            <a:r>
+              <a:rPr lang="en-US" dirty="0" smtClean="0"/>
+              <a:t>There is no significant three-way interaction between groups, conditions, and fairness, F(6, 8010) = .749, p = 0.61.</a:t>
+            </a:r>
+          </a:p>
+          <a:p>
+            <a:pPr marL="285750" indent="-285750">
+              <a:buFont typeface="Arial" charset="0"/>
+              <a:buChar char="•"/>
+            </a:pPr>
+            <a:r>
+              <a:rPr lang="en-US" dirty="0" smtClean="0"/>
+              <a:t>Group type is significantly interacting with reappraisal condition</a:t>
+            </a:r>
+            <a:endParaRPr lang="en-US" dirty="0"/>
+          </a:p>
+        </p:txBody>
+      </p:sp>
+    </p:spTree>
+    <p:extLst>
+      <p:ext uri="{BB962C8B-B14F-4D97-AF65-F5344CB8AC3E}">
+        <p14:creationId xmlns:p14="http://schemas.microsoft.com/office/powerpoint/2010/main" val="1326497448"/>
       </p:ext>
     </p:extLst>
   </p:cSld>

--- a/UG_results.pptx
+++ b/UG_results.pptx
@@ -306,11 +306,11 @@
         </c:dLbls>
         <c:gapWidth val="219"/>
         <c:overlap val="-27"/>
-        <c:axId val="504788624"/>
-        <c:axId val="504817232"/>
+        <c:axId val="1112825632"/>
+        <c:axId val="1206617664"/>
       </c:barChart>
       <c:catAx>
-        <c:axId val="504788624"/>
+        <c:axId val="1112825632"/>
         <c:scaling>
           <c:orientation val="minMax"/>
         </c:scaling>
@@ -353,7 +353,7 @@
             <a:endParaRPr lang="en-US"/>
           </a:p>
         </c:txPr>
-        <c:crossAx val="504817232"/>
+        <c:crossAx val="1206617664"/>
         <c:crosses val="autoZero"/>
         <c:auto val="1"/>
         <c:lblAlgn val="ctr"/>
@@ -361,7 +361,7 @@
         <c:noMultiLvlLbl val="0"/>
       </c:catAx>
       <c:valAx>
-        <c:axId val="504817232"/>
+        <c:axId val="1206617664"/>
         <c:scaling>
           <c:orientation val="minMax"/>
         </c:scaling>
@@ -412,7 +412,7 @@
             <a:endParaRPr lang="en-US"/>
           </a:p>
         </c:txPr>
-        <c:crossAx val="504788624"/>
+        <c:crossAx val="1112825632"/>
         <c:crosses val="autoZero"/>
         <c:crossBetween val="between"/>
       </c:valAx>
@@ -656,11 +656,11 @@
         </c:dLbls>
         <c:gapWidth val="219"/>
         <c:overlap val="-27"/>
-        <c:axId val="419852672"/>
-        <c:axId val="420103424"/>
+        <c:axId val="1112985184"/>
+        <c:axId val="1113115392"/>
       </c:barChart>
       <c:catAx>
-        <c:axId val="419852672"/>
+        <c:axId val="1112985184"/>
         <c:scaling>
           <c:orientation val="minMax"/>
         </c:scaling>
@@ -703,7 +703,7 @@
             <a:endParaRPr lang="en-US"/>
           </a:p>
         </c:txPr>
-        <c:crossAx val="420103424"/>
+        <c:crossAx val="1113115392"/>
         <c:crosses val="autoZero"/>
         <c:auto val="1"/>
         <c:lblAlgn val="ctr"/>
@@ -711,7 +711,7 @@
         <c:noMultiLvlLbl val="0"/>
       </c:catAx>
       <c:valAx>
-        <c:axId val="420103424"/>
+        <c:axId val="1113115392"/>
         <c:scaling>
           <c:orientation val="minMax"/>
         </c:scaling>
@@ -762,7 +762,7 @@
             <a:endParaRPr lang="en-US"/>
           </a:p>
         </c:txPr>
-        <c:crossAx val="419852672"/>
+        <c:crossAx val="1112985184"/>
         <c:crosses val="autoZero"/>
         <c:crossBetween val="between"/>
       </c:valAx>
@@ -878,7 +878,6 @@
           </a:p>
         </c:rich>
       </c:tx>
-      <c:layout/>
       <c:overlay val="0"/>
       <c:spPr>
         <a:noFill/>
@@ -1333,11 +1332,11 @@
         </c:dLbls>
         <c:gapWidth val="150"/>
         <c:overlap val="100"/>
-        <c:axId val="469366160"/>
-        <c:axId val="464936432"/>
+        <c:axId val="1206151728"/>
+        <c:axId val="1206318304"/>
       </c:barChart>
       <c:catAx>
-        <c:axId val="469366160"/>
+        <c:axId val="1206151728"/>
         <c:scaling>
           <c:orientation val="minMax"/>
         </c:scaling>
@@ -1380,7 +1379,7 @@
             <a:endParaRPr lang="en-US"/>
           </a:p>
         </c:txPr>
-        <c:crossAx val="464936432"/>
+        <c:crossAx val="1206318304"/>
         <c:crosses val="autoZero"/>
         <c:auto val="1"/>
         <c:lblAlgn val="ctr"/>
@@ -1388,7 +1387,7 @@
         <c:noMultiLvlLbl val="0"/>
       </c:catAx>
       <c:valAx>
-        <c:axId val="464936432"/>
+        <c:axId val="1206318304"/>
         <c:scaling>
           <c:orientation val="minMax"/>
           <c:max val="1.0"/>
@@ -1439,7 +1438,7 @@
             <a:endParaRPr lang="en-US"/>
           </a:p>
         </c:txPr>
-        <c:crossAx val="469366160"/>
+        <c:crossAx val="1206151728"/>
         <c:crosses val="autoZero"/>
         <c:crossBetween val="between"/>
       </c:valAx>
@@ -1526,7 +1525,6 @@
           </a:p>
         </c:rich>
       </c:tx>
-      <c:layout/>
       <c:overlay val="0"/>
       <c:spPr>
         <a:noFill/>
@@ -2073,11 +2071,11 @@
         </c:dLbls>
         <c:gapWidth val="150"/>
         <c:overlap val="100"/>
-        <c:axId val="427724544"/>
-        <c:axId val="465242160"/>
+        <c:axId val="1112776448"/>
+        <c:axId val="1112778224"/>
       </c:barChart>
       <c:catAx>
-        <c:axId val="427724544"/>
+        <c:axId val="1112776448"/>
         <c:scaling>
           <c:orientation val="minMax"/>
         </c:scaling>
@@ -2120,7 +2118,7 @@
             <a:endParaRPr lang="en-US"/>
           </a:p>
         </c:txPr>
-        <c:crossAx val="465242160"/>
+        <c:crossAx val="1112778224"/>
         <c:crosses val="autoZero"/>
         <c:auto val="1"/>
         <c:lblAlgn val="ctr"/>
@@ -2128,7 +2126,7 @@
         <c:noMultiLvlLbl val="0"/>
       </c:catAx>
       <c:valAx>
-        <c:axId val="465242160"/>
+        <c:axId val="1112778224"/>
         <c:scaling>
           <c:orientation val="minMax"/>
           <c:max val="1.0"/>
@@ -2179,7 +2177,7 @@
             <a:endParaRPr lang="en-US"/>
           </a:p>
         </c:txPr>
-        <c:crossAx val="427724544"/>
+        <c:crossAx val="1112776448"/>
         <c:crosses val="autoZero"/>
         <c:crossBetween val="between"/>
       </c:valAx>
@@ -4416,7 +4414,7 @@
           <p:cNvPr id="2" name="Title 1">
             <a:extLst>
               <a:ext uri="{FF2B5EF4-FFF2-40B4-BE49-F238E27FC236}">
-                <a16:creationId xmlns:a16="http://schemas.microsoft.com/office/drawing/2014/main" xmlns="" id="{A770637A-7F70-4788-A8DB-6F8A001AE731}"/>
+                <a16:creationId xmlns="" xmlns:a16="http://schemas.microsoft.com/office/drawing/2014/main" id="{A770637A-7F70-4788-A8DB-6F8A001AE731}"/>
               </a:ext>
             </a:extLst>
           </p:cNvPr>
@@ -4454,7 +4452,7 @@
           <p:cNvPr id="3" name="Subtitle 2">
             <a:extLst>
               <a:ext uri="{FF2B5EF4-FFF2-40B4-BE49-F238E27FC236}">
-                <a16:creationId xmlns:a16="http://schemas.microsoft.com/office/drawing/2014/main" xmlns="" id="{F9D5404F-EB55-4B5E-B9CE-AC2A0B6C47CB}"/>
+                <a16:creationId xmlns="" xmlns:a16="http://schemas.microsoft.com/office/drawing/2014/main" id="{F9D5404F-EB55-4B5E-B9CE-AC2A0B6C47CB}"/>
               </a:ext>
             </a:extLst>
           </p:cNvPr>
@@ -4525,7 +4523,7 @@
           <p:cNvPr id="4" name="Date Placeholder 3">
             <a:extLst>
               <a:ext uri="{FF2B5EF4-FFF2-40B4-BE49-F238E27FC236}">
-                <a16:creationId xmlns:a16="http://schemas.microsoft.com/office/drawing/2014/main" xmlns="" id="{7808CDBC-CAE1-487B-A4E5-3CB70D4EAEEB}"/>
+                <a16:creationId xmlns="" xmlns:a16="http://schemas.microsoft.com/office/drawing/2014/main" id="{7808CDBC-CAE1-487B-A4E5-3CB70D4EAEEB}"/>
               </a:ext>
             </a:extLst>
           </p:cNvPr>
@@ -4543,7 +4541,7 @@
           <a:p>
             <a:fld id="{96B0AB5A-E802-48CF-A5B9-FE8704AC6519}" type="datetimeFigureOut">
               <a:rPr lang="en-CA" smtClean="0"/>
-              <a:t>2017-09-19</a:t>
+              <a:t>2017-09-28</a:t>
             </a:fld>
             <a:endParaRPr lang="en-CA"/>
           </a:p>
@@ -4554,7 +4552,7 @@
           <p:cNvPr id="5" name="Footer Placeholder 4">
             <a:extLst>
               <a:ext uri="{FF2B5EF4-FFF2-40B4-BE49-F238E27FC236}">
-                <a16:creationId xmlns:a16="http://schemas.microsoft.com/office/drawing/2014/main" xmlns="" id="{50D5A8BB-D166-4343-997B-EF673CB40FAD}"/>
+                <a16:creationId xmlns="" xmlns:a16="http://schemas.microsoft.com/office/drawing/2014/main" id="{50D5A8BB-D166-4343-997B-EF673CB40FAD}"/>
               </a:ext>
             </a:extLst>
           </p:cNvPr>
@@ -4579,7 +4577,7 @@
           <p:cNvPr id="6" name="Slide Number Placeholder 5">
             <a:extLst>
               <a:ext uri="{FF2B5EF4-FFF2-40B4-BE49-F238E27FC236}">
-                <a16:creationId xmlns:a16="http://schemas.microsoft.com/office/drawing/2014/main" xmlns="" id="{6BC260DA-D757-4992-B138-BBE00B22D846}"/>
+                <a16:creationId xmlns="" xmlns:a16="http://schemas.microsoft.com/office/drawing/2014/main" id="{6BC260DA-D757-4992-B138-BBE00B22D846}"/>
               </a:ext>
             </a:extLst>
           </p:cNvPr>
@@ -4638,7 +4636,7 @@
           <p:cNvPr id="2" name="Title 1">
             <a:extLst>
               <a:ext uri="{FF2B5EF4-FFF2-40B4-BE49-F238E27FC236}">
-                <a16:creationId xmlns:a16="http://schemas.microsoft.com/office/drawing/2014/main" xmlns="" id="{68951A57-6E16-4A71-98CB-2307E282C3C2}"/>
+                <a16:creationId xmlns="" xmlns:a16="http://schemas.microsoft.com/office/drawing/2014/main" id="{68951A57-6E16-4A71-98CB-2307E282C3C2}"/>
               </a:ext>
             </a:extLst>
           </p:cNvPr>
@@ -4667,7 +4665,7 @@
           <p:cNvPr id="3" name="Vertical Text Placeholder 2">
             <a:extLst>
               <a:ext uri="{FF2B5EF4-FFF2-40B4-BE49-F238E27FC236}">
-                <a16:creationId xmlns:a16="http://schemas.microsoft.com/office/drawing/2014/main" xmlns="" id="{7F111875-20D3-450B-8A7D-100D7AD10DA2}"/>
+                <a16:creationId xmlns="" xmlns:a16="http://schemas.microsoft.com/office/drawing/2014/main" id="{7F111875-20D3-450B-8A7D-100D7AD10DA2}"/>
               </a:ext>
             </a:extLst>
           </p:cNvPr>
@@ -4725,7 +4723,7 @@
           <p:cNvPr id="4" name="Date Placeholder 3">
             <a:extLst>
               <a:ext uri="{FF2B5EF4-FFF2-40B4-BE49-F238E27FC236}">
-                <a16:creationId xmlns:a16="http://schemas.microsoft.com/office/drawing/2014/main" xmlns="" id="{98F3875F-0C83-48C3-8881-97B38467BFC0}"/>
+                <a16:creationId xmlns="" xmlns:a16="http://schemas.microsoft.com/office/drawing/2014/main" id="{98F3875F-0C83-48C3-8881-97B38467BFC0}"/>
               </a:ext>
             </a:extLst>
           </p:cNvPr>
@@ -4743,7 +4741,7 @@
           <a:p>
             <a:fld id="{96B0AB5A-E802-48CF-A5B9-FE8704AC6519}" type="datetimeFigureOut">
               <a:rPr lang="en-CA" smtClean="0"/>
-              <a:t>2017-09-19</a:t>
+              <a:t>2017-09-28</a:t>
             </a:fld>
             <a:endParaRPr lang="en-CA"/>
           </a:p>
@@ -4754,7 +4752,7 @@
           <p:cNvPr id="5" name="Footer Placeholder 4">
             <a:extLst>
               <a:ext uri="{FF2B5EF4-FFF2-40B4-BE49-F238E27FC236}">
-                <a16:creationId xmlns:a16="http://schemas.microsoft.com/office/drawing/2014/main" xmlns="" id="{F2640ABB-0B39-4E48-B67F-13EB2E5E88B0}"/>
+                <a16:creationId xmlns="" xmlns:a16="http://schemas.microsoft.com/office/drawing/2014/main" id="{F2640ABB-0B39-4E48-B67F-13EB2E5E88B0}"/>
               </a:ext>
             </a:extLst>
           </p:cNvPr>
@@ -4779,7 +4777,7 @@
           <p:cNvPr id="6" name="Slide Number Placeholder 5">
             <a:extLst>
               <a:ext uri="{FF2B5EF4-FFF2-40B4-BE49-F238E27FC236}">
-                <a16:creationId xmlns:a16="http://schemas.microsoft.com/office/drawing/2014/main" xmlns="" id="{D54C0341-9536-4979-9F6E-429B5834248C}"/>
+                <a16:creationId xmlns="" xmlns:a16="http://schemas.microsoft.com/office/drawing/2014/main" id="{D54C0341-9536-4979-9F6E-429B5834248C}"/>
               </a:ext>
             </a:extLst>
           </p:cNvPr>
@@ -4838,7 +4836,7 @@
           <p:cNvPr id="2" name="Vertical Title 1">
             <a:extLst>
               <a:ext uri="{FF2B5EF4-FFF2-40B4-BE49-F238E27FC236}">
-                <a16:creationId xmlns:a16="http://schemas.microsoft.com/office/drawing/2014/main" xmlns="" id="{20D0E6FE-C5AB-4578-BB2A-E718F0F3D4BA}"/>
+                <a16:creationId xmlns="" xmlns:a16="http://schemas.microsoft.com/office/drawing/2014/main" id="{20D0E6FE-C5AB-4578-BB2A-E718F0F3D4BA}"/>
               </a:ext>
             </a:extLst>
           </p:cNvPr>
@@ -4872,7 +4870,7 @@
           <p:cNvPr id="3" name="Vertical Text Placeholder 2">
             <a:extLst>
               <a:ext uri="{FF2B5EF4-FFF2-40B4-BE49-F238E27FC236}">
-                <a16:creationId xmlns:a16="http://schemas.microsoft.com/office/drawing/2014/main" xmlns="" id="{4D9442B6-6798-4E3F-BC43-D487421D33ED}"/>
+                <a16:creationId xmlns="" xmlns:a16="http://schemas.microsoft.com/office/drawing/2014/main" id="{4D9442B6-6798-4E3F-BC43-D487421D33ED}"/>
               </a:ext>
             </a:extLst>
           </p:cNvPr>
@@ -4935,7 +4933,7 @@
           <p:cNvPr id="4" name="Date Placeholder 3">
             <a:extLst>
               <a:ext uri="{FF2B5EF4-FFF2-40B4-BE49-F238E27FC236}">
-                <a16:creationId xmlns:a16="http://schemas.microsoft.com/office/drawing/2014/main" xmlns="" id="{D8E8FDF4-0673-47D2-AEF1-4ECE10E40BDA}"/>
+                <a16:creationId xmlns="" xmlns:a16="http://schemas.microsoft.com/office/drawing/2014/main" id="{D8E8FDF4-0673-47D2-AEF1-4ECE10E40BDA}"/>
               </a:ext>
             </a:extLst>
           </p:cNvPr>
@@ -4953,7 +4951,7 @@
           <a:p>
             <a:fld id="{96B0AB5A-E802-48CF-A5B9-FE8704AC6519}" type="datetimeFigureOut">
               <a:rPr lang="en-CA" smtClean="0"/>
-              <a:t>2017-09-19</a:t>
+              <a:t>2017-09-28</a:t>
             </a:fld>
             <a:endParaRPr lang="en-CA"/>
           </a:p>
@@ -4964,7 +4962,7 @@
           <p:cNvPr id="5" name="Footer Placeholder 4">
             <a:extLst>
               <a:ext uri="{FF2B5EF4-FFF2-40B4-BE49-F238E27FC236}">
-                <a16:creationId xmlns:a16="http://schemas.microsoft.com/office/drawing/2014/main" xmlns="" id="{E953779D-E55D-4C51-B09C-5B7930947D6C}"/>
+                <a16:creationId xmlns="" xmlns:a16="http://schemas.microsoft.com/office/drawing/2014/main" id="{E953779D-E55D-4C51-B09C-5B7930947D6C}"/>
               </a:ext>
             </a:extLst>
           </p:cNvPr>
@@ -4989,7 +4987,7 @@
           <p:cNvPr id="6" name="Slide Number Placeholder 5">
             <a:extLst>
               <a:ext uri="{FF2B5EF4-FFF2-40B4-BE49-F238E27FC236}">
-                <a16:creationId xmlns:a16="http://schemas.microsoft.com/office/drawing/2014/main" xmlns="" id="{28E9A841-3B09-42DC-8684-FE1A19B9552A}"/>
+                <a16:creationId xmlns="" xmlns:a16="http://schemas.microsoft.com/office/drawing/2014/main" id="{28E9A841-3B09-42DC-8684-FE1A19B9552A}"/>
               </a:ext>
             </a:extLst>
           </p:cNvPr>
@@ -5048,7 +5046,7 @@
           <p:cNvPr id="2" name="Title 1">
             <a:extLst>
               <a:ext uri="{FF2B5EF4-FFF2-40B4-BE49-F238E27FC236}">
-                <a16:creationId xmlns:a16="http://schemas.microsoft.com/office/drawing/2014/main" xmlns="" id="{1C2B00DB-F0DF-4138-ABCE-C402834F38C7}"/>
+                <a16:creationId xmlns="" xmlns:a16="http://schemas.microsoft.com/office/drawing/2014/main" id="{1C2B00DB-F0DF-4138-ABCE-C402834F38C7}"/>
               </a:ext>
             </a:extLst>
           </p:cNvPr>
@@ -5077,7 +5075,7 @@
           <p:cNvPr id="3" name="Content Placeholder 2">
             <a:extLst>
               <a:ext uri="{FF2B5EF4-FFF2-40B4-BE49-F238E27FC236}">
-                <a16:creationId xmlns:a16="http://schemas.microsoft.com/office/drawing/2014/main" xmlns="" id="{C393E18F-528D-46DF-8DCA-5674757975BF}"/>
+                <a16:creationId xmlns="" xmlns:a16="http://schemas.microsoft.com/office/drawing/2014/main" id="{C393E18F-528D-46DF-8DCA-5674757975BF}"/>
               </a:ext>
             </a:extLst>
           </p:cNvPr>
@@ -5135,7 +5133,7 @@
           <p:cNvPr id="4" name="Date Placeholder 3">
             <a:extLst>
               <a:ext uri="{FF2B5EF4-FFF2-40B4-BE49-F238E27FC236}">
-                <a16:creationId xmlns:a16="http://schemas.microsoft.com/office/drawing/2014/main" xmlns="" id="{AE5FACCA-E424-4C6C-B376-B62146CE191B}"/>
+                <a16:creationId xmlns="" xmlns:a16="http://schemas.microsoft.com/office/drawing/2014/main" id="{AE5FACCA-E424-4C6C-B376-B62146CE191B}"/>
               </a:ext>
             </a:extLst>
           </p:cNvPr>
@@ -5153,7 +5151,7 @@
           <a:p>
             <a:fld id="{96B0AB5A-E802-48CF-A5B9-FE8704AC6519}" type="datetimeFigureOut">
               <a:rPr lang="en-CA" smtClean="0"/>
-              <a:t>2017-09-19</a:t>
+              <a:t>2017-09-28</a:t>
             </a:fld>
             <a:endParaRPr lang="en-CA"/>
           </a:p>
@@ -5164,7 +5162,7 @@
           <p:cNvPr id="5" name="Footer Placeholder 4">
             <a:extLst>
               <a:ext uri="{FF2B5EF4-FFF2-40B4-BE49-F238E27FC236}">
-                <a16:creationId xmlns:a16="http://schemas.microsoft.com/office/drawing/2014/main" xmlns="" id="{E88A8849-1252-418B-86C9-3FB1D770E4C1}"/>
+                <a16:creationId xmlns="" xmlns:a16="http://schemas.microsoft.com/office/drawing/2014/main" id="{E88A8849-1252-418B-86C9-3FB1D770E4C1}"/>
               </a:ext>
             </a:extLst>
           </p:cNvPr>
@@ -5189,7 +5187,7 @@
           <p:cNvPr id="6" name="Slide Number Placeholder 5">
             <a:extLst>
               <a:ext uri="{FF2B5EF4-FFF2-40B4-BE49-F238E27FC236}">
-                <a16:creationId xmlns:a16="http://schemas.microsoft.com/office/drawing/2014/main" xmlns="" id="{2213DBDE-BBC2-4EE9-AA49-CBE1CA9AF8E1}"/>
+                <a16:creationId xmlns="" xmlns:a16="http://schemas.microsoft.com/office/drawing/2014/main" id="{2213DBDE-BBC2-4EE9-AA49-CBE1CA9AF8E1}"/>
               </a:ext>
             </a:extLst>
           </p:cNvPr>
@@ -5248,7 +5246,7 @@
           <p:cNvPr id="2" name="Title 1">
             <a:extLst>
               <a:ext uri="{FF2B5EF4-FFF2-40B4-BE49-F238E27FC236}">
-                <a16:creationId xmlns:a16="http://schemas.microsoft.com/office/drawing/2014/main" xmlns="" id="{32D6B6B8-2C76-441A-90C7-2648223BB744}"/>
+                <a16:creationId xmlns="" xmlns:a16="http://schemas.microsoft.com/office/drawing/2014/main" id="{32D6B6B8-2C76-441A-90C7-2648223BB744}"/>
               </a:ext>
             </a:extLst>
           </p:cNvPr>
@@ -5286,7 +5284,7 @@
           <p:cNvPr id="3" name="Text Placeholder 2">
             <a:extLst>
               <a:ext uri="{FF2B5EF4-FFF2-40B4-BE49-F238E27FC236}">
-                <a16:creationId xmlns:a16="http://schemas.microsoft.com/office/drawing/2014/main" xmlns="" id="{B4FD13C0-2671-4F5B-BC76-3285DF8F0D0A}"/>
+                <a16:creationId xmlns="" xmlns:a16="http://schemas.microsoft.com/office/drawing/2014/main" id="{B4FD13C0-2671-4F5B-BC76-3285DF8F0D0A}"/>
               </a:ext>
             </a:extLst>
           </p:cNvPr>
@@ -5411,7 +5409,7 @@
           <p:cNvPr id="4" name="Date Placeholder 3">
             <a:extLst>
               <a:ext uri="{FF2B5EF4-FFF2-40B4-BE49-F238E27FC236}">
-                <a16:creationId xmlns:a16="http://schemas.microsoft.com/office/drawing/2014/main" xmlns="" id="{15FAF587-BBF7-4795-A539-160E1CBB4D0C}"/>
+                <a16:creationId xmlns="" xmlns:a16="http://schemas.microsoft.com/office/drawing/2014/main" id="{15FAF587-BBF7-4795-A539-160E1CBB4D0C}"/>
               </a:ext>
             </a:extLst>
           </p:cNvPr>
@@ -5429,7 +5427,7 @@
           <a:p>
             <a:fld id="{96B0AB5A-E802-48CF-A5B9-FE8704AC6519}" type="datetimeFigureOut">
               <a:rPr lang="en-CA" smtClean="0"/>
-              <a:t>2017-09-19</a:t>
+              <a:t>2017-09-28</a:t>
             </a:fld>
             <a:endParaRPr lang="en-CA"/>
           </a:p>
@@ -5440,7 +5438,7 @@
           <p:cNvPr id="5" name="Footer Placeholder 4">
             <a:extLst>
               <a:ext uri="{FF2B5EF4-FFF2-40B4-BE49-F238E27FC236}">
-                <a16:creationId xmlns:a16="http://schemas.microsoft.com/office/drawing/2014/main" xmlns="" id="{A43711F6-2BA4-43F7-ADE4-F55606E83807}"/>
+                <a16:creationId xmlns="" xmlns:a16="http://schemas.microsoft.com/office/drawing/2014/main" id="{A43711F6-2BA4-43F7-ADE4-F55606E83807}"/>
               </a:ext>
             </a:extLst>
           </p:cNvPr>
@@ -5465,7 +5463,7 @@
           <p:cNvPr id="6" name="Slide Number Placeholder 5">
             <a:extLst>
               <a:ext uri="{FF2B5EF4-FFF2-40B4-BE49-F238E27FC236}">
-                <a16:creationId xmlns:a16="http://schemas.microsoft.com/office/drawing/2014/main" xmlns="" id="{A0814A98-C0EE-4830-9E95-AB51A3D46328}"/>
+                <a16:creationId xmlns="" xmlns:a16="http://schemas.microsoft.com/office/drawing/2014/main" id="{A0814A98-C0EE-4830-9E95-AB51A3D46328}"/>
               </a:ext>
             </a:extLst>
           </p:cNvPr>
@@ -5524,7 +5522,7 @@
           <p:cNvPr id="2" name="Title 1">
             <a:extLst>
               <a:ext uri="{FF2B5EF4-FFF2-40B4-BE49-F238E27FC236}">
-                <a16:creationId xmlns:a16="http://schemas.microsoft.com/office/drawing/2014/main" xmlns="" id="{0F190E3E-504C-44BD-9375-90382E6A4B2D}"/>
+                <a16:creationId xmlns="" xmlns:a16="http://schemas.microsoft.com/office/drawing/2014/main" id="{0F190E3E-504C-44BD-9375-90382E6A4B2D}"/>
               </a:ext>
             </a:extLst>
           </p:cNvPr>
@@ -5553,7 +5551,7 @@
           <p:cNvPr id="3" name="Content Placeholder 2">
             <a:extLst>
               <a:ext uri="{FF2B5EF4-FFF2-40B4-BE49-F238E27FC236}">
-                <a16:creationId xmlns:a16="http://schemas.microsoft.com/office/drawing/2014/main" xmlns="" id="{F6CAE47C-1CB8-4A76-9E77-960D3E128C25}"/>
+                <a16:creationId xmlns="" xmlns:a16="http://schemas.microsoft.com/office/drawing/2014/main" id="{F6CAE47C-1CB8-4A76-9E77-960D3E128C25}"/>
               </a:ext>
             </a:extLst>
           </p:cNvPr>
@@ -5616,7 +5614,7 @@
           <p:cNvPr id="4" name="Content Placeholder 3">
             <a:extLst>
               <a:ext uri="{FF2B5EF4-FFF2-40B4-BE49-F238E27FC236}">
-                <a16:creationId xmlns:a16="http://schemas.microsoft.com/office/drawing/2014/main" xmlns="" id="{7020F4A4-A6BF-47E5-92FC-8201B6593F83}"/>
+                <a16:creationId xmlns="" xmlns:a16="http://schemas.microsoft.com/office/drawing/2014/main" id="{7020F4A4-A6BF-47E5-92FC-8201B6593F83}"/>
               </a:ext>
             </a:extLst>
           </p:cNvPr>
@@ -5679,7 +5677,7 @@
           <p:cNvPr id="5" name="Date Placeholder 4">
             <a:extLst>
               <a:ext uri="{FF2B5EF4-FFF2-40B4-BE49-F238E27FC236}">
-                <a16:creationId xmlns:a16="http://schemas.microsoft.com/office/drawing/2014/main" xmlns="" id="{1AA361B5-9AA3-4229-8D44-CEB57C12ED73}"/>
+                <a16:creationId xmlns="" xmlns:a16="http://schemas.microsoft.com/office/drawing/2014/main" id="{1AA361B5-9AA3-4229-8D44-CEB57C12ED73}"/>
               </a:ext>
             </a:extLst>
           </p:cNvPr>
@@ -5697,7 +5695,7 @@
           <a:p>
             <a:fld id="{96B0AB5A-E802-48CF-A5B9-FE8704AC6519}" type="datetimeFigureOut">
               <a:rPr lang="en-CA" smtClean="0"/>
-              <a:t>2017-09-19</a:t>
+              <a:t>2017-09-28</a:t>
             </a:fld>
             <a:endParaRPr lang="en-CA"/>
           </a:p>
@@ -5708,7 +5706,7 @@
           <p:cNvPr id="6" name="Footer Placeholder 5">
             <a:extLst>
               <a:ext uri="{FF2B5EF4-FFF2-40B4-BE49-F238E27FC236}">
-                <a16:creationId xmlns:a16="http://schemas.microsoft.com/office/drawing/2014/main" xmlns="" id="{8AAA7D8C-2AFC-4C12-92A2-9D98EF3FC76A}"/>
+                <a16:creationId xmlns="" xmlns:a16="http://schemas.microsoft.com/office/drawing/2014/main" id="{8AAA7D8C-2AFC-4C12-92A2-9D98EF3FC76A}"/>
               </a:ext>
             </a:extLst>
           </p:cNvPr>
@@ -5733,7 +5731,7 @@
           <p:cNvPr id="7" name="Slide Number Placeholder 6">
             <a:extLst>
               <a:ext uri="{FF2B5EF4-FFF2-40B4-BE49-F238E27FC236}">
-                <a16:creationId xmlns:a16="http://schemas.microsoft.com/office/drawing/2014/main" xmlns="" id="{33FD714B-B89C-43C1-A417-A6A05C50FDD6}"/>
+                <a16:creationId xmlns="" xmlns:a16="http://schemas.microsoft.com/office/drawing/2014/main" id="{33FD714B-B89C-43C1-A417-A6A05C50FDD6}"/>
               </a:ext>
             </a:extLst>
           </p:cNvPr>
@@ -5792,7 +5790,7 @@
           <p:cNvPr id="2" name="Title 1">
             <a:extLst>
               <a:ext uri="{FF2B5EF4-FFF2-40B4-BE49-F238E27FC236}">
-                <a16:creationId xmlns:a16="http://schemas.microsoft.com/office/drawing/2014/main" xmlns="" id="{B0D13C32-3583-406D-BB55-24C24E430751}"/>
+                <a16:creationId xmlns="" xmlns:a16="http://schemas.microsoft.com/office/drawing/2014/main" id="{B0D13C32-3583-406D-BB55-24C24E430751}"/>
               </a:ext>
             </a:extLst>
           </p:cNvPr>
@@ -5826,7 +5824,7 @@
           <p:cNvPr id="3" name="Text Placeholder 2">
             <a:extLst>
               <a:ext uri="{FF2B5EF4-FFF2-40B4-BE49-F238E27FC236}">
-                <a16:creationId xmlns:a16="http://schemas.microsoft.com/office/drawing/2014/main" xmlns="" id="{B918888A-2B6D-46A5-AE6E-A1FF449737AB}"/>
+                <a16:creationId xmlns="" xmlns:a16="http://schemas.microsoft.com/office/drawing/2014/main" id="{B918888A-2B6D-46A5-AE6E-A1FF449737AB}"/>
               </a:ext>
             </a:extLst>
           </p:cNvPr>
@@ -5897,7 +5895,7 @@
           <p:cNvPr id="4" name="Content Placeholder 3">
             <a:extLst>
               <a:ext uri="{FF2B5EF4-FFF2-40B4-BE49-F238E27FC236}">
-                <a16:creationId xmlns:a16="http://schemas.microsoft.com/office/drawing/2014/main" xmlns="" id="{8376B253-61D6-4CF9-B63B-20481633C4B7}"/>
+                <a16:creationId xmlns="" xmlns:a16="http://schemas.microsoft.com/office/drawing/2014/main" id="{8376B253-61D6-4CF9-B63B-20481633C4B7}"/>
               </a:ext>
             </a:extLst>
           </p:cNvPr>
@@ -5960,7 +5958,7 @@
           <p:cNvPr id="5" name="Text Placeholder 4">
             <a:extLst>
               <a:ext uri="{FF2B5EF4-FFF2-40B4-BE49-F238E27FC236}">
-                <a16:creationId xmlns:a16="http://schemas.microsoft.com/office/drawing/2014/main" xmlns="" id="{382753D1-7E4F-4976-AE02-B8CA399556CE}"/>
+                <a16:creationId xmlns="" xmlns:a16="http://schemas.microsoft.com/office/drawing/2014/main" id="{382753D1-7E4F-4976-AE02-B8CA399556CE}"/>
               </a:ext>
             </a:extLst>
           </p:cNvPr>
@@ -6031,7 +6029,7 @@
           <p:cNvPr id="6" name="Content Placeholder 5">
             <a:extLst>
               <a:ext uri="{FF2B5EF4-FFF2-40B4-BE49-F238E27FC236}">
-                <a16:creationId xmlns:a16="http://schemas.microsoft.com/office/drawing/2014/main" xmlns="" id="{4C468A93-F5B5-49E9-B836-9872129CC484}"/>
+                <a16:creationId xmlns="" xmlns:a16="http://schemas.microsoft.com/office/drawing/2014/main" id="{4C468A93-F5B5-49E9-B836-9872129CC484}"/>
               </a:ext>
             </a:extLst>
           </p:cNvPr>
@@ -6094,7 +6092,7 @@
           <p:cNvPr id="7" name="Date Placeholder 6">
             <a:extLst>
               <a:ext uri="{FF2B5EF4-FFF2-40B4-BE49-F238E27FC236}">
-                <a16:creationId xmlns:a16="http://schemas.microsoft.com/office/drawing/2014/main" xmlns="" id="{695DD8CB-5889-49EA-9BAD-528818612ABE}"/>
+                <a16:creationId xmlns="" xmlns:a16="http://schemas.microsoft.com/office/drawing/2014/main" id="{695DD8CB-5889-49EA-9BAD-528818612ABE}"/>
               </a:ext>
             </a:extLst>
           </p:cNvPr>
@@ -6112,7 +6110,7 @@
           <a:p>
             <a:fld id="{96B0AB5A-E802-48CF-A5B9-FE8704AC6519}" type="datetimeFigureOut">
               <a:rPr lang="en-CA" smtClean="0"/>
-              <a:t>2017-09-19</a:t>
+              <a:t>2017-09-28</a:t>
             </a:fld>
             <a:endParaRPr lang="en-CA"/>
           </a:p>
@@ -6123,7 +6121,7 @@
           <p:cNvPr id="8" name="Footer Placeholder 7">
             <a:extLst>
               <a:ext uri="{FF2B5EF4-FFF2-40B4-BE49-F238E27FC236}">
-                <a16:creationId xmlns:a16="http://schemas.microsoft.com/office/drawing/2014/main" xmlns="" id="{8501B846-1316-4807-8A54-DA3AC47AD72F}"/>
+                <a16:creationId xmlns="" xmlns:a16="http://schemas.microsoft.com/office/drawing/2014/main" id="{8501B846-1316-4807-8A54-DA3AC47AD72F}"/>
               </a:ext>
             </a:extLst>
           </p:cNvPr>
@@ -6148,7 +6146,7 @@
           <p:cNvPr id="9" name="Slide Number Placeholder 8">
             <a:extLst>
               <a:ext uri="{FF2B5EF4-FFF2-40B4-BE49-F238E27FC236}">
-                <a16:creationId xmlns:a16="http://schemas.microsoft.com/office/drawing/2014/main" xmlns="" id="{689B354F-D580-4F3A-AB73-5BC965F2B569}"/>
+                <a16:creationId xmlns="" xmlns:a16="http://schemas.microsoft.com/office/drawing/2014/main" id="{689B354F-D580-4F3A-AB73-5BC965F2B569}"/>
               </a:ext>
             </a:extLst>
           </p:cNvPr>
@@ -6207,7 +6205,7 @@
           <p:cNvPr id="2" name="Title 1">
             <a:extLst>
               <a:ext uri="{FF2B5EF4-FFF2-40B4-BE49-F238E27FC236}">
-                <a16:creationId xmlns:a16="http://schemas.microsoft.com/office/drawing/2014/main" xmlns="" id="{79DDE365-D52A-428F-AB9F-8CF9AC3D43A2}"/>
+                <a16:creationId xmlns="" xmlns:a16="http://schemas.microsoft.com/office/drawing/2014/main" id="{79DDE365-D52A-428F-AB9F-8CF9AC3D43A2}"/>
               </a:ext>
             </a:extLst>
           </p:cNvPr>
@@ -6236,7 +6234,7 @@
           <p:cNvPr id="3" name="Date Placeholder 2">
             <a:extLst>
               <a:ext uri="{FF2B5EF4-FFF2-40B4-BE49-F238E27FC236}">
-                <a16:creationId xmlns:a16="http://schemas.microsoft.com/office/drawing/2014/main" xmlns="" id="{1B902405-9BC8-4DCF-89BD-1C3021158836}"/>
+                <a16:creationId xmlns="" xmlns:a16="http://schemas.microsoft.com/office/drawing/2014/main" id="{1B902405-9BC8-4DCF-89BD-1C3021158836}"/>
               </a:ext>
             </a:extLst>
           </p:cNvPr>
@@ -6254,7 +6252,7 @@
           <a:p>
             <a:fld id="{96B0AB5A-E802-48CF-A5B9-FE8704AC6519}" type="datetimeFigureOut">
               <a:rPr lang="en-CA" smtClean="0"/>
-              <a:t>2017-09-19</a:t>
+              <a:t>2017-09-28</a:t>
             </a:fld>
             <a:endParaRPr lang="en-CA"/>
           </a:p>
@@ -6265,7 +6263,7 @@
           <p:cNvPr id="4" name="Footer Placeholder 3">
             <a:extLst>
               <a:ext uri="{FF2B5EF4-FFF2-40B4-BE49-F238E27FC236}">
-                <a16:creationId xmlns:a16="http://schemas.microsoft.com/office/drawing/2014/main" xmlns="" id="{5741E3B3-AB1D-4FEA-A844-6DD4E7C45709}"/>
+                <a16:creationId xmlns="" xmlns:a16="http://schemas.microsoft.com/office/drawing/2014/main" id="{5741E3B3-AB1D-4FEA-A844-6DD4E7C45709}"/>
               </a:ext>
             </a:extLst>
           </p:cNvPr>
@@ -6290,7 +6288,7 @@
           <p:cNvPr id="5" name="Slide Number Placeholder 4">
             <a:extLst>
               <a:ext uri="{FF2B5EF4-FFF2-40B4-BE49-F238E27FC236}">
-                <a16:creationId xmlns:a16="http://schemas.microsoft.com/office/drawing/2014/main" xmlns="" id="{449737C3-89A9-4077-A0AE-16155EBF7C96}"/>
+                <a16:creationId xmlns="" xmlns:a16="http://schemas.microsoft.com/office/drawing/2014/main" id="{449737C3-89A9-4077-A0AE-16155EBF7C96}"/>
               </a:ext>
             </a:extLst>
           </p:cNvPr>
@@ -6349,7 +6347,7 @@
           <p:cNvPr id="2" name="Date Placeholder 1">
             <a:extLst>
               <a:ext uri="{FF2B5EF4-FFF2-40B4-BE49-F238E27FC236}">
-                <a16:creationId xmlns:a16="http://schemas.microsoft.com/office/drawing/2014/main" xmlns="" id="{67E2FC56-905E-4427-BB9F-0599D987CF0A}"/>
+                <a16:creationId xmlns="" xmlns:a16="http://schemas.microsoft.com/office/drawing/2014/main" id="{67E2FC56-905E-4427-BB9F-0599D987CF0A}"/>
               </a:ext>
             </a:extLst>
           </p:cNvPr>
@@ -6367,7 +6365,7 @@
           <a:p>
             <a:fld id="{96B0AB5A-E802-48CF-A5B9-FE8704AC6519}" type="datetimeFigureOut">
               <a:rPr lang="en-CA" smtClean="0"/>
-              <a:t>2017-09-19</a:t>
+              <a:t>2017-09-28</a:t>
             </a:fld>
             <a:endParaRPr lang="en-CA"/>
           </a:p>
@@ -6378,7 +6376,7 @@
           <p:cNvPr id="3" name="Footer Placeholder 2">
             <a:extLst>
               <a:ext uri="{FF2B5EF4-FFF2-40B4-BE49-F238E27FC236}">
-                <a16:creationId xmlns:a16="http://schemas.microsoft.com/office/drawing/2014/main" xmlns="" id="{487C4D51-B9C6-4DF9-B99D-02567E8C682D}"/>
+                <a16:creationId xmlns="" xmlns:a16="http://schemas.microsoft.com/office/drawing/2014/main" id="{487C4D51-B9C6-4DF9-B99D-02567E8C682D}"/>
               </a:ext>
             </a:extLst>
           </p:cNvPr>
@@ -6403,7 +6401,7 @@
           <p:cNvPr id="4" name="Slide Number Placeholder 3">
             <a:extLst>
               <a:ext uri="{FF2B5EF4-FFF2-40B4-BE49-F238E27FC236}">
-                <a16:creationId xmlns:a16="http://schemas.microsoft.com/office/drawing/2014/main" xmlns="" id="{0190AAD4-0860-4BD5-8057-18876B454949}"/>
+                <a16:creationId xmlns="" xmlns:a16="http://schemas.microsoft.com/office/drawing/2014/main" id="{0190AAD4-0860-4BD5-8057-18876B454949}"/>
               </a:ext>
             </a:extLst>
           </p:cNvPr>
@@ -6462,7 +6460,7 @@
           <p:cNvPr id="2" name="Title 1">
             <a:extLst>
               <a:ext uri="{FF2B5EF4-FFF2-40B4-BE49-F238E27FC236}">
-                <a16:creationId xmlns:a16="http://schemas.microsoft.com/office/drawing/2014/main" xmlns="" id="{38D0AC77-2DD6-4F80-AED8-5F2DEAFE47A5}"/>
+                <a16:creationId xmlns="" xmlns:a16="http://schemas.microsoft.com/office/drawing/2014/main" id="{38D0AC77-2DD6-4F80-AED8-5F2DEAFE47A5}"/>
               </a:ext>
             </a:extLst>
           </p:cNvPr>
@@ -6500,7 +6498,7 @@
           <p:cNvPr id="3" name="Content Placeholder 2">
             <a:extLst>
               <a:ext uri="{FF2B5EF4-FFF2-40B4-BE49-F238E27FC236}">
-                <a16:creationId xmlns:a16="http://schemas.microsoft.com/office/drawing/2014/main" xmlns="" id="{8A50F9F6-EF62-405A-BD73-A4D257EA25C1}"/>
+                <a16:creationId xmlns="" xmlns:a16="http://schemas.microsoft.com/office/drawing/2014/main" id="{8A50F9F6-EF62-405A-BD73-A4D257EA25C1}"/>
               </a:ext>
             </a:extLst>
           </p:cNvPr>
@@ -6591,7 +6589,7 @@
           <p:cNvPr id="4" name="Text Placeholder 3">
             <a:extLst>
               <a:ext uri="{FF2B5EF4-FFF2-40B4-BE49-F238E27FC236}">
-                <a16:creationId xmlns:a16="http://schemas.microsoft.com/office/drawing/2014/main" xmlns="" id="{C2D29C1A-CCB3-4892-8341-4E47EA725C2E}"/>
+                <a16:creationId xmlns="" xmlns:a16="http://schemas.microsoft.com/office/drawing/2014/main" id="{C2D29C1A-CCB3-4892-8341-4E47EA725C2E}"/>
               </a:ext>
             </a:extLst>
           </p:cNvPr>
@@ -6662,7 +6660,7 @@
           <p:cNvPr id="5" name="Date Placeholder 4">
             <a:extLst>
               <a:ext uri="{FF2B5EF4-FFF2-40B4-BE49-F238E27FC236}">
-                <a16:creationId xmlns:a16="http://schemas.microsoft.com/office/drawing/2014/main" xmlns="" id="{4A49B093-3DB2-42E5-90E6-7961FD1DEF69}"/>
+                <a16:creationId xmlns="" xmlns:a16="http://schemas.microsoft.com/office/drawing/2014/main" id="{4A49B093-3DB2-42E5-90E6-7961FD1DEF69}"/>
               </a:ext>
             </a:extLst>
           </p:cNvPr>
@@ -6680,7 +6678,7 @@
           <a:p>
             <a:fld id="{96B0AB5A-E802-48CF-A5B9-FE8704AC6519}" type="datetimeFigureOut">
               <a:rPr lang="en-CA" smtClean="0"/>
-              <a:t>2017-09-19</a:t>
+              <a:t>2017-09-28</a:t>
             </a:fld>
             <a:endParaRPr lang="en-CA"/>
           </a:p>
@@ -6691,7 +6689,7 @@
           <p:cNvPr id="6" name="Footer Placeholder 5">
             <a:extLst>
               <a:ext uri="{FF2B5EF4-FFF2-40B4-BE49-F238E27FC236}">
-                <a16:creationId xmlns:a16="http://schemas.microsoft.com/office/drawing/2014/main" xmlns="" id="{DF18E932-8D4E-4B86-ADE7-DAF5963F6D69}"/>
+                <a16:creationId xmlns="" xmlns:a16="http://schemas.microsoft.com/office/drawing/2014/main" id="{DF18E932-8D4E-4B86-ADE7-DAF5963F6D69}"/>
               </a:ext>
             </a:extLst>
           </p:cNvPr>
@@ -6716,7 +6714,7 @@
           <p:cNvPr id="7" name="Slide Number Placeholder 6">
             <a:extLst>
               <a:ext uri="{FF2B5EF4-FFF2-40B4-BE49-F238E27FC236}">
-                <a16:creationId xmlns:a16="http://schemas.microsoft.com/office/drawing/2014/main" xmlns="" id="{2A6BCD62-2E53-46BB-8674-8A6BC93614B3}"/>
+                <a16:creationId xmlns="" xmlns:a16="http://schemas.microsoft.com/office/drawing/2014/main" id="{2A6BCD62-2E53-46BB-8674-8A6BC93614B3}"/>
               </a:ext>
             </a:extLst>
           </p:cNvPr>
@@ -6775,7 +6773,7 @@
           <p:cNvPr id="2" name="Title 1">
             <a:extLst>
               <a:ext uri="{FF2B5EF4-FFF2-40B4-BE49-F238E27FC236}">
-                <a16:creationId xmlns:a16="http://schemas.microsoft.com/office/drawing/2014/main" xmlns="" id="{BE66942B-4AEE-47BA-A130-8FE3D07A2517}"/>
+                <a16:creationId xmlns="" xmlns:a16="http://schemas.microsoft.com/office/drawing/2014/main" id="{BE66942B-4AEE-47BA-A130-8FE3D07A2517}"/>
               </a:ext>
             </a:extLst>
           </p:cNvPr>
@@ -6813,7 +6811,7 @@
           <p:cNvPr id="3" name="Picture Placeholder 2">
             <a:extLst>
               <a:ext uri="{FF2B5EF4-FFF2-40B4-BE49-F238E27FC236}">
-                <a16:creationId xmlns:a16="http://schemas.microsoft.com/office/drawing/2014/main" xmlns="" id="{A24C110B-5666-4CAC-9935-17BA900407EB}"/>
+                <a16:creationId xmlns="" xmlns:a16="http://schemas.microsoft.com/office/drawing/2014/main" id="{A24C110B-5666-4CAC-9935-17BA900407EB}"/>
               </a:ext>
             </a:extLst>
           </p:cNvPr>
@@ -6880,7 +6878,7 @@
           <p:cNvPr id="4" name="Text Placeholder 3">
             <a:extLst>
               <a:ext uri="{FF2B5EF4-FFF2-40B4-BE49-F238E27FC236}">
-                <a16:creationId xmlns:a16="http://schemas.microsoft.com/office/drawing/2014/main" xmlns="" id="{1A5EEBFA-7C3F-40BC-A736-89E2871AB916}"/>
+                <a16:creationId xmlns="" xmlns:a16="http://schemas.microsoft.com/office/drawing/2014/main" id="{1A5EEBFA-7C3F-40BC-A736-89E2871AB916}"/>
               </a:ext>
             </a:extLst>
           </p:cNvPr>
@@ -6951,7 +6949,7 @@
           <p:cNvPr id="5" name="Date Placeholder 4">
             <a:extLst>
               <a:ext uri="{FF2B5EF4-FFF2-40B4-BE49-F238E27FC236}">
-                <a16:creationId xmlns:a16="http://schemas.microsoft.com/office/drawing/2014/main" xmlns="" id="{0F9791BC-52F7-4098-BD77-EB52CAD311D7}"/>
+                <a16:creationId xmlns="" xmlns:a16="http://schemas.microsoft.com/office/drawing/2014/main" id="{0F9791BC-52F7-4098-BD77-EB52CAD311D7}"/>
               </a:ext>
             </a:extLst>
           </p:cNvPr>
@@ -6969,7 +6967,7 @@
           <a:p>
             <a:fld id="{96B0AB5A-E802-48CF-A5B9-FE8704AC6519}" type="datetimeFigureOut">
               <a:rPr lang="en-CA" smtClean="0"/>
-              <a:t>2017-09-19</a:t>
+              <a:t>2017-09-28</a:t>
             </a:fld>
             <a:endParaRPr lang="en-CA"/>
           </a:p>
@@ -6980,7 +6978,7 @@
           <p:cNvPr id="6" name="Footer Placeholder 5">
             <a:extLst>
               <a:ext uri="{FF2B5EF4-FFF2-40B4-BE49-F238E27FC236}">
-                <a16:creationId xmlns:a16="http://schemas.microsoft.com/office/drawing/2014/main" xmlns="" id="{E2F409E7-1C98-4E39-B7A6-5F89DA98469F}"/>
+                <a16:creationId xmlns="" xmlns:a16="http://schemas.microsoft.com/office/drawing/2014/main" id="{E2F409E7-1C98-4E39-B7A6-5F89DA98469F}"/>
               </a:ext>
             </a:extLst>
           </p:cNvPr>
@@ -7005,7 +7003,7 @@
           <p:cNvPr id="7" name="Slide Number Placeholder 6">
             <a:extLst>
               <a:ext uri="{FF2B5EF4-FFF2-40B4-BE49-F238E27FC236}">
-                <a16:creationId xmlns:a16="http://schemas.microsoft.com/office/drawing/2014/main" xmlns="" id="{BDC7D36C-18CF-4995-B3BF-440113BC7738}"/>
+                <a16:creationId xmlns="" xmlns:a16="http://schemas.microsoft.com/office/drawing/2014/main" id="{BDC7D36C-18CF-4995-B3BF-440113BC7738}"/>
               </a:ext>
             </a:extLst>
           </p:cNvPr>
@@ -7069,7 +7067,7 @@
           <p:cNvPr id="2" name="Title Placeholder 1">
             <a:extLst>
               <a:ext uri="{FF2B5EF4-FFF2-40B4-BE49-F238E27FC236}">
-                <a16:creationId xmlns:a16="http://schemas.microsoft.com/office/drawing/2014/main" xmlns="" id="{E5B4AD75-DD9C-4FBC-861B-1923DAD4C653}"/>
+                <a16:creationId xmlns="" xmlns:a16="http://schemas.microsoft.com/office/drawing/2014/main" id="{E5B4AD75-DD9C-4FBC-861B-1923DAD4C653}"/>
               </a:ext>
             </a:extLst>
           </p:cNvPr>
@@ -7108,7 +7106,7 @@
           <p:cNvPr id="3" name="Text Placeholder 2">
             <a:extLst>
               <a:ext uri="{FF2B5EF4-FFF2-40B4-BE49-F238E27FC236}">
-                <a16:creationId xmlns:a16="http://schemas.microsoft.com/office/drawing/2014/main" xmlns="" id="{4D568E8A-8FC5-429A-BBC2-86B33A87A88A}"/>
+                <a16:creationId xmlns="" xmlns:a16="http://schemas.microsoft.com/office/drawing/2014/main" id="{4D568E8A-8FC5-429A-BBC2-86B33A87A88A}"/>
               </a:ext>
             </a:extLst>
           </p:cNvPr>
@@ -7176,7 +7174,7 @@
           <p:cNvPr id="4" name="Date Placeholder 3">
             <a:extLst>
               <a:ext uri="{FF2B5EF4-FFF2-40B4-BE49-F238E27FC236}">
-                <a16:creationId xmlns:a16="http://schemas.microsoft.com/office/drawing/2014/main" xmlns="" id="{29A9B9B8-7E0D-4EC3-A0F8-0CFBC57A3D7E}"/>
+                <a16:creationId xmlns="" xmlns:a16="http://schemas.microsoft.com/office/drawing/2014/main" id="{29A9B9B8-7E0D-4EC3-A0F8-0CFBC57A3D7E}"/>
               </a:ext>
             </a:extLst>
           </p:cNvPr>
@@ -7212,7 +7210,7 @@
           <a:p>
             <a:fld id="{96B0AB5A-E802-48CF-A5B9-FE8704AC6519}" type="datetimeFigureOut">
               <a:rPr lang="en-CA" smtClean="0"/>
-              <a:t>2017-09-19</a:t>
+              <a:t>2017-09-28</a:t>
             </a:fld>
             <a:endParaRPr lang="en-CA"/>
           </a:p>
@@ -7223,7 +7221,7 @@
           <p:cNvPr id="5" name="Footer Placeholder 4">
             <a:extLst>
               <a:ext uri="{FF2B5EF4-FFF2-40B4-BE49-F238E27FC236}">
-                <a16:creationId xmlns:a16="http://schemas.microsoft.com/office/drawing/2014/main" xmlns="" id="{5701BCBF-10E5-4F5A-AFDC-06F55B5CAA8F}"/>
+                <a16:creationId xmlns="" xmlns:a16="http://schemas.microsoft.com/office/drawing/2014/main" id="{5701BCBF-10E5-4F5A-AFDC-06F55B5CAA8F}"/>
               </a:ext>
             </a:extLst>
           </p:cNvPr>
@@ -7266,7 +7264,7 @@
           <p:cNvPr id="6" name="Slide Number Placeholder 5">
             <a:extLst>
               <a:ext uri="{FF2B5EF4-FFF2-40B4-BE49-F238E27FC236}">
-                <a16:creationId xmlns:a16="http://schemas.microsoft.com/office/drawing/2014/main" xmlns="" id="{68C4BCD5-C523-4222-8576-785E1DE19235}"/>
+                <a16:creationId xmlns="" xmlns:a16="http://schemas.microsoft.com/office/drawing/2014/main" id="{68C4BCD5-C523-4222-8576-785E1DE19235}"/>
               </a:ext>
             </a:extLst>
           </p:cNvPr>
@@ -7634,7 +7632,7 @@
           <p:cNvPr id="2" name="Title 1">
             <a:extLst>
               <a:ext uri="{FF2B5EF4-FFF2-40B4-BE49-F238E27FC236}">
-                <a16:creationId xmlns:a16="http://schemas.microsoft.com/office/drawing/2014/main" xmlns="" id="{FA47EB2B-4331-4E3D-9575-372974FA84E1}"/>
+                <a16:creationId xmlns="" xmlns:a16="http://schemas.microsoft.com/office/drawing/2014/main" id="{FA47EB2B-4331-4E3D-9575-372974FA84E1}"/>
               </a:ext>
             </a:extLst>
           </p:cNvPr>
@@ -7659,7 +7657,7 @@
           <p:cNvPr id="3" name="Subtitle 2">
             <a:extLst>
               <a:ext uri="{FF2B5EF4-FFF2-40B4-BE49-F238E27FC236}">
-                <a16:creationId xmlns:a16="http://schemas.microsoft.com/office/drawing/2014/main" xmlns="" id="{A4D09F98-919E-4EAE-8FE4-8DF28106A8A4}"/>
+                <a16:creationId xmlns="" xmlns:a16="http://schemas.microsoft.com/office/drawing/2014/main" id="{A4D09F98-919E-4EAE-8FE4-8DF28106A8A4}"/>
               </a:ext>
             </a:extLst>
           </p:cNvPr>
@@ -7714,7 +7712,7 @@
           <p:cNvPr id="2" name="Title 1">
             <a:extLst>
               <a:ext uri="{FF2B5EF4-FFF2-40B4-BE49-F238E27FC236}">
-                <a16:creationId xmlns:a16="http://schemas.microsoft.com/office/drawing/2014/main" xmlns="" id="{C0DC2B9B-FCB5-4621-ABB4-77B660602A25}"/>
+                <a16:creationId xmlns="" xmlns:a16="http://schemas.microsoft.com/office/drawing/2014/main" id="{C0DC2B9B-FCB5-4621-ABB4-77B660602A25}"/>
               </a:ext>
             </a:extLst>
           </p:cNvPr>
@@ -7742,7 +7740,7 @@
           <p:cNvPr id="4" name="Content Placeholder 3" descr="C:\Users\ke\Desktop\Figure_1.png">
             <a:extLst>
               <a:ext uri="{FF2B5EF4-FFF2-40B4-BE49-F238E27FC236}">
-                <a16:creationId xmlns:a16="http://schemas.microsoft.com/office/drawing/2014/main" xmlns="" id="{4D21BC85-7DF2-4CAA-BD03-EE4871E463F2}"/>
+                <a16:creationId xmlns="" xmlns:a16="http://schemas.microsoft.com/office/drawing/2014/main" id="{4D21BC85-7DF2-4CAA-BD03-EE4871E463F2}"/>
               </a:ext>
             </a:extLst>
           </p:cNvPr>
@@ -7785,7 +7783,7 @@
           <p:cNvPr id="6" name="TextBox 5">
             <a:extLst>
               <a:ext uri="{FF2B5EF4-FFF2-40B4-BE49-F238E27FC236}">
-                <a16:creationId xmlns:a16="http://schemas.microsoft.com/office/drawing/2014/main" xmlns="" id="{FF07B87F-C8DD-4F75-AF75-8EE671EF4690}"/>
+                <a16:creationId xmlns="" xmlns:a16="http://schemas.microsoft.com/office/drawing/2014/main" id="{FF07B87F-C8DD-4F75-AF75-8EE671EF4690}"/>
               </a:ext>
             </a:extLst>
           </p:cNvPr>
@@ -7844,7 +7842,7 @@
           <p:cNvPr id="5" name="Table 4">
             <a:extLst>
               <a:ext uri="{FF2B5EF4-FFF2-40B4-BE49-F238E27FC236}">
-                <a16:creationId xmlns:a16="http://schemas.microsoft.com/office/drawing/2014/main" xmlns="" id="{7229B7B9-B18A-4703-9B4E-3C8CBCE0D5D8}"/>
+                <a16:creationId xmlns="" xmlns:a16="http://schemas.microsoft.com/office/drawing/2014/main" id="{7229B7B9-B18A-4703-9B4E-3C8CBCE0D5D8}"/>
               </a:ext>
             </a:extLst>
           </p:cNvPr>
@@ -7873,21 +7871,21 @@
                 <a:gridCol w="983916">
                   <a:extLst>
                     <a:ext uri="{9D8B030D-6E8A-4147-A177-3AD203B41FA5}">
-                      <a16:colId xmlns:a16="http://schemas.microsoft.com/office/drawing/2014/main" xmlns="" val="3735259432"/>
+                      <a16:colId xmlns="" xmlns:a16="http://schemas.microsoft.com/office/drawing/2014/main" val="3735259432"/>
                     </a:ext>
                   </a:extLst>
                 </a:gridCol>
                 <a:gridCol w="983916">
                   <a:extLst>
                     <a:ext uri="{9D8B030D-6E8A-4147-A177-3AD203B41FA5}">
-                      <a16:colId xmlns:a16="http://schemas.microsoft.com/office/drawing/2014/main" xmlns="" val="1134382208"/>
+                      <a16:colId xmlns="" xmlns:a16="http://schemas.microsoft.com/office/drawing/2014/main" val="1134382208"/>
                     </a:ext>
                   </a:extLst>
                 </a:gridCol>
                 <a:gridCol w="983916">
                   <a:extLst>
                     <a:ext uri="{9D8B030D-6E8A-4147-A177-3AD203B41FA5}">
-                      <a16:colId xmlns:a16="http://schemas.microsoft.com/office/drawing/2014/main" xmlns="" val="1257578719"/>
+                      <a16:colId xmlns="" xmlns:a16="http://schemas.microsoft.com/office/drawing/2014/main" val="1257578719"/>
                     </a:ext>
                   </a:extLst>
                 </a:gridCol>
@@ -7964,7 +7962,7 @@
                 </a:tc>
                 <a:extLst>
                   <a:ext uri="{0D108BD9-81ED-4DB2-BD59-A6C34878D82A}">
-                    <a16:rowId xmlns:a16="http://schemas.microsoft.com/office/drawing/2014/main" xmlns="" val="1625375486"/>
+                    <a16:rowId xmlns="" xmlns:a16="http://schemas.microsoft.com/office/drawing/2014/main" val="1625375486"/>
                   </a:ext>
                 </a:extLst>
               </a:tr>
@@ -8040,7 +8038,7 @@
                 </a:tc>
                 <a:extLst>
                   <a:ext uri="{0D108BD9-81ED-4DB2-BD59-A6C34878D82A}">
-                    <a16:rowId xmlns:a16="http://schemas.microsoft.com/office/drawing/2014/main" xmlns="" val="1346036712"/>
+                    <a16:rowId xmlns="" xmlns:a16="http://schemas.microsoft.com/office/drawing/2014/main" val="1346036712"/>
                   </a:ext>
                 </a:extLst>
               </a:tr>
@@ -8116,7 +8114,7 @@
                 </a:tc>
                 <a:extLst>
                   <a:ext uri="{0D108BD9-81ED-4DB2-BD59-A6C34878D82A}">
-                    <a16:rowId xmlns:a16="http://schemas.microsoft.com/office/drawing/2014/main" xmlns="" val="2275640152"/>
+                    <a16:rowId xmlns="" xmlns:a16="http://schemas.microsoft.com/office/drawing/2014/main" val="2275640152"/>
                   </a:ext>
                 </a:extLst>
               </a:tr>
@@ -8206,7 +8204,7 @@
           <p:cNvPr id="4" name="Picture 3">
             <a:extLst>
               <a:ext uri="{FF2B5EF4-FFF2-40B4-BE49-F238E27FC236}">
-                <a16:creationId xmlns:a16="http://schemas.microsoft.com/office/drawing/2014/main" xmlns="" id="{83503D01-4845-4860-81B1-C045015D081B}"/>
+                <a16:creationId xmlns="" xmlns:a16="http://schemas.microsoft.com/office/drawing/2014/main" id="{83503D01-4845-4860-81B1-C045015D081B}"/>
               </a:ext>
             </a:extLst>
           </p:cNvPr>
@@ -8236,7 +8234,7 @@
           <p:cNvPr id="5" name="TextBox 4">
             <a:extLst>
               <a:ext uri="{FF2B5EF4-FFF2-40B4-BE49-F238E27FC236}">
-                <a16:creationId xmlns:a16="http://schemas.microsoft.com/office/drawing/2014/main" xmlns="" id="{EA5D9DFF-BAE7-4ACF-8630-9B7F07FFE7C3}"/>
+                <a16:creationId xmlns="" xmlns:a16="http://schemas.microsoft.com/office/drawing/2014/main" id="{EA5D9DFF-BAE7-4ACF-8630-9B7F07FFE7C3}"/>
               </a:ext>
             </a:extLst>
           </p:cNvPr>
@@ -8293,7 +8291,7 @@
           <p:cNvPr id="6" name="TextBox 5">
             <a:extLst>
               <a:ext uri="{FF2B5EF4-FFF2-40B4-BE49-F238E27FC236}">
-                <a16:creationId xmlns:a16="http://schemas.microsoft.com/office/drawing/2014/main" xmlns="" id="{47C1B0C9-06AE-4033-9D9E-4BE9EEEDB71F}"/>
+                <a16:creationId xmlns="" xmlns:a16="http://schemas.microsoft.com/office/drawing/2014/main" id="{47C1B0C9-06AE-4033-9D9E-4BE9EEEDB71F}"/>
               </a:ext>
             </a:extLst>
           </p:cNvPr>
@@ -8358,7 +8356,7 @@
           <p:cNvPr id="2" name="Title 1">
             <a:extLst>
               <a:ext uri="{FF2B5EF4-FFF2-40B4-BE49-F238E27FC236}">
-                <a16:creationId xmlns:a16="http://schemas.microsoft.com/office/drawing/2014/main" xmlns="" id="{9E72733B-3ADC-4709-8C8B-A6CBD9E2C805}"/>
+                <a16:creationId xmlns="" xmlns:a16="http://schemas.microsoft.com/office/drawing/2014/main" id="{9E72733B-3ADC-4709-8C8B-A6CBD9E2C805}"/>
               </a:ext>
             </a:extLst>
           </p:cNvPr>
@@ -8386,7 +8384,7 @@
           <p:cNvPr id="3" name="Content Placeholder 2">
             <a:extLst>
               <a:ext uri="{FF2B5EF4-FFF2-40B4-BE49-F238E27FC236}">
-                <a16:creationId xmlns:a16="http://schemas.microsoft.com/office/drawing/2014/main" xmlns="" id="{B89620BF-6236-4713-8FEC-A6D0D87A8EB4}"/>
+                <a16:creationId xmlns="" xmlns:a16="http://schemas.microsoft.com/office/drawing/2014/main" id="{B89620BF-6236-4713-8FEC-A6D0D87A8EB4}"/>
               </a:ext>
             </a:extLst>
           </p:cNvPr>
@@ -8428,7 +8426,7 @@
           <p:cNvPr id="5" name="Chart 4">
             <a:extLst>
               <a:ext uri="{FF2B5EF4-FFF2-40B4-BE49-F238E27FC236}">
-                <a16:creationId xmlns:a16="http://schemas.microsoft.com/office/drawing/2014/main" xmlns="" id="{B9B1E397-67AB-480C-990E-A418DFCD995F}"/>
+                <a16:creationId xmlns="" xmlns:a16="http://schemas.microsoft.com/office/drawing/2014/main" id="{B9B1E397-67AB-480C-990E-A418DFCD995F}"/>
               </a:ext>
             </a:extLst>
           </p:cNvPr>
@@ -8458,7 +8456,7 @@
           <p:cNvPr id="6" name="Chart 5">
             <a:extLst>
               <a:ext uri="{FF2B5EF4-FFF2-40B4-BE49-F238E27FC236}">
-                <a16:creationId xmlns:a16="http://schemas.microsoft.com/office/drawing/2014/main" xmlns="" id="{4B0EFEA8-71A8-40C1-817E-1FFBB3DAB05D}"/>
+                <a16:creationId xmlns="" xmlns:a16="http://schemas.microsoft.com/office/drawing/2014/main" id="{4B0EFEA8-71A8-40C1-817E-1FFBB3DAB05D}"/>
               </a:ext>
             </a:extLst>
           </p:cNvPr>
@@ -8488,7 +8486,7 @@
           <p:cNvPr id="7" name="TextBox 6">
             <a:extLst>
               <a:ext uri="{FF2B5EF4-FFF2-40B4-BE49-F238E27FC236}">
-                <a16:creationId xmlns:a16="http://schemas.microsoft.com/office/drawing/2014/main" xmlns="" id="{92890340-7891-4130-B5AC-93FDC518A8C2}"/>
+                <a16:creationId xmlns="" xmlns:a16="http://schemas.microsoft.com/office/drawing/2014/main" id="{92890340-7891-4130-B5AC-93FDC518A8C2}"/>
               </a:ext>
             </a:extLst>
           </p:cNvPr>
@@ -8537,11 +8535,7 @@
             </a:r>
             <a:r>
               <a:rPr lang="en-CA" dirty="0"/>
-              <a:t>than unfair offers within a group</a:t>
-            </a:r>
-            <a:r>
-              <a:rPr lang="en-CA" dirty="0"/>
-              <a:t>? </a:t>
+              <a:t>than unfair offers within a group? </a:t>
             </a:r>
             <a:endParaRPr lang="en-CA" dirty="0" smtClean="0"/>
           </a:p>

--- a/UG_results.pptx
+++ b/UG_results.pptx
@@ -4,13 +4,16 @@
   <p:sldMasterIdLst>
     <p:sldMasterId id="2147483648" r:id="rId1"/>
   </p:sldMasterIdLst>
+  <p:notesMasterIdLst>
+    <p:notesMasterId r:id="rId8"/>
+  </p:notesMasterIdLst>
   <p:sldIdLst>
     <p:sldId id="256" r:id="rId2"/>
     <p:sldId id="257" r:id="rId3"/>
-    <p:sldId id="258" r:id="rId4"/>
-    <p:sldId id="259" r:id="rId5"/>
-    <p:sldId id="260" r:id="rId6"/>
-    <p:sldId id="261" r:id="rId7"/>
+    <p:sldId id="259" r:id="rId4"/>
+    <p:sldId id="260" r:id="rId5"/>
+    <p:sldId id="261" r:id="rId6"/>
+    <p:sldId id="262" r:id="rId7"/>
   </p:sldIdLst>
   <p:sldSz cx="12192000" cy="6858000"/>
   <p:notesSz cx="6858000" cy="9144000"/>
@@ -135,7 +138,78 @@
     </mc:Fallback>
   </mc:AlternateContent>
   <c:chart>
-    <c:autoTitleDeleted val="1"/>
+    <c:title>
+      <c:tx>
+        <c:rich>
+          <a:bodyPr rot="0" spcFirstLastPara="1" vertOverflow="ellipsis" vert="horz" wrap="square" anchor="ctr" anchorCtr="1"/>
+          <a:lstStyle/>
+          <a:p>
+            <a:pPr>
+              <a:defRPr sz="1400" b="0" i="0" u="none" strike="noStrike" kern="1200" spc="0" baseline="0">
+                <a:solidFill>
+                  <a:schemeClr val="tx1">
+                    <a:lumMod val="65000"/>
+                    <a:lumOff val="35000"/>
+                  </a:schemeClr>
+                </a:solidFill>
+                <a:latin typeface="+mn-lt"/>
+                <a:ea typeface="+mn-ea"/>
+                <a:cs typeface="+mn-cs"/>
+              </a:defRPr>
+            </a:pPr>
+            <a:r>
+              <a:rPr lang="en-US"/>
+              <a:t>5 group offer</a:t>
+            </a:r>
+            <a:r>
+              <a:rPr lang="en-US" baseline="0"/>
+              <a:t> </a:t>
+            </a:r>
+            <a:r>
+              <a:rPr lang="en-US"/>
+              <a:t>acceptance</a:t>
+            </a:r>
+          </a:p>
+        </c:rich>
+      </c:tx>
+      <c:layout>
+        <c:manualLayout>
+          <c:xMode val="edge"/>
+          <c:yMode val="edge"/>
+          <c:x val="0.421790387614592"/>
+          <c:y val="0.00583728499142103"/>
+        </c:manualLayout>
+      </c:layout>
+      <c:overlay val="0"/>
+      <c:spPr>
+        <a:noFill/>
+        <a:ln>
+          <a:noFill/>
+        </a:ln>
+        <a:effectLst/>
+      </c:spPr>
+      <c:txPr>
+        <a:bodyPr rot="0" spcFirstLastPara="1" vertOverflow="ellipsis" vert="horz" wrap="square" anchor="ctr" anchorCtr="1"/>
+        <a:lstStyle/>
+        <a:p>
+          <a:pPr>
+            <a:defRPr sz="1400" b="0" i="0" u="none" strike="noStrike" kern="1200" spc="0" baseline="0">
+              <a:solidFill>
+                <a:schemeClr val="tx1">
+                  <a:lumMod val="65000"/>
+                  <a:lumOff val="35000"/>
+                </a:schemeClr>
+              </a:solidFill>
+              <a:latin typeface="+mn-lt"/>
+              <a:ea typeface="+mn-ea"/>
+              <a:cs typeface="+mn-cs"/>
+            </a:defRPr>
+          </a:pPr>
+          <a:endParaRPr lang="en-US"/>
+        </a:p>
+      </c:txPr>
+    </c:title>
+    <c:autoTitleDeleted val="0"/>
     <c:plotArea>
       <c:layout/>
       <c:barChart>
@@ -147,11 +221,11 @@
           <c:order val="0"/>
           <c:tx>
             <c:strRef>
-              <c:f>byGroup_count!$B$21</c:f>
+              <c:f>group5_reappraisal!$B$1</c:f>
               <c:strCache>
                 <c:ptCount val="1"/>
                 <c:pt idx="0">
-                  <c:v>Accept_fair</c:v>
+                  <c:v>cond</c:v>
                 </c:pt>
               </c:strCache>
             </c:strRef>
@@ -167,68 +241,234 @@
           </c:spPr>
           <c:invertIfNegative val="0"/>
           <c:cat>
-            <c:strRef>
-              <c:f>byGroup_count!$A$22:$A$26</c:f>
-              <c:strCache>
-                <c:ptCount val="5"/>
-                <c:pt idx="0">
-                  <c:v>AttempterHL</c:v>
-                </c:pt>
-                <c:pt idx="1">
-                  <c:v>AttempterLL</c:v>
-                </c:pt>
-                <c:pt idx="2">
-                  <c:v>control</c:v>
-                </c:pt>
-                <c:pt idx="3">
-                  <c:v>depression</c:v>
-                </c:pt>
-                <c:pt idx="4">
-                  <c:v>ideator</c:v>
-                </c:pt>
-              </c:strCache>
-            </c:strRef>
+            <c:multiLvlStrRef>
+              <c:f>group5_reappraisal!$A$2:$C$31</c:f>
+              <c:multiLvlStrCache>
+                <c:ptCount val="30"/>
+                <c:lvl>
+                  <c:pt idx="0">
+                    <c:v>fair</c:v>
+                  </c:pt>
+                  <c:pt idx="1">
+                    <c:v>unfair</c:v>
+                  </c:pt>
+                  <c:pt idx="2">
+                    <c:v>fair</c:v>
+                  </c:pt>
+                  <c:pt idx="3">
+                    <c:v>unfair</c:v>
+                  </c:pt>
+                  <c:pt idx="4">
+                    <c:v>fair</c:v>
+                  </c:pt>
+                  <c:pt idx="5">
+                    <c:v>unfair</c:v>
+                  </c:pt>
+                  <c:pt idx="6">
+                    <c:v>fair</c:v>
+                  </c:pt>
+                  <c:pt idx="7">
+                    <c:v>unfair</c:v>
+                  </c:pt>
+                  <c:pt idx="8">
+                    <c:v>fair</c:v>
+                  </c:pt>
+                  <c:pt idx="9">
+                    <c:v>unfair</c:v>
+                  </c:pt>
+                  <c:pt idx="10">
+                    <c:v>fair</c:v>
+                  </c:pt>
+                  <c:pt idx="11">
+                    <c:v>unfair</c:v>
+                  </c:pt>
+                  <c:pt idx="12">
+                    <c:v>fair</c:v>
+                  </c:pt>
+                  <c:pt idx="13">
+                    <c:v>unfair</c:v>
+                  </c:pt>
+                  <c:pt idx="14">
+                    <c:v>fair</c:v>
+                  </c:pt>
+                  <c:pt idx="15">
+                    <c:v>unfair</c:v>
+                  </c:pt>
+                  <c:pt idx="16">
+                    <c:v>fair</c:v>
+                  </c:pt>
+                  <c:pt idx="17">
+                    <c:v>unfair</c:v>
+                  </c:pt>
+                  <c:pt idx="18">
+                    <c:v>fair</c:v>
+                  </c:pt>
+                  <c:pt idx="19">
+                    <c:v>unfair</c:v>
+                  </c:pt>
+                  <c:pt idx="20">
+                    <c:v>fair</c:v>
+                  </c:pt>
+                  <c:pt idx="21">
+                    <c:v>unfair</c:v>
+                  </c:pt>
+                  <c:pt idx="22">
+                    <c:v>fair</c:v>
+                  </c:pt>
+                  <c:pt idx="23">
+                    <c:v>unfair</c:v>
+                  </c:pt>
+                  <c:pt idx="24">
+                    <c:v>fair</c:v>
+                  </c:pt>
+                  <c:pt idx="25">
+                    <c:v>unfair</c:v>
+                  </c:pt>
+                  <c:pt idx="26">
+                    <c:v>fair</c:v>
+                  </c:pt>
+                  <c:pt idx="27">
+                    <c:v>unfair</c:v>
+                  </c:pt>
+                  <c:pt idx="28">
+                    <c:v>fair</c:v>
+                  </c:pt>
+                  <c:pt idx="29">
+                    <c:v>unfair</c:v>
+                  </c:pt>
+                </c:lvl>
+                <c:lvl>
+                  <c:pt idx="0">
+                    <c:v>baseline</c:v>
+                  </c:pt>
+                  <c:pt idx="2">
+                    <c:v>empathy</c:v>
+                  </c:pt>
+                  <c:pt idx="4">
+                    <c:v>punish</c:v>
+                  </c:pt>
+                  <c:pt idx="6">
+                    <c:v>baseline</c:v>
+                  </c:pt>
+                  <c:pt idx="8">
+                    <c:v>empathy</c:v>
+                  </c:pt>
+                  <c:pt idx="10">
+                    <c:v>punish</c:v>
+                  </c:pt>
+                  <c:pt idx="12">
+                    <c:v>baseline</c:v>
+                  </c:pt>
+                  <c:pt idx="14">
+                    <c:v>empathy</c:v>
+                  </c:pt>
+                  <c:pt idx="16">
+                    <c:v>punish</c:v>
+                  </c:pt>
+                  <c:pt idx="18">
+                    <c:v>baseline</c:v>
+                  </c:pt>
+                  <c:pt idx="20">
+                    <c:v>empathy</c:v>
+                  </c:pt>
+                  <c:pt idx="22">
+                    <c:v>punish</c:v>
+                  </c:pt>
+                  <c:pt idx="24">
+                    <c:v>baseline</c:v>
+                  </c:pt>
+                  <c:pt idx="26">
+                    <c:v>empathy</c:v>
+                  </c:pt>
+                  <c:pt idx="28">
+                    <c:v>punish</c:v>
+                  </c:pt>
+                </c:lvl>
+                <c:lvl>
+                  <c:pt idx="0">
+                    <c:v>AttempterHL</c:v>
+                  </c:pt>
+                  <c:pt idx="6">
+                    <c:v>AttempterLL</c:v>
+                  </c:pt>
+                  <c:pt idx="12">
+                    <c:v>control</c:v>
+                  </c:pt>
+                  <c:pt idx="18">
+                    <c:v>depression</c:v>
+                  </c:pt>
+                  <c:pt idx="24">
+                    <c:v>ideator</c:v>
+                  </c:pt>
+                </c:lvl>
+              </c:multiLvlStrCache>
+            </c:multiLvlStrRef>
           </c:cat>
           <c:val>
             <c:numRef>
-              <c:f>byGroup_count!$B$22:$B$26</c:f>
+              <c:f>group5_reappraisal!$B$2:$B$31</c:f>
               <c:numCache>
                 <c:formatCode>General</c:formatCode>
-                <c:ptCount val="5"/>
+                <c:ptCount val="30"/>
                 <c:pt idx="0">
-                  <c:v>0.823529411764706</c:v>
-                </c:pt>
-                <c:pt idx="1">
-                  <c:v>0.853333333333333</c:v>
+                  <c:v>0.0</c:v>
                 </c:pt>
                 <c:pt idx="2">
-                  <c:v>0.861111111111111</c:v>
-                </c:pt>
-                <c:pt idx="3">
-                  <c:v>0.878260869565217</c:v>
+                  <c:v>0.0</c:v>
                 </c:pt>
                 <c:pt idx="4">
-                  <c:v>0.891228070175439</c:v>
+                  <c:v>0.0</c:v>
+                </c:pt>
+                <c:pt idx="6">
+                  <c:v>0.0</c:v>
+                </c:pt>
+                <c:pt idx="8">
+                  <c:v>0.0</c:v>
+                </c:pt>
+                <c:pt idx="10">
+                  <c:v>0.0</c:v>
+                </c:pt>
+                <c:pt idx="12">
+                  <c:v>0.0</c:v>
+                </c:pt>
+                <c:pt idx="14">
+                  <c:v>0.0</c:v>
+                </c:pt>
+                <c:pt idx="16">
+                  <c:v>0.0</c:v>
+                </c:pt>
+                <c:pt idx="18">
+                  <c:v>0.0</c:v>
+                </c:pt>
+                <c:pt idx="20">
+                  <c:v>0.0</c:v>
+                </c:pt>
+                <c:pt idx="22">
+                  <c:v>0.0</c:v>
+                </c:pt>
+                <c:pt idx="24">
+                  <c:v>0.0</c:v>
+                </c:pt>
+                <c:pt idx="26">
+                  <c:v>0.0</c:v>
+                </c:pt>
+                <c:pt idx="28">
+                  <c:v>0.0</c:v>
                 </c:pt>
               </c:numCache>
             </c:numRef>
           </c:val>
-          <c:extLst xmlns:c16r2="http://schemas.microsoft.com/office/drawing/2015/06/chart">
-            <c:ext xmlns:c16="http://schemas.microsoft.com/office/drawing/2014/chart" uri="{C3380CC4-5D6E-409C-BE32-E72D297353CC}">
-              <c16:uniqueId val="{00000000-F70F-41F5-B2D6-AE83D0A62560}"/>
-            </c:ext>
-          </c:extLst>
         </c:ser>
         <c:ser>
           <c:idx val="1"/>
           <c:order val="1"/>
           <c:tx>
             <c:strRef>
-              <c:f>byGroup_count!$B$28</c:f>
+              <c:f>group5_reappraisal!$C$1</c:f>
               <c:strCache>
                 <c:ptCount val="1"/>
                 <c:pt idx="0">
-                  <c:v>Accept_unfair</c:v>
+                  <c:v>fairness</c:v>
                 </c:pt>
               </c:strCache>
             </c:strRef>
@@ -244,57 +484,844 @@
           </c:spPr>
           <c:invertIfNegative val="0"/>
           <c:cat>
-            <c:strRef>
-              <c:f>byGroup_count!$A$22:$A$26</c:f>
-              <c:strCache>
-                <c:ptCount val="5"/>
-                <c:pt idx="0">
-                  <c:v>AttempterHL</c:v>
-                </c:pt>
-                <c:pt idx="1">
-                  <c:v>AttempterLL</c:v>
-                </c:pt>
-                <c:pt idx="2">
-                  <c:v>control</c:v>
-                </c:pt>
-                <c:pt idx="3">
-                  <c:v>depression</c:v>
-                </c:pt>
-                <c:pt idx="4">
-                  <c:v>ideator</c:v>
-                </c:pt>
-              </c:strCache>
-            </c:strRef>
+            <c:multiLvlStrRef>
+              <c:f>group5_reappraisal!$A$2:$C$31</c:f>
+              <c:multiLvlStrCache>
+                <c:ptCount val="30"/>
+                <c:lvl>
+                  <c:pt idx="0">
+                    <c:v>fair</c:v>
+                  </c:pt>
+                  <c:pt idx="1">
+                    <c:v>unfair</c:v>
+                  </c:pt>
+                  <c:pt idx="2">
+                    <c:v>fair</c:v>
+                  </c:pt>
+                  <c:pt idx="3">
+                    <c:v>unfair</c:v>
+                  </c:pt>
+                  <c:pt idx="4">
+                    <c:v>fair</c:v>
+                  </c:pt>
+                  <c:pt idx="5">
+                    <c:v>unfair</c:v>
+                  </c:pt>
+                  <c:pt idx="6">
+                    <c:v>fair</c:v>
+                  </c:pt>
+                  <c:pt idx="7">
+                    <c:v>unfair</c:v>
+                  </c:pt>
+                  <c:pt idx="8">
+                    <c:v>fair</c:v>
+                  </c:pt>
+                  <c:pt idx="9">
+                    <c:v>unfair</c:v>
+                  </c:pt>
+                  <c:pt idx="10">
+                    <c:v>fair</c:v>
+                  </c:pt>
+                  <c:pt idx="11">
+                    <c:v>unfair</c:v>
+                  </c:pt>
+                  <c:pt idx="12">
+                    <c:v>fair</c:v>
+                  </c:pt>
+                  <c:pt idx="13">
+                    <c:v>unfair</c:v>
+                  </c:pt>
+                  <c:pt idx="14">
+                    <c:v>fair</c:v>
+                  </c:pt>
+                  <c:pt idx="15">
+                    <c:v>unfair</c:v>
+                  </c:pt>
+                  <c:pt idx="16">
+                    <c:v>fair</c:v>
+                  </c:pt>
+                  <c:pt idx="17">
+                    <c:v>unfair</c:v>
+                  </c:pt>
+                  <c:pt idx="18">
+                    <c:v>fair</c:v>
+                  </c:pt>
+                  <c:pt idx="19">
+                    <c:v>unfair</c:v>
+                  </c:pt>
+                  <c:pt idx="20">
+                    <c:v>fair</c:v>
+                  </c:pt>
+                  <c:pt idx="21">
+                    <c:v>unfair</c:v>
+                  </c:pt>
+                  <c:pt idx="22">
+                    <c:v>fair</c:v>
+                  </c:pt>
+                  <c:pt idx="23">
+                    <c:v>unfair</c:v>
+                  </c:pt>
+                  <c:pt idx="24">
+                    <c:v>fair</c:v>
+                  </c:pt>
+                  <c:pt idx="25">
+                    <c:v>unfair</c:v>
+                  </c:pt>
+                  <c:pt idx="26">
+                    <c:v>fair</c:v>
+                  </c:pt>
+                  <c:pt idx="27">
+                    <c:v>unfair</c:v>
+                  </c:pt>
+                  <c:pt idx="28">
+                    <c:v>fair</c:v>
+                  </c:pt>
+                  <c:pt idx="29">
+                    <c:v>unfair</c:v>
+                  </c:pt>
+                </c:lvl>
+                <c:lvl>
+                  <c:pt idx="0">
+                    <c:v>baseline</c:v>
+                  </c:pt>
+                  <c:pt idx="2">
+                    <c:v>empathy</c:v>
+                  </c:pt>
+                  <c:pt idx="4">
+                    <c:v>punish</c:v>
+                  </c:pt>
+                  <c:pt idx="6">
+                    <c:v>baseline</c:v>
+                  </c:pt>
+                  <c:pt idx="8">
+                    <c:v>empathy</c:v>
+                  </c:pt>
+                  <c:pt idx="10">
+                    <c:v>punish</c:v>
+                  </c:pt>
+                  <c:pt idx="12">
+                    <c:v>baseline</c:v>
+                  </c:pt>
+                  <c:pt idx="14">
+                    <c:v>empathy</c:v>
+                  </c:pt>
+                  <c:pt idx="16">
+                    <c:v>punish</c:v>
+                  </c:pt>
+                  <c:pt idx="18">
+                    <c:v>baseline</c:v>
+                  </c:pt>
+                  <c:pt idx="20">
+                    <c:v>empathy</c:v>
+                  </c:pt>
+                  <c:pt idx="22">
+                    <c:v>punish</c:v>
+                  </c:pt>
+                  <c:pt idx="24">
+                    <c:v>baseline</c:v>
+                  </c:pt>
+                  <c:pt idx="26">
+                    <c:v>empathy</c:v>
+                  </c:pt>
+                  <c:pt idx="28">
+                    <c:v>punish</c:v>
+                  </c:pt>
+                </c:lvl>
+                <c:lvl>
+                  <c:pt idx="0">
+                    <c:v>AttempterHL</c:v>
+                  </c:pt>
+                  <c:pt idx="6">
+                    <c:v>AttempterLL</c:v>
+                  </c:pt>
+                  <c:pt idx="12">
+                    <c:v>control</c:v>
+                  </c:pt>
+                  <c:pt idx="18">
+                    <c:v>depression</c:v>
+                  </c:pt>
+                  <c:pt idx="24">
+                    <c:v>ideator</c:v>
+                  </c:pt>
+                </c:lvl>
+              </c:multiLvlStrCache>
+            </c:multiLvlStrRef>
           </c:cat>
           <c:val>
             <c:numRef>
-              <c:f>byGroup_count!$B$29:$B$33</c:f>
+              <c:f>group5_reappraisal!$C$2:$C$31</c:f>
               <c:numCache>
                 <c:formatCode>General</c:formatCode>
-                <c:ptCount val="5"/>
+                <c:ptCount val="30"/>
                 <c:pt idx="0">
-                  <c:v>0.567693744164332</c:v>
+                  <c:v>0.0</c:v>
                 </c:pt>
                 <c:pt idx="1">
-                  <c:v>0.563492063492063</c:v>
+                  <c:v>0.0</c:v>
                 </c:pt>
                 <c:pt idx="2">
-                  <c:v>0.613756613756614</c:v>
+                  <c:v>0.0</c:v>
                 </c:pt>
                 <c:pt idx="3">
-                  <c:v>0.685300207039338</c:v>
+                  <c:v>0.0</c:v>
                 </c:pt>
                 <c:pt idx="4">
-                  <c:v>0.642439431913116</c:v>
+                  <c:v>0.0</c:v>
+                </c:pt>
+                <c:pt idx="5">
+                  <c:v>0.0</c:v>
+                </c:pt>
+                <c:pt idx="6">
+                  <c:v>0.0</c:v>
+                </c:pt>
+                <c:pt idx="7">
+                  <c:v>0.0</c:v>
+                </c:pt>
+                <c:pt idx="8">
+                  <c:v>0.0</c:v>
+                </c:pt>
+                <c:pt idx="9">
+                  <c:v>0.0</c:v>
+                </c:pt>
+                <c:pt idx="10">
+                  <c:v>0.0</c:v>
+                </c:pt>
+                <c:pt idx="11">
+                  <c:v>0.0</c:v>
+                </c:pt>
+                <c:pt idx="12">
+                  <c:v>0.0</c:v>
+                </c:pt>
+                <c:pt idx="13">
+                  <c:v>0.0</c:v>
+                </c:pt>
+                <c:pt idx="14">
+                  <c:v>0.0</c:v>
+                </c:pt>
+                <c:pt idx="15">
+                  <c:v>0.0</c:v>
+                </c:pt>
+                <c:pt idx="16">
+                  <c:v>0.0</c:v>
+                </c:pt>
+                <c:pt idx="17">
+                  <c:v>0.0</c:v>
+                </c:pt>
+                <c:pt idx="18">
+                  <c:v>0.0</c:v>
+                </c:pt>
+                <c:pt idx="19">
+                  <c:v>0.0</c:v>
+                </c:pt>
+                <c:pt idx="20">
+                  <c:v>0.0</c:v>
+                </c:pt>
+                <c:pt idx="21">
+                  <c:v>0.0</c:v>
+                </c:pt>
+                <c:pt idx="22">
+                  <c:v>0.0</c:v>
+                </c:pt>
+                <c:pt idx="23">
+                  <c:v>0.0</c:v>
+                </c:pt>
+                <c:pt idx="24">
+                  <c:v>0.0</c:v>
+                </c:pt>
+                <c:pt idx="25">
+                  <c:v>0.0</c:v>
+                </c:pt>
+                <c:pt idx="26">
+                  <c:v>0.0</c:v>
+                </c:pt>
+                <c:pt idx="27">
+                  <c:v>0.0</c:v>
+                </c:pt>
+                <c:pt idx="28">
+                  <c:v>0.0</c:v>
+                </c:pt>
+                <c:pt idx="29">
+                  <c:v>0.0</c:v>
                 </c:pt>
               </c:numCache>
             </c:numRef>
           </c:val>
-          <c:extLst xmlns:c16r2="http://schemas.microsoft.com/office/drawing/2015/06/chart">
-            <c:ext xmlns:c16="http://schemas.microsoft.com/office/drawing/2014/chart" uri="{C3380CC4-5D6E-409C-BE32-E72D297353CC}">
-              <c16:uniqueId val="{00000001-F70F-41F5-B2D6-AE83D0A62560}"/>
-            </c:ext>
-          </c:extLst>
+        </c:ser>
+        <c:ser>
+          <c:idx val="2"/>
+          <c:order val="2"/>
+          <c:tx>
+            <c:strRef>
+              <c:f>group5_reappraisal!$D$1</c:f>
+              <c:strCache>
+                <c:ptCount val="1"/>
+                <c:pt idx="0">
+                  <c:v>reject</c:v>
+                </c:pt>
+              </c:strCache>
+            </c:strRef>
+          </c:tx>
+          <c:spPr>
+            <a:solidFill>
+              <a:schemeClr val="accent3"/>
+            </a:solidFill>
+            <a:ln>
+              <a:noFill/>
+            </a:ln>
+            <a:effectLst/>
+          </c:spPr>
+          <c:invertIfNegative val="0"/>
+          <c:cat>
+            <c:multiLvlStrRef>
+              <c:f>group5_reappraisal!$A$2:$C$31</c:f>
+              <c:multiLvlStrCache>
+                <c:ptCount val="30"/>
+                <c:lvl>
+                  <c:pt idx="0">
+                    <c:v>fair</c:v>
+                  </c:pt>
+                  <c:pt idx="1">
+                    <c:v>unfair</c:v>
+                  </c:pt>
+                  <c:pt idx="2">
+                    <c:v>fair</c:v>
+                  </c:pt>
+                  <c:pt idx="3">
+                    <c:v>unfair</c:v>
+                  </c:pt>
+                  <c:pt idx="4">
+                    <c:v>fair</c:v>
+                  </c:pt>
+                  <c:pt idx="5">
+                    <c:v>unfair</c:v>
+                  </c:pt>
+                  <c:pt idx="6">
+                    <c:v>fair</c:v>
+                  </c:pt>
+                  <c:pt idx="7">
+                    <c:v>unfair</c:v>
+                  </c:pt>
+                  <c:pt idx="8">
+                    <c:v>fair</c:v>
+                  </c:pt>
+                  <c:pt idx="9">
+                    <c:v>unfair</c:v>
+                  </c:pt>
+                  <c:pt idx="10">
+                    <c:v>fair</c:v>
+                  </c:pt>
+                  <c:pt idx="11">
+                    <c:v>unfair</c:v>
+                  </c:pt>
+                  <c:pt idx="12">
+                    <c:v>fair</c:v>
+                  </c:pt>
+                  <c:pt idx="13">
+                    <c:v>unfair</c:v>
+                  </c:pt>
+                  <c:pt idx="14">
+                    <c:v>fair</c:v>
+                  </c:pt>
+                  <c:pt idx="15">
+                    <c:v>unfair</c:v>
+                  </c:pt>
+                  <c:pt idx="16">
+                    <c:v>fair</c:v>
+                  </c:pt>
+                  <c:pt idx="17">
+                    <c:v>unfair</c:v>
+                  </c:pt>
+                  <c:pt idx="18">
+                    <c:v>fair</c:v>
+                  </c:pt>
+                  <c:pt idx="19">
+                    <c:v>unfair</c:v>
+                  </c:pt>
+                  <c:pt idx="20">
+                    <c:v>fair</c:v>
+                  </c:pt>
+                  <c:pt idx="21">
+                    <c:v>unfair</c:v>
+                  </c:pt>
+                  <c:pt idx="22">
+                    <c:v>fair</c:v>
+                  </c:pt>
+                  <c:pt idx="23">
+                    <c:v>unfair</c:v>
+                  </c:pt>
+                  <c:pt idx="24">
+                    <c:v>fair</c:v>
+                  </c:pt>
+                  <c:pt idx="25">
+                    <c:v>unfair</c:v>
+                  </c:pt>
+                  <c:pt idx="26">
+                    <c:v>fair</c:v>
+                  </c:pt>
+                  <c:pt idx="27">
+                    <c:v>unfair</c:v>
+                  </c:pt>
+                  <c:pt idx="28">
+                    <c:v>fair</c:v>
+                  </c:pt>
+                  <c:pt idx="29">
+                    <c:v>unfair</c:v>
+                  </c:pt>
+                </c:lvl>
+                <c:lvl>
+                  <c:pt idx="0">
+                    <c:v>baseline</c:v>
+                  </c:pt>
+                  <c:pt idx="2">
+                    <c:v>empathy</c:v>
+                  </c:pt>
+                  <c:pt idx="4">
+                    <c:v>punish</c:v>
+                  </c:pt>
+                  <c:pt idx="6">
+                    <c:v>baseline</c:v>
+                  </c:pt>
+                  <c:pt idx="8">
+                    <c:v>empathy</c:v>
+                  </c:pt>
+                  <c:pt idx="10">
+                    <c:v>punish</c:v>
+                  </c:pt>
+                  <c:pt idx="12">
+                    <c:v>baseline</c:v>
+                  </c:pt>
+                  <c:pt idx="14">
+                    <c:v>empathy</c:v>
+                  </c:pt>
+                  <c:pt idx="16">
+                    <c:v>punish</c:v>
+                  </c:pt>
+                  <c:pt idx="18">
+                    <c:v>baseline</c:v>
+                  </c:pt>
+                  <c:pt idx="20">
+                    <c:v>empathy</c:v>
+                  </c:pt>
+                  <c:pt idx="22">
+                    <c:v>punish</c:v>
+                  </c:pt>
+                  <c:pt idx="24">
+                    <c:v>baseline</c:v>
+                  </c:pt>
+                  <c:pt idx="26">
+                    <c:v>empathy</c:v>
+                  </c:pt>
+                  <c:pt idx="28">
+                    <c:v>punish</c:v>
+                  </c:pt>
+                </c:lvl>
+                <c:lvl>
+                  <c:pt idx="0">
+                    <c:v>AttempterHL</c:v>
+                  </c:pt>
+                  <c:pt idx="6">
+                    <c:v>AttempterLL</c:v>
+                  </c:pt>
+                  <c:pt idx="12">
+                    <c:v>control</c:v>
+                  </c:pt>
+                  <c:pt idx="18">
+                    <c:v>depression</c:v>
+                  </c:pt>
+                  <c:pt idx="24">
+                    <c:v>ideator</c:v>
+                  </c:pt>
+                </c:lvl>
+              </c:multiLvlStrCache>
+            </c:multiLvlStrRef>
+          </c:cat>
+          <c:val>
+            <c:numRef>
+              <c:f>group5_reappraisal!$D$2:$D$31</c:f>
+              <c:numCache>
+                <c:formatCode>General</c:formatCode>
+                <c:ptCount val="30"/>
+                <c:pt idx="0">
+                  <c:v>0.147058823529412</c:v>
+                </c:pt>
+                <c:pt idx="1">
+                  <c:v>0.434873949579832</c:v>
+                </c:pt>
+                <c:pt idx="2">
+                  <c:v>0.0470588235294117</c:v>
+                </c:pt>
+                <c:pt idx="3">
+                  <c:v>0.179271708683473</c:v>
+                </c:pt>
+                <c:pt idx="4">
+                  <c:v>0.423529411764706</c:v>
+                </c:pt>
+                <c:pt idx="5">
+                  <c:v>0.675070028011204</c:v>
+                </c:pt>
+                <c:pt idx="6">
+                  <c:v>0.118987341772152</c:v>
+                </c:pt>
+                <c:pt idx="7">
+                  <c:v>0.429776974080771</c:v>
+                </c:pt>
+                <c:pt idx="8">
+                  <c:v>0.0947368421052631</c:v>
+                </c:pt>
+                <c:pt idx="9">
+                  <c:v>0.243107769423559</c:v>
+                </c:pt>
+                <c:pt idx="10">
+                  <c:v>0.305263157894737</c:v>
+                </c:pt>
+                <c:pt idx="11">
+                  <c:v>0.659147869674185</c:v>
+                </c:pt>
+                <c:pt idx="12">
+                  <c:v>0.114583333333333</c:v>
+                </c:pt>
+                <c:pt idx="13">
+                  <c:v>0.39781746031746</c:v>
+                </c:pt>
+                <c:pt idx="14">
+                  <c:v>0.0583333333333333</c:v>
+                </c:pt>
+                <c:pt idx="15">
+                  <c:v>0.126984126984127</c:v>
+                </c:pt>
+                <c:pt idx="16">
+                  <c:v>0.316666666666667</c:v>
+                </c:pt>
+                <c:pt idx="17">
+                  <c:v>0.599206349206349</c:v>
+                </c:pt>
+                <c:pt idx="18">
+                  <c:v>0.0978260869565217</c:v>
+                </c:pt>
+                <c:pt idx="19">
+                  <c:v>0.31055900621118</c:v>
+                </c:pt>
+                <c:pt idx="20">
+                  <c:v>0.0608695652173913</c:v>
+                </c:pt>
+                <c:pt idx="21">
+                  <c:v>0.173913043478261</c:v>
+                </c:pt>
+                <c:pt idx="22">
+                  <c:v>0.278260869565217</c:v>
+                </c:pt>
+                <c:pt idx="23">
+                  <c:v>0.472049689440994</c:v>
+                </c:pt>
+                <c:pt idx="24">
+                  <c:v>0.0831168831168831</c:v>
+                </c:pt>
+                <c:pt idx="25">
+                  <c:v>0.368583797155226</c:v>
+                </c:pt>
+                <c:pt idx="26">
+                  <c:v>0.01</c:v>
+                </c:pt>
+                <c:pt idx="27">
+                  <c:v>0.0976190476190476</c:v>
+                </c:pt>
+                <c:pt idx="28">
+                  <c:v>0.32</c:v>
+                </c:pt>
+                <c:pt idx="29">
+                  <c:v>0.585714285714286</c:v>
+                </c:pt>
+              </c:numCache>
+            </c:numRef>
+          </c:val>
+        </c:ser>
+        <c:ser>
+          <c:idx val="3"/>
+          <c:order val="3"/>
+          <c:tx>
+            <c:strRef>
+              <c:f>group5_reappraisal!$E$1</c:f>
+              <c:strCache>
+                <c:ptCount val="1"/>
+                <c:pt idx="0">
+                  <c:v>accept</c:v>
+                </c:pt>
+              </c:strCache>
+            </c:strRef>
+          </c:tx>
+          <c:spPr>
+            <a:solidFill>
+              <a:schemeClr val="accent4"/>
+            </a:solidFill>
+            <a:ln>
+              <a:noFill/>
+            </a:ln>
+            <a:effectLst/>
+          </c:spPr>
+          <c:invertIfNegative val="0"/>
+          <c:cat>
+            <c:multiLvlStrRef>
+              <c:f>group5_reappraisal!$A$2:$C$31</c:f>
+              <c:multiLvlStrCache>
+                <c:ptCount val="30"/>
+                <c:lvl>
+                  <c:pt idx="0">
+                    <c:v>fair</c:v>
+                  </c:pt>
+                  <c:pt idx="1">
+                    <c:v>unfair</c:v>
+                  </c:pt>
+                  <c:pt idx="2">
+                    <c:v>fair</c:v>
+                  </c:pt>
+                  <c:pt idx="3">
+                    <c:v>unfair</c:v>
+                  </c:pt>
+                  <c:pt idx="4">
+                    <c:v>fair</c:v>
+                  </c:pt>
+                  <c:pt idx="5">
+                    <c:v>unfair</c:v>
+                  </c:pt>
+                  <c:pt idx="6">
+                    <c:v>fair</c:v>
+                  </c:pt>
+                  <c:pt idx="7">
+                    <c:v>unfair</c:v>
+                  </c:pt>
+                  <c:pt idx="8">
+                    <c:v>fair</c:v>
+                  </c:pt>
+                  <c:pt idx="9">
+                    <c:v>unfair</c:v>
+                  </c:pt>
+                  <c:pt idx="10">
+                    <c:v>fair</c:v>
+                  </c:pt>
+                  <c:pt idx="11">
+                    <c:v>unfair</c:v>
+                  </c:pt>
+                  <c:pt idx="12">
+                    <c:v>fair</c:v>
+                  </c:pt>
+                  <c:pt idx="13">
+                    <c:v>unfair</c:v>
+                  </c:pt>
+                  <c:pt idx="14">
+                    <c:v>fair</c:v>
+                  </c:pt>
+                  <c:pt idx="15">
+                    <c:v>unfair</c:v>
+                  </c:pt>
+                  <c:pt idx="16">
+                    <c:v>fair</c:v>
+                  </c:pt>
+                  <c:pt idx="17">
+                    <c:v>unfair</c:v>
+                  </c:pt>
+                  <c:pt idx="18">
+                    <c:v>fair</c:v>
+                  </c:pt>
+                  <c:pt idx="19">
+                    <c:v>unfair</c:v>
+                  </c:pt>
+                  <c:pt idx="20">
+                    <c:v>fair</c:v>
+                  </c:pt>
+                  <c:pt idx="21">
+                    <c:v>unfair</c:v>
+                  </c:pt>
+                  <c:pt idx="22">
+                    <c:v>fair</c:v>
+                  </c:pt>
+                  <c:pt idx="23">
+                    <c:v>unfair</c:v>
+                  </c:pt>
+                  <c:pt idx="24">
+                    <c:v>fair</c:v>
+                  </c:pt>
+                  <c:pt idx="25">
+                    <c:v>unfair</c:v>
+                  </c:pt>
+                  <c:pt idx="26">
+                    <c:v>fair</c:v>
+                  </c:pt>
+                  <c:pt idx="27">
+                    <c:v>unfair</c:v>
+                  </c:pt>
+                  <c:pt idx="28">
+                    <c:v>fair</c:v>
+                  </c:pt>
+                  <c:pt idx="29">
+                    <c:v>unfair</c:v>
+                  </c:pt>
+                </c:lvl>
+                <c:lvl>
+                  <c:pt idx="0">
+                    <c:v>baseline</c:v>
+                  </c:pt>
+                  <c:pt idx="2">
+                    <c:v>empathy</c:v>
+                  </c:pt>
+                  <c:pt idx="4">
+                    <c:v>punish</c:v>
+                  </c:pt>
+                  <c:pt idx="6">
+                    <c:v>baseline</c:v>
+                  </c:pt>
+                  <c:pt idx="8">
+                    <c:v>empathy</c:v>
+                  </c:pt>
+                  <c:pt idx="10">
+                    <c:v>punish</c:v>
+                  </c:pt>
+                  <c:pt idx="12">
+                    <c:v>baseline</c:v>
+                  </c:pt>
+                  <c:pt idx="14">
+                    <c:v>empathy</c:v>
+                  </c:pt>
+                  <c:pt idx="16">
+                    <c:v>punish</c:v>
+                  </c:pt>
+                  <c:pt idx="18">
+                    <c:v>baseline</c:v>
+                  </c:pt>
+                  <c:pt idx="20">
+                    <c:v>empathy</c:v>
+                  </c:pt>
+                  <c:pt idx="22">
+                    <c:v>punish</c:v>
+                  </c:pt>
+                  <c:pt idx="24">
+                    <c:v>baseline</c:v>
+                  </c:pt>
+                  <c:pt idx="26">
+                    <c:v>empathy</c:v>
+                  </c:pt>
+                  <c:pt idx="28">
+                    <c:v>punish</c:v>
+                  </c:pt>
+                </c:lvl>
+                <c:lvl>
+                  <c:pt idx="0">
+                    <c:v>AttempterHL</c:v>
+                  </c:pt>
+                  <c:pt idx="6">
+                    <c:v>AttempterLL</c:v>
+                  </c:pt>
+                  <c:pt idx="12">
+                    <c:v>control</c:v>
+                  </c:pt>
+                  <c:pt idx="18">
+                    <c:v>depression</c:v>
+                  </c:pt>
+                  <c:pt idx="24">
+                    <c:v>ideator</c:v>
+                  </c:pt>
+                </c:lvl>
+              </c:multiLvlStrCache>
+            </c:multiLvlStrRef>
+          </c:cat>
+          <c:val>
+            <c:numRef>
+              <c:f>group5_reappraisal!$E$2:$E$31</c:f>
+              <c:numCache>
+                <c:formatCode>General</c:formatCode>
+                <c:ptCount val="30"/>
+                <c:pt idx="0">
+                  <c:v>0.852941176470588</c:v>
+                </c:pt>
+                <c:pt idx="1">
+                  <c:v>0.565126050420168</c:v>
+                </c:pt>
+                <c:pt idx="2">
+                  <c:v>0.952941176470588</c:v>
+                </c:pt>
+                <c:pt idx="3">
+                  <c:v>0.820728291316527</c:v>
+                </c:pt>
+                <c:pt idx="4">
+                  <c:v>0.576470588235294</c:v>
+                </c:pt>
+                <c:pt idx="5">
+                  <c:v>0.324929971988795</c:v>
+                </c:pt>
+                <c:pt idx="6">
+                  <c:v>0.881012658227848</c:v>
+                </c:pt>
+                <c:pt idx="7">
+                  <c:v>0.570223025919228</c:v>
+                </c:pt>
+                <c:pt idx="8">
+                  <c:v>0.905263157894737</c:v>
+                </c:pt>
+                <c:pt idx="9">
+                  <c:v>0.756892230576441</c:v>
+                </c:pt>
+                <c:pt idx="10">
+                  <c:v>0.694736842105263</c:v>
+                </c:pt>
+                <c:pt idx="11">
+                  <c:v>0.340852130325814</c:v>
+                </c:pt>
+                <c:pt idx="12">
+                  <c:v>0.885416666666667</c:v>
+                </c:pt>
+                <c:pt idx="13">
+                  <c:v>0.60218253968254</c:v>
+                </c:pt>
+                <c:pt idx="14">
+                  <c:v>0.941666666666667</c:v>
+                </c:pt>
+                <c:pt idx="15">
+                  <c:v>0.873015873015873</c:v>
+                </c:pt>
+                <c:pt idx="16">
+                  <c:v>0.683333333333333</c:v>
+                </c:pt>
+                <c:pt idx="17">
+                  <c:v>0.400793650793651</c:v>
+                </c:pt>
+                <c:pt idx="18">
+                  <c:v>0.902173913043478</c:v>
+                </c:pt>
+                <c:pt idx="19">
+                  <c:v>0.68944099378882</c:v>
+                </c:pt>
+                <c:pt idx="20">
+                  <c:v>0.939130434782609</c:v>
+                </c:pt>
+                <c:pt idx="21">
+                  <c:v>0.826086956521739</c:v>
+                </c:pt>
+                <c:pt idx="22">
+                  <c:v>0.721739130434783</c:v>
+                </c:pt>
+                <c:pt idx="23">
+                  <c:v>0.527950310559006</c:v>
+                </c:pt>
+                <c:pt idx="24">
+                  <c:v>0.916883116883117</c:v>
+                </c:pt>
+                <c:pt idx="25">
+                  <c:v>0.631416202844774</c:v>
+                </c:pt>
+                <c:pt idx="26">
+                  <c:v>0.99</c:v>
+                </c:pt>
+                <c:pt idx="27">
+                  <c:v>0.902380952380952</c:v>
+                </c:pt>
+                <c:pt idx="28">
+                  <c:v>0.68</c:v>
+                </c:pt>
+                <c:pt idx="29">
+                  <c:v>0.414285714285714</c:v>
+                </c:pt>
+              </c:numCache>
+            </c:numRef>
+          </c:val>
         </c:ser>
         <c:dLbls>
           <c:showLegendKey val="0"/>
@@ -306,11 +1333,11 @@
         </c:dLbls>
         <c:gapWidth val="219"/>
         <c:overlap val="-27"/>
-        <c:axId val="1112825632"/>
-        <c:axId val="1206617664"/>
+        <c:axId val="-1444327872"/>
+        <c:axId val="-1444325312"/>
       </c:barChart>
       <c:catAx>
-        <c:axId val="1112825632"/>
+        <c:axId val="-1444327872"/>
         <c:scaling>
           <c:orientation val="minMax"/>
         </c:scaling>
@@ -353,7 +1380,7 @@
             <a:endParaRPr lang="en-US"/>
           </a:p>
         </c:txPr>
-        <c:crossAx val="1206617664"/>
+        <c:crossAx val="-1444325312"/>
         <c:crosses val="autoZero"/>
         <c:auto val="1"/>
         <c:lblAlgn val="ctr"/>
@@ -361,7 +1388,7 @@
         <c:noMultiLvlLbl val="0"/>
       </c:catAx>
       <c:valAx>
-        <c:axId val="1206617664"/>
+        <c:axId val="-1444325312"/>
         <c:scaling>
           <c:orientation val="minMax"/>
         </c:scaling>
@@ -381,7 +1408,6 @@
             <a:effectLst/>
           </c:spPr>
         </c:majorGridlines>
-        <c:numFmt formatCode="General" sourceLinked="1"/>
         <c:majorTickMark val="none"/>
         <c:minorTickMark val="none"/>
         <c:tickLblPos val="nextTo"/>
@@ -412,7 +1438,7 @@
             <a:endParaRPr lang="en-US"/>
           </a:p>
         </c:txPr>
-        <c:crossAx val="1112825632"/>
+        <c:crossAx val="-1444327872"/>
         <c:crosses val="autoZero"/>
         <c:crossBetween val="between"/>
       </c:valAx>
@@ -426,6 +1452,14 @@
     </c:plotArea>
     <c:legend>
       <c:legendPos val="b"/>
+      <c:legendEntry>
+        <c:idx val="0"/>
+        <c:delete val="1"/>
+      </c:legendEntry>
+      <c:legendEntry>
+        <c:idx val="1"/>
+        <c:delete val="1"/>
+      </c:legendEntry>
       <c:layout/>
       <c:overlay val="0"/>
       <c:spPr>
@@ -497,7 +1531,68 @@
     </mc:Fallback>
   </mc:AlternateContent>
   <c:chart>
-    <c:autoTitleDeleted val="1"/>
+    <c:title>
+      <c:tx>
+        <c:rich>
+          <a:bodyPr rot="0" spcFirstLastPara="1" vertOverflow="ellipsis" vert="horz" wrap="square" anchor="ctr" anchorCtr="1"/>
+          <a:lstStyle/>
+          <a:p>
+            <a:pPr>
+              <a:defRPr sz="1400" b="0" i="0" u="none" strike="noStrike" kern="1200" spc="0" baseline="0">
+                <a:solidFill>
+                  <a:schemeClr val="tx1">
+                    <a:lumMod val="65000"/>
+                    <a:lumOff val="35000"/>
+                  </a:schemeClr>
+                </a:solidFill>
+                <a:latin typeface="+mn-lt"/>
+                <a:ea typeface="+mn-ea"/>
+                <a:cs typeface="+mn-cs"/>
+              </a:defRPr>
+            </a:pPr>
+            <a:r>
+              <a:rPr lang="en-US" sz="1800" b="0" i="0" baseline="0">
+                <a:effectLst/>
+              </a:rPr>
+              <a:t>4 group offer acceptance</a:t>
+            </a:r>
+            <a:endParaRPr lang="en-US">
+              <a:effectLst/>
+            </a:endParaRPr>
+          </a:p>
+        </c:rich>
+      </c:tx>
+      <c:layout/>
+      <c:overlay val="0"/>
+      <c:spPr>
+        <a:noFill/>
+        <a:ln>
+          <a:noFill/>
+        </a:ln>
+        <a:effectLst/>
+      </c:spPr>
+      <c:txPr>
+        <a:bodyPr rot="0" spcFirstLastPara="1" vertOverflow="ellipsis" vert="horz" wrap="square" anchor="ctr" anchorCtr="1"/>
+        <a:lstStyle/>
+        <a:p>
+          <a:pPr>
+            <a:defRPr sz="1400" b="0" i="0" u="none" strike="noStrike" kern="1200" spc="0" baseline="0">
+              <a:solidFill>
+                <a:schemeClr val="tx1">
+                  <a:lumMod val="65000"/>
+                  <a:lumOff val="35000"/>
+                </a:schemeClr>
+              </a:solidFill>
+              <a:latin typeface="+mn-lt"/>
+              <a:ea typeface="+mn-ea"/>
+              <a:cs typeface="+mn-cs"/>
+            </a:defRPr>
+          </a:pPr>
+          <a:endParaRPr lang="en-US"/>
+        </a:p>
+      </c:txPr>
+    </c:title>
+    <c:autoTitleDeleted val="0"/>
     <c:plotArea>
       <c:layout/>
       <c:barChart>
@@ -509,11 +1604,11 @@
           <c:order val="0"/>
           <c:tx>
             <c:strRef>
-              <c:f>byGroup_count!$G$21</c:f>
+              <c:f>group4_reappraisal!$B$1</c:f>
               <c:strCache>
                 <c:ptCount val="1"/>
                 <c:pt idx="0">
-                  <c:v>Accept_fair</c:v>
+                  <c:v>cond</c:v>
                 </c:pt>
               </c:strCache>
             </c:strRef>
@@ -529,62 +1624,195 @@
           </c:spPr>
           <c:invertIfNegative val="0"/>
           <c:cat>
-            <c:strRef>
-              <c:f>byGroup_count!$F$22:$F$25</c:f>
-              <c:strCache>
-                <c:ptCount val="4"/>
-                <c:pt idx="0">
-                  <c:v>attempter</c:v>
-                </c:pt>
-                <c:pt idx="1">
-                  <c:v>control</c:v>
-                </c:pt>
-                <c:pt idx="2">
-                  <c:v>depression</c:v>
-                </c:pt>
-                <c:pt idx="3">
-                  <c:v>ideator</c:v>
-                </c:pt>
-              </c:strCache>
-            </c:strRef>
+            <c:multiLvlStrRef>
+              <c:f>group4_reappraisal!$A$2:$C$25</c:f>
+              <c:multiLvlStrCache>
+                <c:ptCount val="24"/>
+                <c:lvl>
+                  <c:pt idx="0">
+                    <c:v>fair</c:v>
+                  </c:pt>
+                  <c:pt idx="1">
+                    <c:v>unfair</c:v>
+                  </c:pt>
+                  <c:pt idx="2">
+                    <c:v>fair</c:v>
+                  </c:pt>
+                  <c:pt idx="3">
+                    <c:v>unfair</c:v>
+                  </c:pt>
+                  <c:pt idx="4">
+                    <c:v>fair</c:v>
+                  </c:pt>
+                  <c:pt idx="5">
+                    <c:v>unfair</c:v>
+                  </c:pt>
+                  <c:pt idx="6">
+                    <c:v>fair</c:v>
+                  </c:pt>
+                  <c:pt idx="7">
+                    <c:v>unfair</c:v>
+                  </c:pt>
+                  <c:pt idx="8">
+                    <c:v>fair</c:v>
+                  </c:pt>
+                  <c:pt idx="9">
+                    <c:v>unfair</c:v>
+                  </c:pt>
+                  <c:pt idx="10">
+                    <c:v>fair</c:v>
+                  </c:pt>
+                  <c:pt idx="11">
+                    <c:v>unfair</c:v>
+                  </c:pt>
+                  <c:pt idx="12">
+                    <c:v>fair</c:v>
+                  </c:pt>
+                  <c:pt idx="13">
+                    <c:v>unfair</c:v>
+                  </c:pt>
+                  <c:pt idx="14">
+                    <c:v>fair</c:v>
+                  </c:pt>
+                  <c:pt idx="15">
+                    <c:v>unfair</c:v>
+                  </c:pt>
+                  <c:pt idx="16">
+                    <c:v>fair</c:v>
+                  </c:pt>
+                  <c:pt idx="17">
+                    <c:v>unfair</c:v>
+                  </c:pt>
+                  <c:pt idx="18">
+                    <c:v>fair</c:v>
+                  </c:pt>
+                  <c:pt idx="19">
+                    <c:v>unfair</c:v>
+                  </c:pt>
+                  <c:pt idx="20">
+                    <c:v>fair</c:v>
+                  </c:pt>
+                  <c:pt idx="21">
+                    <c:v>unfair</c:v>
+                  </c:pt>
+                  <c:pt idx="22">
+                    <c:v>fair</c:v>
+                  </c:pt>
+                  <c:pt idx="23">
+                    <c:v>unfair</c:v>
+                  </c:pt>
+                </c:lvl>
+                <c:lvl>
+                  <c:pt idx="0">
+                    <c:v>baseline</c:v>
+                  </c:pt>
+                  <c:pt idx="2">
+                    <c:v>empathy</c:v>
+                  </c:pt>
+                  <c:pt idx="4">
+                    <c:v>punish</c:v>
+                  </c:pt>
+                  <c:pt idx="6">
+                    <c:v>baseline</c:v>
+                  </c:pt>
+                  <c:pt idx="8">
+                    <c:v>empathy</c:v>
+                  </c:pt>
+                  <c:pt idx="10">
+                    <c:v>punish</c:v>
+                  </c:pt>
+                  <c:pt idx="12">
+                    <c:v>baseline</c:v>
+                  </c:pt>
+                  <c:pt idx="14">
+                    <c:v>empathy</c:v>
+                  </c:pt>
+                  <c:pt idx="16">
+                    <c:v>punish</c:v>
+                  </c:pt>
+                  <c:pt idx="18">
+                    <c:v>baseline</c:v>
+                  </c:pt>
+                  <c:pt idx="20">
+                    <c:v>empathy</c:v>
+                  </c:pt>
+                  <c:pt idx="22">
+                    <c:v>punish</c:v>
+                  </c:pt>
+                </c:lvl>
+                <c:lvl>
+                  <c:pt idx="0">
+                    <c:v>attempter</c:v>
+                  </c:pt>
+                  <c:pt idx="6">
+                    <c:v>control</c:v>
+                  </c:pt>
+                  <c:pt idx="12">
+                    <c:v>depression</c:v>
+                  </c:pt>
+                  <c:pt idx="18">
+                    <c:v>ideator</c:v>
+                  </c:pt>
+                </c:lvl>
+              </c:multiLvlStrCache>
+            </c:multiLvlStrRef>
           </c:cat>
           <c:val>
             <c:numRef>
-              <c:f>byGroup_count!$G$22:$G$25</c:f>
+              <c:f>group4_reappraisal!$B$2:$B$25</c:f>
               <c:numCache>
                 <c:formatCode>General</c:formatCode>
-                <c:ptCount val="4"/>
+                <c:ptCount val="24"/>
                 <c:pt idx="0">
-                  <c:v>0.83963963963964</c:v>
-                </c:pt>
-                <c:pt idx="1">
-                  <c:v>0.861111111111111</c:v>
+                  <c:v>0.0</c:v>
                 </c:pt>
                 <c:pt idx="2">
-                  <c:v>0.878260869565217</c:v>
-                </c:pt>
-                <c:pt idx="3">
-                  <c:v>0.891228070175439</c:v>
+                  <c:v>0.0</c:v>
+                </c:pt>
+                <c:pt idx="4">
+                  <c:v>0.0</c:v>
+                </c:pt>
+                <c:pt idx="6">
+                  <c:v>0.0</c:v>
+                </c:pt>
+                <c:pt idx="8">
+                  <c:v>0.0</c:v>
+                </c:pt>
+                <c:pt idx="10">
+                  <c:v>0.0</c:v>
+                </c:pt>
+                <c:pt idx="12">
+                  <c:v>0.0</c:v>
+                </c:pt>
+                <c:pt idx="14">
+                  <c:v>0.0</c:v>
+                </c:pt>
+                <c:pt idx="16">
+                  <c:v>0.0</c:v>
+                </c:pt>
+                <c:pt idx="18">
+                  <c:v>0.0</c:v>
+                </c:pt>
+                <c:pt idx="20">
+                  <c:v>0.0</c:v>
+                </c:pt>
+                <c:pt idx="22">
+                  <c:v>0.0</c:v>
                 </c:pt>
               </c:numCache>
             </c:numRef>
           </c:val>
-          <c:extLst xmlns:c16r2="http://schemas.microsoft.com/office/drawing/2015/06/chart">
-            <c:ext xmlns:c16="http://schemas.microsoft.com/office/drawing/2014/chart" uri="{C3380CC4-5D6E-409C-BE32-E72D297353CC}">
-              <c16:uniqueId val="{00000000-14F8-4FC0-8B36-2D205290046D}"/>
-            </c:ext>
-          </c:extLst>
         </c:ser>
         <c:ser>
           <c:idx val="1"/>
           <c:order val="1"/>
           <c:tx>
             <c:strRef>
-              <c:f>byGroup_count!$G$28</c:f>
+              <c:f>group4_reappraisal!$C$1</c:f>
               <c:strCache>
                 <c:ptCount val="1"/>
                 <c:pt idx="0">
-                  <c:v>Accept_unfair</c:v>
+                  <c:v>fairness</c:v>
                 </c:pt>
               </c:strCache>
             </c:strRef>
@@ -600,51 +1828,700 @@
           </c:spPr>
           <c:invertIfNegative val="0"/>
           <c:cat>
-            <c:strRef>
-              <c:f>byGroup_count!$F$22:$F$25</c:f>
-              <c:strCache>
-                <c:ptCount val="4"/>
-                <c:pt idx="0">
-                  <c:v>attempter</c:v>
-                </c:pt>
-                <c:pt idx="1">
-                  <c:v>control</c:v>
-                </c:pt>
-                <c:pt idx="2">
-                  <c:v>depression</c:v>
-                </c:pt>
-                <c:pt idx="3">
-                  <c:v>ideator</c:v>
-                </c:pt>
-              </c:strCache>
-            </c:strRef>
+            <c:multiLvlStrRef>
+              <c:f>group4_reappraisal!$A$2:$C$25</c:f>
+              <c:multiLvlStrCache>
+                <c:ptCount val="24"/>
+                <c:lvl>
+                  <c:pt idx="0">
+                    <c:v>fair</c:v>
+                  </c:pt>
+                  <c:pt idx="1">
+                    <c:v>unfair</c:v>
+                  </c:pt>
+                  <c:pt idx="2">
+                    <c:v>fair</c:v>
+                  </c:pt>
+                  <c:pt idx="3">
+                    <c:v>unfair</c:v>
+                  </c:pt>
+                  <c:pt idx="4">
+                    <c:v>fair</c:v>
+                  </c:pt>
+                  <c:pt idx="5">
+                    <c:v>unfair</c:v>
+                  </c:pt>
+                  <c:pt idx="6">
+                    <c:v>fair</c:v>
+                  </c:pt>
+                  <c:pt idx="7">
+                    <c:v>unfair</c:v>
+                  </c:pt>
+                  <c:pt idx="8">
+                    <c:v>fair</c:v>
+                  </c:pt>
+                  <c:pt idx="9">
+                    <c:v>unfair</c:v>
+                  </c:pt>
+                  <c:pt idx="10">
+                    <c:v>fair</c:v>
+                  </c:pt>
+                  <c:pt idx="11">
+                    <c:v>unfair</c:v>
+                  </c:pt>
+                  <c:pt idx="12">
+                    <c:v>fair</c:v>
+                  </c:pt>
+                  <c:pt idx="13">
+                    <c:v>unfair</c:v>
+                  </c:pt>
+                  <c:pt idx="14">
+                    <c:v>fair</c:v>
+                  </c:pt>
+                  <c:pt idx="15">
+                    <c:v>unfair</c:v>
+                  </c:pt>
+                  <c:pt idx="16">
+                    <c:v>fair</c:v>
+                  </c:pt>
+                  <c:pt idx="17">
+                    <c:v>unfair</c:v>
+                  </c:pt>
+                  <c:pt idx="18">
+                    <c:v>fair</c:v>
+                  </c:pt>
+                  <c:pt idx="19">
+                    <c:v>unfair</c:v>
+                  </c:pt>
+                  <c:pt idx="20">
+                    <c:v>fair</c:v>
+                  </c:pt>
+                  <c:pt idx="21">
+                    <c:v>unfair</c:v>
+                  </c:pt>
+                  <c:pt idx="22">
+                    <c:v>fair</c:v>
+                  </c:pt>
+                  <c:pt idx="23">
+                    <c:v>unfair</c:v>
+                  </c:pt>
+                </c:lvl>
+                <c:lvl>
+                  <c:pt idx="0">
+                    <c:v>baseline</c:v>
+                  </c:pt>
+                  <c:pt idx="2">
+                    <c:v>empathy</c:v>
+                  </c:pt>
+                  <c:pt idx="4">
+                    <c:v>punish</c:v>
+                  </c:pt>
+                  <c:pt idx="6">
+                    <c:v>baseline</c:v>
+                  </c:pt>
+                  <c:pt idx="8">
+                    <c:v>empathy</c:v>
+                  </c:pt>
+                  <c:pt idx="10">
+                    <c:v>punish</c:v>
+                  </c:pt>
+                  <c:pt idx="12">
+                    <c:v>baseline</c:v>
+                  </c:pt>
+                  <c:pt idx="14">
+                    <c:v>empathy</c:v>
+                  </c:pt>
+                  <c:pt idx="16">
+                    <c:v>punish</c:v>
+                  </c:pt>
+                  <c:pt idx="18">
+                    <c:v>baseline</c:v>
+                  </c:pt>
+                  <c:pt idx="20">
+                    <c:v>empathy</c:v>
+                  </c:pt>
+                  <c:pt idx="22">
+                    <c:v>punish</c:v>
+                  </c:pt>
+                </c:lvl>
+                <c:lvl>
+                  <c:pt idx="0">
+                    <c:v>attempter</c:v>
+                  </c:pt>
+                  <c:pt idx="6">
+                    <c:v>control</c:v>
+                  </c:pt>
+                  <c:pt idx="12">
+                    <c:v>depression</c:v>
+                  </c:pt>
+                  <c:pt idx="18">
+                    <c:v>ideator</c:v>
+                  </c:pt>
+                </c:lvl>
+              </c:multiLvlStrCache>
+            </c:multiLvlStrRef>
           </c:cat>
           <c:val>
             <c:numRef>
-              <c:f>byGroup_count!$G$29:$G$32</c:f>
+              <c:f>group4_reappraisal!$C$2:$C$25</c:f>
               <c:numCache>
                 <c:formatCode>General</c:formatCode>
-                <c:ptCount val="4"/>
+                <c:ptCount val="24"/>
                 <c:pt idx="0">
-                  <c:v>0.565422565422565</c:v>
+                  <c:v>0.0</c:v>
                 </c:pt>
                 <c:pt idx="1">
-                  <c:v>0.613756613756614</c:v>
+                  <c:v>0.0</c:v>
                 </c:pt>
                 <c:pt idx="2">
-                  <c:v>0.685300207039338</c:v>
+                  <c:v>0.0</c:v>
                 </c:pt>
                 <c:pt idx="3">
-                  <c:v>0.642439431913116</c:v>
+                  <c:v>0.0</c:v>
+                </c:pt>
+                <c:pt idx="4">
+                  <c:v>0.0</c:v>
+                </c:pt>
+                <c:pt idx="5">
+                  <c:v>0.0</c:v>
+                </c:pt>
+                <c:pt idx="6">
+                  <c:v>0.0</c:v>
+                </c:pt>
+                <c:pt idx="7">
+                  <c:v>0.0</c:v>
+                </c:pt>
+                <c:pt idx="8">
+                  <c:v>0.0</c:v>
+                </c:pt>
+                <c:pt idx="9">
+                  <c:v>0.0</c:v>
+                </c:pt>
+                <c:pt idx="10">
+                  <c:v>0.0</c:v>
+                </c:pt>
+                <c:pt idx="11">
+                  <c:v>0.0</c:v>
+                </c:pt>
+                <c:pt idx="12">
+                  <c:v>0.0</c:v>
+                </c:pt>
+                <c:pt idx="13">
+                  <c:v>0.0</c:v>
+                </c:pt>
+                <c:pt idx="14">
+                  <c:v>0.0</c:v>
+                </c:pt>
+                <c:pt idx="15">
+                  <c:v>0.0</c:v>
+                </c:pt>
+                <c:pt idx="16">
+                  <c:v>0.0</c:v>
+                </c:pt>
+                <c:pt idx="17">
+                  <c:v>0.0</c:v>
+                </c:pt>
+                <c:pt idx="18">
+                  <c:v>0.0</c:v>
+                </c:pt>
+                <c:pt idx="19">
+                  <c:v>0.0</c:v>
+                </c:pt>
+                <c:pt idx="20">
+                  <c:v>0.0</c:v>
+                </c:pt>
+                <c:pt idx="21">
+                  <c:v>0.0</c:v>
+                </c:pt>
+                <c:pt idx="22">
+                  <c:v>0.0</c:v>
+                </c:pt>
+                <c:pt idx="23">
+                  <c:v>0.0</c:v>
                 </c:pt>
               </c:numCache>
             </c:numRef>
           </c:val>
-          <c:extLst xmlns:c16r2="http://schemas.microsoft.com/office/drawing/2015/06/chart">
-            <c:ext xmlns:c16="http://schemas.microsoft.com/office/drawing/2014/chart" uri="{C3380CC4-5D6E-409C-BE32-E72D297353CC}">
-              <c16:uniqueId val="{00000001-14F8-4FC0-8B36-2D205290046D}"/>
-            </c:ext>
-          </c:extLst>
+        </c:ser>
+        <c:ser>
+          <c:idx val="2"/>
+          <c:order val="2"/>
+          <c:tx>
+            <c:strRef>
+              <c:f>group4_reappraisal!$D$1</c:f>
+              <c:strCache>
+                <c:ptCount val="1"/>
+                <c:pt idx="0">
+                  <c:v>reject</c:v>
+                </c:pt>
+              </c:strCache>
+            </c:strRef>
+          </c:tx>
+          <c:spPr>
+            <a:solidFill>
+              <a:schemeClr val="accent3"/>
+            </a:solidFill>
+            <a:ln>
+              <a:noFill/>
+            </a:ln>
+            <a:effectLst/>
+          </c:spPr>
+          <c:invertIfNegative val="0"/>
+          <c:cat>
+            <c:multiLvlStrRef>
+              <c:f>group4_reappraisal!$A$2:$C$25</c:f>
+              <c:multiLvlStrCache>
+                <c:ptCount val="24"/>
+                <c:lvl>
+                  <c:pt idx="0">
+                    <c:v>fair</c:v>
+                  </c:pt>
+                  <c:pt idx="1">
+                    <c:v>unfair</c:v>
+                  </c:pt>
+                  <c:pt idx="2">
+                    <c:v>fair</c:v>
+                  </c:pt>
+                  <c:pt idx="3">
+                    <c:v>unfair</c:v>
+                  </c:pt>
+                  <c:pt idx="4">
+                    <c:v>fair</c:v>
+                  </c:pt>
+                  <c:pt idx="5">
+                    <c:v>unfair</c:v>
+                  </c:pt>
+                  <c:pt idx="6">
+                    <c:v>fair</c:v>
+                  </c:pt>
+                  <c:pt idx="7">
+                    <c:v>unfair</c:v>
+                  </c:pt>
+                  <c:pt idx="8">
+                    <c:v>fair</c:v>
+                  </c:pt>
+                  <c:pt idx="9">
+                    <c:v>unfair</c:v>
+                  </c:pt>
+                  <c:pt idx="10">
+                    <c:v>fair</c:v>
+                  </c:pt>
+                  <c:pt idx="11">
+                    <c:v>unfair</c:v>
+                  </c:pt>
+                  <c:pt idx="12">
+                    <c:v>fair</c:v>
+                  </c:pt>
+                  <c:pt idx="13">
+                    <c:v>unfair</c:v>
+                  </c:pt>
+                  <c:pt idx="14">
+                    <c:v>fair</c:v>
+                  </c:pt>
+                  <c:pt idx="15">
+                    <c:v>unfair</c:v>
+                  </c:pt>
+                  <c:pt idx="16">
+                    <c:v>fair</c:v>
+                  </c:pt>
+                  <c:pt idx="17">
+                    <c:v>unfair</c:v>
+                  </c:pt>
+                  <c:pt idx="18">
+                    <c:v>fair</c:v>
+                  </c:pt>
+                  <c:pt idx="19">
+                    <c:v>unfair</c:v>
+                  </c:pt>
+                  <c:pt idx="20">
+                    <c:v>fair</c:v>
+                  </c:pt>
+                  <c:pt idx="21">
+                    <c:v>unfair</c:v>
+                  </c:pt>
+                  <c:pt idx="22">
+                    <c:v>fair</c:v>
+                  </c:pt>
+                  <c:pt idx="23">
+                    <c:v>unfair</c:v>
+                  </c:pt>
+                </c:lvl>
+                <c:lvl>
+                  <c:pt idx="0">
+                    <c:v>baseline</c:v>
+                  </c:pt>
+                  <c:pt idx="2">
+                    <c:v>empathy</c:v>
+                  </c:pt>
+                  <c:pt idx="4">
+                    <c:v>punish</c:v>
+                  </c:pt>
+                  <c:pt idx="6">
+                    <c:v>baseline</c:v>
+                  </c:pt>
+                  <c:pt idx="8">
+                    <c:v>empathy</c:v>
+                  </c:pt>
+                  <c:pt idx="10">
+                    <c:v>punish</c:v>
+                  </c:pt>
+                  <c:pt idx="12">
+                    <c:v>baseline</c:v>
+                  </c:pt>
+                  <c:pt idx="14">
+                    <c:v>empathy</c:v>
+                  </c:pt>
+                  <c:pt idx="16">
+                    <c:v>punish</c:v>
+                  </c:pt>
+                  <c:pt idx="18">
+                    <c:v>baseline</c:v>
+                  </c:pt>
+                  <c:pt idx="20">
+                    <c:v>empathy</c:v>
+                  </c:pt>
+                  <c:pt idx="22">
+                    <c:v>punish</c:v>
+                  </c:pt>
+                </c:lvl>
+                <c:lvl>
+                  <c:pt idx="0">
+                    <c:v>attempter</c:v>
+                  </c:pt>
+                  <c:pt idx="6">
+                    <c:v>control</c:v>
+                  </c:pt>
+                  <c:pt idx="12">
+                    <c:v>depression</c:v>
+                  </c:pt>
+                  <c:pt idx="18">
+                    <c:v>ideator</c:v>
+                  </c:pt>
+                </c:lvl>
+              </c:multiLvlStrCache>
+            </c:multiLvlStrRef>
+          </c:cat>
+          <c:val>
+            <c:numRef>
+              <c:f>group4_reappraisal!$D$2:$D$25</c:f>
+              <c:numCache>
+                <c:formatCode>General</c:formatCode>
+                <c:ptCount val="24"/>
+                <c:pt idx="0">
+                  <c:v>0.131972789115646</c:v>
+                </c:pt>
+                <c:pt idx="1">
+                  <c:v>0.432134758665371</c:v>
+                </c:pt>
+                <c:pt idx="2">
+                  <c:v>0.0722222222222222</c:v>
+                </c:pt>
+                <c:pt idx="3">
+                  <c:v>0.212962962962963</c:v>
+                </c:pt>
+                <c:pt idx="4">
+                  <c:v>0.361111111111111</c:v>
+                </c:pt>
+                <c:pt idx="5">
+                  <c:v>0.666666666666667</c:v>
+                </c:pt>
+                <c:pt idx="6">
+                  <c:v>0.114583333333333</c:v>
+                </c:pt>
+                <c:pt idx="7">
+                  <c:v>0.39781746031746</c:v>
+                </c:pt>
+                <c:pt idx="8">
+                  <c:v>0.0583333333333333</c:v>
+                </c:pt>
+                <c:pt idx="9">
+                  <c:v>0.126984126984127</c:v>
+                </c:pt>
+                <c:pt idx="10">
+                  <c:v>0.316666666666667</c:v>
+                </c:pt>
+                <c:pt idx="11">
+                  <c:v>0.599206349206349</c:v>
+                </c:pt>
+                <c:pt idx="12">
+                  <c:v>0.0978260869565217</c:v>
+                </c:pt>
+                <c:pt idx="13">
+                  <c:v>0.31055900621118</c:v>
+                </c:pt>
+                <c:pt idx="14">
+                  <c:v>0.0608695652173913</c:v>
+                </c:pt>
+                <c:pt idx="15">
+                  <c:v>0.173913043478261</c:v>
+                </c:pt>
+                <c:pt idx="16">
+                  <c:v>0.278260869565217</c:v>
+                </c:pt>
+                <c:pt idx="17">
+                  <c:v>0.472049689440994</c:v>
+                </c:pt>
+                <c:pt idx="18">
+                  <c:v>0.0831168831168831</c:v>
+                </c:pt>
+                <c:pt idx="19">
+                  <c:v>0.368583797155226</c:v>
+                </c:pt>
+                <c:pt idx="20">
+                  <c:v>0.01</c:v>
+                </c:pt>
+                <c:pt idx="21">
+                  <c:v>0.0976190476190476</c:v>
+                </c:pt>
+                <c:pt idx="22">
+                  <c:v>0.32</c:v>
+                </c:pt>
+                <c:pt idx="23">
+                  <c:v>0.585714285714286</c:v>
+                </c:pt>
+              </c:numCache>
+            </c:numRef>
+          </c:val>
+        </c:ser>
+        <c:ser>
+          <c:idx val="3"/>
+          <c:order val="3"/>
+          <c:tx>
+            <c:strRef>
+              <c:f>group4_reappraisal!$E$1</c:f>
+              <c:strCache>
+                <c:ptCount val="1"/>
+                <c:pt idx="0">
+                  <c:v>accept</c:v>
+                </c:pt>
+              </c:strCache>
+            </c:strRef>
+          </c:tx>
+          <c:spPr>
+            <a:solidFill>
+              <a:schemeClr val="accent4"/>
+            </a:solidFill>
+            <a:ln>
+              <a:noFill/>
+            </a:ln>
+            <a:effectLst/>
+          </c:spPr>
+          <c:invertIfNegative val="0"/>
+          <c:cat>
+            <c:multiLvlStrRef>
+              <c:f>group4_reappraisal!$A$2:$C$25</c:f>
+              <c:multiLvlStrCache>
+                <c:ptCount val="24"/>
+                <c:lvl>
+                  <c:pt idx="0">
+                    <c:v>fair</c:v>
+                  </c:pt>
+                  <c:pt idx="1">
+                    <c:v>unfair</c:v>
+                  </c:pt>
+                  <c:pt idx="2">
+                    <c:v>fair</c:v>
+                  </c:pt>
+                  <c:pt idx="3">
+                    <c:v>unfair</c:v>
+                  </c:pt>
+                  <c:pt idx="4">
+                    <c:v>fair</c:v>
+                  </c:pt>
+                  <c:pt idx="5">
+                    <c:v>unfair</c:v>
+                  </c:pt>
+                  <c:pt idx="6">
+                    <c:v>fair</c:v>
+                  </c:pt>
+                  <c:pt idx="7">
+                    <c:v>unfair</c:v>
+                  </c:pt>
+                  <c:pt idx="8">
+                    <c:v>fair</c:v>
+                  </c:pt>
+                  <c:pt idx="9">
+                    <c:v>unfair</c:v>
+                  </c:pt>
+                  <c:pt idx="10">
+                    <c:v>fair</c:v>
+                  </c:pt>
+                  <c:pt idx="11">
+                    <c:v>unfair</c:v>
+                  </c:pt>
+                  <c:pt idx="12">
+                    <c:v>fair</c:v>
+                  </c:pt>
+                  <c:pt idx="13">
+                    <c:v>unfair</c:v>
+                  </c:pt>
+                  <c:pt idx="14">
+                    <c:v>fair</c:v>
+                  </c:pt>
+                  <c:pt idx="15">
+                    <c:v>unfair</c:v>
+                  </c:pt>
+                  <c:pt idx="16">
+                    <c:v>fair</c:v>
+                  </c:pt>
+                  <c:pt idx="17">
+                    <c:v>unfair</c:v>
+                  </c:pt>
+                  <c:pt idx="18">
+                    <c:v>fair</c:v>
+                  </c:pt>
+                  <c:pt idx="19">
+                    <c:v>unfair</c:v>
+                  </c:pt>
+                  <c:pt idx="20">
+                    <c:v>fair</c:v>
+                  </c:pt>
+                  <c:pt idx="21">
+                    <c:v>unfair</c:v>
+                  </c:pt>
+                  <c:pt idx="22">
+                    <c:v>fair</c:v>
+                  </c:pt>
+                  <c:pt idx="23">
+                    <c:v>unfair</c:v>
+                  </c:pt>
+                </c:lvl>
+                <c:lvl>
+                  <c:pt idx="0">
+                    <c:v>baseline</c:v>
+                  </c:pt>
+                  <c:pt idx="2">
+                    <c:v>empathy</c:v>
+                  </c:pt>
+                  <c:pt idx="4">
+                    <c:v>punish</c:v>
+                  </c:pt>
+                  <c:pt idx="6">
+                    <c:v>baseline</c:v>
+                  </c:pt>
+                  <c:pt idx="8">
+                    <c:v>empathy</c:v>
+                  </c:pt>
+                  <c:pt idx="10">
+                    <c:v>punish</c:v>
+                  </c:pt>
+                  <c:pt idx="12">
+                    <c:v>baseline</c:v>
+                  </c:pt>
+                  <c:pt idx="14">
+                    <c:v>empathy</c:v>
+                  </c:pt>
+                  <c:pt idx="16">
+                    <c:v>punish</c:v>
+                  </c:pt>
+                  <c:pt idx="18">
+                    <c:v>baseline</c:v>
+                  </c:pt>
+                  <c:pt idx="20">
+                    <c:v>empathy</c:v>
+                  </c:pt>
+                  <c:pt idx="22">
+                    <c:v>punish</c:v>
+                  </c:pt>
+                </c:lvl>
+                <c:lvl>
+                  <c:pt idx="0">
+                    <c:v>attempter</c:v>
+                  </c:pt>
+                  <c:pt idx="6">
+                    <c:v>control</c:v>
+                  </c:pt>
+                  <c:pt idx="12">
+                    <c:v>depression</c:v>
+                  </c:pt>
+                  <c:pt idx="18">
+                    <c:v>ideator</c:v>
+                  </c:pt>
+                </c:lvl>
+              </c:multiLvlStrCache>
+            </c:multiLvlStrRef>
+          </c:cat>
+          <c:val>
+            <c:numRef>
+              <c:f>group4_reappraisal!$E$2:$E$25</c:f>
+              <c:numCache>
+                <c:formatCode>General</c:formatCode>
+                <c:ptCount val="24"/>
+                <c:pt idx="0">
+                  <c:v>0.868027210884354</c:v>
+                </c:pt>
+                <c:pt idx="1">
+                  <c:v>0.567865241334629</c:v>
+                </c:pt>
+                <c:pt idx="2">
+                  <c:v>0.927777777777778</c:v>
+                </c:pt>
+                <c:pt idx="3">
+                  <c:v>0.787037037037037</c:v>
+                </c:pt>
+                <c:pt idx="4">
+                  <c:v>0.638888888888889</c:v>
+                </c:pt>
+                <c:pt idx="5">
+                  <c:v>0.333333333333333</c:v>
+                </c:pt>
+                <c:pt idx="6">
+                  <c:v>0.885416666666667</c:v>
+                </c:pt>
+                <c:pt idx="7">
+                  <c:v>0.60218253968254</c:v>
+                </c:pt>
+                <c:pt idx="8">
+                  <c:v>0.941666666666667</c:v>
+                </c:pt>
+                <c:pt idx="9">
+                  <c:v>0.873015873015873</c:v>
+                </c:pt>
+                <c:pt idx="10">
+                  <c:v>0.683333333333333</c:v>
+                </c:pt>
+                <c:pt idx="11">
+                  <c:v>0.400793650793651</c:v>
+                </c:pt>
+                <c:pt idx="12">
+                  <c:v>0.902173913043478</c:v>
+                </c:pt>
+                <c:pt idx="13">
+                  <c:v>0.68944099378882</c:v>
+                </c:pt>
+                <c:pt idx="14">
+                  <c:v>0.939130434782609</c:v>
+                </c:pt>
+                <c:pt idx="15">
+                  <c:v>0.826086956521739</c:v>
+                </c:pt>
+                <c:pt idx="16">
+                  <c:v>0.721739130434783</c:v>
+                </c:pt>
+                <c:pt idx="17">
+                  <c:v>0.527950310559006</c:v>
+                </c:pt>
+                <c:pt idx="18">
+                  <c:v>0.916883116883117</c:v>
+                </c:pt>
+                <c:pt idx="19">
+                  <c:v>0.631416202844774</c:v>
+                </c:pt>
+                <c:pt idx="20">
+                  <c:v>0.99</c:v>
+                </c:pt>
+                <c:pt idx="21">
+                  <c:v>0.902380952380952</c:v>
+                </c:pt>
+                <c:pt idx="22">
+                  <c:v>0.68</c:v>
+                </c:pt>
+                <c:pt idx="23">
+                  <c:v>0.414285714285714</c:v>
+                </c:pt>
+              </c:numCache>
+            </c:numRef>
+          </c:val>
         </c:ser>
         <c:dLbls>
           <c:showLegendKey val="0"/>
@@ -656,11 +2533,11 @@
         </c:dLbls>
         <c:gapWidth val="219"/>
         <c:overlap val="-27"/>
-        <c:axId val="1112985184"/>
-        <c:axId val="1113115392"/>
+        <c:axId val="-1424254080"/>
+        <c:axId val="-1424251520"/>
       </c:barChart>
       <c:catAx>
-        <c:axId val="1112985184"/>
+        <c:axId val="-1424254080"/>
         <c:scaling>
           <c:orientation val="minMax"/>
         </c:scaling>
@@ -703,7 +2580,7 @@
             <a:endParaRPr lang="en-US"/>
           </a:p>
         </c:txPr>
-        <c:crossAx val="1113115392"/>
+        <c:crossAx val="-1424251520"/>
         <c:crosses val="autoZero"/>
         <c:auto val="1"/>
         <c:lblAlgn val="ctr"/>
@@ -711,7 +2588,7 @@
         <c:noMultiLvlLbl val="0"/>
       </c:catAx>
       <c:valAx>
-        <c:axId val="1113115392"/>
+        <c:axId val="-1424251520"/>
         <c:scaling>
           <c:orientation val="minMax"/>
         </c:scaling>
@@ -762,7 +2639,7 @@
             <a:endParaRPr lang="en-US"/>
           </a:p>
         </c:txPr>
-        <c:crossAx val="1112985184"/>
+        <c:crossAx val="-1424254080"/>
         <c:crosses val="autoZero"/>
         <c:crossBetween val="between"/>
       </c:valAx>
@@ -776,6 +2653,14 @@
     </c:plotArea>
     <c:legend>
       <c:legendPos val="b"/>
+      <c:legendEntry>
+        <c:idx val="0"/>
+        <c:delete val="1"/>
+      </c:legendEntry>
+      <c:legendEntry>
+        <c:idx val="1"/>
+        <c:delete val="1"/>
+      </c:legendEntry>
       <c:layout/>
       <c:overlay val="0"/>
       <c:spPr>
@@ -867,17 +2752,18 @@
               </a:defRPr>
             </a:pPr>
             <a:r>
-              <a:rPr lang="en-US"/>
-              <a:t>% of accepted</a:t>
+              <a:rPr lang="en-US" sz="1800" b="0" i="0" baseline="0">
+                <a:effectLst/>
+              </a:rPr>
+              <a:t>5 group offer acceptance</a:t>
             </a:r>
-            <a:r>
-              <a:rPr lang="en-US" baseline="0"/>
-              <a:t> trials</a:t>
-            </a:r>
-            <a:endParaRPr lang="en-US"/>
+            <a:endParaRPr lang="en-US">
+              <a:effectLst/>
+            </a:endParaRPr>
           </a:p>
         </c:rich>
       </c:tx>
+      <c:layout/>
       <c:overlay val="0"/>
       <c:spPr>
         <a:noFill/>
@@ -912,18 +2798,18 @@
       <c:layout/>
       <c:barChart>
         <c:barDir val="col"/>
-        <c:grouping val="stacked"/>
+        <c:grouping val="clustered"/>
         <c:varyColors val="0"/>
         <c:ser>
           <c:idx val="0"/>
           <c:order val="0"/>
           <c:tx>
             <c:strRef>
-              <c:f>Sheet3!$D$1</c:f>
+              <c:f>group5!$B$1</c:f>
               <c:strCache>
                 <c:ptCount val="1"/>
                 <c:pt idx="0">
-                  <c:v>Accept</c:v>
+                  <c:v>fairness</c:v>
                 </c:pt>
               </c:strCache>
             </c:strRef>
@@ -938,179 +2824,11 @@
             <a:effectLst/>
           </c:spPr>
           <c:invertIfNegative val="0"/>
-          <c:dPt>
-            <c:idx val="1"/>
-            <c:invertIfNegative val="0"/>
-            <c:bubble3D val="0"/>
-            <c:spPr>
-              <a:solidFill>
-                <a:srgbClr val="FFC000"/>
-              </a:solidFill>
-              <a:ln>
-                <a:noFill/>
-              </a:ln>
-              <a:effectLst/>
-            </c:spPr>
-          </c:dPt>
-          <c:dPt>
-            <c:idx val="3"/>
-            <c:invertIfNegative val="0"/>
-            <c:bubble3D val="0"/>
-            <c:spPr>
-              <a:solidFill>
-                <a:srgbClr val="FFC000"/>
-              </a:solidFill>
-              <a:ln>
-                <a:noFill/>
-              </a:ln>
-              <a:effectLst/>
-            </c:spPr>
-          </c:dPt>
-          <c:dPt>
-            <c:idx val="5"/>
-            <c:invertIfNegative val="0"/>
-            <c:bubble3D val="0"/>
-            <c:spPr>
-              <a:solidFill>
-                <a:srgbClr val="FFC000"/>
-              </a:solidFill>
-              <a:ln>
-                <a:noFill/>
-              </a:ln>
-              <a:effectLst/>
-            </c:spPr>
-          </c:dPt>
-          <c:dPt>
-            <c:idx val="7"/>
-            <c:invertIfNegative val="0"/>
-            <c:bubble3D val="0"/>
-            <c:spPr>
-              <a:solidFill>
-                <a:srgbClr val="FFC000"/>
-              </a:solidFill>
-              <a:ln>
-                <a:noFill/>
-              </a:ln>
-              <a:effectLst/>
-            </c:spPr>
-          </c:dPt>
-          <c:dPt>
-            <c:idx val="9"/>
-            <c:invertIfNegative val="0"/>
-            <c:bubble3D val="0"/>
-            <c:spPr>
-              <a:solidFill>
-                <a:srgbClr val="FFC000"/>
-              </a:solidFill>
-              <a:ln>
-                <a:noFill/>
-              </a:ln>
-              <a:effectLst/>
-            </c:spPr>
-          </c:dPt>
-          <c:dPt>
-            <c:idx val="11"/>
-            <c:invertIfNegative val="0"/>
-            <c:bubble3D val="0"/>
-            <c:spPr>
-              <a:solidFill>
-                <a:srgbClr val="FFC000"/>
-              </a:solidFill>
-              <a:ln>
-                <a:noFill/>
-              </a:ln>
-              <a:effectLst/>
-            </c:spPr>
-          </c:dPt>
-          <c:dPt>
-            <c:idx val="13"/>
-            <c:invertIfNegative val="0"/>
-            <c:bubble3D val="0"/>
-            <c:spPr>
-              <a:solidFill>
-                <a:srgbClr val="FFC000"/>
-              </a:solidFill>
-              <a:ln>
-                <a:noFill/>
-              </a:ln>
-              <a:effectLst/>
-            </c:spPr>
-          </c:dPt>
-          <c:dPt>
-            <c:idx val="15"/>
-            <c:invertIfNegative val="0"/>
-            <c:bubble3D val="0"/>
-            <c:spPr>
-              <a:solidFill>
-                <a:srgbClr val="FFC000"/>
-              </a:solidFill>
-              <a:ln>
-                <a:noFill/>
-              </a:ln>
-              <a:effectLst/>
-            </c:spPr>
-          </c:dPt>
-          <c:dPt>
-            <c:idx val="17"/>
-            <c:invertIfNegative val="0"/>
-            <c:bubble3D val="0"/>
-            <c:spPr>
-              <a:solidFill>
-                <a:srgbClr val="FFC000"/>
-              </a:solidFill>
-              <a:ln>
-                <a:noFill/>
-              </a:ln>
-              <a:effectLst/>
-            </c:spPr>
-          </c:dPt>
-          <c:dPt>
-            <c:idx val="19"/>
-            <c:invertIfNegative val="0"/>
-            <c:bubble3D val="0"/>
-            <c:spPr>
-              <a:solidFill>
-                <a:srgbClr val="FFC000"/>
-              </a:solidFill>
-              <a:ln>
-                <a:noFill/>
-              </a:ln>
-              <a:effectLst/>
-            </c:spPr>
-          </c:dPt>
-          <c:dPt>
-            <c:idx val="21"/>
-            <c:invertIfNegative val="0"/>
-            <c:bubble3D val="0"/>
-            <c:spPr>
-              <a:solidFill>
-                <a:srgbClr val="FFC000"/>
-              </a:solidFill>
-              <a:ln>
-                <a:noFill/>
-              </a:ln>
-              <a:effectLst/>
-            </c:spPr>
-          </c:dPt>
-          <c:dPt>
-            <c:idx val="23"/>
-            <c:invertIfNegative val="0"/>
-            <c:bubble3D val="0"/>
-            <c:spPr>
-              <a:solidFill>
-                <a:srgbClr val="FFC000"/>
-              </a:solidFill>
-              <a:ln>
-                <a:noFill/>
-              </a:ln>
-              <a:effectLst/>
-            </c:spPr>
-          </c:dPt>
           <c:cat>
             <c:multiLvlStrRef>
-              <c:f>Sheet3!$A$2:$C$25</c:f>
+              <c:f>group5!$A$2:$B$11</c:f>
               <c:multiLvlStrCache>
-                <c:ptCount val="24"/>
+                <c:ptCount val="10"/>
                 <c:lvl>
                   <c:pt idx="0">
                     <c:v>fair</c:v>
@@ -1140,100 +2858,23 @@
                     <c:v>fair</c:v>
                   </c:pt>
                   <c:pt idx="9">
-                    <c:v>unfair</c:v>
-                  </c:pt>
-                  <c:pt idx="10">
-                    <c:v>fair</c:v>
-                  </c:pt>
-                  <c:pt idx="11">
-                    <c:v>unfair</c:v>
-                  </c:pt>
-                  <c:pt idx="12">
-                    <c:v>fair</c:v>
-                  </c:pt>
-                  <c:pt idx="13">
-                    <c:v>unfair</c:v>
-                  </c:pt>
-                  <c:pt idx="14">
-                    <c:v>fair</c:v>
-                  </c:pt>
-                  <c:pt idx="15">
-                    <c:v>unfair</c:v>
-                  </c:pt>
-                  <c:pt idx="16">
-                    <c:v>fair</c:v>
-                  </c:pt>
-                  <c:pt idx="17">
-                    <c:v>unfair</c:v>
-                  </c:pt>
-                  <c:pt idx="18">
-                    <c:v>fair</c:v>
-                  </c:pt>
-                  <c:pt idx="19">
-                    <c:v>unfair</c:v>
-                  </c:pt>
-                  <c:pt idx="20">
-                    <c:v>fair</c:v>
-                  </c:pt>
-                  <c:pt idx="21">
-                    <c:v>unfair</c:v>
-                  </c:pt>
-                  <c:pt idx="22">
-                    <c:v>fair</c:v>
-                  </c:pt>
-                  <c:pt idx="23">
                     <c:v>unfair</c:v>
                   </c:pt>
                 </c:lvl>
                 <c:lvl>
                   <c:pt idx="0">
-                    <c:v>Base</c:v>
+                    <c:v>AttempterHL</c:v>
                   </c:pt>
                   <c:pt idx="2">
-                    <c:v>Pun</c:v>
+                    <c:v>AttempterLL</c:v>
                   </c:pt>
                   <c:pt idx="4">
-                    <c:v>Emp</c:v>
+                    <c:v>control</c:v>
                   </c:pt>
                   <c:pt idx="6">
-                    <c:v>Base</c:v>
+                    <c:v>depression</c:v>
                   </c:pt>
                   <c:pt idx="8">
-                    <c:v>Pun</c:v>
-                  </c:pt>
-                  <c:pt idx="10">
-                    <c:v>Emp</c:v>
-                  </c:pt>
-                  <c:pt idx="12">
-                    <c:v>Base</c:v>
-                  </c:pt>
-                  <c:pt idx="14">
-                    <c:v>Pun</c:v>
-                  </c:pt>
-                  <c:pt idx="16">
-                    <c:v>Emp</c:v>
-                  </c:pt>
-                  <c:pt idx="18">
-                    <c:v>Base</c:v>
-                  </c:pt>
-                  <c:pt idx="20">
-                    <c:v>Pun</c:v>
-                  </c:pt>
-                  <c:pt idx="22">
-                    <c:v>Emp</c:v>
-                  </c:pt>
-                </c:lvl>
-                <c:lvl>
-                  <c:pt idx="0">
-                    <c:v>attempter</c:v>
-                  </c:pt>
-                  <c:pt idx="6">
-                    <c:v>control</c:v>
-                  </c:pt>
-                  <c:pt idx="12">
-                    <c:v>depression</c:v>
-                  </c:pt>
-                  <c:pt idx="18">
                     <c:v>ideator</c:v>
                   </c:pt>
                 </c:lvl>
@@ -1242,81 +2883,281 @@
           </c:cat>
           <c:val>
             <c:numRef>
-              <c:f>Sheet3!$D$2:$D$25</c:f>
+              <c:f>group5!$B$2:$B$11</c:f>
               <c:numCache>
                 <c:formatCode>General</c:formatCode>
-                <c:ptCount val="24"/>
+                <c:ptCount val="10"/>
                 <c:pt idx="0">
-                  <c:v>0.956756756756757</c:v>
+                  <c:v>0.0</c:v>
                 </c:pt>
                 <c:pt idx="1">
-                  <c:v>0.575289575289575</c:v>
+                  <c:v>0.0</c:v>
                 </c:pt>
                 <c:pt idx="2">
-                  <c:v>0.632432432432432</c:v>
+                  <c:v>0.0</c:v>
                 </c:pt>
                 <c:pt idx="3">
-                  <c:v>0.328185328185328</c:v>
+                  <c:v>0.0</c:v>
                 </c:pt>
                 <c:pt idx="4">
-                  <c:v>0.92972972972973</c:v>
+                  <c:v>0.0</c:v>
                 </c:pt>
                 <c:pt idx="5">
-                  <c:v>0.792792792792793</c:v>
+                  <c:v>0.0</c:v>
                 </c:pt>
                 <c:pt idx="6">
-                  <c:v>0.958333333333333</c:v>
+                  <c:v>0.0</c:v>
                 </c:pt>
                 <c:pt idx="7">
-                  <c:v>0.567460317460317</c:v>
+                  <c:v>0.0</c:v>
                 </c:pt>
                 <c:pt idx="8">
-                  <c:v>0.683333333333333</c:v>
+                  <c:v>0.0</c:v>
                 </c:pt>
                 <c:pt idx="9">
-                  <c:v>0.400793650793651</c:v>
-                </c:pt>
-                <c:pt idx="10">
-                  <c:v>0.941666666666667</c:v>
-                </c:pt>
-                <c:pt idx="11">
-                  <c:v>0.873015873015873</c:v>
-                </c:pt>
-                <c:pt idx="12">
-                  <c:v>0.973913043478261</c:v>
-                </c:pt>
-                <c:pt idx="13">
-                  <c:v>0.701863354037267</c:v>
-                </c:pt>
-                <c:pt idx="14">
-                  <c:v>0.721739130434783</c:v>
-                </c:pt>
-                <c:pt idx="15">
-                  <c:v>0.527950310559006</c:v>
-                </c:pt>
-                <c:pt idx="16">
-                  <c:v>0.939130434782609</c:v>
-                </c:pt>
-                <c:pt idx="17">
-                  <c:v>0.826086956521739</c:v>
-                </c:pt>
-                <c:pt idx="18">
-                  <c:v>0.989473684210526</c:v>
-                </c:pt>
-                <c:pt idx="19">
-                  <c:v>0.601503759398496</c:v>
-                </c:pt>
-                <c:pt idx="20">
-                  <c:v>0.694736842105263</c:v>
-                </c:pt>
-                <c:pt idx="21">
-                  <c:v>0.428571428571429</c:v>
-                </c:pt>
-                <c:pt idx="22">
-                  <c:v>0.989473684210526</c:v>
-                </c:pt>
-                <c:pt idx="23">
-                  <c:v>0.897243107769423</c:v>
+                  <c:v>0.0</c:v>
+                </c:pt>
+              </c:numCache>
+            </c:numRef>
+          </c:val>
+        </c:ser>
+        <c:ser>
+          <c:idx val="1"/>
+          <c:order val="1"/>
+          <c:tx>
+            <c:strRef>
+              <c:f>group5!$C$1</c:f>
+              <c:strCache>
+                <c:ptCount val="1"/>
+                <c:pt idx="0">
+                  <c:v>reject</c:v>
+                </c:pt>
+              </c:strCache>
+            </c:strRef>
+          </c:tx>
+          <c:spPr>
+            <a:solidFill>
+              <a:schemeClr val="accent2"/>
+            </a:solidFill>
+            <a:ln>
+              <a:noFill/>
+            </a:ln>
+            <a:effectLst/>
+          </c:spPr>
+          <c:invertIfNegative val="0"/>
+          <c:cat>
+            <c:multiLvlStrRef>
+              <c:f>group5!$A$2:$B$11</c:f>
+              <c:multiLvlStrCache>
+                <c:ptCount val="10"/>
+                <c:lvl>
+                  <c:pt idx="0">
+                    <c:v>fair</c:v>
+                  </c:pt>
+                  <c:pt idx="1">
+                    <c:v>unfair</c:v>
+                  </c:pt>
+                  <c:pt idx="2">
+                    <c:v>fair</c:v>
+                  </c:pt>
+                  <c:pt idx="3">
+                    <c:v>unfair</c:v>
+                  </c:pt>
+                  <c:pt idx="4">
+                    <c:v>fair</c:v>
+                  </c:pt>
+                  <c:pt idx="5">
+                    <c:v>unfair</c:v>
+                  </c:pt>
+                  <c:pt idx="6">
+                    <c:v>fair</c:v>
+                  </c:pt>
+                  <c:pt idx="7">
+                    <c:v>unfair</c:v>
+                  </c:pt>
+                  <c:pt idx="8">
+                    <c:v>fair</c:v>
+                  </c:pt>
+                  <c:pt idx="9">
+                    <c:v>unfair</c:v>
+                  </c:pt>
+                </c:lvl>
+                <c:lvl>
+                  <c:pt idx="0">
+                    <c:v>AttempterHL</c:v>
+                  </c:pt>
+                  <c:pt idx="2">
+                    <c:v>AttempterLL</c:v>
+                  </c:pt>
+                  <c:pt idx="4">
+                    <c:v>control</c:v>
+                  </c:pt>
+                  <c:pt idx="6">
+                    <c:v>depression</c:v>
+                  </c:pt>
+                  <c:pt idx="8">
+                    <c:v>ideator</c:v>
+                  </c:pt>
+                </c:lvl>
+              </c:multiLvlStrCache>
+            </c:multiLvlStrRef>
+          </c:cat>
+          <c:val>
+            <c:numRef>
+              <c:f>group5!$C$2:$C$11</c:f>
+              <c:numCache>
+                <c:formatCode>General</c:formatCode>
+                <c:ptCount val="10"/>
+                <c:pt idx="0">
+                  <c:v>0.176470588235294</c:v>
+                </c:pt>
+                <c:pt idx="1">
+                  <c:v>0.432306255835668</c:v>
+                </c:pt>
+                <c:pt idx="2">
+                  <c:v>0.145299145299145</c:v>
+                </c:pt>
+                <c:pt idx="3">
+                  <c:v>0.436711436711437</c:v>
+                </c:pt>
+                <c:pt idx="4">
+                  <c:v>0.138888888888889</c:v>
+                </c:pt>
+                <c:pt idx="5">
+                  <c:v>0.386243386243386</c:v>
+                </c:pt>
+                <c:pt idx="6">
+                  <c:v>0.121739130434783</c:v>
+                </c:pt>
+                <c:pt idx="7">
+                  <c:v>0.314699792960662</c:v>
+                </c:pt>
+                <c:pt idx="8">
+                  <c:v>0.111111111111111</c:v>
+                </c:pt>
+                <c:pt idx="9">
+                  <c:v>0.359381359381359</c:v>
+                </c:pt>
+              </c:numCache>
+            </c:numRef>
+          </c:val>
+        </c:ser>
+        <c:ser>
+          <c:idx val="2"/>
+          <c:order val="2"/>
+          <c:tx>
+            <c:strRef>
+              <c:f>group5!$D$1</c:f>
+              <c:strCache>
+                <c:ptCount val="1"/>
+                <c:pt idx="0">
+                  <c:v>accept</c:v>
+                </c:pt>
+              </c:strCache>
+            </c:strRef>
+          </c:tx>
+          <c:spPr>
+            <a:solidFill>
+              <a:schemeClr val="accent3"/>
+            </a:solidFill>
+            <a:ln>
+              <a:noFill/>
+            </a:ln>
+            <a:effectLst/>
+          </c:spPr>
+          <c:invertIfNegative val="0"/>
+          <c:cat>
+            <c:multiLvlStrRef>
+              <c:f>group5!$A$2:$B$11</c:f>
+              <c:multiLvlStrCache>
+                <c:ptCount val="10"/>
+                <c:lvl>
+                  <c:pt idx="0">
+                    <c:v>fair</c:v>
+                  </c:pt>
+                  <c:pt idx="1">
+                    <c:v>unfair</c:v>
+                  </c:pt>
+                  <c:pt idx="2">
+                    <c:v>fair</c:v>
+                  </c:pt>
+                  <c:pt idx="3">
+                    <c:v>unfair</c:v>
+                  </c:pt>
+                  <c:pt idx="4">
+                    <c:v>fair</c:v>
+                  </c:pt>
+                  <c:pt idx="5">
+                    <c:v>unfair</c:v>
+                  </c:pt>
+                  <c:pt idx="6">
+                    <c:v>fair</c:v>
+                  </c:pt>
+                  <c:pt idx="7">
+                    <c:v>unfair</c:v>
+                  </c:pt>
+                  <c:pt idx="8">
+                    <c:v>fair</c:v>
+                  </c:pt>
+                  <c:pt idx="9">
+                    <c:v>unfair</c:v>
+                  </c:pt>
+                </c:lvl>
+                <c:lvl>
+                  <c:pt idx="0">
+                    <c:v>AttempterHL</c:v>
+                  </c:pt>
+                  <c:pt idx="2">
+                    <c:v>AttempterLL</c:v>
+                  </c:pt>
+                  <c:pt idx="4">
+                    <c:v>control</c:v>
+                  </c:pt>
+                  <c:pt idx="6">
+                    <c:v>depression</c:v>
+                  </c:pt>
+                  <c:pt idx="8">
+                    <c:v>ideator</c:v>
+                  </c:pt>
+                </c:lvl>
+              </c:multiLvlStrCache>
+            </c:multiLvlStrRef>
+          </c:cat>
+          <c:val>
+            <c:numRef>
+              <c:f>group5!$D$2:$D$11</c:f>
+              <c:numCache>
+                <c:formatCode>General</c:formatCode>
+                <c:ptCount val="10"/>
+                <c:pt idx="0">
+                  <c:v>0.823529411764706</c:v>
+                </c:pt>
+                <c:pt idx="1">
+                  <c:v>0.567693744164332</c:v>
+                </c:pt>
+                <c:pt idx="2">
+                  <c:v>0.854700854700855</c:v>
+                </c:pt>
+                <c:pt idx="3">
+                  <c:v>0.563288563288563</c:v>
+                </c:pt>
+                <c:pt idx="4">
+                  <c:v>0.861111111111111</c:v>
+                </c:pt>
+                <c:pt idx="5">
+                  <c:v>0.613756613756614</c:v>
+                </c:pt>
+                <c:pt idx="6">
+                  <c:v>0.878260869565217</c:v>
+                </c:pt>
+                <c:pt idx="7">
+                  <c:v>0.685300207039337</c:v>
+                </c:pt>
+                <c:pt idx="8">
+                  <c:v>0.888888888888889</c:v>
+                </c:pt>
+                <c:pt idx="9">
+                  <c:v>0.640618640618641</c:v>
                 </c:pt>
               </c:numCache>
             </c:numRef>
@@ -1330,13 +3171,13 @@
           <c:showPercent val="0"/>
           <c:showBubbleSize val="0"/>
         </c:dLbls>
-        <c:gapWidth val="150"/>
-        <c:overlap val="100"/>
-        <c:axId val="1206151728"/>
-        <c:axId val="1206318304"/>
+        <c:gapWidth val="219"/>
+        <c:overlap val="-27"/>
+        <c:axId val="-1424928416"/>
+        <c:axId val="-1424926640"/>
       </c:barChart>
       <c:catAx>
-        <c:axId val="1206151728"/>
+        <c:axId val="-1424928416"/>
         <c:scaling>
           <c:orientation val="minMax"/>
         </c:scaling>
@@ -1379,7 +3220,7 @@
             <a:endParaRPr lang="en-US"/>
           </a:p>
         </c:txPr>
-        <c:crossAx val="1206318304"/>
+        <c:crossAx val="-1424926640"/>
         <c:crosses val="autoZero"/>
         <c:auto val="1"/>
         <c:lblAlgn val="ctr"/>
@@ -1387,10 +3228,9 @@
         <c:noMultiLvlLbl val="0"/>
       </c:catAx>
       <c:valAx>
-        <c:axId val="1206318304"/>
+        <c:axId val="-1424926640"/>
         <c:scaling>
           <c:orientation val="minMax"/>
-          <c:max val="1.0"/>
         </c:scaling>
         <c:delete val="0"/>
         <c:axPos val="l"/>
@@ -1438,7 +3278,7 @@
             <a:endParaRPr lang="en-US"/>
           </a:p>
         </c:txPr>
-        <c:crossAx val="1206151728"/>
+        <c:crossAx val="-1424928416"/>
         <c:crosses val="autoZero"/>
         <c:crossBetween val="between"/>
       </c:valAx>
@@ -1450,6 +3290,42 @@
         <a:effectLst/>
       </c:spPr>
     </c:plotArea>
+    <c:legend>
+      <c:legendPos val="b"/>
+      <c:legendEntry>
+        <c:idx val="0"/>
+        <c:delete val="1"/>
+      </c:legendEntry>
+      <c:layout/>
+      <c:overlay val="0"/>
+      <c:spPr>
+        <a:noFill/>
+        <a:ln>
+          <a:noFill/>
+        </a:ln>
+        <a:effectLst/>
+      </c:spPr>
+      <c:txPr>
+        <a:bodyPr rot="0" spcFirstLastPara="1" vertOverflow="ellipsis" vert="horz" wrap="square" anchor="ctr" anchorCtr="1"/>
+        <a:lstStyle/>
+        <a:p>
+          <a:pPr>
+            <a:defRPr sz="900" b="0" i="0" u="none" strike="noStrike" kern="1200" baseline="0">
+              <a:solidFill>
+                <a:schemeClr val="tx1">
+                  <a:lumMod val="65000"/>
+                  <a:lumOff val="35000"/>
+                </a:schemeClr>
+              </a:solidFill>
+              <a:latin typeface="+mn-lt"/>
+              <a:ea typeface="+mn-ea"/>
+              <a:cs typeface="+mn-cs"/>
+            </a:defRPr>
+          </a:pPr>
+          <a:endParaRPr lang="en-US"/>
+        </a:p>
+      </c:txPr>
+    </c:legend>
     <c:plotVisOnly val="1"/>
     <c:dispBlanksAs val="gap"/>
     <c:showDLblsOverMax val="0"/>
@@ -1511,20 +3387,18 @@
               </a:defRPr>
             </a:pPr>
             <a:r>
-              <a:rPr lang="en-US"/>
-              <a:t>%</a:t>
+              <a:rPr lang="en-US" sz="1800" b="0" i="0" baseline="0">
+                <a:effectLst/>
+              </a:rPr>
+              <a:t>4 group offer acceptance</a:t>
             </a:r>
-            <a:r>
-              <a:rPr lang="en-US" baseline="0"/>
-              <a:t> of a</a:t>
-            </a:r>
-            <a:r>
-              <a:rPr lang="en-US"/>
-              <a:t>ccepted trials</a:t>
-            </a:r>
+            <a:endParaRPr lang="en-US">
+              <a:effectLst/>
+            </a:endParaRPr>
           </a:p>
         </c:rich>
       </c:tx>
+      <c:layout/>
       <c:overlay val="0"/>
       <c:spPr>
         <a:noFill/>
@@ -1559,18 +3433,18 @@
       <c:layout/>
       <c:barChart>
         <c:barDir val="col"/>
-        <c:grouping val="stacked"/>
+        <c:grouping val="clustered"/>
         <c:varyColors val="0"/>
         <c:ser>
           <c:idx val="0"/>
           <c:order val="0"/>
           <c:tx>
             <c:strRef>
-              <c:f>Sheet2!$D$1</c:f>
+              <c:f>group4!$C$1</c:f>
               <c:strCache>
                 <c:ptCount val="1"/>
                 <c:pt idx="0">
-                  <c:v>Accept</c:v>
+                  <c:v>reject</c:v>
                 </c:pt>
               </c:strCache>
             </c:strRef>
@@ -1585,223 +3459,11 @@
             <a:effectLst/>
           </c:spPr>
           <c:invertIfNegative val="0"/>
-          <c:dPt>
-            <c:idx val="1"/>
-            <c:invertIfNegative val="0"/>
-            <c:bubble3D val="0"/>
-            <c:spPr>
-              <a:solidFill>
-                <a:srgbClr val="FFC000"/>
-              </a:solidFill>
-              <a:ln>
-                <a:solidFill>
-                  <a:srgbClr val="FFC000"/>
-                </a:solidFill>
-              </a:ln>
-              <a:effectLst/>
-            </c:spPr>
-          </c:dPt>
-          <c:dPt>
-            <c:idx val="3"/>
-            <c:invertIfNegative val="0"/>
-            <c:bubble3D val="0"/>
-            <c:spPr>
-              <a:solidFill>
-                <a:srgbClr val="FFC000"/>
-              </a:solidFill>
-              <a:ln>
-                <a:noFill/>
-              </a:ln>
-              <a:effectLst/>
-            </c:spPr>
-          </c:dPt>
-          <c:dPt>
-            <c:idx val="5"/>
-            <c:invertIfNegative val="0"/>
-            <c:bubble3D val="0"/>
-            <c:spPr>
-              <a:solidFill>
-                <a:srgbClr val="FFC000"/>
-              </a:solidFill>
-              <a:ln>
-                <a:noFill/>
-              </a:ln>
-              <a:effectLst/>
-            </c:spPr>
-          </c:dPt>
-          <c:dPt>
-            <c:idx val="7"/>
-            <c:invertIfNegative val="0"/>
-            <c:bubble3D val="0"/>
-            <c:spPr>
-              <a:solidFill>
-                <a:srgbClr val="FFC000"/>
-              </a:solidFill>
-              <a:ln>
-                <a:noFill/>
-              </a:ln>
-              <a:effectLst/>
-            </c:spPr>
-          </c:dPt>
-          <c:dPt>
-            <c:idx val="9"/>
-            <c:invertIfNegative val="0"/>
-            <c:bubble3D val="0"/>
-            <c:spPr>
-              <a:solidFill>
-                <a:srgbClr val="FFC000"/>
-              </a:solidFill>
-              <a:ln>
-                <a:noFill/>
-              </a:ln>
-              <a:effectLst/>
-            </c:spPr>
-          </c:dPt>
-          <c:dPt>
-            <c:idx val="11"/>
-            <c:invertIfNegative val="0"/>
-            <c:bubble3D val="0"/>
-            <c:spPr>
-              <a:solidFill>
-                <a:srgbClr val="FFC000"/>
-              </a:solidFill>
-              <a:ln>
-                <a:noFill/>
-              </a:ln>
-              <a:effectLst/>
-            </c:spPr>
-          </c:dPt>
-          <c:dPt>
-            <c:idx val="13"/>
-            <c:invertIfNegative val="0"/>
-            <c:bubble3D val="0"/>
-            <c:spPr>
-              <a:solidFill>
-                <a:srgbClr val="FFC000"/>
-              </a:solidFill>
-              <a:ln>
-                <a:noFill/>
-              </a:ln>
-              <a:effectLst/>
-            </c:spPr>
-          </c:dPt>
-          <c:dPt>
-            <c:idx val="15"/>
-            <c:invertIfNegative val="0"/>
-            <c:bubble3D val="0"/>
-            <c:spPr>
-              <a:solidFill>
-                <a:srgbClr val="FFC000"/>
-              </a:solidFill>
-              <a:ln>
-                <a:noFill/>
-              </a:ln>
-              <a:effectLst/>
-            </c:spPr>
-          </c:dPt>
-          <c:dPt>
-            <c:idx val="17"/>
-            <c:invertIfNegative val="0"/>
-            <c:bubble3D val="0"/>
-            <c:spPr>
-              <a:solidFill>
-                <a:srgbClr val="FFC000"/>
-              </a:solidFill>
-              <a:ln>
-                <a:noFill/>
-              </a:ln>
-              <a:effectLst/>
-            </c:spPr>
-          </c:dPt>
-          <c:dPt>
-            <c:idx val="19"/>
-            <c:invertIfNegative val="0"/>
-            <c:bubble3D val="0"/>
-            <c:spPr>
-              <a:solidFill>
-                <a:srgbClr val="FFC000"/>
-              </a:solidFill>
-              <a:ln>
-                <a:noFill/>
-              </a:ln>
-              <a:effectLst/>
-            </c:spPr>
-          </c:dPt>
-          <c:dPt>
-            <c:idx val="21"/>
-            <c:invertIfNegative val="0"/>
-            <c:bubble3D val="0"/>
-            <c:spPr>
-              <a:solidFill>
-                <a:srgbClr val="FFC000"/>
-              </a:solidFill>
-              <a:ln>
-                <a:noFill/>
-              </a:ln>
-              <a:effectLst/>
-            </c:spPr>
-          </c:dPt>
-          <c:dPt>
-            <c:idx val="23"/>
-            <c:invertIfNegative val="0"/>
-            <c:bubble3D val="0"/>
-            <c:spPr>
-              <a:solidFill>
-                <a:srgbClr val="FFC000"/>
-              </a:solidFill>
-              <a:ln>
-                <a:noFill/>
-              </a:ln>
-              <a:effectLst/>
-            </c:spPr>
-          </c:dPt>
-          <c:dPt>
-            <c:idx val="25"/>
-            <c:invertIfNegative val="0"/>
-            <c:bubble3D val="0"/>
-            <c:spPr>
-              <a:solidFill>
-                <a:srgbClr val="FFC000"/>
-              </a:solidFill>
-              <a:ln>
-                <a:noFill/>
-              </a:ln>
-              <a:effectLst/>
-            </c:spPr>
-          </c:dPt>
-          <c:dPt>
-            <c:idx val="27"/>
-            <c:invertIfNegative val="0"/>
-            <c:bubble3D val="0"/>
-            <c:spPr>
-              <a:solidFill>
-                <a:srgbClr val="FFC000"/>
-              </a:solidFill>
-              <a:ln>
-                <a:noFill/>
-              </a:ln>
-              <a:effectLst/>
-            </c:spPr>
-          </c:dPt>
-          <c:dPt>
-            <c:idx val="29"/>
-            <c:invertIfNegative val="0"/>
-            <c:bubble3D val="0"/>
-            <c:spPr>
-              <a:solidFill>
-                <a:srgbClr val="FFC000"/>
-              </a:solidFill>
-              <a:ln>
-                <a:noFill/>
-              </a:ln>
-              <a:effectLst/>
-            </c:spPr>
-          </c:dPt>
           <c:cat>
             <c:multiLvlStrRef>
-              <c:f>Sheet2!$A$2:$C$31</c:f>
+              <c:f>group4!$A$2:$B$9</c:f>
               <c:multiLvlStrCache>
-                <c:ptCount val="30"/>
+                <c:ptCount val="8"/>
                 <c:lvl>
                   <c:pt idx="0">
                     <c:v>fair</c:v>
@@ -1825,136 +3487,20 @@
                     <c:v>fair</c:v>
                   </c:pt>
                   <c:pt idx="7">
-                    <c:v>unfair</c:v>
-                  </c:pt>
-                  <c:pt idx="8">
-                    <c:v>fair</c:v>
-                  </c:pt>
-                  <c:pt idx="9">
-                    <c:v>unfair</c:v>
-                  </c:pt>
-                  <c:pt idx="10">
-                    <c:v>fair</c:v>
-                  </c:pt>
-                  <c:pt idx="11">
-                    <c:v>unfair</c:v>
-                  </c:pt>
-                  <c:pt idx="12">
-                    <c:v>fair</c:v>
-                  </c:pt>
-                  <c:pt idx="13">
-                    <c:v>unfair</c:v>
-                  </c:pt>
-                  <c:pt idx="14">
-                    <c:v>fair</c:v>
-                  </c:pt>
-                  <c:pt idx="15">
-                    <c:v>unfair</c:v>
-                  </c:pt>
-                  <c:pt idx="16">
-                    <c:v>fair</c:v>
-                  </c:pt>
-                  <c:pt idx="17">
-                    <c:v>unfair</c:v>
-                  </c:pt>
-                  <c:pt idx="18">
-                    <c:v>fair</c:v>
-                  </c:pt>
-                  <c:pt idx="19">
-                    <c:v>unfair</c:v>
-                  </c:pt>
-                  <c:pt idx="20">
-                    <c:v>fair</c:v>
-                  </c:pt>
-                  <c:pt idx="21">
-                    <c:v>unfair</c:v>
-                  </c:pt>
-                  <c:pt idx="22">
-                    <c:v>fair</c:v>
-                  </c:pt>
-                  <c:pt idx="23">
-                    <c:v>unfair</c:v>
-                  </c:pt>
-                  <c:pt idx="24">
-                    <c:v>fair</c:v>
-                  </c:pt>
-                  <c:pt idx="25">
-                    <c:v>unfair</c:v>
-                  </c:pt>
-                  <c:pt idx="26">
-                    <c:v>fair</c:v>
-                  </c:pt>
-                  <c:pt idx="27">
-                    <c:v>unfair</c:v>
-                  </c:pt>
-                  <c:pt idx="28">
-                    <c:v>fair</c:v>
-                  </c:pt>
-                  <c:pt idx="29">
                     <c:v>unfair</c:v>
                   </c:pt>
                 </c:lvl>
                 <c:lvl>
                   <c:pt idx="0">
-                    <c:v>Base</c:v>
+                    <c:v>attempter</c:v>
                   </c:pt>
                   <c:pt idx="2">
-                    <c:v>Pun</c:v>
+                    <c:v>control</c:v>
                   </c:pt>
                   <c:pt idx="4">
-                    <c:v>Emp</c:v>
+                    <c:v>depression</c:v>
                   </c:pt>
                   <c:pt idx="6">
-                    <c:v>Base</c:v>
-                  </c:pt>
-                  <c:pt idx="8">
-                    <c:v>Pun</c:v>
-                  </c:pt>
-                  <c:pt idx="10">
-                    <c:v>Emp</c:v>
-                  </c:pt>
-                  <c:pt idx="12">
-                    <c:v>Base</c:v>
-                  </c:pt>
-                  <c:pt idx="14">
-                    <c:v>Pun</c:v>
-                  </c:pt>
-                  <c:pt idx="16">
-                    <c:v>Emp</c:v>
-                  </c:pt>
-                  <c:pt idx="18">
-                    <c:v>Base</c:v>
-                  </c:pt>
-                  <c:pt idx="20">
-                    <c:v>Pun</c:v>
-                  </c:pt>
-                  <c:pt idx="22">
-                    <c:v>Emp</c:v>
-                  </c:pt>
-                  <c:pt idx="24">
-                    <c:v>Base</c:v>
-                  </c:pt>
-                  <c:pt idx="26">
-                    <c:v>Pun</c:v>
-                  </c:pt>
-                  <c:pt idx="28">
-                    <c:v>Emp</c:v>
-                  </c:pt>
-                </c:lvl>
-                <c:lvl>
-                  <c:pt idx="0">
-                    <c:v>AttempterHL</c:v>
-                  </c:pt>
-                  <c:pt idx="6">
-                    <c:v>AttempterLL</c:v>
-                  </c:pt>
-                  <c:pt idx="12">
-                    <c:v>control</c:v>
-                  </c:pt>
-                  <c:pt idx="18">
-                    <c:v>depression</c:v>
-                  </c:pt>
-                  <c:pt idx="24">
                     <c:v>ideator</c:v>
                   </c:pt>
                 </c:lvl>
@@ -1963,99 +3509,139 @@
           </c:cat>
           <c:val>
             <c:numRef>
-              <c:f>Sheet2!$D$2:$D$31</c:f>
+              <c:f>group4!$C$2:$C$9</c:f>
               <c:numCache>
                 <c:formatCode>General</c:formatCode>
-                <c:ptCount val="30"/>
+                <c:ptCount val="8"/>
                 <c:pt idx="0">
-                  <c:v>0.941176470588235</c:v>
+                  <c:v>0.159817351598173</c:v>
                 </c:pt>
                 <c:pt idx="1">
-                  <c:v>0.557422969187675</c:v>
+                  <c:v>0.434659708632311</c:v>
                 </c:pt>
                 <c:pt idx="2">
-                  <c:v>0.576470588235294</c:v>
+                  <c:v>0.138888888888889</c:v>
                 </c:pt>
                 <c:pt idx="3">
-                  <c:v>0.324929971988795</c:v>
+                  <c:v>0.386243386243386</c:v>
                 </c:pt>
                 <c:pt idx="4">
-                  <c:v>0.952941176470588</c:v>
+                  <c:v>0.121739130434783</c:v>
                 </c:pt>
                 <c:pt idx="5">
-                  <c:v>0.820728291316527</c:v>
+                  <c:v>0.314699792960662</c:v>
                 </c:pt>
                 <c:pt idx="6">
-                  <c:v>0.97</c:v>
+                  <c:v>0.111111111111111</c:v>
                 </c:pt>
                 <c:pt idx="7">
-                  <c:v>0.59047619047619</c:v>
-                </c:pt>
-                <c:pt idx="8">
-                  <c:v>0.68</c:v>
-                </c:pt>
-                <c:pt idx="9">
-                  <c:v>0.330952380952381</c:v>
-                </c:pt>
-                <c:pt idx="10">
-                  <c:v>0.91</c:v>
-                </c:pt>
-                <c:pt idx="11">
-                  <c:v>0.769047619047619</c:v>
-                </c:pt>
-                <c:pt idx="12">
-                  <c:v>0.958333333333333</c:v>
-                </c:pt>
-                <c:pt idx="13">
-                  <c:v>0.567460317460317</c:v>
-                </c:pt>
-                <c:pt idx="14">
-                  <c:v>0.683333333333333</c:v>
-                </c:pt>
-                <c:pt idx="15">
-                  <c:v>0.400793650793651</c:v>
-                </c:pt>
-                <c:pt idx="16">
-                  <c:v>0.941666666666667</c:v>
-                </c:pt>
-                <c:pt idx="17">
-                  <c:v>0.873015873015873</c:v>
-                </c:pt>
-                <c:pt idx="18">
-                  <c:v>0.973913043478261</c:v>
-                </c:pt>
-                <c:pt idx="19">
-                  <c:v>0.701863354037267</c:v>
-                </c:pt>
-                <c:pt idx="20">
-                  <c:v>0.721739130434783</c:v>
-                </c:pt>
-                <c:pt idx="21">
-                  <c:v>0.527950310559006</c:v>
-                </c:pt>
-                <c:pt idx="22">
-                  <c:v>0.939130434782609</c:v>
-                </c:pt>
-                <c:pt idx="23">
-                  <c:v>0.826086956521739</c:v>
-                </c:pt>
-                <c:pt idx="24">
-                  <c:v>0.989473684210526</c:v>
-                </c:pt>
-                <c:pt idx="25">
-                  <c:v>0.601503759398496</c:v>
-                </c:pt>
-                <c:pt idx="26">
-                  <c:v>0.694736842105263</c:v>
-                </c:pt>
-                <c:pt idx="27">
-                  <c:v>0.428571428571429</c:v>
-                </c:pt>
-                <c:pt idx="28">
-                  <c:v>0.989473684210526</c:v>
-                </c:pt>
-                <c:pt idx="29">
-                  <c:v>0.897243107769423</c:v>
+                  <c:v>0.359381359381359</c:v>
+                </c:pt>
+              </c:numCache>
+            </c:numRef>
+          </c:val>
+        </c:ser>
+        <c:ser>
+          <c:idx val="1"/>
+          <c:order val="1"/>
+          <c:tx>
+            <c:strRef>
+              <c:f>group4!$D$1</c:f>
+              <c:strCache>
+                <c:ptCount val="1"/>
+                <c:pt idx="0">
+                  <c:v>accept</c:v>
+                </c:pt>
+              </c:strCache>
+            </c:strRef>
+          </c:tx>
+          <c:spPr>
+            <a:solidFill>
+              <a:schemeClr val="accent2"/>
+            </a:solidFill>
+            <a:ln>
+              <a:noFill/>
+            </a:ln>
+            <a:effectLst/>
+          </c:spPr>
+          <c:invertIfNegative val="0"/>
+          <c:cat>
+            <c:multiLvlStrRef>
+              <c:f>group4!$A$2:$B$9</c:f>
+              <c:multiLvlStrCache>
+                <c:ptCount val="8"/>
+                <c:lvl>
+                  <c:pt idx="0">
+                    <c:v>fair</c:v>
+                  </c:pt>
+                  <c:pt idx="1">
+                    <c:v>unfair</c:v>
+                  </c:pt>
+                  <c:pt idx="2">
+                    <c:v>fair</c:v>
+                  </c:pt>
+                  <c:pt idx="3">
+                    <c:v>unfair</c:v>
+                  </c:pt>
+                  <c:pt idx="4">
+                    <c:v>fair</c:v>
+                  </c:pt>
+                  <c:pt idx="5">
+                    <c:v>unfair</c:v>
+                  </c:pt>
+                  <c:pt idx="6">
+                    <c:v>fair</c:v>
+                  </c:pt>
+                  <c:pt idx="7">
+                    <c:v>unfair</c:v>
+                  </c:pt>
+                </c:lvl>
+                <c:lvl>
+                  <c:pt idx="0">
+                    <c:v>attempter</c:v>
+                  </c:pt>
+                  <c:pt idx="2">
+                    <c:v>control</c:v>
+                  </c:pt>
+                  <c:pt idx="4">
+                    <c:v>depression</c:v>
+                  </c:pt>
+                  <c:pt idx="6">
+                    <c:v>ideator</c:v>
+                  </c:pt>
+                </c:lvl>
+              </c:multiLvlStrCache>
+            </c:multiLvlStrRef>
+          </c:cat>
+          <c:val>
+            <c:numRef>
+              <c:f>group4!$D$2:$D$9</c:f>
+              <c:numCache>
+                <c:formatCode>General</c:formatCode>
+                <c:ptCount val="8"/>
+                <c:pt idx="0">
+                  <c:v>0.840182648401826</c:v>
+                </c:pt>
+                <c:pt idx="1">
+                  <c:v>0.565340291367689</c:v>
+                </c:pt>
+                <c:pt idx="2">
+                  <c:v>0.861111111111111</c:v>
+                </c:pt>
+                <c:pt idx="3">
+                  <c:v>0.613756613756614</c:v>
+                </c:pt>
+                <c:pt idx="4">
+                  <c:v>0.878260869565217</c:v>
+                </c:pt>
+                <c:pt idx="5">
+                  <c:v>0.685300207039337</c:v>
+                </c:pt>
+                <c:pt idx="6">
+                  <c:v>0.888888888888889</c:v>
+                </c:pt>
+                <c:pt idx="7">
+                  <c:v>0.640618640618641</c:v>
                 </c:pt>
               </c:numCache>
             </c:numRef>
@@ -2069,13 +3655,13 @@
           <c:showPercent val="0"/>
           <c:showBubbleSize val="0"/>
         </c:dLbls>
-        <c:gapWidth val="150"/>
-        <c:overlap val="100"/>
-        <c:axId val="1112776448"/>
-        <c:axId val="1112778224"/>
+        <c:gapWidth val="219"/>
+        <c:overlap val="-27"/>
+        <c:axId val="-1443140880"/>
+        <c:axId val="-1443177216"/>
       </c:barChart>
       <c:catAx>
-        <c:axId val="1112776448"/>
+        <c:axId val="-1443140880"/>
         <c:scaling>
           <c:orientation val="minMax"/>
         </c:scaling>
@@ -2118,7 +3704,7 @@
             <a:endParaRPr lang="en-US"/>
           </a:p>
         </c:txPr>
-        <c:crossAx val="1112778224"/>
+        <c:crossAx val="-1443177216"/>
         <c:crosses val="autoZero"/>
         <c:auto val="1"/>
         <c:lblAlgn val="ctr"/>
@@ -2126,10 +3712,9 @@
         <c:noMultiLvlLbl val="0"/>
       </c:catAx>
       <c:valAx>
-        <c:axId val="1112778224"/>
+        <c:axId val="-1443177216"/>
         <c:scaling>
           <c:orientation val="minMax"/>
-          <c:max val="1.0"/>
         </c:scaling>
         <c:delete val="0"/>
         <c:axPos val="l"/>
@@ -2177,7 +3762,7 @@
             <a:endParaRPr lang="en-US"/>
           </a:p>
         </c:txPr>
-        <c:crossAx val="1112776448"/>
+        <c:crossAx val="-1443140880"/>
         <c:crosses val="autoZero"/>
         <c:crossBetween val="between"/>
       </c:valAx>
@@ -2189,6 +3774,38 @@
         <a:effectLst/>
       </c:spPr>
     </c:plotArea>
+    <c:legend>
+      <c:legendPos val="b"/>
+      <c:layout/>
+      <c:overlay val="0"/>
+      <c:spPr>
+        <a:noFill/>
+        <a:ln>
+          <a:noFill/>
+        </a:ln>
+        <a:effectLst/>
+      </c:spPr>
+      <c:txPr>
+        <a:bodyPr rot="0" spcFirstLastPara="1" vertOverflow="ellipsis" vert="horz" wrap="square" anchor="ctr" anchorCtr="1"/>
+        <a:lstStyle/>
+        <a:p>
+          <a:pPr>
+            <a:defRPr sz="900" b="0" i="0" u="none" strike="noStrike" kern="1200" baseline="0">
+              <a:solidFill>
+                <a:schemeClr val="tx1">
+                  <a:lumMod val="65000"/>
+                  <a:lumOff val="35000"/>
+                </a:schemeClr>
+              </a:solidFill>
+              <a:latin typeface="+mn-lt"/>
+              <a:ea typeface="+mn-ea"/>
+              <a:cs typeface="+mn-cs"/>
+            </a:defRPr>
+          </a:pPr>
+          <a:endParaRPr lang="en-US"/>
+        </a:p>
+      </c:txPr>
+    </c:legend>
     <c:plotVisOnly val="1"/>
     <c:dispBlanksAs val="gap"/>
     <c:showDLblsOverMax val="0"/>
@@ -3383,7 +5000,7 @@
 </file>
 
 <file path=ppt/charts/style3.xml><?xml version="1.0" encoding="utf-8"?>
-<cs:chartStyle xmlns:cs="http://schemas.microsoft.com/office/drawing/2012/chartStyle" xmlns:a="http://schemas.openxmlformats.org/drawingml/2006/main" id="297">
+<cs:chartStyle xmlns:cs="http://schemas.microsoft.com/office/drawing/2012/chartStyle" xmlns:a="http://schemas.openxmlformats.org/drawingml/2006/main" id="201">
   <cs:axisTitle>
     <cs:lnRef idx="0"/>
     <cs:fillRef idx="0"/>
@@ -3587,23 +5204,22 @@
     <cs:fillRef idx="0"/>
     <cs:effectRef idx="0"/>
     <cs:fontRef idx="minor">
-      <a:schemeClr val="tx1"/>
+      <a:schemeClr val="dk1"/>
     </cs:fontRef>
     <cs:spPr>
       <a:solidFill>
         <a:schemeClr val="dk1">
-          <a:lumMod val="75000"/>
-          <a:lumOff val="25000"/>
+          <a:lumMod val="65000"/>
+          <a:lumOff val="35000"/>
         </a:schemeClr>
       </a:solidFill>
-      <a:ln w="9525" cap="flat" cmpd="sng" algn="ctr">
+      <a:ln w="9525">
         <a:solidFill>
           <a:schemeClr val="tx1">
             <a:lumMod val="65000"/>
             <a:lumOff val="35000"/>
           </a:schemeClr>
         </a:solidFill>
-        <a:round/>
       </a:ln>
     </cs:spPr>
   </cs:downBar>
@@ -3708,8 +5324,8 @@
       <a:ln w="9525" cap="flat" cmpd="sng" algn="ctr">
         <a:solidFill>
           <a:schemeClr val="tx1">
-            <a:lumMod val="50000"/>
-            <a:lumOff val="50000"/>
+            <a:lumMod val="75000"/>
+            <a:lumOff val="25000"/>
           </a:schemeClr>
         </a:solidFill>
         <a:round/>
@@ -3841,20 +5457,19 @@
     <cs:fillRef idx="0"/>
     <cs:effectRef idx="0"/>
     <cs:fontRef idx="minor">
-      <a:schemeClr val="tx1"/>
+      <a:schemeClr val="dk1"/>
     </cs:fontRef>
     <cs:spPr>
       <a:solidFill>
         <a:schemeClr val="lt1"/>
       </a:solidFill>
-      <a:ln w="9525" cap="flat" cmpd="sng" algn="ctr">
+      <a:ln w="9525">
         <a:solidFill>
           <a:schemeClr val="tx1">
-            <a:lumMod val="65000"/>
-            <a:lumOff val="35000"/>
+            <a:lumMod val="15000"/>
+            <a:lumOff val="85000"/>
           </a:schemeClr>
         </a:solidFill>
-        <a:round/>
       </a:ln>
     </cs:spPr>
   </cs:upBar>
@@ -3888,7 +5503,7 @@
 </file>
 
 <file path=ppt/charts/style4.xml><?xml version="1.0" encoding="utf-8"?>
-<cs:chartStyle xmlns:cs="http://schemas.microsoft.com/office/drawing/2012/chartStyle" xmlns:a="http://schemas.openxmlformats.org/drawingml/2006/main" id="297">
+<cs:chartStyle xmlns:cs="http://schemas.microsoft.com/office/drawing/2012/chartStyle" xmlns:a="http://schemas.openxmlformats.org/drawingml/2006/main" id="201">
   <cs:axisTitle>
     <cs:lnRef idx="0"/>
     <cs:fillRef idx="0"/>
@@ -4092,23 +5707,22 @@
     <cs:fillRef idx="0"/>
     <cs:effectRef idx="0"/>
     <cs:fontRef idx="minor">
-      <a:schemeClr val="tx1"/>
+      <a:schemeClr val="dk1"/>
     </cs:fontRef>
     <cs:spPr>
       <a:solidFill>
         <a:schemeClr val="dk1">
-          <a:lumMod val="75000"/>
-          <a:lumOff val="25000"/>
+          <a:lumMod val="65000"/>
+          <a:lumOff val="35000"/>
         </a:schemeClr>
       </a:solidFill>
-      <a:ln w="9525" cap="flat" cmpd="sng" algn="ctr">
+      <a:ln w="9525">
         <a:solidFill>
           <a:schemeClr val="tx1">
             <a:lumMod val="65000"/>
             <a:lumOff val="35000"/>
           </a:schemeClr>
         </a:solidFill>
-        <a:round/>
       </a:ln>
     </cs:spPr>
   </cs:downBar>
@@ -4213,8 +5827,8 @@
       <a:ln w="9525" cap="flat" cmpd="sng" algn="ctr">
         <a:solidFill>
           <a:schemeClr val="tx1">
-            <a:lumMod val="50000"/>
-            <a:lumOff val="50000"/>
+            <a:lumMod val="75000"/>
+            <a:lumOff val="25000"/>
           </a:schemeClr>
         </a:solidFill>
         <a:round/>
@@ -4346,20 +5960,19 @@
     <cs:fillRef idx="0"/>
     <cs:effectRef idx="0"/>
     <cs:fontRef idx="minor">
-      <a:schemeClr val="tx1"/>
+      <a:schemeClr val="dk1"/>
     </cs:fontRef>
     <cs:spPr>
       <a:solidFill>
         <a:schemeClr val="lt1"/>
       </a:solidFill>
-      <a:ln w="9525" cap="flat" cmpd="sng" algn="ctr">
+      <a:ln w="9525">
         <a:solidFill>
           <a:schemeClr val="tx1">
-            <a:lumMod val="65000"/>
-            <a:lumOff val="35000"/>
+            <a:lumMod val="15000"/>
+            <a:lumOff val="85000"/>
           </a:schemeClr>
         </a:solidFill>
-        <a:round/>
       </a:ln>
     </cs:spPr>
   </cs:upBar>
@@ -4390,6 +6003,487 @@
     </cs:spPr>
   </cs:wall>
 </cs:chartStyle>
+</file>
+
+<file path=ppt/notesMasters/notesMaster1.xml><?xml version="1.0" encoding="utf-8"?>
+<p:notesMaster xmlns:a="http://schemas.openxmlformats.org/drawingml/2006/main" xmlns:r="http://schemas.openxmlformats.org/officeDocument/2006/relationships" xmlns:p="http://schemas.openxmlformats.org/presentationml/2006/main">
+  <p:cSld>
+    <p:bg>
+      <p:bgRef idx="1001">
+        <a:schemeClr val="bg1"/>
+      </p:bgRef>
+    </p:bg>
+    <p:spTree>
+      <p:nvGrpSpPr>
+        <p:cNvPr id="1" name=""/>
+        <p:cNvGrpSpPr/>
+        <p:nvPr/>
+      </p:nvGrpSpPr>
+      <p:grpSpPr>
+        <a:xfrm>
+          <a:off x="0" y="0"/>
+          <a:ext cx="0" cy="0"/>
+          <a:chOff x="0" y="0"/>
+          <a:chExt cx="0" cy="0"/>
+        </a:xfrm>
+      </p:grpSpPr>
+      <p:sp>
+        <p:nvSpPr>
+          <p:cNvPr id="2" name="Header Placeholder 1"/>
+          <p:cNvSpPr>
+            <a:spLocks noGrp="1"/>
+          </p:cNvSpPr>
+          <p:nvPr>
+            <p:ph type="hdr" sz="quarter"/>
+          </p:nvPr>
+        </p:nvSpPr>
+        <p:spPr>
+          <a:xfrm>
+            <a:off x="0" y="0"/>
+            <a:ext cx="2971800" cy="458788"/>
+          </a:xfrm>
+          <a:prstGeom prst="rect">
+            <a:avLst/>
+          </a:prstGeom>
+        </p:spPr>
+        <p:txBody>
+          <a:bodyPr vert="horz" lIns="91440" tIns="45720" rIns="91440" bIns="45720" rtlCol="0"/>
+          <a:lstStyle>
+            <a:lvl1pPr algn="l">
+              <a:defRPr sz="1200"/>
+            </a:lvl1pPr>
+          </a:lstStyle>
+          <a:p>
+            <a:endParaRPr lang="en-US"/>
+          </a:p>
+        </p:txBody>
+      </p:sp>
+      <p:sp>
+        <p:nvSpPr>
+          <p:cNvPr id="3" name="Date Placeholder 2"/>
+          <p:cNvSpPr>
+            <a:spLocks noGrp="1"/>
+          </p:cNvSpPr>
+          <p:nvPr>
+            <p:ph type="dt" idx="1"/>
+          </p:nvPr>
+        </p:nvSpPr>
+        <p:spPr>
+          <a:xfrm>
+            <a:off x="3884613" y="0"/>
+            <a:ext cx="2971800" cy="458788"/>
+          </a:xfrm>
+          <a:prstGeom prst="rect">
+            <a:avLst/>
+          </a:prstGeom>
+        </p:spPr>
+        <p:txBody>
+          <a:bodyPr vert="horz" lIns="91440" tIns="45720" rIns="91440" bIns="45720" rtlCol="0"/>
+          <a:lstStyle>
+            <a:lvl1pPr algn="r">
+              <a:defRPr sz="1200"/>
+            </a:lvl1pPr>
+          </a:lstStyle>
+          <a:p>
+            <a:fld id="{DDB2C63F-F1EF-D148-8DAC-B2E032798CF4}" type="datetimeFigureOut">
+              <a:rPr lang="en-US" smtClean="0"/>
+              <a:t>10/17/17</a:t>
+            </a:fld>
+            <a:endParaRPr lang="en-US"/>
+          </a:p>
+        </p:txBody>
+      </p:sp>
+      <p:sp>
+        <p:nvSpPr>
+          <p:cNvPr id="4" name="Slide Image Placeholder 3"/>
+          <p:cNvSpPr>
+            <a:spLocks noGrp="1" noRot="1" noChangeAspect="1"/>
+          </p:cNvSpPr>
+          <p:nvPr>
+            <p:ph type="sldImg" idx="2"/>
+          </p:nvPr>
+        </p:nvSpPr>
+        <p:spPr>
+          <a:xfrm>
+            <a:off x="685800" y="1143000"/>
+            <a:ext cx="5486400" cy="3086100"/>
+          </a:xfrm>
+          <a:prstGeom prst="rect">
+            <a:avLst/>
+          </a:prstGeom>
+          <a:noFill/>
+          <a:ln w="12700">
+            <a:solidFill>
+              <a:prstClr val="black"/>
+            </a:solidFill>
+          </a:ln>
+        </p:spPr>
+        <p:txBody>
+          <a:bodyPr vert="horz" lIns="91440" tIns="45720" rIns="91440" bIns="45720" rtlCol="0" anchor="ctr"/>
+          <a:lstStyle/>
+          <a:p>
+            <a:endParaRPr lang="en-US"/>
+          </a:p>
+        </p:txBody>
+      </p:sp>
+      <p:sp>
+        <p:nvSpPr>
+          <p:cNvPr id="5" name="Notes Placeholder 4"/>
+          <p:cNvSpPr>
+            <a:spLocks noGrp="1"/>
+          </p:cNvSpPr>
+          <p:nvPr>
+            <p:ph type="body" sz="quarter" idx="3"/>
+          </p:nvPr>
+        </p:nvSpPr>
+        <p:spPr>
+          <a:xfrm>
+            <a:off x="685800" y="4400550"/>
+            <a:ext cx="5486400" cy="3600450"/>
+          </a:xfrm>
+          <a:prstGeom prst="rect">
+            <a:avLst/>
+          </a:prstGeom>
+        </p:spPr>
+        <p:txBody>
+          <a:bodyPr vert="horz" lIns="91440" tIns="45720" rIns="91440" bIns="45720" rtlCol="0"/>
+          <a:lstStyle/>
+          <a:p>
+            <a:pPr lvl="0"/>
+            <a:r>
+              <a:rPr lang="en-US" smtClean="0"/>
+              <a:t>Click to edit Master text styles</a:t>
+            </a:r>
+          </a:p>
+          <a:p>
+            <a:pPr lvl="1"/>
+            <a:r>
+              <a:rPr lang="en-US" smtClean="0"/>
+              <a:t>Second level</a:t>
+            </a:r>
+          </a:p>
+          <a:p>
+            <a:pPr lvl="2"/>
+            <a:r>
+              <a:rPr lang="en-US" smtClean="0"/>
+              <a:t>Third level</a:t>
+            </a:r>
+          </a:p>
+          <a:p>
+            <a:pPr lvl="3"/>
+            <a:r>
+              <a:rPr lang="en-US" smtClean="0"/>
+              <a:t>Fourth level</a:t>
+            </a:r>
+          </a:p>
+          <a:p>
+            <a:pPr lvl="4"/>
+            <a:r>
+              <a:rPr lang="en-US" smtClean="0"/>
+              <a:t>Fifth level</a:t>
+            </a:r>
+            <a:endParaRPr lang="en-US"/>
+          </a:p>
+        </p:txBody>
+      </p:sp>
+      <p:sp>
+        <p:nvSpPr>
+          <p:cNvPr id="6" name="Footer Placeholder 5"/>
+          <p:cNvSpPr>
+            <a:spLocks noGrp="1"/>
+          </p:cNvSpPr>
+          <p:nvPr>
+            <p:ph type="ftr" sz="quarter" idx="4"/>
+          </p:nvPr>
+        </p:nvSpPr>
+        <p:spPr>
+          <a:xfrm>
+            <a:off x="0" y="8685213"/>
+            <a:ext cx="2971800" cy="458787"/>
+          </a:xfrm>
+          <a:prstGeom prst="rect">
+            <a:avLst/>
+          </a:prstGeom>
+        </p:spPr>
+        <p:txBody>
+          <a:bodyPr vert="horz" lIns="91440" tIns="45720" rIns="91440" bIns="45720" rtlCol="0" anchor="b"/>
+          <a:lstStyle>
+            <a:lvl1pPr algn="l">
+              <a:defRPr sz="1200"/>
+            </a:lvl1pPr>
+          </a:lstStyle>
+          <a:p>
+            <a:endParaRPr lang="en-US"/>
+          </a:p>
+        </p:txBody>
+      </p:sp>
+      <p:sp>
+        <p:nvSpPr>
+          <p:cNvPr id="7" name="Slide Number Placeholder 6"/>
+          <p:cNvSpPr>
+            <a:spLocks noGrp="1"/>
+          </p:cNvSpPr>
+          <p:nvPr>
+            <p:ph type="sldNum" sz="quarter" idx="5"/>
+          </p:nvPr>
+        </p:nvSpPr>
+        <p:spPr>
+          <a:xfrm>
+            <a:off x="3884613" y="8685213"/>
+            <a:ext cx="2971800" cy="458787"/>
+          </a:xfrm>
+          <a:prstGeom prst="rect">
+            <a:avLst/>
+          </a:prstGeom>
+        </p:spPr>
+        <p:txBody>
+          <a:bodyPr vert="horz" lIns="91440" tIns="45720" rIns="91440" bIns="45720" rtlCol="0" anchor="b"/>
+          <a:lstStyle>
+            <a:lvl1pPr algn="r">
+              <a:defRPr sz="1200"/>
+            </a:lvl1pPr>
+          </a:lstStyle>
+          <a:p>
+            <a:fld id="{77AD6EE1-1C70-AC40-BFC0-17B16E034900}" type="slidenum">
+              <a:rPr lang="en-US" smtClean="0"/>
+              <a:t>‹#›</a:t>
+            </a:fld>
+            <a:endParaRPr lang="en-US"/>
+          </a:p>
+        </p:txBody>
+      </p:sp>
+    </p:spTree>
+    <p:extLst>
+      <p:ext uri="{BB962C8B-B14F-4D97-AF65-F5344CB8AC3E}">
+        <p14:creationId xmlns:p14="http://schemas.microsoft.com/office/powerpoint/2010/main" val="960718176"/>
+      </p:ext>
+    </p:extLst>
+  </p:cSld>
+  <p:clrMap bg1="lt1" tx1="dk1" bg2="lt2" tx2="dk2" accent1="accent1" accent2="accent2" accent3="accent3" accent4="accent4" accent5="accent5" accent6="accent6" hlink="hlink" folHlink="folHlink"/>
+  <p:notesStyle>
+    <a:lvl1pPr marL="0" algn="l" defTabSz="914400" rtl="0" eaLnBrk="1" latinLnBrk="0" hangingPunct="1">
+      <a:defRPr sz="1200" kern="1200">
+        <a:solidFill>
+          <a:schemeClr val="tx1"/>
+        </a:solidFill>
+        <a:latin typeface="+mn-lt"/>
+        <a:ea typeface="+mn-ea"/>
+        <a:cs typeface="+mn-cs"/>
+      </a:defRPr>
+    </a:lvl1pPr>
+    <a:lvl2pPr marL="457200" algn="l" defTabSz="914400" rtl="0" eaLnBrk="1" latinLnBrk="0" hangingPunct="1">
+      <a:defRPr sz="1200" kern="1200">
+        <a:solidFill>
+          <a:schemeClr val="tx1"/>
+        </a:solidFill>
+        <a:latin typeface="+mn-lt"/>
+        <a:ea typeface="+mn-ea"/>
+        <a:cs typeface="+mn-cs"/>
+      </a:defRPr>
+    </a:lvl2pPr>
+    <a:lvl3pPr marL="914400" algn="l" defTabSz="914400" rtl="0" eaLnBrk="1" latinLnBrk="0" hangingPunct="1">
+      <a:defRPr sz="1200" kern="1200">
+        <a:solidFill>
+          <a:schemeClr val="tx1"/>
+        </a:solidFill>
+        <a:latin typeface="+mn-lt"/>
+        <a:ea typeface="+mn-ea"/>
+        <a:cs typeface="+mn-cs"/>
+      </a:defRPr>
+    </a:lvl3pPr>
+    <a:lvl4pPr marL="1371600" algn="l" defTabSz="914400" rtl="0" eaLnBrk="1" latinLnBrk="0" hangingPunct="1">
+      <a:defRPr sz="1200" kern="1200">
+        <a:solidFill>
+          <a:schemeClr val="tx1"/>
+        </a:solidFill>
+        <a:latin typeface="+mn-lt"/>
+        <a:ea typeface="+mn-ea"/>
+        <a:cs typeface="+mn-cs"/>
+      </a:defRPr>
+    </a:lvl4pPr>
+    <a:lvl5pPr marL="1828800" algn="l" defTabSz="914400" rtl="0" eaLnBrk="1" latinLnBrk="0" hangingPunct="1">
+      <a:defRPr sz="1200" kern="1200">
+        <a:solidFill>
+          <a:schemeClr val="tx1"/>
+        </a:solidFill>
+        <a:latin typeface="+mn-lt"/>
+        <a:ea typeface="+mn-ea"/>
+        <a:cs typeface="+mn-cs"/>
+      </a:defRPr>
+    </a:lvl5pPr>
+    <a:lvl6pPr marL="2286000" algn="l" defTabSz="914400" rtl="0" eaLnBrk="1" latinLnBrk="0" hangingPunct="1">
+      <a:defRPr sz="1200" kern="1200">
+        <a:solidFill>
+          <a:schemeClr val="tx1"/>
+        </a:solidFill>
+        <a:latin typeface="+mn-lt"/>
+        <a:ea typeface="+mn-ea"/>
+        <a:cs typeface="+mn-cs"/>
+      </a:defRPr>
+    </a:lvl6pPr>
+    <a:lvl7pPr marL="2743200" algn="l" defTabSz="914400" rtl="0" eaLnBrk="1" latinLnBrk="0" hangingPunct="1">
+      <a:defRPr sz="1200" kern="1200">
+        <a:solidFill>
+          <a:schemeClr val="tx1"/>
+        </a:solidFill>
+        <a:latin typeface="+mn-lt"/>
+        <a:ea typeface="+mn-ea"/>
+        <a:cs typeface="+mn-cs"/>
+      </a:defRPr>
+    </a:lvl7pPr>
+    <a:lvl8pPr marL="3200400" algn="l" defTabSz="914400" rtl="0" eaLnBrk="1" latinLnBrk="0" hangingPunct="1">
+      <a:defRPr sz="1200" kern="1200">
+        <a:solidFill>
+          <a:schemeClr val="tx1"/>
+        </a:solidFill>
+        <a:latin typeface="+mn-lt"/>
+        <a:ea typeface="+mn-ea"/>
+        <a:cs typeface="+mn-cs"/>
+      </a:defRPr>
+    </a:lvl8pPr>
+    <a:lvl9pPr marL="3657600" algn="l" defTabSz="914400" rtl="0" eaLnBrk="1" latinLnBrk="0" hangingPunct="1">
+      <a:defRPr sz="1200" kern="1200">
+        <a:solidFill>
+          <a:schemeClr val="tx1"/>
+        </a:solidFill>
+        <a:latin typeface="+mn-lt"/>
+        <a:ea typeface="+mn-ea"/>
+        <a:cs typeface="+mn-cs"/>
+      </a:defRPr>
+    </a:lvl9pPr>
+  </p:notesStyle>
+</p:notesMaster>
+</file>
+
+<file path=ppt/notesSlides/notesSlide1.xml><?xml version="1.0" encoding="utf-8"?>
+<p:notes xmlns:a="http://schemas.openxmlformats.org/drawingml/2006/main" xmlns:r="http://schemas.openxmlformats.org/officeDocument/2006/relationships" xmlns:p="http://schemas.openxmlformats.org/presentationml/2006/main">
+  <p:cSld>
+    <p:spTree>
+      <p:nvGrpSpPr>
+        <p:cNvPr id="1" name=""/>
+        <p:cNvGrpSpPr/>
+        <p:nvPr/>
+      </p:nvGrpSpPr>
+      <p:grpSpPr>
+        <a:xfrm>
+          <a:off x="0" y="0"/>
+          <a:ext cx="0" cy="0"/>
+          <a:chOff x="0" y="0"/>
+          <a:chExt cx="0" cy="0"/>
+        </a:xfrm>
+      </p:grpSpPr>
+      <p:sp>
+        <p:nvSpPr>
+          <p:cNvPr id="2" name="Slide Image Placeholder 1"/>
+          <p:cNvSpPr>
+            <a:spLocks noGrp="1" noRot="1" noChangeAspect="1"/>
+          </p:cNvSpPr>
+          <p:nvPr>
+            <p:ph type="sldImg"/>
+          </p:nvPr>
+        </p:nvSpPr>
+        <p:spPr/>
+      </p:sp>
+      <p:sp>
+        <p:nvSpPr>
+          <p:cNvPr id="3" name="Notes Placeholder 2"/>
+          <p:cNvSpPr>
+            <a:spLocks noGrp="1"/>
+          </p:cNvSpPr>
+          <p:nvPr>
+            <p:ph type="body" idx="1"/>
+          </p:nvPr>
+        </p:nvSpPr>
+        <p:spPr/>
+        <p:txBody>
+          <a:bodyPr/>
+          <a:lstStyle/>
+          <a:p>
+            <a:pPr marL="285750" indent="-285750">
+              <a:buFont typeface="Arial" panose="020B0604020202020204" pitchFamily="34" charset="0"/>
+              <a:buChar char="•"/>
+            </a:pPr>
+            <a:r>
+              <a:rPr lang="en-CA" dirty="0" smtClean="0"/>
+              <a:t>Is accepting fair/unfair offers significantly larger/smaller than unfair offers within a group? </a:t>
+            </a:r>
+          </a:p>
+          <a:p>
+            <a:pPr marL="742950" lvl="1" indent="-285750">
+              <a:buFont typeface="Arial" panose="020B0604020202020204" pitchFamily="34" charset="0"/>
+              <a:buChar char="•"/>
+            </a:pPr>
+            <a:r>
+              <a:rPr lang="en-CA" dirty="0" smtClean="0"/>
+              <a:t>Yes. Binomial test(accept, reject)</a:t>
+            </a:r>
+          </a:p>
+          <a:p>
+            <a:pPr marL="285750" indent="-285750">
+              <a:buFont typeface="Arial" panose="020B0604020202020204" pitchFamily="34" charset="0"/>
+              <a:buChar char="•"/>
+            </a:pPr>
+            <a:endParaRPr lang="en-CA" dirty="0" smtClean="0"/>
+          </a:p>
+          <a:p>
+            <a:pPr marL="285750" indent="-285750">
+              <a:buFont typeface="Arial" panose="020B0604020202020204" pitchFamily="34" charset="0"/>
+              <a:buChar char="•"/>
+            </a:pPr>
+            <a:r>
+              <a:rPr lang="en-CA" dirty="0" smtClean="0"/>
+              <a:t>Is accepting fair/unfair offers significantly different across groups?</a:t>
+            </a:r>
+          </a:p>
+          <a:p>
+            <a:pPr marL="742950" lvl="1" indent="-285750">
+              <a:buFont typeface="Arial" panose="020B0604020202020204" pitchFamily="34" charset="0"/>
+              <a:buChar char="•"/>
+            </a:pPr>
+            <a:r>
+              <a:rPr lang="en-CA" dirty="0" smtClean="0"/>
+              <a:t>Yes, chi-square goodness of fit.</a:t>
+            </a:r>
+          </a:p>
+          <a:p>
+            <a:endParaRPr lang="en-US" dirty="0"/>
+          </a:p>
+        </p:txBody>
+      </p:sp>
+      <p:sp>
+        <p:nvSpPr>
+          <p:cNvPr id="4" name="Slide Number Placeholder 3"/>
+          <p:cNvSpPr>
+            <a:spLocks noGrp="1"/>
+          </p:cNvSpPr>
+          <p:nvPr>
+            <p:ph type="sldNum" sz="quarter" idx="10"/>
+          </p:nvPr>
+        </p:nvSpPr>
+        <p:spPr/>
+        <p:txBody>
+          <a:bodyPr/>
+          <a:lstStyle/>
+          <a:p>
+            <a:fld id="{77AD6EE1-1C70-AC40-BFC0-17B16E034900}" type="slidenum">
+              <a:rPr lang="en-US" smtClean="0"/>
+              <a:t>3</a:t>
+            </a:fld>
+            <a:endParaRPr lang="en-US"/>
+          </a:p>
+        </p:txBody>
+      </p:sp>
+    </p:spTree>
+    <p:extLst>
+      <p:ext uri="{BB962C8B-B14F-4D97-AF65-F5344CB8AC3E}">
+        <p14:creationId xmlns:p14="http://schemas.microsoft.com/office/powerpoint/2010/main" val="2008325886"/>
+      </p:ext>
+    </p:extLst>
+  </p:cSld>
+  <p:clrMapOvr>
+    <a:masterClrMapping/>
+  </p:clrMapOvr>
+</p:notes>
 </file>
 
 <file path=ppt/slideLayouts/slideLayout1.xml><?xml version="1.0" encoding="utf-8"?>
@@ -4414,7 +6508,7 @@
           <p:cNvPr id="2" name="Title 1">
             <a:extLst>
               <a:ext uri="{FF2B5EF4-FFF2-40B4-BE49-F238E27FC236}">
-                <a16:creationId xmlns="" xmlns:a16="http://schemas.microsoft.com/office/drawing/2014/main" id="{A770637A-7F70-4788-A8DB-6F8A001AE731}"/>
+                <a16:creationId xmlns:a16="http://schemas.microsoft.com/office/drawing/2014/main" xmlns="" id="{A770637A-7F70-4788-A8DB-6F8A001AE731}"/>
               </a:ext>
             </a:extLst>
           </p:cNvPr>
@@ -4452,7 +6546,7 @@
           <p:cNvPr id="3" name="Subtitle 2">
             <a:extLst>
               <a:ext uri="{FF2B5EF4-FFF2-40B4-BE49-F238E27FC236}">
-                <a16:creationId xmlns="" xmlns:a16="http://schemas.microsoft.com/office/drawing/2014/main" id="{F9D5404F-EB55-4B5E-B9CE-AC2A0B6C47CB}"/>
+                <a16:creationId xmlns:a16="http://schemas.microsoft.com/office/drawing/2014/main" xmlns="" id="{F9D5404F-EB55-4B5E-B9CE-AC2A0B6C47CB}"/>
               </a:ext>
             </a:extLst>
           </p:cNvPr>
@@ -4523,7 +6617,7 @@
           <p:cNvPr id="4" name="Date Placeholder 3">
             <a:extLst>
               <a:ext uri="{FF2B5EF4-FFF2-40B4-BE49-F238E27FC236}">
-                <a16:creationId xmlns="" xmlns:a16="http://schemas.microsoft.com/office/drawing/2014/main" id="{7808CDBC-CAE1-487B-A4E5-3CB70D4EAEEB}"/>
+                <a16:creationId xmlns:a16="http://schemas.microsoft.com/office/drawing/2014/main" xmlns="" id="{7808CDBC-CAE1-487B-A4E5-3CB70D4EAEEB}"/>
               </a:ext>
             </a:extLst>
           </p:cNvPr>
@@ -4541,7 +6635,7 @@
           <a:p>
             <a:fld id="{96B0AB5A-E802-48CF-A5B9-FE8704AC6519}" type="datetimeFigureOut">
               <a:rPr lang="en-CA" smtClean="0"/>
-              <a:t>2017-09-28</a:t>
+              <a:t>2017-10-17</a:t>
             </a:fld>
             <a:endParaRPr lang="en-CA"/>
           </a:p>
@@ -4552,7 +6646,7 @@
           <p:cNvPr id="5" name="Footer Placeholder 4">
             <a:extLst>
               <a:ext uri="{FF2B5EF4-FFF2-40B4-BE49-F238E27FC236}">
-                <a16:creationId xmlns="" xmlns:a16="http://schemas.microsoft.com/office/drawing/2014/main" id="{50D5A8BB-D166-4343-997B-EF673CB40FAD}"/>
+                <a16:creationId xmlns:a16="http://schemas.microsoft.com/office/drawing/2014/main" xmlns="" id="{50D5A8BB-D166-4343-997B-EF673CB40FAD}"/>
               </a:ext>
             </a:extLst>
           </p:cNvPr>
@@ -4577,7 +6671,7 @@
           <p:cNvPr id="6" name="Slide Number Placeholder 5">
             <a:extLst>
               <a:ext uri="{FF2B5EF4-FFF2-40B4-BE49-F238E27FC236}">
-                <a16:creationId xmlns="" xmlns:a16="http://schemas.microsoft.com/office/drawing/2014/main" id="{6BC260DA-D757-4992-B138-BBE00B22D846}"/>
+                <a16:creationId xmlns:a16="http://schemas.microsoft.com/office/drawing/2014/main" xmlns="" id="{6BC260DA-D757-4992-B138-BBE00B22D846}"/>
               </a:ext>
             </a:extLst>
           </p:cNvPr>
@@ -4636,7 +6730,7 @@
           <p:cNvPr id="2" name="Title 1">
             <a:extLst>
               <a:ext uri="{FF2B5EF4-FFF2-40B4-BE49-F238E27FC236}">
-                <a16:creationId xmlns="" xmlns:a16="http://schemas.microsoft.com/office/drawing/2014/main" id="{68951A57-6E16-4A71-98CB-2307E282C3C2}"/>
+                <a16:creationId xmlns:a16="http://schemas.microsoft.com/office/drawing/2014/main" xmlns="" id="{68951A57-6E16-4A71-98CB-2307E282C3C2}"/>
               </a:ext>
             </a:extLst>
           </p:cNvPr>
@@ -4665,7 +6759,7 @@
           <p:cNvPr id="3" name="Vertical Text Placeholder 2">
             <a:extLst>
               <a:ext uri="{FF2B5EF4-FFF2-40B4-BE49-F238E27FC236}">
-                <a16:creationId xmlns="" xmlns:a16="http://schemas.microsoft.com/office/drawing/2014/main" id="{7F111875-20D3-450B-8A7D-100D7AD10DA2}"/>
+                <a16:creationId xmlns:a16="http://schemas.microsoft.com/office/drawing/2014/main" xmlns="" id="{7F111875-20D3-450B-8A7D-100D7AD10DA2}"/>
               </a:ext>
             </a:extLst>
           </p:cNvPr>
@@ -4723,7 +6817,7 @@
           <p:cNvPr id="4" name="Date Placeholder 3">
             <a:extLst>
               <a:ext uri="{FF2B5EF4-FFF2-40B4-BE49-F238E27FC236}">
-                <a16:creationId xmlns="" xmlns:a16="http://schemas.microsoft.com/office/drawing/2014/main" id="{98F3875F-0C83-48C3-8881-97B38467BFC0}"/>
+                <a16:creationId xmlns:a16="http://schemas.microsoft.com/office/drawing/2014/main" xmlns="" id="{98F3875F-0C83-48C3-8881-97B38467BFC0}"/>
               </a:ext>
             </a:extLst>
           </p:cNvPr>
@@ -4741,7 +6835,7 @@
           <a:p>
             <a:fld id="{96B0AB5A-E802-48CF-A5B9-FE8704AC6519}" type="datetimeFigureOut">
               <a:rPr lang="en-CA" smtClean="0"/>
-              <a:t>2017-09-28</a:t>
+              <a:t>2017-10-17</a:t>
             </a:fld>
             <a:endParaRPr lang="en-CA"/>
           </a:p>
@@ -4752,7 +6846,7 @@
           <p:cNvPr id="5" name="Footer Placeholder 4">
             <a:extLst>
               <a:ext uri="{FF2B5EF4-FFF2-40B4-BE49-F238E27FC236}">
-                <a16:creationId xmlns="" xmlns:a16="http://schemas.microsoft.com/office/drawing/2014/main" id="{F2640ABB-0B39-4E48-B67F-13EB2E5E88B0}"/>
+                <a16:creationId xmlns:a16="http://schemas.microsoft.com/office/drawing/2014/main" xmlns="" id="{F2640ABB-0B39-4E48-B67F-13EB2E5E88B0}"/>
               </a:ext>
             </a:extLst>
           </p:cNvPr>
@@ -4777,7 +6871,7 @@
           <p:cNvPr id="6" name="Slide Number Placeholder 5">
             <a:extLst>
               <a:ext uri="{FF2B5EF4-FFF2-40B4-BE49-F238E27FC236}">
-                <a16:creationId xmlns="" xmlns:a16="http://schemas.microsoft.com/office/drawing/2014/main" id="{D54C0341-9536-4979-9F6E-429B5834248C}"/>
+                <a16:creationId xmlns:a16="http://schemas.microsoft.com/office/drawing/2014/main" xmlns="" id="{D54C0341-9536-4979-9F6E-429B5834248C}"/>
               </a:ext>
             </a:extLst>
           </p:cNvPr>
@@ -4836,7 +6930,7 @@
           <p:cNvPr id="2" name="Vertical Title 1">
             <a:extLst>
               <a:ext uri="{FF2B5EF4-FFF2-40B4-BE49-F238E27FC236}">
-                <a16:creationId xmlns="" xmlns:a16="http://schemas.microsoft.com/office/drawing/2014/main" id="{20D0E6FE-C5AB-4578-BB2A-E718F0F3D4BA}"/>
+                <a16:creationId xmlns:a16="http://schemas.microsoft.com/office/drawing/2014/main" xmlns="" id="{20D0E6FE-C5AB-4578-BB2A-E718F0F3D4BA}"/>
               </a:ext>
             </a:extLst>
           </p:cNvPr>
@@ -4870,7 +6964,7 @@
           <p:cNvPr id="3" name="Vertical Text Placeholder 2">
             <a:extLst>
               <a:ext uri="{FF2B5EF4-FFF2-40B4-BE49-F238E27FC236}">
-                <a16:creationId xmlns="" xmlns:a16="http://schemas.microsoft.com/office/drawing/2014/main" id="{4D9442B6-6798-4E3F-BC43-D487421D33ED}"/>
+                <a16:creationId xmlns:a16="http://schemas.microsoft.com/office/drawing/2014/main" xmlns="" id="{4D9442B6-6798-4E3F-BC43-D487421D33ED}"/>
               </a:ext>
             </a:extLst>
           </p:cNvPr>
@@ -4933,7 +7027,7 @@
           <p:cNvPr id="4" name="Date Placeholder 3">
             <a:extLst>
               <a:ext uri="{FF2B5EF4-FFF2-40B4-BE49-F238E27FC236}">
-                <a16:creationId xmlns="" xmlns:a16="http://schemas.microsoft.com/office/drawing/2014/main" id="{D8E8FDF4-0673-47D2-AEF1-4ECE10E40BDA}"/>
+                <a16:creationId xmlns:a16="http://schemas.microsoft.com/office/drawing/2014/main" xmlns="" id="{D8E8FDF4-0673-47D2-AEF1-4ECE10E40BDA}"/>
               </a:ext>
             </a:extLst>
           </p:cNvPr>
@@ -4951,7 +7045,7 @@
           <a:p>
             <a:fld id="{96B0AB5A-E802-48CF-A5B9-FE8704AC6519}" type="datetimeFigureOut">
               <a:rPr lang="en-CA" smtClean="0"/>
-              <a:t>2017-09-28</a:t>
+              <a:t>2017-10-17</a:t>
             </a:fld>
             <a:endParaRPr lang="en-CA"/>
           </a:p>
@@ -4962,7 +7056,7 @@
           <p:cNvPr id="5" name="Footer Placeholder 4">
             <a:extLst>
               <a:ext uri="{FF2B5EF4-FFF2-40B4-BE49-F238E27FC236}">
-                <a16:creationId xmlns="" xmlns:a16="http://schemas.microsoft.com/office/drawing/2014/main" id="{E953779D-E55D-4C51-B09C-5B7930947D6C}"/>
+                <a16:creationId xmlns:a16="http://schemas.microsoft.com/office/drawing/2014/main" xmlns="" id="{E953779D-E55D-4C51-B09C-5B7930947D6C}"/>
               </a:ext>
             </a:extLst>
           </p:cNvPr>
@@ -4987,7 +7081,7 @@
           <p:cNvPr id="6" name="Slide Number Placeholder 5">
             <a:extLst>
               <a:ext uri="{FF2B5EF4-FFF2-40B4-BE49-F238E27FC236}">
-                <a16:creationId xmlns="" xmlns:a16="http://schemas.microsoft.com/office/drawing/2014/main" id="{28E9A841-3B09-42DC-8684-FE1A19B9552A}"/>
+                <a16:creationId xmlns:a16="http://schemas.microsoft.com/office/drawing/2014/main" xmlns="" id="{28E9A841-3B09-42DC-8684-FE1A19B9552A}"/>
               </a:ext>
             </a:extLst>
           </p:cNvPr>
@@ -5046,7 +7140,7 @@
           <p:cNvPr id="2" name="Title 1">
             <a:extLst>
               <a:ext uri="{FF2B5EF4-FFF2-40B4-BE49-F238E27FC236}">
-                <a16:creationId xmlns="" xmlns:a16="http://schemas.microsoft.com/office/drawing/2014/main" id="{1C2B00DB-F0DF-4138-ABCE-C402834F38C7}"/>
+                <a16:creationId xmlns:a16="http://schemas.microsoft.com/office/drawing/2014/main" xmlns="" id="{1C2B00DB-F0DF-4138-ABCE-C402834F38C7}"/>
               </a:ext>
             </a:extLst>
           </p:cNvPr>
@@ -5075,7 +7169,7 @@
           <p:cNvPr id="3" name="Content Placeholder 2">
             <a:extLst>
               <a:ext uri="{FF2B5EF4-FFF2-40B4-BE49-F238E27FC236}">
-                <a16:creationId xmlns="" xmlns:a16="http://schemas.microsoft.com/office/drawing/2014/main" id="{C393E18F-528D-46DF-8DCA-5674757975BF}"/>
+                <a16:creationId xmlns:a16="http://schemas.microsoft.com/office/drawing/2014/main" xmlns="" id="{C393E18F-528D-46DF-8DCA-5674757975BF}"/>
               </a:ext>
             </a:extLst>
           </p:cNvPr>
@@ -5133,7 +7227,7 @@
           <p:cNvPr id="4" name="Date Placeholder 3">
             <a:extLst>
               <a:ext uri="{FF2B5EF4-FFF2-40B4-BE49-F238E27FC236}">
-                <a16:creationId xmlns="" xmlns:a16="http://schemas.microsoft.com/office/drawing/2014/main" id="{AE5FACCA-E424-4C6C-B376-B62146CE191B}"/>
+                <a16:creationId xmlns:a16="http://schemas.microsoft.com/office/drawing/2014/main" xmlns="" id="{AE5FACCA-E424-4C6C-B376-B62146CE191B}"/>
               </a:ext>
             </a:extLst>
           </p:cNvPr>
@@ -5151,7 +7245,7 @@
           <a:p>
             <a:fld id="{96B0AB5A-E802-48CF-A5B9-FE8704AC6519}" type="datetimeFigureOut">
               <a:rPr lang="en-CA" smtClean="0"/>
-              <a:t>2017-09-28</a:t>
+              <a:t>2017-10-17</a:t>
             </a:fld>
             <a:endParaRPr lang="en-CA"/>
           </a:p>
@@ -5162,7 +7256,7 @@
           <p:cNvPr id="5" name="Footer Placeholder 4">
             <a:extLst>
               <a:ext uri="{FF2B5EF4-FFF2-40B4-BE49-F238E27FC236}">
-                <a16:creationId xmlns="" xmlns:a16="http://schemas.microsoft.com/office/drawing/2014/main" id="{E88A8849-1252-418B-86C9-3FB1D770E4C1}"/>
+                <a16:creationId xmlns:a16="http://schemas.microsoft.com/office/drawing/2014/main" xmlns="" id="{E88A8849-1252-418B-86C9-3FB1D770E4C1}"/>
               </a:ext>
             </a:extLst>
           </p:cNvPr>
@@ -5187,7 +7281,7 @@
           <p:cNvPr id="6" name="Slide Number Placeholder 5">
             <a:extLst>
               <a:ext uri="{FF2B5EF4-FFF2-40B4-BE49-F238E27FC236}">
-                <a16:creationId xmlns="" xmlns:a16="http://schemas.microsoft.com/office/drawing/2014/main" id="{2213DBDE-BBC2-4EE9-AA49-CBE1CA9AF8E1}"/>
+                <a16:creationId xmlns:a16="http://schemas.microsoft.com/office/drawing/2014/main" xmlns="" id="{2213DBDE-BBC2-4EE9-AA49-CBE1CA9AF8E1}"/>
               </a:ext>
             </a:extLst>
           </p:cNvPr>
@@ -5246,7 +7340,7 @@
           <p:cNvPr id="2" name="Title 1">
             <a:extLst>
               <a:ext uri="{FF2B5EF4-FFF2-40B4-BE49-F238E27FC236}">
-                <a16:creationId xmlns="" xmlns:a16="http://schemas.microsoft.com/office/drawing/2014/main" id="{32D6B6B8-2C76-441A-90C7-2648223BB744}"/>
+                <a16:creationId xmlns:a16="http://schemas.microsoft.com/office/drawing/2014/main" xmlns="" id="{32D6B6B8-2C76-441A-90C7-2648223BB744}"/>
               </a:ext>
             </a:extLst>
           </p:cNvPr>
@@ -5284,7 +7378,7 @@
           <p:cNvPr id="3" name="Text Placeholder 2">
             <a:extLst>
               <a:ext uri="{FF2B5EF4-FFF2-40B4-BE49-F238E27FC236}">
-                <a16:creationId xmlns="" xmlns:a16="http://schemas.microsoft.com/office/drawing/2014/main" id="{B4FD13C0-2671-4F5B-BC76-3285DF8F0D0A}"/>
+                <a16:creationId xmlns:a16="http://schemas.microsoft.com/office/drawing/2014/main" xmlns="" id="{B4FD13C0-2671-4F5B-BC76-3285DF8F0D0A}"/>
               </a:ext>
             </a:extLst>
           </p:cNvPr>
@@ -5409,7 +7503,7 @@
           <p:cNvPr id="4" name="Date Placeholder 3">
             <a:extLst>
               <a:ext uri="{FF2B5EF4-FFF2-40B4-BE49-F238E27FC236}">
-                <a16:creationId xmlns="" xmlns:a16="http://schemas.microsoft.com/office/drawing/2014/main" id="{15FAF587-BBF7-4795-A539-160E1CBB4D0C}"/>
+                <a16:creationId xmlns:a16="http://schemas.microsoft.com/office/drawing/2014/main" xmlns="" id="{15FAF587-BBF7-4795-A539-160E1CBB4D0C}"/>
               </a:ext>
             </a:extLst>
           </p:cNvPr>
@@ -5427,7 +7521,7 @@
           <a:p>
             <a:fld id="{96B0AB5A-E802-48CF-A5B9-FE8704AC6519}" type="datetimeFigureOut">
               <a:rPr lang="en-CA" smtClean="0"/>
-              <a:t>2017-09-28</a:t>
+              <a:t>2017-10-17</a:t>
             </a:fld>
             <a:endParaRPr lang="en-CA"/>
           </a:p>
@@ -5438,7 +7532,7 @@
           <p:cNvPr id="5" name="Footer Placeholder 4">
             <a:extLst>
               <a:ext uri="{FF2B5EF4-FFF2-40B4-BE49-F238E27FC236}">
-                <a16:creationId xmlns="" xmlns:a16="http://schemas.microsoft.com/office/drawing/2014/main" id="{A43711F6-2BA4-43F7-ADE4-F55606E83807}"/>
+                <a16:creationId xmlns:a16="http://schemas.microsoft.com/office/drawing/2014/main" xmlns="" id="{A43711F6-2BA4-43F7-ADE4-F55606E83807}"/>
               </a:ext>
             </a:extLst>
           </p:cNvPr>
@@ -5463,7 +7557,7 @@
           <p:cNvPr id="6" name="Slide Number Placeholder 5">
             <a:extLst>
               <a:ext uri="{FF2B5EF4-FFF2-40B4-BE49-F238E27FC236}">
-                <a16:creationId xmlns="" xmlns:a16="http://schemas.microsoft.com/office/drawing/2014/main" id="{A0814A98-C0EE-4830-9E95-AB51A3D46328}"/>
+                <a16:creationId xmlns:a16="http://schemas.microsoft.com/office/drawing/2014/main" xmlns="" id="{A0814A98-C0EE-4830-9E95-AB51A3D46328}"/>
               </a:ext>
             </a:extLst>
           </p:cNvPr>
@@ -5522,7 +7616,7 @@
           <p:cNvPr id="2" name="Title 1">
             <a:extLst>
               <a:ext uri="{FF2B5EF4-FFF2-40B4-BE49-F238E27FC236}">
-                <a16:creationId xmlns="" xmlns:a16="http://schemas.microsoft.com/office/drawing/2014/main" id="{0F190E3E-504C-44BD-9375-90382E6A4B2D}"/>
+                <a16:creationId xmlns:a16="http://schemas.microsoft.com/office/drawing/2014/main" xmlns="" id="{0F190E3E-504C-44BD-9375-90382E6A4B2D}"/>
               </a:ext>
             </a:extLst>
           </p:cNvPr>
@@ -5551,7 +7645,7 @@
           <p:cNvPr id="3" name="Content Placeholder 2">
             <a:extLst>
               <a:ext uri="{FF2B5EF4-FFF2-40B4-BE49-F238E27FC236}">
-                <a16:creationId xmlns="" xmlns:a16="http://schemas.microsoft.com/office/drawing/2014/main" id="{F6CAE47C-1CB8-4A76-9E77-960D3E128C25}"/>
+                <a16:creationId xmlns:a16="http://schemas.microsoft.com/office/drawing/2014/main" xmlns="" id="{F6CAE47C-1CB8-4A76-9E77-960D3E128C25}"/>
               </a:ext>
             </a:extLst>
           </p:cNvPr>
@@ -5614,7 +7708,7 @@
           <p:cNvPr id="4" name="Content Placeholder 3">
             <a:extLst>
               <a:ext uri="{FF2B5EF4-FFF2-40B4-BE49-F238E27FC236}">
-                <a16:creationId xmlns="" xmlns:a16="http://schemas.microsoft.com/office/drawing/2014/main" id="{7020F4A4-A6BF-47E5-92FC-8201B6593F83}"/>
+                <a16:creationId xmlns:a16="http://schemas.microsoft.com/office/drawing/2014/main" xmlns="" id="{7020F4A4-A6BF-47E5-92FC-8201B6593F83}"/>
               </a:ext>
             </a:extLst>
           </p:cNvPr>
@@ -5677,7 +7771,7 @@
           <p:cNvPr id="5" name="Date Placeholder 4">
             <a:extLst>
               <a:ext uri="{FF2B5EF4-FFF2-40B4-BE49-F238E27FC236}">
-                <a16:creationId xmlns="" xmlns:a16="http://schemas.microsoft.com/office/drawing/2014/main" id="{1AA361B5-9AA3-4229-8D44-CEB57C12ED73}"/>
+                <a16:creationId xmlns:a16="http://schemas.microsoft.com/office/drawing/2014/main" xmlns="" id="{1AA361B5-9AA3-4229-8D44-CEB57C12ED73}"/>
               </a:ext>
             </a:extLst>
           </p:cNvPr>
@@ -5695,7 +7789,7 @@
           <a:p>
             <a:fld id="{96B0AB5A-E802-48CF-A5B9-FE8704AC6519}" type="datetimeFigureOut">
               <a:rPr lang="en-CA" smtClean="0"/>
-              <a:t>2017-09-28</a:t>
+              <a:t>2017-10-17</a:t>
             </a:fld>
             <a:endParaRPr lang="en-CA"/>
           </a:p>
@@ -5706,7 +7800,7 @@
           <p:cNvPr id="6" name="Footer Placeholder 5">
             <a:extLst>
               <a:ext uri="{FF2B5EF4-FFF2-40B4-BE49-F238E27FC236}">
-                <a16:creationId xmlns="" xmlns:a16="http://schemas.microsoft.com/office/drawing/2014/main" id="{8AAA7D8C-2AFC-4C12-92A2-9D98EF3FC76A}"/>
+                <a16:creationId xmlns:a16="http://schemas.microsoft.com/office/drawing/2014/main" xmlns="" id="{8AAA7D8C-2AFC-4C12-92A2-9D98EF3FC76A}"/>
               </a:ext>
             </a:extLst>
           </p:cNvPr>
@@ -5731,7 +7825,7 @@
           <p:cNvPr id="7" name="Slide Number Placeholder 6">
             <a:extLst>
               <a:ext uri="{FF2B5EF4-FFF2-40B4-BE49-F238E27FC236}">
-                <a16:creationId xmlns="" xmlns:a16="http://schemas.microsoft.com/office/drawing/2014/main" id="{33FD714B-B89C-43C1-A417-A6A05C50FDD6}"/>
+                <a16:creationId xmlns:a16="http://schemas.microsoft.com/office/drawing/2014/main" xmlns="" id="{33FD714B-B89C-43C1-A417-A6A05C50FDD6}"/>
               </a:ext>
             </a:extLst>
           </p:cNvPr>
@@ -5790,7 +7884,7 @@
           <p:cNvPr id="2" name="Title 1">
             <a:extLst>
               <a:ext uri="{FF2B5EF4-FFF2-40B4-BE49-F238E27FC236}">
-                <a16:creationId xmlns="" xmlns:a16="http://schemas.microsoft.com/office/drawing/2014/main" id="{B0D13C32-3583-406D-BB55-24C24E430751}"/>
+                <a16:creationId xmlns:a16="http://schemas.microsoft.com/office/drawing/2014/main" xmlns="" id="{B0D13C32-3583-406D-BB55-24C24E430751}"/>
               </a:ext>
             </a:extLst>
           </p:cNvPr>
@@ -5824,7 +7918,7 @@
           <p:cNvPr id="3" name="Text Placeholder 2">
             <a:extLst>
               <a:ext uri="{FF2B5EF4-FFF2-40B4-BE49-F238E27FC236}">
-                <a16:creationId xmlns="" xmlns:a16="http://schemas.microsoft.com/office/drawing/2014/main" id="{B918888A-2B6D-46A5-AE6E-A1FF449737AB}"/>
+                <a16:creationId xmlns:a16="http://schemas.microsoft.com/office/drawing/2014/main" xmlns="" id="{B918888A-2B6D-46A5-AE6E-A1FF449737AB}"/>
               </a:ext>
             </a:extLst>
           </p:cNvPr>
@@ -5895,7 +7989,7 @@
           <p:cNvPr id="4" name="Content Placeholder 3">
             <a:extLst>
               <a:ext uri="{FF2B5EF4-FFF2-40B4-BE49-F238E27FC236}">
-                <a16:creationId xmlns="" xmlns:a16="http://schemas.microsoft.com/office/drawing/2014/main" id="{8376B253-61D6-4CF9-B63B-20481633C4B7}"/>
+                <a16:creationId xmlns:a16="http://schemas.microsoft.com/office/drawing/2014/main" xmlns="" id="{8376B253-61D6-4CF9-B63B-20481633C4B7}"/>
               </a:ext>
             </a:extLst>
           </p:cNvPr>
@@ -5958,7 +8052,7 @@
           <p:cNvPr id="5" name="Text Placeholder 4">
             <a:extLst>
               <a:ext uri="{FF2B5EF4-FFF2-40B4-BE49-F238E27FC236}">
-                <a16:creationId xmlns="" xmlns:a16="http://schemas.microsoft.com/office/drawing/2014/main" id="{382753D1-7E4F-4976-AE02-B8CA399556CE}"/>
+                <a16:creationId xmlns:a16="http://schemas.microsoft.com/office/drawing/2014/main" xmlns="" id="{382753D1-7E4F-4976-AE02-B8CA399556CE}"/>
               </a:ext>
             </a:extLst>
           </p:cNvPr>
@@ -6029,7 +8123,7 @@
           <p:cNvPr id="6" name="Content Placeholder 5">
             <a:extLst>
               <a:ext uri="{FF2B5EF4-FFF2-40B4-BE49-F238E27FC236}">
-                <a16:creationId xmlns="" xmlns:a16="http://schemas.microsoft.com/office/drawing/2014/main" id="{4C468A93-F5B5-49E9-B836-9872129CC484}"/>
+                <a16:creationId xmlns:a16="http://schemas.microsoft.com/office/drawing/2014/main" xmlns="" id="{4C468A93-F5B5-49E9-B836-9872129CC484}"/>
               </a:ext>
             </a:extLst>
           </p:cNvPr>
@@ -6092,7 +8186,7 @@
           <p:cNvPr id="7" name="Date Placeholder 6">
             <a:extLst>
               <a:ext uri="{FF2B5EF4-FFF2-40B4-BE49-F238E27FC236}">
-                <a16:creationId xmlns="" xmlns:a16="http://schemas.microsoft.com/office/drawing/2014/main" id="{695DD8CB-5889-49EA-9BAD-528818612ABE}"/>
+                <a16:creationId xmlns:a16="http://schemas.microsoft.com/office/drawing/2014/main" xmlns="" id="{695DD8CB-5889-49EA-9BAD-528818612ABE}"/>
               </a:ext>
             </a:extLst>
           </p:cNvPr>
@@ -6110,7 +8204,7 @@
           <a:p>
             <a:fld id="{96B0AB5A-E802-48CF-A5B9-FE8704AC6519}" type="datetimeFigureOut">
               <a:rPr lang="en-CA" smtClean="0"/>
-              <a:t>2017-09-28</a:t>
+              <a:t>2017-10-17</a:t>
             </a:fld>
             <a:endParaRPr lang="en-CA"/>
           </a:p>
@@ -6121,7 +8215,7 @@
           <p:cNvPr id="8" name="Footer Placeholder 7">
             <a:extLst>
               <a:ext uri="{FF2B5EF4-FFF2-40B4-BE49-F238E27FC236}">
-                <a16:creationId xmlns="" xmlns:a16="http://schemas.microsoft.com/office/drawing/2014/main" id="{8501B846-1316-4807-8A54-DA3AC47AD72F}"/>
+                <a16:creationId xmlns:a16="http://schemas.microsoft.com/office/drawing/2014/main" xmlns="" id="{8501B846-1316-4807-8A54-DA3AC47AD72F}"/>
               </a:ext>
             </a:extLst>
           </p:cNvPr>
@@ -6146,7 +8240,7 @@
           <p:cNvPr id="9" name="Slide Number Placeholder 8">
             <a:extLst>
               <a:ext uri="{FF2B5EF4-FFF2-40B4-BE49-F238E27FC236}">
-                <a16:creationId xmlns="" xmlns:a16="http://schemas.microsoft.com/office/drawing/2014/main" id="{689B354F-D580-4F3A-AB73-5BC965F2B569}"/>
+                <a16:creationId xmlns:a16="http://schemas.microsoft.com/office/drawing/2014/main" xmlns="" id="{689B354F-D580-4F3A-AB73-5BC965F2B569}"/>
               </a:ext>
             </a:extLst>
           </p:cNvPr>
@@ -6205,7 +8299,7 @@
           <p:cNvPr id="2" name="Title 1">
             <a:extLst>
               <a:ext uri="{FF2B5EF4-FFF2-40B4-BE49-F238E27FC236}">
-                <a16:creationId xmlns="" xmlns:a16="http://schemas.microsoft.com/office/drawing/2014/main" id="{79DDE365-D52A-428F-AB9F-8CF9AC3D43A2}"/>
+                <a16:creationId xmlns:a16="http://schemas.microsoft.com/office/drawing/2014/main" xmlns="" id="{79DDE365-D52A-428F-AB9F-8CF9AC3D43A2}"/>
               </a:ext>
             </a:extLst>
           </p:cNvPr>
@@ -6234,7 +8328,7 @@
           <p:cNvPr id="3" name="Date Placeholder 2">
             <a:extLst>
               <a:ext uri="{FF2B5EF4-FFF2-40B4-BE49-F238E27FC236}">
-                <a16:creationId xmlns="" xmlns:a16="http://schemas.microsoft.com/office/drawing/2014/main" id="{1B902405-9BC8-4DCF-89BD-1C3021158836}"/>
+                <a16:creationId xmlns:a16="http://schemas.microsoft.com/office/drawing/2014/main" xmlns="" id="{1B902405-9BC8-4DCF-89BD-1C3021158836}"/>
               </a:ext>
             </a:extLst>
           </p:cNvPr>
@@ -6252,7 +8346,7 @@
           <a:p>
             <a:fld id="{96B0AB5A-E802-48CF-A5B9-FE8704AC6519}" type="datetimeFigureOut">
               <a:rPr lang="en-CA" smtClean="0"/>
-              <a:t>2017-09-28</a:t>
+              <a:t>2017-10-17</a:t>
             </a:fld>
             <a:endParaRPr lang="en-CA"/>
           </a:p>
@@ -6263,7 +8357,7 @@
           <p:cNvPr id="4" name="Footer Placeholder 3">
             <a:extLst>
               <a:ext uri="{FF2B5EF4-FFF2-40B4-BE49-F238E27FC236}">
-                <a16:creationId xmlns="" xmlns:a16="http://schemas.microsoft.com/office/drawing/2014/main" id="{5741E3B3-AB1D-4FEA-A844-6DD4E7C45709}"/>
+                <a16:creationId xmlns:a16="http://schemas.microsoft.com/office/drawing/2014/main" xmlns="" id="{5741E3B3-AB1D-4FEA-A844-6DD4E7C45709}"/>
               </a:ext>
             </a:extLst>
           </p:cNvPr>
@@ -6288,7 +8382,7 @@
           <p:cNvPr id="5" name="Slide Number Placeholder 4">
             <a:extLst>
               <a:ext uri="{FF2B5EF4-FFF2-40B4-BE49-F238E27FC236}">
-                <a16:creationId xmlns="" xmlns:a16="http://schemas.microsoft.com/office/drawing/2014/main" id="{449737C3-89A9-4077-A0AE-16155EBF7C96}"/>
+                <a16:creationId xmlns:a16="http://schemas.microsoft.com/office/drawing/2014/main" xmlns="" id="{449737C3-89A9-4077-A0AE-16155EBF7C96}"/>
               </a:ext>
             </a:extLst>
           </p:cNvPr>
@@ -6347,7 +8441,7 @@
           <p:cNvPr id="2" name="Date Placeholder 1">
             <a:extLst>
               <a:ext uri="{FF2B5EF4-FFF2-40B4-BE49-F238E27FC236}">
-                <a16:creationId xmlns="" xmlns:a16="http://schemas.microsoft.com/office/drawing/2014/main" id="{67E2FC56-905E-4427-BB9F-0599D987CF0A}"/>
+                <a16:creationId xmlns:a16="http://schemas.microsoft.com/office/drawing/2014/main" xmlns="" id="{67E2FC56-905E-4427-BB9F-0599D987CF0A}"/>
               </a:ext>
             </a:extLst>
           </p:cNvPr>
@@ -6365,7 +8459,7 @@
           <a:p>
             <a:fld id="{96B0AB5A-E802-48CF-A5B9-FE8704AC6519}" type="datetimeFigureOut">
               <a:rPr lang="en-CA" smtClean="0"/>
-              <a:t>2017-09-28</a:t>
+              <a:t>2017-10-17</a:t>
             </a:fld>
             <a:endParaRPr lang="en-CA"/>
           </a:p>
@@ -6376,7 +8470,7 @@
           <p:cNvPr id="3" name="Footer Placeholder 2">
             <a:extLst>
               <a:ext uri="{FF2B5EF4-FFF2-40B4-BE49-F238E27FC236}">
-                <a16:creationId xmlns="" xmlns:a16="http://schemas.microsoft.com/office/drawing/2014/main" id="{487C4D51-B9C6-4DF9-B99D-02567E8C682D}"/>
+                <a16:creationId xmlns:a16="http://schemas.microsoft.com/office/drawing/2014/main" xmlns="" id="{487C4D51-B9C6-4DF9-B99D-02567E8C682D}"/>
               </a:ext>
             </a:extLst>
           </p:cNvPr>
@@ -6401,7 +8495,7 @@
           <p:cNvPr id="4" name="Slide Number Placeholder 3">
             <a:extLst>
               <a:ext uri="{FF2B5EF4-FFF2-40B4-BE49-F238E27FC236}">
-                <a16:creationId xmlns="" xmlns:a16="http://schemas.microsoft.com/office/drawing/2014/main" id="{0190AAD4-0860-4BD5-8057-18876B454949}"/>
+                <a16:creationId xmlns:a16="http://schemas.microsoft.com/office/drawing/2014/main" xmlns="" id="{0190AAD4-0860-4BD5-8057-18876B454949}"/>
               </a:ext>
             </a:extLst>
           </p:cNvPr>
@@ -6460,7 +8554,7 @@
           <p:cNvPr id="2" name="Title 1">
             <a:extLst>
               <a:ext uri="{FF2B5EF4-FFF2-40B4-BE49-F238E27FC236}">
-                <a16:creationId xmlns="" xmlns:a16="http://schemas.microsoft.com/office/drawing/2014/main" id="{38D0AC77-2DD6-4F80-AED8-5F2DEAFE47A5}"/>
+                <a16:creationId xmlns:a16="http://schemas.microsoft.com/office/drawing/2014/main" xmlns="" id="{38D0AC77-2DD6-4F80-AED8-5F2DEAFE47A5}"/>
               </a:ext>
             </a:extLst>
           </p:cNvPr>
@@ -6498,7 +8592,7 @@
           <p:cNvPr id="3" name="Content Placeholder 2">
             <a:extLst>
               <a:ext uri="{FF2B5EF4-FFF2-40B4-BE49-F238E27FC236}">
-                <a16:creationId xmlns="" xmlns:a16="http://schemas.microsoft.com/office/drawing/2014/main" id="{8A50F9F6-EF62-405A-BD73-A4D257EA25C1}"/>
+                <a16:creationId xmlns:a16="http://schemas.microsoft.com/office/drawing/2014/main" xmlns="" id="{8A50F9F6-EF62-405A-BD73-A4D257EA25C1}"/>
               </a:ext>
             </a:extLst>
           </p:cNvPr>
@@ -6589,7 +8683,7 @@
           <p:cNvPr id="4" name="Text Placeholder 3">
             <a:extLst>
               <a:ext uri="{FF2B5EF4-FFF2-40B4-BE49-F238E27FC236}">
-                <a16:creationId xmlns="" xmlns:a16="http://schemas.microsoft.com/office/drawing/2014/main" id="{C2D29C1A-CCB3-4892-8341-4E47EA725C2E}"/>
+                <a16:creationId xmlns:a16="http://schemas.microsoft.com/office/drawing/2014/main" xmlns="" id="{C2D29C1A-CCB3-4892-8341-4E47EA725C2E}"/>
               </a:ext>
             </a:extLst>
           </p:cNvPr>
@@ -6660,7 +8754,7 @@
           <p:cNvPr id="5" name="Date Placeholder 4">
             <a:extLst>
               <a:ext uri="{FF2B5EF4-FFF2-40B4-BE49-F238E27FC236}">
-                <a16:creationId xmlns="" xmlns:a16="http://schemas.microsoft.com/office/drawing/2014/main" id="{4A49B093-3DB2-42E5-90E6-7961FD1DEF69}"/>
+                <a16:creationId xmlns:a16="http://schemas.microsoft.com/office/drawing/2014/main" xmlns="" id="{4A49B093-3DB2-42E5-90E6-7961FD1DEF69}"/>
               </a:ext>
             </a:extLst>
           </p:cNvPr>
@@ -6678,7 +8772,7 @@
           <a:p>
             <a:fld id="{96B0AB5A-E802-48CF-A5B9-FE8704AC6519}" type="datetimeFigureOut">
               <a:rPr lang="en-CA" smtClean="0"/>
-              <a:t>2017-09-28</a:t>
+              <a:t>2017-10-17</a:t>
             </a:fld>
             <a:endParaRPr lang="en-CA"/>
           </a:p>
@@ -6689,7 +8783,7 @@
           <p:cNvPr id="6" name="Footer Placeholder 5">
             <a:extLst>
               <a:ext uri="{FF2B5EF4-FFF2-40B4-BE49-F238E27FC236}">
-                <a16:creationId xmlns="" xmlns:a16="http://schemas.microsoft.com/office/drawing/2014/main" id="{DF18E932-8D4E-4B86-ADE7-DAF5963F6D69}"/>
+                <a16:creationId xmlns:a16="http://schemas.microsoft.com/office/drawing/2014/main" xmlns="" id="{DF18E932-8D4E-4B86-ADE7-DAF5963F6D69}"/>
               </a:ext>
             </a:extLst>
           </p:cNvPr>
@@ -6714,7 +8808,7 @@
           <p:cNvPr id="7" name="Slide Number Placeholder 6">
             <a:extLst>
               <a:ext uri="{FF2B5EF4-FFF2-40B4-BE49-F238E27FC236}">
-                <a16:creationId xmlns="" xmlns:a16="http://schemas.microsoft.com/office/drawing/2014/main" id="{2A6BCD62-2E53-46BB-8674-8A6BC93614B3}"/>
+                <a16:creationId xmlns:a16="http://schemas.microsoft.com/office/drawing/2014/main" xmlns="" id="{2A6BCD62-2E53-46BB-8674-8A6BC93614B3}"/>
               </a:ext>
             </a:extLst>
           </p:cNvPr>
@@ -6773,7 +8867,7 @@
           <p:cNvPr id="2" name="Title 1">
             <a:extLst>
               <a:ext uri="{FF2B5EF4-FFF2-40B4-BE49-F238E27FC236}">
-                <a16:creationId xmlns="" xmlns:a16="http://schemas.microsoft.com/office/drawing/2014/main" id="{BE66942B-4AEE-47BA-A130-8FE3D07A2517}"/>
+                <a16:creationId xmlns:a16="http://schemas.microsoft.com/office/drawing/2014/main" xmlns="" id="{BE66942B-4AEE-47BA-A130-8FE3D07A2517}"/>
               </a:ext>
             </a:extLst>
           </p:cNvPr>
@@ -6811,7 +8905,7 @@
           <p:cNvPr id="3" name="Picture Placeholder 2">
             <a:extLst>
               <a:ext uri="{FF2B5EF4-FFF2-40B4-BE49-F238E27FC236}">
-                <a16:creationId xmlns="" xmlns:a16="http://schemas.microsoft.com/office/drawing/2014/main" id="{A24C110B-5666-4CAC-9935-17BA900407EB}"/>
+                <a16:creationId xmlns:a16="http://schemas.microsoft.com/office/drawing/2014/main" xmlns="" id="{A24C110B-5666-4CAC-9935-17BA900407EB}"/>
               </a:ext>
             </a:extLst>
           </p:cNvPr>
@@ -6878,7 +8972,7 @@
           <p:cNvPr id="4" name="Text Placeholder 3">
             <a:extLst>
               <a:ext uri="{FF2B5EF4-FFF2-40B4-BE49-F238E27FC236}">
-                <a16:creationId xmlns="" xmlns:a16="http://schemas.microsoft.com/office/drawing/2014/main" id="{1A5EEBFA-7C3F-40BC-A736-89E2871AB916}"/>
+                <a16:creationId xmlns:a16="http://schemas.microsoft.com/office/drawing/2014/main" xmlns="" id="{1A5EEBFA-7C3F-40BC-A736-89E2871AB916}"/>
               </a:ext>
             </a:extLst>
           </p:cNvPr>
@@ -6949,7 +9043,7 @@
           <p:cNvPr id="5" name="Date Placeholder 4">
             <a:extLst>
               <a:ext uri="{FF2B5EF4-FFF2-40B4-BE49-F238E27FC236}">
-                <a16:creationId xmlns="" xmlns:a16="http://schemas.microsoft.com/office/drawing/2014/main" id="{0F9791BC-52F7-4098-BD77-EB52CAD311D7}"/>
+                <a16:creationId xmlns:a16="http://schemas.microsoft.com/office/drawing/2014/main" xmlns="" id="{0F9791BC-52F7-4098-BD77-EB52CAD311D7}"/>
               </a:ext>
             </a:extLst>
           </p:cNvPr>
@@ -6967,7 +9061,7 @@
           <a:p>
             <a:fld id="{96B0AB5A-E802-48CF-A5B9-FE8704AC6519}" type="datetimeFigureOut">
               <a:rPr lang="en-CA" smtClean="0"/>
-              <a:t>2017-09-28</a:t>
+              <a:t>2017-10-17</a:t>
             </a:fld>
             <a:endParaRPr lang="en-CA"/>
           </a:p>
@@ -6978,7 +9072,7 @@
           <p:cNvPr id="6" name="Footer Placeholder 5">
             <a:extLst>
               <a:ext uri="{FF2B5EF4-FFF2-40B4-BE49-F238E27FC236}">
-                <a16:creationId xmlns="" xmlns:a16="http://schemas.microsoft.com/office/drawing/2014/main" id="{E2F409E7-1C98-4E39-B7A6-5F89DA98469F}"/>
+                <a16:creationId xmlns:a16="http://schemas.microsoft.com/office/drawing/2014/main" xmlns="" id="{E2F409E7-1C98-4E39-B7A6-5F89DA98469F}"/>
               </a:ext>
             </a:extLst>
           </p:cNvPr>
@@ -7003,7 +9097,7 @@
           <p:cNvPr id="7" name="Slide Number Placeholder 6">
             <a:extLst>
               <a:ext uri="{FF2B5EF4-FFF2-40B4-BE49-F238E27FC236}">
-                <a16:creationId xmlns="" xmlns:a16="http://schemas.microsoft.com/office/drawing/2014/main" id="{BDC7D36C-18CF-4995-B3BF-440113BC7738}"/>
+                <a16:creationId xmlns:a16="http://schemas.microsoft.com/office/drawing/2014/main" xmlns="" id="{BDC7D36C-18CF-4995-B3BF-440113BC7738}"/>
               </a:ext>
             </a:extLst>
           </p:cNvPr>
@@ -7067,7 +9161,7 @@
           <p:cNvPr id="2" name="Title Placeholder 1">
             <a:extLst>
               <a:ext uri="{FF2B5EF4-FFF2-40B4-BE49-F238E27FC236}">
-                <a16:creationId xmlns="" xmlns:a16="http://schemas.microsoft.com/office/drawing/2014/main" id="{E5B4AD75-DD9C-4FBC-861B-1923DAD4C653}"/>
+                <a16:creationId xmlns:a16="http://schemas.microsoft.com/office/drawing/2014/main" xmlns="" id="{E5B4AD75-DD9C-4FBC-861B-1923DAD4C653}"/>
               </a:ext>
             </a:extLst>
           </p:cNvPr>
@@ -7106,7 +9200,7 @@
           <p:cNvPr id="3" name="Text Placeholder 2">
             <a:extLst>
               <a:ext uri="{FF2B5EF4-FFF2-40B4-BE49-F238E27FC236}">
-                <a16:creationId xmlns="" xmlns:a16="http://schemas.microsoft.com/office/drawing/2014/main" id="{4D568E8A-8FC5-429A-BBC2-86B33A87A88A}"/>
+                <a16:creationId xmlns:a16="http://schemas.microsoft.com/office/drawing/2014/main" xmlns="" id="{4D568E8A-8FC5-429A-BBC2-86B33A87A88A}"/>
               </a:ext>
             </a:extLst>
           </p:cNvPr>
@@ -7174,7 +9268,7 @@
           <p:cNvPr id="4" name="Date Placeholder 3">
             <a:extLst>
               <a:ext uri="{FF2B5EF4-FFF2-40B4-BE49-F238E27FC236}">
-                <a16:creationId xmlns="" xmlns:a16="http://schemas.microsoft.com/office/drawing/2014/main" id="{29A9B9B8-7E0D-4EC3-A0F8-0CFBC57A3D7E}"/>
+                <a16:creationId xmlns:a16="http://schemas.microsoft.com/office/drawing/2014/main" xmlns="" id="{29A9B9B8-7E0D-4EC3-A0F8-0CFBC57A3D7E}"/>
               </a:ext>
             </a:extLst>
           </p:cNvPr>
@@ -7210,7 +9304,7 @@
           <a:p>
             <a:fld id="{96B0AB5A-E802-48CF-A5B9-FE8704AC6519}" type="datetimeFigureOut">
               <a:rPr lang="en-CA" smtClean="0"/>
-              <a:t>2017-09-28</a:t>
+              <a:t>2017-10-17</a:t>
             </a:fld>
             <a:endParaRPr lang="en-CA"/>
           </a:p>
@@ -7221,7 +9315,7 @@
           <p:cNvPr id="5" name="Footer Placeholder 4">
             <a:extLst>
               <a:ext uri="{FF2B5EF4-FFF2-40B4-BE49-F238E27FC236}">
-                <a16:creationId xmlns="" xmlns:a16="http://schemas.microsoft.com/office/drawing/2014/main" id="{5701BCBF-10E5-4F5A-AFDC-06F55B5CAA8F}"/>
+                <a16:creationId xmlns:a16="http://schemas.microsoft.com/office/drawing/2014/main" xmlns="" id="{5701BCBF-10E5-4F5A-AFDC-06F55B5CAA8F}"/>
               </a:ext>
             </a:extLst>
           </p:cNvPr>
@@ -7264,7 +9358,7 @@
           <p:cNvPr id="6" name="Slide Number Placeholder 5">
             <a:extLst>
               <a:ext uri="{FF2B5EF4-FFF2-40B4-BE49-F238E27FC236}">
-                <a16:creationId xmlns="" xmlns:a16="http://schemas.microsoft.com/office/drawing/2014/main" id="{68C4BCD5-C523-4222-8576-785E1DE19235}"/>
+                <a16:creationId xmlns:a16="http://schemas.microsoft.com/office/drawing/2014/main" xmlns="" id="{68C4BCD5-C523-4222-8576-785E1DE19235}"/>
               </a:ext>
             </a:extLst>
           </p:cNvPr>
@@ -7632,7 +9726,7 @@
           <p:cNvPr id="2" name="Title 1">
             <a:extLst>
               <a:ext uri="{FF2B5EF4-FFF2-40B4-BE49-F238E27FC236}">
-                <a16:creationId xmlns="" xmlns:a16="http://schemas.microsoft.com/office/drawing/2014/main" id="{FA47EB2B-4331-4E3D-9575-372974FA84E1}"/>
+                <a16:creationId xmlns:a16="http://schemas.microsoft.com/office/drawing/2014/main" xmlns="" id="{FA47EB2B-4331-4E3D-9575-372974FA84E1}"/>
               </a:ext>
             </a:extLst>
           </p:cNvPr>
@@ -7657,7 +9751,7 @@
           <p:cNvPr id="3" name="Subtitle 2">
             <a:extLst>
               <a:ext uri="{FF2B5EF4-FFF2-40B4-BE49-F238E27FC236}">
-                <a16:creationId xmlns="" xmlns:a16="http://schemas.microsoft.com/office/drawing/2014/main" id="{A4D09F98-919E-4EAE-8FE4-8DF28106A8A4}"/>
+                <a16:creationId xmlns:a16="http://schemas.microsoft.com/office/drawing/2014/main" xmlns="" id="{A4D09F98-919E-4EAE-8FE4-8DF28106A8A4}"/>
               </a:ext>
             </a:extLst>
           </p:cNvPr>
@@ -7712,7 +9806,7 @@
           <p:cNvPr id="2" name="Title 1">
             <a:extLst>
               <a:ext uri="{FF2B5EF4-FFF2-40B4-BE49-F238E27FC236}">
-                <a16:creationId xmlns="" xmlns:a16="http://schemas.microsoft.com/office/drawing/2014/main" id="{C0DC2B9B-FCB5-4621-ABB4-77B660602A25}"/>
+                <a16:creationId xmlns:a16="http://schemas.microsoft.com/office/drawing/2014/main" xmlns="" id="{C0DC2B9B-FCB5-4621-ABB4-77B660602A25}"/>
               </a:ext>
             </a:extLst>
           </p:cNvPr>
@@ -7740,7 +9834,7 @@
           <p:cNvPr id="4" name="Content Placeholder 3" descr="C:\Users\ke\Desktop\Figure_1.png">
             <a:extLst>
               <a:ext uri="{FF2B5EF4-FFF2-40B4-BE49-F238E27FC236}">
-                <a16:creationId xmlns="" xmlns:a16="http://schemas.microsoft.com/office/drawing/2014/main" id="{4D21BC85-7DF2-4CAA-BD03-EE4871E463F2}"/>
+                <a16:creationId xmlns:a16="http://schemas.microsoft.com/office/drawing/2014/main" xmlns="" id="{4D21BC85-7DF2-4CAA-BD03-EE4871E463F2}"/>
               </a:ext>
             </a:extLst>
           </p:cNvPr>
@@ -7783,7 +9877,7 @@
           <p:cNvPr id="6" name="TextBox 5">
             <a:extLst>
               <a:ext uri="{FF2B5EF4-FFF2-40B4-BE49-F238E27FC236}">
-                <a16:creationId xmlns="" xmlns:a16="http://schemas.microsoft.com/office/drawing/2014/main" id="{FF07B87F-C8DD-4F75-AF75-8EE671EF4690}"/>
+                <a16:creationId xmlns:a16="http://schemas.microsoft.com/office/drawing/2014/main" xmlns="" id="{FF07B87F-C8DD-4F75-AF75-8EE671EF4690}"/>
               </a:ext>
             </a:extLst>
           </p:cNvPr>
@@ -7842,7 +9936,7 @@
           <p:cNvPr id="5" name="Table 4">
             <a:extLst>
               <a:ext uri="{FF2B5EF4-FFF2-40B4-BE49-F238E27FC236}">
-                <a16:creationId xmlns="" xmlns:a16="http://schemas.microsoft.com/office/drawing/2014/main" id="{7229B7B9-B18A-4703-9B4E-3C8CBCE0D5D8}"/>
+                <a16:creationId xmlns:a16="http://schemas.microsoft.com/office/drawing/2014/main" xmlns="" id="{7229B7B9-B18A-4703-9B4E-3C8CBCE0D5D8}"/>
               </a:ext>
             </a:extLst>
           </p:cNvPr>
@@ -7871,21 +9965,21 @@
                 <a:gridCol w="983916">
                   <a:extLst>
                     <a:ext uri="{9D8B030D-6E8A-4147-A177-3AD203B41FA5}">
-                      <a16:colId xmlns="" xmlns:a16="http://schemas.microsoft.com/office/drawing/2014/main" val="3735259432"/>
+                      <a16:colId xmlns:a16="http://schemas.microsoft.com/office/drawing/2014/main" xmlns="" val="3735259432"/>
                     </a:ext>
                   </a:extLst>
                 </a:gridCol>
                 <a:gridCol w="983916">
                   <a:extLst>
                     <a:ext uri="{9D8B030D-6E8A-4147-A177-3AD203B41FA5}">
-                      <a16:colId xmlns="" xmlns:a16="http://schemas.microsoft.com/office/drawing/2014/main" val="1134382208"/>
+                      <a16:colId xmlns:a16="http://schemas.microsoft.com/office/drawing/2014/main" xmlns="" val="1134382208"/>
                     </a:ext>
                   </a:extLst>
                 </a:gridCol>
                 <a:gridCol w="983916">
                   <a:extLst>
                     <a:ext uri="{9D8B030D-6E8A-4147-A177-3AD203B41FA5}">
-                      <a16:colId xmlns="" xmlns:a16="http://schemas.microsoft.com/office/drawing/2014/main" val="1257578719"/>
+                      <a16:colId xmlns:a16="http://schemas.microsoft.com/office/drawing/2014/main" xmlns="" val="1257578719"/>
                     </a:ext>
                   </a:extLst>
                 </a:gridCol>
@@ -7962,7 +10056,7 @@
                 </a:tc>
                 <a:extLst>
                   <a:ext uri="{0D108BD9-81ED-4DB2-BD59-A6C34878D82A}">
-                    <a16:rowId xmlns="" xmlns:a16="http://schemas.microsoft.com/office/drawing/2014/main" val="1625375486"/>
+                    <a16:rowId xmlns:a16="http://schemas.microsoft.com/office/drawing/2014/main" xmlns="" val="1625375486"/>
                   </a:ext>
                 </a:extLst>
               </a:tr>
@@ -8038,7 +10132,7 @@
                 </a:tc>
                 <a:extLst>
                   <a:ext uri="{0D108BD9-81ED-4DB2-BD59-A6C34878D82A}">
-                    <a16:rowId xmlns="" xmlns:a16="http://schemas.microsoft.com/office/drawing/2014/main" val="1346036712"/>
+                    <a16:rowId xmlns:a16="http://schemas.microsoft.com/office/drawing/2014/main" xmlns="" val="1346036712"/>
                   </a:ext>
                 </a:extLst>
               </a:tr>
@@ -8114,7 +10208,7 @@
                 </a:tc>
                 <a:extLst>
                   <a:ext uri="{0D108BD9-81ED-4DB2-BD59-A6C34878D82A}">
-                    <a16:rowId xmlns="" xmlns:a16="http://schemas.microsoft.com/office/drawing/2014/main" val="2275640152"/>
+                    <a16:rowId xmlns:a16="http://schemas.microsoft.com/office/drawing/2014/main" xmlns="" val="2275640152"/>
                   </a:ext>
                 </a:extLst>
               </a:tr>
@@ -8154,7 +10248,13 @@
       </p:grpSpPr>
       <p:sp>
         <p:nvSpPr>
-          <p:cNvPr id="2" name="Title 1"/>
+          <p:cNvPr id="2" name="Title 1">
+            <a:extLst>
+              <a:ext uri="{FF2B5EF4-FFF2-40B4-BE49-F238E27FC236}">
+                <a16:creationId xmlns:a16="http://schemas.microsoft.com/office/drawing/2014/main" xmlns="" id="{9E72733B-3ADC-4709-8C8B-A6CBD9E2C805}"/>
+              </a:ext>
+            </a:extLst>
+          </p:cNvPr>
           <p:cNvSpPr>
             <a:spLocks noGrp="1"/>
           </p:cNvSpPr>
@@ -8168,163 +10268,46 @@
           <a:lstStyle/>
           <a:p>
             <a:r>
+              <a:rPr lang="en-US" dirty="0" smtClean="0"/>
+              <a:t>Groups</a:t>
+            </a:r>
+            <a:r>
               <a:rPr lang="en-US" dirty="0"/>
-              <a:t>Demographics	</a:t>
+              <a:t>, conditions, and fairness</a:t>
             </a:r>
+            <a:endParaRPr lang="en-CA" dirty="0"/>
           </a:p>
         </p:txBody>
       </p:sp>
-      <p:sp>
-        <p:nvSpPr>
-          <p:cNvPr id="3" name="Content Placeholder 2"/>
-          <p:cNvSpPr>
-            <a:spLocks noGrp="1"/>
-          </p:cNvSpPr>
+      <p:graphicFrame>
+        <p:nvGraphicFramePr>
+          <p:cNvPr id="8" name="Content Placeholder 7"/>
+          <p:cNvGraphicFramePr>
+            <a:graphicFrameLocks noGrp="1"/>
+          </p:cNvGraphicFramePr>
           <p:nvPr>
             <p:ph idx="1"/>
+            <p:extLst>
+              <p:ext uri="{D42A27DB-BD31-4B8C-83A1-F6EECF244321}">
+                <p14:modId xmlns:p14="http://schemas.microsoft.com/office/powerpoint/2010/main" val="1564639613"/>
+              </p:ext>
+            </p:extLst>
           </p:nvPr>
-        </p:nvSpPr>
-        <p:spPr/>
-        <p:txBody>
-          <a:bodyPr/>
-          <a:lstStyle/>
-          <a:p>
-            <a:r>
-              <a:rPr lang="en-US" dirty="0"/>
-              <a:t>Are groups significantly different in demographics info?</a:t>
-            </a:r>
-          </a:p>
-          <a:p>
-            <a:endParaRPr lang="en-US" dirty="0"/>
-          </a:p>
-        </p:txBody>
-      </p:sp>
-      <p:pic>
-        <p:nvPicPr>
-          <p:cNvPr id="4" name="Picture 3">
-            <a:extLst>
-              <a:ext uri="{FF2B5EF4-FFF2-40B4-BE49-F238E27FC236}">
-                <a16:creationId xmlns="" xmlns:a16="http://schemas.microsoft.com/office/drawing/2014/main" id="{83503D01-4845-4860-81B1-C045015D081B}"/>
-              </a:ext>
-            </a:extLst>
-          </p:cNvPr>
-          <p:cNvPicPr>
-            <a:picLocks noChangeAspect="1"/>
-          </p:cNvPicPr>
-          <p:nvPr/>
-        </p:nvPicPr>
-        <p:blipFill>
-          <a:blip r:embed="rId2"/>
-          <a:stretch>
-            <a:fillRect/>
-          </a:stretch>
-        </p:blipFill>
-        <p:spPr>
-          <a:xfrm>
-            <a:off x="838200" y="2387857"/>
-            <a:ext cx="3564467" cy="2199785"/>
-          </a:xfrm>
-          <a:prstGeom prst="rect">
-            <a:avLst/>
-          </a:prstGeom>
-        </p:spPr>
-      </p:pic>
-      <p:sp>
-        <p:nvSpPr>
-          <p:cNvPr id="5" name="TextBox 4">
-            <a:extLst>
-              <a:ext uri="{FF2B5EF4-FFF2-40B4-BE49-F238E27FC236}">
-                <a16:creationId xmlns="" xmlns:a16="http://schemas.microsoft.com/office/drawing/2014/main" id="{EA5D9DFF-BAE7-4ACF-8630-9B7F07FFE7C3}"/>
-              </a:ext>
-            </a:extLst>
-          </p:cNvPr>
-          <p:cNvSpPr txBox="1"/>
-          <p:nvPr/>
-        </p:nvSpPr>
-        <p:spPr>
-          <a:xfrm>
-            <a:off x="5118100" y="2387857"/>
-            <a:ext cx="6235700" cy="1477328"/>
-          </a:xfrm>
-          <a:prstGeom prst="rect">
-            <a:avLst/>
-          </a:prstGeom>
-          <a:noFill/>
-        </p:spPr>
-        <p:txBody>
-          <a:bodyPr wrap="square" rtlCol="0">
-            <a:spAutoFit/>
-          </a:bodyPr>
-          <a:lstStyle/>
-          <a:p>
-            <a:pPr marL="285750" indent="-285750">
-              <a:buFont typeface="Arial" panose="020B0604020202020204" pitchFamily="34" charset="0"/>
-              <a:buChar char="•"/>
-            </a:pPr>
-            <a:r>
-              <a:rPr lang="en-CA" dirty="0"/>
-              <a:t>The baseline ages are significantly different across the 4 groups,  F(3) = 2.826, p=0.426. </a:t>
-            </a:r>
-            <a:r>
-              <a:rPr lang="en-CA" dirty="0" err="1"/>
-              <a:t>Ideators</a:t>
-            </a:r>
-            <a:r>
-              <a:rPr lang="en-CA" dirty="0"/>
-              <a:t> and controls are significantly different (Tukey HSD), p=0.042.</a:t>
-            </a:r>
-          </a:p>
-          <a:p>
-            <a:pPr marL="285750" indent="-285750">
-              <a:buFont typeface="Arial" panose="020B0604020202020204" pitchFamily="34" charset="0"/>
-              <a:buChar char="•"/>
-            </a:pPr>
-            <a:r>
-              <a:rPr lang="en-CA" dirty="0"/>
-              <a:t>The baseline ages are not significantly across the 5 groups (attempter HL &amp; LL), F(4) = 2.364, p=0.058.</a:t>
-            </a:r>
-          </a:p>
-        </p:txBody>
-      </p:sp>
-      <p:sp>
-        <p:nvSpPr>
-          <p:cNvPr id="6" name="TextBox 5">
-            <a:extLst>
-              <a:ext uri="{FF2B5EF4-FFF2-40B4-BE49-F238E27FC236}">
-                <a16:creationId xmlns="" xmlns:a16="http://schemas.microsoft.com/office/drawing/2014/main" id="{47C1B0C9-06AE-4033-9D9E-4BE9EEEDB71F}"/>
-              </a:ext>
-            </a:extLst>
-          </p:cNvPr>
-          <p:cNvSpPr txBox="1"/>
-          <p:nvPr/>
-        </p:nvSpPr>
-        <p:spPr>
-          <a:xfrm>
-            <a:off x="2150533" y="4587642"/>
-            <a:ext cx="1913467" cy="369332"/>
-          </a:xfrm>
-          <a:prstGeom prst="rect">
-            <a:avLst/>
-          </a:prstGeom>
-          <a:noFill/>
-        </p:spPr>
-        <p:txBody>
-          <a:bodyPr wrap="square" rtlCol="0">
-            <a:spAutoFit/>
-          </a:bodyPr>
-          <a:lstStyle/>
-          <a:p>
-            <a:r>
-              <a:rPr lang="en-CA" dirty="0"/>
-              <a:t>5-levels</a:t>
-            </a:r>
-          </a:p>
-        </p:txBody>
-      </p:sp>
+        </p:nvGraphicFramePr>
+        <p:xfrm>
+          <a:off x="711200" y="1690688"/>
+          <a:ext cx="10515600" cy="4351338"/>
+        </p:xfrm>
+        <a:graphic>
+          <a:graphicData uri="http://schemas.openxmlformats.org/drawingml/2006/chart">
+            <c:chart xmlns:c="http://schemas.openxmlformats.org/drawingml/2006/chart" xmlns:r="http://schemas.openxmlformats.org/officeDocument/2006/relationships" r:id="rId3"/>
+          </a:graphicData>
+        </a:graphic>
+      </p:graphicFrame>
     </p:spTree>
     <p:extLst>
       <p:ext uri="{BB962C8B-B14F-4D97-AF65-F5344CB8AC3E}">
-        <p14:creationId xmlns:p14="http://schemas.microsoft.com/office/powerpoint/2010/main" val="915773763"/>
+        <p14:creationId xmlns:p14="http://schemas.microsoft.com/office/powerpoint/2010/main" val="1955577812"/>
       </p:ext>
     </p:extLst>
   </p:cSld>
@@ -8353,13 +10336,7 @@
       </p:grpSpPr>
       <p:sp>
         <p:nvSpPr>
-          <p:cNvPr id="2" name="Title 1">
-            <a:extLst>
-              <a:ext uri="{FF2B5EF4-FFF2-40B4-BE49-F238E27FC236}">
-                <a16:creationId xmlns="" xmlns:a16="http://schemas.microsoft.com/office/drawing/2014/main" id="{9E72733B-3ADC-4709-8C8B-A6CBD9E2C805}"/>
-              </a:ext>
-            </a:extLst>
-          </p:cNvPr>
+          <p:cNvPr id="2" name="Title 1"/>
           <p:cNvSpPr>
             <a:spLocks noGrp="1"/>
           </p:cNvSpPr>
@@ -8372,131 +10349,20 @@
           <a:bodyPr/>
           <a:lstStyle/>
           <a:p>
-            <a:r>
-              <a:rPr lang="en-CA" dirty="0"/>
-              <a:t>Groups and offers	</a:t>
-            </a:r>
+            <a:endParaRPr lang="en-US" dirty="0"/>
           </a:p>
         </p:txBody>
       </p:sp>
       <p:sp>
         <p:nvSpPr>
-          <p:cNvPr id="3" name="Content Placeholder 2">
-            <a:extLst>
-              <a:ext uri="{FF2B5EF4-FFF2-40B4-BE49-F238E27FC236}">
-                <a16:creationId xmlns="" xmlns:a16="http://schemas.microsoft.com/office/drawing/2014/main" id="{B89620BF-6236-4713-8FEC-A6D0D87A8EB4}"/>
-              </a:ext>
-            </a:extLst>
-          </p:cNvPr>
-          <p:cNvSpPr>
-            <a:spLocks noGrp="1"/>
-          </p:cNvSpPr>
-          <p:nvPr>
-            <p:ph idx="1"/>
-          </p:nvPr>
-        </p:nvSpPr>
-        <p:spPr/>
-        <p:txBody>
-          <a:bodyPr/>
-          <a:lstStyle/>
-          <a:p>
-            <a:pPr marL="0" marR="0" lvl="0" indent="0" defTabSz="914400" eaLnBrk="1" fontAlgn="auto" latinLnBrk="0" hangingPunct="1">
-              <a:lnSpc>
-                <a:spcPct val="100000"/>
-              </a:lnSpc>
-              <a:spcBef>
-                <a:spcPts val="0"/>
-              </a:spcBef>
-              <a:spcAft>
-                <a:spcPts val="0"/>
-              </a:spcAft>
-              <a:buClrTx/>
-              <a:buSzTx/>
-              <a:buFontTx/>
-              <a:buNone/>
-              <a:tabLst/>
-              <a:defRPr/>
-            </a:pPr>
-            <a:endParaRPr lang="en-CA" dirty="0"/>
-          </a:p>
-        </p:txBody>
-      </p:sp>
-      <p:graphicFrame>
-        <p:nvGraphicFramePr>
-          <p:cNvPr id="5" name="Chart 4">
-            <a:extLst>
-              <a:ext uri="{FF2B5EF4-FFF2-40B4-BE49-F238E27FC236}">
-                <a16:creationId xmlns="" xmlns:a16="http://schemas.microsoft.com/office/drawing/2014/main" id="{B9B1E397-67AB-480C-990E-A418DFCD995F}"/>
-              </a:ext>
-            </a:extLst>
-          </p:cNvPr>
-          <p:cNvGraphicFramePr>
-            <a:graphicFrameLocks/>
-          </p:cNvGraphicFramePr>
-          <p:nvPr>
-            <p:extLst>
-              <p:ext uri="{D42A27DB-BD31-4B8C-83A1-F6EECF244321}">
-                <p14:modId xmlns:p14="http://schemas.microsoft.com/office/powerpoint/2010/main" val="841362625"/>
-              </p:ext>
-            </p:extLst>
-          </p:nvPr>
-        </p:nvGraphicFramePr>
-        <p:xfrm>
-          <a:off x="838200" y="2114550"/>
-          <a:ext cx="3797300" cy="2197100"/>
-        </p:xfrm>
-        <a:graphic>
-          <a:graphicData uri="http://schemas.openxmlformats.org/drawingml/2006/chart">
-            <c:chart xmlns:c="http://schemas.openxmlformats.org/drawingml/2006/chart" xmlns:r="http://schemas.openxmlformats.org/officeDocument/2006/relationships" r:id="rId2"/>
-          </a:graphicData>
-        </a:graphic>
-      </p:graphicFrame>
-      <p:graphicFrame>
-        <p:nvGraphicFramePr>
-          <p:cNvPr id="6" name="Chart 5">
-            <a:extLst>
-              <a:ext uri="{FF2B5EF4-FFF2-40B4-BE49-F238E27FC236}">
-                <a16:creationId xmlns="" xmlns:a16="http://schemas.microsoft.com/office/drawing/2014/main" id="{4B0EFEA8-71A8-40C1-817E-1FFBB3DAB05D}"/>
-              </a:ext>
-            </a:extLst>
-          </p:cNvPr>
-          <p:cNvGraphicFramePr>
-            <a:graphicFrameLocks/>
-          </p:cNvGraphicFramePr>
-          <p:nvPr>
-            <p:extLst>
-              <p:ext uri="{D42A27DB-BD31-4B8C-83A1-F6EECF244321}">
-                <p14:modId xmlns:p14="http://schemas.microsoft.com/office/powerpoint/2010/main" val="816903928"/>
-              </p:ext>
-            </p:extLst>
-          </p:nvPr>
-        </p:nvGraphicFramePr>
-        <p:xfrm>
-          <a:off x="838200" y="4152900"/>
-          <a:ext cx="3797300" cy="1925637"/>
-        </p:xfrm>
-        <a:graphic>
-          <a:graphicData uri="http://schemas.openxmlformats.org/drawingml/2006/chart">
-            <c:chart xmlns:c="http://schemas.openxmlformats.org/drawingml/2006/chart" xmlns:r="http://schemas.openxmlformats.org/officeDocument/2006/relationships" r:id="rId3"/>
-          </a:graphicData>
-        </a:graphic>
-      </p:graphicFrame>
-      <p:sp>
-        <p:nvSpPr>
-          <p:cNvPr id="7" name="TextBox 6">
-            <a:extLst>
-              <a:ext uri="{FF2B5EF4-FFF2-40B4-BE49-F238E27FC236}">
-                <a16:creationId xmlns="" xmlns:a16="http://schemas.microsoft.com/office/drawing/2014/main" id="{92890340-7891-4130-B5AC-93FDC518A8C2}"/>
-              </a:ext>
-            </a:extLst>
-          </p:cNvPr>
+          <p:cNvPr id="7" name="TextBox 6"/>
           <p:cNvSpPr txBox="1"/>
           <p:nvPr/>
         </p:nvSpPr>
         <p:spPr>
           <a:xfrm>
-            <a:off x="5334000" y="1969969"/>
-            <a:ext cx="5791200" cy="2031325"/>
+            <a:off x="4978400" y="1690688"/>
+            <a:ext cx="4965700" cy="369332"/>
           </a:xfrm>
           <a:prstGeom prst="rect">
             <a:avLst/>
@@ -8510,95 +10376,42 @@
           <a:lstStyle/>
           <a:p>
             <a:pPr marL="285750" indent="-285750">
-              <a:buFont typeface="Arial" panose="020B0604020202020204" pitchFamily="34" charset="0"/>
+              <a:buFont typeface="Arial" charset="0"/>
               <a:buChar char="•"/>
             </a:pPr>
-            <a:r>
-              <a:rPr lang="en-CA" dirty="0" smtClean="0"/>
-              <a:t>Is </a:t>
-            </a:r>
-            <a:r>
-              <a:rPr lang="en-CA"/>
-              <a:t>accepting </a:t>
-            </a:r>
-            <a:r>
-              <a:rPr lang="en-CA" smtClean="0"/>
-              <a:t>fair/unfair offers </a:t>
-            </a:r>
-            <a:r>
-              <a:rPr lang="en-CA" dirty="0"/>
-              <a:t>significantly </a:t>
-            </a:r>
-            <a:r>
-              <a:rPr lang="en-CA" dirty="0" smtClean="0"/>
-              <a:t>larger/smaller </a:t>
-            </a:r>
-            <a:r>
-              <a:rPr lang="en-CA" dirty="0"/>
-              <a:t>than unfair offers within a group? </a:t>
-            </a:r>
-            <a:endParaRPr lang="en-CA" dirty="0" smtClean="0"/>
-          </a:p>
-          <a:p>
-            <a:pPr marL="742950" lvl="1" indent="-285750">
-              <a:buFont typeface="Arial" panose="020B0604020202020204" pitchFamily="34" charset="0"/>
-              <a:buChar char="•"/>
-            </a:pPr>
-            <a:r>
-              <a:rPr lang="en-CA" dirty="0" smtClean="0"/>
-              <a:t>Yes</a:t>
-            </a:r>
-            <a:r>
-              <a:rPr lang="en-CA" dirty="0"/>
-              <a:t>. Binomial test(accept, reject)</a:t>
-            </a:r>
-          </a:p>
-          <a:p>
-            <a:pPr marL="285750" indent="-285750">
-              <a:buFont typeface="Arial" panose="020B0604020202020204" pitchFamily="34" charset="0"/>
-              <a:buChar char="•"/>
-            </a:pPr>
-            <a:endParaRPr lang="en-CA" dirty="0"/>
-          </a:p>
-          <a:p>
-            <a:pPr marL="285750" indent="-285750">
-              <a:buFont typeface="Arial" panose="020B0604020202020204" pitchFamily="34" charset="0"/>
-              <a:buChar char="•"/>
-            </a:pPr>
-            <a:r>
-              <a:rPr lang="en-CA" dirty="0"/>
-              <a:t>Is accepting </a:t>
-            </a:r>
-            <a:r>
-              <a:rPr lang="en-CA" dirty="0" smtClean="0"/>
-              <a:t>fair/unfair </a:t>
-            </a:r>
-            <a:r>
-              <a:rPr lang="en-CA" dirty="0"/>
-              <a:t>offers </a:t>
-            </a:r>
-            <a:r>
-              <a:rPr lang="en-CA" dirty="0" smtClean="0"/>
-              <a:t>significantly different across groups?</a:t>
-            </a:r>
-          </a:p>
-          <a:p>
-            <a:pPr marL="742950" lvl="1" indent="-285750">
-              <a:buFont typeface="Arial" panose="020B0604020202020204" pitchFamily="34" charset="0"/>
-              <a:buChar char="•"/>
-            </a:pPr>
-            <a:r>
-              <a:rPr lang="en-CA" dirty="0" smtClean="0"/>
-              <a:t>Yes, chi-square goodness of fit.</a:t>
-            </a:r>
-            <a:endParaRPr lang="en-CA" dirty="0"/>
+            <a:endParaRPr lang="en-US" dirty="0"/>
           </a:p>
         </p:txBody>
       </p:sp>
+      <p:graphicFrame>
+        <p:nvGraphicFramePr>
+          <p:cNvPr id="6" name="Content Placeholder 5"/>
+          <p:cNvGraphicFramePr>
+            <a:graphicFrameLocks noGrp="1"/>
+          </p:cNvGraphicFramePr>
+          <p:nvPr>
+            <p:ph idx="1"/>
+            <p:extLst>
+              <p:ext uri="{D42A27DB-BD31-4B8C-83A1-F6EECF244321}">
+                <p14:modId xmlns:p14="http://schemas.microsoft.com/office/powerpoint/2010/main" val="1200825984"/>
+              </p:ext>
+            </p:extLst>
+          </p:nvPr>
+        </p:nvGraphicFramePr>
+        <p:xfrm>
+          <a:off x="838200" y="1825625"/>
+          <a:ext cx="10515600" cy="4351338"/>
+        </p:xfrm>
+        <a:graphic>
+          <a:graphicData uri="http://schemas.openxmlformats.org/drawingml/2006/chart">
+            <c:chart xmlns:c="http://schemas.openxmlformats.org/drawingml/2006/chart" xmlns:r="http://schemas.openxmlformats.org/officeDocument/2006/relationships" r:id="rId2"/>
+          </a:graphicData>
+        </a:graphic>
+      </p:graphicFrame>
     </p:spTree>
     <p:extLst>
       <p:ext uri="{BB962C8B-B14F-4D97-AF65-F5344CB8AC3E}">
-        <p14:creationId xmlns:p14="http://schemas.microsoft.com/office/powerpoint/2010/main" val="1955577812"/>
+        <p14:creationId xmlns:p14="http://schemas.microsoft.com/office/powerpoint/2010/main" val="330937313"/>
       </p:ext>
     </p:extLst>
   </p:cSld>
@@ -8641,8 +10454,8 @@
           <a:lstStyle/>
           <a:p>
             <a:r>
-              <a:rPr lang="en-US" dirty="0" smtClean="0"/>
-              <a:t>5 Groups, conditions, and fairness</a:t>
+              <a:rPr lang="en-CA" dirty="0"/>
+              <a:t>Groups and offers	</a:t>
             </a:r>
             <a:endParaRPr lang="en-US" dirty="0"/>
           </a:p>
@@ -8650,7 +10463,7 @@
       </p:sp>
       <p:graphicFrame>
         <p:nvGraphicFramePr>
-          <p:cNvPr id="4" name="Content Placeholder 3"/>
+          <p:cNvPr id="6" name="Content Placeholder 5"/>
           <p:cNvGraphicFramePr>
             <a:graphicFrameLocks noGrp="1"/>
           </p:cNvGraphicFramePr>
@@ -8658,14 +10471,14 @@
             <p:ph idx="1"/>
             <p:extLst>
               <p:ext uri="{D42A27DB-BD31-4B8C-83A1-F6EECF244321}">
-                <p14:modId xmlns:p14="http://schemas.microsoft.com/office/powerpoint/2010/main" val="1234561425"/>
+                <p14:modId xmlns:p14="http://schemas.microsoft.com/office/powerpoint/2010/main" val="812325288"/>
               </p:ext>
             </p:extLst>
           </p:nvPr>
         </p:nvGraphicFramePr>
         <p:xfrm>
-          <a:off x="474133" y="1180307"/>
-          <a:ext cx="4389967" cy="2578894"/>
+          <a:off x="838200" y="1825625"/>
+          <a:ext cx="10515600" cy="4351338"/>
         </p:xfrm>
         <a:graphic>
           <a:graphicData uri="http://schemas.openxmlformats.org/drawingml/2006/chart">
@@ -8673,40 +10486,10 @@
           </a:graphicData>
         </a:graphic>
       </p:graphicFrame>
-      <p:sp>
-        <p:nvSpPr>
-          <p:cNvPr id="7" name="TextBox 6"/>
-          <p:cNvSpPr txBox="1"/>
-          <p:nvPr/>
-        </p:nvSpPr>
-        <p:spPr>
-          <a:xfrm>
-            <a:off x="4978400" y="1690688"/>
-            <a:ext cx="4965700" cy="369332"/>
-          </a:xfrm>
-          <a:prstGeom prst="rect">
-            <a:avLst/>
-          </a:prstGeom>
-          <a:noFill/>
-        </p:spPr>
-        <p:txBody>
-          <a:bodyPr wrap="square" rtlCol="0">
-            <a:spAutoFit/>
-          </a:bodyPr>
-          <a:lstStyle/>
-          <a:p>
-            <a:pPr marL="285750" indent="-285750">
-              <a:buFont typeface="Arial" charset="0"/>
-              <a:buChar char="•"/>
-            </a:pPr>
-            <a:endParaRPr lang="en-US" dirty="0"/>
-          </a:p>
-        </p:txBody>
-      </p:sp>
     </p:spTree>
     <p:extLst>
       <p:ext uri="{BB962C8B-B14F-4D97-AF65-F5344CB8AC3E}">
-        <p14:creationId xmlns:p14="http://schemas.microsoft.com/office/powerpoint/2010/main" val="330937313"/>
+        <p14:creationId xmlns:p14="http://schemas.microsoft.com/office/powerpoint/2010/main" val="1326497448"/>
       </p:ext>
     </p:extLst>
   </p:cSld>
@@ -8749,16 +10532,8 @@
           <a:lstStyle/>
           <a:p>
             <a:r>
-              <a:rPr lang="en-US" dirty="0" smtClean="0"/>
-              <a:t>4 </a:t>
-            </a:r>
-            <a:r>
-              <a:rPr lang="en-US" dirty="0"/>
-              <a:t>Groups, conditions, and </a:t>
-            </a:r>
-            <a:r>
-              <a:rPr lang="en-US" dirty="0" smtClean="0"/>
-              <a:t>fairness</a:t>
+              <a:rPr lang="en-CA" dirty="0"/>
+              <a:t>Groups and offers	</a:t>
             </a:r>
             <a:endParaRPr lang="en-US" dirty="0"/>
           </a:p>
@@ -8774,14 +10549,14 @@
             <p:ph idx="1"/>
             <p:extLst>
               <p:ext uri="{D42A27DB-BD31-4B8C-83A1-F6EECF244321}">
-                <p14:modId xmlns:p14="http://schemas.microsoft.com/office/powerpoint/2010/main" val="199709151"/>
+                <p14:modId xmlns:p14="http://schemas.microsoft.com/office/powerpoint/2010/main" val="1366401975"/>
               </p:ext>
             </p:extLst>
           </p:nvPr>
         </p:nvGraphicFramePr>
         <p:xfrm>
-          <a:off x="279400" y="1485899"/>
-          <a:ext cx="4483100" cy="2921001"/>
+          <a:off x="838200" y="1825625"/>
+          <a:ext cx="10515600" cy="4351338"/>
         </p:xfrm>
         <a:graphic>
           <a:graphicData uri="http://schemas.openxmlformats.org/drawingml/2006/chart">
@@ -8789,54 +10564,10 @@
           </a:graphicData>
         </a:graphic>
       </p:graphicFrame>
-      <p:sp>
-        <p:nvSpPr>
-          <p:cNvPr id="7" name="TextBox 6"/>
-          <p:cNvSpPr txBox="1"/>
-          <p:nvPr/>
-        </p:nvSpPr>
-        <p:spPr>
-          <a:xfrm>
-            <a:off x="5346700" y="1828800"/>
-            <a:ext cx="6565900" cy="923330"/>
-          </a:xfrm>
-          <a:prstGeom prst="rect">
-            <a:avLst/>
-          </a:prstGeom>
-          <a:noFill/>
-        </p:spPr>
-        <p:txBody>
-          <a:bodyPr wrap="square" rtlCol="0">
-            <a:spAutoFit/>
-          </a:bodyPr>
-          <a:lstStyle/>
-          <a:p>
-            <a:pPr marL="285750" indent="-285750">
-              <a:buFont typeface="Arial" charset="0"/>
-              <a:buChar char="•"/>
-            </a:pPr>
-            <a:r>
-              <a:rPr lang="en-US" dirty="0" smtClean="0"/>
-              <a:t>There is no significant three-way interaction between groups, conditions, and fairness, F(6, 8010) = .749, p = 0.61.</a:t>
-            </a:r>
-          </a:p>
-          <a:p>
-            <a:pPr marL="285750" indent="-285750">
-              <a:buFont typeface="Arial" charset="0"/>
-              <a:buChar char="•"/>
-            </a:pPr>
-            <a:r>
-              <a:rPr lang="en-US" dirty="0" smtClean="0"/>
-              <a:t>Group type is significantly interacting with reappraisal condition</a:t>
-            </a:r>
-            <a:endParaRPr lang="en-US" dirty="0"/>
-          </a:p>
-        </p:txBody>
-      </p:sp>
     </p:spTree>
     <p:extLst>
       <p:ext uri="{BB962C8B-B14F-4D97-AF65-F5344CB8AC3E}">
-        <p14:creationId xmlns:p14="http://schemas.microsoft.com/office/powerpoint/2010/main" val="1326497448"/>
+        <p14:creationId xmlns:p14="http://schemas.microsoft.com/office/powerpoint/2010/main" val="1197571437"/>
       </p:ext>
     </p:extLst>
   </p:cSld>
@@ -9139,4 +10870,265 @@
     </a:ext>
   </a:extLst>
 </a:theme>
+</file>
+
+<file path=ppt/theme/theme2.xml><?xml version="1.0" encoding="utf-8"?>
+<a:theme xmlns:a="http://schemas.openxmlformats.org/drawingml/2006/main" name="Office Theme">
+  <a:themeElements>
+    <a:clrScheme name="Office">
+      <a:dk1>
+        <a:sysClr val="windowText" lastClr="000000"/>
+      </a:dk1>
+      <a:lt1>
+        <a:sysClr val="window" lastClr="FFFFFF"/>
+      </a:lt1>
+      <a:dk2>
+        <a:srgbClr val="44546A"/>
+      </a:dk2>
+      <a:lt2>
+        <a:srgbClr val="E7E6E6"/>
+      </a:lt2>
+      <a:accent1>
+        <a:srgbClr val="4472C4"/>
+      </a:accent1>
+      <a:accent2>
+        <a:srgbClr val="ED7D31"/>
+      </a:accent2>
+      <a:accent3>
+        <a:srgbClr val="A5A5A5"/>
+      </a:accent3>
+      <a:accent4>
+        <a:srgbClr val="FFC000"/>
+      </a:accent4>
+      <a:accent5>
+        <a:srgbClr val="5B9BD5"/>
+      </a:accent5>
+      <a:accent6>
+        <a:srgbClr val="70AD47"/>
+      </a:accent6>
+      <a:hlink>
+        <a:srgbClr val="0563C1"/>
+      </a:hlink>
+      <a:folHlink>
+        <a:srgbClr val="954F72"/>
+      </a:folHlink>
+    </a:clrScheme>
+    <a:fontScheme name="Office">
+      <a:majorFont>
+        <a:latin typeface="Calibri Light" panose="020F0302020204030204"/>
+        <a:ea typeface=""/>
+        <a:cs typeface=""/>
+        <a:font script="Jpan" typeface="Yu Gothic Light"/>
+        <a:font script="Hang" typeface="맑은 고딕"/>
+        <a:font script="Hans" typeface="DengXian Light"/>
+        <a:font script="Hant" typeface="新細明體"/>
+        <a:font script="Arab" typeface="Times New Roman"/>
+        <a:font script="Hebr" typeface="Times New Roman"/>
+        <a:font script="Thai" typeface="Angsana New"/>
+        <a:font script="Ethi" typeface="Nyala"/>
+        <a:font script="Beng" typeface="Vrinda"/>
+        <a:font script="Gujr" typeface="Shruti"/>
+        <a:font script="Khmr" typeface="MoolBoran"/>
+        <a:font script="Knda" typeface="Tunga"/>
+        <a:font script="Guru" typeface="Raavi"/>
+        <a:font script="Cans" typeface="Euphemia"/>
+        <a:font script="Cher" typeface="Plantagenet Cherokee"/>
+        <a:font script="Yiii" typeface="Microsoft Yi Baiti"/>
+        <a:font script="Tibt" typeface="Microsoft Himalaya"/>
+        <a:font script="Thaa" typeface="MV Boli"/>
+        <a:font script="Deva" typeface="Mangal"/>
+        <a:font script="Telu" typeface="Gautami"/>
+        <a:font script="Taml" typeface="Latha"/>
+        <a:font script="Syrc" typeface="Estrangelo Edessa"/>
+        <a:font script="Orya" typeface="Kalinga"/>
+        <a:font script="Mlym" typeface="Kartika"/>
+        <a:font script="Laoo" typeface="DokChampa"/>
+        <a:font script="Sinh" typeface="Iskoola Pota"/>
+        <a:font script="Mong" typeface="Mongolian Baiti"/>
+        <a:font script="Viet" typeface="Times New Roman"/>
+        <a:font script="Uigh" typeface="Microsoft Uighur"/>
+        <a:font script="Geor" typeface="Sylfaen"/>
+      </a:majorFont>
+      <a:minorFont>
+        <a:latin typeface="Calibri" panose="020F0502020204030204"/>
+        <a:ea typeface=""/>
+        <a:cs typeface=""/>
+        <a:font script="Jpan" typeface="Yu Gothic"/>
+        <a:font script="Hang" typeface="맑은 고딕"/>
+        <a:font script="Hans" typeface="DengXian"/>
+        <a:font script="Hant" typeface="新細明體"/>
+        <a:font script="Arab" typeface="Arial"/>
+        <a:font script="Hebr" typeface="Arial"/>
+        <a:font script="Thai" typeface="Cordia New"/>
+        <a:font script="Ethi" typeface="Nyala"/>
+        <a:font script="Beng" typeface="Vrinda"/>
+        <a:font script="Gujr" typeface="Shruti"/>
+        <a:font script="Khmr" typeface="DaunPenh"/>
+        <a:font script="Knda" typeface="Tunga"/>
+        <a:font script="Guru" typeface="Raavi"/>
+        <a:font script="Cans" typeface="Euphemia"/>
+        <a:font script="Cher" typeface="Plantagenet Cherokee"/>
+        <a:font script="Yiii" typeface="Microsoft Yi Baiti"/>
+        <a:font script="Tibt" typeface="Microsoft Himalaya"/>
+        <a:font script="Thaa" typeface="MV Boli"/>
+        <a:font script="Deva" typeface="Mangal"/>
+        <a:font script="Telu" typeface="Gautami"/>
+        <a:font script="Taml" typeface="Latha"/>
+        <a:font script="Syrc" typeface="Estrangelo Edessa"/>
+        <a:font script="Orya" typeface="Kalinga"/>
+        <a:font script="Mlym" typeface="Kartika"/>
+        <a:font script="Laoo" typeface="DokChampa"/>
+        <a:font script="Sinh" typeface="Iskoola Pota"/>
+        <a:font script="Mong" typeface="Mongolian Baiti"/>
+        <a:font script="Viet" typeface="Arial"/>
+        <a:font script="Uigh" typeface="Microsoft Uighur"/>
+        <a:font script="Geor" typeface="Sylfaen"/>
+      </a:minorFont>
+    </a:fontScheme>
+    <a:fmtScheme name="Office">
+      <a:fillStyleLst>
+        <a:solidFill>
+          <a:schemeClr val="phClr"/>
+        </a:solidFill>
+        <a:gradFill rotWithShape="1">
+          <a:gsLst>
+            <a:gs pos="0">
+              <a:schemeClr val="phClr">
+                <a:lumMod val="110000"/>
+                <a:satMod val="105000"/>
+                <a:tint val="67000"/>
+              </a:schemeClr>
+            </a:gs>
+            <a:gs pos="50000">
+              <a:schemeClr val="phClr">
+                <a:lumMod val="105000"/>
+                <a:satMod val="103000"/>
+                <a:tint val="73000"/>
+              </a:schemeClr>
+            </a:gs>
+            <a:gs pos="100000">
+              <a:schemeClr val="phClr">
+                <a:lumMod val="105000"/>
+                <a:satMod val="109000"/>
+                <a:tint val="81000"/>
+              </a:schemeClr>
+            </a:gs>
+          </a:gsLst>
+          <a:lin ang="5400000" scaled="0"/>
+        </a:gradFill>
+        <a:gradFill rotWithShape="1">
+          <a:gsLst>
+            <a:gs pos="0">
+              <a:schemeClr val="phClr">
+                <a:satMod val="103000"/>
+                <a:lumMod val="102000"/>
+                <a:tint val="94000"/>
+              </a:schemeClr>
+            </a:gs>
+            <a:gs pos="50000">
+              <a:schemeClr val="phClr">
+                <a:satMod val="110000"/>
+                <a:lumMod val="100000"/>
+                <a:shade val="100000"/>
+              </a:schemeClr>
+            </a:gs>
+            <a:gs pos="100000">
+              <a:schemeClr val="phClr">
+                <a:lumMod val="99000"/>
+                <a:satMod val="120000"/>
+                <a:shade val="78000"/>
+              </a:schemeClr>
+            </a:gs>
+          </a:gsLst>
+          <a:lin ang="5400000" scaled="0"/>
+        </a:gradFill>
+      </a:fillStyleLst>
+      <a:lnStyleLst>
+        <a:ln w="6350" cap="flat" cmpd="sng" algn="ctr">
+          <a:solidFill>
+            <a:schemeClr val="phClr"/>
+          </a:solidFill>
+          <a:prstDash val="solid"/>
+          <a:miter lim="800000"/>
+        </a:ln>
+        <a:ln w="12700" cap="flat" cmpd="sng" algn="ctr">
+          <a:solidFill>
+            <a:schemeClr val="phClr"/>
+          </a:solidFill>
+          <a:prstDash val="solid"/>
+          <a:miter lim="800000"/>
+        </a:ln>
+        <a:ln w="19050" cap="flat" cmpd="sng" algn="ctr">
+          <a:solidFill>
+            <a:schemeClr val="phClr"/>
+          </a:solidFill>
+          <a:prstDash val="solid"/>
+          <a:miter lim="800000"/>
+        </a:ln>
+      </a:lnStyleLst>
+      <a:effectStyleLst>
+        <a:effectStyle>
+          <a:effectLst/>
+        </a:effectStyle>
+        <a:effectStyle>
+          <a:effectLst/>
+        </a:effectStyle>
+        <a:effectStyle>
+          <a:effectLst>
+            <a:outerShdw blurRad="57150" dist="19050" dir="5400000" algn="ctr" rotWithShape="0">
+              <a:srgbClr val="000000">
+                <a:alpha val="63000"/>
+              </a:srgbClr>
+            </a:outerShdw>
+          </a:effectLst>
+        </a:effectStyle>
+      </a:effectStyleLst>
+      <a:bgFillStyleLst>
+        <a:solidFill>
+          <a:schemeClr val="phClr"/>
+        </a:solidFill>
+        <a:solidFill>
+          <a:schemeClr val="phClr">
+            <a:tint val="95000"/>
+            <a:satMod val="170000"/>
+          </a:schemeClr>
+        </a:solidFill>
+        <a:gradFill rotWithShape="1">
+          <a:gsLst>
+            <a:gs pos="0">
+              <a:schemeClr val="phClr">
+                <a:tint val="93000"/>
+                <a:satMod val="150000"/>
+                <a:shade val="98000"/>
+                <a:lumMod val="102000"/>
+              </a:schemeClr>
+            </a:gs>
+            <a:gs pos="50000">
+              <a:schemeClr val="phClr">
+                <a:tint val="98000"/>
+                <a:satMod val="130000"/>
+                <a:shade val="90000"/>
+                <a:lumMod val="103000"/>
+              </a:schemeClr>
+            </a:gs>
+            <a:gs pos="100000">
+              <a:schemeClr val="phClr">
+                <a:shade val="63000"/>
+                <a:satMod val="120000"/>
+              </a:schemeClr>
+            </a:gs>
+          </a:gsLst>
+          <a:lin ang="5400000" scaled="0"/>
+        </a:gradFill>
+      </a:bgFillStyleLst>
+    </a:fmtScheme>
+  </a:themeElements>
+  <a:objectDefaults/>
+  <a:extraClrSchemeLst/>
+  <a:extLst>
+    <a:ext uri="{05A4C25C-085E-4340-85A3-A5531E510DB2}">
+      <thm15:themeFamily xmlns:thm15="http://schemas.microsoft.com/office/thememl/2012/main" name="Office Theme" id="{62F939B6-93AF-4DB8-9C6B-D6C7DFDC589F}" vid="{4A3C46E8-61CC-4603-A589-7422A47A8E4A}"/>
+    </a:ext>
+  </a:extLst>
+</a:theme>
 </file>
--- a/UG_results.pptx
+++ b/UG_results.pptx
@@ -5,15 +5,16 @@
     <p:sldMasterId id="2147483648" r:id="rId1"/>
   </p:sldMasterIdLst>
   <p:notesMasterIdLst>
-    <p:notesMasterId r:id="rId8"/>
+    <p:notesMasterId r:id="rId9"/>
   </p:notesMasterIdLst>
   <p:sldIdLst>
     <p:sldId id="256" r:id="rId2"/>
     <p:sldId id="257" r:id="rId3"/>
     <p:sldId id="259" r:id="rId4"/>
     <p:sldId id="260" r:id="rId5"/>
-    <p:sldId id="261" r:id="rId6"/>
-    <p:sldId id="262" r:id="rId7"/>
+    <p:sldId id="266" r:id="rId6"/>
+    <p:sldId id="267" r:id="rId7"/>
+    <p:sldId id="268" r:id="rId8"/>
   </p:sldIdLst>
   <p:sldSz cx="12192000" cy="6858000"/>
   <p:notesSz cx="6858000" cy="9144000"/>
@@ -125,7 +126,7 @@
 </file>
 
 <file path=ppt/charts/chart1.xml><?xml version="1.0" encoding="utf-8"?>
-<c:chartSpace xmlns:c="http://schemas.openxmlformats.org/drawingml/2006/chart" xmlns:a="http://schemas.openxmlformats.org/drawingml/2006/main" xmlns:r="http://schemas.openxmlformats.org/officeDocument/2006/relationships">
+<c:chartSpace xmlns:c="http://schemas.openxmlformats.org/drawingml/2006/chart" xmlns:a="http://schemas.openxmlformats.org/drawingml/2006/main" xmlns:r="http://schemas.openxmlformats.org/officeDocument/2006/relationships" xmlns:c16r2="http://schemas.microsoft.com/office/drawing/2015/06/chart">
   <c:date1904 val="0"/>
   <c:lang val="en-US"/>
   <c:roundedCorners val="0"/>
@@ -176,8 +177,8 @@
         <c:manualLayout>
           <c:xMode val="edge"/>
           <c:yMode val="edge"/>
-          <c:x val="0.421790387614592"/>
-          <c:y val="0.00583728499142103"/>
+          <c:x val="0.42179038761459198"/>
+          <c:y val="5.8372849914210302E-3"/>
         </c:manualLayout>
       </c:layout>
       <c:overlay val="0"/>
@@ -411,53 +412,58 @@
                 <c:formatCode>General</c:formatCode>
                 <c:ptCount val="30"/>
                 <c:pt idx="0">
-                  <c:v>0.0</c:v>
+                  <c:v>0</c:v>
                 </c:pt>
                 <c:pt idx="2">
-                  <c:v>0.0</c:v>
+                  <c:v>0</c:v>
                 </c:pt>
                 <c:pt idx="4">
-                  <c:v>0.0</c:v>
+                  <c:v>0</c:v>
                 </c:pt>
                 <c:pt idx="6">
-                  <c:v>0.0</c:v>
+                  <c:v>0</c:v>
                 </c:pt>
                 <c:pt idx="8">
-                  <c:v>0.0</c:v>
+                  <c:v>0</c:v>
                 </c:pt>
                 <c:pt idx="10">
-                  <c:v>0.0</c:v>
+                  <c:v>0</c:v>
                 </c:pt>
                 <c:pt idx="12">
-                  <c:v>0.0</c:v>
+                  <c:v>0</c:v>
                 </c:pt>
                 <c:pt idx="14">
-                  <c:v>0.0</c:v>
+                  <c:v>0</c:v>
                 </c:pt>
                 <c:pt idx="16">
-                  <c:v>0.0</c:v>
+                  <c:v>0</c:v>
                 </c:pt>
                 <c:pt idx="18">
-                  <c:v>0.0</c:v>
+                  <c:v>0</c:v>
                 </c:pt>
                 <c:pt idx="20">
-                  <c:v>0.0</c:v>
+                  <c:v>0</c:v>
                 </c:pt>
                 <c:pt idx="22">
-                  <c:v>0.0</c:v>
+                  <c:v>0</c:v>
                 </c:pt>
                 <c:pt idx="24">
-                  <c:v>0.0</c:v>
+                  <c:v>0</c:v>
                 </c:pt>
                 <c:pt idx="26">
-                  <c:v>0.0</c:v>
+                  <c:v>0</c:v>
                 </c:pt>
                 <c:pt idx="28">
-                  <c:v>0.0</c:v>
+                  <c:v>0</c:v>
                 </c:pt>
               </c:numCache>
             </c:numRef>
           </c:val>
+          <c:extLst>
+            <c:ext xmlns:c16="http://schemas.microsoft.com/office/drawing/2014/chart" uri="{C3380CC4-5D6E-409C-BE32-E72D297353CC}">
+              <c16:uniqueId val="{00000000-56D6-497A-AB87-7E157B71EAE8}"/>
+            </c:ext>
+          </c:extLst>
         </c:ser>
         <c:ser>
           <c:idx val="1"/>
@@ -654,98 +660,103 @@
                 <c:formatCode>General</c:formatCode>
                 <c:ptCount val="30"/>
                 <c:pt idx="0">
-                  <c:v>0.0</c:v>
+                  <c:v>0</c:v>
                 </c:pt>
                 <c:pt idx="1">
-                  <c:v>0.0</c:v>
+                  <c:v>0</c:v>
                 </c:pt>
                 <c:pt idx="2">
-                  <c:v>0.0</c:v>
+                  <c:v>0</c:v>
                 </c:pt>
                 <c:pt idx="3">
-                  <c:v>0.0</c:v>
+                  <c:v>0</c:v>
                 </c:pt>
                 <c:pt idx="4">
-                  <c:v>0.0</c:v>
+                  <c:v>0</c:v>
                 </c:pt>
                 <c:pt idx="5">
-                  <c:v>0.0</c:v>
+                  <c:v>0</c:v>
                 </c:pt>
                 <c:pt idx="6">
-                  <c:v>0.0</c:v>
+                  <c:v>0</c:v>
                 </c:pt>
                 <c:pt idx="7">
-                  <c:v>0.0</c:v>
+                  <c:v>0</c:v>
                 </c:pt>
                 <c:pt idx="8">
-                  <c:v>0.0</c:v>
+                  <c:v>0</c:v>
                 </c:pt>
                 <c:pt idx="9">
-                  <c:v>0.0</c:v>
+                  <c:v>0</c:v>
                 </c:pt>
                 <c:pt idx="10">
-                  <c:v>0.0</c:v>
+                  <c:v>0</c:v>
                 </c:pt>
                 <c:pt idx="11">
-                  <c:v>0.0</c:v>
+                  <c:v>0</c:v>
                 </c:pt>
                 <c:pt idx="12">
-                  <c:v>0.0</c:v>
+                  <c:v>0</c:v>
                 </c:pt>
                 <c:pt idx="13">
-                  <c:v>0.0</c:v>
+                  <c:v>0</c:v>
                 </c:pt>
                 <c:pt idx="14">
-                  <c:v>0.0</c:v>
+                  <c:v>0</c:v>
                 </c:pt>
                 <c:pt idx="15">
-                  <c:v>0.0</c:v>
+                  <c:v>0</c:v>
                 </c:pt>
                 <c:pt idx="16">
-                  <c:v>0.0</c:v>
+                  <c:v>0</c:v>
                 </c:pt>
                 <c:pt idx="17">
-                  <c:v>0.0</c:v>
+                  <c:v>0</c:v>
                 </c:pt>
                 <c:pt idx="18">
-                  <c:v>0.0</c:v>
+                  <c:v>0</c:v>
                 </c:pt>
                 <c:pt idx="19">
-                  <c:v>0.0</c:v>
+                  <c:v>0</c:v>
                 </c:pt>
                 <c:pt idx="20">
-                  <c:v>0.0</c:v>
+                  <c:v>0</c:v>
                 </c:pt>
                 <c:pt idx="21">
-                  <c:v>0.0</c:v>
+                  <c:v>0</c:v>
                 </c:pt>
                 <c:pt idx="22">
-                  <c:v>0.0</c:v>
+                  <c:v>0</c:v>
                 </c:pt>
                 <c:pt idx="23">
-                  <c:v>0.0</c:v>
+                  <c:v>0</c:v>
                 </c:pt>
                 <c:pt idx="24">
-                  <c:v>0.0</c:v>
+                  <c:v>0</c:v>
                 </c:pt>
                 <c:pt idx="25">
-                  <c:v>0.0</c:v>
+                  <c:v>0</c:v>
                 </c:pt>
                 <c:pt idx="26">
-                  <c:v>0.0</c:v>
+                  <c:v>0</c:v>
                 </c:pt>
                 <c:pt idx="27">
-                  <c:v>0.0</c:v>
+                  <c:v>0</c:v>
                 </c:pt>
                 <c:pt idx="28">
-                  <c:v>0.0</c:v>
+                  <c:v>0</c:v>
                 </c:pt>
                 <c:pt idx="29">
-                  <c:v>0.0</c:v>
+                  <c:v>0</c:v>
                 </c:pt>
               </c:numCache>
             </c:numRef>
           </c:val>
+          <c:extLst>
+            <c:ext xmlns:c16="http://schemas.microsoft.com/office/drawing/2014/chart" uri="{C3380CC4-5D6E-409C-BE32-E72D297353CC}">
+              <c16:uniqueId val="{00000001-56D6-497A-AB87-7E157B71EAE8}"/>
+            </c:ext>
+          </c:extLst>
         </c:ser>
         <c:ser>
           <c:idx val="2"/>
@@ -942,98 +953,103 @@
                 <c:formatCode>General</c:formatCode>
                 <c:ptCount val="30"/>
                 <c:pt idx="0">
-                  <c:v>0.147058823529412</c:v>
+                  <c:v>0.14705882352941199</c:v>
                 </c:pt>
                 <c:pt idx="1">
                   <c:v>0.434873949579832</c:v>
                 </c:pt>
                 <c:pt idx="2">
-                  <c:v>0.0470588235294117</c:v>
+                  <c:v>4.7058823529411702E-2</c:v>
                 </c:pt>
                 <c:pt idx="3">
                   <c:v>0.179271708683473</c:v>
                 </c:pt>
                 <c:pt idx="4">
-                  <c:v>0.423529411764706</c:v>
+                  <c:v>0.42352941176470599</c:v>
                 </c:pt>
                 <c:pt idx="5">
-                  <c:v>0.675070028011204</c:v>
+                  <c:v>0.67507002801120397</c:v>
                 </c:pt>
                 <c:pt idx="6">
-                  <c:v>0.118987341772152</c:v>
+                  <c:v>0.11898734177215201</c:v>
                 </c:pt>
                 <c:pt idx="7">
-                  <c:v>0.429776974080771</c:v>
+                  <c:v>0.42977697408077098</c:v>
                 </c:pt>
                 <c:pt idx="8">
-                  <c:v>0.0947368421052631</c:v>
+                  <c:v>9.4736842105263105E-2</c:v>
                 </c:pt>
                 <c:pt idx="9">
-                  <c:v>0.243107769423559</c:v>
+                  <c:v>0.24310776942355899</c:v>
                 </c:pt>
                 <c:pt idx="10">
-                  <c:v>0.305263157894737</c:v>
+                  <c:v>0.30526315789473701</c:v>
                 </c:pt>
                 <c:pt idx="11">
-                  <c:v>0.659147869674185</c:v>
+                  <c:v>0.65914786967418504</c:v>
                 </c:pt>
                 <c:pt idx="12">
                   <c:v>0.114583333333333</c:v>
                 </c:pt>
                 <c:pt idx="13">
-                  <c:v>0.39781746031746</c:v>
+                  <c:v>0.39781746031746001</c:v>
                 </c:pt>
                 <c:pt idx="14">
-                  <c:v>0.0583333333333333</c:v>
+                  <c:v>5.83333333333333E-2</c:v>
                 </c:pt>
                 <c:pt idx="15">
                   <c:v>0.126984126984127</c:v>
                 </c:pt>
                 <c:pt idx="16">
-                  <c:v>0.316666666666667</c:v>
+                  <c:v>0.31666666666666698</c:v>
                 </c:pt>
                 <c:pt idx="17">
-                  <c:v>0.599206349206349</c:v>
+                  <c:v>0.59920634920634896</c:v>
                 </c:pt>
                 <c:pt idx="18">
-                  <c:v>0.0978260869565217</c:v>
+                  <c:v>9.7826086956521702E-2</c:v>
                 </c:pt>
                 <c:pt idx="19">
-                  <c:v>0.31055900621118</c:v>
+                  <c:v>0.31055900621117999</c:v>
                 </c:pt>
                 <c:pt idx="20">
-                  <c:v>0.0608695652173913</c:v>
+                  <c:v>6.08695652173913E-2</c:v>
                 </c:pt>
                 <c:pt idx="21">
                   <c:v>0.173913043478261</c:v>
                 </c:pt>
                 <c:pt idx="22">
-                  <c:v>0.278260869565217</c:v>
+                  <c:v>0.27826086956521701</c:v>
                 </c:pt>
                 <c:pt idx="23">
-                  <c:v>0.472049689440994</c:v>
+                  <c:v>0.47204968944099401</c:v>
                 </c:pt>
                 <c:pt idx="24">
-                  <c:v>0.0831168831168831</c:v>
+                  <c:v>8.3116883116883103E-2</c:v>
                 </c:pt>
                 <c:pt idx="25">
-                  <c:v>0.368583797155226</c:v>
+                  <c:v>0.36858379715522599</c:v>
                 </c:pt>
                 <c:pt idx="26">
                   <c:v>0.01</c:v>
                 </c:pt>
                 <c:pt idx="27">
-                  <c:v>0.0976190476190476</c:v>
+                  <c:v>9.7619047619047605E-2</c:v>
                 </c:pt>
                 <c:pt idx="28">
                   <c:v>0.32</c:v>
                 </c:pt>
                 <c:pt idx="29">
-                  <c:v>0.585714285714286</c:v>
+                  <c:v>0.58571428571428596</c:v>
                 </c:pt>
               </c:numCache>
             </c:numRef>
           </c:val>
+          <c:extLst>
+            <c:ext xmlns:c16="http://schemas.microsoft.com/office/drawing/2014/chart" uri="{C3380CC4-5D6E-409C-BE32-E72D297353CC}">
+              <c16:uniqueId val="{00000002-56D6-497A-AB87-7E157B71EAE8}"/>
+            </c:ext>
+          </c:extLst>
         </c:ser>
         <c:ser>
           <c:idx val="3"/>
@@ -1230,98 +1246,103 @@
                 <c:formatCode>General</c:formatCode>
                 <c:ptCount val="30"/>
                 <c:pt idx="0">
-                  <c:v>0.852941176470588</c:v>
+                  <c:v>0.85294117647058798</c:v>
                 </c:pt>
                 <c:pt idx="1">
-                  <c:v>0.565126050420168</c:v>
+                  <c:v>0.56512605042016795</c:v>
                 </c:pt>
                 <c:pt idx="2">
-                  <c:v>0.952941176470588</c:v>
+                  <c:v>0.95294117647058796</c:v>
                 </c:pt>
                 <c:pt idx="3">
-                  <c:v>0.820728291316527</c:v>
+                  <c:v>0.82072829131652703</c:v>
                 </c:pt>
                 <c:pt idx="4">
-                  <c:v>0.576470588235294</c:v>
+                  <c:v>0.57647058823529396</c:v>
                 </c:pt>
                 <c:pt idx="5">
-                  <c:v>0.324929971988795</c:v>
+                  <c:v>0.32492997198879497</c:v>
                 </c:pt>
                 <c:pt idx="6">
-                  <c:v>0.881012658227848</c:v>
+                  <c:v>0.88101265822784802</c:v>
                 </c:pt>
                 <c:pt idx="7">
-                  <c:v>0.570223025919228</c:v>
+                  <c:v>0.57022302591922802</c:v>
                 </c:pt>
                 <c:pt idx="8">
-                  <c:v>0.905263157894737</c:v>
+                  <c:v>0.90526315789473699</c:v>
                 </c:pt>
                 <c:pt idx="9">
-                  <c:v>0.756892230576441</c:v>
+                  <c:v>0.75689223057644095</c:v>
                 </c:pt>
                 <c:pt idx="10">
-                  <c:v>0.694736842105263</c:v>
+                  <c:v>0.69473684210526299</c:v>
                 </c:pt>
                 <c:pt idx="11">
-                  <c:v>0.340852130325814</c:v>
+                  <c:v>0.34085213032581402</c:v>
                 </c:pt>
                 <c:pt idx="12">
-                  <c:v>0.885416666666667</c:v>
+                  <c:v>0.88541666666666696</c:v>
                 </c:pt>
                 <c:pt idx="13">
-                  <c:v>0.60218253968254</c:v>
+                  <c:v>0.60218253968253999</c:v>
                 </c:pt>
                 <c:pt idx="14">
-                  <c:v>0.941666666666667</c:v>
+                  <c:v>0.94166666666666698</c:v>
                 </c:pt>
                 <c:pt idx="15">
-                  <c:v>0.873015873015873</c:v>
+                  <c:v>0.87301587301587302</c:v>
                 </c:pt>
                 <c:pt idx="16">
-                  <c:v>0.683333333333333</c:v>
+                  <c:v>0.68333333333333302</c:v>
                 </c:pt>
                 <c:pt idx="17">
-                  <c:v>0.400793650793651</c:v>
+                  <c:v>0.40079365079365098</c:v>
                 </c:pt>
                 <c:pt idx="18">
-                  <c:v>0.902173913043478</c:v>
+                  <c:v>0.90217391304347805</c:v>
                 </c:pt>
                 <c:pt idx="19">
-                  <c:v>0.68944099378882</c:v>
+                  <c:v>0.68944099378881996</c:v>
                 </c:pt>
                 <c:pt idx="20">
-                  <c:v>0.939130434782609</c:v>
+                  <c:v>0.93913043478260905</c:v>
                 </c:pt>
                 <c:pt idx="21">
-                  <c:v>0.826086956521739</c:v>
+                  <c:v>0.82608695652173902</c:v>
                 </c:pt>
                 <c:pt idx="22">
-                  <c:v>0.721739130434783</c:v>
+                  <c:v>0.72173913043478299</c:v>
                 </c:pt>
                 <c:pt idx="23">
-                  <c:v>0.527950310559006</c:v>
+                  <c:v>0.52795031055900599</c:v>
                 </c:pt>
                 <c:pt idx="24">
-                  <c:v>0.916883116883117</c:v>
+                  <c:v>0.91688311688311697</c:v>
                 </c:pt>
                 <c:pt idx="25">
-                  <c:v>0.631416202844774</c:v>
+                  <c:v>0.63141620284477395</c:v>
                 </c:pt>
                 <c:pt idx="26">
                   <c:v>0.99</c:v>
                 </c:pt>
                 <c:pt idx="27">
-                  <c:v>0.902380952380952</c:v>
+                  <c:v>0.90238095238095195</c:v>
                 </c:pt>
                 <c:pt idx="28">
                   <c:v>0.68</c:v>
                 </c:pt>
                 <c:pt idx="29">
-                  <c:v>0.414285714285714</c:v>
+                  <c:v>0.41428571428571398</c:v>
                 </c:pt>
               </c:numCache>
             </c:numRef>
           </c:val>
+          <c:extLst>
+            <c:ext xmlns:c16="http://schemas.microsoft.com/office/drawing/2014/chart" uri="{C3380CC4-5D6E-409C-BE32-E72D297353CC}">
+              <c16:uniqueId val="{00000003-56D6-497A-AB87-7E157B71EAE8}"/>
+            </c:ext>
+          </c:extLst>
         </c:ser>
         <c:dLbls>
           <c:showLegendKey val="0"/>
@@ -1408,6 +1429,7 @@
             <a:effectLst/>
           </c:spPr>
         </c:majorGridlines>
+        <c:numFmt formatCode="General" sourceLinked="1"/>
         <c:majorTickMark val="none"/>
         <c:minorTickMark val="none"/>
         <c:tickLblPos val="nextTo"/>
@@ -1460,7 +1482,6 @@
         <c:idx val="1"/>
         <c:delete val="1"/>
       </c:legendEntry>
-      <c:layout/>
       <c:overlay val="0"/>
       <c:spPr>
         <a:noFill/>
@@ -1518,7 +1539,7 @@
 </file>
 
 <file path=ppt/charts/chart2.xml><?xml version="1.0" encoding="utf-8"?>
-<c:chartSpace xmlns:c="http://schemas.openxmlformats.org/drawingml/2006/chart" xmlns:a="http://schemas.openxmlformats.org/drawingml/2006/main" xmlns:r="http://schemas.openxmlformats.org/officeDocument/2006/relationships">
+<c:chartSpace xmlns:c="http://schemas.openxmlformats.org/drawingml/2006/chart" xmlns:a="http://schemas.openxmlformats.org/drawingml/2006/main" xmlns:r="http://schemas.openxmlformats.org/officeDocument/2006/relationships" xmlns:c16r2="http://schemas.microsoft.com/office/drawing/2015/06/chart">
   <c:date1904 val="0"/>
   <c:lang val="en-US"/>
   <c:roundedCorners val="0"/>
@@ -1562,7 +1583,6 @@
           </a:p>
         </c:rich>
       </c:tx>
-      <c:layout/>
       <c:overlay val="0"/>
       <c:spPr>
         <a:noFill/>
@@ -1764,44 +1784,49 @@
                 <c:formatCode>General</c:formatCode>
                 <c:ptCount val="24"/>
                 <c:pt idx="0">
-                  <c:v>0.0</c:v>
+                  <c:v>0</c:v>
                 </c:pt>
                 <c:pt idx="2">
-                  <c:v>0.0</c:v>
+                  <c:v>0</c:v>
                 </c:pt>
                 <c:pt idx="4">
-                  <c:v>0.0</c:v>
+                  <c:v>0</c:v>
                 </c:pt>
                 <c:pt idx="6">
-                  <c:v>0.0</c:v>
+                  <c:v>0</c:v>
                 </c:pt>
                 <c:pt idx="8">
-                  <c:v>0.0</c:v>
+                  <c:v>0</c:v>
                 </c:pt>
                 <c:pt idx="10">
-                  <c:v>0.0</c:v>
+                  <c:v>0</c:v>
                 </c:pt>
                 <c:pt idx="12">
-                  <c:v>0.0</c:v>
+                  <c:v>0</c:v>
                 </c:pt>
                 <c:pt idx="14">
-                  <c:v>0.0</c:v>
+                  <c:v>0</c:v>
                 </c:pt>
                 <c:pt idx="16">
-                  <c:v>0.0</c:v>
+                  <c:v>0</c:v>
                 </c:pt>
                 <c:pt idx="18">
-                  <c:v>0.0</c:v>
+                  <c:v>0</c:v>
                 </c:pt>
                 <c:pt idx="20">
-                  <c:v>0.0</c:v>
+                  <c:v>0</c:v>
                 </c:pt>
                 <c:pt idx="22">
-                  <c:v>0.0</c:v>
+                  <c:v>0</c:v>
                 </c:pt>
               </c:numCache>
             </c:numRef>
           </c:val>
+          <c:extLst>
+            <c:ext xmlns:c16="http://schemas.microsoft.com/office/drawing/2014/chart" uri="{C3380CC4-5D6E-409C-BE32-E72D297353CC}">
+              <c16:uniqueId val="{00000000-DB83-427C-B41B-C2711C059EE9}"/>
+            </c:ext>
+          </c:extLst>
         </c:ser>
         <c:ser>
           <c:idx val="1"/>
@@ -1968,80 +1993,85 @@
                 <c:formatCode>General</c:formatCode>
                 <c:ptCount val="24"/>
                 <c:pt idx="0">
-                  <c:v>0.0</c:v>
+                  <c:v>0</c:v>
                 </c:pt>
                 <c:pt idx="1">
-                  <c:v>0.0</c:v>
+                  <c:v>0</c:v>
                 </c:pt>
                 <c:pt idx="2">
-                  <c:v>0.0</c:v>
+                  <c:v>0</c:v>
                 </c:pt>
                 <c:pt idx="3">
-                  <c:v>0.0</c:v>
+                  <c:v>0</c:v>
                 </c:pt>
                 <c:pt idx="4">
-                  <c:v>0.0</c:v>
+                  <c:v>0</c:v>
                 </c:pt>
                 <c:pt idx="5">
-                  <c:v>0.0</c:v>
+                  <c:v>0</c:v>
                 </c:pt>
                 <c:pt idx="6">
-                  <c:v>0.0</c:v>
+                  <c:v>0</c:v>
                 </c:pt>
                 <c:pt idx="7">
-                  <c:v>0.0</c:v>
+                  <c:v>0</c:v>
                 </c:pt>
                 <c:pt idx="8">
-                  <c:v>0.0</c:v>
+                  <c:v>0</c:v>
                 </c:pt>
                 <c:pt idx="9">
-                  <c:v>0.0</c:v>
+                  <c:v>0</c:v>
                 </c:pt>
                 <c:pt idx="10">
-                  <c:v>0.0</c:v>
+                  <c:v>0</c:v>
                 </c:pt>
                 <c:pt idx="11">
-                  <c:v>0.0</c:v>
+                  <c:v>0</c:v>
                 </c:pt>
                 <c:pt idx="12">
-                  <c:v>0.0</c:v>
+                  <c:v>0</c:v>
                 </c:pt>
                 <c:pt idx="13">
-                  <c:v>0.0</c:v>
+                  <c:v>0</c:v>
                 </c:pt>
                 <c:pt idx="14">
-                  <c:v>0.0</c:v>
+                  <c:v>0</c:v>
                 </c:pt>
                 <c:pt idx="15">
-                  <c:v>0.0</c:v>
+                  <c:v>0</c:v>
                 </c:pt>
                 <c:pt idx="16">
-                  <c:v>0.0</c:v>
+                  <c:v>0</c:v>
                 </c:pt>
                 <c:pt idx="17">
-                  <c:v>0.0</c:v>
+                  <c:v>0</c:v>
                 </c:pt>
                 <c:pt idx="18">
-                  <c:v>0.0</c:v>
+                  <c:v>0</c:v>
                 </c:pt>
                 <c:pt idx="19">
-                  <c:v>0.0</c:v>
+                  <c:v>0</c:v>
                 </c:pt>
                 <c:pt idx="20">
-                  <c:v>0.0</c:v>
+                  <c:v>0</c:v>
                 </c:pt>
                 <c:pt idx="21">
-                  <c:v>0.0</c:v>
+                  <c:v>0</c:v>
                 </c:pt>
                 <c:pt idx="22">
-                  <c:v>0.0</c:v>
+                  <c:v>0</c:v>
                 </c:pt>
                 <c:pt idx="23">
-                  <c:v>0.0</c:v>
+                  <c:v>0</c:v>
                 </c:pt>
               </c:numCache>
             </c:numRef>
           </c:val>
+          <c:extLst>
+            <c:ext xmlns:c16="http://schemas.microsoft.com/office/drawing/2014/chart" uri="{C3380CC4-5D6E-409C-BE32-E72D297353CC}">
+              <c16:uniqueId val="{00000001-DB83-427C-B41B-C2711C059EE9}"/>
+            </c:ext>
+          </c:extLst>
         </c:ser>
         <c:ser>
           <c:idx val="2"/>
@@ -2211,77 +2241,82 @@
                   <c:v>0.131972789115646</c:v>
                 </c:pt>
                 <c:pt idx="1">
-                  <c:v>0.432134758665371</c:v>
+                  <c:v>0.43213475866537099</c:v>
                 </c:pt>
                 <c:pt idx="2">
-                  <c:v>0.0722222222222222</c:v>
+                  <c:v>7.2222222222222202E-2</c:v>
                 </c:pt>
                 <c:pt idx="3">
-                  <c:v>0.212962962962963</c:v>
+                  <c:v>0.21296296296296299</c:v>
                 </c:pt>
                 <c:pt idx="4">
-                  <c:v>0.361111111111111</c:v>
+                  <c:v>0.36111111111111099</c:v>
                 </c:pt>
                 <c:pt idx="5">
-                  <c:v>0.666666666666667</c:v>
+                  <c:v>0.66666666666666696</c:v>
                 </c:pt>
                 <c:pt idx="6">
                   <c:v>0.114583333333333</c:v>
                 </c:pt>
                 <c:pt idx="7">
-                  <c:v>0.39781746031746</c:v>
+                  <c:v>0.39781746031746001</c:v>
                 </c:pt>
                 <c:pt idx="8">
-                  <c:v>0.0583333333333333</c:v>
+                  <c:v>5.83333333333333E-2</c:v>
                 </c:pt>
                 <c:pt idx="9">
                   <c:v>0.126984126984127</c:v>
                 </c:pt>
                 <c:pt idx="10">
-                  <c:v>0.316666666666667</c:v>
+                  <c:v>0.31666666666666698</c:v>
                 </c:pt>
                 <c:pt idx="11">
-                  <c:v>0.599206349206349</c:v>
+                  <c:v>0.59920634920634896</c:v>
                 </c:pt>
                 <c:pt idx="12">
-                  <c:v>0.0978260869565217</c:v>
+                  <c:v>9.7826086956521702E-2</c:v>
                 </c:pt>
                 <c:pt idx="13">
-                  <c:v>0.31055900621118</c:v>
+                  <c:v>0.31055900621117999</c:v>
                 </c:pt>
                 <c:pt idx="14">
-                  <c:v>0.0608695652173913</c:v>
+                  <c:v>6.08695652173913E-2</c:v>
                 </c:pt>
                 <c:pt idx="15">
                   <c:v>0.173913043478261</c:v>
                 </c:pt>
                 <c:pt idx="16">
-                  <c:v>0.278260869565217</c:v>
+                  <c:v>0.27826086956521701</c:v>
                 </c:pt>
                 <c:pt idx="17">
-                  <c:v>0.472049689440994</c:v>
+                  <c:v>0.47204968944099401</c:v>
                 </c:pt>
                 <c:pt idx="18">
-                  <c:v>0.0831168831168831</c:v>
+                  <c:v>8.3116883116883103E-2</c:v>
                 </c:pt>
                 <c:pt idx="19">
-                  <c:v>0.368583797155226</c:v>
+                  <c:v>0.36858379715522599</c:v>
                 </c:pt>
                 <c:pt idx="20">
                   <c:v>0.01</c:v>
                 </c:pt>
                 <c:pt idx="21">
-                  <c:v>0.0976190476190476</c:v>
+                  <c:v>9.7619047619047605E-2</c:v>
                 </c:pt>
                 <c:pt idx="22">
                   <c:v>0.32</c:v>
                 </c:pt>
                 <c:pt idx="23">
-                  <c:v>0.585714285714286</c:v>
+                  <c:v>0.58571428571428596</c:v>
                 </c:pt>
               </c:numCache>
             </c:numRef>
           </c:val>
+          <c:extLst>
+            <c:ext xmlns:c16="http://schemas.microsoft.com/office/drawing/2014/chart" uri="{C3380CC4-5D6E-409C-BE32-E72D297353CC}">
+              <c16:uniqueId val="{00000002-DB83-427C-B41B-C2711C059EE9}"/>
+            </c:ext>
+          </c:extLst>
         </c:ser>
         <c:ser>
           <c:idx val="3"/>
@@ -2448,80 +2483,85 @@
                 <c:formatCode>General</c:formatCode>
                 <c:ptCount val="24"/>
                 <c:pt idx="0">
-                  <c:v>0.868027210884354</c:v>
+                  <c:v>0.86802721088435397</c:v>
                 </c:pt>
                 <c:pt idx="1">
-                  <c:v>0.567865241334629</c:v>
+                  <c:v>0.56786524133462901</c:v>
                 </c:pt>
                 <c:pt idx="2">
-                  <c:v>0.927777777777778</c:v>
+                  <c:v>0.92777777777777803</c:v>
                 </c:pt>
                 <c:pt idx="3">
-                  <c:v>0.787037037037037</c:v>
+                  <c:v>0.78703703703703698</c:v>
                 </c:pt>
                 <c:pt idx="4">
-                  <c:v>0.638888888888889</c:v>
+                  <c:v>0.63888888888888895</c:v>
                 </c:pt>
                 <c:pt idx="5">
-                  <c:v>0.333333333333333</c:v>
+                  <c:v>0.33333333333333298</c:v>
                 </c:pt>
                 <c:pt idx="6">
-                  <c:v>0.885416666666667</c:v>
+                  <c:v>0.88541666666666696</c:v>
                 </c:pt>
                 <c:pt idx="7">
-                  <c:v>0.60218253968254</c:v>
+                  <c:v>0.60218253968253999</c:v>
                 </c:pt>
                 <c:pt idx="8">
-                  <c:v>0.941666666666667</c:v>
+                  <c:v>0.94166666666666698</c:v>
                 </c:pt>
                 <c:pt idx="9">
-                  <c:v>0.873015873015873</c:v>
+                  <c:v>0.87301587301587302</c:v>
                 </c:pt>
                 <c:pt idx="10">
-                  <c:v>0.683333333333333</c:v>
+                  <c:v>0.68333333333333302</c:v>
                 </c:pt>
                 <c:pt idx="11">
-                  <c:v>0.400793650793651</c:v>
+                  <c:v>0.40079365079365098</c:v>
                 </c:pt>
                 <c:pt idx="12">
-                  <c:v>0.902173913043478</c:v>
+                  <c:v>0.90217391304347805</c:v>
                 </c:pt>
                 <c:pt idx="13">
-                  <c:v>0.68944099378882</c:v>
+                  <c:v>0.68944099378881996</c:v>
                 </c:pt>
                 <c:pt idx="14">
-                  <c:v>0.939130434782609</c:v>
+                  <c:v>0.93913043478260905</c:v>
                 </c:pt>
                 <c:pt idx="15">
-                  <c:v>0.826086956521739</c:v>
+                  <c:v>0.82608695652173902</c:v>
                 </c:pt>
                 <c:pt idx="16">
-                  <c:v>0.721739130434783</c:v>
+                  <c:v>0.72173913043478299</c:v>
                 </c:pt>
                 <c:pt idx="17">
-                  <c:v>0.527950310559006</c:v>
+                  <c:v>0.52795031055900599</c:v>
                 </c:pt>
                 <c:pt idx="18">
-                  <c:v>0.916883116883117</c:v>
+                  <c:v>0.91688311688311697</c:v>
                 </c:pt>
                 <c:pt idx="19">
-                  <c:v>0.631416202844774</c:v>
+                  <c:v>0.63141620284477395</c:v>
                 </c:pt>
                 <c:pt idx="20">
                   <c:v>0.99</c:v>
                 </c:pt>
                 <c:pt idx="21">
-                  <c:v>0.902380952380952</c:v>
+                  <c:v>0.90238095238095195</c:v>
                 </c:pt>
                 <c:pt idx="22">
                   <c:v>0.68</c:v>
                 </c:pt>
                 <c:pt idx="23">
-                  <c:v>0.414285714285714</c:v>
+                  <c:v>0.41428571428571398</c:v>
                 </c:pt>
               </c:numCache>
             </c:numRef>
           </c:val>
+          <c:extLst>
+            <c:ext xmlns:c16="http://schemas.microsoft.com/office/drawing/2014/chart" uri="{C3380CC4-5D6E-409C-BE32-E72D297353CC}">
+              <c16:uniqueId val="{00000003-DB83-427C-B41B-C2711C059EE9}"/>
+            </c:ext>
+          </c:extLst>
         </c:ser>
         <c:dLbls>
           <c:showLegendKey val="0"/>
@@ -2661,7 +2701,6 @@
         <c:idx val="1"/>
         <c:delete val="1"/>
       </c:legendEntry>
-      <c:layout/>
       <c:overlay val="0"/>
       <c:spPr>
         <a:noFill/>
@@ -2719,7 +2758,7 @@
 </file>
 
 <file path=ppt/charts/chart3.xml><?xml version="1.0" encoding="utf-8"?>
-<c:chartSpace xmlns:c="http://schemas.openxmlformats.org/drawingml/2006/chart" xmlns:a="http://schemas.openxmlformats.org/drawingml/2006/main" xmlns:r="http://schemas.openxmlformats.org/officeDocument/2006/relationships">
+<c:chartSpace xmlns:c="http://schemas.openxmlformats.org/drawingml/2006/chart" xmlns:a="http://schemas.openxmlformats.org/drawingml/2006/main" xmlns:r="http://schemas.openxmlformats.org/officeDocument/2006/relationships" xmlns:c16r2="http://schemas.microsoft.com/office/drawing/2015/06/chart">
   <c:date1904 val="0"/>
   <c:lang val="en-US"/>
   <c:roundedCorners val="0"/>
@@ -2752,18 +2791,17 @@
               </a:defRPr>
             </a:pPr>
             <a:r>
-              <a:rPr lang="en-US" sz="1800" b="0" i="0" baseline="0">
-                <a:effectLst/>
-              </a:rPr>
-              <a:t>5 group offer acceptance</a:t>
+              <a:rPr lang="en-CA"/>
+              <a:t>Fairness</a:t>
             </a:r>
-            <a:endParaRPr lang="en-US">
-              <a:effectLst/>
-            </a:endParaRPr>
+            <a:r>
+              <a:rPr lang="en-CA" baseline="0"/>
+              <a:t> x 4 group in offer acceptance</a:t>
+            </a:r>
+            <a:endParaRPr lang="en-CA"/>
           </a:p>
         </c:rich>
       </c:tx>
-      <c:layout/>
       <c:overlay val="0"/>
       <c:spPr>
         <a:noFill/>
@@ -2805,11 +2843,11 @@
           <c:order val="0"/>
           <c:tx>
             <c:strRef>
-              <c:f>group5!$B$1</c:f>
+              <c:f>baseline_group4!$G$3</c:f>
               <c:strCache>
                 <c:ptCount val="1"/>
                 <c:pt idx="0">
-                  <c:v>fairness</c:v>
+                  <c:v>attempter</c:v>
                 </c:pt>
               </c:strCache>
             </c:strRef>
@@ -2826,56 +2864,29 @@
           <c:invertIfNegative val="0"/>
           <c:cat>
             <c:multiLvlStrRef>
-              <c:f>group5!$A$2:$B$11</c:f>
+              <c:f>baseline_group4!$H$1:$K$2</c:f>
               <c:multiLvlStrCache>
-                <c:ptCount val="10"/>
+                <c:ptCount val="4"/>
                 <c:lvl>
                   <c:pt idx="0">
-                    <c:v>fair</c:v>
+                    <c:v>reject</c:v>
                   </c:pt>
                   <c:pt idx="1">
-                    <c:v>unfair</c:v>
+                    <c:v>accept</c:v>
                   </c:pt>
                   <c:pt idx="2">
-                    <c:v>fair</c:v>
+                    <c:v>reject</c:v>
                   </c:pt>
                   <c:pt idx="3">
-                    <c:v>unfair</c:v>
-                  </c:pt>
-                  <c:pt idx="4">
-                    <c:v>fair</c:v>
-                  </c:pt>
-                  <c:pt idx="5">
-                    <c:v>unfair</c:v>
-                  </c:pt>
-                  <c:pt idx="6">
-                    <c:v>fair</c:v>
-                  </c:pt>
-                  <c:pt idx="7">
-                    <c:v>unfair</c:v>
-                  </c:pt>
-                  <c:pt idx="8">
-                    <c:v>fair</c:v>
-                  </c:pt>
-                  <c:pt idx="9">
-                    <c:v>unfair</c:v>
+                    <c:v>accept</c:v>
                   </c:pt>
                 </c:lvl>
                 <c:lvl>
                   <c:pt idx="0">
-                    <c:v>AttempterHL</c:v>
+                    <c:v>fair</c:v>
                   </c:pt>
                   <c:pt idx="2">
-                    <c:v>AttempterLL</c:v>
-                  </c:pt>
-                  <c:pt idx="4">
-                    <c:v>control</c:v>
-                  </c:pt>
-                  <c:pt idx="6">
-                    <c:v>depression</c:v>
-                  </c:pt>
-                  <c:pt idx="8">
-                    <c:v>ideator</c:v>
+                    <c:v>unfair</c:v>
                   </c:pt>
                 </c:lvl>
               </c:multiLvlStrCache>
@@ -2883,54 +2894,41 @@
           </c:cat>
           <c:val>
             <c:numRef>
-              <c:f>group5!$B$2:$B$11</c:f>
+              <c:f>baseline_group4!$H$3:$K$3</c:f>
               <c:numCache>
                 <c:formatCode>General</c:formatCode>
-                <c:ptCount val="10"/>
+                <c:ptCount val="4"/>
                 <c:pt idx="0">
-                  <c:v>0.0</c:v>
+                  <c:v>0.13197278911564625</c:v>
                 </c:pt>
                 <c:pt idx="1">
-                  <c:v>0.0</c:v>
+                  <c:v>0.86802721088435375</c:v>
                 </c:pt>
                 <c:pt idx="2">
-                  <c:v>0.0</c:v>
+                  <c:v>0.43213475866537093</c:v>
                 </c:pt>
                 <c:pt idx="3">
-                  <c:v>0.0</c:v>
-                </c:pt>
-                <c:pt idx="4">
-                  <c:v>0.0</c:v>
-                </c:pt>
-                <c:pt idx="5">
-                  <c:v>0.0</c:v>
-                </c:pt>
-                <c:pt idx="6">
-                  <c:v>0.0</c:v>
-                </c:pt>
-                <c:pt idx="7">
-                  <c:v>0.0</c:v>
-                </c:pt>
-                <c:pt idx="8">
-                  <c:v>0.0</c:v>
-                </c:pt>
-                <c:pt idx="9">
-                  <c:v>0.0</c:v>
+                  <c:v>0.56786524133462901</c:v>
                 </c:pt>
               </c:numCache>
             </c:numRef>
           </c:val>
+          <c:extLst>
+            <c:ext xmlns:c16="http://schemas.microsoft.com/office/drawing/2014/chart" uri="{C3380CC4-5D6E-409C-BE32-E72D297353CC}">
+              <c16:uniqueId val="{00000000-1180-43FE-BC69-2FE7FA3F0AA8}"/>
+            </c:ext>
+          </c:extLst>
         </c:ser>
         <c:ser>
           <c:idx val="1"/>
           <c:order val="1"/>
           <c:tx>
             <c:strRef>
-              <c:f>group5!$C$1</c:f>
+              <c:f>baseline_group4!$G$4</c:f>
               <c:strCache>
                 <c:ptCount val="1"/>
                 <c:pt idx="0">
-                  <c:v>reject</c:v>
+                  <c:v>control</c:v>
                 </c:pt>
               </c:strCache>
             </c:strRef>
@@ -2947,56 +2945,29 @@
           <c:invertIfNegative val="0"/>
           <c:cat>
             <c:multiLvlStrRef>
-              <c:f>group5!$A$2:$B$11</c:f>
+              <c:f>baseline_group4!$H$1:$K$2</c:f>
               <c:multiLvlStrCache>
-                <c:ptCount val="10"/>
+                <c:ptCount val="4"/>
                 <c:lvl>
                   <c:pt idx="0">
-                    <c:v>fair</c:v>
+                    <c:v>reject</c:v>
                   </c:pt>
                   <c:pt idx="1">
-                    <c:v>unfair</c:v>
+                    <c:v>accept</c:v>
                   </c:pt>
                   <c:pt idx="2">
-                    <c:v>fair</c:v>
+                    <c:v>reject</c:v>
                   </c:pt>
                   <c:pt idx="3">
-                    <c:v>unfair</c:v>
-                  </c:pt>
-                  <c:pt idx="4">
-                    <c:v>fair</c:v>
-                  </c:pt>
-                  <c:pt idx="5">
-                    <c:v>unfair</c:v>
-                  </c:pt>
-                  <c:pt idx="6">
-                    <c:v>fair</c:v>
-                  </c:pt>
-                  <c:pt idx="7">
-                    <c:v>unfair</c:v>
-                  </c:pt>
-                  <c:pt idx="8">
-                    <c:v>fair</c:v>
-                  </c:pt>
-                  <c:pt idx="9">
-                    <c:v>unfair</c:v>
+                    <c:v>accept</c:v>
                   </c:pt>
                 </c:lvl>
                 <c:lvl>
                   <c:pt idx="0">
-                    <c:v>AttempterHL</c:v>
+                    <c:v>fair</c:v>
                   </c:pt>
                   <c:pt idx="2">
-                    <c:v>AttempterLL</c:v>
-                  </c:pt>
-                  <c:pt idx="4">
-                    <c:v>control</c:v>
-                  </c:pt>
-                  <c:pt idx="6">
-                    <c:v>depression</c:v>
-                  </c:pt>
-                  <c:pt idx="8">
-                    <c:v>ideator</c:v>
+                    <c:v>unfair</c:v>
                   </c:pt>
                 </c:lvl>
               </c:multiLvlStrCache>
@@ -3004,54 +2975,41 @@
           </c:cat>
           <c:val>
             <c:numRef>
-              <c:f>group5!$C$2:$C$11</c:f>
+              <c:f>baseline_group4!$H$4:$K$4</c:f>
               <c:numCache>
                 <c:formatCode>General</c:formatCode>
-                <c:ptCount val="10"/>
+                <c:ptCount val="4"/>
                 <c:pt idx="0">
-                  <c:v>0.176470588235294</c:v>
+                  <c:v>0.11458333333333333</c:v>
                 </c:pt>
                 <c:pt idx="1">
-                  <c:v>0.432306255835668</c:v>
+                  <c:v>0.88541666666666663</c:v>
                 </c:pt>
                 <c:pt idx="2">
-                  <c:v>0.145299145299145</c:v>
+                  <c:v>0.39781746031746029</c:v>
                 </c:pt>
                 <c:pt idx="3">
-                  <c:v>0.436711436711437</c:v>
-                </c:pt>
-                <c:pt idx="4">
-                  <c:v>0.138888888888889</c:v>
-                </c:pt>
-                <c:pt idx="5">
-                  <c:v>0.386243386243386</c:v>
-                </c:pt>
-                <c:pt idx="6">
-                  <c:v>0.121739130434783</c:v>
-                </c:pt>
-                <c:pt idx="7">
-                  <c:v>0.314699792960662</c:v>
-                </c:pt>
-                <c:pt idx="8">
-                  <c:v>0.111111111111111</c:v>
-                </c:pt>
-                <c:pt idx="9">
-                  <c:v>0.359381359381359</c:v>
+                  <c:v>0.60218253968253976</c:v>
                 </c:pt>
               </c:numCache>
             </c:numRef>
           </c:val>
+          <c:extLst>
+            <c:ext xmlns:c16="http://schemas.microsoft.com/office/drawing/2014/chart" uri="{C3380CC4-5D6E-409C-BE32-E72D297353CC}">
+              <c16:uniqueId val="{00000001-1180-43FE-BC69-2FE7FA3F0AA8}"/>
+            </c:ext>
+          </c:extLst>
         </c:ser>
         <c:ser>
           <c:idx val="2"/>
           <c:order val="2"/>
           <c:tx>
             <c:strRef>
-              <c:f>group5!$D$1</c:f>
+              <c:f>baseline_group4!$G$5</c:f>
               <c:strCache>
                 <c:ptCount val="1"/>
                 <c:pt idx="0">
-                  <c:v>accept</c:v>
+                  <c:v>depression</c:v>
                 </c:pt>
               </c:strCache>
             </c:strRef>
@@ -3068,56 +3026,29 @@
           <c:invertIfNegative val="0"/>
           <c:cat>
             <c:multiLvlStrRef>
-              <c:f>group5!$A$2:$B$11</c:f>
+              <c:f>baseline_group4!$H$1:$K$2</c:f>
               <c:multiLvlStrCache>
-                <c:ptCount val="10"/>
+                <c:ptCount val="4"/>
                 <c:lvl>
                   <c:pt idx="0">
-                    <c:v>fair</c:v>
+                    <c:v>reject</c:v>
                   </c:pt>
                   <c:pt idx="1">
-                    <c:v>unfair</c:v>
+                    <c:v>accept</c:v>
                   </c:pt>
                   <c:pt idx="2">
-                    <c:v>fair</c:v>
+                    <c:v>reject</c:v>
                   </c:pt>
                   <c:pt idx="3">
-                    <c:v>unfair</c:v>
-                  </c:pt>
-                  <c:pt idx="4">
-                    <c:v>fair</c:v>
-                  </c:pt>
-                  <c:pt idx="5">
-                    <c:v>unfair</c:v>
-                  </c:pt>
-                  <c:pt idx="6">
-                    <c:v>fair</c:v>
-                  </c:pt>
-                  <c:pt idx="7">
-                    <c:v>unfair</c:v>
-                  </c:pt>
-                  <c:pt idx="8">
-                    <c:v>fair</c:v>
-                  </c:pt>
-                  <c:pt idx="9">
-                    <c:v>unfair</c:v>
+                    <c:v>accept</c:v>
                   </c:pt>
                 </c:lvl>
                 <c:lvl>
                   <c:pt idx="0">
-                    <c:v>AttempterHL</c:v>
+                    <c:v>fair</c:v>
                   </c:pt>
                   <c:pt idx="2">
-                    <c:v>AttempterLL</c:v>
-                  </c:pt>
-                  <c:pt idx="4">
-                    <c:v>control</c:v>
-                  </c:pt>
-                  <c:pt idx="6">
-                    <c:v>depression</c:v>
-                  </c:pt>
-                  <c:pt idx="8">
-                    <c:v>ideator</c:v>
+                    <c:v>unfair</c:v>
                   </c:pt>
                 </c:lvl>
               </c:multiLvlStrCache>
@@ -3125,43 +3056,111 @@
           </c:cat>
           <c:val>
             <c:numRef>
-              <c:f>group5!$D$2:$D$11</c:f>
+              <c:f>baseline_group4!$H$5:$K$5</c:f>
               <c:numCache>
                 <c:formatCode>General</c:formatCode>
-                <c:ptCount val="10"/>
+                <c:ptCount val="4"/>
                 <c:pt idx="0">
-                  <c:v>0.823529411764706</c:v>
+                  <c:v>9.7826086956521743E-2</c:v>
                 </c:pt>
                 <c:pt idx="1">
-                  <c:v>0.567693744164332</c:v>
+                  <c:v>0.90217391304347827</c:v>
                 </c:pt>
                 <c:pt idx="2">
-                  <c:v>0.854700854700855</c:v>
+                  <c:v>0.3105590062111801</c:v>
                 </c:pt>
                 <c:pt idx="3">
-                  <c:v>0.563288563288563</c:v>
-                </c:pt>
-                <c:pt idx="4">
-                  <c:v>0.861111111111111</c:v>
-                </c:pt>
-                <c:pt idx="5">
-                  <c:v>0.613756613756614</c:v>
-                </c:pt>
-                <c:pt idx="6">
-                  <c:v>0.878260869565217</c:v>
-                </c:pt>
-                <c:pt idx="7">
-                  <c:v>0.685300207039337</c:v>
-                </c:pt>
-                <c:pt idx="8">
-                  <c:v>0.888888888888889</c:v>
-                </c:pt>
-                <c:pt idx="9">
-                  <c:v>0.640618640618641</c:v>
+                  <c:v>0.68944099378881996</c:v>
                 </c:pt>
               </c:numCache>
             </c:numRef>
           </c:val>
+          <c:extLst>
+            <c:ext xmlns:c16="http://schemas.microsoft.com/office/drawing/2014/chart" uri="{C3380CC4-5D6E-409C-BE32-E72D297353CC}">
+              <c16:uniqueId val="{00000002-1180-43FE-BC69-2FE7FA3F0AA8}"/>
+            </c:ext>
+          </c:extLst>
+        </c:ser>
+        <c:ser>
+          <c:idx val="3"/>
+          <c:order val="3"/>
+          <c:tx>
+            <c:strRef>
+              <c:f>baseline_group4!$G$6</c:f>
+              <c:strCache>
+                <c:ptCount val="1"/>
+                <c:pt idx="0">
+                  <c:v>ideator</c:v>
+                </c:pt>
+              </c:strCache>
+            </c:strRef>
+          </c:tx>
+          <c:spPr>
+            <a:solidFill>
+              <a:schemeClr val="accent4"/>
+            </a:solidFill>
+            <a:ln>
+              <a:noFill/>
+            </a:ln>
+            <a:effectLst/>
+          </c:spPr>
+          <c:invertIfNegative val="0"/>
+          <c:cat>
+            <c:multiLvlStrRef>
+              <c:f>baseline_group4!$H$1:$K$2</c:f>
+              <c:multiLvlStrCache>
+                <c:ptCount val="4"/>
+                <c:lvl>
+                  <c:pt idx="0">
+                    <c:v>reject</c:v>
+                  </c:pt>
+                  <c:pt idx="1">
+                    <c:v>accept</c:v>
+                  </c:pt>
+                  <c:pt idx="2">
+                    <c:v>reject</c:v>
+                  </c:pt>
+                  <c:pt idx="3">
+                    <c:v>accept</c:v>
+                  </c:pt>
+                </c:lvl>
+                <c:lvl>
+                  <c:pt idx="0">
+                    <c:v>fair</c:v>
+                  </c:pt>
+                  <c:pt idx="2">
+                    <c:v>unfair</c:v>
+                  </c:pt>
+                </c:lvl>
+              </c:multiLvlStrCache>
+            </c:multiLvlStrRef>
+          </c:cat>
+          <c:val>
+            <c:numRef>
+              <c:f>baseline_group4!$H$6:$K$6</c:f>
+              <c:numCache>
+                <c:formatCode>General</c:formatCode>
+                <c:ptCount val="4"/>
+                <c:pt idx="0">
+                  <c:v>8.3116883116883117E-2</c:v>
+                </c:pt>
+                <c:pt idx="1">
+                  <c:v>0.91688311688311686</c:v>
+                </c:pt>
+                <c:pt idx="2">
+                  <c:v>0.36858379715522571</c:v>
+                </c:pt>
+                <c:pt idx="3">
+                  <c:v>0.63141620284477429</c:v>
+                </c:pt>
+              </c:numCache>
+            </c:numRef>
+          </c:val>
+          <c:extLst>
+            <c:ext xmlns:c16="http://schemas.microsoft.com/office/drawing/2014/chart" uri="{C3380CC4-5D6E-409C-BE32-E72D297353CC}">
+              <c16:uniqueId val="{00000003-1180-43FE-BC69-2FE7FA3F0AA8}"/>
+            </c:ext>
+          </c:extLst>
         </c:ser>
         <c:dLbls>
           <c:showLegendKey val="0"/>
@@ -3173,11 +3172,11 @@
         </c:dLbls>
         <c:gapWidth val="219"/>
         <c:overlap val="-27"/>
-        <c:axId val="-1424928416"/>
-        <c:axId val="-1424926640"/>
+        <c:axId val="570800816"/>
+        <c:axId val="570800488"/>
       </c:barChart>
       <c:catAx>
-        <c:axId val="-1424928416"/>
+        <c:axId val="570800816"/>
         <c:scaling>
           <c:orientation val="minMax"/>
         </c:scaling>
@@ -3220,7 +3219,7 @@
             <a:endParaRPr lang="en-US"/>
           </a:p>
         </c:txPr>
-        <c:crossAx val="-1424926640"/>
+        <c:crossAx val="570800488"/>
         <c:crosses val="autoZero"/>
         <c:auto val="1"/>
         <c:lblAlgn val="ctr"/>
@@ -3228,7 +3227,7 @@
         <c:noMultiLvlLbl val="0"/>
       </c:catAx>
       <c:valAx>
-        <c:axId val="-1424926640"/>
+        <c:axId val="570800488"/>
         <c:scaling>
           <c:orientation val="minMax"/>
         </c:scaling>
@@ -3248,6 +3247,7 @@
             <a:effectLst/>
           </c:spPr>
         </c:majorGridlines>
+        <c:numFmt formatCode="General" sourceLinked="1"/>
         <c:majorTickMark val="none"/>
         <c:minorTickMark val="none"/>
         <c:tickLblPos val="nextTo"/>
@@ -3278,7 +3278,7 @@
             <a:endParaRPr lang="en-US"/>
           </a:p>
         </c:txPr>
-        <c:crossAx val="-1424928416"/>
+        <c:crossAx val="570800816"/>
         <c:crosses val="autoZero"/>
         <c:crossBetween val="between"/>
       </c:valAx>
@@ -3292,11 +3292,6 @@
     </c:plotArea>
     <c:legend>
       <c:legendPos val="b"/>
-      <c:legendEntry>
-        <c:idx val="0"/>
-        <c:delete val="1"/>
-      </c:legendEntry>
-      <c:layout/>
       <c:overlay val="0"/>
       <c:spPr>
         <a:noFill/>
@@ -3354,7 +3349,7 @@
 </file>
 
 <file path=ppt/charts/chart4.xml><?xml version="1.0" encoding="utf-8"?>
-<c:chartSpace xmlns:c="http://schemas.openxmlformats.org/drawingml/2006/chart" xmlns:a="http://schemas.openxmlformats.org/drawingml/2006/main" xmlns:r="http://schemas.openxmlformats.org/officeDocument/2006/relationships">
+<c:chartSpace xmlns:c="http://schemas.openxmlformats.org/drawingml/2006/chart" xmlns:a="http://schemas.openxmlformats.org/drawingml/2006/main" xmlns:r="http://schemas.openxmlformats.org/officeDocument/2006/relationships" xmlns:c16r2="http://schemas.microsoft.com/office/drawing/2015/06/chart">
   <c:date1904 val="0"/>
   <c:lang val="en-US"/>
   <c:roundedCorners val="0"/>
@@ -3387,18 +3382,17 @@
               </a:defRPr>
             </a:pPr>
             <a:r>
-              <a:rPr lang="en-US" sz="1800" b="0" i="0" baseline="0">
-                <a:effectLst/>
-              </a:rPr>
-              <a:t>4 group offer acceptance</a:t>
+              <a:rPr lang="en-CA"/>
+              <a:t>Fairness</a:t>
             </a:r>
-            <a:endParaRPr lang="en-US">
-              <a:effectLst/>
-            </a:endParaRPr>
+            <a:r>
+              <a:rPr lang="en-CA" baseline="0"/>
+              <a:t> x 5 groups in offer acceptance</a:t>
+            </a:r>
+            <a:endParaRPr lang="en-CA"/>
           </a:p>
         </c:rich>
       </c:tx>
-      <c:layout/>
       <c:overlay val="0"/>
       <c:spPr>
         <a:noFill/>
@@ -3440,11 +3434,11 @@
           <c:order val="0"/>
           <c:tx>
             <c:strRef>
-              <c:f>group4!$C$1</c:f>
+              <c:f>baseline_group5!$A$3</c:f>
               <c:strCache>
                 <c:ptCount val="1"/>
                 <c:pt idx="0">
-                  <c:v>reject</c:v>
+                  <c:v>AttempterHL</c:v>
                 </c:pt>
               </c:strCache>
             </c:strRef>
@@ -3461,47 +3455,29 @@
           <c:invertIfNegative val="0"/>
           <c:cat>
             <c:multiLvlStrRef>
-              <c:f>group4!$A$2:$B$9</c:f>
+              <c:f>baseline_group5!$B$1:$E$2</c:f>
               <c:multiLvlStrCache>
-                <c:ptCount val="8"/>
+                <c:ptCount val="4"/>
                 <c:lvl>
                   <c:pt idx="0">
-                    <c:v>fair</c:v>
+                    <c:v>reject</c:v>
                   </c:pt>
                   <c:pt idx="1">
-                    <c:v>unfair</c:v>
+                    <c:v>accept</c:v>
                   </c:pt>
                   <c:pt idx="2">
-                    <c:v>fair</c:v>
+                    <c:v>reject</c:v>
                   </c:pt>
                   <c:pt idx="3">
-                    <c:v>unfair</c:v>
-                  </c:pt>
-                  <c:pt idx="4">
-                    <c:v>fair</c:v>
-                  </c:pt>
-                  <c:pt idx="5">
-                    <c:v>unfair</c:v>
-                  </c:pt>
-                  <c:pt idx="6">
-                    <c:v>fair</c:v>
-                  </c:pt>
-                  <c:pt idx="7">
-                    <c:v>unfair</c:v>
+                    <c:v>accept</c:v>
                   </c:pt>
                 </c:lvl>
                 <c:lvl>
                   <c:pt idx="0">
-                    <c:v>attempter</c:v>
+                    <c:v>fair</c:v>
                   </c:pt>
                   <c:pt idx="2">
-                    <c:v>control</c:v>
-                  </c:pt>
-                  <c:pt idx="4">
-                    <c:v>depression</c:v>
-                  </c:pt>
-                  <c:pt idx="6">
-                    <c:v>ideator</c:v>
+                    <c:v>unfair</c:v>
                   </c:pt>
                 </c:lvl>
               </c:multiLvlStrCache>
@@ -3509,48 +3485,41 @@
           </c:cat>
           <c:val>
             <c:numRef>
-              <c:f>group4!$C$2:$C$9</c:f>
+              <c:f>baseline_group5!$B$3:$E$3</c:f>
               <c:numCache>
                 <c:formatCode>General</c:formatCode>
-                <c:ptCount val="8"/>
+                <c:ptCount val="4"/>
                 <c:pt idx="0">
-                  <c:v>0.159817351598173</c:v>
+                  <c:v>0.1470588235294118</c:v>
                 </c:pt>
                 <c:pt idx="1">
-                  <c:v>0.434659708632311</c:v>
+                  <c:v>0.8529411764705882</c:v>
                 </c:pt>
                 <c:pt idx="2">
-                  <c:v>0.138888888888889</c:v>
+                  <c:v>0.43487394957983189</c:v>
                 </c:pt>
                 <c:pt idx="3">
-                  <c:v>0.386243386243386</c:v>
-                </c:pt>
-                <c:pt idx="4">
-                  <c:v>0.121739130434783</c:v>
-                </c:pt>
-                <c:pt idx="5">
-                  <c:v>0.314699792960662</c:v>
-                </c:pt>
-                <c:pt idx="6">
-                  <c:v>0.111111111111111</c:v>
-                </c:pt>
-                <c:pt idx="7">
-                  <c:v>0.359381359381359</c:v>
+                  <c:v>0.56512605042016806</c:v>
                 </c:pt>
               </c:numCache>
             </c:numRef>
           </c:val>
+          <c:extLst>
+            <c:ext xmlns:c16="http://schemas.microsoft.com/office/drawing/2014/chart" uri="{C3380CC4-5D6E-409C-BE32-E72D297353CC}">
+              <c16:uniqueId val="{00000000-88E7-4674-AD93-7AF82EF98F73}"/>
+            </c:ext>
+          </c:extLst>
         </c:ser>
         <c:ser>
           <c:idx val="1"/>
           <c:order val="1"/>
           <c:tx>
             <c:strRef>
-              <c:f>group4!$D$1</c:f>
+              <c:f>baseline_group5!$A$4</c:f>
               <c:strCache>
                 <c:ptCount val="1"/>
                 <c:pt idx="0">
-                  <c:v>accept</c:v>
+                  <c:v>AttempterLL</c:v>
                 </c:pt>
               </c:strCache>
             </c:strRef>
@@ -3567,47 +3536,29 @@
           <c:invertIfNegative val="0"/>
           <c:cat>
             <c:multiLvlStrRef>
-              <c:f>group4!$A$2:$B$9</c:f>
+              <c:f>baseline_group5!$B$1:$E$2</c:f>
               <c:multiLvlStrCache>
-                <c:ptCount val="8"/>
+                <c:ptCount val="4"/>
                 <c:lvl>
                   <c:pt idx="0">
-                    <c:v>fair</c:v>
+                    <c:v>reject</c:v>
                   </c:pt>
                   <c:pt idx="1">
-                    <c:v>unfair</c:v>
+                    <c:v>accept</c:v>
                   </c:pt>
                   <c:pt idx="2">
-                    <c:v>fair</c:v>
+                    <c:v>reject</c:v>
                   </c:pt>
                   <c:pt idx="3">
-                    <c:v>unfair</c:v>
-                  </c:pt>
-                  <c:pt idx="4">
-                    <c:v>fair</c:v>
-                  </c:pt>
-                  <c:pt idx="5">
-                    <c:v>unfair</c:v>
-                  </c:pt>
-                  <c:pt idx="6">
-                    <c:v>fair</c:v>
-                  </c:pt>
-                  <c:pt idx="7">
-                    <c:v>unfair</c:v>
+                    <c:v>accept</c:v>
                   </c:pt>
                 </c:lvl>
                 <c:lvl>
                   <c:pt idx="0">
-                    <c:v>attempter</c:v>
+                    <c:v>fair</c:v>
                   </c:pt>
                   <c:pt idx="2">
-                    <c:v>control</c:v>
-                  </c:pt>
-                  <c:pt idx="4">
-                    <c:v>depression</c:v>
-                  </c:pt>
-                  <c:pt idx="6">
-                    <c:v>ideator</c:v>
+                    <c:v>unfair</c:v>
                   </c:pt>
                 </c:lvl>
               </c:multiLvlStrCache>
@@ -3615,37 +3566,273 @@
           </c:cat>
           <c:val>
             <c:numRef>
-              <c:f>group4!$D$2:$D$9</c:f>
+              <c:f>baseline_group5!$B$4:$E$4</c:f>
               <c:numCache>
                 <c:formatCode>General</c:formatCode>
-                <c:ptCount val="8"/>
+                <c:ptCount val="4"/>
                 <c:pt idx="0">
-                  <c:v>0.840182648401826</c:v>
+                  <c:v>0.11898734177215189</c:v>
                 </c:pt>
                 <c:pt idx="1">
-                  <c:v>0.565340291367689</c:v>
+                  <c:v>0.88101265822784813</c:v>
                 </c:pt>
                 <c:pt idx="2">
-                  <c:v>0.861111111111111</c:v>
+                  <c:v>0.42977697408077148</c:v>
                 </c:pt>
                 <c:pt idx="3">
-                  <c:v>0.613756613756614</c:v>
-                </c:pt>
-                <c:pt idx="4">
-                  <c:v>0.878260869565217</c:v>
-                </c:pt>
-                <c:pt idx="5">
-                  <c:v>0.685300207039337</c:v>
-                </c:pt>
-                <c:pt idx="6">
-                  <c:v>0.888888888888889</c:v>
-                </c:pt>
-                <c:pt idx="7">
-                  <c:v>0.640618640618641</c:v>
+                  <c:v>0.57022302591922847</c:v>
                 </c:pt>
               </c:numCache>
             </c:numRef>
           </c:val>
+          <c:extLst>
+            <c:ext xmlns:c16="http://schemas.microsoft.com/office/drawing/2014/chart" uri="{C3380CC4-5D6E-409C-BE32-E72D297353CC}">
+              <c16:uniqueId val="{00000001-88E7-4674-AD93-7AF82EF98F73}"/>
+            </c:ext>
+          </c:extLst>
+        </c:ser>
+        <c:ser>
+          <c:idx val="2"/>
+          <c:order val="2"/>
+          <c:tx>
+            <c:strRef>
+              <c:f>baseline_group5!$A$5</c:f>
+              <c:strCache>
+                <c:ptCount val="1"/>
+                <c:pt idx="0">
+                  <c:v>control</c:v>
+                </c:pt>
+              </c:strCache>
+            </c:strRef>
+          </c:tx>
+          <c:spPr>
+            <a:solidFill>
+              <a:schemeClr val="accent3"/>
+            </a:solidFill>
+            <a:ln>
+              <a:noFill/>
+            </a:ln>
+            <a:effectLst/>
+          </c:spPr>
+          <c:invertIfNegative val="0"/>
+          <c:cat>
+            <c:multiLvlStrRef>
+              <c:f>baseline_group5!$B$1:$E$2</c:f>
+              <c:multiLvlStrCache>
+                <c:ptCount val="4"/>
+                <c:lvl>
+                  <c:pt idx="0">
+                    <c:v>reject</c:v>
+                  </c:pt>
+                  <c:pt idx="1">
+                    <c:v>accept</c:v>
+                  </c:pt>
+                  <c:pt idx="2">
+                    <c:v>reject</c:v>
+                  </c:pt>
+                  <c:pt idx="3">
+                    <c:v>accept</c:v>
+                  </c:pt>
+                </c:lvl>
+                <c:lvl>
+                  <c:pt idx="0">
+                    <c:v>fair</c:v>
+                  </c:pt>
+                  <c:pt idx="2">
+                    <c:v>unfair</c:v>
+                  </c:pt>
+                </c:lvl>
+              </c:multiLvlStrCache>
+            </c:multiLvlStrRef>
+          </c:cat>
+          <c:val>
+            <c:numRef>
+              <c:f>baseline_group5!$B$5:$E$5</c:f>
+              <c:numCache>
+                <c:formatCode>General</c:formatCode>
+                <c:ptCount val="4"/>
+                <c:pt idx="0">
+                  <c:v>0.1145833333333333</c:v>
+                </c:pt>
+                <c:pt idx="1">
+                  <c:v>0.88541666666666663</c:v>
+                </c:pt>
+                <c:pt idx="2">
+                  <c:v>0.39781746031746029</c:v>
+                </c:pt>
+                <c:pt idx="3">
+                  <c:v>0.60218253968253965</c:v>
+                </c:pt>
+              </c:numCache>
+            </c:numRef>
+          </c:val>
+          <c:extLst>
+            <c:ext xmlns:c16="http://schemas.microsoft.com/office/drawing/2014/chart" uri="{C3380CC4-5D6E-409C-BE32-E72D297353CC}">
+              <c16:uniqueId val="{00000002-88E7-4674-AD93-7AF82EF98F73}"/>
+            </c:ext>
+          </c:extLst>
+        </c:ser>
+        <c:ser>
+          <c:idx val="3"/>
+          <c:order val="3"/>
+          <c:tx>
+            <c:strRef>
+              <c:f>baseline_group5!$A$6</c:f>
+              <c:strCache>
+                <c:ptCount val="1"/>
+                <c:pt idx="0">
+                  <c:v>depression</c:v>
+                </c:pt>
+              </c:strCache>
+            </c:strRef>
+          </c:tx>
+          <c:spPr>
+            <a:solidFill>
+              <a:schemeClr val="accent4"/>
+            </a:solidFill>
+            <a:ln>
+              <a:noFill/>
+            </a:ln>
+            <a:effectLst/>
+          </c:spPr>
+          <c:invertIfNegative val="0"/>
+          <c:cat>
+            <c:multiLvlStrRef>
+              <c:f>baseline_group5!$B$1:$E$2</c:f>
+              <c:multiLvlStrCache>
+                <c:ptCount val="4"/>
+                <c:lvl>
+                  <c:pt idx="0">
+                    <c:v>reject</c:v>
+                  </c:pt>
+                  <c:pt idx="1">
+                    <c:v>accept</c:v>
+                  </c:pt>
+                  <c:pt idx="2">
+                    <c:v>reject</c:v>
+                  </c:pt>
+                  <c:pt idx="3">
+                    <c:v>accept</c:v>
+                  </c:pt>
+                </c:lvl>
+                <c:lvl>
+                  <c:pt idx="0">
+                    <c:v>fair</c:v>
+                  </c:pt>
+                  <c:pt idx="2">
+                    <c:v>unfair</c:v>
+                  </c:pt>
+                </c:lvl>
+              </c:multiLvlStrCache>
+            </c:multiLvlStrRef>
+          </c:cat>
+          <c:val>
+            <c:numRef>
+              <c:f>baseline_group5!$B$6:$E$6</c:f>
+              <c:numCache>
+                <c:formatCode>General</c:formatCode>
+                <c:ptCount val="4"/>
+                <c:pt idx="0">
+                  <c:v>9.7826086956521743E-2</c:v>
+                </c:pt>
+                <c:pt idx="1">
+                  <c:v>0.90217391304347827</c:v>
+                </c:pt>
+                <c:pt idx="2">
+                  <c:v>0.3105590062111801</c:v>
+                </c:pt>
+                <c:pt idx="3">
+                  <c:v>0.68944099378881984</c:v>
+                </c:pt>
+              </c:numCache>
+            </c:numRef>
+          </c:val>
+          <c:extLst>
+            <c:ext xmlns:c16="http://schemas.microsoft.com/office/drawing/2014/chart" uri="{C3380CC4-5D6E-409C-BE32-E72D297353CC}">
+              <c16:uniqueId val="{00000003-88E7-4674-AD93-7AF82EF98F73}"/>
+            </c:ext>
+          </c:extLst>
+        </c:ser>
+        <c:ser>
+          <c:idx val="4"/>
+          <c:order val="4"/>
+          <c:tx>
+            <c:strRef>
+              <c:f>baseline_group5!$A$7</c:f>
+              <c:strCache>
+                <c:ptCount val="1"/>
+                <c:pt idx="0">
+                  <c:v>ideator</c:v>
+                </c:pt>
+              </c:strCache>
+            </c:strRef>
+          </c:tx>
+          <c:spPr>
+            <a:solidFill>
+              <a:schemeClr val="accent5"/>
+            </a:solidFill>
+            <a:ln>
+              <a:noFill/>
+            </a:ln>
+            <a:effectLst/>
+          </c:spPr>
+          <c:invertIfNegative val="0"/>
+          <c:cat>
+            <c:multiLvlStrRef>
+              <c:f>baseline_group5!$B$1:$E$2</c:f>
+              <c:multiLvlStrCache>
+                <c:ptCount val="4"/>
+                <c:lvl>
+                  <c:pt idx="0">
+                    <c:v>reject</c:v>
+                  </c:pt>
+                  <c:pt idx="1">
+                    <c:v>accept</c:v>
+                  </c:pt>
+                  <c:pt idx="2">
+                    <c:v>reject</c:v>
+                  </c:pt>
+                  <c:pt idx="3">
+                    <c:v>accept</c:v>
+                  </c:pt>
+                </c:lvl>
+                <c:lvl>
+                  <c:pt idx="0">
+                    <c:v>fair</c:v>
+                  </c:pt>
+                  <c:pt idx="2">
+                    <c:v>unfair</c:v>
+                  </c:pt>
+                </c:lvl>
+              </c:multiLvlStrCache>
+            </c:multiLvlStrRef>
+          </c:cat>
+          <c:val>
+            <c:numRef>
+              <c:f>baseline_group5!$B$7:$E$7</c:f>
+              <c:numCache>
+                <c:formatCode>General</c:formatCode>
+                <c:ptCount val="4"/>
+                <c:pt idx="0">
+                  <c:v>8.3116883116883117E-2</c:v>
+                </c:pt>
+                <c:pt idx="1">
+                  <c:v>0.91688311688311686</c:v>
+                </c:pt>
+                <c:pt idx="2">
+                  <c:v>0.36858379715522571</c:v>
+                </c:pt>
+                <c:pt idx="3">
+                  <c:v>0.63141620284477429</c:v>
+                </c:pt>
+              </c:numCache>
+            </c:numRef>
+          </c:val>
+          <c:extLst>
+            <c:ext xmlns:c16="http://schemas.microsoft.com/office/drawing/2014/chart" uri="{C3380CC4-5D6E-409C-BE32-E72D297353CC}">
+              <c16:uniqueId val="{00000004-88E7-4674-AD93-7AF82EF98F73}"/>
+            </c:ext>
+          </c:extLst>
         </c:ser>
         <c:dLbls>
           <c:showLegendKey val="0"/>
@@ -3657,11 +3844,11 @@
         </c:dLbls>
         <c:gapWidth val="219"/>
         <c:overlap val="-27"/>
-        <c:axId val="-1443140880"/>
-        <c:axId val="-1443177216"/>
+        <c:axId val="618849264"/>
+        <c:axId val="618847952"/>
       </c:barChart>
       <c:catAx>
-        <c:axId val="-1443140880"/>
+        <c:axId val="618849264"/>
         <c:scaling>
           <c:orientation val="minMax"/>
         </c:scaling>
@@ -3704,7 +3891,7 @@
             <a:endParaRPr lang="en-US"/>
           </a:p>
         </c:txPr>
-        <c:crossAx val="-1443177216"/>
+        <c:crossAx val="618847952"/>
         <c:crosses val="autoZero"/>
         <c:auto val="1"/>
         <c:lblAlgn val="ctr"/>
@@ -3712,7 +3899,7 @@
         <c:noMultiLvlLbl val="0"/>
       </c:catAx>
       <c:valAx>
-        <c:axId val="-1443177216"/>
+        <c:axId val="618847952"/>
         <c:scaling>
           <c:orientation val="minMax"/>
         </c:scaling>
@@ -3732,6 +3919,7 @@
             <a:effectLst/>
           </c:spPr>
         </c:majorGridlines>
+        <c:numFmt formatCode="General" sourceLinked="1"/>
         <c:majorTickMark val="none"/>
         <c:minorTickMark val="none"/>
         <c:tickLblPos val="nextTo"/>
@@ -3762,7 +3950,7 @@
             <a:endParaRPr lang="en-US"/>
           </a:p>
         </c:txPr>
-        <c:crossAx val="-1443140880"/>
+        <c:crossAx val="618849264"/>
         <c:crosses val="autoZero"/>
         <c:crossBetween val="between"/>
       </c:valAx>
@@ -3776,7 +3964,6 @@
     </c:plotArea>
     <c:legend>
       <c:legendPos val="b"/>
-      <c:layout/>
       <c:overlay val="0"/>
       <c:spPr>
         <a:noFill/>
@@ -6087,7 +6274,7 @@
           <a:p>
             <a:fld id="{DDB2C63F-F1EF-D148-8DAC-B2E032798CF4}" type="datetimeFigureOut">
               <a:rPr lang="en-US" smtClean="0"/>
-              <a:t>10/17/17</a:t>
+              <a:t>10/18/2017</a:t>
             </a:fld>
             <a:endParaRPr lang="en-US"/>
           </a:p>
@@ -6151,38 +6338,37 @@
           <a:p>
             <a:pPr lvl="0"/>
             <a:r>
-              <a:rPr lang="en-US" smtClean="0"/>
+              <a:rPr lang="en-US"/>
               <a:t>Click to edit Master text styles</a:t>
             </a:r>
           </a:p>
           <a:p>
             <a:pPr lvl="1"/>
             <a:r>
-              <a:rPr lang="en-US" smtClean="0"/>
+              <a:rPr lang="en-US"/>
               <a:t>Second level</a:t>
             </a:r>
           </a:p>
           <a:p>
             <a:pPr lvl="2"/>
             <a:r>
-              <a:rPr lang="en-US" smtClean="0"/>
+              <a:rPr lang="en-US"/>
               <a:t>Third level</a:t>
             </a:r>
           </a:p>
           <a:p>
             <a:pPr lvl="3"/>
             <a:r>
-              <a:rPr lang="en-US" smtClean="0"/>
+              <a:rPr lang="en-US"/>
               <a:t>Fourth level</a:t>
             </a:r>
           </a:p>
           <a:p>
             <a:pPr lvl="4"/>
             <a:r>
-              <a:rPr lang="en-US" smtClean="0"/>
+              <a:rPr lang="en-US"/>
               <a:t>Fifth level</a:t>
             </a:r>
-            <a:endParaRPr lang="en-US"/>
           </a:p>
         </p:txBody>
       </p:sp>
@@ -6404,7 +6590,7 @@
               <a:buChar char="•"/>
             </a:pPr>
             <a:r>
-              <a:rPr lang="en-CA" dirty="0" smtClean="0"/>
+              <a:rPr lang="en-CA" dirty="0"/>
               <a:t>Is accepting fair/unfair offers significantly larger/smaller than unfair offers within a group? </a:t>
             </a:r>
           </a:p>
@@ -6414,7 +6600,7 @@
               <a:buChar char="•"/>
             </a:pPr>
             <a:r>
-              <a:rPr lang="en-CA" dirty="0" smtClean="0"/>
+              <a:rPr lang="en-CA" dirty="0"/>
               <a:t>Yes. Binomial test(accept, reject)</a:t>
             </a:r>
           </a:p>
@@ -6423,7 +6609,7 @@
               <a:buFont typeface="Arial" panose="020B0604020202020204" pitchFamily="34" charset="0"/>
               <a:buChar char="•"/>
             </a:pPr>
-            <a:endParaRPr lang="en-CA" dirty="0" smtClean="0"/>
+            <a:endParaRPr lang="en-CA" dirty="0"/>
           </a:p>
           <a:p>
             <a:pPr marL="285750" indent="-285750">
@@ -6431,7 +6617,7 @@
               <a:buChar char="•"/>
             </a:pPr>
             <a:r>
-              <a:rPr lang="en-CA" dirty="0" smtClean="0"/>
+              <a:rPr lang="en-CA" dirty="0"/>
               <a:t>Is accepting fair/unfair offers significantly different across groups?</a:t>
             </a:r>
           </a:p>
@@ -6441,7 +6627,7 @@
               <a:buChar char="•"/>
             </a:pPr>
             <a:r>
-              <a:rPr lang="en-CA" dirty="0" smtClean="0"/>
+              <a:rPr lang="en-CA" dirty="0"/>
               <a:t>Yes, chi-square goodness of fit.</a:t>
             </a:r>
           </a:p>
@@ -6508,7 +6694,7 @@
           <p:cNvPr id="2" name="Title 1">
             <a:extLst>
               <a:ext uri="{FF2B5EF4-FFF2-40B4-BE49-F238E27FC236}">
-                <a16:creationId xmlns:a16="http://schemas.microsoft.com/office/drawing/2014/main" xmlns="" id="{A770637A-7F70-4788-A8DB-6F8A001AE731}"/>
+                <a16:creationId xmlns:a16="http://schemas.microsoft.com/office/drawing/2014/main" id="{A770637A-7F70-4788-A8DB-6F8A001AE731}"/>
               </a:ext>
             </a:extLst>
           </p:cNvPr>
@@ -6546,7 +6732,7 @@
           <p:cNvPr id="3" name="Subtitle 2">
             <a:extLst>
               <a:ext uri="{FF2B5EF4-FFF2-40B4-BE49-F238E27FC236}">
-                <a16:creationId xmlns:a16="http://schemas.microsoft.com/office/drawing/2014/main" xmlns="" id="{F9D5404F-EB55-4B5E-B9CE-AC2A0B6C47CB}"/>
+                <a16:creationId xmlns:a16="http://schemas.microsoft.com/office/drawing/2014/main" id="{F9D5404F-EB55-4B5E-B9CE-AC2A0B6C47CB}"/>
               </a:ext>
             </a:extLst>
           </p:cNvPr>
@@ -6617,7 +6803,7 @@
           <p:cNvPr id="4" name="Date Placeholder 3">
             <a:extLst>
               <a:ext uri="{FF2B5EF4-FFF2-40B4-BE49-F238E27FC236}">
-                <a16:creationId xmlns:a16="http://schemas.microsoft.com/office/drawing/2014/main" xmlns="" id="{7808CDBC-CAE1-487B-A4E5-3CB70D4EAEEB}"/>
+                <a16:creationId xmlns:a16="http://schemas.microsoft.com/office/drawing/2014/main" id="{7808CDBC-CAE1-487B-A4E5-3CB70D4EAEEB}"/>
               </a:ext>
             </a:extLst>
           </p:cNvPr>
@@ -6635,7 +6821,7 @@
           <a:p>
             <a:fld id="{96B0AB5A-E802-48CF-A5B9-FE8704AC6519}" type="datetimeFigureOut">
               <a:rPr lang="en-CA" smtClean="0"/>
-              <a:t>2017-10-17</a:t>
+              <a:t>18/10/2017</a:t>
             </a:fld>
             <a:endParaRPr lang="en-CA"/>
           </a:p>
@@ -6646,7 +6832,7 @@
           <p:cNvPr id="5" name="Footer Placeholder 4">
             <a:extLst>
               <a:ext uri="{FF2B5EF4-FFF2-40B4-BE49-F238E27FC236}">
-                <a16:creationId xmlns:a16="http://schemas.microsoft.com/office/drawing/2014/main" xmlns="" id="{50D5A8BB-D166-4343-997B-EF673CB40FAD}"/>
+                <a16:creationId xmlns:a16="http://schemas.microsoft.com/office/drawing/2014/main" id="{50D5A8BB-D166-4343-997B-EF673CB40FAD}"/>
               </a:ext>
             </a:extLst>
           </p:cNvPr>
@@ -6671,7 +6857,7 @@
           <p:cNvPr id="6" name="Slide Number Placeholder 5">
             <a:extLst>
               <a:ext uri="{FF2B5EF4-FFF2-40B4-BE49-F238E27FC236}">
-                <a16:creationId xmlns:a16="http://schemas.microsoft.com/office/drawing/2014/main" xmlns="" id="{6BC260DA-D757-4992-B138-BBE00B22D846}"/>
+                <a16:creationId xmlns:a16="http://schemas.microsoft.com/office/drawing/2014/main" id="{6BC260DA-D757-4992-B138-BBE00B22D846}"/>
               </a:ext>
             </a:extLst>
           </p:cNvPr>
@@ -6730,7 +6916,7 @@
           <p:cNvPr id="2" name="Title 1">
             <a:extLst>
               <a:ext uri="{FF2B5EF4-FFF2-40B4-BE49-F238E27FC236}">
-                <a16:creationId xmlns:a16="http://schemas.microsoft.com/office/drawing/2014/main" xmlns="" id="{68951A57-6E16-4A71-98CB-2307E282C3C2}"/>
+                <a16:creationId xmlns:a16="http://schemas.microsoft.com/office/drawing/2014/main" id="{68951A57-6E16-4A71-98CB-2307E282C3C2}"/>
               </a:ext>
             </a:extLst>
           </p:cNvPr>
@@ -6759,7 +6945,7 @@
           <p:cNvPr id="3" name="Vertical Text Placeholder 2">
             <a:extLst>
               <a:ext uri="{FF2B5EF4-FFF2-40B4-BE49-F238E27FC236}">
-                <a16:creationId xmlns:a16="http://schemas.microsoft.com/office/drawing/2014/main" xmlns="" id="{7F111875-20D3-450B-8A7D-100D7AD10DA2}"/>
+                <a16:creationId xmlns:a16="http://schemas.microsoft.com/office/drawing/2014/main" id="{7F111875-20D3-450B-8A7D-100D7AD10DA2}"/>
               </a:ext>
             </a:extLst>
           </p:cNvPr>
@@ -6817,7 +7003,7 @@
           <p:cNvPr id="4" name="Date Placeholder 3">
             <a:extLst>
               <a:ext uri="{FF2B5EF4-FFF2-40B4-BE49-F238E27FC236}">
-                <a16:creationId xmlns:a16="http://schemas.microsoft.com/office/drawing/2014/main" xmlns="" id="{98F3875F-0C83-48C3-8881-97B38467BFC0}"/>
+                <a16:creationId xmlns:a16="http://schemas.microsoft.com/office/drawing/2014/main" id="{98F3875F-0C83-48C3-8881-97B38467BFC0}"/>
               </a:ext>
             </a:extLst>
           </p:cNvPr>
@@ -6835,7 +7021,7 @@
           <a:p>
             <a:fld id="{96B0AB5A-E802-48CF-A5B9-FE8704AC6519}" type="datetimeFigureOut">
               <a:rPr lang="en-CA" smtClean="0"/>
-              <a:t>2017-10-17</a:t>
+              <a:t>18/10/2017</a:t>
             </a:fld>
             <a:endParaRPr lang="en-CA"/>
           </a:p>
@@ -6846,7 +7032,7 @@
           <p:cNvPr id="5" name="Footer Placeholder 4">
             <a:extLst>
               <a:ext uri="{FF2B5EF4-FFF2-40B4-BE49-F238E27FC236}">
-                <a16:creationId xmlns:a16="http://schemas.microsoft.com/office/drawing/2014/main" xmlns="" id="{F2640ABB-0B39-4E48-B67F-13EB2E5E88B0}"/>
+                <a16:creationId xmlns:a16="http://schemas.microsoft.com/office/drawing/2014/main" id="{F2640ABB-0B39-4E48-B67F-13EB2E5E88B0}"/>
               </a:ext>
             </a:extLst>
           </p:cNvPr>
@@ -6871,7 +7057,7 @@
           <p:cNvPr id="6" name="Slide Number Placeholder 5">
             <a:extLst>
               <a:ext uri="{FF2B5EF4-FFF2-40B4-BE49-F238E27FC236}">
-                <a16:creationId xmlns:a16="http://schemas.microsoft.com/office/drawing/2014/main" xmlns="" id="{D54C0341-9536-4979-9F6E-429B5834248C}"/>
+                <a16:creationId xmlns:a16="http://schemas.microsoft.com/office/drawing/2014/main" id="{D54C0341-9536-4979-9F6E-429B5834248C}"/>
               </a:ext>
             </a:extLst>
           </p:cNvPr>
@@ -6930,7 +7116,7 @@
           <p:cNvPr id="2" name="Vertical Title 1">
             <a:extLst>
               <a:ext uri="{FF2B5EF4-FFF2-40B4-BE49-F238E27FC236}">
-                <a16:creationId xmlns:a16="http://schemas.microsoft.com/office/drawing/2014/main" xmlns="" id="{20D0E6FE-C5AB-4578-BB2A-E718F0F3D4BA}"/>
+                <a16:creationId xmlns:a16="http://schemas.microsoft.com/office/drawing/2014/main" id="{20D0E6FE-C5AB-4578-BB2A-E718F0F3D4BA}"/>
               </a:ext>
             </a:extLst>
           </p:cNvPr>
@@ -6964,7 +7150,7 @@
           <p:cNvPr id="3" name="Vertical Text Placeholder 2">
             <a:extLst>
               <a:ext uri="{FF2B5EF4-FFF2-40B4-BE49-F238E27FC236}">
-                <a16:creationId xmlns:a16="http://schemas.microsoft.com/office/drawing/2014/main" xmlns="" id="{4D9442B6-6798-4E3F-BC43-D487421D33ED}"/>
+                <a16:creationId xmlns:a16="http://schemas.microsoft.com/office/drawing/2014/main" id="{4D9442B6-6798-4E3F-BC43-D487421D33ED}"/>
               </a:ext>
             </a:extLst>
           </p:cNvPr>
@@ -7027,7 +7213,7 @@
           <p:cNvPr id="4" name="Date Placeholder 3">
             <a:extLst>
               <a:ext uri="{FF2B5EF4-FFF2-40B4-BE49-F238E27FC236}">
-                <a16:creationId xmlns:a16="http://schemas.microsoft.com/office/drawing/2014/main" xmlns="" id="{D8E8FDF4-0673-47D2-AEF1-4ECE10E40BDA}"/>
+                <a16:creationId xmlns:a16="http://schemas.microsoft.com/office/drawing/2014/main" id="{D8E8FDF4-0673-47D2-AEF1-4ECE10E40BDA}"/>
               </a:ext>
             </a:extLst>
           </p:cNvPr>
@@ -7045,7 +7231,7 @@
           <a:p>
             <a:fld id="{96B0AB5A-E802-48CF-A5B9-FE8704AC6519}" type="datetimeFigureOut">
               <a:rPr lang="en-CA" smtClean="0"/>
-              <a:t>2017-10-17</a:t>
+              <a:t>18/10/2017</a:t>
             </a:fld>
             <a:endParaRPr lang="en-CA"/>
           </a:p>
@@ -7056,7 +7242,7 @@
           <p:cNvPr id="5" name="Footer Placeholder 4">
             <a:extLst>
               <a:ext uri="{FF2B5EF4-FFF2-40B4-BE49-F238E27FC236}">
-                <a16:creationId xmlns:a16="http://schemas.microsoft.com/office/drawing/2014/main" xmlns="" id="{E953779D-E55D-4C51-B09C-5B7930947D6C}"/>
+                <a16:creationId xmlns:a16="http://schemas.microsoft.com/office/drawing/2014/main" id="{E953779D-E55D-4C51-B09C-5B7930947D6C}"/>
               </a:ext>
             </a:extLst>
           </p:cNvPr>
@@ -7081,7 +7267,7 @@
           <p:cNvPr id="6" name="Slide Number Placeholder 5">
             <a:extLst>
               <a:ext uri="{FF2B5EF4-FFF2-40B4-BE49-F238E27FC236}">
-                <a16:creationId xmlns:a16="http://schemas.microsoft.com/office/drawing/2014/main" xmlns="" id="{28E9A841-3B09-42DC-8684-FE1A19B9552A}"/>
+                <a16:creationId xmlns:a16="http://schemas.microsoft.com/office/drawing/2014/main" id="{28E9A841-3B09-42DC-8684-FE1A19B9552A}"/>
               </a:ext>
             </a:extLst>
           </p:cNvPr>
@@ -7140,7 +7326,7 @@
           <p:cNvPr id="2" name="Title 1">
             <a:extLst>
               <a:ext uri="{FF2B5EF4-FFF2-40B4-BE49-F238E27FC236}">
-                <a16:creationId xmlns:a16="http://schemas.microsoft.com/office/drawing/2014/main" xmlns="" id="{1C2B00DB-F0DF-4138-ABCE-C402834F38C7}"/>
+                <a16:creationId xmlns:a16="http://schemas.microsoft.com/office/drawing/2014/main" id="{1C2B00DB-F0DF-4138-ABCE-C402834F38C7}"/>
               </a:ext>
             </a:extLst>
           </p:cNvPr>
@@ -7169,7 +7355,7 @@
           <p:cNvPr id="3" name="Content Placeholder 2">
             <a:extLst>
               <a:ext uri="{FF2B5EF4-FFF2-40B4-BE49-F238E27FC236}">
-                <a16:creationId xmlns:a16="http://schemas.microsoft.com/office/drawing/2014/main" xmlns="" id="{C393E18F-528D-46DF-8DCA-5674757975BF}"/>
+                <a16:creationId xmlns:a16="http://schemas.microsoft.com/office/drawing/2014/main" id="{C393E18F-528D-46DF-8DCA-5674757975BF}"/>
               </a:ext>
             </a:extLst>
           </p:cNvPr>
@@ -7227,7 +7413,7 @@
           <p:cNvPr id="4" name="Date Placeholder 3">
             <a:extLst>
               <a:ext uri="{FF2B5EF4-FFF2-40B4-BE49-F238E27FC236}">
-                <a16:creationId xmlns:a16="http://schemas.microsoft.com/office/drawing/2014/main" xmlns="" id="{AE5FACCA-E424-4C6C-B376-B62146CE191B}"/>
+                <a16:creationId xmlns:a16="http://schemas.microsoft.com/office/drawing/2014/main" id="{AE5FACCA-E424-4C6C-B376-B62146CE191B}"/>
               </a:ext>
             </a:extLst>
           </p:cNvPr>
@@ -7245,7 +7431,7 @@
           <a:p>
             <a:fld id="{96B0AB5A-E802-48CF-A5B9-FE8704AC6519}" type="datetimeFigureOut">
               <a:rPr lang="en-CA" smtClean="0"/>
-              <a:t>2017-10-17</a:t>
+              <a:t>18/10/2017</a:t>
             </a:fld>
             <a:endParaRPr lang="en-CA"/>
           </a:p>
@@ -7256,7 +7442,7 @@
           <p:cNvPr id="5" name="Footer Placeholder 4">
             <a:extLst>
               <a:ext uri="{FF2B5EF4-FFF2-40B4-BE49-F238E27FC236}">
-                <a16:creationId xmlns:a16="http://schemas.microsoft.com/office/drawing/2014/main" xmlns="" id="{E88A8849-1252-418B-86C9-3FB1D770E4C1}"/>
+                <a16:creationId xmlns:a16="http://schemas.microsoft.com/office/drawing/2014/main" id="{E88A8849-1252-418B-86C9-3FB1D770E4C1}"/>
               </a:ext>
             </a:extLst>
           </p:cNvPr>
@@ -7281,7 +7467,7 @@
           <p:cNvPr id="6" name="Slide Number Placeholder 5">
             <a:extLst>
               <a:ext uri="{FF2B5EF4-FFF2-40B4-BE49-F238E27FC236}">
-                <a16:creationId xmlns:a16="http://schemas.microsoft.com/office/drawing/2014/main" xmlns="" id="{2213DBDE-BBC2-4EE9-AA49-CBE1CA9AF8E1}"/>
+                <a16:creationId xmlns:a16="http://schemas.microsoft.com/office/drawing/2014/main" id="{2213DBDE-BBC2-4EE9-AA49-CBE1CA9AF8E1}"/>
               </a:ext>
             </a:extLst>
           </p:cNvPr>
@@ -7340,7 +7526,7 @@
           <p:cNvPr id="2" name="Title 1">
             <a:extLst>
               <a:ext uri="{FF2B5EF4-FFF2-40B4-BE49-F238E27FC236}">
-                <a16:creationId xmlns:a16="http://schemas.microsoft.com/office/drawing/2014/main" xmlns="" id="{32D6B6B8-2C76-441A-90C7-2648223BB744}"/>
+                <a16:creationId xmlns:a16="http://schemas.microsoft.com/office/drawing/2014/main" id="{32D6B6B8-2C76-441A-90C7-2648223BB744}"/>
               </a:ext>
             </a:extLst>
           </p:cNvPr>
@@ -7378,7 +7564,7 @@
           <p:cNvPr id="3" name="Text Placeholder 2">
             <a:extLst>
               <a:ext uri="{FF2B5EF4-FFF2-40B4-BE49-F238E27FC236}">
-                <a16:creationId xmlns:a16="http://schemas.microsoft.com/office/drawing/2014/main" xmlns="" id="{B4FD13C0-2671-4F5B-BC76-3285DF8F0D0A}"/>
+                <a16:creationId xmlns:a16="http://schemas.microsoft.com/office/drawing/2014/main" id="{B4FD13C0-2671-4F5B-BC76-3285DF8F0D0A}"/>
               </a:ext>
             </a:extLst>
           </p:cNvPr>
@@ -7503,7 +7689,7 @@
           <p:cNvPr id="4" name="Date Placeholder 3">
             <a:extLst>
               <a:ext uri="{FF2B5EF4-FFF2-40B4-BE49-F238E27FC236}">
-                <a16:creationId xmlns:a16="http://schemas.microsoft.com/office/drawing/2014/main" xmlns="" id="{15FAF587-BBF7-4795-A539-160E1CBB4D0C}"/>
+                <a16:creationId xmlns:a16="http://schemas.microsoft.com/office/drawing/2014/main" id="{15FAF587-BBF7-4795-A539-160E1CBB4D0C}"/>
               </a:ext>
             </a:extLst>
           </p:cNvPr>
@@ -7521,7 +7707,7 @@
           <a:p>
             <a:fld id="{96B0AB5A-E802-48CF-A5B9-FE8704AC6519}" type="datetimeFigureOut">
               <a:rPr lang="en-CA" smtClean="0"/>
-              <a:t>2017-10-17</a:t>
+              <a:t>18/10/2017</a:t>
             </a:fld>
             <a:endParaRPr lang="en-CA"/>
           </a:p>
@@ -7532,7 +7718,7 @@
           <p:cNvPr id="5" name="Footer Placeholder 4">
             <a:extLst>
               <a:ext uri="{FF2B5EF4-FFF2-40B4-BE49-F238E27FC236}">
-                <a16:creationId xmlns:a16="http://schemas.microsoft.com/office/drawing/2014/main" xmlns="" id="{A43711F6-2BA4-43F7-ADE4-F55606E83807}"/>
+                <a16:creationId xmlns:a16="http://schemas.microsoft.com/office/drawing/2014/main" id="{A43711F6-2BA4-43F7-ADE4-F55606E83807}"/>
               </a:ext>
             </a:extLst>
           </p:cNvPr>
@@ -7557,7 +7743,7 @@
           <p:cNvPr id="6" name="Slide Number Placeholder 5">
             <a:extLst>
               <a:ext uri="{FF2B5EF4-FFF2-40B4-BE49-F238E27FC236}">
-                <a16:creationId xmlns:a16="http://schemas.microsoft.com/office/drawing/2014/main" xmlns="" id="{A0814A98-C0EE-4830-9E95-AB51A3D46328}"/>
+                <a16:creationId xmlns:a16="http://schemas.microsoft.com/office/drawing/2014/main" id="{A0814A98-C0EE-4830-9E95-AB51A3D46328}"/>
               </a:ext>
             </a:extLst>
           </p:cNvPr>
@@ -7616,7 +7802,7 @@
           <p:cNvPr id="2" name="Title 1">
             <a:extLst>
               <a:ext uri="{FF2B5EF4-FFF2-40B4-BE49-F238E27FC236}">
-                <a16:creationId xmlns:a16="http://schemas.microsoft.com/office/drawing/2014/main" xmlns="" id="{0F190E3E-504C-44BD-9375-90382E6A4B2D}"/>
+                <a16:creationId xmlns:a16="http://schemas.microsoft.com/office/drawing/2014/main" id="{0F190E3E-504C-44BD-9375-90382E6A4B2D}"/>
               </a:ext>
             </a:extLst>
           </p:cNvPr>
@@ -7645,7 +7831,7 @@
           <p:cNvPr id="3" name="Content Placeholder 2">
             <a:extLst>
               <a:ext uri="{FF2B5EF4-FFF2-40B4-BE49-F238E27FC236}">
-                <a16:creationId xmlns:a16="http://schemas.microsoft.com/office/drawing/2014/main" xmlns="" id="{F6CAE47C-1CB8-4A76-9E77-960D3E128C25}"/>
+                <a16:creationId xmlns:a16="http://schemas.microsoft.com/office/drawing/2014/main" id="{F6CAE47C-1CB8-4A76-9E77-960D3E128C25}"/>
               </a:ext>
             </a:extLst>
           </p:cNvPr>
@@ -7708,7 +7894,7 @@
           <p:cNvPr id="4" name="Content Placeholder 3">
             <a:extLst>
               <a:ext uri="{FF2B5EF4-FFF2-40B4-BE49-F238E27FC236}">
-                <a16:creationId xmlns:a16="http://schemas.microsoft.com/office/drawing/2014/main" xmlns="" id="{7020F4A4-A6BF-47E5-92FC-8201B6593F83}"/>
+                <a16:creationId xmlns:a16="http://schemas.microsoft.com/office/drawing/2014/main" id="{7020F4A4-A6BF-47E5-92FC-8201B6593F83}"/>
               </a:ext>
             </a:extLst>
           </p:cNvPr>
@@ -7771,7 +7957,7 @@
           <p:cNvPr id="5" name="Date Placeholder 4">
             <a:extLst>
               <a:ext uri="{FF2B5EF4-FFF2-40B4-BE49-F238E27FC236}">
-                <a16:creationId xmlns:a16="http://schemas.microsoft.com/office/drawing/2014/main" xmlns="" id="{1AA361B5-9AA3-4229-8D44-CEB57C12ED73}"/>
+                <a16:creationId xmlns:a16="http://schemas.microsoft.com/office/drawing/2014/main" id="{1AA361B5-9AA3-4229-8D44-CEB57C12ED73}"/>
               </a:ext>
             </a:extLst>
           </p:cNvPr>
@@ -7789,7 +7975,7 @@
           <a:p>
             <a:fld id="{96B0AB5A-E802-48CF-A5B9-FE8704AC6519}" type="datetimeFigureOut">
               <a:rPr lang="en-CA" smtClean="0"/>
-              <a:t>2017-10-17</a:t>
+              <a:t>18/10/2017</a:t>
             </a:fld>
             <a:endParaRPr lang="en-CA"/>
           </a:p>
@@ -7800,7 +7986,7 @@
           <p:cNvPr id="6" name="Footer Placeholder 5">
             <a:extLst>
               <a:ext uri="{FF2B5EF4-FFF2-40B4-BE49-F238E27FC236}">
-                <a16:creationId xmlns:a16="http://schemas.microsoft.com/office/drawing/2014/main" xmlns="" id="{8AAA7D8C-2AFC-4C12-92A2-9D98EF3FC76A}"/>
+                <a16:creationId xmlns:a16="http://schemas.microsoft.com/office/drawing/2014/main" id="{8AAA7D8C-2AFC-4C12-92A2-9D98EF3FC76A}"/>
               </a:ext>
             </a:extLst>
           </p:cNvPr>
@@ -7825,7 +8011,7 @@
           <p:cNvPr id="7" name="Slide Number Placeholder 6">
             <a:extLst>
               <a:ext uri="{FF2B5EF4-FFF2-40B4-BE49-F238E27FC236}">
-                <a16:creationId xmlns:a16="http://schemas.microsoft.com/office/drawing/2014/main" xmlns="" id="{33FD714B-B89C-43C1-A417-A6A05C50FDD6}"/>
+                <a16:creationId xmlns:a16="http://schemas.microsoft.com/office/drawing/2014/main" id="{33FD714B-B89C-43C1-A417-A6A05C50FDD6}"/>
               </a:ext>
             </a:extLst>
           </p:cNvPr>
@@ -7884,7 +8070,7 @@
           <p:cNvPr id="2" name="Title 1">
             <a:extLst>
               <a:ext uri="{FF2B5EF4-FFF2-40B4-BE49-F238E27FC236}">
-                <a16:creationId xmlns:a16="http://schemas.microsoft.com/office/drawing/2014/main" xmlns="" id="{B0D13C32-3583-406D-BB55-24C24E430751}"/>
+                <a16:creationId xmlns:a16="http://schemas.microsoft.com/office/drawing/2014/main" id="{B0D13C32-3583-406D-BB55-24C24E430751}"/>
               </a:ext>
             </a:extLst>
           </p:cNvPr>
@@ -7918,7 +8104,7 @@
           <p:cNvPr id="3" name="Text Placeholder 2">
             <a:extLst>
               <a:ext uri="{FF2B5EF4-FFF2-40B4-BE49-F238E27FC236}">
-                <a16:creationId xmlns:a16="http://schemas.microsoft.com/office/drawing/2014/main" xmlns="" id="{B918888A-2B6D-46A5-AE6E-A1FF449737AB}"/>
+                <a16:creationId xmlns:a16="http://schemas.microsoft.com/office/drawing/2014/main" id="{B918888A-2B6D-46A5-AE6E-A1FF449737AB}"/>
               </a:ext>
             </a:extLst>
           </p:cNvPr>
@@ -7989,7 +8175,7 @@
           <p:cNvPr id="4" name="Content Placeholder 3">
             <a:extLst>
               <a:ext uri="{FF2B5EF4-FFF2-40B4-BE49-F238E27FC236}">
-                <a16:creationId xmlns:a16="http://schemas.microsoft.com/office/drawing/2014/main" xmlns="" id="{8376B253-61D6-4CF9-B63B-20481633C4B7}"/>
+                <a16:creationId xmlns:a16="http://schemas.microsoft.com/office/drawing/2014/main" id="{8376B253-61D6-4CF9-B63B-20481633C4B7}"/>
               </a:ext>
             </a:extLst>
           </p:cNvPr>
@@ -8052,7 +8238,7 @@
           <p:cNvPr id="5" name="Text Placeholder 4">
             <a:extLst>
               <a:ext uri="{FF2B5EF4-FFF2-40B4-BE49-F238E27FC236}">
-                <a16:creationId xmlns:a16="http://schemas.microsoft.com/office/drawing/2014/main" xmlns="" id="{382753D1-7E4F-4976-AE02-B8CA399556CE}"/>
+                <a16:creationId xmlns:a16="http://schemas.microsoft.com/office/drawing/2014/main" id="{382753D1-7E4F-4976-AE02-B8CA399556CE}"/>
               </a:ext>
             </a:extLst>
           </p:cNvPr>
@@ -8123,7 +8309,7 @@
           <p:cNvPr id="6" name="Content Placeholder 5">
             <a:extLst>
               <a:ext uri="{FF2B5EF4-FFF2-40B4-BE49-F238E27FC236}">
-                <a16:creationId xmlns:a16="http://schemas.microsoft.com/office/drawing/2014/main" xmlns="" id="{4C468A93-F5B5-49E9-B836-9872129CC484}"/>
+                <a16:creationId xmlns:a16="http://schemas.microsoft.com/office/drawing/2014/main" id="{4C468A93-F5B5-49E9-B836-9872129CC484}"/>
               </a:ext>
             </a:extLst>
           </p:cNvPr>
@@ -8186,7 +8372,7 @@
           <p:cNvPr id="7" name="Date Placeholder 6">
             <a:extLst>
               <a:ext uri="{FF2B5EF4-FFF2-40B4-BE49-F238E27FC236}">
-                <a16:creationId xmlns:a16="http://schemas.microsoft.com/office/drawing/2014/main" xmlns="" id="{695DD8CB-5889-49EA-9BAD-528818612ABE}"/>
+                <a16:creationId xmlns:a16="http://schemas.microsoft.com/office/drawing/2014/main" id="{695DD8CB-5889-49EA-9BAD-528818612ABE}"/>
               </a:ext>
             </a:extLst>
           </p:cNvPr>
@@ -8204,7 +8390,7 @@
           <a:p>
             <a:fld id="{96B0AB5A-E802-48CF-A5B9-FE8704AC6519}" type="datetimeFigureOut">
               <a:rPr lang="en-CA" smtClean="0"/>
-              <a:t>2017-10-17</a:t>
+              <a:t>18/10/2017</a:t>
             </a:fld>
             <a:endParaRPr lang="en-CA"/>
           </a:p>
@@ -8215,7 +8401,7 @@
           <p:cNvPr id="8" name="Footer Placeholder 7">
             <a:extLst>
               <a:ext uri="{FF2B5EF4-FFF2-40B4-BE49-F238E27FC236}">
-                <a16:creationId xmlns:a16="http://schemas.microsoft.com/office/drawing/2014/main" xmlns="" id="{8501B846-1316-4807-8A54-DA3AC47AD72F}"/>
+                <a16:creationId xmlns:a16="http://schemas.microsoft.com/office/drawing/2014/main" id="{8501B846-1316-4807-8A54-DA3AC47AD72F}"/>
               </a:ext>
             </a:extLst>
           </p:cNvPr>
@@ -8240,7 +8426,7 @@
           <p:cNvPr id="9" name="Slide Number Placeholder 8">
             <a:extLst>
               <a:ext uri="{FF2B5EF4-FFF2-40B4-BE49-F238E27FC236}">
-                <a16:creationId xmlns:a16="http://schemas.microsoft.com/office/drawing/2014/main" xmlns="" id="{689B354F-D580-4F3A-AB73-5BC965F2B569}"/>
+                <a16:creationId xmlns:a16="http://schemas.microsoft.com/office/drawing/2014/main" id="{689B354F-D580-4F3A-AB73-5BC965F2B569}"/>
               </a:ext>
             </a:extLst>
           </p:cNvPr>
@@ -8299,7 +8485,7 @@
           <p:cNvPr id="2" name="Title 1">
             <a:extLst>
               <a:ext uri="{FF2B5EF4-FFF2-40B4-BE49-F238E27FC236}">
-                <a16:creationId xmlns:a16="http://schemas.microsoft.com/office/drawing/2014/main" xmlns="" id="{79DDE365-D52A-428F-AB9F-8CF9AC3D43A2}"/>
+                <a16:creationId xmlns:a16="http://schemas.microsoft.com/office/drawing/2014/main" id="{79DDE365-D52A-428F-AB9F-8CF9AC3D43A2}"/>
               </a:ext>
             </a:extLst>
           </p:cNvPr>
@@ -8328,7 +8514,7 @@
           <p:cNvPr id="3" name="Date Placeholder 2">
             <a:extLst>
               <a:ext uri="{FF2B5EF4-FFF2-40B4-BE49-F238E27FC236}">
-                <a16:creationId xmlns:a16="http://schemas.microsoft.com/office/drawing/2014/main" xmlns="" id="{1B902405-9BC8-4DCF-89BD-1C3021158836}"/>
+                <a16:creationId xmlns:a16="http://schemas.microsoft.com/office/drawing/2014/main" id="{1B902405-9BC8-4DCF-89BD-1C3021158836}"/>
               </a:ext>
             </a:extLst>
           </p:cNvPr>
@@ -8346,7 +8532,7 @@
           <a:p>
             <a:fld id="{96B0AB5A-E802-48CF-A5B9-FE8704AC6519}" type="datetimeFigureOut">
               <a:rPr lang="en-CA" smtClean="0"/>
-              <a:t>2017-10-17</a:t>
+              <a:t>18/10/2017</a:t>
             </a:fld>
             <a:endParaRPr lang="en-CA"/>
           </a:p>
@@ -8357,7 +8543,7 @@
           <p:cNvPr id="4" name="Footer Placeholder 3">
             <a:extLst>
               <a:ext uri="{FF2B5EF4-FFF2-40B4-BE49-F238E27FC236}">
-                <a16:creationId xmlns:a16="http://schemas.microsoft.com/office/drawing/2014/main" xmlns="" id="{5741E3B3-AB1D-4FEA-A844-6DD4E7C45709}"/>
+                <a16:creationId xmlns:a16="http://schemas.microsoft.com/office/drawing/2014/main" id="{5741E3B3-AB1D-4FEA-A844-6DD4E7C45709}"/>
               </a:ext>
             </a:extLst>
           </p:cNvPr>
@@ -8382,7 +8568,7 @@
           <p:cNvPr id="5" name="Slide Number Placeholder 4">
             <a:extLst>
               <a:ext uri="{FF2B5EF4-FFF2-40B4-BE49-F238E27FC236}">
-                <a16:creationId xmlns:a16="http://schemas.microsoft.com/office/drawing/2014/main" xmlns="" id="{449737C3-89A9-4077-A0AE-16155EBF7C96}"/>
+                <a16:creationId xmlns:a16="http://schemas.microsoft.com/office/drawing/2014/main" id="{449737C3-89A9-4077-A0AE-16155EBF7C96}"/>
               </a:ext>
             </a:extLst>
           </p:cNvPr>
@@ -8441,7 +8627,7 @@
           <p:cNvPr id="2" name="Date Placeholder 1">
             <a:extLst>
               <a:ext uri="{FF2B5EF4-FFF2-40B4-BE49-F238E27FC236}">
-                <a16:creationId xmlns:a16="http://schemas.microsoft.com/office/drawing/2014/main" xmlns="" id="{67E2FC56-905E-4427-BB9F-0599D987CF0A}"/>
+                <a16:creationId xmlns:a16="http://schemas.microsoft.com/office/drawing/2014/main" id="{67E2FC56-905E-4427-BB9F-0599D987CF0A}"/>
               </a:ext>
             </a:extLst>
           </p:cNvPr>
@@ -8459,7 +8645,7 @@
           <a:p>
             <a:fld id="{96B0AB5A-E802-48CF-A5B9-FE8704AC6519}" type="datetimeFigureOut">
               <a:rPr lang="en-CA" smtClean="0"/>
-              <a:t>2017-10-17</a:t>
+              <a:t>18/10/2017</a:t>
             </a:fld>
             <a:endParaRPr lang="en-CA"/>
           </a:p>
@@ -8470,7 +8656,7 @@
           <p:cNvPr id="3" name="Footer Placeholder 2">
             <a:extLst>
               <a:ext uri="{FF2B5EF4-FFF2-40B4-BE49-F238E27FC236}">
-                <a16:creationId xmlns:a16="http://schemas.microsoft.com/office/drawing/2014/main" xmlns="" id="{487C4D51-B9C6-4DF9-B99D-02567E8C682D}"/>
+                <a16:creationId xmlns:a16="http://schemas.microsoft.com/office/drawing/2014/main" id="{487C4D51-B9C6-4DF9-B99D-02567E8C682D}"/>
               </a:ext>
             </a:extLst>
           </p:cNvPr>
@@ -8495,7 +8681,7 @@
           <p:cNvPr id="4" name="Slide Number Placeholder 3">
             <a:extLst>
               <a:ext uri="{FF2B5EF4-FFF2-40B4-BE49-F238E27FC236}">
-                <a16:creationId xmlns:a16="http://schemas.microsoft.com/office/drawing/2014/main" xmlns="" id="{0190AAD4-0860-4BD5-8057-18876B454949}"/>
+                <a16:creationId xmlns:a16="http://schemas.microsoft.com/office/drawing/2014/main" id="{0190AAD4-0860-4BD5-8057-18876B454949}"/>
               </a:ext>
             </a:extLst>
           </p:cNvPr>
@@ -8554,7 +8740,7 @@
           <p:cNvPr id="2" name="Title 1">
             <a:extLst>
               <a:ext uri="{FF2B5EF4-FFF2-40B4-BE49-F238E27FC236}">
-                <a16:creationId xmlns:a16="http://schemas.microsoft.com/office/drawing/2014/main" xmlns="" id="{38D0AC77-2DD6-4F80-AED8-5F2DEAFE47A5}"/>
+                <a16:creationId xmlns:a16="http://schemas.microsoft.com/office/drawing/2014/main" id="{38D0AC77-2DD6-4F80-AED8-5F2DEAFE47A5}"/>
               </a:ext>
             </a:extLst>
           </p:cNvPr>
@@ -8592,7 +8778,7 @@
           <p:cNvPr id="3" name="Content Placeholder 2">
             <a:extLst>
               <a:ext uri="{FF2B5EF4-FFF2-40B4-BE49-F238E27FC236}">
-                <a16:creationId xmlns:a16="http://schemas.microsoft.com/office/drawing/2014/main" xmlns="" id="{8A50F9F6-EF62-405A-BD73-A4D257EA25C1}"/>
+                <a16:creationId xmlns:a16="http://schemas.microsoft.com/office/drawing/2014/main" id="{8A50F9F6-EF62-405A-BD73-A4D257EA25C1}"/>
               </a:ext>
             </a:extLst>
           </p:cNvPr>
@@ -8683,7 +8869,7 @@
           <p:cNvPr id="4" name="Text Placeholder 3">
             <a:extLst>
               <a:ext uri="{FF2B5EF4-FFF2-40B4-BE49-F238E27FC236}">
-                <a16:creationId xmlns:a16="http://schemas.microsoft.com/office/drawing/2014/main" xmlns="" id="{C2D29C1A-CCB3-4892-8341-4E47EA725C2E}"/>
+                <a16:creationId xmlns:a16="http://schemas.microsoft.com/office/drawing/2014/main" id="{C2D29C1A-CCB3-4892-8341-4E47EA725C2E}"/>
               </a:ext>
             </a:extLst>
           </p:cNvPr>
@@ -8754,7 +8940,7 @@
           <p:cNvPr id="5" name="Date Placeholder 4">
             <a:extLst>
               <a:ext uri="{FF2B5EF4-FFF2-40B4-BE49-F238E27FC236}">
-                <a16:creationId xmlns:a16="http://schemas.microsoft.com/office/drawing/2014/main" xmlns="" id="{4A49B093-3DB2-42E5-90E6-7961FD1DEF69}"/>
+                <a16:creationId xmlns:a16="http://schemas.microsoft.com/office/drawing/2014/main" id="{4A49B093-3DB2-42E5-90E6-7961FD1DEF69}"/>
               </a:ext>
             </a:extLst>
           </p:cNvPr>
@@ -8772,7 +8958,7 @@
           <a:p>
             <a:fld id="{96B0AB5A-E802-48CF-A5B9-FE8704AC6519}" type="datetimeFigureOut">
               <a:rPr lang="en-CA" smtClean="0"/>
-              <a:t>2017-10-17</a:t>
+              <a:t>18/10/2017</a:t>
             </a:fld>
             <a:endParaRPr lang="en-CA"/>
           </a:p>
@@ -8783,7 +8969,7 @@
           <p:cNvPr id="6" name="Footer Placeholder 5">
             <a:extLst>
               <a:ext uri="{FF2B5EF4-FFF2-40B4-BE49-F238E27FC236}">
-                <a16:creationId xmlns:a16="http://schemas.microsoft.com/office/drawing/2014/main" xmlns="" id="{DF18E932-8D4E-4B86-ADE7-DAF5963F6D69}"/>
+                <a16:creationId xmlns:a16="http://schemas.microsoft.com/office/drawing/2014/main" id="{DF18E932-8D4E-4B86-ADE7-DAF5963F6D69}"/>
               </a:ext>
             </a:extLst>
           </p:cNvPr>
@@ -8808,7 +8994,7 @@
           <p:cNvPr id="7" name="Slide Number Placeholder 6">
             <a:extLst>
               <a:ext uri="{FF2B5EF4-FFF2-40B4-BE49-F238E27FC236}">
-                <a16:creationId xmlns:a16="http://schemas.microsoft.com/office/drawing/2014/main" xmlns="" id="{2A6BCD62-2E53-46BB-8674-8A6BC93614B3}"/>
+                <a16:creationId xmlns:a16="http://schemas.microsoft.com/office/drawing/2014/main" id="{2A6BCD62-2E53-46BB-8674-8A6BC93614B3}"/>
               </a:ext>
             </a:extLst>
           </p:cNvPr>
@@ -8867,7 +9053,7 @@
           <p:cNvPr id="2" name="Title 1">
             <a:extLst>
               <a:ext uri="{FF2B5EF4-FFF2-40B4-BE49-F238E27FC236}">
-                <a16:creationId xmlns:a16="http://schemas.microsoft.com/office/drawing/2014/main" xmlns="" id="{BE66942B-4AEE-47BA-A130-8FE3D07A2517}"/>
+                <a16:creationId xmlns:a16="http://schemas.microsoft.com/office/drawing/2014/main" id="{BE66942B-4AEE-47BA-A130-8FE3D07A2517}"/>
               </a:ext>
             </a:extLst>
           </p:cNvPr>
@@ -8905,7 +9091,7 @@
           <p:cNvPr id="3" name="Picture Placeholder 2">
             <a:extLst>
               <a:ext uri="{FF2B5EF4-FFF2-40B4-BE49-F238E27FC236}">
-                <a16:creationId xmlns:a16="http://schemas.microsoft.com/office/drawing/2014/main" xmlns="" id="{A24C110B-5666-4CAC-9935-17BA900407EB}"/>
+                <a16:creationId xmlns:a16="http://schemas.microsoft.com/office/drawing/2014/main" id="{A24C110B-5666-4CAC-9935-17BA900407EB}"/>
               </a:ext>
             </a:extLst>
           </p:cNvPr>
@@ -8972,7 +9158,7 @@
           <p:cNvPr id="4" name="Text Placeholder 3">
             <a:extLst>
               <a:ext uri="{FF2B5EF4-FFF2-40B4-BE49-F238E27FC236}">
-                <a16:creationId xmlns:a16="http://schemas.microsoft.com/office/drawing/2014/main" xmlns="" id="{1A5EEBFA-7C3F-40BC-A736-89E2871AB916}"/>
+                <a16:creationId xmlns:a16="http://schemas.microsoft.com/office/drawing/2014/main" id="{1A5EEBFA-7C3F-40BC-A736-89E2871AB916}"/>
               </a:ext>
             </a:extLst>
           </p:cNvPr>
@@ -9043,7 +9229,7 @@
           <p:cNvPr id="5" name="Date Placeholder 4">
             <a:extLst>
               <a:ext uri="{FF2B5EF4-FFF2-40B4-BE49-F238E27FC236}">
-                <a16:creationId xmlns:a16="http://schemas.microsoft.com/office/drawing/2014/main" xmlns="" id="{0F9791BC-52F7-4098-BD77-EB52CAD311D7}"/>
+                <a16:creationId xmlns:a16="http://schemas.microsoft.com/office/drawing/2014/main" id="{0F9791BC-52F7-4098-BD77-EB52CAD311D7}"/>
               </a:ext>
             </a:extLst>
           </p:cNvPr>
@@ -9061,7 +9247,7 @@
           <a:p>
             <a:fld id="{96B0AB5A-E802-48CF-A5B9-FE8704AC6519}" type="datetimeFigureOut">
               <a:rPr lang="en-CA" smtClean="0"/>
-              <a:t>2017-10-17</a:t>
+              <a:t>18/10/2017</a:t>
             </a:fld>
             <a:endParaRPr lang="en-CA"/>
           </a:p>
@@ -9072,7 +9258,7 @@
           <p:cNvPr id="6" name="Footer Placeholder 5">
             <a:extLst>
               <a:ext uri="{FF2B5EF4-FFF2-40B4-BE49-F238E27FC236}">
-                <a16:creationId xmlns:a16="http://schemas.microsoft.com/office/drawing/2014/main" xmlns="" id="{E2F409E7-1C98-4E39-B7A6-5F89DA98469F}"/>
+                <a16:creationId xmlns:a16="http://schemas.microsoft.com/office/drawing/2014/main" id="{E2F409E7-1C98-4E39-B7A6-5F89DA98469F}"/>
               </a:ext>
             </a:extLst>
           </p:cNvPr>
@@ -9097,7 +9283,7 @@
           <p:cNvPr id="7" name="Slide Number Placeholder 6">
             <a:extLst>
               <a:ext uri="{FF2B5EF4-FFF2-40B4-BE49-F238E27FC236}">
-                <a16:creationId xmlns:a16="http://schemas.microsoft.com/office/drawing/2014/main" xmlns="" id="{BDC7D36C-18CF-4995-B3BF-440113BC7738}"/>
+                <a16:creationId xmlns:a16="http://schemas.microsoft.com/office/drawing/2014/main" id="{BDC7D36C-18CF-4995-B3BF-440113BC7738}"/>
               </a:ext>
             </a:extLst>
           </p:cNvPr>
@@ -9161,7 +9347,7 @@
           <p:cNvPr id="2" name="Title Placeholder 1">
             <a:extLst>
               <a:ext uri="{FF2B5EF4-FFF2-40B4-BE49-F238E27FC236}">
-                <a16:creationId xmlns:a16="http://schemas.microsoft.com/office/drawing/2014/main" xmlns="" id="{E5B4AD75-DD9C-4FBC-861B-1923DAD4C653}"/>
+                <a16:creationId xmlns:a16="http://schemas.microsoft.com/office/drawing/2014/main" id="{E5B4AD75-DD9C-4FBC-861B-1923DAD4C653}"/>
               </a:ext>
             </a:extLst>
           </p:cNvPr>
@@ -9200,7 +9386,7 @@
           <p:cNvPr id="3" name="Text Placeholder 2">
             <a:extLst>
               <a:ext uri="{FF2B5EF4-FFF2-40B4-BE49-F238E27FC236}">
-                <a16:creationId xmlns:a16="http://schemas.microsoft.com/office/drawing/2014/main" xmlns="" id="{4D568E8A-8FC5-429A-BBC2-86B33A87A88A}"/>
+                <a16:creationId xmlns:a16="http://schemas.microsoft.com/office/drawing/2014/main" id="{4D568E8A-8FC5-429A-BBC2-86B33A87A88A}"/>
               </a:ext>
             </a:extLst>
           </p:cNvPr>
@@ -9268,7 +9454,7 @@
           <p:cNvPr id="4" name="Date Placeholder 3">
             <a:extLst>
               <a:ext uri="{FF2B5EF4-FFF2-40B4-BE49-F238E27FC236}">
-                <a16:creationId xmlns:a16="http://schemas.microsoft.com/office/drawing/2014/main" xmlns="" id="{29A9B9B8-7E0D-4EC3-A0F8-0CFBC57A3D7E}"/>
+                <a16:creationId xmlns:a16="http://schemas.microsoft.com/office/drawing/2014/main" id="{29A9B9B8-7E0D-4EC3-A0F8-0CFBC57A3D7E}"/>
               </a:ext>
             </a:extLst>
           </p:cNvPr>
@@ -9304,7 +9490,7 @@
           <a:p>
             <a:fld id="{96B0AB5A-E802-48CF-A5B9-FE8704AC6519}" type="datetimeFigureOut">
               <a:rPr lang="en-CA" smtClean="0"/>
-              <a:t>2017-10-17</a:t>
+              <a:t>18/10/2017</a:t>
             </a:fld>
             <a:endParaRPr lang="en-CA"/>
           </a:p>
@@ -9315,7 +9501,7 @@
           <p:cNvPr id="5" name="Footer Placeholder 4">
             <a:extLst>
               <a:ext uri="{FF2B5EF4-FFF2-40B4-BE49-F238E27FC236}">
-                <a16:creationId xmlns:a16="http://schemas.microsoft.com/office/drawing/2014/main" xmlns="" id="{5701BCBF-10E5-4F5A-AFDC-06F55B5CAA8F}"/>
+                <a16:creationId xmlns:a16="http://schemas.microsoft.com/office/drawing/2014/main" id="{5701BCBF-10E5-4F5A-AFDC-06F55B5CAA8F}"/>
               </a:ext>
             </a:extLst>
           </p:cNvPr>
@@ -9358,7 +9544,7 @@
           <p:cNvPr id="6" name="Slide Number Placeholder 5">
             <a:extLst>
               <a:ext uri="{FF2B5EF4-FFF2-40B4-BE49-F238E27FC236}">
-                <a16:creationId xmlns:a16="http://schemas.microsoft.com/office/drawing/2014/main" xmlns="" id="{68C4BCD5-C523-4222-8576-785E1DE19235}"/>
+                <a16:creationId xmlns:a16="http://schemas.microsoft.com/office/drawing/2014/main" id="{68C4BCD5-C523-4222-8576-785E1DE19235}"/>
               </a:ext>
             </a:extLst>
           </p:cNvPr>
@@ -9726,7 +9912,7 @@
           <p:cNvPr id="2" name="Title 1">
             <a:extLst>
               <a:ext uri="{FF2B5EF4-FFF2-40B4-BE49-F238E27FC236}">
-                <a16:creationId xmlns:a16="http://schemas.microsoft.com/office/drawing/2014/main" xmlns="" id="{FA47EB2B-4331-4E3D-9575-372974FA84E1}"/>
+                <a16:creationId xmlns:a16="http://schemas.microsoft.com/office/drawing/2014/main" id="{FA47EB2B-4331-4E3D-9575-372974FA84E1}"/>
               </a:ext>
             </a:extLst>
           </p:cNvPr>
@@ -9751,7 +9937,7 @@
           <p:cNvPr id="3" name="Subtitle 2">
             <a:extLst>
               <a:ext uri="{FF2B5EF4-FFF2-40B4-BE49-F238E27FC236}">
-                <a16:creationId xmlns:a16="http://schemas.microsoft.com/office/drawing/2014/main" xmlns="" id="{A4D09F98-919E-4EAE-8FE4-8DF28106A8A4}"/>
+                <a16:creationId xmlns:a16="http://schemas.microsoft.com/office/drawing/2014/main" id="{A4D09F98-919E-4EAE-8FE4-8DF28106A8A4}"/>
               </a:ext>
             </a:extLst>
           </p:cNvPr>
@@ -9806,7 +9992,7 @@
           <p:cNvPr id="2" name="Title 1">
             <a:extLst>
               <a:ext uri="{FF2B5EF4-FFF2-40B4-BE49-F238E27FC236}">
-                <a16:creationId xmlns:a16="http://schemas.microsoft.com/office/drawing/2014/main" xmlns="" id="{C0DC2B9B-FCB5-4621-ABB4-77B660602A25}"/>
+                <a16:creationId xmlns:a16="http://schemas.microsoft.com/office/drawing/2014/main" id="{C0DC2B9B-FCB5-4621-ABB4-77B660602A25}"/>
               </a:ext>
             </a:extLst>
           </p:cNvPr>
@@ -9834,7 +10020,7 @@
           <p:cNvPr id="4" name="Content Placeholder 3" descr="C:\Users\ke\Desktop\Figure_1.png">
             <a:extLst>
               <a:ext uri="{FF2B5EF4-FFF2-40B4-BE49-F238E27FC236}">
-                <a16:creationId xmlns:a16="http://schemas.microsoft.com/office/drawing/2014/main" xmlns="" id="{4D21BC85-7DF2-4CAA-BD03-EE4871E463F2}"/>
+                <a16:creationId xmlns:a16="http://schemas.microsoft.com/office/drawing/2014/main" id="{4D21BC85-7DF2-4CAA-BD03-EE4871E463F2}"/>
               </a:ext>
             </a:extLst>
           </p:cNvPr>
@@ -9877,7 +10063,7 @@
           <p:cNvPr id="6" name="TextBox 5">
             <a:extLst>
               <a:ext uri="{FF2B5EF4-FFF2-40B4-BE49-F238E27FC236}">
-                <a16:creationId xmlns:a16="http://schemas.microsoft.com/office/drawing/2014/main" xmlns="" id="{FF07B87F-C8DD-4F75-AF75-8EE671EF4690}"/>
+                <a16:creationId xmlns:a16="http://schemas.microsoft.com/office/drawing/2014/main" id="{FF07B87F-C8DD-4F75-AF75-8EE671EF4690}"/>
               </a:ext>
             </a:extLst>
           </p:cNvPr>
@@ -9936,7 +10122,7 @@
           <p:cNvPr id="5" name="Table 4">
             <a:extLst>
               <a:ext uri="{FF2B5EF4-FFF2-40B4-BE49-F238E27FC236}">
-                <a16:creationId xmlns:a16="http://schemas.microsoft.com/office/drawing/2014/main" xmlns="" id="{7229B7B9-B18A-4703-9B4E-3C8CBCE0D5D8}"/>
+                <a16:creationId xmlns:a16="http://schemas.microsoft.com/office/drawing/2014/main" id="{7229B7B9-B18A-4703-9B4E-3C8CBCE0D5D8}"/>
               </a:ext>
             </a:extLst>
           </p:cNvPr>
@@ -9965,21 +10151,21 @@
                 <a:gridCol w="983916">
                   <a:extLst>
                     <a:ext uri="{9D8B030D-6E8A-4147-A177-3AD203B41FA5}">
-                      <a16:colId xmlns:a16="http://schemas.microsoft.com/office/drawing/2014/main" xmlns="" val="3735259432"/>
+                      <a16:colId xmlns:a16="http://schemas.microsoft.com/office/drawing/2014/main" val="3735259432"/>
                     </a:ext>
                   </a:extLst>
                 </a:gridCol>
                 <a:gridCol w="983916">
                   <a:extLst>
                     <a:ext uri="{9D8B030D-6E8A-4147-A177-3AD203B41FA5}">
-                      <a16:colId xmlns:a16="http://schemas.microsoft.com/office/drawing/2014/main" xmlns="" val="1134382208"/>
+                      <a16:colId xmlns:a16="http://schemas.microsoft.com/office/drawing/2014/main" val="1134382208"/>
                     </a:ext>
                   </a:extLst>
                 </a:gridCol>
                 <a:gridCol w="983916">
                   <a:extLst>
                     <a:ext uri="{9D8B030D-6E8A-4147-A177-3AD203B41FA5}">
-                      <a16:colId xmlns:a16="http://schemas.microsoft.com/office/drawing/2014/main" xmlns="" val="1257578719"/>
+                      <a16:colId xmlns:a16="http://schemas.microsoft.com/office/drawing/2014/main" val="1257578719"/>
                     </a:ext>
                   </a:extLst>
                 </a:gridCol>
@@ -10056,7 +10242,7 @@
                 </a:tc>
                 <a:extLst>
                   <a:ext uri="{0D108BD9-81ED-4DB2-BD59-A6C34878D82A}">
-                    <a16:rowId xmlns:a16="http://schemas.microsoft.com/office/drawing/2014/main" xmlns="" val="1625375486"/>
+                    <a16:rowId xmlns:a16="http://schemas.microsoft.com/office/drawing/2014/main" val="1625375486"/>
                   </a:ext>
                 </a:extLst>
               </a:tr>
@@ -10132,7 +10318,7 @@
                 </a:tc>
                 <a:extLst>
                   <a:ext uri="{0D108BD9-81ED-4DB2-BD59-A6C34878D82A}">
-                    <a16:rowId xmlns:a16="http://schemas.microsoft.com/office/drawing/2014/main" xmlns="" val="1346036712"/>
+                    <a16:rowId xmlns:a16="http://schemas.microsoft.com/office/drawing/2014/main" val="1346036712"/>
                   </a:ext>
                 </a:extLst>
               </a:tr>
@@ -10208,7 +10394,7 @@
                 </a:tc>
                 <a:extLst>
                   <a:ext uri="{0D108BD9-81ED-4DB2-BD59-A6C34878D82A}">
-                    <a16:rowId xmlns:a16="http://schemas.microsoft.com/office/drawing/2014/main" xmlns="" val="2275640152"/>
+                    <a16:rowId xmlns:a16="http://schemas.microsoft.com/office/drawing/2014/main" val="2275640152"/>
                   </a:ext>
                 </a:extLst>
               </a:tr>
@@ -10251,7 +10437,7 @@
           <p:cNvPr id="2" name="Title 1">
             <a:extLst>
               <a:ext uri="{FF2B5EF4-FFF2-40B4-BE49-F238E27FC236}">
-                <a16:creationId xmlns:a16="http://schemas.microsoft.com/office/drawing/2014/main" xmlns="" id="{9E72733B-3ADC-4709-8C8B-A6CBD9E2C805}"/>
+                <a16:creationId xmlns:a16="http://schemas.microsoft.com/office/drawing/2014/main" id="{9E72733B-3ADC-4709-8C8B-A6CBD9E2C805}"/>
               </a:ext>
             </a:extLst>
           </p:cNvPr>
@@ -10268,12 +10454,8 @@
           <a:lstStyle/>
           <a:p>
             <a:r>
-              <a:rPr lang="en-US" dirty="0" smtClean="0"/>
-              <a:t>Groups</a:t>
-            </a:r>
-            <a:r>
               <a:rPr lang="en-US" dirty="0"/>
-              <a:t>, conditions, and fairness</a:t>
+              <a:t>Groups, conditions, and fairness</a:t>
             </a:r>
             <a:endParaRPr lang="en-CA" dirty="0"/>
           </a:p>
@@ -10349,7 +10531,10 @@
           <a:bodyPr/>
           <a:lstStyle/>
           <a:p>
-            <a:endParaRPr lang="en-US" dirty="0"/>
+            <a:r>
+              <a:rPr lang="en-US" dirty="0"/>
+              <a:t>Groups, conditions, and fairness</a:t>
+            </a:r>
           </a:p>
         </p:txBody>
       </p:sp>
@@ -10440,7 +10625,13 @@
       </p:grpSpPr>
       <p:sp>
         <p:nvSpPr>
-          <p:cNvPr id="2" name="Title 1"/>
+          <p:cNvPr id="2" name="Title 1">
+            <a:extLst>
+              <a:ext uri="{FF2B5EF4-FFF2-40B4-BE49-F238E27FC236}">
+                <a16:creationId xmlns:a16="http://schemas.microsoft.com/office/drawing/2014/main" id="{5506469E-1244-4642-907B-B1433F60711B}"/>
+              </a:ext>
+            </a:extLst>
+          </p:cNvPr>
           <p:cNvSpPr>
             <a:spLocks noGrp="1"/>
           </p:cNvSpPr>
@@ -10455,15 +10646,20 @@
           <a:p>
             <a:r>
               <a:rPr lang="en-CA" dirty="0"/>
-              <a:t>Groups and offers	</a:t>
+              <a:t>Baseline condition</a:t>
             </a:r>
-            <a:endParaRPr lang="en-US" dirty="0"/>
           </a:p>
         </p:txBody>
       </p:sp>
       <p:graphicFrame>
         <p:nvGraphicFramePr>
-          <p:cNvPr id="6" name="Content Placeholder 5"/>
+          <p:cNvPr id="4" name="Content Placeholder 3">
+            <a:extLst>
+              <a:ext uri="{FF2B5EF4-FFF2-40B4-BE49-F238E27FC236}">
+                <a16:creationId xmlns:a16="http://schemas.microsoft.com/office/drawing/2014/main" id="{14837406-5535-4D53-B38D-5FA66CF97038}"/>
+              </a:ext>
+            </a:extLst>
+          </p:cNvPr>
           <p:cNvGraphicFramePr>
             <a:graphicFrameLocks noGrp="1"/>
           </p:cNvGraphicFramePr>
@@ -10471,14 +10667,14 @@
             <p:ph idx="1"/>
             <p:extLst>
               <p:ext uri="{D42A27DB-BD31-4B8C-83A1-F6EECF244321}">
-                <p14:modId xmlns:p14="http://schemas.microsoft.com/office/powerpoint/2010/main" val="812325288"/>
+                <p14:modId xmlns:p14="http://schemas.microsoft.com/office/powerpoint/2010/main" val="2660062368"/>
               </p:ext>
             </p:extLst>
           </p:nvPr>
         </p:nvGraphicFramePr>
         <p:xfrm>
           <a:off x="838200" y="1825625"/>
-          <a:ext cx="10515600" cy="4351338"/>
+          <a:ext cx="5480957" cy="4444546"/>
         </p:xfrm>
         <a:graphic>
           <a:graphicData uri="http://schemas.openxmlformats.org/drawingml/2006/chart">
@@ -10486,10 +10682,46 @@
           </a:graphicData>
         </a:graphic>
       </p:graphicFrame>
+      <p:pic>
+        <p:nvPicPr>
+          <p:cNvPr id="6" name="Picture 5">
+            <a:extLst>
+              <a:ext uri="{FF2B5EF4-FFF2-40B4-BE49-F238E27FC236}">
+                <a16:creationId xmlns:a16="http://schemas.microsoft.com/office/drawing/2014/main" id="{828822EB-3C9E-46AD-8C19-6E556B0E53E4}"/>
+              </a:ext>
+            </a:extLst>
+          </p:cNvPr>
+          <p:cNvPicPr>
+            <a:picLocks noChangeAspect="1"/>
+          </p:cNvPicPr>
+          <p:nvPr/>
+        </p:nvPicPr>
+        <p:blipFill>
+          <a:blip r:embed="rId3">
+            <a:extLst>
+              <a:ext uri="{28A0092B-C50C-407E-A947-70E740481C1C}">
+                <a14:useLocalDpi xmlns:a14="http://schemas.microsoft.com/office/drawing/2010/main" val="0"/>
+              </a:ext>
+            </a:extLst>
+          </a:blip>
+          <a:stretch>
+            <a:fillRect/>
+          </a:stretch>
+        </p:blipFill>
+        <p:spPr>
+          <a:xfrm>
+            <a:off x="6319157" y="3147288"/>
+            <a:ext cx="3629532" cy="628738"/>
+          </a:xfrm>
+          <a:prstGeom prst="rect">
+            <a:avLst/>
+          </a:prstGeom>
+        </p:spPr>
+      </p:pic>
     </p:spTree>
     <p:extLst>
       <p:ext uri="{BB962C8B-B14F-4D97-AF65-F5344CB8AC3E}">
-        <p14:creationId xmlns:p14="http://schemas.microsoft.com/office/powerpoint/2010/main" val="1326497448"/>
+        <p14:creationId xmlns:p14="http://schemas.microsoft.com/office/powerpoint/2010/main" val="3407557553"/>
       </p:ext>
     </p:extLst>
   </p:cSld>
@@ -10518,7 +10750,13 @@
       </p:grpSpPr>
       <p:sp>
         <p:nvSpPr>
-          <p:cNvPr id="2" name="Title 1"/>
+          <p:cNvPr id="2" name="Title 1">
+            <a:extLst>
+              <a:ext uri="{FF2B5EF4-FFF2-40B4-BE49-F238E27FC236}">
+                <a16:creationId xmlns:a16="http://schemas.microsoft.com/office/drawing/2014/main" id="{C3F5CDFC-1D41-42B8-9223-6129DEC6C293}"/>
+              </a:ext>
+            </a:extLst>
+          </p:cNvPr>
           <p:cNvSpPr>
             <a:spLocks noGrp="1"/>
           </p:cNvSpPr>
@@ -10531,17 +10769,19 @@
           <a:bodyPr/>
           <a:lstStyle/>
           <a:p>
-            <a:r>
-              <a:rPr lang="en-CA" dirty="0"/>
-              <a:t>Groups and offers	</a:t>
-            </a:r>
-            <a:endParaRPr lang="en-US" dirty="0"/>
+            <a:endParaRPr lang="en-CA"/>
           </a:p>
         </p:txBody>
       </p:sp>
       <p:graphicFrame>
         <p:nvGraphicFramePr>
-          <p:cNvPr id="4" name="Content Placeholder 3"/>
+          <p:cNvPr id="4" name="Content Placeholder 3">
+            <a:extLst>
+              <a:ext uri="{FF2B5EF4-FFF2-40B4-BE49-F238E27FC236}">
+                <a16:creationId xmlns:a16="http://schemas.microsoft.com/office/drawing/2014/main" id="{63ECDBED-7E6C-40D5-AC3A-4B4B35A132F9}"/>
+              </a:ext>
+            </a:extLst>
+          </p:cNvPr>
           <p:cNvGraphicFramePr>
             <a:graphicFrameLocks noGrp="1"/>
           </p:cNvGraphicFramePr>
@@ -10549,14 +10789,14 @@
             <p:ph idx="1"/>
             <p:extLst>
               <p:ext uri="{D42A27DB-BD31-4B8C-83A1-F6EECF244321}">
-                <p14:modId xmlns:p14="http://schemas.microsoft.com/office/powerpoint/2010/main" val="1366401975"/>
+                <p14:modId xmlns:p14="http://schemas.microsoft.com/office/powerpoint/2010/main" val="495209243"/>
               </p:ext>
             </p:extLst>
           </p:nvPr>
         </p:nvGraphicFramePr>
         <p:xfrm>
           <a:off x="838200" y="1825625"/>
-          <a:ext cx="10515600" cy="4351338"/>
+          <a:ext cx="5366657" cy="3922032"/>
         </p:xfrm>
         <a:graphic>
           <a:graphicData uri="http://schemas.openxmlformats.org/drawingml/2006/chart">
@@ -10564,10 +10804,126 @@
           </a:graphicData>
         </a:graphic>
       </p:graphicFrame>
+      <p:pic>
+        <p:nvPicPr>
+          <p:cNvPr id="6" name="Picture 5">
+            <a:extLst>
+              <a:ext uri="{FF2B5EF4-FFF2-40B4-BE49-F238E27FC236}">
+                <a16:creationId xmlns:a16="http://schemas.microsoft.com/office/drawing/2014/main" id="{FD3580D9-1F70-4A3B-B36F-C4027E52D60B}"/>
+              </a:ext>
+            </a:extLst>
+          </p:cNvPr>
+          <p:cNvPicPr>
+            <a:picLocks noChangeAspect="1"/>
+          </p:cNvPicPr>
+          <p:nvPr/>
+        </p:nvPicPr>
+        <p:blipFill>
+          <a:blip r:embed="rId3">
+            <a:extLst>
+              <a:ext uri="{28A0092B-C50C-407E-A947-70E740481C1C}">
+                <a14:useLocalDpi xmlns:a14="http://schemas.microsoft.com/office/drawing/2010/main" val="0"/>
+              </a:ext>
+            </a:extLst>
+          </a:blip>
+          <a:stretch>
+            <a:fillRect/>
+          </a:stretch>
+        </p:blipFill>
+        <p:spPr>
+          <a:xfrm>
+            <a:off x="6669315" y="3367047"/>
+            <a:ext cx="3229426" cy="581106"/>
+          </a:xfrm>
+          <a:prstGeom prst="rect">
+            <a:avLst/>
+          </a:prstGeom>
+        </p:spPr>
+      </p:pic>
     </p:spTree>
     <p:extLst>
       <p:ext uri="{BB962C8B-B14F-4D97-AF65-F5344CB8AC3E}">
-        <p14:creationId xmlns:p14="http://schemas.microsoft.com/office/powerpoint/2010/main" val="1197571437"/>
+        <p14:creationId xmlns:p14="http://schemas.microsoft.com/office/powerpoint/2010/main" val="1778409971"/>
+      </p:ext>
+    </p:extLst>
+  </p:cSld>
+  <p:clrMapOvr>
+    <a:masterClrMapping/>
+  </p:clrMapOvr>
+</p:sld>
+</file>
+
+<file path=ppt/slides/slide7.xml><?xml version="1.0" encoding="utf-8"?>
+<p:sld xmlns:a="http://schemas.openxmlformats.org/drawingml/2006/main" xmlns:r="http://schemas.openxmlformats.org/officeDocument/2006/relationships" xmlns:p="http://schemas.openxmlformats.org/presentationml/2006/main">
+  <p:cSld>
+    <p:spTree>
+      <p:nvGrpSpPr>
+        <p:cNvPr id="1" name=""/>
+        <p:cNvGrpSpPr/>
+        <p:nvPr/>
+      </p:nvGrpSpPr>
+      <p:grpSpPr>
+        <a:xfrm>
+          <a:off x="0" y="0"/>
+          <a:ext cx="0" cy="0"/>
+          <a:chOff x="0" y="0"/>
+          <a:chExt cx="0" cy="0"/>
+        </a:xfrm>
+      </p:grpSpPr>
+      <p:sp>
+        <p:nvSpPr>
+          <p:cNvPr id="2" name="Title 1">
+            <a:extLst>
+              <a:ext uri="{FF2B5EF4-FFF2-40B4-BE49-F238E27FC236}">
+                <a16:creationId xmlns:a16="http://schemas.microsoft.com/office/drawing/2014/main" id="{99B70518-582A-46A1-8C6C-709B5B3C47F4}"/>
+              </a:ext>
+            </a:extLst>
+          </p:cNvPr>
+          <p:cNvSpPr>
+            <a:spLocks noGrp="1"/>
+          </p:cNvSpPr>
+          <p:nvPr>
+            <p:ph type="title"/>
+          </p:nvPr>
+        </p:nvSpPr>
+        <p:spPr/>
+        <p:txBody>
+          <a:bodyPr/>
+          <a:lstStyle/>
+          <a:p>
+            <a:endParaRPr lang="en-CA"/>
+          </a:p>
+        </p:txBody>
+      </p:sp>
+      <p:sp>
+        <p:nvSpPr>
+          <p:cNvPr id="3" name="Content Placeholder 2">
+            <a:extLst>
+              <a:ext uri="{FF2B5EF4-FFF2-40B4-BE49-F238E27FC236}">
+                <a16:creationId xmlns:a16="http://schemas.microsoft.com/office/drawing/2014/main" id="{D7710783-5055-4BCB-98A5-A8F926569142}"/>
+              </a:ext>
+            </a:extLst>
+          </p:cNvPr>
+          <p:cNvSpPr>
+            <a:spLocks noGrp="1"/>
+          </p:cNvSpPr>
+          <p:nvPr>
+            <p:ph idx="1"/>
+          </p:nvPr>
+        </p:nvSpPr>
+        <p:spPr/>
+        <p:txBody>
+          <a:bodyPr/>
+          <a:lstStyle/>
+          <a:p>
+            <a:endParaRPr lang="en-CA"/>
+          </a:p>
+        </p:txBody>
+      </p:sp>
+    </p:spTree>
+    <p:extLst>
+      <p:ext uri="{BB962C8B-B14F-4D97-AF65-F5344CB8AC3E}">
+        <p14:creationId xmlns:p14="http://schemas.microsoft.com/office/powerpoint/2010/main" val="2210263727"/>
       </p:ext>
     </p:extLst>
   </p:cSld>

--- a/UG_results.pptx
+++ b/UG_results.pptx
@@ -5,7 +5,7 @@
     <p:sldMasterId id="2147483648" r:id="rId1"/>
   </p:sldMasterIdLst>
   <p:notesMasterIdLst>
-    <p:notesMasterId r:id="rId9"/>
+    <p:notesMasterId r:id="rId16"/>
   </p:notesMasterIdLst>
   <p:sldIdLst>
     <p:sldId id="256" r:id="rId2"/>
@@ -15,6 +15,13 @@
     <p:sldId id="266" r:id="rId6"/>
     <p:sldId id="267" r:id="rId7"/>
     <p:sldId id="268" r:id="rId8"/>
+    <p:sldId id="269" r:id="rId9"/>
+    <p:sldId id="270" r:id="rId10"/>
+    <p:sldId id="271" r:id="rId11"/>
+    <p:sldId id="272" r:id="rId12"/>
+    <p:sldId id="273" r:id="rId13"/>
+    <p:sldId id="274" r:id="rId14"/>
+    <p:sldId id="275" r:id="rId15"/>
   </p:sldIdLst>
   <p:sldSz cx="12192000" cy="6858000"/>
   <p:notesSz cx="6858000" cy="9144000"/>
@@ -126,7 +133,7 @@
 </file>
 
 <file path=ppt/charts/chart1.xml><?xml version="1.0" encoding="utf-8"?>
-<c:chartSpace xmlns:c="http://schemas.openxmlformats.org/drawingml/2006/chart" xmlns:a="http://schemas.openxmlformats.org/drawingml/2006/main" xmlns:r="http://schemas.openxmlformats.org/officeDocument/2006/relationships" xmlns:c16r2="http://schemas.microsoft.com/office/drawing/2015/06/chart">
+<c:chartSpace xmlns:c="http://schemas.openxmlformats.org/drawingml/2006/chart" xmlns:a="http://schemas.openxmlformats.org/drawingml/2006/main" xmlns:r="http://schemas.openxmlformats.org/officeDocument/2006/relationships">
   <c:date1904 val="0"/>
   <c:lang val="en-US"/>
   <c:roundedCorners val="0"/>
@@ -177,8 +184,8 @@
         <c:manualLayout>
           <c:xMode val="edge"/>
           <c:yMode val="edge"/>
-          <c:x val="0.42179038761459198"/>
-          <c:y val="5.8372849914210302E-3"/>
+          <c:x val="0.421790387614592"/>
+          <c:y val="0.00583728499142103"/>
         </c:manualLayout>
       </c:layout>
       <c:overlay val="0"/>
@@ -412,54 +419,54 @@
                 <c:formatCode>General</c:formatCode>
                 <c:ptCount val="30"/>
                 <c:pt idx="0">
-                  <c:v>0</c:v>
+                  <c:v>0.0</c:v>
                 </c:pt>
                 <c:pt idx="2">
-                  <c:v>0</c:v>
+                  <c:v>0.0</c:v>
                 </c:pt>
                 <c:pt idx="4">
-                  <c:v>0</c:v>
+                  <c:v>0.0</c:v>
                 </c:pt>
                 <c:pt idx="6">
-                  <c:v>0</c:v>
+                  <c:v>0.0</c:v>
                 </c:pt>
                 <c:pt idx="8">
-                  <c:v>0</c:v>
+                  <c:v>0.0</c:v>
                 </c:pt>
                 <c:pt idx="10">
-                  <c:v>0</c:v>
+                  <c:v>0.0</c:v>
                 </c:pt>
                 <c:pt idx="12">
-                  <c:v>0</c:v>
+                  <c:v>0.0</c:v>
                 </c:pt>
                 <c:pt idx="14">
-                  <c:v>0</c:v>
+                  <c:v>0.0</c:v>
                 </c:pt>
                 <c:pt idx="16">
-                  <c:v>0</c:v>
+                  <c:v>0.0</c:v>
                 </c:pt>
                 <c:pt idx="18">
-                  <c:v>0</c:v>
+                  <c:v>0.0</c:v>
                 </c:pt>
                 <c:pt idx="20">
-                  <c:v>0</c:v>
+                  <c:v>0.0</c:v>
                 </c:pt>
                 <c:pt idx="22">
-                  <c:v>0</c:v>
+                  <c:v>0.0</c:v>
                 </c:pt>
                 <c:pt idx="24">
-                  <c:v>0</c:v>
+                  <c:v>0.0</c:v>
                 </c:pt>
                 <c:pt idx="26">
-                  <c:v>0</c:v>
+                  <c:v>0.0</c:v>
                 </c:pt>
                 <c:pt idx="28">
-                  <c:v>0</c:v>
+                  <c:v>0.0</c:v>
                 </c:pt>
               </c:numCache>
             </c:numRef>
           </c:val>
-          <c:extLst>
+          <c:extLst xmlns:c16r2="http://schemas.microsoft.com/office/drawing/2015/06/chart">
             <c:ext xmlns:c16="http://schemas.microsoft.com/office/drawing/2014/chart" uri="{C3380CC4-5D6E-409C-BE32-E72D297353CC}">
               <c16:uniqueId val="{00000000-56D6-497A-AB87-7E157B71EAE8}"/>
             </c:ext>
@@ -660,99 +667,99 @@
                 <c:formatCode>General</c:formatCode>
                 <c:ptCount val="30"/>
                 <c:pt idx="0">
-                  <c:v>0</c:v>
+                  <c:v>0.0</c:v>
                 </c:pt>
                 <c:pt idx="1">
-                  <c:v>0</c:v>
+                  <c:v>0.0</c:v>
                 </c:pt>
                 <c:pt idx="2">
-                  <c:v>0</c:v>
+                  <c:v>0.0</c:v>
                 </c:pt>
                 <c:pt idx="3">
-                  <c:v>0</c:v>
+                  <c:v>0.0</c:v>
                 </c:pt>
                 <c:pt idx="4">
-                  <c:v>0</c:v>
+                  <c:v>0.0</c:v>
                 </c:pt>
                 <c:pt idx="5">
-                  <c:v>0</c:v>
+                  <c:v>0.0</c:v>
                 </c:pt>
                 <c:pt idx="6">
-                  <c:v>0</c:v>
+                  <c:v>0.0</c:v>
                 </c:pt>
                 <c:pt idx="7">
-                  <c:v>0</c:v>
+                  <c:v>0.0</c:v>
                 </c:pt>
                 <c:pt idx="8">
-                  <c:v>0</c:v>
+                  <c:v>0.0</c:v>
                 </c:pt>
                 <c:pt idx="9">
-                  <c:v>0</c:v>
+                  <c:v>0.0</c:v>
                 </c:pt>
                 <c:pt idx="10">
-                  <c:v>0</c:v>
+                  <c:v>0.0</c:v>
                 </c:pt>
                 <c:pt idx="11">
-                  <c:v>0</c:v>
+                  <c:v>0.0</c:v>
                 </c:pt>
                 <c:pt idx="12">
-                  <c:v>0</c:v>
+                  <c:v>0.0</c:v>
                 </c:pt>
                 <c:pt idx="13">
-                  <c:v>0</c:v>
+                  <c:v>0.0</c:v>
                 </c:pt>
                 <c:pt idx="14">
-                  <c:v>0</c:v>
+                  <c:v>0.0</c:v>
                 </c:pt>
                 <c:pt idx="15">
-                  <c:v>0</c:v>
+                  <c:v>0.0</c:v>
                 </c:pt>
                 <c:pt idx="16">
-                  <c:v>0</c:v>
+                  <c:v>0.0</c:v>
                 </c:pt>
                 <c:pt idx="17">
-                  <c:v>0</c:v>
+                  <c:v>0.0</c:v>
                 </c:pt>
                 <c:pt idx="18">
-                  <c:v>0</c:v>
+                  <c:v>0.0</c:v>
                 </c:pt>
                 <c:pt idx="19">
-                  <c:v>0</c:v>
+                  <c:v>0.0</c:v>
                 </c:pt>
                 <c:pt idx="20">
-                  <c:v>0</c:v>
+                  <c:v>0.0</c:v>
                 </c:pt>
                 <c:pt idx="21">
-                  <c:v>0</c:v>
+                  <c:v>0.0</c:v>
                 </c:pt>
                 <c:pt idx="22">
-                  <c:v>0</c:v>
+                  <c:v>0.0</c:v>
                 </c:pt>
                 <c:pt idx="23">
-                  <c:v>0</c:v>
+                  <c:v>0.0</c:v>
                 </c:pt>
                 <c:pt idx="24">
-                  <c:v>0</c:v>
+                  <c:v>0.0</c:v>
                 </c:pt>
                 <c:pt idx="25">
-                  <c:v>0</c:v>
+                  <c:v>0.0</c:v>
                 </c:pt>
                 <c:pt idx="26">
-                  <c:v>0</c:v>
+                  <c:v>0.0</c:v>
                 </c:pt>
                 <c:pt idx="27">
-                  <c:v>0</c:v>
+                  <c:v>0.0</c:v>
                 </c:pt>
                 <c:pt idx="28">
-                  <c:v>0</c:v>
+                  <c:v>0.0</c:v>
                 </c:pt>
                 <c:pt idx="29">
-                  <c:v>0</c:v>
+                  <c:v>0.0</c:v>
                 </c:pt>
               </c:numCache>
             </c:numRef>
           </c:val>
-          <c:extLst>
+          <c:extLst xmlns:c16r2="http://schemas.microsoft.com/office/drawing/2015/06/chart">
             <c:ext xmlns:c16="http://schemas.microsoft.com/office/drawing/2014/chart" uri="{C3380CC4-5D6E-409C-BE32-E72D297353CC}">
               <c16:uniqueId val="{00000001-56D6-497A-AB87-7E157B71EAE8}"/>
             </c:ext>
@@ -953,99 +960,99 @@
                 <c:formatCode>General</c:formatCode>
                 <c:ptCount val="30"/>
                 <c:pt idx="0">
-                  <c:v>0.14705882352941199</c:v>
+                  <c:v>0.147058823529412</c:v>
                 </c:pt>
                 <c:pt idx="1">
                   <c:v>0.434873949579832</c:v>
                 </c:pt>
                 <c:pt idx="2">
-                  <c:v>4.7058823529411702E-2</c:v>
+                  <c:v>0.0470588235294117</c:v>
                 </c:pt>
                 <c:pt idx="3">
                   <c:v>0.179271708683473</c:v>
                 </c:pt>
                 <c:pt idx="4">
-                  <c:v>0.42352941176470599</c:v>
+                  <c:v>0.423529411764706</c:v>
                 </c:pt>
                 <c:pt idx="5">
-                  <c:v>0.67507002801120397</c:v>
+                  <c:v>0.675070028011204</c:v>
                 </c:pt>
                 <c:pt idx="6">
-                  <c:v>0.11898734177215201</c:v>
+                  <c:v>0.118987341772152</c:v>
                 </c:pt>
                 <c:pt idx="7">
-                  <c:v>0.42977697408077098</c:v>
+                  <c:v>0.429776974080771</c:v>
                 </c:pt>
                 <c:pt idx="8">
-                  <c:v>9.4736842105263105E-2</c:v>
+                  <c:v>0.0947368421052631</c:v>
                 </c:pt>
                 <c:pt idx="9">
-                  <c:v>0.24310776942355899</c:v>
+                  <c:v>0.243107769423559</c:v>
                 </c:pt>
                 <c:pt idx="10">
-                  <c:v>0.30526315789473701</c:v>
+                  <c:v>0.305263157894737</c:v>
                 </c:pt>
                 <c:pt idx="11">
-                  <c:v>0.65914786967418504</c:v>
+                  <c:v>0.659147869674185</c:v>
                 </c:pt>
                 <c:pt idx="12">
                   <c:v>0.114583333333333</c:v>
                 </c:pt>
                 <c:pt idx="13">
-                  <c:v>0.39781746031746001</c:v>
+                  <c:v>0.39781746031746</c:v>
                 </c:pt>
                 <c:pt idx="14">
-                  <c:v>5.83333333333333E-2</c:v>
+                  <c:v>0.0583333333333333</c:v>
                 </c:pt>
                 <c:pt idx="15">
                   <c:v>0.126984126984127</c:v>
                 </c:pt>
                 <c:pt idx="16">
-                  <c:v>0.31666666666666698</c:v>
+                  <c:v>0.316666666666667</c:v>
                 </c:pt>
                 <c:pt idx="17">
-                  <c:v>0.59920634920634896</c:v>
+                  <c:v>0.599206349206349</c:v>
                 </c:pt>
                 <c:pt idx="18">
-                  <c:v>9.7826086956521702E-2</c:v>
+                  <c:v>0.0978260869565217</c:v>
                 </c:pt>
                 <c:pt idx="19">
-                  <c:v>0.31055900621117999</c:v>
+                  <c:v>0.31055900621118</c:v>
                 </c:pt>
                 <c:pt idx="20">
-                  <c:v>6.08695652173913E-2</c:v>
+                  <c:v>0.0608695652173913</c:v>
                 </c:pt>
                 <c:pt idx="21">
                   <c:v>0.173913043478261</c:v>
                 </c:pt>
                 <c:pt idx="22">
-                  <c:v>0.27826086956521701</c:v>
+                  <c:v>0.278260869565217</c:v>
                 </c:pt>
                 <c:pt idx="23">
-                  <c:v>0.47204968944099401</c:v>
+                  <c:v>0.472049689440994</c:v>
                 </c:pt>
                 <c:pt idx="24">
-                  <c:v>8.3116883116883103E-2</c:v>
+                  <c:v>0.0831168831168831</c:v>
                 </c:pt>
                 <c:pt idx="25">
-                  <c:v>0.36858379715522599</c:v>
+                  <c:v>0.368583797155226</c:v>
                 </c:pt>
                 <c:pt idx="26">
                   <c:v>0.01</c:v>
                 </c:pt>
                 <c:pt idx="27">
-                  <c:v>9.7619047619047605E-2</c:v>
+                  <c:v>0.0976190476190476</c:v>
                 </c:pt>
                 <c:pt idx="28">
                   <c:v>0.32</c:v>
                 </c:pt>
                 <c:pt idx="29">
-                  <c:v>0.58571428571428596</c:v>
+                  <c:v>0.585714285714286</c:v>
                 </c:pt>
               </c:numCache>
             </c:numRef>
           </c:val>
-          <c:extLst>
+          <c:extLst xmlns:c16r2="http://schemas.microsoft.com/office/drawing/2015/06/chart">
             <c:ext xmlns:c16="http://schemas.microsoft.com/office/drawing/2014/chart" uri="{C3380CC4-5D6E-409C-BE32-E72D297353CC}">
               <c16:uniqueId val="{00000002-56D6-497A-AB87-7E157B71EAE8}"/>
             </c:ext>
@@ -1246,99 +1253,99 @@
                 <c:formatCode>General</c:formatCode>
                 <c:ptCount val="30"/>
                 <c:pt idx="0">
-                  <c:v>0.85294117647058798</c:v>
+                  <c:v>0.852941176470588</c:v>
                 </c:pt>
                 <c:pt idx="1">
-                  <c:v>0.56512605042016795</c:v>
+                  <c:v>0.565126050420168</c:v>
                 </c:pt>
                 <c:pt idx="2">
-                  <c:v>0.95294117647058796</c:v>
+                  <c:v>0.952941176470588</c:v>
                 </c:pt>
                 <c:pt idx="3">
-                  <c:v>0.82072829131652703</c:v>
+                  <c:v>0.820728291316527</c:v>
                 </c:pt>
                 <c:pt idx="4">
-                  <c:v>0.57647058823529396</c:v>
+                  <c:v>0.576470588235294</c:v>
                 </c:pt>
                 <c:pt idx="5">
-                  <c:v>0.32492997198879497</c:v>
+                  <c:v>0.324929971988795</c:v>
                 </c:pt>
                 <c:pt idx="6">
-                  <c:v>0.88101265822784802</c:v>
+                  <c:v>0.881012658227848</c:v>
                 </c:pt>
                 <c:pt idx="7">
-                  <c:v>0.57022302591922802</c:v>
+                  <c:v>0.570223025919228</c:v>
                 </c:pt>
                 <c:pt idx="8">
-                  <c:v>0.90526315789473699</c:v>
+                  <c:v>0.905263157894737</c:v>
                 </c:pt>
                 <c:pt idx="9">
-                  <c:v>0.75689223057644095</c:v>
+                  <c:v>0.756892230576441</c:v>
                 </c:pt>
                 <c:pt idx="10">
-                  <c:v>0.69473684210526299</c:v>
+                  <c:v>0.694736842105263</c:v>
                 </c:pt>
                 <c:pt idx="11">
-                  <c:v>0.34085213032581402</c:v>
+                  <c:v>0.340852130325814</c:v>
                 </c:pt>
                 <c:pt idx="12">
-                  <c:v>0.88541666666666696</c:v>
+                  <c:v>0.885416666666667</c:v>
                 </c:pt>
                 <c:pt idx="13">
-                  <c:v>0.60218253968253999</c:v>
+                  <c:v>0.60218253968254</c:v>
                 </c:pt>
                 <c:pt idx="14">
-                  <c:v>0.94166666666666698</c:v>
+                  <c:v>0.941666666666667</c:v>
                 </c:pt>
                 <c:pt idx="15">
-                  <c:v>0.87301587301587302</c:v>
+                  <c:v>0.873015873015873</c:v>
                 </c:pt>
                 <c:pt idx="16">
-                  <c:v>0.68333333333333302</c:v>
+                  <c:v>0.683333333333333</c:v>
                 </c:pt>
                 <c:pt idx="17">
-                  <c:v>0.40079365079365098</c:v>
+                  <c:v>0.400793650793651</c:v>
                 </c:pt>
                 <c:pt idx="18">
-                  <c:v>0.90217391304347805</c:v>
+                  <c:v>0.902173913043478</c:v>
                 </c:pt>
                 <c:pt idx="19">
-                  <c:v>0.68944099378881996</c:v>
+                  <c:v>0.68944099378882</c:v>
                 </c:pt>
                 <c:pt idx="20">
-                  <c:v>0.93913043478260905</c:v>
+                  <c:v>0.939130434782609</c:v>
                 </c:pt>
                 <c:pt idx="21">
-                  <c:v>0.82608695652173902</c:v>
+                  <c:v>0.826086956521739</c:v>
                 </c:pt>
                 <c:pt idx="22">
-                  <c:v>0.72173913043478299</c:v>
+                  <c:v>0.721739130434783</c:v>
                 </c:pt>
                 <c:pt idx="23">
-                  <c:v>0.52795031055900599</c:v>
+                  <c:v>0.527950310559006</c:v>
                 </c:pt>
                 <c:pt idx="24">
-                  <c:v>0.91688311688311697</c:v>
+                  <c:v>0.916883116883117</c:v>
                 </c:pt>
                 <c:pt idx="25">
-                  <c:v>0.63141620284477395</c:v>
+                  <c:v>0.631416202844774</c:v>
                 </c:pt>
                 <c:pt idx="26">
                   <c:v>0.99</c:v>
                 </c:pt>
                 <c:pt idx="27">
-                  <c:v>0.90238095238095195</c:v>
+                  <c:v>0.902380952380952</c:v>
                 </c:pt>
                 <c:pt idx="28">
                   <c:v>0.68</c:v>
                 </c:pt>
                 <c:pt idx="29">
-                  <c:v>0.41428571428571398</c:v>
+                  <c:v>0.414285714285714</c:v>
                 </c:pt>
               </c:numCache>
             </c:numRef>
           </c:val>
-          <c:extLst>
+          <c:extLst xmlns:c16r2="http://schemas.microsoft.com/office/drawing/2015/06/chart">
             <c:ext xmlns:c16="http://schemas.microsoft.com/office/drawing/2014/chart" uri="{C3380CC4-5D6E-409C-BE32-E72D297353CC}">
               <c16:uniqueId val="{00000003-56D6-497A-AB87-7E157B71EAE8}"/>
             </c:ext>
@@ -1354,11 +1361,11 @@
         </c:dLbls>
         <c:gapWidth val="219"/>
         <c:overlap val="-27"/>
-        <c:axId val="-1444327872"/>
-        <c:axId val="-1444325312"/>
+        <c:axId val="-1046283808"/>
+        <c:axId val="-1046281520"/>
       </c:barChart>
       <c:catAx>
-        <c:axId val="-1444327872"/>
+        <c:axId val="-1046283808"/>
         <c:scaling>
           <c:orientation val="minMax"/>
         </c:scaling>
@@ -1401,7 +1408,7 @@
             <a:endParaRPr lang="en-US"/>
           </a:p>
         </c:txPr>
-        <c:crossAx val="-1444325312"/>
+        <c:crossAx val="-1046281520"/>
         <c:crosses val="autoZero"/>
         <c:auto val="1"/>
         <c:lblAlgn val="ctr"/>
@@ -1409,7 +1416,7 @@
         <c:noMultiLvlLbl val="0"/>
       </c:catAx>
       <c:valAx>
-        <c:axId val="-1444325312"/>
+        <c:axId val="-1046281520"/>
         <c:scaling>
           <c:orientation val="minMax"/>
         </c:scaling>
@@ -1460,7 +1467,7 @@
             <a:endParaRPr lang="en-US"/>
           </a:p>
         </c:txPr>
-        <c:crossAx val="-1444327872"/>
+        <c:crossAx val="-1046283808"/>
         <c:crosses val="autoZero"/>
         <c:crossBetween val="between"/>
       </c:valAx>
@@ -1539,7 +1546,7 @@
 </file>
 
 <file path=ppt/charts/chart2.xml><?xml version="1.0" encoding="utf-8"?>
-<c:chartSpace xmlns:c="http://schemas.openxmlformats.org/drawingml/2006/chart" xmlns:a="http://schemas.openxmlformats.org/drawingml/2006/main" xmlns:r="http://schemas.openxmlformats.org/officeDocument/2006/relationships" xmlns:c16r2="http://schemas.microsoft.com/office/drawing/2015/06/chart">
+<c:chartSpace xmlns:c="http://schemas.openxmlformats.org/drawingml/2006/chart" xmlns:a="http://schemas.openxmlformats.org/drawingml/2006/main" xmlns:r="http://schemas.openxmlformats.org/officeDocument/2006/relationships">
   <c:date1904 val="0"/>
   <c:lang val="en-US"/>
   <c:roundedCorners val="0"/>
@@ -1784,45 +1791,45 @@
                 <c:formatCode>General</c:formatCode>
                 <c:ptCount val="24"/>
                 <c:pt idx="0">
-                  <c:v>0</c:v>
+                  <c:v>0.0</c:v>
                 </c:pt>
                 <c:pt idx="2">
-                  <c:v>0</c:v>
+                  <c:v>0.0</c:v>
                 </c:pt>
                 <c:pt idx="4">
-                  <c:v>0</c:v>
+                  <c:v>0.0</c:v>
                 </c:pt>
                 <c:pt idx="6">
-                  <c:v>0</c:v>
+                  <c:v>0.0</c:v>
                 </c:pt>
                 <c:pt idx="8">
-                  <c:v>0</c:v>
+                  <c:v>0.0</c:v>
                 </c:pt>
                 <c:pt idx="10">
-                  <c:v>0</c:v>
+                  <c:v>0.0</c:v>
                 </c:pt>
                 <c:pt idx="12">
-                  <c:v>0</c:v>
+                  <c:v>0.0</c:v>
                 </c:pt>
                 <c:pt idx="14">
-                  <c:v>0</c:v>
+                  <c:v>0.0</c:v>
                 </c:pt>
                 <c:pt idx="16">
-                  <c:v>0</c:v>
+                  <c:v>0.0</c:v>
                 </c:pt>
                 <c:pt idx="18">
-                  <c:v>0</c:v>
+                  <c:v>0.0</c:v>
                 </c:pt>
                 <c:pt idx="20">
-                  <c:v>0</c:v>
+                  <c:v>0.0</c:v>
                 </c:pt>
                 <c:pt idx="22">
-                  <c:v>0</c:v>
+                  <c:v>0.0</c:v>
                 </c:pt>
               </c:numCache>
             </c:numRef>
           </c:val>
-          <c:extLst>
+          <c:extLst xmlns:c16r2="http://schemas.microsoft.com/office/drawing/2015/06/chart">
             <c:ext xmlns:c16="http://schemas.microsoft.com/office/drawing/2014/chart" uri="{C3380CC4-5D6E-409C-BE32-E72D297353CC}">
               <c16:uniqueId val="{00000000-DB83-427C-B41B-C2711C059EE9}"/>
             </c:ext>
@@ -1993,81 +2000,81 @@
                 <c:formatCode>General</c:formatCode>
                 <c:ptCount val="24"/>
                 <c:pt idx="0">
-                  <c:v>0</c:v>
+                  <c:v>0.0</c:v>
                 </c:pt>
                 <c:pt idx="1">
-                  <c:v>0</c:v>
+                  <c:v>0.0</c:v>
                 </c:pt>
                 <c:pt idx="2">
-                  <c:v>0</c:v>
+                  <c:v>0.0</c:v>
                 </c:pt>
                 <c:pt idx="3">
-                  <c:v>0</c:v>
+                  <c:v>0.0</c:v>
                 </c:pt>
                 <c:pt idx="4">
-                  <c:v>0</c:v>
+                  <c:v>0.0</c:v>
                 </c:pt>
                 <c:pt idx="5">
-                  <c:v>0</c:v>
+                  <c:v>0.0</c:v>
                 </c:pt>
                 <c:pt idx="6">
-                  <c:v>0</c:v>
+                  <c:v>0.0</c:v>
                 </c:pt>
                 <c:pt idx="7">
-                  <c:v>0</c:v>
+                  <c:v>0.0</c:v>
                 </c:pt>
                 <c:pt idx="8">
-                  <c:v>0</c:v>
+                  <c:v>0.0</c:v>
                 </c:pt>
                 <c:pt idx="9">
-                  <c:v>0</c:v>
+                  <c:v>0.0</c:v>
                 </c:pt>
                 <c:pt idx="10">
-                  <c:v>0</c:v>
+                  <c:v>0.0</c:v>
                 </c:pt>
                 <c:pt idx="11">
-                  <c:v>0</c:v>
+                  <c:v>0.0</c:v>
                 </c:pt>
                 <c:pt idx="12">
-                  <c:v>0</c:v>
+                  <c:v>0.0</c:v>
                 </c:pt>
                 <c:pt idx="13">
-                  <c:v>0</c:v>
+                  <c:v>0.0</c:v>
                 </c:pt>
                 <c:pt idx="14">
-                  <c:v>0</c:v>
+                  <c:v>0.0</c:v>
                 </c:pt>
                 <c:pt idx="15">
-                  <c:v>0</c:v>
+                  <c:v>0.0</c:v>
                 </c:pt>
                 <c:pt idx="16">
-                  <c:v>0</c:v>
+                  <c:v>0.0</c:v>
                 </c:pt>
                 <c:pt idx="17">
-                  <c:v>0</c:v>
+                  <c:v>0.0</c:v>
                 </c:pt>
                 <c:pt idx="18">
-                  <c:v>0</c:v>
+                  <c:v>0.0</c:v>
                 </c:pt>
                 <c:pt idx="19">
-                  <c:v>0</c:v>
+                  <c:v>0.0</c:v>
                 </c:pt>
                 <c:pt idx="20">
-                  <c:v>0</c:v>
+                  <c:v>0.0</c:v>
                 </c:pt>
                 <c:pt idx="21">
-                  <c:v>0</c:v>
+                  <c:v>0.0</c:v>
                 </c:pt>
                 <c:pt idx="22">
-                  <c:v>0</c:v>
+                  <c:v>0.0</c:v>
                 </c:pt>
                 <c:pt idx="23">
-                  <c:v>0</c:v>
+                  <c:v>0.0</c:v>
                 </c:pt>
               </c:numCache>
             </c:numRef>
           </c:val>
-          <c:extLst>
+          <c:extLst xmlns:c16r2="http://schemas.microsoft.com/office/drawing/2015/06/chart">
             <c:ext xmlns:c16="http://schemas.microsoft.com/office/drawing/2014/chart" uri="{C3380CC4-5D6E-409C-BE32-E72D297353CC}">
               <c16:uniqueId val="{00000001-DB83-427C-B41B-C2711C059EE9}"/>
             </c:ext>
@@ -2241,78 +2248,78 @@
                   <c:v>0.131972789115646</c:v>
                 </c:pt>
                 <c:pt idx="1">
-                  <c:v>0.43213475866537099</c:v>
+                  <c:v>0.432134758665371</c:v>
                 </c:pt>
                 <c:pt idx="2">
-                  <c:v>7.2222222222222202E-2</c:v>
+                  <c:v>0.0722222222222222</c:v>
                 </c:pt>
                 <c:pt idx="3">
-                  <c:v>0.21296296296296299</c:v>
+                  <c:v>0.212962962962963</c:v>
                 </c:pt>
                 <c:pt idx="4">
-                  <c:v>0.36111111111111099</c:v>
+                  <c:v>0.361111111111111</c:v>
                 </c:pt>
                 <c:pt idx="5">
-                  <c:v>0.66666666666666696</c:v>
+                  <c:v>0.666666666666667</c:v>
                 </c:pt>
                 <c:pt idx="6">
                   <c:v>0.114583333333333</c:v>
                 </c:pt>
                 <c:pt idx="7">
-                  <c:v>0.39781746031746001</c:v>
+                  <c:v>0.39781746031746</c:v>
                 </c:pt>
                 <c:pt idx="8">
-                  <c:v>5.83333333333333E-2</c:v>
+                  <c:v>0.0583333333333333</c:v>
                 </c:pt>
                 <c:pt idx="9">
                   <c:v>0.126984126984127</c:v>
                 </c:pt>
                 <c:pt idx="10">
-                  <c:v>0.31666666666666698</c:v>
+                  <c:v>0.316666666666667</c:v>
                 </c:pt>
                 <c:pt idx="11">
-                  <c:v>0.59920634920634896</c:v>
+                  <c:v>0.599206349206349</c:v>
                 </c:pt>
                 <c:pt idx="12">
-                  <c:v>9.7826086956521702E-2</c:v>
+                  <c:v>0.0978260869565217</c:v>
                 </c:pt>
                 <c:pt idx="13">
-                  <c:v>0.31055900621117999</c:v>
+                  <c:v>0.31055900621118</c:v>
                 </c:pt>
                 <c:pt idx="14">
-                  <c:v>6.08695652173913E-2</c:v>
+                  <c:v>0.0608695652173913</c:v>
                 </c:pt>
                 <c:pt idx="15">
                   <c:v>0.173913043478261</c:v>
                 </c:pt>
                 <c:pt idx="16">
-                  <c:v>0.27826086956521701</c:v>
+                  <c:v>0.278260869565217</c:v>
                 </c:pt>
                 <c:pt idx="17">
-                  <c:v>0.47204968944099401</c:v>
+                  <c:v>0.472049689440994</c:v>
                 </c:pt>
                 <c:pt idx="18">
-                  <c:v>8.3116883116883103E-2</c:v>
+                  <c:v>0.0831168831168831</c:v>
                 </c:pt>
                 <c:pt idx="19">
-                  <c:v>0.36858379715522599</c:v>
+                  <c:v>0.368583797155226</c:v>
                 </c:pt>
                 <c:pt idx="20">
                   <c:v>0.01</c:v>
                 </c:pt>
                 <c:pt idx="21">
-                  <c:v>9.7619047619047605E-2</c:v>
+                  <c:v>0.0976190476190476</c:v>
                 </c:pt>
                 <c:pt idx="22">
                   <c:v>0.32</c:v>
                 </c:pt>
                 <c:pt idx="23">
-                  <c:v>0.58571428571428596</c:v>
+                  <c:v>0.585714285714286</c:v>
                 </c:pt>
               </c:numCache>
             </c:numRef>
           </c:val>
-          <c:extLst>
+          <c:extLst xmlns:c16r2="http://schemas.microsoft.com/office/drawing/2015/06/chart">
             <c:ext xmlns:c16="http://schemas.microsoft.com/office/drawing/2014/chart" uri="{C3380CC4-5D6E-409C-BE32-E72D297353CC}">
               <c16:uniqueId val="{00000002-DB83-427C-B41B-C2711C059EE9}"/>
             </c:ext>
@@ -2483,81 +2490,81 @@
                 <c:formatCode>General</c:formatCode>
                 <c:ptCount val="24"/>
                 <c:pt idx="0">
-                  <c:v>0.86802721088435397</c:v>
+                  <c:v>0.868027210884354</c:v>
                 </c:pt>
                 <c:pt idx="1">
-                  <c:v>0.56786524133462901</c:v>
+                  <c:v>0.567865241334629</c:v>
                 </c:pt>
                 <c:pt idx="2">
-                  <c:v>0.92777777777777803</c:v>
+                  <c:v>0.927777777777778</c:v>
                 </c:pt>
                 <c:pt idx="3">
-                  <c:v>0.78703703703703698</c:v>
+                  <c:v>0.787037037037037</c:v>
                 </c:pt>
                 <c:pt idx="4">
-                  <c:v>0.63888888888888895</c:v>
+                  <c:v>0.638888888888889</c:v>
                 </c:pt>
                 <c:pt idx="5">
-                  <c:v>0.33333333333333298</c:v>
+                  <c:v>0.333333333333333</c:v>
                 </c:pt>
                 <c:pt idx="6">
-                  <c:v>0.88541666666666696</c:v>
+                  <c:v>0.885416666666667</c:v>
                 </c:pt>
                 <c:pt idx="7">
-                  <c:v>0.60218253968253999</c:v>
+                  <c:v>0.60218253968254</c:v>
                 </c:pt>
                 <c:pt idx="8">
-                  <c:v>0.94166666666666698</c:v>
+                  <c:v>0.941666666666667</c:v>
                 </c:pt>
                 <c:pt idx="9">
-                  <c:v>0.87301587301587302</c:v>
+                  <c:v>0.873015873015873</c:v>
                 </c:pt>
                 <c:pt idx="10">
-                  <c:v>0.68333333333333302</c:v>
+                  <c:v>0.683333333333333</c:v>
                 </c:pt>
                 <c:pt idx="11">
-                  <c:v>0.40079365079365098</c:v>
+                  <c:v>0.400793650793651</c:v>
                 </c:pt>
                 <c:pt idx="12">
-                  <c:v>0.90217391304347805</c:v>
+                  <c:v>0.902173913043478</c:v>
                 </c:pt>
                 <c:pt idx="13">
-                  <c:v>0.68944099378881996</c:v>
+                  <c:v>0.68944099378882</c:v>
                 </c:pt>
                 <c:pt idx="14">
-                  <c:v>0.93913043478260905</c:v>
+                  <c:v>0.939130434782609</c:v>
                 </c:pt>
                 <c:pt idx="15">
-                  <c:v>0.82608695652173902</c:v>
+                  <c:v>0.826086956521739</c:v>
                 </c:pt>
                 <c:pt idx="16">
-                  <c:v>0.72173913043478299</c:v>
+                  <c:v>0.721739130434783</c:v>
                 </c:pt>
                 <c:pt idx="17">
-                  <c:v>0.52795031055900599</c:v>
+                  <c:v>0.527950310559006</c:v>
                 </c:pt>
                 <c:pt idx="18">
-                  <c:v>0.91688311688311697</c:v>
+                  <c:v>0.916883116883117</c:v>
                 </c:pt>
                 <c:pt idx="19">
-                  <c:v>0.63141620284477395</c:v>
+                  <c:v>0.631416202844774</c:v>
                 </c:pt>
                 <c:pt idx="20">
                   <c:v>0.99</c:v>
                 </c:pt>
                 <c:pt idx="21">
-                  <c:v>0.90238095238095195</c:v>
+                  <c:v>0.902380952380952</c:v>
                 </c:pt>
                 <c:pt idx="22">
                   <c:v>0.68</c:v>
                 </c:pt>
                 <c:pt idx="23">
-                  <c:v>0.41428571428571398</c:v>
+                  <c:v>0.414285714285714</c:v>
                 </c:pt>
               </c:numCache>
             </c:numRef>
           </c:val>
-          <c:extLst>
+          <c:extLst xmlns:c16r2="http://schemas.microsoft.com/office/drawing/2015/06/chart">
             <c:ext xmlns:c16="http://schemas.microsoft.com/office/drawing/2014/chart" uri="{C3380CC4-5D6E-409C-BE32-E72D297353CC}">
               <c16:uniqueId val="{00000003-DB83-427C-B41B-C2711C059EE9}"/>
             </c:ext>
@@ -2573,11 +2580,11 @@
         </c:dLbls>
         <c:gapWidth val="219"/>
         <c:overlap val="-27"/>
-        <c:axId val="-1424254080"/>
-        <c:axId val="-1424251520"/>
+        <c:axId val="-1042209088"/>
+        <c:axId val="-1042206528"/>
       </c:barChart>
       <c:catAx>
-        <c:axId val="-1424254080"/>
+        <c:axId val="-1042209088"/>
         <c:scaling>
           <c:orientation val="minMax"/>
         </c:scaling>
@@ -2620,7 +2627,7 @@
             <a:endParaRPr lang="en-US"/>
           </a:p>
         </c:txPr>
-        <c:crossAx val="-1424251520"/>
+        <c:crossAx val="-1042206528"/>
         <c:crosses val="autoZero"/>
         <c:auto val="1"/>
         <c:lblAlgn val="ctr"/>
@@ -2628,7 +2635,7 @@
         <c:noMultiLvlLbl val="0"/>
       </c:catAx>
       <c:valAx>
-        <c:axId val="-1424251520"/>
+        <c:axId val="-1042206528"/>
         <c:scaling>
           <c:orientation val="minMax"/>
         </c:scaling>
@@ -2679,7 +2686,7 @@
             <a:endParaRPr lang="en-US"/>
           </a:p>
         </c:txPr>
-        <c:crossAx val="-1424254080"/>
+        <c:crossAx val="-1042209088"/>
         <c:crosses val="autoZero"/>
         <c:crossBetween val="between"/>
       </c:valAx>
@@ -2758,7 +2765,7 @@
 </file>
 
 <file path=ppt/charts/chart3.xml><?xml version="1.0" encoding="utf-8"?>
-<c:chartSpace xmlns:c="http://schemas.openxmlformats.org/drawingml/2006/chart" xmlns:a="http://schemas.openxmlformats.org/drawingml/2006/main" xmlns:r="http://schemas.openxmlformats.org/officeDocument/2006/relationships" xmlns:c16r2="http://schemas.microsoft.com/office/drawing/2015/06/chart">
+<c:chartSpace xmlns:c="http://schemas.openxmlformats.org/drawingml/2006/chart" xmlns:a="http://schemas.openxmlformats.org/drawingml/2006/main" xmlns:r="http://schemas.openxmlformats.org/officeDocument/2006/relationships">
   <c:date1904 val="0"/>
   <c:lang val="en-US"/>
   <c:roundedCorners val="0"/>
@@ -2802,6 +2809,7 @@
           </a:p>
         </c:rich>
       </c:tx>
+      <c:layout/>
       <c:overlay val="0"/>
       <c:spPr>
         <a:noFill/>
@@ -2899,21 +2907,21 @@
                 <c:formatCode>General</c:formatCode>
                 <c:ptCount val="4"/>
                 <c:pt idx="0">
-                  <c:v>0.13197278911564625</c:v>
+                  <c:v>0.131972789115646</c:v>
                 </c:pt>
                 <c:pt idx="1">
-                  <c:v>0.86802721088435375</c:v>
+                  <c:v>0.868027210884354</c:v>
                 </c:pt>
                 <c:pt idx="2">
-                  <c:v>0.43213475866537093</c:v>
+                  <c:v>0.432134758665371</c:v>
                 </c:pt>
                 <c:pt idx="3">
-                  <c:v>0.56786524133462901</c:v>
+                  <c:v>0.567865241334629</c:v>
                 </c:pt>
               </c:numCache>
             </c:numRef>
           </c:val>
-          <c:extLst>
+          <c:extLst xmlns:c16r2="http://schemas.microsoft.com/office/drawing/2015/06/chart">
             <c:ext xmlns:c16="http://schemas.microsoft.com/office/drawing/2014/chart" uri="{C3380CC4-5D6E-409C-BE32-E72D297353CC}">
               <c16:uniqueId val="{00000000-1180-43FE-BC69-2FE7FA3F0AA8}"/>
             </c:ext>
@@ -2980,21 +2988,21 @@
                 <c:formatCode>General</c:formatCode>
                 <c:ptCount val="4"/>
                 <c:pt idx="0">
-                  <c:v>0.11458333333333333</c:v>
+                  <c:v>0.114583333333333</c:v>
                 </c:pt>
                 <c:pt idx="1">
-                  <c:v>0.88541666666666663</c:v>
+                  <c:v>0.885416666666666</c:v>
                 </c:pt>
                 <c:pt idx="2">
-                  <c:v>0.39781746031746029</c:v>
+                  <c:v>0.39781746031746</c:v>
                 </c:pt>
                 <c:pt idx="3">
-                  <c:v>0.60218253968253976</c:v>
+                  <c:v>0.60218253968254</c:v>
                 </c:pt>
               </c:numCache>
             </c:numRef>
           </c:val>
-          <c:extLst>
+          <c:extLst xmlns:c16r2="http://schemas.microsoft.com/office/drawing/2015/06/chart">
             <c:ext xmlns:c16="http://schemas.microsoft.com/office/drawing/2014/chart" uri="{C3380CC4-5D6E-409C-BE32-E72D297353CC}">
               <c16:uniqueId val="{00000001-1180-43FE-BC69-2FE7FA3F0AA8}"/>
             </c:ext>
@@ -3061,21 +3069,21 @@
                 <c:formatCode>General</c:formatCode>
                 <c:ptCount val="4"/>
                 <c:pt idx="0">
-                  <c:v>9.7826086956521743E-2</c:v>
+                  <c:v>0.0978260869565217</c:v>
                 </c:pt>
                 <c:pt idx="1">
-                  <c:v>0.90217391304347827</c:v>
+                  <c:v>0.902173913043478</c:v>
                 </c:pt>
                 <c:pt idx="2">
-                  <c:v>0.3105590062111801</c:v>
+                  <c:v>0.31055900621118</c:v>
                 </c:pt>
                 <c:pt idx="3">
-                  <c:v>0.68944099378881996</c:v>
+                  <c:v>0.68944099378882</c:v>
                 </c:pt>
               </c:numCache>
             </c:numRef>
           </c:val>
-          <c:extLst>
+          <c:extLst xmlns:c16r2="http://schemas.microsoft.com/office/drawing/2015/06/chart">
             <c:ext xmlns:c16="http://schemas.microsoft.com/office/drawing/2014/chart" uri="{C3380CC4-5D6E-409C-BE32-E72D297353CC}">
               <c16:uniqueId val="{00000002-1180-43FE-BC69-2FE7FA3F0AA8}"/>
             </c:ext>
@@ -3142,21 +3150,21 @@
                 <c:formatCode>General</c:formatCode>
                 <c:ptCount val="4"/>
                 <c:pt idx="0">
-                  <c:v>8.3116883116883117E-2</c:v>
+                  <c:v>0.0831168831168831</c:v>
                 </c:pt>
                 <c:pt idx="1">
-                  <c:v>0.91688311688311686</c:v>
+                  <c:v>0.916883116883117</c:v>
                 </c:pt>
                 <c:pt idx="2">
-                  <c:v>0.36858379715522571</c:v>
+                  <c:v>0.368583797155226</c:v>
                 </c:pt>
                 <c:pt idx="3">
-                  <c:v>0.63141620284477429</c:v>
+                  <c:v>0.631416202844774</c:v>
                 </c:pt>
               </c:numCache>
             </c:numRef>
           </c:val>
-          <c:extLst>
+          <c:extLst xmlns:c16r2="http://schemas.microsoft.com/office/drawing/2015/06/chart">
             <c:ext xmlns:c16="http://schemas.microsoft.com/office/drawing/2014/chart" uri="{C3380CC4-5D6E-409C-BE32-E72D297353CC}">
               <c16:uniqueId val="{00000003-1180-43FE-BC69-2FE7FA3F0AA8}"/>
             </c:ext>
@@ -3172,11 +3180,11 @@
         </c:dLbls>
         <c:gapWidth val="219"/>
         <c:overlap val="-27"/>
-        <c:axId val="570800816"/>
-        <c:axId val="570800488"/>
+        <c:axId val="-1150405248"/>
+        <c:axId val="-1150411504"/>
       </c:barChart>
       <c:catAx>
-        <c:axId val="570800816"/>
+        <c:axId val="-1150405248"/>
         <c:scaling>
           <c:orientation val="minMax"/>
         </c:scaling>
@@ -3219,7 +3227,7 @@
             <a:endParaRPr lang="en-US"/>
           </a:p>
         </c:txPr>
-        <c:crossAx val="570800488"/>
+        <c:crossAx val="-1150411504"/>
         <c:crosses val="autoZero"/>
         <c:auto val="1"/>
         <c:lblAlgn val="ctr"/>
@@ -3227,7 +3235,7 @@
         <c:noMultiLvlLbl val="0"/>
       </c:catAx>
       <c:valAx>
-        <c:axId val="570800488"/>
+        <c:axId val="-1150411504"/>
         <c:scaling>
           <c:orientation val="minMax"/>
         </c:scaling>
@@ -3278,7 +3286,7 @@
             <a:endParaRPr lang="en-US"/>
           </a:p>
         </c:txPr>
-        <c:crossAx val="570800816"/>
+        <c:crossAx val="-1150405248"/>
         <c:crosses val="autoZero"/>
         <c:crossBetween val="between"/>
       </c:valAx>
@@ -3292,6 +3300,7 @@
     </c:plotArea>
     <c:legend>
       <c:legendPos val="b"/>
+      <c:layout/>
       <c:overlay val="0"/>
       <c:spPr>
         <a:noFill/>
@@ -3349,7 +3358,7 @@
 </file>
 
 <file path=ppt/charts/chart4.xml><?xml version="1.0" encoding="utf-8"?>
-<c:chartSpace xmlns:c="http://schemas.openxmlformats.org/drawingml/2006/chart" xmlns:a="http://schemas.openxmlformats.org/drawingml/2006/main" xmlns:r="http://schemas.openxmlformats.org/officeDocument/2006/relationships" xmlns:c16r2="http://schemas.microsoft.com/office/drawing/2015/06/chart">
+<c:chartSpace xmlns:c="http://schemas.openxmlformats.org/drawingml/2006/chart" xmlns:a="http://schemas.openxmlformats.org/drawingml/2006/main" xmlns:r="http://schemas.openxmlformats.org/officeDocument/2006/relationships">
   <c:date1904 val="0"/>
   <c:lang val="en-US"/>
   <c:roundedCorners val="0"/>
@@ -3393,6 +3402,7 @@
           </a:p>
         </c:rich>
       </c:tx>
+      <c:layout/>
       <c:overlay val="0"/>
       <c:spPr>
         <a:noFill/>
@@ -3490,21 +3500,21 @@
                 <c:formatCode>General</c:formatCode>
                 <c:ptCount val="4"/>
                 <c:pt idx="0">
-                  <c:v>0.1470588235294118</c:v>
+                  <c:v>0.147058823529412</c:v>
                 </c:pt>
                 <c:pt idx="1">
-                  <c:v>0.8529411764705882</c:v>
+                  <c:v>0.852941176470588</c:v>
                 </c:pt>
                 <c:pt idx="2">
-                  <c:v>0.43487394957983189</c:v>
+                  <c:v>0.434873949579832</c:v>
                 </c:pt>
                 <c:pt idx="3">
-                  <c:v>0.56512605042016806</c:v>
+                  <c:v>0.565126050420168</c:v>
                 </c:pt>
               </c:numCache>
             </c:numRef>
           </c:val>
-          <c:extLst>
+          <c:extLst xmlns:c16r2="http://schemas.microsoft.com/office/drawing/2015/06/chart">
             <c:ext xmlns:c16="http://schemas.microsoft.com/office/drawing/2014/chart" uri="{C3380CC4-5D6E-409C-BE32-E72D297353CC}">
               <c16:uniqueId val="{00000000-88E7-4674-AD93-7AF82EF98F73}"/>
             </c:ext>
@@ -3571,21 +3581,21 @@
                 <c:formatCode>General</c:formatCode>
                 <c:ptCount val="4"/>
                 <c:pt idx="0">
-                  <c:v>0.11898734177215189</c:v>
+                  <c:v>0.118987341772152</c:v>
                 </c:pt>
                 <c:pt idx="1">
-                  <c:v>0.88101265822784813</c:v>
+                  <c:v>0.881012658227848</c:v>
                 </c:pt>
                 <c:pt idx="2">
-                  <c:v>0.42977697408077148</c:v>
+                  <c:v>0.429776974080772</c:v>
                 </c:pt>
                 <c:pt idx="3">
-                  <c:v>0.57022302591922847</c:v>
+                  <c:v>0.570223025919228</c:v>
                 </c:pt>
               </c:numCache>
             </c:numRef>
           </c:val>
-          <c:extLst>
+          <c:extLst xmlns:c16r2="http://schemas.microsoft.com/office/drawing/2015/06/chart">
             <c:ext xmlns:c16="http://schemas.microsoft.com/office/drawing/2014/chart" uri="{C3380CC4-5D6E-409C-BE32-E72D297353CC}">
               <c16:uniqueId val="{00000001-88E7-4674-AD93-7AF82EF98F73}"/>
             </c:ext>
@@ -3652,21 +3662,21 @@
                 <c:formatCode>General</c:formatCode>
                 <c:ptCount val="4"/>
                 <c:pt idx="0">
-                  <c:v>0.1145833333333333</c:v>
+                  <c:v>0.114583333333333</c:v>
                 </c:pt>
                 <c:pt idx="1">
-                  <c:v>0.88541666666666663</c:v>
+                  <c:v>0.885416666666666</c:v>
                 </c:pt>
                 <c:pt idx="2">
-                  <c:v>0.39781746031746029</c:v>
+                  <c:v>0.39781746031746</c:v>
                 </c:pt>
                 <c:pt idx="3">
-                  <c:v>0.60218253968253965</c:v>
+                  <c:v>0.602182539682539</c:v>
                 </c:pt>
               </c:numCache>
             </c:numRef>
           </c:val>
-          <c:extLst>
+          <c:extLst xmlns:c16r2="http://schemas.microsoft.com/office/drawing/2015/06/chart">
             <c:ext xmlns:c16="http://schemas.microsoft.com/office/drawing/2014/chart" uri="{C3380CC4-5D6E-409C-BE32-E72D297353CC}">
               <c16:uniqueId val="{00000002-88E7-4674-AD93-7AF82EF98F73}"/>
             </c:ext>
@@ -3733,21 +3743,21 @@
                 <c:formatCode>General</c:formatCode>
                 <c:ptCount val="4"/>
                 <c:pt idx="0">
-                  <c:v>9.7826086956521743E-2</c:v>
+                  <c:v>0.0978260869565217</c:v>
                 </c:pt>
                 <c:pt idx="1">
-                  <c:v>0.90217391304347827</c:v>
+                  <c:v>0.902173913043478</c:v>
                 </c:pt>
                 <c:pt idx="2">
-                  <c:v>0.3105590062111801</c:v>
+                  <c:v>0.31055900621118</c:v>
                 </c:pt>
                 <c:pt idx="3">
-                  <c:v>0.68944099378881984</c:v>
+                  <c:v>0.68944099378882</c:v>
                 </c:pt>
               </c:numCache>
             </c:numRef>
           </c:val>
-          <c:extLst>
+          <c:extLst xmlns:c16r2="http://schemas.microsoft.com/office/drawing/2015/06/chart">
             <c:ext xmlns:c16="http://schemas.microsoft.com/office/drawing/2014/chart" uri="{C3380CC4-5D6E-409C-BE32-E72D297353CC}">
               <c16:uniqueId val="{00000003-88E7-4674-AD93-7AF82EF98F73}"/>
             </c:ext>
@@ -3814,21 +3824,21 @@
                 <c:formatCode>General</c:formatCode>
                 <c:ptCount val="4"/>
                 <c:pt idx="0">
-                  <c:v>8.3116883116883117E-2</c:v>
+                  <c:v>0.0831168831168831</c:v>
                 </c:pt>
                 <c:pt idx="1">
-                  <c:v>0.91688311688311686</c:v>
+                  <c:v>0.916883116883117</c:v>
                 </c:pt>
                 <c:pt idx="2">
-                  <c:v>0.36858379715522571</c:v>
+                  <c:v>0.368583797155226</c:v>
                 </c:pt>
                 <c:pt idx="3">
-                  <c:v>0.63141620284477429</c:v>
+                  <c:v>0.631416202844774</c:v>
                 </c:pt>
               </c:numCache>
             </c:numRef>
           </c:val>
-          <c:extLst>
+          <c:extLst xmlns:c16r2="http://schemas.microsoft.com/office/drawing/2015/06/chart">
             <c:ext xmlns:c16="http://schemas.microsoft.com/office/drawing/2014/chart" uri="{C3380CC4-5D6E-409C-BE32-E72D297353CC}">
               <c16:uniqueId val="{00000004-88E7-4674-AD93-7AF82EF98F73}"/>
             </c:ext>
@@ -3844,11 +3854,11 @@
         </c:dLbls>
         <c:gapWidth val="219"/>
         <c:overlap val="-27"/>
-        <c:axId val="618849264"/>
-        <c:axId val="618847952"/>
+        <c:axId val="-1046441376"/>
+        <c:axId val="-1046439056"/>
       </c:barChart>
       <c:catAx>
-        <c:axId val="618849264"/>
+        <c:axId val="-1046441376"/>
         <c:scaling>
           <c:orientation val="minMax"/>
         </c:scaling>
@@ -3891,7 +3901,7 @@
             <a:endParaRPr lang="en-US"/>
           </a:p>
         </c:txPr>
-        <c:crossAx val="618847952"/>
+        <c:crossAx val="-1046439056"/>
         <c:crosses val="autoZero"/>
         <c:auto val="1"/>
         <c:lblAlgn val="ctr"/>
@@ -3899,7 +3909,7 @@
         <c:noMultiLvlLbl val="0"/>
       </c:catAx>
       <c:valAx>
-        <c:axId val="618847952"/>
+        <c:axId val="-1046439056"/>
         <c:scaling>
           <c:orientation val="minMax"/>
         </c:scaling>
@@ -3950,7 +3960,7 @@
             <a:endParaRPr lang="en-US"/>
           </a:p>
         </c:txPr>
-        <c:crossAx val="618849264"/>
+        <c:crossAx val="-1046441376"/>
         <c:crosses val="autoZero"/>
         <c:crossBetween val="between"/>
       </c:valAx>
@@ -3964,6 +3974,1568 @@
     </c:plotArea>
     <c:legend>
       <c:legendPos val="b"/>
+      <c:layout/>
+      <c:overlay val="0"/>
+      <c:spPr>
+        <a:noFill/>
+        <a:ln>
+          <a:noFill/>
+        </a:ln>
+        <a:effectLst/>
+      </c:spPr>
+      <c:txPr>
+        <a:bodyPr rot="0" spcFirstLastPara="1" vertOverflow="ellipsis" vert="horz" wrap="square" anchor="ctr" anchorCtr="1"/>
+        <a:lstStyle/>
+        <a:p>
+          <a:pPr>
+            <a:defRPr sz="900" b="0" i="0" u="none" strike="noStrike" kern="1200" baseline="0">
+              <a:solidFill>
+                <a:schemeClr val="tx1">
+                  <a:lumMod val="65000"/>
+                  <a:lumOff val="35000"/>
+                </a:schemeClr>
+              </a:solidFill>
+              <a:latin typeface="+mn-lt"/>
+              <a:ea typeface="+mn-ea"/>
+              <a:cs typeface="+mn-cs"/>
+            </a:defRPr>
+          </a:pPr>
+          <a:endParaRPr lang="en-US"/>
+        </a:p>
+      </c:txPr>
+    </c:legend>
+    <c:plotVisOnly val="1"/>
+    <c:dispBlanksAs val="gap"/>
+    <c:showDLblsOverMax val="0"/>
+  </c:chart>
+  <c:spPr>
+    <a:noFill/>
+    <a:ln>
+      <a:noFill/>
+    </a:ln>
+    <a:effectLst/>
+  </c:spPr>
+  <c:txPr>
+    <a:bodyPr/>
+    <a:lstStyle/>
+    <a:p>
+      <a:pPr>
+        <a:defRPr/>
+      </a:pPr>
+      <a:endParaRPr lang="en-US"/>
+    </a:p>
+  </c:txPr>
+  <c:externalData r:id="rId3">
+    <c:autoUpdate val="0"/>
+  </c:externalData>
+</c:chartSpace>
+</file>
+
+<file path=ppt/charts/chart5.xml><?xml version="1.0" encoding="utf-8"?>
+<c:chartSpace xmlns:c="http://schemas.openxmlformats.org/drawingml/2006/chart" xmlns:a="http://schemas.openxmlformats.org/drawingml/2006/main" xmlns:r="http://schemas.openxmlformats.org/officeDocument/2006/relationships">
+  <c:date1904 val="0"/>
+  <c:lang val="en-US"/>
+  <c:roundedCorners val="0"/>
+  <mc:AlternateContent xmlns:mc="http://schemas.openxmlformats.org/markup-compatibility/2006">
+    <mc:Choice xmlns:c14="http://schemas.microsoft.com/office/drawing/2007/8/2/chart" Requires="c14">
+      <c14:style val="102"/>
+    </mc:Choice>
+    <mc:Fallback>
+      <c:style val="2"/>
+    </mc:Fallback>
+  </mc:AlternateContent>
+  <c:chart>
+    <c:title>
+      <c:tx>
+        <c:rich>
+          <a:bodyPr rot="0" spcFirstLastPara="1" vertOverflow="ellipsis" vert="horz" wrap="square" anchor="ctr" anchorCtr="1"/>
+          <a:lstStyle/>
+          <a:p>
+            <a:pPr>
+              <a:defRPr sz="1400" b="0" i="0" u="none" strike="noStrike" kern="1200" spc="0" baseline="0">
+                <a:solidFill>
+                  <a:schemeClr val="tx1">
+                    <a:lumMod val="65000"/>
+                    <a:lumOff val="35000"/>
+                  </a:schemeClr>
+                </a:solidFill>
+                <a:latin typeface="+mn-lt"/>
+                <a:ea typeface="+mn-ea"/>
+                <a:cs typeface="+mn-cs"/>
+              </a:defRPr>
+            </a:pPr>
+            <a:r>
+              <a:rPr lang="en-US"/>
+              <a:t>Fair</a:t>
+            </a:r>
+            <a:r>
+              <a:rPr lang="en-US" baseline="0"/>
+              <a:t>ness x framing x 4 groups</a:t>
+            </a:r>
+            <a:endParaRPr lang="en-US"/>
+          </a:p>
+        </c:rich>
+      </c:tx>
+      <c:layout/>
+      <c:overlay val="0"/>
+      <c:spPr>
+        <a:noFill/>
+        <a:ln>
+          <a:noFill/>
+        </a:ln>
+        <a:effectLst/>
+      </c:spPr>
+      <c:txPr>
+        <a:bodyPr rot="0" spcFirstLastPara="1" vertOverflow="ellipsis" vert="horz" wrap="square" anchor="ctr" anchorCtr="1"/>
+        <a:lstStyle/>
+        <a:p>
+          <a:pPr>
+            <a:defRPr sz="1400" b="0" i="0" u="none" strike="noStrike" kern="1200" spc="0" baseline="0">
+              <a:solidFill>
+                <a:schemeClr val="tx1">
+                  <a:lumMod val="65000"/>
+                  <a:lumOff val="35000"/>
+                </a:schemeClr>
+              </a:solidFill>
+              <a:latin typeface="+mn-lt"/>
+              <a:ea typeface="+mn-ea"/>
+              <a:cs typeface="+mn-cs"/>
+            </a:defRPr>
+          </a:pPr>
+          <a:endParaRPr lang="en-US"/>
+        </a:p>
+      </c:txPr>
+    </c:title>
+    <c:autoTitleDeleted val="0"/>
+    <c:plotArea>
+      <c:layout/>
+      <c:barChart>
+        <c:barDir val="col"/>
+        <c:grouping val="clustered"/>
+        <c:varyColors val="0"/>
+        <c:ser>
+          <c:idx val="0"/>
+          <c:order val="0"/>
+          <c:tx>
+            <c:strRef>
+              <c:f>group4_3way_graph!$A$13</c:f>
+              <c:strCache>
+                <c:ptCount val="1"/>
+                <c:pt idx="0">
+                  <c:v>attempter</c:v>
+                </c:pt>
+              </c:strCache>
+            </c:strRef>
+          </c:tx>
+          <c:spPr>
+            <a:solidFill>
+              <a:schemeClr val="accent1"/>
+            </a:solidFill>
+            <a:ln>
+              <a:noFill/>
+            </a:ln>
+            <a:effectLst/>
+          </c:spPr>
+          <c:invertIfNegative val="0"/>
+          <c:cat>
+            <c:multiLvlStrRef>
+              <c:f>group4_3way_graph!$B$10:$I$12</c:f>
+              <c:multiLvlStrCache>
+                <c:ptCount val="8"/>
+                <c:lvl>
+                  <c:pt idx="0">
+                    <c:v>reject</c:v>
+                  </c:pt>
+                  <c:pt idx="1">
+                    <c:v>accept</c:v>
+                  </c:pt>
+                  <c:pt idx="2">
+                    <c:v>reject</c:v>
+                  </c:pt>
+                  <c:pt idx="3">
+                    <c:v>accept</c:v>
+                  </c:pt>
+                  <c:pt idx="4">
+                    <c:v>reject</c:v>
+                  </c:pt>
+                  <c:pt idx="5">
+                    <c:v>accept</c:v>
+                  </c:pt>
+                  <c:pt idx="6">
+                    <c:v>reject</c:v>
+                  </c:pt>
+                  <c:pt idx="7">
+                    <c:v>accept</c:v>
+                  </c:pt>
+                </c:lvl>
+                <c:lvl>
+                  <c:pt idx="0">
+                    <c:v>empathy</c:v>
+                  </c:pt>
+                  <c:pt idx="2">
+                    <c:v>punish</c:v>
+                  </c:pt>
+                  <c:pt idx="4">
+                    <c:v>empathy</c:v>
+                  </c:pt>
+                  <c:pt idx="6">
+                    <c:v>punish</c:v>
+                  </c:pt>
+                </c:lvl>
+                <c:lvl>
+                  <c:pt idx="0">
+                    <c:v>fair</c:v>
+                  </c:pt>
+                  <c:pt idx="4">
+                    <c:v>unfair</c:v>
+                  </c:pt>
+                </c:lvl>
+              </c:multiLvlStrCache>
+            </c:multiLvlStrRef>
+          </c:cat>
+          <c:val>
+            <c:numRef>
+              <c:f>group4_3way_graph!$B$13:$I$13</c:f>
+              <c:numCache>
+                <c:formatCode>General</c:formatCode>
+                <c:ptCount val="8"/>
+                <c:pt idx="0">
+                  <c:v>0.0722222222222222</c:v>
+                </c:pt>
+                <c:pt idx="1">
+                  <c:v>0.927777777777778</c:v>
+                </c:pt>
+                <c:pt idx="2">
+                  <c:v>0.361111111111111</c:v>
+                </c:pt>
+                <c:pt idx="3">
+                  <c:v>0.638888888888889</c:v>
+                </c:pt>
+                <c:pt idx="4">
+                  <c:v>0.212962962962963</c:v>
+                </c:pt>
+                <c:pt idx="5">
+                  <c:v>0.787037037037037</c:v>
+                </c:pt>
+                <c:pt idx="6">
+                  <c:v>0.666666666666667</c:v>
+                </c:pt>
+                <c:pt idx="7">
+                  <c:v>0.333333333333333</c:v>
+                </c:pt>
+              </c:numCache>
+            </c:numRef>
+          </c:val>
+        </c:ser>
+        <c:ser>
+          <c:idx val="1"/>
+          <c:order val="1"/>
+          <c:tx>
+            <c:strRef>
+              <c:f>group4_3way_graph!$A$14</c:f>
+              <c:strCache>
+                <c:ptCount val="1"/>
+                <c:pt idx="0">
+                  <c:v>control</c:v>
+                </c:pt>
+              </c:strCache>
+            </c:strRef>
+          </c:tx>
+          <c:spPr>
+            <a:solidFill>
+              <a:schemeClr val="accent2"/>
+            </a:solidFill>
+            <a:ln>
+              <a:noFill/>
+            </a:ln>
+            <a:effectLst/>
+          </c:spPr>
+          <c:invertIfNegative val="0"/>
+          <c:cat>
+            <c:multiLvlStrRef>
+              <c:f>group4_3way_graph!$B$10:$I$12</c:f>
+              <c:multiLvlStrCache>
+                <c:ptCount val="8"/>
+                <c:lvl>
+                  <c:pt idx="0">
+                    <c:v>reject</c:v>
+                  </c:pt>
+                  <c:pt idx="1">
+                    <c:v>accept</c:v>
+                  </c:pt>
+                  <c:pt idx="2">
+                    <c:v>reject</c:v>
+                  </c:pt>
+                  <c:pt idx="3">
+                    <c:v>accept</c:v>
+                  </c:pt>
+                  <c:pt idx="4">
+                    <c:v>reject</c:v>
+                  </c:pt>
+                  <c:pt idx="5">
+                    <c:v>accept</c:v>
+                  </c:pt>
+                  <c:pt idx="6">
+                    <c:v>reject</c:v>
+                  </c:pt>
+                  <c:pt idx="7">
+                    <c:v>accept</c:v>
+                  </c:pt>
+                </c:lvl>
+                <c:lvl>
+                  <c:pt idx="0">
+                    <c:v>empathy</c:v>
+                  </c:pt>
+                  <c:pt idx="2">
+                    <c:v>punish</c:v>
+                  </c:pt>
+                  <c:pt idx="4">
+                    <c:v>empathy</c:v>
+                  </c:pt>
+                  <c:pt idx="6">
+                    <c:v>punish</c:v>
+                  </c:pt>
+                </c:lvl>
+                <c:lvl>
+                  <c:pt idx="0">
+                    <c:v>fair</c:v>
+                  </c:pt>
+                  <c:pt idx="4">
+                    <c:v>unfair</c:v>
+                  </c:pt>
+                </c:lvl>
+              </c:multiLvlStrCache>
+            </c:multiLvlStrRef>
+          </c:cat>
+          <c:val>
+            <c:numRef>
+              <c:f>group4_3way_graph!$B$14:$I$14</c:f>
+              <c:numCache>
+                <c:formatCode>General</c:formatCode>
+                <c:ptCount val="8"/>
+                <c:pt idx="0">
+                  <c:v>0.0583333333333333</c:v>
+                </c:pt>
+                <c:pt idx="1">
+                  <c:v>0.941666666666667</c:v>
+                </c:pt>
+                <c:pt idx="2">
+                  <c:v>0.316666666666667</c:v>
+                </c:pt>
+                <c:pt idx="3">
+                  <c:v>0.683333333333333</c:v>
+                </c:pt>
+                <c:pt idx="4">
+                  <c:v>0.126984126984127</c:v>
+                </c:pt>
+                <c:pt idx="5">
+                  <c:v>0.873015873015873</c:v>
+                </c:pt>
+                <c:pt idx="6">
+                  <c:v>0.599206349206349</c:v>
+                </c:pt>
+                <c:pt idx="7">
+                  <c:v>0.400793650793651</c:v>
+                </c:pt>
+              </c:numCache>
+            </c:numRef>
+          </c:val>
+        </c:ser>
+        <c:ser>
+          <c:idx val="2"/>
+          <c:order val="2"/>
+          <c:tx>
+            <c:strRef>
+              <c:f>group4_3way_graph!$A$15</c:f>
+              <c:strCache>
+                <c:ptCount val="1"/>
+                <c:pt idx="0">
+                  <c:v>depression</c:v>
+                </c:pt>
+              </c:strCache>
+            </c:strRef>
+          </c:tx>
+          <c:spPr>
+            <a:solidFill>
+              <a:schemeClr val="accent3"/>
+            </a:solidFill>
+            <a:ln>
+              <a:noFill/>
+            </a:ln>
+            <a:effectLst/>
+          </c:spPr>
+          <c:invertIfNegative val="0"/>
+          <c:cat>
+            <c:multiLvlStrRef>
+              <c:f>group4_3way_graph!$B$10:$I$12</c:f>
+              <c:multiLvlStrCache>
+                <c:ptCount val="8"/>
+                <c:lvl>
+                  <c:pt idx="0">
+                    <c:v>reject</c:v>
+                  </c:pt>
+                  <c:pt idx="1">
+                    <c:v>accept</c:v>
+                  </c:pt>
+                  <c:pt idx="2">
+                    <c:v>reject</c:v>
+                  </c:pt>
+                  <c:pt idx="3">
+                    <c:v>accept</c:v>
+                  </c:pt>
+                  <c:pt idx="4">
+                    <c:v>reject</c:v>
+                  </c:pt>
+                  <c:pt idx="5">
+                    <c:v>accept</c:v>
+                  </c:pt>
+                  <c:pt idx="6">
+                    <c:v>reject</c:v>
+                  </c:pt>
+                  <c:pt idx="7">
+                    <c:v>accept</c:v>
+                  </c:pt>
+                </c:lvl>
+                <c:lvl>
+                  <c:pt idx="0">
+                    <c:v>empathy</c:v>
+                  </c:pt>
+                  <c:pt idx="2">
+                    <c:v>punish</c:v>
+                  </c:pt>
+                  <c:pt idx="4">
+                    <c:v>empathy</c:v>
+                  </c:pt>
+                  <c:pt idx="6">
+                    <c:v>punish</c:v>
+                  </c:pt>
+                </c:lvl>
+                <c:lvl>
+                  <c:pt idx="0">
+                    <c:v>fair</c:v>
+                  </c:pt>
+                  <c:pt idx="4">
+                    <c:v>unfair</c:v>
+                  </c:pt>
+                </c:lvl>
+              </c:multiLvlStrCache>
+            </c:multiLvlStrRef>
+          </c:cat>
+          <c:val>
+            <c:numRef>
+              <c:f>group4_3way_graph!$B$15:$I$15</c:f>
+              <c:numCache>
+                <c:formatCode>General</c:formatCode>
+                <c:ptCount val="8"/>
+                <c:pt idx="0">
+                  <c:v>0.0608695652173913</c:v>
+                </c:pt>
+                <c:pt idx="1">
+                  <c:v>0.939130434782609</c:v>
+                </c:pt>
+                <c:pt idx="2">
+                  <c:v>0.278260869565217</c:v>
+                </c:pt>
+                <c:pt idx="3">
+                  <c:v>0.721739130434783</c:v>
+                </c:pt>
+                <c:pt idx="4">
+                  <c:v>0.173913043478261</c:v>
+                </c:pt>
+                <c:pt idx="5">
+                  <c:v>0.826086956521739</c:v>
+                </c:pt>
+                <c:pt idx="6">
+                  <c:v>0.472049689440994</c:v>
+                </c:pt>
+                <c:pt idx="7">
+                  <c:v>0.527950310559006</c:v>
+                </c:pt>
+              </c:numCache>
+            </c:numRef>
+          </c:val>
+        </c:ser>
+        <c:ser>
+          <c:idx val="3"/>
+          <c:order val="3"/>
+          <c:tx>
+            <c:strRef>
+              <c:f>group4_3way_graph!$A$16</c:f>
+              <c:strCache>
+                <c:ptCount val="1"/>
+                <c:pt idx="0">
+                  <c:v>ideator</c:v>
+                </c:pt>
+              </c:strCache>
+            </c:strRef>
+          </c:tx>
+          <c:spPr>
+            <a:solidFill>
+              <a:schemeClr val="accent4"/>
+            </a:solidFill>
+            <a:ln>
+              <a:noFill/>
+            </a:ln>
+            <a:effectLst/>
+          </c:spPr>
+          <c:invertIfNegative val="0"/>
+          <c:cat>
+            <c:multiLvlStrRef>
+              <c:f>group4_3way_graph!$B$10:$I$12</c:f>
+              <c:multiLvlStrCache>
+                <c:ptCount val="8"/>
+                <c:lvl>
+                  <c:pt idx="0">
+                    <c:v>reject</c:v>
+                  </c:pt>
+                  <c:pt idx="1">
+                    <c:v>accept</c:v>
+                  </c:pt>
+                  <c:pt idx="2">
+                    <c:v>reject</c:v>
+                  </c:pt>
+                  <c:pt idx="3">
+                    <c:v>accept</c:v>
+                  </c:pt>
+                  <c:pt idx="4">
+                    <c:v>reject</c:v>
+                  </c:pt>
+                  <c:pt idx="5">
+                    <c:v>accept</c:v>
+                  </c:pt>
+                  <c:pt idx="6">
+                    <c:v>reject</c:v>
+                  </c:pt>
+                  <c:pt idx="7">
+                    <c:v>accept</c:v>
+                  </c:pt>
+                </c:lvl>
+                <c:lvl>
+                  <c:pt idx="0">
+                    <c:v>empathy</c:v>
+                  </c:pt>
+                  <c:pt idx="2">
+                    <c:v>punish</c:v>
+                  </c:pt>
+                  <c:pt idx="4">
+                    <c:v>empathy</c:v>
+                  </c:pt>
+                  <c:pt idx="6">
+                    <c:v>punish</c:v>
+                  </c:pt>
+                </c:lvl>
+                <c:lvl>
+                  <c:pt idx="0">
+                    <c:v>fair</c:v>
+                  </c:pt>
+                  <c:pt idx="4">
+                    <c:v>unfair</c:v>
+                  </c:pt>
+                </c:lvl>
+              </c:multiLvlStrCache>
+            </c:multiLvlStrRef>
+          </c:cat>
+          <c:val>
+            <c:numRef>
+              <c:f>group4_3way_graph!$B$16:$I$16</c:f>
+              <c:numCache>
+                <c:formatCode>General</c:formatCode>
+                <c:ptCount val="8"/>
+                <c:pt idx="0">
+                  <c:v>0.01</c:v>
+                </c:pt>
+                <c:pt idx="1">
+                  <c:v>0.99</c:v>
+                </c:pt>
+                <c:pt idx="2">
+                  <c:v>0.32</c:v>
+                </c:pt>
+                <c:pt idx="3">
+                  <c:v>0.68</c:v>
+                </c:pt>
+                <c:pt idx="4">
+                  <c:v>0.0976190476190476</c:v>
+                </c:pt>
+                <c:pt idx="5">
+                  <c:v>0.902380952380952</c:v>
+                </c:pt>
+                <c:pt idx="6">
+                  <c:v>0.585714285714286</c:v>
+                </c:pt>
+                <c:pt idx="7">
+                  <c:v>0.414285714285714</c:v>
+                </c:pt>
+              </c:numCache>
+            </c:numRef>
+          </c:val>
+        </c:ser>
+        <c:dLbls>
+          <c:showLegendKey val="0"/>
+          <c:showVal val="0"/>
+          <c:showCatName val="0"/>
+          <c:showSerName val="0"/>
+          <c:showPercent val="0"/>
+          <c:showBubbleSize val="0"/>
+        </c:dLbls>
+        <c:gapWidth val="219"/>
+        <c:overlap val="-27"/>
+        <c:axId val="-1041946032"/>
+        <c:axId val="-1041943200"/>
+      </c:barChart>
+      <c:catAx>
+        <c:axId val="-1041946032"/>
+        <c:scaling>
+          <c:orientation val="minMax"/>
+        </c:scaling>
+        <c:delete val="0"/>
+        <c:axPos val="b"/>
+        <c:numFmt formatCode="General" sourceLinked="1"/>
+        <c:majorTickMark val="none"/>
+        <c:minorTickMark val="none"/>
+        <c:tickLblPos val="nextTo"/>
+        <c:spPr>
+          <a:noFill/>
+          <a:ln w="9525" cap="flat" cmpd="sng" algn="ctr">
+            <a:solidFill>
+              <a:schemeClr val="tx1">
+                <a:lumMod val="15000"/>
+                <a:lumOff val="85000"/>
+              </a:schemeClr>
+            </a:solidFill>
+            <a:round/>
+          </a:ln>
+          <a:effectLst/>
+        </c:spPr>
+        <c:txPr>
+          <a:bodyPr rot="-60000000" spcFirstLastPara="1" vertOverflow="ellipsis" vert="horz" wrap="square" anchor="ctr" anchorCtr="1"/>
+          <a:lstStyle/>
+          <a:p>
+            <a:pPr>
+              <a:defRPr sz="900" b="0" i="0" u="none" strike="noStrike" kern="1200" baseline="0">
+                <a:solidFill>
+                  <a:schemeClr val="tx1">
+                    <a:lumMod val="65000"/>
+                    <a:lumOff val="35000"/>
+                  </a:schemeClr>
+                </a:solidFill>
+                <a:latin typeface="+mn-lt"/>
+                <a:ea typeface="+mn-ea"/>
+                <a:cs typeface="+mn-cs"/>
+              </a:defRPr>
+            </a:pPr>
+            <a:endParaRPr lang="en-US"/>
+          </a:p>
+        </c:txPr>
+        <c:crossAx val="-1041943200"/>
+        <c:crosses val="autoZero"/>
+        <c:auto val="1"/>
+        <c:lblAlgn val="ctr"/>
+        <c:lblOffset val="100"/>
+        <c:noMultiLvlLbl val="0"/>
+      </c:catAx>
+      <c:valAx>
+        <c:axId val="-1041943200"/>
+        <c:scaling>
+          <c:orientation val="minMax"/>
+          <c:max val="1.0"/>
+        </c:scaling>
+        <c:delete val="0"/>
+        <c:axPos val="l"/>
+        <c:majorGridlines>
+          <c:spPr>
+            <a:ln w="9525" cap="flat" cmpd="sng" algn="ctr">
+              <a:solidFill>
+                <a:schemeClr val="tx1">
+                  <a:lumMod val="15000"/>
+                  <a:lumOff val="85000"/>
+                </a:schemeClr>
+              </a:solidFill>
+              <a:round/>
+            </a:ln>
+            <a:effectLst/>
+          </c:spPr>
+        </c:majorGridlines>
+        <c:numFmt formatCode="General" sourceLinked="0"/>
+        <c:majorTickMark val="none"/>
+        <c:minorTickMark val="none"/>
+        <c:tickLblPos val="nextTo"/>
+        <c:spPr>
+          <a:noFill/>
+          <a:ln>
+            <a:noFill/>
+          </a:ln>
+          <a:effectLst/>
+        </c:spPr>
+        <c:txPr>
+          <a:bodyPr rot="-60000000" spcFirstLastPara="1" vertOverflow="ellipsis" vert="horz" wrap="square" anchor="ctr" anchorCtr="1"/>
+          <a:lstStyle/>
+          <a:p>
+            <a:pPr>
+              <a:defRPr sz="900" b="0" i="0" u="none" strike="noStrike" kern="1200" baseline="0">
+                <a:solidFill>
+                  <a:schemeClr val="tx1">
+                    <a:lumMod val="65000"/>
+                    <a:lumOff val="35000"/>
+                  </a:schemeClr>
+                </a:solidFill>
+                <a:latin typeface="+mn-lt"/>
+                <a:ea typeface="+mn-ea"/>
+                <a:cs typeface="+mn-cs"/>
+              </a:defRPr>
+            </a:pPr>
+            <a:endParaRPr lang="en-US"/>
+          </a:p>
+        </c:txPr>
+        <c:crossAx val="-1041946032"/>
+        <c:crosses val="autoZero"/>
+        <c:crossBetween val="between"/>
+      </c:valAx>
+      <c:spPr>
+        <a:noFill/>
+        <a:ln>
+          <a:noFill/>
+        </a:ln>
+        <a:effectLst/>
+      </c:spPr>
+    </c:plotArea>
+    <c:legend>
+      <c:legendPos val="b"/>
+      <c:layout/>
+      <c:overlay val="0"/>
+      <c:spPr>
+        <a:noFill/>
+        <a:ln>
+          <a:noFill/>
+        </a:ln>
+        <a:effectLst/>
+      </c:spPr>
+      <c:txPr>
+        <a:bodyPr rot="0" spcFirstLastPara="1" vertOverflow="ellipsis" vert="horz" wrap="square" anchor="ctr" anchorCtr="1"/>
+        <a:lstStyle/>
+        <a:p>
+          <a:pPr>
+            <a:defRPr sz="900" b="0" i="0" u="none" strike="noStrike" kern="1200" baseline="0">
+              <a:solidFill>
+                <a:schemeClr val="tx1">
+                  <a:lumMod val="65000"/>
+                  <a:lumOff val="35000"/>
+                </a:schemeClr>
+              </a:solidFill>
+              <a:latin typeface="+mn-lt"/>
+              <a:ea typeface="+mn-ea"/>
+              <a:cs typeface="+mn-cs"/>
+            </a:defRPr>
+          </a:pPr>
+          <a:endParaRPr lang="en-US"/>
+        </a:p>
+      </c:txPr>
+    </c:legend>
+    <c:plotVisOnly val="1"/>
+    <c:dispBlanksAs val="gap"/>
+    <c:showDLblsOverMax val="0"/>
+  </c:chart>
+  <c:spPr>
+    <a:noFill/>
+    <a:ln>
+      <a:noFill/>
+    </a:ln>
+    <a:effectLst/>
+  </c:spPr>
+  <c:txPr>
+    <a:bodyPr/>
+    <a:lstStyle/>
+    <a:p>
+      <a:pPr>
+        <a:defRPr/>
+      </a:pPr>
+      <a:endParaRPr lang="en-US"/>
+    </a:p>
+  </c:txPr>
+  <c:externalData r:id="rId3">
+    <c:autoUpdate val="0"/>
+  </c:externalData>
+</c:chartSpace>
+</file>
+
+<file path=ppt/charts/chart6.xml><?xml version="1.0" encoding="utf-8"?>
+<c:chartSpace xmlns:c="http://schemas.openxmlformats.org/drawingml/2006/chart" xmlns:a="http://schemas.openxmlformats.org/drawingml/2006/main" xmlns:r="http://schemas.openxmlformats.org/officeDocument/2006/relationships">
+  <c:date1904 val="0"/>
+  <c:lang val="en-US"/>
+  <c:roundedCorners val="0"/>
+  <mc:AlternateContent xmlns:mc="http://schemas.openxmlformats.org/markup-compatibility/2006">
+    <mc:Choice xmlns:c14="http://schemas.microsoft.com/office/drawing/2007/8/2/chart" Requires="c14">
+      <c14:style val="102"/>
+    </mc:Choice>
+    <mc:Fallback>
+      <c:style val="2"/>
+    </mc:Fallback>
+  </mc:AlternateContent>
+  <c:chart>
+    <c:title>
+      <c:tx>
+        <c:rich>
+          <a:bodyPr rot="0" spcFirstLastPara="1" vertOverflow="ellipsis" vert="horz" wrap="square" anchor="ctr" anchorCtr="1"/>
+          <a:lstStyle/>
+          <a:p>
+            <a:pPr>
+              <a:defRPr sz="1400" b="0" i="0" u="none" strike="noStrike" kern="1200" spc="0" baseline="0">
+                <a:solidFill>
+                  <a:schemeClr val="tx1">
+                    <a:lumMod val="65000"/>
+                    <a:lumOff val="35000"/>
+                  </a:schemeClr>
+                </a:solidFill>
+                <a:latin typeface="+mn-lt"/>
+                <a:ea typeface="+mn-ea"/>
+                <a:cs typeface="+mn-cs"/>
+              </a:defRPr>
+            </a:pPr>
+            <a:r>
+              <a:rPr lang="en-US" altLang="zh-CN"/>
+              <a:t>Fairness x framing x 5 groups</a:t>
+            </a:r>
+            <a:endParaRPr lang="en-US"/>
+          </a:p>
+        </c:rich>
+      </c:tx>
+      <c:layout/>
+      <c:overlay val="0"/>
+      <c:spPr>
+        <a:noFill/>
+        <a:ln>
+          <a:noFill/>
+        </a:ln>
+        <a:effectLst/>
+      </c:spPr>
+      <c:txPr>
+        <a:bodyPr rot="0" spcFirstLastPara="1" vertOverflow="ellipsis" vert="horz" wrap="square" anchor="ctr" anchorCtr="1"/>
+        <a:lstStyle/>
+        <a:p>
+          <a:pPr>
+            <a:defRPr sz="1400" b="0" i="0" u="none" strike="noStrike" kern="1200" spc="0" baseline="0">
+              <a:solidFill>
+                <a:schemeClr val="tx1">
+                  <a:lumMod val="65000"/>
+                  <a:lumOff val="35000"/>
+                </a:schemeClr>
+              </a:solidFill>
+              <a:latin typeface="+mn-lt"/>
+              <a:ea typeface="+mn-ea"/>
+              <a:cs typeface="+mn-cs"/>
+            </a:defRPr>
+          </a:pPr>
+          <a:endParaRPr lang="en-US"/>
+        </a:p>
+      </c:txPr>
+    </c:title>
+    <c:autoTitleDeleted val="0"/>
+    <c:plotArea>
+      <c:layout/>
+      <c:barChart>
+        <c:barDir val="col"/>
+        <c:grouping val="clustered"/>
+        <c:varyColors val="0"/>
+        <c:ser>
+          <c:idx val="0"/>
+          <c:order val="0"/>
+          <c:tx>
+            <c:strRef>
+              <c:f>group5_3way_graph!$A$15</c:f>
+              <c:strCache>
+                <c:ptCount val="1"/>
+                <c:pt idx="0">
+                  <c:v>AttempterHL</c:v>
+                </c:pt>
+              </c:strCache>
+            </c:strRef>
+          </c:tx>
+          <c:spPr>
+            <a:solidFill>
+              <a:schemeClr val="accent1"/>
+            </a:solidFill>
+            <a:ln>
+              <a:noFill/>
+            </a:ln>
+            <a:effectLst/>
+          </c:spPr>
+          <c:invertIfNegative val="0"/>
+          <c:cat>
+            <c:multiLvlStrRef>
+              <c:f>group5_3way_graph!$B$12:$I$14</c:f>
+              <c:multiLvlStrCache>
+                <c:ptCount val="8"/>
+                <c:lvl>
+                  <c:pt idx="0">
+                    <c:v>reject</c:v>
+                  </c:pt>
+                  <c:pt idx="1">
+                    <c:v>accept</c:v>
+                  </c:pt>
+                  <c:pt idx="2">
+                    <c:v>reject</c:v>
+                  </c:pt>
+                  <c:pt idx="3">
+                    <c:v>accept</c:v>
+                  </c:pt>
+                  <c:pt idx="4">
+                    <c:v>reject</c:v>
+                  </c:pt>
+                  <c:pt idx="5">
+                    <c:v>accept</c:v>
+                  </c:pt>
+                  <c:pt idx="6">
+                    <c:v>reject</c:v>
+                  </c:pt>
+                  <c:pt idx="7">
+                    <c:v>accept</c:v>
+                  </c:pt>
+                </c:lvl>
+                <c:lvl>
+                  <c:pt idx="0">
+                    <c:v>empathy</c:v>
+                  </c:pt>
+                  <c:pt idx="2">
+                    <c:v>punish</c:v>
+                  </c:pt>
+                  <c:pt idx="4">
+                    <c:v>empathy</c:v>
+                  </c:pt>
+                  <c:pt idx="6">
+                    <c:v>punish</c:v>
+                  </c:pt>
+                </c:lvl>
+                <c:lvl>
+                  <c:pt idx="0">
+                    <c:v>fair</c:v>
+                  </c:pt>
+                  <c:pt idx="4">
+                    <c:v>unfair</c:v>
+                  </c:pt>
+                </c:lvl>
+              </c:multiLvlStrCache>
+            </c:multiLvlStrRef>
+          </c:cat>
+          <c:val>
+            <c:numRef>
+              <c:f>group5_3way_graph!$B$15:$I$15</c:f>
+              <c:numCache>
+                <c:formatCode>General</c:formatCode>
+                <c:ptCount val="8"/>
+                <c:pt idx="0">
+                  <c:v>0.0470588235294118</c:v>
+                </c:pt>
+                <c:pt idx="1">
+                  <c:v>0.952941176470588</c:v>
+                </c:pt>
+                <c:pt idx="2">
+                  <c:v>0.423529411764706</c:v>
+                </c:pt>
+                <c:pt idx="3">
+                  <c:v>0.576470588235294</c:v>
+                </c:pt>
+                <c:pt idx="4">
+                  <c:v>0.179271708683473</c:v>
+                </c:pt>
+                <c:pt idx="5">
+                  <c:v>0.820728291316527</c:v>
+                </c:pt>
+                <c:pt idx="6">
+                  <c:v>0.675070028011204</c:v>
+                </c:pt>
+                <c:pt idx="7">
+                  <c:v>0.324929971988795</c:v>
+                </c:pt>
+              </c:numCache>
+            </c:numRef>
+          </c:val>
+        </c:ser>
+        <c:ser>
+          <c:idx val="1"/>
+          <c:order val="1"/>
+          <c:tx>
+            <c:strRef>
+              <c:f>group5_3way_graph!$A$16</c:f>
+              <c:strCache>
+                <c:ptCount val="1"/>
+                <c:pt idx="0">
+                  <c:v>AttempterLL</c:v>
+                </c:pt>
+              </c:strCache>
+            </c:strRef>
+          </c:tx>
+          <c:spPr>
+            <a:solidFill>
+              <a:schemeClr val="accent2"/>
+            </a:solidFill>
+            <a:ln>
+              <a:noFill/>
+            </a:ln>
+            <a:effectLst/>
+          </c:spPr>
+          <c:invertIfNegative val="0"/>
+          <c:cat>
+            <c:multiLvlStrRef>
+              <c:f>group5_3way_graph!$B$12:$I$14</c:f>
+              <c:multiLvlStrCache>
+                <c:ptCount val="8"/>
+                <c:lvl>
+                  <c:pt idx="0">
+                    <c:v>reject</c:v>
+                  </c:pt>
+                  <c:pt idx="1">
+                    <c:v>accept</c:v>
+                  </c:pt>
+                  <c:pt idx="2">
+                    <c:v>reject</c:v>
+                  </c:pt>
+                  <c:pt idx="3">
+                    <c:v>accept</c:v>
+                  </c:pt>
+                  <c:pt idx="4">
+                    <c:v>reject</c:v>
+                  </c:pt>
+                  <c:pt idx="5">
+                    <c:v>accept</c:v>
+                  </c:pt>
+                  <c:pt idx="6">
+                    <c:v>reject</c:v>
+                  </c:pt>
+                  <c:pt idx="7">
+                    <c:v>accept</c:v>
+                  </c:pt>
+                </c:lvl>
+                <c:lvl>
+                  <c:pt idx="0">
+                    <c:v>empathy</c:v>
+                  </c:pt>
+                  <c:pt idx="2">
+                    <c:v>punish</c:v>
+                  </c:pt>
+                  <c:pt idx="4">
+                    <c:v>empathy</c:v>
+                  </c:pt>
+                  <c:pt idx="6">
+                    <c:v>punish</c:v>
+                  </c:pt>
+                </c:lvl>
+                <c:lvl>
+                  <c:pt idx="0">
+                    <c:v>fair</c:v>
+                  </c:pt>
+                  <c:pt idx="4">
+                    <c:v>unfair</c:v>
+                  </c:pt>
+                </c:lvl>
+              </c:multiLvlStrCache>
+            </c:multiLvlStrRef>
+          </c:cat>
+          <c:val>
+            <c:numRef>
+              <c:f>group5_3way_graph!$B$16:$I$16</c:f>
+              <c:numCache>
+                <c:formatCode>General</c:formatCode>
+                <c:ptCount val="8"/>
+                <c:pt idx="0">
+                  <c:v>0.0947368421052631</c:v>
+                </c:pt>
+                <c:pt idx="1">
+                  <c:v>0.905263157894737</c:v>
+                </c:pt>
+                <c:pt idx="2">
+                  <c:v>0.305263157894737</c:v>
+                </c:pt>
+                <c:pt idx="3">
+                  <c:v>0.694736842105263</c:v>
+                </c:pt>
+                <c:pt idx="4">
+                  <c:v>0.243107769423559</c:v>
+                </c:pt>
+                <c:pt idx="5">
+                  <c:v>0.756892230576441</c:v>
+                </c:pt>
+                <c:pt idx="6">
+                  <c:v>0.659147869674185</c:v>
+                </c:pt>
+                <c:pt idx="7">
+                  <c:v>0.340852130325814</c:v>
+                </c:pt>
+              </c:numCache>
+            </c:numRef>
+          </c:val>
+        </c:ser>
+        <c:ser>
+          <c:idx val="2"/>
+          <c:order val="2"/>
+          <c:tx>
+            <c:strRef>
+              <c:f>group5_3way_graph!$A$17</c:f>
+              <c:strCache>
+                <c:ptCount val="1"/>
+                <c:pt idx="0">
+                  <c:v>control</c:v>
+                </c:pt>
+              </c:strCache>
+            </c:strRef>
+          </c:tx>
+          <c:spPr>
+            <a:solidFill>
+              <a:schemeClr val="accent3"/>
+            </a:solidFill>
+            <a:ln>
+              <a:noFill/>
+            </a:ln>
+            <a:effectLst/>
+          </c:spPr>
+          <c:invertIfNegative val="0"/>
+          <c:cat>
+            <c:multiLvlStrRef>
+              <c:f>group5_3way_graph!$B$12:$I$14</c:f>
+              <c:multiLvlStrCache>
+                <c:ptCount val="8"/>
+                <c:lvl>
+                  <c:pt idx="0">
+                    <c:v>reject</c:v>
+                  </c:pt>
+                  <c:pt idx="1">
+                    <c:v>accept</c:v>
+                  </c:pt>
+                  <c:pt idx="2">
+                    <c:v>reject</c:v>
+                  </c:pt>
+                  <c:pt idx="3">
+                    <c:v>accept</c:v>
+                  </c:pt>
+                  <c:pt idx="4">
+                    <c:v>reject</c:v>
+                  </c:pt>
+                  <c:pt idx="5">
+                    <c:v>accept</c:v>
+                  </c:pt>
+                  <c:pt idx="6">
+                    <c:v>reject</c:v>
+                  </c:pt>
+                  <c:pt idx="7">
+                    <c:v>accept</c:v>
+                  </c:pt>
+                </c:lvl>
+                <c:lvl>
+                  <c:pt idx="0">
+                    <c:v>empathy</c:v>
+                  </c:pt>
+                  <c:pt idx="2">
+                    <c:v>punish</c:v>
+                  </c:pt>
+                  <c:pt idx="4">
+                    <c:v>empathy</c:v>
+                  </c:pt>
+                  <c:pt idx="6">
+                    <c:v>punish</c:v>
+                  </c:pt>
+                </c:lvl>
+                <c:lvl>
+                  <c:pt idx="0">
+                    <c:v>fair</c:v>
+                  </c:pt>
+                  <c:pt idx="4">
+                    <c:v>unfair</c:v>
+                  </c:pt>
+                </c:lvl>
+              </c:multiLvlStrCache>
+            </c:multiLvlStrRef>
+          </c:cat>
+          <c:val>
+            <c:numRef>
+              <c:f>group5_3way_graph!$B$17:$I$17</c:f>
+              <c:numCache>
+                <c:formatCode>General</c:formatCode>
+                <c:ptCount val="8"/>
+                <c:pt idx="0">
+                  <c:v>0.0583333333333333</c:v>
+                </c:pt>
+                <c:pt idx="1">
+                  <c:v>0.941666666666667</c:v>
+                </c:pt>
+                <c:pt idx="2">
+                  <c:v>0.316666666666667</c:v>
+                </c:pt>
+                <c:pt idx="3">
+                  <c:v>0.683333333333333</c:v>
+                </c:pt>
+                <c:pt idx="4">
+                  <c:v>0.126984126984127</c:v>
+                </c:pt>
+                <c:pt idx="5">
+                  <c:v>0.873015873015873</c:v>
+                </c:pt>
+                <c:pt idx="6">
+                  <c:v>0.599206349206349</c:v>
+                </c:pt>
+                <c:pt idx="7">
+                  <c:v>0.400793650793651</c:v>
+                </c:pt>
+              </c:numCache>
+            </c:numRef>
+          </c:val>
+        </c:ser>
+        <c:ser>
+          <c:idx val="3"/>
+          <c:order val="3"/>
+          <c:tx>
+            <c:strRef>
+              <c:f>group5_3way_graph!$A$18</c:f>
+              <c:strCache>
+                <c:ptCount val="1"/>
+                <c:pt idx="0">
+                  <c:v>depression</c:v>
+                </c:pt>
+              </c:strCache>
+            </c:strRef>
+          </c:tx>
+          <c:spPr>
+            <a:solidFill>
+              <a:schemeClr val="accent4"/>
+            </a:solidFill>
+            <a:ln>
+              <a:noFill/>
+            </a:ln>
+            <a:effectLst/>
+          </c:spPr>
+          <c:invertIfNegative val="0"/>
+          <c:cat>
+            <c:multiLvlStrRef>
+              <c:f>group5_3way_graph!$B$12:$I$14</c:f>
+              <c:multiLvlStrCache>
+                <c:ptCount val="8"/>
+                <c:lvl>
+                  <c:pt idx="0">
+                    <c:v>reject</c:v>
+                  </c:pt>
+                  <c:pt idx="1">
+                    <c:v>accept</c:v>
+                  </c:pt>
+                  <c:pt idx="2">
+                    <c:v>reject</c:v>
+                  </c:pt>
+                  <c:pt idx="3">
+                    <c:v>accept</c:v>
+                  </c:pt>
+                  <c:pt idx="4">
+                    <c:v>reject</c:v>
+                  </c:pt>
+                  <c:pt idx="5">
+                    <c:v>accept</c:v>
+                  </c:pt>
+                  <c:pt idx="6">
+                    <c:v>reject</c:v>
+                  </c:pt>
+                  <c:pt idx="7">
+                    <c:v>accept</c:v>
+                  </c:pt>
+                </c:lvl>
+                <c:lvl>
+                  <c:pt idx="0">
+                    <c:v>empathy</c:v>
+                  </c:pt>
+                  <c:pt idx="2">
+                    <c:v>punish</c:v>
+                  </c:pt>
+                  <c:pt idx="4">
+                    <c:v>empathy</c:v>
+                  </c:pt>
+                  <c:pt idx="6">
+                    <c:v>punish</c:v>
+                  </c:pt>
+                </c:lvl>
+                <c:lvl>
+                  <c:pt idx="0">
+                    <c:v>fair</c:v>
+                  </c:pt>
+                  <c:pt idx="4">
+                    <c:v>unfair</c:v>
+                  </c:pt>
+                </c:lvl>
+              </c:multiLvlStrCache>
+            </c:multiLvlStrRef>
+          </c:cat>
+          <c:val>
+            <c:numRef>
+              <c:f>group5_3way_graph!$B$18:$I$18</c:f>
+              <c:numCache>
+                <c:formatCode>General</c:formatCode>
+                <c:ptCount val="8"/>
+                <c:pt idx="0">
+                  <c:v>0.0608695652173913</c:v>
+                </c:pt>
+                <c:pt idx="1">
+                  <c:v>0.939130434782609</c:v>
+                </c:pt>
+                <c:pt idx="2">
+                  <c:v>0.278260869565217</c:v>
+                </c:pt>
+                <c:pt idx="3">
+                  <c:v>0.721739130434783</c:v>
+                </c:pt>
+                <c:pt idx="4">
+                  <c:v>0.173913043478261</c:v>
+                </c:pt>
+                <c:pt idx="5">
+                  <c:v>0.826086956521739</c:v>
+                </c:pt>
+                <c:pt idx="6">
+                  <c:v>0.472049689440994</c:v>
+                </c:pt>
+                <c:pt idx="7">
+                  <c:v>0.527950310559006</c:v>
+                </c:pt>
+              </c:numCache>
+            </c:numRef>
+          </c:val>
+        </c:ser>
+        <c:ser>
+          <c:idx val="4"/>
+          <c:order val="4"/>
+          <c:tx>
+            <c:strRef>
+              <c:f>group5_3way_graph!$A$19</c:f>
+              <c:strCache>
+                <c:ptCount val="1"/>
+                <c:pt idx="0">
+                  <c:v>ideator</c:v>
+                </c:pt>
+              </c:strCache>
+            </c:strRef>
+          </c:tx>
+          <c:spPr>
+            <a:solidFill>
+              <a:schemeClr val="accent5"/>
+            </a:solidFill>
+            <a:ln>
+              <a:noFill/>
+            </a:ln>
+            <a:effectLst/>
+          </c:spPr>
+          <c:invertIfNegative val="0"/>
+          <c:cat>
+            <c:multiLvlStrRef>
+              <c:f>group5_3way_graph!$B$12:$I$14</c:f>
+              <c:multiLvlStrCache>
+                <c:ptCount val="8"/>
+                <c:lvl>
+                  <c:pt idx="0">
+                    <c:v>reject</c:v>
+                  </c:pt>
+                  <c:pt idx="1">
+                    <c:v>accept</c:v>
+                  </c:pt>
+                  <c:pt idx="2">
+                    <c:v>reject</c:v>
+                  </c:pt>
+                  <c:pt idx="3">
+                    <c:v>accept</c:v>
+                  </c:pt>
+                  <c:pt idx="4">
+                    <c:v>reject</c:v>
+                  </c:pt>
+                  <c:pt idx="5">
+                    <c:v>accept</c:v>
+                  </c:pt>
+                  <c:pt idx="6">
+                    <c:v>reject</c:v>
+                  </c:pt>
+                  <c:pt idx="7">
+                    <c:v>accept</c:v>
+                  </c:pt>
+                </c:lvl>
+                <c:lvl>
+                  <c:pt idx="0">
+                    <c:v>empathy</c:v>
+                  </c:pt>
+                  <c:pt idx="2">
+                    <c:v>punish</c:v>
+                  </c:pt>
+                  <c:pt idx="4">
+                    <c:v>empathy</c:v>
+                  </c:pt>
+                  <c:pt idx="6">
+                    <c:v>punish</c:v>
+                  </c:pt>
+                </c:lvl>
+                <c:lvl>
+                  <c:pt idx="0">
+                    <c:v>fair</c:v>
+                  </c:pt>
+                  <c:pt idx="4">
+                    <c:v>unfair</c:v>
+                  </c:pt>
+                </c:lvl>
+              </c:multiLvlStrCache>
+            </c:multiLvlStrRef>
+          </c:cat>
+          <c:val>
+            <c:numRef>
+              <c:f>group5_3way_graph!$B$19:$I$19</c:f>
+              <c:numCache>
+                <c:formatCode>General</c:formatCode>
+                <c:ptCount val="8"/>
+                <c:pt idx="0">
+                  <c:v>0.01</c:v>
+                </c:pt>
+                <c:pt idx="1">
+                  <c:v>0.99</c:v>
+                </c:pt>
+                <c:pt idx="2">
+                  <c:v>0.32</c:v>
+                </c:pt>
+                <c:pt idx="3">
+                  <c:v>0.68</c:v>
+                </c:pt>
+                <c:pt idx="4">
+                  <c:v>0.0976190476190476</c:v>
+                </c:pt>
+                <c:pt idx="5">
+                  <c:v>0.902380952380952</c:v>
+                </c:pt>
+                <c:pt idx="6">
+                  <c:v>0.585714285714286</c:v>
+                </c:pt>
+                <c:pt idx="7">
+                  <c:v>0.414285714285714</c:v>
+                </c:pt>
+              </c:numCache>
+            </c:numRef>
+          </c:val>
+        </c:ser>
+        <c:dLbls>
+          <c:showLegendKey val="0"/>
+          <c:showVal val="0"/>
+          <c:showCatName val="0"/>
+          <c:showSerName val="0"/>
+          <c:showPercent val="0"/>
+          <c:showBubbleSize val="0"/>
+        </c:dLbls>
+        <c:gapWidth val="219"/>
+        <c:overlap val="-27"/>
+        <c:axId val="-1152756912"/>
+        <c:axId val="-1152755136"/>
+      </c:barChart>
+      <c:catAx>
+        <c:axId val="-1152756912"/>
+        <c:scaling>
+          <c:orientation val="minMax"/>
+        </c:scaling>
+        <c:delete val="0"/>
+        <c:axPos val="b"/>
+        <c:numFmt formatCode="General" sourceLinked="1"/>
+        <c:majorTickMark val="none"/>
+        <c:minorTickMark val="none"/>
+        <c:tickLblPos val="nextTo"/>
+        <c:spPr>
+          <a:noFill/>
+          <a:ln w="9525" cap="flat" cmpd="sng" algn="ctr">
+            <a:solidFill>
+              <a:schemeClr val="tx1">
+                <a:lumMod val="15000"/>
+                <a:lumOff val="85000"/>
+              </a:schemeClr>
+            </a:solidFill>
+            <a:round/>
+          </a:ln>
+          <a:effectLst/>
+        </c:spPr>
+        <c:txPr>
+          <a:bodyPr rot="-60000000" spcFirstLastPara="1" vertOverflow="ellipsis" vert="horz" wrap="square" anchor="ctr" anchorCtr="1"/>
+          <a:lstStyle/>
+          <a:p>
+            <a:pPr>
+              <a:defRPr sz="900" b="0" i="0" u="none" strike="noStrike" kern="1200" baseline="0">
+                <a:solidFill>
+                  <a:schemeClr val="tx1">
+                    <a:lumMod val="65000"/>
+                    <a:lumOff val="35000"/>
+                  </a:schemeClr>
+                </a:solidFill>
+                <a:latin typeface="+mn-lt"/>
+                <a:ea typeface="+mn-ea"/>
+                <a:cs typeface="+mn-cs"/>
+              </a:defRPr>
+            </a:pPr>
+            <a:endParaRPr lang="en-US"/>
+          </a:p>
+        </c:txPr>
+        <c:crossAx val="-1152755136"/>
+        <c:crosses val="autoZero"/>
+        <c:auto val="1"/>
+        <c:lblAlgn val="ctr"/>
+        <c:lblOffset val="100"/>
+        <c:noMultiLvlLbl val="0"/>
+      </c:catAx>
+      <c:valAx>
+        <c:axId val="-1152755136"/>
+        <c:scaling>
+          <c:orientation val="minMax"/>
+          <c:max val="1.0"/>
+        </c:scaling>
+        <c:delete val="0"/>
+        <c:axPos val="l"/>
+        <c:majorGridlines>
+          <c:spPr>
+            <a:ln w="9525" cap="flat" cmpd="sng" algn="ctr">
+              <a:solidFill>
+                <a:schemeClr val="tx1">
+                  <a:lumMod val="15000"/>
+                  <a:lumOff val="85000"/>
+                </a:schemeClr>
+              </a:solidFill>
+              <a:round/>
+            </a:ln>
+            <a:effectLst/>
+          </c:spPr>
+        </c:majorGridlines>
+        <c:majorTickMark val="none"/>
+        <c:minorTickMark val="none"/>
+        <c:tickLblPos val="nextTo"/>
+        <c:spPr>
+          <a:noFill/>
+          <a:ln>
+            <a:noFill/>
+          </a:ln>
+          <a:effectLst/>
+        </c:spPr>
+        <c:txPr>
+          <a:bodyPr rot="-60000000" spcFirstLastPara="1" vertOverflow="ellipsis" vert="horz" wrap="square" anchor="ctr" anchorCtr="1"/>
+          <a:lstStyle/>
+          <a:p>
+            <a:pPr>
+              <a:defRPr sz="900" b="0" i="0" u="none" strike="noStrike" kern="1200" baseline="0">
+                <a:solidFill>
+                  <a:schemeClr val="tx1">
+                    <a:lumMod val="65000"/>
+                    <a:lumOff val="35000"/>
+                  </a:schemeClr>
+                </a:solidFill>
+                <a:latin typeface="+mn-lt"/>
+                <a:ea typeface="+mn-ea"/>
+                <a:cs typeface="+mn-cs"/>
+              </a:defRPr>
+            </a:pPr>
+            <a:endParaRPr lang="en-US"/>
+          </a:p>
+        </c:txPr>
+        <c:crossAx val="-1152756912"/>
+        <c:crosses val="autoZero"/>
+        <c:crossBetween val="between"/>
+      </c:valAx>
+      <c:spPr>
+        <a:noFill/>
+        <a:ln>
+          <a:noFill/>
+        </a:ln>
+        <a:effectLst/>
+      </c:spPr>
+    </c:plotArea>
+    <c:legend>
+      <c:legendPos val="b"/>
+      <c:layout/>
       <c:overlay val="0"/>
       <c:spPr>
         <a:noFill/>
@@ -4180,6 +5752,86 @@
 </cs:colorStyle>
 </file>
 
+<file path=ppt/charts/colors5.xml><?xml version="1.0" encoding="utf-8"?>
+<cs:colorStyle xmlns:cs="http://schemas.microsoft.com/office/drawing/2012/chartStyle" xmlns:a="http://schemas.openxmlformats.org/drawingml/2006/main" meth="cycle" id="10">
+  <a:schemeClr val="accent1"/>
+  <a:schemeClr val="accent2"/>
+  <a:schemeClr val="accent3"/>
+  <a:schemeClr val="accent4"/>
+  <a:schemeClr val="accent5"/>
+  <a:schemeClr val="accent6"/>
+  <cs:variation/>
+  <cs:variation>
+    <a:lumMod val="60000"/>
+  </cs:variation>
+  <cs:variation>
+    <a:lumMod val="80000"/>
+    <a:lumOff val="20000"/>
+  </cs:variation>
+  <cs:variation>
+    <a:lumMod val="80000"/>
+  </cs:variation>
+  <cs:variation>
+    <a:lumMod val="60000"/>
+    <a:lumOff val="40000"/>
+  </cs:variation>
+  <cs:variation>
+    <a:lumMod val="50000"/>
+  </cs:variation>
+  <cs:variation>
+    <a:lumMod val="70000"/>
+    <a:lumOff val="30000"/>
+  </cs:variation>
+  <cs:variation>
+    <a:lumMod val="70000"/>
+  </cs:variation>
+  <cs:variation>
+    <a:lumMod val="50000"/>
+    <a:lumOff val="50000"/>
+  </cs:variation>
+</cs:colorStyle>
+</file>
+
+<file path=ppt/charts/colors6.xml><?xml version="1.0" encoding="utf-8"?>
+<cs:colorStyle xmlns:cs="http://schemas.microsoft.com/office/drawing/2012/chartStyle" xmlns:a="http://schemas.openxmlformats.org/drawingml/2006/main" meth="cycle" id="10">
+  <a:schemeClr val="accent1"/>
+  <a:schemeClr val="accent2"/>
+  <a:schemeClr val="accent3"/>
+  <a:schemeClr val="accent4"/>
+  <a:schemeClr val="accent5"/>
+  <a:schemeClr val="accent6"/>
+  <cs:variation/>
+  <cs:variation>
+    <a:lumMod val="60000"/>
+  </cs:variation>
+  <cs:variation>
+    <a:lumMod val="80000"/>
+    <a:lumOff val="20000"/>
+  </cs:variation>
+  <cs:variation>
+    <a:lumMod val="80000"/>
+  </cs:variation>
+  <cs:variation>
+    <a:lumMod val="60000"/>
+    <a:lumOff val="40000"/>
+  </cs:variation>
+  <cs:variation>
+    <a:lumMod val="50000"/>
+  </cs:variation>
+  <cs:variation>
+    <a:lumMod val="70000"/>
+    <a:lumOff val="30000"/>
+  </cs:variation>
+  <cs:variation>
+    <a:lumMod val="70000"/>
+  </cs:variation>
+  <cs:variation>
+    <a:lumMod val="50000"/>
+    <a:lumOff val="50000"/>
+  </cs:variation>
+</cs:colorStyle>
+</file>
+
 <file path=ppt/charts/style1.xml><?xml version="1.0" encoding="utf-8"?>
 <cs:chartStyle xmlns:cs="http://schemas.microsoft.com/office/drawing/2012/chartStyle" xmlns:a="http://schemas.openxmlformats.org/drawingml/2006/main" id="201">
   <cs:axisTitle>
@@ -5690,6 +7342,1012 @@
 </file>
 
 <file path=ppt/charts/style4.xml><?xml version="1.0" encoding="utf-8"?>
+<cs:chartStyle xmlns:cs="http://schemas.microsoft.com/office/drawing/2012/chartStyle" xmlns:a="http://schemas.openxmlformats.org/drawingml/2006/main" id="201">
+  <cs:axisTitle>
+    <cs:lnRef idx="0"/>
+    <cs:fillRef idx="0"/>
+    <cs:effectRef idx="0"/>
+    <cs:fontRef idx="minor">
+      <a:schemeClr val="tx1">
+        <a:lumMod val="65000"/>
+        <a:lumOff val="35000"/>
+      </a:schemeClr>
+    </cs:fontRef>
+    <cs:defRPr sz="1000" kern="1200"/>
+  </cs:axisTitle>
+  <cs:categoryAxis>
+    <cs:lnRef idx="0"/>
+    <cs:fillRef idx="0"/>
+    <cs:effectRef idx="0"/>
+    <cs:fontRef idx="minor">
+      <a:schemeClr val="tx1">
+        <a:lumMod val="65000"/>
+        <a:lumOff val="35000"/>
+      </a:schemeClr>
+    </cs:fontRef>
+    <cs:spPr>
+      <a:ln w="9525" cap="flat" cmpd="sng" algn="ctr">
+        <a:solidFill>
+          <a:schemeClr val="tx1">
+            <a:lumMod val="15000"/>
+            <a:lumOff val="85000"/>
+          </a:schemeClr>
+        </a:solidFill>
+        <a:round/>
+      </a:ln>
+    </cs:spPr>
+    <cs:defRPr sz="900" kern="1200"/>
+  </cs:categoryAxis>
+  <cs:chartArea mods="allowNoFillOverride allowNoLineOverride">
+    <cs:lnRef idx="0"/>
+    <cs:fillRef idx="0"/>
+    <cs:effectRef idx="0"/>
+    <cs:fontRef idx="minor">
+      <a:schemeClr val="tx1"/>
+    </cs:fontRef>
+    <cs:spPr>
+      <a:solidFill>
+        <a:schemeClr val="bg1"/>
+      </a:solidFill>
+      <a:ln w="9525" cap="flat" cmpd="sng" algn="ctr">
+        <a:solidFill>
+          <a:schemeClr val="tx1">
+            <a:lumMod val="15000"/>
+            <a:lumOff val="85000"/>
+          </a:schemeClr>
+        </a:solidFill>
+        <a:round/>
+      </a:ln>
+    </cs:spPr>
+    <cs:defRPr sz="1000" kern="1200"/>
+  </cs:chartArea>
+  <cs:dataLabel>
+    <cs:lnRef idx="0"/>
+    <cs:fillRef idx="0"/>
+    <cs:effectRef idx="0"/>
+    <cs:fontRef idx="minor">
+      <a:schemeClr val="tx1">
+        <a:lumMod val="75000"/>
+        <a:lumOff val="25000"/>
+      </a:schemeClr>
+    </cs:fontRef>
+    <cs:defRPr sz="900" kern="1200"/>
+  </cs:dataLabel>
+  <cs:dataLabelCallout>
+    <cs:lnRef idx="0"/>
+    <cs:fillRef idx="0"/>
+    <cs:effectRef idx="0"/>
+    <cs:fontRef idx="minor">
+      <a:schemeClr val="dk1">
+        <a:lumMod val="65000"/>
+        <a:lumOff val="35000"/>
+      </a:schemeClr>
+    </cs:fontRef>
+    <cs:spPr>
+      <a:solidFill>
+        <a:schemeClr val="lt1"/>
+      </a:solidFill>
+      <a:ln>
+        <a:solidFill>
+          <a:schemeClr val="dk1">
+            <a:lumMod val="25000"/>
+            <a:lumOff val="75000"/>
+          </a:schemeClr>
+        </a:solidFill>
+      </a:ln>
+    </cs:spPr>
+    <cs:defRPr sz="900" kern="1200"/>
+    <cs:bodyPr rot="0" spcFirstLastPara="1" vertOverflow="clip" horzOverflow="clip" vert="horz" wrap="square" lIns="36576" tIns="18288" rIns="36576" bIns="18288" anchor="ctr" anchorCtr="1">
+      <a:spAutoFit/>
+    </cs:bodyPr>
+  </cs:dataLabelCallout>
+  <cs:dataPoint>
+    <cs:lnRef idx="0"/>
+    <cs:fillRef idx="1">
+      <cs:styleClr val="auto"/>
+    </cs:fillRef>
+    <cs:effectRef idx="0"/>
+    <cs:fontRef idx="minor">
+      <a:schemeClr val="tx1"/>
+    </cs:fontRef>
+  </cs:dataPoint>
+  <cs:dataPoint3D>
+    <cs:lnRef idx="0"/>
+    <cs:fillRef idx="1">
+      <cs:styleClr val="auto"/>
+    </cs:fillRef>
+    <cs:effectRef idx="0"/>
+    <cs:fontRef idx="minor">
+      <a:schemeClr val="tx1"/>
+    </cs:fontRef>
+  </cs:dataPoint3D>
+  <cs:dataPointLine>
+    <cs:lnRef idx="0">
+      <cs:styleClr val="auto"/>
+    </cs:lnRef>
+    <cs:fillRef idx="1"/>
+    <cs:effectRef idx="0"/>
+    <cs:fontRef idx="minor">
+      <a:schemeClr val="tx1"/>
+    </cs:fontRef>
+    <cs:spPr>
+      <a:ln w="28575" cap="rnd">
+        <a:solidFill>
+          <a:schemeClr val="phClr"/>
+        </a:solidFill>
+        <a:round/>
+      </a:ln>
+    </cs:spPr>
+  </cs:dataPointLine>
+  <cs:dataPointMarker>
+    <cs:lnRef idx="0">
+      <cs:styleClr val="auto"/>
+    </cs:lnRef>
+    <cs:fillRef idx="1">
+      <cs:styleClr val="auto"/>
+    </cs:fillRef>
+    <cs:effectRef idx="0"/>
+    <cs:fontRef idx="minor">
+      <a:schemeClr val="tx1"/>
+    </cs:fontRef>
+    <cs:spPr>
+      <a:ln w="9525">
+        <a:solidFill>
+          <a:schemeClr val="phClr"/>
+        </a:solidFill>
+      </a:ln>
+    </cs:spPr>
+  </cs:dataPointMarker>
+  <cs:dataPointMarkerLayout symbol="circle" size="5"/>
+  <cs:dataPointWireframe>
+    <cs:lnRef idx="0">
+      <cs:styleClr val="auto"/>
+    </cs:lnRef>
+    <cs:fillRef idx="1"/>
+    <cs:effectRef idx="0"/>
+    <cs:fontRef idx="minor">
+      <a:schemeClr val="tx1"/>
+    </cs:fontRef>
+    <cs:spPr>
+      <a:ln w="9525" cap="rnd">
+        <a:solidFill>
+          <a:schemeClr val="phClr"/>
+        </a:solidFill>
+        <a:round/>
+      </a:ln>
+    </cs:spPr>
+  </cs:dataPointWireframe>
+  <cs:dataTable>
+    <cs:lnRef idx="0"/>
+    <cs:fillRef idx="0"/>
+    <cs:effectRef idx="0"/>
+    <cs:fontRef idx="minor">
+      <a:schemeClr val="tx1">
+        <a:lumMod val="65000"/>
+        <a:lumOff val="35000"/>
+      </a:schemeClr>
+    </cs:fontRef>
+    <cs:spPr>
+      <a:noFill/>
+      <a:ln w="9525" cap="flat" cmpd="sng" algn="ctr">
+        <a:solidFill>
+          <a:schemeClr val="tx1">
+            <a:lumMod val="15000"/>
+            <a:lumOff val="85000"/>
+          </a:schemeClr>
+        </a:solidFill>
+        <a:round/>
+      </a:ln>
+    </cs:spPr>
+    <cs:defRPr sz="900" kern="1200"/>
+  </cs:dataTable>
+  <cs:downBar>
+    <cs:lnRef idx="0"/>
+    <cs:fillRef idx="0"/>
+    <cs:effectRef idx="0"/>
+    <cs:fontRef idx="minor">
+      <a:schemeClr val="dk1"/>
+    </cs:fontRef>
+    <cs:spPr>
+      <a:solidFill>
+        <a:schemeClr val="dk1">
+          <a:lumMod val="65000"/>
+          <a:lumOff val="35000"/>
+        </a:schemeClr>
+      </a:solidFill>
+      <a:ln w="9525">
+        <a:solidFill>
+          <a:schemeClr val="tx1">
+            <a:lumMod val="65000"/>
+            <a:lumOff val="35000"/>
+          </a:schemeClr>
+        </a:solidFill>
+      </a:ln>
+    </cs:spPr>
+  </cs:downBar>
+  <cs:dropLine>
+    <cs:lnRef idx="0"/>
+    <cs:fillRef idx="0"/>
+    <cs:effectRef idx="0"/>
+    <cs:fontRef idx="minor">
+      <a:schemeClr val="tx1"/>
+    </cs:fontRef>
+    <cs:spPr>
+      <a:ln w="9525" cap="flat" cmpd="sng" algn="ctr">
+        <a:solidFill>
+          <a:schemeClr val="tx1">
+            <a:lumMod val="35000"/>
+            <a:lumOff val="65000"/>
+          </a:schemeClr>
+        </a:solidFill>
+        <a:round/>
+      </a:ln>
+    </cs:spPr>
+  </cs:dropLine>
+  <cs:errorBar>
+    <cs:lnRef idx="0"/>
+    <cs:fillRef idx="0"/>
+    <cs:effectRef idx="0"/>
+    <cs:fontRef idx="minor">
+      <a:schemeClr val="tx1"/>
+    </cs:fontRef>
+    <cs:spPr>
+      <a:ln w="9525" cap="flat" cmpd="sng" algn="ctr">
+        <a:solidFill>
+          <a:schemeClr val="tx1">
+            <a:lumMod val="65000"/>
+            <a:lumOff val="35000"/>
+          </a:schemeClr>
+        </a:solidFill>
+        <a:round/>
+      </a:ln>
+    </cs:spPr>
+  </cs:errorBar>
+  <cs:floor>
+    <cs:lnRef idx="0"/>
+    <cs:fillRef idx="0"/>
+    <cs:effectRef idx="0"/>
+    <cs:fontRef idx="minor">
+      <a:schemeClr val="tx1"/>
+    </cs:fontRef>
+    <cs:spPr>
+      <a:noFill/>
+      <a:ln>
+        <a:noFill/>
+      </a:ln>
+    </cs:spPr>
+  </cs:floor>
+  <cs:gridlineMajor>
+    <cs:lnRef idx="0"/>
+    <cs:fillRef idx="0"/>
+    <cs:effectRef idx="0"/>
+    <cs:fontRef idx="minor">
+      <a:schemeClr val="tx1"/>
+    </cs:fontRef>
+    <cs:spPr>
+      <a:ln w="9525" cap="flat" cmpd="sng" algn="ctr">
+        <a:solidFill>
+          <a:schemeClr val="tx1">
+            <a:lumMod val="15000"/>
+            <a:lumOff val="85000"/>
+          </a:schemeClr>
+        </a:solidFill>
+        <a:round/>
+      </a:ln>
+    </cs:spPr>
+  </cs:gridlineMajor>
+  <cs:gridlineMinor>
+    <cs:lnRef idx="0"/>
+    <cs:fillRef idx="0"/>
+    <cs:effectRef idx="0"/>
+    <cs:fontRef idx="minor">
+      <a:schemeClr val="tx1"/>
+    </cs:fontRef>
+    <cs:spPr>
+      <a:ln w="9525" cap="flat" cmpd="sng" algn="ctr">
+        <a:solidFill>
+          <a:schemeClr val="tx1">
+            <a:lumMod val="5000"/>
+            <a:lumOff val="95000"/>
+          </a:schemeClr>
+        </a:solidFill>
+        <a:round/>
+      </a:ln>
+    </cs:spPr>
+  </cs:gridlineMinor>
+  <cs:hiLoLine>
+    <cs:lnRef idx="0"/>
+    <cs:fillRef idx="0"/>
+    <cs:effectRef idx="0"/>
+    <cs:fontRef idx="minor">
+      <a:schemeClr val="tx1"/>
+    </cs:fontRef>
+    <cs:spPr>
+      <a:ln w="9525" cap="flat" cmpd="sng" algn="ctr">
+        <a:solidFill>
+          <a:schemeClr val="tx1">
+            <a:lumMod val="75000"/>
+            <a:lumOff val="25000"/>
+          </a:schemeClr>
+        </a:solidFill>
+        <a:round/>
+      </a:ln>
+    </cs:spPr>
+  </cs:hiLoLine>
+  <cs:leaderLine>
+    <cs:lnRef idx="0"/>
+    <cs:fillRef idx="0"/>
+    <cs:effectRef idx="0"/>
+    <cs:fontRef idx="minor">
+      <a:schemeClr val="tx1"/>
+    </cs:fontRef>
+    <cs:spPr>
+      <a:ln w="9525" cap="flat" cmpd="sng" algn="ctr">
+        <a:solidFill>
+          <a:schemeClr val="tx1">
+            <a:lumMod val="35000"/>
+            <a:lumOff val="65000"/>
+          </a:schemeClr>
+        </a:solidFill>
+        <a:round/>
+      </a:ln>
+    </cs:spPr>
+  </cs:leaderLine>
+  <cs:legend>
+    <cs:lnRef idx="0"/>
+    <cs:fillRef idx="0"/>
+    <cs:effectRef idx="0"/>
+    <cs:fontRef idx="minor">
+      <a:schemeClr val="tx1">
+        <a:lumMod val="65000"/>
+        <a:lumOff val="35000"/>
+      </a:schemeClr>
+    </cs:fontRef>
+    <cs:defRPr sz="900" kern="1200"/>
+  </cs:legend>
+  <cs:plotArea mods="allowNoFillOverride allowNoLineOverride">
+    <cs:lnRef idx="0"/>
+    <cs:fillRef idx="0"/>
+    <cs:effectRef idx="0"/>
+    <cs:fontRef idx="minor">
+      <a:schemeClr val="tx1"/>
+    </cs:fontRef>
+  </cs:plotArea>
+  <cs:plotArea3D mods="allowNoFillOverride allowNoLineOverride">
+    <cs:lnRef idx="0"/>
+    <cs:fillRef idx="0"/>
+    <cs:effectRef idx="0"/>
+    <cs:fontRef idx="minor">
+      <a:schemeClr val="tx1"/>
+    </cs:fontRef>
+  </cs:plotArea3D>
+  <cs:seriesAxis>
+    <cs:lnRef idx="0"/>
+    <cs:fillRef idx="0"/>
+    <cs:effectRef idx="0"/>
+    <cs:fontRef idx="minor">
+      <a:schemeClr val="tx1">
+        <a:lumMod val="65000"/>
+        <a:lumOff val="35000"/>
+      </a:schemeClr>
+    </cs:fontRef>
+    <cs:defRPr sz="900" kern="1200"/>
+  </cs:seriesAxis>
+  <cs:seriesLine>
+    <cs:lnRef idx="0"/>
+    <cs:fillRef idx="0"/>
+    <cs:effectRef idx="0"/>
+    <cs:fontRef idx="minor">
+      <a:schemeClr val="tx1"/>
+    </cs:fontRef>
+    <cs:spPr>
+      <a:ln w="9525" cap="flat" cmpd="sng" algn="ctr">
+        <a:solidFill>
+          <a:schemeClr val="tx1">
+            <a:lumMod val="35000"/>
+            <a:lumOff val="65000"/>
+          </a:schemeClr>
+        </a:solidFill>
+        <a:round/>
+      </a:ln>
+    </cs:spPr>
+  </cs:seriesLine>
+  <cs:title>
+    <cs:lnRef idx="0"/>
+    <cs:fillRef idx="0"/>
+    <cs:effectRef idx="0"/>
+    <cs:fontRef idx="minor">
+      <a:schemeClr val="tx1">
+        <a:lumMod val="65000"/>
+        <a:lumOff val="35000"/>
+      </a:schemeClr>
+    </cs:fontRef>
+    <cs:defRPr sz="1400" b="0" kern="1200" spc="0" baseline="0"/>
+  </cs:title>
+  <cs:trendline>
+    <cs:lnRef idx="0">
+      <cs:styleClr val="auto"/>
+    </cs:lnRef>
+    <cs:fillRef idx="0"/>
+    <cs:effectRef idx="0"/>
+    <cs:fontRef idx="minor">
+      <a:schemeClr val="tx1"/>
+    </cs:fontRef>
+    <cs:spPr>
+      <a:ln w="19050" cap="rnd">
+        <a:solidFill>
+          <a:schemeClr val="phClr"/>
+        </a:solidFill>
+        <a:prstDash val="sysDot"/>
+      </a:ln>
+    </cs:spPr>
+  </cs:trendline>
+  <cs:trendlineLabel>
+    <cs:lnRef idx="0"/>
+    <cs:fillRef idx="0"/>
+    <cs:effectRef idx="0"/>
+    <cs:fontRef idx="minor">
+      <a:schemeClr val="tx1">
+        <a:lumMod val="65000"/>
+        <a:lumOff val="35000"/>
+      </a:schemeClr>
+    </cs:fontRef>
+    <cs:defRPr sz="900" kern="1200"/>
+  </cs:trendlineLabel>
+  <cs:upBar>
+    <cs:lnRef idx="0"/>
+    <cs:fillRef idx="0"/>
+    <cs:effectRef idx="0"/>
+    <cs:fontRef idx="minor">
+      <a:schemeClr val="dk1"/>
+    </cs:fontRef>
+    <cs:spPr>
+      <a:solidFill>
+        <a:schemeClr val="lt1"/>
+      </a:solidFill>
+      <a:ln w="9525">
+        <a:solidFill>
+          <a:schemeClr val="tx1">
+            <a:lumMod val="15000"/>
+            <a:lumOff val="85000"/>
+          </a:schemeClr>
+        </a:solidFill>
+      </a:ln>
+    </cs:spPr>
+  </cs:upBar>
+  <cs:valueAxis>
+    <cs:lnRef idx="0"/>
+    <cs:fillRef idx="0"/>
+    <cs:effectRef idx="0"/>
+    <cs:fontRef idx="minor">
+      <a:schemeClr val="tx1">
+        <a:lumMod val="65000"/>
+        <a:lumOff val="35000"/>
+      </a:schemeClr>
+    </cs:fontRef>
+    <cs:defRPr sz="900" kern="1200"/>
+  </cs:valueAxis>
+  <cs:wall>
+    <cs:lnRef idx="0"/>
+    <cs:fillRef idx="0"/>
+    <cs:effectRef idx="0"/>
+    <cs:fontRef idx="minor">
+      <a:schemeClr val="tx1"/>
+    </cs:fontRef>
+    <cs:spPr>
+      <a:noFill/>
+      <a:ln>
+        <a:noFill/>
+      </a:ln>
+    </cs:spPr>
+  </cs:wall>
+</cs:chartStyle>
+</file>
+
+<file path=ppt/charts/style5.xml><?xml version="1.0" encoding="utf-8"?>
+<cs:chartStyle xmlns:cs="http://schemas.microsoft.com/office/drawing/2012/chartStyle" xmlns:a="http://schemas.openxmlformats.org/drawingml/2006/main" id="201">
+  <cs:axisTitle>
+    <cs:lnRef idx="0"/>
+    <cs:fillRef idx="0"/>
+    <cs:effectRef idx="0"/>
+    <cs:fontRef idx="minor">
+      <a:schemeClr val="tx1">
+        <a:lumMod val="65000"/>
+        <a:lumOff val="35000"/>
+      </a:schemeClr>
+    </cs:fontRef>
+    <cs:defRPr sz="1000" kern="1200"/>
+  </cs:axisTitle>
+  <cs:categoryAxis>
+    <cs:lnRef idx="0"/>
+    <cs:fillRef idx="0"/>
+    <cs:effectRef idx="0"/>
+    <cs:fontRef idx="minor">
+      <a:schemeClr val="tx1">
+        <a:lumMod val="65000"/>
+        <a:lumOff val="35000"/>
+      </a:schemeClr>
+    </cs:fontRef>
+    <cs:spPr>
+      <a:ln w="9525" cap="flat" cmpd="sng" algn="ctr">
+        <a:solidFill>
+          <a:schemeClr val="tx1">
+            <a:lumMod val="15000"/>
+            <a:lumOff val="85000"/>
+          </a:schemeClr>
+        </a:solidFill>
+        <a:round/>
+      </a:ln>
+    </cs:spPr>
+    <cs:defRPr sz="900" kern="1200"/>
+  </cs:categoryAxis>
+  <cs:chartArea mods="allowNoFillOverride allowNoLineOverride">
+    <cs:lnRef idx="0"/>
+    <cs:fillRef idx="0"/>
+    <cs:effectRef idx="0"/>
+    <cs:fontRef idx="minor">
+      <a:schemeClr val="tx1"/>
+    </cs:fontRef>
+    <cs:spPr>
+      <a:solidFill>
+        <a:schemeClr val="bg1"/>
+      </a:solidFill>
+      <a:ln w="9525" cap="flat" cmpd="sng" algn="ctr">
+        <a:solidFill>
+          <a:schemeClr val="tx1">
+            <a:lumMod val="15000"/>
+            <a:lumOff val="85000"/>
+          </a:schemeClr>
+        </a:solidFill>
+        <a:round/>
+      </a:ln>
+    </cs:spPr>
+    <cs:defRPr sz="1000" kern="1200"/>
+  </cs:chartArea>
+  <cs:dataLabel>
+    <cs:lnRef idx="0"/>
+    <cs:fillRef idx="0"/>
+    <cs:effectRef idx="0"/>
+    <cs:fontRef idx="minor">
+      <a:schemeClr val="tx1">
+        <a:lumMod val="75000"/>
+        <a:lumOff val="25000"/>
+      </a:schemeClr>
+    </cs:fontRef>
+    <cs:defRPr sz="900" kern="1200"/>
+  </cs:dataLabel>
+  <cs:dataLabelCallout>
+    <cs:lnRef idx="0"/>
+    <cs:fillRef idx="0"/>
+    <cs:effectRef idx="0"/>
+    <cs:fontRef idx="minor">
+      <a:schemeClr val="dk1">
+        <a:lumMod val="65000"/>
+        <a:lumOff val="35000"/>
+      </a:schemeClr>
+    </cs:fontRef>
+    <cs:spPr>
+      <a:solidFill>
+        <a:schemeClr val="lt1"/>
+      </a:solidFill>
+      <a:ln>
+        <a:solidFill>
+          <a:schemeClr val="dk1">
+            <a:lumMod val="25000"/>
+            <a:lumOff val="75000"/>
+          </a:schemeClr>
+        </a:solidFill>
+      </a:ln>
+    </cs:spPr>
+    <cs:defRPr sz="900" kern="1200"/>
+    <cs:bodyPr rot="0" spcFirstLastPara="1" vertOverflow="clip" horzOverflow="clip" vert="horz" wrap="square" lIns="36576" tIns="18288" rIns="36576" bIns="18288" anchor="ctr" anchorCtr="1">
+      <a:spAutoFit/>
+    </cs:bodyPr>
+  </cs:dataLabelCallout>
+  <cs:dataPoint>
+    <cs:lnRef idx="0"/>
+    <cs:fillRef idx="1">
+      <cs:styleClr val="auto"/>
+    </cs:fillRef>
+    <cs:effectRef idx="0"/>
+    <cs:fontRef idx="minor">
+      <a:schemeClr val="tx1"/>
+    </cs:fontRef>
+  </cs:dataPoint>
+  <cs:dataPoint3D>
+    <cs:lnRef idx="0"/>
+    <cs:fillRef idx="1">
+      <cs:styleClr val="auto"/>
+    </cs:fillRef>
+    <cs:effectRef idx="0"/>
+    <cs:fontRef idx="minor">
+      <a:schemeClr val="tx1"/>
+    </cs:fontRef>
+  </cs:dataPoint3D>
+  <cs:dataPointLine>
+    <cs:lnRef idx="0">
+      <cs:styleClr val="auto"/>
+    </cs:lnRef>
+    <cs:fillRef idx="1"/>
+    <cs:effectRef idx="0"/>
+    <cs:fontRef idx="minor">
+      <a:schemeClr val="tx1"/>
+    </cs:fontRef>
+    <cs:spPr>
+      <a:ln w="28575" cap="rnd">
+        <a:solidFill>
+          <a:schemeClr val="phClr"/>
+        </a:solidFill>
+        <a:round/>
+      </a:ln>
+    </cs:spPr>
+  </cs:dataPointLine>
+  <cs:dataPointMarker>
+    <cs:lnRef idx="0">
+      <cs:styleClr val="auto"/>
+    </cs:lnRef>
+    <cs:fillRef idx="1">
+      <cs:styleClr val="auto"/>
+    </cs:fillRef>
+    <cs:effectRef idx="0"/>
+    <cs:fontRef idx="minor">
+      <a:schemeClr val="tx1"/>
+    </cs:fontRef>
+    <cs:spPr>
+      <a:ln w="9525">
+        <a:solidFill>
+          <a:schemeClr val="phClr"/>
+        </a:solidFill>
+      </a:ln>
+    </cs:spPr>
+  </cs:dataPointMarker>
+  <cs:dataPointMarkerLayout symbol="circle" size="5"/>
+  <cs:dataPointWireframe>
+    <cs:lnRef idx="0">
+      <cs:styleClr val="auto"/>
+    </cs:lnRef>
+    <cs:fillRef idx="1"/>
+    <cs:effectRef idx="0"/>
+    <cs:fontRef idx="minor">
+      <a:schemeClr val="tx1"/>
+    </cs:fontRef>
+    <cs:spPr>
+      <a:ln w="9525" cap="rnd">
+        <a:solidFill>
+          <a:schemeClr val="phClr"/>
+        </a:solidFill>
+        <a:round/>
+      </a:ln>
+    </cs:spPr>
+  </cs:dataPointWireframe>
+  <cs:dataTable>
+    <cs:lnRef idx="0"/>
+    <cs:fillRef idx="0"/>
+    <cs:effectRef idx="0"/>
+    <cs:fontRef idx="minor">
+      <a:schemeClr val="tx1">
+        <a:lumMod val="65000"/>
+        <a:lumOff val="35000"/>
+      </a:schemeClr>
+    </cs:fontRef>
+    <cs:spPr>
+      <a:noFill/>
+      <a:ln w="9525" cap="flat" cmpd="sng" algn="ctr">
+        <a:solidFill>
+          <a:schemeClr val="tx1">
+            <a:lumMod val="15000"/>
+            <a:lumOff val="85000"/>
+          </a:schemeClr>
+        </a:solidFill>
+        <a:round/>
+      </a:ln>
+    </cs:spPr>
+    <cs:defRPr sz="900" kern="1200"/>
+  </cs:dataTable>
+  <cs:downBar>
+    <cs:lnRef idx="0"/>
+    <cs:fillRef idx="0"/>
+    <cs:effectRef idx="0"/>
+    <cs:fontRef idx="minor">
+      <a:schemeClr val="dk1"/>
+    </cs:fontRef>
+    <cs:spPr>
+      <a:solidFill>
+        <a:schemeClr val="dk1">
+          <a:lumMod val="65000"/>
+          <a:lumOff val="35000"/>
+        </a:schemeClr>
+      </a:solidFill>
+      <a:ln w="9525">
+        <a:solidFill>
+          <a:schemeClr val="tx1">
+            <a:lumMod val="65000"/>
+            <a:lumOff val="35000"/>
+          </a:schemeClr>
+        </a:solidFill>
+      </a:ln>
+    </cs:spPr>
+  </cs:downBar>
+  <cs:dropLine>
+    <cs:lnRef idx="0"/>
+    <cs:fillRef idx="0"/>
+    <cs:effectRef idx="0"/>
+    <cs:fontRef idx="minor">
+      <a:schemeClr val="tx1"/>
+    </cs:fontRef>
+    <cs:spPr>
+      <a:ln w="9525" cap="flat" cmpd="sng" algn="ctr">
+        <a:solidFill>
+          <a:schemeClr val="tx1">
+            <a:lumMod val="35000"/>
+            <a:lumOff val="65000"/>
+          </a:schemeClr>
+        </a:solidFill>
+        <a:round/>
+      </a:ln>
+    </cs:spPr>
+  </cs:dropLine>
+  <cs:errorBar>
+    <cs:lnRef idx="0"/>
+    <cs:fillRef idx="0"/>
+    <cs:effectRef idx="0"/>
+    <cs:fontRef idx="minor">
+      <a:schemeClr val="tx1"/>
+    </cs:fontRef>
+    <cs:spPr>
+      <a:ln w="9525" cap="flat" cmpd="sng" algn="ctr">
+        <a:solidFill>
+          <a:schemeClr val="tx1">
+            <a:lumMod val="65000"/>
+            <a:lumOff val="35000"/>
+          </a:schemeClr>
+        </a:solidFill>
+        <a:round/>
+      </a:ln>
+    </cs:spPr>
+  </cs:errorBar>
+  <cs:floor>
+    <cs:lnRef idx="0"/>
+    <cs:fillRef idx="0"/>
+    <cs:effectRef idx="0"/>
+    <cs:fontRef idx="minor">
+      <a:schemeClr val="tx1"/>
+    </cs:fontRef>
+    <cs:spPr>
+      <a:noFill/>
+      <a:ln>
+        <a:noFill/>
+      </a:ln>
+    </cs:spPr>
+  </cs:floor>
+  <cs:gridlineMajor>
+    <cs:lnRef idx="0"/>
+    <cs:fillRef idx="0"/>
+    <cs:effectRef idx="0"/>
+    <cs:fontRef idx="minor">
+      <a:schemeClr val="tx1"/>
+    </cs:fontRef>
+    <cs:spPr>
+      <a:ln w="9525" cap="flat" cmpd="sng" algn="ctr">
+        <a:solidFill>
+          <a:schemeClr val="tx1">
+            <a:lumMod val="15000"/>
+            <a:lumOff val="85000"/>
+          </a:schemeClr>
+        </a:solidFill>
+        <a:round/>
+      </a:ln>
+    </cs:spPr>
+  </cs:gridlineMajor>
+  <cs:gridlineMinor>
+    <cs:lnRef idx="0"/>
+    <cs:fillRef idx="0"/>
+    <cs:effectRef idx="0"/>
+    <cs:fontRef idx="minor">
+      <a:schemeClr val="tx1"/>
+    </cs:fontRef>
+    <cs:spPr>
+      <a:ln w="9525" cap="flat" cmpd="sng" algn="ctr">
+        <a:solidFill>
+          <a:schemeClr val="tx1">
+            <a:lumMod val="5000"/>
+            <a:lumOff val="95000"/>
+          </a:schemeClr>
+        </a:solidFill>
+        <a:round/>
+      </a:ln>
+    </cs:spPr>
+  </cs:gridlineMinor>
+  <cs:hiLoLine>
+    <cs:lnRef idx="0"/>
+    <cs:fillRef idx="0"/>
+    <cs:effectRef idx="0"/>
+    <cs:fontRef idx="minor">
+      <a:schemeClr val="tx1"/>
+    </cs:fontRef>
+    <cs:spPr>
+      <a:ln w="9525" cap="flat" cmpd="sng" algn="ctr">
+        <a:solidFill>
+          <a:schemeClr val="tx1">
+            <a:lumMod val="75000"/>
+            <a:lumOff val="25000"/>
+          </a:schemeClr>
+        </a:solidFill>
+        <a:round/>
+      </a:ln>
+    </cs:spPr>
+  </cs:hiLoLine>
+  <cs:leaderLine>
+    <cs:lnRef idx="0"/>
+    <cs:fillRef idx="0"/>
+    <cs:effectRef idx="0"/>
+    <cs:fontRef idx="minor">
+      <a:schemeClr val="tx1"/>
+    </cs:fontRef>
+    <cs:spPr>
+      <a:ln w="9525" cap="flat" cmpd="sng" algn="ctr">
+        <a:solidFill>
+          <a:schemeClr val="tx1">
+            <a:lumMod val="35000"/>
+            <a:lumOff val="65000"/>
+          </a:schemeClr>
+        </a:solidFill>
+        <a:round/>
+      </a:ln>
+    </cs:spPr>
+  </cs:leaderLine>
+  <cs:legend>
+    <cs:lnRef idx="0"/>
+    <cs:fillRef idx="0"/>
+    <cs:effectRef idx="0"/>
+    <cs:fontRef idx="minor">
+      <a:schemeClr val="tx1">
+        <a:lumMod val="65000"/>
+        <a:lumOff val="35000"/>
+      </a:schemeClr>
+    </cs:fontRef>
+    <cs:defRPr sz="900" kern="1200"/>
+  </cs:legend>
+  <cs:plotArea mods="allowNoFillOverride allowNoLineOverride">
+    <cs:lnRef idx="0"/>
+    <cs:fillRef idx="0"/>
+    <cs:effectRef idx="0"/>
+    <cs:fontRef idx="minor">
+      <a:schemeClr val="tx1"/>
+    </cs:fontRef>
+  </cs:plotArea>
+  <cs:plotArea3D mods="allowNoFillOverride allowNoLineOverride">
+    <cs:lnRef idx="0"/>
+    <cs:fillRef idx="0"/>
+    <cs:effectRef idx="0"/>
+    <cs:fontRef idx="minor">
+      <a:schemeClr val="tx1"/>
+    </cs:fontRef>
+  </cs:plotArea3D>
+  <cs:seriesAxis>
+    <cs:lnRef idx="0"/>
+    <cs:fillRef idx="0"/>
+    <cs:effectRef idx="0"/>
+    <cs:fontRef idx="minor">
+      <a:schemeClr val="tx1">
+        <a:lumMod val="65000"/>
+        <a:lumOff val="35000"/>
+      </a:schemeClr>
+    </cs:fontRef>
+    <cs:defRPr sz="900" kern="1200"/>
+  </cs:seriesAxis>
+  <cs:seriesLine>
+    <cs:lnRef idx="0"/>
+    <cs:fillRef idx="0"/>
+    <cs:effectRef idx="0"/>
+    <cs:fontRef idx="minor">
+      <a:schemeClr val="tx1"/>
+    </cs:fontRef>
+    <cs:spPr>
+      <a:ln w="9525" cap="flat" cmpd="sng" algn="ctr">
+        <a:solidFill>
+          <a:schemeClr val="tx1">
+            <a:lumMod val="35000"/>
+            <a:lumOff val="65000"/>
+          </a:schemeClr>
+        </a:solidFill>
+        <a:round/>
+      </a:ln>
+    </cs:spPr>
+  </cs:seriesLine>
+  <cs:title>
+    <cs:lnRef idx="0"/>
+    <cs:fillRef idx="0"/>
+    <cs:effectRef idx="0"/>
+    <cs:fontRef idx="minor">
+      <a:schemeClr val="tx1">
+        <a:lumMod val="65000"/>
+        <a:lumOff val="35000"/>
+      </a:schemeClr>
+    </cs:fontRef>
+    <cs:defRPr sz="1400" b="0" kern="1200" spc="0" baseline="0"/>
+  </cs:title>
+  <cs:trendline>
+    <cs:lnRef idx="0">
+      <cs:styleClr val="auto"/>
+    </cs:lnRef>
+    <cs:fillRef idx="0"/>
+    <cs:effectRef idx="0"/>
+    <cs:fontRef idx="minor">
+      <a:schemeClr val="tx1"/>
+    </cs:fontRef>
+    <cs:spPr>
+      <a:ln w="19050" cap="rnd">
+        <a:solidFill>
+          <a:schemeClr val="phClr"/>
+        </a:solidFill>
+        <a:prstDash val="sysDot"/>
+      </a:ln>
+    </cs:spPr>
+  </cs:trendline>
+  <cs:trendlineLabel>
+    <cs:lnRef idx="0"/>
+    <cs:fillRef idx="0"/>
+    <cs:effectRef idx="0"/>
+    <cs:fontRef idx="minor">
+      <a:schemeClr val="tx1">
+        <a:lumMod val="65000"/>
+        <a:lumOff val="35000"/>
+      </a:schemeClr>
+    </cs:fontRef>
+    <cs:defRPr sz="900" kern="1200"/>
+  </cs:trendlineLabel>
+  <cs:upBar>
+    <cs:lnRef idx="0"/>
+    <cs:fillRef idx="0"/>
+    <cs:effectRef idx="0"/>
+    <cs:fontRef idx="minor">
+      <a:schemeClr val="dk1"/>
+    </cs:fontRef>
+    <cs:spPr>
+      <a:solidFill>
+        <a:schemeClr val="lt1"/>
+      </a:solidFill>
+      <a:ln w="9525">
+        <a:solidFill>
+          <a:schemeClr val="tx1">
+            <a:lumMod val="15000"/>
+            <a:lumOff val="85000"/>
+          </a:schemeClr>
+        </a:solidFill>
+      </a:ln>
+    </cs:spPr>
+  </cs:upBar>
+  <cs:valueAxis>
+    <cs:lnRef idx="0"/>
+    <cs:fillRef idx="0"/>
+    <cs:effectRef idx="0"/>
+    <cs:fontRef idx="minor">
+      <a:schemeClr val="tx1">
+        <a:lumMod val="65000"/>
+        <a:lumOff val="35000"/>
+      </a:schemeClr>
+    </cs:fontRef>
+    <cs:defRPr sz="900" kern="1200"/>
+  </cs:valueAxis>
+  <cs:wall>
+    <cs:lnRef idx="0"/>
+    <cs:fillRef idx="0"/>
+    <cs:effectRef idx="0"/>
+    <cs:fontRef idx="minor">
+      <a:schemeClr val="tx1"/>
+    </cs:fontRef>
+    <cs:spPr>
+      <a:noFill/>
+      <a:ln>
+        <a:noFill/>
+      </a:ln>
+    </cs:spPr>
+  </cs:wall>
+</cs:chartStyle>
+</file>
+
+<file path=ppt/charts/style6.xml><?xml version="1.0" encoding="utf-8"?>
 <cs:chartStyle xmlns:cs="http://schemas.microsoft.com/office/drawing/2012/chartStyle" xmlns:a="http://schemas.openxmlformats.org/drawingml/2006/main" id="201">
   <cs:axisTitle>
     <cs:lnRef idx="0"/>
@@ -6274,7 +8932,7 @@
           <a:p>
             <a:fld id="{DDB2C63F-F1EF-D148-8DAC-B2E032798CF4}" type="datetimeFigureOut">
               <a:rPr lang="en-US" smtClean="0"/>
-              <a:t>10/18/2017</a:t>
+              <a:t>10/19/17</a:t>
             </a:fld>
             <a:endParaRPr lang="en-US"/>
           </a:p>
@@ -6694,7 +9352,7 @@
           <p:cNvPr id="2" name="Title 1">
             <a:extLst>
               <a:ext uri="{FF2B5EF4-FFF2-40B4-BE49-F238E27FC236}">
-                <a16:creationId xmlns:a16="http://schemas.microsoft.com/office/drawing/2014/main" id="{A770637A-7F70-4788-A8DB-6F8A001AE731}"/>
+                <a16:creationId xmlns="" xmlns:a16="http://schemas.microsoft.com/office/drawing/2014/main" id="{A770637A-7F70-4788-A8DB-6F8A001AE731}"/>
               </a:ext>
             </a:extLst>
           </p:cNvPr>
@@ -6732,7 +9390,7 @@
           <p:cNvPr id="3" name="Subtitle 2">
             <a:extLst>
               <a:ext uri="{FF2B5EF4-FFF2-40B4-BE49-F238E27FC236}">
-                <a16:creationId xmlns:a16="http://schemas.microsoft.com/office/drawing/2014/main" id="{F9D5404F-EB55-4B5E-B9CE-AC2A0B6C47CB}"/>
+                <a16:creationId xmlns="" xmlns:a16="http://schemas.microsoft.com/office/drawing/2014/main" id="{F9D5404F-EB55-4B5E-B9CE-AC2A0B6C47CB}"/>
               </a:ext>
             </a:extLst>
           </p:cNvPr>
@@ -6803,7 +9461,7 @@
           <p:cNvPr id="4" name="Date Placeholder 3">
             <a:extLst>
               <a:ext uri="{FF2B5EF4-FFF2-40B4-BE49-F238E27FC236}">
-                <a16:creationId xmlns:a16="http://schemas.microsoft.com/office/drawing/2014/main" id="{7808CDBC-CAE1-487B-A4E5-3CB70D4EAEEB}"/>
+                <a16:creationId xmlns="" xmlns:a16="http://schemas.microsoft.com/office/drawing/2014/main" id="{7808CDBC-CAE1-487B-A4E5-3CB70D4EAEEB}"/>
               </a:ext>
             </a:extLst>
           </p:cNvPr>
@@ -6821,7 +9479,7 @@
           <a:p>
             <a:fld id="{96B0AB5A-E802-48CF-A5B9-FE8704AC6519}" type="datetimeFigureOut">
               <a:rPr lang="en-CA" smtClean="0"/>
-              <a:t>18/10/2017</a:t>
+              <a:t>2017-10-19</a:t>
             </a:fld>
             <a:endParaRPr lang="en-CA"/>
           </a:p>
@@ -6832,7 +9490,7 @@
           <p:cNvPr id="5" name="Footer Placeholder 4">
             <a:extLst>
               <a:ext uri="{FF2B5EF4-FFF2-40B4-BE49-F238E27FC236}">
-                <a16:creationId xmlns:a16="http://schemas.microsoft.com/office/drawing/2014/main" id="{50D5A8BB-D166-4343-997B-EF673CB40FAD}"/>
+                <a16:creationId xmlns="" xmlns:a16="http://schemas.microsoft.com/office/drawing/2014/main" id="{50D5A8BB-D166-4343-997B-EF673CB40FAD}"/>
               </a:ext>
             </a:extLst>
           </p:cNvPr>
@@ -6857,7 +9515,7 @@
           <p:cNvPr id="6" name="Slide Number Placeholder 5">
             <a:extLst>
               <a:ext uri="{FF2B5EF4-FFF2-40B4-BE49-F238E27FC236}">
-                <a16:creationId xmlns:a16="http://schemas.microsoft.com/office/drawing/2014/main" id="{6BC260DA-D757-4992-B138-BBE00B22D846}"/>
+                <a16:creationId xmlns="" xmlns:a16="http://schemas.microsoft.com/office/drawing/2014/main" id="{6BC260DA-D757-4992-B138-BBE00B22D846}"/>
               </a:ext>
             </a:extLst>
           </p:cNvPr>
@@ -6916,7 +9574,7 @@
           <p:cNvPr id="2" name="Title 1">
             <a:extLst>
               <a:ext uri="{FF2B5EF4-FFF2-40B4-BE49-F238E27FC236}">
-                <a16:creationId xmlns:a16="http://schemas.microsoft.com/office/drawing/2014/main" id="{68951A57-6E16-4A71-98CB-2307E282C3C2}"/>
+                <a16:creationId xmlns="" xmlns:a16="http://schemas.microsoft.com/office/drawing/2014/main" id="{68951A57-6E16-4A71-98CB-2307E282C3C2}"/>
               </a:ext>
             </a:extLst>
           </p:cNvPr>
@@ -6945,7 +9603,7 @@
           <p:cNvPr id="3" name="Vertical Text Placeholder 2">
             <a:extLst>
               <a:ext uri="{FF2B5EF4-FFF2-40B4-BE49-F238E27FC236}">
-                <a16:creationId xmlns:a16="http://schemas.microsoft.com/office/drawing/2014/main" id="{7F111875-20D3-450B-8A7D-100D7AD10DA2}"/>
+                <a16:creationId xmlns="" xmlns:a16="http://schemas.microsoft.com/office/drawing/2014/main" id="{7F111875-20D3-450B-8A7D-100D7AD10DA2}"/>
               </a:ext>
             </a:extLst>
           </p:cNvPr>
@@ -7003,7 +9661,7 @@
           <p:cNvPr id="4" name="Date Placeholder 3">
             <a:extLst>
               <a:ext uri="{FF2B5EF4-FFF2-40B4-BE49-F238E27FC236}">
-                <a16:creationId xmlns:a16="http://schemas.microsoft.com/office/drawing/2014/main" id="{98F3875F-0C83-48C3-8881-97B38467BFC0}"/>
+                <a16:creationId xmlns="" xmlns:a16="http://schemas.microsoft.com/office/drawing/2014/main" id="{98F3875F-0C83-48C3-8881-97B38467BFC0}"/>
               </a:ext>
             </a:extLst>
           </p:cNvPr>
@@ -7021,7 +9679,7 @@
           <a:p>
             <a:fld id="{96B0AB5A-E802-48CF-A5B9-FE8704AC6519}" type="datetimeFigureOut">
               <a:rPr lang="en-CA" smtClean="0"/>
-              <a:t>18/10/2017</a:t>
+              <a:t>2017-10-19</a:t>
             </a:fld>
             <a:endParaRPr lang="en-CA"/>
           </a:p>
@@ -7032,7 +9690,7 @@
           <p:cNvPr id="5" name="Footer Placeholder 4">
             <a:extLst>
               <a:ext uri="{FF2B5EF4-FFF2-40B4-BE49-F238E27FC236}">
-                <a16:creationId xmlns:a16="http://schemas.microsoft.com/office/drawing/2014/main" id="{F2640ABB-0B39-4E48-B67F-13EB2E5E88B0}"/>
+                <a16:creationId xmlns="" xmlns:a16="http://schemas.microsoft.com/office/drawing/2014/main" id="{F2640ABB-0B39-4E48-B67F-13EB2E5E88B0}"/>
               </a:ext>
             </a:extLst>
           </p:cNvPr>
@@ -7057,7 +9715,7 @@
           <p:cNvPr id="6" name="Slide Number Placeholder 5">
             <a:extLst>
               <a:ext uri="{FF2B5EF4-FFF2-40B4-BE49-F238E27FC236}">
-                <a16:creationId xmlns:a16="http://schemas.microsoft.com/office/drawing/2014/main" id="{D54C0341-9536-4979-9F6E-429B5834248C}"/>
+                <a16:creationId xmlns="" xmlns:a16="http://schemas.microsoft.com/office/drawing/2014/main" id="{D54C0341-9536-4979-9F6E-429B5834248C}"/>
               </a:ext>
             </a:extLst>
           </p:cNvPr>
@@ -7116,7 +9774,7 @@
           <p:cNvPr id="2" name="Vertical Title 1">
             <a:extLst>
               <a:ext uri="{FF2B5EF4-FFF2-40B4-BE49-F238E27FC236}">
-                <a16:creationId xmlns:a16="http://schemas.microsoft.com/office/drawing/2014/main" id="{20D0E6FE-C5AB-4578-BB2A-E718F0F3D4BA}"/>
+                <a16:creationId xmlns="" xmlns:a16="http://schemas.microsoft.com/office/drawing/2014/main" id="{20D0E6FE-C5AB-4578-BB2A-E718F0F3D4BA}"/>
               </a:ext>
             </a:extLst>
           </p:cNvPr>
@@ -7150,7 +9808,7 @@
           <p:cNvPr id="3" name="Vertical Text Placeholder 2">
             <a:extLst>
               <a:ext uri="{FF2B5EF4-FFF2-40B4-BE49-F238E27FC236}">
-                <a16:creationId xmlns:a16="http://schemas.microsoft.com/office/drawing/2014/main" id="{4D9442B6-6798-4E3F-BC43-D487421D33ED}"/>
+                <a16:creationId xmlns="" xmlns:a16="http://schemas.microsoft.com/office/drawing/2014/main" id="{4D9442B6-6798-4E3F-BC43-D487421D33ED}"/>
               </a:ext>
             </a:extLst>
           </p:cNvPr>
@@ -7213,7 +9871,7 @@
           <p:cNvPr id="4" name="Date Placeholder 3">
             <a:extLst>
               <a:ext uri="{FF2B5EF4-FFF2-40B4-BE49-F238E27FC236}">
-                <a16:creationId xmlns:a16="http://schemas.microsoft.com/office/drawing/2014/main" id="{D8E8FDF4-0673-47D2-AEF1-4ECE10E40BDA}"/>
+                <a16:creationId xmlns="" xmlns:a16="http://schemas.microsoft.com/office/drawing/2014/main" id="{D8E8FDF4-0673-47D2-AEF1-4ECE10E40BDA}"/>
               </a:ext>
             </a:extLst>
           </p:cNvPr>
@@ -7231,7 +9889,7 @@
           <a:p>
             <a:fld id="{96B0AB5A-E802-48CF-A5B9-FE8704AC6519}" type="datetimeFigureOut">
               <a:rPr lang="en-CA" smtClean="0"/>
-              <a:t>18/10/2017</a:t>
+              <a:t>2017-10-19</a:t>
             </a:fld>
             <a:endParaRPr lang="en-CA"/>
           </a:p>
@@ -7242,7 +9900,7 @@
           <p:cNvPr id="5" name="Footer Placeholder 4">
             <a:extLst>
               <a:ext uri="{FF2B5EF4-FFF2-40B4-BE49-F238E27FC236}">
-                <a16:creationId xmlns:a16="http://schemas.microsoft.com/office/drawing/2014/main" id="{E953779D-E55D-4C51-B09C-5B7930947D6C}"/>
+                <a16:creationId xmlns="" xmlns:a16="http://schemas.microsoft.com/office/drawing/2014/main" id="{E953779D-E55D-4C51-B09C-5B7930947D6C}"/>
               </a:ext>
             </a:extLst>
           </p:cNvPr>
@@ -7267,7 +9925,7 @@
           <p:cNvPr id="6" name="Slide Number Placeholder 5">
             <a:extLst>
               <a:ext uri="{FF2B5EF4-FFF2-40B4-BE49-F238E27FC236}">
-                <a16:creationId xmlns:a16="http://schemas.microsoft.com/office/drawing/2014/main" id="{28E9A841-3B09-42DC-8684-FE1A19B9552A}"/>
+                <a16:creationId xmlns="" xmlns:a16="http://schemas.microsoft.com/office/drawing/2014/main" id="{28E9A841-3B09-42DC-8684-FE1A19B9552A}"/>
               </a:ext>
             </a:extLst>
           </p:cNvPr>
@@ -7326,7 +9984,7 @@
           <p:cNvPr id="2" name="Title 1">
             <a:extLst>
               <a:ext uri="{FF2B5EF4-FFF2-40B4-BE49-F238E27FC236}">
-                <a16:creationId xmlns:a16="http://schemas.microsoft.com/office/drawing/2014/main" id="{1C2B00DB-F0DF-4138-ABCE-C402834F38C7}"/>
+                <a16:creationId xmlns="" xmlns:a16="http://schemas.microsoft.com/office/drawing/2014/main" id="{1C2B00DB-F0DF-4138-ABCE-C402834F38C7}"/>
               </a:ext>
             </a:extLst>
           </p:cNvPr>
@@ -7355,7 +10013,7 @@
           <p:cNvPr id="3" name="Content Placeholder 2">
             <a:extLst>
               <a:ext uri="{FF2B5EF4-FFF2-40B4-BE49-F238E27FC236}">
-                <a16:creationId xmlns:a16="http://schemas.microsoft.com/office/drawing/2014/main" id="{C393E18F-528D-46DF-8DCA-5674757975BF}"/>
+                <a16:creationId xmlns="" xmlns:a16="http://schemas.microsoft.com/office/drawing/2014/main" id="{C393E18F-528D-46DF-8DCA-5674757975BF}"/>
               </a:ext>
             </a:extLst>
           </p:cNvPr>
@@ -7413,7 +10071,7 @@
           <p:cNvPr id="4" name="Date Placeholder 3">
             <a:extLst>
               <a:ext uri="{FF2B5EF4-FFF2-40B4-BE49-F238E27FC236}">
-                <a16:creationId xmlns:a16="http://schemas.microsoft.com/office/drawing/2014/main" id="{AE5FACCA-E424-4C6C-B376-B62146CE191B}"/>
+                <a16:creationId xmlns="" xmlns:a16="http://schemas.microsoft.com/office/drawing/2014/main" id="{AE5FACCA-E424-4C6C-B376-B62146CE191B}"/>
               </a:ext>
             </a:extLst>
           </p:cNvPr>
@@ -7431,7 +10089,7 @@
           <a:p>
             <a:fld id="{96B0AB5A-E802-48CF-A5B9-FE8704AC6519}" type="datetimeFigureOut">
               <a:rPr lang="en-CA" smtClean="0"/>
-              <a:t>18/10/2017</a:t>
+              <a:t>2017-10-19</a:t>
             </a:fld>
             <a:endParaRPr lang="en-CA"/>
           </a:p>
@@ -7442,7 +10100,7 @@
           <p:cNvPr id="5" name="Footer Placeholder 4">
             <a:extLst>
               <a:ext uri="{FF2B5EF4-FFF2-40B4-BE49-F238E27FC236}">
-                <a16:creationId xmlns:a16="http://schemas.microsoft.com/office/drawing/2014/main" id="{E88A8849-1252-418B-86C9-3FB1D770E4C1}"/>
+                <a16:creationId xmlns="" xmlns:a16="http://schemas.microsoft.com/office/drawing/2014/main" id="{E88A8849-1252-418B-86C9-3FB1D770E4C1}"/>
               </a:ext>
             </a:extLst>
           </p:cNvPr>
@@ -7467,7 +10125,7 @@
           <p:cNvPr id="6" name="Slide Number Placeholder 5">
             <a:extLst>
               <a:ext uri="{FF2B5EF4-FFF2-40B4-BE49-F238E27FC236}">
-                <a16:creationId xmlns:a16="http://schemas.microsoft.com/office/drawing/2014/main" id="{2213DBDE-BBC2-4EE9-AA49-CBE1CA9AF8E1}"/>
+                <a16:creationId xmlns="" xmlns:a16="http://schemas.microsoft.com/office/drawing/2014/main" id="{2213DBDE-BBC2-4EE9-AA49-CBE1CA9AF8E1}"/>
               </a:ext>
             </a:extLst>
           </p:cNvPr>
@@ -7526,7 +10184,7 @@
           <p:cNvPr id="2" name="Title 1">
             <a:extLst>
               <a:ext uri="{FF2B5EF4-FFF2-40B4-BE49-F238E27FC236}">
-                <a16:creationId xmlns:a16="http://schemas.microsoft.com/office/drawing/2014/main" id="{32D6B6B8-2C76-441A-90C7-2648223BB744}"/>
+                <a16:creationId xmlns="" xmlns:a16="http://schemas.microsoft.com/office/drawing/2014/main" id="{32D6B6B8-2C76-441A-90C7-2648223BB744}"/>
               </a:ext>
             </a:extLst>
           </p:cNvPr>
@@ -7564,7 +10222,7 @@
           <p:cNvPr id="3" name="Text Placeholder 2">
             <a:extLst>
               <a:ext uri="{FF2B5EF4-FFF2-40B4-BE49-F238E27FC236}">
-                <a16:creationId xmlns:a16="http://schemas.microsoft.com/office/drawing/2014/main" id="{B4FD13C0-2671-4F5B-BC76-3285DF8F0D0A}"/>
+                <a16:creationId xmlns="" xmlns:a16="http://schemas.microsoft.com/office/drawing/2014/main" id="{B4FD13C0-2671-4F5B-BC76-3285DF8F0D0A}"/>
               </a:ext>
             </a:extLst>
           </p:cNvPr>
@@ -7689,7 +10347,7 @@
           <p:cNvPr id="4" name="Date Placeholder 3">
             <a:extLst>
               <a:ext uri="{FF2B5EF4-FFF2-40B4-BE49-F238E27FC236}">
-                <a16:creationId xmlns:a16="http://schemas.microsoft.com/office/drawing/2014/main" id="{15FAF587-BBF7-4795-A539-160E1CBB4D0C}"/>
+                <a16:creationId xmlns="" xmlns:a16="http://schemas.microsoft.com/office/drawing/2014/main" id="{15FAF587-BBF7-4795-A539-160E1CBB4D0C}"/>
               </a:ext>
             </a:extLst>
           </p:cNvPr>
@@ -7707,7 +10365,7 @@
           <a:p>
             <a:fld id="{96B0AB5A-E802-48CF-A5B9-FE8704AC6519}" type="datetimeFigureOut">
               <a:rPr lang="en-CA" smtClean="0"/>
-              <a:t>18/10/2017</a:t>
+              <a:t>2017-10-19</a:t>
             </a:fld>
             <a:endParaRPr lang="en-CA"/>
           </a:p>
@@ -7718,7 +10376,7 @@
           <p:cNvPr id="5" name="Footer Placeholder 4">
             <a:extLst>
               <a:ext uri="{FF2B5EF4-FFF2-40B4-BE49-F238E27FC236}">
-                <a16:creationId xmlns:a16="http://schemas.microsoft.com/office/drawing/2014/main" id="{A43711F6-2BA4-43F7-ADE4-F55606E83807}"/>
+                <a16:creationId xmlns="" xmlns:a16="http://schemas.microsoft.com/office/drawing/2014/main" id="{A43711F6-2BA4-43F7-ADE4-F55606E83807}"/>
               </a:ext>
             </a:extLst>
           </p:cNvPr>
@@ -7743,7 +10401,7 @@
           <p:cNvPr id="6" name="Slide Number Placeholder 5">
             <a:extLst>
               <a:ext uri="{FF2B5EF4-FFF2-40B4-BE49-F238E27FC236}">
-                <a16:creationId xmlns:a16="http://schemas.microsoft.com/office/drawing/2014/main" id="{A0814A98-C0EE-4830-9E95-AB51A3D46328}"/>
+                <a16:creationId xmlns="" xmlns:a16="http://schemas.microsoft.com/office/drawing/2014/main" id="{A0814A98-C0EE-4830-9E95-AB51A3D46328}"/>
               </a:ext>
             </a:extLst>
           </p:cNvPr>
@@ -7802,7 +10460,7 @@
           <p:cNvPr id="2" name="Title 1">
             <a:extLst>
               <a:ext uri="{FF2B5EF4-FFF2-40B4-BE49-F238E27FC236}">
-                <a16:creationId xmlns:a16="http://schemas.microsoft.com/office/drawing/2014/main" id="{0F190E3E-504C-44BD-9375-90382E6A4B2D}"/>
+                <a16:creationId xmlns="" xmlns:a16="http://schemas.microsoft.com/office/drawing/2014/main" id="{0F190E3E-504C-44BD-9375-90382E6A4B2D}"/>
               </a:ext>
             </a:extLst>
           </p:cNvPr>
@@ -7831,7 +10489,7 @@
           <p:cNvPr id="3" name="Content Placeholder 2">
             <a:extLst>
               <a:ext uri="{FF2B5EF4-FFF2-40B4-BE49-F238E27FC236}">
-                <a16:creationId xmlns:a16="http://schemas.microsoft.com/office/drawing/2014/main" id="{F6CAE47C-1CB8-4A76-9E77-960D3E128C25}"/>
+                <a16:creationId xmlns="" xmlns:a16="http://schemas.microsoft.com/office/drawing/2014/main" id="{F6CAE47C-1CB8-4A76-9E77-960D3E128C25}"/>
               </a:ext>
             </a:extLst>
           </p:cNvPr>
@@ -7894,7 +10552,7 @@
           <p:cNvPr id="4" name="Content Placeholder 3">
             <a:extLst>
               <a:ext uri="{FF2B5EF4-FFF2-40B4-BE49-F238E27FC236}">
-                <a16:creationId xmlns:a16="http://schemas.microsoft.com/office/drawing/2014/main" id="{7020F4A4-A6BF-47E5-92FC-8201B6593F83}"/>
+                <a16:creationId xmlns="" xmlns:a16="http://schemas.microsoft.com/office/drawing/2014/main" id="{7020F4A4-A6BF-47E5-92FC-8201B6593F83}"/>
               </a:ext>
             </a:extLst>
           </p:cNvPr>
@@ -7957,7 +10615,7 @@
           <p:cNvPr id="5" name="Date Placeholder 4">
             <a:extLst>
               <a:ext uri="{FF2B5EF4-FFF2-40B4-BE49-F238E27FC236}">
-                <a16:creationId xmlns:a16="http://schemas.microsoft.com/office/drawing/2014/main" id="{1AA361B5-9AA3-4229-8D44-CEB57C12ED73}"/>
+                <a16:creationId xmlns="" xmlns:a16="http://schemas.microsoft.com/office/drawing/2014/main" id="{1AA361B5-9AA3-4229-8D44-CEB57C12ED73}"/>
               </a:ext>
             </a:extLst>
           </p:cNvPr>
@@ -7975,7 +10633,7 @@
           <a:p>
             <a:fld id="{96B0AB5A-E802-48CF-A5B9-FE8704AC6519}" type="datetimeFigureOut">
               <a:rPr lang="en-CA" smtClean="0"/>
-              <a:t>18/10/2017</a:t>
+              <a:t>2017-10-19</a:t>
             </a:fld>
             <a:endParaRPr lang="en-CA"/>
           </a:p>
@@ -7986,7 +10644,7 @@
           <p:cNvPr id="6" name="Footer Placeholder 5">
             <a:extLst>
               <a:ext uri="{FF2B5EF4-FFF2-40B4-BE49-F238E27FC236}">
-                <a16:creationId xmlns:a16="http://schemas.microsoft.com/office/drawing/2014/main" id="{8AAA7D8C-2AFC-4C12-92A2-9D98EF3FC76A}"/>
+                <a16:creationId xmlns="" xmlns:a16="http://schemas.microsoft.com/office/drawing/2014/main" id="{8AAA7D8C-2AFC-4C12-92A2-9D98EF3FC76A}"/>
               </a:ext>
             </a:extLst>
           </p:cNvPr>
@@ -8011,7 +10669,7 @@
           <p:cNvPr id="7" name="Slide Number Placeholder 6">
             <a:extLst>
               <a:ext uri="{FF2B5EF4-FFF2-40B4-BE49-F238E27FC236}">
-                <a16:creationId xmlns:a16="http://schemas.microsoft.com/office/drawing/2014/main" id="{33FD714B-B89C-43C1-A417-A6A05C50FDD6}"/>
+                <a16:creationId xmlns="" xmlns:a16="http://schemas.microsoft.com/office/drawing/2014/main" id="{33FD714B-B89C-43C1-A417-A6A05C50FDD6}"/>
               </a:ext>
             </a:extLst>
           </p:cNvPr>
@@ -8070,7 +10728,7 @@
           <p:cNvPr id="2" name="Title 1">
             <a:extLst>
               <a:ext uri="{FF2B5EF4-FFF2-40B4-BE49-F238E27FC236}">
-                <a16:creationId xmlns:a16="http://schemas.microsoft.com/office/drawing/2014/main" id="{B0D13C32-3583-406D-BB55-24C24E430751}"/>
+                <a16:creationId xmlns="" xmlns:a16="http://schemas.microsoft.com/office/drawing/2014/main" id="{B0D13C32-3583-406D-BB55-24C24E430751}"/>
               </a:ext>
             </a:extLst>
           </p:cNvPr>
@@ -8104,7 +10762,7 @@
           <p:cNvPr id="3" name="Text Placeholder 2">
             <a:extLst>
               <a:ext uri="{FF2B5EF4-FFF2-40B4-BE49-F238E27FC236}">
-                <a16:creationId xmlns:a16="http://schemas.microsoft.com/office/drawing/2014/main" id="{B918888A-2B6D-46A5-AE6E-A1FF449737AB}"/>
+                <a16:creationId xmlns="" xmlns:a16="http://schemas.microsoft.com/office/drawing/2014/main" id="{B918888A-2B6D-46A5-AE6E-A1FF449737AB}"/>
               </a:ext>
             </a:extLst>
           </p:cNvPr>
@@ -8175,7 +10833,7 @@
           <p:cNvPr id="4" name="Content Placeholder 3">
             <a:extLst>
               <a:ext uri="{FF2B5EF4-FFF2-40B4-BE49-F238E27FC236}">
-                <a16:creationId xmlns:a16="http://schemas.microsoft.com/office/drawing/2014/main" id="{8376B253-61D6-4CF9-B63B-20481633C4B7}"/>
+                <a16:creationId xmlns="" xmlns:a16="http://schemas.microsoft.com/office/drawing/2014/main" id="{8376B253-61D6-4CF9-B63B-20481633C4B7}"/>
               </a:ext>
             </a:extLst>
           </p:cNvPr>
@@ -8238,7 +10896,7 @@
           <p:cNvPr id="5" name="Text Placeholder 4">
             <a:extLst>
               <a:ext uri="{FF2B5EF4-FFF2-40B4-BE49-F238E27FC236}">
-                <a16:creationId xmlns:a16="http://schemas.microsoft.com/office/drawing/2014/main" id="{382753D1-7E4F-4976-AE02-B8CA399556CE}"/>
+                <a16:creationId xmlns="" xmlns:a16="http://schemas.microsoft.com/office/drawing/2014/main" id="{382753D1-7E4F-4976-AE02-B8CA399556CE}"/>
               </a:ext>
             </a:extLst>
           </p:cNvPr>
@@ -8309,7 +10967,7 @@
           <p:cNvPr id="6" name="Content Placeholder 5">
             <a:extLst>
               <a:ext uri="{FF2B5EF4-FFF2-40B4-BE49-F238E27FC236}">
-                <a16:creationId xmlns:a16="http://schemas.microsoft.com/office/drawing/2014/main" id="{4C468A93-F5B5-49E9-B836-9872129CC484}"/>
+                <a16:creationId xmlns="" xmlns:a16="http://schemas.microsoft.com/office/drawing/2014/main" id="{4C468A93-F5B5-49E9-B836-9872129CC484}"/>
               </a:ext>
             </a:extLst>
           </p:cNvPr>
@@ -8372,7 +11030,7 @@
           <p:cNvPr id="7" name="Date Placeholder 6">
             <a:extLst>
               <a:ext uri="{FF2B5EF4-FFF2-40B4-BE49-F238E27FC236}">
-                <a16:creationId xmlns:a16="http://schemas.microsoft.com/office/drawing/2014/main" id="{695DD8CB-5889-49EA-9BAD-528818612ABE}"/>
+                <a16:creationId xmlns="" xmlns:a16="http://schemas.microsoft.com/office/drawing/2014/main" id="{695DD8CB-5889-49EA-9BAD-528818612ABE}"/>
               </a:ext>
             </a:extLst>
           </p:cNvPr>
@@ -8390,7 +11048,7 @@
           <a:p>
             <a:fld id="{96B0AB5A-E802-48CF-A5B9-FE8704AC6519}" type="datetimeFigureOut">
               <a:rPr lang="en-CA" smtClean="0"/>
-              <a:t>18/10/2017</a:t>
+              <a:t>2017-10-19</a:t>
             </a:fld>
             <a:endParaRPr lang="en-CA"/>
           </a:p>
@@ -8401,7 +11059,7 @@
           <p:cNvPr id="8" name="Footer Placeholder 7">
             <a:extLst>
               <a:ext uri="{FF2B5EF4-FFF2-40B4-BE49-F238E27FC236}">
-                <a16:creationId xmlns:a16="http://schemas.microsoft.com/office/drawing/2014/main" id="{8501B846-1316-4807-8A54-DA3AC47AD72F}"/>
+                <a16:creationId xmlns="" xmlns:a16="http://schemas.microsoft.com/office/drawing/2014/main" id="{8501B846-1316-4807-8A54-DA3AC47AD72F}"/>
               </a:ext>
             </a:extLst>
           </p:cNvPr>
@@ -8426,7 +11084,7 @@
           <p:cNvPr id="9" name="Slide Number Placeholder 8">
             <a:extLst>
               <a:ext uri="{FF2B5EF4-FFF2-40B4-BE49-F238E27FC236}">
-                <a16:creationId xmlns:a16="http://schemas.microsoft.com/office/drawing/2014/main" id="{689B354F-D580-4F3A-AB73-5BC965F2B569}"/>
+                <a16:creationId xmlns="" xmlns:a16="http://schemas.microsoft.com/office/drawing/2014/main" id="{689B354F-D580-4F3A-AB73-5BC965F2B569}"/>
               </a:ext>
             </a:extLst>
           </p:cNvPr>
@@ -8485,7 +11143,7 @@
           <p:cNvPr id="2" name="Title 1">
             <a:extLst>
               <a:ext uri="{FF2B5EF4-FFF2-40B4-BE49-F238E27FC236}">
-                <a16:creationId xmlns:a16="http://schemas.microsoft.com/office/drawing/2014/main" id="{79DDE365-D52A-428F-AB9F-8CF9AC3D43A2}"/>
+                <a16:creationId xmlns="" xmlns:a16="http://schemas.microsoft.com/office/drawing/2014/main" id="{79DDE365-D52A-428F-AB9F-8CF9AC3D43A2}"/>
               </a:ext>
             </a:extLst>
           </p:cNvPr>
@@ -8514,7 +11172,7 @@
           <p:cNvPr id="3" name="Date Placeholder 2">
             <a:extLst>
               <a:ext uri="{FF2B5EF4-FFF2-40B4-BE49-F238E27FC236}">
-                <a16:creationId xmlns:a16="http://schemas.microsoft.com/office/drawing/2014/main" id="{1B902405-9BC8-4DCF-89BD-1C3021158836}"/>
+                <a16:creationId xmlns="" xmlns:a16="http://schemas.microsoft.com/office/drawing/2014/main" id="{1B902405-9BC8-4DCF-89BD-1C3021158836}"/>
               </a:ext>
             </a:extLst>
           </p:cNvPr>
@@ -8532,7 +11190,7 @@
           <a:p>
             <a:fld id="{96B0AB5A-E802-48CF-A5B9-FE8704AC6519}" type="datetimeFigureOut">
               <a:rPr lang="en-CA" smtClean="0"/>
-              <a:t>18/10/2017</a:t>
+              <a:t>2017-10-19</a:t>
             </a:fld>
             <a:endParaRPr lang="en-CA"/>
           </a:p>
@@ -8543,7 +11201,7 @@
           <p:cNvPr id="4" name="Footer Placeholder 3">
             <a:extLst>
               <a:ext uri="{FF2B5EF4-FFF2-40B4-BE49-F238E27FC236}">
-                <a16:creationId xmlns:a16="http://schemas.microsoft.com/office/drawing/2014/main" id="{5741E3B3-AB1D-4FEA-A844-6DD4E7C45709}"/>
+                <a16:creationId xmlns="" xmlns:a16="http://schemas.microsoft.com/office/drawing/2014/main" id="{5741E3B3-AB1D-4FEA-A844-6DD4E7C45709}"/>
               </a:ext>
             </a:extLst>
           </p:cNvPr>
@@ -8568,7 +11226,7 @@
           <p:cNvPr id="5" name="Slide Number Placeholder 4">
             <a:extLst>
               <a:ext uri="{FF2B5EF4-FFF2-40B4-BE49-F238E27FC236}">
-                <a16:creationId xmlns:a16="http://schemas.microsoft.com/office/drawing/2014/main" id="{449737C3-89A9-4077-A0AE-16155EBF7C96}"/>
+                <a16:creationId xmlns="" xmlns:a16="http://schemas.microsoft.com/office/drawing/2014/main" id="{449737C3-89A9-4077-A0AE-16155EBF7C96}"/>
               </a:ext>
             </a:extLst>
           </p:cNvPr>
@@ -8627,7 +11285,7 @@
           <p:cNvPr id="2" name="Date Placeholder 1">
             <a:extLst>
               <a:ext uri="{FF2B5EF4-FFF2-40B4-BE49-F238E27FC236}">
-                <a16:creationId xmlns:a16="http://schemas.microsoft.com/office/drawing/2014/main" id="{67E2FC56-905E-4427-BB9F-0599D987CF0A}"/>
+                <a16:creationId xmlns="" xmlns:a16="http://schemas.microsoft.com/office/drawing/2014/main" id="{67E2FC56-905E-4427-BB9F-0599D987CF0A}"/>
               </a:ext>
             </a:extLst>
           </p:cNvPr>
@@ -8645,7 +11303,7 @@
           <a:p>
             <a:fld id="{96B0AB5A-E802-48CF-A5B9-FE8704AC6519}" type="datetimeFigureOut">
               <a:rPr lang="en-CA" smtClean="0"/>
-              <a:t>18/10/2017</a:t>
+              <a:t>2017-10-19</a:t>
             </a:fld>
             <a:endParaRPr lang="en-CA"/>
           </a:p>
@@ -8656,7 +11314,7 @@
           <p:cNvPr id="3" name="Footer Placeholder 2">
             <a:extLst>
               <a:ext uri="{FF2B5EF4-FFF2-40B4-BE49-F238E27FC236}">
-                <a16:creationId xmlns:a16="http://schemas.microsoft.com/office/drawing/2014/main" id="{487C4D51-B9C6-4DF9-B99D-02567E8C682D}"/>
+                <a16:creationId xmlns="" xmlns:a16="http://schemas.microsoft.com/office/drawing/2014/main" id="{487C4D51-B9C6-4DF9-B99D-02567E8C682D}"/>
               </a:ext>
             </a:extLst>
           </p:cNvPr>
@@ -8681,7 +11339,7 @@
           <p:cNvPr id="4" name="Slide Number Placeholder 3">
             <a:extLst>
               <a:ext uri="{FF2B5EF4-FFF2-40B4-BE49-F238E27FC236}">
-                <a16:creationId xmlns:a16="http://schemas.microsoft.com/office/drawing/2014/main" id="{0190AAD4-0860-4BD5-8057-18876B454949}"/>
+                <a16:creationId xmlns="" xmlns:a16="http://schemas.microsoft.com/office/drawing/2014/main" id="{0190AAD4-0860-4BD5-8057-18876B454949}"/>
               </a:ext>
             </a:extLst>
           </p:cNvPr>
@@ -8740,7 +11398,7 @@
           <p:cNvPr id="2" name="Title 1">
             <a:extLst>
               <a:ext uri="{FF2B5EF4-FFF2-40B4-BE49-F238E27FC236}">
-                <a16:creationId xmlns:a16="http://schemas.microsoft.com/office/drawing/2014/main" id="{38D0AC77-2DD6-4F80-AED8-5F2DEAFE47A5}"/>
+                <a16:creationId xmlns="" xmlns:a16="http://schemas.microsoft.com/office/drawing/2014/main" id="{38D0AC77-2DD6-4F80-AED8-5F2DEAFE47A5}"/>
               </a:ext>
             </a:extLst>
           </p:cNvPr>
@@ -8778,7 +11436,7 @@
           <p:cNvPr id="3" name="Content Placeholder 2">
             <a:extLst>
               <a:ext uri="{FF2B5EF4-FFF2-40B4-BE49-F238E27FC236}">
-                <a16:creationId xmlns:a16="http://schemas.microsoft.com/office/drawing/2014/main" id="{8A50F9F6-EF62-405A-BD73-A4D257EA25C1}"/>
+                <a16:creationId xmlns="" xmlns:a16="http://schemas.microsoft.com/office/drawing/2014/main" id="{8A50F9F6-EF62-405A-BD73-A4D257EA25C1}"/>
               </a:ext>
             </a:extLst>
           </p:cNvPr>
@@ -8869,7 +11527,7 @@
           <p:cNvPr id="4" name="Text Placeholder 3">
             <a:extLst>
               <a:ext uri="{FF2B5EF4-FFF2-40B4-BE49-F238E27FC236}">
-                <a16:creationId xmlns:a16="http://schemas.microsoft.com/office/drawing/2014/main" id="{C2D29C1A-CCB3-4892-8341-4E47EA725C2E}"/>
+                <a16:creationId xmlns="" xmlns:a16="http://schemas.microsoft.com/office/drawing/2014/main" id="{C2D29C1A-CCB3-4892-8341-4E47EA725C2E}"/>
               </a:ext>
             </a:extLst>
           </p:cNvPr>
@@ -8940,7 +11598,7 @@
           <p:cNvPr id="5" name="Date Placeholder 4">
             <a:extLst>
               <a:ext uri="{FF2B5EF4-FFF2-40B4-BE49-F238E27FC236}">
-                <a16:creationId xmlns:a16="http://schemas.microsoft.com/office/drawing/2014/main" id="{4A49B093-3DB2-42E5-90E6-7961FD1DEF69}"/>
+                <a16:creationId xmlns="" xmlns:a16="http://schemas.microsoft.com/office/drawing/2014/main" id="{4A49B093-3DB2-42E5-90E6-7961FD1DEF69}"/>
               </a:ext>
             </a:extLst>
           </p:cNvPr>
@@ -8958,7 +11616,7 @@
           <a:p>
             <a:fld id="{96B0AB5A-E802-48CF-A5B9-FE8704AC6519}" type="datetimeFigureOut">
               <a:rPr lang="en-CA" smtClean="0"/>
-              <a:t>18/10/2017</a:t>
+              <a:t>2017-10-19</a:t>
             </a:fld>
             <a:endParaRPr lang="en-CA"/>
           </a:p>
@@ -8969,7 +11627,7 @@
           <p:cNvPr id="6" name="Footer Placeholder 5">
             <a:extLst>
               <a:ext uri="{FF2B5EF4-FFF2-40B4-BE49-F238E27FC236}">
-                <a16:creationId xmlns:a16="http://schemas.microsoft.com/office/drawing/2014/main" id="{DF18E932-8D4E-4B86-ADE7-DAF5963F6D69}"/>
+                <a16:creationId xmlns="" xmlns:a16="http://schemas.microsoft.com/office/drawing/2014/main" id="{DF18E932-8D4E-4B86-ADE7-DAF5963F6D69}"/>
               </a:ext>
             </a:extLst>
           </p:cNvPr>
@@ -8994,7 +11652,7 @@
           <p:cNvPr id="7" name="Slide Number Placeholder 6">
             <a:extLst>
               <a:ext uri="{FF2B5EF4-FFF2-40B4-BE49-F238E27FC236}">
-                <a16:creationId xmlns:a16="http://schemas.microsoft.com/office/drawing/2014/main" id="{2A6BCD62-2E53-46BB-8674-8A6BC93614B3}"/>
+                <a16:creationId xmlns="" xmlns:a16="http://schemas.microsoft.com/office/drawing/2014/main" id="{2A6BCD62-2E53-46BB-8674-8A6BC93614B3}"/>
               </a:ext>
             </a:extLst>
           </p:cNvPr>
@@ -9053,7 +11711,7 @@
           <p:cNvPr id="2" name="Title 1">
             <a:extLst>
               <a:ext uri="{FF2B5EF4-FFF2-40B4-BE49-F238E27FC236}">
-                <a16:creationId xmlns:a16="http://schemas.microsoft.com/office/drawing/2014/main" id="{BE66942B-4AEE-47BA-A130-8FE3D07A2517}"/>
+                <a16:creationId xmlns="" xmlns:a16="http://schemas.microsoft.com/office/drawing/2014/main" id="{BE66942B-4AEE-47BA-A130-8FE3D07A2517}"/>
               </a:ext>
             </a:extLst>
           </p:cNvPr>
@@ -9091,7 +11749,7 @@
           <p:cNvPr id="3" name="Picture Placeholder 2">
             <a:extLst>
               <a:ext uri="{FF2B5EF4-FFF2-40B4-BE49-F238E27FC236}">
-                <a16:creationId xmlns:a16="http://schemas.microsoft.com/office/drawing/2014/main" id="{A24C110B-5666-4CAC-9935-17BA900407EB}"/>
+                <a16:creationId xmlns="" xmlns:a16="http://schemas.microsoft.com/office/drawing/2014/main" id="{A24C110B-5666-4CAC-9935-17BA900407EB}"/>
               </a:ext>
             </a:extLst>
           </p:cNvPr>
@@ -9158,7 +11816,7 @@
           <p:cNvPr id="4" name="Text Placeholder 3">
             <a:extLst>
               <a:ext uri="{FF2B5EF4-FFF2-40B4-BE49-F238E27FC236}">
-                <a16:creationId xmlns:a16="http://schemas.microsoft.com/office/drawing/2014/main" id="{1A5EEBFA-7C3F-40BC-A736-89E2871AB916}"/>
+                <a16:creationId xmlns="" xmlns:a16="http://schemas.microsoft.com/office/drawing/2014/main" id="{1A5EEBFA-7C3F-40BC-A736-89E2871AB916}"/>
               </a:ext>
             </a:extLst>
           </p:cNvPr>
@@ -9229,7 +11887,7 @@
           <p:cNvPr id="5" name="Date Placeholder 4">
             <a:extLst>
               <a:ext uri="{FF2B5EF4-FFF2-40B4-BE49-F238E27FC236}">
-                <a16:creationId xmlns:a16="http://schemas.microsoft.com/office/drawing/2014/main" id="{0F9791BC-52F7-4098-BD77-EB52CAD311D7}"/>
+                <a16:creationId xmlns="" xmlns:a16="http://schemas.microsoft.com/office/drawing/2014/main" id="{0F9791BC-52F7-4098-BD77-EB52CAD311D7}"/>
               </a:ext>
             </a:extLst>
           </p:cNvPr>
@@ -9247,7 +11905,7 @@
           <a:p>
             <a:fld id="{96B0AB5A-E802-48CF-A5B9-FE8704AC6519}" type="datetimeFigureOut">
               <a:rPr lang="en-CA" smtClean="0"/>
-              <a:t>18/10/2017</a:t>
+              <a:t>2017-10-19</a:t>
             </a:fld>
             <a:endParaRPr lang="en-CA"/>
           </a:p>
@@ -9258,7 +11916,7 @@
           <p:cNvPr id="6" name="Footer Placeholder 5">
             <a:extLst>
               <a:ext uri="{FF2B5EF4-FFF2-40B4-BE49-F238E27FC236}">
-                <a16:creationId xmlns:a16="http://schemas.microsoft.com/office/drawing/2014/main" id="{E2F409E7-1C98-4E39-B7A6-5F89DA98469F}"/>
+                <a16:creationId xmlns="" xmlns:a16="http://schemas.microsoft.com/office/drawing/2014/main" id="{E2F409E7-1C98-4E39-B7A6-5F89DA98469F}"/>
               </a:ext>
             </a:extLst>
           </p:cNvPr>
@@ -9283,7 +11941,7 @@
           <p:cNvPr id="7" name="Slide Number Placeholder 6">
             <a:extLst>
               <a:ext uri="{FF2B5EF4-FFF2-40B4-BE49-F238E27FC236}">
-                <a16:creationId xmlns:a16="http://schemas.microsoft.com/office/drawing/2014/main" id="{BDC7D36C-18CF-4995-B3BF-440113BC7738}"/>
+                <a16:creationId xmlns="" xmlns:a16="http://schemas.microsoft.com/office/drawing/2014/main" id="{BDC7D36C-18CF-4995-B3BF-440113BC7738}"/>
               </a:ext>
             </a:extLst>
           </p:cNvPr>
@@ -9347,7 +12005,7 @@
           <p:cNvPr id="2" name="Title Placeholder 1">
             <a:extLst>
               <a:ext uri="{FF2B5EF4-FFF2-40B4-BE49-F238E27FC236}">
-                <a16:creationId xmlns:a16="http://schemas.microsoft.com/office/drawing/2014/main" id="{E5B4AD75-DD9C-4FBC-861B-1923DAD4C653}"/>
+                <a16:creationId xmlns="" xmlns:a16="http://schemas.microsoft.com/office/drawing/2014/main" id="{E5B4AD75-DD9C-4FBC-861B-1923DAD4C653}"/>
               </a:ext>
             </a:extLst>
           </p:cNvPr>
@@ -9386,7 +12044,7 @@
           <p:cNvPr id="3" name="Text Placeholder 2">
             <a:extLst>
               <a:ext uri="{FF2B5EF4-FFF2-40B4-BE49-F238E27FC236}">
-                <a16:creationId xmlns:a16="http://schemas.microsoft.com/office/drawing/2014/main" id="{4D568E8A-8FC5-429A-BBC2-86B33A87A88A}"/>
+                <a16:creationId xmlns="" xmlns:a16="http://schemas.microsoft.com/office/drawing/2014/main" id="{4D568E8A-8FC5-429A-BBC2-86B33A87A88A}"/>
               </a:ext>
             </a:extLst>
           </p:cNvPr>
@@ -9454,7 +12112,7 @@
           <p:cNvPr id="4" name="Date Placeholder 3">
             <a:extLst>
               <a:ext uri="{FF2B5EF4-FFF2-40B4-BE49-F238E27FC236}">
-                <a16:creationId xmlns:a16="http://schemas.microsoft.com/office/drawing/2014/main" id="{29A9B9B8-7E0D-4EC3-A0F8-0CFBC57A3D7E}"/>
+                <a16:creationId xmlns="" xmlns:a16="http://schemas.microsoft.com/office/drawing/2014/main" id="{29A9B9B8-7E0D-4EC3-A0F8-0CFBC57A3D7E}"/>
               </a:ext>
             </a:extLst>
           </p:cNvPr>
@@ -9490,7 +12148,7 @@
           <a:p>
             <a:fld id="{96B0AB5A-E802-48CF-A5B9-FE8704AC6519}" type="datetimeFigureOut">
               <a:rPr lang="en-CA" smtClean="0"/>
-              <a:t>18/10/2017</a:t>
+              <a:t>2017-10-19</a:t>
             </a:fld>
             <a:endParaRPr lang="en-CA"/>
           </a:p>
@@ -9501,7 +12159,7 @@
           <p:cNvPr id="5" name="Footer Placeholder 4">
             <a:extLst>
               <a:ext uri="{FF2B5EF4-FFF2-40B4-BE49-F238E27FC236}">
-                <a16:creationId xmlns:a16="http://schemas.microsoft.com/office/drawing/2014/main" id="{5701BCBF-10E5-4F5A-AFDC-06F55B5CAA8F}"/>
+                <a16:creationId xmlns="" xmlns:a16="http://schemas.microsoft.com/office/drawing/2014/main" id="{5701BCBF-10E5-4F5A-AFDC-06F55B5CAA8F}"/>
               </a:ext>
             </a:extLst>
           </p:cNvPr>
@@ -9544,7 +12202,7 @@
           <p:cNvPr id="6" name="Slide Number Placeholder 5">
             <a:extLst>
               <a:ext uri="{FF2B5EF4-FFF2-40B4-BE49-F238E27FC236}">
-                <a16:creationId xmlns:a16="http://schemas.microsoft.com/office/drawing/2014/main" id="{68C4BCD5-C523-4222-8576-785E1DE19235}"/>
+                <a16:creationId xmlns="" xmlns:a16="http://schemas.microsoft.com/office/drawing/2014/main" id="{68C4BCD5-C523-4222-8576-785E1DE19235}"/>
               </a:ext>
             </a:extLst>
           </p:cNvPr>
@@ -9912,7 +12570,7 @@
           <p:cNvPr id="2" name="Title 1">
             <a:extLst>
               <a:ext uri="{FF2B5EF4-FFF2-40B4-BE49-F238E27FC236}">
-                <a16:creationId xmlns:a16="http://schemas.microsoft.com/office/drawing/2014/main" id="{FA47EB2B-4331-4E3D-9575-372974FA84E1}"/>
+                <a16:creationId xmlns="" xmlns:a16="http://schemas.microsoft.com/office/drawing/2014/main" id="{FA47EB2B-4331-4E3D-9575-372974FA84E1}"/>
               </a:ext>
             </a:extLst>
           </p:cNvPr>
@@ -9937,7 +12595,7 @@
           <p:cNvPr id="3" name="Subtitle 2">
             <a:extLst>
               <a:ext uri="{FF2B5EF4-FFF2-40B4-BE49-F238E27FC236}">
-                <a16:creationId xmlns:a16="http://schemas.microsoft.com/office/drawing/2014/main" id="{A4D09F98-919E-4EAE-8FE4-8DF28106A8A4}"/>
+                <a16:creationId xmlns="" xmlns:a16="http://schemas.microsoft.com/office/drawing/2014/main" id="{A4D09F98-919E-4EAE-8FE4-8DF28106A8A4}"/>
               </a:ext>
             </a:extLst>
           </p:cNvPr>
@@ -9961,6 +12619,711 @@
     <p:extLst>
       <p:ext uri="{BB962C8B-B14F-4D97-AF65-F5344CB8AC3E}">
         <p14:creationId xmlns:p14="http://schemas.microsoft.com/office/powerpoint/2010/main" val="2350328497"/>
+      </p:ext>
+    </p:extLst>
+  </p:cSld>
+  <p:clrMapOvr>
+    <a:masterClrMapping/>
+  </p:clrMapOvr>
+</p:sld>
+</file>
+
+<file path=ppt/slides/slide10.xml><?xml version="1.0" encoding="utf-8"?>
+<p:sld xmlns:a="http://schemas.openxmlformats.org/drawingml/2006/main" xmlns:r="http://schemas.openxmlformats.org/officeDocument/2006/relationships" xmlns:p="http://schemas.openxmlformats.org/presentationml/2006/main">
+  <p:cSld>
+    <p:spTree>
+      <p:nvGrpSpPr>
+        <p:cNvPr id="1" name=""/>
+        <p:cNvGrpSpPr/>
+        <p:nvPr/>
+      </p:nvGrpSpPr>
+      <p:grpSpPr>
+        <a:xfrm>
+          <a:off x="0" y="0"/>
+          <a:ext cx="0" cy="0"/>
+          <a:chOff x="0" y="0"/>
+          <a:chExt cx="0" cy="0"/>
+        </a:xfrm>
+      </p:grpSpPr>
+      <p:sp>
+        <p:nvSpPr>
+          <p:cNvPr id="2" name="Title 1"/>
+          <p:cNvSpPr>
+            <a:spLocks noGrp="1"/>
+          </p:cNvSpPr>
+          <p:nvPr>
+            <p:ph type="title"/>
+          </p:nvPr>
+        </p:nvSpPr>
+        <p:spPr/>
+        <p:txBody>
+          <a:bodyPr/>
+          <a:lstStyle/>
+          <a:p>
+            <a:r>
+              <a:rPr lang="en-US" dirty="0" smtClean="0"/>
+              <a:t>Social framing x fairness</a:t>
+            </a:r>
+            <a:endParaRPr lang="en-US" dirty="0"/>
+          </a:p>
+        </p:txBody>
+      </p:sp>
+      <p:pic>
+        <p:nvPicPr>
+          <p:cNvPr id="4" name="Content Placeholder 3"/>
+          <p:cNvPicPr>
+            <a:picLocks noGrp="1" noChangeAspect="1"/>
+          </p:cNvPicPr>
+          <p:nvPr>
+            <p:ph idx="1"/>
+          </p:nvPr>
+        </p:nvPicPr>
+        <p:blipFill>
+          <a:blip r:embed="rId2">
+            <a:extLst>
+              <a:ext uri="{28A0092B-C50C-407E-A947-70E740481C1C}">
+                <a14:useLocalDpi xmlns:a14="http://schemas.microsoft.com/office/drawing/2010/main" val="0"/>
+              </a:ext>
+            </a:extLst>
+          </a:blip>
+          <a:stretch>
+            <a:fillRect/>
+          </a:stretch>
+        </p:blipFill>
+        <p:spPr>
+          <a:xfrm>
+            <a:off x="1638059" y="2604857"/>
+            <a:ext cx="6438900" cy="1866900"/>
+          </a:xfrm>
+        </p:spPr>
+      </p:pic>
+    </p:spTree>
+    <p:extLst>
+      <p:ext uri="{BB962C8B-B14F-4D97-AF65-F5344CB8AC3E}">
+        <p14:creationId xmlns:p14="http://schemas.microsoft.com/office/powerpoint/2010/main" val="292177539"/>
+      </p:ext>
+    </p:extLst>
+  </p:cSld>
+  <p:clrMapOvr>
+    <a:masterClrMapping/>
+  </p:clrMapOvr>
+</p:sld>
+</file>
+
+<file path=ppt/slides/slide11.xml><?xml version="1.0" encoding="utf-8"?>
+<p:sld xmlns:a="http://schemas.openxmlformats.org/drawingml/2006/main" xmlns:r="http://schemas.openxmlformats.org/officeDocument/2006/relationships" xmlns:p="http://schemas.openxmlformats.org/presentationml/2006/main">
+  <p:cSld>
+    <p:spTree>
+      <p:nvGrpSpPr>
+        <p:cNvPr id="1" name=""/>
+        <p:cNvGrpSpPr/>
+        <p:nvPr/>
+      </p:nvGrpSpPr>
+      <p:grpSpPr>
+        <a:xfrm>
+          <a:off x="0" y="0"/>
+          <a:ext cx="0" cy="0"/>
+          <a:chOff x="0" y="0"/>
+          <a:chExt cx="0" cy="0"/>
+        </a:xfrm>
+      </p:grpSpPr>
+      <p:sp>
+        <p:nvSpPr>
+          <p:cNvPr id="2" name="Title 1"/>
+          <p:cNvSpPr>
+            <a:spLocks noGrp="1"/>
+          </p:cNvSpPr>
+          <p:nvPr>
+            <p:ph type="title"/>
+          </p:nvPr>
+        </p:nvSpPr>
+        <p:spPr/>
+        <p:txBody>
+          <a:bodyPr/>
+          <a:lstStyle/>
+          <a:p>
+            <a:r>
+              <a:rPr lang="en-US" altLang="zh-CN" dirty="0" smtClean="0"/>
+              <a:t>Baseline vs. punish vs. empathy</a:t>
+            </a:r>
+            <a:endParaRPr lang="en-US" dirty="0"/>
+          </a:p>
+        </p:txBody>
+      </p:sp>
+      <p:pic>
+        <p:nvPicPr>
+          <p:cNvPr id="4" name="Content Placeholder 3"/>
+          <p:cNvPicPr>
+            <a:picLocks noGrp="1" noChangeAspect="1"/>
+          </p:cNvPicPr>
+          <p:nvPr>
+            <p:ph idx="1"/>
+          </p:nvPr>
+        </p:nvPicPr>
+        <p:blipFill>
+          <a:blip r:embed="rId2">
+            <a:extLst>
+              <a:ext uri="{28A0092B-C50C-407E-A947-70E740481C1C}">
+                <a14:useLocalDpi xmlns:a14="http://schemas.microsoft.com/office/drawing/2010/main" val="0"/>
+              </a:ext>
+            </a:extLst>
+          </a:blip>
+          <a:stretch>
+            <a:fillRect/>
+          </a:stretch>
+        </p:blipFill>
+        <p:spPr>
+          <a:xfrm>
+            <a:off x="6002685" y="2754160"/>
+            <a:ext cx="4769490" cy="3688406"/>
+          </a:xfrm>
+        </p:spPr>
+      </p:pic>
+      <p:pic>
+        <p:nvPicPr>
+          <p:cNvPr id="5" name="Picture 4"/>
+          <p:cNvPicPr>
+            <a:picLocks noChangeAspect="1"/>
+          </p:cNvPicPr>
+          <p:nvPr/>
+        </p:nvPicPr>
+        <p:blipFill>
+          <a:blip r:embed="rId3">
+            <a:extLst>
+              <a:ext uri="{28A0092B-C50C-407E-A947-70E740481C1C}">
+                <a14:useLocalDpi xmlns:a14="http://schemas.microsoft.com/office/drawing/2010/main" val="0"/>
+              </a:ext>
+            </a:extLst>
+          </a:blip>
+          <a:stretch>
+            <a:fillRect/>
+          </a:stretch>
+        </p:blipFill>
+        <p:spPr>
+          <a:xfrm>
+            <a:off x="589183" y="2997842"/>
+            <a:ext cx="4756606" cy="3201043"/>
+          </a:xfrm>
+          <a:prstGeom prst="rect">
+            <a:avLst/>
+          </a:prstGeom>
+        </p:spPr>
+      </p:pic>
+      <p:sp>
+        <p:nvSpPr>
+          <p:cNvPr id="6" name="TextBox 5"/>
+          <p:cNvSpPr txBox="1"/>
+          <p:nvPr/>
+        </p:nvSpPr>
+        <p:spPr>
+          <a:xfrm>
+            <a:off x="1115992" y="1576092"/>
+            <a:ext cx="7750215" cy="646331"/>
+          </a:xfrm>
+          <a:prstGeom prst="rect">
+            <a:avLst/>
+          </a:prstGeom>
+          <a:noFill/>
+        </p:spPr>
+        <p:txBody>
+          <a:bodyPr wrap="square" rtlCol="0">
+            <a:spAutoFit/>
+          </a:bodyPr>
+          <a:lstStyle/>
+          <a:p>
+            <a:r>
+              <a:rPr lang="en-US" dirty="0" smtClean="0"/>
+              <a:t>3 way chi-square:</a:t>
+            </a:r>
+          </a:p>
+          <a:p>
+            <a:r>
+              <a:rPr lang="en-US" dirty="0" smtClean="0"/>
+              <a:t>Groups x fairness x social framing(2 levels)</a:t>
+            </a:r>
+            <a:endParaRPr lang="en-US" dirty="0"/>
+          </a:p>
+        </p:txBody>
+      </p:sp>
+    </p:spTree>
+    <p:extLst>
+      <p:ext uri="{BB962C8B-B14F-4D97-AF65-F5344CB8AC3E}">
+        <p14:creationId xmlns:p14="http://schemas.microsoft.com/office/powerpoint/2010/main" val="1062287753"/>
+      </p:ext>
+    </p:extLst>
+  </p:cSld>
+  <p:clrMapOvr>
+    <a:masterClrMapping/>
+  </p:clrMapOvr>
+</p:sld>
+</file>
+
+<file path=ppt/slides/slide12.xml><?xml version="1.0" encoding="utf-8"?>
+<p:sld xmlns:a="http://schemas.openxmlformats.org/drawingml/2006/main" xmlns:r="http://schemas.openxmlformats.org/officeDocument/2006/relationships" xmlns:p="http://schemas.openxmlformats.org/presentationml/2006/main">
+  <p:cSld>
+    <p:spTree>
+      <p:nvGrpSpPr>
+        <p:cNvPr id="1" name=""/>
+        <p:cNvGrpSpPr/>
+        <p:nvPr/>
+      </p:nvGrpSpPr>
+      <p:grpSpPr>
+        <a:xfrm>
+          <a:off x="0" y="0"/>
+          <a:ext cx="0" cy="0"/>
+          <a:chOff x="0" y="0"/>
+          <a:chExt cx="0" cy="0"/>
+        </a:xfrm>
+      </p:grpSpPr>
+      <p:sp>
+        <p:nvSpPr>
+          <p:cNvPr id="2" name="Title 1"/>
+          <p:cNvSpPr>
+            <a:spLocks noGrp="1"/>
+          </p:cNvSpPr>
+          <p:nvPr>
+            <p:ph type="title"/>
+          </p:nvPr>
+        </p:nvSpPr>
+        <p:spPr/>
+        <p:txBody>
+          <a:bodyPr/>
+          <a:lstStyle/>
+          <a:p>
+            <a:r>
+              <a:rPr lang="en-US" altLang="zh-CN" dirty="0"/>
+              <a:t>Baseline vs. </a:t>
+            </a:r>
+            <a:r>
+              <a:rPr lang="en-US" altLang="zh-CN" dirty="0" smtClean="0"/>
+              <a:t>social framing</a:t>
+            </a:r>
+            <a:endParaRPr lang="en-US" dirty="0"/>
+          </a:p>
+        </p:txBody>
+      </p:sp>
+      <p:sp>
+        <p:nvSpPr>
+          <p:cNvPr id="3" name="Content Placeholder 2"/>
+          <p:cNvSpPr>
+            <a:spLocks noGrp="1"/>
+          </p:cNvSpPr>
+          <p:nvPr>
+            <p:ph idx="1"/>
+          </p:nvPr>
+        </p:nvSpPr>
+        <p:spPr/>
+        <p:txBody>
+          <a:bodyPr>
+            <a:normAutofit/>
+          </a:bodyPr>
+          <a:lstStyle/>
+          <a:p>
+            <a:r>
+              <a:rPr lang="en-US" sz="1800" dirty="0"/>
+              <a:t>3 way chi-square:</a:t>
+            </a:r>
+          </a:p>
+          <a:p>
+            <a:r>
+              <a:rPr lang="en-US" sz="1800" dirty="0"/>
+              <a:t>Groups x fairness x social </a:t>
+            </a:r>
+            <a:r>
+              <a:rPr lang="en-US" sz="1800" dirty="0" smtClean="0"/>
+              <a:t>framing(3 levels)</a:t>
+            </a:r>
+          </a:p>
+          <a:p>
+            <a:endParaRPr lang="en-US" sz="1800" dirty="0"/>
+          </a:p>
+          <a:p>
+            <a:endParaRPr lang="en-US" sz="1800" dirty="0"/>
+          </a:p>
+        </p:txBody>
+      </p:sp>
+      <p:pic>
+        <p:nvPicPr>
+          <p:cNvPr id="4" name="Picture 3"/>
+          <p:cNvPicPr>
+            <a:picLocks noChangeAspect="1"/>
+          </p:cNvPicPr>
+          <p:nvPr/>
+        </p:nvPicPr>
+        <p:blipFill>
+          <a:blip r:embed="rId2">
+            <a:extLst>
+              <a:ext uri="{28A0092B-C50C-407E-A947-70E740481C1C}">
+                <a14:useLocalDpi xmlns:a14="http://schemas.microsoft.com/office/drawing/2010/main" val="0"/>
+              </a:ext>
+            </a:extLst>
+          </a:blip>
+          <a:stretch>
+            <a:fillRect/>
+          </a:stretch>
+        </p:blipFill>
+        <p:spPr>
+          <a:xfrm>
+            <a:off x="838200" y="3279318"/>
+            <a:ext cx="4976391" cy="2897645"/>
+          </a:xfrm>
+          <a:prstGeom prst="rect">
+            <a:avLst/>
+          </a:prstGeom>
+        </p:spPr>
+      </p:pic>
+      <p:pic>
+        <p:nvPicPr>
+          <p:cNvPr id="5" name="Picture 4"/>
+          <p:cNvPicPr>
+            <a:picLocks noChangeAspect="1"/>
+          </p:cNvPicPr>
+          <p:nvPr/>
+        </p:nvPicPr>
+        <p:blipFill>
+          <a:blip r:embed="rId3">
+            <a:extLst>
+              <a:ext uri="{28A0092B-C50C-407E-A947-70E740481C1C}">
+                <a14:useLocalDpi xmlns:a14="http://schemas.microsoft.com/office/drawing/2010/main" val="0"/>
+              </a:ext>
+            </a:extLst>
+          </a:blip>
+          <a:stretch>
+            <a:fillRect/>
+          </a:stretch>
+        </p:blipFill>
+        <p:spPr>
+          <a:xfrm>
+            <a:off x="5905799" y="3279318"/>
+            <a:ext cx="5448001" cy="2913096"/>
+          </a:xfrm>
+          <a:prstGeom prst="rect">
+            <a:avLst/>
+          </a:prstGeom>
+        </p:spPr>
+      </p:pic>
+    </p:spTree>
+    <p:extLst>
+      <p:ext uri="{BB962C8B-B14F-4D97-AF65-F5344CB8AC3E}">
+        <p14:creationId xmlns:p14="http://schemas.microsoft.com/office/powerpoint/2010/main" val="1016095626"/>
+      </p:ext>
+    </p:extLst>
+  </p:cSld>
+  <p:clrMapOvr>
+    <a:masterClrMapping/>
+  </p:clrMapOvr>
+</p:sld>
+</file>
+
+<file path=ppt/slides/slide13.xml><?xml version="1.0" encoding="utf-8"?>
+<p:sld xmlns:a="http://schemas.openxmlformats.org/drawingml/2006/main" xmlns:r="http://schemas.openxmlformats.org/officeDocument/2006/relationships" xmlns:p="http://schemas.openxmlformats.org/presentationml/2006/main">
+  <p:cSld>
+    <p:spTree>
+      <p:nvGrpSpPr>
+        <p:cNvPr id="1" name=""/>
+        <p:cNvGrpSpPr/>
+        <p:nvPr/>
+      </p:nvGrpSpPr>
+      <p:grpSpPr>
+        <a:xfrm>
+          <a:off x="0" y="0"/>
+          <a:ext cx="0" cy="0"/>
+          <a:chOff x="0" y="0"/>
+          <a:chExt cx="0" cy="0"/>
+        </a:xfrm>
+      </p:grpSpPr>
+      <p:sp>
+        <p:nvSpPr>
+          <p:cNvPr id="2" name="Title 1"/>
+          <p:cNvSpPr>
+            <a:spLocks noGrp="1"/>
+          </p:cNvSpPr>
+          <p:nvPr>
+            <p:ph type="title"/>
+          </p:nvPr>
+        </p:nvSpPr>
+        <p:spPr/>
+        <p:txBody>
+          <a:bodyPr/>
+          <a:lstStyle/>
+          <a:p>
+            <a:r>
+              <a:rPr lang="en-US" altLang="zh-CN" dirty="0"/>
+              <a:t>Baseline vs. social framing</a:t>
+            </a:r>
+            <a:endParaRPr lang="en-US" dirty="0"/>
+          </a:p>
+        </p:txBody>
+      </p:sp>
+      <p:sp>
+        <p:nvSpPr>
+          <p:cNvPr id="3" name="Content Placeholder 2"/>
+          <p:cNvSpPr>
+            <a:spLocks noGrp="1"/>
+          </p:cNvSpPr>
+          <p:nvPr>
+            <p:ph idx="1"/>
+          </p:nvPr>
+        </p:nvSpPr>
+        <p:spPr/>
+        <p:txBody>
+          <a:bodyPr/>
+          <a:lstStyle/>
+          <a:p>
+            <a:r>
+              <a:rPr lang="en-US" dirty="0" smtClean="0"/>
+              <a:t>2 way chi-square</a:t>
+            </a:r>
+          </a:p>
+          <a:p>
+            <a:r>
+              <a:rPr lang="en-US" dirty="0" smtClean="0"/>
+              <a:t>Social framing x fairness</a:t>
+            </a:r>
+          </a:p>
+          <a:p>
+            <a:endParaRPr lang="en-US" dirty="0"/>
+          </a:p>
+        </p:txBody>
+      </p:sp>
+      <p:pic>
+        <p:nvPicPr>
+          <p:cNvPr id="4" name="Picture 3"/>
+          <p:cNvPicPr>
+            <a:picLocks noChangeAspect="1"/>
+          </p:cNvPicPr>
+          <p:nvPr/>
+        </p:nvPicPr>
+        <p:blipFill>
+          <a:blip r:embed="rId2">
+            <a:extLst>
+              <a:ext uri="{28A0092B-C50C-407E-A947-70E740481C1C}">
+                <a14:useLocalDpi xmlns:a14="http://schemas.microsoft.com/office/drawing/2010/main" val="0"/>
+              </a:ext>
+            </a:extLst>
+          </a:blip>
+          <a:stretch>
+            <a:fillRect/>
+          </a:stretch>
+        </p:blipFill>
+        <p:spPr>
+          <a:xfrm>
+            <a:off x="977257" y="3074194"/>
+            <a:ext cx="4229100" cy="1854200"/>
+          </a:xfrm>
+          <a:prstGeom prst="rect">
+            <a:avLst/>
+          </a:prstGeom>
+        </p:spPr>
+      </p:pic>
+    </p:spTree>
+    <p:extLst>
+      <p:ext uri="{BB962C8B-B14F-4D97-AF65-F5344CB8AC3E}">
+        <p14:creationId xmlns:p14="http://schemas.microsoft.com/office/powerpoint/2010/main" val="139239032"/>
+      </p:ext>
+    </p:extLst>
+  </p:cSld>
+  <p:clrMapOvr>
+    <a:masterClrMapping/>
+  </p:clrMapOvr>
+</p:sld>
+</file>
+
+<file path=ppt/slides/slide14.xml><?xml version="1.0" encoding="utf-8"?>
+<p:sld xmlns:a="http://schemas.openxmlformats.org/drawingml/2006/main" xmlns:r="http://schemas.openxmlformats.org/officeDocument/2006/relationships" xmlns:p="http://schemas.openxmlformats.org/presentationml/2006/main">
+  <p:cSld>
+    <p:spTree>
+      <p:nvGrpSpPr>
+        <p:cNvPr id="1" name=""/>
+        <p:cNvGrpSpPr/>
+        <p:nvPr/>
+      </p:nvGrpSpPr>
+      <p:grpSpPr>
+        <a:xfrm>
+          <a:off x="0" y="0"/>
+          <a:ext cx="0" cy="0"/>
+          <a:chOff x="0" y="0"/>
+          <a:chExt cx="0" cy="0"/>
+        </a:xfrm>
+      </p:grpSpPr>
+      <p:sp>
+        <p:nvSpPr>
+          <p:cNvPr id="2" name="Title 1"/>
+          <p:cNvSpPr>
+            <a:spLocks noGrp="1"/>
+          </p:cNvSpPr>
+          <p:nvPr>
+            <p:ph type="title"/>
+          </p:nvPr>
+        </p:nvSpPr>
+        <p:spPr/>
+        <p:txBody>
+          <a:bodyPr/>
+          <a:lstStyle/>
+          <a:p>
+            <a:r>
+              <a:rPr lang="en-US" altLang="zh-CN" dirty="0"/>
+              <a:t>Baseline vs. social framing</a:t>
+            </a:r>
+            <a:endParaRPr lang="en-US" dirty="0"/>
+          </a:p>
+        </p:txBody>
+      </p:sp>
+      <p:sp>
+        <p:nvSpPr>
+          <p:cNvPr id="3" name="Content Placeholder 2"/>
+          <p:cNvSpPr>
+            <a:spLocks noGrp="1"/>
+          </p:cNvSpPr>
+          <p:nvPr>
+            <p:ph idx="1"/>
+          </p:nvPr>
+        </p:nvSpPr>
+        <p:spPr>
+          <a:xfrm>
+            <a:off x="838200" y="1825625"/>
+            <a:ext cx="4740797" cy="4351338"/>
+          </a:xfrm>
+        </p:spPr>
+        <p:txBody>
+          <a:bodyPr/>
+          <a:lstStyle/>
+          <a:p>
+            <a:r>
+              <a:rPr lang="en-US" dirty="0" smtClean="0"/>
+              <a:t>2 way chi-square</a:t>
+            </a:r>
+          </a:p>
+          <a:p>
+            <a:r>
+              <a:rPr lang="en-US" dirty="0" smtClean="0"/>
+              <a:t>Fairness x 4 groups</a:t>
+            </a:r>
+            <a:endParaRPr lang="en-US" dirty="0"/>
+          </a:p>
+        </p:txBody>
+      </p:sp>
+      <p:pic>
+        <p:nvPicPr>
+          <p:cNvPr id="4" name="Picture 3"/>
+          <p:cNvPicPr>
+            <a:picLocks noChangeAspect="1"/>
+          </p:cNvPicPr>
+          <p:nvPr/>
+        </p:nvPicPr>
+        <p:blipFill>
+          <a:blip r:embed="rId2">
+            <a:extLst>
+              <a:ext uri="{28A0092B-C50C-407E-A947-70E740481C1C}">
+                <a14:useLocalDpi xmlns:a14="http://schemas.microsoft.com/office/drawing/2010/main" val="0"/>
+              </a:ext>
+            </a:extLst>
+          </a:blip>
+          <a:stretch>
+            <a:fillRect/>
+          </a:stretch>
+        </p:blipFill>
+        <p:spPr>
+          <a:xfrm>
+            <a:off x="1100398" y="3278529"/>
+            <a:ext cx="4216400" cy="1828800"/>
+          </a:xfrm>
+          <a:prstGeom prst="rect">
+            <a:avLst/>
+          </a:prstGeom>
+        </p:spPr>
+      </p:pic>
+      <p:sp>
+        <p:nvSpPr>
+          <p:cNvPr id="5" name="TextBox 4"/>
+          <p:cNvSpPr txBox="1"/>
+          <p:nvPr/>
+        </p:nvSpPr>
+        <p:spPr>
+          <a:xfrm>
+            <a:off x="6377651" y="1690688"/>
+            <a:ext cx="4849792" cy="1200329"/>
+          </a:xfrm>
+          <a:prstGeom prst="rect">
+            <a:avLst/>
+          </a:prstGeom>
+          <a:noFill/>
+        </p:spPr>
+        <p:txBody>
+          <a:bodyPr wrap="square" rtlCol="0">
+            <a:spAutoFit/>
+          </a:bodyPr>
+          <a:lstStyle/>
+          <a:p>
+            <a:pPr marL="285750" indent="-285750">
+              <a:buFont typeface="Arial" charset="0"/>
+              <a:buChar char="•"/>
+            </a:pPr>
+            <a:r>
+              <a:rPr lang="en-US" dirty="0" smtClean="0"/>
+              <a:t>2 way chi-square</a:t>
+            </a:r>
+          </a:p>
+          <a:p>
+            <a:pPr marL="285750" indent="-285750">
+              <a:buFont typeface="Arial" charset="0"/>
+              <a:buChar char="•"/>
+            </a:pPr>
+            <a:r>
+              <a:rPr lang="en-US" dirty="0" smtClean="0"/>
+              <a:t>Fairness x 5 groups</a:t>
+            </a:r>
+          </a:p>
+          <a:p>
+            <a:pPr marL="285750" indent="-285750">
+              <a:buFont typeface="Arial" charset="0"/>
+              <a:buChar char="•"/>
+            </a:pPr>
+            <a:endParaRPr lang="en-US" dirty="0"/>
+          </a:p>
+          <a:p>
+            <a:pPr marL="285750" indent="-285750">
+              <a:buFont typeface="Arial" charset="0"/>
+              <a:buChar char="•"/>
+            </a:pPr>
+            <a:endParaRPr lang="en-US" dirty="0"/>
+          </a:p>
+        </p:txBody>
+      </p:sp>
+      <p:pic>
+        <p:nvPicPr>
+          <p:cNvPr id="6" name="Picture 5"/>
+          <p:cNvPicPr>
+            <a:picLocks noChangeAspect="1"/>
+          </p:cNvPicPr>
+          <p:nvPr/>
+        </p:nvPicPr>
+        <p:blipFill>
+          <a:blip r:embed="rId3">
+            <a:extLst>
+              <a:ext uri="{28A0092B-C50C-407E-A947-70E740481C1C}">
+                <a14:useLocalDpi xmlns:a14="http://schemas.microsoft.com/office/drawing/2010/main" val="0"/>
+              </a:ext>
+            </a:extLst>
+          </a:blip>
+          <a:stretch>
+            <a:fillRect/>
+          </a:stretch>
+        </p:blipFill>
+        <p:spPr>
+          <a:xfrm>
+            <a:off x="6059347" y="3278529"/>
+            <a:ext cx="5486400" cy="1765300"/>
+          </a:xfrm>
+          <a:prstGeom prst="rect">
+            <a:avLst/>
+          </a:prstGeom>
+        </p:spPr>
+      </p:pic>
+    </p:spTree>
+    <p:extLst>
+      <p:ext uri="{BB962C8B-B14F-4D97-AF65-F5344CB8AC3E}">
+        <p14:creationId xmlns:p14="http://schemas.microsoft.com/office/powerpoint/2010/main" val="638577559"/>
       </p:ext>
     </p:extLst>
   </p:cSld>
@@ -9992,7 +13355,7 @@
           <p:cNvPr id="2" name="Title 1">
             <a:extLst>
               <a:ext uri="{FF2B5EF4-FFF2-40B4-BE49-F238E27FC236}">
-                <a16:creationId xmlns:a16="http://schemas.microsoft.com/office/drawing/2014/main" id="{C0DC2B9B-FCB5-4621-ABB4-77B660602A25}"/>
+                <a16:creationId xmlns="" xmlns:a16="http://schemas.microsoft.com/office/drawing/2014/main" id="{C0DC2B9B-FCB5-4621-ABB4-77B660602A25}"/>
               </a:ext>
             </a:extLst>
           </p:cNvPr>
@@ -10020,7 +13383,7 @@
           <p:cNvPr id="4" name="Content Placeholder 3" descr="C:\Users\ke\Desktop\Figure_1.png">
             <a:extLst>
               <a:ext uri="{FF2B5EF4-FFF2-40B4-BE49-F238E27FC236}">
-                <a16:creationId xmlns:a16="http://schemas.microsoft.com/office/drawing/2014/main" id="{4D21BC85-7DF2-4CAA-BD03-EE4871E463F2}"/>
+                <a16:creationId xmlns="" xmlns:a16="http://schemas.microsoft.com/office/drawing/2014/main" id="{4D21BC85-7DF2-4CAA-BD03-EE4871E463F2}"/>
               </a:ext>
             </a:extLst>
           </p:cNvPr>
@@ -10063,7 +13426,7 @@
           <p:cNvPr id="6" name="TextBox 5">
             <a:extLst>
               <a:ext uri="{FF2B5EF4-FFF2-40B4-BE49-F238E27FC236}">
-                <a16:creationId xmlns:a16="http://schemas.microsoft.com/office/drawing/2014/main" id="{FF07B87F-C8DD-4F75-AF75-8EE671EF4690}"/>
+                <a16:creationId xmlns="" xmlns:a16="http://schemas.microsoft.com/office/drawing/2014/main" id="{FF07B87F-C8DD-4F75-AF75-8EE671EF4690}"/>
               </a:ext>
             </a:extLst>
           </p:cNvPr>
@@ -10122,7 +13485,7 @@
           <p:cNvPr id="5" name="Table 4">
             <a:extLst>
               <a:ext uri="{FF2B5EF4-FFF2-40B4-BE49-F238E27FC236}">
-                <a16:creationId xmlns:a16="http://schemas.microsoft.com/office/drawing/2014/main" id="{7229B7B9-B18A-4703-9B4E-3C8CBCE0D5D8}"/>
+                <a16:creationId xmlns="" xmlns:a16="http://schemas.microsoft.com/office/drawing/2014/main" id="{7229B7B9-B18A-4703-9B4E-3C8CBCE0D5D8}"/>
               </a:ext>
             </a:extLst>
           </p:cNvPr>
@@ -10151,21 +13514,21 @@
                 <a:gridCol w="983916">
                   <a:extLst>
                     <a:ext uri="{9D8B030D-6E8A-4147-A177-3AD203B41FA5}">
-                      <a16:colId xmlns:a16="http://schemas.microsoft.com/office/drawing/2014/main" val="3735259432"/>
+                      <a16:colId xmlns="" xmlns:a16="http://schemas.microsoft.com/office/drawing/2014/main" val="3735259432"/>
                     </a:ext>
                   </a:extLst>
                 </a:gridCol>
                 <a:gridCol w="983916">
                   <a:extLst>
                     <a:ext uri="{9D8B030D-6E8A-4147-A177-3AD203B41FA5}">
-                      <a16:colId xmlns:a16="http://schemas.microsoft.com/office/drawing/2014/main" val="1134382208"/>
+                      <a16:colId xmlns="" xmlns:a16="http://schemas.microsoft.com/office/drawing/2014/main" val="1134382208"/>
                     </a:ext>
                   </a:extLst>
                 </a:gridCol>
                 <a:gridCol w="983916">
                   <a:extLst>
                     <a:ext uri="{9D8B030D-6E8A-4147-A177-3AD203B41FA5}">
-                      <a16:colId xmlns:a16="http://schemas.microsoft.com/office/drawing/2014/main" val="1257578719"/>
+                      <a16:colId xmlns="" xmlns:a16="http://schemas.microsoft.com/office/drawing/2014/main" val="1257578719"/>
                     </a:ext>
                   </a:extLst>
                 </a:gridCol>
@@ -10242,7 +13605,7 @@
                 </a:tc>
                 <a:extLst>
                   <a:ext uri="{0D108BD9-81ED-4DB2-BD59-A6C34878D82A}">
-                    <a16:rowId xmlns:a16="http://schemas.microsoft.com/office/drawing/2014/main" val="1625375486"/>
+                    <a16:rowId xmlns="" xmlns:a16="http://schemas.microsoft.com/office/drawing/2014/main" val="1625375486"/>
                   </a:ext>
                 </a:extLst>
               </a:tr>
@@ -10318,7 +13681,7 @@
                 </a:tc>
                 <a:extLst>
                   <a:ext uri="{0D108BD9-81ED-4DB2-BD59-A6C34878D82A}">
-                    <a16:rowId xmlns:a16="http://schemas.microsoft.com/office/drawing/2014/main" val="1346036712"/>
+                    <a16:rowId xmlns="" xmlns:a16="http://schemas.microsoft.com/office/drawing/2014/main" val="1346036712"/>
                   </a:ext>
                 </a:extLst>
               </a:tr>
@@ -10394,7 +13757,7 @@
                 </a:tc>
                 <a:extLst>
                   <a:ext uri="{0D108BD9-81ED-4DB2-BD59-A6C34878D82A}">
-                    <a16:rowId xmlns:a16="http://schemas.microsoft.com/office/drawing/2014/main" val="2275640152"/>
+                    <a16:rowId xmlns="" xmlns:a16="http://schemas.microsoft.com/office/drawing/2014/main" val="2275640152"/>
                   </a:ext>
                 </a:extLst>
               </a:tr>
@@ -10437,7 +13800,7 @@
           <p:cNvPr id="2" name="Title 1">
             <a:extLst>
               <a:ext uri="{FF2B5EF4-FFF2-40B4-BE49-F238E27FC236}">
-                <a16:creationId xmlns:a16="http://schemas.microsoft.com/office/drawing/2014/main" id="{9E72733B-3ADC-4709-8C8B-A6CBD9E2C805}"/>
+                <a16:creationId xmlns="" xmlns:a16="http://schemas.microsoft.com/office/drawing/2014/main" id="{9E72733B-3ADC-4709-8C8B-A6CBD9E2C805}"/>
               </a:ext>
             </a:extLst>
           </p:cNvPr>
@@ -10628,7 +13991,7 @@
           <p:cNvPr id="2" name="Title 1">
             <a:extLst>
               <a:ext uri="{FF2B5EF4-FFF2-40B4-BE49-F238E27FC236}">
-                <a16:creationId xmlns:a16="http://schemas.microsoft.com/office/drawing/2014/main" id="{5506469E-1244-4642-907B-B1433F60711B}"/>
+                <a16:creationId xmlns="" xmlns:a16="http://schemas.microsoft.com/office/drawing/2014/main" id="{5506469E-1244-4642-907B-B1433F60711B}"/>
               </a:ext>
             </a:extLst>
           </p:cNvPr>
@@ -10656,7 +14019,7 @@
           <p:cNvPr id="4" name="Content Placeholder 3">
             <a:extLst>
               <a:ext uri="{FF2B5EF4-FFF2-40B4-BE49-F238E27FC236}">
-                <a16:creationId xmlns:a16="http://schemas.microsoft.com/office/drawing/2014/main" id="{14837406-5535-4D53-B38D-5FA66CF97038}"/>
+                <a16:creationId xmlns="" xmlns:a16="http://schemas.microsoft.com/office/drawing/2014/main" id="{14837406-5535-4D53-B38D-5FA66CF97038}"/>
               </a:ext>
             </a:extLst>
           </p:cNvPr>
@@ -10684,13 +14047,7 @@
       </p:graphicFrame>
       <p:pic>
         <p:nvPicPr>
-          <p:cNvPr id="6" name="Picture 5">
-            <a:extLst>
-              <a:ext uri="{FF2B5EF4-FFF2-40B4-BE49-F238E27FC236}">
-                <a16:creationId xmlns:a16="http://schemas.microsoft.com/office/drawing/2014/main" id="{828822EB-3C9E-46AD-8C19-6E556B0E53E4}"/>
-              </a:ext>
-            </a:extLst>
-          </p:cNvPr>
+          <p:cNvPr id="3" name="Picture 2"/>
           <p:cNvPicPr>
             <a:picLocks noChangeAspect="1"/>
           </p:cNvPicPr>
@@ -10710,8 +14067,8 @@
         </p:blipFill>
         <p:spPr>
           <a:xfrm>
-            <a:off x="6319157" y="3147288"/>
-            <a:ext cx="3629532" cy="628738"/>
+            <a:off x="6813470" y="2133600"/>
+            <a:ext cx="4445000" cy="2590800"/>
           </a:xfrm>
           <a:prstGeom prst="rect">
             <a:avLst/>
@@ -10753,7 +14110,7 @@
           <p:cNvPr id="2" name="Title 1">
             <a:extLst>
               <a:ext uri="{FF2B5EF4-FFF2-40B4-BE49-F238E27FC236}">
-                <a16:creationId xmlns:a16="http://schemas.microsoft.com/office/drawing/2014/main" id="{C3F5CDFC-1D41-42B8-9223-6129DEC6C293}"/>
+                <a16:creationId xmlns="" xmlns:a16="http://schemas.microsoft.com/office/drawing/2014/main" id="{C3F5CDFC-1D41-42B8-9223-6129DEC6C293}"/>
               </a:ext>
             </a:extLst>
           </p:cNvPr>
@@ -10769,7 +14126,10 @@
           <a:bodyPr/>
           <a:lstStyle/>
           <a:p>
-            <a:endParaRPr lang="en-CA"/>
+            <a:r>
+              <a:rPr lang="en-CA" dirty="0"/>
+              <a:t>Baseline condition</a:t>
+            </a:r>
           </a:p>
         </p:txBody>
       </p:sp>
@@ -10778,7 +14138,7 @@
           <p:cNvPr id="4" name="Content Placeholder 3">
             <a:extLst>
               <a:ext uri="{FF2B5EF4-FFF2-40B4-BE49-F238E27FC236}">
-                <a16:creationId xmlns:a16="http://schemas.microsoft.com/office/drawing/2014/main" id="{63ECDBED-7E6C-40D5-AC3A-4B4B35A132F9}"/>
+                <a16:creationId xmlns="" xmlns:a16="http://schemas.microsoft.com/office/drawing/2014/main" id="{63ECDBED-7E6C-40D5-AC3A-4B4B35A132F9}"/>
               </a:ext>
             </a:extLst>
           </p:cNvPr>
@@ -10806,13 +14166,7 @@
       </p:graphicFrame>
       <p:pic>
         <p:nvPicPr>
-          <p:cNvPr id="6" name="Picture 5">
-            <a:extLst>
-              <a:ext uri="{FF2B5EF4-FFF2-40B4-BE49-F238E27FC236}">
-                <a16:creationId xmlns:a16="http://schemas.microsoft.com/office/drawing/2014/main" id="{FD3580D9-1F70-4A3B-B36F-C4027E52D60B}"/>
-              </a:ext>
-            </a:extLst>
-          </p:cNvPr>
+          <p:cNvPr id="3" name="Picture 2"/>
           <p:cNvPicPr>
             <a:picLocks noChangeAspect="1"/>
           </p:cNvPicPr>
@@ -10832,8 +14186,8 @@
         </p:blipFill>
         <p:spPr>
           <a:xfrm>
-            <a:off x="6669315" y="3367047"/>
-            <a:ext cx="3229426" cy="581106"/>
+            <a:off x="6606250" y="2258671"/>
+            <a:ext cx="4406900" cy="2628900"/>
           </a:xfrm>
           <a:prstGeom prst="rect">
             <a:avLst/>
@@ -10875,7 +14229,7 @@
           <p:cNvPr id="2" name="Title 1">
             <a:extLst>
               <a:ext uri="{FF2B5EF4-FFF2-40B4-BE49-F238E27FC236}">
-                <a16:creationId xmlns:a16="http://schemas.microsoft.com/office/drawing/2014/main" id="{99B70518-582A-46A1-8C6C-709B5B3C47F4}"/>
+                <a16:creationId xmlns="" xmlns:a16="http://schemas.microsoft.com/office/drawing/2014/main" id="{99B70518-582A-46A1-8C6C-709B5B3C47F4}"/>
               </a:ext>
             </a:extLst>
           </p:cNvPr>
@@ -10891,19 +14245,247 @@
           <a:bodyPr/>
           <a:lstStyle/>
           <a:p>
-            <a:endParaRPr lang="en-CA"/>
+            <a:r>
+              <a:rPr lang="en-US" altLang="zh-CN" dirty="0" smtClean="0"/>
+              <a:t>Social framing condition (4 groups)</a:t>
+            </a:r>
+            <a:endParaRPr lang="en-CA" dirty="0"/>
+          </a:p>
+        </p:txBody>
+      </p:sp>
+      <p:graphicFrame>
+        <p:nvGraphicFramePr>
+          <p:cNvPr id="6" name="Content Placeholder 5"/>
+          <p:cNvGraphicFramePr>
+            <a:graphicFrameLocks noGrp="1"/>
+          </p:cNvGraphicFramePr>
+          <p:nvPr>
+            <p:ph idx="1"/>
+            <p:extLst>
+              <p:ext uri="{D42A27DB-BD31-4B8C-83A1-F6EECF244321}">
+                <p14:modId xmlns:p14="http://schemas.microsoft.com/office/powerpoint/2010/main" val="101019136"/>
+              </p:ext>
+            </p:extLst>
+          </p:nvPr>
+        </p:nvGraphicFramePr>
+        <p:xfrm>
+          <a:off x="838200" y="1825625"/>
+          <a:ext cx="5319532" cy="4351338"/>
+        </p:xfrm>
+        <a:graphic>
+          <a:graphicData uri="http://schemas.openxmlformats.org/drawingml/2006/chart">
+            <c:chart xmlns:c="http://schemas.openxmlformats.org/drawingml/2006/chart" xmlns:r="http://schemas.openxmlformats.org/officeDocument/2006/relationships" r:id="rId2"/>
+          </a:graphicData>
+        </a:graphic>
+      </p:graphicFrame>
+      <p:pic>
+        <p:nvPicPr>
+          <p:cNvPr id="8" name="Picture 7"/>
+          <p:cNvPicPr>
+            <a:picLocks noChangeAspect="1"/>
+          </p:cNvPicPr>
+          <p:nvPr/>
+        </p:nvPicPr>
+        <p:blipFill>
+          <a:blip r:embed="rId3">
+            <a:extLst>
+              <a:ext uri="{28A0092B-C50C-407E-A947-70E740481C1C}">
+                <a14:useLocalDpi xmlns:a14="http://schemas.microsoft.com/office/drawing/2010/main" val="0"/>
+              </a:ext>
+            </a:extLst>
+          </a:blip>
+          <a:stretch>
+            <a:fillRect/>
+          </a:stretch>
+        </p:blipFill>
+        <p:spPr>
+          <a:xfrm>
+            <a:off x="6679396" y="3010321"/>
+            <a:ext cx="4674404" cy="2312426"/>
+          </a:xfrm>
+          <a:prstGeom prst="rect">
+            <a:avLst/>
+          </a:prstGeom>
+        </p:spPr>
+      </p:pic>
+    </p:spTree>
+    <p:extLst>
+      <p:ext uri="{BB962C8B-B14F-4D97-AF65-F5344CB8AC3E}">
+        <p14:creationId xmlns:p14="http://schemas.microsoft.com/office/powerpoint/2010/main" val="2210263727"/>
+      </p:ext>
+    </p:extLst>
+  </p:cSld>
+  <p:clrMapOvr>
+    <a:masterClrMapping/>
+  </p:clrMapOvr>
+</p:sld>
+</file>
+
+<file path=ppt/slides/slide8.xml><?xml version="1.0" encoding="utf-8"?>
+<p:sld xmlns:a="http://schemas.openxmlformats.org/drawingml/2006/main" xmlns:r="http://schemas.openxmlformats.org/officeDocument/2006/relationships" xmlns:p="http://schemas.openxmlformats.org/presentationml/2006/main">
+  <p:cSld>
+    <p:spTree>
+      <p:nvGrpSpPr>
+        <p:cNvPr id="1" name=""/>
+        <p:cNvGrpSpPr/>
+        <p:nvPr/>
+      </p:nvGrpSpPr>
+      <p:grpSpPr>
+        <a:xfrm>
+          <a:off x="0" y="0"/>
+          <a:ext cx="0" cy="0"/>
+          <a:chOff x="0" y="0"/>
+          <a:chExt cx="0" cy="0"/>
+        </a:xfrm>
+      </p:grpSpPr>
+      <p:sp>
+        <p:nvSpPr>
+          <p:cNvPr id="2" name="Title 1"/>
+          <p:cNvSpPr>
+            <a:spLocks noGrp="1"/>
+          </p:cNvSpPr>
+          <p:nvPr>
+            <p:ph type="title"/>
+          </p:nvPr>
+        </p:nvSpPr>
+        <p:spPr/>
+        <p:txBody>
+          <a:bodyPr/>
+          <a:lstStyle/>
+          <a:p>
+            <a:r>
+              <a:rPr lang="en-US" altLang="zh-CN" dirty="0"/>
+              <a:t>Social framing condition </a:t>
+            </a:r>
+            <a:r>
+              <a:rPr lang="en-US" altLang="zh-CN" dirty="0" smtClean="0"/>
+              <a:t>(5 </a:t>
+            </a:r>
+            <a:r>
+              <a:rPr lang="en-US" altLang="zh-CN" dirty="0"/>
+              <a:t>groups</a:t>
+            </a:r>
+            <a:r>
+              <a:rPr lang="en-US" altLang="zh-CN" dirty="0" smtClean="0"/>
+              <a:t>)</a:t>
+            </a:r>
+            <a:endParaRPr lang="en-US" dirty="0"/>
+          </a:p>
+        </p:txBody>
+      </p:sp>
+      <p:pic>
+        <p:nvPicPr>
+          <p:cNvPr id="9" name="Content Placeholder 8"/>
+          <p:cNvPicPr>
+            <a:picLocks noGrp="1" noChangeAspect="1"/>
+          </p:cNvPicPr>
+          <p:nvPr>
+            <p:ph idx="1"/>
+          </p:nvPr>
+        </p:nvPicPr>
+        <p:blipFill>
+          <a:blip r:embed="rId2">
+            <a:extLst>
+              <a:ext uri="{28A0092B-C50C-407E-A947-70E740481C1C}">
+                <a14:useLocalDpi xmlns:a14="http://schemas.microsoft.com/office/drawing/2010/main" val="0"/>
+              </a:ext>
+            </a:extLst>
+          </a:blip>
+          <a:stretch>
+            <a:fillRect/>
+          </a:stretch>
+        </p:blipFill>
+        <p:spPr>
+          <a:xfrm>
+            <a:off x="6096000" y="2600294"/>
+            <a:ext cx="4953029" cy="2735635"/>
+          </a:xfrm>
+        </p:spPr>
+      </p:pic>
+      <p:graphicFrame>
+        <p:nvGraphicFramePr>
+          <p:cNvPr id="8" name="Chart 7"/>
+          <p:cNvGraphicFramePr>
+            <a:graphicFrameLocks/>
+          </p:cNvGraphicFramePr>
+          <p:nvPr>
+            <p:extLst>
+              <p:ext uri="{D42A27DB-BD31-4B8C-83A1-F6EECF244321}">
+                <p14:modId xmlns:p14="http://schemas.microsoft.com/office/powerpoint/2010/main" val="1121481784"/>
+              </p:ext>
+            </p:extLst>
+          </p:nvPr>
+        </p:nvGraphicFramePr>
+        <p:xfrm>
+          <a:off x="742708" y="2092123"/>
+          <a:ext cx="5264551" cy="3984586"/>
+        </p:xfrm>
+        <a:graphic>
+          <a:graphicData uri="http://schemas.openxmlformats.org/drawingml/2006/chart">
+            <c:chart xmlns:c="http://schemas.openxmlformats.org/drawingml/2006/chart" xmlns:r="http://schemas.openxmlformats.org/officeDocument/2006/relationships" r:id="rId3"/>
+          </a:graphicData>
+        </a:graphic>
+      </p:graphicFrame>
+    </p:spTree>
+    <p:extLst>
+      <p:ext uri="{BB962C8B-B14F-4D97-AF65-F5344CB8AC3E}">
+        <p14:creationId xmlns:p14="http://schemas.microsoft.com/office/powerpoint/2010/main" val="990817134"/>
+      </p:ext>
+    </p:extLst>
+  </p:cSld>
+  <p:clrMapOvr>
+    <a:masterClrMapping/>
+  </p:clrMapOvr>
+</p:sld>
+</file>
+
+<file path=ppt/slides/slide9.xml><?xml version="1.0" encoding="utf-8"?>
+<p:sld xmlns:a="http://schemas.openxmlformats.org/drawingml/2006/main" xmlns:r="http://schemas.openxmlformats.org/officeDocument/2006/relationships" xmlns:p="http://schemas.openxmlformats.org/presentationml/2006/main">
+  <p:cSld>
+    <p:spTree>
+      <p:nvGrpSpPr>
+        <p:cNvPr id="1" name=""/>
+        <p:cNvGrpSpPr/>
+        <p:nvPr/>
+      </p:nvGrpSpPr>
+      <p:grpSpPr>
+        <a:xfrm>
+          <a:off x="0" y="0"/>
+          <a:ext cx="0" cy="0"/>
+          <a:chOff x="0" y="0"/>
+          <a:chExt cx="0" cy="0"/>
+        </a:xfrm>
+      </p:grpSpPr>
+      <p:sp>
+        <p:nvSpPr>
+          <p:cNvPr id="2" name="Title 1"/>
+          <p:cNvSpPr>
+            <a:spLocks noGrp="1"/>
+          </p:cNvSpPr>
+          <p:nvPr>
+            <p:ph type="title"/>
+          </p:nvPr>
+        </p:nvSpPr>
+        <p:spPr/>
+        <p:txBody>
+          <a:bodyPr/>
+          <a:lstStyle/>
+          <a:p>
+            <a:r>
+              <a:rPr lang="en-US" altLang="zh-CN" dirty="0"/>
+              <a:t>Social framing </a:t>
+            </a:r>
+            <a:r>
+              <a:rPr lang="en-US" altLang="zh-CN" dirty="0" smtClean="0"/>
+              <a:t>condition</a:t>
+            </a:r>
+            <a:endParaRPr lang="en-US" dirty="0"/>
           </a:p>
         </p:txBody>
       </p:sp>
       <p:sp>
         <p:nvSpPr>
-          <p:cNvPr id="3" name="Content Placeholder 2">
-            <a:extLst>
-              <a:ext uri="{FF2B5EF4-FFF2-40B4-BE49-F238E27FC236}">
-                <a16:creationId xmlns:a16="http://schemas.microsoft.com/office/drawing/2014/main" id="{D7710783-5055-4BCB-98A5-A8F926569142}"/>
-              </a:ext>
-            </a:extLst>
-          </p:cNvPr>
+          <p:cNvPr id="3" name="Content Placeholder 2"/>
           <p:cNvSpPr>
             <a:spLocks noGrp="1"/>
           </p:cNvSpPr>
@@ -10911,19 +14493,280 @@
             <p:ph idx="1"/>
           </p:nvPr>
         </p:nvSpPr>
-        <p:spPr/>
+        <p:spPr>
+          <a:xfrm>
+            <a:off x="838200" y="1825625"/>
+            <a:ext cx="4706073" cy="4351338"/>
+          </a:xfrm>
+        </p:spPr>
         <p:txBody>
           <a:bodyPr/>
           <a:lstStyle/>
           <a:p>
-            <a:endParaRPr lang="en-CA"/>
+            <a:r>
+              <a:rPr lang="en-US" dirty="0" smtClean="0"/>
+              <a:t>Fairness x 4 groups</a:t>
+            </a:r>
+          </a:p>
+          <a:p>
+            <a:endParaRPr lang="en-US" dirty="0"/>
+          </a:p>
+          <a:p>
+            <a:endParaRPr lang="en-US" dirty="0" smtClean="0"/>
+          </a:p>
+          <a:p>
+            <a:endParaRPr lang="en-US" dirty="0"/>
+          </a:p>
+          <a:p>
+            <a:endParaRPr lang="en-US" dirty="0" smtClean="0"/>
+          </a:p>
+          <a:p>
+            <a:r>
+              <a:rPr lang="en-US" dirty="0" smtClean="0"/>
+              <a:t>Framing x 4 groups</a:t>
+            </a:r>
+          </a:p>
+          <a:p>
+            <a:endParaRPr lang="en-US" dirty="0" smtClean="0"/>
+          </a:p>
+          <a:p>
+            <a:endParaRPr lang="en-US" dirty="0" smtClean="0"/>
+          </a:p>
+          <a:p>
+            <a:endParaRPr lang="en-US" dirty="0"/>
           </a:p>
         </p:txBody>
       </p:sp>
+      <p:pic>
+        <p:nvPicPr>
+          <p:cNvPr id="4" name="Picture 3"/>
+          <p:cNvPicPr>
+            <a:picLocks noChangeAspect="1"/>
+          </p:cNvPicPr>
+          <p:nvPr/>
+        </p:nvPicPr>
+        <p:blipFill>
+          <a:blip r:embed="rId2">
+            <a:extLst>
+              <a:ext uri="{28A0092B-C50C-407E-A947-70E740481C1C}">
+                <a14:useLocalDpi xmlns:a14="http://schemas.microsoft.com/office/drawing/2010/main" val="0"/>
+              </a:ext>
+            </a:extLst>
+          </a:blip>
+          <a:stretch>
+            <a:fillRect/>
+          </a:stretch>
+        </p:blipFill>
+        <p:spPr>
+          <a:xfrm>
+            <a:off x="838200" y="2458978"/>
+            <a:ext cx="4292600" cy="1765300"/>
+          </a:xfrm>
+          <a:prstGeom prst="rect">
+            <a:avLst/>
+          </a:prstGeom>
+        </p:spPr>
+      </p:pic>
+      <p:pic>
+        <p:nvPicPr>
+          <p:cNvPr id="5" name="Picture 4"/>
+          <p:cNvPicPr>
+            <a:picLocks noChangeAspect="1"/>
+          </p:cNvPicPr>
+          <p:nvPr/>
+        </p:nvPicPr>
+        <p:blipFill>
+          <a:blip r:embed="rId3">
+            <a:extLst>
+              <a:ext uri="{28A0092B-C50C-407E-A947-70E740481C1C}">
+                <a14:useLocalDpi xmlns:a14="http://schemas.microsoft.com/office/drawing/2010/main" val="0"/>
+              </a:ext>
+            </a:extLst>
+          </a:blip>
+          <a:stretch>
+            <a:fillRect/>
+          </a:stretch>
+        </p:blipFill>
+        <p:spPr>
+          <a:xfrm>
+            <a:off x="876300" y="4983383"/>
+            <a:ext cx="4254500" cy="1739900"/>
+          </a:xfrm>
+          <a:prstGeom prst="rect">
+            <a:avLst/>
+          </a:prstGeom>
+        </p:spPr>
+      </p:pic>
+      <p:sp>
+        <p:nvSpPr>
+          <p:cNvPr id="6" name="TextBox 5"/>
+          <p:cNvSpPr txBox="1"/>
+          <p:nvPr/>
+        </p:nvSpPr>
+        <p:spPr>
+          <a:xfrm>
+            <a:off x="6504972" y="1803260"/>
+            <a:ext cx="4664598" cy="3447098"/>
+          </a:xfrm>
+          <a:prstGeom prst="rect">
+            <a:avLst/>
+          </a:prstGeom>
+          <a:noFill/>
+        </p:spPr>
+        <p:txBody>
+          <a:bodyPr wrap="square" rtlCol="0">
+            <a:spAutoFit/>
+          </a:bodyPr>
+          <a:lstStyle/>
+          <a:p>
+            <a:pPr marL="285750" indent="-285750">
+              <a:buFont typeface="Arial" charset="0"/>
+              <a:buChar char="•"/>
+            </a:pPr>
+            <a:r>
+              <a:rPr lang="en-US" sz="2800" dirty="0" smtClean="0"/>
+              <a:t>Fairness x 5 groups</a:t>
+            </a:r>
+          </a:p>
+          <a:p>
+            <a:pPr marL="285750" indent="-285750">
+              <a:buFont typeface="Arial" charset="0"/>
+              <a:buChar char="•"/>
+            </a:pPr>
+            <a:endParaRPr lang="en-US" dirty="0"/>
+          </a:p>
+          <a:p>
+            <a:pPr marL="285750" indent="-285750">
+              <a:buFont typeface="Arial" charset="0"/>
+              <a:buChar char="•"/>
+            </a:pPr>
+            <a:endParaRPr lang="en-US" dirty="0" smtClean="0"/>
+          </a:p>
+          <a:p>
+            <a:pPr marL="285750" indent="-285750">
+              <a:buFont typeface="Arial" charset="0"/>
+              <a:buChar char="•"/>
+            </a:pPr>
+            <a:endParaRPr lang="en-US" dirty="0"/>
+          </a:p>
+          <a:p>
+            <a:pPr marL="285750" indent="-285750">
+              <a:buFont typeface="Arial" charset="0"/>
+              <a:buChar char="•"/>
+            </a:pPr>
+            <a:endParaRPr lang="en-US" dirty="0" smtClean="0"/>
+          </a:p>
+          <a:p>
+            <a:pPr marL="285750" indent="-285750">
+              <a:buFont typeface="Arial" charset="0"/>
+              <a:buChar char="•"/>
+            </a:pPr>
+            <a:endParaRPr lang="en-US" dirty="0"/>
+          </a:p>
+          <a:p>
+            <a:pPr marL="285750" indent="-285750">
+              <a:buFont typeface="Arial" charset="0"/>
+              <a:buChar char="•"/>
+            </a:pPr>
+            <a:endParaRPr lang="en-US" dirty="0" smtClean="0"/>
+          </a:p>
+          <a:p>
+            <a:pPr marL="285750" indent="-285750">
+              <a:buFont typeface="Arial" charset="0"/>
+              <a:buChar char="•"/>
+            </a:pPr>
+            <a:endParaRPr lang="en-US" dirty="0"/>
+          </a:p>
+          <a:p>
+            <a:pPr marL="285750" indent="-285750">
+              <a:buFont typeface="Arial" charset="0"/>
+              <a:buChar char="•"/>
+            </a:pPr>
+            <a:endParaRPr lang="en-US" dirty="0" smtClean="0"/>
+          </a:p>
+          <a:p>
+            <a:pPr marL="285750" indent="-285750">
+              <a:buFont typeface="Arial" charset="0"/>
+              <a:buChar char="•"/>
+            </a:pPr>
+            <a:r>
+              <a:rPr lang="en-US" sz="2800" dirty="0" smtClean="0"/>
+              <a:t>Framing x 5 groups</a:t>
+            </a:r>
+          </a:p>
+          <a:p>
+            <a:pPr marL="285750" indent="-285750">
+              <a:buFont typeface="Arial" charset="0"/>
+              <a:buChar char="•"/>
+            </a:pPr>
+            <a:endParaRPr lang="en-US" dirty="0"/>
+          </a:p>
+        </p:txBody>
+      </p:sp>
+      <p:pic>
+        <p:nvPicPr>
+          <p:cNvPr id="7" name="Picture 6"/>
+          <p:cNvPicPr>
+            <a:picLocks noChangeAspect="1"/>
+          </p:cNvPicPr>
+          <p:nvPr/>
+        </p:nvPicPr>
+        <p:blipFill>
+          <a:blip r:embed="rId4">
+            <a:extLst>
+              <a:ext uri="{28A0092B-C50C-407E-A947-70E740481C1C}">
+                <a14:useLocalDpi xmlns:a14="http://schemas.microsoft.com/office/drawing/2010/main" val="0"/>
+              </a:ext>
+            </a:extLst>
+          </a:blip>
+          <a:stretch>
+            <a:fillRect/>
+          </a:stretch>
+        </p:blipFill>
+        <p:spPr>
+          <a:xfrm>
+            <a:off x="5721270" y="2344356"/>
+            <a:ext cx="5448300" cy="1739900"/>
+          </a:xfrm>
+          <a:prstGeom prst="rect">
+            <a:avLst/>
+          </a:prstGeom>
+        </p:spPr>
+      </p:pic>
+      <p:pic>
+        <p:nvPicPr>
+          <p:cNvPr id="8" name="Picture 7"/>
+          <p:cNvPicPr>
+            <a:picLocks noChangeAspect="1"/>
+          </p:cNvPicPr>
+          <p:nvPr/>
+        </p:nvPicPr>
+        <p:blipFill>
+          <a:blip r:embed="rId5">
+            <a:extLst>
+              <a:ext uri="{28A0092B-C50C-407E-A947-70E740481C1C}">
+                <a14:useLocalDpi xmlns:a14="http://schemas.microsoft.com/office/drawing/2010/main" val="0"/>
+              </a:ext>
+            </a:extLst>
+          </a:blip>
+          <a:stretch>
+            <a:fillRect/>
+          </a:stretch>
+        </p:blipFill>
+        <p:spPr>
+          <a:xfrm>
+            <a:off x="5721269" y="4884426"/>
+            <a:ext cx="5512603" cy="1727200"/>
+          </a:xfrm>
+          <a:prstGeom prst="rect">
+            <a:avLst/>
+          </a:prstGeom>
+        </p:spPr>
+      </p:pic>
     </p:spTree>
     <p:extLst>
       <p:ext uri="{BB962C8B-B14F-4D97-AF65-F5344CB8AC3E}">
-        <p14:creationId xmlns:p14="http://schemas.microsoft.com/office/powerpoint/2010/main" val="2210263727"/>
+        <p14:creationId xmlns:p14="http://schemas.microsoft.com/office/powerpoint/2010/main" val="941723287"/>
       </p:ext>
     </p:extLst>
   </p:cSld>

--- a/UG_results.pptx
+++ b/UG_results.pptx
@@ -5,7 +5,7 @@
     <p:sldMasterId id="2147483648" r:id="rId1"/>
   </p:sldMasterIdLst>
   <p:notesMasterIdLst>
-    <p:notesMasterId r:id="rId16"/>
+    <p:notesMasterId r:id="rId17"/>
   </p:notesMasterIdLst>
   <p:sldIdLst>
     <p:sldId id="256" r:id="rId2"/>
@@ -20,8 +20,9 @@
     <p:sldId id="271" r:id="rId11"/>
     <p:sldId id="272" r:id="rId12"/>
     <p:sldId id="273" r:id="rId13"/>
-    <p:sldId id="274" r:id="rId14"/>
-    <p:sldId id="275" r:id="rId15"/>
+    <p:sldId id="275" r:id="rId14"/>
+    <p:sldId id="274" r:id="rId15"/>
+    <p:sldId id="276" r:id="rId16"/>
   </p:sldIdLst>
   <p:sldSz cx="12192000" cy="6858000"/>
   <p:notesSz cx="6858000" cy="9144000"/>
@@ -133,7 +134,7 @@
 </file>
 
 <file path=ppt/charts/chart1.xml><?xml version="1.0" encoding="utf-8"?>
-<c:chartSpace xmlns:c="http://schemas.openxmlformats.org/drawingml/2006/chart" xmlns:a="http://schemas.openxmlformats.org/drawingml/2006/main" xmlns:r="http://schemas.openxmlformats.org/officeDocument/2006/relationships">
+<c:chartSpace xmlns:c="http://schemas.openxmlformats.org/drawingml/2006/chart" xmlns:a="http://schemas.openxmlformats.org/drawingml/2006/main" xmlns:r="http://schemas.openxmlformats.org/officeDocument/2006/relationships" xmlns:c16r2="http://schemas.microsoft.com/office/drawing/2015/06/chart">
   <c:date1904 val="0"/>
   <c:lang val="en-US"/>
   <c:roundedCorners val="0"/>
@@ -184,8 +185,8 @@
         <c:manualLayout>
           <c:xMode val="edge"/>
           <c:yMode val="edge"/>
-          <c:x val="0.421790387614592"/>
-          <c:y val="0.00583728499142103"/>
+          <c:x val="0.42179038761459198"/>
+          <c:y val="5.8372849914210302E-3"/>
         </c:manualLayout>
       </c:layout>
       <c:overlay val="0"/>
@@ -419,54 +420,54 @@
                 <c:formatCode>General</c:formatCode>
                 <c:ptCount val="30"/>
                 <c:pt idx="0">
-                  <c:v>0.0</c:v>
+                  <c:v>0</c:v>
                 </c:pt>
                 <c:pt idx="2">
-                  <c:v>0.0</c:v>
+                  <c:v>0</c:v>
                 </c:pt>
                 <c:pt idx="4">
-                  <c:v>0.0</c:v>
+                  <c:v>0</c:v>
                 </c:pt>
                 <c:pt idx="6">
-                  <c:v>0.0</c:v>
+                  <c:v>0</c:v>
                 </c:pt>
                 <c:pt idx="8">
-                  <c:v>0.0</c:v>
+                  <c:v>0</c:v>
                 </c:pt>
                 <c:pt idx="10">
-                  <c:v>0.0</c:v>
+                  <c:v>0</c:v>
                 </c:pt>
                 <c:pt idx="12">
-                  <c:v>0.0</c:v>
+                  <c:v>0</c:v>
                 </c:pt>
                 <c:pt idx="14">
-                  <c:v>0.0</c:v>
+                  <c:v>0</c:v>
                 </c:pt>
                 <c:pt idx="16">
-                  <c:v>0.0</c:v>
+                  <c:v>0</c:v>
                 </c:pt>
                 <c:pt idx="18">
-                  <c:v>0.0</c:v>
+                  <c:v>0</c:v>
                 </c:pt>
                 <c:pt idx="20">
-                  <c:v>0.0</c:v>
+                  <c:v>0</c:v>
                 </c:pt>
                 <c:pt idx="22">
-                  <c:v>0.0</c:v>
+                  <c:v>0</c:v>
                 </c:pt>
                 <c:pt idx="24">
-                  <c:v>0.0</c:v>
+                  <c:v>0</c:v>
                 </c:pt>
                 <c:pt idx="26">
-                  <c:v>0.0</c:v>
+                  <c:v>0</c:v>
                 </c:pt>
                 <c:pt idx="28">
-                  <c:v>0.0</c:v>
+                  <c:v>0</c:v>
                 </c:pt>
               </c:numCache>
             </c:numRef>
           </c:val>
-          <c:extLst xmlns:c16r2="http://schemas.microsoft.com/office/drawing/2015/06/chart">
+          <c:extLst>
             <c:ext xmlns:c16="http://schemas.microsoft.com/office/drawing/2014/chart" uri="{C3380CC4-5D6E-409C-BE32-E72D297353CC}">
               <c16:uniqueId val="{00000000-56D6-497A-AB87-7E157B71EAE8}"/>
             </c:ext>
@@ -667,99 +668,99 @@
                 <c:formatCode>General</c:formatCode>
                 <c:ptCount val="30"/>
                 <c:pt idx="0">
-                  <c:v>0.0</c:v>
+                  <c:v>0</c:v>
                 </c:pt>
                 <c:pt idx="1">
-                  <c:v>0.0</c:v>
+                  <c:v>0</c:v>
                 </c:pt>
                 <c:pt idx="2">
-                  <c:v>0.0</c:v>
+                  <c:v>0</c:v>
                 </c:pt>
                 <c:pt idx="3">
-                  <c:v>0.0</c:v>
+                  <c:v>0</c:v>
                 </c:pt>
                 <c:pt idx="4">
-                  <c:v>0.0</c:v>
+                  <c:v>0</c:v>
                 </c:pt>
                 <c:pt idx="5">
-                  <c:v>0.0</c:v>
+                  <c:v>0</c:v>
                 </c:pt>
                 <c:pt idx="6">
-                  <c:v>0.0</c:v>
+                  <c:v>0</c:v>
                 </c:pt>
                 <c:pt idx="7">
-                  <c:v>0.0</c:v>
+                  <c:v>0</c:v>
                 </c:pt>
                 <c:pt idx="8">
-                  <c:v>0.0</c:v>
+                  <c:v>0</c:v>
                 </c:pt>
                 <c:pt idx="9">
-                  <c:v>0.0</c:v>
+                  <c:v>0</c:v>
                 </c:pt>
                 <c:pt idx="10">
-                  <c:v>0.0</c:v>
+                  <c:v>0</c:v>
                 </c:pt>
                 <c:pt idx="11">
-                  <c:v>0.0</c:v>
+                  <c:v>0</c:v>
                 </c:pt>
                 <c:pt idx="12">
-                  <c:v>0.0</c:v>
+                  <c:v>0</c:v>
                 </c:pt>
                 <c:pt idx="13">
-                  <c:v>0.0</c:v>
+                  <c:v>0</c:v>
                 </c:pt>
                 <c:pt idx="14">
-                  <c:v>0.0</c:v>
+                  <c:v>0</c:v>
                 </c:pt>
                 <c:pt idx="15">
-                  <c:v>0.0</c:v>
+                  <c:v>0</c:v>
                 </c:pt>
                 <c:pt idx="16">
-                  <c:v>0.0</c:v>
+                  <c:v>0</c:v>
                 </c:pt>
                 <c:pt idx="17">
-                  <c:v>0.0</c:v>
+                  <c:v>0</c:v>
                 </c:pt>
                 <c:pt idx="18">
-                  <c:v>0.0</c:v>
+                  <c:v>0</c:v>
                 </c:pt>
                 <c:pt idx="19">
-                  <c:v>0.0</c:v>
+                  <c:v>0</c:v>
                 </c:pt>
                 <c:pt idx="20">
-                  <c:v>0.0</c:v>
+                  <c:v>0</c:v>
                 </c:pt>
                 <c:pt idx="21">
-                  <c:v>0.0</c:v>
+                  <c:v>0</c:v>
                 </c:pt>
                 <c:pt idx="22">
-                  <c:v>0.0</c:v>
+                  <c:v>0</c:v>
                 </c:pt>
                 <c:pt idx="23">
-                  <c:v>0.0</c:v>
+                  <c:v>0</c:v>
                 </c:pt>
                 <c:pt idx="24">
-                  <c:v>0.0</c:v>
+                  <c:v>0</c:v>
                 </c:pt>
                 <c:pt idx="25">
-                  <c:v>0.0</c:v>
+                  <c:v>0</c:v>
                 </c:pt>
                 <c:pt idx="26">
-                  <c:v>0.0</c:v>
+                  <c:v>0</c:v>
                 </c:pt>
                 <c:pt idx="27">
-                  <c:v>0.0</c:v>
+                  <c:v>0</c:v>
                 </c:pt>
                 <c:pt idx="28">
-                  <c:v>0.0</c:v>
+                  <c:v>0</c:v>
                 </c:pt>
                 <c:pt idx="29">
-                  <c:v>0.0</c:v>
+                  <c:v>0</c:v>
                 </c:pt>
               </c:numCache>
             </c:numRef>
           </c:val>
-          <c:extLst xmlns:c16r2="http://schemas.microsoft.com/office/drawing/2015/06/chart">
+          <c:extLst>
             <c:ext xmlns:c16="http://schemas.microsoft.com/office/drawing/2014/chart" uri="{C3380CC4-5D6E-409C-BE32-E72D297353CC}">
               <c16:uniqueId val="{00000001-56D6-497A-AB87-7E157B71EAE8}"/>
             </c:ext>
@@ -960,99 +961,99 @@
                 <c:formatCode>General</c:formatCode>
                 <c:ptCount val="30"/>
                 <c:pt idx="0">
-                  <c:v>0.147058823529412</c:v>
+                  <c:v>0.14705882352941199</c:v>
                 </c:pt>
                 <c:pt idx="1">
                   <c:v>0.434873949579832</c:v>
                 </c:pt>
                 <c:pt idx="2">
-                  <c:v>0.0470588235294117</c:v>
+                  <c:v>4.7058823529411702E-2</c:v>
                 </c:pt>
                 <c:pt idx="3">
                   <c:v>0.179271708683473</c:v>
                 </c:pt>
                 <c:pt idx="4">
-                  <c:v>0.423529411764706</c:v>
+                  <c:v>0.42352941176470599</c:v>
                 </c:pt>
                 <c:pt idx="5">
-                  <c:v>0.675070028011204</c:v>
+                  <c:v>0.67507002801120397</c:v>
                 </c:pt>
                 <c:pt idx="6">
-                  <c:v>0.118987341772152</c:v>
+                  <c:v>0.11898734177215201</c:v>
                 </c:pt>
                 <c:pt idx="7">
-                  <c:v>0.429776974080771</c:v>
+                  <c:v>0.42977697408077098</c:v>
                 </c:pt>
                 <c:pt idx="8">
-                  <c:v>0.0947368421052631</c:v>
+                  <c:v>9.4736842105263105E-2</c:v>
                 </c:pt>
                 <c:pt idx="9">
-                  <c:v>0.243107769423559</c:v>
+                  <c:v>0.24310776942355899</c:v>
                 </c:pt>
                 <c:pt idx="10">
-                  <c:v>0.305263157894737</c:v>
+                  <c:v>0.30526315789473701</c:v>
                 </c:pt>
                 <c:pt idx="11">
-                  <c:v>0.659147869674185</c:v>
+                  <c:v>0.65914786967418504</c:v>
                 </c:pt>
                 <c:pt idx="12">
                   <c:v>0.114583333333333</c:v>
                 </c:pt>
                 <c:pt idx="13">
-                  <c:v>0.39781746031746</c:v>
+                  <c:v>0.39781746031746001</c:v>
                 </c:pt>
                 <c:pt idx="14">
-                  <c:v>0.0583333333333333</c:v>
+                  <c:v>5.83333333333333E-2</c:v>
                 </c:pt>
                 <c:pt idx="15">
                   <c:v>0.126984126984127</c:v>
                 </c:pt>
                 <c:pt idx="16">
-                  <c:v>0.316666666666667</c:v>
+                  <c:v>0.31666666666666698</c:v>
                 </c:pt>
                 <c:pt idx="17">
-                  <c:v>0.599206349206349</c:v>
+                  <c:v>0.59920634920634896</c:v>
                 </c:pt>
                 <c:pt idx="18">
-                  <c:v>0.0978260869565217</c:v>
+                  <c:v>9.7826086956521702E-2</c:v>
                 </c:pt>
                 <c:pt idx="19">
-                  <c:v>0.31055900621118</c:v>
+                  <c:v>0.31055900621117999</c:v>
                 </c:pt>
                 <c:pt idx="20">
-                  <c:v>0.0608695652173913</c:v>
+                  <c:v>6.08695652173913E-2</c:v>
                 </c:pt>
                 <c:pt idx="21">
                   <c:v>0.173913043478261</c:v>
                 </c:pt>
                 <c:pt idx="22">
-                  <c:v>0.278260869565217</c:v>
+                  <c:v>0.27826086956521701</c:v>
                 </c:pt>
                 <c:pt idx="23">
-                  <c:v>0.472049689440994</c:v>
+                  <c:v>0.47204968944099401</c:v>
                 </c:pt>
                 <c:pt idx="24">
-                  <c:v>0.0831168831168831</c:v>
+                  <c:v>8.3116883116883103E-2</c:v>
                 </c:pt>
                 <c:pt idx="25">
-                  <c:v>0.368583797155226</c:v>
+                  <c:v>0.36858379715522599</c:v>
                 </c:pt>
                 <c:pt idx="26">
                   <c:v>0.01</c:v>
                 </c:pt>
                 <c:pt idx="27">
-                  <c:v>0.0976190476190476</c:v>
+                  <c:v>9.7619047619047605E-2</c:v>
                 </c:pt>
                 <c:pt idx="28">
                   <c:v>0.32</c:v>
                 </c:pt>
                 <c:pt idx="29">
-                  <c:v>0.585714285714286</c:v>
+                  <c:v>0.58571428571428596</c:v>
                 </c:pt>
               </c:numCache>
             </c:numRef>
           </c:val>
-          <c:extLst xmlns:c16r2="http://schemas.microsoft.com/office/drawing/2015/06/chart">
+          <c:extLst>
             <c:ext xmlns:c16="http://schemas.microsoft.com/office/drawing/2014/chart" uri="{C3380CC4-5D6E-409C-BE32-E72D297353CC}">
               <c16:uniqueId val="{00000002-56D6-497A-AB87-7E157B71EAE8}"/>
             </c:ext>
@@ -1253,99 +1254,99 @@
                 <c:formatCode>General</c:formatCode>
                 <c:ptCount val="30"/>
                 <c:pt idx="0">
-                  <c:v>0.852941176470588</c:v>
+                  <c:v>0.85294117647058798</c:v>
                 </c:pt>
                 <c:pt idx="1">
-                  <c:v>0.565126050420168</c:v>
+                  <c:v>0.56512605042016795</c:v>
                 </c:pt>
                 <c:pt idx="2">
-                  <c:v>0.952941176470588</c:v>
+                  <c:v>0.95294117647058796</c:v>
                 </c:pt>
                 <c:pt idx="3">
-                  <c:v>0.820728291316527</c:v>
+                  <c:v>0.82072829131652703</c:v>
                 </c:pt>
                 <c:pt idx="4">
-                  <c:v>0.576470588235294</c:v>
+                  <c:v>0.57647058823529396</c:v>
                 </c:pt>
                 <c:pt idx="5">
-                  <c:v>0.324929971988795</c:v>
+                  <c:v>0.32492997198879497</c:v>
                 </c:pt>
                 <c:pt idx="6">
-                  <c:v>0.881012658227848</c:v>
+                  <c:v>0.88101265822784802</c:v>
                 </c:pt>
                 <c:pt idx="7">
-                  <c:v>0.570223025919228</c:v>
+                  <c:v>0.57022302591922802</c:v>
                 </c:pt>
                 <c:pt idx="8">
-                  <c:v>0.905263157894737</c:v>
+                  <c:v>0.90526315789473699</c:v>
                 </c:pt>
                 <c:pt idx="9">
-                  <c:v>0.756892230576441</c:v>
+                  <c:v>0.75689223057644095</c:v>
                 </c:pt>
                 <c:pt idx="10">
-                  <c:v>0.694736842105263</c:v>
+                  <c:v>0.69473684210526299</c:v>
                 </c:pt>
                 <c:pt idx="11">
-                  <c:v>0.340852130325814</c:v>
+                  <c:v>0.34085213032581402</c:v>
                 </c:pt>
                 <c:pt idx="12">
-                  <c:v>0.885416666666667</c:v>
+                  <c:v>0.88541666666666696</c:v>
                 </c:pt>
                 <c:pt idx="13">
-                  <c:v>0.60218253968254</c:v>
+                  <c:v>0.60218253968253999</c:v>
                 </c:pt>
                 <c:pt idx="14">
-                  <c:v>0.941666666666667</c:v>
+                  <c:v>0.94166666666666698</c:v>
                 </c:pt>
                 <c:pt idx="15">
-                  <c:v>0.873015873015873</c:v>
+                  <c:v>0.87301587301587302</c:v>
                 </c:pt>
                 <c:pt idx="16">
-                  <c:v>0.683333333333333</c:v>
+                  <c:v>0.68333333333333302</c:v>
                 </c:pt>
                 <c:pt idx="17">
-                  <c:v>0.400793650793651</c:v>
+                  <c:v>0.40079365079365098</c:v>
                 </c:pt>
                 <c:pt idx="18">
-                  <c:v>0.902173913043478</c:v>
+                  <c:v>0.90217391304347805</c:v>
                 </c:pt>
                 <c:pt idx="19">
-                  <c:v>0.68944099378882</c:v>
+                  <c:v>0.68944099378881996</c:v>
                 </c:pt>
                 <c:pt idx="20">
-                  <c:v>0.939130434782609</c:v>
+                  <c:v>0.93913043478260905</c:v>
                 </c:pt>
                 <c:pt idx="21">
-                  <c:v>0.826086956521739</c:v>
+                  <c:v>0.82608695652173902</c:v>
                 </c:pt>
                 <c:pt idx="22">
-                  <c:v>0.721739130434783</c:v>
+                  <c:v>0.72173913043478299</c:v>
                 </c:pt>
                 <c:pt idx="23">
-                  <c:v>0.527950310559006</c:v>
+                  <c:v>0.52795031055900599</c:v>
                 </c:pt>
                 <c:pt idx="24">
-                  <c:v>0.916883116883117</c:v>
+                  <c:v>0.91688311688311697</c:v>
                 </c:pt>
                 <c:pt idx="25">
-                  <c:v>0.631416202844774</c:v>
+                  <c:v>0.63141620284477395</c:v>
                 </c:pt>
                 <c:pt idx="26">
                   <c:v>0.99</c:v>
                 </c:pt>
                 <c:pt idx="27">
-                  <c:v>0.902380952380952</c:v>
+                  <c:v>0.90238095238095195</c:v>
                 </c:pt>
                 <c:pt idx="28">
                   <c:v>0.68</c:v>
                 </c:pt>
                 <c:pt idx="29">
-                  <c:v>0.414285714285714</c:v>
+                  <c:v>0.41428571428571398</c:v>
                 </c:pt>
               </c:numCache>
             </c:numRef>
           </c:val>
-          <c:extLst xmlns:c16r2="http://schemas.microsoft.com/office/drawing/2015/06/chart">
+          <c:extLst>
             <c:ext xmlns:c16="http://schemas.microsoft.com/office/drawing/2014/chart" uri="{C3380CC4-5D6E-409C-BE32-E72D297353CC}">
               <c16:uniqueId val="{00000003-56D6-497A-AB87-7E157B71EAE8}"/>
             </c:ext>
@@ -1546,7 +1547,7 @@
 </file>
 
 <file path=ppt/charts/chart2.xml><?xml version="1.0" encoding="utf-8"?>
-<c:chartSpace xmlns:c="http://schemas.openxmlformats.org/drawingml/2006/chart" xmlns:a="http://schemas.openxmlformats.org/drawingml/2006/main" xmlns:r="http://schemas.openxmlformats.org/officeDocument/2006/relationships">
+<c:chartSpace xmlns:c="http://schemas.openxmlformats.org/drawingml/2006/chart" xmlns:a="http://schemas.openxmlformats.org/drawingml/2006/main" xmlns:r="http://schemas.openxmlformats.org/officeDocument/2006/relationships" xmlns:c16r2="http://schemas.microsoft.com/office/drawing/2015/06/chart">
   <c:date1904 val="0"/>
   <c:lang val="en-US"/>
   <c:roundedCorners val="0"/>
@@ -1791,45 +1792,45 @@
                 <c:formatCode>General</c:formatCode>
                 <c:ptCount val="24"/>
                 <c:pt idx="0">
-                  <c:v>0.0</c:v>
+                  <c:v>0</c:v>
                 </c:pt>
                 <c:pt idx="2">
-                  <c:v>0.0</c:v>
+                  <c:v>0</c:v>
                 </c:pt>
                 <c:pt idx="4">
-                  <c:v>0.0</c:v>
+                  <c:v>0</c:v>
                 </c:pt>
                 <c:pt idx="6">
-                  <c:v>0.0</c:v>
+                  <c:v>0</c:v>
                 </c:pt>
                 <c:pt idx="8">
-                  <c:v>0.0</c:v>
+                  <c:v>0</c:v>
                 </c:pt>
                 <c:pt idx="10">
-                  <c:v>0.0</c:v>
+                  <c:v>0</c:v>
                 </c:pt>
                 <c:pt idx="12">
-                  <c:v>0.0</c:v>
+                  <c:v>0</c:v>
                 </c:pt>
                 <c:pt idx="14">
-                  <c:v>0.0</c:v>
+                  <c:v>0</c:v>
                 </c:pt>
                 <c:pt idx="16">
-                  <c:v>0.0</c:v>
+                  <c:v>0</c:v>
                 </c:pt>
                 <c:pt idx="18">
-                  <c:v>0.0</c:v>
+                  <c:v>0</c:v>
                 </c:pt>
                 <c:pt idx="20">
-                  <c:v>0.0</c:v>
+                  <c:v>0</c:v>
                 </c:pt>
                 <c:pt idx="22">
-                  <c:v>0.0</c:v>
+                  <c:v>0</c:v>
                 </c:pt>
               </c:numCache>
             </c:numRef>
           </c:val>
-          <c:extLst xmlns:c16r2="http://schemas.microsoft.com/office/drawing/2015/06/chart">
+          <c:extLst>
             <c:ext xmlns:c16="http://schemas.microsoft.com/office/drawing/2014/chart" uri="{C3380CC4-5D6E-409C-BE32-E72D297353CC}">
               <c16:uniqueId val="{00000000-DB83-427C-B41B-C2711C059EE9}"/>
             </c:ext>
@@ -2000,81 +2001,81 @@
                 <c:formatCode>General</c:formatCode>
                 <c:ptCount val="24"/>
                 <c:pt idx="0">
-                  <c:v>0.0</c:v>
+                  <c:v>0</c:v>
                 </c:pt>
                 <c:pt idx="1">
-                  <c:v>0.0</c:v>
+                  <c:v>0</c:v>
                 </c:pt>
                 <c:pt idx="2">
-                  <c:v>0.0</c:v>
+                  <c:v>0</c:v>
                 </c:pt>
                 <c:pt idx="3">
-                  <c:v>0.0</c:v>
+                  <c:v>0</c:v>
                 </c:pt>
                 <c:pt idx="4">
-                  <c:v>0.0</c:v>
+                  <c:v>0</c:v>
                 </c:pt>
                 <c:pt idx="5">
-                  <c:v>0.0</c:v>
+                  <c:v>0</c:v>
                 </c:pt>
                 <c:pt idx="6">
-                  <c:v>0.0</c:v>
+                  <c:v>0</c:v>
                 </c:pt>
                 <c:pt idx="7">
-                  <c:v>0.0</c:v>
+                  <c:v>0</c:v>
                 </c:pt>
                 <c:pt idx="8">
-                  <c:v>0.0</c:v>
+                  <c:v>0</c:v>
                 </c:pt>
                 <c:pt idx="9">
-                  <c:v>0.0</c:v>
+                  <c:v>0</c:v>
                 </c:pt>
                 <c:pt idx="10">
-                  <c:v>0.0</c:v>
+                  <c:v>0</c:v>
                 </c:pt>
                 <c:pt idx="11">
-                  <c:v>0.0</c:v>
+                  <c:v>0</c:v>
                 </c:pt>
                 <c:pt idx="12">
-                  <c:v>0.0</c:v>
+                  <c:v>0</c:v>
                 </c:pt>
                 <c:pt idx="13">
-                  <c:v>0.0</c:v>
+                  <c:v>0</c:v>
                 </c:pt>
                 <c:pt idx="14">
-                  <c:v>0.0</c:v>
+                  <c:v>0</c:v>
                 </c:pt>
                 <c:pt idx="15">
-                  <c:v>0.0</c:v>
+                  <c:v>0</c:v>
                 </c:pt>
                 <c:pt idx="16">
-                  <c:v>0.0</c:v>
+                  <c:v>0</c:v>
                 </c:pt>
                 <c:pt idx="17">
-                  <c:v>0.0</c:v>
+                  <c:v>0</c:v>
                 </c:pt>
                 <c:pt idx="18">
-                  <c:v>0.0</c:v>
+                  <c:v>0</c:v>
                 </c:pt>
                 <c:pt idx="19">
-                  <c:v>0.0</c:v>
+                  <c:v>0</c:v>
                 </c:pt>
                 <c:pt idx="20">
-                  <c:v>0.0</c:v>
+                  <c:v>0</c:v>
                 </c:pt>
                 <c:pt idx="21">
-                  <c:v>0.0</c:v>
+                  <c:v>0</c:v>
                 </c:pt>
                 <c:pt idx="22">
-                  <c:v>0.0</c:v>
+                  <c:v>0</c:v>
                 </c:pt>
                 <c:pt idx="23">
-                  <c:v>0.0</c:v>
+                  <c:v>0</c:v>
                 </c:pt>
               </c:numCache>
             </c:numRef>
           </c:val>
-          <c:extLst xmlns:c16r2="http://schemas.microsoft.com/office/drawing/2015/06/chart">
+          <c:extLst>
             <c:ext xmlns:c16="http://schemas.microsoft.com/office/drawing/2014/chart" uri="{C3380CC4-5D6E-409C-BE32-E72D297353CC}">
               <c16:uniqueId val="{00000001-DB83-427C-B41B-C2711C059EE9}"/>
             </c:ext>
@@ -2248,78 +2249,78 @@
                   <c:v>0.131972789115646</c:v>
                 </c:pt>
                 <c:pt idx="1">
-                  <c:v>0.432134758665371</c:v>
+                  <c:v>0.43213475866537099</c:v>
                 </c:pt>
                 <c:pt idx="2">
-                  <c:v>0.0722222222222222</c:v>
+                  <c:v>7.2222222222222202E-2</c:v>
                 </c:pt>
                 <c:pt idx="3">
-                  <c:v>0.212962962962963</c:v>
+                  <c:v>0.21296296296296299</c:v>
                 </c:pt>
                 <c:pt idx="4">
-                  <c:v>0.361111111111111</c:v>
+                  <c:v>0.36111111111111099</c:v>
                 </c:pt>
                 <c:pt idx="5">
-                  <c:v>0.666666666666667</c:v>
+                  <c:v>0.66666666666666696</c:v>
                 </c:pt>
                 <c:pt idx="6">
                   <c:v>0.114583333333333</c:v>
                 </c:pt>
                 <c:pt idx="7">
-                  <c:v>0.39781746031746</c:v>
+                  <c:v>0.39781746031746001</c:v>
                 </c:pt>
                 <c:pt idx="8">
-                  <c:v>0.0583333333333333</c:v>
+                  <c:v>5.83333333333333E-2</c:v>
                 </c:pt>
                 <c:pt idx="9">
                   <c:v>0.126984126984127</c:v>
                 </c:pt>
                 <c:pt idx="10">
-                  <c:v>0.316666666666667</c:v>
+                  <c:v>0.31666666666666698</c:v>
                 </c:pt>
                 <c:pt idx="11">
-                  <c:v>0.599206349206349</c:v>
+                  <c:v>0.59920634920634896</c:v>
                 </c:pt>
                 <c:pt idx="12">
-                  <c:v>0.0978260869565217</c:v>
+                  <c:v>9.7826086956521702E-2</c:v>
                 </c:pt>
                 <c:pt idx="13">
-                  <c:v>0.31055900621118</c:v>
+                  <c:v>0.31055900621117999</c:v>
                 </c:pt>
                 <c:pt idx="14">
-                  <c:v>0.0608695652173913</c:v>
+                  <c:v>6.08695652173913E-2</c:v>
                 </c:pt>
                 <c:pt idx="15">
                   <c:v>0.173913043478261</c:v>
                 </c:pt>
                 <c:pt idx="16">
-                  <c:v>0.278260869565217</c:v>
+                  <c:v>0.27826086956521701</c:v>
                 </c:pt>
                 <c:pt idx="17">
-                  <c:v>0.472049689440994</c:v>
+                  <c:v>0.47204968944099401</c:v>
                 </c:pt>
                 <c:pt idx="18">
-                  <c:v>0.0831168831168831</c:v>
+                  <c:v>8.3116883116883103E-2</c:v>
                 </c:pt>
                 <c:pt idx="19">
-                  <c:v>0.368583797155226</c:v>
+                  <c:v>0.36858379715522599</c:v>
                 </c:pt>
                 <c:pt idx="20">
                   <c:v>0.01</c:v>
                 </c:pt>
                 <c:pt idx="21">
-                  <c:v>0.0976190476190476</c:v>
+                  <c:v>9.7619047619047605E-2</c:v>
                 </c:pt>
                 <c:pt idx="22">
                   <c:v>0.32</c:v>
                 </c:pt>
                 <c:pt idx="23">
-                  <c:v>0.585714285714286</c:v>
+                  <c:v>0.58571428571428596</c:v>
                 </c:pt>
               </c:numCache>
             </c:numRef>
           </c:val>
-          <c:extLst xmlns:c16r2="http://schemas.microsoft.com/office/drawing/2015/06/chart">
+          <c:extLst>
             <c:ext xmlns:c16="http://schemas.microsoft.com/office/drawing/2014/chart" uri="{C3380CC4-5D6E-409C-BE32-E72D297353CC}">
               <c16:uniqueId val="{00000002-DB83-427C-B41B-C2711C059EE9}"/>
             </c:ext>
@@ -2490,81 +2491,81 @@
                 <c:formatCode>General</c:formatCode>
                 <c:ptCount val="24"/>
                 <c:pt idx="0">
-                  <c:v>0.868027210884354</c:v>
+                  <c:v>0.86802721088435397</c:v>
                 </c:pt>
                 <c:pt idx="1">
-                  <c:v>0.567865241334629</c:v>
+                  <c:v>0.56786524133462901</c:v>
                 </c:pt>
                 <c:pt idx="2">
-                  <c:v>0.927777777777778</c:v>
+                  <c:v>0.92777777777777803</c:v>
                 </c:pt>
                 <c:pt idx="3">
-                  <c:v>0.787037037037037</c:v>
+                  <c:v>0.78703703703703698</c:v>
                 </c:pt>
                 <c:pt idx="4">
-                  <c:v>0.638888888888889</c:v>
+                  <c:v>0.63888888888888895</c:v>
                 </c:pt>
                 <c:pt idx="5">
-                  <c:v>0.333333333333333</c:v>
+                  <c:v>0.33333333333333298</c:v>
                 </c:pt>
                 <c:pt idx="6">
-                  <c:v>0.885416666666667</c:v>
+                  <c:v>0.88541666666666696</c:v>
                 </c:pt>
                 <c:pt idx="7">
-                  <c:v>0.60218253968254</c:v>
+                  <c:v>0.60218253968253999</c:v>
                 </c:pt>
                 <c:pt idx="8">
-                  <c:v>0.941666666666667</c:v>
+                  <c:v>0.94166666666666698</c:v>
                 </c:pt>
                 <c:pt idx="9">
-                  <c:v>0.873015873015873</c:v>
+                  <c:v>0.87301587301587302</c:v>
                 </c:pt>
                 <c:pt idx="10">
-                  <c:v>0.683333333333333</c:v>
+                  <c:v>0.68333333333333302</c:v>
                 </c:pt>
                 <c:pt idx="11">
-                  <c:v>0.400793650793651</c:v>
+                  <c:v>0.40079365079365098</c:v>
                 </c:pt>
                 <c:pt idx="12">
-                  <c:v>0.902173913043478</c:v>
+                  <c:v>0.90217391304347805</c:v>
                 </c:pt>
                 <c:pt idx="13">
-                  <c:v>0.68944099378882</c:v>
+                  <c:v>0.68944099378881996</c:v>
                 </c:pt>
                 <c:pt idx="14">
-                  <c:v>0.939130434782609</c:v>
+                  <c:v>0.93913043478260905</c:v>
                 </c:pt>
                 <c:pt idx="15">
-                  <c:v>0.826086956521739</c:v>
+                  <c:v>0.82608695652173902</c:v>
                 </c:pt>
                 <c:pt idx="16">
-                  <c:v>0.721739130434783</c:v>
+                  <c:v>0.72173913043478299</c:v>
                 </c:pt>
                 <c:pt idx="17">
-                  <c:v>0.527950310559006</c:v>
+                  <c:v>0.52795031055900599</c:v>
                 </c:pt>
                 <c:pt idx="18">
-                  <c:v>0.916883116883117</c:v>
+                  <c:v>0.91688311688311697</c:v>
                 </c:pt>
                 <c:pt idx="19">
-                  <c:v>0.631416202844774</c:v>
+                  <c:v>0.63141620284477395</c:v>
                 </c:pt>
                 <c:pt idx="20">
                   <c:v>0.99</c:v>
                 </c:pt>
                 <c:pt idx="21">
-                  <c:v>0.902380952380952</c:v>
+                  <c:v>0.90238095238095195</c:v>
                 </c:pt>
                 <c:pt idx="22">
                   <c:v>0.68</c:v>
                 </c:pt>
                 <c:pt idx="23">
-                  <c:v>0.414285714285714</c:v>
+                  <c:v>0.41428571428571398</c:v>
                 </c:pt>
               </c:numCache>
             </c:numRef>
           </c:val>
-          <c:extLst xmlns:c16r2="http://schemas.microsoft.com/office/drawing/2015/06/chart">
+          <c:extLst>
             <c:ext xmlns:c16="http://schemas.microsoft.com/office/drawing/2014/chart" uri="{C3380CC4-5D6E-409C-BE32-E72D297353CC}">
               <c16:uniqueId val="{00000003-DB83-427C-B41B-C2711C059EE9}"/>
             </c:ext>
@@ -2765,7 +2766,7 @@
 </file>
 
 <file path=ppt/charts/chart3.xml><?xml version="1.0" encoding="utf-8"?>
-<c:chartSpace xmlns:c="http://schemas.openxmlformats.org/drawingml/2006/chart" xmlns:a="http://schemas.openxmlformats.org/drawingml/2006/main" xmlns:r="http://schemas.openxmlformats.org/officeDocument/2006/relationships">
+<c:chartSpace xmlns:c="http://schemas.openxmlformats.org/drawingml/2006/chart" xmlns:a="http://schemas.openxmlformats.org/drawingml/2006/main" xmlns:r="http://schemas.openxmlformats.org/officeDocument/2006/relationships" xmlns:c16r2="http://schemas.microsoft.com/office/drawing/2015/06/chart">
   <c:date1904 val="0"/>
   <c:lang val="en-US"/>
   <c:roundedCorners val="0"/>
@@ -2809,7 +2810,6 @@
           </a:p>
         </c:rich>
       </c:tx>
-      <c:layout/>
       <c:overlay val="0"/>
       <c:spPr>
         <a:noFill/>
@@ -2910,18 +2910,18 @@
                   <c:v>0.131972789115646</c:v>
                 </c:pt>
                 <c:pt idx="1">
-                  <c:v>0.868027210884354</c:v>
+                  <c:v>0.86802721088435397</c:v>
                 </c:pt>
                 <c:pt idx="2">
-                  <c:v>0.432134758665371</c:v>
+                  <c:v>0.43213475866537099</c:v>
                 </c:pt>
                 <c:pt idx="3">
-                  <c:v>0.567865241334629</c:v>
+                  <c:v>0.56786524133462901</c:v>
                 </c:pt>
               </c:numCache>
             </c:numRef>
           </c:val>
-          <c:extLst xmlns:c16r2="http://schemas.microsoft.com/office/drawing/2015/06/chart">
+          <c:extLst>
             <c:ext xmlns:c16="http://schemas.microsoft.com/office/drawing/2014/chart" uri="{C3380CC4-5D6E-409C-BE32-E72D297353CC}">
               <c16:uniqueId val="{00000000-1180-43FE-BC69-2FE7FA3F0AA8}"/>
             </c:ext>
@@ -2991,18 +2991,18 @@
                   <c:v>0.114583333333333</c:v>
                 </c:pt>
                 <c:pt idx="1">
-                  <c:v>0.885416666666666</c:v>
+                  <c:v>0.88541666666666596</c:v>
                 </c:pt>
                 <c:pt idx="2">
-                  <c:v>0.39781746031746</c:v>
+                  <c:v>0.39781746031746001</c:v>
                 </c:pt>
                 <c:pt idx="3">
-                  <c:v>0.60218253968254</c:v>
+                  <c:v>0.60218253968253999</c:v>
                 </c:pt>
               </c:numCache>
             </c:numRef>
           </c:val>
-          <c:extLst xmlns:c16r2="http://schemas.microsoft.com/office/drawing/2015/06/chart">
+          <c:extLst>
             <c:ext xmlns:c16="http://schemas.microsoft.com/office/drawing/2014/chart" uri="{C3380CC4-5D6E-409C-BE32-E72D297353CC}">
               <c16:uniqueId val="{00000001-1180-43FE-BC69-2FE7FA3F0AA8}"/>
             </c:ext>
@@ -3069,21 +3069,21 @@
                 <c:formatCode>General</c:formatCode>
                 <c:ptCount val="4"/>
                 <c:pt idx="0">
-                  <c:v>0.0978260869565217</c:v>
+                  <c:v>9.7826086956521702E-2</c:v>
                 </c:pt>
                 <c:pt idx="1">
-                  <c:v>0.902173913043478</c:v>
+                  <c:v>0.90217391304347805</c:v>
                 </c:pt>
                 <c:pt idx="2">
-                  <c:v>0.31055900621118</c:v>
+                  <c:v>0.31055900621117999</c:v>
                 </c:pt>
                 <c:pt idx="3">
-                  <c:v>0.68944099378882</c:v>
+                  <c:v>0.68944099378881996</c:v>
                 </c:pt>
               </c:numCache>
             </c:numRef>
           </c:val>
-          <c:extLst xmlns:c16r2="http://schemas.microsoft.com/office/drawing/2015/06/chart">
+          <c:extLst>
             <c:ext xmlns:c16="http://schemas.microsoft.com/office/drawing/2014/chart" uri="{C3380CC4-5D6E-409C-BE32-E72D297353CC}">
               <c16:uniqueId val="{00000002-1180-43FE-BC69-2FE7FA3F0AA8}"/>
             </c:ext>
@@ -3150,21 +3150,21 @@
                 <c:formatCode>General</c:formatCode>
                 <c:ptCount val="4"/>
                 <c:pt idx="0">
-                  <c:v>0.0831168831168831</c:v>
+                  <c:v>8.3116883116883103E-2</c:v>
                 </c:pt>
                 <c:pt idx="1">
-                  <c:v>0.916883116883117</c:v>
+                  <c:v>0.91688311688311697</c:v>
                 </c:pt>
                 <c:pt idx="2">
-                  <c:v>0.368583797155226</c:v>
+                  <c:v>0.36858379715522599</c:v>
                 </c:pt>
                 <c:pt idx="3">
-                  <c:v>0.631416202844774</c:v>
+                  <c:v>0.63141620284477395</c:v>
                 </c:pt>
               </c:numCache>
             </c:numRef>
           </c:val>
-          <c:extLst xmlns:c16r2="http://schemas.microsoft.com/office/drawing/2015/06/chart">
+          <c:extLst>
             <c:ext xmlns:c16="http://schemas.microsoft.com/office/drawing/2014/chart" uri="{C3380CC4-5D6E-409C-BE32-E72D297353CC}">
               <c16:uniqueId val="{00000003-1180-43FE-BC69-2FE7FA3F0AA8}"/>
             </c:ext>
@@ -3300,7 +3300,6 @@
     </c:plotArea>
     <c:legend>
       <c:legendPos val="b"/>
-      <c:layout/>
       <c:overlay val="0"/>
       <c:spPr>
         <a:noFill/>
@@ -3358,7 +3357,7 @@
 </file>
 
 <file path=ppt/charts/chart4.xml><?xml version="1.0" encoding="utf-8"?>
-<c:chartSpace xmlns:c="http://schemas.openxmlformats.org/drawingml/2006/chart" xmlns:a="http://schemas.openxmlformats.org/drawingml/2006/main" xmlns:r="http://schemas.openxmlformats.org/officeDocument/2006/relationships">
+<c:chartSpace xmlns:c="http://schemas.openxmlformats.org/drawingml/2006/chart" xmlns:a="http://schemas.openxmlformats.org/drawingml/2006/main" xmlns:r="http://schemas.openxmlformats.org/officeDocument/2006/relationships" xmlns:c16r2="http://schemas.microsoft.com/office/drawing/2015/06/chart">
   <c:date1904 val="0"/>
   <c:lang val="en-US"/>
   <c:roundedCorners val="0"/>
@@ -3402,7 +3401,6 @@
           </a:p>
         </c:rich>
       </c:tx>
-      <c:layout/>
       <c:overlay val="0"/>
       <c:spPr>
         <a:noFill/>
@@ -3500,21 +3498,21 @@
                 <c:formatCode>General</c:formatCode>
                 <c:ptCount val="4"/>
                 <c:pt idx="0">
-                  <c:v>0.147058823529412</c:v>
+                  <c:v>0.14705882352941199</c:v>
                 </c:pt>
                 <c:pt idx="1">
-                  <c:v>0.852941176470588</c:v>
+                  <c:v>0.85294117647058798</c:v>
                 </c:pt>
                 <c:pt idx="2">
                   <c:v>0.434873949579832</c:v>
                 </c:pt>
                 <c:pt idx="3">
-                  <c:v>0.565126050420168</c:v>
+                  <c:v>0.56512605042016795</c:v>
                 </c:pt>
               </c:numCache>
             </c:numRef>
           </c:val>
-          <c:extLst xmlns:c16r2="http://schemas.microsoft.com/office/drawing/2015/06/chart">
+          <c:extLst>
             <c:ext xmlns:c16="http://schemas.microsoft.com/office/drawing/2014/chart" uri="{C3380CC4-5D6E-409C-BE32-E72D297353CC}">
               <c16:uniqueId val="{00000000-88E7-4674-AD93-7AF82EF98F73}"/>
             </c:ext>
@@ -3581,21 +3579,21 @@
                 <c:formatCode>General</c:formatCode>
                 <c:ptCount val="4"/>
                 <c:pt idx="0">
-                  <c:v>0.118987341772152</c:v>
+                  <c:v>0.11898734177215201</c:v>
                 </c:pt>
                 <c:pt idx="1">
-                  <c:v>0.881012658227848</c:v>
+                  <c:v>0.88101265822784802</c:v>
                 </c:pt>
                 <c:pt idx="2">
-                  <c:v>0.429776974080772</c:v>
+                  <c:v>0.42977697408077198</c:v>
                 </c:pt>
                 <c:pt idx="3">
-                  <c:v>0.570223025919228</c:v>
+                  <c:v>0.57022302591922802</c:v>
                 </c:pt>
               </c:numCache>
             </c:numRef>
           </c:val>
-          <c:extLst xmlns:c16r2="http://schemas.microsoft.com/office/drawing/2015/06/chart">
+          <c:extLst>
             <c:ext xmlns:c16="http://schemas.microsoft.com/office/drawing/2014/chart" uri="{C3380CC4-5D6E-409C-BE32-E72D297353CC}">
               <c16:uniqueId val="{00000001-88E7-4674-AD93-7AF82EF98F73}"/>
             </c:ext>
@@ -3665,18 +3663,18 @@
                   <c:v>0.114583333333333</c:v>
                 </c:pt>
                 <c:pt idx="1">
-                  <c:v>0.885416666666666</c:v>
+                  <c:v>0.88541666666666596</c:v>
                 </c:pt>
                 <c:pt idx="2">
-                  <c:v>0.39781746031746</c:v>
+                  <c:v>0.39781746031746001</c:v>
                 </c:pt>
                 <c:pt idx="3">
-                  <c:v>0.602182539682539</c:v>
+                  <c:v>0.60218253968253899</c:v>
                 </c:pt>
               </c:numCache>
             </c:numRef>
           </c:val>
-          <c:extLst xmlns:c16r2="http://schemas.microsoft.com/office/drawing/2015/06/chart">
+          <c:extLst>
             <c:ext xmlns:c16="http://schemas.microsoft.com/office/drawing/2014/chart" uri="{C3380CC4-5D6E-409C-BE32-E72D297353CC}">
               <c16:uniqueId val="{00000002-88E7-4674-AD93-7AF82EF98F73}"/>
             </c:ext>
@@ -3743,21 +3741,21 @@
                 <c:formatCode>General</c:formatCode>
                 <c:ptCount val="4"/>
                 <c:pt idx="0">
-                  <c:v>0.0978260869565217</c:v>
+                  <c:v>9.7826086956521702E-2</c:v>
                 </c:pt>
                 <c:pt idx="1">
-                  <c:v>0.902173913043478</c:v>
+                  <c:v>0.90217391304347805</c:v>
                 </c:pt>
                 <c:pt idx="2">
-                  <c:v>0.31055900621118</c:v>
+                  <c:v>0.31055900621117999</c:v>
                 </c:pt>
                 <c:pt idx="3">
-                  <c:v>0.68944099378882</c:v>
+                  <c:v>0.68944099378881996</c:v>
                 </c:pt>
               </c:numCache>
             </c:numRef>
           </c:val>
-          <c:extLst xmlns:c16r2="http://schemas.microsoft.com/office/drawing/2015/06/chart">
+          <c:extLst>
             <c:ext xmlns:c16="http://schemas.microsoft.com/office/drawing/2014/chart" uri="{C3380CC4-5D6E-409C-BE32-E72D297353CC}">
               <c16:uniqueId val="{00000003-88E7-4674-AD93-7AF82EF98F73}"/>
             </c:ext>
@@ -3824,21 +3822,21 @@
                 <c:formatCode>General</c:formatCode>
                 <c:ptCount val="4"/>
                 <c:pt idx="0">
-                  <c:v>0.0831168831168831</c:v>
+                  <c:v>8.3116883116883103E-2</c:v>
                 </c:pt>
                 <c:pt idx="1">
-                  <c:v>0.916883116883117</c:v>
+                  <c:v>0.91688311688311697</c:v>
                 </c:pt>
                 <c:pt idx="2">
-                  <c:v>0.368583797155226</c:v>
+                  <c:v>0.36858379715522599</c:v>
                 </c:pt>
                 <c:pt idx="3">
-                  <c:v>0.631416202844774</c:v>
+                  <c:v>0.63141620284477395</c:v>
                 </c:pt>
               </c:numCache>
             </c:numRef>
           </c:val>
-          <c:extLst xmlns:c16r2="http://schemas.microsoft.com/office/drawing/2015/06/chart">
+          <c:extLst>
             <c:ext xmlns:c16="http://schemas.microsoft.com/office/drawing/2014/chart" uri="{C3380CC4-5D6E-409C-BE32-E72D297353CC}">
               <c16:uniqueId val="{00000004-88E7-4674-AD93-7AF82EF98F73}"/>
             </c:ext>
@@ -3974,7 +3972,6 @@
     </c:plotArea>
     <c:legend>
       <c:legendPos val="b"/>
-      <c:layout/>
       <c:overlay val="0"/>
       <c:spPr>
         <a:noFill/>
@@ -4032,7 +4029,7 @@
 </file>
 
 <file path=ppt/charts/chart5.xml><?xml version="1.0" encoding="utf-8"?>
-<c:chartSpace xmlns:c="http://schemas.openxmlformats.org/drawingml/2006/chart" xmlns:a="http://schemas.openxmlformats.org/drawingml/2006/main" xmlns:r="http://schemas.openxmlformats.org/officeDocument/2006/relationships">
+<c:chartSpace xmlns:c="http://schemas.openxmlformats.org/drawingml/2006/chart" xmlns:a="http://schemas.openxmlformats.org/drawingml/2006/main" xmlns:r="http://schemas.openxmlformats.org/officeDocument/2006/relationships" xmlns:c16r2="http://schemas.microsoft.com/office/drawing/2015/06/chart">
   <c:date1904 val="0"/>
   <c:lang val="en-US"/>
   <c:roundedCorners val="0"/>
@@ -4076,7 +4073,6 @@
           </a:p>
         </c:rich>
       </c:tx>
-      <c:layout/>
       <c:overlay val="0"/>
       <c:spPr>
         <a:noFill/>
@@ -4200,32 +4196,37 @@
                 <c:formatCode>General</c:formatCode>
                 <c:ptCount val="8"/>
                 <c:pt idx="0">
-                  <c:v>0.0722222222222222</c:v>
+                  <c:v>7.2222222222222202E-2</c:v>
                 </c:pt>
                 <c:pt idx="1">
-                  <c:v>0.927777777777778</c:v>
+                  <c:v>0.92777777777777803</c:v>
                 </c:pt>
                 <c:pt idx="2">
-                  <c:v>0.361111111111111</c:v>
+                  <c:v>0.36111111111111099</c:v>
                 </c:pt>
                 <c:pt idx="3">
-                  <c:v>0.638888888888889</c:v>
+                  <c:v>0.63888888888888895</c:v>
                 </c:pt>
                 <c:pt idx="4">
-                  <c:v>0.212962962962963</c:v>
+                  <c:v>0.21296296296296299</c:v>
                 </c:pt>
                 <c:pt idx="5">
-                  <c:v>0.787037037037037</c:v>
+                  <c:v>0.78703703703703698</c:v>
                 </c:pt>
                 <c:pt idx="6">
-                  <c:v>0.666666666666667</c:v>
+                  <c:v>0.66666666666666696</c:v>
                 </c:pt>
                 <c:pt idx="7">
-                  <c:v>0.333333333333333</c:v>
+                  <c:v>0.33333333333333298</c:v>
                 </c:pt>
               </c:numCache>
             </c:numRef>
           </c:val>
+          <c:extLst>
+            <c:ext xmlns:c16="http://schemas.microsoft.com/office/drawing/2014/chart" uri="{C3380CC4-5D6E-409C-BE32-E72D297353CC}">
+              <c16:uniqueId val="{00000000-58E0-4FAE-95E6-B7504652BD8B}"/>
+            </c:ext>
+          </c:extLst>
         </c:ser>
         <c:ser>
           <c:idx val="1"/>
@@ -4314,32 +4315,37 @@
                 <c:formatCode>General</c:formatCode>
                 <c:ptCount val="8"/>
                 <c:pt idx="0">
-                  <c:v>0.0583333333333333</c:v>
+                  <c:v>5.83333333333333E-2</c:v>
                 </c:pt>
                 <c:pt idx="1">
-                  <c:v>0.941666666666667</c:v>
+                  <c:v>0.94166666666666698</c:v>
                 </c:pt>
                 <c:pt idx="2">
-                  <c:v>0.316666666666667</c:v>
+                  <c:v>0.31666666666666698</c:v>
                 </c:pt>
                 <c:pt idx="3">
-                  <c:v>0.683333333333333</c:v>
+                  <c:v>0.68333333333333302</c:v>
                 </c:pt>
                 <c:pt idx="4">
                   <c:v>0.126984126984127</c:v>
                 </c:pt>
                 <c:pt idx="5">
-                  <c:v>0.873015873015873</c:v>
+                  <c:v>0.87301587301587302</c:v>
                 </c:pt>
                 <c:pt idx="6">
-                  <c:v>0.599206349206349</c:v>
+                  <c:v>0.59920634920634896</c:v>
                 </c:pt>
                 <c:pt idx="7">
-                  <c:v>0.400793650793651</c:v>
+                  <c:v>0.40079365079365098</c:v>
                 </c:pt>
               </c:numCache>
             </c:numRef>
           </c:val>
+          <c:extLst>
+            <c:ext xmlns:c16="http://schemas.microsoft.com/office/drawing/2014/chart" uri="{C3380CC4-5D6E-409C-BE32-E72D297353CC}">
+              <c16:uniqueId val="{00000001-58E0-4FAE-95E6-B7504652BD8B}"/>
+            </c:ext>
+          </c:extLst>
         </c:ser>
         <c:ser>
           <c:idx val="2"/>
@@ -4428,32 +4434,37 @@
                 <c:formatCode>General</c:formatCode>
                 <c:ptCount val="8"/>
                 <c:pt idx="0">
-                  <c:v>0.0608695652173913</c:v>
+                  <c:v>6.08695652173913E-2</c:v>
                 </c:pt>
                 <c:pt idx="1">
-                  <c:v>0.939130434782609</c:v>
+                  <c:v>0.93913043478260905</c:v>
                 </c:pt>
                 <c:pt idx="2">
-                  <c:v>0.278260869565217</c:v>
+                  <c:v>0.27826086956521701</c:v>
                 </c:pt>
                 <c:pt idx="3">
-                  <c:v>0.721739130434783</c:v>
+                  <c:v>0.72173913043478299</c:v>
                 </c:pt>
                 <c:pt idx="4">
                   <c:v>0.173913043478261</c:v>
                 </c:pt>
                 <c:pt idx="5">
-                  <c:v>0.826086956521739</c:v>
+                  <c:v>0.82608695652173902</c:v>
                 </c:pt>
                 <c:pt idx="6">
-                  <c:v>0.472049689440994</c:v>
+                  <c:v>0.47204968944099401</c:v>
                 </c:pt>
                 <c:pt idx="7">
-                  <c:v>0.527950310559006</c:v>
+                  <c:v>0.52795031055900599</c:v>
                 </c:pt>
               </c:numCache>
             </c:numRef>
           </c:val>
+          <c:extLst>
+            <c:ext xmlns:c16="http://schemas.microsoft.com/office/drawing/2014/chart" uri="{C3380CC4-5D6E-409C-BE32-E72D297353CC}">
+              <c16:uniqueId val="{00000002-58E0-4FAE-95E6-B7504652BD8B}"/>
+            </c:ext>
+          </c:extLst>
         </c:ser>
         <c:ser>
           <c:idx val="3"/>
@@ -4554,20 +4565,25 @@
                   <c:v>0.68</c:v>
                 </c:pt>
                 <c:pt idx="4">
-                  <c:v>0.0976190476190476</c:v>
+                  <c:v>9.7619047619047605E-2</c:v>
                 </c:pt>
                 <c:pt idx="5">
-                  <c:v>0.902380952380952</c:v>
+                  <c:v>0.90238095238095195</c:v>
                 </c:pt>
                 <c:pt idx="6">
-                  <c:v>0.585714285714286</c:v>
+                  <c:v>0.58571428571428596</c:v>
                 </c:pt>
                 <c:pt idx="7">
-                  <c:v>0.414285714285714</c:v>
+                  <c:v>0.41428571428571398</c:v>
                 </c:pt>
               </c:numCache>
             </c:numRef>
           </c:val>
+          <c:extLst>
+            <c:ext xmlns:c16="http://schemas.microsoft.com/office/drawing/2014/chart" uri="{C3380CC4-5D6E-409C-BE32-E72D297353CC}">
+              <c16:uniqueId val="{00000003-58E0-4FAE-95E6-B7504652BD8B}"/>
+            </c:ext>
+          </c:extLst>
         </c:ser>
         <c:dLbls>
           <c:showLegendKey val="0"/>
@@ -4637,7 +4653,7 @@
         <c:axId val="-1041943200"/>
         <c:scaling>
           <c:orientation val="minMax"/>
-          <c:max val="1.0"/>
+          <c:max val="1"/>
         </c:scaling>
         <c:delete val="0"/>
         <c:axPos val="l"/>
@@ -4700,7 +4716,6 @@
     </c:plotArea>
     <c:legend>
       <c:legendPos val="b"/>
-      <c:layout/>
       <c:overlay val="0"/>
       <c:spPr>
         <a:noFill/>
@@ -4758,7 +4773,7 @@
 </file>
 
 <file path=ppt/charts/chart6.xml><?xml version="1.0" encoding="utf-8"?>
-<c:chartSpace xmlns:c="http://schemas.openxmlformats.org/drawingml/2006/chart" xmlns:a="http://schemas.openxmlformats.org/drawingml/2006/main" xmlns:r="http://schemas.openxmlformats.org/officeDocument/2006/relationships">
+<c:chartSpace xmlns:c="http://schemas.openxmlformats.org/drawingml/2006/chart" xmlns:a="http://schemas.openxmlformats.org/drawingml/2006/main" xmlns:r="http://schemas.openxmlformats.org/officeDocument/2006/relationships" xmlns:c16r2="http://schemas.microsoft.com/office/drawing/2015/06/chart">
   <c:date1904 val="0"/>
   <c:lang val="en-US"/>
   <c:roundedCorners val="0"/>
@@ -4798,7 +4813,6 @@
           </a:p>
         </c:rich>
       </c:tx>
-      <c:layout/>
       <c:overlay val="0"/>
       <c:spPr>
         <a:noFill/>
@@ -4922,32 +4936,37 @@
                 <c:formatCode>General</c:formatCode>
                 <c:ptCount val="8"/>
                 <c:pt idx="0">
-                  <c:v>0.0470588235294118</c:v>
+                  <c:v>4.7058823529411799E-2</c:v>
                 </c:pt>
                 <c:pt idx="1">
-                  <c:v>0.952941176470588</c:v>
+                  <c:v>0.95294117647058796</c:v>
                 </c:pt>
                 <c:pt idx="2">
-                  <c:v>0.423529411764706</c:v>
+                  <c:v>0.42352941176470599</c:v>
                 </c:pt>
                 <c:pt idx="3">
-                  <c:v>0.576470588235294</c:v>
+                  <c:v>0.57647058823529396</c:v>
                 </c:pt>
                 <c:pt idx="4">
                   <c:v>0.179271708683473</c:v>
                 </c:pt>
                 <c:pt idx="5">
-                  <c:v>0.820728291316527</c:v>
+                  <c:v>0.82072829131652703</c:v>
                 </c:pt>
                 <c:pt idx="6">
-                  <c:v>0.675070028011204</c:v>
+                  <c:v>0.67507002801120397</c:v>
                 </c:pt>
                 <c:pt idx="7">
-                  <c:v>0.324929971988795</c:v>
+                  <c:v>0.32492997198879497</c:v>
                 </c:pt>
               </c:numCache>
             </c:numRef>
           </c:val>
+          <c:extLst>
+            <c:ext xmlns:c16="http://schemas.microsoft.com/office/drawing/2014/chart" uri="{C3380CC4-5D6E-409C-BE32-E72D297353CC}">
+              <c16:uniqueId val="{00000000-E037-4CA3-BD16-2E0FC88ABE81}"/>
+            </c:ext>
+          </c:extLst>
         </c:ser>
         <c:ser>
           <c:idx val="1"/>
@@ -5036,32 +5055,37 @@
                 <c:formatCode>General</c:formatCode>
                 <c:ptCount val="8"/>
                 <c:pt idx="0">
-                  <c:v>0.0947368421052631</c:v>
+                  <c:v>9.4736842105263105E-2</c:v>
                 </c:pt>
                 <c:pt idx="1">
-                  <c:v>0.905263157894737</c:v>
+                  <c:v>0.90526315789473699</c:v>
                 </c:pt>
                 <c:pt idx="2">
-                  <c:v>0.305263157894737</c:v>
+                  <c:v>0.30526315789473701</c:v>
                 </c:pt>
                 <c:pt idx="3">
-                  <c:v>0.694736842105263</c:v>
+                  <c:v>0.69473684210526299</c:v>
                 </c:pt>
                 <c:pt idx="4">
-                  <c:v>0.243107769423559</c:v>
+                  <c:v>0.24310776942355899</c:v>
                 </c:pt>
                 <c:pt idx="5">
-                  <c:v>0.756892230576441</c:v>
+                  <c:v>0.75689223057644095</c:v>
                 </c:pt>
                 <c:pt idx="6">
-                  <c:v>0.659147869674185</c:v>
+                  <c:v>0.65914786967418504</c:v>
                 </c:pt>
                 <c:pt idx="7">
-                  <c:v>0.340852130325814</c:v>
+                  <c:v>0.34085213032581402</c:v>
                 </c:pt>
               </c:numCache>
             </c:numRef>
           </c:val>
+          <c:extLst>
+            <c:ext xmlns:c16="http://schemas.microsoft.com/office/drawing/2014/chart" uri="{C3380CC4-5D6E-409C-BE32-E72D297353CC}">
+              <c16:uniqueId val="{00000001-E037-4CA3-BD16-2E0FC88ABE81}"/>
+            </c:ext>
+          </c:extLst>
         </c:ser>
         <c:ser>
           <c:idx val="2"/>
@@ -5150,32 +5174,37 @@
                 <c:formatCode>General</c:formatCode>
                 <c:ptCount val="8"/>
                 <c:pt idx="0">
-                  <c:v>0.0583333333333333</c:v>
+                  <c:v>5.83333333333333E-2</c:v>
                 </c:pt>
                 <c:pt idx="1">
-                  <c:v>0.941666666666667</c:v>
+                  <c:v>0.94166666666666698</c:v>
                 </c:pt>
                 <c:pt idx="2">
-                  <c:v>0.316666666666667</c:v>
+                  <c:v>0.31666666666666698</c:v>
                 </c:pt>
                 <c:pt idx="3">
-                  <c:v>0.683333333333333</c:v>
+                  <c:v>0.68333333333333302</c:v>
                 </c:pt>
                 <c:pt idx="4">
                   <c:v>0.126984126984127</c:v>
                 </c:pt>
                 <c:pt idx="5">
-                  <c:v>0.873015873015873</c:v>
+                  <c:v>0.87301587301587302</c:v>
                 </c:pt>
                 <c:pt idx="6">
-                  <c:v>0.599206349206349</c:v>
+                  <c:v>0.59920634920634896</c:v>
                 </c:pt>
                 <c:pt idx="7">
-                  <c:v>0.400793650793651</c:v>
+                  <c:v>0.40079365079365098</c:v>
                 </c:pt>
               </c:numCache>
             </c:numRef>
           </c:val>
+          <c:extLst>
+            <c:ext xmlns:c16="http://schemas.microsoft.com/office/drawing/2014/chart" uri="{C3380CC4-5D6E-409C-BE32-E72D297353CC}">
+              <c16:uniqueId val="{00000002-E037-4CA3-BD16-2E0FC88ABE81}"/>
+            </c:ext>
+          </c:extLst>
         </c:ser>
         <c:ser>
           <c:idx val="3"/>
@@ -5264,32 +5293,37 @@
                 <c:formatCode>General</c:formatCode>
                 <c:ptCount val="8"/>
                 <c:pt idx="0">
-                  <c:v>0.0608695652173913</c:v>
+                  <c:v>6.08695652173913E-2</c:v>
                 </c:pt>
                 <c:pt idx="1">
-                  <c:v>0.939130434782609</c:v>
+                  <c:v>0.93913043478260905</c:v>
                 </c:pt>
                 <c:pt idx="2">
-                  <c:v>0.278260869565217</c:v>
+                  <c:v>0.27826086956521701</c:v>
                 </c:pt>
                 <c:pt idx="3">
-                  <c:v>0.721739130434783</c:v>
+                  <c:v>0.72173913043478299</c:v>
                 </c:pt>
                 <c:pt idx="4">
                   <c:v>0.173913043478261</c:v>
                 </c:pt>
                 <c:pt idx="5">
-                  <c:v>0.826086956521739</c:v>
+                  <c:v>0.82608695652173902</c:v>
                 </c:pt>
                 <c:pt idx="6">
-                  <c:v>0.472049689440994</c:v>
+                  <c:v>0.47204968944099401</c:v>
                 </c:pt>
                 <c:pt idx="7">
-                  <c:v>0.527950310559006</c:v>
+                  <c:v>0.52795031055900599</c:v>
                 </c:pt>
               </c:numCache>
             </c:numRef>
           </c:val>
+          <c:extLst>
+            <c:ext xmlns:c16="http://schemas.microsoft.com/office/drawing/2014/chart" uri="{C3380CC4-5D6E-409C-BE32-E72D297353CC}">
+              <c16:uniqueId val="{00000003-E037-4CA3-BD16-2E0FC88ABE81}"/>
+            </c:ext>
+          </c:extLst>
         </c:ser>
         <c:ser>
           <c:idx val="4"/>
@@ -5390,20 +5424,25 @@
                   <c:v>0.68</c:v>
                 </c:pt>
                 <c:pt idx="4">
-                  <c:v>0.0976190476190476</c:v>
+                  <c:v>9.7619047619047605E-2</c:v>
                 </c:pt>
                 <c:pt idx="5">
-                  <c:v>0.902380952380952</c:v>
+                  <c:v>0.90238095238095195</c:v>
                 </c:pt>
                 <c:pt idx="6">
-                  <c:v>0.585714285714286</c:v>
+                  <c:v>0.58571428571428596</c:v>
                 </c:pt>
                 <c:pt idx="7">
-                  <c:v>0.414285714285714</c:v>
+                  <c:v>0.41428571428571398</c:v>
                 </c:pt>
               </c:numCache>
             </c:numRef>
           </c:val>
+          <c:extLst>
+            <c:ext xmlns:c16="http://schemas.microsoft.com/office/drawing/2014/chart" uri="{C3380CC4-5D6E-409C-BE32-E72D297353CC}">
+              <c16:uniqueId val="{00000004-E037-4CA3-BD16-2E0FC88ABE81}"/>
+            </c:ext>
+          </c:extLst>
         </c:ser>
         <c:dLbls>
           <c:showLegendKey val="0"/>
@@ -5473,7 +5512,7 @@
         <c:axId val="-1152755136"/>
         <c:scaling>
           <c:orientation val="minMax"/>
-          <c:max val="1.0"/>
+          <c:max val="1"/>
         </c:scaling>
         <c:delete val="0"/>
         <c:axPos val="l"/>
@@ -5491,6 +5530,7 @@
             <a:effectLst/>
           </c:spPr>
         </c:majorGridlines>
+        <c:numFmt formatCode="General" sourceLinked="1"/>
         <c:majorTickMark val="none"/>
         <c:minorTickMark val="none"/>
         <c:tickLblPos val="nextTo"/>
@@ -5535,7 +5575,6 @@
     </c:plotArea>
     <c:legend>
       <c:legendPos val="b"/>
-      <c:layout/>
       <c:overlay val="0"/>
       <c:spPr>
         <a:noFill/>
@@ -8932,7 +8971,7 @@
           <a:p>
             <a:fld id="{DDB2C63F-F1EF-D148-8DAC-B2E032798CF4}" type="datetimeFigureOut">
               <a:rPr lang="en-US" smtClean="0"/>
-              <a:t>10/19/17</a:t>
+              <a:t>10/19/2017</a:t>
             </a:fld>
             <a:endParaRPr lang="en-US"/>
           </a:p>
@@ -9352,7 +9391,7 @@
           <p:cNvPr id="2" name="Title 1">
             <a:extLst>
               <a:ext uri="{FF2B5EF4-FFF2-40B4-BE49-F238E27FC236}">
-                <a16:creationId xmlns="" xmlns:a16="http://schemas.microsoft.com/office/drawing/2014/main" id="{A770637A-7F70-4788-A8DB-6F8A001AE731}"/>
+                <a16:creationId xmlns:a16="http://schemas.microsoft.com/office/drawing/2014/main" id="{A770637A-7F70-4788-A8DB-6F8A001AE731}"/>
               </a:ext>
             </a:extLst>
           </p:cNvPr>
@@ -9390,7 +9429,7 @@
           <p:cNvPr id="3" name="Subtitle 2">
             <a:extLst>
               <a:ext uri="{FF2B5EF4-FFF2-40B4-BE49-F238E27FC236}">
-                <a16:creationId xmlns="" xmlns:a16="http://schemas.microsoft.com/office/drawing/2014/main" id="{F9D5404F-EB55-4B5E-B9CE-AC2A0B6C47CB}"/>
+                <a16:creationId xmlns:a16="http://schemas.microsoft.com/office/drawing/2014/main" id="{F9D5404F-EB55-4B5E-B9CE-AC2A0B6C47CB}"/>
               </a:ext>
             </a:extLst>
           </p:cNvPr>
@@ -9461,7 +9500,7 @@
           <p:cNvPr id="4" name="Date Placeholder 3">
             <a:extLst>
               <a:ext uri="{FF2B5EF4-FFF2-40B4-BE49-F238E27FC236}">
-                <a16:creationId xmlns="" xmlns:a16="http://schemas.microsoft.com/office/drawing/2014/main" id="{7808CDBC-CAE1-487B-A4E5-3CB70D4EAEEB}"/>
+                <a16:creationId xmlns:a16="http://schemas.microsoft.com/office/drawing/2014/main" id="{7808CDBC-CAE1-487B-A4E5-3CB70D4EAEEB}"/>
               </a:ext>
             </a:extLst>
           </p:cNvPr>
@@ -9479,7 +9518,7 @@
           <a:p>
             <a:fld id="{96B0AB5A-E802-48CF-A5B9-FE8704AC6519}" type="datetimeFigureOut">
               <a:rPr lang="en-CA" smtClean="0"/>
-              <a:t>2017-10-19</a:t>
+              <a:t>19/10/2017</a:t>
             </a:fld>
             <a:endParaRPr lang="en-CA"/>
           </a:p>
@@ -9490,7 +9529,7 @@
           <p:cNvPr id="5" name="Footer Placeholder 4">
             <a:extLst>
               <a:ext uri="{FF2B5EF4-FFF2-40B4-BE49-F238E27FC236}">
-                <a16:creationId xmlns="" xmlns:a16="http://schemas.microsoft.com/office/drawing/2014/main" id="{50D5A8BB-D166-4343-997B-EF673CB40FAD}"/>
+                <a16:creationId xmlns:a16="http://schemas.microsoft.com/office/drawing/2014/main" id="{50D5A8BB-D166-4343-997B-EF673CB40FAD}"/>
               </a:ext>
             </a:extLst>
           </p:cNvPr>
@@ -9515,7 +9554,7 @@
           <p:cNvPr id="6" name="Slide Number Placeholder 5">
             <a:extLst>
               <a:ext uri="{FF2B5EF4-FFF2-40B4-BE49-F238E27FC236}">
-                <a16:creationId xmlns="" xmlns:a16="http://schemas.microsoft.com/office/drawing/2014/main" id="{6BC260DA-D757-4992-B138-BBE00B22D846}"/>
+                <a16:creationId xmlns:a16="http://schemas.microsoft.com/office/drawing/2014/main" id="{6BC260DA-D757-4992-B138-BBE00B22D846}"/>
               </a:ext>
             </a:extLst>
           </p:cNvPr>
@@ -9574,7 +9613,7 @@
           <p:cNvPr id="2" name="Title 1">
             <a:extLst>
               <a:ext uri="{FF2B5EF4-FFF2-40B4-BE49-F238E27FC236}">
-                <a16:creationId xmlns="" xmlns:a16="http://schemas.microsoft.com/office/drawing/2014/main" id="{68951A57-6E16-4A71-98CB-2307E282C3C2}"/>
+                <a16:creationId xmlns:a16="http://schemas.microsoft.com/office/drawing/2014/main" id="{68951A57-6E16-4A71-98CB-2307E282C3C2}"/>
               </a:ext>
             </a:extLst>
           </p:cNvPr>
@@ -9603,7 +9642,7 @@
           <p:cNvPr id="3" name="Vertical Text Placeholder 2">
             <a:extLst>
               <a:ext uri="{FF2B5EF4-FFF2-40B4-BE49-F238E27FC236}">
-                <a16:creationId xmlns="" xmlns:a16="http://schemas.microsoft.com/office/drawing/2014/main" id="{7F111875-20D3-450B-8A7D-100D7AD10DA2}"/>
+                <a16:creationId xmlns:a16="http://schemas.microsoft.com/office/drawing/2014/main" id="{7F111875-20D3-450B-8A7D-100D7AD10DA2}"/>
               </a:ext>
             </a:extLst>
           </p:cNvPr>
@@ -9661,7 +9700,7 @@
           <p:cNvPr id="4" name="Date Placeholder 3">
             <a:extLst>
               <a:ext uri="{FF2B5EF4-FFF2-40B4-BE49-F238E27FC236}">
-                <a16:creationId xmlns="" xmlns:a16="http://schemas.microsoft.com/office/drawing/2014/main" id="{98F3875F-0C83-48C3-8881-97B38467BFC0}"/>
+                <a16:creationId xmlns:a16="http://schemas.microsoft.com/office/drawing/2014/main" id="{98F3875F-0C83-48C3-8881-97B38467BFC0}"/>
               </a:ext>
             </a:extLst>
           </p:cNvPr>
@@ -9679,7 +9718,7 @@
           <a:p>
             <a:fld id="{96B0AB5A-E802-48CF-A5B9-FE8704AC6519}" type="datetimeFigureOut">
               <a:rPr lang="en-CA" smtClean="0"/>
-              <a:t>2017-10-19</a:t>
+              <a:t>19/10/2017</a:t>
             </a:fld>
             <a:endParaRPr lang="en-CA"/>
           </a:p>
@@ -9690,7 +9729,7 @@
           <p:cNvPr id="5" name="Footer Placeholder 4">
             <a:extLst>
               <a:ext uri="{FF2B5EF4-FFF2-40B4-BE49-F238E27FC236}">
-                <a16:creationId xmlns="" xmlns:a16="http://schemas.microsoft.com/office/drawing/2014/main" id="{F2640ABB-0B39-4E48-B67F-13EB2E5E88B0}"/>
+                <a16:creationId xmlns:a16="http://schemas.microsoft.com/office/drawing/2014/main" id="{F2640ABB-0B39-4E48-B67F-13EB2E5E88B0}"/>
               </a:ext>
             </a:extLst>
           </p:cNvPr>
@@ -9715,7 +9754,7 @@
           <p:cNvPr id="6" name="Slide Number Placeholder 5">
             <a:extLst>
               <a:ext uri="{FF2B5EF4-FFF2-40B4-BE49-F238E27FC236}">
-                <a16:creationId xmlns="" xmlns:a16="http://schemas.microsoft.com/office/drawing/2014/main" id="{D54C0341-9536-4979-9F6E-429B5834248C}"/>
+                <a16:creationId xmlns:a16="http://schemas.microsoft.com/office/drawing/2014/main" id="{D54C0341-9536-4979-9F6E-429B5834248C}"/>
               </a:ext>
             </a:extLst>
           </p:cNvPr>
@@ -9774,7 +9813,7 @@
           <p:cNvPr id="2" name="Vertical Title 1">
             <a:extLst>
               <a:ext uri="{FF2B5EF4-FFF2-40B4-BE49-F238E27FC236}">
-                <a16:creationId xmlns="" xmlns:a16="http://schemas.microsoft.com/office/drawing/2014/main" id="{20D0E6FE-C5AB-4578-BB2A-E718F0F3D4BA}"/>
+                <a16:creationId xmlns:a16="http://schemas.microsoft.com/office/drawing/2014/main" id="{20D0E6FE-C5AB-4578-BB2A-E718F0F3D4BA}"/>
               </a:ext>
             </a:extLst>
           </p:cNvPr>
@@ -9808,7 +9847,7 @@
           <p:cNvPr id="3" name="Vertical Text Placeholder 2">
             <a:extLst>
               <a:ext uri="{FF2B5EF4-FFF2-40B4-BE49-F238E27FC236}">
-                <a16:creationId xmlns="" xmlns:a16="http://schemas.microsoft.com/office/drawing/2014/main" id="{4D9442B6-6798-4E3F-BC43-D487421D33ED}"/>
+                <a16:creationId xmlns:a16="http://schemas.microsoft.com/office/drawing/2014/main" id="{4D9442B6-6798-4E3F-BC43-D487421D33ED}"/>
               </a:ext>
             </a:extLst>
           </p:cNvPr>
@@ -9871,7 +9910,7 @@
           <p:cNvPr id="4" name="Date Placeholder 3">
             <a:extLst>
               <a:ext uri="{FF2B5EF4-FFF2-40B4-BE49-F238E27FC236}">
-                <a16:creationId xmlns="" xmlns:a16="http://schemas.microsoft.com/office/drawing/2014/main" id="{D8E8FDF4-0673-47D2-AEF1-4ECE10E40BDA}"/>
+                <a16:creationId xmlns:a16="http://schemas.microsoft.com/office/drawing/2014/main" id="{D8E8FDF4-0673-47D2-AEF1-4ECE10E40BDA}"/>
               </a:ext>
             </a:extLst>
           </p:cNvPr>
@@ -9889,7 +9928,7 @@
           <a:p>
             <a:fld id="{96B0AB5A-E802-48CF-A5B9-FE8704AC6519}" type="datetimeFigureOut">
               <a:rPr lang="en-CA" smtClean="0"/>
-              <a:t>2017-10-19</a:t>
+              <a:t>19/10/2017</a:t>
             </a:fld>
             <a:endParaRPr lang="en-CA"/>
           </a:p>
@@ -9900,7 +9939,7 @@
           <p:cNvPr id="5" name="Footer Placeholder 4">
             <a:extLst>
               <a:ext uri="{FF2B5EF4-FFF2-40B4-BE49-F238E27FC236}">
-                <a16:creationId xmlns="" xmlns:a16="http://schemas.microsoft.com/office/drawing/2014/main" id="{E953779D-E55D-4C51-B09C-5B7930947D6C}"/>
+                <a16:creationId xmlns:a16="http://schemas.microsoft.com/office/drawing/2014/main" id="{E953779D-E55D-4C51-B09C-5B7930947D6C}"/>
               </a:ext>
             </a:extLst>
           </p:cNvPr>
@@ -9925,7 +9964,7 @@
           <p:cNvPr id="6" name="Slide Number Placeholder 5">
             <a:extLst>
               <a:ext uri="{FF2B5EF4-FFF2-40B4-BE49-F238E27FC236}">
-                <a16:creationId xmlns="" xmlns:a16="http://schemas.microsoft.com/office/drawing/2014/main" id="{28E9A841-3B09-42DC-8684-FE1A19B9552A}"/>
+                <a16:creationId xmlns:a16="http://schemas.microsoft.com/office/drawing/2014/main" id="{28E9A841-3B09-42DC-8684-FE1A19B9552A}"/>
               </a:ext>
             </a:extLst>
           </p:cNvPr>
@@ -9984,7 +10023,7 @@
           <p:cNvPr id="2" name="Title 1">
             <a:extLst>
               <a:ext uri="{FF2B5EF4-FFF2-40B4-BE49-F238E27FC236}">
-                <a16:creationId xmlns="" xmlns:a16="http://schemas.microsoft.com/office/drawing/2014/main" id="{1C2B00DB-F0DF-4138-ABCE-C402834F38C7}"/>
+                <a16:creationId xmlns:a16="http://schemas.microsoft.com/office/drawing/2014/main" id="{1C2B00DB-F0DF-4138-ABCE-C402834F38C7}"/>
               </a:ext>
             </a:extLst>
           </p:cNvPr>
@@ -10013,7 +10052,7 @@
           <p:cNvPr id="3" name="Content Placeholder 2">
             <a:extLst>
               <a:ext uri="{FF2B5EF4-FFF2-40B4-BE49-F238E27FC236}">
-                <a16:creationId xmlns="" xmlns:a16="http://schemas.microsoft.com/office/drawing/2014/main" id="{C393E18F-528D-46DF-8DCA-5674757975BF}"/>
+                <a16:creationId xmlns:a16="http://schemas.microsoft.com/office/drawing/2014/main" id="{C393E18F-528D-46DF-8DCA-5674757975BF}"/>
               </a:ext>
             </a:extLst>
           </p:cNvPr>
@@ -10071,7 +10110,7 @@
           <p:cNvPr id="4" name="Date Placeholder 3">
             <a:extLst>
               <a:ext uri="{FF2B5EF4-FFF2-40B4-BE49-F238E27FC236}">
-                <a16:creationId xmlns="" xmlns:a16="http://schemas.microsoft.com/office/drawing/2014/main" id="{AE5FACCA-E424-4C6C-B376-B62146CE191B}"/>
+                <a16:creationId xmlns:a16="http://schemas.microsoft.com/office/drawing/2014/main" id="{AE5FACCA-E424-4C6C-B376-B62146CE191B}"/>
               </a:ext>
             </a:extLst>
           </p:cNvPr>
@@ -10089,7 +10128,7 @@
           <a:p>
             <a:fld id="{96B0AB5A-E802-48CF-A5B9-FE8704AC6519}" type="datetimeFigureOut">
               <a:rPr lang="en-CA" smtClean="0"/>
-              <a:t>2017-10-19</a:t>
+              <a:t>19/10/2017</a:t>
             </a:fld>
             <a:endParaRPr lang="en-CA"/>
           </a:p>
@@ -10100,7 +10139,7 @@
           <p:cNvPr id="5" name="Footer Placeholder 4">
             <a:extLst>
               <a:ext uri="{FF2B5EF4-FFF2-40B4-BE49-F238E27FC236}">
-                <a16:creationId xmlns="" xmlns:a16="http://schemas.microsoft.com/office/drawing/2014/main" id="{E88A8849-1252-418B-86C9-3FB1D770E4C1}"/>
+                <a16:creationId xmlns:a16="http://schemas.microsoft.com/office/drawing/2014/main" id="{E88A8849-1252-418B-86C9-3FB1D770E4C1}"/>
               </a:ext>
             </a:extLst>
           </p:cNvPr>
@@ -10125,7 +10164,7 @@
           <p:cNvPr id="6" name="Slide Number Placeholder 5">
             <a:extLst>
               <a:ext uri="{FF2B5EF4-FFF2-40B4-BE49-F238E27FC236}">
-                <a16:creationId xmlns="" xmlns:a16="http://schemas.microsoft.com/office/drawing/2014/main" id="{2213DBDE-BBC2-4EE9-AA49-CBE1CA9AF8E1}"/>
+                <a16:creationId xmlns:a16="http://schemas.microsoft.com/office/drawing/2014/main" id="{2213DBDE-BBC2-4EE9-AA49-CBE1CA9AF8E1}"/>
               </a:ext>
             </a:extLst>
           </p:cNvPr>
@@ -10184,7 +10223,7 @@
           <p:cNvPr id="2" name="Title 1">
             <a:extLst>
               <a:ext uri="{FF2B5EF4-FFF2-40B4-BE49-F238E27FC236}">
-                <a16:creationId xmlns="" xmlns:a16="http://schemas.microsoft.com/office/drawing/2014/main" id="{32D6B6B8-2C76-441A-90C7-2648223BB744}"/>
+                <a16:creationId xmlns:a16="http://schemas.microsoft.com/office/drawing/2014/main" id="{32D6B6B8-2C76-441A-90C7-2648223BB744}"/>
               </a:ext>
             </a:extLst>
           </p:cNvPr>
@@ -10222,7 +10261,7 @@
           <p:cNvPr id="3" name="Text Placeholder 2">
             <a:extLst>
               <a:ext uri="{FF2B5EF4-FFF2-40B4-BE49-F238E27FC236}">
-                <a16:creationId xmlns="" xmlns:a16="http://schemas.microsoft.com/office/drawing/2014/main" id="{B4FD13C0-2671-4F5B-BC76-3285DF8F0D0A}"/>
+                <a16:creationId xmlns:a16="http://schemas.microsoft.com/office/drawing/2014/main" id="{B4FD13C0-2671-4F5B-BC76-3285DF8F0D0A}"/>
               </a:ext>
             </a:extLst>
           </p:cNvPr>
@@ -10347,7 +10386,7 @@
           <p:cNvPr id="4" name="Date Placeholder 3">
             <a:extLst>
               <a:ext uri="{FF2B5EF4-FFF2-40B4-BE49-F238E27FC236}">
-                <a16:creationId xmlns="" xmlns:a16="http://schemas.microsoft.com/office/drawing/2014/main" id="{15FAF587-BBF7-4795-A539-160E1CBB4D0C}"/>
+                <a16:creationId xmlns:a16="http://schemas.microsoft.com/office/drawing/2014/main" id="{15FAF587-BBF7-4795-A539-160E1CBB4D0C}"/>
               </a:ext>
             </a:extLst>
           </p:cNvPr>
@@ -10365,7 +10404,7 @@
           <a:p>
             <a:fld id="{96B0AB5A-E802-48CF-A5B9-FE8704AC6519}" type="datetimeFigureOut">
               <a:rPr lang="en-CA" smtClean="0"/>
-              <a:t>2017-10-19</a:t>
+              <a:t>19/10/2017</a:t>
             </a:fld>
             <a:endParaRPr lang="en-CA"/>
           </a:p>
@@ -10376,7 +10415,7 @@
           <p:cNvPr id="5" name="Footer Placeholder 4">
             <a:extLst>
               <a:ext uri="{FF2B5EF4-FFF2-40B4-BE49-F238E27FC236}">
-                <a16:creationId xmlns="" xmlns:a16="http://schemas.microsoft.com/office/drawing/2014/main" id="{A43711F6-2BA4-43F7-ADE4-F55606E83807}"/>
+                <a16:creationId xmlns:a16="http://schemas.microsoft.com/office/drawing/2014/main" id="{A43711F6-2BA4-43F7-ADE4-F55606E83807}"/>
               </a:ext>
             </a:extLst>
           </p:cNvPr>
@@ -10401,7 +10440,7 @@
           <p:cNvPr id="6" name="Slide Number Placeholder 5">
             <a:extLst>
               <a:ext uri="{FF2B5EF4-FFF2-40B4-BE49-F238E27FC236}">
-                <a16:creationId xmlns="" xmlns:a16="http://schemas.microsoft.com/office/drawing/2014/main" id="{A0814A98-C0EE-4830-9E95-AB51A3D46328}"/>
+                <a16:creationId xmlns:a16="http://schemas.microsoft.com/office/drawing/2014/main" id="{A0814A98-C0EE-4830-9E95-AB51A3D46328}"/>
               </a:ext>
             </a:extLst>
           </p:cNvPr>
@@ -10460,7 +10499,7 @@
           <p:cNvPr id="2" name="Title 1">
             <a:extLst>
               <a:ext uri="{FF2B5EF4-FFF2-40B4-BE49-F238E27FC236}">
-                <a16:creationId xmlns="" xmlns:a16="http://schemas.microsoft.com/office/drawing/2014/main" id="{0F190E3E-504C-44BD-9375-90382E6A4B2D}"/>
+                <a16:creationId xmlns:a16="http://schemas.microsoft.com/office/drawing/2014/main" id="{0F190E3E-504C-44BD-9375-90382E6A4B2D}"/>
               </a:ext>
             </a:extLst>
           </p:cNvPr>
@@ -10489,7 +10528,7 @@
           <p:cNvPr id="3" name="Content Placeholder 2">
             <a:extLst>
               <a:ext uri="{FF2B5EF4-FFF2-40B4-BE49-F238E27FC236}">
-                <a16:creationId xmlns="" xmlns:a16="http://schemas.microsoft.com/office/drawing/2014/main" id="{F6CAE47C-1CB8-4A76-9E77-960D3E128C25}"/>
+                <a16:creationId xmlns:a16="http://schemas.microsoft.com/office/drawing/2014/main" id="{F6CAE47C-1CB8-4A76-9E77-960D3E128C25}"/>
               </a:ext>
             </a:extLst>
           </p:cNvPr>
@@ -10552,7 +10591,7 @@
           <p:cNvPr id="4" name="Content Placeholder 3">
             <a:extLst>
               <a:ext uri="{FF2B5EF4-FFF2-40B4-BE49-F238E27FC236}">
-                <a16:creationId xmlns="" xmlns:a16="http://schemas.microsoft.com/office/drawing/2014/main" id="{7020F4A4-A6BF-47E5-92FC-8201B6593F83}"/>
+                <a16:creationId xmlns:a16="http://schemas.microsoft.com/office/drawing/2014/main" id="{7020F4A4-A6BF-47E5-92FC-8201B6593F83}"/>
               </a:ext>
             </a:extLst>
           </p:cNvPr>
@@ -10615,7 +10654,7 @@
           <p:cNvPr id="5" name="Date Placeholder 4">
             <a:extLst>
               <a:ext uri="{FF2B5EF4-FFF2-40B4-BE49-F238E27FC236}">
-                <a16:creationId xmlns="" xmlns:a16="http://schemas.microsoft.com/office/drawing/2014/main" id="{1AA361B5-9AA3-4229-8D44-CEB57C12ED73}"/>
+                <a16:creationId xmlns:a16="http://schemas.microsoft.com/office/drawing/2014/main" id="{1AA361B5-9AA3-4229-8D44-CEB57C12ED73}"/>
               </a:ext>
             </a:extLst>
           </p:cNvPr>
@@ -10633,7 +10672,7 @@
           <a:p>
             <a:fld id="{96B0AB5A-E802-48CF-A5B9-FE8704AC6519}" type="datetimeFigureOut">
               <a:rPr lang="en-CA" smtClean="0"/>
-              <a:t>2017-10-19</a:t>
+              <a:t>19/10/2017</a:t>
             </a:fld>
             <a:endParaRPr lang="en-CA"/>
           </a:p>
@@ -10644,7 +10683,7 @@
           <p:cNvPr id="6" name="Footer Placeholder 5">
             <a:extLst>
               <a:ext uri="{FF2B5EF4-FFF2-40B4-BE49-F238E27FC236}">
-                <a16:creationId xmlns="" xmlns:a16="http://schemas.microsoft.com/office/drawing/2014/main" id="{8AAA7D8C-2AFC-4C12-92A2-9D98EF3FC76A}"/>
+                <a16:creationId xmlns:a16="http://schemas.microsoft.com/office/drawing/2014/main" id="{8AAA7D8C-2AFC-4C12-92A2-9D98EF3FC76A}"/>
               </a:ext>
             </a:extLst>
           </p:cNvPr>
@@ -10669,7 +10708,7 @@
           <p:cNvPr id="7" name="Slide Number Placeholder 6">
             <a:extLst>
               <a:ext uri="{FF2B5EF4-FFF2-40B4-BE49-F238E27FC236}">
-                <a16:creationId xmlns="" xmlns:a16="http://schemas.microsoft.com/office/drawing/2014/main" id="{33FD714B-B89C-43C1-A417-A6A05C50FDD6}"/>
+                <a16:creationId xmlns:a16="http://schemas.microsoft.com/office/drawing/2014/main" id="{33FD714B-B89C-43C1-A417-A6A05C50FDD6}"/>
               </a:ext>
             </a:extLst>
           </p:cNvPr>
@@ -10728,7 +10767,7 @@
           <p:cNvPr id="2" name="Title 1">
             <a:extLst>
               <a:ext uri="{FF2B5EF4-FFF2-40B4-BE49-F238E27FC236}">
-                <a16:creationId xmlns="" xmlns:a16="http://schemas.microsoft.com/office/drawing/2014/main" id="{B0D13C32-3583-406D-BB55-24C24E430751}"/>
+                <a16:creationId xmlns:a16="http://schemas.microsoft.com/office/drawing/2014/main" id="{B0D13C32-3583-406D-BB55-24C24E430751}"/>
               </a:ext>
             </a:extLst>
           </p:cNvPr>
@@ -10762,7 +10801,7 @@
           <p:cNvPr id="3" name="Text Placeholder 2">
             <a:extLst>
               <a:ext uri="{FF2B5EF4-FFF2-40B4-BE49-F238E27FC236}">
-                <a16:creationId xmlns="" xmlns:a16="http://schemas.microsoft.com/office/drawing/2014/main" id="{B918888A-2B6D-46A5-AE6E-A1FF449737AB}"/>
+                <a16:creationId xmlns:a16="http://schemas.microsoft.com/office/drawing/2014/main" id="{B918888A-2B6D-46A5-AE6E-A1FF449737AB}"/>
               </a:ext>
             </a:extLst>
           </p:cNvPr>
@@ -10833,7 +10872,7 @@
           <p:cNvPr id="4" name="Content Placeholder 3">
             <a:extLst>
               <a:ext uri="{FF2B5EF4-FFF2-40B4-BE49-F238E27FC236}">
-                <a16:creationId xmlns="" xmlns:a16="http://schemas.microsoft.com/office/drawing/2014/main" id="{8376B253-61D6-4CF9-B63B-20481633C4B7}"/>
+                <a16:creationId xmlns:a16="http://schemas.microsoft.com/office/drawing/2014/main" id="{8376B253-61D6-4CF9-B63B-20481633C4B7}"/>
               </a:ext>
             </a:extLst>
           </p:cNvPr>
@@ -10896,7 +10935,7 @@
           <p:cNvPr id="5" name="Text Placeholder 4">
             <a:extLst>
               <a:ext uri="{FF2B5EF4-FFF2-40B4-BE49-F238E27FC236}">
-                <a16:creationId xmlns="" xmlns:a16="http://schemas.microsoft.com/office/drawing/2014/main" id="{382753D1-7E4F-4976-AE02-B8CA399556CE}"/>
+                <a16:creationId xmlns:a16="http://schemas.microsoft.com/office/drawing/2014/main" id="{382753D1-7E4F-4976-AE02-B8CA399556CE}"/>
               </a:ext>
             </a:extLst>
           </p:cNvPr>
@@ -10967,7 +11006,7 @@
           <p:cNvPr id="6" name="Content Placeholder 5">
             <a:extLst>
               <a:ext uri="{FF2B5EF4-FFF2-40B4-BE49-F238E27FC236}">
-                <a16:creationId xmlns="" xmlns:a16="http://schemas.microsoft.com/office/drawing/2014/main" id="{4C468A93-F5B5-49E9-B836-9872129CC484}"/>
+                <a16:creationId xmlns:a16="http://schemas.microsoft.com/office/drawing/2014/main" id="{4C468A93-F5B5-49E9-B836-9872129CC484}"/>
               </a:ext>
             </a:extLst>
           </p:cNvPr>
@@ -11030,7 +11069,7 @@
           <p:cNvPr id="7" name="Date Placeholder 6">
             <a:extLst>
               <a:ext uri="{FF2B5EF4-FFF2-40B4-BE49-F238E27FC236}">
-                <a16:creationId xmlns="" xmlns:a16="http://schemas.microsoft.com/office/drawing/2014/main" id="{695DD8CB-5889-49EA-9BAD-528818612ABE}"/>
+                <a16:creationId xmlns:a16="http://schemas.microsoft.com/office/drawing/2014/main" id="{695DD8CB-5889-49EA-9BAD-528818612ABE}"/>
               </a:ext>
             </a:extLst>
           </p:cNvPr>
@@ -11048,7 +11087,7 @@
           <a:p>
             <a:fld id="{96B0AB5A-E802-48CF-A5B9-FE8704AC6519}" type="datetimeFigureOut">
               <a:rPr lang="en-CA" smtClean="0"/>
-              <a:t>2017-10-19</a:t>
+              <a:t>19/10/2017</a:t>
             </a:fld>
             <a:endParaRPr lang="en-CA"/>
           </a:p>
@@ -11059,7 +11098,7 @@
           <p:cNvPr id="8" name="Footer Placeholder 7">
             <a:extLst>
               <a:ext uri="{FF2B5EF4-FFF2-40B4-BE49-F238E27FC236}">
-                <a16:creationId xmlns="" xmlns:a16="http://schemas.microsoft.com/office/drawing/2014/main" id="{8501B846-1316-4807-8A54-DA3AC47AD72F}"/>
+                <a16:creationId xmlns:a16="http://schemas.microsoft.com/office/drawing/2014/main" id="{8501B846-1316-4807-8A54-DA3AC47AD72F}"/>
               </a:ext>
             </a:extLst>
           </p:cNvPr>
@@ -11084,7 +11123,7 @@
           <p:cNvPr id="9" name="Slide Number Placeholder 8">
             <a:extLst>
               <a:ext uri="{FF2B5EF4-FFF2-40B4-BE49-F238E27FC236}">
-                <a16:creationId xmlns="" xmlns:a16="http://schemas.microsoft.com/office/drawing/2014/main" id="{689B354F-D580-4F3A-AB73-5BC965F2B569}"/>
+                <a16:creationId xmlns:a16="http://schemas.microsoft.com/office/drawing/2014/main" id="{689B354F-D580-4F3A-AB73-5BC965F2B569}"/>
               </a:ext>
             </a:extLst>
           </p:cNvPr>
@@ -11143,7 +11182,7 @@
           <p:cNvPr id="2" name="Title 1">
             <a:extLst>
               <a:ext uri="{FF2B5EF4-FFF2-40B4-BE49-F238E27FC236}">
-                <a16:creationId xmlns="" xmlns:a16="http://schemas.microsoft.com/office/drawing/2014/main" id="{79DDE365-D52A-428F-AB9F-8CF9AC3D43A2}"/>
+                <a16:creationId xmlns:a16="http://schemas.microsoft.com/office/drawing/2014/main" id="{79DDE365-D52A-428F-AB9F-8CF9AC3D43A2}"/>
               </a:ext>
             </a:extLst>
           </p:cNvPr>
@@ -11172,7 +11211,7 @@
           <p:cNvPr id="3" name="Date Placeholder 2">
             <a:extLst>
               <a:ext uri="{FF2B5EF4-FFF2-40B4-BE49-F238E27FC236}">
-                <a16:creationId xmlns="" xmlns:a16="http://schemas.microsoft.com/office/drawing/2014/main" id="{1B902405-9BC8-4DCF-89BD-1C3021158836}"/>
+                <a16:creationId xmlns:a16="http://schemas.microsoft.com/office/drawing/2014/main" id="{1B902405-9BC8-4DCF-89BD-1C3021158836}"/>
               </a:ext>
             </a:extLst>
           </p:cNvPr>
@@ -11190,7 +11229,7 @@
           <a:p>
             <a:fld id="{96B0AB5A-E802-48CF-A5B9-FE8704AC6519}" type="datetimeFigureOut">
               <a:rPr lang="en-CA" smtClean="0"/>
-              <a:t>2017-10-19</a:t>
+              <a:t>19/10/2017</a:t>
             </a:fld>
             <a:endParaRPr lang="en-CA"/>
           </a:p>
@@ -11201,7 +11240,7 @@
           <p:cNvPr id="4" name="Footer Placeholder 3">
             <a:extLst>
               <a:ext uri="{FF2B5EF4-FFF2-40B4-BE49-F238E27FC236}">
-                <a16:creationId xmlns="" xmlns:a16="http://schemas.microsoft.com/office/drawing/2014/main" id="{5741E3B3-AB1D-4FEA-A844-6DD4E7C45709}"/>
+                <a16:creationId xmlns:a16="http://schemas.microsoft.com/office/drawing/2014/main" id="{5741E3B3-AB1D-4FEA-A844-6DD4E7C45709}"/>
               </a:ext>
             </a:extLst>
           </p:cNvPr>
@@ -11226,7 +11265,7 @@
           <p:cNvPr id="5" name="Slide Number Placeholder 4">
             <a:extLst>
               <a:ext uri="{FF2B5EF4-FFF2-40B4-BE49-F238E27FC236}">
-                <a16:creationId xmlns="" xmlns:a16="http://schemas.microsoft.com/office/drawing/2014/main" id="{449737C3-89A9-4077-A0AE-16155EBF7C96}"/>
+                <a16:creationId xmlns:a16="http://schemas.microsoft.com/office/drawing/2014/main" id="{449737C3-89A9-4077-A0AE-16155EBF7C96}"/>
               </a:ext>
             </a:extLst>
           </p:cNvPr>
@@ -11285,7 +11324,7 @@
           <p:cNvPr id="2" name="Date Placeholder 1">
             <a:extLst>
               <a:ext uri="{FF2B5EF4-FFF2-40B4-BE49-F238E27FC236}">
-                <a16:creationId xmlns="" xmlns:a16="http://schemas.microsoft.com/office/drawing/2014/main" id="{67E2FC56-905E-4427-BB9F-0599D987CF0A}"/>
+                <a16:creationId xmlns:a16="http://schemas.microsoft.com/office/drawing/2014/main" id="{67E2FC56-905E-4427-BB9F-0599D987CF0A}"/>
               </a:ext>
             </a:extLst>
           </p:cNvPr>
@@ -11303,7 +11342,7 @@
           <a:p>
             <a:fld id="{96B0AB5A-E802-48CF-A5B9-FE8704AC6519}" type="datetimeFigureOut">
               <a:rPr lang="en-CA" smtClean="0"/>
-              <a:t>2017-10-19</a:t>
+              <a:t>19/10/2017</a:t>
             </a:fld>
             <a:endParaRPr lang="en-CA"/>
           </a:p>
@@ -11314,7 +11353,7 @@
           <p:cNvPr id="3" name="Footer Placeholder 2">
             <a:extLst>
               <a:ext uri="{FF2B5EF4-FFF2-40B4-BE49-F238E27FC236}">
-                <a16:creationId xmlns="" xmlns:a16="http://schemas.microsoft.com/office/drawing/2014/main" id="{487C4D51-B9C6-4DF9-B99D-02567E8C682D}"/>
+                <a16:creationId xmlns:a16="http://schemas.microsoft.com/office/drawing/2014/main" id="{487C4D51-B9C6-4DF9-B99D-02567E8C682D}"/>
               </a:ext>
             </a:extLst>
           </p:cNvPr>
@@ -11339,7 +11378,7 @@
           <p:cNvPr id="4" name="Slide Number Placeholder 3">
             <a:extLst>
               <a:ext uri="{FF2B5EF4-FFF2-40B4-BE49-F238E27FC236}">
-                <a16:creationId xmlns="" xmlns:a16="http://schemas.microsoft.com/office/drawing/2014/main" id="{0190AAD4-0860-4BD5-8057-18876B454949}"/>
+                <a16:creationId xmlns:a16="http://schemas.microsoft.com/office/drawing/2014/main" id="{0190AAD4-0860-4BD5-8057-18876B454949}"/>
               </a:ext>
             </a:extLst>
           </p:cNvPr>
@@ -11398,7 +11437,7 @@
           <p:cNvPr id="2" name="Title 1">
             <a:extLst>
               <a:ext uri="{FF2B5EF4-FFF2-40B4-BE49-F238E27FC236}">
-                <a16:creationId xmlns="" xmlns:a16="http://schemas.microsoft.com/office/drawing/2014/main" id="{38D0AC77-2DD6-4F80-AED8-5F2DEAFE47A5}"/>
+                <a16:creationId xmlns:a16="http://schemas.microsoft.com/office/drawing/2014/main" id="{38D0AC77-2DD6-4F80-AED8-5F2DEAFE47A5}"/>
               </a:ext>
             </a:extLst>
           </p:cNvPr>
@@ -11436,7 +11475,7 @@
           <p:cNvPr id="3" name="Content Placeholder 2">
             <a:extLst>
               <a:ext uri="{FF2B5EF4-FFF2-40B4-BE49-F238E27FC236}">
-                <a16:creationId xmlns="" xmlns:a16="http://schemas.microsoft.com/office/drawing/2014/main" id="{8A50F9F6-EF62-405A-BD73-A4D257EA25C1}"/>
+                <a16:creationId xmlns:a16="http://schemas.microsoft.com/office/drawing/2014/main" id="{8A50F9F6-EF62-405A-BD73-A4D257EA25C1}"/>
               </a:ext>
             </a:extLst>
           </p:cNvPr>
@@ -11527,7 +11566,7 @@
           <p:cNvPr id="4" name="Text Placeholder 3">
             <a:extLst>
               <a:ext uri="{FF2B5EF4-FFF2-40B4-BE49-F238E27FC236}">
-                <a16:creationId xmlns="" xmlns:a16="http://schemas.microsoft.com/office/drawing/2014/main" id="{C2D29C1A-CCB3-4892-8341-4E47EA725C2E}"/>
+                <a16:creationId xmlns:a16="http://schemas.microsoft.com/office/drawing/2014/main" id="{C2D29C1A-CCB3-4892-8341-4E47EA725C2E}"/>
               </a:ext>
             </a:extLst>
           </p:cNvPr>
@@ -11598,7 +11637,7 @@
           <p:cNvPr id="5" name="Date Placeholder 4">
             <a:extLst>
               <a:ext uri="{FF2B5EF4-FFF2-40B4-BE49-F238E27FC236}">
-                <a16:creationId xmlns="" xmlns:a16="http://schemas.microsoft.com/office/drawing/2014/main" id="{4A49B093-3DB2-42E5-90E6-7961FD1DEF69}"/>
+                <a16:creationId xmlns:a16="http://schemas.microsoft.com/office/drawing/2014/main" id="{4A49B093-3DB2-42E5-90E6-7961FD1DEF69}"/>
               </a:ext>
             </a:extLst>
           </p:cNvPr>
@@ -11616,7 +11655,7 @@
           <a:p>
             <a:fld id="{96B0AB5A-E802-48CF-A5B9-FE8704AC6519}" type="datetimeFigureOut">
               <a:rPr lang="en-CA" smtClean="0"/>
-              <a:t>2017-10-19</a:t>
+              <a:t>19/10/2017</a:t>
             </a:fld>
             <a:endParaRPr lang="en-CA"/>
           </a:p>
@@ -11627,7 +11666,7 @@
           <p:cNvPr id="6" name="Footer Placeholder 5">
             <a:extLst>
               <a:ext uri="{FF2B5EF4-FFF2-40B4-BE49-F238E27FC236}">
-                <a16:creationId xmlns="" xmlns:a16="http://schemas.microsoft.com/office/drawing/2014/main" id="{DF18E932-8D4E-4B86-ADE7-DAF5963F6D69}"/>
+                <a16:creationId xmlns:a16="http://schemas.microsoft.com/office/drawing/2014/main" id="{DF18E932-8D4E-4B86-ADE7-DAF5963F6D69}"/>
               </a:ext>
             </a:extLst>
           </p:cNvPr>
@@ -11652,7 +11691,7 @@
           <p:cNvPr id="7" name="Slide Number Placeholder 6">
             <a:extLst>
               <a:ext uri="{FF2B5EF4-FFF2-40B4-BE49-F238E27FC236}">
-                <a16:creationId xmlns="" xmlns:a16="http://schemas.microsoft.com/office/drawing/2014/main" id="{2A6BCD62-2E53-46BB-8674-8A6BC93614B3}"/>
+                <a16:creationId xmlns:a16="http://schemas.microsoft.com/office/drawing/2014/main" id="{2A6BCD62-2E53-46BB-8674-8A6BC93614B3}"/>
               </a:ext>
             </a:extLst>
           </p:cNvPr>
@@ -11711,7 +11750,7 @@
           <p:cNvPr id="2" name="Title 1">
             <a:extLst>
               <a:ext uri="{FF2B5EF4-FFF2-40B4-BE49-F238E27FC236}">
-                <a16:creationId xmlns="" xmlns:a16="http://schemas.microsoft.com/office/drawing/2014/main" id="{BE66942B-4AEE-47BA-A130-8FE3D07A2517}"/>
+                <a16:creationId xmlns:a16="http://schemas.microsoft.com/office/drawing/2014/main" id="{BE66942B-4AEE-47BA-A130-8FE3D07A2517}"/>
               </a:ext>
             </a:extLst>
           </p:cNvPr>
@@ -11749,7 +11788,7 @@
           <p:cNvPr id="3" name="Picture Placeholder 2">
             <a:extLst>
               <a:ext uri="{FF2B5EF4-FFF2-40B4-BE49-F238E27FC236}">
-                <a16:creationId xmlns="" xmlns:a16="http://schemas.microsoft.com/office/drawing/2014/main" id="{A24C110B-5666-4CAC-9935-17BA900407EB}"/>
+                <a16:creationId xmlns:a16="http://schemas.microsoft.com/office/drawing/2014/main" id="{A24C110B-5666-4CAC-9935-17BA900407EB}"/>
               </a:ext>
             </a:extLst>
           </p:cNvPr>
@@ -11816,7 +11855,7 @@
           <p:cNvPr id="4" name="Text Placeholder 3">
             <a:extLst>
               <a:ext uri="{FF2B5EF4-FFF2-40B4-BE49-F238E27FC236}">
-                <a16:creationId xmlns="" xmlns:a16="http://schemas.microsoft.com/office/drawing/2014/main" id="{1A5EEBFA-7C3F-40BC-A736-89E2871AB916}"/>
+                <a16:creationId xmlns:a16="http://schemas.microsoft.com/office/drawing/2014/main" id="{1A5EEBFA-7C3F-40BC-A736-89E2871AB916}"/>
               </a:ext>
             </a:extLst>
           </p:cNvPr>
@@ -11887,7 +11926,7 @@
           <p:cNvPr id="5" name="Date Placeholder 4">
             <a:extLst>
               <a:ext uri="{FF2B5EF4-FFF2-40B4-BE49-F238E27FC236}">
-                <a16:creationId xmlns="" xmlns:a16="http://schemas.microsoft.com/office/drawing/2014/main" id="{0F9791BC-52F7-4098-BD77-EB52CAD311D7}"/>
+                <a16:creationId xmlns:a16="http://schemas.microsoft.com/office/drawing/2014/main" id="{0F9791BC-52F7-4098-BD77-EB52CAD311D7}"/>
               </a:ext>
             </a:extLst>
           </p:cNvPr>
@@ -11905,7 +11944,7 @@
           <a:p>
             <a:fld id="{96B0AB5A-E802-48CF-A5B9-FE8704AC6519}" type="datetimeFigureOut">
               <a:rPr lang="en-CA" smtClean="0"/>
-              <a:t>2017-10-19</a:t>
+              <a:t>19/10/2017</a:t>
             </a:fld>
             <a:endParaRPr lang="en-CA"/>
           </a:p>
@@ -11916,7 +11955,7 @@
           <p:cNvPr id="6" name="Footer Placeholder 5">
             <a:extLst>
               <a:ext uri="{FF2B5EF4-FFF2-40B4-BE49-F238E27FC236}">
-                <a16:creationId xmlns="" xmlns:a16="http://schemas.microsoft.com/office/drawing/2014/main" id="{E2F409E7-1C98-4E39-B7A6-5F89DA98469F}"/>
+                <a16:creationId xmlns:a16="http://schemas.microsoft.com/office/drawing/2014/main" id="{E2F409E7-1C98-4E39-B7A6-5F89DA98469F}"/>
               </a:ext>
             </a:extLst>
           </p:cNvPr>
@@ -11941,7 +11980,7 @@
           <p:cNvPr id="7" name="Slide Number Placeholder 6">
             <a:extLst>
               <a:ext uri="{FF2B5EF4-FFF2-40B4-BE49-F238E27FC236}">
-                <a16:creationId xmlns="" xmlns:a16="http://schemas.microsoft.com/office/drawing/2014/main" id="{BDC7D36C-18CF-4995-B3BF-440113BC7738}"/>
+                <a16:creationId xmlns:a16="http://schemas.microsoft.com/office/drawing/2014/main" id="{BDC7D36C-18CF-4995-B3BF-440113BC7738}"/>
               </a:ext>
             </a:extLst>
           </p:cNvPr>
@@ -12005,7 +12044,7 @@
           <p:cNvPr id="2" name="Title Placeholder 1">
             <a:extLst>
               <a:ext uri="{FF2B5EF4-FFF2-40B4-BE49-F238E27FC236}">
-                <a16:creationId xmlns="" xmlns:a16="http://schemas.microsoft.com/office/drawing/2014/main" id="{E5B4AD75-DD9C-4FBC-861B-1923DAD4C653}"/>
+                <a16:creationId xmlns:a16="http://schemas.microsoft.com/office/drawing/2014/main" id="{E5B4AD75-DD9C-4FBC-861B-1923DAD4C653}"/>
               </a:ext>
             </a:extLst>
           </p:cNvPr>
@@ -12044,7 +12083,7 @@
           <p:cNvPr id="3" name="Text Placeholder 2">
             <a:extLst>
               <a:ext uri="{FF2B5EF4-FFF2-40B4-BE49-F238E27FC236}">
-                <a16:creationId xmlns="" xmlns:a16="http://schemas.microsoft.com/office/drawing/2014/main" id="{4D568E8A-8FC5-429A-BBC2-86B33A87A88A}"/>
+                <a16:creationId xmlns:a16="http://schemas.microsoft.com/office/drawing/2014/main" id="{4D568E8A-8FC5-429A-BBC2-86B33A87A88A}"/>
               </a:ext>
             </a:extLst>
           </p:cNvPr>
@@ -12112,7 +12151,7 @@
           <p:cNvPr id="4" name="Date Placeholder 3">
             <a:extLst>
               <a:ext uri="{FF2B5EF4-FFF2-40B4-BE49-F238E27FC236}">
-                <a16:creationId xmlns="" xmlns:a16="http://schemas.microsoft.com/office/drawing/2014/main" id="{29A9B9B8-7E0D-4EC3-A0F8-0CFBC57A3D7E}"/>
+                <a16:creationId xmlns:a16="http://schemas.microsoft.com/office/drawing/2014/main" id="{29A9B9B8-7E0D-4EC3-A0F8-0CFBC57A3D7E}"/>
               </a:ext>
             </a:extLst>
           </p:cNvPr>
@@ -12148,7 +12187,7 @@
           <a:p>
             <a:fld id="{96B0AB5A-E802-48CF-A5B9-FE8704AC6519}" type="datetimeFigureOut">
               <a:rPr lang="en-CA" smtClean="0"/>
-              <a:t>2017-10-19</a:t>
+              <a:t>19/10/2017</a:t>
             </a:fld>
             <a:endParaRPr lang="en-CA"/>
           </a:p>
@@ -12159,7 +12198,7 @@
           <p:cNvPr id="5" name="Footer Placeholder 4">
             <a:extLst>
               <a:ext uri="{FF2B5EF4-FFF2-40B4-BE49-F238E27FC236}">
-                <a16:creationId xmlns="" xmlns:a16="http://schemas.microsoft.com/office/drawing/2014/main" id="{5701BCBF-10E5-4F5A-AFDC-06F55B5CAA8F}"/>
+                <a16:creationId xmlns:a16="http://schemas.microsoft.com/office/drawing/2014/main" id="{5701BCBF-10E5-4F5A-AFDC-06F55B5CAA8F}"/>
               </a:ext>
             </a:extLst>
           </p:cNvPr>
@@ -12202,7 +12241,7 @@
           <p:cNvPr id="6" name="Slide Number Placeholder 5">
             <a:extLst>
               <a:ext uri="{FF2B5EF4-FFF2-40B4-BE49-F238E27FC236}">
-                <a16:creationId xmlns="" xmlns:a16="http://schemas.microsoft.com/office/drawing/2014/main" id="{68C4BCD5-C523-4222-8576-785E1DE19235}"/>
+                <a16:creationId xmlns:a16="http://schemas.microsoft.com/office/drawing/2014/main" id="{68C4BCD5-C523-4222-8576-785E1DE19235}"/>
               </a:ext>
             </a:extLst>
           </p:cNvPr>
@@ -12570,7 +12609,7 @@
           <p:cNvPr id="2" name="Title 1">
             <a:extLst>
               <a:ext uri="{FF2B5EF4-FFF2-40B4-BE49-F238E27FC236}">
-                <a16:creationId xmlns="" xmlns:a16="http://schemas.microsoft.com/office/drawing/2014/main" id="{FA47EB2B-4331-4E3D-9575-372974FA84E1}"/>
+                <a16:creationId xmlns:a16="http://schemas.microsoft.com/office/drawing/2014/main" id="{FA47EB2B-4331-4E3D-9575-372974FA84E1}"/>
               </a:ext>
             </a:extLst>
           </p:cNvPr>
@@ -12595,7 +12634,7 @@
           <p:cNvPr id="3" name="Subtitle 2">
             <a:extLst>
               <a:ext uri="{FF2B5EF4-FFF2-40B4-BE49-F238E27FC236}">
-                <a16:creationId xmlns="" xmlns:a16="http://schemas.microsoft.com/office/drawing/2014/main" id="{A4D09F98-919E-4EAE-8FE4-8DF28106A8A4}"/>
+                <a16:creationId xmlns:a16="http://schemas.microsoft.com/office/drawing/2014/main" id="{A4D09F98-919E-4EAE-8FE4-8DF28106A8A4}"/>
               </a:ext>
             </a:extLst>
           </p:cNvPr>
@@ -12661,10 +12700,9 @@
           <a:lstStyle/>
           <a:p>
             <a:r>
-              <a:rPr lang="en-US" dirty="0" smtClean="0"/>
+              <a:rPr lang="en-US" dirty="0"/>
               <a:t>Social framing x fairness</a:t>
             </a:r>
-            <a:endParaRPr lang="en-US" dirty="0"/>
           </a:p>
         </p:txBody>
       </p:sp>
@@ -12743,7 +12781,7 @@
           <a:lstStyle/>
           <a:p>
             <a:r>
-              <a:rPr lang="en-US" altLang="zh-CN" dirty="0" smtClean="0"/>
+              <a:rPr lang="en-US" altLang="zh-CN" dirty="0"/>
               <a:t>Baseline vs. punish vs. empathy</a:t>
             </a:r>
             <a:endParaRPr lang="en-US" dirty="0"/>
@@ -12832,16 +12870,15 @@
           <a:lstStyle/>
           <a:p>
             <a:r>
-              <a:rPr lang="en-US" dirty="0" smtClean="0"/>
+              <a:rPr lang="en-US" dirty="0"/>
               <a:t>3 way chi-square:</a:t>
             </a:r>
           </a:p>
           <a:p>
             <a:r>
-              <a:rPr lang="en-US" dirty="0" smtClean="0"/>
+              <a:rPr lang="en-US" dirty="0"/>
               <a:t>Groups x fairness x social framing(2 levels)</a:t>
             </a:r>
-            <a:endParaRPr lang="en-US" dirty="0"/>
           </a:p>
         </p:txBody>
       </p:sp>
@@ -12892,11 +12929,7 @@
           <a:p>
             <a:r>
               <a:rPr lang="en-US" altLang="zh-CN" dirty="0"/>
-              <a:t>Baseline vs. </a:t>
-            </a:r>
-            <a:r>
-              <a:rPr lang="en-US" altLang="zh-CN" dirty="0" smtClean="0"/>
-              <a:t>social framing</a:t>
+              <a:t>Baseline vs. social framing</a:t>
             </a:r>
             <a:endParaRPr lang="en-US" dirty="0"/>
           </a:p>
@@ -12927,11 +12960,7 @@
           <a:p>
             <a:r>
               <a:rPr lang="en-US" sz="1800" dirty="0"/>
-              <a:t>Groups x fairness x social </a:t>
-            </a:r>
-            <a:r>
-              <a:rPr lang="en-US" sz="1800" dirty="0" smtClean="0"/>
-              <a:t>framing(3 levels)</a:t>
+              <a:t>Groups x fairness x social framing(3 levels)</a:t>
             </a:r>
           </a:p>
           <a:p>
@@ -13065,19 +13094,222 @@
             <p:ph idx="1"/>
           </p:nvPr>
         </p:nvSpPr>
+        <p:spPr>
+          <a:xfrm>
+            <a:off x="838200" y="1825625"/>
+            <a:ext cx="4740797" cy="4351338"/>
+          </a:xfrm>
+        </p:spPr>
+        <p:txBody>
+          <a:bodyPr/>
+          <a:lstStyle/>
+          <a:p>
+            <a:r>
+              <a:rPr lang="en-US" dirty="0"/>
+              <a:t>2 way chi-square</a:t>
+            </a:r>
+          </a:p>
+          <a:p>
+            <a:r>
+              <a:rPr lang="en-US" dirty="0"/>
+              <a:t>Fairness x 4 groups</a:t>
+            </a:r>
+          </a:p>
+        </p:txBody>
+      </p:sp>
+      <p:pic>
+        <p:nvPicPr>
+          <p:cNvPr id="4" name="Picture 3"/>
+          <p:cNvPicPr>
+            <a:picLocks noChangeAspect="1"/>
+          </p:cNvPicPr>
+          <p:nvPr/>
+        </p:nvPicPr>
+        <p:blipFill>
+          <a:blip r:embed="rId2">
+            <a:extLst>
+              <a:ext uri="{28A0092B-C50C-407E-A947-70E740481C1C}">
+                <a14:useLocalDpi xmlns:a14="http://schemas.microsoft.com/office/drawing/2010/main" val="0"/>
+              </a:ext>
+            </a:extLst>
+          </a:blip>
+          <a:stretch>
+            <a:fillRect/>
+          </a:stretch>
+        </p:blipFill>
+        <p:spPr>
+          <a:xfrm>
+            <a:off x="1100398" y="3278529"/>
+            <a:ext cx="4216400" cy="1828800"/>
+          </a:xfrm>
+          <a:prstGeom prst="rect">
+            <a:avLst/>
+          </a:prstGeom>
+        </p:spPr>
+      </p:pic>
+      <p:sp>
+        <p:nvSpPr>
+          <p:cNvPr id="5" name="TextBox 4"/>
+          <p:cNvSpPr txBox="1"/>
+          <p:nvPr/>
+        </p:nvSpPr>
+        <p:spPr>
+          <a:xfrm>
+            <a:off x="6240491" y="1884444"/>
+            <a:ext cx="4849792" cy="1815882"/>
+          </a:xfrm>
+          <a:prstGeom prst="rect">
+            <a:avLst/>
+          </a:prstGeom>
+          <a:noFill/>
+        </p:spPr>
+        <p:txBody>
+          <a:bodyPr wrap="square" rtlCol="0">
+            <a:spAutoFit/>
+          </a:bodyPr>
+          <a:lstStyle/>
+          <a:p>
+            <a:pPr marL="285750" indent="-285750">
+              <a:buFont typeface="Arial" charset="0"/>
+              <a:buChar char="•"/>
+            </a:pPr>
+            <a:r>
+              <a:rPr lang="en-US" sz="2800" dirty="0"/>
+              <a:t>2 way chi-square</a:t>
+            </a:r>
+          </a:p>
+          <a:p>
+            <a:pPr marL="285750" indent="-285750">
+              <a:buFont typeface="Arial" charset="0"/>
+              <a:buChar char="•"/>
+            </a:pPr>
+            <a:r>
+              <a:rPr lang="en-US" sz="2800" dirty="0"/>
+              <a:t>Fairness x 5 groups</a:t>
+            </a:r>
+          </a:p>
+          <a:p>
+            <a:pPr marL="285750" indent="-285750">
+              <a:buFont typeface="Arial" charset="0"/>
+              <a:buChar char="•"/>
+            </a:pPr>
+            <a:endParaRPr lang="en-US" sz="2800" dirty="0"/>
+          </a:p>
+          <a:p>
+            <a:pPr marL="285750" indent="-285750">
+              <a:buFont typeface="Arial" charset="0"/>
+              <a:buChar char="•"/>
+            </a:pPr>
+            <a:endParaRPr lang="en-US" sz="2800" dirty="0"/>
+          </a:p>
+        </p:txBody>
+      </p:sp>
+      <p:pic>
+        <p:nvPicPr>
+          <p:cNvPr id="6" name="Picture 5"/>
+          <p:cNvPicPr>
+            <a:picLocks noChangeAspect="1"/>
+          </p:cNvPicPr>
+          <p:nvPr/>
+        </p:nvPicPr>
+        <p:blipFill>
+          <a:blip r:embed="rId3">
+            <a:extLst>
+              <a:ext uri="{28A0092B-C50C-407E-A947-70E740481C1C}">
+                <a14:useLocalDpi xmlns:a14="http://schemas.microsoft.com/office/drawing/2010/main" val="0"/>
+              </a:ext>
+            </a:extLst>
+          </a:blip>
+          <a:stretch>
+            <a:fillRect/>
+          </a:stretch>
+        </p:blipFill>
+        <p:spPr>
+          <a:xfrm>
+            <a:off x="6059347" y="3278529"/>
+            <a:ext cx="5486400" cy="1765300"/>
+          </a:xfrm>
+          <a:prstGeom prst="rect">
+            <a:avLst/>
+          </a:prstGeom>
+        </p:spPr>
+      </p:pic>
+    </p:spTree>
+    <p:extLst>
+      <p:ext uri="{BB962C8B-B14F-4D97-AF65-F5344CB8AC3E}">
+        <p14:creationId xmlns:p14="http://schemas.microsoft.com/office/powerpoint/2010/main" val="638577559"/>
+      </p:ext>
+    </p:extLst>
+  </p:cSld>
+  <p:clrMapOvr>
+    <a:masterClrMapping/>
+  </p:clrMapOvr>
+</p:sld>
+</file>
+
+<file path=ppt/slides/slide14.xml><?xml version="1.0" encoding="utf-8"?>
+<p:sld xmlns:a="http://schemas.openxmlformats.org/drawingml/2006/main" xmlns:r="http://schemas.openxmlformats.org/officeDocument/2006/relationships" xmlns:p="http://schemas.openxmlformats.org/presentationml/2006/main">
+  <p:cSld>
+    <p:spTree>
+      <p:nvGrpSpPr>
+        <p:cNvPr id="1" name=""/>
+        <p:cNvGrpSpPr/>
+        <p:nvPr/>
+      </p:nvGrpSpPr>
+      <p:grpSpPr>
+        <a:xfrm>
+          <a:off x="0" y="0"/>
+          <a:ext cx="0" cy="0"/>
+          <a:chOff x="0" y="0"/>
+          <a:chExt cx="0" cy="0"/>
+        </a:xfrm>
+      </p:grpSpPr>
+      <p:sp>
+        <p:nvSpPr>
+          <p:cNvPr id="2" name="Title 1"/>
+          <p:cNvSpPr>
+            <a:spLocks noGrp="1"/>
+          </p:cNvSpPr>
+          <p:nvPr>
+            <p:ph type="title"/>
+          </p:nvPr>
+        </p:nvSpPr>
         <p:spPr/>
         <p:txBody>
           <a:bodyPr/>
           <a:lstStyle/>
           <a:p>
             <a:r>
-              <a:rPr lang="en-US" dirty="0" smtClean="0"/>
+              <a:rPr lang="en-US" altLang="zh-CN" dirty="0"/>
+              <a:t>Baseline vs. social framing</a:t>
+            </a:r>
+            <a:endParaRPr lang="en-US" dirty="0"/>
+          </a:p>
+        </p:txBody>
+      </p:sp>
+      <p:sp>
+        <p:nvSpPr>
+          <p:cNvPr id="3" name="Content Placeholder 2"/>
+          <p:cNvSpPr>
+            <a:spLocks noGrp="1"/>
+          </p:cNvSpPr>
+          <p:nvPr>
+            <p:ph idx="1"/>
+          </p:nvPr>
+        </p:nvSpPr>
+        <p:spPr/>
+        <p:txBody>
+          <a:bodyPr/>
+          <a:lstStyle/>
+          <a:p>
+            <a:r>
+              <a:rPr lang="en-US" dirty="0"/>
               <a:t>2 way chi-square</a:t>
             </a:r>
           </a:p>
           <a:p>
             <a:r>
-              <a:rPr lang="en-US" dirty="0" smtClean="0"/>
+              <a:rPr lang="en-US" dirty="0"/>
               <a:t>Social framing x fairness</a:t>
             </a:r>
           </a:p>
@@ -13129,7 +13361,7 @@
 </p:sld>
 </file>
 
-<file path=ppt/slides/slide14.xml><?xml version="1.0" encoding="utf-8"?>
+<file path=ppt/slides/slide15.xml><?xml version="1.0" encoding="utf-8"?>
 <p:sld xmlns:a="http://schemas.openxmlformats.org/drawingml/2006/main" xmlns:r="http://schemas.openxmlformats.org/officeDocument/2006/relationships" xmlns:p="http://schemas.openxmlformats.org/presentationml/2006/main">
   <p:cSld>
     <p:spTree>
@@ -13148,7 +13380,13 @@
       </p:grpSpPr>
       <p:sp>
         <p:nvSpPr>
-          <p:cNvPr id="2" name="Title 1"/>
+          <p:cNvPr id="2" name="Title 1">
+            <a:extLst>
+              <a:ext uri="{FF2B5EF4-FFF2-40B4-BE49-F238E27FC236}">
+                <a16:creationId xmlns:a16="http://schemas.microsoft.com/office/drawing/2014/main" id="{F88480CC-95B7-44B5-8595-50BB9107EA28}"/>
+              </a:ext>
+            </a:extLst>
+          </p:cNvPr>
           <p:cNvSpPr>
             <a:spLocks noGrp="1"/>
           </p:cNvSpPr>
@@ -13165,13 +13403,19 @@
               <a:rPr lang="en-US" altLang="zh-CN" dirty="0"/>
               <a:t>Baseline vs. social framing</a:t>
             </a:r>
-            <a:endParaRPr lang="en-US" dirty="0"/>
+            <a:endParaRPr lang="en-CA" dirty="0"/>
           </a:p>
         </p:txBody>
       </p:sp>
       <p:sp>
         <p:nvSpPr>
-          <p:cNvPr id="3" name="Content Placeholder 2"/>
+          <p:cNvPr id="3" name="Content Placeholder 2">
+            <a:extLst>
+              <a:ext uri="{FF2B5EF4-FFF2-40B4-BE49-F238E27FC236}">
+                <a16:creationId xmlns:a16="http://schemas.microsoft.com/office/drawing/2014/main" id="{52049869-60E6-4A46-87A4-494EC470CA10}"/>
+              </a:ext>
+            </a:extLst>
+          </p:cNvPr>
           <p:cNvSpPr>
             <a:spLocks noGrp="1"/>
           </p:cNvSpPr>
@@ -13179,33 +13423,36 @@
             <p:ph idx="1"/>
           </p:nvPr>
         </p:nvSpPr>
-        <p:spPr>
-          <a:xfrm>
-            <a:off x="838200" y="1825625"/>
-            <a:ext cx="4740797" cy="4351338"/>
-          </a:xfrm>
-        </p:spPr>
+        <p:spPr/>
         <p:txBody>
           <a:bodyPr/>
           <a:lstStyle/>
           <a:p>
             <a:r>
-              <a:rPr lang="en-US" dirty="0" smtClean="0"/>
+              <a:rPr lang="en-US" dirty="0"/>
               <a:t>2 way chi-square</a:t>
             </a:r>
           </a:p>
           <a:p>
             <a:r>
-              <a:rPr lang="en-US" dirty="0" smtClean="0"/>
-              <a:t>Fairness x 4 groups</a:t>
+              <a:rPr lang="en-US" dirty="0"/>
+              <a:t>Social framing x 5 groups</a:t>
             </a:r>
-            <a:endParaRPr lang="en-US" dirty="0"/>
+          </a:p>
+          <a:p>
+            <a:endParaRPr lang="en-CA" dirty="0"/>
           </a:p>
         </p:txBody>
       </p:sp>
       <p:pic>
         <p:nvPicPr>
-          <p:cNvPr id="4" name="Picture 3"/>
+          <p:cNvPr id="7" name="Picture 6">
+            <a:extLst>
+              <a:ext uri="{FF2B5EF4-FFF2-40B4-BE49-F238E27FC236}">
+                <a16:creationId xmlns:a16="http://schemas.microsoft.com/office/drawing/2014/main" id="{8D531DE4-F542-40B1-BC6B-BDF4366F0CB8}"/>
+              </a:ext>
+            </a:extLst>
+          </p:cNvPr>
           <p:cNvPicPr>
             <a:picLocks noChangeAspect="1"/>
           </p:cNvPicPr>
@@ -13225,95 +13472,38 @@
         </p:blipFill>
         <p:spPr>
           <a:xfrm>
-            <a:off x="1100398" y="3278529"/>
-            <a:ext cx="4216400" cy="1828800"/>
+            <a:off x="1081721" y="3324924"/>
+            <a:ext cx="4572638" cy="1352739"/>
           </a:xfrm>
           <a:prstGeom prst="rect">
             <a:avLst/>
           </a:prstGeom>
         </p:spPr>
       </p:pic>
-      <p:sp>
-        <p:nvSpPr>
-          <p:cNvPr id="5" name="TextBox 4"/>
-          <p:cNvSpPr txBox="1"/>
-          <p:nvPr/>
-        </p:nvSpPr>
-        <p:spPr>
-          <a:xfrm>
-            <a:off x="6377651" y="1690688"/>
-            <a:ext cx="4849792" cy="1200329"/>
-          </a:xfrm>
-          <a:prstGeom prst="rect">
-            <a:avLst/>
-          </a:prstGeom>
-          <a:noFill/>
-        </p:spPr>
-        <p:txBody>
-          <a:bodyPr wrap="square" rtlCol="0">
-            <a:spAutoFit/>
-          </a:bodyPr>
-          <a:lstStyle/>
-          <a:p>
-            <a:pPr marL="285750" indent="-285750">
-              <a:buFont typeface="Arial" charset="0"/>
-              <a:buChar char="•"/>
-            </a:pPr>
-            <a:r>
-              <a:rPr lang="en-US" dirty="0" smtClean="0"/>
-              <a:t>2 way chi-square</a:t>
-            </a:r>
-          </a:p>
-          <a:p>
-            <a:pPr marL="285750" indent="-285750">
-              <a:buFont typeface="Arial" charset="0"/>
-              <a:buChar char="•"/>
-            </a:pPr>
-            <a:r>
-              <a:rPr lang="en-US" dirty="0" smtClean="0"/>
-              <a:t>Fairness x 5 groups</a:t>
-            </a:r>
-          </a:p>
-          <a:p>
-            <a:pPr marL="285750" indent="-285750">
-              <a:buFont typeface="Arial" charset="0"/>
-              <a:buChar char="•"/>
-            </a:pPr>
-            <a:endParaRPr lang="en-US" dirty="0"/>
-          </a:p>
-          <a:p>
-            <a:pPr marL="285750" indent="-285750">
-              <a:buFont typeface="Arial" charset="0"/>
-              <a:buChar char="•"/>
-            </a:pPr>
-            <a:endParaRPr lang="en-US" dirty="0"/>
-          </a:p>
-        </p:txBody>
-      </p:sp>
       <p:pic>
         <p:nvPicPr>
-          <p:cNvPr id="6" name="Picture 5"/>
+          <p:cNvPr id="8" name="Picture 7">
+            <a:extLst>
+              <a:ext uri="{FF2B5EF4-FFF2-40B4-BE49-F238E27FC236}">
+                <a16:creationId xmlns:a16="http://schemas.microsoft.com/office/drawing/2014/main" id="{B2B6335A-A462-4125-9593-B2BBFB05446D}"/>
+              </a:ext>
+            </a:extLst>
+          </p:cNvPr>
           <p:cNvPicPr>
             <a:picLocks noChangeAspect="1"/>
           </p:cNvPicPr>
           <p:nvPr/>
         </p:nvPicPr>
         <p:blipFill>
-          <a:blip r:embed="rId3">
-            <a:extLst>
-              <a:ext uri="{28A0092B-C50C-407E-A947-70E740481C1C}">
-                <a14:useLocalDpi xmlns:a14="http://schemas.microsoft.com/office/drawing/2010/main" val="0"/>
-              </a:ext>
-            </a:extLst>
-          </a:blip>
+          <a:blip r:embed="rId3"/>
           <a:stretch>
             <a:fillRect/>
           </a:stretch>
         </p:blipFill>
         <p:spPr>
           <a:xfrm>
-            <a:off x="6059347" y="3278529"/>
-            <a:ext cx="5486400" cy="1765300"/>
+            <a:off x="6477952" y="3146107"/>
+            <a:ext cx="4600575" cy="1419225"/>
           </a:xfrm>
           <a:prstGeom prst="rect">
             <a:avLst/>
@@ -13323,7 +13513,7 @@
     </p:spTree>
     <p:extLst>
       <p:ext uri="{BB962C8B-B14F-4D97-AF65-F5344CB8AC3E}">
-        <p14:creationId xmlns:p14="http://schemas.microsoft.com/office/powerpoint/2010/main" val="638577559"/>
+        <p14:creationId xmlns:p14="http://schemas.microsoft.com/office/powerpoint/2010/main" val="2915917160"/>
       </p:ext>
     </p:extLst>
   </p:cSld>
@@ -13355,7 +13545,7 @@
           <p:cNvPr id="2" name="Title 1">
             <a:extLst>
               <a:ext uri="{FF2B5EF4-FFF2-40B4-BE49-F238E27FC236}">
-                <a16:creationId xmlns="" xmlns:a16="http://schemas.microsoft.com/office/drawing/2014/main" id="{C0DC2B9B-FCB5-4621-ABB4-77B660602A25}"/>
+                <a16:creationId xmlns:a16="http://schemas.microsoft.com/office/drawing/2014/main" id="{C0DC2B9B-FCB5-4621-ABB4-77B660602A25}"/>
               </a:ext>
             </a:extLst>
           </p:cNvPr>
@@ -13383,7 +13573,7 @@
           <p:cNvPr id="4" name="Content Placeholder 3" descr="C:\Users\ke\Desktop\Figure_1.png">
             <a:extLst>
               <a:ext uri="{FF2B5EF4-FFF2-40B4-BE49-F238E27FC236}">
-                <a16:creationId xmlns="" xmlns:a16="http://schemas.microsoft.com/office/drawing/2014/main" id="{4D21BC85-7DF2-4CAA-BD03-EE4871E463F2}"/>
+                <a16:creationId xmlns:a16="http://schemas.microsoft.com/office/drawing/2014/main" id="{4D21BC85-7DF2-4CAA-BD03-EE4871E463F2}"/>
               </a:ext>
             </a:extLst>
           </p:cNvPr>
@@ -13426,7 +13616,7 @@
           <p:cNvPr id="6" name="TextBox 5">
             <a:extLst>
               <a:ext uri="{FF2B5EF4-FFF2-40B4-BE49-F238E27FC236}">
-                <a16:creationId xmlns="" xmlns:a16="http://schemas.microsoft.com/office/drawing/2014/main" id="{FF07B87F-C8DD-4F75-AF75-8EE671EF4690}"/>
+                <a16:creationId xmlns:a16="http://schemas.microsoft.com/office/drawing/2014/main" id="{FF07B87F-C8DD-4F75-AF75-8EE671EF4690}"/>
               </a:ext>
             </a:extLst>
           </p:cNvPr>
@@ -13485,7 +13675,7 @@
           <p:cNvPr id="5" name="Table 4">
             <a:extLst>
               <a:ext uri="{FF2B5EF4-FFF2-40B4-BE49-F238E27FC236}">
-                <a16:creationId xmlns="" xmlns:a16="http://schemas.microsoft.com/office/drawing/2014/main" id="{7229B7B9-B18A-4703-9B4E-3C8CBCE0D5D8}"/>
+                <a16:creationId xmlns:a16="http://schemas.microsoft.com/office/drawing/2014/main" id="{7229B7B9-B18A-4703-9B4E-3C8CBCE0D5D8}"/>
               </a:ext>
             </a:extLst>
           </p:cNvPr>
@@ -13514,21 +13704,21 @@
                 <a:gridCol w="983916">
                   <a:extLst>
                     <a:ext uri="{9D8B030D-6E8A-4147-A177-3AD203B41FA5}">
-                      <a16:colId xmlns="" xmlns:a16="http://schemas.microsoft.com/office/drawing/2014/main" val="3735259432"/>
+                      <a16:colId xmlns:a16="http://schemas.microsoft.com/office/drawing/2014/main" val="3735259432"/>
                     </a:ext>
                   </a:extLst>
                 </a:gridCol>
                 <a:gridCol w="983916">
                   <a:extLst>
                     <a:ext uri="{9D8B030D-6E8A-4147-A177-3AD203B41FA5}">
-                      <a16:colId xmlns="" xmlns:a16="http://schemas.microsoft.com/office/drawing/2014/main" val="1134382208"/>
+                      <a16:colId xmlns:a16="http://schemas.microsoft.com/office/drawing/2014/main" val="1134382208"/>
                     </a:ext>
                   </a:extLst>
                 </a:gridCol>
                 <a:gridCol w="983916">
                   <a:extLst>
                     <a:ext uri="{9D8B030D-6E8A-4147-A177-3AD203B41FA5}">
-                      <a16:colId xmlns="" xmlns:a16="http://schemas.microsoft.com/office/drawing/2014/main" val="1257578719"/>
+                      <a16:colId xmlns:a16="http://schemas.microsoft.com/office/drawing/2014/main" val="1257578719"/>
                     </a:ext>
                   </a:extLst>
                 </a:gridCol>
@@ -13605,7 +13795,7 @@
                 </a:tc>
                 <a:extLst>
                   <a:ext uri="{0D108BD9-81ED-4DB2-BD59-A6C34878D82A}">
-                    <a16:rowId xmlns="" xmlns:a16="http://schemas.microsoft.com/office/drawing/2014/main" val="1625375486"/>
+                    <a16:rowId xmlns:a16="http://schemas.microsoft.com/office/drawing/2014/main" val="1625375486"/>
                   </a:ext>
                 </a:extLst>
               </a:tr>
@@ -13681,7 +13871,7 @@
                 </a:tc>
                 <a:extLst>
                   <a:ext uri="{0D108BD9-81ED-4DB2-BD59-A6C34878D82A}">
-                    <a16:rowId xmlns="" xmlns:a16="http://schemas.microsoft.com/office/drawing/2014/main" val="1346036712"/>
+                    <a16:rowId xmlns:a16="http://schemas.microsoft.com/office/drawing/2014/main" val="1346036712"/>
                   </a:ext>
                 </a:extLst>
               </a:tr>
@@ -13757,7 +13947,7 @@
                 </a:tc>
                 <a:extLst>
                   <a:ext uri="{0D108BD9-81ED-4DB2-BD59-A6C34878D82A}">
-                    <a16:rowId xmlns="" xmlns:a16="http://schemas.microsoft.com/office/drawing/2014/main" val="2275640152"/>
+                    <a16:rowId xmlns:a16="http://schemas.microsoft.com/office/drawing/2014/main" val="2275640152"/>
                   </a:ext>
                 </a:extLst>
               </a:tr>
@@ -13800,7 +13990,7 @@
           <p:cNvPr id="2" name="Title 1">
             <a:extLst>
               <a:ext uri="{FF2B5EF4-FFF2-40B4-BE49-F238E27FC236}">
-                <a16:creationId xmlns="" xmlns:a16="http://schemas.microsoft.com/office/drawing/2014/main" id="{9E72733B-3ADC-4709-8C8B-A6CBD9E2C805}"/>
+                <a16:creationId xmlns:a16="http://schemas.microsoft.com/office/drawing/2014/main" id="{9E72733B-3ADC-4709-8C8B-A6CBD9E2C805}"/>
               </a:ext>
             </a:extLst>
           </p:cNvPr>
@@ -13991,7 +14181,7 @@
           <p:cNvPr id="2" name="Title 1">
             <a:extLst>
               <a:ext uri="{FF2B5EF4-FFF2-40B4-BE49-F238E27FC236}">
-                <a16:creationId xmlns="" xmlns:a16="http://schemas.microsoft.com/office/drawing/2014/main" id="{5506469E-1244-4642-907B-B1433F60711B}"/>
+                <a16:creationId xmlns:a16="http://schemas.microsoft.com/office/drawing/2014/main" id="{5506469E-1244-4642-907B-B1433F60711B}"/>
               </a:ext>
             </a:extLst>
           </p:cNvPr>
@@ -14019,7 +14209,7 @@
           <p:cNvPr id="4" name="Content Placeholder 3">
             <a:extLst>
               <a:ext uri="{FF2B5EF4-FFF2-40B4-BE49-F238E27FC236}">
-                <a16:creationId xmlns="" xmlns:a16="http://schemas.microsoft.com/office/drawing/2014/main" id="{14837406-5535-4D53-B38D-5FA66CF97038}"/>
+                <a16:creationId xmlns:a16="http://schemas.microsoft.com/office/drawing/2014/main" id="{14837406-5535-4D53-B38D-5FA66CF97038}"/>
               </a:ext>
             </a:extLst>
           </p:cNvPr>
@@ -14110,7 +14300,7 @@
           <p:cNvPr id="2" name="Title 1">
             <a:extLst>
               <a:ext uri="{FF2B5EF4-FFF2-40B4-BE49-F238E27FC236}">
-                <a16:creationId xmlns="" xmlns:a16="http://schemas.microsoft.com/office/drawing/2014/main" id="{C3F5CDFC-1D41-42B8-9223-6129DEC6C293}"/>
+                <a16:creationId xmlns:a16="http://schemas.microsoft.com/office/drawing/2014/main" id="{C3F5CDFC-1D41-42B8-9223-6129DEC6C293}"/>
               </a:ext>
             </a:extLst>
           </p:cNvPr>
@@ -14138,7 +14328,7 @@
           <p:cNvPr id="4" name="Content Placeholder 3">
             <a:extLst>
               <a:ext uri="{FF2B5EF4-FFF2-40B4-BE49-F238E27FC236}">
-                <a16:creationId xmlns="" xmlns:a16="http://schemas.microsoft.com/office/drawing/2014/main" id="{63ECDBED-7E6C-40D5-AC3A-4B4B35A132F9}"/>
+                <a16:creationId xmlns:a16="http://schemas.microsoft.com/office/drawing/2014/main" id="{63ECDBED-7E6C-40D5-AC3A-4B4B35A132F9}"/>
               </a:ext>
             </a:extLst>
           </p:cNvPr>
@@ -14229,7 +14419,7 @@
           <p:cNvPr id="2" name="Title 1">
             <a:extLst>
               <a:ext uri="{FF2B5EF4-FFF2-40B4-BE49-F238E27FC236}">
-                <a16:creationId xmlns="" xmlns:a16="http://schemas.microsoft.com/office/drawing/2014/main" id="{99B70518-582A-46A1-8C6C-709B5B3C47F4}"/>
+                <a16:creationId xmlns:a16="http://schemas.microsoft.com/office/drawing/2014/main" id="{99B70518-582A-46A1-8C6C-709B5B3C47F4}"/>
               </a:ext>
             </a:extLst>
           </p:cNvPr>
@@ -14246,7 +14436,7 @@
           <a:lstStyle/>
           <a:p>
             <a:r>
-              <a:rPr lang="en-US" altLang="zh-CN" dirty="0" smtClean="0"/>
+              <a:rPr lang="en-US" altLang="zh-CN" dirty="0"/>
               <a:t>Social framing condition (4 groups)</a:t>
             </a:r>
             <a:endParaRPr lang="en-CA" dirty="0"/>
@@ -14355,19 +14545,7 @@
           <a:p>
             <a:r>
               <a:rPr lang="en-US" altLang="zh-CN" dirty="0"/>
-              <a:t>Social framing condition </a:t>
-            </a:r>
-            <a:r>
-              <a:rPr lang="en-US" altLang="zh-CN" dirty="0" smtClean="0"/>
-              <a:t>(5 </a:t>
-            </a:r>
-            <a:r>
-              <a:rPr lang="en-US" altLang="zh-CN" dirty="0"/>
-              <a:t>groups</a:t>
-            </a:r>
-            <a:r>
-              <a:rPr lang="en-US" altLang="zh-CN" dirty="0" smtClean="0"/>
-              <a:t>)</a:t>
+              <a:t>Social framing condition (5 groups)</a:t>
             </a:r>
             <a:endParaRPr lang="en-US" dirty="0"/>
           </a:p>
@@ -14473,11 +14651,7 @@
           <a:p>
             <a:r>
               <a:rPr lang="en-US" altLang="zh-CN" dirty="0"/>
-              <a:t>Social framing </a:t>
-            </a:r>
-            <a:r>
-              <a:rPr lang="en-US" altLang="zh-CN" dirty="0" smtClean="0"/>
-              <a:t>condition</a:t>
+              <a:t>Social framing condition</a:t>
             </a:r>
             <a:endParaRPr lang="en-US" dirty="0"/>
           </a:p>
@@ -14504,7 +14678,7 @@
           <a:lstStyle/>
           <a:p>
             <a:r>
-              <a:rPr lang="en-US" dirty="0" smtClean="0"/>
+              <a:rPr lang="en-US" dirty="0"/>
               <a:t>Fairness x 4 groups</a:t>
             </a:r>
           </a:p>
@@ -14512,25 +14686,25 @@
             <a:endParaRPr lang="en-US" dirty="0"/>
           </a:p>
           <a:p>
-            <a:endParaRPr lang="en-US" dirty="0" smtClean="0"/>
-          </a:p>
-          <a:p>
             <a:endParaRPr lang="en-US" dirty="0"/>
           </a:p>
           <a:p>
-            <a:endParaRPr lang="en-US" dirty="0" smtClean="0"/>
+            <a:endParaRPr lang="en-US" dirty="0"/>
+          </a:p>
+          <a:p>
+            <a:endParaRPr lang="en-US" dirty="0"/>
           </a:p>
           <a:p>
             <a:r>
-              <a:rPr lang="en-US" dirty="0" smtClean="0"/>
+              <a:rPr lang="en-US" dirty="0"/>
               <a:t>Framing x 4 groups</a:t>
             </a:r>
           </a:p>
           <a:p>
-            <a:endParaRPr lang="en-US" dirty="0" smtClean="0"/>
-          </a:p>
-          <a:p>
-            <a:endParaRPr lang="en-US" dirty="0" smtClean="0"/>
+            <a:endParaRPr lang="en-US" dirty="0"/>
+          </a:p>
+          <a:p>
+            <a:endParaRPr lang="en-US" dirty="0"/>
           </a:p>
           <a:p>
             <a:endParaRPr lang="en-US" dirty="0"/>
@@ -14624,7 +14798,7 @@
               <a:buChar char="•"/>
             </a:pPr>
             <a:r>
-              <a:rPr lang="en-US" sz="2800" dirty="0" smtClean="0"/>
+              <a:rPr lang="en-US" sz="2800" dirty="0"/>
               <a:t>Fairness x 5 groups</a:t>
             </a:r>
           </a:p>
@@ -14640,7 +14814,7 @@
               <a:buFont typeface="Arial" charset="0"/>
               <a:buChar char="•"/>
             </a:pPr>
-            <a:endParaRPr lang="en-US" dirty="0" smtClean="0"/>
+            <a:endParaRPr lang="en-US" dirty="0"/>
           </a:p>
           <a:p>
             <a:pPr marL="285750" indent="-285750">
@@ -14654,7 +14828,7 @@
               <a:buFont typeface="Arial" charset="0"/>
               <a:buChar char="•"/>
             </a:pPr>
-            <a:endParaRPr lang="en-US" dirty="0" smtClean="0"/>
+            <a:endParaRPr lang="en-US" dirty="0"/>
           </a:p>
           <a:p>
             <a:pPr marL="285750" indent="-285750">
@@ -14668,7 +14842,7 @@
               <a:buFont typeface="Arial" charset="0"/>
               <a:buChar char="•"/>
             </a:pPr>
-            <a:endParaRPr lang="en-US" dirty="0" smtClean="0"/>
+            <a:endParaRPr lang="en-US" dirty="0"/>
           </a:p>
           <a:p>
             <a:pPr marL="285750" indent="-285750">
@@ -14682,7 +14856,7 @@
               <a:buFont typeface="Arial" charset="0"/>
               <a:buChar char="•"/>
             </a:pPr>
-            <a:endParaRPr lang="en-US" dirty="0" smtClean="0"/>
+            <a:endParaRPr lang="en-US" dirty="0"/>
           </a:p>
           <a:p>
             <a:pPr marL="285750" indent="-285750">
@@ -14690,7 +14864,7 @@
               <a:buChar char="•"/>
             </a:pPr>
             <a:r>
-              <a:rPr lang="en-US" sz="2800" dirty="0" smtClean="0"/>
+              <a:rPr lang="en-US" sz="2800" dirty="0"/>
               <a:t>Framing x 5 groups</a:t>
             </a:r>
           </a:p>

--- a/UG_results.pptx
+++ b/UG_results.pptx
@@ -146,7 +146,7 @@
 </file>
 
 <file path=ppt/charts/chart1.xml><?xml version="1.0" encoding="utf-8"?>
-<c:chartSpace xmlns:c="http://schemas.openxmlformats.org/drawingml/2006/chart" xmlns:a="http://schemas.openxmlformats.org/drawingml/2006/main" xmlns:r="http://schemas.openxmlformats.org/officeDocument/2006/relationships">
+<c:chartSpace xmlns:c="http://schemas.openxmlformats.org/drawingml/2006/chart" xmlns:a="http://schemas.openxmlformats.org/drawingml/2006/main" xmlns:r="http://schemas.openxmlformats.org/officeDocument/2006/relationships" xmlns:c16r2="http://schemas.microsoft.com/office/drawing/2015/06/chart">
   <c:date1904 val="0"/>
   <c:lang val="en-US"/>
   <c:roundedCorners val="0"/>
@@ -180,27 +180,11 @@
             </a:pPr>
             <a:r>
               <a:rPr lang="en-US"/>
-              <a:t>5 group offer</a:t>
-            </a:r>
-            <a:r>
-              <a:rPr lang="en-US" baseline="0"/>
-              <a:t> </a:t>
-            </a:r>
-            <a:r>
-              <a:rPr lang="en-US"/>
-              <a:t>acceptance</a:t>
+              <a:t>Acceptance rate</a:t>
             </a:r>
           </a:p>
         </c:rich>
       </c:tx>
-      <c:layout>
-        <c:manualLayout>
-          <c:xMode val="edge"/>
-          <c:yMode val="edge"/>
-          <c:x val="0.421790387614592"/>
-          <c:y val="0.00583728499142103"/>
-        </c:manualLayout>
-      </c:layout>
       <c:overlay val="0"/>
       <c:spPr>
         <a:noFill/>
@@ -238,263 +222,15 @@
         <c:grouping val="clustered"/>
         <c:varyColors val="0"/>
         <c:ser>
-          <c:idx val="0"/>
+          <c:idx val="1"/>
           <c:order val="0"/>
           <c:tx>
             <c:strRef>
-              <c:f>group5_reappraisal!$B$1</c:f>
+              <c:f>group5_reappraisal_percent!$E$1</c:f>
               <c:strCache>
                 <c:ptCount val="1"/>
                 <c:pt idx="0">
-                  <c:v>cond</c:v>
-                </c:pt>
-              </c:strCache>
-            </c:strRef>
-          </c:tx>
-          <c:spPr>
-            <a:solidFill>
-              <a:schemeClr val="accent1"/>
-            </a:solidFill>
-            <a:ln>
-              <a:noFill/>
-            </a:ln>
-            <a:effectLst/>
-          </c:spPr>
-          <c:invertIfNegative val="0"/>
-          <c:cat>
-            <c:multiLvlStrRef>
-              <c:f>group5_reappraisal!$A$2:$C$31</c:f>
-              <c:multiLvlStrCache>
-                <c:ptCount val="30"/>
-                <c:lvl>
-                  <c:pt idx="0">
-                    <c:v>fair</c:v>
-                  </c:pt>
-                  <c:pt idx="1">
-                    <c:v>unfair</c:v>
-                  </c:pt>
-                  <c:pt idx="2">
-                    <c:v>fair</c:v>
-                  </c:pt>
-                  <c:pt idx="3">
-                    <c:v>unfair</c:v>
-                  </c:pt>
-                  <c:pt idx="4">
-                    <c:v>fair</c:v>
-                  </c:pt>
-                  <c:pt idx="5">
-                    <c:v>unfair</c:v>
-                  </c:pt>
-                  <c:pt idx="6">
-                    <c:v>fair</c:v>
-                  </c:pt>
-                  <c:pt idx="7">
-                    <c:v>unfair</c:v>
-                  </c:pt>
-                  <c:pt idx="8">
-                    <c:v>fair</c:v>
-                  </c:pt>
-                  <c:pt idx="9">
-                    <c:v>unfair</c:v>
-                  </c:pt>
-                  <c:pt idx="10">
-                    <c:v>fair</c:v>
-                  </c:pt>
-                  <c:pt idx="11">
-                    <c:v>unfair</c:v>
-                  </c:pt>
-                  <c:pt idx="12">
-                    <c:v>fair</c:v>
-                  </c:pt>
-                  <c:pt idx="13">
-                    <c:v>unfair</c:v>
-                  </c:pt>
-                  <c:pt idx="14">
-                    <c:v>fair</c:v>
-                  </c:pt>
-                  <c:pt idx="15">
-                    <c:v>unfair</c:v>
-                  </c:pt>
-                  <c:pt idx="16">
-                    <c:v>fair</c:v>
-                  </c:pt>
-                  <c:pt idx="17">
-                    <c:v>unfair</c:v>
-                  </c:pt>
-                  <c:pt idx="18">
-                    <c:v>fair</c:v>
-                  </c:pt>
-                  <c:pt idx="19">
-                    <c:v>unfair</c:v>
-                  </c:pt>
-                  <c:pt idx="20">
-                    <c:v>fair</c:v>
-                  </c:pt>
-                  <c:pt idx="21">
-                    <c:v>unfair</c:v>
-                  </c:pt>
-                  <c:pt idx="22">
-                    <c:v>fair</c:v>
-                  </c:pt>
-                  <c:pt idx="23">
-                    <c:v>unfair</c:v>
-                  </c:pt>
-                  <c:pt idx="24">
-                    <c:v>fair</c:v>
-                  </c:pt>
-                  <c:pt idx="25">
-                    <c:v>unfair</c:v>
-                  </c:pt>
-                  <c:pt idx="26">
-                    <c:v>fair</c:v>
-                  </c:pt>
-                  <c:pt idx="27">
-                    <c:v>unfair</c:v>
-                  </c:pt>
-                  <c:pt idx="28">
-                    <c:v>fair</c:v>
-                  </c:pt>
-                  <c:pt idx="29">
-                    <c:v>unfair</c:v>
-                  </c:pt>
-                </c:lvl>
-                <c:lvl>
-                  <c:pt idx="0">
-                    <c:v>baseline</c:v>
-                  </c:pt>
-                  <c:pt idx="2">
-                    <c:v>empathy</c:v>
-                  </c:pt>
-                  <c:pt idx="4">
-                    <c:v>punish</c:v>
-                  </c:pt>
-                  <c:pt idx="6">
-                    <c:v>baseline</c:v>
-                  </c:pt>
-                  <c:pt idx="8">
-                    <c:v>empathy</c:v>
-                  </c:pt>
-                  <c:pt idx="10">
-                    <c:v>punish</c:v>
-                  </c:pt>
-                  <c:pt idx="12">
-                    <c:v>baseline</c:v>
-                  </c:pt>
-                  <c:pt idx="14">
-                    <c:v>empathy</c:v>
-                  </c:pt>
-                  <c:pt idx="16">
-                    <c:v>punish</c:v>
-                  </c:pt>
-                  <c:pt idx="18">
-                    <c:v>baseline</c:v>
-                  </c:pt>
-                  <c:pt idx="20">
-                    <c:v>empathy</c:v>
-                  </c:pt>
-                  <c:pt idx="22">
-                    <c:v>punish</c:v>
-                  </c:pt>
-                  <c:pt idx="24">
-                    <c:v>baseline</c:v>
-                  </c:pt>
-                  <c:pt idx="26">
-                    <c:v>empathy</c:v>
-                  </c:pt>
-                  <c:pt idx="28">
-                    <c:v>punish</c:v>
-                  </c:pt>
-                </c:lvl>
-                <c:lvl>
-                  <c:pt idx="0">
-                    <c:v>AttempterHL</c:v>
-                  </c:pt>
-                  <c:pt idx="6">
-                    <c:v>AttempterLL</c:v>
-                  </c:pt>
-                  <c:pt idx="12">
-                    <c:v>control</c:v>
-                  </c:pt>
-                  <c:pt idx="18">
-                    <c:v>depression</c:v>
-                  </c:pt>
-                  <c:pt idx="24">
-                    <c:v>ideator</c:v>
-                  </c:pt>
-                </c:lvl>
-              </c:multiLvlStrCache>
-            </c:multiLvlStrRef>
-          </c:cat>
-          <c:val>
-            <c:numRef>
-              <c:f>group5_reappraisal!$B$2:$B$31</c:f>
-              <c:numCache>
-                <c:formatCode>General</c:formatCode>
-                <c:ptCount val="30"/>
-                <c:pt idx="0">
-                  <c:v>0.0</c:v>
-                </c:pt>
-                <c:pt idx="2">
-                  <c:v>0.0</c:v>
-                </c:pt>
-                <c:pt idx="4">
-                  <c:v>0.0</c:v>
-                </c:pt>
-                <c:pt idx="6">
-                  <c:v>0.0</c:v>
-                </c:pt>
-                <c:pt idx="8">
-                  <c:v>0.0</c:v>
-                </c:pt>
-                <c:pt idx="10">
-                  <c:v>0.0</c:v>
-                </c:pt>
-                <c:pt idx="12">
-                  <c:v>0.0</c:v>
-                </c:pt>
-                <c:pt idx="14">
-                  <c:v>0.0</c:v>
-                </c:pt>
-                <c:pt idx="16">
-                  <c:v>0.0</c:v>
-                </c:pt>
-                <c:pt idx="18">
-                  <c:v>0.0</c:v>
-                </c:pt>
-                <c:pt idx="20">
-                  <c:v>0.0</c:v>
-                </c:pt>
-                <c:pt idx="22">
-                  <c:v>0.0</c:v>
-                </c:pt>
-                <c:pt idx="24">
-                  <c:v>0.0</c:v>
-                </c:pt>
-                <c:pt idx="26">
-                  <c:v>0.0</c:v>
-                </c:pt>
-                <c:pt idx="28">
-                  <c:v>0.0</c:v>
-                </c:pt>
-              </c:numCache>
-            </c:numRef>
-          </c:val>
-          <c:extLst xmlns:c16r2="http://schemas.microsoft.com/office/drawing/2015/06/chart">
-            <c:ext xmlns:c16="http://schemas.microsoft.com/office/drawing/2014/chart" uri="{C3380CC4-5D6E-409C-BE32-E72D297353CC}">
-              <c16:uniqueId val="{00000000-56D6-497A-AB87-7E157B71EAE8}"/>
-            </c:ext>
-          </c:extLst>
-        </c:ser>
-        <c:ser>
-          <c:idx val="1"/>
-          <c:order val="1"/>
-          <c:tx>
-            <c:strRef>
-              <c:f>group5_reappraisal!$C$1</c:f>
-              <c:strCache>
-                <c:ptCount val="1"/>
-                <c:pt idx="0">
-                  <c:v>fairness</c:v>
+                  <c:v>accept</c:v>
                 </c:pt>
               </c:strCache>
             </c:strRef>
@@ -511,7 +247,7 @@
           <c:invertIfNegative val="0"/>
           <c:cat>
             <c:multiLvlStrRef>
-              <c:f>group5_reappraisal!$A$2:$C$31</c:f>
+              <c:f>group5_reappraisal_percent!$A$2:$C$31</c:f>
               <c:multiLvlStrCache>
                 <c:ptCount val="30"/>
                 <c:lvl>
@@ -675,692 +411,106 @@
           </c:cat>
           <c:val>
             <c:numRef>
-              <c:f>group5_reappraisal!$C$2:$C$31</c:f>
+              <c:f>group5_reappraisal_percent!$E$2:$E$31</c:f>
               <c:numCache>
                 <c:formatCode>General</c:formatCode>
                 <c:ptCount val="30"/>
                 <c:pt idx="0">
-                  <c:v>0.0</c:v>
+                  <c:v>0.94117647058823528</c:v>
                 </c:pt>
                 <c:pt idx="1">
-                  <c:v>0.0</c:v>
+                  <c:v>0.55742296918767509</c:v>
                 </c:pt>
                 <c:pt idx="2">
-                  <c:v>0.0</c:v>
+                  <c:v>0.95294117647058818</c:v>
                 </c:pt>
                 <c:pt idx="3">
-                  <c:v>0.0</c:v>
+                  <c:v>0.82072829131652658</c:v>
                 </c:pt>
                 <c:pt idx="4">
-                  <c:v>0.0</c:v>
+                  <c:v>0.57647058823529407</c:v>
                 </c:pt>
                 <c:pt idx="5">
-                  <c:v>0.0</c:v>
+                  <c:v>0.32492997198879547</c:v>
                 </c:pt>
                 <c:pt idx="6">
-                  <c:v>0.0</c:v>
+                  <c:v>0.96842105263157896</c:v>
                 </c:pt>
                 <c:pt idx="7">
-                  <c:v>0.0</c:v>
+                  <c:v>0.5914786967418546</c:v>
                 </c:pt>
                 <c:pt idx="8">
-                  <c:v>0.0</c:v>
+                  <c:v>0.90526315789473688</c:v>
                 </c:pt>
                 <c:pt idx="9">
-                  <c:v>0.0</c:v>
+                  <c:v>0.75689223057644106</c:v>
                 </c:pt>
                 <c:pt idx="10">
-                  <c:v>0.0</c:v>
+                  <c:v>0.69473684210526321</c:v>
                 </c:pt>
                 <c:pt idx="11">
-                  <c:v>0.0</c:v>
+                  <c:v>0.34085213032581452</c:v>
                 </c:pt>
                 <c:pt idx="12">
-                  <c:v>0.0</c:v>
+                  <c:v>0.95833333333333337</c:v>
                 </c:pt>
                 <c:pt idx="13">
-                  <c:v>0.0</c:v>
+                  <c:v>0.56746031746031744</c:v>
                 </c:pt>
                 <c:pt idx="14">
-                  <c:v>0.0</c:v>
+                  <c:v>0.94166666666666665</c:v>
                 </c:pt>
                 <c:pt idx="15">
-                  <c:v>0.0</c:v>
+                  <c:v>0.87301587301587302</c:v>
                 </c:pt>
                 <c:pt idx="16">
-                  <c:v>0.0</c:v>
+                  <c:v>0.68333333333333335</c:v>
                 </c:pt>
                 <c:pt idx="17">
-                  <c:v>0.0</c:v>
+                  <c:v>0.40079365079365081</c:v>
                 </c:pt>
                 <c:pt idx="18">
-                  <c:v>0.0</c:v>
+                  <c:v>0.97391304347826091</c:v>
                 </c:pt>
                 <c:pt idx="19">
-                  <c:v>0.0</c:v>
+                  <c:v>0.70186335403726707</c:v>
                 </c:pt>
                 <c:pt idx="20">
-                  <c:v>0.0</c:v>
+                  <c:v>0.93913043478260871</c:v>
                 </c:pt>
                 <c:pt idx="21">
-                  <c:v>0.0</c:v>
+                  <c:v>0.82608695652173914</c:v>
                 </c:pt>
                 <c:pt idx="22">
-                  <c:v>0.0</c:v>
+                  <c:v>0.72173913043478266</c:v>
                 </c:pt>
                 <c:pt idx="23">
-                  <c:v>0.0</c:v>
+                  <c:v>0.52795031055900621</c:v>
                 </c:pt>
                 <c:pt idx="24">
-                  <c:v>0.0</c:v>
+                  <c:v>0.99</c:v>
                 </c:pt>
                 <c:pt idx="25">
-                  <c:v>0.0</c:v>
+                  <c:v>0.6</c:v>
                 </c:pt>
                 <c:pt idx="26">
-                  <c:v>0.0</c:v>
+                  <c:v>0.99</c:v>
                 </c:pt>
                 <c:pt idx="27">
-                  <c:v>0.0</c:v>
+                  <c:v>0.90238095238095239</c:v>
                 </c:pt>
                 <c:pt idx="28">
-                  <c:v>0.0</c:v>
+                  <c:v>0.68</c:v>
                 </c:pt>
                 <c:pt idx="29">
-                  <c:v>0.0</c:v>
+                  <c:v>0.41428571428571431</c:v>
                 </c:pt>
               </c:numCache>
             </c:numRef>
           </c:val>
-          <c:extLst xmlns:c16r2="http://schemas.microsoft.com/office/drawing/2015/06/chart">
+          <c:extLst>
             <c:ext xmlns:c16="http://schemas.microsoft.com/office/drawing/2014/chart" uri="{C3380CC4-5D6E-409C-BE32-E72D297353CC}">
-              <c16:uniqueId val="{00000001-56D6-497A-AB87-7E157B71EAE8}"/>
-            </c:ext>
-          </c:extLst>
-        </c:ser>
-        <c:ser>
-          <c:idx val="2"/>
-          <c:order val="2"/>
-          <c:tx>
-            <c:strRef>
-              <c:f>group5_reappraisal!$D$1</c:f>
-              <c:strCache>
-                <c:ptCount val="1"/>
-                <c:pt idx="0">
-                  <c:v>reject</c:v>
-                </c:pt>
-              </c:strCache>
-            </c:strRef>
-          </c:tx>
-          <c:spPr>
-            <a:solidFill>
-              <a:schemeClr val="accent3"/>
-            </a:solidFill>
-            <a:ln>
-              <a:noFill/>
-            </a:ln>
-            <a:effectLst/>
-          </c:spPr>
-          <c:invertIfNegative val="0"/>
-          <c:cat>
-            <c:multiLvlStrRef>
-              <c:f>group5_reappraisal!$A$2:$C$31</c:f>
-              <c:multiLvlStrCache>
-                <c:ptCount val="30"/>
-                <c:lvl>
-                  <c:pt idx="0">
-                    <c:v>fair</c:v>
-                  </c:pt>
-                  <c:pt idx="1">
-                    <c:v>unfair</c:v>
-                  </c:pt>
-                  <c:pt idx="2">
-                    <c:v>fair</c:v>
-                  </c:pt>
-                  <c:pt idx="3">
-                    <c:v>unfair</c:v>
-                  </c:pt>
-                  <c:pt idx="4">
-                    <c:v>fair</c:v>
-                  </c:pt>
-                  <c:pt idx="5">
-                    <c:v>unfair</c:v>
-                  </c:pt>
-                  <c:pt idx="6">
-                    <c:v>fair</c:v>
-                  </c:pt>
-                  <c:pt idx="7">
-                    <c:v>unfair</c:v>
-                  </c:pt>
-                  <c:pt idx="8">
-                    <c:v>fair</c:v>
-                  </c:pt>
-                  <c:pt idx="9">
-                    <c:v>unfair</c:v>
-                  </c:pt>
-                  <c:pt idx="10">
-                    <c:v>fair</c:v>
-                  </c:pt>
-                  <c:pt idx="11">
-                    <c:v>unfair</c:v>
-                  </c:pt>
-                  <c:pt idx="12">
-                    <c:v>fair</c:v>
-                  </c:pt>
-                  <c:pt idx="13">
-                    <c:v>unfair</c:v>
-                  </c:pt>
-                  <c:pt idx="14">
-                    <c:v>fair</c:v>
-                  </c:pt>
-                  <c:pt idx="15">
-                    <c:v>unfair</c:v>
-                  </c:pt>
-                  <c:pt idx="16">
-                    <c:v>fair</c:v>
-                  </c:pt>
-                  <c:pt idx="17">
-                    <c:v>unfair</c:v>
-                  </c:pt>
-                  <c:pt idx="18">
-                    <c:v>fair</c:v>
-                  </c:pt>
-                  <c:pt idx="19">
-                    <c:v>unfair</c:v>
-                  </c:pt>
-                  <c:pt idx="20">
-                    <c:v>fair</c:v>
-                  </c:pt>
-                  <c:pt idx="21">
-                    <c:v>unfair</c:v>
-                  </c:pt>
-                  <c:pt idx="22">
-                    <c:v>fair</c:v>
-                  </c:pt>
-                  <c:pt idx="23">
-                    <c:v>unfair</c:v>
-                  </c:pt>
-                  <c:pt idx="24">
-                    <c:v>fair</c:v>
-                  </c:pt>
-                  <c:pt idx="25">
-                    <c:v>unfair</c:v>
-                  </c:pt>
-                  <c:pt idx="26">
-                    <c:v>fair</c:v>
-                  </c:pt>
-                  <c:pt idx="27">
-                    <c:v>unfair</c:v>
-                  </c:pt>
-                  <c:pt idx="28">
-                    <c:v>fair</c:v>
-                  </c:pt>
-                  <c:pt idx="29">
-                    <c:v>unfair</c:v>
-                  </c:pt>
-                </c:lvl>
-                <c:lvl>
-                  <c:pt idx="0">
-                    <c:v>baseline</c:v>
-                  </c:pt>
-                  <c:pt idx="2">
-                    <c:v>empathy</c:v>
-                  </c:pt>
-                  <c:pt idx="4">
-                    <c:v>punish</c:v>
-                  </c:pt>
-                  <c:pt idx="6">
-                    <c:v>baseline</c:v>
-                  </c:pt>
-                  <c:pt idx="8">
-                    <c:v>empathy</c:v>
-                  </c:pt>
-                  <c:pt idx="10">
-                    <c:v>punish</c:v>
-                  </c:pt>
-                  <c:pt idx="12">
-                    <c:v>baseline</c:v>
-                  </c:pt>
-                  <c:pt idx="14">
-                    <c:v>empathy</c:v>
-                  </c:pt>
-                  <c:pt idx="16">
-                    <c:v>punish</c:v>
-                  </c:pt>
-                  <c:pt idx="18">
-                    <c:v>baseline</c:v>
-                  </c:pt>
-                  <c:pt idx="20">
-                    <c:v>empathy</c:v>
-                  </c:pt>
-                  <c:pt idx="22">
-                    <c:v>punish</c:v>
-                  </c:pt>
-                  <c:pt idx="24">
-                    <c:v>baseline</c:v>
-                  </c:pt>
-                  <c:pt idx="26">
-                    <c:v>empathy</c:v>
-                  </c:pt>
-                  <c:pt idx="28">
-                    <c:v>punish</c:v>
-                  </c:pt>
-                </c:lvl>
-                <c:lvl>
-                  <c:pt idx="0">
-                    <c:v>AttempterHL</c:v>
-                  </c:pt>
-                  <c:pt idx="6">
-                    <c:v>AttempterLL</c:v>
-                  </c:pt>
-                  <c:pt idx="12">
-                    <c:v>control</c:v>
-                  </c:pt>
-                  <c:pt idx="18">
-                    <c:v>depression</c:v>
-                  </c:pt>
-                  <c:pt idx="24">
-                    <c:v>ideator</c:v>
-                  </c:pt>
-                </c:lvl>
-              </c:multiLvlStrCache>
-            </c:multiLvlStrRef>
-          </c:cat>
-          <c:val>
-            <c:numRef>
-              <c:f>group5_reappraisal!$D$2:$D$31</c:f>
-              <c:numCache>
-                <c:formatCode>General</c:formatCode>
-                <c:ptCount val="30"/>
-                <c:pt idx="0">
-                  <c:v>0.147058823529412</c:v>
-                </c:pt>
-                <c:pt idx="1">
-                  <c:v>0.434873949579832</c:v>
-                </c:pt>
-                <c:pt idx="2">
-                  <c:v>0.0470588235294117</c:v>
-                </c:pt>
-                <c:pt idx="3">
-                  <c:v>0.179271708683473</c:v>
-                </c:pt>
-                <c:pt idx="4">
-                  <c:v>0.423529411764706</c:v>
-                </c:pt>
-                <c:pt idx="5">
-                  <c:v>0.675070028011204</c:v>
-                </c:pt>
-                <c:pt idx="6">
-                  <c:v>0.118987341772152</c:v>
-                </c:pt>
-                <c:pt idx="7">
-                  <c:v>0.429776974080771</c:v>
-                </c:pt>
-                <c:pt idx="8">
-                  <c:v>0.0947368421052631</c:v>
-                </c:pt>
-                <c:pt idx="9">
-                  <c:v>0.243107769423559</c:v>
-                </c:pt>
-                <c:pt idx="10">
-                  <c:v>0.305263157894737</c:v>
-                </c:pt>
-                <c:pt idx="11">
-                  <c:v>0.659147869674185</c:v>
-                </c:pt>
-                <c:pt idx="12">
-                  <c:v>0.114583333333333</c:v>
-                </c:pt>
-                <c:pt idx="13">
-                  <c:v>0.39781746031746</c:v>
-                </c:pt>
-                <c:pt idx="14">
-                  <c:v>0.0583333333333333</c:v>
-                </c:pt>
-                <c:pt idx="15">
-                  <c:v>0.126984126984127</c:v>
-                </c:pt>
-                <c:pt idx="16">
-                  <c:v>0.316666666666667</c:v>
-                </c:pt>
-                <c:pt idx="17">
-                  <c:v>0.599206349206349</c:v>
-                </c:pt>
-                <c:pt idx="18">
-                  <c:v>0.0978260869565217</c:v>
-                </c:pt>
-                <c:pt idx="19">
-                  <c:v>0.31055900621118</c:v>
-                </c:pt>
-                <c:pt idx="20">
-                  <c:v>0.0608695652173913</c:v>
-                </c:pt>
-                <c:pt idx="21">
-                  <c:v>0.173913043478261</c:v>
-                </c:pt>
-                <c:pt idx="22">
-                  <c:v>0.278260869565217</c:v>
-                </c:pt>
-                <c:pt idx="23">
-                  <c:v>0.472049689440994</c:v>
-                </c:pt>
-                <c:pt idx="24">
-                  <c:v>0.0831168831168831</c:v>
-                </c:pt>
-                <c:pt idx="25">
-                  <c:v>0.368583797155226</c:v>
-                </c:pt>
-                <c:pt idx="26">
-                  <c:v>0.01</c:v>
-                </c:pt>
-                <c:pt idx="27">
-                  <c:v>0.0976190476190476</c:v>
-                </c:pt>
-                <c:pt idx="28">
-                  <c:v>0.32</c:v>
-                </c:pt>
-                <c:pt idx="29">
-                  <c:v>0.585714285714286</c:v>
-                </c:pt>
-              </c:numCache>
-            </c:numRef>
-          </c:val>
-          <c:extLst xmlns:c16r2="http://schemas.microsoft.com/office/drawing/2015/06/chart">
-            <c:ext xmlns:c16="http://schemas.microsoft.com/office/drawing/2014/chart" uri="{C3380CC4-5D6E-409C-BE32-E72D297353CC}">
-              <c16:uniqueId val="{00000002-56D6-497A-AB87-7E157B71EAE8}"/>
-            </c:ext>
-          </c:extLst>
-        </c:ser>
-        <c:ser>
-          <c:idx val="3"/>
-          <c:order val="3"/>
-          <c:tx>
-            <c:strRef>
-              <c:f>group5_reappraisal!$E$1</c:f>
-              <c:strCache>
-                <c:ptCount val="1"/>
-                <c:pt idx="0">
-                  <c:v>accept</c:v>
-                </c:pt>
-              </c:strCache>
-            </c:strRef>
-          </c:tx>
-          <c:spPr>
-            <a:solidFill>
-              <a:schemeClr val="accent4"/>
-            </a:solidFill>
-            <a:ln>
-              <a:noFill/>
-            </a:ln>
-            <a:effectLst/>
-          </c:spPr>
-          <c:invertIfNegative val="0"/>
-          <c:cat>
-            <c:multiLvlStrRef>
-              <c:f>group5_reappraisal!$A$2:$C$31</c:f>
-              <c:multiLvlStrCache>
-                <c:ptCount val="30"/>
-                <c:lvl>
-                  <c:pt idx="0">
-                    <c:v>fair</c:v>
-                  </c:pt>
-                  <c:pt idx="1">
-                    <c:v>unfair</c:v>
-                  </c:pt>
-                  <c:pt idx="2">
-                    <c:v>fair</c:v>
-                  </c:pt>
-                  <c:pt idx="3">
-                    <c:v>unfair</c:v>
-                  </c:pt>
-                  <c:pt idx="4">
-                    <c:v>fair</c:v>
-                  </c:pt>
-                  <c:pt idx="5">
-                    <c:v>unfair</c:v>
-                  </c:pt>
-                  <c:pt idx="6">
-                    <c:v>fair</c:v>
-                  </c:pt>
-                  <c:pt idx="7">
-                    <c:v>unfair</c:v>
-                  </c:pt>
-                  <c:pt idx="8">
-                    <c:v>fair</c:v>
-                  </c:pt>
-                  <c:pt idx="9">
-                    <c:v>unfair</c:v>
-                  </c:pt>
-                  <c:pt idx="10">
-                    <c:v>fair</c:v>
-                  </c:pt>
-                  <c:pt idx="11">
-                    <c:v>unfair</c:v>
-                  </c:pt>
-                  <c:pt idx="12">
-                    <c:v>fair</c:v>
-                  </c:pt>
-                  <c:pt idx="13">
-                    <c:v>unfair</c:v>
-                  </c:pt>
-                  <c:pt idx="14">
-                    <c:v>fair</c:v>
-                  </c:pt>
-                  <c:pt idx="15">
-                    <c:v>unfair</c:v>
-                  </c:pt>
-                  <c:pt idx="16">
-                    <c:v>fair</c:v>
-                  </c:pt>
-                  <c:pt idx="17">
-                    <c:v>unfair</c:v>
-                  </c:pt>
-                  <c:pt idx="18">
-                    <c:v>fair</c:v>
-                  </c:pt>
-                  <c:pt idx="19">
-                    <c:v>unfair</c:v>
-                  </c:pt>
-                  <c:pt idx="20">
-                    <c:v>fair</c:v>
-                  </c:pt>
-                  <c:pt idx="21">
-                    <c:v>unfair</c:v>
-                  </c:pt>
-                  <c:pt idx="22">
-                    <c:v>fair</c:v>
-                  </c:pt>
-                  <c:pt idx="23">
-                    <c:v>unfair</c:v>
-                  </c:pt>
-                  <c:pt idx="24">
-                    <c:v>fair</c:v>
-                  </c:pt>
-                  <c:pt idx="25">
-                    <c:v>unfair</c:v>
-                  </c:pt>
-                  <c:pt idx="26">
-                    <c:v>fair</c:v>
-                  </c:pt>
-                  <c:pt idx="27">
-                    <c:v>unfair</c:v>
-                  </c:pt>
-                  <c:pt idx="28">
-                    <c:v>fair</c:v>
-                  </c:pt>
-                  <c:pt idx="29">
-                    <c:v>unfair</c:v>
-                  </c:pt>
-                </c:lvl>
-                <c:lvl>
-                  <c:pt idx="0">
-                    <c:v>baseline</c:v>
-                  </c:pt>
-                  <c:pt idx="2">
-                    <c:v>empathy</c:v>
-                  </c:pt>
-                  <c:pt idx="4">
-                    <c:v>punish</c:v>
-                  </c:pt>
-                  <c:pt idx="6">
-                    <c:v>baseline</c:v>
-                  </c:pt>
-                  <c:pt idx="8">
-                    <c:v>empathy</c:v>
-                  </c:pt>
-                  <c:pt idx="10">
-                    <c:v>punish</c:v>
-                  </c:pt>
-                  <c:pt idx="12">
-                    <c:v>baseline</c:v>
-                  </c:pt>
-                  <c:pt idx="14">
-                    <c:v>empathy</c:v>
-                  </c:pt>
-                  <c:pt idx="16">
-                    <c:v>punish</c:v>
-                  </c:pt>
-                  <c:pt idx="18">
-                    <c:v>baseline</c:v>
-                  </c:pt>
-                  <c:pt idx="20">
-                    <c:v>empathy</c:v>
-                  </c:pt>
-                  <c:pt idx="22">
-                    <c:v>punish</c:v>
-                  </c:pt>
-                  <c:pt idx="24">
-                    <c:v>baseline</c:v>
-                  </c:pt>
-                  <c:pt idx="26">
-                    <c:v>empathy</c:v>
-                  </c:pt>
-                  <c:pt idx="28">
-                    <c:v>punish</c:v>
-                  </c:pt>
-                </c:lvl>
-                <c:lvl>
-                  <c:pt idx="0">
-                    <c:v>AttempterHL</c:v>
-                  </c:pt>
-                  <c:pt idx="6">
-                    <c:v>AttempterLL</c:v>
-                  </c:pt>
-                  <c:pt idx="12">
-                    <c:v>control</c:v>
-                  </c:pt>
-                  <c:pt idx="18">
-                    <c:v>depression</c:v>
-                  </c:pt>
-                  <c:pt idx="24">
-                    <c:v>ideator</c:v>
-                  </c:pt>
-                </c:lvl>
-              </c:multiLvlStrCache>
-            </c:multiLvlStrRef>
-          </c:cat>
-          <c:val>
-            <c:numRef>
-              <c:f>group5_reappraisal!$E$2:$E$31</c:f>
-              <c:numCache>
-                <c:formatCode>General</c:formatCode>
-                <c:ptCount val="30"/>
-                <c:pt idx="0">
-                  <c:v>0.852941176470588</c:v>
-                </c:pt>
-                <c:pt idx="1">
-                  <c:v>0.565126050420168</c:v>
-                </c:pt>
-                <c:pt idx="2">
-                  <c:v>0.952941176470588</c:v>
-                </c:pt>
-                <c:pt idx="3">
-                  <c:v>0.820728291316527</c:v>
-                </c:pt>
-                <c:pt idx="4">
-                  <c:v>0.576470588235294</c:v>
-                </c:pt>
-                <c:pt idx="5">
-                  <c:v>0.324929971988795</c:v>
-                </c:pt>
-                <c:pt idx="6">
-                  <c:v>0.881012658227848</c:v>
-                </c:pt>
-                <c:pt idx="7">
-                  <c:v>0.570223025919228</c:v>
-                </c:pt>
-                <c:pt idx="8">
-                  <c:v>0.905263157894737</c:v>
-                </c:pt>
-                <c:pt idx="9">
-                  <c:v>0.756892230576441</c:v>
-                </c:pt>
-                <c:pt idx="10">
-                  <c:v>0.694736842105263</c:v>
-                </c:pt>
-                <c:pt idx="11">
-                  <c:v>0.340852130325814</c:v>
-                </c:pt>
-                <c:pt idx="12">
-                  <c:v>0.885416666666667</c:v>
-                </c:pt>
-                <c:pt idx="13">
-                  <c:v>0.60218253968254</c:v>
-                </c:pt>
-                <c:pt idx="14">
-                  <c:v>0.941666666666667</c:v>
-                </c:pt>
-                <c:pt idx="15">
-                  <c:v>0.873015873015873</c:v>
-                </c:pt>
-                <c:pt idx="16">
-                  <c:v>0.683333333333333</c:v>
-                </c:pt>
-                <c:pt idx="17">
-                  <c:v>0.400793650793651</c:v>
-                </c:pt>
-                <c:pt idx="18">
-                  <c:v>0.902173913043478</c:v>
-                </c:pt>
-                <c:pt idx="19">
-                  <c:v>0.68944099378882</c:v>
-                </c:pt>
-                <c:pt idx="20">
-                  <c:v>0.939130434782609</c:v>
-                </c:pt>
-                <c:pt idx="21">
-                  <c:v>0.826086956521739</c:v>
-                </c:pt>
-                <c:pt idx="22">
-                  <c:v>0.721739130434783</c:v>
-                </c:pt>
-                <c:pt idx="23">
-                  <c:v>0.527950310559006</c:v>
-                </c:pt>
-                <c:pt idx="24">
-                  <c:v>0.916883116883117</c:v>
-                </c:pt>
-                <c:pt idx="25">
-                  <c:v>0.631416202844774</c:v>
-                </c:pt>
-                <c:pt idx="26">
-                  <c:v>0.99</c:v>
-                </c:pt>
-                <c:pt idx="27">
-                  <c:v>0.902380952380952</c:v>
-                </c:pt>
-                <c:pt idx="28">
-                  <c:v>0.68</c:v>
-                </c:pt>
-                <c:pt idx="29">
-                  <c:v>0.414285714285714</c:v>
-                </c:pt>
-              </c:numCache>
-            </c:numRef>
-          </c:val>
-          <c:extLst xmlns:c16r2="http://schemas.microsoft.com/office/drawing/2015/06/chart">
-            <c:ext xmlns:c16="http://schemas.microsoft.com/office/drawing/2014/chart" uri="{C3380CC4-5D6E-409C-BE32-E72D297353CC}">
-              <c16:uniqueId val="{00000003-56D6-497A-AB87-7E157B71EAE8}"/>
+              <c16:uniqueId val="{00000000-D338-4B1C-B91B-3CF524E74FE4}"/>
             </c:ext>
           </c:extLst>
         </c:ser>
@@ -1374,11 +524,11 @@
         </c:dLbls>
         <c:gapWidth val="219"/>
         <c:overlap val="-27"/>
-        <c:axId val="-1620531984"/>
-        <c:axId val="-1619368080"/>
+        <c:axId val="300527912"/>
+        <c:axId val="300528240"/>
       </c:barChart>
       <c:catAx>
-        <c:axId val="-1620531984"/>
+        <c:axId val="300527912"/>
         <c:scaling>
           <c:orientation val="minMax"/>
         </c:scaling>
@@ -1421,7 +571,7 @@
             <a:endParaRPr lang="en-US"/>
           </a:p>
         </c:txPr>
-        <c:crossAx val="-1619368080"/>
+        <c:crossAx val="300528240"/>
         <c:crosses val="autoZero"/>
         <c:auto val="1"/>
         <c:lblAlgn val="ctr"/>
@@ -1429,9 +579,10 @@
         <c:noMultiLvlLbl val="0"/>
       </c:catAx>
       <c:valAx>
-        <c:axId val="-1619368080"/>
+        <c:axId val="300528240"/>
         <c:scaling>
           <c:orientation val="minMax"/>
+          <c:max val="1"/>
         </c:scaling>
         <c:delete val="0"/>
         <c:axPos val="l"/>
@@ -1480,7 +631,7 @@
             <a:endParaRPr lang="en-US"/>
           </a:p>
         </c:txPr>
-        <c:crossAx val="-1620531984"/>
+        <c:crossAx val="300527912"/>
         <c:crosses val="autoZero"/>
         <c:crossBetween val="between"/>
       </c:valAx>
@@ -1492,48 +643,15 @@
         <a:effectLst/>
       </c:spPr>
     </c:plotArea>
-    <c:legend>
-      <c:legendPos val="b"/>
-      <c:legendEntry>
-        <c:idx val="0"/>
-        <c:delete val="1"/>
-      </c:legendEntry>
-      <c:legendEntry>
-        <c:idx val="1"/>
-        <c:delete val="1"/>
-      </c:legendEntry>
-      <c:layout/>
-      <c:overlay val="0"/>
-      <c:spPr>
-        <a:noFill/>
-        <a:ln>
-          <a:noFill/>
-        </a:ln>
-        <a:effectLst/>
-      </c:spPr>
-      <c:txPr>
-        <a:bodyPr rot="0" spcFirstLastPara="1" vertOverflow="ellipsis" vert="horz" wrap="square" anchor="ctr" anchorCtr="1"/>
-        <a:lstStyle/>
-        <a:p>
-          <a:pPr>
-            <a:defRPr sz="900" b="0" i="0" u="none" strike="noStrike" kern="1200" baseline="0">
-              <a:solidFill>
-                <a:schemeClr val="tx1">
-                  <a:lumMod val="65000"/>
-                  <a:lumOff val="35000"/>
-                </a:schemeClr>
-              </a:solidFill>
-              <a:latin typeface="+mn-lt"/>
-              <a:ea typeface="+mn-ea"/>
-              <a:cs typeface="+mn-cs"/>
-            </a:defRPr>
-          </a:pPr>
-          <a:endParaRPr lang="en-US"/>
-        </a:p>
-      </c:txPr>
-    </c:legend>
     <c:plotVisOnly val="1"/>
     <c:dispBlanksAs val="gap"/>
+    <c:extLst>
+      <c:ext xmlns:c16r3="http://schemas.microsoft.com/office/drawing/2017/03/chart" uri="{56B9EC1D-385E-4148-901F-78D8002777C0}">
+        <c16r3:dataDisplayOptions16>
+          <c16r3:dispNaAsBlank val="1"/>
+        </c16r3:dataDisplayOptions16>
+      </c:ext>
+    </c:extLst>
     <c:showDLblsOverMax val="0"/>
   </c:chart>
   <c:spPr>
@@ -1556,11 +674,12 @@
   <c:externalData r:id="rId3">
     <c:autoUpdate val="0"/>
   </c:externalData>
+  <c:userShapes r:id="rId4"/>
 </c:chartSpace>
 </file>
 
 <file path=ppt/charts/chart10.xml><?xml version="1.0" encoding="utf-8"?>
-<c:chartSpace xmlns:c="http://schemas.openxmlformats.org/drawingml/2006/chart" xmlns:a="http://schemas.openxmlformats.org/drawingml/2006/main" xmlns:r="http://schemas.openxmlformats.org/officeDocument/2006/relationships">
+<c:chartSpace xmlns:c="http://schemas.openxmlformats.org/drawingml/2006/chart" xmlns:a="http://schemas.openxmlformats.org/drawingml/2006/main" xmlns:r="http://schemas.openxmlformats.org/officeDocument/2006/relationships" xmlns:c16r2="http://schemas.microsoft.com/office/drawing/2015/06/chart">
   <c:date1904 val="0"/>
   <c:lang val="en-US"/>
   <c:roundedCorners val="0"/>
@@ -1604,7 +723,6 @@
           </a:p>
         </c:rich>
       </c:tx>
-      <c:layout/>
       <c:overlay val="0"/>
       <c:spPr>
         <a:noFill/>
@@ -1716,13 +834,13 @@
                   <c:v>0.913834951456311</c:v>
                 </c:pt>
                 <c:pt idx="1">
-                  <c:v>0.872168284789644</c:v>
+                  <c:v>0.87216828478964403</c:v>
                 </c:pt>
                 <c:pt idx="2">
-                  <c:v>0.78502080443828</c:v>
+                  <c:v>0.78502080443828004</c:v>
                 </c:pt>
                 <c:pt idx="3">
-                  <c:v>0.607836338418863</c:v>
+                  <c:v>0.60783633841886298</c:v>
                 </c:pt>
                 <c:pt idx="4">
                   <c:v>0.451803051317614</c:v>
@@ -1730,6 +848,11 @@
               </c:numCache>
             </c:numRef>
           </c:val>
+          <c:extLst>
+            <c:ext xmlns:c16="http://schemas.microsoft.com/office/drawing/2014/chart" uri="{C3380CC4-5D6E-409C-BE32-E72D297353CC}">
+              <c16:uniqueId val="{00000000-5E6D-45EA-B0A6-AAD84543ED89}"/>
+            </c:ext>
+          </c:extLst>
         </c:ser>
         <c:dLbls>
           <c:showLegendKey val="0"/>
@@ -1790,7 +913,6 @@
               </a:p>
             </c:rich>
           </c:tx>
-          <c:layout/>
           <c:overlay val="0"/>
           <c:spPr>
             <a:noFill/>
@@ -1885,6 +1007,7 @@
             <a:effectLst/>
           </c:spPr>
         </c:majorGridlines>
+        <c:numFmt formatCode="General" sourceLinked="1"/>
         <c:majorTickMark val="none"/>
         <c:minorTickMark val="none"/>
         <c:tickLblPos val="nextTo"/>
@@ -1955,7 +1078,7 @@
 </file>
 
 <file path=ppt/charts/chart11.xml><?xml version="1.0" encoding="utf-8"?>
-<c:chartSpace xmlns:c="http://schemas.openxmlformats.org/drawingml/2006/chart" xmlns:a="http://schemas.openxmlformats.org/drawingml/2006/main" xmlns:r="http://schemas.openxmlformats.org/officeDocument/2006/relationships">
+<c:chartSpace xmlns:c="http://schemas.openxmlformats.org/drawingml/2006/chart" xmlns:a="http://schemas.openxmlformats.org/drawingml/2006/main" xmlns:r="http://schemas.openxmlformats.org/officeDocument/2006/relationships" xmlns:c16r2="http://schemas.microsoft.com/office/drawing/2015/06/chart">
   <c:date1904 val="0"/>
   <c:lang val="en-US"/>
   <c:roundedCorners val="0"/>
@@ -1999,7 +1122,6 @@
           </a:p>
         </c:rich>
       </c:tx>
-      <c:layout/>
       <c:overlay val="0"/>
       <c:spPr>
         <a:noFill/>
@@ -2108,16 +1230,16 @@
                 <c:formatCode>General</c:formatCode>
                 <c:ptCount val="5"/>
                 <c:pt idx="0">
-                  <c:v>0.911764705882353</c:v>
+                  <c:v>0.91176470588235303</c:v>
                 </c:pt>
                 <c:pt idx="1">
-                  <c:v>0.813725490196078</c:v>
+                  <c:v>0.81372549019607798</c:v>
                 </c:pt>
                 <c:pt idx="2">
-                  <c:v>0.73109243697479</c:v>
+                  <c:v>0.73109243697478998</c:v>
                 </c:pt>
                 <c:pt idx="3">
-                  <c:v>0.586134453781513</c:v>
+                  <c:v>0.58613445378151297</c:v>
                 </c:pt>
                 <c:pt idx="4">
                   <c:v>0.378151260504202</c:v>
@@ -2125,6 +1247,11 @@
               </c:numCache>
             </c:numRef>
           </c:val>
+          <c:extLst>
+            <c:ext xmlns:c16="http://schemas.microsoft.com/office/drawing/2014/chart" uri="{C3380CC4-5D6E-409C-BE32-E72D297353CC}">
+              <c16:uniqueId val="{00000000-58BE-4723-B339-47D1700AA842}"/>
+            </c:ext>
+          </c:extLst>
         </c:ser>
         <c:ser>
           <c:idx val="4"/>
@@ -2201,13 +1328,13 @@
                   <c:v>0.924050632911392</c:v>
                 </c:pt>
                 <c:pt idx="1">
-                  <c:v>0.852320675105485</c:v>
+                  <c:v>0.85232067510548504</c:v>
                 </c:pt>
                 <c:pt idx="2">
-                  <c:v>0.750452079566003</c:v>
+                  <c:v>0.75045207956600302</c:v>
                 </c:pt>
                 <c:pt idx="3">
-                  <c:v>0.54249547920434</c:v>
+                  <c:v>0.54249547920434005</c:v>
                 </c:pt>
                 <c:pt idx="4">
                   <c:v>0.417721518987342</c:v>
@@ -2215,6 +1342,11 @@
               </c:numCache>
             </c:numRef>
           </c:val>
+          <c:extLst>
+            <c:ext xmlns:c16="http://schemas.microsoft.com/office/drawing/2014/chart" uri="{C3380CC4-5D6E-409C-BE32-E72D297353CC}">
+              <c16:uniqueId val="{00000001-58BE-4723-B339-47D1700AA842}"/>
+            </c:ext>
+          </c:extLst>
         </c:ser>
         <c:ser>
           <c:idx val="0"/>
@@ -2288,16 +1420,16 @@
                 <c:formatCode>General</c:formatCode>
                 <c:ptCount val="5"/>
                 <c:pt idx="0">
-                  <c:v>0.885416666666667</c:v>
+                  <c:v>0.88541666666666696</c:v>
                 </c:pt>
                 <c:pt idx="1">
-                  <c:v>0.885416666666667</c:v>
+                  <c:v>0.88541666666666696</c:v>
                 </c:pt>
                 <c:pt idx="2">
-                  <c:v>0.772321428571429</c:v>
+                  <c:v>0.77232142857142905</c:v>
                 </c:pt>
                 <c:pt idx="3">
-                  <c:v>0.59672619047619</c:v>
+                  <c:v>0.59672619047619002</c:v>
                 </c:pt>
                 <c:pt idx="4">
                   <c:v>0.4375</c:v>
@@ -2305,6 +1437,11 @@
               </c:numCache>
             </c:numRef>
           </c:val>
+          <c:extLst>
+            <c:ext xmlns:c16="http://schemas.microsoft.com/office/drawing/2014/chart" uri="{C3380CC4-5D6E-409C-BE32-E72D297353CC}">
+              <c16:uniqueId val="{00000002-58BE-4723-B339-47D1700AA842}"/>
+            </c:ext>
+          </c:extLst>
         </c:ser>
         <c:ser>
           <c:idx val="1"/>
@@ -2381,20 +1518,25 @@
                   <c:v>0.934782608695652</c:v>
                 </c:pt>
                 <c:pt idx="1">
-                  <c:v>0.880434782608696</c:v>
+                  <c:v>0.88043478260869601</c:v>
                 </c:pt>
                 <c:pt idx="2">
-                  <c:v>0.81055900621118</c:v>
+                  <c:v>0.81055900621118004</c:v>
                 </c:pt>
                 <c:pt idx="3">
-                  <c:v>0.700310559006211</c:v>
+                  <c:v>0.70031055900621098</c:v>
                 </c:pt>
                 <c:pt idx="4">
-                  <c:v>0.557453416149068</c:v>
+                  <c:v>0.55745341614906796</c:v>
                 </c:pt>
               </c:numCache>
             </c:numRef>
           </c:val>
+          <c:extLst>
+            <c:ext xmlns:c16="http://schemas.microsoft.com/office/drawing/2014/chart" uri="{C3380CC4-5D6E-409C-BE32-E72D297353CC}">
+              <c16:uniqueId val="{00000003-58BE-4723-B339-47D1700AA842}"/>
+            </c:ext>
+          </c:extLst>
         </c:ser>
         <c:ser>
           <c:idx val="5"/>
@@ -2468,23 +1610,28 @@
                 <c:formatCode>General</c:formatCode>
                 <c:ptCount val="5"/>
                 <c:pt idx="0">
-                  <c:v>0.915584415584416</c:v>
+                  <c:v>0.91558441558441594</c:v>
                 </c:pt>
                 <c:pt idx="1">
-                  <c:v>0.917748917748918</c:v>
+                  <c:v>0.91774891774891798</c:v>
                 </c:pt>
                 <c:pt idx="2">
-                  <c:v>0.853432282003711</c:v>
+                  <c:v>0.85343228200371102</c:v>
                 </c:pt>
                 <c:pt idx="3">
-                  <c:v>0.597402597402597</c:v>
+                  <c:v>0.59740259740259705</c:v>
                 </c:pt>
                 <c:pt idx="4">
-                  <c:v>0.443413729128015</c:v>
+                  <c:v>0.44341372912801502</c:v>
                 </c:pt>
               </c:numCache>
             </c:numRef>
           </c:val>
+          <c:extLst>
+            <c:ext xmlns:c16="http://schemas.microsoft.com/office/drawing/2014/chart" uri="{C3380CC4-5D6E-409C-BE32-E72D297353CC}">
+              <c16:uniqueId val="{00000004-58BE-4723-B339-47D1700AA842}"/>
+            </c:ext>
+          </c:extLst>
         </c:ser>
         <c:dLbls>
           <c:showLegendKey val="0"/>
@@ -2554,7 +1701,7 @@
         <c:axId val="-1492056384"/>
         <c:scaling>
           <c:orientation val="minMax"/>
-          <c:max val="1.0"/>
+          <c:max val="1"/>
         </c:scaling>
         <c:delete val="0"/>
         <c:axPos val="l"/>
@@ -2617,7 +1764,6 @@
     </c:plotArea>
     <c:legend>
       <c:legendPos val="b"/>
-      <c:layout/>
       <c:overlay val="0"/>
       <c:spPr>
         <a:noFill/>
@@ -2675,7 +1821,7 @@
 </file>
 
 <file path=ppt/charts/chart12.xml><?xml version="1.0" encoding="utf-8"?>
-<c:chartSpace xmlns:c="http://schemas.openxmlformats.org/drawingml/2006/chart" xmlns:a="http://schemas.openxmlformats.org/drawingml/2006/main" xmlns:r="http://schemas.openxmlformats.org/officeDocument/2006/relationships">
+<c:chartSpace xmlns:c="http://schemas.openxmlformats.org/drawingml/2006/chart" xmlns:a="http://schemas.openxmlformats.org/drawingml/2006/main" xmlns:r="http://schemas.openxmlformats.org/officeDocument/2006/relationships" xmlns:c16r2="http://schemas.microsoft.com/office/drawing/2015/06/chart">
   <c:date1904 val="0"/>
   <c:lang val="en-US"/>
   <c:roundedCorners val="0"/>
@@ -2747,7 +1893,6 @@
           </a:p>
         </c:rich>
       </c:tx>
-      <c:layout/>
       <c:overlay val="0"/>
       <c:spPr>
         <a:noFill/>
@@ -2833,28 +1978,28 @@
                 <c:formatCode>General</c:formatCode>
                 <c:ptCount val="8"/>
                 <c:pt idx="0">
-                  <c:v>5.0</c:v>
+                  <c:v>5</c:v>
                 </c:pt>
                 <c:pt idx="1">
-                  <c:v>6.0</c:v>
+                  <c:v>6</c:v>
                 </c:pt>
                 <c:pt idx="2">
-                  <c:v>7.0</c:v>
+                  <c:v>7</c:v>
                 </c:pt>
                 <c:pt idx="3">
-                  <c:v>10.0</c:v>
+                  <c:v>10</c:v>
                 </c:pt>
                 <c:pt idx="4">
-                  <c:v>15.0</c:v>
+                  <c:v>15</c:v>
                 </c:pt>
                 <c:pt idx="5">
-                  <c:v>16.0</c:v>
+                  <c:v>16</c:v>
                 </c:pt>
                 <c:pt idx="6">
-                  <c:v>17.0</c:v>
+                  <c:v>17</c:v>
                 </c:pt>
                 <c:pt idx="7">
-                  <c:v>20.0</c:v>
+                  <c:v>20</c:v>
                 </c:pt>
               </c:numCache>
             </c:numRef>
@@ -2866,22 +2011,22 @@
                 <c:formatCode>General</c:formatCode>
                 <c:ptCount val="8"/>
                 <c:pt idx="0">
-                  <c:v>0.844660194174757</c:v>
+                  <c:v>0.84466019417475702</c:v>
                 </c:pt>
                 <c:pt idx="1">
-                  <c:v>0.915857605177994</c:v>
+                  <c:v>0.91585760517799397</c:v>
                 </c:pt>
                 <c:pt idx="2">
-                  <c:v>0.912621359223301</c:v>
+                  <c:v>0.91262135922330101</c:v>
                 </c:pt>
                 <c:pt idx="3">
-                  <c:v>0.797330097087379</c:v>
+                  <c:v>0.79733009708737901</c:v>
                 </c:pt>
                 <c:pt idx="4">
-                  <c:v>0.867313915857605</c:v>
+                  <c:v>0.86731391585760498</c:v>
                 </c:pt>
                 <c:pt idx="5">
-                  <c:v>0.922330097087379</c:v>
+                  <c:v>0.92233009708737901</c:v>
                 </c:pt>
                 <c:pt idx="6">
                   <c:v>0.961165048543689</c:v>
@@ -2892,6 +2037,11 @@
               </c:numCache>
             </c:numRef>
           </c:val>
+          <c:extLst>
+            <c:ext xmlns:c16="http://schemas.microsoft.com/office/drawing/2014/chart" uri="{C3380CC4-5D6E-409C-BE32-E72D297353CC}">
+              <c16:uniqueId val="{00000000-C14D-4BC1-B7E3-7AE48E96F75B}"/>
+            </c:ext>
+          </c:extLst>
         </c:ser>
         <c:dLbls>
           <c:showLegendKey val="0"/>
@@ -2956,7 +2106,6 @@
               </a:p>
             </c:rich>
           </c:tx>
-          <c:layout/>
           <c:overlay val="0"/>
           <c:spPr>
             <a:noFill/>
@@ -3034,7 +2183,7 @@
         <c:axId val="-1488712400"/>
         <c:scaling>
           <c:orientation val="minMax"/>
-          <c:max val="1.0"/>
+          <c:max val="1"/>
         </c:scaling>
         <c:delete val="0"/>
         <c:axPos val="l"/>
@@ -3052,6 +2201,7 @@
             <a:effectLst/>
           </c:spPr>
         </c:majorGridlines>
+        <c:numFmt formatCode="General" sourceLinked="1"/>
         <c:majorTickMark val="none"/>
         <c:minorTickMark val="none"/>
         <c:tickLblPos val="nextTo"/>
@@ -3122,7 +2272,7 @@
 </file>
 
 <file path=ppt/charts/chart13.xml><?xml version="1.0" encoding="utf-8"?>
-<c:chartSpace xmlns:c="http://schemas.openxmlformats.org/drawingml/2006/chart" xmlns:a="http://schemas.openxmlformats.org/drawingml/2006/main" xmlns:r="http://schemas.openxmlformats.org/officeDocument/2006/relationships">
+<c:chartSpace xmlns:c="http://schemas.openxmlformats.org/drawingml/2006/chart" xmlns:a="http://schemas.openxmlformats.org/drawingml/2006/main" xmlns:r="http://schemas.openxmlformats.org/officeDocument/2006/relationships" xmlns:c16r2="http://schemas.microsoft.com/office/drawing/2015/06/chart">
   <c:date1904 val="0"/>
   <c:lang val="en-US"/>
   <c:roundedCorners val="0"/>
@@ -3202,7 +2352,6 @@
           </a:p>
         </c:rich>
       </c:tx>
-      <c:layout/>
       <c:overlay val="0"/>
       <c:spPr>
         <a:noFill/>
@@ -3288,28 +2437,28 @@
                 <c:formatCode>General</c:formatCode>
                 <c:ptCount val="9"/>
                 <c:pt idx="0">
-                  <c:v>0.789181692094313</c:v>
+                  <c:v>0.78918169209431299</c:v>
                 </c:pt>
                 <c:pt idx="1">
-                  <c:v>0.850208044382802</c:v>
+                  <c:v>0.85020804438280195</c:v>
                 </c:pt>
                 <c:pt idx="2">
-                  <c:v>0.866504854368932</c:v>
+                  <c:v>0.86650485436893199</c:v>
                 </c:pt>
                 <c:pt idx="3">
-                  <c:v>0.83495145631068</c:v>
+                  <c:v>0.83495145631068002</c:v>
                 </c:pt>
                 <c:pt idx="4">
-                  <c:v>0.902912621359223</c:v>
+                  <c:v>0.90291262135922301</c:v>
                 </c:pt>
                 <c:pt idx="5">
-                  <c:v>0.928802588996764</c:v>
+                  <c:v>0.92880258899676404</c:v>
                 </c:pt>
                 <c:pt idx="6">
                   <c:v>0.961165048543689</c:v>
                 </c:pt>
                 <c:pt idx="7">
-                  <c:v>0.941747572815534</c:v>
+                  <c:v>0.94174757281553401</c:v>
                 </c:pt>
                 <c:pt idx="8">
                   <c:v>0.961165048543689</c:v>
@@ -3317,6 +2466,11 @@
               </c:numCache>
             </c:numRef>
           </c:val>
+          <c:extLst>
+            <c:ext xmlns:c16="http://schemas.microsoft.com/office/drawing/2014/chart" uri="{C3380CC4-5D6E-409C-BE32-E72D297353CC}">
+              <c16:uniqueId val="{00000000-4541-4947-8B92-D13473DD3772}"/>
+            </c:ext>
+          </c:extLst>
         </c:ser>
         <c:dLbls>
           <c:showLegendKey val="0"/>
@@ -3381,7 +2535,6 @@
               </a:p>
             </c:rich>
           </c:tx>
-          <c:layout/>
           <c:overlay val="0"/>
           <c:spPr>
             <a:noFill/>
@@ -3458,7 +2611,7 @@
         <c:axId val="-1531294160"/>
         <c:scaling>
           <c:orientation val="minMax"/>
-          <c:max val="1.0"/>
+          <c:max val="1"/>
         </c:scaling>
         <c:delete val="0"/>
         <c:axPos val="l"/>
@@ -3476,6 +2629,7 @@
             <a:effectLst/>
           </c:spPr>
         </c:majorGridlines>
+        <c:numFmt formatCode="General" sourceLinked="1"/>
         <c:majorTickMark val="none"/>
         <c:minorTickMark val="none"/>
         <c:tickLblPos val="nextTo"/>
@@ -3546,7 +2700,7 @@
 </file>
 
 <file path=ppt/charts/chart14.xml><?xml version="1.0" encoding="utf-8"?>
-<c:chartSpace xmlns:c="http://schemas.openxmlformats.org/drawingml/2006/chart" xmlns:a="http://schemas.openxmlformats.org/drawingml/2006/main" xmlns:r="http://schemas.openxmlformats.org/officeDocument/2006/relationships">
+<c:chartSpace xmlns:c="http://schemas.openxmlformats.org/drawingml/2006/chart" xmlns:a="http://schemas.openxmlformats.org/drawingml/2006/main" xmlns:r="http://schemas.openxmlformats.org/officeDocument/2006/relationships" xmlns:c16r2="http://schemas.microsoft.com/office/drawing/2015/06/chart">
   <c:date1904 val="0"/>
   <c:lang val="en-US"/>
   <c:roundedCorners val="0"/>
@@ -3632,7 +2786,6 @@
           </a:p>
         </c:rich>
       </c:tx>
-      <c:layout/>
       <c:overlay val="0"/>
       <c:spPr>
         <a:noFill/>
@@ -3718,31 +2871,31 @@
                 <c:formatCode>General</c:formatCode>
                 <c:ptCount val="9"/>
                 <c:pt idx="0">
-                  <c:v>1.0</c:v>
+                  <c:v>1</c:v>
                 </c:pt>
                 <c:pt idx="1">
-                  <c:v>2.0</c:v>
+                  <c:v>2</c:v>
                 </c:pt>
                 <c:pt idx="2">
-                  <c:v>3.0</c:v>
+                  <c:v>3</c:v>
                 </c:pt>
                 <c:pt idx="3">
-                  <c:v>4.0</c:v>
+                  <c:v>4</c:v>
                 </c:pt>
                 <c:pt idx="4">
-                  <c:v>5.0</c:v>
+                  <c:v>5</c:v>
                 </c:pt>
                 <c:pt idx="5">
-                  <c:v>6.0</c:v>
+                  <c:v>6</c:v>
                 </c:pt>
                 <c:pt idx="6">
-                  <c:v>7.0</c:v>
+                  <c:v>7</c:v>
                 </c:pt>
                 <c:pt idx="7">
-                  <c:v>8.0</c:v>
+                  <c:v>8</c:v>
                 </c:pt>
                 <c:pt idx="8">
-                  <c:v>10.0</c:v>
+                  <c:v>10</c:v>
                 </c:pt>
               </c:numCache>
             </c:numRef>
@@ -3754,35 +2907,40 @@
                 <c:formatCode>General</c:formatCode>
                 <c:ptCount val="9"/>
                 <c:pt idx="0">
-                  <c:v>0.789915966386555</c:v>
+                  <c:v>0.78991596638655504</c:v>
                 </c:pt>
                 <c:pt idx="1">
-                  <c:v>0.756302521008403</c:v>
+                  <c:v>0.75630252100840301</c:v>
                 </c:pt>
                 <c:pt idx="2">
-                  <c:v>0.897058823529412</c:v>
+                  <c:v>0.89705882352941202</c:v>
                 </c:pt>
                 <c:pt idx="3">
-                  <c:v>0.882352941176471</c:v>
+                  <c:v>0.88235294117647101</c:v>
                 </c:pt>
                 <c:pt idx="4">
-                  <c:v>0.823529411764706</c:v>
+                  <c:v>0.82352941176470595</c:v>
                 </c:pt>
                 <c:pt idx="5">
                   <c:v>0.96078431372549</c:v>
                 </c:pt>
                 <c:pt idx="6">
-                  <c:v>1.0</c:v>
+                  <c:v>1</c:v>
                 </c:pt>
                 <c:pt idx="7">
-                  <c:v>1.0</c:v>
+                  <c:v>1</c:v>
                 </c:pt>
                 <c:pt idx="8">
-                  <c:v>1.0</c:v>
+                  <c:v>1</c:v>
                 </c:pt>
               </c:numCache>
             </c:numRef>
           </c:val>
+          <c:extLst>
+            <c:ext xmlns:c16="http://schemas.microsoft.com/office/drawing/2014/chart" uri="{C3380CC4-5D6E-409C-BE32-E72D297353CC}">
+              <c16:uniqueId val="{00000000-B5B4-46E2-8594-37572A7F140C}"/>
+            </c:ext>
+          </c:extLst>
         </c:ser>
         <c:ser>
           <c:idx val="1"/>
@@ -3833,31 +2991,31 @@
                 <c:formatCode>General</c:formatCode>
                 <c:ptCount val="9"/>
                 <c:pt idx="0">
-                  <c:v>1.0</c:v>
+                  <c:v>1</c:v>
                 </c:pt>
                 <c:pt idx="1">
-                  <c:v>2.0</c:v>
+                  <c:v>2</c:v>
                 </c:pt>
                 <c:pt idx="2">
-                  <c:v>3.0</c:v>
+                  <c:v>3</c:v>
                 </c:pt>
                 <c:pt idx="3">
-                  <c:v>4.0</c:v>
+                  <c:v>4</c:v>
                 </c:pt>
                 <c:pt idx="4">
-                  <c:v>5.0</c:v>
+                  <c:v>5</c:v>
                 </c:pt>
                 <c:pt idx="5">
-                  <c:v>6.0</c:v>
+                  <c:v>6</c:v>
                 </c:pt>
                 <c:pt idx="6">
-                  <c:v>7.0</c:v>
+                  <c:v>7</c:v>
                 </c:pt>
                 <c:pt idx="7">
-                  <c:v>8.0</c:v>
+                  <c:v>8</c:v>
                 </c:pt>
                 <c:pt idx="8">
-                  <c:v>10.0</c:v>
+                  <c:v>10</c:v>
                 </c:pt>
               </c:numCache>
             </c:numRef>
@@ -3869,35 +3027,40 @@
                 <c:formatCode>General</c:formatCode>
                 <c:ptCount val="9"/>
                 <c:pt idx="0">
-                  <c:v>0.684210526315789</c:v>
+                  <c:v>0.68421052631578905</c:v>
                 </c:pt>
                 <c:pt idx="1">
-                  <c:v>0.789473684210526</c:v>
+                  <c:v>0.78947368421052599</c:v>
                 </c:pt>
                 <c:pt idx="2">
-                  <c:v>0.789473684210526</c:v>
+                  <c:v>0.78947368421052599</c:v>
                 </c:pt>
                 <c:pt idx="3">
-                  <c:v>0.789473684210526</c:v>
+                  <c:v>0.78947368421052599</c:v>
                 </c:pt>
                 <c:pt idx="4">
-                  <c:v>0.842105263157895</c:v>
+                  <c:v>0.84210526315789502</c:v>
                 </c:pt>
                 <c:pt idx="5">
-                  <c:v>0.842105263157895</c:v>
+                  <c:v>0.84210526315789502</c:v>
                 </c:pt>
                 <c:pt idx="6">
-                  <c:v>0.894736842105263</c:v>
+                  <c:v>0.89473684210526305</c:v>
                 </c:pt>
                 <c:pt idx="7">
-                  <c:v>0.947368421052631</c:v>
+                  <c:v>0.94736842105263097</c:v>
                 </c:pt>
                 <c:pt idx="8">
-                  <c:v>0.947368421052631</c:v>
+                  <c:v>0.94736842105263097</c:v>
                 </c:pt>
               </c:numCache>
             </c:numRef>
           </c:val>
+          <c:extLst>
+            <c:ext xmlns:c16="http://schemas.microsoft.com/office/drawing/2014/chart" uri="{C3380CC4-5D6E-409C-BE32-E72D297353CC}">
+              <c16:uniqueId val="{00000001-B5B4-46E2-8594-37572A7F140C}"/>
+            </c:ext>
+          </c:extLst>
         </c:ser>
         <c:ser>
           <c:idx val="2"/>
@@ -3948,31 +3111,31 @@
                 <c:formatCode>General</c:formatCode>
                 <c:ptCount val="9"/>
                 <c:pt idx="0">
-                  <c:v>1.0</c:v>
+                  <c:v>1</c:v>
                 </c:pt>
                 <c:pt idx="1">
-                  <c:v>2.0</c:v>
+                  <c:v>2</c:v>
                 </c:pt>
                 <c:pt idx="2">
-                  <c:v>3.0</c:v>
+                  <c:v>3</c:v>
                 </c:pt>
                 <c:pt idx="3">
-                  <c:v>4.0</c:v>
+                  <c:v>4</c:v>
                 </c:pt>
                 <c:pt idx="4">
-                  <c:v>5.0</c:v>
+                  <c:v>5</c:v>
                 </c:pt>
                 <c:pt idx="5">
-                  <c:v>6.0</c:v>
+                  <c:v>6</c:v>
                 </c:pt>
                 <c:pt idx="6">
-                  <c:v>7.0</c:v>
+                  <c:v>7</c:v>
                 </c:pt>
                 <c:pt idx="7">
-                  <c:v>8.0</c:v>
+                  <c:v>8</c:v>
                 </c:pt>
                 <c:pt idx="8">
-                  <c:v>10.0</c:v>
+                  <c:v>10</c:v>
                 </c:pt>
               </c:numCache>
             </c:numRef>
@@ -3984,35 +3147,40 @@
                 <c:formatCode>General</c:formatCode>
                 <c:ptCount val="9"/>
                 <c:pt idx="0">
-                  <c:v>0.821428571428571</c:v>
+                  <c:v>0.82142857142857095</c:v>
                 </c:pt>
                 <c:pt idx="1">
-                  <c:v>0.916666666666667</c:v>
+                  <c:v>0.91666666666666696</c:v>
                 </c:pt>
                 <c:pt idx="2">
                   <c:v>0.875</c:v>
                 </c:pt>
                 <c:pt idx="3">
-                  <c:v>0.916666666666667</c:v>
+                  <c:v>0.91666666666666696</c:v>
                 </c:pt>
                 <c:pt idx="4">
-                  <c:v>0.958333333333333</c:v>
+                  <c:v>0.95833333333333304</c:v>
                 </c:pt>
                 <c:pt idx="5">
-                  <c:v>0.902777777777778</c:v>
+                  <c:v>0.90277777777777801</c:v>
                 </c:pt>
                 <c:pt idx="6">
-                  <c:v>0.958333333333333</c:v>
+                  <c:v>0.95833333333333304</c:v>
                 </c:pt>
                 <c:pt idx="7">
-                  <c:v>0.833333333333333</c:v>
+                  <c:v>0.83333333333333304</c:v>
                 </c:pt>
                 <c:pt idx="8">
-                  <c:v>1.0</c:v>
+                  <c:v>1</c:v>
                 </c:pt>
               </c:numCache>
             </c:numRef>
           </c:val>
+          <c:extLst>
+            <c:ext xmlns:c16="http://schemas.microsoft.com/office/drawing/2014/chart" uri="{C3380CC4-5D6E-409C-BE32-E72D297353CC}">
+              <c16:uniqueId val="{00000002-B5B4-46E2-8594-37572A7F140C}"/>
+            </c:ext>
+          </c:extLst>
         </c:ser>
         <c:ser>
           <c:idx val="3"/>
@@ -4063,31 +3231,31 @@
                 <c:formatCode>General</c:formatCode>
                 <c:ptCount val="9"/>
                 <c:pt idx="0">
-                  <c:v>1.0</c:v>
+                  <c:v>1</c:v>
                 </c:pt>
                 <c:pt idx="1">
-                  <c:v>2.0</c:v>
+                  <c:v>2</c:v>
                 </c:pt>
                 <c:pt idx="2">
-                  <c:v>3.0</c:v>
+                  <c:v>3</c:v>
                 </c:pt>
                 <c:pt idx="3">
-                  <c:v>4.0</c:v>
+                  <c:v>4</c:v>
                 </c:pt>
                 <c:pt idx="4">
-                  <c:v>5.0</c:v>
+                  <c:v>5</c:v>
                 </c:pt>
                 <c:pt idx="5">
-                  <c:v>6.0</c:v>
+                  <c:v>6</c:v>
                 </c:pt>
                 <c:pt idx="6">
-                  <c:v>7.0</c:v>
+                  <c:v>7</c:v>
                 </c:pt>
                 <c:pt idx="7">
-                  <c:v>8.0</c:v>
+                  <c:v>8</c:v>
                 </c:pt>
                 <c:pt idx="8">
-                  <c:v>10.0</c:v>
+                  <c:v>10</c:v>
                 </c:pt>
               </c:numCache>
             </c:numRef>
@@ -4099,35 +3267,40 @@
                 <c:formatCode>General</c:formatCode>
                 <c:ptCount val="9"/>
                 <c:pt idx="0">
-                  <c:v>0.782608695652174</c:v>
+                  <c:v>0.78260869565217395</c:v>
                 </c:pt>
                 <c:pt idx="1">
-                  <c:v>0.850931677018634</c:v>
+                  <c:v>0.85093167701863404</c:v>
                 </c:pt>
                 <c:pt idx="2">
-                  <c:v>0.83695652173913</c:v>
+                  <c:v>0.83695652173913004</c:v>
                 </c:pt>
                 <c:pt idx="3">
-                  <c:v>0.739130434782609</c:v>
+                  <c:v>0.73913043478260898</c:v>
                 </c:pt>
                 <c:pt idx="4">
-                  <c:v>0.869565217391304</c:v>
+                  <c:v>0.86956521739130399</c:v>
                 </c:pt>
                 <c:pt idx="5">
-                  <c:v>0.942028985507246</c:v>
+                  <c:v>0.94202898550724601</c:v>
                 </c:pt>
                 <c:pt idx="6">
-                  <c:v>0.956521739130435</c:v>
+                  <c:v>0.95652173913043503</c:v>
                 </c:pt>
                 <c:pt idx="7">
-                  <c:v>0.956521739130435</c:v>
+                  <c:v>0.95652173913043503</c:v>
                 </c:pt>
                 <c:pt idx="8">
-                  <c:v>0.913043478260869</c:v>
+                  <c:v>0.91304347826086896</c:v>
                 </c:pt>
               </c:numCache>
             </c:numRef>
           </c:val>
+          <c:extLst>
+            <c:ext xmlns:c16="http://schemas.microsoft.com/office/drawing/2014/chart" uri="{C3380CC4-5D6E-409C-BE32-E72D297353CC}">
+              <c16:uniqueId val="{00000003-B5B4-46E2-8594-37572A7F140C}"/>
+            </c:ext>
+          </c:extLst>
         </c:ser>
         <c:ser>
           <c:idx val="4"/>
@@ -4178,31 +3351,31 @@
                 <c:formatCode>General</c:formatCode>
                 <c:ptCount val="9"/>
                 <c:pt idx="0">
-                  <c:v>1.0</c:v>
+                  <c:v>1</c:v>
                 </c:pt>
                 <c:pt idx="1">
-                  <c:v>2.0</c:v>
+                  <c:v>2</c:v>
                 </c:pt>
                 <c:pt idx="2">
-                  <c:v>3.0</c:v>
+                  <c:v>3</c:v>
                 </c:pt>
                 <c:pt idx="3">
-                  <c:v>4.0</c:v>
+                  <c:v>4</c:v>
                 </c:pt>
                 <c:pt idx="4">
-                  <c:v>5.0</c:v>
+                  <c:v>5</c:v>
                 </c:pt>
                 <c:pt idx="5">
-                  <c:v>6.0</c:v>
+                  <c:v>6</c:v>
                 </c:pt>
                 <c:pt idx="6">
-                  <c:v>7.0</c:v>
+                  <c:v>7</c:v>
                 </c:pt>
                 <c:pt idx="7">
-                  <c:v>8.0</c:v>
+                  <c:v>8</c:v>
                 </c:pt>
                 <c:pt idx="8">
-                  <c:v>10.0</c:v>
+                  <c:v>10</c:v>
                 </c:pt>
               </c:numCache>
             </c:numRef>
@@ -4214,10 +3387,10 @@
                 <c:formatCode>General</c:formatCode>
                 <c:ptCount val="9"/>
                 <c:pt idx="0">
-                  <c:v>0.857142857142857</c:v>
+                  <c:v>0.85714285714285698</c:v>
                 </c:pt>
                 <c:pt idx="1">
-                  <c:v>0.907142857142857</c:v>
+                  <c:v>0.90714285714285703</c:v>
                 </c:pt>
                 <c:pt idx="2">
                   <c:v>0.9375</c:v>
@@ -4226,16 +3399,16 @@
                   <c:v>0.85</c:v>
                 </c:pt>
                 <c:pt idx="4">
-                  <c:v>1.0</c:v>
+                  <c:v>1</c:v>
                 </c:pt>
                 <c:pt idx="5">
-                  <c:v>1.0</c:v>
+                  <c:v>1</c:v>
                 </c:pt>
                 <c:pt idx="6">
-                  <c:v>1.0</c:v>
+                  <c:v>1</c:v>
                 </c:pt>
                 <c:pt idx="7">
-                  <c:v>1.0</c:v>
+                  <c:v>1</c:v>
                 </c:pt>
                 <c:pt idx="8">
                   <c:v>0.95</c:v>
@@ -4243,6 +3416,11 @@
               </c:numCache>
             </c:numRef>
           </c:val>
+          <c:extLst>
+            <c:ext xmlns:c16="http://schemas.microsoft.com/office/drawing/2014/chart" uri="{C3380CC4-5D6E-409C-BE32-E72D297353CC}">
+              <c16:uniqueId val="{00000004-B5B4-46E2-8594-37572A7F140C}"/>
+            </c:ext>
+          </c:extLst>
         </c:ser>
         <c:dLbls>
           <c:showLegendKey val="0"/>
@@ -4307,7 +3485,6 @@
               </a:p>
             </c:rich>
           </c:tx>
-          <c:layout/>
           <c:overlay val="0"/>
           <c:spPr>
             <a:noFill/>
@@ -4385,7 +3562,7 @@
         <c:axId val="-1526783712"/>
         <c:scaling>
           <c:orientation val="minMax"/>
-          <c:max val="1.0"/>
+          <c:max val="1"/>
         </c:scaling>
         <c:delete val="0"/>
         <c:axPos val="l"/>
@@ -4403,6 +3580,7 @@
             <a:effectLst/>
           </c:spPr>
         </c:majorGridlines>
+        <c:numFmt formatCode="General" sourceLinked="1"/>
         <c:majorTickMark val="none"/>
         <c:minorTickMark val="none"/>
         <c:tickLblPos val="nextTo"/>
@@ -4447,7 +3625,6 @@
     </c:plotArea>
     <c:legend>
       <c:legendPos val="b"/>
-      <c:layout/>
       <c:overlay val="0"/>
       <c:spPr>
         <a:noFill/>
@@ -4505,7 +3682,7 @@
 </file>
 
 <file path=ppt/charts/chart15.xml><?xml version="1.0" encoding="utf-8"?>
-<c:chartSpace xmlns:c="http://schemas.openxmlformats.org/drawingml/2006/chart" xmlns:a="http://schemas.openxmlformats.org/drawingml/2006/main" xmlns:r="http://schemas.openxmlformats.org/officeDocument/2006/relationships">
+<c:chartSpace xmlns:c="http://schemas.openxmlformats.org/drawingml/2006/chart" xmlns:a="http://schemas.openxmlformats.org/drawingml/2006/main" xmlns:r="http://schemas.openxmlformats.org/officeDocument/2006/relationships" xmlns:c16r2="http://schemas.microsoft.com/office/drawing/2015/06/chart">
   <c:date1904 val="0"/>
   <c:lang val="en-US"/>
   <c:roundedCorners val="0"/>
@@ -4573,7 +3750,6 @@
           </a:p>
         </c:rich>
       </c:tx>
-      <c:layout/>
       <c:overlay val="0"/>
       <c:spPr>
         <a:noFill/>
@@ -4682,23 +3858,28 @@
                 <c:formatCode>General</c:formatCode>
                 <c:ptCount val="5"/>
                 <c:pt idx="0">
-                  <c:v>0.951456310679612</c:v>
+                  <c:v>0.95145631067961201</c:v>
                 </c:pt>
                 <c:pt idx="1">
-                  <c:v>0.941747572815534</c:v>
+                  <c:v>0.94174757281553401</c:v>
                 </c:pt>
                 <c:pt idx="2">
-                  <c:v>0.912621359223301</c:v>
+                  <c:v>0.91262135922330101</c:v>
                 </c:pt>
                 <c:pt idx="3">
-                  <c:v>0.830790568654646</c:v>
+                  <c:v>0.83079056865464596</c:v>
                 </c:pt>
                 <c:pt idx="4">
-                  <c:v>0.771151178918169</c:v>
+                  <c:v>0.77115117891816898</c:v>
                 </c:pt>
               </c:numCache>
             </c:numRef>
           </c:val>
+          <c:extLst>
+            <c:ext xmlns:c16="http://schemas.microsoft.com/office/drawing/2014/chart" uri="{C3380CC4-5D6E-409C-BE32-E72D297353CC}">
+              <c16:uniqueId val="{00000000-0DB1-47DF-9752-9C2D28813F45}"/>
+            </c:ext>
+          </c:extLst>
         </c:ser>
         <c:dLbls>
           <c:showLegendKey val="0"/>
@@ -4755,7 +3936,6 @@
               </a:p>
             </c:rich>
           </c:tx>
-          <c:layout/>
           <c:overlay val="0"/>
           <c:spPr>
             <a:noFill/>
@@ -4833,7 +4013,7 @@
         <c:axId val="-1488132528"/>
         <c:scaling>
           <c:orientation val="minMax"/>
-          <c:max val="1.0"/>
+          <c:max val="1"/>
         </c:scaling>
         <c:delete val="0"/>
         <c:axPos val="l"/>
@@ -4851,6 +4031,7 @@
             <a:effectLst/>
           </c:spPr>
         </c:majorGridlines>
+        <c:numFmt formatCode="General" sourceLinked="1"/>
         <c:majorTickMark val="none"/>
         <c:minorTickMark val="none"/>
         <c:tickLblPos val="nextTo"/>
@@ -4921,7 +4102,7 @@
 </file>
 
 <file path=ppt/charts/chart16.xml><?xml version="1.0" encoding="utf-8"?>
-<c:chartSpace xmlns:c="http://schemas.openxmlformats.org/drawingml/2006/chart" xmlns:a="http://schemas.openxmlformats.org/drawingml/2006/main" xmlns:r="http://schemas.openxmlformats.org/officeDocument/2006/relationships">
+<c:chartSpace xmlns:c="http://schemas.openxmlformats.org/drawingml/2006/chart" xmlns:a="http://schemas.openxmlformats.org/drawingml/2006/main" xmlns:r="http://schemas.openxmlformats.org/officeDocument/2006/relationships" xmlns:c16r2="http://schemas.microsoft.com/office/drawing/2015/06/chart">
   <c:date1904 val="0"/>
   <c:lang val="en-US"/>
   <c:roundedCorners val="0"/>
@@ -4985,7 +4166,6 @@
           </a:p>
         </c:rich>
       </c:tx>
-      <c:layout/>
       <c:overlay val="0"/>
       <c:spPr>
         <a:noFill/>
@@ -5094,23 +4274,28 @@
                 <c:formatCode>General</c:formatCode>
                 <c:ptCount val="5"/>
                 <c:pt idx="0">
-                  <c:v>1.0</c:v>
+                  <c:v>1</c:v>
                 </c:pt>
                 <c:pt idx="1">
                   <c:v>0.92156862745098</c:v>
                 </c:pt>
                 <c:pt idx="2">
-                  <c:v>0.890756302521008</c:v>
+                  <c:v>0.89075630252100801</c:v>
                 </c:pt>
                 <c:pt idx="3">
-                  <c:v>0.831932773109244</c:v>
+                  <c:v>0.83193277310924396</c:v>
                 </c:pt>
                 <c:pt idx="4">
-                  <c:v>0.739495798319328</c:v>
+                  <c:v>0.73949579831932799</c:v>
                 </c:pt>
               </c:numCache>
             </c:numRef>
           </c:val>
+          <c:extLst>
+            <c:ext xmlns:c16="http://schemas.microsoft.com/office/drawing/2014/chart" uri="{C3380CC4-5D6E-409C-BE32-E72D297353CC}">
+              <c16:uniqueId val="{00000000-1305-4421-B2F4-B5505F8E9841}"/>
+            </c:ext>
+          </c:extLst>
         </c:ser>
         <c:ser>
           <c:idx val="1"/>
@@ -5184,23 +4369,28 @@
                 <c:formatCode>General</c:formatCode>
                 <c:ptCount val="5"/>
                 <c:pt idx="0">
-                  <c:v>0.947368421052631</c:v>
+                  <c:v>0.94736842105263097</c:v>
                 </c:pt>
                 <c:pt idx="1">
-                  <c:v>0.87719298245614</c:v>
+                  <c:v>0.87719298245613997</c:v>
                 </c:pt>
                 <c:pt idx="2">
-                  <c:v>0.81203007518797</c:v>
+                  <c:v>0.81203007518796999</c:v>
                 </c:pt>
                 <c:pt idx="3">
                   <c:v>0.766917293233083</c:v>
                 </c:pt>
                 <c:pt idx="4">
-                  <c:v>0.691729323308271</c:v>
+                  <c:v>0.69172932330827097</c:v>
                 </c:pt>
               </c:numCache>
             </c:numRef>
           </c:val>
+          <c:extLst>
+            <c:ext xmlns:c16="http://schemas.microsoft.com/office/drawing/2014/chart" uri="{C3380CC4-5D6E-409C-BE32-E72D297353CC}">
+              <c16:uniqueId val="{00000001-1305-4421-B2F4-B5505F8E9841}"/>
+            </c:ext>
+          </c:extLst>
         </c:ser>
         <c:ser>
           <c:idx val="2"/>
@@ -5274,23 +4464,28 @@
                 <c:formatCode>General</c:formatCode>
                 <c:ptCount val="5"/>
                 <c:pt idx="0">
-                  <c:v>0.916666666666667</c:v>
+                  <c:v>0.91666666666666696</c:v>
                 </c:pt>
                 <c:pt idx="1">
-                  <c:v>0.958333333333333</c:v>
+                  <c:v>0.95833333333333304</c:v>
                 </c:pt>
                 <c:pt idx="2">
-                  <c:v>0.94047619047619</c:v>
+                  <c:v>0.94047619047619002</c:v>
                 </c:pt>
                 <c:pt idx="3">
-                  <c:v>0.869047619047619</c:v>
+                  <c:v>0.86904761904761896</c:v>
                 </c:pt>
                 <c:pt idx="4">
-                  <c:v>0.809523809523809</c:v>
+                  <c:v>0.80952380952380898</c:v>
                 </c:pt>
               </c:numCache>
             </c:numRef>
           </c:val>
+          <c:extLst>
+            <c:ext xmlns:c16="http://schemas.microsoft.com/office/drawing/2014/chart" uri="{C3380CC4-5D6E-409C-BE32-E72D297353CC}">
+              <c16:uniqueId val="{00000002-1305-4421-B2F4-B5505F8E9841}"/>
+            </c:ext>
+          </c:extLst>
         </c:ser>
         <c:ser>
           <c:idx val="3"/>
@@ -5367,20 +4562,25 @@
                   <c:v>0.934782608695652</c:v>
                 </c:pt>
                 <c:pt idx="1">
-                  <c:v>0.942028985507246</c:v>
+                  <c:v>0.94202898550724601</c:v>
                 </c:pt>
                 <c:pt idx="2">
-                  <c:v>0.913043478260869</c:v>
+                  <c:v>0.91304347826086896</c:v>
                 </c:pt>
                 <c:pt idx="3">
-                  <c:v>0.801242236024845</c:v>
+                  <c:v>0.80124223602484501</c:v>
                 </c:pt>
                 <c:pt idx="4">
-                  <c:v>0.763975155279503</c:v>
+                  <c:v>0.76397515527950299</c:v>
                 </c:pt>
               </c:numCache>
             </c:numRef>
           </c:val>
+          <c:extLst>
+            <c:ext xmlns:c16="http://schemas.microsoft.com/office/drawing/2014/chart" uri="{C3380CC4-5D6E-409C-BE32-E72D297353CC}">
+              <c16:uniqueId val="{00000003-1305-4421-B2F4-B5505F8E9841}"/>
+            </c:ext>
+          </c:extLst>
         </c:ser>
         <c:ser>
           <c:idx val="4"/>
@@ -5454,23 +4654,28 @@
                 <c:formatCode>General</c:formatCode>
                 <c:ptCount val="5"/>
                 <c:pt idx="0">
-                  <c:v>0.975</c:v>
+                  <c:v>0.97499999999999998</c:v>
                 </c:pt>
                 <c:pt idx="1">
-                  <c:v>1.0</c:v>
+                  <c:v>1</c:v>
                 </c:pt>
                 <c:pt idx="2">
-                  <c:v>0.992857142857143</c:v>
+                  <c:v>0.99285714285714299</c:v>
                 </c:pt>
                 <c:pt idx="3">
                   <c:v>0.878571428571429</c:v>
                 </c:pt>
                 <c:pt idx="4">
-                  <c:v>0.835714285714286</c:v>
+                  <c:v>0.83571428571428596</c:v>
                 </c:pt>
               </c:numCache>
             </c:numRef>
           </c:val>
+          <c:extLst>
+            <c:ext xmlns:c16="http://schemas.microsoft.com/office/drawing/2014/chart" uri="{C3380CC4-5D6E-409C-BE32-E72D297353CC}">
+              <c16:uniqueId val="{00000004-1305-4421-B2F4-B5505F8E9841}"/>
+            </c:ext>
+          </c:extLst>
         </c:ser>
         <c:dLbls>
           <c:showLegendKey val="0"/>
@@ -5540,7 +4745,7 @@
         <c:axId val="-1493152080"/>
         <c:scaling>
           <c:orientation val="minMax"/>
-          <c:max val="1.0"/>
+          <c:max val="1"/>
         </c:scaling>
         <c:delete val="0"/>
         <c:axPos val="l"/>
@@ -5558,6 +4763,7 @@
             <a:effectLst/>
           </c:spPr>
         </c:majorGridlines>
+        <c:numFmt formatCode="General" sourceLinked="1"/>
         <c:majorTickMark val="none"/>
         <c:minorTickMark val="none"/>
         <c:tickLblPos val="nextTo"/>
@@ -5602,7 +4808,6 @@
     </c:plotArea>
     <c:legend>
       <c:legendPos val="b"/>
-      <c:layout/>
       <c:overlay val="0"/>
       <c:spPr>
         <a:noFill/>
@@ -5660,7 +4865,7 @@
 </file>
 
 <file path=ppt/charts/chart17.xml><?xml version="1.0" encoding="utf-8"?>
-<c:chartSpace xmlns:c="http://schemas.openxmlformats.org/drawingml/2006/chart" xmlns:a="http://schemas.openxmlformats.org/drawingml/2006/main" xmlns:r="http://schemas.openxmlformats.org/officeDocument/2006/relationships">
+<c:chartSpace xmlns:c="http://schemas.openxmlformats.org/drawingml/2006/chart" xmlns:a="http://schemas.openxmlformats.org/drawingml/2006/main" xmlns:r="http://schemas.openxmlformats.org/officeDocument/2006/relationships" xmlns:c16r2="http://schemas.microsoft.com/office/drawing/2015/06/chart">
   <c:date1904 val="0"/>
   <c:lang val="en-US"/>
   <c:roundedCorners val="0"/>
@@ -5732,7 +4937,6 @@
           </a:p>
         </c:rich>
       </c:tx>
-      <c:layout/>
       <c:overlay val="0"/>
       <c:spPr>
         <a:noFill/>
@@ -5818,13 +5022,13 @@
                 <c:formatCode>General</c:formatCode>
                 <c:ptCount val="9"/>
                 <c:pt idx="0">
-                  <c:v>0.310679611650485</c:v>
+                  <c:v>0.31067961165048502</c:v>
                 </c:pt>
                 <c:pt idx="1">
-                  <c:v>0.621359223300971</c:v>
+                  <c:v>0.62135922330097104</c:v>
                 </c:pt>
                 <c:pt idx="2">
-                  <c:v>0.70873786407767</c:v>
+                  <c:v>0.70873786407767003</c:v>
                 </c:pt>
                 <c:pt idx="3">
                   <c:v>0.408845738942826</c:v>
@@ -5833,20 +5037,25 @@
                   <c:v>0.485436893203883</c:v>
                 </c:pt>
                 <c:pt idx="5">
-                  <c:v>0.462783171521036</c:v>
+                  <c:v>0.46278317152103599</c:v>
                 </c:pt>
                 <c:pt idx="6">
-                  <c:v>0.601941747572815</c:v>
+                  <c:v>0.60194174757281504</c:v>
                 </c:pt>
                 <c:pt idx="7">
-                  <c:v>0.660194174757281</c:v>
+                  <c:v>0.66019417475728104</c:v>
                 </c:pt>
                 <c:pt idx="8">
-                  <c:v>0.420711974110032</c:v>
+                  <c:v>0.42071197411003203</c:v>
                 </c:pt>
               </c:numCache>
             </c:numRef>
           </c:val>
+          <c:extLst>
+            <c:ext xmlns:c16="http://schemas.microsoft.com/office/drawing/2014/chart" uri="{C3380CC4-5D6E-409C-BE32-E72D297353CC}">
+              <c16:uniqueId val="{00000000-D08C-426D-A468-29E333BE5918}"/>
+            </c:ext>
+          </c:extLst>
         </c:ser>
         <c:dLbls>
           <c:showLegendKey val="0"/>
@@ -5915,7 +5124,6 @@
               </a:p>
             </c:rich>
           </c:tx>
-          <c:layout/>
           <c:overlay val="0"/>
           <c:spPr>
             <a:noFill/>
@@ -5992,7 +5200,7 @@
         <c:axId val="-1488072048"/>
         <c:scaling>
           <c:orientation val="minMax"/>
-          <c:max val="1.0"/>
+          <c:max val="1"/>
         </c:scaling>
         <c:delete val="0"/>
         <c:axPos val="l"/>
@@ -6010,6 +5218,7 @@
             <a:effectLst/>
           </c:spPr>
         </c:majorGridlines>
+        <c:numFmt formatCode="General" sourceLinked="1"/>
         <c:majorTickMark val="none"/>
         <c:minorTickMark val="none"/>
         <c:tickLblPos val="nextTo"/>
@@ -6080,7 +5289,7 @@
 </file>
 
 <file path=ppt/charts/chart18.xml><?xml version="1.0" encoding="utf-8"?>
-<c:chartSpace xmlns:c="http://schemas.openxmlformats.org/drawingml/2006/chart" xmlns:a="http://schemas.openxmlformats.org/drawingml/2006/main" xmlns:r="http://schemas.openxmlformats.org/officeDocument/2006/relationships">
+<c:chartSpace xmlns:c="http://schemas.openxmlformats.org/drawingml/2006/chart" xmlns:a="http://schemas.openxmlformats.org/drawingml/2006/main" xmlns:r="http://schemas.openxmlformats.org/officeDocument/2006/relationships" xmlns:c16r2="http://schemas.microsoft.com/office/drawing/2015/06/chart">
   <c:date1904 val="0"/>
   <c:lang val="en-US"/>
   <c:roundedCorners val="0"/>
@@ -6160,7 +5369,6 @@
           </a:p>
         </c:rich>
       </c:tx>
-      <c:layout/>
       <c:overlay val="0"/>
       <c:spPr>
         <a:noFill/>
@@ -6246,32 +5454,37 @@
                 <c:formatCode>General</c:formatCode>
                 <c:ptCount val="8"/>
                 <c:pt idx="0">
-                  <c:v>0.312621359223301</c:v>
+                  <c:v>0.31262135922330098</c:v>
                 </c:pt>
                 <c:pt idx="1">
-                  <c:v>0.34789644012945</c:v>
+                  <c:v>0.34789644012944998</c:v>
                 </c:pt>
                 <c:pt idx="2">
-                  <c:v>0.510679611650485</c:v>
+                  <c:v>0.51067961165048503</c:v>
                 </c:pt>
                 <c:pt idx="3">
                   <c:v>0.495145631067961</c:v>
                 </c:pt>
                 <c:pt idx="4">
-                  <c:v>0.694174757281553</c:v>
+                  <c:v>0.69417475728155298</c:v>
                 </c:pt>
                 <c:pt idx="5">
-                  <c:v>0.533980582524272</c:v>
+                  <c:v>0.53398058252427205</c:v>
                 </c:pt>
                 <c:pt idx="6">
-                  <c:v>0.689320388349514</c:v>
+                  <c:v>0.68932038834951403</c:v>
                 </c:pt>
                 <c:pt idx="7">
-                  <c:v>0.660194174757281</c:v>
+                  <c:v>0.66019417475728104</c:v>
                 </c:pt>
               </c:numCache>
             </c:numRef>
           </c:val>
+          <c:extLst>
+            <c:ext xmlns:c16="http://schemas.microsoft.com/office/drawing/2014/chart" uri="{C3380CC4-5D6E-409C-BE32-E72D297353CC}">
+              <c16:uniqueId val="{00000000-FEDF-4C00-95D9-EB9EB82EB94E}"/>
+            </c:ext>
+          </c:extLst>
         </c:ser>
         <c:dLbls>
           <c:showLegendKey val="0"/>
@@ -6336,7 +5549,6 @@
               </a:p>
             </c:rich>
           </c:tx>
-          <c:layout/>
           <c:overlay val="0"/>
           <c:spPr>
             <a:noFill/>
@@ -6430,6 +5642,7 @@
             <a:effectLst/>
           </c:spPr>
         </c:majorGridlines>
+        <c:numFmt formatCode="General" sourceLinked="1"/>
         <c:majorTickMark val="none"/>
         <c:minorTickMark val="none"/>
         <c:tickLblPos val="nextTo"/>
@@ -6500,7 +5713,7 @@
 </file>
 
 <file path=ppt/charts/chart19.xml><?xml version="1.0" encoding="utf-8"?>
-<c:chartSpace xmlns:c="http://schemas.openxmlformats.org/drawingml/2006/chart" xmlns:a="http://schemas.openxmlformats.org/drawingml/2006/main" xmlns:r="http://schemas.openxmlformats.org/officeDocument/2006/relationships">
+<c:chartSpace xmlns:c="http://schemas.openxmlformats.org/drawingml/2006/chart" xmlns:a="http://schemas.openxmlformats.org/drawingml/2006/main" xmlns:r="http://schemas.openxmlformats.org/officeDocument/2006/relationships" xmlns:c16r2="http://schemas.microsoft.com/office/drawing/2015/06/chart">
   <c:date1904 val="0"/>
   <c:lang val="en-US"/>
   <c:roundedCorners val="0"/>
@@ -6580,7 +5793,6 @@
           </a:p>
         </c:rich>
       </c:tx>
-      <c:layout/>
       <c:overlay val="0"/>
       <c:spPr>
         <a:noFill/>
@@ -6645,7 +5857,7 @@
             <c:errBarType val="both"/>
             <c:errValType val="percentage"/>
             <c:noEndCap val="0"/>
-            <c:val val="5.0"/>
+            <c:val val="5"/>
             <c:spPr>
               <a:noFill/>
               <a:ln w="9525" cap="flat" cmpd="sng" algn="ctr">
@@ -6667,28 +5879,28 @@
                 <c:formatCode>General</c:formatCode>
                 <c:ptCount val="8"/>
                 <c:pt idx="0">
-                  <c:v>1.0</c:v>
+                  <c:v>1</c:v>
                 </c:pt>
                 <c:pt idx="1">
-                  <c:v>2.0</c:v>
+                  <c:v>2</c:v>
                 </c:pt>
                 <c:pt idx="2">
-                  <c:v>3.0</c:v>
+                  <c:v>3</c:v>
                 </c:pt>
                 <c:pt idx="3">
-                  <c:v>4.0</c:v>
+                  <c:v>4</c:v>
                 </c:pt>
                 <c:pt idx="4">
-                  <c:v>5.0</c:v>
+                  <c:v>5</c:v>
                 </c:pt>
                 <c:pt idx="5">
-                  <c:v>6.0</c:v>
+                  <c:v>6</c:v>
                 </c:pt>
                 <c:pt idx="6">
-                  <c:v>8.0</c:v>
+                  <c:v>8</c:v>
                 </c:pt>
                 <c:pt idx="7">
-                  <c:v>9.0</c:v>
+                  <c:v>9</c:v>
                 </c:pt>
               </c:numCache>
             </c:numRef>
@@ -6700,32 +5912,37 @@
                 <c:formatCode>General</c:formatCode>
                 <c:ptCount val="8"/>
                 <c:pt idx="0">
-                  <c:v>0.176470588235294</c:v>
+                  <c:v>0.17647058823529399</c:v>
                 </c:pt>
                 <c:pt idx="1">
-                  <c:v>0.264705882352941</c:v>
+                  <c:v>0.26470588235294101</c:v>
                 </c:pt>
                 <c:pt idx="2">
                   <c:v>0.4</c:v>
                 </c:pt>
                 <c:pt idx="3">
-                  <c:v>0.482352941176471</c:v>
+                  <c:v>0.48235294117647098</c:v>
                 </c:pt>
                 <c:pt idx="4">
-                  <c:v>0.617647058823529</c:v>
+                  <c:v>0.61764705882352899</c:v>
                 </c:pt>
                 <c:pt idx="5">
-                  <c:v>0.470588235294118</c:v>
+                  <c:v>0.47058823529411797</c:v>
                 </c:pt>
                 <c:pt idx="6">
-                  <c:v>0.588235294117647</c:v>
+                  <c:v>0.58823529411764697</c:v>
                 </c:pt>
                 <c:pt idx="7">
-                  <c:v>0.529411764705882</c:v>
+                  <c:v>0.52941176470588203</c:v>
                 </c:pt>
               </c:numCache>
             </c:numRef>
           </c:val>
+          <c:extLst>
+            <c:ext xmlns:c16="http://schemas.microsoft.com/office/drawing/2014/chart" uri="{C3380CC4-5D6E-409C-BE32-E72D297353CC}">
+              <c16:uniqueId val="{00000000-84C0-48AB-B263-F46B6761FBB3}"/>
+            </c:ext>
+          </c:extLst>
         </c:ser>
         <c:ser>
           <c:idx val="1"/>
@@ -6755,7 +5972,7 @@
             <c:errBarType val="both"/>
             <c:errValType val="percentage"/>
             <c:noEndCap val="0"/>
-            <c:val val="5.0"/>
+            <c:val val="5"/>
             <c:spPr>
               <a:noFill/>
               <a:ln w="9525" cap="flat" cmpd="sng" algn="ctr">
@@ -6777,28 +5994,28 @@
                 <c:formatCode>General</c:formatCode>
                 <c:ptCount val="8"/>
                 <c:pt idx="0">
-                  <c:v>1.0</c:v>
+                  <c:v>1</c:v>
                 </c:pt>
                 <c:pt idx="1">
-                  <c:v>2.0</c:v>
+                  <c:v>2</c:v>
                 </c:pt>
                 <c:pt idx="2">
-                  <c:v>3.0</c:v>
+                  <c:v>3</c:v>
                 </c:pt>
                 <c:pt idx="3">
-                  <c:v>4.0</c:v>
+                  <c:v>4</c:v>
                 </c:pt>
                 <c:pt idx="4">
-                  <c:v>5.0</c:v>
+                  <c:v>5</c:v>
                 </c:pt>
                 <c:pt idx="5">
-                  <c:v>6.0</c:v>
+                  <c:v>6</c:v>
                 </c:pt>
                 <c:pt idx="6">
-                  <c:v>8.0</c:v>
+                  <c:v>8</c:v>
                 </c:pt>
                 <c:pt idx="7">
-                  <c:v>9.0</c:v>
+                  <c:v>9</c:v>
                 </c:pt>
               </c:numCache>
             </c:numRef>
@@ -6813,29 +6030,34 @@
                   <c:v>0.231578947368421</c:v>
                 </c:pt>
                 <c:pt idx="1">
-                  <c:v>0.289473684210526</c:v>
+                  <c:v>0.28947368421052599</c:v>
                 </c:pt>
                 <c:pt idx="2">
                   <c:v>0.452631578947368</c:v>
                 </c:pt>
                 <c:pt idx="3">
-                  <c:v>0.431578947368421</c:v>
+                  <c:v>0.43157894736842101</c:v>
                 </c:pt>
                 <c:pt idx="4">
-                  <c:v>0.736842105263158</c:v>
+                  <c:v>0.73684210526315796</c:v>
                 </c:pt>
                 <c:pt idx="5">
-                  <c:v>0.473684210526316</c:v>
+                  <c:v>0.47368421052631599</c:v>
                 </c:pt>
                 <c:pt idx="6">
-                  <c:v>0.684210526315789</c:v>
+                  <c:v>0.68421052631578905</c:v>
                 </c:pt>
                 <c:pt idx="7">
-                  <c:v>0.684210526315789</c:v>
+                  <c:v>0.68421052631578905</c:v>
                 </c:pt>
               </c:numCache>
             </c:numRef>
           </c:val>
+          <c:extLst>
+            <c:ext xmlns:c16="http://schemas.microsoft.com/office/drawing/2014/chart" uri="{C3380CC4-5D6E-409C-BE32-E72D297353CC}">
+              <c16:uniqueId val="{00000001-84C0-48AB-B263-F46B6761FBB3}"/>
+            </c:ext>
+          </c:extLst>
         </c:ser>
         <c:ser>
           <c:idx val="2"/>
@@ -6865,7 +6087,7 @@
             <c:errBarType val="both"/>
             <c:errValType val="percentage"/>
             <c:noEndCap val="0"/>
-            <c:val val="5.0"/>
+            <c:val val="5"/>
             <c:spPr>
               <a:noFill/>
               <a:ln w="9525" cap="flat" cmpd="sng" algn="ctr">
@@ -6887,28 +6109,28 @@
                 <c:formatCode>General</c:formatCode>
                 <c:ptCount val="8"/>
                 <c:pt idx="0">
-                  <c:v>1.0</c:v>
+                  <c:v>1</c:v>
                 </c:pt>
                 <c:pt idx="1">
-                  <c:v>2.0</c:v>
+                  <c:v>2</c:v>
                 </c:pt>
                 <c:pt idx="2">
-                  <c:v>3.0</c:v>
+                  <c:v>3</c:v>
                 </c:pt>
                 <c:pt idx="3">
-                  <c:v>4.0</c:v>
+                  <c:v>4</c:v>
                 </c:pt>
                 <c:pt idx="4">
-                  <c:v>5.0</c:v>
+                  <c:v>5</c:v>
                 </c:pt>
                 <c:pt idx="5">
-                  <c:v>6.0</c:v>
+                  <c:v>6</c:v>
                 </c:pt>
                 <c:pt idx="6">
-                  <c:v>8.0</c:v>
+                  <c:v>8</c:v>
                 </c:pt>
                 <c:pt idx="7">
-                  <c:v>9.0</c:v>
+                  <c:v>9</c:v>
                 </c:pt>
               </c:numCache>
             </c:numRef>
@@ -6920,25 +6142,25 @@
                 <c:formatCode>General</c:formatCode>
                 <c:ptCount val="8"/>
                 <c:pt idx="0">
-                  <c:v>0.291666666666667</c:v>
+                  <c:v>0.29166666666666702</c:v>
                 </c:pt>
                 <c:pt idx="1">
-                  <c:v>0.326388888888889</c:v>
+                  <c:v>0.32638888888888901</c:v>
                 </c:pt>
                 <c:pt idx="2">
-                  <c:v>0.575</c:v>
+                  <c:v>0.57499999999999996</c:v>
                 </c:pt>
                 <c:pt idx="3">
-                  <c:v>0.458333333333333</c:v>
+                  <c:v>0.45833333333333298</c:v>
                 </c:pt>
                 <c:pt idx="4">
-                  <c:v>0.666666666666667</c:v>
+                  <c:v>0.66666666666666696</c:v>
                 </c:pt>
                 <c:pt idx="5">
                   <c:v>0.625</c:v>
                 </c:pt>
                 <c:pt idx="6">
-                  <c:v>0.666666666666667</c:v>
+                  <c:v>0.66666666666666696</c:v>
                 </c:pt>
                 <c:pt idx="7">
                   <c:v>0.625</c:v>
@@ -6946,6 +6168,11 @@
               </c:numCache>
             </c:numRef>
           </c:val>
+          <c:extLst>
+            <c:ext xmlns:c16="http://schemas.microsoft.com/office/drawing/2014/chart" uri="{C3380CC4-5D6E-409C-BE32-E72D297353CC}">
+              <c16:uniqueId val="{00000002-84C0-48AB-B263-F46B6761FBB3}"/>
+            </c:ext>
+          </c:extLst>
         </c:ser>
         <c:ser>
           <c:idx val="3"/>
@@ -6975,7 +6202,7 @@
             <c:errBarType val="both"/>
             <c:errValType val="percentage"/>
             <c:noEndCap val="0"/>
-            <c:val val="5.0"/>
+            <c:val val="5"/>
             <c:spPr>
               <a:noFill/>
               <a:ln w="9525" cap="flat" cmpd="sng" algn="ctr">
@@ -6997,28 +6224,28 @@
                 <c:formatCode>General</c:formatCode>
                 <c:ptCount val="8"/>
                 <c:pt idx="0">
-                  <c:v>1.0</c:v>
+                  <c:v>1</c:v>
                 </c:pt>
                 <c:pt idx="1">
-                  <c:v>2.0</c:v>
+                  <c:v>2</c:v>
                 </c:pt>
                 <c:pt idx="2">
-                  <c:v>3.0</c:v>
+                  <c:v>3</c:v>
                 </c:pt>
                 <c:pt idx="3">
-                  <c:v>4.0</c:v>
+                  <c:v>4</c:v>
                 </c:pt>
                 <c:pt idx="4">
-                  <c:v>5.0</c:v>
+                  <c:v>5</c:v>
                 </c:pt>
                 <c:pt idx="5">
-                  <c:v>6.0</c:v>
+                  <c:v>6</c:v>
                 </c:pt>
                 <c:pt idx="6">
-                  <c:v>8.0</c:v>
+                  <c:v>8</c:v>
                 </c:pt>
                 <c:pt idx="7">
-                  <c:v>9.0</c:v>
+                  <c:v>9</c:v>
                 </c:pt>
               </c:numCache>
             </c:numRef>
@@ -7030,7 +6257,7 @@
                 <c:formatCode>General</c:formatCode>
                 <c:ptCount val="8"/>
                 <c:pt idx="0">
-                  <c:v>0.460869565217391</c:v>
+                  <c:v>0.46086956521739098</c:v>
                 </c:pt>
                 <c:pt idx="1">
                   <c:v>0.471014492753623</c:v>
@@ -7039,23 +6266,28 @@
                   <c:v>0.6</c:v>
                 </c:pt>
                 <c:pt idx="3">
-                  <c:v>0.582608695652174</c:v>
+                  <c:v>0.58260869565217399</c:v>
                 </c:pt>
                 <c:pt idx="4">
-                  <c:v>0.760869565217391</c:v>
+                  <c:v>0.76086956521739102</c:v>
                 </c:pt>
                 <c:pt idx="5">
                   <c:v>0.565217391304348</c:v>
                 </c:pt>
                 <c:pt idx="6">
-                  <c:v>0.695652173913043</c:v>
+                  <c:v>0.69565217391304301</c:v>
                 </c:pt>
                 <c:pt idx="7">
-                  <c:v>0.869565217391304</c:v>
+                  <c:v>0.86956521739130399</c:v>
                 </c:pt>
               </c:numCache>
             </c:numRef>
           </c:val>
+          <c:extLst>
+            <c:ext xmlns:c16="http://schemas.microsoft.com/office/drawing/2014/chart" uri="{C3380CC4-5D6E-409C-BE32-E72D297353CC}">
+              <c16:uniqueId val="{00000003-84C0-48AB-B263-F46B6761FBB3}"/>
+            </c:ext>
+          </c:extLst>
         </c:ser>
         <c:ser>
           <c:idx val="4"/>
@@ -7085,7 +6317,7 @@
             <c:errBarType val="both"/>
             <c:errValType val="percentage"/>
             <c:noEndCap val="0"/>
-            <c:val val="5.0"/>
+            <c:val val="5"/>
             <c:spPr>
               <a:noFill/>
               <a:ln w="9525" cap="flat" cmpd="sng" algn="ctr">
@@ -7107,28 +6339,28 @@
                 <c:formatCode>General</c:formatCode>
                 <c:ptCount val="8"/>
                 <c:pt idx="0">
-                  <c:v>1.0</c:v>
+                  <c:v>1</c:v>
                 </c:pt>
                 <c:pt idx="1">
-                  <c:v>2.0</c:v>
+                  <c:v>2</c:v>
                 </c:pt>
                 <c:pt idx="2">
-                  <c:v>3.0</c:v>
+                  <c:v>3</c:v>
                 </c:pt>
                 <c:pt idx="3">
-                  <c:v>4.0</c:v>
+                  <c:v>4</c:v>
                 </c:pt>
                 <c:pt idx="4">
-                  <c:v>5.0</c:v>
+                  <c:v>5</c:v>
                 </c:pt>
                 <c:pt idx="5">
-                  <c:v>6.0</c:v>
+                  <c:v>6</c:v>
                 </c:pt>
                 <c:pt idx="6">
-                  <c:v>8.0</c:v>
+                  <c:v>8</c:v>
                 </c:pt>
                 <c:pt idx="7">
-                  <c:v>9.0</c:v>
+                  <c:v>9</c:v>
                 </c:pt>
               </c:numCache>
             </c:numRef>
@@ -7152,7 +6384,7 @@
                   <c:v>0.51</c:v>
                 </c:pt>
                 <c:pt idx="4">
-                  <c:v>0.675</c:v>
+                  <c:v>0.67500000000000004</c:v>
                 </c:pt>
                 <c:pt idx="5">
                   <c:v>0.5</c:v>
@@ -7161,11 +6393,16 @@
                   <c:v>0.8</c:v>
                 </c:pt>
                 <c:pt idx="7">
-                  <c:v>0.55</c:v>
+                  <c:v>0.55000000000000004</c:v>
                 </c:pt>
               </c:numCache>
             </c:numRef>
           </c:val>
+          <c:extLst>
+            <c:ext xmlns:c16="http://schemas.microsoft.com/office/drawing/2014/chart" uri="{C3380CC4-5D6E-409C-BE32-E72D297353CC}">
+              <c16:uniqueId val="{00000004-84C0-48AB-B263-F46B6761FBB3}"/>
+            </c:ext>
+          </c:extLst>
         </c:ser>
         <c:dLbls>
           <c:showLegendKey val="0"/>
@@ -7230,7 +6467,6 @@
               </a:p>
             </c:rich>
           </c:tx>
-          <c:layout/>
           <c:overlay val="0"/>
           <c:spPr>
             <a:noFill/>
@@ -7325,6 +6561,7 @@
             <a:effectLst/>
           </c:spPr>
         </c:majorGridlines>
+        <c:numFmt formatCode="General" sourceLinked="1"/>
         <c:majorTickMark val="none"/>
         <c:minorTickMark val="none"/>
         <c:tickLblPos val="nextTo"/>
@@ -7369,7 +6606,6 @@
     </c:plotArea>
     <c:legend>
       <c:legendPos val="b"/>
-      <c:layout/>
       <c:overlay val="0"/>
       <c:spPr>
         <a:noFill/>
@@ -7427,7 +6663,7 @@
 </file>
 
 <file path=ppt/charts/chart2.xml><?xml version="1.0" encoding="utf-8"?>
-<c:chartSpace xmlns:c="http://schemas.openxmlformats.org/drawingml/2006/chart" xmlns:a="http://schemas.openxmlformats.org/drawingml/2006/main" xmlns:r="http://schemas.openxmlformats.org/officeDocument/2006/relationships">
+<c:chartSpace xmlns:c="http://schemas.openxmlformats.org/drawingml/2006/chart" xmlns:a="http://schemas.openxmlformats.org/drawingml/2006/main" xmlns:r="http://schemas.openxmlformats.org/officeDocument/2006/relationships" xmlns:c16r2="http://schemas.microsoft.com/office/drawing/2015/06/chart">
   <c:date1904 val="0"/>
   <c:lang val="en-US"/>
   <c:roundedCorners val="0"/>
@@ -7471,7 +6707,6 @@
           </a:p>
         </c:rich>
       </c:tx>
-      <c:layout/>
       <c:overlay val="0"/>
       <c:spPr>
         <a:noFill/>
@@ -7673,45 +6908,45 @@
                 <c:formatCode>General</c:formatCode>
                 <c:ptCount val="24"/>
                 <c:pt idx="0">
-                  <c:v>0.0</c:v>
+                  <c:v>0</c:v>
                 </c:pt>
                 <c:pt idx="2">
-                  <c:v>0.0</c:v>
+                  <c:v>0</c:v>
                 </c:pt>
                 <c:pt idx="4">
-                  <c:v>0.0</c:v>
+                  <c:v>0</c:v>
                 </c:pt>
                 <c:pt idx="6">
-                  <c:v>0.0</c:v>
+                  <c:v>0</c:v>
                 </c:pt>
                 <c:pt idx="8">
-                  <c:v>0.0</c:v>
+                  <c:v>0</c:v>
                 </c:pt>
                 <c:pt idx="10">
-                  <c:v>0.0</c:v>
+                  <c:v>0</c:v>
                 </c:pt>
                 <c:pt idx="12">
-                  <c:v>0.0</c:v>
+                  <c:v>0</c:v>
                 </c:pt>
                 <c:pt idx="14">
-                  <c:v>0.0</c:v>
+                  <c:v>0</c:v>
                 </c:pt>
                 <c:pt idx="16">
-                  <c:v>0.0</c:v>
+                  <c:v>0</c:v>
                 </c:pt>
                 <c:pt idx="18">
-                  <c:v>0.0</c:v>
+                  <c:v>0</c:v>
                 </c:pt>
                 <c:pt idx="20">
-                  <c:v>0.0</c:v>
+                  <c:v>0</c:v>
                 </c:pt>
                 <c:pt idx="22">
-                  <c:v>0.0</c:v>
+                  <c:v>0</c:v>
                 </c:pt>
               </c:numCache>
             </c:numRef>
           </c:val>
-          <c:extLst xmlns:c16r2="http://schemas.microsoft.com/office/drawing/2015/06/chart">
+          <c:extLst>
             <c:ext xmlns:c16="http://schemas.microsoft.com/office/drawing/2014/chart" uri="{C3380CC4-5D6E-409C-BE32-E72D297353CC}">
               <c16:uniqueId val="{00000000-DB83-427C-B41B-C2711C059EE9}"/>
             </c:ext>
@@ -7882,81 +7117,81 @@
                 <c:formatCode>General</c:formatCode>
                 <c:ptCount val="24"/>
                 <c:pt idx="0">
-                  <c:v>0.0</c:v>
+                  <c:v>0</c:v>
                 </c:pt>
                 <c:pt idx="1">
-                  <c:v>0.0</c:v>
+                  <c:v>0</c:v>
                 </c:pt>
                 <c:pt idx="2">
-                  <c:v>0.0</c:v>
+                  <c:v>0</c:v>
                 </c:pt>
                 <c:pt idx="3">
-                  <c:v>0.0</c:v>
+                  <c:v>0</c:v>
                 </c:pt>
                 <c:pt idx="4">
-                  <c:v>0.0</c:v>
+                  <c:v>0</c:v>
                 </c:pt>
                 <c:pt idx="5">
-                  <c:v>0.0</c:v>
+                  <c:v>0</c:v>
                 </c:pt>
                 <c:pt idx="6">
-                  <c:v>0.0</c:v>
+                  <c:v>0</c:v>
                 </c:pt>
                 <c:pt idx="7">
-                  <c:v>0.0</c:v>
+                  <c:v>0</c:v>
                 </c:pt>
                 <c:pt idx="8">
-                  <c:v>0.0</c:v>
+                  <c:v>0</c:v>
                 </c:pt>
                 <c:pt idx="9">
-                  <c:v>0.0</c:v>
+                  <c:v>0</c:v>
                 </c:pt>
                 <c:pt idx="10">
-                  <c:v>0.0</c:v>
+                  <c:v>0</c:v>
                 </c:pt>
                 <c:pt idx="11">
-                  <c:v>0.0</c:v>
+                  <c:v>0</c:v>
                 </c:pt>
                 <c:pt idx="12">
-                  <c:v>0.0</c:v>
+                  <c:v>0</c:v>
                 </c:pt>
                 <c:pt idx="13">
-                  <c:v>0.0</c:v>
+                  <c:v>0</c:v>
                 </c:pt>
                 <c:pt idx="14">
-                  <c:v>0.0</c:v>
+                  <c:v>0</c:v>
                 </c:pt>
                 <c:pt idx="15">
-                  <c:v>0.0</c:v>
+                  <c:v>0</c:v>
                 </c:pt>
                 <c:pt idx="16">
-                  <c:v>0.0</c:v>
+                  <c:v>0</c:v>
                 </c:pt>
                 <c:pt idx="17">
-                  <c:v>0.0</c:v>
+                  <c:v>0</c:v>
                 </c:pt>
                 <c:pt idx="18">
-                  <c:v>0.0</c:v>
+                  <c:v>0</c:v>
                 </c:pt>
                 <c:pt idx="19">
-                  <c:v>0.0</c:v>
+                  <c:v>0</c:v>
                 </c:pt>
                 <c:pt idx="20">
-                  <c:v>0.0</c:v>
+                  <c:v>0</c:v>
                 </c:pt>
                 <c:pt idx="21">
-                  <c:v>0.0</c:v>
+                  <c:v>0</c:v>
                 </c:pt>
                 <c:pt idx="22">
-                  <c:v>0.0</c:v>
+                  <c:v>0</c:v>
                 </c:pt>
                 <c:pt idx="23">
-                  <c:v>0.0</c:v>
+                  <c:v>0</c:v>
                 </c:pt>
               </c:numCache>
             </c:numRef>
           </c:val>
-          <c:extLst xmlns:c16r2="http://schemas.microsoft.com/office/drawing/2015/06/chart">
+          <c:extLst>
             <c:ext xmlns:c16="http://schemas.microsoft.com/office/drawing/2014/chart" uri="{C3380CC4-5D6E-409C-BE32-E72D297353CC}">
               <c16:uniqueId val="{00000001-DB83-427C-B41B-C2711C059EE9}"/>
             </c:ext>
@@ -8130,78 +7365,78 @@
                   <c:v>0.131972789115646</c:v>
                 </c:pt>
                 <c:pt idx="1">
-                  <c:v>0.432134758665371</c:v>
+                  <c:v>0.43213475866537099</c:v>
                 </c:pt>
                 <c:pt idx="2">
-                  <c:v>0.0722222222222222</c:v>
+                  <c:v>7.2222222222222202E-2</c:v>
                 </c:pt>
                 <c:pt idx="3">
-                  <c:v>0.212962962962963</c:v>
+                  <c:v>0.21296296296296299</c:v>
                 </c:pt>
                 <c:pt idx="4">
-                  <c:v>0.361111111111111</c:v>
+                  <c:v>0.36111111111111099</c:v>
                 </c:pt>
                 <c:pt idx="5">
-                  <c:v>0.666666666666667</c:v>
+                  <c:v>0.66666666666666696</c:v>
                 </c:pt>
                 <c:pt idx="6">
                   <c:v>0.114583333333333</c:v>
                 </c:pt>
                 <c:pt idx="7">
-                  <c:v>0.39781746031746</c:v>
+                  <c:v>0.39781746031746001</c:v>
                 </c:pt>
                 <c:pt idx="8">
-                  <c:v>0.0583333333333333</c:v>
+                  <c:v>5.83333333333333E-2</c:v>
                 </c:pt>
                 <c:pt idx="9">
                   <c:v>0.126984126984127</c:v>
                 </c:pt>
                 <c:pt idx="10">
-                  <c:v>0.316666666666667</c:v>
+                  <c:v>0.31666666666666698</c:v>
                 </c:pt>
                 <c:pt idx="11">
-                  <c:v>0.599206349206349</c:v>
+                  <c:v>0.59920634920634896</c:v>
                 </c:pt>
                 <c:pt idx="12">
-                  <c:v>0.0978260869565217</c:v>
+                  <c:v>9.7826086956521702E-2</c:v>
                 </c:pt>
                 <c:pt idx="13">
-                  <c:v>0.31055900621118</c:v>
+                  <c:v>0.31055900621117999</c:v>
                 </c:pt>
                 <c:pt idx="14">
-                  <c:v>0.0608695652173913</c:v>
+                  <c:v>6.08695652173913E-2</c:v>
                 </c:pt>
                 <c:pt idx="15">
                   <c:v>0.173913043478261</c:v>
                 </c:pt>
                 <c:pt idx="16">
-                  <c:v>0.278260869565217</c:v>
+                  <c:v>0.27826086956521701</c:v>
                 </c:pt>
                 <c:pt idx="17">
-                  <c:v>0.472049689440994</c:v>
+                  <c:v>0.47204968944099401</c:v>
                 </c:pt>
                 <c:pt idx="18">
-                  <c:v>0.0831168831168831</c:v>
+                  <c:v>8.3116883116883103E-2</c:v>
                 </c:pt>
                 <c:pt idx="19">
-                  <c:v>0.368583797155226</c:v>
+                  <c:v>0.36858379715522599</c:v>
                 </c:pt>
                 <c:pt idx="20">
                   <c:v>0.01</c:v>
                 </c:pt>
                 <c:pt idx="21">
-                  <c:v>0.0976190476190476</c:v>
+                  <c:v>9.7619047619047605E-2</c:v>
                 </c:pt>
                 <c:pt idx="22">
                   <c:v>0.32</c:v>
                 </c:pt>
                 <c:pt idx="23">
-                  <c:v>0.585714285714286</c:v>
+                  <c:v>0.58571428571428596</c:v>
                 </c:pt>
               </c:numCache>
             </c:numRef>
           </c:val>
-          <c:extLst xmlns:c16r2="http://schemas.microsoft.com/office/drawing/2015/06/chart">
+          <c:extLst>
             <c:ext xmlns:c16="http://schemas.microsoft.com/office/drawing/2014/chart" uri="{C3380CC4-5D6E-409C-BE32-E72D297353CC}">
               <c16:uniqueId val="{00000002-DB83-427C-B41B-C2711C059EE9}"/>
             </c:ext>
@@ -8372,81 +7607,81 @@
                 <c:formatCode>General</c:formatCode>
                 <c:ptCount val="24"/>
                 <c:pt idx="0">
-                  <c:v>0.868027210884354</c:v>
+                  <c:v>0.86802721088435397</c:v>
                 </c:pt>
                 <c:pt idx="1">
-                  <c:v>0.567865241334629</c:v>
+                  <c:v>0.56786524133462901</c:v>
                 </c:pt>
                 <c:pt idx="2">
-                  <c:v>0.927777777777778</c:v>
+                  <c:v>0.92777777777777803</c:v>
                 </c:pt>
                 <c:pt idx="3">
-                  <c:v>0.787037037037037</c:v>
+                  <c:v>0.78703703703703698</c:v>
                 </c:pt>
                 <c:pt idx="4">
-                  <c:v>0.638888888888889</c:v>
+                  <c:v>0.63888888888888895</c:v>
                 </c:pt>
                 <c:pt idx="5">
-                  <c:v>0.333333333333333</c:v>
+                  <c:v>0.33333333333333298</c:v>
                 </c:pt>
                 <c:pt idx="6">
-                  <c:v>0.885416666666667</c:v>
+                  <c:v>0.88541666666666696</c:v>
                 </c:pt>
                 <c:pt idx="7">
-                  <c:v>0.60218253968254</c:v>
+                  <c:v>0.60218253968253999</c:v>
                 </c:pt>
                 <c:pt idx="8">
-                  <c:v>0.941666666666667</c:v>
+                  <c:v>0.94166666666666698</c:v>
                 </c:pt>
                 <c:pt idx="9">
-                  <c:v>0.873015873015873</c:v>
+                  <c:v>0.87301587301587302</c:v>
                 </c:pt>
                 <c:pt idx="10">
-                  <c:v>0.683333333333333</c:v>
+                  <c:v>0.68333333333333302</c:v>
                 </c:pt>
                 <c:pt idx="11">
-                  <c:v>0.400793650793651</c:v>
+                  <c:v>0.40079365079365098</c:v>
                 </c:pt>
                 <c:pt idx="12">
-                  <c:v>0.902173913043478</c:v>
+                  <c:v>0.90217391304347805</c:v>
                 </c:pt>
                 <c:pt idx="13">
-                  <c:v>0.68944099378882</c:v>
+                  <c:v>0.68944099378881996</c:v>
                 </c:pt>
                 <c:pt idx="14">
-                  <c:v>0.939130434782609</c:v>
+                  <c:v>0.93913043478260905</c:v>
                 </c:pt>
                 <c:pt idx="15">
-                  <c:v>0.826086956521739</c:v>
+                  <c:v>0.82608695652173902</c:v>
                 </c:pt>
                 <c:pt idx="16">
-                  <c:v>0.721739130434783</c:v>
+                  <c:v>0.72173913043478299</c:v>
                 </c:pt>
                 <c:pt idx="17">
-                  <c:v>0.527950310559006</c:v>
+                  <c:v>0.52795031055900599</c:v>
                 </c:pt>
                 <c:pt idx="18">
-                  <c:v>0.916883116883117</c:v>
+                  <c:v>0.91688311688311697</c:v>
                 </c:pt>
                 <c:pt idx="19">
-                  <c:v>0.631416202844774</c:v>
+                  <c:v>0.63141620284477395</c:v>
                 </c:pt>
                 <c:pt idx="20">
                   <c:v>0.99</c:v>
                 </c:pt>
                 <c:pt idx="21">
-                  <c:v>0.902380952380952</c:v>
+                  <c:v>0.90238095238095195</c:v>
                 </c:pt>
                 <c:pt idx="22">
                   <c:v>0.68</c:v>
                 </c:pt>
                 <c:pt idx="23">
-                  <c:v>0.414285714285714</c:v>
+                  <c:v>0.41428571428571398</c:v>
                 </c:pt>
               </c:numCache>
             </c:numRef>
           </c:val>
-          <c:extLst xmlns:c16r2="http://schemas.microsoft.com/office/drawing/2015/06/chart">
+          <c:extLst>
             <c:ext xmlns:c16="http://schemas.microsoft.com/office/drawing/2014/chart" uri="{C3380CC4-5D6E-409C-BE32-E72D297353CC}">
               <c16:uniqueId val="{00000003-DB83-427C-B41B-C2711C059EE9}"/>
             </c:ext>
@@ -8590,7 +7825,6 @@
         <c:idx val="1"/>
         <c:delete val="1"/>
       </c:legendEntry>
-      <c:layout/>
       <c:overlay val="0"/>
       <c:spPr>
         <a:noFill/>
@@ -8648,7 +7882,7 @@
 </file>
 
 <file path=ppt/charts/chart20.xml><?xml version="1.0" encoding="utf-8"?>
-<c:chartSpace xmlns:c="http://schemas.openxmlformats.org/drawingml/2006/chart" xmlns:a="http://schemas.openxmlformats.org/drawingml/2006/main" xmlns:r="http://schemas.openxmlformats.org/officeDocument/2006/relationships">
+<c:chartSpace xmlns:c="http://schemas.openxmlformats.org/drawingml/2006/chart" xmlns:a="http://schemas.openxmlformats.org/drawingml/2006/main" xmlns:r="http://schemas.openxmlformats.org/officeDocument/2006/relationships" xmlns:c16r2="http://schemas.microsoft.com/office/drawing/2015/06/chart">
   <c:date1904 val="0"/>
   <c:lang val="en-US"/>
   <c:roundedCorners val="0"/>
@@ -8712,7 +7946,6 @@
           </a:p>
         </c:rich>
       </c:tx>
-      <c:layout/>
       <c:overlay val="0"/>
       <c:spPr>
         <a:noFill/>
@@ -8821,23 +8054,28 @@
                 <c:formatCode>General</c:formatCode>
                 <c:ptCount val="5"/>
                 <c:pt idx="0">
-                  <c:v>0.723300970873786</c:v>
+                  <c:v>0.72330097087378598</c:v>
                 </c:pt>
                 <c:pt idx="1">
                   <c:v>0.644012944983819</c:v>
                 </c:pt>
                 <c:pt idx="2">
-                  <c:v>0.524271844660194</c:v>
+                  <c:v>0.52427184466019405</c:v>
                 </c:pt>
                 <c:pt idx="3">
-                  <c:v>0.40499306518724</c:v>
+                  <c:v>0.40499306518723999</c:v>
                 </c:pt>
                 <c:pt idx="4">
-                  <c:v>0.295423023578363</c:v>
+                  <c:v>0.29542302357836298</c:v>
                 </c:pt>
               </c:numCache>
             </c:numRef>
           </c:val>
+          <c:extLst>
+            <c:ext xmlns:c16="http://schemas.microsoft.com/office/drawing/2014/chart" uri="{C3380CC4-5D6E-409C-BE32-E72D297353CC}">
+              <c16:uniqueId val="{00000000-AC58-4F50-9614-284A30C47773}"/>
+            </c:ext>
+          </c:extLst>
         </c:ser>
         <c:dLbls>
           <c:showLegendKey val="0"/>
@@ -8894,7 +8132,6 @@
               </a:p>
             </c:rich>
           </c:tx>
-          <c:layout/>
           <c:overlay val="0"/>
           <c:spPr>
             <a:noFill/>
@@ -8972,7 +8209,7 @@
         <c:axId val="-1529565008"/>
         <c:scaling>
           <c:orientation val="minMax"/>
-          <c:max val="1.0"/>
+          <c:max val="1"/>
         </c:scaling>
         <c:delete val="0"/>
         <c:axPos val="l"/>
@@ -8990,6 +8227,7 @@
             <a:effectLst/>
           </c:spPr>
         </c:majorGridlines>
+        <c:numFmt formatCode="General" sourceLinked="1"/>
         <c:majorTickMark val="none"/>
         <c:minorTickMark val="none"/>
         <c:tickLblPos val="nextTo"/>
@@ -9060,7 +8298,7 @@
 </file>
 
 <file path=ppt/charts/chart21.xml><?xml version="1.0" encoding="utf-8"?>
-<c:chartSpace xmlns:c="http://schemas.openxmlformats.org/drawingml/2006/chart" xmlns:a="http://schemas.openxmlformats.org/drawingml/2006/main" xmlns:r="http://schemas.openxmlformats.org/officeDocument/2006/relationships">
+<c:chartSpace xmlns:c="http://schemas.openxmlformats.org/drawingml/2006/chart" xmlns:a="http://schemas.openxmlformats.org/drawingml/2006/main" xmlns:r="http://schemas.openxmlformats.org/officeDocument/2006/relationships" xmlns:c16r2="http://schemas.microsoft.com/office/drawing/2015/06/chart">
   <c:date1904 val="0"/>
   <c:lang val="en-US"/>
   <c:roundedCorners val="0"/>
@@ -9124,7 +8362,6 @@
           </a:p>
         </c:rich>
       </c:tx>
-      <c:layout/>
       <c:overlay val="0"/>
       <c:spPr>
         <a:noFill/>
@@ -9233,23 +8470,28 @@
                 <c:formatCode>General</c:formatCode>
                 <c:ptCount val="5"/>
                 <c:pt idx="0">
-                  <c:v>0.647058823529412</c:v>
+                  <c:v>0.64705882352941202</c:v>
                 </c:pt>
                 <c:pt idx="1">
-                  <c:v>0.529411764705882</c:v>
+                  <c:v>0.52941176470588203</c:v>
                 </c:pt>
                 <c:pt idx="2">
-                  <c:v>0.470588235294118</c:v>
+                  <c:v>0.47058823529411797</c:v>
                 </c:pt>
                 <c:pt idx="3">
-                  <c:v>0.336134453781513</c:v>
+                  <c:v>0.33613445378151302</c:v>
                 </c:pt>
                 <c:pt idx="4">
-                  <c:v>0.168067226890756</c:v>
+                  <c:v>0.16806722689075601</c:v>
                 </c:pt>
               </c:numCache>
             </c:numRef>
           </c:val>
+          <c:extLst>
+            <c:ext xmlns:c16="http://schemas.microsoft.com/office/drawing/2014/chart" uri="{C3380CC4-5D6E-409C-BE32-E72D297353CC}">
+              <c16:uniqueId val="{00000000-F83D-4D5B-B94A-C04829D0F0F1}"/>
+            </c:ext>
+          </c:extLst>
         </c:ser>
         <c:ser>
           <c:idx val="1"/>
@@ -9323,16 +8565,16 @@
                 <c:formatCode>General</c:formatCode>
                 <c:ptCount val="5"/>
                 <c:pt idx="0">
-                  <c:v>0.789473684210526</c:v>
+                  <c:v>0.78947368421052599</c:v>
                 </c:pt>
                 <c:pt idx="1">
-                  <c:v>0.631578947368421</c:v>
+                  <c:v>0.63157894736842102</c:v>
                 </c:pt>
                 <c:pt idx="2">
-                  <c:v>0.481203007518797</c:v>
+                  <c:v>0.48120300751879702</c:v>
                 </c:pt>
                 <c:pt idx="3">
-                  <c:v>0.308270676691729</c:v>
+                  <c:v>0.30827067669172897</c:v>
                 </c:pt>
                 <c:pt idx="4">
                   <c:v>0.233082706766917</c:v>
@@ -9340,6 +8582,11 @@
               </c:numCache>
             </c:numRef>
           </c:val>
+          <c:extLst>
+            <c:ext xmlns:c16="http://schemas.microsoft.com/office/drawing/2014/chart" uri="{C3380CC4-5D6E-409C-BE32-E72D297353CC}">
+              <c16:uniqueId val="{00000001-F83D-4D5B-B94A-C04829D0F0F1}"/>
+            </c:ext>
+          </c:extLst>
         </c:ser>
         <c:ser>
           <c:idx val="2"/>
@@ -9413,23 +8660,28 @@
                 <c:formatCode>General</c:formatCode>
                 <c:ptCount val="5"/>
                 <c:pt idx="0">
-                  <c:v>0.666666666666667</c:v>
+                  <c:v>0.66666666666666696</c:v>
                 </c:pt>
                 <c:pt idx="1">
-                  <c:v>0.694444444444444</c:v>
+                  <c:v>0.69444444444444398</c:v>
                 </c:pt>
                 <c:pt idx="2">
-                  <c:v>0.529761904761905</c:v>
+                  <c:v>0.52976190476190499</c:v>
                 </c:pt>
                 <c:pt idx="3">
-                  <c:v>0.410714285714286</c:v>
+                  <c:v>0.41071428571428598</c:v>
                 </c:pt>
                 <c:pt idx="4">
-                  <c:v>0.261904761904762</c:v>
+                  <c:v>0.26190476190476197</c:v>
                 </c:pt>
               </c:numCache>
             </c:numRef>
           </c:val>
+          <c:extLst>
+            <c:ext xmlns:c16="http://schemas.microsoft.com/office/drawing/2014/chart" uri="{C3380CC4-5D6E-409C-BE32-E72D297353CC}">
+              <c16:uniqueId val="{00000002-F83D-4D5B-B94A-C04829D0F0F1}"/>
+            </c:ext>
+          </c:extLst>
         </c:ser>
         <c:ser>
           <c:idx val="3"/>
@@ -9503,23 +8755,28 @@
                 <c:formatCode>General</c:formatCode>
                 <c:ptCount val="5"/>
                 <c:pt idx="0">
-                  <c:v>0.847826086956522</c:v>
+                  <c:v>0.84782608695652195</c:v>
                 </c:pt>
                 <c:pt idx="1">
-                  <c:v>0.63768115942029</c:v>
+                  <c:v>0.63768115942029002</c:v>
                 </c:pt>
                 <c:pt idx="2">
-                  <c:v>0.590062111801242</c:v>
+                  <c:v>0.59006211180124202</c:v>
                 </c:pt>
                 <c:pt idx="3">
-                  <c:v>0.571428571428571</c:v>
+                  <c:v>0.57142857142857095</c:v>
                 </c:pt>
                 <c:pt idx="4">
-                  <c:v>0.422360248447205</c:v>
+                  <c:v>0.42236024844720499</c:v>
                 </c:pt>
               </c:numCache>
             </c:numRef>
           </c:val>
+          <c:extLst>
+            <c:ext xmlns:c16="http://schemas.microsoft.com/office/drawing/2014/chart" uri="{C3380CC4-5D6E-409C-BE32-E72D297353CC}">
+              <c16:uniqueId val="{00000003-F83D-4D5B-B94A-C04829D0F0F1}"/>
+            </c:ext>
+          </c:extLst>
         </c:ser>
         <c:ser>
           <c:idx val="4"/>
@@ -9599,17 +8856,22 @@
                   <c:v>0.7</c:v>
                 </c:pt>
                 <c:pt idx="2">
-                  <c:v>0.528571428571429</c:v>
+                  <c:v>0.52857142857142903</c:v>
                 </c:pt>
                 <c:pt idx="3">
-                  <c:v>0.357142857142857</c:v>
+                  <c:v>0.35714285714285698</c:v>
                 </c:pt>
                 <c:pt idx="4">
-                  <c:v>0.357142857142857</c:v>
+                  <c:v>0.35714285714285698</c:v>
                 </c:pt>
               </c:numCache>
             </c:numRef>
           </c:val>
+          <c:extLst>
+            <c:ext xmlns:c16="http://schemas.microsoft.com/office/drawing/2014/chart" uri="{C3380CC4-5D6E-409C-BE32-E72D297353CC}">
+              <c16:uniqueId val="{00000004-F83D-4D5B-B94A-C04829D0F0F1}"/>
+            </c:ext>
+          </c:extLst>
         </c:ser>
         <c:dLbls>
           <c:showLegendKey val="0"/>
@@ -9696,6 +8958,7 @@
             <a:effectLst/>
           </c:spPr>
         </c:majorGridlines>
+        <c:numFmt formatCode="General" sourceLinked="1"/>
         <c:majorTickMark val="none"/>
         <c:minorTickMark val="none"/>
         <c:tickLblPos val="nextTo"/>
@@ -9740,7 +9003,6 @@
     </c:plotArea>
     <c:legend>
       <c:legendPos val="b"/>
-      <c:layout/>
       <c:overlay val="0"/>
       <c:spPr>
         <a:noFill/>
@@ -9798,7 +9060,7 @@
 </file>
 
 <file path=ppt/charts/chart22.xml><?xml version="1.0" encoding="utf-8"?>
-<c:chartSpace xmlns:c="http://schemas.openxmlformats.org/drawingml/2006/chart" xmlns:a="http://schemas.openxmlformats.org/drawingml/2006/main" xmlns:r="http://schemas.openxmlformats.org/officeDocument/2006/relationships">
+<c:chartSpace xmlns:c="http://schemas.openxmlformats.org/drawingml/2006/chart" xmlns:a="http://schemas.openxmlformats.org/drawingml/2006/main" xmlns:r="http://schemas.openxmlformats.org/officeDocument/2006/relationships" xmlns:c16r2="http://schemas.microsoft.com/office/drawing/2015/06/chart">
   <c:date1904 val="0"/>
   <c:lang val="en-US"/>
   <c:roundedCorners val="0"/>
@@ -9878,7 +9140,6 @@
           </a:p>
         </c:rich>
       </c:tx>
-      <c:layout/>
       <c:overlay val="0"/>
       <c:spPr>
         <a:noFill/>
@@ -9964,34 +9225,34 @@
                 <c:formatCode>General</c:formatCode>
                 <c:ptCount val="10"/>
                 <c:pt idx="0">
-                  <c:v>1.0</c:v>
+                  <c:v>1</c:v>
                 </c:pt>
                 <c:pt idx="1">
-                  <c:v>2.0</c:v>
+                  <c:v>2</c:v>
                 </c:pt>
                 <c:pt idx="2">
-                  <c:v>3.0</c:v>
+                  <c:v>3</c:v>
                 </c:pt>
                 <c:pt idx="3">
-                  <c:v>4.0</c:v>
+                  <c:v>4</c:v>
                 </c:pt>
                 <c:pt idx="4">
-                  <c:v>5.0</c:v>
+                  <c:v>5</c:v>
                 </c:pt>
                 <c:pt idx="5">
-                  <c:v>6.0</c:v>
+                  <c:v>6</c:v>
                 </c:pt>
                 <c:pt idx="6">
-                  <c:v>7.0</c:v>
+                  <c:v>7</c:v>
                 </c:pt>
                 <c:pt idx="7">
-                  <c:v>8.0</c:v>
+                  <c:v>8</c:v>
                 </c:pt>
                 <c:pt idx="8">
-                  <c:v>9.0</c:v>
+                  <c:v>9</c:v>
                 </c:pt>
                 <c:pt idx="9">
-                  <c:v>10.0</c:v>
+                  <c:v>10</c:v>
                 </c:pt>
               </c:numCache>
             </c:numRef>
@@ -10003,38 +9264,43 @@
                 <c:formatCode>General</c:formatCode>
                 <c:ptCount val="10"/>
                 <c:pt idx="0">
-                  <c:v>0.578703703703704</c:v>
+                  <c:v>0.57870370370370405</c:v>
                 </c:pt>
                 <c:pt idx="1">
-                  <c:v>0.578947368421053</c:v>
+                  <c:v>0.57894736842105299</c:v>
                 </c:pt>
                 <c:pt idx="2">
-                  <c:v>0.692307692307692</c:v>
+                  <c:v>0.69230769230769196</c:v>
                 </c:pt>
                 <c:pt idx="3">
-                  <c:v>0.574074074074074</c:v>
+                  <c:v>0.57407407407407396</c:v>
                 </c:pt>
                 <c:pt idx="4">
                   <c:v>0.827380952380952</c:v>
                 </c:pt>
                 <c:pt idx="5">
-                  <c:v>0.833333333333333</c:v>
+                  <c:v>0.83333333333333304</c:v>
                 </c:pt>
                 <c:pt idx="6">
-                  <c:v>0.958333333333333</c:v>
+                  <c:v>0.95833333333333304</c:v>
                 </c:pt>
                 <c:pt idx="7">
-                  <c:v>0.833333333333333</c:v>
+                  <c:v>0.83333333333333304</c:v>
                 </c:pt>
                 <c:pt idx="8">
-                  <c:v>0.791666666666667</c:v>
+                  <c:v>0.79166666666666696</c:v>
                 </c:pt>
                 <c:pt idx="9">
-                  <c:v>1.0</c:v>
+                  <c:v>1</c:v>
                 </c:pt>
               </c:numCache>
             </c:numRef>
           </c:val>
+          <c:extLst>
+            <c:ext xmlns:c16="http://schemas.microsoft.com/office/drawing/2014/chart" uri="{C3380CC4-5D6E-409C-BE32-E72D297353CC}">
+              <c16:uniqueId val="{00000000-ED53-43CC-929C-DE88D984CB85}"/>
+            </c:ext>
+          </c:extLst>
         </c:ser>
         <c:dLbls>
           <c:showLegendKey val="0"/>
@@ -10099,7 +9365,6 @@
               </a:p>
             </c:rich>
           </c:tx>
-          <c:layout/>
           <c:overlay val="0"/>
           <c:spPr>
             <a:noFill/>
@@ -10177,7 +9442,7 @@
         <c:axId val="-1490358848"/>
         <c:scaling>
           <c:orientation val="minMax"/>
-          <c:max val="1.0"/>
+          <c:max val="1"/>
         </c:scaling>
         <c:delete val="0"/>
         <c:axPos val="l"/>
@@ -10195,6 +9460,7 @@
             <a:effectLst/>
           </c:spPr>
         </c:majorGridlines>
+        <c:numFmt formatCode="General" sourceLinked="1"/>
         <c:majorTickMark val="none"/>
         <c:minorTickMark val="none"/>
         <c:tickLblPos val="nextTo"/>
@@ -10265,7 +9531,7 @@
 </file>
 
 <file path=ppt/charts/chart23.xml><?xml version="1.0" encoding="utf-8"?>
-<c:chartSpace xmlns:c="http://schemas.openxmlformats.org/drawingml/2006/chart" xmlns:a="http://schemas.openxmlformats.org/drawingml/2006/main" xmlns:r="http://schemas.openxmlformats.org/officeDocument/2006/relationships">
+<c:chartSpace xmlns:c="http://schemas.openxmlformats.org/drawingml/2006/chart" xmlns:a="http://schemas.openxmlformats.org/drawingml/2006/main" xmlns:r="http://schemas.openxmlformats.org/officeDocument/2006/relationships" xmlns:c16r2="http://schemas.microsoft.com/office/drawing/2015/06/chart">
   <c:date1904 val="0"/>
   <c:lang val="en-US"/>
   <c:roundedCorners val="0"/>
@@ -10329,7 +9595,6 @@
           </a:p>
         </c:rich>
       </c:tx>
-      <c:layout/>
       <c:overlay val="0"/>
       <c:spPr>
         <a:noFill/>
@@ -10438,23 +9703,28 @@
                 <c:formatCode>General</c:formatCode>
                 <c:ptCount val="5"/>
                 <c:pt idx="0">
-                  <c:v>0.854166666666667</c:v>
+                  <c:v>0.85416666666666696</c:v>
                 </c:pt>
                 <c:pt idx="1">
-                  <c:v>0.865740740740741</c:v>
+                  <c:v>0.86574074074074103</c:v>
                 </c:pt>
                 <c:pt idx="2">
                   <c:v>0.759920634920635</c:v>
                 </c:pt>
                 <c:pt idx="3">
-                  <c:v>0.611111111111111</c:v>
+                  <c:v>0.61111111111111105</c:v>
                 </c:pt>
                 <c:pt idx="4">
-                  <c:v>0.470238095238095</c:v>
+                  <c:v>0.47023809523809501</c:v>
                 </c:pt>
               </c:numCache>
             </c:numRef>
           </c:val>
+          <c:extLst>
+            <c:ext xmlns:c16="http://schemas.microsoft.com/office/drawing/2014/chart" uri="{C3380CC4-5D6E-409C-BE32-E72D297353CC}">
+              <c16:uniqueId val="{00000000-338B-4FF2-B9AA-EB4B8AE31F8B}"/>
+            </c:ext>
+          </c:extLst>
         </c:ser>
         <c:dLbls>
           <c:showLegendKey val="0"/>
@@ -10511,7 +9781,6 @@
               </a:p>
             </c:rich>
           </c:tx>
-          <c:layout/>
           <c:overlay val="0"/>
           <c:spPr>
             <a:noFill/>
@@ -10606,6 +9875,7 @@
             <a:effectLst/>
           </c:spPr>
         </c:majorGridlines>
+        <c:numFmt formatCode="General" sourceLinked="1"/>
         <c:majorTickMark val="none"/>
         <c:minorTickMark val="none"/>
         <c:tickLblPos val="nextTo"/>
@@ -10676,7 +9946,7 @@
 </file>
 
 <file path=ppt/charts/chart24.xml><?xml version="1.0" encoding="utf-8"?>
-<c:chartSpace xmlns:c="http://schemas.openxmlformats.org/drawingml/2006/chart" xmlns:a="http://schemas.openxmlformats.org/drawingml/2006/main" xmlns:r="http://schemas.openxmlformats.org/officeDocument/2006/relationships">
+<c:chartSpace xmlns:c="http://schemas.openxmlformats.org/drawingml/2006/chart" xmlns:a="http://schemas.openxmlformats.org/drawingml/2006/main" xmlns:r="http://schemas.openxmlformats.org/officeDocument/2006/relationships" xmlns:c16r2="http://schemas.microsoft.com/office/drawing/2015/06/chart">
   <c:date1904 val="0"/>
   <c:lang val="en-US"/>
   <c:roundedCorners val="0"/>
@@ -10748,7 +10018,6 @@
           </a:p>
         </c:rich>
       </c:tx>
-      <c:layout/>
       <c:overlay val="0"/>
       <c:spPr>
         <a:noFill/>
@@ -10834,40 +10103,40 @@
                 <c:formatCode>General</c:formatCode>
                 <c:ptCount val="12"/>
                 <c:pt idx="0">
-                  <c:v>3.0</c:v>
+                  <c:v>3</c:v>
                 </c:pt>
                 <c:pt idx="1">
-                  <c:v>5.0</c:v>
+                  <c:v>5</c:v>
                 </c:pt>
                 <c:pt idx="2">
-                  <c:v>6.0</c:v>
+                  <c:v>6</c:v>
                 </c:pt>
                 <c:pt idx="3">
-                  <c:v>7.0</c:v>
+                  <c:v>7</c:v>
                 </c:pt>
                 <c:pt idx="4">
-                  <c:v>10.0</c:v>
+                  <c:v>10</c:v>
                 </c:pt>
                 <c:pt idx="5">
-                  <c:v>12.0</c:v>
+                  <c:v>12</c:v>
                 </c:pt>
                 <c:pt idx="6">
-                  <c:v>13.0</c:v>
+                  <c:v>13</c:v>
                 </c:pt>
                 <c:pt idx="7">
-                  <c:v>15.0</c:v>
+                  <c:v>15</c:v>
                 </c:pt>
                 <c:pt idx="8">
-                  <c:v>16.0</c:v>
+                  <c:v>16</c:v>
                 </c:pt>
                 <c:pt idx="9">
-                  <c:v>17.0</c:v>
+                  <c:v>17</c:v>
                 </c:pt>
                 <c:pt idx="10">
-                  <c:v>18.0</c:v>
+                  <c:v>18</c:v>
                 </c:pt>
                 <c:pt idx="11">
-                  <c:v>20.0</c:v>
+                  <c:v>20</c:v>
                 </c:pt>
               </c:numCache>
             </c:numRef>
@@ -10879,19 +10148,19 @@
                 <c:formatCode>General</c:formatCode>
                 <c:ptCount val="12"/>
                 <c:pt idx="0">
-                  <c:v>1.0</c:v>
+                  <c:v>1</c:v>
                 </c:pt>
                 <c:pt idx="1">
-                  <c:v>0.641666666666667</c:v>
+                  <c:v>0.64166666666666705</c:v>
                 </c:pt>
                 <c:pt idx="2">
-                  <c:v>0.908333333333333</c:v>
+                  <c:v>0.90833333333333299</c:v>
                 </c:pt>
                 <c:pt idx="3">
-                  <c:v>0.902777777777778</c:v>
+                  <c:v>0.90277777777777801</c:v>
                 </c:pt>
                 <c:pt idx="4">
-                  <c:v>0.554924242424242</c:v>
+                  <c:v>0.55492424242424199</c:v>
                 </c:pt>
                 <c:pt idx="5">
                   <c:v>0.9375</c:v>
@@ -10903,20 +10172,25 @@
                   <c:v>0.671875</c:v>
                 </c:pt>
                 <c:pt idx="8">
-                  <c:v>0.840277777777778</c:v>
+                  <c:v>0.84027777777777801</c:v>
                 </c:pt>
                 <c:pt idx="9">
-                  <c:v>0.958333333333333</c:v>
+                  <c:v>0.95833333333333304</c:v>
                 </c:pt>
                 <c:pt idx="10">
-                  <c:v>0.791666666666667</c:v>
+                  <c:v>0.79166666666666696</c:v>
                 </c:pt>
                 <c:pt idx="11">
-                  <c:v>0.576754385964912</c:v>
+                  <c:v>0.57675438596491202</c:v>
                 </c:pt>
               </c:numCache>
             </c:numRef>
           </c:val>
+          <c:extLst>
+            <c:ext xmlns:c16="http://schemas.microsoft.com/office/drawing/2014/chart" uri="{C3380CC4-5D6E-409C-BE32-E72D297353CC}">
+              <c16:uniqueId val="{00000000-D6C3-4C93-B88D-529836152D42}"/>
+            </c:ext>
+          </c:extLst>
         </c:ser>
         <c:dLbls>
           <c:showLegendKey val="0"/>
@@ -10981,7 +10255,6 @@
               </a:p>
             </c:rich>
           </c:tx>
-          <c:layout/>
           <c:overlay val="0"/>
           <c:spPr>
             <a:noFill/>
@@ -11059,7 +10332,7 @@
         <c:axId val="-1487377872"/>
         <c:scaling>
           <c:orientation val="minMax"/>
-          <c:max val="1.0"/>
+          <c:max val="1"/>
         </c:scaling>
         <c:delete val="0"/>
         <c:axPos val="l"/>
@@ -11077,6 +10350,7 @@
             <a:effectLst/>
           </c:spPr>
         </c:majorGridlines>
+        <c:numFmt formatCode="General" sourceLinked="1"/>
         <c:majorTickMark val="none"/>
         <c:minorTickMark val="none"/>
         <c:tickLblPos val="nextTo"/>
@@ -11147,7 +10421,7 @@
 </file>
 
 <file path=ppt/charts/chart25.xml><?xml version="1.0" encoding="utf-8"?>
-<c:chartSpace xmlns:c="http://schemas.openxmlformats.org/drawingml/2006/chart" xmlns:a="http://schemas.openxmlformats.org/drawingml/2006/main" xmlns:r="http://schemas.openxmlformats.org/officeDocument/2006/relationships">
+<c:chartSpace xmlns:c="http://schemas.openxmlformats.org/drawingml/2006/chart" xmlns:a="http://schemas.openxmlformats.org/drawingml/2006/main" xmlns:r="http://schemas.openxmlformats.org/officeDocument/2006/relationships" xmlns:c16r2="http://schemas.microsoft.com/office/drawing/2015/06/chart">
   <c:date1904 val="0"/>
   <c:lang val="en-US"/>
   <c:roundedCorners val="0"/>
@@ -11223,7 +10497,6 @@
           </a:p>
         </c:rich>
       </c:tx>
-      <c:layout/>
       <c:overlay val="0"/>
       <c:spPr>
         <a:noFill/>
@@ -11323,14 +10596,19 @@
                 <c:formatCode>General</c:formatCode>
                 <c:ptCount val="2"/>
                 <c:pt idx="0">
-                  <c:v>0.885416666666667</c:v>
+                  <c:v>0.88541666666666696</c:v>
                 </c:pt>
                 <c:pt idx="1">
-                  <c:v>0.60218253968254</c:v>
+                  <c:v>0.60218253968253999</c:v>
                 </c:pt>
               </c:numCache>
             </c:numRef>
           </c:val>
+          <c:extLst>
+            <c:ext xmlns:c16="http://schemas.microsoft.com/office/drawing/2014/chart" uri="{C3380CC4-5D6E-409C-BE32-E72D297353CC}">
+              <c16:uniqueId val="{00000000-76B6-454B-9C95-E24C4616AEE3}"/>
+            </c:ext>
+          </c:extLst>
         </c:ser>
         <c:ser>
           <c:idx val="1"/>
@@ -11395,14 +10673,19 @@
                 <c:formatCode>General</c:formatCode>
                 <c:ptCount val="2"/>
                 <c:pt idx="0">
-                  <c:v>0.941666666666667</c:v>
+                  <c:v>0.94166666666666698</c:v>
                 </c:pt>
                 <c:pt idx="1">
-                  <c:v>0.873015873015873</c:v>
+                  <c:v>0.87301587301587302</c:v>
                 </c:pt>
               </c:numCache>
             </c:numRef>
           </c:val>
+          <c:extLst>
+            <c:ext xmlns:c16="http://schemas.microsoft.com/office/drawing/2014/chart" uri="{C3380CC4-5D6E-409C-BE32-E72D297353CC}">
+              <c16:uniqueId val="{00000001-76B6-454B-9C95-E24C4616AEE3}"/>
+            </c:ext>
+          </c:extLst>
         </c:ser>
         <c:ser>
           <c:idx val="2"/>
@@ -11467,14 +10750,19 @@
                 <c:formatCode>General</c:formatCode>
                 <c:ptCount val="2"/>
                 <c:pt idx="0">
-                  <c:v>0.683333333333333</c:v>
+                  <c:v>0.68333333333333302</c:v>
                 </c:pt>
                 <c:pt idx="1">
-                  <c:v>0.400793650793651</c:v>
+                  <c:v>0.40079365079365098</c:v>
                 </c:pt>
               </c:numCache>
             </c:numRef>
           </c:val>
+          <c:extLst>
+            <c:ext xmlns:c16="http://schemas.microsoft.com/office/drawing/2014/chart" uri="{C3380CC4-5D6E-409C-BE32-E72D297353CC}">
+              <c16:uniqueId val="{00000002-76B6-454B-9C95-E24C4616AEE3}"/>
+            </c:ext>
+          </c:extLst>
         </c:ser>
         <c:dLbls>
           <c:showLegendKey val="0"/>
@@ -11544,7 +10832,7 @@
         <c:axId val="-1429748816"/>
         <c:scaling>
           <c:orientation val="minMax"/>
-          <c:max val="1.0"/>
+          <c:max val="1"/>
         </c:scaling>
         <c:delete val="0"/>
         <c:axPos val="l"/>
@@ -11562,6 +10850,7 @@
             <a:effectLst/>
           </c:spPr>
         </c:majorGridlines>
+        <c:numFmt formatCode="General" sourceLinked="1"/>
         <c:majorTickMark val="none"/>
         <c:minorTickMark val="none"/>
         <c:tickLblPos val="nextTo"/>
@@ -11606,7 +10895,6 @@
     </c:plotArea>
     <c:legend>
       <c:legendPos val="b"/>
-      <c:layout/>
       <c:overlay val="0"/>
       <c:spPr>
         <a:noFill/>
@@ -11664,7 +10952,7 @@
 </file>
 
 <file path=ppt/charts/chart26.xml><?xml version="1.0" encoding="utf-8"?>
-<c:chartSpace xmlns:c="http://schemas.openxmlformats.org/drawingml/2006/chart" xmlns:a="http://schemas.openxmlformats.org/drawingml/2006/main" xmlns:r="http://schemas.openxmlformats.org/officeDocument/2006/relationships">
+<c:chartSpace xmlns:c="http://schemas.openxmlformats.org/drawingml/2006/chart" xmlns:a="http://schemas.openxmlformats.org/drawingml/2006/main" xmlns:r="http://schemas.openxmlformats.org/officeDocument/2006/relationships" xmlns:c16r2="http://schemas.microsoft.com/office/drawing/2015/06/chart">
   <c:date1904 val="0"/>
   <c:lang val="en-US"/>
   <c:roundedCorners val="0"/>
@@ -11744,7 +11032,6 @@
           </a:p>
         </c:rich>
       </c:tx>
-      <c:layout/>
       <c:overlay val="0"/>
       <c:spPr>
         <a:noFill/>
@@ -11830,34 +11117,34 @@
                 <c:formatCode>General</c:formatCode>
                 <c:ptCount val="10"/>
                 <c:pt idx="0">
-                  <c:v>1.0</c:v>
+                  <c:v>1</c:v>
                 </c:pt>
                 <c:pt idx="1">
-                  <c:v>2.0</c:v>
+                  <c:v>2</c:v>
                 </c:pt>
                 <c:pt idx="2">
-                  <c:v>3.0</c:v>
+                  <c:v>3</c:v>
                 </c:pt>
                 <c:pt idx="3">
-                  <c:v>4.0</c:v>
+                  <c:v>4</c:v>
                 </c:pt>
                 <c:pt idx="4">
-                  <c:v>5.0</c:v>
+                  <c:v>5</c:v>
                 </c:pt>
                 <c:pt idx="5">
-                  <c:v>6.0</c:v>
+                  <c:v>6</c:v>
                 </c:pt>
                 <c:pt idx="6">
-                  <c:v>7.0</c:v>
+                  <c:v>7</c:v>
                 </c:pt>
                 <c:pt idx="7">
-                  <c:v>8.0</c:v>
+                  <c:v>8</c:v>
                 </c:pt>
                 <c:pt idx="8">
-                  <c:v>9.0</c:v>
+                  <c:v>9</c:v>
                 </c:pt>
                 <c:pt idx="9">
-                  <c:v>10.0</c:v>
+                  <c:v>10</c:v>
                 </c:pt>
               </c:numCache>
             </c:numRef>
@@ -11869,38 +11156,43 @@
                 <c:formatCode>General</c:formatCode>
                 <c:ptCount val="10"/>
                 <c:pt idx="0">
-                  <c:v>0.567708333333333</c:v>
+                  <c:v>0.56770833333333304</c:v>
                 </c:pt>
                 <c:pt idx="1">
-                  <c:v>0.545</c:v>
+                  <c:v>0.54500000000000004</c:v>
                 </c:pt>
                 <c:pt idx="2">
-                  <c:v>0.683823529411765</c:v>
+                  <c:v>0.68382352941176505</c:v>
                 </c:pt>
                 <c:pt idx="3">
                   <c:v>0.59375</c:v>
                 </c:pt>
                 <c:pt idx="4">
-                  <c:v>0.84469696969697</c:v>
+                  <c:v>0.84469696969696995</c:v>
                 </c:pt>
                 <c:pt idx="5">
-                  <c:v>0.833333333333333</c:v>
+                  <c:v>0.83333333333333304</c:v>
                 </c:pt>
                 <c:pt idx="6">
-                  <c:v>0.958333333333333</c:v>
+                  <c:v>0.95833333333333304</c:v>
                 </c:pt>
                 <c:pt idx="7">
                   <c:v>0.875</c:v>
                 </c:pt>
                 <c:pt idx="8">
-                  <c:v>0.847222222222222</c:v>
+                  <c:v>0.84722222222222199</c:v>
                 </c:pt>
                 <c:pt idx="9">
-                  <c:v>1.0</c:v>
+                  <c:v>1</c:v>
                 </c:pt>
               </c:numCache>
             </c:numRef>
           </c:val>
+          <c:extLst>
+            <c:ext xmlns:c16="http://schemas.microsoft.com/office/drawing/2014/chart" uri="{C3380CC4-5D6E-409C-BE32-E72D297353CC}">
+              <c16:uniqueId val="{00000000-63AF-4DED-9E63-5AA7B7423075}"/>
+            </c:ext>
+          </c:extLst>
         </c:ser>
         <c:ser>
           <c:idx val="3"/>
@@ -11951,34 +11243,34 @@
                 <c:formatCode>General</c:formatCode>
                 <c:ptCount val="10"/>
                 <c:pt idx="0">
-                  <c:v>1.0</c:v>
+                  <c:v>1</c:v>
                 </c:pt>
                 <c:pt idx="1">
-                  <c:v>2.0</c:v>
+                  <c:v>2</c:v>
                 </c:pt>
                 <c:pt idx="2">
-                  <c:v>3.0</c:v>
+                  <c:v>3</c:v>
                 </c:pt>
                 <c:pt idx="3">
-                  <c:v>4.0</c:v>
+                  <c:v>4</c:v>
                 </c:pt>
                 <c:pt idx="4">
-                  <c:v>5.0</c:v>
+                  <c:v>5</c:v>
                 </c:pt>
                 <c:pt idx="5">
-                  <c:v>6.0</c:v>
+                  <c:v>6</c:v>
                 </c:pt>
                 <c:pt idx="6">
-                  <c:v>7.0</c:v>
+                  <c:v>7</c:v>
                 </c:pt>
                 <c:pt idx="7">
-                  <c:v>8.0</c:v>
+                  <c:v>8</c:v>
                 </c:pt>
                 <c:pt idx="8">
-                  <c:v>9.0</c:v>
+                  <c:v>9</c:v>
                 </c:pt>
                 <c:pt idx="9">
-                  <c:v>10.0</c:v>
+                  <c:v>10</c:v>
                 </c:pt>
               </c:numCache>
             </c:numRef>
@@ -11990,35 +11282,40 @@
                 <c:formatCode>General</c:formatCode>
                 <c:ptCount val="10"/>
                 <c:pt idx="0">
-                  <c:v>0.821428571428571</c:v>
+                  <c:v>0.82142857142857095</c:v>
                 </c:pt>
                 <c:pt idx="1">
-                  <c:v>0.916666666666667</c:v>
+                  <c:v>0.91666666666666696</c:v>
                 </c:pt>
                 <c:pt idx="2">
                   <c:v>0.875</c:v>
                 </c:pt>
                 <c:pt idx="3">
-                  <c:v>0.916666666666667</c:v>
+                  <c:v>0.91666666666666696</c:v>
                 </c:pt>
                 <c:pt idx="4">
-                  <c:v>0.958333333333333</c:v>
+                  <c:v>0.95833333333333304</c:v>
                 </c:pt>
                 <c:pt idx="5">
-                  <c:v>0.902777777777778</c:v>
+                  <c:v>0.90277777777777801</c:v>
                 </c:pt>
                 <c:pt idx="6">
-                  <c:v>0.958333333333333</c:v>
+                  <c:v>0.95833333333333304</c:v>
                 </c:pt>
                 <c:pt idx="7">
-                  <c:v>0.833333333333333</c:v>
+                  <c:v>0.83333333333333304</c:v>
                 </c:pt>
                 <c:pt idx="9">
-                  <c:v>1.0</c:v>
+                  <c:v>1</c:v>
                 </c:pt>
               </c:numCache>
             </c:numRef>
           </c:val>
+          <c:extLst>
+            <c:ext xmlns:c16="http://schemas.microsoft.com/office/drawing/2014/chart" uri="{C3380CC4-5D6E-409C-BE32-E72D297353CC}">
+              <c16:uniqueId val="{00000001-63AF-4DED-9E63-5AA7B7423075}"/>
+            </c:ext>
+          </c:extLst>
         </c:ser>
         <c:ser>
           <c:idx val="0"/>
@@ -12069,34 +11366,34 @@
                 <c:formatCode>General</c:formatCode>
                 <c:ptCount val="10"/>
                 <c:pt idx="0">
-                  <c:v>1.0</c:v>
+                  <c:v>1</c:v>
                 </c:pt>
                 <c:pt idx="1">
-                  <c:v>2.0</c:v>
+                  <c:v>2</c:v>
                 </c:pt>
                 <c:pt idx="2">
-                  <c:v>3.0</c:v>
+                  <c:v>3</c:v>
                 </c:pt>
                 <c:pt idx="3">
-                  <c:v>4.0</c:v>
+                  <c:v>4</c:v>
                 </c:pt>
                 <c:pt idx="4">
-                  <c:v>5.0</c:v>
+                  <c:v>5</c:v>
                 </c:pt>
                 <c:pt idx="5">
-                  <c:v>6.0</c:v>
+                  <c:v>6</c:v>
                 </c:pt>
                 <c:pt idx="6">
-                  <c:v>7.0</c:v>
+                  <c:v>7</c:v>
                 </c:pt>
                 <c:pt idx="7">
-                  <c:v>8.0</c:v>
+                  <c:v>8</c:v>
                 </c:pt>
                 <c:pt idx="8">
-                  <c:v>9.0</c:v>
+                  <c:v>9</c:v>
                 </c:pt>
                 <c:pt idx="9">
-                  <c:v>10.0</c:v>
+                  <c:v>10</c:v>
                 </c:pt>
               </c:numCache>
             </c:numRef>
@@ -12108,25 +11405,25 @@
                 <c:formatCode>General</c:formatCode>
                 <c:ptCount val="10"/>
                 <c:pt idx="0">
-                  <c:v>0.291666666666667</c:v>
+                  <c:v>0.29166666666666702</c:v>
                 </c:pt>
                 <c:pt idx="1">
-                  <c:v>0.326388888888889</c:v>
+                  <c:v>0.32638888888888901</c:v>
                 </c:pt>
                 <c:pt idx="2">
-                  <c:v>0.575</c:v>
+                  <c:v>0.57499999999999996</c:v>
                 </c:pt>
                 <c:pt idx="3">
-                  <c:v>0.458333333333333</c:v>
+                  <c:v>0.45833333333333298</c:v>
                 </c:pt>
                 <c:pt idx="4">
-                  <c:v>0.666666666666667</c:v>
+                  <c:v>0.66666666666666696</c:v>
                 </c:pt>
                 <c:pt idx="5">
                   <c:v>0.625</c:v>
                 </c:pt>
                 <c:pt idx="7">
-                  <c:v>0.666666666666667</c:v>
+                  <c:v>0.66666666666666696</c:v>
                 </c:pt>
                 <c:pt idx="8">
                   <c:v>0.625</c:v>
@@ -12134,6 +11431,11 @@
               </c:numCache>
             </c:numRef>
           </c:val>
+          <c:extLst>
+            <c:ext xmlns:c16="http://schemas.microsoft.com/office/drawing/2014/chart" uri="{C3380CC4-5D6E-409C-BE32-E72D297353CC}">
+              <c16:uniqueId val="{00000002-63AF-4DED-9E63-5AA7B7423075}"/>
+            </c:ext>
+          </c:extLst>
         </c:ser>
         <c:dLbls>
           <c:showLegendKey val="0"/>
@@ -12198,7 +11500,6 @@
               </a:p>
             </c:rich>
           </c:tx>
-          <c:layout/>
           <c:overlay val="0"/>
           <c:spPr>
             <a:noFill/>
@@ -12276,7 +11577,7 @@
         <c:axId val="-1485278944"/>
         <c:scaling>
           <c:orientation val="minMax"/>
-          <c:max val="1.0"/>
+          <c:max val="1"/>
         </c:scaling>
         <c:delete val="0"/>
         <c:axPos val="l"/>
@@ -12294,6 +11595,7 @@
             <a:effectLst/>
           </c:spPr>
         </c:majorGridlines>
+        <c:numFmt formatCode="General" sourceLinked="1"/>
         <c:majorTickMark val="none"/>
         <c:minorTickMark val="none"/>
         <c:tickLblPos val="nextTo"/>
@@ -12338,7 +11640,6 @@
     </c:plotArea>
     <c:legend>
       <c:legendPos val="b"/>
-      <c:layout/>
       <c:overlay val="0"/>
       <c:spPr>
         <a:noFill/>
@@ -12396,7 +11697,7 @@
 </file>
 
 <file path=ppt/charts/chart3.xml><?xml version="1.0" encoding="utf-8"?>
-<c:chartSpace xmlns:c="http://schemas.openxmlformats.org/drawingml/2006/chart" xmlns:a="http://schemas.openxmlformats.org/drawingml/2006/main" xmlns:r="http://schemas.openxmlformats.org/officeDocument/2006/relationships">
+<c:chartSpace xmlns:c="http://schemas.openxmlformats.org/drawingml/2006/chart" xmlns:a="http://schemas.openxmlformats.org/drawingml/2006/main" xmlns:r="http://schemas.openxmlformats.org/officeDocument/2006/relationships" xmlns:c16r2="http://schemas.microsoft.com/office/drawing/2015/06/chart">
   <c:date1904 val="0"/>
   <c:lang val="en-US"/>
   <c:roundedCorners val="0"/>
@@ -12440,7 +11741,6 @@
           </a:p>
         </c:rich>
       </c:tx>
-      <c:layout/>
       <c:overlay val="0"/>
       <c:spPr>
         <a:noFill/>
@@ -12541,18 +11841,18 @@
                   <c:v>0.131972789115646</c:v>
                 </c:pt>
                 <c:pt idx="1">
-                  <c:v>0.868027210884354</c:v>
+                  <c:v>0.86802721088435397</c:v>
                 </c:pt>
                 <c:pt idx="2">
-                  <c:v>0.432134758665371</c:v>
+                  <c:v>0.43213475866537099</c:v>
                 </c:pt>
                 <c:pt idx="3">
-                  <c:v>0.567865241334629</c:v>
+                  <c:v>0.56786524133462901</c:v>
                 </c:pt>
               </c:numCache>
             </c:numRef>
           </c:val>
-          <c:extLst xmlns:c16r2="http://schemas.microsoft.com/office/drawing/2015/06/chart">
+          <c:extLst>
             <c:ext xmlns:c16="http://schemas.microsoft.com/office/drawing/2014/chart" uri="{C3380CC4-5D6E-409C-BE32-E72D297353CC}">
               <c16:uniqueId val="{00000000-1180-43FE-BC69-2FE7FA3F0AA8}"/>
             </c:ext>
@@ -12622,18 +11922,18 @@
                   <c:v>0.114583333333333</c:v>
                 </c:pt>
                 <c:pt idx="1">
-                  <c:v>0.885416666666666</c:v>
+                  <c:v>0.88541666666666596</c:v>
                 </c:pt>
                 <c:pt idx="2">
-                  <c:v>0.39781746031746</c:v>
+                  <c:v>0.39781746031746001</c:v>
                 </c:pt>
                 <c:pt idx="3">
-                  <c:v>0.60218253968254</c:v>
+                  <c:v>0.60218253968253999</c:v>
                 </c:pt>
               </c:numCache>
             </c:numRef>
           </c:val>
-          <c:extLst xmlns:c16r2="http://schemas.microsoft.com/office/drawing/2015/06/chart">
+          <c:extLst>
             <c:ext xmlns:c16="http://schemas.microsoft.com/office/drawing/2014/chart" uri="{C3380CC4-5D6E-409C-BE32-E72D297353CC}">
               <c16:uniqueId val="{00000001-1180-43FE-BC69-2FE7FA3F0AA8}"/>
             </c:ext>
@@ -12700,21 +12000,21 @@
                 <c:formatCode>General</c:formatCode>
                 <c:ptCount val="4"/>
                 <c:pt idx="0">
-                  <c:v>0.0978260869565217</c:v>
+                  <c:v>9.7826086956521702E-2</c:v>
                 </c:pt>
                 <c:pt idx="1">
-                  <c:v>0.902173913043478</c:v>
+                  <c:v>0.90217391304347805</c:v>
                 </c:pt>
                 <c:pt idx="2">
-                  <c:v>0.31055900621118</c:v>
+                  <c:v>0.31055900621117999</c:v>
                 </c:pt>
                 <c:pt idx="3">
-                  <c:v>0.68944099378882</c:v>
+                  <c:v>0.68944099378881996</c:v>
                 </c:pt>
               </c:numCache>
             </c:numRef>
           </c:val>
-          <c:extLst xmlns:c16r2="http://schemas.microsoft.com/office/drawing/2015/06/chart">
+          <c:extLst>
             <c:ext xmlns:c16="http://schemas.microsoft.com/office/drawing/2014/chart" uri="{C3380CC4-5D6E-409C-BE32-E72D297353CC}">
               <c16:uniqueId val="{00000002-1180-43FE-BC69-2FE7FA3F0AA8}"/>
             </c:ext>
@@ -12781,21 +12081,21 @@
                 <c:formatCode>General</c:formatCode>
                 <c:ptCount val="4"/>
                 <c:pt idx="0">
-                  <c:v>0.0831168831168831</c:v>
+                  <c:v>8.3116883116883103E-2</c:v>
                 </c:pt>
                 <c:pt idx="1">
-                  <c:v>0.916883116883117</c:v>
+                  <c:v>0.91688311688311697</c:v>
                 </c:pt>
                 <c:pt idx="2">
-                  <c:v>0.368583797155226</c:v>
+                  <c:v>0.36858379715522599</c:v>
                 </c:pt>
                 <c:pt idx="3">
-                  <c:v>0.631416202844774</c:v>
+                  <c:v>0.63141620284477395</c:v>
                 </c:pt>
               </c:numCache>
             </c:numRef>
           </c:val>
-          <c:extLst xmlns:c16r2="http://schemas.microsoft.com/office/drawing/2015/06/chart">
+          <c:extLst>
             <c:ext xmlns:c16="http://schemas.microsoft.com/office/drawing/2014/chart" uri="{C3380CC4-5D6E-409C-BE32-E72D297353CC}">
               <c16:uniqueId val="{00000003-1180-43FE-BC69-2FE7FA3F0AA8}"/>
             </c:ext>
@@ -12931,7 +12231,6 @@
     </c:plotArea>
     <c:legend>
       <c:legendPos val="b"/>
-      <c:layout/>
       <c:overlay val="0"/>
       <c:spPr>
         <a:noFill/>
@@ -12989,7 +12288,7 @@
 </file>
 
 <file path=ppt/charts/chart4.xml><?xml version="1.0" encoding="utf-8"?>
-<c:chartSpace xmlns:c="http://schemas.openxmlformats.org/drawingml/2006/chart" xmlns:a="http://schemas.openxmlformats.org/drawingml/2006/main" xmlns:r="http://schemas.openxmlformats.org/officeDocument/2006/relationships">
+<c:chartSpace xmlns:c="http://schemas.openxmlformats.org/drawingml/2006/chart" xmlns:a="http://schemas.openxmlformats.org/drawingml/2006/main" xmlns:r="http://schemas.openxmlformats.org/officeDocument/2006/relationships" xmlns:c16r2="http://schemas.microsoft.com/office/drawing/2015/06/chart">
   <c:date1904 val="0"/>
   <c:lang val="en-US"/>
   <c:roundedCorners val="0"/>
@@ -13033,7 +12332,6 @@
           </a:p>
         </c:rich>
       </c:tx>
-      <c:layout/>
       <c:overlay val="0"/>
       <c:spPr>
         <a:noFill/>
@@ -13131,21 +12429,21 @@
                 <c:formatCode>General</c:formatCode>
                 <c:ptCount val="4"/>
                 <c:pt idx="0">
-                  <c:v>0.147058823529412</c:v>
+                  <c:v>0.14705882352941199</c:v>
                 </c:pt>
                 <c:pt idx="1">
-                  <c:v>0.852941176470588</c:v>
+                  <c:v>0.85294117647058798</c:v>
                 </c:pt>
                 <c:pt idx="2">
                   <c:v>0.434873949579832</c:v>
                 </c:pt>
                 <c:pt idx="3">
-                  <c:v>0.565126050420168</c:v>
+                  <c:v>0.56512605042016795</c:v>
                 </c:pt>
               </c:numCache>
             </c:numRef>
           </c:val>
-          <c:extLst xmlns:c16r2="http://schemas.microsoft.com/office/drawing/2015/06/chart">
+          <c:extLst>
             <c:ext xmlns:c16="http://schemas.microsoft.com/office/drawing/2014/chart" uri="{C3380CC4-5D6E-409C-BE32-E72D297353CC}">
               <c16:uniqueId val="{00000000-88E7-4674-AD93-7AF82EF98F73}"/>
             </c:ext>
@@ -13212,21 +12510,21 @@
                 <c:formatCode>General</c:formatCode>
                 <c:ptCount val="4"/>
                 <c:pt idx="0">
-                  <c:v>0.118987341772152</c:v>
+                  <c:v>0.11898734177215201</c:v>
                 </c:pt>
                 <c:pt idx="1">
-                  <c:v>0.881012658227848</c:v>
+                  <c:v>0.88101265822784802</c:v>
                 </c:pt>
                 <c:pt idx="2">
-                  <c:v>0.429776974080772</c:v>
+                  <c:v>0.42977697408077198</c:v>
                 </c:pt>
                 <c:pt idx="3">
-                  <c:v>0.570223025919228</c:v>
+                  <c:v>0.57022302591922802</c:v>
                 </c:pt>
               </c:numCache>
             </c:numRef>
           </c:val>
-          <c:extLst xmlns:c16r2="http://schemas.microsoft.com/office/drawing/2015/06/chart">
+          <c:extLst>
             <c:ext xmlns:c16="http://schemas.microsoft.com/office/drawing/2014/chart" uri="{C3380CC4-5D6E-409C-BE32-E72D297353CC}">
               <c16:uniqueId val="{00000001-88E7-4674-AD93-7AF82EF98F73}"/>
             </c:ext>
@@ -13296,18 +12594,18 @@
                   <c:v>0.114583333333333</c:v>
                 </c:pt>
                 <c:pt idx="1">
-                  <c:v>0.885416666666666</c:v>
+                  <c:v>0.88541666666666596</c:v>
                 </c:pt>
                 <c:pt idx="2">
-                  <c:v>0.39781746031746</c:v>
+                  <c:v>0.39781746031746001</c:v>
                 </c:pt>
                 <c:pt idx="3">
-                  <c:v>0.602182539682539</c:v>
+                  <c:v>0.60218253968253899</c:v>
                 </c:pt>
               </c:numCache>
             </c:numRef>
           </c:val>
-          <c:extLst xmlns:c16r2="http://schemas.microsoft.com/office/drawing/2015/06/chart">
+          <c:extLst>
             <c:ext xmlns:c16="http://schemas.microsoft.com/office/drawing/2014/chart" uri="{C3380CC4-5D6E-409C-BE32-E72D297353CC}">
               <c16:uniqueId val="{00000002-88E7-4674-AD93-7AF82EF98F73}"/>
             </c:ext>
@@ -13374,21 +12672,21 @@
                 <c:formatCode>General</c:formatCode>
                 <c:ptCount val="4"/>
                 <c:pt idx="0">
-                  <c:v>0.0978260869565217</c:v>
+                  <c:v>9.7826086956521702E-2</c:v>
                 </c:pt>
                 <c:pt idx="1">
-                  <c:v>0.902173913043478</c:v>
+                  <c:v>0.90217391304347805</c:v>
                 </c:pt>
                 <c:pt idx="2">
-                  <c:v>0.31055900621118</c:v>
+                  <c:v>0.31055900621117999</c:v>
                 </c:pt>
                 <c:pt idx="3">
-                  <c:v>0.68944099378882</c:v>
+                  <c:v>0.68944099378881996</c:v>
                 </c:pt>
               </c:numCache>
             </c:numRef>
           </c:val>
-          <c:extLst xmlns:c16r2="http://schemas.microsoft.com/office/drawing/2015/06/chart">
+          <c:extLst>
             <c:ext xmlns:c16="http://schemas.microsoft.com/office/drawing/2014/chart" uri="{C3380CC4-5D6E-409C-BE32-E72D297353CC}">
               <c16:uniqueId val="{00000003-88E7-4674-AD93-7AF82EF98F73}"/>
             </c:ext>
@@ -13455,21 +12753,21 @@
                 <c:formatCode>General</c:formatCode>
                 <c:ptCount val="4"/>
                 <c:pt idx="0">
-                  <c:v>0.0831168831168831</c:v>
+                  <c:v>8.3116883116883103E-2</c:v>
                 </c:pt>
                 <c:pt idx="1">
-                  <c:v>0.916883116883117</c:v>
+                  <c:v>0.91688311688311697</c:v>
                 </c:pt>
                 <c:pt idx="2">
-                  <c:v>0.368583797155226</c:v>
+                  <c:v>0.36858379715522599</c:v>
                 </c:pt>
                 <c:pt idx="3">
-                  <c:v>0.631416202844774</c:v>
+                  <c:v>0.63141620284477395</c:v>
                 </c:pt>
               </c:numCache>
             </c:numRef>
           </c:val>
-          <c:extLst xmlns:c16r2="http://schemas.microsoft.com/office/drawing/2015/06/chart">
+          <c:extLst>
             <c:ext xmlns:c16="http://schemas.microsoft.com/office/drawing/2014/chart" uri="{C3380CC4-5D6E-409C-BE32-E72D297353CC}">
               <c16:uniqueId val="{00000004-88E7-4674-AD93-7AF82EF98F73}"/>
             </c:ext>
@@ -13605,7 +12903,6 @@
     </c:plotArea>
     <c:legend>
       <c:legendPos val="b"/>
-      <c:layout/>
       <c:overlay val="0"/>
       <c:spPr>
         <a:noFill/>
@@ -13663,7 +12960,7 @@
 </file>
 
 <file path=ppt/charts/chart5.xml><?xml version="1.0" encoding="utf-8"?>
-<c:chartSpace xmlns:c="http://schemas.openxmlformats.org/drawingml/2006/chart" xmlns:a="http://schemas.openxmlformats.org/drawingml/2006/main" xmlns:r="http://schemas.openxmlformats.org/officeDocument/2006/relationships">
+<c:chartSpace xmlns:c="http://schemas.openxmlformats.org/drawingml/2006/chart" xmlns:a="http://schemas.openxmlformats.org/drawingml/2006/main" xmlns:r="http://schemas.openxmlformats.org/officeDocument/2006/relationships" xmlns:c16r2="http://schemas.microsoft.com/office/drawing/2015/06/chart">
   <c:date1904 val="0"/>
   <c:lang val="en-US"/>
   <c:roundedCorners val="0"/>
@@ -13707,7 +13004,6 @@
           </a:p>
         </c:rich>
       </c:tx>
-      <c:layout/>
       <c:overlay val="0"/>
       <c:spPr>
         <a:noFill/>
@@ -13831,33 +13127,33 @@
                 <c:formatCode>General</c:formatCode>
                 <c:ptCount val="8"/>
                 <c:pt idx="0">
-                  <c:v>0.0722222222222222</c:v>
+                  <c:v>7.2222222222222202E-2</c:v>
                 </c:pt>
                 <c:pt idx="1">
-                  <c:v>0.927777777777778</c:v>
+                  <c:v>0.92777777777777803</c:v>
                 </c:pt>
                 <c:pt idx="2">
-                  <c:v>0.361111111111111</c:v>
+                  <c:v>0.36111111111111099</c:v>
                 </c:pt>
                 <c:pt idx="3">
-                  <c:v>0.638888888888889</c:v>
+                  <c:v>0.63888888888888895</c:v>
                 </c:pt>
                 <c:pt idx="4">
-                  <c:v>0.212962962962963</c:v>
+                  <c:v>0.21296296296296299</c:v>
                 </c:pt>
                 <c:pt idx="5">
-                  <c:v>0.787037037037037</c:v>
+                  <c:v>0.78703703703703698</c:v>
                 </c:pt>
                 <c:pt idx="6">
-                  <c:v>0.666666666666667</c:v>
+                  <c:v>0.66666666666666696</c:v>
                 </c:pt>
                 <c:pt idx="7">
-                  <c:v>0.333333333333333</c:v>
+                  <c:v>0.33333333333333298</c:v>
                 </c:pt>
               </c:numCache>
             </c:numRef>
           </c:val>
-          <c:extLst xmlns:c16r2="http://schemas.microsoft.com/office/drawing/2015/06/chart">
+          <c:extLst>
             <c:ext xmlns:c16="http://schemas.microsoft.com/office/drawing/2014/chart" uri="{C3380CC4-5D6E-409C-BE32-E72D297353CC}">
               <c16:uniqueId val="{00000000-58E0-4FAE-95E6-B7504652BD8B}"/>
             </c:ext>
@@ -13950,33 +13246,33 @@
                 <c:formatCode>General</c:formatCode>
                 <c:ptCount val="8"/>
                 <c:pt idx="0">
-                  <c:v>0.0583333333333333</c:v>
+                  <c:v>5.83333333333333E-2</c:v>
                 </c:pt>
                 <c:pt idx="1">
-                  <c:v>0.941666666666667</c:v>
+                  <c:v>0.94166666666666698</c:v>
                 </c:pt>
                 <c:pt idx="2">
-                  <c:v>0.316666666666667</c:v>
+                  <c:v>0.31666666666666698</c:v>
                 </c:pt>
                 <c:pt idx="3">
-                  <c:v>0.683333333333333</c:v>
+                  <c:v>0.68333333333333302</c:v>
                 </c:pt>
                 <c:pt idx="4">
                   <c:v>0.126984126984127</c:v>
                 </c:pt>
                 <c:pt idx="5">
-                  <c:v>0.873015873015873</c:v>
+                  <c:v>0.87301587301587302</c:v>
                 </c:pt>
                 <c:pt idx="6">
-                  <c:v>0.599206349206349</c:v>
+                  <c:v>0.59920634920634896</c:v>
                 </c:pt>
                 <c:pt idx="7">
-                  <c:v>0.400793650793651</c:v>
+                  <c:v>0.40079365079365098</c:v>
                 </c:pt>
               </c:numCache>
             </c:numRef>
           </c:val>
-          <c:extLst xmlns:c16r2="http://schemas.microsoft.com/office/drawing/2015/06/chart">
+          <c:extLst>
             <c:ext xmlns:c16="http://schemas.microsoft.com/office/drawing/2014/chart" uri="{C3380CC4-5D6E-409C-BE32-E72D297353CC}">
               <c16:uniqueId val="{00000001-58E0-4FAE-95E6-B7504652BD8B}"/>
             </c:ext>
@@ -14069,33 +13365,33 @@
                 <c:formatCode>General</c:formatCode>
                 <c:ptCount val="8"/>
                 <c:pt idx="0">
-                  <c:v>0.0608695652173913</c:v>
+                  <c:v>6.08695652173913E-2</c:v>
                 </c:pt>
                 <c:pt idx="1">
-                  <c:v>0.939130434782609</c:v>
+                  <c:v>0.93913043478260905</c:v>
                 </c:pt>
                 <c:pt idx="2">
-                  <c:v>0.278260869565217</c:v>
+                  <c:v>0.27826086956521701</c:v>
                 </c:pt>
                 <c:pt idx="3">
-                  <c:v>0.721739130434783</c:v>
+                  <c:v>0.72173913043478299</c:v>
                 </c:pt>
                 <c:pt idx="4">
                   <c:v>0.173913043478261</c:v>
                 </c:pt>
                 <c:pt idx="5">
-                  <c:v>0.826086956521739</c:v>
+                  <c:v>0.82608695652173902</c:v>
                 </c:pt>
                 <c:pt idx="6">
-                  <c:v>0.472049689440994</c:v>
+                  <c:v>0.47204968944099401</c:v>
                 </c:pt>
                 <c:pt idx="7">
-                  <c:v>0.527950310559006</c:v>
+                  <c:v>0.52795031055900599</c:v>
                 </c:pt>
               </c:numCache>
             </c:numRef>
           </c:val>
-          <c:extLst xmlns:c16r2="http://schemas.microsoft.com/office/drawing/2015/06/chart">
+          <c:extLst>
             <c:ext xmlns:c16="http://schemas.microsoft.com/office/drawing/2014/chart" uri="{C3380CC4-5D6E-409C-BE32-E72D297353CC}">
               <c16:uniqueId val="{00000002-58E0-4FAE-95E6-B7504652BD8B}"/>
             </c:ext>
@@ -14200,21 +13496,21 @@
                   <c:v>0.68</c:v>
                 </c:pt>
                 <c:pt idx="4">
-                  <c:v>0.0976190476190476</c:v>
+                  <c:v>9.7619047619047605E-2</c:v>
                 </c:pt>
                 <c:pt idx="5">
-                  <c:v>0.902380952380952</c:v>
+                  <c:v>0.90238095238095195</c:v>
                 </c:pt>
                 <c:pt idx="6">
-                  <c:v>0.585714285714286</c:v>
+                  <c:v>0.58571428571428596</c:v>
                 </c:pt>
                 <c:pt idx="7">
-                  <c:v>0.414285714285714</c:v>
+                  <c:v>0.41428571428571398</c:v>
                 </c:pt>
               </c:numCache>
             </c:numRef>
           </c:val>
-          <c:extLst xmlns:c16r2="http://schemas.microsoft.com/office/drawing/2015/06/chart">
+          <c:extLst>
             <c:ext xmlns:c16="http://schemas.microsoft.com/office/drawing/2014/chart" uri="{C3380CC4-5D6E-409C-BE32-E72D297353CC}">
               <c16:uniqueId val="{00000003-58E0-4FAE-95E6-B7504652BD8B}"/>
             </c:ext>
@@ -14288,7 +13584,7 @@
         <c:axId val="-1620436240"/>
         <c:scaling>
           <c:orientation val="minMax"/>
-          <c:max val="1.0"/>
+          <c:max val="1"/>
         </c:scaling>
         <c:delete val="0"/>
         <c:axPos val="l"/>
@@ -14351,7 +13647,6 @@
     </c:plotArea>
     <c:legend>
       <c:legendPos val="b"/>
-      <c:layout/>
       <c:overlay val="0"/>
       <c:spPr>
         <a:noFill/>
@@ -14409,7 +13704,7 @@
 </file>
 
 <file path=ppt/charts/chart6.xml><?xml version="1.0" encoding="utf-8"?>
-<c:chartSpace xmlns:c="http://schemas.openxmlformats.org/drawingml/2006/chart" xmlns:a="http://schemas.openxmlformats.org/drawingml/2006/main" xmlns:r="http://schemas.openxmlformats.org/officeDocument/2006/relationships">
+<c:chartSpace xmlns:c="http://schemas.openxmlformats.org/drawingml/2006/chart" xmlns:a="http://schemas.openxmlformats.org/drawingml/2006/main" xmlns:r="http://schemas.openxmlformats.org/officeDocument/2006/relationships" xmlns:c16r2="http://schemas.microsoft.com/office/drawing/2015/06/chart">
   <c:date1904 val="0"/>
   <c:lang val="en-US"/>
   <c:roundedCorners val="0"/>
@@ -14449,7 +13744,6 @@
           </a:p>
         </c:rich>
       </c:tx>
-      <c:layout/>
       <c:overlay val="0"/>
       <c:spPr>
         <a:noFill/>
@@ -14573,33 +13867,33 @@
                 <c:formatCode>General</c:formatCode>
                 <c:ptCount val="8"/>
                 <c:pt idx="0">
-                  <c:v>0.0470588235294118</c:v>
+                  <c:v>4.7058823529411799E-2</c:v>
                 </c:pt>
                 <c:pt idx="1">
-                  <c:v>0.952941176470588</c:v>
+                  <c:v>0.95294117647058796</c:v>
                 </c:pt>
                 <c:pt idx="2">
-                  <c:v>0.423529411764706</c:v>
+                  <c:v>0.42352941176470599</c:v>
                 </c:pt>
                 <c:pt idx="3">
-                  <c:v>0.576470588235294</c:v>
+                  <c:v>0.57647058823529396</c:v>
                 </c:pt>
                 <c:pt idx="4">
                   <c:v>0.179271708683473</c:v>
                 </c:pt>
                 <c:pt idx="5">
-                  <c:v>0.820728291316527</c:v>
+                  <c:v>0.82072829131652703</c:v>
                 </c:pt>
                 <c:pt idx="6">
-                  <c:v>0.675070028011204</c:v>
+                  <c:v>0.67507002801120397</c:v>
                 </c:pt>
                 <c:pt idx="7">
-                  <c:v>0.324929971988795</c:v>
+                  <c:v>0.32492997198879497</c:v>
                 </c:pt>
               </c:numCache>
             </c:numRef>
           </c:val>
-          <c:extLst xmlns:c16r2="http://schemas.microsoft.com/office/drawing/2015/06/chart">
+          <c:extLst>
             <c:ext xmlns:c16="http://schemas.microsoft.com/office/drawing/2014/chart" uri="{C3380CC4-5D6E-409C-BE32-E72D297353CC}">
               <c16:uniqueId val="{00000000-E037-4CA3-BD16-2E0FC88ABE81}"/>
             </c:ext>
@@ -14692,33 +13986,33 @@
                 <c:formatCode>General</c:formatCode>
                 <c:ptCount val="8"/>
                 <c:pt idx="0">
-                  <c:v>0.0947368421052631</c:v>
+                  <c:v>9.4736842105263105E-2</c:v>
                 </c:pt>
                 <c:pt idx="1">
-                  <c:v>0.905263157894737</c:v>
+                  <c:v>0.90526315789473699</c:v>
                 </c:pt>
                 <c:pt idx="2">
-                  <c:v>0.305263157894737</c:v>
+                  <c:v>0.30526315789473701</c:v>
                 </c:pt>
                 <c:pt idx="3">
-                  <c:v>0.694736842105263</c:v>
+                  <c:v>0.69473684210526299</c:v>
                 </c:pt>
                 <c:pt idx="4">
-                  <c:v>0.243107769423559</c:v>
+                  <c:v>0.24310776942355899</c:v>
                 </c:pt>
                 <c:pt idx="5">
-                  <c:v>0.756892230576441</c:v>
+                  <c:v>0.75689223057644095</c:v>
                 </c:pt>
                 <c:pt idx="6">
-                  <c:v>0.659147869674185</c:v>
+                  <c:v>0.65914786967418504</c:v>
                 </c:pt>
                 <c:pt idx="7">
-                  <c:v>0.340852130325814</c:v>
+                  <c:v>0.34085213032581402</c:v>
                 </c:pt>
               </c:numCache>
             </c:numRef>
           </c:val>
-          <c:extLst xmlns:c16r2="http://schemas.microsoft.com/office/drawing/2015/06/chart">
+          <c:extLst>
             <c:ext xmlns:c16="http://schemas.microsoft.com/office/drawing/2014/chart" uri="{C3380CC4-5D6E-409C-BE32-E72D297353CC}">
               <c16:uniqueId val="{00000001-E037-4CA3-BD16-2E0FC88ABE81}"/>
             </c:ext>
@@ -14811,33 +14105,33 @@
                 <c:formatCode>General</c:formatCode>
                 <c:ptCount val="8"/>
                 <c:pt idx="0">
-                  <c:v>0.0583333333333333</c:v>
+                  <c:v>5.83333333333333E-2</c:v>
                 </c:pt>
                 <c:pt idx="1">
-                  <c:v>0.941666666666667</c:v>
+                  <c:v>0.94166666666666698</c:v>
                 </c:pt>
                 <c:pt idx="2">
-                  <c:v>0.316666666666667</c:v>
+                  <c:v>0.31666666666666698</c:v>
                 </c:pt>
                 <c:pt idx="3">
-                  <c:v>0.683333333333333</c:v>
+                  <c:v>0.68333333333333302</c:v>
                 </c:pt>
                 <c:pt idx="4">
                   <c:v>0.126984126984127</c:v>
                 </c:pt>
                 <c:pt idx="5">
-                  <c:v>0.873015873015873</c:v>
+                  <c:v>0.87301587301587302</c:v>
                 </c:pt>
                 <c:pt idx="6">
-                  <c:v>0.599206349206349</c:v>
+                  <c:v>0.59920634920634896</c:v>
                 </c:pt>
                 <c:pt idx="7">
-                  <c:v>0.400793650793651</c:v>
+                  <c:v>0.40079365079365098</c:v>
                 </c:pt>
               </c:numCache>
             </c:numRef>
           </c:val>
-          <c:extLst xmlns:c16r2="http://schemas.microsoft.com/office/drawing/2015/06/chart">
+          <c:extLst>
             <c:ext xmlns:c16="http://schemas.microsoft.com/office/drawing/2014/chart" uri="{C3380CC4-5D6E-409C-BE32-E72D297353CC}">
               <c16:uniqueId val="{00000002-E037-4CA3-BD16-2E0FC88ABE81}"/>
             </c:ext>
@@ -14930,33 +14224,33 @@
                 <c:formatCode>General</c:formatCode>
                 <c:ptCount val="8"/>
                 <c:pt idx="0">
-                  <c:v>0.0608695652173913</c:v>
+                  <c:v>6.08695652173913E-2</c:v>
                 </c:pt>
                 <c:pt idx="1">
-                  <c:v>0.939130434782609</c:v>
+                  <c:v>0.93913043478260905</c:v>
                 </c:pt>
                 <c:pt idx="2">
-                  <c:v>0.278260869565217</c:v>
+                  <c:v>0.27826086956521701</c:v>
                 </c:pt>
                 <c:pt idx="3">
-                  <c:v>0.721739130434783</c:v>
+                  <c:v>0.72173913043478299</c:v>
                 </c:pt>
                 <c:pt idx="4">
                   <c:v>0.173913043478261</c:v>
                 </c:pt>
                 <c:pt idx="5">
-                  <c:v>0.826086956521739</c:v>
+                  <c:v>0.82608695652173902</c:v>
                 </c:pt>
                 <c:pt idx="6">
-                  <c:v>0.472049689440994</c:v>
+                  <c:v>0.47204968944099401</c:v>
                 </c:pt>
                 <c:pt idx="7">
-                  <c:v>0.527950310559006</c:v>
+                  <c:v>0.52795031055900599</c:v>
                 </c:pt>
               </c:numCache>
             </c:numRef>
           </c:val>
-          <c:extLst xmlns:c16r2="http://schemas.microsoft.com/office/drawing/2015/06/chart">
+          <c:extLst>
             <c:ext xmlns:c16="http://schemas.microsoft.com/office/drawing/2014/chart" uri="{C3380CC4-5D6E-409C-BE32-E72D297353CC}">
               <c16:uniqueId val="{00000003-E037-4CA3-BD16-2E0FC88ABE81}"/>
             </c:ext>
@@ -15061,21 +14355,21 @@
                   <c:v>0.68</c:v>
                 </c:pt>
                 <c:pt idx="4">
-                  <c:v>0.0976190476190476</c:v>
+                  <c:v>9.7619047619047605E-2</c:v>
                 </c:pt>
                 <c:pt idx="5">
-                  <c:v>0.902380952380952</c:v>
+                  <c:v>0.90238095238095195</c:v>
                 </c:pt>
                 <c:pt idx="6">
-                  <c:v>0.585714285714286</c:v>
+                  <c:v>0.58571428571428596</c:v>
                 </c:pt>
                 <c:pt idx="7">
-                  <c:v>0.414285714285714</c:v>
+                  <c:v>0.41428571428571398</c:v>
                 </c:pt>
               </c:numCache>
             </c:numRef>
           </c:val>
-          <c:extLst xmlns:c16r2="http://schemas.microsoft.com/office/drawing/2015/06/chart">
+          <c:extLst>
             <c:ext xmlns:c16="http://schemas.microsoft.com/office/drawing/2014/chart" uri="{C3380CC4-5D6E-409C-BE32-E72D297353CC}">
               <c16:uniqueId val="{00000004-E037-4CA3-BD16-2E0FC88ABE81}"/>
             </c:ext>
@@ -15149,7 +14443,7 @@
         <c:axId val="-1620393696"/>
         <c:scaling>
           <c:orientation val="minMax"/>
-          <c:max val="1.0"/>
+          <c:max val="1"/>
         </c:scaling>
         <c:delete val="0"/>
         <c:axPos val="l"/>
@@ -15212,7 +14506,6 @@
     </c:plotArea>
     <c:legend>
       <c:legendPos val="b"/>
-      <c:layout/>
       <c:overlay val="0"/>
       <c:spPr>
         <a:noFill/>
@@ -15270,7 +14563,7 @@
 </file>
 
 <file path=ppt/charts/chart7.xml><?xml version="1.0" encoding="utf-8"?>
-<c:chartSpace xmlns:c="http://schemas.openxmlformats.org/drawingml/2006/chart" xmlns:a="http://schemas.openxmlformats.org/drawingml/2006/main" xmlns:r="http://schemas.openxmlformats.org/officeDocument/2006/relationships">
+<c:chartSpace xmlns:c="http://schemas.openxmlformats.org/drawingml/2006/chart" xmlns:a="http://schemas.openxmlformats.org/drawingml/2006/main" xmlns:r="http://schemas.openxmlformats.org/officeDocument/2006/relationships" xmlns:c16r2="http://schemas.microsoft.com/office/drawing/2015/06/chart">
   <c:date1904 val="0"/>
   <c:lang val="en-US"/>
   <c:roundedCorners val="0"/>
@@ -15309,7 +14602,6 @@
           </a:p>
         </c:rich>
       </c:tx>
-      <c:layout/>
       <c:overlay val="0"/>
       <c:spPr>
         <a:noFill/>
@@ -15395,40 +14687,40 @@
                 <c:formatCode>General</c:formatCode>
                 <c:ptCount val="12"/>
                 <c:pt idx="0">
-                  <c:v>3.0</c:v>
+                  <c:v>3</c:v>
                 </c:pt>
                 <c:pt idx="1">
-                  <c:v>5.0</c:v>
+                  <c:v>5</c:v>
                 </c:pt>
                 <c:pt idx="2">
-                  <c:v>6.0</c:v>
+                  <c:v>6</c:v>
                 </c:pt>
                 <c:pt idx="3">
-                  <c:v>7.0</c:v>
+                  <c:v>7</c:v>
                 </c:pt>
                 <c:pt idx="4">
-                  <c:v>10.0</c:v>
+                  <c:v>10</c:v>
                 </c:pt>
                 <c:pt idx="5">
-                  <c:v>12.0</c:v>
+                  <c:v>12</c:v>
                 </c:pt>
                 <c:pt idx="6">
-                  <c:v>13.0</c:v>
+                  <c:v>13</c:v>
                 </c:pt>
                 <c:pt idx="7">
-                  <c:v>15.0</c:v>
+                  <c:v>15</c:v>
                 </c:pt>
                 <c:pt idx="8">
-                  <c:v>16.0</c:v>
+                  <c:v>16</c:v>
                 </c:pt>
                 <c:pt idx="9">
-                  <c:v>17.0</c:v>
+                  <c:v>17</c:v>
                 </c:pt>
                 <c:pt idx="10">
-                  <c:v>18.0</c:v>
+                  <c:v>18</c:v>
                 </c:pt>
                 <c:pt idx="11">
-                  <c:v>20.0</c:v>
+                  <c:v>20</c:v>
                 </c:pt>
               </c:numCache>
             </c:numRef>
@@ -15440,44 +14732,49 @@
                 <c:formatCode>General</c:formatCode>
                 <c:ptCount val="12"/>
                 <c:pt idx="0">
-                  <c:v>0.932038834951456</c:v>
+                  <c:v>0.93203883495145601</c:v>
                 </c:pt>
                 <c:pt idx="1">
-                  <c:v>0.63245492371706</c:v>
+                  <c:v>0.63245492371706002</c:v>
                 </c:pt>
                 <c:pt idx="2">
                   <c:v>0.855987055016181</c:v>
                 </c:pt>
                 <c:pt idx="3">
-                  <c:v>0.87621359223301</c:v>
+                  <c:v>0.87621359223300999</c:v>
                 </c:pt>
                 <c:pt idx="4">
-                  <c:v>0.553757641136282</c:v>
+                  <c:v>0.55375764113628201</c:v>
                 </c:pt>
                 <c:pt idx="5">
-                  <c:v>0.95631067961165</c:v>
+                  <c:v>0.95631067961164995</c:v>
                 </c:pt>
                 <c:pt idx="6">
                   <c:v>0.633009708737864</c:v>
                 </c:pt>
                 <c:pt idx="7">
-                  <c:v>0.628155339805825</c:v>
+                  <c:v>0.62815533980582505</c:v>
                 </c:pt>
                 <c:pt idx="8">
-                  <c:v>0.87378640776699</c:v>
+                  <c:v>0.87378640776699001</c:v>
                 </c:pt>
                 <c:pt idx="9">
                   <c:v>0.961165048543689</c:v>
                 </c:pt>
                 <c:pt idx="10">
-                  <c:v>0.880258899676375</c:v>
+                  <c:v>0.88025889967637505</c:v>
                 </c:pt>
                 <c:pt idx="11">
-                  <c:v>0.569454817027633</c:v>
+                  <c:v>0.56945481702763301</c:v>
                 </c:pt>
               </c:numCache>
             </c:numRef>
           </c:val>
+          <c:extLst>
+            <c:ext xmlns:c16="http://schemas.microsoft.com/office/drawing/2014/chart" uri="{C3380CC4-5D6E-409C-BE32-E72D297353CC}">
+              <c16:uniqueId val="{00000000-6E23-4F46-9B13-26C75B64DC4E}"/>
+            </c:ext>
+          </c:extLst>
         </c:ser>
         <c:dLbls>
           <c:showLegendKey val="0"/>
@@ -15530,7 +14827,6 @@
               </a:p>
             </c:rich>
           </c:tx>
-          <c:layout/>
           <c:overlay val="0"/>
           <c:spPr>
             <a:noFill/>
@@ -15608,7 +14904,7 @@
         <c:axId val="-1492443376"/>
         <c:scaling>
           <c:orientation val="minMax"/>
-          <c:max val="1.0"/>
+          <c:max val="1"/>
         </c:scaling>
         <c:delete val="0"/>
         <c:axPos val="l"/>
@@ -15626,6 +14922,7 @@
             <a:effectLst/>
           </c:spPr>
         </c:majorGridlines>
+        <c:numFmt formatCode="General" sourceLinked="1"/>
         <c:majorTickMark val="none"/>
         <c:minorTickMark val="none"/>
         <c:tickLblPos val="nextTo"/>
@@ -15696,7 +14993,7 @@
 </file>
 
 <file path=ppt/charts/chart8.xml><?xml version="1.0" encoding="utf-8"?>
-<c:chartSpace xmlns:c="http://schemas.openxmlformats.org/drawingml/2006/chart" xmlns:a="http://schemas.openxmlformats.org/drawingml/2006/main" xmlns:r="http://schemas.openxmlformats.org/officeDocument/2006/relationships">
+<c:chartSpace xmlns:c="http://schemas.openxmlformats.org/drawingml/2006/chart" xmlns:a="http://schemas.openxmlformats.org/drawingml/2006/main" xmlns:r="http://schemas.openxmlformats.org/officeDocument/2006/relationships" xmlns:c16r2="http://schemas.microsoft.com/office/drawing/2015/06/chart">
   <c:date1904 val="0"/>
   <c:lang val="en-US"/>
   <c:roundedCorners val="0"/>
@@ -15748,7 +15045,6 @@
           </a:p>
         </c:rich>
       </c:tx>
-      <c:layout/>
       <c:overlay val="0"/>
       <c:spPr>
         <a:noFill/>
@@ -15834,34 +15130,34 @@
                 <c:formatCode>General</c:formatCode>
                 <c:ptCount val="10"/>
                 <c:pt idx="0">
-                  <c:v>1.0</c:v>
+                  <c:v>1</c:v>
                 </c:pt>
                 <c:pt idx="1">
-                  <c:v>2.0</c:v>
+                  <c:v>2</c:v>
                 </c:pt>
                 <c:pt idx="2">
-                  <c:v>3.0</c:v>
+                  <c:v>3</c:v>
                 </c:pt>
                 <c:pt idx="3">
-                  <c:v>4.0</c:v>
+                  <c:v>4</c:v>
                 </c:pt>
                 <c:pt idx="4">
-                  <c:v>5.0</c:v>
+                  <c:v>5</c:v>
                 </c:pt>
                 <c:pt idx="5">
-                  <c:v>6.0</c:v>
+                  <c:v>6</c:v>
                 </c:pt>
                 <c:pt idx="6">
-                  <c:v>7.0</c:v>
+                  <c:v>7</c:v>
                 </c:pt>
                 <c:pt idx="7">
-                  <c:v>8.0</c:v>
+                  <c:v>8</c:v>
                 </c:pt>
                 <c:pt idx="8">
-                  <c:v>9.0</c:v>
+                  <c:v>9</c:v>
                 </c:pt>
                 <c:pt idx="9">
-                  <c:v>10.0</c:v>
+                  <c:v>10</c:v>
                 </c:pt>
               </c:numCache>
             </c:numRef>
@@ -15873,31 +15169,31 @@
                 <c:formatCode>General</c:formatCode>
                 <c:ptCount val="10"/>
                 <c:pt idx="0">
-                  <c:v>0.568770226537217</c:v>
+                  <c:v>0.56877022653721698</c:v>
                 </c:pt>
                 <c:pt idx="1">
-                  <c:v>0.556893203883495</c:v>
+                  <c:v>0.55689320388349495</c:v>
                 </c:pt>
                 <c:pt idx="2">
-                  <c:v>0.683038263849229</c:v>
+                  <c:v>0.68303826384922905</c:v>
                 </c:pt>
                 <c:pt idx="3">
-                  <c:v>0.622168284789644</c:v>
+                  <c:v>0.62216828478964403</c:v>
                 </c:pt>
                 <c:pt idx="4">
-                  <c:v>0.868490732568402</c:v>
+                  <c:v>0.86849073256840204</c:v>
                 </c:pt>
                 <c:pt idx="5">
-                  <c:v>0.841423948220065</c:v>
+                  <c:v>0.84142394822006505</c:v>
                 </c:pt>
                 <c:pt idx="6">
                   <c:v>0.961165048543689</c:v>
                 </c:pt>
                 <c:pt idx="7">
-                  <c:v>0.902912621359223</c:v>
+                  <c:v>0.90291262135922301</c:v>
                 </c:pt>
                 <c:pt idx="8">
-                  <c:v>0.880258899676375</c:v>
+                  <c:v>0.88025889967637505</c:v>
                 </c:pt>
                 <c:pt idx="9">
                   <c:v>0.961165048543689</c:v>
@@ -15905,6 +15201,11 @@
               </c:numCache>
             </c:numRef>
           </c:val>
+          <c:extLst>
+            <c:ext xmlns:c16="http://schemas.microsoft.com/office/drawing/2014/chart" uri="{C3380CC4-5D6E-409C-BE32-E72D297353CC}">
+              <c16:uniqueId val="{00000000-6EF0-4EC0-955F-827969A26B0F}"/>
+            </c:ext>
+          </c:extLst>
         </c:ser>
         <c:dLbls>
           <c:showLegendKey val="0"/>
@@ -15969,7 +15270,6 @@
               </a:p>
             </c:rich>
           </c:tx>
-          <c:layout/>
           <c:overlay val="0"/>
           <c:spPr>
             <a:noFill/>
@@ -16047,7 +15347,7 @@
         <c:axId val="-1580281808"/>
         <c:scaling>
           <c:orientation val="minMax"/>
-          <c:max val="1.0"/>
+          <c:max val="1"/>
         </c:scaling>
         <c:delete val="0"/>
         <c:axPos val="l"/>
@@ -16065,6 +15365,7 @@
             <a:effectLst/>
           </c:spPr>
         </c:majorGridlines>
+        <c:numFmt formatCode="General" sourceLinked="1"/>
         <c:majorTickMark val="none"/>
         <c:minorTickMark val="none"/>
         <c:tickLblPos val="nextTo"/>
@@ -16135,7 +15436,7 @@
 </file>
 
 <file path=ppt/charts/chart9.xml><?xml version="1.0" encoding="utf-8"?>
-<c:chartSpace xmlns:c="http://schemas.openxmlformats.org/drawingml/2006/chart" xmlns:a="http://schemas.openxmlformats.org/drawingml/2006/main" xmlns:r="http://schemas.openxmlformats.org/officeDocument/2006/relationships">
+<c:chartSpace xmlns:c="http://schemas.openxmlformats.org/drawingml/2006/chart" xmlns:a="http://schemas.openxmlformats.org/drawingml/2006/main" xmlns:r="http://schemas.openxmlformats.org/officeDocument/2006/relationships" xmlns:c16r2="http://schemas.microsoft.com/office/drawing/2015/06/chart">
   <c:date1904 val="0"/>
   <c:lang val="en-US"/>
   <c:roundedCorners val="0"/>
@@ -16179,7 +15480,6 @@
           </a:p>
         </c:rich>
       </c:tx>
-      <c:layout/>
       <c:overlay val="0"/>
       <c:spPr>
         <a:noFill/>
@@ -16265,34 +15565,34 @@
                 <c:formatCode>General</c:formatCode>
                 <c:ptCount val="10"/>
                 <c:pt idx="0">
-                  <c:v>1.0</c:v>
+                  <c:v>1</c:v>
                 </c:pt>
                 <c:pt idx="1">
-                  <c:v>2.0</c:v>
+                  <c:v>2</c:v>
                 </c:pt>
                 <c:pt idx="2">
-                  <c:v>3.0</c:v>
+                  <c:v>3</c:v>
                 </c:pt>
                 <c:pt idx="3">
-                  <c:v>4.0</c:v>
+                  <c:v>4</c:v>
                 </c:pt>
                 <c:pt idx="4">
-                  <c:v>5.0</c:v>
+                  <c:v>5</c:v>
                 </c:pt>
                 <c:pt idx="5">
-                  <c:v>6.0</c:v>
+                  <c:v>6</c:v>
                 </c:pt>
                 <c:pt idx="6">
-                  <c:v>7.0</c:v>
+                  <c:v>7</c:v>
                 </c:pt>
                 <c:pt idx="7">
-                  <c:v>8.0</c:v>
+                  <c:v>8</c:v>
                 </c:pt>
                 <c:pt idx="8">
-                  <c:v>9.0</c:v>
+                  <c:v>9</c:v>
                 </c:pt>
                 <c:pt idx="9">
-                  <c:v>10.0</c:v>
+                  <c:v>10</c:v>
                 </c:pt>
               </c:numCache>
             </c:numRef>
@@ -16304,38 +15604,43 @@
                 <c:formatCode>General</c:formatCode>
                 <c:ptCount val="10"/>
                 <c:pt idx="0">
-                  <c:v>0.497549019607843</c:v>
+                  <c:v>0.49754901960784298</c:v>
                 </c:pt>
                 <c:pt idx="1">
-                  <c:v>0.505882352941176</c:v>
+                  <c:v>0.50588235294117601</c:v>
                 </c:pt>
                 <c:pt idx="2">
-                  <c:v>0.626297577854671</c:v>
+                  <c:v>0.62629757785467099</c:v>
                 </c:pt>
                 <c:pt idx="3">
-                  <c:v>0.617647058823529</c:v>
+                  <c:v>0.61764705882352899</c:v>
                 </c:pt>
                 <c:pt idx="4">
-                  <c:v>0.807486631016043</c:v>
+                  <c:v>0.80748663101604301</c:v>
                 </c:pt>
                 <c:pt idx="5">
-                  <c:v>0.813725490196078</c:v>
+                  <c:v>0.81372549019607798</c:v>
                 </c:pt>
                 <c:pt idx="6">
-                  <c:v>1.0</c:v>
+                  <c:v>1</c:v>
                 </c:pt>
                 <c:pt idx="7">
-                  <c:v>0.897058823529412</c:v>
+                  <c:v>0.89705882352941202</c:v>
                 </c:pt>
                 <c:pt idx="8">
-                  <c:v>0.843137254901961</c:v>
+                  <c:v>0.84313725490196101</c:v>
                 </c:pt>
                 <c:pt idx="9">
-                  <c:v>1.0</c:v>
+                  <c:v>1</c:v>
                 </c:pt>
               </c:numCache>
             </c:numRef>
           </c:val>
+          <c:extLst>
+            <c:ext xmlns:c16="http://schemas.microsoft.com/office/drawing/2014/chart" uri="{C3380CC4-5D6E-409C-BE32-E72D297353CC}">
+              <c16:uniqueId val="{00000000-D528-4044-B2D8-CCF89A9BDD91}"/>
+            </c:ext>
+          </c:extLst>
         </c:ser>
         <c:ser>
           <c:idx val="1"/>
@@ -16386,34 +15691,34 @@
                 <c:formatCode>General</c:formatCode>
                 <c:ptCount val="10"/>
                 <c:pt idx="0">
-                  <c:v>1.0</c:v>
+                  <c:v>1</c:v>
                 </c:pt>
                 <c:pt idx="1">
-                  <c:v>2.0</c:v>
+                  <c:v>2</c:v>
                 </c:pt>
                 <c:pt idx="2">
-                  <c:v>3.0</c:v>
+                  <c:v>3</c:v>
                 </c:pt>
                 <c:pt idx="3">
-                  <c:v>4.0</c:v>
+                  <c:v>4</c:v>
                 </c:pt>
                 <c:pt idx="4">
-                  <c:v>5.0</c:v>
+                  <c:v>5</c:v>
                 </c:pt>
                 <c:pt idx="5">
-                  <c:v>6.0</c:v>
+                  <c:v>6</c:v>
                 </c:pt>
                 <c:pt idx="6">
-                  <c:v>7.0</c:v>
+                  <c:v>7</c:v>
                 </c:pt>
                 <c:pt idx="7">
-                  <c:v>8.0</c:v>
+                  <c:v>8</c:v>
                 </c:pt>
                 <c:pt idx="8">
-                  <c:v>9.0</c:v>
+                  <c:v>9</c:v>
                 </c:pt>
                 <c:pt idx="9">
-                  <c:v>10.0</c:v>
+                  <c:v>10</c:v>
                 </c:pt>
               </c:numCache>
             </c:numRef>
@@ -16425,22 +15730,22 @@
                 <c:formatCode>General</c:formatCode>
                 <c:ptCount val="10"/>
                 <c:pt idx="0">
-                  <c:v>0.527426160337553</c:v>
+                  <c:v>0.52742616033755296</c:v>
                 </c:pt>
                 <c:pt idx="1">
-                  <c:v>0.516194331983806</c:v>
+                  <c:v>0.51619433198380604</c:v>
                 </c:pt>
                 <c:pt idx="2">
-                  <c:v>0.642857142857143</c:v>
+                  <c:v>0.64285714285714302</c:v>
                 </c:pt>
                 <c:pt idx="3">
-                  <c:v>0.565400843881857</c:v>
+                  <c:v>0.56540084388185696</c:v>
                 </c:pt>
                 <c:pt idx="4">
-                  <c:v>0.856481481481481</c:v>
+                  <c:v>0.85648148148148096</c:v>
                 </c:pt>
                 <c:pt idx="5">
-                  <c:v>0.781512605042017</c:v>
+                  <c:v>0.78151260504201703</c:v>
                 </c:pt>
                 <c:pt idx="6">
                   <c:v>0.9</c:v>
@@ -16449,7 +15754,7 @@
                   <c:v>0.911392405063291</c:v>
                 </c:pt>
                 <c:pt idx="8">
-                  <c:v>0.88135593220339</c:v>
+                  <c:v>0.88135593220339004</c:v>
                 </c:pt>
                 <c:pt idx="9">
                   <c:v>0.95</c:v>
@@ -16457,6 +15762,11 @@
               </c:numCache>
             </c:numRef>
           </c:val>
+          <c:extLst>
+            <c:ext xmlns:c16="http://schemas.microsoft.com/office/drawing/2014/chart" uri="{C3380CC4-5D6E-409C-BE32-E72D297353CC}">
+              <c16:uniqueId val="{00000001-D528-4044-B2D8-CCF89A9BDD91}"/>
+            </c:ext>
+          </c:extLst>
         </c:ser>
         <c:ser>
           <c:idx val="2"/>
@@ -16507,34 +15817,34 @@
                 <c:formatCode>General</c:formatCode>
                 <c:ptCount val="10"/>
                 <c:pt idx="0">
-                  <c:v>1.0</c:v>
+                  <c:v>1</c:v>
                 </c:pt>
                 <c:pt idx="1">
-                  <c:v>2.0</c:v>
+                  <c:v>2</c:v>
                 </c:pt>
                 <c:pt idx="2">
-                  <c:v>3.0</c:v>
+                  <c:v>3</c:v>
                 </c:pt>
                 <c:pt idx="3">
-                  <c:v>4.0</c:v>
+                  <c:v>4</c:v>
                 </c:pt>
                 <c:pt idx="4">
-                  <c:v>5.0</c:v>
+                  <c:v>5</c:v>
                 </c:pt>
                 <c:pt idx="5">
-                  <c:v>6.0</c:v>
+                  <c:v>6</c:v>
                 </c:pt>
                 <c:pt idx="6">
-                  <c:v>7.0</c:v>
+                  <c:v>7</c:v>
                 </c:pt>
                 <c:pt idx="7">
-                  <c:v>8.0</c:v>
+                  <c:v>8</c:v>
                 </c:pt>
                 <c:pt idx="8">
-                  <c:v>9.0</c:v>
+                  <c:v>9</c:v>
                 </c:pt>
                 <c:pt idx="9">
-                  <c:v>10.0</c:v>
+                  <c:v>10</c:v>
                 </c:pt>
               </c:numCache>
             </c:numRef>
@@ -16546,38 +15856,43 @@
                 <c:formatCode>General</c:formatCode>
                 <c:ptCount val="10"/>
                 <c:pt idx="0">
-                  <c:v>0.567708333333333</c:v>
+                  <c:v>0.56770833333333304</c:v>
                 </c:pt>
                 <c:pt idx="1">
-                  <c:v>0.545</c:v>
+                  <c:v>0.54500000000000004</c:v>
                 </c:pt>
                 <c:pt idx="2">
-                  <c:v>0.683823529411765</c:v>
+                  <c:v>0.68382352941176505</c:v>
                 </c:pt>
                 <c:pt idx="3">
                   <c:v>0.59375</c:v>
                 </c:pt>
                 <c:pt idx="4">
-                  <c:v>0.84469696969697</c:v>
+                  <c:v>0.84469696969696995</c:v>
                 </c:pt>
                 <c:pt idx="5">
-                  <c:v>0.833333333333333</c:v>
+                  <c:v>0.83333333333333304</c:v>
                 </c:pt>
                 <c:pt idx="6">
-                  <c:v>0.958333333333333</c:v>
+                  <c:v>0.95833333333333304</c:v>
                 </c:pt>
                 <c:pt idx="7">
                   <c:v>0.875</c:v>
                 </c:pt>
                 <c:pt idx="8">
-                  <c:v>0.847222222222222</c:v>
+                  <c:v>0.84722222222222199</c:v>
                 </c:pt>
                 <c:pt idx="9">
-                  <c:v>1.0</c:v>
+                  <c:v>1</c:v>
                 </c:pt>
               </c:numCache>
             </c:numRef>
           </c:val>
+          <c:extLst>
+            <c:ext xmlns:c16="http://schemas.microsoft.com/office/drawing/2014/chart" uri="{C3380CC4-5D6E-409C-BE32-E72D297353CC}">
+              <c16:uniqueId val="{00000002-D528-4044-B2D8-CCF89A9BDD91}"/>
+            </c:ext>
+          </c:extLst>
         </c:ser>
         <c:ser>
           <c:idx val="3"/>
@@ -16628,34 +15943,34 @@
                 <c:formatCode>General</c:formatCode>
                 <c:ptCount val="10"/>
                 <c:pt idx="0">
-                  <c:v>1.0</c:v>
+                  <c:v>1</c:v>
                 </c:pt>
                 <c:pt idx="1">
-                  <c:v>2.0</c:v>
+                  <c:v>2</c:v>
                 </c:pt>
                 <c:pt idx="2">
-                  <c:v>3.0</c:v>
+                  <c:v>3</c:v>
                 </c:pt>
                 <c:pt idx="3">
-                  <c:v>4.0</c:v>
+                  <c:v>4</c:v>
                 </c:pt>
                 <c:pt idx="4">
-                  <c:v>5.0</c:v>
+                  <c:v>5</c:v>
                 </c:pt>
                 <c:pt idx="5">
-                  <c:v>6.0</c:v>
+                  <c:v>6</c:v>
                 </c:pt>
                 <c:pt idx="6">
-                  <c:v>7.0</c:v>
+                  <c:v>7</c:v>
                 </c:pt>
                 <c:pt idx="7">
-                  <c:v>8.0</c:v>
+                  <c:v>8</c:v>
                 </c:pt>
                 <c:pt idx="8">
-                  <c:v>9.0</c:v>
+                  <c:v>9</c:v>
                 </c:pt>
                 <c:pt idx="9">
-                  <c:v>10.0</c:v>
+                  <c:v>10</c:v>
                 </c:pt>
               </c:numCache>
             </c:numRef>
@@ -16667,38 +15982,43 @@
                 <c:formatCode>General</c:formatCode>
                 <c:ptCount val="10"/>
                 <c:pt idx="0">
-                  <c:v>0.65036231884058</c:v>
+                  <c:v>0.65036231884058004</c:v>
                 </c:pt>
                 <c:pt idx="1">
-                  <c:v>0.643478260869565</c:v>
+                  <c:v>0.64347826086956506</c:v>
                 </c:pt>
                 <c:pt idx="2">
-                  <c:v>0.746803069053708</c:v>
+                  <c:v>0.74680306905370797</c:v>
                 </c:pt>
                 <c:pt idx="3">
                   <c:v>0.688405797101449</c:v>
                 </c:pt>
                 <c:pt idx="4">
-                  <c:v>0.889328063241107</c:v>
+                  <c:v>0.88932806324110703</c:v>
                 </c:pt>
                 <c:pt idx="5">
-                  <c:v>0.869565217391304</c:v>
+                  <c:v>0.86956521739130399</c:v>
                 </c:pt>
                 <c:pt idx="6">
-                  <c:v>0.956521739130435</c:v>
+                  <c:v>0.95652173913043503</c:v>
                 </c:pt>
                 <c:pt idx="7">
-                  <c:v>0.891304347826087</c:v>
+                  <c:v>0.89130434782608703</c:v>
                 </c:pt>
                 <c:pt idx="8">
-                  <c:v>0.956521739130435</c:v>
+                  <c:v>0.95652173913043503</c:v>
                 </c:pt>
                 <c:pt idx="9">
-                  <c:v>0.913043478260869</c:v>
+                  <c:v>0.91304347826086896</c:v>
                 </c:pt>
               </c:numCache>
             </c:numRef>
           </c:val>
+          <c:extLst>
+            <c:ext xmlns:c16="http://schemas.microsoft.com/office/drawing/2014/chart" uri="{C3380CC4-5D6E-409C-BE32-E72D297353CC}">
+              <c16:uniqueId val="{00000003-D528-4044-B2D8-CCF89A9BDD91}"/>
+            </c:ext>
+          </c:extLst>
         </c:ser>
         <c:ser>
           <c:idx val="4"/>
@@ -16749,34 +16069,34 @@
                 <c:formatCode>General</c:formatCode>
                 <c:ptCount val="10"/>
                 <c:pt idx="0">
-                  <c:v>1.0</c:v>
+                  <c:v>1</c:v>
                 </c:pt>
                 <c:pt idx="1">
-                  <c:v>2.0</c:v>
+                  <c:v>2</c:v>
                 </c:pt>
                 <c:pt idx="2">
-                  <c:v>3.0</c:v>
+                  <c:v>3</c:v>
                 </c:pt>
                 <c:pt idx="3">
-                  <c:v>4.0</c:v>
+                  <c:v>4</c:v>
                 </c:pt>
                 <c:pt idx="4">
-                  <c:v>5.0</c:v>
+                  <c:v>5</c:v>
                 </c:pt>
                 <c:pt idx="5">
-                  <c:v>6.0</c:v>
+                  <c:v>6</c:v>
                 </c:pt>
                 <c:pt idx="6">
-                  <c:v>7.0</c:v>
+                  <c:v>7</c:v>
                 </c:pt>
                 <c:pt idx="7">
-                  <c:v>8.0</c:v>
+                  <c:v>8</c:v>
                 </c:pt>
                 <c:pt idx="8">
-                  <c:v>9.0</c:v>
+                  <c:v>9</c:v>
                 </c:pt>
                 <c:pt idx="9">
-                  <c:v>10.0</c:v>
+                  <c:v>10</c:v>
                 </c:pt>
               </c:numCache>
             </c:numRef>
@@ -16788,38 +16108,43 @@
                 <c:formatCode>General</c:formatCode>
                 <c:ptCount val="10"/>
                 <c:pt idx="0">
-                  <c:v>0.577922077922078</c:v>
+                  <c:v>0.57792207792207795</c:v>
                 </c:pt>
                 <c:pt idx="1">
-                  <c:v>0.555093555093555</c:v>
+                  <c:v>0.55509355509355496</c:v>
                 </c:pt>
                 <c:pt idx="2">
-                  <c:v>0.697247706422018</c:v>
+                  <c:v>0.69724770642201805</c:v>
                 </c:pt>
                 <c:pt idx="3">
-                  <c:v>0.640692640692641</c:v>
+                  <c:v>0.64069264069264098</c:v>
                 </c:pt>
                 <c:pt idx="4">
-                  <c:v>0.938967136150235</c:v>
+                  <c:v>0.93896713615023497</c:v>
                 </c:pt>
                 <c:pt idx="5">
-                  <c:v>0.904347826086956</c:v>
+                  <c:v>0.90434782608695596</c:v>
                 </c:pt>
                 <c:pt idx="6">
-                  <c:v>1.0</c:v>
+                  <c:v>1</c:v>
                 </c:pt>
                 <c:pt idx="7">
-                  <c:v>0.948051948051948</c:v>
+                  <c:v>0.94805194805194803</c:v>
                 </c:pt>
                 <c:pt idx="8">
-                  <c:v>0.862068965517241</c:v>
+                  <c:v>0.86206896551724099</c:v>
                 </c:pt>
                 <c:pt idx="9">
-                  <c:v>0.947368421052631</c:v>
+                  <c:v>0.94736842105263097</c:v>
                 </c:pt>
               </c:numCache>
             </c:numRef>
           </c:val>
+          <c:extLst>
+            <c:ext xmlns:c16="http://schemas.microsoft.com/office/drawing/2014/chart" uri="{C3380CC4-5D6E-409C-BE32-E72D297353CC}">
+              <c16:uniqueId val="{00000004-D528-4044-B2D8-CCF89A9BDD91}"/>
+            </c:ext>
+          </c:extLst>
         </c:ser>
         <c:dLbls>
           <c:showLegendKey val="0"/>
@@ -16872,7 +16197,6 @@
               </a:p>
             </c:rich>
           </c:tx>
-          <c:layout/>
           <c:overlay val="0"/>
           <c:spPr>
             <a:noFill/>
@@ -16950,7 +16274,7 @@
         <c:axId val="-1528120048"/>
         <c:scaling>
           <c:orientation val="minMax"/>
-          <c:max val="1.0"/>
+          <c:max val="1"/>
         </c:scaling>
         <c:delete val="0"/>
         <c:axPos val="l"/>
@@ -16968,6 +16292,7 @@
             <a:effectLst/>
           </c:spPr>
         </c:majorGridlines>
+        <c:numFmt formatCode="General" sourceLinked="1"/>
         <c:majorTickMark val="none"/>
         <c:minorTickMark val="none"/>
         <c:tickLblPos val="nextTo"/>
@@ -17012,7 +16337,6 @@
     </c:plotArea>
     <c:legend>
       <c:legendPos val="b"/>
-      <c:layout/>
       <c:overlay val="0"/>
       <c:spPr>
         <a:noFill/>
@@ -31162,6 +30486,56 @@
 </cs:chartStyle>
 </file>
 
+<file path=ppt/drawings/drawing1.xml><?xml version="1.0" encoding="utf-8"?>
+<c:userShapes xmlns:c="http://schemas.openxmlformats.org/drawingml/2006/chart">
+  <cdr:relSizeAnchor xmlns:cdr="http://schemas.openxmlformats.org/drawingml/2006/chartDrawing">
+    <cdr:from>
+      <cdr:x>0.03389</cdr:x>
+      <cdr:y>0.465</cdr:y>
+    </cdr:from>
+    <cdr:to>
+      <cdr:x>0.97995</cdr:x>
+      <cdr:y>0.465</cdr:y>
+    </cdr:to>
+    <cdr:cxnSp macro="">
+      <cdr:nvCxnSpPr>
+        <cdr:cNvPr id="3" name="Straight Connector 2">
+          <a:extLst xmlns:a="http://schemas.openxmlformats.org/drawingml/2006/main">
+            <a:ext uri="{FF2B5EF4-FFF2-40B4-BE49-F238E27FC236}">
+              <a16:creationId xmlns:a16="http://schemas.microsoft.com/office/drawing/2014/main" id="{F9788135-A0C2-44BA-9AB5-F364FDEB0915}"/>
+            </a:ext>
+          </a:extLst>
+        </cdr:cNvPr>
+        <cdr:cNvCxnSpPr/>
+      </cdr:nvCxnSpPr>
+      <cdr:spPr>
+        <a:xfrm xmlns:a="http://schemas.openxmlformats.org/drawingml/2006/main">
+          <a:off x="318252" y="1849288"/>
+          <a:ext cx="8882838" cy="0"/>
+        </a:xfrm>
+        <a:prstGeom xmlns:a="http://schemas.openxmlformats.org/drawingml/2006/main" prst="line">
+          <a:avLst/>
+        </a:prstGeom>
+      </cdr:spPr>
+      <cdr:style>
+        <a:lnRef xmlns:a="http://schemas.openxmlformats.org/drawingml/2006/main" idx="1">
+          <a:schemeClr val="dk1"/>
+        </a:lnRef>
+        <a:fillRef xmlns:a="http://schemas.openxmlformats.org/drawingml/2006/main" idx="0">
+          <a:schemeClr val="dk1"/>
+        </a:fillRef>
+        <a:effectRef xmlns:a="http://schemas.openxmlformats.org/drawingml/2006/main" idx="0">
+          <a:schemeClr val="dk1"/>
+        </a:effectRef>
+        <a:fontRef xmlns:a="http://schemas.openxmlformats.org/drawingml/2006/main" idx="minor">
+          <a:schemeClr val="tx1"/>
+        </a:fontRef>
+      </cdr:style>
+    </cdr:cxnSp>
+  </cdr:relSizeAnchor>
+</c:userShapes>
+</file>
+
 <file path=ppt/notesMasters/notesMaster1.xml><?xml version="1.0" encoding="utf-8"?>
 <p:notesMaster xmlns:a="http://schemas.openxmlformats.org/drawingml/2006/main" xmlns:r="http://schemas.openxmlformats.org/officeDocument/2006/relationships" xmlns:p="http://schemas.openxmlformats.org/presentationml/2006/main">
   <p:cSld>
@@ -31244,7 +30618,7 @@
           <a:p>
             <a:fld id="{DDB2C63F-F1EF-D148-8DAC-B2E032798CF4}" type="datetimeFigureOut">
               <a:rPr lang="en-US" smtClean="0"/>
-              <a:t>10/24/17</a:t>
+              <a:t>10/25/2017</a:t>
             </a:fld>
             <a:endParaRPr lang="en-US"/>
           </a:p>
@@ -31664,7 +31038,7 @@
           <p:cNvPr id="2" name="Title 1">
             <a:extLst>
               <a:ext uri="{FF2B5EF4-FFF2-40B4-BE49-F238E27FC236}">
-                <a16:creationId xmlns:a16="http://schemas.microsoft.com/office/drawing/2014/main" xmlns="" id="{A770637A-7F70-4788-A8DB-6F8A001AE731}"/>
+                <a16:creationId xmlns:a16="http://schemas.microsoft.com/office/drawing/2014/main" id="{A770637A-7F70-4788-A8DB-6F8A001AE731}"/>
               </a:ext>
             </a:extLst>
           </p:cNvPr>
@@ -31702,7 +31076,7 @@
           <p:cNvPr id="3" name="Subtitle 2">
             <a:extLst>
               <a:ext uri="{FF2B5EF4-FFF2-40B4-BE49-F238E27FC236}">
-                <a16:creationId xmlns:a16="http://schemas.microsoft.com/office/drawing/2014/main" xmlns="" id="{F9D5404F-EB55-4B5E-B9CE-AC2A0B6C47CB}"/>
+                <a16:creationId xmlns:a16="http://schemas.microsoft.com/office/drawing/2014/main" id="{F9D5404F-EB55-4B5E-B9CE-AC2A0B6C47CB}"/>
               </a:ext>
             </a:extLst>
           </p:cNvPr>
@@ -31773,7 +31147,7 @@
           <p:cNvPr id="4" name="Date Placeholder 3">
             <a:extLst>
               <a:ext uri="{FF2B5EF4-FFF2-40B4-BE49-F238E27FC236}">
-                <a16:creationId xmlns:a16="http://schemas.microsoft.com/office/drawing/2014/main" xmlns="" id="{7808CDBC-CAE1-487B-A4E5-3CB70D4EAEEB}"/>
+                <a16:creationId xmlns:a16="http://schemas.microsoft.com/office/drawing/2014/main" id="{7808CDBC-CAE1-487B-A4E5-3CB70D4EAEEB}"/>
               </a:ext>
             </a:extLst>
           </p:cNvPr>
@@ -31791,7 +31165,7 @@
           <a:p>
             <a:fld id="{96B0AB5A-E802-48CF-A5B9-FE8704AC6519}" type="datetimeFigureOut">
               <a:rPr lang="en-CA" smtClean="0"/>
-              <a:t>2017-10-24</a:t>
+              <a:t>25/10/2017</a:t>
             </a:fld>
             <a:endParaRPr lang="en-CA"/>
           </a:p>
@@ -31802,7 +31176,7 @@
           <p:cNvPr id="5" name="Footer Placeholder 4">
             <a:extLst>
               <a:ext uri="{FF2B5EF4-FFF2-40B4-BE49-F238E27FC236}">
-                <a16:creationId xmlns:a16="http://schemas.microsoft.com/office/drawing/2014/main" xmlns="" id="{50D5A8BB-D166-4343-997B-EF673CB40FAD}"/>
+                <a16:creationId xmlns:a16="http://schemas.microsoft.com/office/drawing/2014/main" id="{50D5A8BB-D166-4343-997B-EF673CB40FAD}"/>
               </a:ext>
             </a:extLst>
           </p:cNvPr>
@@ -31827,7 +31201,7 @@
           <p:cNvPr id="6" name="Slide Number Placeholder 5">
             <a:extLst>
               <a:ext uri="{FF2B5EF4-FFF2-40B4-BE49-F238E27FC236}">
-                <a16:creationId xmlns:a16="http://schemas.microsoft.com/office/drawing/2014/main" xmlns="" id="{6BC260DA-D757-4992-B138-BBE00B22D846}"/>
+                <a16:creationId xmlns:a16="http://schemas.microsoft.com/office/drawing/2014/main" id="{6BC260DA-D757-4992-B138-BBE00B22D846}"/>
               </a:ext>
             </a:extLst>
           </p:cNvPr>
@@ -31886,7 +31260,7 @@
           <p:cNvPr id="2" name="Title 1">
             <a:extLst>
               <a:ext uri="{FF2B5EF4-FFF2-40B4-BE49-F238E27FC236}">
-                <a16:creationId xmlns:a16="http://schemas.microsoft.com/office/drawing/2014/main" xmlns="" id="{68951A57-6E16-4A71-98CB-2307E282C3C2}"/>
+                <a16:creationId xmlns:a16="http://schemas.microsoft.com/office/drawing/2014/main" id="{68951A57-6E16-4A71-98CB-2307E282C3C2}"/>
               </a:ext>
             </a:extLst>
           </p:cNvPr>
@@ -31915,7 +31289,7 @@
           <p:cNvPr id="3" name="Vertical Text Placeholder 2">
             <a:extLst>
               <a:ext uri="{FF2B5EF4-FFF2-40B4-BE49-F238E27FC236}">
-                <a16:creationId xmlns:a16="http://schemas.microsoft.com/office/drawing/2014/main" xmlns="" id="{7F111875-20D3-450B-8A7D-100D7AD10DA2}"/>
+                <a16:creationId xmlns:a16="http://schemas.microsoft.com/office/drawing/2014/main" id="{7F111875-20D3-450B-8A7D-100D7AD10DA2}"/>
               </a:ext>
             </a:extLst>
           </p:cNvPr>
@@ -31973,7 +31347,7 @@
           <p:cNvPr id="4" name="Date Placeholder 3">
             <a:extLst>
               <a:ext uri="{FF2B5EF4-FFF2-40B4-BE49-F238E27FC236}">
-                <a16:creationId xmlns:a16="http://schemas.microsoft.com/office/drawing/2014/main" xmlns="" id="{98F3875F-0C83-48C3-8881-97B38467BFC0}"/>
+                <a16:creationId xmlns:a16="http://schemas.microsoft.com/office/drawing/2014/main" id="{98F3875F-0C83-48C3-8881-97B38467BFC0}"/>
               </a:ext>
             </a:extLst>
           </p:cNvPr>
@@ -31991,7 +31365,7 @@
           <a:p>
             <a:fld id="{96B0AB5A-E802-48CF-A5B9-FE8704AC6519}" type="datetimeFigureOut">
               <a:rPr lang="en-CA" smtClean="0"/>
-              <a:t>2017-10-24</a:t>
+              <a:t>25/10/2017</a:t>
             </a:fld>
             <a:endParaRPr lang="en-CA"/>
           </a:p>
@@ -32002,7 +31376,7 @@
           <p:cNvPr id="5" name="Footer Placeholder 4">
             <a:extLst>
               <a:ext uri="{FF2B5EF4-FFF2-40B4-BE49-F238E27FC236}">
-                <a16:creationId xmlns:a16="http://schemas.microsoft.com/office/drawing/2014/main" xmlns="" id="{F2640ABB-0B39-4E48-B67F-13EB2E5E88B0}"/>
+                <a16:creationId xmlns:a16="http://schemas.microsoft.com/office/drawing/2014/main" id="{F2640ABB-0B39-4E48-B67F-13EB2E5E88B0}"/>
               </a:ext>
             </a:extLst>
           </p:cNvPr>
@@ -32027,7 +31401,7 @@
           <p:cNvPr id="6" name="Slide Number Placeholder 5">
             <a:extLst>
               <a:ext uri="{FF2B5EF4-FFF2-40B4-BE49-F238E27FC236}">
-                <a16:creationId xmlns:a16="http://schemas.microsoft.com/office/drawing/2014/main" xmlns="" id="{D54C0341-9536-4979-9F6E-429B5834248C}"/>
+                <a16:creationId xmlns:a16="http://schemas.microsoft.com/office/drawing/2014/main" id="{D54C0341-9536-4979-9F6E-429B5834248C}"/>
               </a:ext>
             </a:extLst>
           </p:cNvPr>
@@ -32086,7 +31460,7 @@
           <p:cNvPr id="2" name="Vertical Title 1">
             <a:extLst>
               <a:ext uri="{FF2B5EF4-FFF2-40B4-BE49-F238E27FC236}">
-                <a16:creationId xmlns:a16="http://schemas.microsoft.com/office/drawing/2014/main" xmlns="" id="{20D0E6FE-C5AB-4578-BB2A-E718F0F3D4BA}"/>
+                <a16:creationId xmlns:a16="http://schemas.microsoft.com/office/drawing/2014/main" id="{20D0E6FE-C5AB-4578-BB2A-E718F0F3D4BA}"/>
               </a:ext>
             </a:extLst>
           </p:cNvPr>
@@ -32120,7 +31494,7 @@
           <p:cNvPr id="3" name="Vertical Text Placeholder 2">
             <a:extLst>
               <a:ext uri="{FF2B5EF4-FFF2-40B4-BE49-F238E27FC236}">
-                <a16:creationId xmlns:a16="http://schemas.microsoft.com/office/drawing/2014/main" xmlns="" id="{4D9442B6-6798-4E3F-BC43-D487421D33ED}"/>
+                <a16:creationId xmlns:a16="http://schemas.microsoft.com/office/drawing/2014/main" id="{4D9442B6-6798-4E3F-BC43-D487421D33ED}"/>
               </a:ext>
             </a:extLst>
           </p:cNvPr>
@@ -32183,7 +31557,7 @@
           <p:cNvPr id="4" name="Date Placeholder 3">
             <a:extLst>
               <a:ext uri="{FF2B5EF4-FFF2-40B4-BE49-F238E27FC236}">
-                <a16:creationId xmlns:a16="http://schemas.microsoft.com/office/drawing/2014/main" xmlns="" id="{D8E8FDF4-0673-47D2-AEF1-4ECE10E40BDA}"/>
+                <a16:creationId xmlns:a16="http://schemas.microsoft.com/office/drawing/2014/main" id="{D8E8FDF4-0673-47D2-AEF1-4ECE10E40BDA}"/>
               </a:ext>
             </a:extLst>
           </p:cNvPr>
@@ -32201,7 +31575,7 @@
           <a:p>
             <a:fld id="{96B0AB5A-E802-48CF-A5B9-FE8704AC6519}" type="datetimeFigureOut">
               <a:rPr lang="en-CA" smtClean="0"/>
-              <a:t>2017-10-24</a:t>
+              <a:t>25/10/2017</a:t>
             </a:fld>
             <a:endParaRPr lang="en-CA"/>
           </a:p>
@@ -32212,7 +31586,7 @@
           <p:cNvPr id="5" name="Footer Placeholder 4">
             <a:extLst>
               <a:ext uri="{FF2B5EF4-FFF2-40B4-BE49-F238E27FC236}">
-                <a16:creationId xmlns:a16="http://schemas.microsoft.com/office/drawing/2014/main" xmlns="" id="{E953779D-E55D-4C51-B09C-5B7930947D6C}"/>
+                <a16:creationId xmlns:a16="http://schemas.microsoft.com/office/drawing/2014/main" id="{E953779D-E55D-4C51-B09C-5B7930947D6C}"/>
               </a:ext>
             </a:extLst>
           </p:cNvPr>
@@ -32237,7 +31611,7 @@
           <p:cNvPr id="6" name="Slide Number Placeholder 5">
             <a:extLst>
               <a:ext uri="{FF2B5EF4-FFF2-40B4-BE49-F238E27FC236}">
-                <a16:creationId xmlns:a16="http://schemas.microsoft.com/office/drawing/2014/main" xmlns="" id="{28E9A841-3B09-42DC-8684-FE1A19B9552A}"/>
+                <a16:creationId xmlns:a16="http://schemas.microsoft.com/office/drawing/2014/main" id="{28E9A841-3B09-42DC-8684-FE1A19B9552A}"/>
               </a:ext>
             </a:extLst>
           </p:cNvPr>
@@ -32296,7 +31670,7 @@
           <p:cNvPr id="2" name="Title 1">
             <a:extLst>
               <a:ext uri="{FF2B5EF4-FFF2-40B4-BE49-F238E27FC236}">
-                <a16:creationId xmlns:a16="http://schemas.microsoft.com/office/drawing/2014/main" xmlns="" id="{1C2B00DB-F0DF-4138-ABCE-C402834F38C7}"/>
+                <a16:creationId xmlns:a16="http://schemas.microsoft.com/office/drawing/2014/main" id="{1C2B00DB-F0DF-4138-ABCE-C402834F38C7}"/>
               </a:ext>
             </a:extLst>
           </p:cNvPr>
@@ -32325,7 +31699,7 @@
           <p:cNvPr id="3" name="Content Placeholder 2">
             <a:extLst>
               <a:ext uri="{FF2B5EF4-FFF2-40B4-BE49-F238E27FC236}">
-                <a16:creationId xmlns:a16="http://schemas.microsoft.com/office/drawing/2014/main" xmlns="" id="{C393E18F-528D-46DF-8DCA-5674757975BF}"/>
+                <a16:creationId xmlns:a16="http://schemas.microsoft.com/office/drawing/2014/main" id="{C393E18F-528D-46DF-8DCA-5674757975BF}"/>
               </a:ext>
             </a:extLst>
           </p:cNvPr>
@@ -32383,7 +31757,7 @@
           <p:cNvPr id="4" name="Date Placeholder 3">
             <a:extLst>
               <a:ext uri="{FF2B5EF4-FFF2-40B4-BE49-F238E27FC236}">
-                <a16:creationId xmlns:a16="http://schemas.microsoft.com/office/drawing/2014/main" xmlns="" id="{AE5FACCA-E424-4C6C-B376-B62146CE191B}"/>
+                <a16:creationId xmlns:a16="http://schemas.microsoft.com/office/drawing/2014/main" id="{AE5FACCA-E424-4C6C-B376-B62146CE191B}"/>
               </a:ext>
             </a:extLst>
           </p:cNvPr>
@@ -32401,7 +31775,7 @@
           <a:p>
             <a:fld id="{96B0AB5A-E802-48CF-A5B9-FE8704AC6519}" type="datetimeFigureOut">
               <a:rPr lang="en-CA" smtClean="0"/>
-              <a:t>2017-10-24</a:t>
+              <a:t>25/10/2017</a:t>
             </a:fld>
             <a:endParaRPr lang="en-CA"/>
           </a:p>
@@ -32412,7 +31786,7 @@
           <p:cNvPr id="5" name="Footer Placeholder 4">
             <a:extLst>
               <a:ext uri="{FF2B5EF4-FFF2-40B4-BE49-F238E27FC236}">
-                <a16:creationId xmlns:a16="http://schemas.microsoft.com/office/drawing/2014/main" xmlns="" id="{E88A8849-1252-418B-86C9-3FB1D770E4C1}"/>
+                <a16:creationId xmlns:a16="http://schemas.microsoft.com/office/drawing/2014/main" id="{E88A8849-1252-418B-86C9-3FB1D770E4C1}"/>
               </a:ext>
             </a:extLst>
           </p:cNvPr>
@@ -32437,7 +31811,7 @@
           <p:cNvPr id="6" name="Slide Number Placeholder 5">
             <a:extLst>
               <a:ext uri="{FF2B5EF4-FFF2-40B4-BE49-F238E27FC236}">
-                <a16:creationId xmlns:a16="http://schemas.microsoft.com/office/drawing/2014/main" xmlns="" id="{2213DBDE-BBC2-4EE9-AA49-CBE1CA9AF8E1}"/>
+                <a16:creationId xmlns:a16="http://schemas.microsoft.com/office/drawing/2014/main" id="{2213DBDE-BBC2-4EE9-AA49-CBE1CA9AF8E1}"/>
               </a:ext>
             </a:extLst>
           </p:cNvPr>
@@ -32496,7 +31870,7 @@
           <p:cNvPr id="2" name="Title 1">
             <a:extLst>
               <a:ext uri="{FF2B5EF4-FFF2-40B4-BE49-F238E27FC236}">
-                <a16:creationId xmlns:a16="http://schemas.microsoft.com/office/drawing/2014/main" xmlns="" id="{32D6B6B8-2C76-441A-90C7-2648223BB744}"/>
+                <a16:creationId xmlns:a16="http://schemas.microsoft.com/office/drawing/2014/main" id="{32D6B6B8-2C76-441A-90C7-2648223BB744}"/>
               </a:ext>
             </a:extLst>
           </p:cNvPr>
@@ -32534,7 +31908,7 @@
           <p:cNvPr id="3" name="Text Placeholder 2">
             <a:extLst>
               <a:ext uri="{FF2B5EF4-FFF2-40B4-BE49-F238E27FC236}">
-                <a16:creationId xmlns:a16="http://schemas.microsoft.com/office/drawing/2014/main" xmlns="" id="{B4FD13C0-2671-4F5B-BC76-3285DF8F0D0A}"/>
+                <a16:creationId xmlns:a16="http://schemas.microsoft.com/office/drawing/2014/main" id="{B4FD13C0-2671-4F5B-BC76-3285DF8F0D0A}"/>
               </a:ext>
             </a:extLst>
           </p:cNvPr>
@@ -32659,7 +32033,7 @@
           <p:cNvPr id="4" name="Date Placeholder 3">
             <a:extLst>
               <a:ext uri="{FF2B5EF4-FFF2-40B4-BE49-F238E27FC236}">
-                <a16:creationId xmlns:a16="http://schemas.microsoft.com/office/drawing/2014/main" xmlns="" id="{15FAF587-BBF7-4795-A539-160E1CBB4D0C}"/>
+                <a16:creationId xmlns:a16="http://schemas.microsoft.com/office/drawing/2014/main" id="{15FAF587-BBF7-4795-A539-160E1CBB4D0C}"/>
               </a:ext>
             </a:extLst>
           </p:cNvPr>
@@ -32677,7 +32051,7 @@
           <a:p>
             <a:fld id="{96B0AB5A-E802-48CF-A5B9-FE8704AC6519}" type="datetimeFigureOut">
               <a:rPr lang="en-CA" smtClean="0"/>
-              <a:t>2017-10-24</a:t>
+              <a:t>25/10/2017</a:t>
             </a:fld>
             <a:endParaRPr lang="en-CA"/>
           </a:p>
@@ -32688,7 +32062,7 @@
           <p:cNvPr id="5" name="Footer Placeholder 4">
             <a:extLst>
               <a:ext uri="{FF2B5EF4-FFF2-40B4-BE49-F238E27FC236}">
-                <a16:creationId xmlns:a16="http://schemas.microsoft.com/office/drawing/2014/main" xmlns="" id="{A43711F6-2BA4-43F7-ADE4-F55606E83807}"/>
+                <a16:creationId xmlns:a16="http://schemas.microsoft.com/office/drawing/2014/main" id="{A43711F6-2BA4-43F7-ADE4-F55606E83807}"/>
               </a:ext>
             </a:extLst>
           </p:cNvPr>
@@ -32713,7 +32087,7 @@
           <p:cNvPr id="6" name="Slide Number Placeholder 5">
             <a:extLst>
               <a:ext uri="{FF2B5EF4-FFF2-40B4-BE49-F238E27FC236}">
-                <a16:creationId xmlns:a16="http://schemas.microsoft.com/office/drawing/2014/main" xmlns="" id="{A0814A98-C0EE-4830-9E95-AB51A3D46328}"/>
+                <a16:creationId xmlns:a16="http://schemas.microsoft.com/office/drawing/2014/main" id="{A0814A98-C0EE-4830-9E95-AB51A3D46328}"/>
               </a:ext>
             </a:extLst>
           </p:cNvPr>
@@ -32772,7 +32146,7 @@
           <p:cNvPr id="2" name="Title 1">
             <a:extLst>
               <a:ext uri="{FF2B5EF4-FFF2-40B4-BE49-F238E27FC236}">
-                <a16:creationId xmlns:a16="http://schemas.microsoft.com/office/drawing/2014/main" xmlns="" id="{0F190E3E-504C-44BD-9375-90382E6A4B2D}"/>
+                <a16:creationId xmlns:a16="http://schemas.microsoft.com/office/drawing/2014/main" id="{0F190E3E-504C-44BD-9375-90382E6A4B2D}"/>
               </a:ext>
             </a:extLst>
           </p:cNvPr>
@@ -32801,7 +32175,7 @@
           <p:cNvPr id="3" name="Content Placeholder 2">
             <a:extLst>
               <a:ext uri="{FF2B5EF4-FFF2-40B4-BE49-F238E27FC236}">
-                <a16:creationId xmlns:a16="http://schemas.microsoft.com/office/drawing/2014/main" xmlns="" id="{F6CAE47C-1CB8-4A76-9E77-960D3E128C25}"/>
+                <a16:creationId xmlns:a16="http://schemas.microsoft.com/office/drawing/2014/main" id="{F6CAE47C-1CB8-4A76-9E77-960D3E128C25}"/>
               </a:ext>
             </a:extLst>
           </p:cNvPr>
@@ -32864,7 +32238,7 @@
           <p:cNvPr id="4" name="Content Placeholder 3">
             <a:extLst>
               <a:ext uri="{FF2B5EF4-FFF2-40B4-BE49-F238E27FC236}">
-                <a16:creationId xmlns:a16="http://schemas.microsoft.com/office/drawing/2014/main" xmlns="" id="{7020F4A4-A6BF-47E5-92FC-8201B6593F83}"/>
+                <a16:creationId xmlns:a16="http://schemas.microsoft.com/office/drawing/2014/main" id="{7020F4A4-A6BF-47E5-92FC-8201B6593F83}"/>
               </a:ext>
             </a:extLst>
           </p:cNvPr>
@@ -32927,7 +32301,7 @@
           <p:cNvPr id="5" name="Date Placeholder 4">
             <a:extLst>
               <a:ext uri="{FF2B5EF4-FFF2-40B4-BE49-F238E27FC236}">
-                <a16:creationId xmlns:a16="http://schemas.microsoft.com/office/drawing/2014/main" xmlns="" id="{1AA361B5-9AA3-4229-8D44-CEB57C12ED73}"/>
+                <a16:creationId xmlns:a16="http://schemas.microsoft.com/office/drawing/2014/main" id="{1AA361B5-9AA3-4229-8D44-CEB57C12ED73}"/>
               </a:ext>
             </a:extLst>
           </p:cNvPr>
@@ -32945,7 +32319,7 @@
           <a:p>
             <a:fld id="{96B0AB5A-E802-48CF-A5B9-FE8704AC6519}" type="datetimeFigureOut">
               <a:rPr lang="en-CA" smtClean="0"/>
-              <a:t>2017-10-24</a:t>
+              <a:t>25/10/2017</a:t>
             </a:fld>
             <a:endParaRPr lang="en-CA"/>
           </a:p>
@@ -32956,7 +32330,7 @@
           <p:cNvPr id="6" name="Footer Placeholder 5">
             <a:extLst>
               <a:ext uri="{FF2B5EF4-FFF2-40B4-BE49-F238E27FC236}">
-                <a16:creationId xmlns:a16="http://schemas.microsoft.com/office/drawing/2014/main" xmlns="" id="{8AAA7D8C-2AFC-4C12-92A2-9D98EF3FC76A}"/>
+                <a16:creationId xmlns:a16="http://schemas.microsoft.com/office/drawing/2014/main" id="{8AAA7D8C-2AFC-4C12-92A2-9D98EF3FC76A}"/>
               </a:ext>
             </a:extLst>
           </p:cNvPr>
@@ -32981,7 +32355,7 @@
           <p:cNvPr id="7" name="Slide Number Placeholder 6">
             <a:extLst>
               <a:ext uri="{FF2B5EF4-FFF2-40B4-BE49-F238E27FC236}">
-                <a16:creationId xmlns:a16="http://schemas.microsoft.com/office/drawing/2014/main" xmlns="" id="{33FD714B-B89C-43C1-A417-A6A05C50FDD6}"/>
+                <a16:creationId xmlns:a16="http://schemas.microsoft.com/office/drawing/2014/main" id="{33FD714B-B89C-43C1-A417-A6A05C50FDD6}"/>
               </a:ext>
             </a:extLst>
           </p:cNvPr>
@@ -33040,7 +32414,7 @@
           <p:cNvPr id="2" name="Title 1">
             <a:extLst>
               <a:ext uri="{FF2B5EF4-FFF2-40B4-BE49-F238E27FC236}">
-                <a16:creationId xmlns:a16="http://schemas.microsoft.com/office/drawing/2014/main" xmlns="" id="{B0D13C32-3583-406D-BB55-24C24E430751}"/>
+                <a16:creationId xmlns:a16="http://schemas.microsoft.com/office/drawing/2014/main" id="{B0D13C32-3583-406D-BB55-24C24E430751}"/>
               </a:ext>
             </a:extLst>
           </p:cNvPr>
@@ -33074,7 +32448,7 @@
           <p:cNvPr id="3" name="Text Placeholder 2">
             <a:extLst>
               <a:ext uri="{FF2B5EF4-FFF2-40B4-BE49-F238E27FC236}">
-                <a16:creationId xmlns:a16="http://schemas.microsoft.com/office/drawing/2014/main" xmlns="" id="{B918888A-2B6D-46A5-AE6E-A1FF449737AB}"/>
+                <a16:creationId xmlns:a16="http://schemas.microsoft.com/office/drawing/2014/main" id="{B918888A-2B6D-46A5-AE6E-A1FF449737AB}"/>
               </a:ext>
             </a:extLst>
           </p:cNvPr>
@@ -33145,7 +32519,7 @@
           <p:cNvPr id="4" name="Content Placeholder 3">
             <a:extLst>
               <a:ext uri="{FF2B5EF4-FFF2-40B4-BE49-F238E27FC236}">
-                <a16:creationId xmlns:a16="http://schemas.microsoft.com/office/drawing/2014/main" xmlns="" id="{8376B253-61D6-4CF9-B63B-20481633C4B7}"/>
+                <a16:creationId xmlns:a16="http://schemas.microsoft.com/office/drawing/2014/main" id="{8376B253-61D6-4CF9-B63B-20481633C4B7}"/>
               </a:ext>
             </a:extLst>
           </p:cNvPr>
@@ -33208,7 +32582,7 @@
           <p:cNvPr id="5" name="Text Placeholder 4">
             <a:extLst>
               <a:ext uri="{FF2B5EF4-FFF2-40B4-BE49-F238E27FC236}">
-                <a16:creationId xmlns:a16="http://schemas.microsoft.com/office/drawing/2014/main" xmlns="" id="{382753D1-7E4F-4976-AE02-B8CA399556CE}"/>
+                <a16:creationId xmlns:a16="http://schemas.microsoft.com/office/drawing/2014/main" id="{382753D1-7E4F-4976-AE02-B8CA399556CE}"/>
               </a:ext>
             </a:extLst>
           </p:cNvPr>
@@ -33279,7 +32653,7 @@
           <p:cNvPr id="6" name="Content Placeholder 5">
             <a:extLst>
               <a:ext uri="{FF2B5EF4-FFF2-40B4-BE49-F238E27FC236}">
-                <a16:creationId xmlns:a16="http://schemas.microsoft.com/office/drawing/2014/main" xmlns="" id="{4C468A93-F5B5-49E9-B836-9872129CC484}"/>
+                <a16:creationId xmlns:a16="http://schemas.microsoft.com/office/drawing/2014/main" id="{4C468A93-F5B5-49E9-B836-9872129CC484}"/>
               </a:ext>
             </a:extLst>
           </p:cNvPr>
@@ -33342,7 +32716,7 @@
           <p:cNvPr id="7" name="Date Placeholder 6">
             <a:extLst>
               <a:ext uri="{FF2B5EF4-FFF2-40B4-BE49-F238E27FC236}">
-                <a16:creationId xmlns:a16="http://schemas.microsoft.com/office/drawing/2014/main" xmlns="" id="{695DD8CB-5889-49EA-9BAD-528818612ABE}"/>
+                <a16:creationId xmlns:a16="http://schemas.microsoft.com/office/drawing/2014/main" id="{695DD8CB-5889-49EA-9BAD-528818612ABE}"/>
               </a:ext>
             </a:extLst>
           </p:cNvPr>
@@ -33360,7 +32734,7 @@
           <a:p>
             <a:fld id="{96B0AB5A-E802-48CF-A5B9-FE8704AC6519}" type="datetimeFigureOut">
               <a:rPr lang="en-CA" smtClean="0"/>
-              <a:t>2017-10-24</a:t>
+              <a:t>25/10/2017</a:t>
             </a:fld>
             <a:endParaRPr lang="en-CA"/>
           </a:p>
@@ -33371,7 +32745,7 @@
           <p:cNvPr id="8" name="Footer Placeholder 7">
             <a:extLst>
               <a:ext uri="{FF2B5EF4-FFF2-40B4-BE49-F238E27FC236}">
-                <a16:creationId xmlns:a16="http://schemas.microsoft.com/office/drawing/2014/main" xmlns="" id="{8501B846-1316-4807-8A54-DA3AC47AD72F}"/>
+                <a16:creationId xmlns:a16="http://schemas.microsoft.com/office/drawing/2014/main" id="{8501B846-1316-4807-8A54-DA3AC47AD72F}"/>
               </a:ext>
             </a:extLst>
           </p:cNvPr>
@@ -33396,7 +32770,7 @@
           <p:cNvPr id="9" name="Slide Number Placeholder 8">
             <a:extLst>
               <a:ext uri="{FF2B5EF4-FFF2-40B4-BE49-F238E27FC236}">
-                <a16:creationId xmlns:a16="http://schemas.microsoft.com/office/drawing/2014/main" xmlns="" id="{689B354F-D580-4F3A-AB73-5BC965F2B569}"/>
+                <a16:creationId xmlns:a16="http://schemas.microsoft.com/office/drawing/2014/main" id="{689B354F-D580-4F3A-AB73-5BC965F2B569}"/>
               </a:ext>
             </a:extLst>
           </p:cNvPr>
@@ -33455,7 +32829,7 @@
           <p:cNvPr id="2" name="Title 1">
             <a:extLst>
               <a:ext uri="{FF2B5EF4-FFF2-40B4-BE49-F238E27FC236}">
-                <a16:creationId xmlns:a16="http://schemas.microsoft.com/office/drawing/2014/main" xmlns="" id="{79DDE365-D52A-428F-AB9F-8CF9AC3D43A2}"/>
+                <a16:creationId xmlns:a16="http://schemas.microsoft.com/office/drawing/2014/main" id="{79DDE365-D52A-428F-AB9F-8CF9AC3D43A2}"/>
               </a:ext>
             </a:extLst>
           </p:cNvPr>
@@ -33484,7 +32858,7 @@
           <p:cNvPr id="3" name="Date Placeholder 2">
             <a:extLst>
               <a:ext uri="{FF2B5EF4-FFF2-40B4-BE49-F238E27FC236}">
-                <a16:creationId xmlns:a16="http://schemas.microsoft.com/office/drawing/2014/main" xmlns="" id="{1B902405-9BC8-4DCF-89BD-1C3021158836}"/>
+                <a16:creationId xmlns:a16="http://schemas.microsoft.com/office/drawing/2014/main" id="{1B902405-9BC8-4DCF-89BD-1C3021158836}"/>
               </a:ext>
             </a:extLst>
           </p:cNvPr>
@@ -33502,7 +32876,7 @@
           <a:p>
             <a:fld id="{96B0AB5A-E802-48CF-A5B9-FE8704AC6519}" type="datetimeFigureOut">
               <a:rPr lang="en-CA" smtClean="0"/>
-              <a:t>2017-10-24</a:t>
+              <a:t>25/10/2017</a:t>
             </a:fld>
             <a:endParaRPr lang="en-CA"/>
           </a:p>
@@ -33513,7 +32887,7 @@
           <p:cNvPr id="4" name="Footer Placeholder 3">
             <a:extLst>
               <a:ext uri="{FF2B5EF4-FFF2-40B4-BE49-F238E27FC236}">
-                <a16:creationId xmlns:a16="http://schemas.microsoft.com/office/drawing/2014/main" xmlns="" id="{5741E3B3-AB1D-4FEA-A844-6DD4E7C45709}"/>
+                <a16:creationId xmlns:a16="http://schemas.microsoft.com/office/drawing/2014/main" id="{5741E3B3-AB1D-4FEA-A844-6DD4E7C45709}"/>
               </a:ext>
             </a:extLst>
           </p:cNvPr>
@@ -33538,7 +32912,7 @@
           <p:cNvPr id="5" name="Slide Number Placeholder 4">
             <a:extLst>
               <a:ext uri="{FF2B5EF4-FFF2-40B4-BE49-F238E27FC236}">
-                <a16:creationId xmlns:a16="http://schemas.microsoft.com/office/drawing/2014/main" xmlns="" id="{449737C3-89A9-4077-A0AE-16155EBF7C96}"/>
+                <a16:creationId xmlns:a16="http://schemas.microsoft.com/office/drawing/2014/main" id="{449737C3-89A9-4077-A0AE-16155EBF7C96}"/>
               </a:ext>
             </a:extLst>
           </p:cNvPr>
@@ -33597,7 +32971,7 @@
           <p:cNvPr id="2" name="Date Placeholder 1">
             <a:extLst>
               <a:ext uri="{FF2B5EF4-FFF2-40B4-BE49-F238E27FC236}">
-                <a16:creationId xmlns:a16="http://schemas.microsoft.com/office/drawing/2014/main" xmlns="" id="{67E2FC56-905E-4427-BB9F-0599D987CF0A}"/>
+                <a16:creationId xmlns:a16="http://schemas.microsoft.com/office/drawing/2014/main" id="{67E2FC56-905E-4427-BB9F-0599D987CF0A}"/>
               </a:ext>
             </a:extLst>
           </p:cNvPr>
@@ -33615,7 +32989,7 @@
           <a:p>
             <a:fld id="{96B0AB5A-E802-48CF-A5B9-FE8704AC6519}" type="datetimeFigureOut">
               <a:rPr lang="en-CA" smtClean="0"/>
-              <a:t>2017-10-24</a:t>
+              <a:t>25/10/2017</a:t>
             </a:fld>
             <a:endParaRPr lang="en-CA"/>
           </a:p>
@@ -33626,7 +33000,7 @@
           <p:cNvPr id="3" name="Footer Placeholder 2">
             <a:extLst>
               <a:ext uri="{FF2B5EF4-FFF2-40B4-BE49-F238E27FC236}">
-                <a16:creationId xmlns:a16="http://schemas.microsoft.com/office/drawing/2014/main" xmlns="" id="{487C4D51-B9C6-4DF9-B99D-02567E8C682D}"/>
+                <a16:creationId xmlns:a16="http://schemas.microsoft.com/office/drawing/2014/main" id="{487C4D51-B9C6-4DF9-B99D-02567E8C682D}"/>
               </a:ext>
             </a:extLst>
           </p:cNvPr>
@@ -33651,7 +33025,7 @@
           <p:cNvPr id="4" name="Slide Number Placeholder 3">
             <a:extLst>
               <a:ext uri="{FF2B5EF4-FFF2-40B4-BE49-F238E27FC236}">
-                <a16:creationId xmlns:a16="http://schemas.microsoft.com/office/drawing/2014/main" xmlns="" id="{0190AAD4-0860-4BD5-8057-18876B454949}"/>
+                <a16:creationId xmlns:a16="http://schemas.microsoft.com/office/drawing/2014/main" id="{0190AAD4-0860-4BD5-8057-18876B454949}"/>
               </a:ext>
             </a:extLst>
           </p:cNvPr>
@@ -33710,7 +33084,7 @@
           <p:cNvPr id="2" name="Title 1">
             <a:extLst>
               <a:ext uri="{FF2B5EF4-FFF2-40B4-BE49-F238E27FC236}">
-                <a16:creationId xmlns:a16="http://schemas.microsoft.com/office/drawing/2014/main" xmlns="" id="{38D0AC77-2DD6-4F80-AED8-5F2DEAFE47A5}"/>
+                <a16:creationId xmlns:a16="http://schemas.microsoft.com/office/drawing/2014/main" id="{38D0AC77-2DD6-4F80-AED8-5F2DEAFE47A5}"/>
               </a:ext>
             </a:extLst>
           </p:cNvPr>
@@ -33748,7 +33122,7 @@
           <p:cNvPr id="3" name="Content Placeholder 2">
             <a:extLst>
               <a:ext uri="{FF2B5EF4-FFF2-40B4-BE49-F238E27FC236}">
-                <a16:creationId xmlns:a16="http://schemas.microsoft.com/office/drawing/2014/main" xmlns="" id="{8A50F9F6-EF62-405A-BD73-A4D257EA25C1}"/>
+                <a16:creationId xmlns:a16="http://schemas.microsoft.com/office/drawing/2014/main" id="{8A50F9F6-EF62-405A-BD73-A4D257EA25C1}"/>
               </a:ext>
             </a:extLst>
           </p:cNvPr>
@@ -33839,7 +33213,7 @@
           <p:cNvPr id="4" name="Text Placeholder 3">
             <a:extLst>
               <a:ext uri="{FF2B5EF4-FFF2-40B4-BE49-F238E27FC236}">
-                <a16:creationId xmlns:a16="http://schemas.microsoft.com/office/drawing/2014/main" xmlns="" id="{C2D29C1A-CCB3-4892-8341-4E47EA725C2E}"/>
+                <a16:creationId xmlns:a16="http://schemas.microsoft.com/office/drawing/2014/main" id="{C2D29C1A-CCB3-4892-8341-4E47EA725C2E}"/>
               </a:ext>
             </a:extLst>
           </p:cNvPr>
@@ -33910,7 +33284,7 @@
           <p:cNvPr id="5" name="Date Placeholder 4">
             <a:extLst>
               <a:ext uri="{FF2B5EF4-FFF2-40B4-BE49-F238E27FC236}">
-                <a16:creationId xmlns:a16="http://schemas.microsoft.com/office/drawing/2014/main" xmlns="" id="{4A49B093-3DB2-42E5-90E6-7961FD1DEF69}"/>
+                <a16:creationId xmlns:a16="http://schemas.microsoft.com/office/drawing/2014/main" id="{4A49B093-3DB2-42E5-90E6-7961FD1DEF69}"/>
               </a:ext>
             </a:extLst>
           </p:cNvPr>
@@ -33928,7 +33302,7 @@
           <a:p>
             <a:fld id="{96B0AB5A-E802-48CF-A5B9-FE8704AC6519}" type="datetimeFigureOut">
               <a:rPr lang="en-CA" smtClean="0"/>
-              <a:t>2017-10-24</a:t>
+              <a:t>25/10/2017</a:t>
             </a:fld>
             <a:endParaRPr lang="en-CA"/>
           </a:p>
@@ -33939,7 +33313,7 @@
           <p:cNvPr id="6" name="Footer Placeholder 5">
             <a:extLst>
               <a:ext uri="{FF2B5EF4-FFF2-40B4-BE49-F238E27FC236}">
-                <a16:creationId xmlns:a16="http://schemas.microsoft.com/office/drawing/2014/main" xmlns="" id="{DF18E932-8D4E-4B86-ADE7-DAF5963F6D69}"/>
+                <a16:creationId xmlns:a16="http://schemas.microsoft.com/office/drawing/2014/main" id="{DF18E932-8D4E-4B86-ADE7-DAF5963F6D69}"/>
               </a:ext>
             </a:extLst>
           </p:cNvPr>
@@ -33964,7 +33338,7 @@
           <p:cNvPr id="7" name="Slide Number Placeholder 6">
             <a:extLst>
               <a:ext uri="{FF2B5EF4-FFF2-40B4-BE49-F238E27FC236}">
-                <a16:creationId xmlns:a16="http://schemas.microsoft.com/office/drawing/2014/main" xmlns="" id="{2A6BCD62-2E53-46BB-8674-8A6BC93614B3}"/>
+                <a16:creationId xmlns:a16="http://schemas.microsoft.com/office/drawing/2014/main" id="{2A6BCD62-2E53-46BB-8674-8A6BC93614B3}"/>
               </a:ext>
             </a:extLst>
           </p:cNvPr>
@@ -34023,7 +33397,7 @@
           <p:cNvPr id="2" name="Title 1">
             <a:extLst>
               <a:ext uri="{FF2B5EF4-FFF2-40B4-BE49-F238E27FC236}">
-                <a16:creationId xmlns:a16="http://schemas.microsoft.com/office/drawing/2014/main" xmlns="" id="{BE66942B-4AEE-47BA-A130-8FE3D07A2517}"/>
+                <a16:creationId xmlns:a16="http://schemas.microsoft.com/office/drawing/2014/main" id="{BE66942B-4AEE-47BA-A130-8FE3D07A2517}"/>
               </a:ext>
             </a:extLst>
           </p:cNvPr>
@@ -34061,7 +33435,7 @@
           <p:cNvPr id="3" name="Picture Placeholder 2">
             <a:extLst>
               <a:ext uri="{FF2B5EF4-FFF2-40B4-BE49-F238E27FC236}">
-                <a16:creationId xmlns:a16="http://schemas.microsoft.com/office/drawing/2014/main" xmlns="" id="{A24C110B-5666-4CAC-9935-17BA900407EB}"/>
+                <a16:creationId xmlns:a16="http://schemas.microsoft.com/office/drawing/2014/main" id="{A24C110B-5666-4CAC-9935-17BA900407EB}"/>
               </a:ext>
             </a:extLst>
           </p:cNvPr>
@@ -34128,7 +33502,7 @@
           <p:cNvPr id="4" name="Text Placeholder 3">
             <a:extLst>
               <a:ext uri="{FF2B5EF4-FFF2-40B4-BE49-F238E27FC236}">
-                <a16:creationId xmlns:a16="http://schemas.microsoft.com/office/drawing/2014/main" xmlns="" id="{1A5EEBFA-7C3F-40BC-A736-89E2871AB916}"/>
+                <a16:creationId xmlns:a16="http://schemas.microsoft.com/office/drawing/2014/main" id="{1A5EEBFA-7C3F-40BC-A736-89E2871AB916}"/>
               </a:ext>
             </a:extLst>
           </p:cNvPr>
@@ -34199,7 +33573,7 @@
           <p:cNvPr id="5" name="Date Placeholder 4">
             <a:extLst>
               <a:ext uri="{FF2B5EF4-FFF2-40B4-BE49-F238E27FC236}">
-                <a16:creationId xmlns:a16="http://schemas.microsoft.com/office/drawing/2014/main" xmlns="" id="{0F9791BC-52F7-4098-BD77-EB52CAD311D7}"/>
+                <a16:creationId xmlns:a16="http://schemas.microsoft.com/office/drawing/2014/main" id="{0F9791BC-52F7-4098-BD77-EB52CAD311D7}"/>
               </a:ext>
             </a:extLst>
           </p:cNvPr>
@@ -34217,7 +33591,7 @@
           <a:p>
             <a:fld id="{96B0AB5A-E802-48CF-A5B9-FE8704AC6519}" type="datetimeFigureOut">
               <a:rPr lang="en-CA" smtClean="0"/>
-              <a:t>2017-10-24</a:t>
+              <a:t>25/10/2017</a:t>
             </a:fld>
             <a:endParaRPr lang="en-CA"/>
           </a:p>
@@ -34228,7 +33602,7 @@
           <p:cNvPr id="6" name="Footer Placeholder 5">
             <a:extLst>
               <a:ext uri="{FF2B5EF4-FFF2-40B4-BE49-F238E27FC236}">
-                <a16:creationId xmlns:a16="http://schemas.microsoft.com/office/drawing/2014/main" xmlns="" id="{E2F409E7-1C98-4E39-B7A6-5F89DA98469F}"/>
+                <a16:creationId xmlns:a16="http://schemas.microsoft.com/office/drawing/2014/main" id="{E2F409E7-1C98-4E39-B7A6-5F89DA98469F}"/>
               </a:ext>
             </a:extLst>
           </p:cNvPr>
@@ -34253,7 +33627,7 @@
           <p:cNvPr id="7" name="Slide Number Placeholder 6">
             <a:extLst>
               <a:ext uri="{FF2B5EF4-FFF2-40B4-BE49-F238E27FC236}">
-                <a16:creationId xmlns:a16="http://schemas.microsoft.com/office/drawing/2014/main" xmlns="" id="{BDC7D36C-18CF-4995-B3BF-440113BC7738}"/>
+                <a16:creationId xmlns:a16="http://schemas.microsoft.com/office/drawing/2014/main" id="{BDC7D36C-18CF-4995-B3BF-440113BC7738}"/>
               </a:ext>
             </a:extLst>
           </p:cNvPr>
@@ -34317,7 +33691,7 @@
           <p:cNvPr id="2" name="Title Placeholder 1">
             <a:extLst>
               <a:ext uri="{FF2B5EF4-FFF2-40B4-BE49-F238E27FC236}">
-                <a16:creationId xmlns:a16="http://schemas.microsoft.com/office/drawing/2014/main" xmlns="" id="{E5B4AD75-DD9C-4FBC-861B-1923DAD4C653}"/>
+                <a16:creationId xmlns:a16="http://schemas.microsoft.com/office/drawing/2014/main" id="{E5B4AD75-DD9C-4FBC-861B-1923DAD4C653}"/>
               </a:ext>
             </a:extLst>
           </p:cNvPr>
@@ -34356,7 +33730,7 @@
           <p:cNvPr id="3" name="Text Placeholder 2">
             <a:extLst>
               <a:ext uri="{FF2B5EF4-FFF2-40B4-BE49-F238E27FC236}">
-                <a16:creationId xmlns:a16="http://schemas.microsoft.com/office/drawing/2014/main" xmlns="" id="{4D568E8A-8FC5-429A-BBC2-86B33A87A88A}"/>
+                <a16:creationId xmlns:a16="http://schemas.microsoft.com/office/drawing/2014/main" id="{4D568E8A-8FC5-429A-BBC2-86B33A87A88A}"/>
               </a:ext>
             </a:extLst>
           </p:cNvPr>
@@ -34424,7 +33798,7 @@
           <p:cNvPr id="4" name="Date Placeholder 3">
             <a:extLst>
               <a:ext uri="{FF2B5EF4-FFF2-40B4-BE49-F238E27FC236}">
-                <a16:creationId xmlns:a16="http://schemas.microsoft.com/office/drawing/2014/main" xmlns="" id="{29A9B9B8-7E0D-4EC3-A0F8-0CFBC57A3D7E}"/>
+                <a16:creationId xmlns:a16="http://schemas.microsoft.com/office/drawing/2014/main" id="{29A9B9B8-7E0D-4EC3-A0F8-0CFBC57A3D7E}"/>
               </a:ext>
             </a:extLst>
           </p:cNvPr>
@@ -34460,7 +33834,7 @@
           <a:p>
             <a:fld id="{96B0AB5A-E802-48CF-A5B9-FE8704AC6519}" type="datetimeFigureOut">
               <a:rPr lang="en-CA" smtClean="0"/>
-              <a:t>2017-10-24</a:t>
+              <a:t>25/10/2017</a:t>
             </a:fld>
             <a:endParaRPr lang="en-CA"/>
           </a:p>
@@ -34471,7 +33845,7 @@
           <p:cNvPr id="5" name="Footer Placeholder 4">
             <a:extLst>
               <a:ext uri="{FF2B5EF4-FFF2-40B4-BE49-F238E27FC236}">
-                <a16:creationId xmlns:a16="http://schemas.microsoft.com/office/drawing/2014/main" xmlns="" id="{5701BCBF-10E5-4F5A-AFDC-06F55B5CAA8F}"/>
+                <a16:creationId xmlns:a16="http://schemas.microsoft.com/office/drawing/2014/main" id="{5701BCBF-10E5-4F5A-AFDC-06F55B5CAA8F}"/>
               </a:ext>
             </a:extLst>
           </p:cNvPr>
@@ -34514,7 +33888,7 @@
           <p:cNvPr id="6" name="Slide Number Placeholder 5">
             <a:extLst>
               <a:ext uri="{FF2B5EF4-FFF2-40B4-BE49-F238E27FC236}">
-                <a16:creationId xmlns:a16="http://schemas.microsoft.com/office/drawing/2014/main" xmlns="" id="{68C4BCD5-C523-4222-8576-785E1DE19235}"/>
+                <a16:creationId xmlns:a16="http://schemas.microsoft.com/office/drawing/2014/main" id="{68C4BCD5-C523-4222-8576-785E1DE19235}"/>
               </a:ext>
             </a:extLst>
           </p:cNvPr>
@@ -34882,7 +34256,7 @@
           <p:cNvPr id="2" name="Title 1">
             <a:extLst>
               <a:ext uri="{FF2B5EF4-FFF2-40B4-BE49-F238E27FC236}">
-                <a16:creationId xmlns:a16="http://schemas.microsoft.com/office/drawing/2014/main" xmlns="" id="{FA47EB2B-4331-4E3D-9575-372974FA84E1}"/>
+                <a16:creationId xmlns:a16="http://schemas.microsoft.com/office/drawing/2014/main" id="{FA47EB2B-4331-4E3D-9575-372974FA84E1}"/>
               </a:ext>
             </a:extLst>
           </p:cNvPr>
@@ -34907,7 +34281,7 @@
           <p:cNvPr id="3" name="Subtitle 2">
             <a:extLst>
               <a:ext uri="{FF2B5EF4-FFF2-40B4-BE49-F238E27FC236}">
-                <a16:creationId xmlns:a16="http://schemas.microsoft.com/office/drawing/2014/main" xmlns="" id="{A4D09F98-919E-4EAE-8FE4-8DF28106A8A4}"/>
+                <a16:creationId xmlns:a16="http://schemas.microsoft.com/office/drawing/2014/main" id="{A4D09F98-919E-4EAE-8FE4-8DF28106A8A4}"/>
               </a:ext>
             </a:extLst>
           </p:cNvPr>
@@ -35656,7 +35030,7 @@
           <p:cNvPr id="2" name="Title 1">
             <a:extLst>
               <a:ext uri="{FF2B5EF4-FFF2-40B4-BE49-F238E27FC236}">
-                <a16:creationId xmlns:a16="http://schemas.microsoft.com/office/drawing/2014/main" xmlns="" id="{F88480CC-95B7-44B5-8595-50BB9107EA28}"/>
+                <a16:creationId xmlns:a16="http://schemas.microsoft.com/office/drawing/2014/main" id="{F88480CC-95B7-44B5-8595-50BB9107EA28}"/>
               </a:ext>
             </a:extLst>
           </p:cNvPr>
@@ -35685,7 +35059,7 @@
           <p:cNvPr id="3" name="Content Placeholder 2">
             <a:extLst>
               <a:ext uri="{FF2B5EF4-FFF2-40B4-BE49-F238E27FC236}">
-                <a16:creationId xmlns:a16="http://schemas.microsoft.com/office/drawing/2014/main" xmlns="" id="{52049869-60E6-4A46-87A4-494EC470CA10}"/>
+                <a16:creationId xmlns:a16="http://schemas.microsoft.com/office/drawing/2014/main" id="{52049869-60E6-4A46-87A4-494EC470CA10}"/>
               </a:ext>
             </a:extLst>
           </p:cNvPr>
@@ -35722,7 +35096,7 @@
           <p:cNvPr id="7" name="Picture 6">
             <a:extLst>
               <a:ext uri="{FF2B5EF4-FFF2-40B4-BE49-F238E27FC236}">
-                <a16:creationId xmlns:a16="http://schemas.microsoft.com/office/drawing/2014/main" xmlns="" id="{8D531DE4-F542-40B1-BC6B-BDF4366F0CB8}"/>
+                <a16:creationId xmlns:a16="http://schemas.microsoft.com/office/drawing/2014/main" id="{8D531DE4-F542-40B1-BC6B-BDF4366F0CB8}"/>
               </a:ext>
             </a:extLst>
           </p:cNvPr>
@@ -35758,7 +35132,7 @@
           <p:cNvPr id="8" name="Picture 7">
             <a:extLst>
               <a:ext uri="{FF2B5EF4-FFF2-40B4-BE49-F238E27FC236}">
-                <a16:creationId xmlns:a16="http://schemas.microsoft.com/office/drawing/2014/main" xmlns="" id="{B2B6335A-A462-4125-9593-B2BBFB05446D}"/>
+                <a16:creationId xmlns:a16="http://schemas.microsoft.com/office/drawing/2014/main" id="{B2B6335A-A462-4125-9593-B2BBFB05446D}"/>
               </a:ext>
             </a:extLst>
           </p:cNvPr>
@@ -35830,31 +35204,31 @@
           <a:p>
             <a:pPr algn="r"/>
             <a:r>
-              <a:rPr lang="en-US" altLang="zh-CN" dirty="0" smtClean="0"/>
+              <a:rPr lang="en-US" altLang="zh-CN" dirty="0"/>
               <a:t>Baseline</a:t>
             </a:r>
             <a:r>
-              <a:rPr lang="zh-CN" altLang="en-US" dirty="0" smtClean="0"/>
+              <a:rPr lang="zh-CN" altLang="en-US" dirty="0"/>
               <a:t> </a:t>
             </a:r>
             <a:r>
-              <a:rPr lang="en-US" altLang="zh-CN" dirty="0" smtClean="0"/>
+              <a:rPr lang="en-US" altLang="zh-CN" dirty="0"/>
               <a:t>and</a:t>
             </a:r>
             <a:r>
-              <a:rPr lang="zh-CN" altLang="en-US" dirty="0" smtClean="0"/>
+              <a:rPr lang="zh-CN" altLang="en-US" dirty="0"/>
               <a:t> </a:t>
             </a:r>
             <a:r>
-              <a:rPr lang="en-US" altLang="zh-CN" dirty="0" smtClean="0"/>
+              <a:rPr lang="en-US" altLang="zh-CN" dirty="0"/>
               <a:t>stake</a:t>
             </a:r>
             <a:r>
-              <a:rPr lang="zh-CN" altLang="en-US" dirty="0" smtClean="0"/>
+              <a:rPr lang="zh-CN" altLang="en-US" dirty="0"/>
               <a:t> </a:t>
             </a:r>
             <a:r>
-              <a:rPr lang="en-US" altLang="zh-CN" dirty="0" smtClean="0"/>
+              <a:rPr lang="en-US" altLang="zh-CN" dirty="0"/>
               <a:t>size</a:t>
             </a:r>
             <a:endParaRPr lang="en-US" dirty="0"/>
@@ -35956,10 +35330,9 @@
           <a:lstStyle/>
           <a:p>
             <a:r>
-              <a:rPr lang="en-US" dirty="0" smtClean="0"/>
+              <a:rPr lang="en-US" dirty="0"/>
               <a:t>Baseline and player proposed amount</a:t>
             </a:r>
-            <a:endParaRPr lang="en-US" dirty="0"/>
           </a:p>
         </p:txBody>
       </p:sp>
@@ -36034,7 +35407,7 @@
           <a:lstStyle/>
           <a:p>
             <a:r>
-              <a:rPr lang="en-US" altLang="zh-CN" dirty="0" smtClean="0"/>
+              <a:rPr lang="en-US" altLang="zh-CN" dirty="0"/>
               <a:t>Baseline and fairness score</a:t>
             </a:r>
             <a:endParaRPr lang="en-US" dirty="0"/>
@@ -36136,19 +35509,19 @@
           <a:lstStyle/>
           <a:p>
             <a:r>
-              <a:rPr lang="en-US" altLang="zh-CN" dirty="0" smtClean="0"/>
+              <a:rPr lang="en-US" altLang="zh-CN" dirty="0"/>
               <a:t>Empathy</a:t>
             </a:r>
             <a:r>
-              <a:rPr lang="zh-CN" altLang="en-US" dirty="0" smtClean="0"/>
+              <a:rPr lang="zh-CN" altLang="en-US" dirty="0"/>
               <a:t> </a:t>
             </a:r>
             <a:r>
-              <a:rPr lang="en-US" altLang="zh-CN" dirty="0" smtClean="0"/>
+              <a:rPr lang="en-US" altLang="zh-CN" dirty="0"/>
               <a:t>and</a:t>
             </a:r>
             <a:r>
-              <a:rPr lang="zh-CN" altLang="en-US" dirty="0" smtClean="0"/>
+              <a:rPr lang="zh-CN" altLang="en-US" dirty="0"/>
               <a:t> </a:t>
             </a:r>
             <a:r>
@@ -36160,7 +35533,7 @@
               <a:t> </a:t>
             </a:r>
             <a:r>
-              <a:rPr lang="en-US" altLang="zh-CN" dirty="0" smtClean="0"/>
+              <a:rPr lang="en-US" altLang="zh-CN" dirty="0"/>
               <a:t>size</a:t>
             </a:r>
             <a:endParaRPr lang="en-US" dirty="0"/>
@@ -36251,7 +35624,7 @@
           <p:cNvPr id="2" name="Title 1">
             <a:extLst>
               <a:ext uri="{FF2B5EF4-FFF2-40B4-BE49-F238E27FC236}">
-                <a16:creationId xmlns:a16="http://schemas.microsoft.com/office/drawing/2014/main" xmlns="" id="{C0DC2B9B-FCB5-4621-ABB4-77B660602A25}"/>
+                <a16:creationId xmlns:a16="http://schemas.microsoft.com/office/drawing/2014/main" id="{C0DC2B9B-FCB5-4621-ABB4-77B660602A25}"/>
               </a:ext>
             </a:extLst>
           </p:cNvPr>
@@ -36279,7 +35652,7 @@
           <p:cNvPr id="4" name="Content Placeholder 3" descr="C:\Users\ke\Desktop\Figure_1.png">
             <a:extLst>
               <a:ext uri="{FF2B5EF4-FFF2-40B4-BE49-F238E27FC236}">
-                <a16:creationId xmlns:a16="http://schemas.microsoft.com/office/drawing/2014/main" xmlns="" id="{4D21BC85-7DF2-4CAA-BD03-EE4871E463F2}"/>
+                <a16:creationId xmlns:a16="http://schemas.microsoft.com/office/drawing/2014/main" id="{4D21BC85-7DF2-4CAA-BD03-EE4871E463F2}"/>
               </a:ext>
             </a:extLst>
           </p:cNvPr>
@@ -36322,7 +35695,7 @@
           <p:cNvPr id="6" name="TextBox 5">
             <a:extLst>
               <a:ext uri="{FF2B5EF4-FFF2-40B4-BE49-F238E27FC236}">
-                <a16:creationId xmlns:a16="http://schemas.microsoft.com/office/drawing/2014/main" xmlns="" id="{FF07B87F-C8DD-4F75-AF75-8EE671EF4690}"/>
+                <a16:creationId xmlns:a16="http://schemas.microsoft.com/office/drawing/2014/main" id="{FF07B87F-C8DD-4F75-AF75-8EE671EF4690}"/>
               </a:ext>
             </a:extLst>
           </p:cNvPr>
@@ -36381,7 +35754,7 @@
           <p:cNvPr id="5" name="Table 4">
             <a:extLst>
               <a:ext uri="{FF2B5EF4-FFF2-40B4-BE49-F238E27FC236}">
-                <a16:creationId xmlns:a16="http://schemas.microsoft.com/office/drawing/2014/main" xmlns="" id="{7229B7B9-B18A-4703-9B4E-3C8CBCE0D5D8}"/>
+                <a16:creationId xmlns:a16="http://schemas.microsoft.com/office/drawing/2014/main" id="{7229B7B9-B18A-4703-9B4E-3C8CBCE0D5D8}"/>
               </a:ext>
             </a:extLst>
           </p:cNvPr>
@@ -36410,21 +35783,21 @@
                 <a:gridCol w="983916">
                   <a:extLst>
                     <a:ext uri="{9D8B030D-6E8A-4147-A177-3AD203B41FA5}">
-                      <a16:colId xmlns:a16="http://schemas.microsoft.com/office/drawing/2014/main" xmlns="" val="3735259432"/>
+                      <a16:colId xmlns:a16="http://schemas.microsoft.com/office/drawing/2014/main" val="3735259432"/>
                     </a:ext>
                   </a:extLst>
                 </a:gridCol>
                 <a:gridCol w="983916">
                   <a:extLst>
                     <a:ext uri="{9D8B030D-6E8A-4147-A177-3AD203B41FA5}">
-                      <a16:colId xmlns:a16="http://schemas.microsoft.com/office/drawing/2014/main" xmlns="" val="1134382208"/>
+                      <a16:colId xmlns:a16="http://schemas.microsoft.com/office/drawing/2014/main" val="1134382208"/>
                     </a:ext>
                   </a:extLst>
                 </a:gridCol>
                 <a:gridCol w="983916">
                   <a:extLst>
                     <a:ext uri="{9D8B030D-6E8A-4147-A177-3AD203B41FA5}">
-                      <a16:colId xmlns:a16="http://schemas.microsoft.com/office/drawing/2014/main" xmlns="" val="1257578719"/>
+                      <a16:colId xmlns:a16="http://schemas.microsoft.com/office/drawing/2014/main" val="1257578719"/>
                     </a:ext>
                   </a:extLst>
                 </a:gridCol>
@@ -36501,7 +35874,7 @@
                 </a:tc>
                 <a:extLst>
                   <a:ext uri="{0D108BD9-81ED-4DB2-BD59-A6C34878D82A}">
-                    <a16:rowId xmlns:a16="http://schemas.microsoft.com/office/drawing/2014/main" xmlns="" val="1625375486"/>
+                    <a16:rowId xmlns:a16="http://schemas.microsoft.com/office/drawing/2014/main" val="1625375486"/>
                   </a:ext>
                 </a:extLst>
               </a:tr>
@@ -36577,7 +35950,7 @@
                 </a:tc>
                 <a:extLst>
                   <a:ext uri="{0D108BD9-81ED-4DB2-BD59-A6C34878D82A}">
-                    <a16:rowId xmlns:a16="http://schemas.microsoft.com/office/drawing/2014/main" xmlns="" val="1346036712"/>
+                    <a16:rowId xmlns:a16="http://schemas.microsoft.com/office/drawing/2014/main" val="1346036712"/>
                   </a:ext>
                 </a:extLst>
               </a:tr>
@@ -36653,7 +36026,7 @@
                 </a:tc>
                 <a:extLst>
                   <a:ext uri="{0D108BD9-81ED-4DB2-BD59-A6C34878D82A}">
-                    <a16:rowId xmlns:a16="http://schemas.microsoft.com/office/drawing/2014/main" xmlns="" val="2275640152"/>
+                    <a16:rowId xmlns:a16="http://schemas.microsoft.com/office/drawing/2014/main" val="2275640152"/>
                   </a:ext>
                 </a:extLst>
               </a:tr>
@@ -36707,20 +36080,16 @@
           <a:lstStyle/>
           <a:p>
             <a:r>
-              <a:rPr lang="en-US" altLang="zh-CN" dirty="0" smtClean="0"/>
+              <a:rPr lang="en-US" altLang="zh-CN" dirty="0"/>
               <a:t>Empathy</a:t>
             </a:r>
             <a:r>
-              <a:rPr lang="zh-CN" altLang="en-US" dirty="0" smtClean="0"/>
+              <a:rPr lang="zh-CN" altLang="en-US" dirty="0"/>
               <a:t> </a:t>
             </a:r>
             <a:r>
-              <a:rPr lang="en-US" dirty="0" smtClean="0"/>
-              <a:t>and </a:t>
-            </a:r>
-            <a:r>
               <a:rPr lang="en-US" dirty="0"/>
-              <a:t>player proposed amount</a:t>
+              <a:t>and player proposed amount</a:t>
             </a:r>
           </a:p>
         </p:txBody>
@@ -36814,20 +36183,16 @@
           <a:lstStyle/>
           <a:p>
             <a:r>
-              <a:rPr lang="en-US" altLang="zh-CN" dirty="0" smtClean="0"/>
+              <a:rPr lang="en-US" altLang="zh-CN" dirty="0"/>
               <a:t>Empathy</a:t>
             </a:r>
             <a:r>
-              <a:rPr lang="zh-CN" altLang="en-US" dirty="0" smtClean="0"/>
+              <a:rPr lang="zh-CN" altLang="en-US" dirty="0"/>
               <a:t> </a:t>
             </a:r>
             <a:r>
-              <a:rPr lang="en-US" altLang="zh-CN" dirty="0" smtClean="0"/>
-              <a:t>and </a:t>
-            </a:r>
-            <a:r>
               <a:rPr lang="en-US" altLang="zh-CN" dirty="0"/>
-              <a:t>fairness score</a:t>
+              <a:t>and fairness score</a:t>
             </a:r>
             <a:endParaRPr lang="en-US" dirty="0"/>
           </a:p>
@@ -36928,31 +36293,31 @@
           <a:lstStyle/>
           <a:p>
             <a:r>
-              <a:rPr lang="en-US" altLang="zh-CN" dirty="0" smtClean="0"/>
+              <a:rPr lang="en-US" altLang="zh-CN" dirty="0"/>
               <a:t>Punish</a:t>
             </a:r>
             <a:r>
-              <a:rPr lang="zh-CN" altLang="en-US" dirty="0" smtClean="0"/>
+              <a:rPr lang="zh-CN" altLang="en-US" dirty="0"/>
               <a:t> </a:t>
             </a:r>
             <a:r>
-              <a:rPr lang="en-US" altLang="zh-CN" dirty="0" smtClean="0"/>
+              <a:rPr lang="en-US" altLang="zh-CN" dirty="0"/>
               <a:t>and</a:t>
             </a:r>
             <a:r>
-              <a:rPr lang="zh-CN" altLang="en-US" dirty="0" smtClean="0"/>
+              <a:rPr lang="zh-CN" altLang="en-US" dirty="0"/>
               <a:t> </a:t>
             </a:r>
             <a:r>
-              <a:rPr lang="en-US" altLang="zh-CN" dirty="0" smtClean="0"/>
+              <a:rPr lang="en-US" altLang="zh-CN" dirty="0"/>
               <a:t>stake</a:t>
             </a:r>
             <a:r>
-              <a:rPr lang="zh-CN" altLang="en-US" dirty="0" smtClean="0"/>
+              <a:rPr lang="zh-CN" altLang="en-US" dirty="0"/>
               <a:t> </a:t>
             </a:r>
             <a:r>
-              <a:rPr lang="en-US" altLang="zh-CN" dirty="0" smtClean="0"/>
+              <a:rPr lang="en-US" altLang="zh-CN" dirty="0"/>
               <a:t>size</a:t>
             </a:r>
             <a:endParaRPr lang="en-US" dirty="0"/>
@@ -37054,20 +36419,16 @@
           <a:lstStyle/>
           <a:p>
             <a:r>
-              <a:rPr lang="en-US" altLang="zh-CN" dirty="0" smtClean="0"/>
+              <a:rPr lang="en-US" altLang="zh-CN" dirty="0"/>
               <a:t>Punish</a:t>
             </a:r>
             <a:r>
-              <a:rPr lang="zh-CN" altLang="en-US" dirty="0" smtClean="0"/>
+              <a:rPr lang="zh-CN" altLang="en-US" dirty="0"/>
               <a:t> </a:t>
             </a:r>
             <a:r>
-              <a:rPr lang="en-US" dirty="0" smtClean="0"/>
-              <a:t>and </a:t>
-            </a:r>
-            <a:r>
               <a:rPr lang="en-US" dirty="0"/>
-              <a:t>player proposed amount</a:t>
+              <a:t>and player proposed amount</a:t>
             </a:r>
           </a:p>
         </p:txBody>
@@ -37143,20 +36504,16 @@
           <a:lstStyle/>
           <a:p>
             <a:r>
-              <a:rPr lang="en-US" altLang="zh-CN" dirty="0" smtClean="0"/>
+              <a:rPr lang="en-US" altLang="zh-CN" dirty="0"/>
               <a:t>Punish</a:t>
             </a:r>
             <a:r>
-              <a:rPr lang="zh-CN" altLang="en-US" dirty="0" smtClean="0"/>
+              <a:rPr lang="zh-CN" altLang="en-US" dirty="0"/>
               <a:t> </a:t>
             </a:r>
             <a:r>
-              <a:rPr lang="en-US" altLang="zh-CN" dirty="0" smtClean="0"/>
-              <a:t>and </a:t>
-            </a:r>
-            <a:r>
               <a:rPr lang="en-US" altLang="zh-CN" dirty="0"/>
-              <a:t>fairness score</a:t>
+              <a:t>and fairness score</a:t>
             </a:r>
             <a:endParaRPr lang="en-US" dirty="0"/>
           </a:p>
@@ -37257,31 +36614,31 @@
           <a:lstStyle/>
           <a:p>
             <a:r>
-              <a:rPr lang="en-US" altLang="zh-CN" dirty="0" smtClean="0"/>
+              <a:rPr lang="en-US" altLang="zh-CN" dirty="0"/>
               <a:t>HC</a:t>
             </a:r>
             <a:r>
-              <a:rPr lang="zh-CN" altLang="en-US" dirty="0" smtClean="0"/>
+              <a:rPr lang="zh-CN" altLang="en-US" dirty="0"/>
               <a:t> </a:t>
             </a:r>
             <a:r>
-              <a:rPr lang="en-US" altLang="zh-CN" dirty="0" smtClean="0"/>
+              <a:rPr lang="en-US" altLang="zh-CN" dirty="0"/>
               <a:t>and</a:t>
             </a:r>
             <a:r>
-              <a:rPr lang="zh-CN" altLang="en-US" dirty="0" smtClean="0"/>
+              <a:rPr lang="zh-CN" altLang="en-US" dirty="0"/>
               <a:t> </a:t>
             </a:r>
             <a:r>
-              <a:rPr lang="en-US" altLang="zh-CN" dirty="0" smtClean="0"/>
+              <a:rPr lang="en-US" altLang="zh-CN" dirty="0"/>
               <a:t>stake</a:t>
             </a:r>
             <a:r>
-              <a:rPr lang="zh-CN" altLang="en-US" dirty="0" smtClean="0"/>
+              <a:rPr lang="zh-CN" altLang="en-US" dirty="0"/>
               <a:t> </a:t>
             </a:r>
             <a:r>
-              <a:rPr lang="en-US" altLang="zh-CN" dirty="0" smtClean="0"/>
+              <a:rPr lang="en-US" altLang="zh-CN" dirty="0"/>
               <a:t>size</a:t>
             </a:r>
             <a:endParaRPr lang="en-US" dirty="0"/>
@@ -37407,39 +36764,39 @@
           <a:lstStyle/>
           <a:p>
             <a:r>
-              <a:rPr lang="en-US" altLang="zh-CN" dirty="0" smtClean="0"/>
+              <a:rPr lang="en-US" altLang="zh-CN" dirty="0"/>
               <a:t>HC,</a:t>
             </a:r>
             <a:r>
-              <a:rPr lang="zh-CN" altLang="en-US" dirty="0" smtClean="0"/>
+              <a:rPr lang="zh-CN" altLang="en-US" dirty="0"/>
               <a:t> </a:t>
             </a:r>
             <a:r>
-              <a:rPr lang="en-US" altLang="zh-CN" dirty="0" smtClean="0"/>
+              <a:rPr lang="en-US" altLang="zh-CN" dirty="0"/>
               <a:t>social</a:t>
             </a:r>
             <a:r>
-              <a:rPr lang="zh-CN" altLang="en-US" dirty="0" smtClean="0"/>
+              <a:rPr lang="zh-CN" altLang="en-US" dirty="0"/>
               <a:t> </a:t>
             </a:r>
             <a:r>
-              <a:rPr lang="en-US" altLang="zh-CN" dirty="0" smtClean="0"/>
+              <a:rPr lang="en-US" altLang="zh-CN" dirty="0"/>
               <a:t>framing,</a:t>
             </a:r>
             <a:r>
-              <a:rPr lang="zh-CN" altLang="en-US" dirty="0" smtClean="0"/>
+              <a:rPr lang="zh-CN" altLang="en-US" dirty="0"/>
               <a:t> </a:t>
             </a:r>
             <a:r>
-              <a:rPr lang="en-US" altLang="zh-CN" dirty="0" smtClean="0"/>
+              <a:rPr lang="en-US" altLang="zh-CN" dirty="0"/>
               <a:t>and</a:t>
             </a:r>
             <a:r>
-              <a:rPr lang="zh-CN" altLang="en-US" dirty="0" smtClean="0"/>
+              <a:rPr lang="zh-CN" altLang="en-US" dirty="0"/>
               <a:t> </a:t>
             </a:r>
             <a:r>
-              <a:rPr lang="en-US" altLang="zh-CN" dirty="0" smtClean="0"/>
+              <a:rPr lang="en-US" altLang="zh-CN" dirty="0"/>
               <a:t>fairness</a:t>
             </a:r>
             <a:endParaRPr lang="en-US" dirty="0"/>
@@ -37517,55 +36874,55 @@
           <a:lstStyle/>
           <a:p>
             <a:r>
-              <a:rPr lang="en-US" altLang="zh-CN" dirty="0" smtClean="0"/>
+              <a:rPr lang="en-US" altLang="zh-CN" dirty="0"/>
               <a:t>HC,</a:t>
             </a:r>
             <a:r>
-              <a:rPr lang="zh-CN" altLang="en-US" dirty="0" smtClean="0"/>
+              <a:rPr lang="zh-CN" altLang="en-US" dirty="0"/>
               <a:t> </a:t>
             </a:r>
             <a:r>
-              <a:rPr lang="en-US" altLang="zh-CN" dirty="0" smtClean="0"/>
+              <a:rPr lang="en-US" altLang="zh-CN" dirty="0"/>
               <a:t>social</a:t>
             </a:r>
             <a:r>
-              <a:rPr lang="zh-CN" altLang="en-US" dirty="0" smtClean="0"/>
+              <a:rPr lang="zh-CN" altLang="en-US" dirty="0"/>
               <a:t> </a:t>
             </a:r>
             <a:r>
-              <a:rPr lang="en-US" altLang="zh-CN" dirty="0" smtClean="0"/>
+              <a:rPr lang="en-US" altLang="zh-CN" dirty="0"/>
               <a:t>framing,</a:t>
             </a:r>
             <a:r>
-              <a:rPr lang="zh-CN" altLang="en-US" dirty="0" smtClean="0"/>
+              <a:rPr lang="zh-CN" altLang="en-US" dirty="0"/>
               <a:t> </a:t>
             </a:r>
             <a:r>
-              <a:rPr lang="en-US" altLang="zh-CN" dirty="0" smtClean="0"/>
+              <a:rPr lang="en-US" altLang="zh-CN" dirty="0"/>
               <a:t>and</a:t>
             </a:r>
             <a:r>
-              <a:rPr lang="zh-CN" altLang="en-US" dirty="0" smtClean="0"/>
+              <a:rPr lang="zh-CN" altLang="en-US" dirty="0"/>
               <a:t> </a:t>
             </a:r>
             <a:r>
-              <a:rPr lang="en-US" altLang="zh-CN" dirty="0" smtClean="0"/>
+              <a:rPr lang="en-US" altLang="zh-CN" dirty="0"/>
               <a:t>player</a:t>
             </a:r>
             <a:r>
-              <a:rPr lang="zh-CN" altLang="en-US" dirty="0" smtClean="0"/>
+              <a:rPr lang="zh-CN" altLang="en-US" dirty="0"/>
               <a:t> </a:t>
             </a:r>
             <a:r>
-              <a:rPr lang="en-US" altLang="zh-CN" dirty="0" smtClean="0"/>
+              <a:rPr lang="en-US" altLang="zh-CN" dirty="0"/>
               <a:t>proposed</a:t>
             </a:r>
             <a:r>
-              <a:rPr lang="zh-CN" altLang="en-US" dirty="0" smtClean="0"/>
+              <a:rPr lang="zh-CN" altLang="en-US" dirty="0"/>
               <a:t> </a:t>
             </a:r>
             <a:r>
-              <a:rPr lang="en-US" altLang="zh-CN" dirty="0" smtClean="0"/>
+              <a:rPr lang="en-US" altLang="zh-CN" dirty="0"/>
               <a:t>stake</a:t>
             </a:r>
             <a:endParaRPr lang="en-US" dirty="0"/>
@@ -37632,7 +36989,7 @@
           <p:cNvPr id="2" name="Title 1">
             <a:extLst>
               <a:ext uri="{FF2B5EF4-FFF2-40B4-BE49-F238E27FC236}">
-                <a16:creationId xmlns:a16="http://schemas.microsoft.com/office/drawing/2014/main" xmlns="" id="{9E72733B-3ADC-4709-8C8B-A6CBD9E2C805}"/>
+                <a16:creationId xmlns:a16="http://schemas.microsoft.com/office/drawing/2014/main" id="{9E72733B-3ADC-4709-8C8B-A6CBD9E2C805}"/>
               </a:ext>
             </a:extLst>
           </p:cNvPr>
@@ -37656,24 +37013,54 @@
           </a:p>
         </p:txBody>
       </p:sp>
+      <p:sp>
+        <p:nvSpPr>
+          <p:cNvPr id="4" name="Content Placeholder 3">
+            <a:extLst>
+              <a:ext uri="{FF2B5EF4-FFF2-40B4-BE49-F238E27FC236}">
+                <a16:creationId xmlns:a16="http://schemas.microsoft.com/office/drawing/2014/main" id="{85AFC881-2077-45C1-B5BB-B740550E0611}"/>
+              </a:ext>
+            </a:extLst>
+          </p:cNvPr>
+          <p:cNvSpPr>
+            <a:spLocks noGrp="1"/>
+          </p:cNvSpPr>
+          <p:nvPr>
+            <p:ph idx="1"/>
+          </p:nvPr>
+        </p:nvSpPr>
+        <p:spPr/>
+        <p:txBody>
+          <a:bodyPr/>
+          <a:lstStyle/>
+          <a:p>
+            <a:endParaRPr lang="en-CA" dirty="0"/>
+          </a:p>
+        </p:txBody>
+      </p:sp>
       <p:graphicFrame>
         <p:nvGraphicFramePr>
-          <p:cNvPr id="8" name="Content Placeholder 7"/>
+          <p:cNvPr id="7" name="Chart 6">
+            <a:extLst>
+              <a:ext uri="{FF2B5EF4-FFF2-40B4-BE49-F238E27FC236}">
+                <a16:creationId xmlns:a16="http://schemas.microsoft.com/office/drawing/2014/main" id="{FBE87CE3-BBDF-4804-A7B0-0371F4AC7394}"/>
+              </a:ext>
+            </a:extLst>
+          </p:cNvPr>
           <p:cNvGraphicFramePr>
-            <a:graphicFrameLocks noGrp="1"/>
+            <a:graphicFrameLocks/>
           </p:cNvGraphicFramePr>
           <p:nvPr>
-            <p:ph idx="1"/>
             <p:extLst>
               <p:ext uri="{D42A27DB-BD31-4B8C-83A1-F6EECF244321}">
-                <p14:modId xmlns:p14="http://schemas.microsoft.com/office/powerpoint/2010/main" val="1564639613"/>
+                <p14:modId xmlns:p14="http://schemas.microsoft.com/office/powerpoint/2010/main" val="4057300129"/>
               </p:ext>
             </p:extLst>
           </p:nvPr>
         </p:nvGraphicFramePr>
         <p:xfrm>
-          <a:off x="711200" y="1690688"/>
-          <a:ext cx="10515600" cy="4351338"/>
+          <a:off x="1401320" y="1825625"/>
+          <a:ext cx="9389359" cy="3976929"/>
         </p:xfrm>
         <a:graphic>
           <a:graphicData uri="http://schemas.openxmlformats.org/drawingml/2006/chart">
@@ -37823,7 +37210,7 @@
           <p:cNvPr id="2" name="Title 1">
             <a:extLst>
               <a:ext uri="{FF2B5EF4-FFF2-40B4-BE49-F238E27FC236}">
-                <a16:creationId xmlns:a16="http://schemas.microsoft.com/office/drawing/2014/main" xmlns="" id="{5506469E-1244-4642-907B-B1433F60711B}"/>
+                <a16:creationId xmlns:a16="http://schemas.microsoft.com/office/drawing/2014/main" id="{5506469E-1244-4642-907B-B1433F60711B}"/>
               </a:ext>
             </a:extLst>
           </p:cNvPr>
@@ -37851,7 +37238,7 @@
           <p:cNvPr id="4" name="Content Placeholder 3">
             <a:extLst>
               <a:ext uri="{FF2B5EF4-FFF2-40B4-BE49-F238E27FC236}">
-                <a16:creationId xmlns:a16="http://schemas.microsoft.com/office/drawing/2014/main" xmlns="" id="{14837406-5535-4D53-B38D-5FA66CF97038}"/>
+                <a16:creationId xmlns:a16="http://schemas.microsoft.com/office/drawing/2014/main" id="{14837406-5535-4D53-B38D-5FA66CF97038}"/>
               </a:ext>
             </a:extLst>
           </p:cNvPr>
@@ -37942,7 +37329,7 @@
           <p:cNvPr id="2" name="Title 1">
             <a:extLst>
               <a:ext uri="{FF2B5EF4-FFF2-40B4-BE49-F238E27FC236}">
-                <a16:creationId xmlns:a16="http://schemas.microsoft.com/office/drawing/2014/main" xmlns="" id="{C3F5CDFC-1D41-42B8-9223-6129DEC6C293}"/>
+                <a16:creationId xmlns:a16="http://schemas.microsoft.com/office/drawing/2014/main" id="{C3F5CDFC-1D41-42B8-9223-6129DEC6C293}"/>
               </a:ext>
             </a:extLst>
           </p:cNvPr>
@@ -37970,7 +37357,7 @@
           <p:cNvPr id="4" name="Content Placeholder 3">
             <a:extLst>
               <a:ext uri="{FF2B5EF4-FFF2-40B4-BE49-F238E27FC236}">
-                <a16:creationId xmlns:a16="http://schemas.microsoft.com/office/drawing/2014/main" xmlns="" id="{63ECDBED-7E6C-40D5-AC3A-4B4B35A132F9}"/>
+                <a16:creationId xmlns:a16="http://schemas.microsoft.com/office/drawing/2014/main" id="{63ECDBED-7E6C-40D5-AC3A-4B4B35A132F9}"/>
               </a:ext>
             </a:extLst>
           </p:cNvPr>
@@ -38061,7 +37448,7 @@
           <p:cNvPr id="2" name="Title 1">
             <a:extLst>
               <a:ext uri="{FF2B5EF4-FFF2-40B4-BE49-F238E27FC236}">
-                <a16:creationId xmlns:a16="http://schemas.microsoft.com/office/drawing/2014/main" xmlns="" id="{99B70518-582A-46A1-8C6C-709B5B3C47F4}"/>
+                <a16:creationId xmlns:a16="http://schemas.microsoft.com/office/drawing/2014/main" id="{99B70518-582A-46A1-8C6C-709B5B3C47F4}"/>
               </a:ext>
             </a:extLst>
           </p:cNvPr>

--- a/UG_results.pptx
+++ b/UG_results.pptx
@@ -184,7 +184,6 @@
           </a:p>
         </c:rich>
       </c:tx>
-      <c:layout/>
       <c:overlay val="0"/>
       <c:spPr>
         <a:noFill/>
@@ -555,11 +554,11 @@
         </c:dLbls>
         <c:gapWidth val="219"/>
         <c:overlap val="-27"/>
-        <c:axId val="-1580954848"/>
-        <c:axId val="-1580327392"/>
+        <c:axId val="1365130720"/>
+        <c:axId val="1365133552"/>
       </c:barChart>
       <c:catAx>
-        <c:axId val="-1580954848"/>
+        <c:axId val="1365130720"/>
         <c:scaling>
           <c:orientation val="minMax"/>
         </c:scaling>
@@ -602,7 +601,7 @@
             <a:endParaRPr lang="en-US"/>
           </a:p>
         </c:txPr>
-        <c:crossAx val="-1580327392"/>
+        <c:crossAx val="1365133552"/>
         <c:crosses val="autoZero"/>
         <c:auto val="1"/>
         <c:lblAlgn val="ctr"/>
@@ -610,7 +609,7 @@
         <c:noMultiLvlLbl val="0"/>
       </c:catAx>
       <c:valAx>
-        <c:axId val="-1580327392"/>
+        <c:axId val="1365133552"/>
         <c:scaling>
           <c:orientation val="minMax"/>
         </c:scaling>
@@ -661,7 +660,7 @@
             <a:endParaRPr lang="en-US"/>
           </a:p>
         </c:txPr>
-        <c:crossAx val="-1580954848"/>
+        <c:crossAx val="1365130720"/>
         <c:crosses val="autoZero"/>
         <c:crossBetween val="between"/>
       </c:valAx>
@@ -675,7 +674,6 @@
     </c:plotArea>
     <c:legend>
       <c:legendPos val="b"/>
-      <c:layout/>
       <c:overlay val="0"/>
       <c:spPr>
         <a:noFill/>
@@ -1274,11 +1272,11 @@
         </c:dLbls>
         <c:gapWidth val="219"/>
         <c:overlap val="-27"/>
-        <c:axId val="-1532794928"/>
-        <c:axId val="-1620162704"/>
+        <c:axId val="1359313376"/>
+        <c:axId val="1359303728"/>
       </c:barChart>
       <c:catAx>
-        <c:axId val="-1532794928"/>
+        <c:axId val="1359313376"/>
         <c:scaling>
           <c:orientation val="minMax"/>
         </c:scaling>
@@ -1382,7 +1380,7 @@
             <a:endParaRPr lang="en-US"/>
           </a:p>
         </c:txPr>
-        <c:crossAx val="-1620162704"/>
+        <c:crossAx val="1359303728"/>
         <c:crosses val="autoZero"/>
         <c:auto val="1"/>
         <c:lblAlgn val="ctr"/>
@@ -1390,7 +1388,7 @@
         <c:noMultiLvlLbl val="0"/>
       </c:catAx>
       <c:valAx>
-        <c:axId val="-1620162704"/>
+        <c:axId val="1359303728"/>
         <c:scaling>
           <c:orientation val="minMax"/>
           <c:max val="1.0"/>
@@ -1498,7 +1496,7 @@
             <a:endParaRPr lang="en-US"/>
           </a:p>
         </c:txPr>
-        <c:crossAx val="-1532794928"/>
+        <c:crossAx val="1359313376"/>
         <c:crosses val="autoZero"/>
         <c:crossBetween val="between"/>
       </c:valAx>
@@ -2123,11 +2121,11 @@
         </c:dLbls>
         <c:gapWidth val="219"/>
         <c:overlap val="-27"/>
-        <c:axId val="-1428679984"/>
-        <c:axId val="-1621807344"/>
+        <c:axId val="1359248096"/>
+        <c:axId val="1359251488"/>
       </c:barChart>
       <c:catAx>
-        <c:axId val="-1428679984"/>
+        <c:axId val="1359248096"/>
         <c:scaling>
           <c:orientation val="minMax"/>
         </c:scaling>
@@ -2235,7 +2233,7 @@
             <a:endParaRPr lang="en-US"/>
           </a:p>
         </c:txPr>
-        <c:crossAx val="-1621807344"/>
+        <c:crossAx val="1359251488"/>
         <c:crosses val="autoZero"/>
         <c:auto val="1"/>
         <c:lblAlgn val="ctr"/>
@@ -2243,7 +2241,7 @@
         <c:noMultiLvlLbl val="0"/>
       </c:catAx>
       <c:valAx>
-        <c:axId val="-1621807344"/>
+        <c:axId val="1359251488"/>
         <c:scaling>
           <c:orientation val="minMax"/>
           <c:max val="1.0"/>
@@ -2359,7 +2357,7 @@
             <a:endParaRPr lang="en-US"/>
           </a:p>
         </c:txPr>
-        <c:crossAx val="-1428679984"/>
+        <c:crossAx val="1359248096"/>
         <c:crosses val="autoZero"/>
         <c:crossBetween val="between"/>
       </c:valAx>
@@ -2976,11 +2974,11 @@
         </c:dLbls>
         <c:gapWidth val="219"/>
         <c:overlap val="-27"/>
-        <c:axId val="-1530042976"/>
-        <c:axId val="-1400854336"/>
+        <c:axId val="1361638256"/>
+        <c:axId val="1361641648"/>
       </c:barChart>
       <c:catAx>
-        <c:axId val="-1530042976"/>
+        <c:axId val="1361638256"/>
         <c:scaling>
           <c:orientation val="minMax"/>
         </c:scaling>
@@ -3088,7 +3086,7 @@
             <a:endParaRPr lang="en-US"/>
           </a:p>
         </c:txPr>
-        <c:crossAx val="-1400854336"/>
+        <c:crossAx val="1361641648"/>
         <c:crosses val="autoZero"/>
         <c:auto val="1"/>
         <c:lblAlgn val="ctr"/>
@@ -3096,7 +3094,7 @@
         <c:noMultiLvlLbl val="0"/>
       </c:catAx>
       <c:valAx>
-        <c:axId val="-1400854336"/>
+        <c:axId val="1361641648"/>
         <c:scaling>
           <c:orientation val="minMax"/>
         </c:scaling>
@@ -3212,7 +3210,7 @@
             <a:endParaRPr lang="en-US"/>
           </a:p>
         </c:txPr>
-        <c:crossAx val="-1530042976"/>
+        <c:crossAx val="1361638256"/>
         <c:crosses val="autoZero"/>
         <c:crossBetween val="between"/>
       </c:valAx>
@@ -3657,11 +3655,11 @@
         </c:dLbls>
         <c:gapWidth val="219"/>
         <c:overlap val="-27"/>
-        <c:axId val="-1398464816"/>
-        <c:axId val="-1490277040"/>
+        <c:axId val="1359200528"/>
+        <c:axId val="1359191216"/>
       </c:barChart>
       <c:catAx>
-        <c:axId val="-1398464816"/>
+        <c:axId val="1359200528"/>
         <c:scaling>
           <c:orientation val="minMax"/>
         </c:scaling>
@@ -3769,7 +3767,7 @@
             <a:endParaRPr lang="en-US"/>
           </a:p>
         </c:txPr>
-        <c:crossAx val="-1490277040"/>
+        <c:crossAx val="1359191216"/>
         <c:crosses val="autoZero"/>
         <c:auto val="1"/>
         <c:lblAlgn val="ctr"/>
@@ -3777,7 +3775,7 @@
         <c:noMultiLvlLbl val="0"/>
       </c:catAx>
       <c:valAx>
-        <c:axId val="-1490277040"/>
+        <c:axId val="1359191216"/>
         <c:scaling>
           <c:orientation val="minMax"/>
           <c:max val="1.0"/>
@@ -3901,7 +3899,7 @@
             <a:endParaRPr lang="en-US"/>
           </a:p>
         </c:txPr>
-        <c:crossAx val="-1398464816"/>
+        <c:crossAx val="1359200528"/>
         <c:crosses val="autoZero"/>
         <c:crossBetween val="between"/>
       </c:valAx>
@@ -4323,11 +4321,11 @@
         </c:dLbls>
         <c:gapWidth val="219"/>
         <c:overlap val="-27"/>
-        <c:axId val="-1492056192"/>
-        <c:axId val="-1400298064"/>
+        <c:axId val="1361672896"/>
+        <c:axId val="1361676800"/>
       </c:barChart>
       <c:catAx>
-        <c:axId val="-1492056192"/>
+        <c:axId val="1361672896"/>
         <c:scaling>
           <c:orientation val="minMax"/>
         </c:scaling>
@@ -4442,7 +4440,7 @@
             <a:endParaRPr lang="en-US"/>
           </a:p>
         </c:txPr>
-        <c:crossAx val="-1400298064"/>
+        <c:crossAx val="1361676800"/>
         <c:crosses val="autoZero"/>
         <c:auto val="1"/>
         <c:lblAlgn val="ctr"/>
@@ -4450,7 +4448,7 @@
         <c:noMultiLvlLbl val="0"/>
       </c:catAx>
       <c:valAx>
-        <c:axId val="-1400298064"/>
+        <c:axId val="1361676800"/>
         <c:scaling>
           <c:orientation val="minMax"/>
           <c:max val="1.0"/>
@@ -4566,7 +4564,7 @@
             <a:endParaRPr lang="en-US"/>
           </a:p>
         </c:txPr>
-        <c:crossAx val="-1492056192"/>
+        <c:crossAx val="1361672896"/>
         <c:crosses val="autoZero"/>
         <c:crossBetween val="between"/>
       </c:valAx>
@@ -4957,11 +4955,11 @@
         </c:dLbls>
         <c:gapWidth val="219"/>
         <c:overlap val="-27"/>
-        <c:axId val="-1400462480"/>
-        <c:axId val="-1400731312"/>
+        <c:axId val="1361517888"/>
+        <c:axId val="1361520720"/>
       </c:barChart>
       <c:catAx>
-        <c:axId val="-1400462480"/>
+        <c:axId val="1361517888"/>
         <c:scaling>
           <c:orientation val="minMax"/>
         </c:scaling>
@@ -5004,7 +5002,7 @@
             <a:endParaRPr lang="en-US"/>
           </a:p>
         </c:txPr>
-        <c:crossAx val="-1400731312"/>
+        <c:crossAx val="1361520720"/>
         <c:crosses val="autoZero"/>
         <c:auto val="1"/>
         <c:lblAlgn val="ctr"/>
@@ -5012,7 +5010,7 @@
         <c:noMultiLvlLbl val="0"/>
       </c:catAx>
       <c:valAx>
-        <c:axId val="-1400731312"/>
+        <c:axId val="1361520720"/>
         <c:scaling>
           <c:orientation val="minMax"/>
           <c:max val="1.0"/>
@@ -5120,7 +5118,2782 @@
             <a:endParaRPr lang="en-US"/>
           </a:p>
         </c:txPr>
-        <c:crossAx val="-1400462480"/>
+        <c:crossAx val="1361517888"/>
+        <c:crosses val="autoZero"/>
+        <c:crossBetween val="between"/>
+      </c:valAx>
+      <c:spPr>
+        <a:noFill/>
+        <a:ln>
+          <a:noFill/>
+        </a:ln>
+        <a:effectLst/>
+      </c:spPr>
+    </c:plotArea>
+    <c:legend>
+      <c:legendPos val="b"/>
+      <c:layout/>
+      <c:overlay val="0"/>
+      <c:spPr>
+        <a:noFill/>
+        <a:ln>
+          <a:noFill/>
+        </a:ln>
+        <a:effectLst/>
+      </c:spPr>
+      <c:txPr>
+        <a:bodyPr rot="0" spcFirstLastPara="1" vertOverflow="ellipsis" vert="horz" wrap="square" anchor="ctr" anchorCtr="1"/>
+        <a:lstStyle/>
+        <a:p>
+          <a:pPr>
+            <a:defRPr sz="900" b="0" i="0" u="none" strike="noStrike" kern="1200" baseline="0">
+              <a:solidFill>
+                <a:schemeClr val="tx1">
+                  <a:lumMod val="65000"/>
+                  <a:lumOff val="35000"/>
+                </a:schemeClr>
+              </a:solidFill>
+              <a:latin typeface="+mn-lt"/>
+              <a:ea typeface="+mn-ea"/>
+              <a:cs typeface="+mn-cs"/>
+            </a:defRPr>
+          </a:pPr>
+          <a:endParaRPr lang="en-US"/>
+        </a:p>
+      </c:txPr>
+    </c:legend>
+    <c:plotVisOnly val="1"/>
+    <c:dispBlanksAs val="gap"/>
+    <c:showDLblsOverMax val="0"/>
+  </c:chart>
+  <c:spPr>
+    <a:noFill/>
+    <a:ln>
+      <a:noFill/>
+    </a:ln>
+    <a:effectLst/>
+  </c:spPr>
+  <c:txPr>
+    <a:bodyPr/>
+    <a:lstStyle/>
+    <a:p>
+      <a:pPr>
+        <a:defRPr/>
+      </a:pPr>
+      <a:endParaRPr lang="en-US"/>
+    </a:p>
+  </c:txPr>
+  <c:externalData r:id="rId3">
+    <c:autoUpdate val="0"/>
+  </c:externalData>
+</c:chartSpace>
+</file>
+
+<file path=ppt/charts/chart16.xml><?xml version="1.0" encoding="utf-8"?>
+<c:chartSpace xmlns:c="http://schemas.openxmlformats.org/drawingml/2006/chart" xmlns:a="http://schemas.openxmlformats.org/drawingml/2006/main" xmlns:r="http://schemas.openxmlformats.org/officeDocument/2006/relationships">
+  <c:date1904 val="0"/>
+  <c:lang val="en-US"/>
+  <c:roundedCorners val="0"/>
+  <mc:AlternateContent xmlns:mc="http://schemas.openxmlformats.org/markup-compatibility/2006">
+    <mc:Choice xmlns:c14="http://schemas.microsoft.com/office/drawing/2007/8/2/chart" Requires="c14">
+      <c14:style val="102"/>
+    </mc:Choice>
+    <mc:Fallback>
+      <c:style val="2"/>
+    </mc:Fallback>
+  </mc:AlternateContent>
+  <c:chart>
+    <c:title>
+      <c:tx>
+        <c:rich>
+          <a:bodyPr rot="0" spcFirstLastPara="1" vertOverflow="ellipsis" vert="horz" wrap="square" anchor="ctr" anchorCtr="1"/>
+          <a:lstStyle/>
+          <a:p>
+            <a:pPr>
+              <a:defRPr sz="1400" b="0" i="0" u="none" strike="noStrike" kern="1200" spc="0" baseline="0">
+                <a:solidFill>
+                  <a:schemeClr val="tx1">
+                    <a:lumMod val="65000"/>
+                    <a:lumOff val="35000"/>
+                  </a:schemeClr>
+                </a:solidFill>
+                <a:latin typeface="+mn-lt"/>
+                <a:ea typeface="+mn-ea"/>
+                <a:cs typeface="+mn-cs"/>
+              </a:defRPr>
+            </a:pPr>
+            <a:r>
+              <a:rPr lang="en-US"/>
+              <a:t>Baseline and opponent proposed</a:t>
+            </a:r>
+            <a:r>
+              <a:rPr lang="en-US" baseline="0"/>
+              <a:t> amount</a:t>
+            </a:r>
+            <a:endParaRPr lang="en-US"/>
+          </a:p>
+        </c:rich>
+      </c:tx>
+      <c:layout/>
+      <c:overlay val="0"/>
+      <c:spPr>
+        <a:noFill/>
+        <a:ln>
+          <a:noFill/>
+        </a:ln>
+        <a:effectLst/>
+      </c:spPr>
+      <c:txPr>
+        <a:bodyPr rot="0" spcFirstLastPara="1" vertOverflow="ellipsis" vert="horz" wrap="square" anchor="ctr" anchorCtr="1"/>
+        <a:lstStyle/>
+        <a:p>
+          <a:pPr>
+            <a:defRPr sz="1400" b="0" i="0" u="none" strike="noStrike" kern="1200" spc="0" baseline="0">
+              <a:solidFill>
+                <a:schemeClr val="tx1">
+                  <a:lumMod val="65000"/>
+                  <a:lumOff val="35000"/>
+                </a:schemeClr>
+              </a:solidFill>
+              <a:latin typeface="+mn-lt"/>
+              <a:ea typeface="+mn-ea"/>
+              <a:cs typeface="+mn-cs"/>
+            </a:defRPr>
+          </a:pPr>
+          <a:endParaRPr lang="en-US"/>
+        </a:p>
+      </c:txPr>
+    </c:title>
+    <c:autoTitleDeleted val="0"/>
+    <c:plotArea>
+      <c:layout/>
+      <c:barChart>
+        <c:barDir val="col"/>
+        <c:grouping val="clustered"/>
+        <c:varyColors val="0"/>
+        <c:ser>
+          <c:idx val="0"/>
+          <c:order val="0"/>
+          <c:tx>
+            <c:strRef>
+              <c:f>oppoProposedSize_percent!$L$6</c:f>
+              <c:strCache>
+                <c:ptCount val="1"/>
+                <c:pt idx="0">
+                  <c:v>AttempterHL</c:v>
+                </c:pt>
+              </c:strCache>
+            </c:strRef>
+          </c:tx>
+          <c:spPr>
+            <a:solidFill>
+              <a:schemeClr val="accent1"/>
+            </a:solidFill>
+            <a:ln>
+              <a:noFill/>
+            </a:ln>
+            <a:effectLst/>
+          </c:spPr>
+          <c:invertIfNegative val="0"/>
+          <c:errBars>
+            <c:errBarType val="both"/>
+            <c:errValType val="stdErr"/>
+            <c:noEndCap val="0"/>
+            <c:spPr>
+              <a:noFill/>
+              <a:ln w="9525" cap="flat" cmpd="sng" algn="ctr">
+                <a:solidFill>
+                  <a:schemeClr val="tx1">
+                    <a:lumMod val="65000"/>
+                    <a:lumOff val="35000"/>
+                  </a:schemeClr>
+                </a:solidFill>
+                <a:round/>
+              </a:ln>
+              <a:effectLst/>
+            </c:spPr>
+          </c:errBars>
+          <c:cat>
+            <c:numRef>
+              <c:f>oppoProposedSize_percent!$K$7:$K$16</c:f>
+              <c:numCache>
+                <c:formatCode>General</c:formatCode>
+                <c:ptCount val="10"/>
+                <c:pt idx="0">
+                  <c:v>2.0</c:v>
+                </c:pt>
+                <c:pt idx="1">
+                  <c:v>4.0</c:v>
+                </c:pt>
+                <c:pt idx="2">
+                  <c:v>7.0</c:v>
+                </c:pt>
+                <c:pt idx="3">
+                  <c:v>8.0</c:v>
+                </c:pt>
+                <c:pt idx="4">
+                  <c:v>9.0</c:v>
+                </c:pt>
+                <c:pt idx="5">
+                  <c:v>11.0</c:v>
+                </c:pt>
+                <c:pt idx="6">
+                  <c:v>12.0</c:v>
+                </c:pt>
+                <c:pt idx="7">
+                  <c:v>14.0</c:v>
+                </c:pt>
+                <c:pt idx="8">
+                  <c:v>16.0</c:v>
+                </c:pt>
+                <c:pt idx="9">
+                  <c:v>18.0</c:v>
+                </c:pt>
+              </c:numCache>
+            </c:numRef>
+          </c:cat>
+          <c:val>
+            <c:numRef>
+              <c:f>oppoProposedSize_percent!$L$7:$L$16</c:f>
+              <c:numCache>
+                <c:formatCode>General</c:formatCode>
+                <c:ptCount val="10"/>
+                <c:pt idx="0">
+                  <c:v>0.764705882352941</c:v>
+                </c:pt>
+                <c:pt idx="1">
+                  <c:v>0.735294117647059</c:v>
+                </c:pt>
+                <c:pt idx="2">
+                  <c:v>0.843137254901961</c:v>
+                </c:pt>
+                <c:pt idx="3">
+                  <c:v>0.852941176470588</c:v>
+                </c:pt>
+                <c:pt idx="4">
+                  <c:v>0.517647058823529</c:v>
+                </c:pt>
+                <c:pt idx="5">
+                  <c:v>0.794117647058823</c:v>
+                </c:pt>
+                <c:pt idx="6">
+                  <c:v>0.470588235294118</c:v>
+                </c:pt>
+                <c:pt idx="7">
+                  <c:v>0.764705882352941</c:v>
+                </c:pt>
+                <c:pt idx="8">
+                  <c:v>0.617647058823529</c:v>
+                </c:pt>
+                <c:pt idx="9">
+                  <c:v>0.338235294117647</c:v>
+                </c:pt>
+              </c:numCache>
+            </c:numRef>
+          </c:val>
+        </c:ser>
+        <c:ser>
+          <c:idx val="1"/>
+          <c:order val="1"/>
+          <c:tx>
+            <c:strRef>
+              <c:f>oppoProposedSize_percent!$M$6</c:f>
+              <c:strCache>
+                <c:ptCount val="1"/>
+                <c:pt idx="0">
+                  <c:v>AttempterLL</c:v>
+                </c:pt>
+              </c:strCache>
+            </c:strRef>
+          </c:tx>
+          <c:spPr>
+            <a:solidFill>
+              <a:schemeClr val="accent2"/>
+            </a:solidFill>
+            <a:ln>
+              <a:noFill/>
+            </a:ln>
+            <a:effectLst/>
+          </c:spPr>
+          <c:invertIfNegative val="0"/>
+          <c:errBars>
+            <c:errBarType val="both"/>
+            <c:errValType val="stdErr"/>
+            <c:noEndCap val="0"/>
+            <c:spPr>
+              <a:noFill/>
+              <a:ln w="9525" cap="flat" cmpd="sng" algn="ctr">
+                <a:solidFill>
+                  <a:schemeClr val="tx1">
+                    <a:lumMod val="65000"/>
+                    <a:lumOff val="35000"/>
+                  </a:schemeClr>
+                </a:solidFill>
+                <a:round/>
+              </a:ln>
+              <a:effectLst/>
+            </c:spPr>
+          </c:errBars>
+          <c:cat>
+            <c:numRef>
+              <c:f>oppoProposedSize_percent!$K$7:$K$16</c:f>
+              <c:numCache>
+                <c:formatCode>General</c:formatCode>
+                <c:ptCount val="10"/>
+                <c:pt idx="0">
+                  <c:v>2.0</c:v>
+                </c:pt>
+                <c:pt idx="1">
+                  <c:v>4.0</c:v>
+                </c:pt>
+                <c:pt idx="2">
+                  <c:v>7.0</c:v>
+                </c:pt>
+                <c:pt idx="3">
+                  <c:v>8.0</c:v>
+                </c:pt>
+                <c:pt idx="4">
+                  <c:v>9.0</c:v>
+                </c:pt>
+                <c:pt idx="5">
+                  <c:v>11.0</c:v>
+                </c:pt>
+                <c:pt idx="6">
+                  <c:v>12.0</c:v>
+                </c:pt>
+                <c:pt idx="7">
+                  <c:v>14.0</c:v>
+                </c:pt>
+                <c:pt idx="8">
+                  <c:v>16.0</c:v>
+                </c:pt>
+                <c:pt idx="9">
+                  <c:v>18.0</c:v>
+                </c:pt>
+              </c:numCache>
+            </c:numRef>
+          </c:cat>
+          <c:val>
+            <c:numRef>
+              <c:f>oppoProposedSize_percent!$M$7:$M$16</c:f>
+              <c:numCache>
+                <c:formatCode>General</c:formatCode>
+                <c:ptCount val="10"/>
+                <c:pt idx="0">
+                  <c:v>0.947368421052631</c:v>
+                </c:pt>
+                <c:pt idx="1">
+                  <c:v>0.75</c:v>
+                </c:pt>
+                <c:pt idx="2">
+                  <c:v>0.87719298245614</c:v>
+                </c:pt>
+                <c:pt idx="3">
+                  <c:v>0.763157894736842</c:v>
+                </c:pt>
+                <c:pt idx="4">
+                  <c:v>0.621052631578947</c:v>
+                </c:pt>
+                <c:pt idx="5">
+                  <c:v>0.842105263157895</c:v>
+                </c:pt>
+                <c:pt idx="6">
+                  <c:v>0.552631578947368</c:v>
+                </c:pt>
+                <c:pt idx="7">
+                  <c:v>0.842105263157895</c:v>
+                </c:pt>
+                <c:pt idx="8">
+                  <c:v>0.5</c:v>
+                </c:pt>
+                <c:pt idx="9">
+                  <c:v>0.355263157894737</c:v>
+                </c:pt>
+              </c:numCache>
+            </c:numRef>
+          </c:val>
+        </c:ser>
+        <c:ser>
+          <c:idx val="2"/>
+          <c:order val="2"/>
+          <c:tx>
+            <c:strRef>
+              <c:f>oppoProposedSize_percent!$N$6</c:f>
+              <c:strCache>
+                <c:ptCount val="1"/>
+                <c:pt idx="0">
+                  <c:v>control</c:v>
+                </c:pt>
+              </c:strCache>
+            </c:strRef>
+          </c:tx>
+          <c:spPr>
+            <a:solidFill>
+              <a:schemeClr val="accent3"/>
+            </a:solidFill>
+            <a:ln>
+              <a:noFill/>
+            </a:ln>
+            <a:effectLst/>
+          </c:spPr>
+          <c:invertIfNegative val="0"/>
+          <c:errBars>
+            <c:errBarType val="both"/>
+            <c:errValType val="stdErr"/>
+            <c:noEndCap val="0"/>
+            <c:spPr>
+              <a:noFill/>
+              <a:ln w="9525" cap="flat" cmpd="sng" algn="ctr">
+                <a:solidFill>
+                  <a:schemeClr val="tx1">
+                    <a:lumMod val="65000"/>
+                    <a:lumOff val="35000"/>
+                  </a:schemeClr>
+                </a:solidFill>
+                <a:round/>
+              </a:ln>
+              <a:effectLst/>
+            </c:spPr>
+          </c:errBars>
+          <c:cat>
+            <c:numRef>
+              <c:f>oppoProposedSize_percent!$K$7:$K$16</c:f>
+              <c:numCache>
+                <c:formatCode>General</c:formatCode>
+                <c:ptCount val="10"/>
+                <c:pt idx="0">
+                  <c:v>2.0</c:v>
+                </c:pt>
+                <c:pt idx="1">
+                  <c:v>4.0</c:v>
+                </c:pt>
+                <c:pt idx="2">
+                  <c:v>7.0</c:v>
+                </c:pt>
+                <c:pt idx="3">
+                  <c:v>8.0</c:v>
+                </c:pt>
+                <c:pt idx="4">
+                  <c:v>9.0</c:v>
+                </c:pt>
+                <c:pt idx="5">
+                  <c:v>11.0</c:v>
+                </c:pt>
+                <c:pt idx="6">
+                  <c:v>12.0</c:v>
+                </c:pt>
+                <c:pt idx="7">
+                  <c:v>14.0</c:v>
+                </c:pt>
+                <c:pt idx="8">
+                  <c:v>16.0</c:v>
+                </c:pt>
+                <c:pt idx="9">
+                  <c:v>18.0</c:v>
+                </c:pt>
+              </c:numCache>
+            </c:numRef>
+          </c:cat>
+          <c:val>
+            <c:numRef>
+              <c:f>oppoProposedSize_percent!$N$7:$N$16</c:f>
+              <c:numCache>
+                <c:formatCode>General</c:formatCode>
+                <c:ptCount val="10"/>
+                <c:pt idx="0">
+                  <c:v>1.0</c:v>
+                </c:pt>
+                <c:pt idx="1">
+                  <c:v>0.739583333333333</c:v>
+                </c:pt>
+                <c:pt idx="2">
+                  <c:v>0.819444444444444</c:v>
+                </c:pt>
+                <c:pt idx="3">
+                  <c:v>0.729166666666667</c:v>
+                </c:pt>
+                <c:pt idx="4">
+                  <c:v>0.558333333333333</c:v>
+                </c:pt>
+                <c:pt idx="5">
+                  <c:v>0.8125</c:v>
+                </c:pt>
+                <c:pt idx="6">
+                  <c:v>0.541666666666667</c:v>
+                </c:pt>
+                <c:pt idx="7">
+                  <c:v>0.833333333333333</c:v>
+                </c:pt>
+                <c:pt idx="8">
+                  <c:v>0.583333333333333</c:v>
+                </c:pt>
+                <c:pt idx="9">
+                  <c:v>0.333333333333333</c:v>
+                </c:pt>
+              </c:numCache>
+            </c:numRef>
+          </c:val>
+        </c:ser>
+        <c:ser>
+          <c:idx val="3"/>
+          <c:order val="3"/>
+          <c:tx>
+            <c:strRef>
+              <c:f>oppoProposedSize_percent!$O$6</c:f>
+              <c:strCache>
+                <c:ptCount val="1"/>
+                <c:pt idx="0">
+                  <c:v>depression</c:v>
+                </c:pt>
+              </c:strCache>
+            </c:strRef>
+          </c:tx>
+          <c:spPr>
+            <a:solidFill>
+              <a:schemeClr val="accent4"/>
+            </a:solidFill>
+            <a:ln>
+              <a:noFill/>
+            </a:ln>
+            <a:effectLst/>
+          </c:spPr>
+          <c:invertIfNegative val="0"/>
+          <c:errBars>
+            <c:errBarType val="both"/>
+            <c:errValType val="stdErr"/>
+            <c:noEndCap val="0"/>
+            <c:spPr>
+              <a:noFill/>
+              <a:ln w="9525" cap="flat" cmpd="sng" algn="ctr">
+                <a:solidFill>
+                  <a:schemeClr val="tx1">
+                    <a:lumMod val="65000"/>
+                    <a:lumOff val="35000"/>
+                  </a:schemeClr>
+                </a:solidFill>
+                <a:round/>
+              </a:ln>
+              <a:effectLst/>
+            </c:spPr>
+          </c:errBars>
+          <c:cat>
+            <c:numRef>
+              <c:f>oppoProposedSize_percent!$K$7:$K$16</c:f>
+              <c:numCache>
+                <c:formatCode>General</c:formatCode>
+                <c:ptCount val="10"/>
+                <c:pt idx="0">
+                  <c:v>2.0</c:v>
+                </c:pt>
+                <c:pt idx="1">
+                  <c:v>4.0</c:v>
+                </c:pt>
+                <c:pt idx="2">
+                  <c:v>7.0</c:v>
+                </c:pt>
+                <c:pt idx="3">
+                  <c:v>8.0</c:v>
+                </c:pt>
+                <c:pt idx="4">
+                  <c:v>9.0</c:v>
+                </c:pt>
+                <c:pt idx="5">
+                  <c:v>11.0</c:v>
+                </c:pt>
+                <c:pt idx="6">
+                  <c:v>12.0</c:v>
+                </c:pt>
+                <c:pt idx="7">
+                  <c:v>14.0</c:v>
+                </c:pt>
+                <c:pt idx="8">
+                  <c:v>16.0</c:v>
+                </c:pt>
+                <c:pt idx="9">
+                  <c:v>18.0</c:v>
+                </c:pt>
+              </c:numCache>
+            </c:numRef>
+          </c:cat>
+          <c:val>
+            <c:numRef>
+              <c:f>oppoProposedSize_percent!$O$7:$O$16</c:f>
+              <c:numCache>
+                <c:formatCode>General</c:formatCode>
+                <c:ptCount val="10"/>
+                <c:pt idx="0">
+                  <c:v>0.956521739130435</c:v>
+                </c:pt>
+                <c:pt idx="1">
+                  <c:v>0.793478260869565</c:v>
+                </c:pt>
+                <c:pt idx="2">
+                  <c:v>0.898550724637681</c:v>
+                </c:pt>
+                <c:pt idx="3">
+                  <c:v>0.847826086956522</c:v>
+                </c:pt>
+                <c:pt idx="4">
+                  <c:v>0.695652173913043</c:v>
+                </c:pt>
+                <c:pt idx="5">
+                  <c:v>0.869565217391304</c:v>
+                </c:pt>
+                <c:pt idx="6">
+                  <c:v>0.739130434782609</c:v>
+                </c:pt>
+                <c:pt idx="7">
+                  <c:v>0.913043478260869</c:v>
+                </c:pt>
+                <c:pt idx="8">
+                  <c:v>0.739130434782609</c:v>
+                </c:pt>
+                <c:pt idx="9">
+                  <c:v>0.5</c:v>
+                </c:pt>
+              </c:numCache>
+            </c:numRef>
+          </c:val>
+        </c:ser>
+        <c:ser>
+          <c:idx val="4"/>
+          <c:order val="4"/>
+          <c:tx>
+            <c:strRef>
+              <c:f>oppoProposedSize_percent!$P$6</c:f>
+              <c:strCache>
+                <c:ptCount val="1"/>
+                <c:pt idx="0">
+                  <c:v>ideator</c:v>
+                </c:pt>
+              </c:strCache>
+            </c:strRef>
+          </c:tx>
+          <c:spPr>
+            <a:solidFill>
+              <a:schemeClr val="accent5"/>
+            </a:solidFill>
+            <a:ln>
+              <a:noFill/>
+            </a:ln>
+            <a:effectLst/>
+          </c:spPr>
+          <c:invertIfNegative val="0"/>
+          <c:errBars>
+            <c:errBarType val="both"/>
+            <c:errValType val="stdErr"/>
+            <c:noEndCap val="0"/>
+            <c:spPr>
+              <a:noFill/>
+              <a:ln w="9525" cap="flat" cmpd="sng" algn="ctr">
+                <a:solidFill>
+                  <a:schemeClr val="tx1">
+                    <a:lumMod val="65000"/>
+                    <a:lumOff val="35000"/>
+                  </a:schemeClr>
+                </a:solidFill>
+                <a:round/>
+              </a:ln>
+              <a:effectLst/>
+            </c:spPr>
+          </c:errBars>
+          <c:cat>
+            <c:numRef>
+              <c:f>oppoProposedSize_percent!$K$7:$K$16</c:f>
+              <c:numCache>
+                <c:formatCode>General</c:formatCode>
+                <c:ptCount val="10"/>
+                <c:pt idx="0">
+                  <c:v>2.0</c:v>
+                </c:pt>
+                <c:pt idx="1">
+                  <c:v>4.0</c:v>
+                </c:pt>
+                <c:pt idx="2">
+                  <c:v>7.0</c:v>
+                </c:pt>
+                <c:pt idx="3">
+                  <c:v>8.0</c:v>
+                </c:pt>
+                <c:pt idx="4">
+                  <c:v>9.0</c:v>
+                </c:pt>
+                <c:pt idx="5">
+                  <c:v>11.0</c:v>
+                </c:pt>
+                <c:pt idx="6">
+                  <c:v>12.0</c:v>
+                </c:pt>
+                <c:pt idx="7">
+                  <c:v>14.0</c:v>
+                </c:pt>
+                <c:pt idx="8">
+                  <c:v>16.0</c:v>
+                </c:pt>
+                <c:pt idx="9">
+                  <c:v>18.0</c:v>
+                </c:pt>
+              </c:numCache>
+            </c:numRef>
+          </c:cat>
+          <c:val>
+            <c:numRef>
+              <c:f>oppoProposedSize_percent!$P$7:$P$16</c:f>
+              <c:numCache>
+                <c:formatCode>General</c:formatCode>
+                <c:ptCount val="10"/>
+                <c:pt idx="0">
+                  <c:v>0.95</c:v>
+                </c:pt>
+                <c:pt idx="1">
+                  <c:v>0.775</c:v>
+                </c:pt>
+                <c:pt idx="2">
+                  <c:v>0.933333333333333</c:v>
+                </c:pt>
+                <c:pt idx="3">
+                  <c:v>0.8</c:v>
+                </c:pt>
+                <c:pt idx="4">
+                  <c:v>0.57</c:v>
+                </c:pt>
+                <c:pt idx="5">
+                  <c:v>0.975</c:v>
+                </c:pt>
+                <c:pt idx="6">
+                  <c:v>0.525</c:v>
+                </c:pt>
+                <c:pt idx="7">
+                  <c:v>0.95</c:v>
+                </c:pt>
+                <c:pt idx="8">
+                  <c:v>0.6</c:v>
+                </c:pt>
+                <c:pt idx="9">
+                  <c:v>0.275</c:v>
+                </c:pt>
+              </c:numCache>
+            </c:numRef>
+          </c:val>
+        </c:ser>
+        <c:dLbls>
+          <c:showLegendKey val="0"/>
+          <c:showVal val="0"/>
+          <c:showCatName val="0"/>
+          <c:showSerName val="0"/>
+          <c:showPercent val="0"/>
+          <c:showBubbleSize val="0"/>
+        </c:dLbls>
+        <c:gapWidth val="151"/>
+        <c:overlap val="5"/>
+        <c:axId val="1395689008"/>
+        <c:axId val="1395692400"/>
+      </c:barChart>
+      <c:catAx>
+        <c:axId val="1395689008"/>
+        <c:scaling>
+          <c:orientation val="minMax"/>
+        </c:scaling>
+        <c:delete val="0"/>
+        <c:axPos val="b"/>
+        <c:title>
+          <c:tx>
+            <c:rich>
+              <a:bodyPr rot="0" spcFirstLastPara="1" vertOverflow="ellipsis" vert="horz" wrap="square" anchor="ctr" anchorCtr="1"/>
+              <a:lstStyle/>
+              <a:p>
+                <a:pPr>
+                  <a:defRPr sz="1000" b="0" i="0" u="none" strike="noStrike" kern="1200" baseline="0">
+                    <a:solidFill>
+                      <a:schemeClr val="tx1">
+                        <a:lumMod val="65000"/>
+                        <a:lumOff val="35000"/>
+                      </a:schemeClr>
+                    </a:solidFill>
+                    <a:latin typeface="+mn-lt"/>
+                    <a:ea typeface="+mn-ea"/>
+                    <a:cs typeface="+mn-cs"/>
+                  </a:defRPr>
+                </a:pPr>
+                <a:r>
+                  <a:rPr lang="en-US"/>
+                  <a:t>Opponent</a:t>
+                </a:r>
+                <a:r>
+                  <a:rPr lang="en-US" baseline="0"/>
+                  <a:t> proposed amount</a:t>
+                </a:r>
+                <a:endParaRPr lang="en-US"/>
+              </a:p>
+            </c:rich>
+          </c:tx>
+          <c:layout/>
+          <c:overlay val="0"/>
+          <c:spPr>
+            <a:noFill/>
+            <a:ln>
+              <a:noFill/>
+            </a:ln>
+            <a:effectLst/>
+          </c:spPr>
+          <c:txPr>
+            <a:bodyPr rot="0" spcFirstLastPara="1" vertOverflow="ellipsis" vert="horz" wrap="square" anchor="ctr" anchorCtr="1"/>
+            <a:lstStyle/>
+            <a:p>
+              <a:pPr>
+                <a:defRPr sz="1000" b="0" i="0" u="none" strike="noStrike" kern="1200" baseline="0">
+                  <a:solidFill>
+                    <a:schemeClr val="tx1">
+                      <a:lumMod val="65000"/>
+                      <a:lumOff val="35000"/>
+                    </a:schemeClr>
+                  </a:solidFill>
+                  <a:latin typeface="+mn-lt"/>
+                  <a:ea typeface="+mn-ea"/>
+                  <a:cs typeface="+mn-cs"/>
+                </a:defRPr>
+              </a:pPr>
+              <a:endParaRPr lang="en-US"/>
+            </a:p>
+          </c:txPr>
+        </c:title>
+        <c:numFmt formatCode="General" sourceLinked="1"/>
+        <c:majorTickMark val="none"/>
+        <c:minorTickMark val="none"/>
+        <c:tickLblPos val="nextTo"/>
+        <c:spPr>
+          <a:noFill/>
+          <a:ln w="9525" cap="flat" cmpd="sng" algn="ctr">
+            <a:solidFill>
+              <a:schemeClr val="tx1">
+                <a:lumMod val="15000"/>
+                <a:lumOff val="85000"/>
+              </a:schemeClr>
+            </a:solidFill>
+            <a:round/>
+          </a:ln>
+          <a:effectLst/>
+        </c:spPr>
+        <c:txPr>
+          <a:bodyPr rot="-60000000" spcFirstLastPara="1" vertOverflow="ellipsis" vert="horz" wrap="square" anchor="ctr" anchorCtr="1"/>
+          <a:lstStyle/>
+          <a:p>
+            <a:pPr>
+              <a:defRPr sz="900" b="0" i="0" u="none" strike="noStrike" kern="1200" baseline="0">
+                <a:solidFill>
+                  <a:schemeClr val="tx1">
+                    <a:lumMod val="65000"/>
+                    <a:lumOff val="35000"/>
+                  </a:schemeClr>
+                </a:solidFill>
+                <a:latin typeface="+mn-lt"/>
+                <a:ea typeface="+mn-ea"/>
+                <a:cs typeface="+mn-cs"/>
+              </a:defRPr>
+            </a:pPr>
+            <a:endParaRPr lang="en-US"/>
+          </a:p>
+        </c:txPr>
+        <c:crossAx val="1395692400"/>
+        <c:crosses val="autoZero"/>
+        <c:auto val="1"/>
+        <c:lblAlgn val="ctr"/>
+        <c:lblOffset val="100"/>
+        <c:noMultiLvlLbl val="0"/>
+      </c:catAx>
+      <c:valAx>
+        <c:axId val="1395692400"/>
+        <c:scaling>
+          <c:orientation val="minMax"/>
+          <c:max val="1.0"/>
+        </c:scaling>
+        <c:delete val="0"/>
+        <c:axPos val="l"/>
+        <c:majorGridlines>
+          <c:spPr>
+            <a:ln w="9525" cap="flat" cmpd="sng" algn="ctr">
+              <a:solidFill>
+                <a:schemeClr val="tx1">
+                  <a:lumMod val="15000"/>
+                  <a:lumOff val="85000"/>
+                </a:schemeClr>
+              </a:solidFill>
+              <a:round/>
+            </a:ln>
+            <a:effectLst/>
+          </c:spPr>
+        </c:majorGridlines>
+        <c:title>
+          <c:tx>
+            <c:rich>
+              <a:bodyPr rot="-5400000" spcFirstLastPara="1" vertOverflow="ellipsis" vert="horz" wrap="square" anchor="ctr" anchorCtr="1"/>
+              <a:lstStyle/>
+              <a:p>
+                <a:pPr>
+                  <a:defRPr sz="1000" b="0" i="0" u="none" strike="noStrike" kern="1200" baseline="0">
+                    <a:solidFill>
+                      <a:schemeClr val="tx1">
+                        <a:lumMod val="65000"/>
+                        <a:lumOff val="35000"/>
+                      </a:schemeClr>
+                    </a:solidFill>
+                    <a:latin typeface="+mn-lt"/>
+                    <a:ea typeface="+mn-ea"/>
+                    <a:cs typeface="+mn-cs"/>
+                  </a:defRPr>
+                </a:pPr>
+                <a:r>
+                  <a:rPr lang="en-US"/>
+                  <a:t>Accptance</a:t>
+                </a:r>
+                <a:r>
+                  <a:rPr lang="en-US" baseline="0"/>
+                  <a:t> rate</a:t>
+                </a:r>
+                <a:endParaRPr lang="en-US"/>
+              </a:p>
+            </c:rich>
+          </c:tx>
+          <c:layout/>
+          <c:overlay val="0"/>
+          <c:spPr>
+            <a:noFill/>
+            <a:ln>
+              <a:noFill/>
+            </a:ln>
+            <a:effectLst/>
+          </c:spPr>
+          <c:txPr>
+            <a:bodyPr rot="-5400000" spcFirstLastPara="1" vertOverflow="ellipsis" vert="horz" wrap="square" anchor="ctr" anchorCtr="1"/>
+            <a:lstStyle/>
+            <a:p>
+              <a:pPr>
+                <a:defRPr sz="1000" b="0" i="0" u="none" strike="noStrike" kern="1200" baseline="0">
+                  <a:solidFill>
+                    <a:schemeClr val="tx1">
+                      <a:lumMod val="65000"/>
+                      <a:lumOff val="35000"/>
+                    </a:schemeClr>
+                  </a:solidFill>
+                  <a:latin typeface="+mn-lt"/>
+                  <a:ea typeface="+mn-ea"/>
+                  <a:cs typeface="+mn-cs"/>
+                </a:defRPr>
+              </a:pPr>
+              <a:endParaRPr lang="en-US"/>
+            </a:p>
+          </c:txPr>
+        </c:title>
+        <c:majorTickMark val="none"/>
+        <c:minorTickMark val="none"/>
+        <c:tickLblPos val="nextTo"/>
+        <c:spPr>
+          <a:noFill/>
+          <a:ln>
+            <a:noFill/>
+          </a:ln>
+          <a:effectLst/>
+        </c:spPr>
+        <c:txPr>
+          <a:bodyPr rot="-60000000" spcFirstLastPara="1" vertOverflow="ellipsis" vert="horz" wrap="square" anchor="ctr" anchorCtr="1"/>
+          <a:lstStyle/>
+          <a:p>
+            <a:pPr>
+              <a:defRPr sz="900" b="0" i="0" u="none" strike="noStrike" kern="1200" baseline="0">
+                <a:solidFill>
+                  <a:schemeClr val="tx1">
+                    <a:lumMod val="65000"/>
+                    <a:lumOff val="35000"/>
+                  </a:schemeClr>
+                </a:solidFill>
+                <a:latin typeface="+mn-lt"/>
+                <a:ea typeface="+mn-ea"/>
+                <a:cs typeface="+mn-cs"/>
+              </a:defRPr>
+            </a:pPr>
+            <a:endParaRPr lang="en-US"/>
+          </a:p>
+        </c:txPr>
+        <c:crossAx val="1395689008"/>
+        <c:crosses val="autoZero"/>
+        <c:crossBetween val="between"/>
+      </c:valAx>
+      <c:spPr>
+        <a:noFill/>
+        <a:ln>
+          <a:noFill/>
+        </a:ln>
+        <a:effectLst/>
+      </c:spPr>
+    </c:plotArea>
+    <c:legend>
+      <c:legendPos val="b"/>
+      <c:layout/>
+      <c:overlay val="0"/>
+      <c:spPr>
+        <a:noFill/>
+        <a:ln>
+          <a:noFill/>
+        </a:ln>
+        <a:effectLst/>
+      </c:spPr>
+      <c:txPr>
+        <a:bodyPr rot="0" spcFirstLastPara="1" vertOverflow="ellipsis" vert="horz" wrap="square" anchor="ctr" anchorCtr="1"/>
+        <a:lstStyle/>
+        <a:p>
+          <a:pPr>
+            <a:defRPr sz="900" b="0" i="0" u="none" strike="noStrike" kern="1200" baseline="0">
+              <a:solidFill>
+                <a:schemeClr val="tx1">
+                  <a:lumMod val="65000"/>
+                  <a:lumOff val="35000"/>
+                </a:schemeClr>
+              </a:solidFill>
+              <a:latin typeface="+mn-lt"/>
+              <a:ea typeface="+mn-ea"/>
+              <a:cs typeface="+mn-cs"/>
+            </a:defRPr>
+          </a:pPr>
+          <a:endParaRPr lang="en-US"/>
+        </a:p>
+      </c:txPr>
+    </c:legend>
+    <c:plotVisOnly val="1"/>
+    <c:dispBlanksAs val="gap"/>
+    <c:showDLblsOverMax val="0"/>
+  </c:chart>
+  <c:spPr>
+    <a:noFill/>
+    <a:ln>
+      <a:noFill/>
+    </a:ln>
+    <a:effectLst/>
+  </c:spPr>
+  <c:txPr>
+    <a:bodyPr/>
+    <a:lstStyle/>
+    <a:p>
+      <a:pPr>
+        <a:defRPr/>
+      </a:pPr>
+      <a:endParaRPr lang="en-US"/>
+    </a:p>
+  </c:txPr>
+  <c:externalData r:id="rId3">
+    <c:autoUpdate val="0"/>
+  </c:externalData>
+</c:chartSpace>
+</file>
+
+<file path=ppt/charts/chart17.xml><?xml version="1.0" encoding="utf-8"?>
+<c:chartSpace xmlns:c="http://schemas.openxmlformats.org/drawingml/2006/chart" xmlns:a="http://schemas.openxmlformats.org/drawingml/2006/main" xmlns:r="http://schemas.openxmlformats.org/officeDocument/2006/relationships">
+  <c:date1904 val="0"/>
+  <c:lang val="en-US"/>
+  <c:roundedCorners val="0"/>
+  <mc:AlternateContent xmlns:mc="http://schemas.openxmlformats.org/markup-compatibility/2006">
+    <mc:Choice xmlns:c14="http://schemas.microsoft.com/office/drawing/2007/8/2/chart" Requires="c14">
+      <c14:style val="102"/>
+    </mc:Choice>
+    <mc:Fallback>
+      <c:style val="2"/>
+    </mc:Fallback>
+  </mc:AlternateContent>
+  <c:chart>
+    <c:title>
+      <c:tx>
+        <c:rich>
+          <a:bodyPr rot="0" spcFirstLastPara="1" vertOverflow="ellipsis" vert="horz" wrap="square" anchor="ctr" anchorCtr="1"/>
+          <a:lstStyle/>
+          <a:p>
+            <a:pPr>
+              <a:defRPr sz="1400" b="0" i="0" u="none" strike="noStrike" kern="1200" spc="0" baseline="0">
+                <a:solidFill>
+                  <a:schemeClr val="tx1">
+                    <a:lumMod val="65000"/>
+                    <a:lumOff val="35000"/>
+                  </a:schemeClr>
+                </a:solidFill>
+                <a:latin typeface="+mn-lt"/>
+                <a:ea typeface="+mn-ea"/>
+                <a:cs typeface="+mn-cs"/>
+              </a:defRPr>
+            </a:pPr>
+            <a:r>
+              <a:rPr lang="en-US"/>
+              <a:t>Empathy and opponent proposed</a:t>
+            </a:r>
+            <a:r>
+              <a:rPr lang="en-US" baseline="0"/>
+              <a:t> size</a:t>
+            </a:r>
+            <a:endParaRPr lang="en-US"/>
+          </a:p>
+        </c:rich>
+      </c:tx>
+      <c:layout/>
+      <c:overlay val="0"/>
+      <c:spPr>
+        <a:noFill/>
+        <a:ln>
+          <a:noFill/>
+        </a:ln>
+        <a:effectLst/>
+      </c:spPr>
+      <c:txPr>
+        <a:bodyPr rot="0" spcFirstLastPara="1" vertOverflow="ellipsis" vert="horz" wrap="square" anchor="ctr" anchorCtr="1"/>
+        <a:lstStyle/>
+        <a:p>
+          <a:pPr>
+            <a:defRPr sz="1400" b="0" i="0" u="none" strike="noStrike" kern="1200" spc="0" baseline="0">
+              <a:solidFill>
+                <a:schemeClr val="tx1">
+                  <a:lumMod val="65000"/>
+                  <a:lumOff val="35000"/>
+                </a:schemeClr>
+              </a:solidFill>
+              <a:latin typeface="+mn-lt"/>
+              <a:ea typeface="+mn-ea"/>
+              <a:cs typeface="+mn-cs"/>
+            </a:defRPr>
+          </a:pPr>
+          <a:endParaRPr lang="en-US"/>
+        </a:p>
+      </c:txPr>
+    </c:title>
+    <c:autoTitleDeleted val="0"/>
+    <c:plotArea>
+      <c:layout/>
+      <c:barChart>
+        <c:barDir val="col"/>
+        <c:grouping val="clustered"/>
+        <c:varyColors val="0"/>
+        <c:ser>
+          <c:idx val="1"/>
+          <c:order val="0"/>
+          <c:tx>
+            <c:strRef>
+              <c:f>oppoProposedSize_percent!$L$7</c:f>
+              <c:strCache>
+                <c:ptCount val="1"/>
+                <c:pt idx="0">
+                  <c:v>AttempterHL</c:v>
+                </c:pt>
+              </c:strCache>
+            </c:strRef>
+          </c:tx>
+          <c:spPr>
+            <a:solidFill>
+              <a:schemeClr val="accent2"/>
+            </a:solidFill>
+            <a:ln>
+              <a:noFill/>
+            </a:ln>
+            <a:effectLst/>
+          </c:spPr>
+          <c:invertIfNegative val="0"/>
+          <c:errBars>
+            <c:errBarType val="both"/>
+            <c:errValType val="stdErr"/>
+            <c:noEndCap val="0"/>
+            <c:spPr>
+              <a:noFill/>
+              <a:ln w="9525" cap="flat" cmpd="sng" algn="ctr">
+                <a:solidFill>
+                  <a:schemeClr val="tx1">
+                    <a:lumMod val="65000"/>
+                    <a:lumOff val="35000"/>
+                  </a:schemeClr>
+                </a:solidFill>
+                <a:round/>
+              </a:ln>
+              <a:effectLst/>
+            </c:spPr>
+          </c:errBars>
+          <c:cat>
+            <c:numRef>
+              <c:f>oppoProposedSize_percent!$K$8:$K$17</c:f>
+              <c:numCache>
+                <c:formatCode>General</c:formatCode>
+                <c:ptCount val="10"/>
+                <c:pt idx="0">
+                  <c:v>4.0</c:v>
+                </c:pt>
+                <c:pt idx="1">
+                  <c:v>7.0</c:v>
+                </c:pt>
+                <c:pt idx="2">
+                  <c:v>8.0</c:v>
+                </c:pt>
+                <c:pt idx="3">
+                  <c:v>9.0</c:v>
+                </c:pt>
+                <c:pt idx="4">
+                  <c:v>10.0</c:v>
+                </c:pt>
+                <c:pt idx="5">
+                  <c:v>11.0</c:v>
+                </c:pt>
+                <c:pt idx="6">
+                  <c:v>12.0</c:v>
+                </c:pt>
+                <c:pt idx="7">
+                  <c:v>14.0</c:v>
+                </c:pt>
+                <c:pt idx="8">
+                  <c:v>16.0</c:v>
+                </c:pt>
+                <c:pt idx="9">
+                  <c:v>18.0</c:v>
+                </c:pt>
+              </c:numCache>
+            </c:numRef>
+          </c:cat>
+          <c:val>
+            <c:numRef>
+              <c:f>oppoProposedSize_percent!$L$8:$L$17</c:f>
+              <c:numCache>
+                <c:formatCode>General</c:formatCode>
+                <c:ptCount val="10"/>
+                <c:pt idx="0">
+                  <c:v>0.823529411764706</c:v>
+                </c:pt>
+                <c:pt idx="1">
+                  <c:v>1.0</c:v>
+                </c:pt>
+                <c:pt idx="2">
+                  <c:v>0.843137254901961</c:v>
+                </c:pt>
+                <c:pt idx="3">
+                  <c:v>0.803921568627451</c:v>
+                </c:pt>
+                <c:pt idx="4">
+                  <c:v>1.0</c:v>
+                </c:pt>
+                <c:pt idx="5">
+                  <c:v>0.823529411764706</c:v>
+                </c:pt>
+                <c:pt idx="6">
+                  <c:v>0.882352941176471</c:v>
+                </c:pt>
+                <c:pt idx="7">
+                  <c:v>0.970588235294118</c:v>
+                </c:pt>
+                <c:pt idx="8">
+                  <c:v>0.882352941176471</c:v>
+                </c:pt>
+                <c:pt idx="9">
+                  <c:v>0.647058823529412</c:v>
+                </c:pt>
+              </c:numCache>
+            </c:numRef>
+          </c:val>
+        </c:ser>
+        <c:ser>
+          <c:idx val="2"/>
+          <c:order val="1"/>
+          <c:tx>
+            <c:strRef>
+              <c:f>oppoProposedSize_percent!$M$7</c:f>
+              <c:strCache>
+                <c:ptCount val="1"/>
+                <c:pt idx="0">
+                  <c:v>AttempterLL</c:v>
+                </c:pt>
+              </c:strCache>
+            </c:strRef>
+          </c:tx>
+          <c:spPr>
+            <a:solidFill>
+              <a:schemeClr val="accent3"/>
+            </a:solidFill>
+            <a:ln>
+              <a:noFill/>
+            </a:ln>
+            <a:effectLst/>
+          </c:spPr>
+          <c:invertIfNegative val="0"/>
+          <c:errBars>
+            <c:errBarType val="both"/>
+            <c:errValType val="stdErr"/>
+            <c:noEndCap val="0"/>
+            <c:spPr>
+              <a:noFill/>
+              <a:ln w="9525" cap="flat" cmpd="sng" algn="ctr">
+                <a:solidFill>
+                  <a:schemeClr val="tx1">
+                    <a:lumMod val="65000"/>
+                    <a:lumOff val="35000"/>
+                  </a:schemeClr>
+                </a:solidFill>
+                <a:round/>
+              </a:ln>
+              <a:effectLst/>
+            </c:spPr>
+          </c:errBars>
+          <c:cat>
+            <c:numRef>
+              <c:f>oppoProposedSize_percent!$K$8:$K$17</c:f>
+              <c:numCache>
+                <c:formatCode>General</c:formatCode>
+                <c:ptCount val="10"/>
+                <c:pt idx="0">
+                  <c:v>4.0</c:v>
+                </c:pt>
+                <c:pt idx="1">
+                  <c:v>7.0</c:v>
+                </c:pt>
+                <c:pt idx="2">
+                  <c:v>8.0</c:v>
+                </c:pt>
+                <c:pt idx="3">
+                  <c:v>9.0</c:v>
+                </c:pt>
+                <c:pt idx="4">
+                  <c:v>10.0</c:v>
+                </c:pt>
+                <c:pt idx="5">
+                  <c:v>11.0</c:v>
+                </c:pt>
+                <c:pt idx="6">
+                  <c:v>12.0</c:v>
+                </c:pt>
+                <c:pt idx="7">
+                  <c:v>14.0</c:v>
+                </c:pt>
+                <c:pt idx="8">
+                  <c:v>16.0</c:v>
+                </c:pt>
+                <c:pt idx="9">
+                  <c:v>18.0</c:v>
+                </c:pt>
+              </c:numCache>
+            </c:numRef>
+          </c:cat>
+          <c:val>
+            <c:numRef>
+              <c:f>oppoProposedSize_percent!$M$8:$M$17</c:f>
+              <c:numCache>
+                <c:formatCode>General</c:formatCode>
+                <c:ptCount val="10"/>
+                <c:pt idx="0">
+                  <c:v>0.798245614035088</c:v>
+                </c:pt>
+                <c:pt idx="1">
+                  <c:v>0.736842105263158</c:v>
+                </c:pt>
+                <c:pt idx="2">
+                  <c:v>0.824561403508772</c:v>
+                </c:pt>
+                <c:pt idx="3">
+                  <c:v>0.701754385964912</c:v>
+                </c:pt>
+                <c:pt idx="4">
+                  <c:v>0.921052631578947</c:v>
+                </c:pt>
+                <c:pt idx="5">
+                  <c:v>0.842105263157895</c:v>
+                </c:pt>
+                <c:pt idx="6">
+                  <c:v>0.789473684210526</c:v>
+                </c:pt>
+                <c:pt idx="7">
+                  <c:v>0.81578947368421</c:v>
+                </c:pt>
+                <c:pt idx="8">
+                  <c:v>0.789473684210526</c:v>
+                </c:pt>
+                <c:pt idx="9">
+                  <c:v>0.763157894736842</c:v>
+                </c:pt>
+              </c:numCache>
+            </c:numRef>
+          </c:val>
+        </c:ser>
+        <c:ser>
+          <c:idx val="3"/>
+          <c:order val="2"/>
+          <c:tx>
+            <c:strRef>
+              <c:f>oppoProposedSize_percent!$N$7</c:f>
+              <c:strCache>
+                <c:ptCount val="1"/>
+                <c:pt idx="0">
+                  <c:v>control</c:v>
+                </c:pt>
+              </c:strCache>
+            </c:strRef>
+          </c:tx>
+          <c:spPr>
+            <a:solidFill>
+              <a:schemeClr val="accent4"/>
+            </a:solidFill>
+            <a:ln>
+              <a:noFill/>
+            </a:ln>
+            <a:effectLst/>
+          </c:spPr>
+          <c:invertIfNegative val="0"/>
+          <c:errBars>
+            <c:errBarType val="both"/>
+            <c:errValType val="stdErr"/>
+            <c:noEndCap val="0"/>
+            <c:spPr>
+              <a:noFill/>
+              <a:ln w="9525" cap="flat" cmpd="sng" algn="ctr">
+                <a:solidFill>
+                  <a:schemeClr val="tx1">
+                    <a:lumMod val="65000"/>
+                    <a:lumOff val="35000"/>
+                  </a:schemeClr>
+                </a:solidFill>
+                <a:round/>
+              </a:ln>
+              <a:effectLst/>
+            </c:spPr>
+          </c:errBars>
+          <c:cat>
+            <c:numRef>
+              <c:f>oppoProposedSize_percent!$K$8:$K$17</c:f>
+              <c:numCache>
+                <c:formatCode>General</c:formatCode>
+                <c:ptCount val="10"/>
+                <c:pt idx="0">
+                  <c:v>4.0</c:v>
+                </c:pt>
+                <c:pt idx="1">
+                  <c:v>7.0</c:v>
+                </c:pt>
+                <c:pt idx="2">
+                  <c:v>8.0</c:v>
+                </c:pt>
+                <c:pt idx="3">
+                  <c:v>9.0</c:v>
+                </c:pt>
+                <c:pt idx="4">
+                  <c:v>10.0</c:v>
+                </c:pt>
+                <c:pt idx="5">
+                  <c:v>11.0</c:v>
+                </c:pt>
+                <c:pt idx="6">
+                  <c:v>12.0</c:v>
+                </c:pt>
+                <c:pt idx="7">
+                  <c:v>14.0</c:v>
+                </c:pt>
+                <c:pt idx="8">
+                  <c:v>16.0</c:v>
+                </c:pt>
+                <c:pt idx="9">
+                  <c:v>18.0</c:v>
+                </c:pt>
+              </c:numCache>
+            </c:numRef>
+          </c:cat>
+          <c:val>
+            <c:numRef>
+              <c:f>oppoProposedSize_percent!$N$8:$N$17</c:f>
+              <c:numCache>
+                <c:formatCode>General</c:formatCode>
+                <c:ptCount val="10"/>
+                <c:pt idx="0">
+                  <c:v>0.951388888888889</c:v>
+                </c:pt>
+                <c:pt idx="1">
+                  <c:v>0.875</c:v>
+                </c:pt>
+                <c:pt idx="2">
+                  <c:v>0.861111111111111</c:v>
+                </c:pt>
+                <c:pt idx="3">
+                  <c:v>0.826388888888889</c:v>
+                </c:pt>
+                <c:pt idx="4">
+                  <c:v>0.979166666666667</c:v>
+                </c:pt>
+                <c:pt idx="5">
+                  <c:v>0.958333333333333</c:v>
+                </c:pt>
+                <c:pt idx="6">
+                  <c:v>0.833333333333333</c:v>
+                </c:pt>
+                <c:pt idx="7">
+                  <c:v>0.875</c:v>
+                </c:pt>
+                <c:pt idx="8">
+                  <c:v>0.916666666666667</c:v>
+                </c:pt>
+                <c:pt idx="9">
+                  <c:v>0.833333333333333</c:v>
+                </c:pt>
+              </c:numCache>
+            </c:numRef>
+          </c:val>
+        </c:ser>
+        <c:ser>
+          <c:idx val="4"/>
+          <c:order val="3"/>
+          <c:tx>
+            <c:strRef>
+              <c:f>oppoProposedSize_percent!$O$7</c:f>
+              <c:strCache>
+                <c:ptCount val="1"/>
+                <c:pt idx="0">
+                  <c:v>depression</c:v>
+                </c:pt>
+              </c:strCache>
+            </c:strRef>
+          </c:tx>
+          <c:spPr>
+            <a:solidFill>
+              <a:schemeClr val="accent5"/>
+            </a:solidFill>
+            <a:ln>
+              <a:noFill/>
+            </a:ln>
+            <a:effectLst/>
+          </c:spPr>
+          <c:invertIfNegative val="0"/>
+          <c:errBars>
+            <c:errBarType val="both"/>
+            <c:errValType val="stdErr"/>
+            <c:noEndCap val="0"/>
+            <c:spPr>
+              <a:noFill/>
+              <a:ln w="9525" cap="flat" cmpd="sng" algn="ctr">
+                <a:solidFill>
+                  <a:schemeClr val="tx1">
+                    <a:lumMod val="65000"/>
+                    <a:lumOff val="35000"/>
+                  </a:schemeClr>
+                </a:solidFill>
+                <a:round/>
+              </a:ln>
+              <a:effectLst/>
+            </c:spPr>
+          </c:errBars>
+          <c:cat>
+            <c:numRef>
+              <c:f>oppoProposedSize_percent!$K$8:$K$17</c:f>
+              <c:numCache>
+                <c:formatCode>General</c:formatCode>
+                <c:ptCount val="10"/>
+                <c:pt idx="0">
+                  <c:v>4.0</c:v>
+                </c:pt>
+                <c:pt idx="1">
+                  <c:v>7.0</c:v>
+                </c:pt>
+                <c:pt idx="2">
+                  <c:v>8.0</c:v>
+                </c:pt>
+                <c:pt idx="3">
+                  <c:v>9.0</c:v>
+                </c:pt>
+                <c:pt idx="4">
+                  <c:v>10.0</c:v>
+                </c:pt>
+                <c:pt idx="5">
+                  <c:v>11.0</c:v>
+                </c:pt>
+                <c:pt idx="6">
+                  <c:v>12.0</c:v>
+                </c:pt>
+                <c:pt idx="7">
+                  <c:v>14.0</c:v>
+                </c:pt>
+                <c:pt idx="8">
+                  <c:v>16.0</c:v>
+                </c:pt>
+                <c:pt idx="9">
+                  <c:v>18.0</c:v>
+                </c:pt>
+              </c:numCache>
+            </c:numRef>
+          </c:cat>
+          <c:val>
+            <c:numRef>
+              <c:f>oppoProposedSize_percent!$O$8:$O$17</c:f>
+              <c:numCache>
+                <c:formatCode>General</c:formatCode>
+                <c:ptCount val="10"/>
+                <c:pt idx="0">
+                  <c:v>0.884057971014493</c:v>
+                </c:pt>
+                <c:pt idx="1">
+                  <c:v>0.913043478260869</c:v>
+                </c:pt>
+                <c:pt idx="2">
+                  <c:v>0.884057971014493</c:v>
+                </c:pt>
+                <c:pt idx="3">
+                  <c:v>0.797101449275362</c:v>
+                </c:pt>
+                <c:pt idx="4">
+                  <c:v>0.934782608695652</c:v>
+                </c:pt>
+                <c:pt idx="5">
+                  <c:v>0.869565217391304</c:v>
+                </c:pt>
+                <c:pt idx="6">
+                  <c:v>0.760869565217391</c:v>
+                </c:pt>
+                <c:pt idx="7">
+                  <c:v>0.934782608695652</c:v>
+                </c:pt>
+                <c:pt idx="8">
+                  <c:v>0.739130434782609</c:v>
+                </c:pt>
+                <c:pt idx="9">
+                  <c:v>0.760869565217391</c:v>
+                </c:pt>
+              </c:numCache>
+            </c:numRef>
+          </c:val>
+        </c:ser>
+        <c:ser>
+          <c:idx val="5"/>
+          <c:order val="4"/>
+          <c:tx>
+            <c:strRef>
+              <c:f>oppoProposedSize_percent!$P$7</c:f>
+              <c:strCache>
+                <c:ptCount val="1"/>
+                <c:pt idx="0">
+                  <c:v>ideator</c:v>
+                </c:pt>
+              </c:strCache>
+            </c:strRef>
+          </c:tx>
+          <c:spPr>
+            <a:solidFill>
+              <a:schemeClr val="accent6"/>
+            </a:solidFill>
+            <a:ln>
+              <a:noFill/>
+            </a:ln>
+            <a:effectLst/>
+          </c:spPr>
+          <c:invertIfNegative val="0"/>
+          <c:errBars>
+            <c:errBarType val="both"/>
+            <c:errValType val="stdErr"/>
+            <c:noEndCap val="0"/>
+            <c:spPr>
+              <a:noFill/>
+              <a:ln w="9525" cap="flat" cmpd="sng" algn="ctr">
+                <a:solidFill>
+                  <a:schemeClr val="tx1">
+                    <a:lumMod val="65000"/>
+                    <a:lumOff val="35000"/>
+                  </a:schemeClr>
+                </a:solidFill>
+                <a:round/>
+              </a:ln>
+              <a:effectLst/>
+            </c:spPr>
+          </c:errBars>
+          <c:cat>
+            <c:numRef>
+              <c:f>oppoProposedSize_percent!$K$8:$K$17</c:f>
+              <c:numCache>
+                <c:formatCode>General</c:formatCode>
+                <c:ptCount val="10"/>
+                <c:pt idx="0">
+                  <c:v>4.0</c:v>
+                </c:pt>
+                <c:pt idx="1">
+                  <c:v>7.0</c:v>
+                </c:pt>
+                <c:pt idx="2">
+                  <c:v>8.0</c:v>
+                </c:pt>
+                <c:pt idx="3">
+                  <c:v>9.0</c:v>
+                </c:pt>
+                <c:pt idx="4">
+                  <c:v>10.0</c:v>
+                </c:pt>
+                <c:pt idx="5">
+                  <c:v>11.0</c:v>
+                </c:pt>
+                <c:pt idx="6">
+                  <c:v>12.0</c:v>
+                </c:pt>
+                <c:pt idx="7">
+                  <c:v>14.0</c:v>
+                </c:pt>
+                <c:pt idx="8">
+                  <c:v>16.0</c:v>
+                </c:pt>
+                <c:pt idx="9">
+                  <c:v>18.0</c:v>
+                </c:pt>
+              </c:numCache>
+            </c:numRef>
+          </c:cat>
+          <c:val>
+            <c:numRef>
+              <c:f>oppoProposedSize_percent!$P$8:$P$17</c:f>
+              <c:numCache>
+                <c:formatCode>General</c:formatCode>
+                <c:ptCount val="10"/>
+                <c:pt idx="0">
+                  <c:v>0.975</c:v>
+                </c:pt>
+                <c:pt idx="1">
+                  <c:v>1.0</c:v>
+                </c:pt>
+                <c:pt idx="2">
+                  <c:v>0.883333333333333</c:v>
+                </c:pt>
+                <c:pt idx="3">
+                  <c:v>0.85</c:v>
+                </c:pt>
+                <c:pt idx="4">
+                  <c:v>0.975</c:v>
+                </c:pt>
+                <c:pt idx="5">
+                  <c:v>1.0</c:v>
+                </c:pt>
+                <c:pt idx="6">
+                  <c:v>0.875</c:v>
+                </c:pt>
+                <c:pt idx="7">
+                  <c:v>1.0</c:v>
+                </c:pt>
+                <c:pt idx="8">
+                  <c:v>0.85</c:v>
+                </c:pt>
+                <c:pt idx="9">
+                  <c:v>0.875</c:v>
+                </c:pt>
+              </c:numCache>
+            </c:numRef>
+          </c:val>
+        </c:ser>
+        <c:dLbls>
+          <c:showLegendKey val="0"/>
+          <c:showVal val="0"/>
+          <c:showCatName val="0"/>
+          <c:showSerName val="0"/>
+          <c:showPercent val="0"/>
+          <c:showBubbleSize val="0"/>
+        </c:dLbls>
+        <c:gapWidth val="219"/>
+        <c:overlap val="-10"/>
+        <c:axId val="1360311008"/>
+        <c:axId val="1397458784"/>
+      </c:barChart>
+      <c:catAx>
+        <c:axId val="1360311008"/>
+        <c:scaling>
+          <c:orientation val="minMax"/>
+        </c:scaling>
+        <c:delete val="0"/>
+        <c:axPos val="b"/>
+        <c:title>
+          <c:tx>
+            <c:rich>
+              <a:bodyPr rot="0" spcFirstLastPara="1" vertOverflow="ellipsis" vert="horz" wrap="square" anchor="ctr" anchorCtr="1"/>
+              <a:lstStyle/>
+              <a:p>
+                <a:pPr>
+                  <a:defRPr sz="1000" b="0" i="0" u="none" strike="noStrike" kern="1200" baseline="0">
+                    <a:solidFill>
+                      <a:schemeClr val="tx1">
+                        <a:lumMod val="65000"/>
+                        <a:lumOff val="35000"/>
+                      </a:schemeClr>
+                    </a:solidFill>
+                    <a:latin typeface="+mn-lt"/>
+                    <a:ea typeface="+mn-ea"/>
+                    <a:cs typeface="+mn-cs"/>
+                  </a:defRPr>
+                </a:pPr>
+                <a:r>
+                  <a:rPr lang="en-US"/>
+                  <a:t>Opponent</a:t>
+                </a:r>
+                <a:r>
+                  <a:rPr lang="en-US" baseline="0"/>
+                  <a:t> proposed amount</a:t>
+                </a:r>
+                <a:endParaRPr lang="en-US"/>
+              </a:p>
+            </c:rich>
+          </c:tx>
+          <c:layout/>
+          <c:overlay val="0"/>
+          <c:spPr>
+            <a:noFill/>
+            <a:ln>
+              <a:noFill/>
+            </a:ln>
+            <a:effectLst/>
+          </c:spPr>
+          <c:txPr>
+            <a:bodyPr rot="0" spcFirstLastPara="1" vertOverflow="ellipsis" vert="horz" wrap="square" anchor="ctr" anchorCtr="1"/>
+            <a:lstStyle/>
+            <a:p>
+              <a:pPr>
+                <a:defRPr sz="1000" b="0" i="0" u="none" strike="noStrike" kern="1200" baseline="0">
+                  <a:solidFill>
+                    <a:schemeClr val="tx1">
+                      <a:lumMod val="65000"/>
+                      <a:lumOff val="35000"/>
+                    </a:schemeClr>
+                  </a:solidFill>
+                  <a:latin typeface="+mn-lt"/>
+                  <a:ea typeface="+mn-ea"/>
+                  <a:cs typeface="+mn-cs"/>
+                </a:defRPr>
+              </a:pPr>
+              <a:endParaRPr lang="en-US"/>
+            </a:p>
+          </c:txPr>
+        </c:title>
+        <c:numFmt formatCode="General" sourceLinked="1"/>
+        <c:majorTickMark val="none"/>
+        <c:minorTickMark val="none"/>
+        <c:tickLblPos val="nextTo"/>
+        <c:spPr>
+          <a:noFill/>
+          <a:ln w="9525" cap="flat" cmpd="sng" algn="ctr">
+            <a:solidFill>
+              <a:schemeClr val="tx1">
+                <a:lumMod val="15000"/>
+                <a:lumOff val="85000"/>
+              </a:schemeClr>
+            </a:solidFill>
+            <a:round/>
+          </a:ln>
+          <a:effectLst/>
+        </c:spPr>
+        <c:txPr>
+          <a:bodyPr rot="-60000000" spcFirstLastPara="1" vertOverflow="ellipsis" vert="horz" wrap="square" anchor="ctr" anchorCtr="1"/>
+          <a:lstStyle/>
+          <a:p>
+            <a:pPr>
+              <a:defRPr sz="900" b="0" i="0" u="none" strike="noStrike" kern="1200" baseline="0">
+                <a:solidFill>
+                  <a:schemeClr val="tx1">
+                    <a:lumMod val="65000"/>
+                    <a:lumOff val="35000"/>
+                  </a:schemeClr>
+                </a:solidFill>
+                <a:latin typeface="+mn-lt"/>
+                <a:ea typeface="+mn-ea"/>
+                <a:cs typeface="+mn-cs"/>
+              </a:defRPr>
+            </a:pPr>
+            <a:endParaRPr lang="en-US"/>
+          </a:p>
+        </c:txPr>
+        <c:crossAx val="1397458784"/>
+        <c:crosses val="autoZero"/>
+        <c:auto val="1"/>
+        <c:lblAlgn val="ctr"/>
+        <c:lblOffset val="100"/>
+        <c:noMultiLvlLbl val="0"/>
+      </c:catAx>
+      <c:valAx>
+        <c:axId val="1397458784"/>
+        <c:scaling>
+          <c:orientation val="minMax"/>
+          <c:max val="1.0"/>
+        </c:scaling>
+        <c:delete val="0"/>
+        <c:axPos val="l"/>
+        <c:majorGridlines>
+          <c:spPr>
+            <a:ln w="9525" cap="flat" cmpd="sng" algn="ctr">
+              <a:solidFill>
+                <a:schemeClr val="tx1">
+                  <a:lumMod val="15000"/>
+                  <a:lumOff val="85000"/>
+                </a:schemeClr>
+              </a:solidFill>
+              <a:round/>
+            </a:ln>
+            <a:effectLst/>
+          </c:spPr>
+        </c:majorGridlines>
+        <c:title>
+          <c:tx>
+            <c:rich>
+              <a:bodyPr rot="-5400000" spcFirstLastPara="1" vertOverflow="ellipsis" vert="horz" wrap="square" anchor="ctr" anchorCtr="1"/>
+              <a:lstStyle/>
+              <a:p>
+                <a:pPr>
+                  <a:defRPr sz="1000" b="0" i="0" u="none" strike="noStrike" kern="1200" baseline="0">
+                    <a:solidFill>
+                      <a:schemeClr val="tx1">
+                        <a:lumMod val="65000"/>
+                        <a:lumOff val="35000"/>
+                      </a:schemeClr>
+                    </a:solidFill>
+                    <a:latin typeface="+mn-lt"/>
+                    <a:ea typeface="+mn-ea"/>
+                    <a:cs typeface="+mn-cs"/>
+                  </a:defRPr>
+                </a:pPr>
+                <a:r>
+                  <a:rPr lang="en-US"/>
+                  <a:t>Acceptance</a:t>
+                </a:r>
+                <a:r>
+                  <a:rPr lang="en-US" baseline="0"/>
+                  <a:t> rate</a:t>
+                </a:r>
+                <a:endParaRPr lang="en-US"/>
+              </a:p>
+            </c:rich>
+          </c:tx>
+          <c:layout/>
+          <c:overlay val="0"/>
+          <c:spPr>
+            <a:noFill/>
+            <a:ln>
+              <a:noFill/>
+            </a:ln>
+            <a:effectLst/>
+          </c:spPr>
+          <c:txPr>
+            <a:bodyPr rot="-5400000" spcFirstLastPara="1" vertOverflow="ellipsis" vert="horz" wrap="square" anchor="ctr" anchorCtr="1"/>
+            <a:lstStyle/>
+            <a:p>
+              <a:pPr>
+                <a:defRPr sz="1000" b="0" i="0" u="none" strike="noStrike" kern="1200" baseline="0">
+                  <a:solidFill>
+                    <a:schemeClr val="tx1">
+                      <a:lumMod val="65000"/>
+                      <a:lumOff val="35000"/>
+                    </a:schemeClr>
+                  </a:solidFill>
+                  <a:latin typeface="+mn-lt"/>
+                  <a:ea typeface="+mn-ea"/>
+                  <a:cs typeface="+mn-cs"/>
+                </a:defRPr>
+              </a:pPr>
+              <a:endParaRPr lang="en-US"/>
+            </a:p>
+          </c:txPr>
+        </c:title>
+        <c:majorTickMark val="none"/>
+        <c:minorTickMark val="none"/>
+        <c:tickLblPos val="nextTo"/>
+        <c:spPr>
+          <a:noFill/>
+          <a:ln>
+            <a:noFill/>
+          </a:ln>
+          <a:effectLst/>
+        </c:spPr>
+        <c:txPr>
+          <a:bodyPr rot="-60000000" spcFirstLastPara="1" vertOverflow="ellipsis" vert="horz" wrap="square" anchor="ctr" anchorCtr="1"/>
+          <a:lstStyle/>
+          <a:p>
+            <a:pPr>
+              <a:defRPr sz="900" b="0" i="0" u="none" strike="noStrike" kern="1200" baseline="0">
+                <a:solidFill>
+                  <a:schemeClr val="tx1">
+                    <a:lumMod val="65000"/>
+                    <a:lumOff val="35000"/>
+                  </a:schemeClr>
+                </a:solidFill>
+                <a:latin typeface="+mn-lt"/>
+                <a:ea typeface="+mn-ea"/>
+                <a:cs typeface="+mn-cs"/>
+              </a:defRPr>
+            </a:pPr>
+            <a:endParaRPr lang="en-US"/>
+          </a:p>
+        </c:txPr>
+        <c:crossAx val="1360311008"/>
+        <c:crosses val="autoZero"/>
+        <c:crossBetween val="between"/>
+      </c:valAx>
+      <c:spPr>
+        <a:noFill/>
+        <a:ln>
+          <a:noFill/>
+        </a:ln>
+        <a:effectLst/>
+      </c:spPr>
+    </c:plotArea>
+    <c:legend>
+      <c:legendPos val="b"/>
+      <c:layout/>
+      <c:overlay val="0"/>
+      <c:spPr>
+        <a:noFill/>
+        <a:ln>
+          <a:noFill/>
+        </a:ln>
+        <a:effectLst/>
+      </c:spPr>
+      <c:txPr>
+        <a:bodyPr rot="0" spcFirstLastPara="1" vertOverflow="ellipsis" vert="horz" wrap="square" anchor="ctr" anchorCtr="1"/>
+        <a:lstStyle/>
+        <a:p>
+          <a:pPr>
+            <a:defRPr sz="900" b="0" i="0" u="none" strike="noStrike" kern="1200" baseline="0">
+              <a:solidFill>
+                <a:schemeClr val="tx1">
+                  <a:lumMod val="65000"/>
+                  <a:lumOff val="35000"/>
+                </a:schemeClr>
+              </a:solidFill>
+              <a:latin typeface="+mn-lt"/>
+              <a:ea typeface="+mn-ea"/>
+              <a:cs typeface="+mn-cs"/>
+            </a:defRPr>
+          </a:pPr>
+          <a:endParaRPr lang="en-US"/>
+        </a:p>
+      </c:txPr>
+    </c:legend>
+    <c:plotVisOnly val="1"/>
+    <c:dispBlanksAs val="gap"/>
+    <c:showDLblsOverMax val="0"/>
+  </c:chart>
+  <c:spPr>
+    <a:noFill/>
+    <a:ln>
+      <a:noFill/>
+    </a:ln>
+    <a:effectLst/>
+  </c:spPr>
+  <c:txPr>
+    <a:bodyPr/>
+    <a:lstStyle/>
+    <a:p>
+      <a:pPr>
+        <a:defRPr/>
+      </a:pPr>
+      <a:endParaRPr lang="en-US"/>
+    </a:p>
+  </c:txPr>
+  <c:externalData r:id="rId3">
+    <c:autoUpdate val="0"/>
+  </c:externalData>
+</c:chartSpace>
+</file>
+
+<file path=ppt/charts/chart18.xml><?xml version="1.0" encoding="utf-8"?>
+<c:chartSpace xmlns:c="http://schemas.openxmlformats.org/drawingml/2006/chart" xmlns:a="http://schemas.openxmlformats.org/drawingml/2006/main" xmlns:r="http://schemas.openxmlformats.org/officeDocument/2006/relationships">
+  <c:date1904 val="0"/>
+  <c:lang val="en-US"/>
+  <c:roundedCorners val="0"/>
+  <mc:AlternateContent xmlns:mc="http://schemas.openxmlformats.org/markup-compatibility/2006">
+    <mc:Choice xmlns:c14="http://schemas.microsoft.com/office/drawing/2007/8/2/chart" Requires="c14">
+      <c14:style val="102"/>
+    </mc:Choice>
+    <mc:Fallback>
+      <c:style val="2"/>
+    </mc:Fallback>
+  </mc:AlternateContent>
+  <c:chart>
+    <c:title>
+      <c:tx>
+        <c:rich>
+          <a:bodyPr rot="0" spcFirstLastPara="1" vertOverflow="ellipsis" vert="horz" wrap="square" anchor="ctr" anchorCtr="1"/>
+          <a:lstStyle/>
+          <a:p>
+            <a:pPr>
+              <a:defRPr sz="1400" b="0" i="0" u="none" strike="noStrike" kern="1200" spc="0" baseline="0">
+                <a:solidFill>
+                  <a:schemeClr val="tx1">
+                    <a:lumMod val="65000"/>
+                    <a:lumOff val="35000"/>
+                  </a:schemeClr>
+                </a:solidFill>
+                <a:latin typeface="+mn-lt"/>
+                <a:ea typeface="+mn-ea"/>
+                <a:cs typeface="+mn-cs"/>
+              </a:defRPr>
+            </a:pPr>
+            <a:r>
+              <a:rPr lang="en-US"/>
+              <a:t>Punish and opponent proposed</a:t>
+            </a:r>
+            <a:r>
+              <a:rPr lang="en-US" baseline="0"/>
+              <a:t> size</a:t>
+            </a:r>
+            <a:endParaRPr lang="en-US"/>
+          </a:p>
+        </c:rich>
+      </c:tx>
+      <c:layout>
+        <c:manualLayout>
+          <c:xMode val="edge"/>
+          <c:yMode val="edge"/>
+          <c:x val="0.207520778652668"/>
+          <c:y val="0.037037037037037"/>
+        </c:manualLayout>
+      </c:layout>
+      <c:overlay val="0"/>
+      <c:spPr>
+        <a:noFill/>
+        <a:ln>
+          <a:noFill/>
+        </a:ln>
+        <a:effectLst/>
+      </c:spPr>
+      <c:txPr>
+        <a:bodyPr rot="0" spcFirstLastPara="1" vertOverflow="ellipsis" vert="horz" wrap="square" anchor="ctr" anchorCtr="1"/>
+        <a:lstStyle/>
+        <a:p>
+          <a:pPr>
+            <a:defRPr sz="1400" b="0" i="0" u="none" strike="noStrike" kern="1200" spc="0" baseline="0">
+              <a:solidFill>
+                <a:schemeClr val="tx1">
+                  <a:lumMod val="65000"/>
+                  <a:lumOff val="35000"/>
+                </a:schemeClr>
+              </a:solidFill>
+              <a:latin typeface="+mn-lt"/>
+              <a:ea typeface="+mn-ea"/>
+              <a:cs typeface="+mn-cs"/>
+            </a:defRPr>
+          </a:pPr>
+          <a:endParaRPr lang="en-US"/>
+        </a:p>
+      </c:txPr>
+    </c:title>
+    <c:autoTitleDeleted val="0"/>
+    <c:plotArea>
+      <c:layout/>
+      <c:barChart>
+        <c:barDir val="col"/>
+        <c:grouping val="clustered"/>
+        <c:varyColors val="0"/>
+        <c:ser>
+          <c:idx val="0"/>
+          <c:order val="0"/>
+          <c:tx>
+            <c:strRef>
+              <c:f>oppoProposedSize_percent!$L$9</c:f>
+              <c:strCache>
+                <c:ptCount val="1"/>
+                <c:pt idx="0">
+                  <c:v>AttempterHL</c:v>
+                </c:pt>
+              </c:strCache>
+            </c:strRef>
+          </c:tx>
+          <c:spPr>
+            <a:solidFill>
+              <a:schemeClr val="accent1"/>
+            </a:solidFill>
+            <a:ln>
+              <a:noFill/>
+            </a:ln>
+            <a:effectLst/>
+          </c:spPr>
+          <c:invertIfNegative val="0"/>
+          <c:errBars>
+            <c:errBarType val="both"/>
+            <c:errValType val="stdErr"/>
+            <c:noEndCap val="0"/>
+            <c:spPr>
+              <a:noFill/>
+              <a:ln w="9525" cap="flat" cmpd="sng" algn="ctr">
+                <a:solidFill>
+                  <a:schemeClr val="tx1">
+                    <a:lumMod val="65000"/>
+                    <a:lumOff val="35000"/>
+                  </a:schemeClr>
+                </a:solidFill>
+                <a:round/>
+              </a:ln>
+              <a:effectLst/>
+            </c:spPr>
+          </c:errBars>
+          <c:val>
+            <c:numRef>
+              <c:f>oppoProposedSize_percent!$L$10:$L$18</c:f>
+              <c:numCache>
+                <c:formatCode>General</c:formatCode>
+                <c:ptCount val="9"/>
+                <c:pt idx="0">
+                  <c:v>0.431372549019608</c:v>
+                </c:pt>
+                <c:pt idx="1">
+                  <c:v>0.764705882352941</c:v>
+                </c:pt>
+                <c:pt idx="2">
+                  <c:v>0.411764705882353</c:v>
+                </c:pt>
+                <c:pt idx="3">
+                  <c:v>0.264705882352941</c:v>
+                </c:pt>
+                <c:pt idx="4">
+                  <c:v>0.34640522875817</c:v>
+                </c:pt>
+                <c:pt idx="5">
+                  <c:v>0.470588235294118</c:v>
+                </c:pt>
+                <c:pt idx="6">
+                  <c:v>0.411764705882353</c:v>
+                </c:pt>
+                <c:pt idx="7">
+                  <c:v>0.441176470588235</c:v>
+                </c:pt>
+                <c:pt idx="8">
+                  <c:v>0.196078431372549</c:v>
+                </c:pt>
+              </c:numCache>
+            </c:numRef>
+          </c:val>
+        </c:ser>
+        <c:ser>
+          <c:idx val="1"/>
+          <c:order val="1"/>
+          <c:tx>
+            <c:strRef>
+              <c:f>oppoProposedSize_percent!$M$9</c:f>
+              <c:strCache>
+                <c:ptCount val="1"/>
+                <c:pt idx="0">
+                  <c:v>AttempterLL</c:v>
+                </c:pt>
+              </c:strCache>
+            </c:strRef>
+          </c:tx>
+          <c:spPr>
+            <a:solidFill>
+              <a:schemeClr val="accent2"/>
+            </a:solidFill>
+            <a:ln>
+              <a:noFill/>
+            </a:ln>
+            <a:effectLst/>
+          </c:spPr>
+          <c:invertIfNegative val="0"/>
+          <c:errBars>
+            <c:errBarType val="both"/>
+            <c:errValType val="stdErr"/>
+            <c:noEndCap val="0"/>
+            <c:spPr>
+              <a:noFill/>
+              <a:ln w="9525" cap="flat" cmpd="sng" algn="ctr">
+                <a:solidFill>
+                  <a:schemeClr val="tx1">
+                    <a:lumMod val="65000"/>
+                    <a:lumOff val="35000"/>
+                  </a:schemeClr>
+                </a:solidFill>
+                <a:round/>
+              </a:ln>
+              <a:effectLst/>
+            </c:spPr>
+          </c:errBars>
+          <c:val>
+            <c:numRef>
+              <c:f>oppoProposedSize_percent!$M$10:$M$18</c:f>
+              <c:numCache>
+                <c:formatCode>General</c:formatCode>
+                <c:ptCount val="9"/>
+                <c:pt idx="0">
+                  <c:v>0.508771929824561</c:v>
+                </c:pt>
+                <c:pt idx="1">
+                  <c:v>0.894736842105263</c:v>
+                </c:pt>
+                <c:pt idx="2">
+                  <c:v>0.394736842105263</c:v>
+                </c:pt>
+                <c:pt idx="3">
+                  <c:v>0.236842105263158</c:v>
+                </c:pt>
+                <c:pt idx="4">
+                  <c:v>0.391812865497076</c:v>
+                </c:pt>
+                <c:pt idx="5">
+                  <c:v>0.578947368421053</c:v>
+                </c:pt>
+                <c:pt idx="6">
+                  <c:v>0.473684210526316</c:v>
+                </c:pt>
+                <c:pt idx="7">
+                  <c:v>0.368421052631579</c:v>
+                </c:pt>
+                <c:pt idx="8">
+                  <c:v>0.228070175438596</c:v>
+                </c:pt>
+              </c:numCache>
+            </c:numRef>
+          </c:val>
+        </c:ser>
+        <c:ser>
+          <c:idx val="2"/>
+          <c:order val="2"/>
+          <c:tx>
+            <c:strRef>
+              <c:f>oppoProposedSize_percent!$N$9</c:f>
+              <c:strCache>
+                <c:ptCount val="1"/>
+                <c:pt idx="0">
+                  <c:v>control</c:v>
+                </c:pt>
+              </c:strCache>
+            </c:strRef>
+          </c:tx>
+          <c:spPr>
+            <a:solidFill>
+              <a:schemeClr val="accent3"/>
+            </a:solidFill>
+            <a:ln>
+              <a:noFill/>
+            </a:ln>
+            <a:effectLst/>
+          </c:spPr>
+          <c:invertIfNegative val="0"/>
+          <c:errBars>
+            <c:errBarType val="both"/>
+            <c:errValType val="stdErr"/>
+            <c:noEndCap val="0"/>
+            <c:spPr>
+              <a:noFill/>
+              <a:ln w="9525" cap="flat" cmpd="sng" algn="ctr">
+                <a:solidFill>
+                  <a:schemeClr val="tx1">
+                    <a:lumMod val="65000"/>
+                    <a:lumOff val="35000"/>
+                  </a:schemeClr>
+                </a:solidFill>
+                <a:round/>
+              </a:ln>
+              <a:effectLst/>
+            </c:spPr>
+          </c:errBars>
+          <c:val>
+            <c:numRef>
+              <c:f>oppoProposedSize_percent!$N$10:$N$18</c:f>
+              <c:numCache>
+                <c:formatCode>General</c:formatCode>
+                <c:ptCount val="9"/>
+                <c:pt idx="0">
+                  <c:v>0.597222222222222</c:v>
+                </c:pt>
+                <c:pt idx="1">
+                  <c:v>0.708333333333333</c:v>
+                </c:pt>
+                <c:pt idx="2">
+                  <c:v>0.520833333333333</c:v>
+                </c:pt>
+                <c:pt idx="3">
+                  <c:v>0.291666666666667</c:v>
+                </c:pt>
+                <c:pt idx="4">
+                  <c:v>0.416666666666667</c:v>
+                </c:pt>
+                <c:pt idx="5">
+                  <c:v>0.625</c:v>
+                </c:pt>
+                <c:pt idx="6">
+                  <c:v>0.569444444444444</c:v>
+                </c:pt>
+                <c:pt idx="7">
+                  <c:v>0.479166666666667</c:v>
+                </c:pt>
+                <c:pt idx="8">
+                  <c:v>0.222222222222222</c:v>
+                </c:pt>
+              </c:numCache>
+            </c:numRef>
+          </c:val>
+        </c:ser>
+        <c:ser>
+          <c:idx val="3"/>
+          <c:order val="3"/>
+          <c:tx>
+            <c:strRef>
+              <c:f>oppoProposedSize_percent!$O$9</c:f>
+              <c:strCache>
+                <c:ptCount val="1"/>
+                <c:pt idx="0">
+                  <c:v>depression</c:v>
+                </c:pt>
+              </c:strCache>
+            </c:strRef>
+          </c:tx>
+          <c:spPr>
+            <a:solidFill>
+              <a:schemeClr val="accent4"/>
+            </a:solidFill>
+            <a:ln>
+              <a:noFill/>
+            </a:ln>
+            <a:effectLst/>
+          </c:spPr>
+          <c:invertIfNegative val="0"/>
+          <c:errBars>
+            <c:errBarType val="both"/>
+            <c:errValType val="stdErr"/>
+            <c:noEndCap val="0"/>
+            <c:spPr>
+              <a:noFill/>
+              <a:ln w="9525" cap="flat" cmpd="sng" algn="ctr">
+                <a:solidFill>
+                  <a:schemeClr val="tx1">
+                    <a:lumMod val="65000"/>
+                    <a:lumOff val="35000"/>
+                  </a:schemeClr>
+                </a:solidFill>
+                <a:round/>
+              </a:ln>
+              <a:effectLst/>
+            </c:spPr>
+          </c:errBars>
+          <c:val>
+            <c:numRef>
+              <c:f>oppoProposedSize_percent!$O$10:$O$18</c:f>
+              <c:numCache>
+                <c:formatCode>General</c:formatCode>
+                <c:ptCount val="9"/>
+                <c:pt idx="0">
+                  <c:v>0.623188405797101</c:v>
+                </c:pt>
+                <c:pt idx="1">
+                  <c:v>0.826086956521739</c:v>
+                </c:pt>
+                <c:pt idx="2">
+                  <c:v>0.58695652173913</c:v>
+                </c:pt>
+                <c:pt idx="3">
+                  <c:v>0.478260869565217</c:v>
+                </c:pt>
+                <c:pt idx="4">
+                  <c:v>0.531400966183575</c:v>
+                </c:pt>
+                <c:pt idx="5">
+                  <c:v>0.695652173913043</c:v>
+                </c:pt>
+                <c:pt idx="6">
+                  <c:v>0.623188405797101</c:v>
+                </c:pt>
+                <c:pt idx="7">
+                  <c:v>0.695652173913043</c:v>
+                </c:pt>
+                <c:pt idx="8">
+                  <c:v>0.376811594202899</c:v>
+                </c:pt>
+              </c:numCache>
+            </c:numRef>
+          </c:val>
+        </c:ser>
+        <c:ser>
+          <c:idx val="4"/>
+          <c:order val="4"/>
+          <c:tx>
+            <c:strRef>
+              <c:f>oppoProposedSize_percent!$P$9</c:f>
+              <c:strCache>
+                <c:ptCount val="1"/>
+                <c:pt idx="0">
+                  <c:v>ideator</c:v>
+                </c:pt>
+              </c:strCache>
+            </c:strRef>
+          </c:tx>
+          <c:spPr>
+            <a:solidFill>
+              <a:schemeClr val="accent5"/>
+            </a:solidFill>
+            <a:ln>
+              <a:noFill/>
+            </a:ln>
+            <a:effectLst/>
+          </c:spPr>
+          <c:invertIfNegative val="0"/>
+          <c:errBars>
+            <c:errBarType val="both"/>
+            <c:errValType val="stdErr"/>
+            <c:noEndCap val="0"/>
+            <c:spPr>
+              <a:noFill/>
+              <a:ln w="9525" cap="flat" cmpd="sng" algn="ctr">
+                <a:solidFill>
+                  <a:schemeClr val="tx1">
+                    <a:lumMod val="65000"/>
+                    <a:lumOff val="35000"/>
+                  </a:schemeClr>
+                </a:solidFill>
+                <a:round/>
+              </a:ln>
+              <a:effectLst/>
+            </c:spPr>
+          </c:errBars>
+          <c:val>
+            <c:numRef>
+              <c:f>oppoProposedSize_percent!$P$10:$P$18</c:f>
+              <c:numCache>
+                <c:formatCode>General</c:formatCode>
+                <c:ptCount val="9"/>
+                <c:pt idx="0">
+                  <c:v>0.533333333333333</c:v>
+                </c:pt>
+                <c:pt idx="1">
+                  <c:v>0.75</c:v>
+                </c:pt>
+                <c:pt idx="2">
+                  <c:v>0.525</c:v>
+                </c:pt>
+                <c:pt idx="3">
+                  <c:v>0.325</c:v>
+                </c:pt>
+                <c:pt idx="4">
+                  <c:v>0.455555555555555</c:v>
+                </c:pt>
+                <c:pt idx="5">
+                  <c:v>0.6</c:v>
+                </c:pt>
+                <c:pt idx="6">
+                  <c:v>0.45</c:v>
+                </c:pt>
+                <c:pt idx="7">
+                  <c:v>0.525</c:v>
+                </c:pt>
+                <c:pt idx="8">
+                  <c:v>0.316666666666667</c:v>
+                </c:pt>
+              </c:numCache>
+            </c:numRef>
+          </c:val>
+        </c:ser>
+        <c:dLbls>
+          <c:showLegendKey val="0"/>
+          <c:showVal val="0"/>
+          <c:showCatName val="0"/>
+          <c:showSerName val="0"/>
+          <c:showPercent val="0"/>
+          <c:showBubbleSize val="0"/>
+        </c:dLbls>
+        <c:gapWidth val="219"/>
+        <c:overlap val="-7"/>
+        <c:axId val="1279283216"/>
+        <c:axId val="1360348880"/>
+      </c:barChart>
+      <c:catAx>
+        <c:axId val="1279283216"/>
+        <c:scaling>
+          <c:orientation val="minMax"/>
+        </c:scaling>
+        <c:delete val="0"/>
+        <c:axPos val="b"/>
+        <c:title>
+          <c:tx>
+            <c:rich>
+              <a:bodyPr rot="0" spcFirstLastPara="1" vertOverflow="ellipsis" vert="horz" wrap="square" anchor="ctr" anchorCtr="1"/>
+              <a:lstStyle/>
+              <a:p>
+                <a:pPr>
+                  <a:defRPr sz="1000" b="0" i="0" u="none" strike="noStrike" kern="1200" baseline="0">
+                    <a:solidFill>
+                      <a:schemeClr val="tx1">
+                        <a:lumMod val="65000"/>
+                        <a:lumOff val="35000"/>
+                      </a:schemeClr>
+                    </a:solidFill>
+                    <a:latin typeface="+mn-lt"/>
+                    <a:ea typeface="+mn-ea"/>
+                    <a:cs typeface="+mn-cs"/>
+                  </a:defRPr>
+                </a:pPr>
+                <a:r>
+                  <a:rPr lang="en-US"/>
+                  <a:t>Opponent proposed size</a:t>
+                </a:r>
+              </a:p>
+            </c:rich>
+          </c:tx>
+          <c:layout/>
+          <c:overlay val="0"/>
+          <c:spPr>
+            <a:noFill/>
+            <a:ln>
+              <a:noFill/>
+            </a:ln>
+            <a:effectLst/>
+          </c:spPr>
+          <c:txPr>
+            <a:bodyPr rot="0" spcFirstLastPara="1" vertOverflow="ellipsis" vert="horz" wrap="square" anchor="ctr" anchorCtr="1"/>
+            <a:lstStyle/>
+            <a:p>
+              <a:pPr>
+                <a:defRPr sz="1000" b="0" i="0" u="none" strike="noStrike" kern="1200" baseline="0">
+                  <a:solidFill>
+                    <a:schemeClr val="tx1">
+                      <a:lumMod val="65000"/>
+                      <a:lumOff val="35000"/>
+                    </a:schemeClr>
+                  </a:solidFill>
+                  <a:latin typeface="+mn-lt"/>
+                  <a:ea typeface="+mn-ea"/>
+                  <a:cs typeface="+mn-cs"/>
+                </a:defRPr>
+              </a:pPr>
+              <a:endParaRPr lang="en-US"/>
+            </a:p>
+          </c:txPr>
+        </c:title>
+        <c:numFmt formatCode="General" sourceLinked="1"/>
+        <c:majorTickMark val="none"/>
+        <c:minorTickMark val="none"/>
+        <c:tickLblPos val="nextTo"/>
+        <c:spPr>
+          <a:noFill/>
+          <a:ln w="9525" cap="flat" cmpd="sng" algn="ctr">
+            <a:solidFill>
+              <a:schemeClr val="tx1">
+                <a:lumMod val="15000"/>
+                <a:lumOff val="85000"/>
+              </a:schemeClr>
+            </a:solidFill>
+            <a:round/>
+          </a:ln>
+          <a:effectLst/>
+        </c:spPr>
+        <c:txPr>
+          <a:bodyPr rot="-60000000" spcFirstLastPara="1" vertOverflow="ellipsis" vert="horz" wrap="square" anchor="ctr" anchorCtr="1"/>
+          <a:lstStyle/>
+          <a:p>
+            <a:pPr>
+              <a:defRPr sz="900" b="0" i="0" u="none" strike="noStrike" kern="1200" baseline="0">
+                <a:solidFill>
+                  <a:schemeClr val="tx1">
+                    <a:lumMod val="65000"/>
+                    <a:lumOff val="35000"/>
+                  </a:schemeClr>
+                </a:solidFill>
+                <a:latin typeface="+mn-lt"/>
+                <a:ea typeface="+mn-ea"/>
+                <a:cs typeface="+mn-cs"/>
+              </a:defRPr>
+            </a:pPr>
+            <a:endParaRPr lang="en-US"/>
+          </a:p>
+        </c:txPr>
+        <c:crossAx val="1360348880"/>
+        <c:crosses val="autoZero"/>
+        <c:auto val="1"/>
+        <c:lblAlgn val="ctr"/>
+        <c:lblOffset val="100"/>
+        <c:noMultiLvlLbl val="0"/>
+      </c:catAx>
+      <c:valAx>
+        <c:axId val="1360348880"/>
+        <c:scaling>
+          <c:orientation val="minMax"/>
+          <c:max val="1.0"/>
+        </c:scaling>
+        <c:delete val="0"/>
+        <c:axPos val="l"/>
+        <c:majorGridlines>
+          <c:spPr>
+            <a:ln w="9525" cap="flat" cmpd="sng" algn="ctr">
+              <a:solidFill>
+                <a:schemeClr val="tx1">
+                  <a:lumMod val="15000"/>
+                  <a:lumOff val="85000"/>
+                </a:schemeClr>
+              </a:solidFill>
+              <a:round/>
+            </a:ln>
+            <a:effectLst/>
+          </c:spPr>
+        </c:majorGridlines>
+        <c:title>
+          <c:tx>
+            <c:rich>
+              <a:bodyPr rot="-5400000" spcFirstLastPara="1" vertOverflow="ellipsis" vert="horz" wrap="square" anchor="ctr" anchorCtr="1"/>
+              <a:lstStyle/>
+              <a:p>
+                <a:pPr>
+                  <a:defRPr sz="1000" b="0" i="0" u="none" strike="noStrike" kern="1200" baseline="0">
+                    <a:solidFill>
+                      <a:schemeClr val="tx1">
+                        <a:lumMod val="65000"/>
+                        <a:lumOff val="35000"/>
+                      </a:schemeClr>
+                    </a:solidFill>
+                    <a:latin typeface="+mn-lt"/>
+                    <a:ea typeface="+mn-ea"/>
+                    <a:cs typeface="+mn-cs"/>
+                  </a:defRPr>
+                </a:pPr>
+                <a:r>
+                  <a:rPr lang="en-US"/>
+                  <a:t>Acceptance rate</a:t>
+                </a:r>
+              </a:p>
+            </c:rich>
+          </c:tx>
+          <c:layout/>
+          <c:overlay val="0"/>
+          <c:spPr>
+            <a:noFill/>
+            <a:ln>
+              <a:noFill/>
+            </a:ln>
+            <a:effectLst/>
+          </c:spPr>
+          <c:txPr>
+            <a:bodyPr rot="-5400000" spcFirstLastPara="1" vertOverflow="ellipsis" vert="horz" wrap="square" anchor="ctr" anchorCtr="1"/>
+            <a:lstStyle/>
+            <a:p>
+              <a:pPr>
+                <a:defRPr sz="1000" b="0" i="0" u="none" strike="noStrike" kern="1200" baseline="0">
+                  <a:solidFill>
+                    <a:schemeClr val="tx1">
+                      <a:lumMod val="65000"/>
+                      <a:lumOff val="35000"/>
+                    </a:schemeClr>
+                  </a:solidFill>
+                  <a:latin typeface="+mn-lt"/>
+                  <a:ea typeface="+mn-ea"/>
+                  <a:cs typeface="+mn-cs"/>
+                </a:defRPr>
+              </a:pPr>
+              <a:endParaRPr lang="en-US"/>
+            </a:p>
+          </c:txPr>
+        </c:title>
+        <c:majorTickMark val="none"/>
+        <c:minorTickMark val="none"/>
+        <c:tickLblPos val="nextTo"/>
+        <c:spPr>
+          <a:noFill/>
+          <a:ln>
+            <a:noFill/>
+          </a:ln>
+          <a:effectLst/>
+        </c:spPr>
+        <c:txPr>
+          <a:bodyPr rot="-60000000" spcFirstLastPara="1" vertOverflow="ellipsis" vert="horz" wrap="square" anchor="ctr" anchorCtr="1"/>
+          <a:lstStyle/>
+          <a:p>
+            <a:pPr>
+              <a:defRPr sz="900" b="0" i="0" u="none" strike="noStrike" kern="1200" baseline="0">
+                <a:solidFill>
+                  <a:schemeClr val="tx1">
+                    <a:lumMod val="65000"/>
+                    <a:lumOff val="35000"/>
+                  </a:schemeClr>
+                </a:solidFill>
+                <a:latin typeface="+mn-lt"/>
+                <a:ea typeface="+mn-ea"/>
+                <a:cs typeface="+mn-cs"/>
+              </a:defRPr>
+            </a:pPr>
+            <a:endParaRPr lang="en-US"/>
+          </a:p>
+        </c:txPr>
+        <c:crossAx val="1279283216"/>
         <c:crosses val="autoZero"/>
         <c:crossBetween val="between"/>
       </c:valAx>
@@ -5236,7 +8009,6 @@
           </a:p>
         </c:rich>
       </c:tx>
-      <c:layout/>
       <c:overlay val="0"/>
       <c:spPr>
         <a:noFill/>
@@ -5688,11 +8460,11 @@
         </c:dLbls>
         <c:gapWidth val="219"/>
         <c:overlap val="-27"/>
-        <c:axId val="-1430018032"/>
-        <c:axId val="-1430015984"/>
+        <c:axId val="1365179792"/>
+        <c:axId val="1365182544"/>
       </c:barChart>
       <c:catAx>
-        <c:axId val="-1430018032"/>
+        <c:axId val="1365179792"/>
         <c:scaling>
           <c:orientation val="minMax"/>
         </c:scaling>
@@ -5735,7 +8507,7 @@
             <a:endParaRPr lang="en-US"/>
           </a:p>
         </c:txPr>
-        <c:crossAx val="-1430015984"/>
+        <c:crossAx val="1365182544"/>
         <c:crosses val="autoZero"/>
         <c:auto val="1"/>
         <c:lblAlgn val="ctr"/>
@@ -5743,7 +8515,7 @@
         <c:noMultiLvlLbl val="0"/>
       </c:catAx>
       <c:valAx>
-        <c:axId val="-1430015984"/>
+        <c:axId val="1365182544"/>
         <c:scaling>
           <c:orientation val="minMax"/>
         </c:scaling>
@@ -5794,7 +8566,7 @@
             <a:endParaRPr lang="en-US"/>
           </a:p>
         </c:txPr>
-        <c:crossAx val="-1430018032"/>
+        <c:crossAx val="1365179792"/>
         <c:crosses val="autoZero"/>
         <c:crossBetween val="between"/>
       </c:valAx>
@@ -5808,7 +8580,6 @@
     </c:plotArea>
     <c:legend>
       <c:legendPos val="b"/>
-      <c:layout/>
       <c:overlay val="0"/>
       <c:spPr>
         <a:noFill/>
@@ -5910,7 +8681,6 @@
           </a:p>
         </c:rich>
       </c:tx>
-      <c:layout/>
       <c:overlay val="0"/>
       <c:spPr>
         <a:noFill/>
@@ -6433,11 +9203,11 @@
         </c:dLbls>
         <c:gapWidth val="219"/>
         <c:overlap val="-27"/>
-        <c:axId val="-1429970128"/>
-        <c:axId val="-1430115792"/>
+        <c:axId val="1365202112"/>
+        <c:axId val="1365205104"/>
       </c:barChart>
       <c:catAx>
-        <c:axId val="-1429970128"/>
+        <c:axId val="1365202112"/>
         <c:scaling>
           <c:orientation val="minMax"/>
         </c:scaling>
@@ -6480,7 +9250,7 @@
             <a:endParaRPr lang="en-US"/>
           </a:p>
         </c:txPr>
-        <c:crossAx val="-1430115792"/>
+        <c:crossAx val="1365205104"/>
         <c:crosses val="autoZero"/>
         <c:auto val="1"/>
         <c:lblAlgn val="ctr"/>
@@ -6488,7 +9258,7 @@
         <c:noMultiLvlLbl val="0"/>
       </c:catAx>
       <c:valAx>
-        <c:axId val="-1430115792"/>
+        <c:axId val="1365205104"/>
         <c:scaling>
           <c:orientation val="minMax"/>
           <c:max val="1.0"/>
@@ -6540,7 +9310,7 @@
             <a:endParaRPr lang="en-US"/>
           </a:p>
         </c:txPr>
-        <c:crossAx val="-1429970128"/>
+        <c:crossAx val="1365202112"/>
         <c:crosses val="autoZero"/>
         <c:crossBetween val="between"/>
       </c:valAx>
@@ -6554,7 +9324,6 @@
     </c:plotArea>
     <c:legend>
       <c:legendPos val="b"/>
-      <c:layout/>
       <c:overlay val="0"/>
       <c:spPr>
         <a:noFill/>
@@ -6652,7 +9421,6 @@
           </a:p>
         </c:rich>
       </c:tx>
-      <c:layout/>
       <c:overlay val="0"/>
       <c:spPr>
         <a:noFill/>
@@ -7294,11 +10062,11 @@
         </c:dLbls>
         <c:gapWidth val="219"/>
         <c:overlap val="-27"/>
-        <c:axId val="-1580652592"/>
-        <c:axId val="-1580640928"/>
+        <c:axId val="1318041728"/>
+        <c:axId val="1280467376"/>
       </c:barChart>
       <c:catAx>
-        <c:axId val="-1580652592"/>
+        <c:axId val="1318041728"/>
         <c:scaling>
           <c:orientation val="minMax"/>
         </c:scaling>
@@ -7341,7 +10109,7 @@
             <a:endParaRPr lang="en-US"/>
           </a:p>
         </c:txPr>
-        <c:crossAx val="-1580640928"/>
+        <c:crossAx val="1280467376"/>
         <c:crosses val="autoZero"/>
         <c:auto val="1"/>
         <c:lblAlgn val="ctr"/>
@@ -7349,7 +10117,7 @@
         <c:noMultiLvlLbl val="0"/>
       </c:catAx>
       <c:valAx>
-        <c:axId val="-1580640928"/>
+        <c:axId val="1280467376"/>
         <c:scaling>
           <c:orientation val="minMax"/>
           <c:max val="1.0"/>
@@ -7401,7 +10169,7 @@
             <a:endParaRPr lang="en-US"/>
           </a:p>
         </c:txPr>
-        <c:crossAx val="-1580652592"/>
+        <c:crossAx val="1318041728"/>
         <c:crosses val="autoZero"/>
         <c:crossBetween val="between"/>
       </c:valAx>
@@ -7415,7 +10183,6 @@
     </c:plotArea>
     <c:legend>
       <c:legendPos val="b"/>
-      <c:layout/>
       <c:overlay val="0"/>
       <c:spPr>
         <a:noFill/>
@@ -7852,11 +10619,11 @@
         </c:dLbls>
         <c:gapWidth val="219"/>
         <c:overlap val="-27"/>
-        <c:axId val="-1429280432"/>
-        <c:axId val="-1580929296"/>
+        <c:axId val="1361531744"/>
+        <c:axId val="1361534064"/>
       </c:barChart>
       <c:catAx>
-        <c:axId val="-1429280432"/>
+        <c:axId val="1361531744"/>
         <c:scaling>
           <c:orientation val="minMax"/>
         </c:scaling>
@@ -7899,7 +10666,7 @@
             <a:endParaRPr lang="en-US"/>
           </a:p>
         </c:txPr>
-        <c:crossAx val="-1580929296"/>
+        <c:crossAx val="1361534064"/>
         <c:crosses val="autoZero"/>
         <c:auto val="1"/>
         <c:lblAlgn val="ctr"/>
@@ -7907,7 +10674,7 @@
         <c:noMultiLvlLbl val="0"/>
       </c:catAx>
       <c:valAx>
-        <c:axId val="-1580929296"/>
+        <c:axId val="1361534064"/>
         <c:scaling>
           <c:orientation val="minMax"/>
           <c:max val="1.0"/>
@@ -7959,7 +10726,7 @@
             <a:endParaRPr lang="en-US"/>
           </a:p>
         </c:txPr>
-        <c:crossAx val="-1429280432"/>
+        <c:crossAx val="1361531744"/>
         <c:crosses val="autoZero"/>
         <c:crossBetween val="between"/>
       </c:valAx>
@@ -8339,11 +11106,11 @@
         </c:dLbls>
         <c:gapWidth val="219"/>
         <c:overlap val="-27"/>
-        <c:axId val="-1532422240"/>
-        <c:axId val="-1532419920"/>
+        <c:axId val="1359602128"/>
+        <c:axId val="1359604448"/>
       </c:barChart>
       <c:catAx>
-        <c:axId val="-1532422240"/>
+        <c:axId val="1359602128"/>
         <c:scaling>
           <c:orientation val="minMax"/>
         </c:scaling>
@@ -8386,7 +11153,7 @@
             <a:endParaRPr lang="en-US"/>
           </a:p>
         </c:txPr>
-        <c:crossAx val="-1532419920"/>
+        <c:crossAx val="1359604448"/>
         <c:crosses val="autoZero"/>
         <c:auto val="1"/>
         <c:lblAlgn val="ctr"/>
@@ -8394,7 +11161,7 @@
         <c:noMultiLvlLbl val="0"/>
       </c:catAx>
       <c:valAx>
-        <c:axId val="-1532419920"/>
+        <c:axId val="1359604448"/>
         <c:scaling>
           <c:orientation val="minMax"/>
           <c:max val="1.0"/>
@@ -8446,7 +11213,7 @@
             <a:endParaRPr lang="en-US"/>
           </a:p>
         </c:txPr>
-        <c:crossAx val="-1532422240"/>
+        <c:crossAx val="1359602128"/>
         <c:crosses val="autoZero"/>
         <c:crossBetween val="between"/>
       </c:valAx>
@@ -9134,11 +11901,11 @@
         </c:dLbls>
         <c:gapWidth val="219"/>
         <c:overlap val="-27"/>
-        <c:axId val="-1528723632"/>
-        <c:axId val="-1433310928"/>
+        <c:axId val="1359507296"/>
+        <c:axId val="1359510688"/>
       </c:barChart>
       <c:catAx>
-        <c:axId val="-1528723632"/>
+        <c:axId val="1359507296"/>
         <c:scaling>
           <c:orientation val="minMax"/>
         </c:scaling>
@@ -9242,7 +12009,7 @@
             <a:endParaRPr lang="en-US"/>
           </a:p>
         </c:txPr>
-        <c:crossAx val="-1433310928"/>
+        <c:crossAx val="1359510688"/>
         <c:crosses val="autoZero"/>
         <c:auto val="1"/>
         <c:lblAlgn val="ctr"/>
@@ -9250,7 +12017,7 @@
         <c:noMultiLvlLbl val="0"/>
       </c:catAx>
       <c:valAx>
-        <c:axId val="-1433310928"/>
+        <c:axId val="1359510688"/>
         <c:scaling>
           <c:orientation val="minMax"/>
           <c:max val="1.0"/>
@@ -9362,7 +12129,7 @@
             <a:endParaRPr lang="en-US"/>
           </a:p>
         </c:txPr>
-        <c:crossAx val="-1528723632"/>
+        <c:crossAx val="1359507296"/>
         <c:crosses val="autoZero"/>
         <c:crossBetween val="between"/>
       </c:valAx>
@@ -10104,11 +12871,11 @@
         </c:dLbls>
         <c:gapWidth val="219"/>
         <c:overlap val="-27"/>
-        <c:axId val="-1490613792"/>
-        <c:axId val="-1530577808"/>
+        <c:axId val="1359417328"/>
+        <c:axId val="1359406848"/>
       </c:barChart>
       <c:catAx>
-        <c:axId val="-1490613792"/>
+        <c:axId val="1359417328"/>
         <c:scaling>
           <c:orientation val="minMax"/>
         </c:scaling>
@@ -10212,7 +12979,7 @@
             <a:endParaRPr lang="en-US"/>
           </a:p>
         </c:txPr>
-        <c:crossAx val="-1530577808"/>
+        <c:crossAx val="1359406848"/>
         <c:crosses val="autoZero"/>
         <c:auto val="1"/>
         <c:lblAlgn val="ctr"/>
@@ -10220,7 +12987,7 @@
         <c:noMultiLvlLbl val="0"/>
       </c:catAx>
       <c:valAx>
-        <c:axId val="-1530577808"/>
+        <c:axId val="1359406848"/>
         <c:scaling>
           <c:orientation val="minMax"/>
           <c:max val="1.0"/>
@@ -10336,7 +13103,7 @@
             <a:endParaRPr lang="en-US"/>
           </a:p>
         </c:txPr>
-        <c:crossAx val="-1490613792"/>
+        <c:crossAx val="1359417328"/>
         <c:crosses val="autoZero"/>
         <c:crossBetween val="between"/>
       </c:valAx>
@@ -10911,11 +13678,11 @@
         </c:dLbls>
         <c:gapWidth val="219"/>
         <c:overlap val="-27"/>
-        <c:axId val="-1426965776"/>
-        <c:axId val="-1426963232"/>
+        <c:axId val="1361589296"/>
+        <c:axId val="1361592688"/>
       </c:barChart>
       <c:catAx>
-        <c:axId val="-1426965776"/>
+        <c:axId val="1361589296"/>
         <c:scaling>
           <c:orientation val="minMax"/>
         </c:scaling>
@@ -11030,7 +13797,7 @@
             <a:endParaRPr lang="en-US"/>
           </a:p>
         </c:txPr>
-        <c:crossAx val="-1426963232"/>
+        <c:crossAx val="1361592688"/>
         <c:crosses val="autoZero"/>
         <c:auto val="1"/>
         <c:lblAlgn val="ctr"/>
@@ -11038,7 +13805,7 @@
         <c:noMultiLvlLbl val="0"/>
       </c:catAx>
       <c:valAx>
-        <c:axId val="-1426963232"/>
+        <c:axId val="1361592688"/>
         <c:scaling>
           <c:orientation val="minMax"/>
         </c:scaling>
@@ -11153,7 +13920,7 @@
             <a:endParaRPr lang="en-US"/>
           </a:p>
         </c:txPr>
-        <c:crossAx val="-1426965776"/>
+        <c:crossAx val="1361589296"/>
         <c:crosses val="autoZero"/>
         <c:crossBetween val="between"/>
       </c:valAx>
@@ -11465,6 +14232,126 @@
 </file>
 
 <file path=ppt/charts/colors15.xml><?xml version="1.0" encoding="utf-8"?>
+<cs:colorStyle xmlns:cs="http://schemas.microsoft.com/office/drawing/2012/chartStyle" xmlns:a="http://schemas.openxmlformats.org/drawingml/2006/main" meth="cycle" id="10">
+  <a:schemeClr val="accent1"/>
+  <a:schemeClr val="accent2"/>
+  <a:schemeClr val="accent3"/>
+  <a:schemeClr val="accent4"/>
+  <a:schemeClr val="accent5"/>
+  <a:schemeClr val="accent6"/>
+  <cs:variation/>
+  <cs:variation>
+    <a:lumMod val="60000"/>
+  </cs:variation>
+  <cs:variation>
+    <a:lumMod val="80000"/>
+    <a:lumOff val="20000"/>
+  </cs:variation>
+  <cs:variation>
+    <a:lumMod val="80000"/>
+  </cs:variation>
+  <cs:variation>
+    <a:lumMod val="60000"/>
+    <a:lumOff val="40000"/>
+  </cs:variation>
+  <cs:variation>
+    <a:lumMod val="50000"/>
+  </cs:variation>
+  <cs:variation>
+    <a:lumMod val="70000"/>
+    <a:lumOff val="30000"/>
+  </cs:variation>
+  <cs:variation>
+    <a:lumMod val="70000"/>
+  </cs:variation>
+  <cs:variation>
+    <a:lumMod val="50000"/>
+    <a:lumOff val="50000"/>
+  </cs:variation>
+</cs:colorStyle>
+</file>
+
+<file path=ppt/charts/colors16.xml><?xml version="1.0" encoding="utf-8"?>
+<cs:colorStyle xmlns:cs="http://schemas.microsoft.com/office/drawing/2012/chartStyle" xmlns:a="http://schemas.openxmlformats.org/drawingml/2006/main" meth="cycle" id="10">
+  <a:schemeClr val="accent1"/>
+  <a:schemeClr val="accent2"/>
+  <a:schemeClr val="accent3"/>
+  <a:schemeClr val="accent4"/>
+  <a:schemeClr val="accent5"/>
+  <a:schemeClr val="accent6"/>
+  <cs:variation/>
+  <cs:variation>
+    <a:lumMod val="60000"/>
+  </cs:variation>
+  <cs:variation>
+    <a:lumMod val="80000"/>
+    <a:lumOff val="20000"/>
+  </cs:variation>
+  <cs:variation>
+    <a:lumMod val="80000"/>
+  </cs:variation>
+  <cs:variation>
+    <a:lumMod val="60000"/>
+    <a:lumOff val="40000"/>
+  </cs:variation>
+  <cs:variation>
+    <a:lumMod val="50000"/>
+  </cs:variation>
+  <cs:variation>
+    <a:lumMod val="70000"/>
+    <a:lumOff val="30000"/>
+  </cs:variation>
+  <cs:variation>
+    <a:lumMod val="70000"/>
+  </cs:variation>
+  <cs:variation>
+    <a:lumMod val="50000"/>
+    <a:lumOff val="50000"/>
+  </cs:variation>
+</cs:colorStyle>
+</file>
+
+<file path=ppt/charts/colors17.xml><?xml version="1.0" encoding="utf-8"?>
+<cs:colorStyle xmlns:cs="http://schemas.microsoft.com/office/drawing/2012/chartStyle" xmlns:a="http://schemas.openxmlformats.org/drawingml/2006/main" meth="cycle" id="10">
+  <a:schemeClr val="accent1"/>
+  <a:schemeClr val="accent2"/>
+  <a:schemeClr val="accent3"/>
+  <a:schemeClr val="accent4"/>
+  <a:schemeClr val="accent5"/>
+  <a:schemeClr val="accent6"/>
+  <cs:variation/>
+  <cs:variation>
+    <a:lumMod val="60000"/>
+  </cs:variation>
+  <cs:variation>
+    <a:lumMod val="80000"/>
+    <a:lumOff val="20000"/>
+  </cs:variation>
+  <cs:variation>
+    <a:lumMod val="80000"/>
+  </cs:variation>
+  <cs:variation>
+    <a:lumMod val="60000"/>
+    <a:lumOff val="40000"/>
+  </cs:variation>
+  <cs:variation>
+    <a:lumMod val="50000"/>
+  </cs:variation>
+  <cs:variation>
+    <a:lumMod val="70000"/>
+    <a:lumOff val="30000"/>
+  </cs:variation>
+  <cs:variation>
+    <a:lumMod val="70000"/>
+  </cs:variation>
+  <cs:variation>
+    <a:lumMod val="50000"/>
+    <a:lumOff val="50000"/>
+  </cs:variation>
+</cs:colorStyle>
+</file>
+
+<file path=ppt/charts/colors18.xml><?xml version="1.0" encoding="utf-8"?>
 <cs:colorStyle xmlns:cs="http://schemas.microsoft.com/office/drawing/2012/chartStyle" xmlns:a="http://schemas.openxmlformats.org/drawingml/2006/main" meth="cycle" id="10">
   <a:schemeClr val="accent1"/>
   <a:schemeClr val="accent2"/>
@@ -15345,6 +18232,1515 @@
 </cs:chartStyle>
 </file>
 
+<file path=ppt/charts/style16.xml><?xml version="1.0" encoding="utf-8"?>
+<cs:chartStyle xmlns:cs="http://schemas.microsoft.com/office/drawing/2012/chartStyle" xmlns:a="http://schemas.openxmlformats.org/drawingml/2006/main" id="201">
+  <cs:axisTitle>
+    <cs:lnRef idx="0"/>
+    <cs:fillRef idx="0"/>
+    <cs:effectRef idx="0"/>
+    <cs:fontRef idx="minor">
+      <a:schemeClr val="tx1">
+        <a:lumMod val="65000"/>
+        <a:lumOff val="35000"/>
+      </a:schemeClr>
+    </cs:fontRef>
+    <cs:defRPr sz="1000" kern="1200"/>
+  </cs:axisTitle>
+  <cs:categoryAxis>
+    <cs:lnRef idx="0"/>
+    <cs:fillRef idx="0"/>
+    <cs:effectRef idx="0"/>
+    <cs:fontRef idx="minor">
+      <a:schemeClr val="tx1">
+        <a:lumMod val="65000"/>
+        <a:lumOff val="35000"/>
+      </a:schemeClr>
+    </cs:fontRef>
+    <cs:spPr>
+      <a:ln w="9525" cap="flat" cmpd="sng" algn="ctr">
+        <a:solidFill>
+          <a:schemeClr val="tx1">
+            <a:lumMod val="15000"/>
+            <a:lumOff val="85000"/>
+          </a:schemeClr>
+        </a:solidFill>
+        <a:round/>
+      </a:ln>
+    </cs:spPr>
+    <cs:defRPr sz="900" kern="1200"/>
+  </cs:categoryAxis>
+  <cs:chartArea mods="allowNoFillOverride allowNoLineOverride">
+    <cs:lnRef idx="0"/>
+    <cs:fillRef idx="0"/>
+    <cs:effectRef idx="0"/>
+    <cs:fontRef idx="minor">
+      <a:schemeClr val="tx1"/>
+    </cs:fontRef>
+    <cs:spPr>
+      <a:solidFill>
+        <a:schemeClr val="bg1"/>
+      </a:solidFill>
+      <a:ln w="9525" cap="flat" cmpd="sng" algn="ctr">
+        <a:solidFill>
+          <a:schemeClr val="tx1">
+            <a:lumMod val="15000"/>
+            <a:lumOff val="85000"/>
+          </a:schemeClr>
+        </a:solidFill>
+        <a:round/>
+      </a:ln>
+    </cs:spPr>
+    <cs:defRPr sz="1000" kern="1200"/>
+  </cs:chartArea>
+  <cs:dataLabel>
+    <cs:lnRef idx="0"/>
+    <cs:fillRef idx="0"/>
+    <cs:effectRef idx="0"/>
+    <cs:fontRef idx="minor">
+      <a:schemeClr val="tx1">
+        <a:lumMod val="75000"/>
+        <a:lumOff val="25000"/>
+      </a:schemeClr>
+    </cs:fontRef>
+    <cs:defRPr sz="900" kern="1200"/>
+  </cs:dataLabel>
+  <cs:dataLabelCallout>
+    <cs:lnRef idx="0"/>
+    <cs:fillRef idx="0"/>
+    <cs:effectRef idx="0"/>
+    <cs:fontRef idx="minor">
+      <a:schemeClr val="dk1">
+        <a:lumMod val="65000"/>
+        <a:lumOff val="35000"/>
+      </a:schemeClr>
+    </cs:fontRef>
+    <cs:spPr>
+      <a:solidFill>
+        <a:schemeClr val="lt1"/>
+      </a:solidFill>
+      <a:ln>
+        <a:solidFill>
+          <a:schemeClr val="dk1">
+            <a:lumMod val="25000"/>
+            <a:lumOff val="75000"/>
+          </a:schemeClr>
+        </a:solidFill>
+      </a:ln>
+    </cs:spPr>
+    <cs:defRPr sz="900" kern="1200"/>
+    <cs:bodyPr rot="0" spcFirstLastPara="1" vertOverflow="clip" horzOverflow="clip" vert="horz" wrap="square" lIns="36576" tIns="18288" rIns="36576" bIns="18288" anchor="ctr" anchorCtr="1">
+      <a:spAutoFit/>
+    </cs:bodyPr>
+  </cs:dataLabelCallout>
+  <cs:dataPoint>
+    <cs:lnRef idx="0"/>
+    <cs:fillRef idx="1">
+      <cs:styleClr val="auto"/>
+    </cs:fillRef>
+    <cs:effectRef idx="0"/>
+    <cs:fontRef idx="minor">
+      <a:schemeClr val="tx1"/>
+    </cs:fontRef>
+  </cs:dataPoint>
+  <cs:dataPoint3D>
+    <cs:lnRef idx="0"/>
+    <cs:fillRef idx="1">
+      <cs:styleClr val="auto"/>
+    </cs:fillRef>
+    <cs:effectRef idx="0"/>
+    <cs:fontRef idx="minor">
+      <a:schemeClr val="tx1"/>
+    </cs:fontRef>
+  </cs:dataPoint3D>
+  <cs:dataPointLine>
+    <cs:lnRef idx="0">
+      <cs:styleClr val="auto"/>
+    </cs:lnRef>
+    <cs:fillRef idx="1"/>
+    <cs:effectRef idx="0"/>
+    <cs:fontRef idx="minor">
+      <a:schemeClr val="tx1"/>
+    </cs:fontRef>
+    <cs:spPr>
+      <a:ln w="28575" cap="rnd">
+        <a:solidFill>
+          <a:schemeClr val="phClr"/>
+        </a:solidFill>
+        <a:round/>
+      </a:ln>
+    </cs:spPr>
+  </cs:dataPointLine>
+  <cs:dataPointMarker>
+    <cs:lnRef idx="0">
+      <cs:styleClr val="auto"/>
+    </cs:lnRef>
+    <cs:fillRef idx="1">
+      <cs:styleClr val="auto"/>
+    </cs:fillRef>
+    <cs:effectRef idx="0"/>
+    <cs:fontRef idx="minor">
+      <a:schemeClr val="tx1"/>
+    </cs:fontRef>
+    <cs:spPr>
+      <a:ln w="9525">
+        <a:solidFill>
+          <a:schemeClr val="phClr"/>
+        </a:solidFill>
+      </a:ln>
+    </cs:spPr>
+  </cs:dataPointMarker>
+  <cs:dataPointMarkerLayout symbol="circle" size="5"/>
+  <cs:dataPointWireframe>
+    <cs:lnRef idx="0">
+      <cs:styleClr val="auto"/>
+    </cs:lnRef>
+    <cs:fillRef idx="1"/>
+    <cs:effectRef idx="0"/>
+    <cs:fontRef idx="minor">
+      <a:schemeClr val="tx1"/>
+    </cs:fontRef>
+    <cs:spPr>
+      <a:ln w="9525" cap="rnd">
+        <a:solidFill>
+          <a:schemeClr val="phClr"/>
+        </a:solidFill>
+        <a:round/>
+      </a:ln>
+    </cs:spPr>
+  </cs:dataPointWireframe>
+  <cs:dataTable>
+    <cs:lnRef idx="0"/>
+    <cs:fillRef idx="0"/>
+    <cs:effectRef idx="0"/>
+    <cs:fontRef idx="minor">
+      <a:schemeClr val="tx1">
+        <a:lumMod val="65000"/>
+        <a:lumOff val="35000"/>
+      </a:schemeClr>
+    </cs:fontRef>
+    <cs:spPr>
+      <a:noFill/>
+      <a:ln w="9525" cap="flat" cmpd="sng" algn="ctr">
+        <a:solidFill>
+          <a:schemeClr val="tx1">
+            <a:lumMod val="15000"/>
+            <a:lumOff val="85000"/>
+          </a:schemeClr>
+        </a:solidFill>
+        <a:round/>
+      </a:ln>
+    </cs:spPr>
+    <cs:defRPr sz="900" kern="1200"/>
+  </cs:dataTable>
+  <cs:downBar>
+    <cs:lnRef idx="0"/>
+    <cs:fillRef idx="0"/>
+    <cs:effectRef idx="0"/>
+    <cs:fontRef idx="minor">
+      <a:schemeClr val="dk1"/>
+    </cs:fontRef>
+    <cs:spPr>
+      <a:solidFill>
+        <a:schemeClr val="dk1">
+          <a:lumMod val="65000"/>
+          <a:lumOff val="35000"/>
+        </a:schemeClr>
+      </a:solidFill>
+      <a:ln w="9525">
+        <a:solidFill>
+          <a:schemeClr val="tx1">
+            <a:lumMod val="65000"/>
+            <a:lumOff val="35000"/>
+          </a:schemeClr>
+        </a:solidFill>
+      </a:ln>
+    </cs:spPr>
+  </cs:downBar>
+  <cs:dropLine>
+    <cs:lnRef idx="0"/>
+    <cs:fillRef idx="0"/>
+    <cs:effectRef idx="0"/>
+    <cs:fontRef idx="minor">
+      <a:schemeClr val="tx1"/>
+    </cs:fontRef>
+    <cs:spPr>
+      <a:ln w="9525" cap="flat" cmpd="sng" algn="ctr">
+        <a:solidFill>
+          <a:schemeClr val="tx1">
+            <a:lumMod val="35000"/>
+            <a:lumOff val="65000"/>
+          </a:schemeClr>
+        </a:solidFill>
+        <a:round/>
+      </a:ln>
+    </cs:spPr>
+  </cs:dropLine>
+  <cs:errorBar>
+    <cs:lnRef idx="0"/>
+    <cs:fillRef idx="0"/>
+    <cs:effectRef idx="0"/>
+    <cs:fontRef idx="minor">
+      <a:schemeClr val="tx1"/>
+    </cs:fontRef>
+    <cs:spPr>
+      <a:ln w="9525" cap="flat" cmpd="sng" algn="ctr">
+        <a:solidFill>
+          <a:schemeClr val="tx1">
+            <a:lumMod val="65000"/>
+            <a:lumOff val="35000"/>
+          </a:schemeClr>
+        </a:solidFill>
+        <a:round/>
+      </a:ln>
+    </cs:spPr>
+  </cs:errorBar>
+  <cs:floor>
+    <cs:lnRef idx="0"/>
+    <cs:fillRef idx="0"/>
+    <cs:effectRef idx="0"/>
+    <cs:fontRef idx="minor">
+      <a:schemeClr val="tx1"/>
+    </cs:fontRef>
+    <cs:spPr>
+      <a:noFill/>
+      <a:ln>
+        <a:noFill/>
+      </a:ln>
+    </cs:spPr>
+  </cs:floor>
+  <cs:gridlineMajor>
+    <cs:lnRef idx="0"/>
+    <cs:fillRef idx="0"/>
+    <cs:effectRef idx="0"/>
+    <cs:fontRef idx="minor">
+      <a:schemeClr val="tx1"/>
+    </cs:fontRef>
+    <cs:spPr>
+      <a:ln w="9525" cap="flat" cmpd="sng" algn="ctr">
+        <a:solidFill>
+          <a:schemeClr val="tx1">
+            <a:lumMod val="15000"/>
+            <a:lumOff val="85000"/>
+          </a:schemeClr>
+        </a:solidFill>
+        <a:round/>
+      </a:ln>
+    </cs:spPr>
+  </cs:gridlineMajor>
+  <cs:gridlineMinor>
+    <cs:lnRef idx="0"/>
+    <cs:fillRef idx="0"/>
+    <cs:effectRef idx="0"/>
+    <cs:fontRef idx="minor">
+      <a:schemeClr val="tx1"/>
+    </cs:fontRef>
+    <cs:spPr>
+      <a:ln w="9525" cap="flat" cmpd="sng" algn="ctr">
+        <a:solidFill>
+          <a:schemeClr val="tx1">
+            <a:lumMod val="5000"/>
+            <a:lumOff val="95000"/>
+          </a:schemeClr>
+        </a:solidFill>
+        <a:round/>
+      </a:ln>
+    </cs:spPr>
+  </cs:gridlineMinor>
+  <cs:hiLoLine>
+    <cs:lnRef idx="0"/>
+    <cs:fillRef idx="0"/>
+    <cs:effectRef idx="0"/>
+    <cs:fontRef idx="minor">
+      <a:schemeClr val="tx1"/>
+    </cs:fontRef>
+    <cs:spPr>
+      <a:ln w="9525" cap="flat" cmpd="sng" algn="ctr">
+        <a:solidFill>
+          <a:schemeClr val="tx1">
+            <a:lumMod val="75000"/>
+            <a:lumOff val="25000"/>
+          </a:schemeClr>
+        </a:solidFill>
+        <a:round/>
+      </a:ln>
+    </cs:spPr>
+  </cs:hiLoLine>
+  <cs:leaderLine>
+    <cs:lnRef idx="0"/>
+    <cs:fillRef idx="0"/>
+    <cs:effectRef idx="0"/>
+    <cs:fontRef idx="minor">
+      <a:schemeClr val="tx1"/>
+    </cs:fontRef>
+    <cs:spPr>
+      <a:ln w="9525" cap="flat" cmpd="sng" algn="ctr">
+        <a:solidFill>
+          <a:schemeClr val="tx1">
+            <a:lumMod val="35000"/>
+            <a:lumOff val="65000"/>
+          </a:schemeClr>
+        </a:solidFill>
+        <a:round/>
+      </a:ln>
+    </cs:spPr>
+  </cs:leaderLine>
+  <cs:legend>
+    <cs:lnRef idx="0"/>
+    <cs:fillRef idx="0"/>
+    <cs:effectRef idx="0"/>
+    <cs:fontRef idx="minor">
+      <a:schemeClr val="tx1">
+        <a:lumMod val="65000"/>
+        <a:lumOff val="35000"/>
+      </a:schemeClr>
+    </cs:fontRef>
+    <cs:defRPr sz="900" kern="1200"/>
+  </cs:legend>
+  <cs:plotArea mods="allowNoFillOverride allowNoLineOverride">
+    <cs:lnRef idx="0"/>
+    <cs:fillRef idx="0"/>
+    <cs:effectRef idx="0"/>
+    <cs:fontRef idx="minor">
+      <a:schemeClr val="tx1"/>
+    </cs:fontRef>
+  </cs:plotArea>
+  <cs:plotArea3D mods="allowNoFillOverride allowNoLineOverride">
+    <cs:lnRef idx="0"/>
+    <cs:fillRef idx="0"/>
+    <cs:effectRef idx="0"/>
+    <cs:fontRef idx="minor">
+      <a:schemeClr val="tx1"/>
+    </cs:fontRef>
+  </cs:plotArea3D>
+  <cs:seriesAxis>
+    <cs:lnRef idx="0"/>
+    <cs:fillRef idx="0"/>
+    <cs:effectRef idx="0"/>
+    <cs:fontRef idx="minor">
+      <a:schemeClr val="tx1">
+        <a:lumMod val="65000"/>
+        <a:lumOff val="35000"/>
+      </a:schemeClr>
+    </cs:fontRef>
+    <cs:defRPr sz="900" kern="1200"/>
+  </cs:seriesAxis>
+  <cs:seriesLine>
+    <cs:lnRef idx="0"/>
+    <cs:fillRef idx="0"/>
+    <cs:effectRef idx="0"/>
+    <cs:fontRef idx="minor">
+      <a:schemeClr val="tx1"/>
+    </cs:fontRef>
+    <cs:spPr>
+      <a:ln w="9525" cap="flat" cmpd="sng" algn="ctr">
+        <a:solidFill>
+          <a:schemeClr val="tx1">
+            <a:lumMod val="35000"/>
+            <a:lumOff val="65000"/>
+          </a:schemeClr>
+        </a:solidFill>
+        <a:round/>
+      </a:ln>
+    </cs:spPr>
+  </cs:seriesLine>
+  <cs:title>
+    <cs:lnRef idx="0"/>
+    <cs:fillRef idx="0"/>
+    <cs:effectRef idx="0"/>
+    <cs:fontRef idx="minor">
+      <a:schemeClr val="tx1">
+        <a:lumMod val="65000"/>
+        <a:lumOff val="35000"/>
+      </a:schemeClr>
+    </cs:fontRef>
+    <cs:defRPr sz="1400" b="0" kern="1200" spc="0" baseline="0"/>
+  </cs:title>
+  <cs:trendline>
+    <cs:lnRef idx="0">
+      <cs:styleClr val="auto"/>
+    </cs:lnRef>
+    <cs:fillRef idx="0"/>
+    <cs:effectRef idx="0"/>
+    <cs:fontRef idx="minor">
+      <a:schemeClr val="tx1"/>
+    </cs:fontRef>
+    <cs:spPr>
+      <a:ln w="19050" cap="rnd">
+        <a:solidFill>
+          <a:schemeClr val="phClr"/>
+        </a:solidFill>
+        <a:prstDash val="sysDot"/>
+      </a:ln>
+    </cs:spPr>
+  </cs:trendline>
+  <cs:trendlineLabel>
+    <cs:lnRef idx="0"/>
+    <cs:fillRef idx="0"/>
+    <cs:effectRef idx="0"/>
+    <cs:fontRef idx="minor">
+      <a:schemeClr val="tx1">
+        <a:lumMod val="65000"/>
+        <a:lumOff val="35000"/>
+      </a:schemeClr>
+    </cs:fontRef>
+    <cs:defRPr sz="900" kern="1200"/>
+  </cs:trendlineLabel>
+  <cs:upBar>
+    <cs:lnRef idx="0"/>
+    <cs:fillRef idx="0"/>
+    <cs:effectRef idx="0"/>
+    <cs:fontRef idx="minor">
+      <a:schemeClr val="dk1"/>
+    </cs:fontRef>
+    <cs:spPr>
+      <a:solidFill>
+        <a:schemeClr val="lt1"/>
+      </a:solidFill>
+      <a:ln w="9525">
+        <a:solidFill>
+          <a:schemeClr val="tx1">
+            <a:lumMod val="15000"/>
+            <a:lumOff val="85000"/>
+          </a:schemeClr>
+        </a:solidFill>
+      </a:ln>
+    </cs:spPr>
+  </cs:upBar>
+  <cs:valueAxis>
+    <cs:lnRef idx="0"/>
+    <cs:fillRef idx="0"/>
+    <cs:effectRef idx="0"/>
+    <cs:fontRef idx="minor">
+      <a:schemeClr val="tx1">
+        <a:lumMod val="65000"/>
+        <a:lumOff val="35000"/>
+      </a:schemeClr>
+    </cs:fontRef>
+    <cs:defRPr sz="900" kern="1200"/>
+  </cs:valueAxis>
+  <cs:wall>
+    <cs:lnRef idx="0"/>
+    <cs:fillRef idx="0"/>
+    <cs:effectRef idx="0"/>
+    <cs:fontRef idx="minor">
+      <a:schemeClr val="tx1"/>
+    </cs:fontRef>
+    <cs:spPr>
+      <a:noFill/>
+      <a:ln>
+        <a:noFill/>
+      </a:ln>
+    </cs:spPr>
+  </cs:wall>
+</cs:chartStyle>
+</file>
+
+<file path=ppt/charts/style17.xml><?xml version="1.0" encoding="utf-8"?>
+<cs:chartStyle xmlns:cs="http://schemas.microsoft.com/office/drawing/2012/chartStyle" xmlns:a="http://schemas.openxmlformats.org/drawingml/2006/main" id="201">
+  <cs:axisTitle>
+    <cs:lnRef idx="0"/>
+    <cs:fillRef idx="0"/>
+    <cs:effectRef idx="0"/>
+    <cs:fontRef idx="minor">
+      <a:schemeClr val="tx1">
+        <a:lumMod val="65000"/>
+        <a:lumOff val="35000"/>
+      </a:schemeClr>
+    </cs:fontRef>
+    <cs:defRPr sz="1000" kern="1200"/>
+  </cs:axisTitle>
+  <cs:categoryAxis>
+    <cs:lnRef idx="0"/>
+    <cs:fillRef idx="0"/>
+    <cs:effectRef idx="0"/>
+    <cs:fontRef idx="minor">
+      <a:schemeClr val="tx1">
+        <a:lumMod val="65000"/>
+        <a:lumOff val="35000"/>
+      </a:schemeClr>
+    </cs:fontRef>
+    <cs:spPr>
+      <a:ln w="9525" cap="flat" cmpd="sng" algn="ctr">
+        <a:solidFill>
+          <a:schemeClr val="tx1">
+            <a:lumMod val="15000"/>
+            <a:lumOff val="85000"/>
+          </a:schemeClr>
+        </a:solidFill>
+        <a:round/>
+      </a:ln>
+    </cs:spPr>
+    <cs:defRPr sz="900" kern="1200"/>
+  </cs:categoryAxis>
+  <cs:chartArea mods="allowNoFillOverride allowNoLineOverride">
+    <cs:lnRef idx="0"/>
+    <cs:fillRef idx="0"/>
+    <cs:effectRef idx="0"/>
+    <cs:fontRef idx="minor">
+      <a:schemeClr val="tx1"/>
+    </cs:fontRef>
+    <cs:spPr>
+      <a:solidFill>
+        <a:schemeClr val="bg1"/>
+      </a:solidFill>
+      <a:ln w="9525" cap="flat" cmpd="sng" algn="ctr">
+        <a:solidFill>
+          <a:schemeClr val="tx1">
+            <a:lumMod val="15000"/>
+            <a:lumOff val="85000"/>
+          </a:schemeClr>
+        </a:solidFill>
+        <a:round/>
+      </a:ln>
+    </cs:spPr>
+    <cs:defRPr sz="1000" kern="1200"/>
+  </cs:chartArea>
+  <cs:dataLabel>
+    <cs:lnRef idx="0"/>
+    <cs:fillRef idx="0"/>
+    <cs:effectRef idx="0"/>
+    <cs:fontRef idx="minor">
+      <a:schemeClr val="tx1">
+        <a:lumMod val="75000"/>
+        <a:lumOff val="25000"/>
+      </a:schemeClr>
+    </cs:fontRef>
+    <cs:defRPr sz="900" kern="1200"/>
+  </cs:dataLabel>
+  <cs:dataLabelCallout>
+    <cs:lnRef idx="0"/>
+    <cs:fillRef idx="0"/>
+    <cs:effectRef idx="0"/>
+    <cs:fontRef idx="minor">
+      <a:schemeClr val="dk1">
+        <a:lumMod val="65000"/>
+        <a:lumOff val="35000"/>
+      </a:schemeClr>
+    </cs:fontRef>
+    <cs:spPr>
+      <a:solidFill>
+        <a:schemeClr val="lt1"/>
+      </a:solidFill>
+      <a:ln>
+        <a:solidFill>
+          <a:schemeClr val="dk1">
+            <a:lumMod val="25000"/>
+            <a:lumOff val="75000"/>
+          </a:schemeClr>
+        </a:solidFill>
+      </a:ln>
+    </cs:spPr>
+    <cs:defRPr sz="900" kern="1200"/>
+    <cs:bodyPr rot="0" spcFirstLastPara="1" vertOverflow="clip" horzOverflow="clip" vert="horz" wrap="square" lIns="36576" tIns="18288" rIns="36576" bIns="18288" anchor="ctr" anchorCtr="1">
+      <a:spAutoFit/>
+    </cs:bodyPr>
+  </cs:dataLabelCallout>
+  <cs:dataPoint>
+    <cs:lnRef idx="0"/>
+    <cs:fillRef idx="1">
+      <cs:styleClr val="auto"/>
+    </cs:fillRef>
+    <cs:effectRef idx="0"/>
+    <cs:fontRef idx="minor">
+      <a:schemeClr val="tx1"/>
+    </cs:fontRef>
+  </cs:dataPoint>
+  <cs:dataPoint3D>
+    <cs:lnRef idx="0"/>
+    <cs:fillRef idx="1">
+      <cs:styleClr val="auto"/>
+    </cs:fillRef>
+    <cs:effectRef idx="0"/>
+    <cs:fontRef idx="minor">
+      <a:schemeClr val="tx1"/>
+    </cs:fontRef>
+  </cs:dataPoint3D>
+  <cs:dataPointLine>
+    <cs:lnRef idx="0">
+      <cs:styleClr val="auto"/>
+    </cs:lnRef>
+    <cs:fillRef idx="1"/>
+    <cs:effectRef idx="0"/>
+    <cs:fontRef idx="minor">
+      <a:schemeClr val="tx1"/>
+    </cs:fontRef>
+    <cs:spPr>
+      <a:ln w="28575" cap="rnd">
+        <a:solidFill>
+          <a:schemeClr val="phClr"/>
+        </a:solidFill>
+        <a:round/>
+      </a:ln>
+    </cs:spPr>
+  </cs:dataPointLine>
+  <cs:dataPointMarker>
+    <cs:lnRef idx="0">
+      <cs:styleClr val="auto"/>
+    </cs:lnRef>
+    <cs:fillRef idx="1">
+      <cs:styleClr val="auto"/>
+    </cs:fillRef>
+    <cs:effectRef idx="0"/>
+    <cs:fontRef idx="minor">
+      <a:schemeClr val="tx1"/>
+    </cs:fontRef>
+    <cs:spPr>
+      <a:ln w="9525">
+        <a:solidFill>
+          <a:schemeClr val="phClr"/>
+        </a:solidFill>
+      </a:ln>
+    </cs:spPr>
+  </cs:dataPointMarker>
+  <cs:dataPointMarkerLayout symbol="circle" size="5"/>
+  <cs:dataPointWireframe>
+    <cs:lnRef idx="0">
+      <cs:styleClr val="auto"/>
+    </cs:lnRef>
+    <cs:fillRef idx="1"/>
+    <cs:effectRef idx="0"/>
+    <cs:fontRef idx="minor">
+      <a:schemeClr val="tx1"/>
+    </cs:fontRef>
+    <cs:spPr>
+      <a:ln w="9525" cap="rnd">
+        <a:solidFill>
+          <a:schemeClr val="phClr"/>
+        </a:solidFill>
+        <a:round/>
+      </a:ln>
+    </cs:spPr>
+  </cs:dataPointWireframe>
+  <cs:dataTable>
+    <cs:lnRef idx="0"/>
+    <cs:fillRef idx="0"/>
+    <cs:effectRef idx="0"/>
+    <cs:fontRef idx="minor">
+      <a:schemeClr val="tx1">
+        <a:lumMod val="65000"/>
+        <a:lumOff val="35000"/>
+      </a:schemeClr>
+    </cs:fontRef>
+    <cs:spPr>
+      <a:noFill/>
+      <a:ln w="9525" cap="flat" cmpd="sng" algn="ctr">
+        <a:solidFill>
+          <a:schemeClr val="tx1">
+            <a:lumMod val="15000"/>
+            <a:lumOff val="85000"/>
+          </a:schemeClr>
+        </a:solidFill>
+        <a:round/>
+      </a:ln>
+    </cs:spPr>
+    <cs:defRPr sz="900" kern="1200"/>
+  </cs:dataTable>
+  <cs:downBar>
+    <cs:lnRef idx="0"/>
+    <cs:fillRef idx="0"/>
+    <cs:effectRef idx="0"/>
+    <cs:fontRef idx="minor">
+      <a:schemeClr val="dk1"/>
+    </cs:fontRef>
+    <cs:spPr>
+      <a:solidFill>
+        <a:schemeClr val="dk1">
+          <a:lumMod val="65000"/>
+          <a:lumOff val="35000"/>
+        </a:schemeClr>
+      </a:solidFill>
+      <a:ln w="9525">
+        <a:solidFill>
+          <a:schemeClr val="tx1">
+            <a:lumMod val="65000"/>
+            <a:lumOff val="35000"/>
+          </a:schemeClr>
+        </a:solidFill>
+      </a:ln>
+    </cs:spPr>
+  </cs:downBar>
+  <cs:dropLine>
+    <cs:lnRef idx="0"/>
+    <cs:fillRef idx="0"/>
+    <cs:effectRef idx="0"/>
+    <cs:fontRef idx="minor">
+      <a:schemeClr val="tx1"/>
+    </cs:fontRef>
+    <cs:spPr>
+      <a:ln w="9525" cap="flat" cmpd="sng" algn="ctr">
+        <a:solidFill>
+          <a:schemeClr val="tx1">
+            <a:lumMod val="35000"/>
+            <a:lumOff val="65000"/>
+          </a:schemeClr>
+        </a:solidFill>
+        <a:round/>
+      </a:ln>
+    </cs:spPr>
+  </cs:dropLine>
+  <cs:errorBar>
+    <cs:lnRef idx="0"/>
+    <cs:fillRef idx="0"/>
+    <cs:effectRef idx="0"/>
+    <cs:fontRef idx="minor">
+      <a:schemeClr val="tx1"/>
+    </cs:fontRef>
+    <cs:spPr>
+      <a:ln w="9525" cap="flat" cmpd="sng" algn="ctr">
+        <a:solidFill>
+          <a:schemeClr val="tx1">
+            <a:lumMod val="65000"/>
+            <a:lumOff val="35000"/>
+          </a:schemeClr>
+        </a:solidFill>
+        <a:round/>
+      </a:ln>
+    </cs:spPr>
+  </cs:errorBar>
+  <cs:floor>
+    <cs:lnRef idx="0"/>
+    <cs:fillRef idx="0"/>
+    <cs:effectRef idx="0"/>
+    <cs:fontRef idx="minor">
+      <a:schemeClr val="tx1"/>
+    </cs:fontRef>
+    <cs:spPr>
+      <a:noFill/>
+      <a:ln>
+        <a:noFill/>
+      </a:ln>
+    </cs:spPr>
+  </cs:floor>
+  <cs:gridlineMajor>
+    <cs:lnRef idx="0"/>
+    <cs:fillRef idx="0"/>
+    <cs:effectRef idx="0"/>
+    <cs:fontRef idx="minor">
+      <a:schemeClr val="tx1"/>
+    </cs:fontRef>
+    <cs:spPr>
+      <a:ln w="9525" cap="flat" cmpd="sng" algn="ctr">
+        <a:solidFill>
+          <a:schemeClr val="tx1">
+            <a:lumMod val="15000"/>
+            <a:lumOff val="85000"/>
+          </a:schemeClr>
+        </a:solidFill>
+        <a:round/>
+      </a:ln>
+    </cs:spPr>
+  </cs:gridlineMajor>
+  <cs:gridlineMinor>
+    <cs:lnRef idx="0"/>
+    <cs:fillRef idx="0"/>
+    <cs:effectRef idx="0"/>
+    <cs:fontRef idx="minor">
+      <a:schemeClr val="tx1"/>
+    </cs:fontRef>
+    <cs:spPr>
+      <a:ln w="9525" cap="flat" cmpd="sng" algn="ctr">
+        <a:solidFill>
+          <a:schemeClr val="tx1">
+            <a:lumMod val="5000"/>
+            <a:lumOff val="95000"/>
+          </a:schemeClr>
+        </a:solidFill>
+        <a:round/>
+      </a:ln>
+    </cs:spPr>
+  </cs:gridlineMinor>
+  <cs:hiLoLine>
+    <cs:lnRef idx="0"/>
+    <cs:fillRef idx="0"/>
+    <cs:effectRef idx="0"/>
+    <cs:fontRef idx="minor">
+      <a:schemeClr val="tx1"/>
+    </cs:fontRef>
+    <cs:spPr>
+      <a:ln w="9525" cap="flat" cmpd="sng" algn="ctr">
+        <a:solidFill>
+          <a:schemeClr val="tx1">
+            <a:lumMod val="75000"/>
+            <a:lumOff val="25000"/>
+          </a:schemeClr>
+        </a:solidFill>
+        <a:round/>
+      </a:ln>
+    </cs:spPr>
+  </cs:hiLoLine>
+  <cs:leaderLine>
+    <cs:lnRef idx="0"/>
+    <cs:fillRef idx="0"/>
+    <cs:effectRef idx="0"/>
+    <cs:fontRef idx="minor">
+      <a:schemeClr val="tx1"/>
+    </cs:fontRef>
+    <cs:spPr>
+      <a:ln w="9525" cap="flat" cmpd="sng" algn="ctr">
+        <a:solidFill>
+          <a:schemeClr val="tx1">
+            <a:lumMod val="35000"/>
+            <a:lumOff val="65000"/>
+          </a:schemeClr>
+        </a:solidFill>
+        <a:round/>
+      </a:ln>
+    </cs:spPr>
+  </cs:leaderLine>
+  <cs:legend>
+    <cs:lnRef idx="0"/>
+    <cs:fillRef idx="0"/>
+    <cs:effectRef idx="0"/>
+    <cs:fontRef idx="minor">
+      <a:schemeClr val="tx1">
+        <a:lumMod val="65000"/>
+        <a:lumOff val="35000"/>
+      </a:schemeClr>
+    </cs:fontRef>
+    <cs:defRPr sz="900" kern="1200"/>
+  </cs:legend>
+  <cs:plotArea mods="allowNoFillOverride allowNoLineOverride">
+    <cs:lnRef idx="0"/>
+    <cs:fillRef idx="0"/>
+    <cs:effectRef idx="0"/>
+    <cs:fontRef idx="minor">
+      <a:schemeClr val="tx1"/>
+    </cs:fontRef>
+  </cs:plotArea>
+  <cs:plotArea3D mods="allowNoFillOverride allowNoLineOverride">
+    <cs:lnRef idx="0"/>
+    <cs:fillRef idx="0"/>
+    <cs:effectRef idx="0"/>
+    <cs:fontRef idx="minor">
+      <a:schemeClr val="tx1"/>
+    </cs:fontRef>
+  </cs:plotArea3D>
+  <cs:seriesAxis>
+    <cs:lnRef idx="0"/>
+    <cs:fillRef idx="0"/>
+    <cs:effectRef idx="0"/>
+    <cs:fontRef idx="minor">
+      <a:schemeClr val="tx1">
+        <a:lumMod val="65000"/>
+        <a:lumOff val="35000"/>
+      </a:schemeClr>
+    </cs:fontRef>
+    <cs:defRPr sz="900" kern="1200"/>
+  </cs:seriesAxis>
+  <cs:seriesLine>
+    <cs:lnRef idx="0"/>
+    <cs:fillRef idx="0"/>
+    <cs:effectRef idx="0"/>
+    <cs:fontRef idx="minor">
+      <a:schemeClr val="tx1"/>
+    </cs:fontRef>
+    <cs:spPr>
+      <a:ln w="9525" cap="flat" cmpd="sng" algn="ctr">
+        <a:solidFill>
+          <a:schemeClr val="tx1">
+            <a:lumMod val="35000"/>
+            <a:lumOff val="65000"/>
+          </a:schemeClr>
+        </a:solidFill>
+        <a:round/>
+      </a:ln>
+    </cs:spPr>
+  </cs:seriesLine>
+  <cs:title>
+    <cs:lnRef idx="0"/>
+    <cs:fillRef idx="0"/>
+    <cs:effectRef idx="0"/>
+    <cs:fontRef idx="minor">
+      <a:schemeClr val="tx1">
+        <a:lumMod val="65000"/>
+        <a:lumOff val="35000"/>
+      </a:schemeClr>
+    </cs:fontRef>
+    <cs:defRPr sz="1400" b="0" kern="1200" spc="0" baseline="0"/>
+  </cs:title>
+  <cs:trendline>
+    <cs:lnRef idx="0">
+      <cs:styleClr val="auto"/>
+    </cs:lnRef>
+    <cs:fillRef idx="0"/>
+    <cs:effectRef idx="0"/>
+    <cs:fontRef idx="minor">
+      <a:schemeClr val="tx1"/>
+    </cs:fontRef>
+    <cs:spPr>
+      <a:ln w="19050" cap="rnd">
+        <a:solidFill>
+          <a:schemeClr val="phClr"/>
+        </a:solidFill>
+        <a:prstDash val="sysDot"/>
+      </a:ln>
+    </cs:spPr>
+  </cs:trendline>
+  <cs:trendlineLabel>
+    <cs:lnRef idx="0"/>
+    <cs:fillRef idx="0"/>
+    <cs:effectRef idx="0"/>
+    <cs:fontRef idx="minor">
+      <a:schemeClr val="tx1">
+        <a:lumMod val="65000"/>
+        <a:lumOff val="35000"/>
+      </a:schemeClr>
+    </cs:fontRef>
+    <cs:defRPr sz="900" kern="1200"/>
+  </cs:trendlineLabel>
+  <cs:upBar>
+    <cs:lnRef idx="0"/>
+    <cs:fillRef idx="0"/>
+    <cs:effectRef idx="0"/>
+    <cs:fontRef idx="minor">
+      <a:schemeClr val="dk1"/>
+    </cs:fontRef>
+    <cs:spPr>
+      <a:solidFill>
+        <a:schemeClr val="lt1"/>
+      </a:solidFill>
+      <a:ln w="9525">
+        <a:solidFill>
+          <a:schemeClr val="tx1">
+            <a:lumMod val="15000"/>
+            <a:lumOff val="85000"/>
+          </a:schemeClr>
+        </a:solidFill>
+      </a:ln>
+    </cs:spPr>
+  </cs:upBar>
+  <cs:valueAxis>
+    <cs:lnRef idx="0"/>
+    <cs:fillRef idx="0"/>
+    <cs:effectRef idx="0"/>
+    <cs:fontRef idx="minor">
+      <a:schemeClr val="tx1">
+        <a:lumMod val="65000"/>
+        <a:lumOff val="35000"/>
+      </a:schemeClr>
+    </cs:fontRef>
+    <cs:defRPr sz="900" kern="1200"/>
+  </cs:valueAxis>
+  <cs:wall>
+    <cs:lnRef idx="0"/>
+    <cs:fillRef idx="0"/>
+    <cs:effectRef idx="0"/>
+    <cs:fontRef idx="minor">
+      <a:schemeClr val="tx1"/>
+    </cs:fontRef>
+    <cs:spPr>
+      <a:noFill/>
+      <a:ln>
+        <a:noFill/>
+      </a:ln>
+    </cs:spPr>
+  </cs:wall>
+</cs:chartStyle>
+</file>
+
+<file path=ppt/charts/style18.xml><?xml version="1.0" encoding="utf-8"?>
+<cs:chartStyle xmlns:cs="http://schemas.microsoft.com/office/drawing/2012/chartStyle" xmlns:a="http://schemas.openxmlformats.org/drawingml/2006/main" id="201">
+  <cs:axisTitle>
+    <cs:lnRef idx="0"/>
+    <cs:fillRef idx="0"/>
+    <cs:effectRef idx="0"/>
+    <cs:fontRef idx="minor">
+      <a:schemeClr val="tx1">
+        <a:lumMod val="65000"/>
+        <a:lumOff val="35000"/>
+      </a:schemeClr>
+    </cs:fontRef>
+    <cs:defRPr sz="1000" kern="1200"/>
+  </cs:axisTitle>
+  <cs:categoryAxis>
+    <cs:lnRef idx="0"/>
+    <cs:fillRef idx="0"/>
+    <cs:effectRef idx="0"/>
+    <cs:fontRef idx="minor">
+      <a:schemeClr val="tx1">
+        <a:lumMod val="65000"/>
+        <a:lumOff val="35000"/>
+      </a:schemeClr>
+    </cs:fontRef>
+    <cs:spPr>
+      <a:ln w="9525" cap="flat" cmpd="sng" algn="ctr">
+        <a:solidFill>
+          <a:schemeClr val="tx1">
+            <a:lumMod val="15000"/>
+            <a:lumOff val="85000"/>
+          </a:schemeClr>
+        </a:solidFill>
+        <a:round/>
+      </a:ln>
+    </cs:spPr>
+    <cs:defRPr sz="900" kern="1200"/>
+  </cs:categoryAxis>
+  <cs:chartArea mods="allowNoFillOverride allowNoLineOverride">
+    <cs:lnRef idx="0"/>
+    <cs:fillRef idx="0"/>
+    <cs:effectRef idx="0"/>
+    <cs:fontRef idx="minor">
+      <a:schemeClr val="tx1"/>
+    </cs:fontRef>
+    <cs:spPr>
+      <a:solidFill>
+        <a:schemeClr val="bg1"/>
+      </a:solidFill>
+      <a:ln w="9525" cap="flat" cmpd="sng" algn="ctr">
+        <a:solidFill>
+          <a:schemeClr val="tx1">
+            <a:lumMod val="15000"/>
+            <a:lumOff val="85000"/>
+          </a:schemeClr>
+        </a:solidFill>
+        <a:round/>
+      </a:ln>
+    </cs:spPr>
+    <cs:defRPr sz="1000" kern="1200"/>
+  </cs:chartArea>
+  <cs:dataLabel>
+    <cs:lnRef idx="0"/>
+    <cs:fillRef idx="0"/>
+    <cs:effectRef idx="0"/>
+    <cs:fontRef idx="minor">
+      <a:schemeClr val="tx1">
+        <a:lumMod val="75000"/>
+        <a:lumOff val="25000"/>
+      </a:schemeClr>
+    </cs:fontRef>
+    <cs:defRPr sz="900" kern="1200"/>
+  </cs:dataLabel>
+  <cs:dataLabelCallout>
+    <cs:lnRef idx="0"/>
+    <cs:fillRef idx="0"/>
+    <cs:effectRef idx="0"/>
+    <cs:fontRef idx="minor">
+      <a:schemeClr val="dk1">
+        <a:lumMod val="65000"/>
+        <a:lumOff val="35000"/>
+      </a:schemeClr>
+    </cs:fontRef>
+    <cs:spPr>
+      <a:solidFill>
+        <a:schemeClr val="lt1"/>
+      </a:solidFill>
+      <a:ln>
+        <a:solidFill>
+          <a:schemeClr val="dk1">
+            <a:lumMod val="25000"/>
+            <a:lumOff val="75000"/>
+          </a:schemeClr>
+        </a:solidFill>
+      </a:ln>
+    </cs:spPr>
+    <cs:defRPr sz="900" kern="1200"/>
+    <cs:bodyPr rot="0" spcFirstLastPara="1" vertOverflow="clip" horzOverflow="clip" vert="horz" wrap="square" lIns="36576" tIns="18288" rIns="36576" bIns="18288" anchor="ctr" anchorCtr="1">
+      <a:spAutoFit/>
+    </cs:bodyPr>
+  </cs:dataLabelCallout>
+  <cs:dataPoint>
+    <cs:lnRef idx="0"/>
+    <cs:fillRef idx="1">
+      <cs:styleClr val="auto"/>
+    </cs:fillRef>
+    <cs:effectRef idx="0"/>
+    <cs:fontRef idx="minor">
+      <a:schemeClr val="tx1"/>
+    </cs:fontRef>
+  </cs:dataPoint>
+  <cs:dataPoint3D>
+    <cs:lnRef idx="0"/>
+    <cs:fillRef idx="1">
+      <cs:styleClr val="auto"/>
+    </cs:fillRef>
+    <cs:effectRef idx="0"/>
+    <cs:fontRef idx="minor">
+      <a:schemeClr val="tx1"/>
+    </cs:fontRef>
+  </cs:dataPoint3D>
+  <cs:dataPointLine>
+    <cs:lnRef idx="0">
+      <cs:styleClr val="auto"/>
+    </cs:lnRef>
+    <cs:fillRef idx="1"/>
+    <cs:effectRef idx="0"/>
+    <cs:fontRef idx="minor">
+      <a:schemeClr val="tx1"/>
+    </cs:fontRef>
+    <cs:spPr>
+      <a:ln w="28575" cap="rnd">
+        <a:solidFill>
+          <a:schemeClr val="phClr"/>
+        </a:solidFill>
+        <a:round/>
+      </a:ln>
+    </cs:spPr>
+  </cs:dataPointLine>
+  <cs:dataPointMarker>
+    <cs:lnRef idx="0">
+      <cs:styleClr val="auto"/>
+    </cs:lnRef>
+    <cs:fillRef idx="1">
+      <cs:styleClr val="auto"/>
+    </cs:fillRef>
+    <cs:effectRef idx="0"/>
+    <cs:fontRef idx="minor">
+      <a:schemeClr val="tx1"/>
+    </cs:fontRef>
+    <cs:spPr>
+      <a:ln w="9525">
+        <a:solidFill>
+          <a:schemeClr val="phClr"/>
+        </a:solidFill>
+      </a:ln>
+    </cs:spPr>
+  </cs:dataPointMarker>
+  <cs:dataPointMarkerLayout symbol="circle" size="5"/>
+  <cs:dataPointWireframe>
+    <cs:lnRef idx="0">
+      <cs:styleClr val="auto"/>
+    </cs:lnRef>
+    <cs:fillRef idx="1"/>
+    <cs:effectRef idx="0"/>
+    <cs:fontRef idx="minor">
+      <a:schemeClr val="tx1"/>
+    </cs:fontRef>
+    <cs:spPr>
+      <a:ln w="9525" cap="rnd">
+        <a:solidFill>
+          <a:schemeClr val="phClr"/>
+        </a:solidFill>
+        <a:round/>
+      </a:ln>
+    </cs:spPr>
+  </cs:dataPointWireframe>
+  <cs:dataTable>
+    <cs:lnRef idx="0"/>
+    <cs:fillRef idx="0"/>
+    <cs:effectRef idx="0"/>
+    <cs:fontRef idx="minor">
+      <a:schemeClr val="tx1">
+        <a:lumMod val="65000"/>
+        <a:lumOff val="35000"/>
+      </a:schemeClr>
+    </cs:fontRef>
+    <cs:spPr>
+      <a:noFill/>
+      <a:ln w="9525" cap="flat" cmpd="sng" algn="ctr">
+        <a:solidFill>
+          <a:schemeClr val="tx1">
+            <a:lumMod val="15000"/>
+            <a:lumOff val="85000"/>
+          </a:schemeClr>
+        </a:solidFill>
+        <a:round/>
+      </a:ln>
+    </cs:spPr>
+    <cs:defRPr sz="900" kern="1200"/>
+  </cs:dataTable>
+  <cs:downBar>
+    <cs:lnRef idx="0"/>
+    <cs:fillRef idx="0"/>
+    <cs:effectRef idx="0"/>
+    <cs:fontRef idx="minor">
+      <a:schemeClr val="dk1"/>
+    </cs:fontRef>
+    <cs:spPr>
+      <a:solidFill>
+        <a:schemeClr val="dk1">
+          <a:lumMod val="65000"/>
+          <a:lumOff val="35000"/>
+        </a:schemeClr>
+      </a:solidFill>
+      <a:ln w="9525">
+        <a:solidFill>
+          <a:schemeClr val="tx1">
+            <a:lumMod val="65000"/>
+            <a:lumOff val="35000"/>
+          </a:schemeClr>
+        </a:solidFill>
+      </a:ln>
+    </cs:spPr>
+  </cs:downBar>
+  <cs:dropLine>
+    <cs:lnRef idx="0"/>
+    <cs:fillRef idx="0"/>
+    <cs:effectRef idx="0"/>
+    <cs:fontRef idx="minor">
+      <a:schemeClr val="tx1"/>
+    </cs:fontRef>
+    <cs:spPr>
+      <a:ln w="9525" cap="flat" cmpd="sng" algn="ctr">
+        <a:solidFill>
+          <a:schemeClr val="tx1">
+            <a:lumMod val="35000"/>
+            <a:lumOff val="65000"/>
+          </a:schemeClr>
+        </a:solidFill>
+        <a:round/>
+      </a:ln>
+    </cs:spPr>
+  </cs:dropLine>
+  <cs:errorBar>
+    <cs:lnRef idx="0"/>
+    <cs:fillRef idx="0"/>
+    <cs:effectRef idx="0"/>
+    <cs:fontRef idx="minor">
+      <a:schemeClr val="tx1"/>
+    </cs:fontRef>
+    <cs:spPr>
+      <a:ln w="9525" cap="flat" cmpd="sng" algn="ctr">
+        <a:solidFill>
+          <a:schemeClr val="tx1">
+            <a:lumMod val="65000"/>
+            <a:lumOff val="35000"/>
+          </a:schemeClr>
+        </a:solidFill>
+        <a:round/>
+      </a:ln>
+    </cs:spPr>
+  </cs:errorBar>
+  <cs:floor>
+    <cs:lnRef idx="0"/>
+    <cs:fillRef idx="0"/>
+    <cs:effectRef idx="0"/>
+    <cs:fontRef idx="minor">
+      <a:schemeClr val="tx1"/>
+    </cs:fontRef>
+    <cs:spPr>
+      <a:noFill/>
+      <a:ln>
+        <a:noFill/>
+      </a:ln>
+    </cs:spPr>
+  </cs:floor>
+  <cs:gridlineMajor>
+    <cs:lnRef idx="0"/>
+    <cs:fillRef idx="0"/>
+    <cs:effectRef idx="0"/>
+    <cs:fontRef idx="minor">
+      <a:schemeClr val="tx1"/>
+    </cs:fontRef>
+    <cs:spPr>
+      <a:ln w="9525" cap="flat" cmpd="sng" algn="ctr">
+        <a:solidFill>
+          <a:schemeClr val="tx1">
+            <a:lumMod val="15000"/>
+            <a:lumOff val="85000"/>
+          </a:schemeClr>
+        </a:solidFill>
+        <a:round/>
+      </a:ln>
+    </cs:spPr>
+  </cs:gridlineMajor>
+  <cs:gridlineMinor>
+    <cs:lnRef idx="0"/>
+    <cs:fillRef idx="0"/>
+    <cs:effectRef idx="0"/>
+    <cs:fontRef idx="minor">
+      <a:schemeClr val="tx1"/>
+    </cs:fontRef>
+    <cs:spPr>
+      <a:ln w="9525" cap="flat" cmpd="sng" algn="ctr">
+        <a:solidFill>
+          <a:schemeClr val="tx1">
+            <a:lumMod val="5000"/>
+            <a:lumOff val="95000"/>
+          </a:schemeClr>
+        </a:solidFill>
+        <a:round/>
+      </a:ln>
+    </cs:spPr>
+  </cs:gridlineMinor>
+  <cs:hiLoLine>
+    <cs:lnRef idx="0"/>
+    <cs:fillRef idx="0"/>
+    <cs:effectRef idx="0"/>
+    <cs:fontRef idx="minor">
+      <a:schemeClr val="tx1"/>
+    </cs:fontRef>
+    <cs:spPr>
+      <a:ln w="9525" cap="flat" cmpd="sng" algn="ctr">
+        <a:solidFill>
+          <a:schemeClr val="tx1">
+            <a:lumMod val="75000"/>
+            <a:lumOff val="25000"/>
+          </a:schemeClr>
+        </a:solidFill>
+        <a:round/>
+      </a:ln>
+    </cs:spPr>
+  </cs:hiLoLine>
+  <cs:leaderLine>
+    <cs:lnRef idx="0"/>
+    <cs:fillRef idx="0"/>
+    <cs:effectRef idx="0"/>
+    <cs:fontRef idx="minor">
+      <a:schemeClr val="tx1"/>
+    </cs:fontRef>
+    <cs:spPr>
+      <a:ln w="9525" cap="flat" cmpd="sng" algn="ctr">
+        <a:solidFill>
+          <a:schemeClr val="tx1">
+            <a:lumMod val="35000"/>
+            <a:lumOff val="65000"/>
+          </a:schemeClr>
+        </a:solidFill>
+        <a:round/>
+      </a:ln>
+    </cs:spPr>
+  </cs:leaderLine>
+  <cs:legend>
+    <cs:lnRef idx="0"/>
+    <cs:fillRef idx="0"/>
+    <cs:effectRef idx="0"/>
+    <cs:fontRef idx="minor">
+      <a:schemeClr val="tx1">
+        <a:lumMod val="65000"/>
+        <a:lumOff val="35000"/>
+      </a:schemeClr>
+    </cs:fontRef>
+    <cs:defRPr sz="900" kern="1200"/>
+  </cs:legend>
+  <cs:plotArea mods="allowNoFillOverride allowNoLineOverride">
+    <cs:lnRef idx="0"/>
+    <cs:fillRef idx="0"/>
+    <cs:effectRef idx="0"/>
+    <cs:fontRef idx="minor">
+      <a:schemeClr val="tx1"/>
+    </cs:fontRef>
+  </cs:plotArea>
+  <cs:plotArea3D mods="allowNoFillOverride allowNoLineOverride">
+    <cs:lnRef idx="0"/>
+    <cs:fillRef idx="0"/>
+    <cs:effectRef idx="0"/>
+    <cs:fontRef idx="minor">
+      <a:schemeClr val="tx1"/>
+    </cs:fontRef>
+  </cs:plotArea3D>
+  <cs:seriesAxis>
+    <cs:lnRef idx="0"/>
+    <cs:fillRef idx="0"/>
+    <cs:effectRef idx="0"/>
+    <cs:fontRef idx="minor">
+      <a:schemeClr val="tx1">
+        <a:lumMod val="65000"/>
+        <a:lumOff val="35000"/>
+      </a:schemeClr>
+    </cs:fontRef>
+    <cs:defRPr sz="900" kern="1200"/>
+  </cs:seriesAxis>
+  <cs:seriesLine>
+    <cs:lnRef idx="0"/>
+    <cs:fillRef idx="0"/>
+    <cs:effectRef idx="0"/>
+    <cs:fontRef idx="minor">
+      <a:schemeClr val="tx1"/>
+    </cs:fontRef>
+    <cs:spPr>
+      <a:ln w="9525" cap="flat" cmpd="sng" algn="ctr">
+        <a:solidFill>
+          <a:schemeClr val="tx1">
+            <a:lumMod val="35000"/>
+            <a:lumOff val="65000"/>
+          </a:schemeClr>
+        </a:solidFill>
+        <a:round/>
+      </a:ln>
+    </cs:spPr>
+  </cs:seriesLine>
+  <cs:title>
+    <cs:lnRef idx="0"/>
+    <cs:fillRef idx="0"/>
+    <cs:effectRef idx="0"/>
+    <cs:fontRef idx="minor">
+      <a:schemeClr val="tx1">
+        <a:lumMod val="65000"/>
+        <a:lumOff val="35000"/>
+      </a:schemeClr>
+    </cs:fontRef>
+    <cs:defRPr sz="1400" b="0" kern="1200" spc="0" baseline="0"/>
+  </cs:title>
+  <cs:trendline>
+    <cs:lnRef idx="0">
+      <cs:styleClr val="auto"/>
+    </cs:lnRef>
+    <cs:fillRef idx="0"/>
+    <cs:effectRef idx="0"/>
+    <cs:fontRef idx="minor">
+      <a:schemeClr val="tx1"/>
+    </cs:fontRef>
+    <cs:spPr>
+      <a:ln w="19050" cap="rnd">
+        <a:solidFill>
+          <a:schemeClr val="phClr"/>
+        </a:solidFill>
+        <a:prstDash val="sysDot"/>
+      </a:ln>
+    </cs:spPr>
+  </cs:trendline>
+  <cs:trendlineLabel>
+    <cs:lnRef idx="0"/>
+    <cs:fillRef idx="0"/>
+    <cs:effectRef idx="0"/>
+    <cs:fontRef idx="minor">
+      <a:schemeClr val="tx1">
+        <a:lumMod val="65000"/>
+        <a:lumOff val="35000"/>
+      </a:schemeClr>
+    </cs:fontRef>
+    <cs:defRPr sz="900" kern="1200"/>
+  </cs:trendlineLabel>
+  <cs:upBar>
+    <cs:lnRef idx="0"/>
+    <cs:fillRef idx="0"/>
+    <cs:effectRef idx="0"/>
+    <cs:fontRef idx="minor">
+      <a:schemeClr val="dk1"/>
+    </cs:fontRef>
+    <cs:spPr>
+      <a:solidFill>
+        <a:schemeClr val="lt1"/>
+      </a:solidFill>
+      <a:ln w="9525">
+        <a:solidFill>
+          <a:schemeClr val="tx1">
+            <a:lumMod val="15000"/>
+            <a:lumOff val="85000"/>
+          </a:schemeClr>
+        </a:solidFill>
+      </a:ln>
+    </cs:spPr>
+  </cs:upBar>
+  <cs:valueAxis>
+    <cs:lnRef idx="0"/>
+    <cs:fillRef idx="0"/>
+    <cs:effectRef idx="0"/>
+    <cs:fontRef idx="minor">
+      <a:schemeClr val="tx1">
+        <a:lumMod val="65000"/>
+        <a:lumOff val="35000"/>
+      </a:schemeClr>
+    </cs:fontRef>
+    <cs:defRPr sz="900" kern="1200"/>
+  </cs:valueAxis>
+  <cs:wall>
+    <cs:lnRef idx="0"/>
+    <cs:fillRef idx="0"/>
+    <cs:effectRef idx="0"/>
+    <cs:fontRef idx="minor">
+      <a:schemeClr val="tx1"/>
+    </cs:fontRef>
+    <cs:spPr>
+      <a:noFill/>
+      <a:ln>
+        <a:noFill/>
+      </a:ln>
+    </cs:spPr>
+  </cs:wall>
+</cs:chartStyle>
+</file>
+
 <file path=ppt/charts/style2.xml><?xml version="1.0" encoding="utf-8"?>
 <cs:chartStyle xmlns:cs="http://schemas.microsoft.com/office/drawing/2012/chartStyle" xmlns:a="http://schemas.openxmlformats.org/drawingml/2006/main" id="201">
   <cs:axisTitle>
@@ -19385,7 +23781,7 @@
         <cdr:cNvPr id="3" name="Straight Connector 2">
           <a:extLst xmlns:a="http://schemas.openxmlformats.org/drawingml/2006/main">
             <a:ext uri="{FF2B5EF4-FFF2-40B4-BE49-F238E27FC236}">
-              <a16:creationId xmlns:a16="http://schemas.microsoft.com/office/drawing/2014/main" xmlns="" id="{F9788135-A0C2-44BA-9AB5-F364FDEB0915}"/>
+              <a16:creationId xmlns="" xmlns:a16="http://schemas.microsoft.com/office/drawing/2014/main" id="{F9788135-A0C2-44BA-9AB5-F364FDEB0915}"/>
             </a:ext>
           </a:extLst>
         </cdr:cNvPr>
@@ -19545,7 +23941,7 @@
           <a:p>
             <a:fld id="{DDB2C63F-F1EF-D148-8DAC-B2E032798CF4}" type="datetimeFigureOut">
               <a:rPr lang="en-US" smtClean="0"/>
-              <a:t>10/25/17</a:t>
+              <a:t>10/28/17</a:t>
             </a:fld>
             <a:endParaRPr lang="en-US"/>
           </a:p>
@@ -19965,7 +24361,7 @@
           <p:cNvPr id="2" name="Title 1">
             <a:extLst>
               <a:ext uri="{FF2B5EF4-FFF2-40B4-BE49-F238E27FC236}">
-                <a16:creationId xmlns:a16="http://schemas.microsoft.com/office/drawing/2014/main" xmlns="" id="{A770637A-7F70-4788-A8DB-6F8A001AE731}"/>
+                <a16:creationId xmlns="" xmlns:a16="http://schemas.microsoft.com/office/drawing/2014/main" id="{A770637A-7F70-4788-A8DB-6F8A001AE731}"/>
               </a:ext>
             </a:extLst>
           </p:cNvPr>
@@ -20003,7 +24399,7 @@
           <p:cNvPr id="3" name="Subtitle 2">
             <a:extLst>
               <a:ext uri="{FF2B5EF4-FFF2-40B4-BE49-F238E27FC236}">
-                <a16:creationId xmlns:a16="http://schemas.microsoft.com/office/drawing/2014/main" xmlns="" id="{F9D5404F-EB55-4B5E-B9CE-AC2A0B6C47CB}"/>
+                <a16:creationId xmlns="" xmlns:a16="http://schemas.microsoft.com/office/drawing/2014/main" id="{F9D5404F-EB55-4B5E-B9CE-AC2A0B6C47CB}"/>
               </a:ext>
             </a:extLst>
           </p:cNvPr>
@@ -20074,7 +24470,7 @@
           <p:cNvPr id="4" name="Date Placeholder 3">
             <a:extLst>
               <a:ext uri="{FF2B5EF4-FFF2-40B4-BE49-F238E27FC236}">
-                <a16:creationId xmlns:a16="http://schemas.microsoft.com/office/drawing/2014/main" xmlns="" id="{7808CDBC-CAE1-487B-A4E5-3CB70D4EAEEB}"/>
+                <a16:creationId xmlns="" xmlns:a16="http://schemas.microsoft.com/office/drawing/2014/main" id="{7808CDBC-CAE1-487B-A4E5-3CB70D4EAEEB}"/>
               </a:ext>
             </a:extLst>
           </p:cNvPr>
@@ -20092,7 +24488,7 @@
           <a:p>
             <a:fld id="{96B0AB5A-E802-48CF-A5B9-FE8704AC6519}" type="datetimeFigureOut">
               <a:rPr lang="en-CA" smtClean="0"/>
-              <a:t>2017-10-25</a:t>
+              <a:t>2017-10-28</a:t>
             </a:fld>
             <a:endParaRPr lang="en-CA"/>
           </a:p>
@@ -20103,7 +24499,7 @@
           <p:cNvPr id="5" name="Footer Placeholder 4">
             <a:extLst>
               <a:ext uri="{FF2B5EF4-FFF2-40B4-BE49-F238E27FC236}">
-                <a16:creationId xmlns:a16="http://schemas.microsoft.com/office/drawing/2014/main" xmlns="" id="{50D5A8BB-D166-4343-997B-EF673CB40FAD}"/>
+                <a16:creationId xmlns="" xmlns:a16="http://schemas.microsoft.com/office/drawing/2014/main" id="{50D5A8BB-D166-4343-997B-EF673CB40FAD}"/>
               </a:ext>
             </a:extLst>
           </p:cNvPr>
@@ -20128,7 +24524,7 @@
           <p:cNvPr id="6" name="Slide Number Placeholder 5">
             <a:extLst>
               <a:ext uri="{FF2B5EF4-FFF2-40B4-BE49-F238E27FC236}">
-                <a16:creationId xmlns:a16="http://schemas.microsoft.com/office/drawing/2014/main" xmlns="" id="{6BC260DA-D757-4992-B138-BBE00B22D846}"/>
+                <a16:creationId xmlns="" xmlns:a16="http://schemas.microsoft.com/office/drawing/2014/main" id="{6BC260DA-D757-4992-B138-BBE00B22D846}"/>
               </a:ext>
             </a:extLst>
           </p:cNvPr>
@@ -20187,7 +24583,7 @@
           <p:cNvPr id="2" name="Title 1">
             <a:extLst>
               <a:ext uri="{FF2B5EF4-FFF2-40B4-BE49-F238E27FC236}">
-                <a16:creationId xmlns:a16="http://schemas.microsoft.com/office/drawing/2014/main" xmlns="" id="{68951A57-6E16-4A71-98CB-2307E282C3C2}"/>
+                <a16:creationId xmlns="" xmlns:a16="http://schemas.microsoft.com/office/drawing/2014/main" id="{68951A57-6E16-4A71-98CB-2307E282C3C2}"/>
               </a:ext>
             </a:extLst>
           </p:cNvPr>
@@ -20216,7 +24612,7 @@
           <p:cNvPr id="3" name="Vertical Text Placeholder 2">
             <a:extLst>
               <a:ext uri="{FF2B5EF4-FFF2-40B4-BE49-F238E27FC236}">
-                <a16:creationId xmlns:a16="http://schemas.microsoft.com/office/drawing/2014/main" xmlns="" id="{7F111875-20D3-450B-8A7D-100D7AD10DA2}"/>
+                <a16:creationId xmlns="" xmlns:a16="http://schemas.microsoft.com/office/drawing/2014/main" id="{7F111875-20D3-450B-8A7D-100D7AD10DA2}"/>
               </a:ext>
             </a:extLst>
           </p:cNvPr>
@@ -20274,7 +24670,7 @@
           <p:cNvPr id="4" name="Date Placeholder 3">
             <a:extLst>
               <a:ext uri="{FF2B5EF4-FFF2-40B4-BE49-F238E27FC236}">
-                <a16:creationId xmlns:a16="http://schemas.microsoft.com/office/drawing/2014/main" xmlns="" id="{98F3875F-0C83-48C3-8881-97B38467BFC0}"/>
+                <a16:creationId xmlns="" xmlns:a16="http://schemas.microsoft.com/office/drawing/2014/main" id="{98F3875F-0C83-48C3-8881-97B38467BFC0}"/>
               </a:ext>
             </a:extLst>
           </p:cNvPr>
@@ -20292,7 +24688,7 @@
           <a:p>
             <a:fld id="{96B0AB5A-E802-48CF-A5B9-FE8704AC6519}" type="datetimeFigureOut">
               <a:rPr lang="en-CA" smtClean="0"/>
-              <a:t>2017-10-25</a:t>
+              <a:t>2017-10-28</a:t>
             </a:fld>
             <a:endParaRPr lang="en-CA"/>
           </a:p>
@@ -20303,7 +24699,7 @@
           <p:cNvPr id="5" name="Footer Placeholder 4">
             <a:extLst>
               <a:ext uri="{FF2B5EF4-FFF2-40B4-BE49-F238E27FC236}">
-                <a16:creationId xmlns:a16="http://schemas.microsoft.com/office/drawing/2014/main" xmlns="" id="{F2640ABB-0B39-4E48-B67F-13EB2E5E88B0}"/>
+                <a16:creationId xmlns="" xmlns:a16="http://schemas.microsoft.com/office/drawing/2014/main" id="{F2640ABB-0B39-4E48-B67F-13EB2E5E88B0}"/>
               </a:ext>
             </a:extLst>
           </p:cNvPr>
@@ -20328,7 +24724,7 @@
           <p:cNvPr id="6" name="Slide Number Placeholder 5">
             <a:extLst>
               <a:ext uri="{FF2B5EF4-FFF2-40B4-BE49-F238E27FC236}">
-                <a16:creationId xmlns:a16="http://schemas.microsoft.com/office/drawing/2014/main" xmlns="" id="{D54C0341-9536-4979-9F6E-429B5834248C}"/>
+                <a16:creationId xmlns="" xmlns:a16="http://schemas.microsoft.com/office/drawing/2014/main" id="{D54C0341-9536-4979-9F6E-429B5834248C}"/>
               </a:ext>
             </a:extLst>
           </p:cNvPr>
@@ -20387,7 +24783,7 @@
           <p:cNvPr id="2" name="Vertical Title 1">
             <a:extLst>
               <a:ext uri="{FF2B5EF4-FFF2-40B4-BE49-F238E27FC236}">
-                <a16:creationId xmlns:a16="http://schemas.microsoft.com/office/drawing/2014/main" xmlns="" id="{20D0E6FE-C5AB-4578-BB2A-E718F0F3D4BA}"/>
+                <a16:creationId xmlns="" xmlns:a16="http://schemas.microsoft.com/office/drawing/2014/main" id="{20D0E6FE-C5AB-4578-BB2A-E718F0F3D4BA}"/>
               </a:ext>
             </a:extLst>
           </p:cNvPr>
@@ -20421,7 +24817,7 @@
           <p:cNvPr id="3" name="Vertical Text Placeholder 2">
             <a:extLst>
               <a:ext uri="{FF2B5EF4-FFF2-40B4-BE49-F238E27FC236}">
-                <a16:creationId xmlns:a16="http://schemas.microsoft.com/office/drawing/2014/main" xmlns="" id="{4D9442B6-6798-4E3F-BC43-D487421D33ED}"/>
+                <a16:creationId xmlns="" xmlns:a16="http://schemas.microsoft.com/office/drawing/2014/main" id="{4D9442B6-6798-4E3F-BC43-D487421D33ED}"/>
               </a:ext>
             </a:extLst>
           </p:cNvPr>
@@ -20484,7 +24880,7 @@
           <p:cNvPr id="4" name="Date Placeholder 3">
             <a:extLst>
               <a:ext uri="{FF2B5EF4-FFF2-40B4-BE49-F238E27FC236}">
-                <a16:creationId xmlns:a16="http://schemas.microsoft.com/office/drawing/2014/main" xmlns="" id="{D8E8FDF4-0673-47D2-AEF1-4ECE10E40BDA}"/>
+                <a16:creationId xmlns="" xmlns:a16="http://schemas.microsoft.com/office/drawing/2014/main" id="{D8E8FDF4-0673-47D2-AEF1-4ECE10E40BDA}"/>
               </a:ext>
             </a:extLst>
           </p:cNvPr>
@@ -20502,7 +24898,7 @@
           <a:p>
             <a:fld id="{96B0AB5A-E802-48CF-A5B9-FE8704AC6519}" type="datetimeFigureOut">
               <a:rPr lang="en-CA" smtClean="0"/>
-              <a:t>2017-10-25</a:t>
+              <a:t>2017-10-28</a:t>
             </a:fld>
             <a:endParaRPr lang="en-CA"/>
           </a:p>
@@ -20513,7 +24909,7 @@
           <p:cNvPr id="5" name="Footer Placeholder 4">
             <a:extLst>
               <a:ext uri="{FF2B5EF4-FFF2-40B4-BE49-F238E27FC236}">
-                <a16:creationId xmlns:a16="http://schemas.microsoft.com/office/drawing/2014/main" xmlns="" id="{E953779D-E55D-4C51-B09C-5B7930947D6C}"/>
+                <a16:creationId xmlns="" xmlns:a16="http://schemas.microsoft.com/office/drawing/2014/main" id="{E953779D-E55D-4C51-B09C-5B7930947D6C}"/>
               </a:ext>
             </a:extLst>
           </p:cNvPr>
@@ -20538,7 +24934,7 @@
           <p:cNvPr id="6" name="Slide Number Placeholder 5">
             <a:extLst>
               <a:ext uri="{FF2B5EF4-FFF2-40B4-BE49-F238E27FC236}">
-                <a16:creationId xmlns:a16="http://schemas.microsoft.com/office/drawing/2014/main" xmlns="" id="{28E9A841-3B09-42DC-8684-FE1A19B9552A}"/>
+                <a16:creationId xmlns="" xmlns:a16="http://schemas.microsoft.com/office/drawing/2014/main" id="{28E9A841-3B09-42DC-8684-FE1A19B9552A}"/>
               </a:ext>
             </a:extLst>
           </p:cNvPr>
@@ -20597,7 +24993,7 @@
           <p:cNvPr id="2" name="Title 1">
             <a:extLst>
               <a:ext uri="{FF2B5EF4-FFF2-40B4-BE49-F238E27FC236}">
-                <a16:creationId xmlns:a16="http://schemas.microsoft.com/office/drawing/2014/main" xmlns="" id="{1C2B00DB-F0DF-4138-ABCE-C402834F38C7}"/>
+                <a16:creationId xmlns="" xmlns:a16="http://schemas.microsoft.com/office/drawing/2014/main" id="{1C2B00DB-F0DF-4138-ABCE-C402834F38C7}"/>
               </a:ext>
             </a:extLst>
           </p:cNvPr>
@@ -20626,7 +25022,7 @@
           <p:cNvPr id="3" name="Content Placeholder 2">
             <a:extLst>
               <a:ext uri="{FF2B5EF4-FFF2-40B4-BE49-F238E27FC236}">
-                <a16:creationId xmlns:a16="http://schemas.microsoft.com/office/drawing/2014/main" xmlns="" id="{C393E18F-528D-46DF-8DCA-5674757975BF}"/>
+                <a16:creationId xmlns="" xmlns:a16="http://schemas.microsoft.com/office/drawing/2014/main" id="{C393E18F-528D-46DF-8DCA-5674757975BF}"/>
               </a:ext>
             </a:extLst>
           </p:cNvPr>
@@ -20684,7 +25080,7 @@
           <p:cNvPr id="4" name="Date Placeholder 3">
             <a:extLst>
               <a:ext uri="{FF2B5EF4-FFF2-40B4-BE49-F238E27FC236}">
-                <a16:creationId xmlns:a16="http://schemas.microsoft.com/office/drawing/2014/main" xmlns="" id="{AE5FACCA-E424-4C6C-B376-B62146CE191B}"/>
+                <a16:creationId xmlns="" xmlns:a16="http://schemas.microsoft.com/office/drawing/2014/main" id="{AE5FACCA-E424-4C6C-B376-B62146CE191B}"/>
               </a:ext>
             </a:extLst>
           </p:cNvPr>
@@ -20702,7 +25098,7 @@
           <a:p>
             <a:fld id="{96B0AB5A-E802-48CF-A5B9-FE8704AC6519}" type="datetimeFigureOut">
               <a:rPr lang="en-CA" smtClean="0"/>
-              <a:t>2017-10-25</a:t>
+              <a:t>2017-10-28</a:t>
             </a:fld>
             <a:endParaRPr lang="en-CA"/>
           </a:p>
@@ -20713,7 +25109,7 @@
           <p:cNvPr id="5" name="Footer Placeholder 4">
             <a:extLst>
               <a:ext uri="{FF2B5EF4-FFF2-40B4-BE49-F238E27FC236}">
-                <a16:creationId xmlns:a16="http://schemas.microsoft.com/office/drawing/2014/main" xmlns="" id="{E88A8849-1252-418B-86C9-3FB1D770E4C1}"/>
+                <a16:creationId xmlns="" xmlns:a16="http://schemas.microsoft.com/office/drawing/2014/main" id="{E88A8849-1252-418B-86C9-3FB1D770E4C1}"/>
               </a:ext>
             </a:extLst>
           </p:cNvPr>
@@ -20738,7 +25134,7 @@
           <p:cNvPr id="6" name="Slide Number Placeholder 5">
             <a:extLst>
               <a:ext uri="{FF2B5EF4-FFF2-40B4-BE49-F238E27FC236}">
-                <a16:creationId xmlns:a16="http://schemas.microsoft.com/office/drawing/2014/main" xmlns="" id="{2213DBDE-BBC2-4EE9-AA49-CBE1CA9AF8E1}"/>
+                <a16:creationId xmlns="" xmlns:a16="http://schemas.microsoft.com/office/drawing/2014/main" id="{2213DBDE-BBC2-4EE9-AA49-CBE1CA9AF8E1}"/>
               </a:ext>
             </a:extLst>
           </p:cNvPr>
@@ -20797,7 +25193,7 @@
           <p:cNvPr id="2" name="Title 1">
             <a:extLst>
               <a:ext uri="{FF2B5EF4-FFF2-40B4-BE49-F238E27FC236}">
-                <a16:creationId xmlns:a16="http://schemas.microsoft.com/office/drawing/2014/main" xmlns="" id="{32D6B6B8-2C76-441A-90C7-2648223BB744}"/>
+                <a16:creationId xmlns="" xmlns:a16="http://schemas.microsoft.com/office/drawing/2014/main" id="{32D6B6B8-2C76-441A-90C7-2648223BB744}"/>
               </a:ext>
             </a:extLst>
           </p:cNvPr>
@@ -20835,7 +25231,7 @@
           <p:cNvPr id="3" name="Text Placeholder 2">
             <a:extLst>
               <a:ext uri="{FF2B5EF4-FFF2-40B4-BE49-F238E27FC236}">
-                <a16:creationId xmlns:a16="http://schemas.microsoft.com/office/drawing/2014/main" xmlns="" id="{B4FD13C0-2671-4F5B-BC76-3285DF8F0D0A}"/>
+                <a16:creationId xmlns="" xmlns:a16="http://schemas.microsoft.com/office/drawing/2014/main" id="{B4FD13C0-2671-4F5B-BC76-3285DF8F0D0A}"/>
               </a:ext>
             </a:extLst>
           </p:cNvPr>
@@ -20960,7 +25356,7 @@
           <p:cNvPr id="4" name="Date Placeholder 3">
             <a:extLst>
               <a:ext uri="{FF2B5EF4-FFF2-40B4-BE49-F238E27FC236}">
-                <a16:creationId xmlns:a16="http://schemas.microsoft.com/office/drawing/2014/main" xmlns="" id="{15FAF587-BBF7-4795-A539-160E1CBB4D0C}"/>
+                <a16:creationId xmlns="" xmlns:a16="http://schemas.microsoft.com/office/drawing/2014/main" id="{15FAF587-BBF7-4795-A539-160E1CBB4D0C}"/>
               </a:ext>
             </a:extLst>
           </p:cNvPr>
@@ -20978,7 +25374,7 @@
           <a:p>
             <a:fld id="{96B0AB5A-E802-48CF-A5B9-FE8704AC6519}" type="datetimeFigureOut">
               <a:rPr lang="en-CA" smtClean="0"/>
-              <a:t>2017-10-25</a:t>
+              <a:t>2017-10-28</a:t>
             </a:fld>
             <a:endParaRPr lang="en-CA"/>
           </a:p>
@@ -20989,7 +25385,7 @@
           <p:cNvPr id="5" name="Footer Placeholder 4">
             <a:extLst>
               <a:ext uri="{FF2B5EF4-FFF2-40B4-BE49-F238E27FC236}">
-                <a16:creationId xmlns:a16="http://schemas.microsoft.com/office/drawing/2014/main" xmlns="" id="{A43711F6-2BA4-43F7-ADE4-F55606E83807}"/>
+                <a16:creationId xmlns="" xmlns:a16="http://schemas.microsoft.com/office/drawing/2014/main" id="{A43711F6-2BA4-43F7-ADE4-F55606E83807}"/>
               </a:ext>
             </a:extLst>
           </p:cNvPr>
@@ -21014,7 +25410,7 @@
           <p:cNvPr id="6" name="Slide Number Placeholder 5">
             <a:extLst>
               <a:ext uri="{FF2B5EF4-FFF2-40B4-BE49-F238E27FC236}">
-                <a16:creationId xmlns:a16="http://schemas.microsoft.com/office/drawing/2014/main" xmlns="" id="{A0814A98-C0EE-4830-9E95-AB51A3D46328}"/>
+                <a16:creationId xmlns="" xmlns:a16="http://schemas.microsoft.com/office/drawing/2014/main" id="{A0814A98-C0EE-4830-9E95-AB51A3D46328}"/>
               </a:ext>
             </a:extLst>
           </p:cNvPr>
@@ -21073,7 +25469,7 @@
           <p:cNvPr id="2" name="Title 1">
             <a:extLst>
               <a:ext uri="{FF2B5EF4-FFF2-40B4-BE49-F238E27FC236}">
-                <a16:creationId xmlns:a16="http://schemas.microsoft.com/office/drawing/2014/main" xmlns="" id="{0F190E3E-504C-44BD-9375-90382E6A4B2D}"/>
+                <a16:creationId xmlns="" xmlns:a16="http://schemas.microsoft.com/office/drawing/2014/main" id="{0F190E3E-504C-44BD-9375-90382E6A4B2D}"/>
               </a:ext>
             </a:extLst>
           </p:cNvPr>
@@ -21102,7 +25498,7 @@
           <p:cNvPr id="3" name="Content Placeholder 2">
             <a:extLst>
               <a:ext uri="{FF2B5EF4-FFF2-40B4-BE49-F238E27FC236}">
-                <a16:creationId xmlns:a16="http://schemas.microsoft.com/office/drawing/2014/main" xmlns="" id="{F6CAE47C-1CB8-4A76-9E77-960D3E128C25}"/>
+                <a16:creationId xmlns="" xmlns:a16="http://schemas.microsoft.com/office/drawing/2014/main" id="{F6CAE47C-1CB8-4A76-9E77-960D3E128C25}"/>
               </a:ext>
             </a:extLst>
           </p:cNvPr>
@@ -21165,7 +25561,7 @@
           <p:cNvPr id="4" name="Content Placeholder 3">
             <a:extLst>
               <a:ext uri="{FF2B5EF4-FFF2-40B4-BE49-F238E27FC236}">
-                <a16:creationId xmlns:a16="http://schemas.microsoft.com/office/drawing/2014/main" xmlns="" id="{7020F4A4-A6BF-47E5-92FC-8201B6593F83}"/>
+                <a16:creationId xmlns="" xmlns:a16="http://schemas.microsoft.com/office/drawing/2014/main" id="{7020F4A4-A6BF-47E5-92FC-8201B6593F83}"/>
               </a:ext>
             </a:extLst>
           </p:cNvPr>
@@ -21228,7 +25624,7 @@
           <p:cNvPr id="5" name="Date Placeholder 4">
             <a:extLst>
               <a:ext uri="{FF2B5EF4-FFF2-40B4-BE49-F238E27FC236}">
-                <a16:creationId xmlns:a16="http://schemas.microsoft.com/office/drawing/2014/main" xmlns="" id="{1AA361B5-9AA3-4229-8D44-CEB57C12ED73}"/>
+                <a16:creationId xmlns="" xmlns:a16="http://schemas.microsoft.com/office/drawing/2014/main" id="{1AA361B5-9AA3-4229-8D44-CEB57C12ED73}"/>
               </a:ext>
             </a:extLst>
           </p:cNvPr>
@@ -21246,7 +25642,7 @@
           <a:p>
             <a:fld id="{96B0AB5A-E802-48CF-A5B9-FE8704AC6519}" type="datetimeFigureOut">
               <a:rPr lang="en-CA" smtClean="0"/>
-              <a:t>2017-10-25</a:t>
+              <a:t>2017-10-28</a:t>
             </a:fld>
             <a:endParaRPr lang="en-CA"/>
           </a:p>
@@ -21257,7 +25653,7 @@
           <p:cNvPr id="6" name="Footer Placeholder 5">
             <a:extLst>
               <a:ext uri="{FF2B5EF4-FFF2-40B4-BE49-F238E27FC236}">
-                <a16:creationId xmlns:a16="http://schemas.microsoft.com/office/drawing/2014/main" xmlns="" id="{8AAA7D8C-2AFC-4C12-92A2-9D98EF3FC76A}"/>
+                <a16:creationId xmlns="" xmlns:a16="http://schemas.microsoft.com/office/drawing/2014/main" id="{8AAA7D8C-2AFC-4C12-92A2-9D98EF3FC76A}"/>
               </a:ext>
             </a:extLst>
           </p:cNvPr>
@@ -21282,7 +25678,7 @@
           <p:cNvPr id="7" name="Slide Number Placeholder 6">
             <a:extLst>
               <a:ext uri="{FF2B5EF4-FFF2-40B4-BE49-F238E27FC236}">
-                <a16:creationId xmlns:a16="http://schemas.microsoft.com/office/drawing/2014/main" xmlns="" id="{33FD714B-B89C-43C1-A417-A6A05C50FDD6}"/>
+                <a16:creationId xmlns="" xmlns:a16="http://schemas.microsoft.com/office/drawing/2014/main" id="{33FD714B-B89C-43C1-A417-A6A05C50FDD6}"/>
               </a:ext>
             </a:extLst>
           </p:cNvPr>
@@ -21341,7 +25737,7 @@
           <p:cNvPr id="2" name="Title 1">
             <a:extLst>
               <a:ext uri="{FF2B5EF4-FFF2-40B4-BE49-F238E27FC236}">
-                <a16:creationId xmlns:a16="http://schemas.microsoft.com/office/drawing/2014/main" xmlns="" id="{B0D13C32-3583-406D-BB55-24C24E430751}"/>
+                <a16:creationId xmlns="" xmlns:a16="http://schemas.microsoft.com/office/drawing/2014/main" id="{B0D13C32-3583-406D-BB55-24C24E430751}"/>
               </a:ext>
             </a:extLst>
           </p:cNvPr>
@@ -21375,7 +25771,7 @@
           <p:cNvPr id="3" name="Text Placeholder 2">
             <a:extLst>
               <a:ext uri="{FF2B5EF4-FFF2-40B4-BE49-F238E27FC236}">
-                <a16:creationId xmlns:a16="http://schemas.microsoft.com/office/drawing/2014/main" xmlns="" id="{B918888A-2B6D-46A5-AE6E-A1FF449737AB}"/>
+                <a16:creationId xmlns="" xmlns:a16="http://schemas.microsoft.com/office/drawing/2014/main" id="{B918888A-2B6D-46A5-AE6E-A1FF449737AB}"/>
               </a:ext>
             </a:extLst>
           </p:cNvPr>
@@ -21446,7 +25842,7 @@
           <p:cNvPr id="4" name="Content Placeholder 3">
             <a:extLst>
               <a:ext uri="{FF2B5EF4-FFF2-40B4-BE49-F238E27FC236}">
-                <a16:creationId xmlns:a16="http://schemas.microsoft.com/office/drawing/2014/main" xmlns="" id="{8376B253-61D6-4CF9-B63B-20481633C4B7}"/>
+                <a16:creationId xmlns="" xmlns:a16="http://schemas.microsoft.com/office/drawing/2014/main" id="{8376B253-61D6-4CF9-B63B-20481633C4B7}"/>
               </a:ext>
             </a:extLst>
           </p:cNvPr>
@@ -21509,7 +25905,7 @@
           <p:cNvPr id="5" name="Text Placeholder 4">
             <a:extLst>
               <a:ext uri="{FF2B5EF4-FFF2-40B4-BE49-F238E27FC236}">
-                <a16:creationId xmlns:a16="http://schemas.microsoft.com/office/drawing/2014/main" xmlns="" id="{382753D1-7E4F-4976-AE02-B8CA399556CE}"/>
+                <a16:creationId xmlns="" xmlns:a16="http://schemas.microsoft.com/office/drawing/2014/main" id="{382753D1-7E4F-4976-AE02-B8CA399556CE}"/>
               </a:ext>
             </a:extLst>
           </p:cNvPr>
@@ -21580,7 +25976,7 @@
           <p:cNvPr id="6" name="Content Placeholder 5">
             <a:extLst>
               <a:ext uri="{FF2B5EF4-FFF2-40B4-BE49-F238E27FC236}">
-                <a16:creationId xmlns:a16="http://schemas.microsoft.com/office/drawing/2014/main" xmlns="" id="{4C468A93-F5B5-49E9-B836-9872129CC484}"/>
+                <a16:creationId xmlns="" xmlns:a16="http://schemas.microsoft.com/office/drawing/2014/main" id="{4C468A93-F5B5-49E9-B836-9872129CC484}"/>
               </a:ext>
             </a:extLst>
           </p:cNvPr>
@@ -21643,7 +26039,7 @@
           <p:cNvPr id="7" name="Date Placeholder 6">
             <a:extLst>
               <a:ext uri="{FF2B5EF4-FFF2-40B4-BE49-F238E27FC236}">
-                <a16:creationId xmlns:a16="http://schemas.microsoft.com/office/drawing/2014/main" xmlns="" id="{695DD8CB-5889-49EA-9BAD-528818612ABE}"/>
+                <a16:creationId xmlns="" xmlns:a16="http://schemas.microsoft.com/office/drawing/2014/main" id="{695DD8CB-5889-49EA-9BAD-528818612ABE}"/>
               </a:ext>
             </a:extLst>
           </p:cNvPr>
@@ -21661,7 +26057,7 @@
           <a:p>
             <a:fld id="{96B0AB5A-E802-48CF-A5B9-FE8704AC6519}" type="datetimeFigureOut">
               <a:rPr lang="en-CA" smtClean="0"/>
-              <a:t>2017-10-25</a:t>
+              <a:t>2017-10-28</a:t>
             </a:fld>
             <a:endParaRPr lang="en-CA"/>
           </a:p>
@@ -21672,7 +26068,7 @@
           <p:cNvPr id="8" name="Footer Placeholder 7">
             <a:extLst>
               <a:ext uri="{FF2B5EF4-FFF2-40B4-BE49-F238E27FC236}">
-                <a16:creationId xmlns:a16="http://schemas.microsoft.com/office/drawing/2014/main" xmlns="" id="{8501B846-1316-4807-8A54-DA3AC47AD72F}"/>
+                <a16:creationId xmlns="" xmlns:a16="http://schemas.microsoft.com/office/drawing/2014/main" id="{8501B846-1316-4807-8A54-DA3AC47AD72F}"/>
               </a:ext>
             </a:extLst>
           </p:cNvPr>
@@ -21697,7 +26093,7 @@
           <p:cNvPr id="9" name="Slide Number Placeholder 8">
             <a:extLst>
               <a:ext uri="{FF2B5EF4-FFF2-40B4-BE49-F238E27FC236}">
-                <a16:creationId xmlns:a16="http://schemas.microsoft.com/office/drawing/2014/main" xmlns="" id="{689B354F-D580-4F3A-AB73-5BC965F2B569}"/>
+                <a16:creationId xmlns="" xmlns:a16="http://schemas.microsoft.com/office/drawing/2014/main" id="{689B354F-D580-4F3A-AB73-5BC965F2B569}"/>
               </a:ext>
             </a:extLst>
           </p:cNvPr>
@@ -21756,7 +26152,7 @@
           <p:cNvPr id="2" name="Title 1">
             <a:extLst>
               <a:ext uri="{FF2B5EF4-FFF2-40B4-BE49-F238E27FC236}">
-                <a16:creationId xmlns:a16="http://schemas.microsoft.com/office/drawing/2014/main" xmlns="" id="{79DDE365-D52A-428F-AB9F-8CF9AC3D43A2}"/>
+                <a16:creationId xmlns="" xmlns:a16="http://schemas.microsoft.com/office/drawing/2014/main" id="{79DDE365-D52A-428F-AB9F-8CF9AC3D43A2}"/>
               </a:ext>
             </a:extLst>
           </p:cNvPr>
@@ -21785,7 +26181,7 @@
           <p:cNvPr id="3" name="Date Placeholder 2">
             <a:extLst>
               <a:ext uri="{FF2B5EF4-FFF2-40B4-BE49-F238E27FC236}">
-                <a16:creationId xmlns:a16="http://schemas.microsoft.com/office/drawing/2014/main" xmlns="" id="{1B902405-9BC8-4DCF-89BD-1C3021158836}"/>
+                <a16:creationId xmlns="" xmlns:a16="http://schemas.microsoft.com/office/drawing/2014/main" id="{1B902405-9BC8-4DCF-89BD-1C3021158836}"/>
               </a:ext>
             </a:extLst>
           </p:cNvPr>
@@ -21803,7 +26199,7 @@
           <a:p>
             <a:fld id="{96B0AB5A-E802-48CF-A5B9-FE8704AC6519}" type="datetimeFigureOut">
               <a:rPr lang="en-CA" smtClean="0"/>
-              <a:t>2017-10-25</a:t>
+              <a:t>2017-10-28</a:t>
             </a:fld>
             <a:endParaRPr lang="en-CA"/>
           </a:p>
@@ -21814,7 +26210,7 @@
           <p:cNvPr id="4" name="Footer Placeholder 3">
             <a:extLst>
               <a:ext uri="{FF2B5EF4-FFF2-40B4-BE49-F238E27FC236}">
-                <a16:creationId xmlns:a16="http://schemas.microsoft.com/office/drawing/2014/main" xmlns="" id="{5741E3B3-AB1D-4FEA-A844-6DD4E7C45709}"/>
+                <a16:creationId xmlns="" xmlns:a16="http://schemas.microsoft.com/office/drawing/2014/main" id="{5741E3B3-AB1D-4FEA-A844-6DD4E7C45709}"/>
               </a:ext>
             </a:extLst>
           </p:cNvPr>
@@ -21839,7 +26235,7 @@
           <p:cNvPr id="5" name="Slide Number Placeholder 4">
             <a:extLst>
               <a:ext uri="{FF2B5EF4-FFF2-40B4-BE49-F238E27FC236}">
-                <a16:creationId xmlns:a16="http://schemas.microsoft.com/office/drawing/2014/main" xmlns="" id="{449737C3-89A9-4077-A0AE-16155EBF7C96}"/>
+                <a16:creationId xmlns="" xmlns:a16="http://schemas.microsoft.com/office/drawing/2014/main" id="{449737C3-89A9-4077-A0AE-16155EBF7C96}"/>
               </a:ext>
             </a:extLst>
           </p:cNvPr>
@@ -21898,7 +26294,7 @@
           <p:cNvPr id="2" name="Date Placeholder 1">
             <a:extLst>
               <a:ext uri="{FF2B5EF4-FFF2-40B4-BE49-F238E27FC236}">
-                <a16:creationId xmlns:a16="http://schemas.microsoft.com/office/drawing/2014/main" xmlns="" id="{67E2FC56-905E-4427-BB9F-0599D987CF0A}"/>
+                <a16:creationId xmlns="" xmlns:a16="http://schemas.microsoft.com/office/drawing/2014/main" id="{67E2FC56-905E-4427-BB9F-0599D987CF0A}"/>
               </a:ext>
             </a:extLst>
           </p:cNvPr>
@@ -21916,7 +26312,7 @@
           <a:p>
             <a:fld id="{96B0AB5A-E802-48CF-A5B9-FE8704AC6519}" type="datetimeFigureOut">
               <a:rPr lang="en-CA" smtClean="0"/>
-              <a:t>2017-10-25</a:t>
+              <a:t>2017-10-28</a:t>
             </a:fld>
             <a:endParaRPr lang="en-CA"/>
           </a:p>
@@ -21927,7 +26323,7 @@
           <p:cNvPr id="3" name="Footer Placeholder 2">
             <a:extLst>
               <a:ext uri="{FF2B5EF4-FFF2-40B4-BE49-F238E27FC236}">
-                <a16:creationId xmlns:a16="http://schemas.microsoft.com/office/drawing/2014/main" xmlns="" id="{487C4D51-B9C6-4DF9-B99D-02567E8C682D}"/>
+                <a16:creationId xmlns="" xmlns:a16="http://schemas.microsoft.com/office/drawing/2014/main" id="{487C4D51-B9C6-4DF9-B99D-02567E8C682D}"/>
               </a:ext>
             </a:extLst>
           </p:cNvPr>
@@ -21952,7 +26348,7 @@
           <p:cNvPr id="4" name="Slide Number Placeholder 3">
             <a:extLst>
               <a:ext uri="{FF2B5EF4-FFF2-40B4-BE49-F238E27FC236}">
-                <a16:creationId xmlns:a16="http://schemas.microsoft.com/office/drawing/2014/main" xmlns="" id="{0190AAD4-0860-4BD5-8057-18876B454949}"/>
+                <a16:creationId xmlns="" xmlns:a16="http://schemas.microsoft.com/office/drawing/2014/main" id="{0190AAD4-0860-4BD5-8057-18876B454949}"/>
               </a:ext>
             </a:extLst>
           </p:cNvPr>
@@ -22011,7 +26407,7 @@
           <p:cNvPr id="2" name="Title 1">
             <a:extLst>
               <a:ext uri="{FF2B5EF4-FFF2-40B4-BE49-F238E27FC236}">
-                <a16:creationId xmlns:a16="http://schemas.microsoft.com/office/drawing/2014/main" xmlns="" id="{38D0AC77-2DD6-4F80-AED8-5F2DEAFE47A5}"/>
+                <a16:creationId xmlns="" xmlns:a16="http://schemas.microsoft.com/office/drawing/2014/main" id="{38D0AC77-2DD6-4F80-AED8-5F2DEAFE47A5}"/>
               </a:ext>
             </a:extLst>
           </p:cNvPr>
@@ -22049,7 +26445,7 @@
           <p:cNvPr id="3" name="Content Placeholder 2">
             <a:extLst>
               <a:ext uri="{FF2B5EF4-FFF2-40B4-BE49-F238E27FC236}">
-                <a16:creationId xmlns:a16="http://schemas.microsoft.com/office/drawing/2014/main" xmlns="" id="{8A50F9F6-EF62-405A-BD73-A4D257EA25C1}"/>
+                <a16:creationId xmlns="" xmlns:a16="http://schemas.microsoft.com/office/drawing/2014/main" id="{8A50F9F6-EF62-405A-BD73-A4D257EA25C1}"/>
               </a:ext>
             </a:extLst>
           </p:cNvPr>
@@ -22140,7 +26536,7 @@
           <p:cNvPr id="4" name="Text Placeholder 3">
             <a:extLst>
               <a:ext uri="{FF2B5EF4-FFF2-40B4-BE49-F238E27FC236}">
-                <a16:creationId xmlns:a16="http://schemas.microsoft.com/office/drawing/2014/main" xmlns="" id="{C2D29C1A-CCB3-4892-8341-4E47EA725C2E}"/>
+                <a16:creationId xmlns="" xmlns:a16="http://schemas.microsoft.com/office/drawing/2014/main" id="{C2D29C1A-CCB3-4892-8341-4E47EA725C2E}"/>
               </a:ext>
             </a:extLst>
           </p:cNvPr>
@@ -22211,7 +26607,7 @@
           <p:cNvPr id="5" name="Date Placeholder 4">
             <a:extLst>
               <a:ext uri="{FF2B5EF4-FFF2-40B4-BE49-F238E27FC236}">
-                <a16:creationId xmlns:a16="http://schemas.microsoft.com/office/drawing/2014/main" xmlns="" id="{4A49B093-3DB2-42E5-90E6-7961FD1DEF69}"/>
+                <a16:creationId xmlns="" xmlns:a16="http://schemas.microsoft.com/office/drawing/2014/main" id="{4A49B093-3DB2-42E5-90E6-7961FD1DEF69}"/>
               </a:ext>
             </a:extLst>
           </p:cNvPr>
@@ -22229,7 +26625,7 @@
           <a:p>
             <a:fld id="{96B0AB5A-E802-48CF-A5B9-FE8704AC6519}" type="datetimeFigureOut">
               <a:rPr lang="en-CA" smtClean="0"/>
-              <a:t>2017-10-25</a:t>
+              <a:t>2017-10-28</a:t>
             </a:fld>
             <a:endParaRPr lang="en-CA"/>
           </a:p>
@@ -22240,7 +26636,7 @@
           <p:cNvPr id="6" name="Footer Placeholder 5">
             <a:extLst>
               <a:ext uri="{FF2B5EF4-FFF2-40B4-BE49-F238E27FC236}">
-                <a16:creationId xmlns:a16="http://schemas.microsoft.com/office/drawing/2014/main" xmlns="" id="{DF18E932-8D4E-4B86-ADE7-DAF5963F6D69}"/>
+                <a16:creationId xmlns="" xmlns:a16="http://schemas.microsoft.com/office/drawing/2014/main" id="{DF18E932-8D4E-4B86-ADE7-DAF5963F6D69}"/>
               </a:ext>
             </a:extLst>
           </p:cNvPr>
@@ -22265,7 +26661,7 @@
           <p:cNvPr id="7" name="Slide Number Placeholder 6">
             <a:extLst>
               <a:ext uri="{FF2B5EF4-FFF2-40B4-BE49-F238E27FC236}">
-                <a16:creationId xmlns:a16="http://schemas.microsoft.com/office/drawing/2014/main" xmlns="" id="{2A6BCD62-2E53-46BB-8674-8A6BC93614B3}"/>
+                <a16:creationId xmlns="" xmlns:a16="http://schemas.microsoft.com/office/drawing/2014/main" id="{2A6BCD62-2E53-46BB-8674-8A6BC93614B3}"/>
               </a:ext>
             </a:extLst>
           </p:cNvPr>
@@ -22324,7 +26720,7 @@
           <p:cNvPr id="2" name="Title 1">
             <a:extLst>
               <a:ext uri="{FF2B5EF4-FFF2-40B4-BE49-F238E27FC236}">
-                <a16:creationId xmlns:a16="http://schemas.microsoft.com/office/drawing/2014/main" xmlns="" id="{BE66942B-4AEE-47BA-A130-8FE3D07A2517}"/>
+                <a16:creationId xmlns="" xmlns:a16="http://schemas.microsoft.com/office/drawing/2014/main" id="{BE66942B-4AEE-47BA-A130-8FE3D07A2517}"/>
               </a:ext>
             </a:extLst>
           </p:cNvPr>
@@ -22362,7 +26758,7 @@
           <p:cNvPr id="3" name="Picture Placeholder 2">
             <a:extLst>
               <a:ext uri="{FF2B5EF4-FFF2-40B4-BE49-F238E27FC236}">
-                <a16:creationId xmlns:a16="http://schemas.microsoft.com/office/drawing/2014/main" xmlns="" id="{A24C110B-5666-4CAC-9935-17BA900407EB}"/>
+                <a16:creationId xmlns="" xmlns:a16="http://schemas.microsoft.com/office/drawing/2014/main" id="{A24C110B-5666-4CAC-9935-17BA900407EB}"/>
               </a:ext>
             </a:extLst>
           </p:cNvPr>
@@ -22429,7 +26825,7 @@
           <p:cNvPr id="4" name="Text Placeholder 3">
             <a:extLst>
               <a:ext uri="{FF2B5EF4-FFF2-40B4-BE49-F238E27FC236}">
-                <a16:creationId xmlns:a16="http://schemas.microsoft.com/office/drawing/2014/main" xmlns="" id="{1A5EEBFA-7C3F-40BC-A736-89E2871AB916}"/>
+                <a16:creationId xmlns="" xmlns:a16="http://schemas.microsoft.com/office/drawing/2014/main" id="{1A5EEBFA-7C3F-40BC-A736-89E2871AB916}"/>
               </a:ext>
             </a:extLst>
           </p:cNvPr>
@@ -22500,7 +26896,7 @@
           <p:cNvPr id="5" name="Date Placeholder 4">
             <a:extLst>
               <a:ext uri="{FF2B5EF4-FFF2-40B4-BE49-F238E27FC236}">
-                <a16:creationId xmlns:a16="http://schemas.microsoft.com/office/drawing/2014/main" xmlns="" id="{0F9791BC-52F7-4098-BD77-EB52CAD311D7}"/>
+                <a16:creationId xmlns="" xmlns:a16="http://schemas.microsoft.com/office/drawing/2014/main" id="{0F9791BC-52F7-4098-BD77-EB52CAD311D7}"/>
               </a:ext>
             </a:extLst>
           </p:cNvPr>
@@ -22518,7 +26914,7 @@
           <a:p>
             <a:fld id="{96B0AB5A-E802-48CF-A5B9-FE8704AC6519}" type="datetimeFigureOut">
               <a:rPr lang="en-CA" smtClean="0"/>
-              <a:t>2017-10-25</a:t>
+              <a:t>2017-10-28</a:t>
             </a:fld>
             <a:endParaRPr lang="en-CA"/>
           </a:p>
@@ -22529,7 +26925,7 @@
           <p:cNvPr id="6" name="Footer Placeholder 5">
             <a:extLst>
               <a:ext uri="{FF2B5EF4-FFF2-40B4-BE49-F238E27FC236}">
-                <a16:creationId xmlns:a16="http://schemas.microsoft.com/office/drawing/2014/main" xmlns="" id="{E2F409E7-1C98-4E39-B7A6-5F89DA98469F}"/>
+                <a16:creationId xmlns="" xmlns:a16="http://schemas.microsoft.com/office/drawing/2014/main" id="{E2F409E7-1C98-4E39-B7A6-5F89DA98469F}"/>
               </a:ext>
             </a:extLst>
           </p:cNvPr>
@@ -22554,7 +26950,7 @@
           <p:cNvPr id="7" name="Slide Number Placeholder 6">
             <a:extLst>
               <a:ext uri="{FF2B5EF4-FFF2-40B4-BE49-F238E27FC236}">
-                <a16:creationId xmlns:a16="http://schemas.microsoft.com/office/drawing/2014/main" xmlns="" id="{BDC7D36C-18CF-4995-B3BF-440113BC7738}"/>
+                <a16:creationId xmlns="" xmlns:a16="http://schemas.microsoft.com/office/drawing/2014/main" id="{BDC7D36C-18CF-4995-B3BF-440113BC7738}"/>
               </a:ext>
             </a:extLst>
           </p:cNvPr>
@@ -22618,7 +27014,7 @@
           <p:cNvPr id="2" name="Title Placeholder 1">
             <a:extLst>
               <a:ext uri="{FF2B5EF4-FFF2-40B4-BE49-F238E27FC236}">
-                <a16:creationId xmlns:a16="http://schemas.microsoft.com/office/drawing/2014/main" xmlns="" id="{E5B4AD75-DD9C-4FBC-861B-1923DAD4C653}"/>
+                <a16:creationId xmlns="" xmlns:a16="http://schemas.microsoft.com/office/drawing/2014/main" id="{E5B4AD75-DD9C-4FBC-861B-1923DAD4C653}"/>
               </a:ext>
             </a:extLst>
           </p:cNvPr>
@@ -22657,7 +27053,7 @@
           <p:cNvPr id="3" name="Text Placeholder 2">
             <a:extLst>
               <a:ext uri="{FF2B5EF4-FFF2-40B4-BE49-F238E27FC236}">
-                <a16:creationId xmlns:a16="http://schemas.microsoft.com/office/drawing/2014/main" xmlns="" id="{4D568E8A-8FC5-429A-BBC2-86B33A87A88A}"/>
+                <a16:creationId xmlns="" xmlns:a16="http://schemas.microsoft.com/office/drawing/2014/main" id="{4D568E8A-8FC5-429A-BBC2-86B33A87A88A}"/>
               </a:ext>
             </a:extLst>
           </p:cNvPr>
@@ -22725,7 +27121,7 @@
           <p:cNvPr id="4" name="Date Placeholder 3">
             <a:extLst>
               <a:ext uri="{FF2B5EF4-FFF2-40B4-BE49-F238E27FC236}">
-                <a16:creationId xmlns:a16="http://schemas.microsoft.com/office/drawing/2014/main" xmlns="" id="{29A9B9B8-7E0D-4EC3-A0F8-0CFBC57A3D7E}"/>
+                <a16:creationId xmlns="" xmlns:a16="http://schemas.microsoft.com/office/drawing/2014/main" id="{29A9B9B8-7E0D-4EC3-A0F8-0CFBC57A3D7E}"/>
               </a:ext>
             </a:extLst>
           </p:cNvPr>
@@ -22761,7 +27157,7 @@
           <a:p>
             <a:fld id="{96B0AB5A-E802-48CF-A5B9-FE8704AC6519}" type="datetimeFigureOut">
               <a:rPr lang="en-CA" smtClean="0"/>
-              <a:t>2017-10-25</a:t>
+              <a:t>2017-10-28</a:t>
             </a:fld>
             <a:endParaRPr lang="en-CA"/>
           </a:p>
@@ -22772,7 +27168,7 @@
           <p:cNvPr id="5" name="Footer Placeholder 4">
             <a:extLst>
               <a:ext uri="{FF2B5EF4-FFF2-40B4-BE49-F238E27FC236}">
-                <a16:creationId xmlns:a16="http://schemas.microsoft.com/office/drawing/2014/main" xmlns="" id="{5701BCBF-10E5-4F5A-AFDC-06F55B5CAA8F}"/>
+                <a16:creationId xmlns="" xmlns:a16="http://schemas.microsoft.com/office/drawing/2014/main" id="{5701BCBF-10E5-4F5A-AFDC-06F55B5CAA8F}"/>
               </a:ext>
             </a:extLst>
           </p:cNvPr>
@@ -22815,7 +27211,7 @@
           <p:cNvPr id="6" name="Slide Number Placeholder 5">
             <a:extLst>
               <a:ext uri="{FF2B5EF4-FFF2-40B4-BE49-F238E27FC236}">
-                <a16:creationId xmlns:a16="http://schemas.microsoft.com/office/drawing/2014/main" xmlns="" id="{68C4BCD5-C523-4222-8576-785E1DE19235}"/>
+                <a16:creationId xmlns="" xmlns:a16="http://schemas.microsoft.com/office/drawing/2014/main" id="{68C4BCD5-C523-4222-8576-785E1DE19235}"/>
               </a:ext>
             </a:extLst>
           </p:cNvPr>
@@ -23183,7 +27579,7 @@
           <p:cNvPr id="2" name="Title 1">
             <a:extLst>
               <a:ext uri="{FF2B5EF4-FFF2-40B4-BE49-F238E27FC236}">
-                <a16:creationId xmlns:a16="http://schemas.microsoft.com/office/drawing/2014/main" xmlns="" id="{FA47EB2B-4331-4E3D-9575-372974FA84E1}"/>
+                <a16:creationId xmlns="" xmlns:a16="http://schemas.microsoft.com/office/drawing/2014/main" id="{FA47EB2B-4331-4E3D-9575-372974FA84E1}"/>
               </a:ext>
             </a:extLst>
           </p:cNvPr>
@@ -23208,7 +27604,7 @@
           <p:cNvPr id="3" name="Subtitle 2">
             <a:extLst>
               <a:ext uri="{FF2B5EF4-FFF2-40B4-BE49-F238E27FC236}">
-                <a16:creationId xmlns:a16="http://schemas.microsoft.com/office/drawing/2014/main" xmlns="" id="{A4D09F98-919E-4EAE-8FE4-8DF28106A8A4}"/>
+                <a16:creationId xmlns="" xmlns:a16="http://schemas.microsoft.com/office/drawing/2014/main" id="{A4D09F98-919E-4EAE-8FE4-8DF28106A8A4}"/>
               </a:ext>
             </a:extLst>
           </p:cNvPr>
@@ -23580,7 +27976,7 @@
           <p:cNvPr id="2" name="Title 1">
             <a:extLst>
               <a:ext uri="{FF2B5EF4-FFF2-40B4-BE49-F238E27FC236}">
-                <a16:creationId xmlns:a16="http://schemas.microsoft.com/office/drawing/2014/main" xmlns="" id="{F88480CC-95B7-44B5-8595-50BB9107EA28}"/>
+                <a16:creationId xmlns="" xmlns:a16="http://schemas.microsoft.com/office/drawing/2014/main" id="{F88480CC-95B7-44B5-8595-50BB9107EA28}"/>
               </a:ext>
             </a:extLst>
           </p:cNvPr>
@@ -23609,7 +28005,7 @@
           <p:cNvPr id="3" name="Content Placeholder 2">
             <a:extLst>
               <a:ext uri="{FF2B5EF4-FFF2-40B4-BE49-F238E27FC236}">
-                <a16:creationId xmlns:a16="http://schemas.microsoft.com/office/drawing/2014/main" xmlns="" id="{52049869-60E6-4A46-87A4-494EC470CA10}"/>
+                <a16:creationId xmlns="" xmlns:a16="http://schemas.microsoft.com/office/drawing/2014/main" id="{52049869-60E6-4A46-87A4-494EC470CA10}"/>
               </a:ext>
             </a:extLst>
           </p:cNvPr>
@@ -23646,7 +28042,7 @@
           <p:cNvPr id="7" name="Picture 6">
             <a:extLst>
               <a:ext uri="{FF2B5EF4-FFF2-40B4-BE49-F238E27FC236}">
-                <a16:creationId xmlns:a16="http://schemas.microsoft.com/office/drawing/2014/main" xmlns="" id="{8D531DE4-F542-40B1-BC6B-BDF4366F0CB8}"/>
+                <a16:creationId xmlns="" xmlns:a16="http://schemas.microsoft.com/office/drawing/2014/main" id="{8D531DE4-F542-40B1-BC6B-BDF4366F0CB8}"/>
               </a:ext>
             </a:extLst>
           </p:cNvPr>
@@ -23682,7 +28078,7 @@
           <p:cNvPr id="8" name="Picture 7">
             <a:extLst>
               <a:ext uri="{FF2B5EF4-FFF2-40B4-BE49-F238E27FC236}">
-                <a16:creationId xmlns:a16="http://schemas.microsoft.com/office/drawing/2014/main" xmlns="" id="{B2B6335A-A462-4125-9593-B2BBFB05446D}"/>
+                <a16:creationId xmlns="" xmlns:a16="http://schemas.microsoft.com/office/drawing/2014/main" id="{B2B6335A-A462-4125-9593-B2BBFB05446D}"/>
               </a:ext>
             </a:extLst>
           </p:cNvPr>
@@ -24155,7 +28551,7 @@
           <p:cNvPr id="2" name="Title 1">
             <a:extLst>
               <a:ext uri="{FF2B5EF4-FFF2-40B4-BE49-F238E27FC236}">
-                <a16:creationId xmlns:a16="http://schemas.microsoft.com/office/drawing/2014/main" xmlns="" id="{9E72733B-3ADC-4709-8C8B-A6CBD9E2C805}"/>
+                <a16:creationId xmlns="" xmlns:a16="http://schemas.microsoft.com/office/drawing/2014/main" id="{9E72733B-3ADC-4709-8C8B-A6CBD9E2C805}"/>
               </a:ext>
             </a:extLst>
           </p:cNvPr>
@@ -24184,7 +28580,7 @@
           <p:cNvPr id="4" name="Content Placeholder 3">
             <a:extLst>
               <a:ext uri="{FF2B5EF4-FFF2-40B4-BE49-F238E27FC236}">
-                <a16:creationId xmlns:a16="http://schemas.microsoft.com/office/drawing/2014/main" xmlns="" id="{85AFC881-2077-45C1-B5BB-B740550E0611}"/>
+                <a16:creationId xmlns="" xmlns:a16="http://schemas.microsoft.com/office/drawing/2014/main" id="{85AFC881-2077-45C1-B5BB-B740550E0611}"/>
               </a:ext>
             </a:extLst>
           </p:cNvPr>
@@ -24209,7 +28605,7 @@
           <p:cNvPr id="7" name="Chart 6">
             <a:extLst>
               <a:ext uri="{FF2B5EF4-FFF2-40B4-BE49-F238E27FC236}">
-                <a16:creationId xmlns:a16="http://schemas.microsoft.com/office/drawing/2014/main" xmlns="" id="{FBE87CE3-BBDF-4804-A7B0-0371F4AC7394}"/>
+                <a16:creationId xmlns="" xmlns:a16="http://schemas.microsoft.com/office/drawing/2014/main" id="{FBE87CE3-BBDF-4804-A7B0-0371F4AC7394}"/>
               </a:ext>
             </a:extLst>
           </p:cNvPr>
@@ -24321,7 +28717,7 @@
           <p:cNvPr id="8" name="Content Placeholder 7">
             <a:extLst>
               <a:ext uri="{FF2B5EF4-FFF2-40B4-BE49-F238E27FC236}">
-                <a16:creationId xmlns="" xmlns:xdr="http://schemas.openxmlformats.org/drawingml/2006/spreadsheetDrawing" xmlns:a16="http://schemas.microsoft.com/office/drawing/2014/main" xmlns:lc="http://schemas.openxmlformats.org/drawingml/2006/lockedCanvas" id="{C00C8559-FC29-48FF-AC1F-859F3EB85551}"/>
+                <a16:creationId xmlns:lc="http://schemas.openxmlformats.org/drawingml/2006/lockedCanvas" xmlns:a16="http://schemas.microsoft.com/office/drawing/2014/main" xmlns:xdr="http://schemas.openxmlformats.org/drawingml/2006/spreadsheetDrawing" xmlns="" id="{C00C8559-FC29-48FF-AC1F-859F3EB85551}"/>
               </a:ext>
             </a:extLst>
           </p:cNvPr>
@@ -24784,7 +29180,7 @@
           <p:cNvPr id="2" name="Title 1">
             <a:extLst>
               <a:ext uri="{FF2B5EF4-FFF2-40B4-BE49-F238E27FC236}">
-                <a16:creationId xmlns:a16="http://schemas.microsoft.com/office/drawing/2014/main" xmlns="" id="{5506469E-1244-4642-907B-B1433F60711B}"/>
+                <a16:creationId xmlns="" xmlns:a16="http://schemas.microsoft.com/office/drawing/2014/main" id="{5506469E-1244-4642-907B-B1433F60711B}"/>
               </a:ext>
             </a:extLst>
           </p:cNvPr>
@@ -24812,7 +29208,7 @@
           <p:cNvPr id="4" name="Content Placeholder 3">
             <a:extLst>
               <a:ext uri="{FF2B5EF4-FFF2-40B4-BE49-F238E27FC236}">
-                <a16:creationId xmlns:a16="http://schemas.microsoft.com/office/drawing/2014/main" xmlns="" id="{14837406-5535-4D53-B38D-5FA66CF97038}"/>
+                <a16:creationId xmlns="" xmlns:a16="http://schemas.microsoft.com/office/drawing/2014/main" id="{14837406-5535-4D53-B38D-5FA66CF97038}"/>
               </a:ext>
             </a:extLst>
           </p:cNvPr>
@@ -24917,25 +29313,79 @@
           </a:p>
         </p:txBody>
       </p:sp>
-      <p:sp>
-        <p:nvSpPr>
-          <p:cNvPr id="3" name="Content Placeholder 2"/>
-          <p:cNvSpPr>
-            <a:spLocks noGrp="1"/>
-          </p:cNvSpPr>
+      <p:graphicFrame>
+        <p:nvGraphicFramePr>
+          <p:cNvPr id="4" name="Content Placeholder 3"/>
+          <p:cNvGraphicFramePr>
+            <a:graphicFrameLocks noGrp="1"/>
+          </p:cNvGraphicFramePr>
           <p:nvPr>
             <p:ph idx="1"/>
+            <p:extLst>
+              <p:ext uri="{D42A27DB-BD31-4B8C-83A1-F6EECF244321}">
+                <p14:modId xmlns:p14="http://schemas.microsoft.com/office/powerpoint/2010/main" val="1751464441"/>
+              </p:ext>
+            </p:extLst>
           </p:nvPr>
-        </p:nvSpPr>
-        <p:spPr/>
-        <p:txBody>
-          <a:bodyPr/>
-          <a:lstStyle/>
-          <a:p>
-            <a:endParaRPr lang="en-US"/>
-          </a:p>
-        </p:txBody>
-      </p:sp>
+        </p:nvGraphicFramePr>
+        <p:xfrm>
+          <a:off x="546100" y="2111772"/>
+          <a:ext cx="5099050" cy="2887663"/>
+        </p:xfrm>
+        <a:graphic>
+          <a:graphicData uri="http://schemas.openxmlformats.org/drawingml/2006/chart">
+            <c:chart xmlns:c="http://schemas.openxmlformats.org/drawingml/2006/chart" xmlns:r="http://schemas.openxmlformats.org/officeDocument/2006/relationships" r:id="rId2"/>
+          </a:graphicData>
+        </a:graphic>
+      </p:graphicFrame>
+      <p:graphicFrame>
+        <p:nvGraphicFramePr>
+          <p:cNvPr id="5" name="Chart 4"/>
+          <p:cNvGraphicFramePr>
+            <a:graphicFrameLocks/>
+          </p:cNvGraphicFramePr>
+          <p:nvPr>
+            <p:extLst>
+              <p:ext uri="{D42A27DB-BD31-4B8C-83A1-F6EECF244321}">
+                <p14:modId xmlns:p14="http://schemas.microsoft.com/office/powerpoint/2010/main" val="1578573015"/>
+              </p:ext>
+            </p:extLst>
+          </p:nvPr>
+        </p:nvGraphicFramePr>
+        <p:xfrm>
+          <a:off x="6146800" y="1296988"/>
+          <a:ext cx="5416550" cy="2887663"/>
+        </p:xfrm>
+        <a:graphic>
+          <a:graphicData uri="http://schemas.openxmlformats.org/drawingml/2006/chart">
+            <c:chart xmlns:c="http://schemas.openxmlformats.org/drawingml/2006/chart" xmlns:r="http://schemas.openxmlformats.org/officeDocument/2006/relationships" r:id="rId3"/>
+          </a:graphicData>
+        </a:graphic>
+      </p:graphicFrame>
+      <p:graphicFrame>
+        <p:nvGraphicFramePr>
+          <p:cNvPr id="6" name="Chart 5"/>
+          <p:cNvGraphicFramePr>
+            <a:graphicFrameLocks/>
+          </p:cNvGraphicFramePr>
+          <p:nvPr>
+            <p:extLst>
+              <p:ext uri="{D42A27DB-BD31-4B8C-83A1-F6EECF244321}">
+                <p14:modId xmlns:p14="http://schemas.microsoft.com/office/powerpoint/2010/main" val="1063688067"/>
+              </p:ext>
+            </p:extLst>
+          </p:nvPr>
+        </p:nvGraphicFramePr>
+        <p:xfrm>
+          <a:off x="6146800" y="4042568"/>
+          <a:ext cx="5416550" cy="2815432"/>
+        </p:xfrm>
+        <a:graphic>
+          <a:graphicData uri="http://schemas.openxmlformats.org/drawingml/2006/chart">
+            <c:chart xmlns:c="http://schemas.openxmlformats.org/drawingml/2006/chart" xmlns:r="http://schemas.openxmlformats.org/officeDocument/2006/relationships" r:id="rId4"/>
+          </a:graphicData>
+        </a:graphic>
+      </p:graphicFrame>
     </p:spTree>
     <p:extLst>
       <p:ext uri="{BB962C8B-B14F-4D97-AF65-F5344CB8AC3E}">
@@ -25039,7 +29489,7 @@
           <p:cNvPr id="2" name="Title 1">
             <a:extLst>
               <a:ext uri="{FF2B5EF4-FFF2-40B4-BE49-F238E27FC236}">
-                <a16:creationId xmlns:a16="http://schemas.microsoft.com/office/drawing/2014/main" xmlns="" id="{C3F5CDFC-1D41-42B8-9223-6129DEC6C293}"/>
+                <a16:creationId xmlns="" xmlns:a16="http://schemas.microsoft.com/office/drawing/2014/main" id="{C3F5CDFC-1D41-42B8-9223-6129DEC6C293}"/>
               </a:ext>
             </a:extLst>
           </p:cNvPr>
@@ -25067,7 +29517,7 @@
           <p:cNvPr id="4" name="Content Placeholder 3">
             <a:extLst>
               <a:ext uri="{FF2B5EF4-FFF2-40B4-BE49-F238E27FC236}">
-                <a16:creationId xmlns:a16="http://schemas.microsoft.com/office/drawing/2014/main" xmlns="" id="{63ECDBED-7E6C-40D5-AC3A-4B4B35A132F9}"/>
+                <a16:creationId xmlns="" xmlns:a16="http://schemas.microsoft.com/office/drawing/2014/main" id="{63ECDBED-7E6C-40D5-AC3A-4B4B35A132F9}"/>
               </a:ext>
             </a:extLst>
           </p:cNvPr>
@@ -25158,7 +29608,7 @@
           <p:cNvPr id="2" name="Title 1">
             <a:extLst>
               <a:ext uri="{FF2B5EF4-FFF2-40B4-BE49-F238E27FC236}">
-                <a16:creationId xmlns:a16="http://schemas.microsoft.com/office/drawing/2014/main" xmlns="" id="{99B70518-582A-46A1-8C6C-709B5B3C47F4}"/>
+                <a16:creationId xmlns="" xmlns:a16="http://schemas.microsoft.com/office/drawing/2014/main" id="{99B70518-582A-46A1-8C6C-709B5B3C47F4}"/>
               </a:ext>
             </a:extLst>
           </p:cNvPr>
@@ -25378,7 +29828,7 @@
           <p:cNvPr id="2" name="Title 1">
             <a:extLst>
               <a:ext uri="{FF2B5EF4-FFF2-40B4-BE49-F238E27FC236}">
-                <a16:creationId xmlns:a16="http://schemas.microsoft.com/office/drawing/2014/main" xmlns="" id="{C0DC2B9B-FCB5-4621-ABB4-77B660602A25}"/>
+                <a16:creationId xmlns="" xmlns:a16="http://schemas.microsoft.com/office/drawing/2014/main" id="{C0DC2B9B-FCB5-4621-ABB4-77B660602A25}"/>
               </a:ext>
             </a:extLst>
           </p:cNvPr>
@@ -25406,7 +29856,7 @@
           <p:cNvPr id="4" name="Content Placeholder 3" descr="C:\Users\ke\Desktop\Figure_1.png">
             <a:extLst>
               <a:ext uri="{FF2B5EF4-FFF2-40B4-BE49-F238E27FC236}">
-                <a16:creationId xmlns:a16="http://schemas.microsoft.com/office/drawing/2014/main" xmlns="" id="{4D21BC85-7DF2-4CAA-BD03-EE4871E463F2}"/>
+                <a16:creationId xmlns="" xmlns:a16="http://schemas.microsoft.com/office/drawing/2014/main" id="{4D21BC85-7DF2-4CAA-BD03-EE4871E463F2}"/>
               </a:ext>
             </a:extLst>
           </p:cNvPr>
@@ -25449,7 +29899,7 @@
           <p:cNvPr id="6" name="TextBox 5">
             <a:extLst>
               <a:ext uri="{FF2B5EF4-FFF2-40B4-BE49-F238E27FC236}">
-                <a16:creationId xmlns:a16="http://schemas.microsoft.com/office/drawing/2014/main" xmlns="" id="{FF07B87F-C8DD-4F75-AF75-8EE671EF4690}"/>
+                <a16:creationId xmlns="" xmlns:a16="http://schemas.microsoft.com/office/drawing/2014/main" id="{FF07B87F-C8DD-4F75-AF75-8EE671EF4690}"/>
               </a:ext>
             </a:extLst>
           </p:cNvPr>
@@ -25508,7 +29958,7 @@
           <p:cNvPr id="5" name="Table 4">
             <a:extLst>
               <a:ext uri="{FF2B5EF4-FFF2-40B4-BE49-F238E27FC236}">
-                <a16:creationId xmlns:a16="http://schemas.microsoft.com/office/drawing/2014/main" xmlns="" id="{7229B7B9-B18A-4703-9B4E-3C8CBCE0D5D8}"/>
+                <a16:creationId xmlns="" xmlns:a16="http://schemas.microsoft.com/office/drawing/2014/main" id="{7229B7B9-B18A-4703-9B4E-3C8CBCE0D5D8}"/>
               </a:ext>
             </a:extLst>
           </p:cNvPr>
@@ -25537,21 +29987,21 @@
                 <a:gridCol w="983916">
                   <a:extLst>
                     <a:ext uri="{9D8B030D-6E8A-4147-A177-3AD203B41FA5}">
-                      <a16:colId xmlns:a16="http://schemas.microsoft.com/office/drawing/2014/main" xmlns="" val="3735259432"/>
+                      <a16:colId xmlns="" xmlns:a16="http://schemas.microsoft.com/office/drawing/2014/main" val="3735259432"/>
                     </a:ext>
                   </a:extLst>
                 </a:gridCol>
                 <a:gridCol w="983916">
                   <a:extLst>
                     <a:ext uri="{9D8B030D-6E8A-4147-A177-3AD203B41FA5}">
-                      <a16:colId xmlns:a16="http://schemas.microsoft.com/office/drawing/2014/main" xmlns="" val="1134382208"/>
+                      <a16:colId xmlns="" xmlns:a16="http://schemas.microsoft.com/office/drawing/2014/main" val="1134382208"/>
                     </a:ext>
                   </a:extLst>
                 </a:gridCol>
                 <a:gridCol w="983916">
                   <a:extLst>
                     <a:ext uri="{9D8B030D-6E8A-4147-A177-3AD203B41FA5}">
-                      <a16:colId xmlns:a16="http://schemas.microsoft.com/office/drawing/2014/main" xmlns="" val="1257578719"/>
+                      <a16:colId xmlns="" xmlns:a16="http://schemas.microsoft.com/office/drawing/2014/main" val="1257578719"/>
                     </a:ext>
                   </a:extLst>
                 </a:gridCol>
@@ -25628,7 +30078,7 @@
                 </a:tc>
                 <a:extLst>
                   <a:ext uri="{0D108BD9-81ED-4DB2-BD59-A6C34878D82A}">
-                    <a16:rowId xmlns:a16="http://schemas.microsoft.com/office/drawing/2014/main" xmlns="" val="1625375486"/>
+                    <a16:rowId xmlns="" xmlns:a16="http://schemas.microsoft.com/office/drawing/2014/main" val="1625375486"/>
                   </a:ext>
                 </a:extLst>
               </a:tr>
@@ -25704,7 +30154,7 @@
                 </a:tc>
                 <a:extLst>
                   <a:ext uri="{0D108BD9-81ED-4DB2-BD59-A6C34878D82A}">
-                    <a16:rowId xmlns:a16="http://schemas.microsoft.com/office/drawing/2014/main" xmlns="" val="1346036712"/>
+                    <a16:rowId xmlns="" xmlns:a16="http://schemas.microsoft.com/office/drawing/2014/main" val="1346036712"/>
                   </a:ext>
                 </a:extLst>
               </a:tr>
@@ -25780,7 +30230,7 @@
                 </a:tc>
                 <a:extLst>
                   <a:ext uri="{0D108BD9-81ED-4DB2-BD59-A6C34878D82A}">
-                    <a16:rowId xmlns:a16="http://schemas.microsoft.com/office/drawing/2014/main" xmlns="" val="2275640152"/>
+                    <a16:rowId xmlns="" xmlns:a16="http://schemas.microsoft.com/office/drawing/2014/main" val="2275640152"/>
                   </a:ext>
                 </a:extLst>
               </a:tr>

--- a/UG_results.pptx
+++ b/UG_results.pptx
@@ -184,6 +184,7 @@
           </a:p>
         </c:rich>
       </c:tx>
+      <c:layout/>
       <c:overlay val="0"/>
       <c:spPr>
         <a:noFill/>
@@ -554,11 +555,11 @@
         </c:dLbls>
         <c:gapWidth val="219"/>
         <c:overlap val="-27"/>
-        <c:axId val="1365130720"/>
-        <c:axId val="1365133552"/>
+        <c:axId val="-1580954848"/>
+        <c:axId val="-1580327392"/>
       </c:barChart>
       <c:catAx>
-        <c:axId val="1365130720"/>
+        <c:axId val="-1580954848"/>
         <c:scaling>
           <c:orientation val="minMax"/>
         </c:scaling>
@@ -601,7 +602,7 @@
             <a:endParaRPr lang="en-US"/>
           </a:p>
         </c:txPr>
-        <c:crossAx val="1365133552"/>
+        <c:crossAx val="-1580327392"/>
         <c:crosses val="autoZero"/>
         <c:auto val="1"/>
         <c:lblAlgn val="ctr"/>
@@ -609,7 +610,7 @@
         <c:noMultiLvlLbl val="0"/>
       </c:catAx>
       <c:valAx>
-        <c:axId val="1365133552"/>
+        <c:axId val="-1580327392"/>
         <c:scaling>
           <c:orientation val="minMax"/>
         </c:scaling>
@@ -660,7 +661,7 @@
             <a:endParaRPr lang="en-US"/>
           </a:p>
         </c:txPr>
-        <c:crossAx val="1365130720"/>
+        <c:crossAx val="-1580954848"/>
         <c:crosses val="autoZero"/>
         <c:crossBetween val="between"/>
       </c:valAx>
@@ -674,6 +675,7 @@
     </c:plotArea>
     <c:legend>
       <c:legendPos val="b"/>
+      <c:layout/>
       <c:overlay val="0"/>
       <c:spPr>
         <a:noFill/>
@@ -1272,11 +1274,11 @@
         </c:dLbls>
         <c:gapWidth val="219"/>
         <c:overlap val="-27"/>
-        <c:axId val="1359313376"/>
-        <c:axId val="1359303728"/>
+        <c:axId val="-1532794928"/>
+        <c:axId val="-1620162704"/>
       </c:barChart>
       <c:catAx>
-        <c:axId val="1359313376"/>
+        <c:axId val="-1532794928"/>
         <c:scaling>
           <c:orientation val="minMax"/>
         </c:scaling>
@@ -1380,7 +1382,7 @@
             <a:endParaRPr lang="en-US"/>
           </a:p>
         </c:txPr>
-        <c:crossAx val="1359303728"/>
+        <c:crossAx val="-1620162704"/>
         <c:crosses val="autoZero"/>
         <c:auto val="1"/>
         <c:lblAlgn val="ctr"/>
@@ -1388,7 +1390,7 @@
         <c:noMultiLvlLbl val="0"/>
       </c:catAx>
       <c:valAx>
-        <c:axId val="1359303728"/>
+        <c:axId val="-1620162704"/>
         <c:scaling>
           <c:orientation val="minMax"/>
           <c:max val="1.0"/>
@@ -1496,7 +1498,7 @@
             <a:endParaRPr lang="en-US"/>
           </a:p>
         </c:txPr>
-        <c:crossAx val="1359313376"/>
+        <c:crossAx val="-1532794928"/>
         <c:crosses val="autoZero"/>
         <c:crossBetween val="between"/>
       </c:valAx>
@@ -2121,11 +2123,11 @@
         </c:dLbls>
         <c:gapWidth val="219"/>
         <c:overlap val="-27"/>
-        <c:axId val="1359248096"/>
-        <c:axId val="1359251488"/>
+        <c:axId val="-1428679984"/>
+        <c:axId val="-1621807344"/>
       </c:barChart>
       <c:catAx>
-        <c:axId val="1359248096"/>
+        <c:axId val="-1428679984"/>
         <c:scaling>
           <c:orientation val="minMax"/>
         </c:scaling>
@@ -2233,7 +2235,7 @@
             <a:endParaRPr lang="en-US"/>
           </a:p>
         </c:txPr>
-        <c:crossAx val="1359251488"/>
+        <c:crossAx val="-1621807344"/>
         <c:crosses val="autoZero"/>
         <c:auto val="1"/>
         <c:lblAlgn val="ctr"/>
@@ -2241,7 +2243,7 @@
         <c:noMultiLvlLbl val="0"/>
       </c:catAx>
       <c:valAx>
-        <c:axId val="1359251488"/>
+        <c:axId val="-1621807344"/>
         <c:scaling>
           <c:orientation val="minMax"/>
           <c:max val="1.0"/>
@@ -2357,7 +2359,7 @@
             <a:endParaRPr lang="en-US"/>
           </a:p>
         </c:txPr>
-        <c:crossAx val="1359248096"/>
+        <c:crossAx val="-1428679984"/>
         <c:crosses val="autoZero"/>
         <c:crossBetween val="between"/>
       </c:valAx>
@@ -2974,11 +2976,11 @@
         </c:dLbls>
         <c:gapWidth val="219"/>
         <c:overlap val="-27"/>
-        <c:axId val="1361638256"/>
-        <c:axId val="1361641648"/>
+        <c:axId val="-1530042976"/>
+        <c:axId val="-1400854336"/>
       </c:barChart>
       <c:catAx>
-        <c:axId val="1361638256"/>
+        <c:axId val="-1530042976"/>
         <c:scaling>
           <c:orientation val="minMax"/>
         </c:scaling>
@@ -3086,7 +3088,7 @@
             <a:endParaRPr lang="en-US"/>
           </a:p>
         </c:txPr>
-        <c:crossAx val="1361641648"/>
+        <c:crossAx val="-1400854336"/>
         <c:crosses val="autoZero"/>
         <c:auto val="1"/>
         <c:lblAlgn val="ctr"/>
@@ -3094,7 +3096,7 @@
         <c:noMultiLvlLbl val="0"/>
       </c:catAx>
       <c:valAx>
-        <c:axId val="1361641648"/>
+        <c:axId val="-1400854336"/>
         <c:scaling>
           <c:orientation val="minMax"/>
         </c:scaling>
@@ -3210,7 +3212,7 @@
             <a:endParaRPr lang="en-US"/>
           </a:p>
         </c:txPr>
-        <c:crossAx val="1361638256"/>
+        <c:crossAx val="-1530042976"/>
         <c:crosses val="autoZero"/>
         <c:crossBetween val="between"/>
       </c:valAx>
@@ -3655,11 +3657,11 @@
         </c:dLbls>
         <c:gapWidth val="219"/>
         <c:overlap val="-27"/>
-        <c:axId val="1359200528"/>
-        <c:axId val="1359191216"/>
+        <c:axId val="-1398464816"/>
+        <c:axId val="-1490277040"/>
       </c:barChart>
       <c:catAx>
-        <c:axId val="1359200528"/>
+        <c:axId val="-1398464816"/>
         <c:scaling>
           <c:orientation val="minMax"/>
         </c:scaling>
@@ -3767,7 +3769,7 @@
             <a:endParaRPr lang="en-US"/>
           </a:p>
         </c:txPr>
-        <c:crossAx val="1359191216"/>
+        <c:crossAx val="-1490277040"/>
         <c:crosses val="autoZero"/>
         <c:auto val="1"/>
         <c:lblAlgn val="ctr"/>
@@ -3775,7 +3777,7 @@
         <c:noMultiLvlLbl val="0"/>
       </c:catAx>
       <c:valAx>
-        <c:axId val="1359191216"/>
+        <c:axId val="-1490277040"/>
         <c:scaling>
           <c:orientation val="minMax"/>
           <c:max val="1.0"/>
@@ -3899,7 +3901,7 @@
             <a:endParaRPr lang="en-US"/>
           </a:p>
         </c:txPr>
-        <c:crossAx val="1359200528"/>
+        <c:crossAx val="-1398464816"/>
         <c:crosses val="autoZero"/>
         <c:crossBetween val="between"/>
       </c:valAx>
@@ -4321,11 +4323,11 @@
         </c:dLbls>
         <c:gapWidth val="219"/>
         <c:overlap val="-27"/>
-        <c:axId val="1361672896"/>
-        <c:axId val="1361676800"/>
+        <c:axId val="-1492056192"/>
+        <c:axId val="-1400298064"/>
       </c:barChart>
       <c:catAx>
-        <c:axId val="1361672896"/>
+        <c:axId val="-1492056192"/>
         <c:scaling>
           <c:orientation val="minMax"/>
         </c:scaling>
@@ -4440,7 +4442,7 @@
             <a:endParaRPr lang="en-US"/>
           </a:p>
         </c:txPr>
-        <c:crossAx val="1361676800"/>
+        <c:crossAx val="-1400298064"/>
         <c:crosses val="autoZero"/>
         <c:auto val="1"/>
         <c:lblAlgn val="ctr"/>
@@ -4448,7 +4450,7 @@
         <c:noMultiLvlLbl val="0"/>
       </c:catAx>
       <c:valAx>
-        <c:axId val="1361676800"/>
+        <c:axId val="-1400298064"/>
         <c:scaling>
           <c:orientation val="minMax"/>
           <c:max val="1.0"/>
@@ -4564,7 +4566,7 @@
             <a:endParaRPr lang="en-US"/>
           </a:p>
         </c:txPr>
-        <c:crossAx val="1361672896"/>
+        <c:crossAx val="-1492056192"/>
         <c:crosses val="autoZero"/>
         <c:crossBetween val="between"/>
       </c:valAx>
@@ -4955,11 +4957,11 @@
         </c:dLbls>
         <c:gapWidth val="219"/>
         <c:overlap val="-27"/>
-        <c:axId val="1361517888"/>
-        <c:axId val="1361520720"/>
+        <c:axId val="-1400462480"/>
+        <c:axId val="-1400731312"/>
       </c:barChart>
       <c:catAx>
-        <c:axId val="1361517888"/>
+        <c:axId val="-1400462480"/>
         <c:scaling>
           <c:orientation val="minMax"/>
         </c:scaling>
@@ -5002,7 +5004,7 @@
             <a:endParaRPr lang="en-US"/>
           </a:p>
         </c:txPr>
-        <c:crossAx val="1361520720"/>
+        <c:crossAx val="-1400731312"/>
         <c:crosses val="autoZero"/>
         <c:auto val="1"/>
         <c:lblAlgn val="ctr"/>
@@ -5010,7 +5012,7 @@
         <c:noMultiLvlLbl val="0"/>
       </c:catAx>
       <c:valAx>
-        <c:axId val="1361520720"/>
+        <c:axId val="-1400731312"/>
         <c:scaling>
           <c:orientation val="minMax"/>
           <c:max val="1.0"/>
@@ -5118,2782 +5120,7 @@
             <a:endParaRPr lang="en-US"/>
           </a:p>
         </c:txPr>
-        <c:crossAx val="1361517888"/>
-        <c:crosses val="autoZero"/>
-        <c:crossBetween val="between"/>
-      </c:valAx>
-      <c:spPr>
-        <a:noFill/>
-        <a:ln>
-          <a:noFill/>
-        </a:ln>
-        <a:effectLst/>
-      </c:spPr>
-    </c:plotArea>
-    <c:legend>
-      <c:legendPos val="b"/>
-      <c:layout/>
-      <c:overlay val="0"/>
-      <c:spPr>
-        <a:noFill/>
-        <a:ln>
-          <a:noFill/>
-        </a:ln>
-        <a:effectLst/>
-      </c:spPr>
-      <c:txPr>
-        <a:bodyPr rot="0" spcFirstLastPara="1" vertOverflow="ellipsis" vert="horz" wrap="square" anchor="ctr" anchorCtr="1"/>
-        <a:lstStyle/>
-        <a:p>
-          <a:pPr>
-            <a:defRPr sz="900" b="0" i="0" u="none" strike="noStrike" kern="1200" baseline="0">
-              <a:solidFill>
-                <a:schemeClr val="tx1">
-                  <a:lumMod val="65000"/>
-                  <a:lumOff val="35000"/>
-                </a:schemeClr>
-              </a:solidFill>
-              <a:latin typeface="+mn-lt"/>
-              <a:ea typeface="+mn-ea"/>
-              <a:cs typeface="+mn-cs"/>
-            </a:defRPr>
-          </a:pPr>
-          <a:endParaRPr lang="en-US"/>
-        </a:p>
-      </c:txPr>
-    </c:legend>
-    <c:plotVisOnly val="1"/>
-    <c:dispBlanksAs val="gap"/>
-    <c:showDLblsOverMax val="0"/>
-  </c:chart>
-  <c:spPr>
-    <a:noFill/>
-    <a:ln>
-      <a:noFill/>
-    </a:ln>
-    <a:effectLst/>
-  </c:spPr>
-  <c:txPr>
-    <a:bodyPr/>
-    <a:lstStyle/>
-    <a:p>
-      <a:pPr>
-        <a:defRPr/>
-      </a:pPr>
-      <a:endParaRPr lang="en-US"/>
-    </a:p>
-  </c:txPr>
-  <c:externalData r:id="rId3">
-    <c:autoUpdate val="0"/>
-  </c:externalData>
-</c:chartSpace>
-</file>
-
-<file path=ppt/charts/chart16.xml><?xml version="1.0" encoding="utf-8"?>
-<c:chartSpace xmlns:c="http://schemas.openxmlformats.org/drawingml/2006/chart" xmlns:a="http://schemas.openxmlformats.org/drawingml/2006/main" xmlns:r="http://schemas.openxmlformats.org/officeDocument/2006/relationships">
-  <c:date1904 val="0"/>
-  <c:lang val="en-US"/>
-  <c:roundedCorners val="0"/>
-  <mc:AlternateContent xmlns:mc="http://schemas.openxmlformats.org/markup-compatibility/2006">
-    <mc:Choice xmlns:c14="http://schemas.microsoft.com/office/drawing/2007/8/2/chart" Requires="c14">
-      <c14:style val="102"/>
-    </mc:Choice>
-    <mc:Fallback>
-      <c:style val="2"/>
-    </mc:Fallback>
-  </mc:AlternateContent>
-  <c:chart>
-    <c:title>
-      <c:tx>
-        <c:rich>
-          <a:bodyPr rot="0" spcFirstLastPara="1" vertOverflow="ellipsis" vert="horz" wrap="square" anchor="ctr" anchorCtr="1"/>
-          <a:lstStyle/>
-          <a:p>
-            <a:pPr>
-              <a:defRPr sz="1400" b="0" i="0" u="none" strike="noStrike" kern="1200" spc="0" baseline="0">
-                <a:solidFill>
-                  <a:schemeClr val="tx1">
-                    <a:lumMod val="65000"/>
-                    <a:lumOff val="35000"/>
-                  </a:schemeClr>
-                </a:solidFill>
-                <a:latin typeface="+mn-lt"/>
-                <a:ea typeface="+mn-ea"/>
-                <a:cs typeface="+mn-cs"/>
-              </a:defRPr>
-            </a:pPr>
-            <a:r>
-              <a:rPr lang="en-US"/>
-              <a:t>Baseline and opponent proposed</a:t>
-            </a:r>
-            <a:r>
-              <a:rPr lang="en-US" baseline="0"/>
-              <a:t> amount</a:t>
-            </a:r>
-            <a:endParaRPr lang="en-US"/>
-          </a:p>
-        </c:rich>
-      </c:tx>
-      <c:layout/>
-      <c:overlay val="0"/>
-      <c:spPr>
-        <a:noFill/>
-        <a:ln>
-          <a:noFill/>
-        </a:ln>
-        <a:effectLst/>
-      </c:spPr>
-      <c:txPr>
-        <a:bodyPr rot="0" spcFirstLastPara="1" vertOverflow="ellipsis" vert="horz" wrap="square" anchor="ctr" anchorCtr="1"/>
-        <a:lstStyle/>
-        <a:p>
-          <a:pPr>
-            <a:defRPr sz="1400" b="0" i="0" u="none" strike="noStrike" kern="1200" spc="0" baseline="0">
-              <a:solidFill>
-                <a:schemeClr val="tx1">
-                  <a:lumMod val="65000"/>
-                  <a:lumOff val="35000"/>
-                </a:schemeClr>
-              </a:solidFill>
-              <a:latin typeface="+mn-lt"/>
-              <a:ea typeface="+mn-ea"/>
-              <a:cs typeface="+mn-cs"/>
-            </a:defRPr>
-          </a:pPr>
-          <a:endParaRPr lang="en-US"/>
-        </a:p>
-      </c:txPr>
-    </c:title>
-    <c:autoTitleDeleted val="0"/>
-    <c:plotArea>
-      <c:layout/>
-      <c:barChart>
-        <c:barDir val="col"/>
-        <c:grouping val="clustered"/>
-        <c:varyColors val="0"/>
-        <c:ser>
-          <c:idx val="0"/>
-          <c:order val="0"/>
-          <c:tx>
-            <c:strRef>
-              <c:f>oppoProposedSize_percent!$L$6</c:f>
-              <c:strCache>
-                <c:ptCount val="1"/>
-                <c:pt idx="0">
-                  <c:v>AttempterHL</c:v>
-                </c:pt>
-              </c:strCache>
-            </c:strRef>
-          </c:tx>
-          <c:spPr>
-            <a:solidFill>
-              <a:schemeClr val="accent1"/>
-            </a:solidFill>
-            <a:ln>
-              <a:noFill/>
-            </a:ln>
-            <a:effectLst/>
-          </c:spPr>
-          <c:invertIfNegative val="0"/>
-          <c:errBars>
-            <c:errBarType val="both"/>
-            <c:errValType val="stdErr"/>
-            <c:noEndCap val="0"/>
-            <c:spPr>
-              <a:noFill/>
-              <a:ln w="9525" cap="flat" cmpd="sng" algn="ctr">
-                <a:solidFill>
-                  <a:schemeClr val="tx1">
-                    <a:lumMod val="65000"/>
-                    <a:lumOff val="35000"/>
-                  </a:schemeClr>
-                </a:solidFill>
-                <a:round/>
-              </a:ln>
-              <a:effectLst/>
-            </c:spPr>
-          </c:errBars>
-          <c:cat>
-            <c:numRef>
-              <c:f>oppoProposedSize_percent!$K$7:$K$16</c:f>
-              <c:numCache>
-                <c:formatCode>General</c:formatCode>
-                <c:ptCount val="10"/>
-                <c:pt idx="0">
-                  <c:v>2.0</c:v>
-                </c:pt>
-                <c:pt idx="1">
-                  <c:v>4.0</c:v>
-                </c:pt>
-                <c:pt idx="2">
-                  <c:v>7.0</c:v>
-                </c:pt>
-                <c:pt idx="3">
-                  <c:v>8.0</c:v>
-                </c:pt>
-                <c:pt idx="4">
-                  <c:v>9.0</c:v>
-                </c:pt>
-                <c:pt idx="5">
-                  <c:v>11.0</c:v>
-                </c:pt>
-                <c:pt idx="6">
-                  <c:v>12.0</c:v>
-                </c:pt>
-                <c:pt idx="7">
-                  <c:v>14.0</c:v>
-                </c:pt>
-                <c:pt idx="8">
-                  <c:v>16.0</c:v>
-                </c:pt>
-                <c:pt idx="9">
-                  <c:v>18.0</c:v>
-                </c:pt>
-              </c:numCache>
-            </c:numRef>
-          </c:cat>
-          <c:val>
-            <c:numRef>
-              <c:f>oppoProposedSize_percent!$L$7:$L$16</c:f>
-              <c:numCache>
-                <c:formatCode>General</c:formatCode>
-                <c:ptCount val="10"/>
-                <c:pt idx="0">
-                  <c:v>0.764705882352941</c:v>
-                </c:pt>
-                <c:pt idx="1">
-                  <c:v>0.735294117647059</c:v>
-                </c:pt>
-                <c:pt idx="2">
-                  <c:v>0.843137254901961</c:v>
-                </c:pt>
-                <c:pt idx="3">
-                  <c:v>0.852941176470588</c:v>
-                </c:pt>
-                <c:pt idx="4">
-                  <c:v>0.517647058823529</c:v>
-                </c:pt>
-                <c:pt idx="5">
-                  <c:v>0.794117647058823</c:v>
-                </c:pt>
-                <c:pt idx="6">
-                  <c:v>0.470588235294118</c:v>
-                </c:pt>
-                <c:pt idx="7">
-                  <c:v>0.764705882352941</c:v>
-                </c:pt>
-                <c:pt idx="8">
-                  <c:v>0.617647058823529</c:v>
-                </c:pt>
-                <c:pt idx="9">
-                  <c:v>0.338235294117647</c:v>
-                </c:pt>
-              </c:numCache>
-            </c:numRef>
-          </c:val>
-        </c:ser>
-        <c:ser>
-          <c:idx val="1"/>
-          <c:order val="1"/>
-          <c:tx>
-            <c:strRef>
-              <c:f>oppoProposedSize_percent!$M$6</c:f>
-              <c:strCache>
-                <c:ptCount val="1"/>
-                <c:pt idx="0">
-                  <c:v>AttempterLL</c:v>
-                </c:pt>
-              </c:strCache>
-            </c:strRef>
-          </c:tx>
-          <c:spPr>
-            <a:solidFill>
-              <a:schemeClr val="accent2"/>
-            </a:solidFill>
-            <a:ln>
-              <a:noFill/>
-            </a:ln>
-            <a:effectLst/>
-          </c:spPr>
-          <c:invertIfNegative val="0"/>
-          <c:errBars>
-            <c:errBarType val="both"/>
-            <c:errValType val="stdErr"/>
-            <c:noEndCap val="0"/>
-            <c:spPr>
-              <a:noFill/>
-              <a:ln w="9525" cap="flat" cmpd="sng" algn="ctr">
-                <a:solidFill>
-                  <a:schemeClr val="tx1">
-                    <a:lumMod val="65000"/>
-                    <a:lumOff val="35000"/>
-                  </a:schemeClr>
-                </a:solidFill>
-                <a:round/>
-              </a:ln>
-              <a:effectLst/>
-            </c:spPr>
-          </c:errBars>
-          <c:cat>
-            <c:numRef>
-              <c:f>oppoProposedSize_percent!$K$7:$K$16</c:f>
-              <c:numCache>
-                <c:formatCode>General</c:formatCode>
-                <c:ptCount val="10"/>
-                <c:pt idx="0">
-                  <c:v>2.0</c:v>
-                </c:pt>
-                <c:pt idx="1">
-                  <c:v>4.0</c:v>
-                </c:pt>
-                <c:pt idx="2">
-                  <c:v>7.0</c:v>
-                </c:pt>
-                <c:pt idx="3">
-                  <c:v>8.0</c:v>
-                </c:pt>
-                <c:pt idx="4">
-                  <c:v>9.0</c:v>
-                </c:pt>
-                <c:pt idx="5">
-                  <c:v>11.0</c:v>
-                </c:pt>
-                <c:pt idx="6">
-                  <c:v>12.0</c:v>
-                </c:pt>
-                <c:pt idx="7">
-                  <c:v>14.0</c:v>
-                </c:pt>
-                <c:pt idx="8">
-                  <c:v>16.0</c:v>
-                </c:pt>
-                <c:pt idx="9">
-                  <c:v>18.0</c:v>
-                </c:pt>
-              </c:numCache>
-            </c:numRef>
-          </c:cat>
-          <c:val>
-            <c:numRef>
-              <c:f>oppoProposedSize_percent!$M$7:$M$16</c:f>
-              <c:numCache>
-                <c:formatCode>General</c:formatCode>
-                <c:ptCount val="10"/>
-                <c:pt idx="0">
-                  <c:v>0.947368421052631</c:v>
-                </c:pt>
-                <c:pt idx="1">
-                  <c:v>0.75</c:v>
-                </c:pt>
-                <c:pt idx="2">
-                  <c:v>0.87719298245614</c:v>
-                </c:pt>
-                <c:pt idx="3">
-                  <c:v>0.763157894736842</c:v>
-                </c:pt>
-                <c:pt idx="4">
-                  <c:v>0.621052631578947</c:v>
-                </c:pt>
-                <c:pt idx="5">
-                  <c:v>0.842105263157895</c:v>
-                </c:pt>
-                <c:pt idx="6">
-                  <c:v>0.552631578947368</c:v>
-                </c:pt>
-                <c:pt idx="7">
-                  <c:v>0.842105263157895</c:v>
-                </c:pt>
-                <c:pt idx="8">
-                  <c:v>0.5</c:v>
-                </c:pt>
-                <c:pt idx="9">
-                  <c:v>0.355263157894737</c:v>
-                </c:pt>
-              </c:numCache>
-            </c:numRef>
-          </c:val>
-        </c:ser>
-        <c:ser>
-          <c:idx val="2"/>
-          <c:order val="2"/>
-          <c:tx>
-            <c:strRef>
-              <c:f>oppoProposedSize_percent!$N$6</c:f>
-              <c:strCache>
-                <c:ptCount val="1"/>
-                <c:pt idx="0">
-                  <c:v>control</c:v>
-                </c:pt>
-              </c:strCache>
-            </c:strRef>
-          </c:tx>
-          <c:spPr>
-            <a:solidFill>
-              <a:schemeClr val="accent3"/>
-            </a:solidFill>
-            <a:ln>
-              <a:noFill/>
-            </a:ln>
-            <a:effectLst/>
-          </c:spPr>
-          <c:invertIfNegative val="0"/>
-          <c:errBars>
-            <c:errBarType val="both"/>
-            <c:errValType val="stdErr"/>
-            <c:noEndCap val="0"/>
-            <c:spPr>
-              <a:noFill/>
-              <a:ln w="9525" cap="flat" cmpd="sng" algn="ctr">
-                <a:solidFill>
-                  <a:schemeClr val="tx1">
-                    <a:lumMod val="65000"/>
-                    <a:lumOff val="35000"/>
-                  </a:schemeClr>
-                </a:solidFill>
-                <a:round/>
-              </a:ln>
-              <a:effectLst/>
-            </c:spPr>
-          </c:errBars>
-          <c:cat>
-            <c:numRef>
-              <c:f>oppoProposedSize_percent!$K$7:$K$16</c:f>
-              <c:numCache>
-                <c:formatCode>General</c:formatCode>
-                <c:ptCount val="10"/>
-                <c:pt idx="0">
-                  <c:v>2.0</c:v>
-                </c:pt>
-                <c:pt idx="1">
-                  <c:v>4.0</c:v>
-                </c:pt>
-                <c:pt idx="2">
-                  <c:v>7.0</c:v>
-                </c:pt>
-                <c:pt idx="3">
-                  <c:v>8.0</c:v>
-                </c:pt>
-                <c:pt idx="4">
-                  <c:v>9.0</c:v>
-                </c:pt>
-                <c:pt idx="5">
-                  <c:v>11.0</c:v>
-                </c:pt>
-                <c:pt idx="6">
-                  <c:v>12.0</c:v>
-                </c:pt>
-                <c:pt idx="7">
-                  <c:v>14.0</c:v>
-                </c:pt>
-                <c:pt idx="8">
-                  <c:v>16.0</c:v>
-                </c:pt>
-                <c:pt idx="9">
-                  <c:v>18.0</c:v>
-                </c:pt>
-              </c:numCache>
-            </c:numRef>
-          </c:cat>
-          <c:val>
-            <c:numRef>
-              <c:f>oppoProposedSize_percent!$N$7:$N$16</c:f>
-              <c:numCache>
-                <c:formatCode>General</c:formatCode>
-                <c:ptCount val="10"/>
-                <c:pt idx="0">
-                  <c:v>1.0</c:v>
-                </c:pt>
-                <c:pt idx="1">
-                  <c:v>0.739583333333333</c:v>
-                </c:pt>
-                <c:pt idx="2">
-                  <c:v>0.819444444444444</c:v>
-                </c:pt>
-                <c:pt idx="3">
-                  <c:v>0.729166666666667</c:v>
-                </c:pt>
-                <c:pt idx="4">
-                  <c:v>0.558333333333333</c:v>
-                </c:pt>
-                <c:pt idx="5">
-                  <c:v>0.8125</c:v>
-                </c:pt>
-                <c:pt idx="6">
-                  <c:v>0.541666666666667</c:v>
-                </c:pt>
-                <c:pt idx="7">
-                  <c:v>0.833333333333333</c:v>
-                </c:pt>
-                <c:pt idx="8">
-                  <c:v>0.583333333333333</c:v>
-                </c:pt>
-                <c:pt idx="9">
-                  <c:v>0.333333333333333</c:v>
-                </c:pt>
-              </c:numCache>
-            </c:numRef>
-          </c:val>
-        </c:ser>
-        <c:ser>
-          <c:idx val="3"/>
-          <c:order val="3"/>
-          <c:tx>
-            <c:strRef>
-              <c:f>oppoProposedSize_percent!$O$6</c:f>
-              <c:strCache>
-                <c:ptCount val="1"/>
-                <c:pt idx="0">
-                  <c:v>depression</c:v>
-                </c:pt>
-              </c:strCache>
-            </c:strRef>
-          </c:tx>
-          <c:spPr>
-            <a:solidFill>
-              <a:schemeClr val="accent4"/>
-            </a:solidFill>
-            <a:ln>
-              <a:noFill/>
-            </a:ln>
-            <a:effectLst/>
-          </c:spPr>
-          <c:invertIfNegative val="0"/>
-          <c:errBars>
-            <c:errBarType val="both"/>
-            <c:errValType val="stdErr"/>
-            <c:noEndCap val="0"/>
-            <c:spPr>
-              <a:noFill/>
-              <a:ln w="9525" cap="flat" cmpd="sng" algn="ctr">
-                <a:solidFill>
-                  <a:schemeClr val="tx1">
-                    <a:lumMod val="65000"/>
-                    <a:lumOff val="35000"/>
-                  </a:schemeClr>
-                </a:solidFill>
-                <a:round/>
-              </a:ln>
-              <a:effectLst/>
-            </c:spPr>
-          </c:errBars>
-          <c:cat>
-            <c:numRef>
-              <c:f>oppoProposedSize_percent!$K$7:$K$16</c:f>
-              <c:numCache>
-                <c:formatCode>General</c:formatCode>
-                <c:ptCount val="10"/>
-                <c:pt idx="0">
-                  <c:v>2.0</c:v>
-                </c:pt>
-                <c:pt idx="1">
-                  <c:v>4.0</c:v>
-                </c:pt>
-                <c:pt idx="2">
-                  <c:v>7.0</c:v>
-                </c:pt>
-                <c:pt idx="3">
-                  <c:v>8.0</c:v>
-                </c:pt>
-                <c:pt idx="4">
-                  <c:v>9.0</c:v>
-                </c:pt>
-                <c:pt idx="5">
-                  <c:v>11.0</c:v>
-                </c:pt>
-                <c:pt idx="6">
-                  <c:v>12.0</c:v>
-                </c:pt>
-                <c:pt idx="7">
-                  <c:v>14.0</c:v>
-                </c:pt>
-                <c:pt idx="8">
-                  <c:v>16.0</c:v>
-                </c:pt>
-                <c:pt idx="9">
-                  <c:v>18.0</c:v>
-                </c:pt>
-              </c:numCache>
-            </c:numRef>
-          </c:cat>
-          <c:val>
-            <c:numRef>
-              <c:f>oppoProposedSize_percent!$O$7:$O$16</c:f>
-              <c:numCache>
-                <c:formatCode>General</c:formatCode>
-                <c:ptCount val="10"/>
-                <c:pt idx="0">
-                  <c:v>0.956521739130435</c:v>
-                </c:pt>
-                <c:pt idx="1">
-                  <c:v>0.793478260869565</c:v>
-                </c:pt>
-                <c:pt idx="2">
-                  <c:v>0.898550724637681</c:v>
-                </c:pt>
-                <c:pt idx="3">
-                  <c:v>0.847826086956522</c:v>
-                </c:pt>
-                <c:pt idx="4">
-                  <c:v>0.695652173913043</c:v>
-                </c:pt>
-                <c:pt idx="5">
-                  <c:v>0.869565217391304</c:v>
-                </c:pt>
-                <c:pt idx="6">
-                  <c:v>0.739130434782609</c:v>
-                </c:pt>
-                <c:pt idx="7">
-                  <c:v>0.913043478260869</c:v>
-                </c:pt>
-                <c:pt idx="8">
-                  <c:v>0.739130434782609</c:v>
-                </c:pt>
-                <c:pt idx="9">
-                  <c:v>0.5</c:v>
-                </c:pt>
-              </c:numCache>
-            </c:numRef>
-          </c:val>
-        </c:ser>
-        <c:ser>
-          <c:idx val="4"/>
-          <c:order val="4"/>
-          <c:tx>
-            <c:strRef>
-              <c:f>oppoProposedSize_percent!$P$6</c:f>
-              <c:strCache>
-                <c:ptCount val="1"/>
-                <c:pt idx="0">
-                  <c:v>ideator</c:v>
-                </c:pt>
-              </c:strCache>
-            </c:strRef>
-          </c:tx>
-          <c:spPr>
-            <a:solidFill>
-              <a:schemeClr val="accent5"/>
-            </a:solidFill>
-            <a:ln>
-              <a:noFill/>
-            </a:ln>
-            <a:effectLst/>
-          </c:spPr>
-          <c:invertIfNegative val="0"/>
-          <c:errBars>
-            <c:errBarType val="both"/>
-            <c:errValType val="stdErr"/>
-            <c:noEndCap val="0"/>
-            <c:spPr>
-              <a:noFill/>
-              <a:ln w="9525" cap="flat" cmpd="sng" algn="ctr">
-                <a:solidFill>
-                  <a:schemeClr val="tx1">
-                    <a:lumMod val="65000"/>
-                    <a:lumOff val="35000"/>
-                  </a:schemeClr>
-                </a:solidFill>
-                <a:round/>
-              </a:ln>
-              <a:effectLst/>
-            </c:spPr>
-          </c:errBars>
-          <c:cat>
-            <c:numRef>
-              <c:f>oppoProposedSize_percent!$K$7:$K$16</c:f>
-              <c:numCache>
-                <c:formatCode>General</c:formatCode>
-                <c:ptCount val="10"/>
-                <c:pt idx="0">
-                  <c:v>2.0</c:v>
-                </c:pt>
-                <c:pt idx="1">
-                  <c:v>4.0</c:v>
-                </c:pt>
-                <c:pt idx="2">
-                  <c:v>7.0</c:v>
-                </c:pt>
-                <c:pt idx="3">
-                  <c:v>8.0</c:v>
-                </c:pt>
-                <c:pt idx="4">
-                  <c:v>9.0</c:v>
-                </c:pt>
-                <c:pt idx="5">
-                  <c:v>11.0</c:v>
-                </c:pt>
-                <c:pt idx="6">
-                  <c:v>12.0</c:v>
-                </c:pt>
-                <c:pt idx="7">
-                  <c:v>14.0</c:v>
-                </c:pt>
-                <c:pt idx="8">
-                  <c:v>16.0</c:v>
-                </c:pt>
-                <c:pt idx="9">
-                  <c:v>18.0</c:v>
-                </c:pt>
-              </c:numCache>
-            </c:numRef>
-          </c:cat>
-          <c:val>
-            <c:numRef>
-              <c:f>oppoProposedSize_percent!$P$7:$P$16</c:f>
-              <c:numCache>
-                <c:formatCode>General</c:formatCode>
-                <c:ptCount val="10"/>
-                <c:pt idx="0">
-                  <c:v>0.95</c:v>
-                </c:pt>
-                <c:pt idx="1">
-                  <c:v>0.775</c:v>
-                </c:pt>
-                <c:pt idx="2">
-                  <c:v>0.933333333333333</c:v>
-                </c:pt>
-                <c:pt idx="3">
-                  <c:v>0.8</c:v>
-                </c:pt>
-                <c:pt idx="4">
-                  <c:v>0.57</c:v>
-                </c:pt>
-                <c:pt idx="5">
-                  <c:v>0.975</c:v>
-                </c:pt>
-                <c:pt idx="6">
-                  <c:v>0.525</c:v>
-                </c:pt>
-                <c:pt idx="7">
-                  <c:v>0.95</c:v>
-                </c:pt>
-                <c:pt idx="8">
-                  <c:v>0.6</c:v>
-                </c:pt>
-                <c:pt idx="9">
-                  <c:v>0.275</c:v>
-                </c:pt>
-              </c:numCache>
-            </c:numRef>
-          </c:val>
-        </c:ser>
-        <c:dLbls>
-          <c:showLegendKey val="0"/>
-          <c:showVal val="0"/>
-          <c:showCatName val="0"/>
-          <c:showSerName val="0"/>
-          <c:showPercent val="0"/>
-          <c:showBubbleSize val="0"/>
-        </c:dLbls>
-        <c:gapWidth val="151"/>
-        <c:overlap val="5"/>
-        <c:axId val="1395689008"/>
-        <c:axId val="1395692400"/>
-      </c:barChart>
-      <c:catAx>
-        <c:axId val="1395689008"/>
-        <c:scaling>
-          <c:orientation val="minMax"/>
-        </c:scaling>
-        <c:delete val="0"/>
-        <c:axPos val="b"/>
-        <c:title>
-          <c:tx>
-            <c:rich>
-              <a:bodyPr rot="0" spcFirstLastPara="1" vertOverflow="ellipsis" vert="horz" wrap="square" anchor="ctr" anchorCtr="1"/>
-              <a:lstStyle/>
-              <a:p>
-                <a:pPr>
-                  <a:defRPr sz="1000" b="0" i="0" u="none" strike="noStrike" kern="1200" baseline="0">
-                    <a:solidFill>
-                      <a:schemeClr val="tx1">
-                        <a:lumMod val="65000"/>
-                        <a:lumOff val="35000"/>
-                      </a:schemeClr>
-                    </a:solidFill>
-                    <a:latin typeface="+mn-lt"/>
-                    <a:ea typeface="+mn-ea"/>
-                    <a:cs typeface="+mn-cs"/>
-                  </a:defRPr>
-                </a:pPr>
-                <a:r>
-                  <a:rPr lang="en-US"/>
-                  <a:t>Opponent</a:t>
-                </a:r>
-                <a:r>
-                  <a:rPr lang="en-US" baseline="0"/>
-                  <a:t> proposed amount</a:t>
-                </a:r>
-                <a:endParaRPr lang="en-US"/>
-              </a:p>
-            </c:rich>
-          </c:tx>
-          <c:layout/>
-          <c:overlay val="0"/>
-          <c:spPr>
-            <a:noFill/>
-            <a:ln>
-              <a:noFill/>
-            </a:ln>
-            <a:effectLst/>
-          </c:spPr>
-          <c:txPr>
-            <a:bodyPr rot="0" spcFirstLastPara="1" vertOverflow="ellipsis" vert="horz" wrap="square" anchor="ctr" anchorCtr="1"/>
-            <a:lstStyle/>
-            <a:p>
-              <a:pPr>
-                <a:defRPr sz="1000" b="0" i="0" u="none" strike="noStrike" kern="1200" baseline="0">
-                  <a:solidFill>
-                    <a:schemeClr val="tx1">
-                      <a:lumMod val="65000"/>
-                      <a:lumOff val="35000"/>
-                    </a:schemeClr>
-                  </a:solidFill>
-                  <a:latin typeface="+mn-lt"/>
-                  <a:ea typeface="+mn-ea"/>
-                  <a:cs typeface="+mn-cs"/>
-                </a:defRPr>
-              </a:pPr>
-              <a:endParaRPr lang="en-US"/>
-            </a:p>
-          </c:txPr>
-        </c:title>
-        <c:numFmt formatCode="General" sourceLinked="1"/>
-        <c:majorTickMark val="none"/>
-        <c:minorTickMark val="none"/>
-        <c:tickLblPos val="nextTo"/>
-        <c:spPr>
-          <a:noFill/>
-          <a:ln w="9525" cap="flat" cmpd="sng" algn="ctr">
-            <a:solidFill>
-              <a:schemeClr val="tx1">
-                <a:lumMod val="15000"/>
-                <a:lumOff val="85000"/>
-              </a:schemeClr>
-            </a:solidFill>
-            <a:round/>
-          </a:ln>
-          <a:effectLst/>
-        </c:spPr>
-        <c:txPr>
-          <a:bodyPr rot="-60000000" spcFirstLastPara="1" vertOverflow="ellipsis" vert="horz" wrap="square" anchor="ctr" anchorCtr="1"/>
-          <a:lstStyle/>
-          <a:p>
-            <a:pPr>
-              <a:defRPr sz="900" b="0" i="0" u="none" strike="noStrike" kern="1200" baseline="0">
-                <a:solidFill>
-                  <a:schemeClr val="tx1">
-                    <a:lumMod val="65000"/>
-                    <a:lumOff val="35000"/>
-                  </a:schemeClr>
-                </a:solidFill>
-                <a:latin typeface="+mn-lt"/>
-                <a:ea typeface="+mn-ea"/>
-                <a:cs typeface="+mn-cs"/>
-              </a:defRPr>
-            </a:pPr>
-            <a:endParaRPr lang="en-US"/>
-          </a:p>
-        </c:txPr>
-        <c:crossAx val="1395692400"/>
-        <c:crosses val="autoZero"/>
-        <c:auto val="1"/>
-        <c:lblAlgn val="ctr"/>
-        <c:lblOffset val="100"/>
-        <c:noMultiLvlLbl val="0"/>
-      </c:catAx>
-      <c:valAx>
-        <c:axId val="1395692400"/>
-        <c:scaling>
-          <c:orientation val="minMax"/>
-          <c:max val="1.0"/>
-        </c:scaling>
-        <c:delete val="0"/>
-        <c:axPos val="l"/>
-        <c:majorGridlines>
-          <c:spPr>
-            <a:ln w="9525" cap="flat" cmpd="sng" algn="ctr">
-              <a:solidFill>
-                <a:schemeClr val="tx1">
-                  <a:lumMod val="15000"/>
-                  <a:lumOff val="85000"/>
-                </a:schemeClr>
-              </a:solidFill>
-              <a:round/>
-            </a:ln>
-            <a:effectLst/>
-          </c:spPr>
-        </c:majorGridlines>
-        <c:title>
-          <c:tx>
-            <c:rich>
-              <a:bodyPr rot="-5400000" spcFirstLastPara="1" vertOverflow="ellipsis" vert="horz" wrap="square" anchor="ctr" anchorCtr="1"/>
-              <a:lstStyle/>
-              <a:p>
-                <a:pPr>
-                  <a:defRPr sz="1000" b="0" i="0" u="none" strike="noStrike" kern="1200" baseline="0">
-                    <a:solidFill>
-                      <a:schemeClr val="tx1">
-                        <a:lumMod val="65000"/>
-                        <a:lumOff val="35000"/>
-                      </a:schemeClr>
-                    </a:solidFill>
-                    <a:latin typeface="+mn-lt"/>
-                    <a:ea typeface="+mn-ea"/>
-                    <a:cs typeface="+mn-cs"/>
-                  </a:defRPr>
-                </a:pPr>
-                <a:r>
-                  <a:rPr lang="en-US"/>
-                  <a:t>Accptance</a:t>
-                </a:r>
-                <a:r>
-                  <a:rPr lang="en-US" baseline="0"/>
-                  <a:t> rate</a:t>
-                </a:r>
-                <a:endParaRPr lang="en-US"/>
-              </a:p>
-            </c:rich>
-          </c:tx>
-          <c:layout/>
-          <c:overlay val="0"/>
-          <c:spPr>
-            <a:noFill/>
-            <a:ln>
-              <a:noFill/>
-            </a:ln>
-            <a:effectLst/>
-          </c:spPr>
-          <c:txPr>
-            <a:bodyPr rot="-5400000" spcFirstLastPara="1" vertOverflow="ellipsis" vert="horz" wrap="square" anchor="ctr" anchorCtr="1"/>
-            <a:lstStyle/>
-            <a:p>
-              <a:pPr>
-                <a:defRPr sz="1000" b="0" i="0" u="none" strike="noStrike" kern="1200" baseline="0">
-                  <a:solidFill>
-                    <a:schemeClr val="tx1">
-                      <a:lumMod val="65000"/>
-                      <a:lumOff val="35000"/>
-                    </a:schemeClr>
-                  </a:solidFill>
-                  <a:latin typeface="+mn-lt"/>
-                  <a:ea typeface="+mn-ea"/>
-                  <a:cs typeface="+mn-cs"/>
-                </a:defRPr>
-              </a:pPr>
-              <a:endParaRPr lang="en-US"/>
-            </a:p>
-          </c:txPr>
-        </c:title>
-        <c:majorTickMark val="none"/>
-        <c:minorTickMark val="none"/>
-        <c:tickLblPos val="nextTo"/>
-        <c:spPr>
-          <a:noFill/>
-          <a:ln>
-            <a:noFill/>
-          </a:ln>
-          <a:effectLst/>
-        </c:spPr>
-        <c:txPr>
-          <a:bodyPr rot="-60000000" spcFirstLastPara="1" vertOverflow="ellipsis" vert="horz" wrap="square" anchor="ctr" anchorCtr="1"/>
-          <a:lstStyle/>
-          <a:p>
-            <a:pPr>
-              <a:defRPr sz="900" b="0" i="0" u="none" strike="noStrike" kern="1200" baseline="0">
-                <a:solidFill>
-                  <a:schemeClr val="tx1">
-                    <a:lumMod val="65000"/>
-                    <a:lumOff val="35000"/>
-                  </a:schemeClr>
-                </a:solidFill>
-                <a:latin typeface="+mn-lt"/>
-                <a:ea typeface="+mn-ea"/>
-                <a:cs typeface="+mn-cs"/>
-              </a:defRPr>
-            </a:pPr>
-            <a:endParaRPr lang="en-US"/>
-          </a:p>
-        </c:txPr>
-        <c:crossAx val="1395689008"/>
-        <c:crosses val="autoZero"/>
-        <c:crossBetween val="between"/>
-      </c:valAx>
-      <c:spPr>
-        <a:noFill/>
-        <a:ln>
-          <a:noFill/>
-        </a:ln>
-        <a:effectLst/>
-      </c:spPr>
-    </c:plotArea>
-    <c:legend>
-      <c:legendPos val="b"/>
-      <c:layout/>
-      <c:overlay val="0"/>
-      <c:spPr>
-        <a:noFill/>
-        <a:ln>
-          <a:noFill/>
-        </a:ln>
-        <a:effectLst/>
-      </c:spPr>
-      <c:txPr>
-        <a:bodyPr rot="0" spcFirstLastPara="1" vertOverflow="ellipsis" vert="horz" wrap="square" anchor="ctr" anchorCtr="1"/>
-        <a:lstStyle/>
-        <a:p>
-          <a:pPr>
-            <a:defRPr sz="900" b="0" i="0" u="none" strike="noStrike" kern="1200" baseline="0">
-              <a:solidFill>
-                <a:schemeClr val="tx1">
-                  <a:lumMod val="65000"/>
-                  <a:lumOff val="35000"/>
-                </a:schemeClr>
-              </a:solidFill>
-              <a:latin typeface="+mn-lt"/>
-              <a:ea typeface="+mn-ea"/>
-              <a:cs typeface="+mn-cs"/>
-            </a:defRPr>
-          </a:pPr>
-          <a:endParaRPr lang="en-US"/>
-        </a:p>
-      </c:txPr>
-    </c:legend>
-    <c:plotVisOnly val="1"/>
-    <c:dispBlanksAs val="gap"/>
-    <c:showDLblsOverMax val="0"/>
-  </c:chart>
-  <c:spPr>
-    <a:noFill/>
-    <a:ln>
-      <a:noFill/>
-    </a:ln>
-    <a:effectLst/>
-  </c:spPr>
-  <c:txPr>
-    <a:bodyPr/>
-    <a:lstStyle/>
-    <a:p>
-      <a:pPr>
-        <a:defRPr/>
-      </a:pPr>
-      <a:endParaRPr lang="en-US"/>
-    </a:p>
-  </c:txPr>
-  <c:externalData r:id="rId3">
-    <c:autoUpdate val="0"/>
-  </c:externalData>
-</c:chartSpace>
-</file>
-
-<file path=ppt/charts/chart17.xml><?xml version="1.0" encoding="utf-8"?>
-<c:chartSpace xmlns:c="http://schemas.openxmlformats.org/drawingml/2006/chart" xmlns:a="http://schemas.openxmlformats.org/drawingml/2006/main" xmlns:r="http://schemas.openxmlformats.org/officeDocument/2006/relationships">
-  <c:date1904 val="0"/>
-  <c:lang val="en-US"/>
-  <c:roundedCorners val="0"/>
-  <mc:AlternateContent xmlns:mc="http://schemas.openxmlformats.org/markup-compatibility/2006">
-    <mc:Choice xmlns:c14="http://schemas.microsoft.com/office/drawing/2007/8/2/chart" Requires="c14">
-      <c14:style val="102"/>
-    </mc:Choice>
-    <mc:Fallback>
-      <c:style val="2"/>
-    </mc:Fallback>
-  </mc:AlternateContent>
-  <c:chart>
-    <c:title>
-      <c:tx>
-        <c:rich>
-          <a:bodyPr rot="0" spcFirstLastPara="1" vertOverflow="ellipsis" vert="horz" wrap="square" anchor="ctr" anchorCtr="1"/>
-          <a:lstStyle/>
-          <a:p>
-            <a:pPr>
-              <a:defRPr sz="1400" b="0" i="0" u="none" strike="noStrike" kern="1200" spc="0" baseline="0">
-                <a:solidFill>
-                  <a:schemeClr val="tx1">
-                    <a:lumMod val="65000"/>
-                    <a:lumOff val="35000"/>
-                  </a:schemeClr>
-                </a:solidFill>
-                <a:latin typeface="+mn-lt"/>
-                <a:ea typeface="+mn-ea"/>
-                <a:cs typeface="+mn-cs"/>
-              </a:defRPr>
-            </a:pPr>
-            <a:r>
-              <a:rPr lang="en-US"/>
-              <a:t>Empathy and opponent proposed</a:t>
-            </a:r>
-            <a:r>
-              <a:rPr lang="en-US" baseline="0"/>
-              <a:t> size</a:t>
-            </a:r>
-            <a:endParaRPr lang="en-US"/>
-          </a:p>
-        </c:rich>
-      </c:tx>
-      <c:layout/>
-      <c:overlay val="0"/>
-      <c:spPr>
-        <a:noFill/>
-        <a:ln>
-          <a:noFill/>
-        </a:ln>
-        <a:effectLst/>
-      </c:spPr>
-      <c:txPr>
-        <a:bodyPr rot="0" spcFirstLastPara="1" vertOverflow="ellipsis" vert="horz" wrap="square" anchor="ctr" anchorCtr="1"/>
-        <a:lstStyle/>
-        <a:p>
-          <a:pPr>
-            <a:defRPr sz="1400" b="0" i="0" u="none" strike="noStrike" kern="1200" spc="0" baseline="0">
-              <a:solidFill>
-                <a:schemeClr val="tx1">
-                  <a:lumMod val="65000"/>
-                  <a:lumOff val="35000"/>
-                </a:schemeClr>
-              </a:solidFill>
-              <a:latin typeface="+mn-lt"/>
-              <a:ea typeface="+mn-ea"/>
-              <a:cs typeface="+mn-cs"/>
-            </a:defRPr>
-          </a:pPr>
-          <a:endParaRPr lang="en-US"/>
-        </a:p>
-      </c:txPr>
-    </c:title>
-    <c:autoTitleDeleted val="0"/>
-    <c:plotArea>
-      <c:layout/>
-      <c:barChart>
-        <c:barDir val="col"/>
-        <c:grouping val="clustered"/>
-        <c:varyColors val="0"/>
-        <c:ser>
-          <c:idx val="1"/>
-          <c:order val="0"/>
-          <c:tx>
-            <c:strRef>
-              <c:f>oppoProposedSize_percent!$L$7</c:f>
-              <c:strCache>
-                <c:ptCount val="1"/>
-                <c:pt idx="0">
-                  <c:v>AttempterHL</c:v>
-                </c:pt>
-              </c:strCache>
-            </c:strRef>
-          </c:tx>
-          <c:spPr>
-            <a:solidFill>
-              <a:schemeClr val="accent2"/>
-            </a:solidFill>
-            <a:ln>
-              <a:noFill/>
-            </a:ln>
-            <a:effectLst/>
-          </c:spPr>
-          <c:invertIfNegative val="0"/>
-          <c:errBars>
-            <c:errBarType val="both"/>
-            <c:errValType val="stdErr"/>
-            <c:noEndCap val="0"/>
-            <c:spPr>
-              <a:noFill/>
-              <a:ln w="9525" cap="flat" cmpd="sng" algn="ctr">
-                <a:solidFill>
-                  <a:schemeClr val="tx1">
-                    <a:lumMod val="65000"/>
-                    <a:lumOff val="35000"/>
-                  </a:schemeClr>
-                </a:solidFill>
-                <a:round/>
-              </a:ln>
-              <a:effectLst/>
-            </c:spPr>
-          </c:errBars>
-          <c:cat>
-            <c:numRef>
-              <c:f>oppoProposedSize_percent!$K$8:$K$17</c:f>
-              <c:numCache>
-                <c:formatCode>General</c:formatCode>
-                <c:ptCount val="10"/>
-                <c:pt idx="0">
-                  <c:v>4.0</c:v>
-                </c:pt>
-                <c:pt idx="1">
-                  <c:v>7.0</c:v>
-                </c:pt>
-                <c:pt idx="2">
-                  <c:v>8.0</c:v>
-                </c:pt>
-                <c:pt idx="3">
-                  <c:v>9.0</c:v>
-                </c:pt>
-                <c:pt idx="4">
-                  <c:v>10.0</c:v>
-                </c:pt>
-                <c:pt idx="5">
-                  <c:v>11.0</c:v>
-                </c:pt>
-                <c:pt idx="6">
-                  <c:v>12.0</c:v>
-                </c:pt>
-                <c:pt idx="7">
-                  <c:v>14.0</c:v>
-                </c:pt>
-                <c:pt idx="8">
-                  <c:v>16.0</c:v>
-                </c:pt>
-                <c:pt idx="9">
-                  <c:v>18.0</c:v>
-                </c:pt>
-              </c:numCache>
-            </c:numRef>
-          </c:cat>
-          <c:val>
-            <c:numRef>
-              <c:f>oppoProposedSize_percent!$L$8:$L$17</c:f>
-              <c:numCache>
-                <c:formatCode>General</c:formatCode>
-                <c:ptCount val="10"/>
-                <c:pt idx="0">
-                  <c:v>0.823529411764706</c:v>
-                </c:pt>
-                <c:pt idx="1">
-                  <c:v>1.0</c:v>
-                </c:pt>
-                <c:pt idx="2">
-                  <c:v>0.843137254901961</c:v>
-                </c:pt>
-                <c:pt idx="3">
-                  <c:v>0.803921568627451</c:v>
-                </c:pt>
-                <c:pt idx="4">
-                  <c:v>1.0</c:v>
-                </c:pt>
-                <c:pt idx="5">
-                  <c:v>0.823529411764706</c:v>
-                </c:pt>
-                <c:pt idx="6">
-                  <c:v>0.882352941176471</c:v>
-                </c:pt>
-                <c:pt idx="7">
-                  <c:v>0.970588235294118</c:v>
-                </c:pt>
-                <c:pt idx="8">
-                  <c:v>0.882352941176471</c:v>
-                </c:pt>
-                <c:pt idx="9">
-                  <c:v>0.647058823529412</c:v>
-                </c:pt>
-              </c:numCache>
-            </c:numRef>
-          </c:val>
-        </c:ser>
-        <c:ser>
-          <c:idx val="2"/>
-          <c:order val="1"/>
-          <c:tx>
-            <c:strRef>
-              <c:f>oppoProposedSize_percent!$M$7</c:f>
-              <c:strCache>
-                <c:ptCount val="1"/>
-                <c:pt idx="0">
-                  <c:v>AttempterLL</c:v>
-                </c:pt>
-              </c:strCache>
-            </c:strRef>
-          </c:tx>
-          <c:spPr>
-            <a:solidFill>
-              <a:schemeClr val="accent3"/>
-            </a:solidFill>
-            <a:ln>
-              <a:noFill/>
-            </a:ln>
-            <a:effectLst/>
-          </c:spPr>
-          <c:invertIfNegative val="0"/>
-          <c:errBars>
-            <c:errBarType val="both"/>
-            <c:errValType val="stdErr"/>
-            <c:noEndCap val="0"/>
-            <c:spPr>
-              <a:noFill/>
-              <a:ln w="9525" cap="flat" cmpd="sng" algn="ctr">
-                <a:solidFill>
-                  <a:schemeClr val="tx1">
-                    <a:lumMod val="65000"/>
-                    <a:lumOff val="35000"/>
-                  </a:schemeClr>
-                </a:solidFill>
-                <a:round/>
-              </a:ln>
-              <a:effectLst/>
-            </c:spPr>
-          </c:errBars>
-          <c:cat>
-            <c:numRef>
-              <c:f>oppoProposedSize_percent!$K$8:$K$17</c:f>
-              <c:numCache>
-                <c:formatCode>General</c:formatCode>
-                <c:ptCount val="10"/>
-                <c:pt idx="0">
-                  <c:v>4.0</c:v>
-                </c:pt>
-                <c:pt idx="1">
-                  <c:v>7.0</c:v>
-                </c:pt>
-                <c:pt idx="2">
-                  <c:v>8.0</c:v>
-                </c:pt>
-                <c:pt idx="3">
-                  <c:v>9.0</c:v>
-                </c:pt>
-                <c:pt idx="4">
-                  <c:v>10.0</c:v>
-                </c:pt>
-                <c:pt idx="5">
-                  <c:v>11.0</c:v>
-                </c:pt>
-                <c:pt idx="6">
-                  <c:v>12.0</c:v>
-                </c:pt>
-                <c:pt idx="7">
-                  <c:v>14.0</c:v>
-                </c:pt>
-                <c:pt idx="8">
-                  <c:v>16.0</c:v>
-                </c:pt>
-                <c:pt idx="9">
-                  <c:v>18.0</c:v>
-                </c:pt>
-              </c:numCache>
-            </c:numRef>
-          </c:cat>
-          <c:val>
-            <c:numRef>
-              <c:f>oppoProposedSize_percent!$M$8:$M$17</c:f>
-              <c:numCache>
-                <c:formatCode>General</c:formatCode>
-                <c:ptCount val="10"/>
-                <c:pt idx="0">
-                  <c:v>0.798245614035088</c:v>
-                </c:pt>
-                <c:pt idx="1">
-                  <c:v>0.736842105263158</c:v>
-                </c:pt>
-                <c:pt idx="2">
-                  <c:v>0.824561403508772</c:v>
-                </c:pt>
-                <c:pt idx="3">
-                  <c:v>0.701754385964912</c:v>
-                </c:pt>
-                <c:pt idx="4">
-                  <c:v>0.921052631578947</c:v>
-                </c:pt>
-                <c:pt idx="5">
-                  <c:v>0.842105263157895</c:v>
-                </c:pt>
-                <c:pt idx="6">
-                  <c:v>0.789473684210526</c:v>
-                </c:pt>
-                <c:pt idx="7">
-                  <c:v>0.81578947368421</c:v>
-                </c:pt>
-                <c:pt idx="8">
-                  <c:v>0.789473684210526</c:v>
-                </c:pt>
-                <c:pt idx="9">
-                  <c:v>0.763157894736842</c:v>
-                </c:pt>
-              </c:numCache>
-            </c:numRef>
-          </c:val>
-        </c:ser>
-        <c:ser>
-          <c:idx val="3"/>
-          <c:order val="2"/>
-          <c:tx>
-            <c:strRef>
-              <c:f>oppoProposedSize_percent!$N$7</c:f>
-              <c:strCache>
-                <c:ptCount val="1"/>
-                <c:pt idx="0">
-                  <c:v>control</c:v>
-                </c:pt>
-              </c:strCache>
-            </c:strRef>
-          </c:tx>
-          <c:spPr>
-            <a:solidFill>
-              <a:schemeClr val="accent4"/>
-            </a:solidFill>
-            <a:ln>
-              <a:noFill/>
-            </a:ln>
-            <a:effectLst/>
-          </c:spPr>
-          <c:invertIfNegative val="0"/>
-          <c:errBars>
-            <c:errBarType val="both"/>
-            <c:errValType val="stdErr"/>
-            <c:noEndCap val="0"/>
-            <c:spPr>
-              <a:noFill/>
-              <a:ln w="9525" cap="flat" cmpd="sng" algn="ctr">
-                <a:solidFill>
-                  <a:schemeClr val="tx1">
-                    <a:lumMod val="65000"/>
-                    <a:lumOff val="35000"/>
-                  </a:schemeClr>
-                </a:solidFill>
-                <a:round/>
-              </a:ln>
-              <a:effectLst/>
-            </c:spPr>
-          </c:errBars>
-          <c:cat>
-            <c:numRef>
-              <c:f>oppoProposedSize_percent!$K$8:$K$17</c:f>
-              <c:numCache>
-                <c:formatCode>General</c:formatCode>
-                <c:ptCount val="10"/>
-                <c:pt idx="0">
-                  <c:v>4.0</c:v>
-                </c:pt>
-                <c:pt idx="1">
-                  <c:v>7.0</c:v>
-                </c:pt>
-                <c:pt idx="2">
-                  <c:v>8.0</c:v>
-                </c:pt>
-                <c:pt idx="3">
-                  <c:v>9.0</c:v>
-                </c:pt>
-                <c:pt idx="4">
-                  <c:v>10.0</c:v>
-                </c:pt>
-                <c:pt idx="5">
-                  <c:v>11.0</c:v>
-                </c:pt>
-                <c:pt idx="6">
-                  <c:v>12.0</c:v>
-                </c:pt>
-                <c:pt idx="7">
-                  <c:v>14.0</c:v>
-                </c:pt>
-                <c:pt idx="8">
-                  <c:v>16.0</c:v>
-                </c:pt>
-                <c:pt idx="9">
-                  <c:v>18.0</c:v>
-                </c:pt>
-              </c:numCache>
-            </c:numRef>
-          </c:cat>
-          <c:val>
-            <c:numRef>
-              <c:f>oppoProposedSize_percent!$N$8:$N$17</c:f>
-              <c:numCache>
-                <c:formatCode>General</c:formatCode>
-                <c:ptCount val="10"/>
-                <c:pt idx="0">
-                  <c:v>0.951388888888889</c:v>
-                </c:pt>
-                <c:pt idx="1">
-                  <c:v>0.875</c:v>
-                </c:pt>
-                <c:pt idx="2">
-                  <c:v>0.861111111111111</c:v>
-                </c:pt>
-                <c:pt idx="3">
-                  <c:v>0.826388888888889</c:v>
-                </c:pt>
-                <c:pt idx="4">
-                  <c:v>0.979166666666667</c:v>
-                </c:pt>
-                <c:pt idx="5">
-                  <c:v>0.958333333333333</c:v>
-                </c:pt>
-                <c:pt idx="6">
-                  <c:v>0.833333333333333</c:v>
-                </c:pt>
-                <c:pt idx="7">
-                  <c:v>0.875</c:v>
-                </c:pt>
-                <c:pt idx="8">
-                  <c:v>0.916666666666667</c:v>
-                </c:pt>
-                <c:pt idx="9">
-                  <c:v>0.833333333333333</c:v>
-                </c:pt>
-              </c:numCache>
-            </c:numRef>
-          </c:val>
-        </c:ser>
-        <c:ser>
-          <c:idx val="4"/>
-          <c:order val="3"/>
-          <c:tx>
-            <c:strRef>
-              <c:f>oppoProposedSize_percent!$O$7</c:f>
-              <c:strCache>
-                <c:ptCount val="1"/>
-                <c:pt idx="0">
-                  <c:v>depression</c:v>
-                </c:pt>
-              </c:strCache>
-            </c:strRef>
-          </c:tx>
-          <c:spPr>
-            <a:solidFill>
-              <a:schemeClr val="accent5"/>
-            </a:solidFill>
-            <a:ln>
-              <a:noFill/>
-            </a:ln>
-            <a:effectLst/>
-          </c:spPr>
-          <c:invertIfNegative val="0"/>
-          <c:errBars>
-            <c:errBarType val="both"/>
-            <c:errValType val="stdErr"/>
-            <c:noEndCap val="0"/>
-            <c:spPr>
-              <a:noFill/>
-              <a:ln w="9525" cap="flat" cmpd="sng" algn="ctr">
-                <a:solidFill>
-                  <a:schemeClr val="tx1">
-                    <a:lumMod val="65000"/>
-                    <a:lumOff val="35000"/>
-                  </a:schemeClr>
-                </a:solidFill>
-                <a:round/>
-              </a:ln>
-              <a:effectLst/>
-            </c:spPr>
-          </c:errBars>
-          <c:cat>
-            <c:numRef>
-              <c:f>oppoProposedSize_percent!$K$8:$K$17</c:f>
-              <c:numCache>
-                <c:formatCode>General</c:formatCode>
-                <c:ptCount val="10"/>
-                <c:pt idx="0">
-                  <c:v>4.0</c:v>
-                </c:pt>
-                <c:pt idx="1">
-                  <c:v>7.0</c:v>
-                </c:pt>
-                <c:pt idx="2">
-                  <c:v>8.0</c:v>
-                </c:pt>
-                <c:pt idx="3">
-                  <c:v>9.0</c:v>
-                </c:pt>
-                <c:pt idx="4">
-                  <c:v>10.0</c:v>
-                </c:pt>
-                <c:pt idx="5">
-                  <c:v>11.0</c:v>
-                </c:pt>
-                <c:pt idx="6">
-                  <c:v>12.0</c:v>
-                </c:pt>
-                <c:pt idx="7">
-                  <c:v>14.0</c:v>
-                </c:pt>
-                <c:pt idx="8">
-                  <c:v>16.0</c:v>
-                </c:pt>
-                <c:pt idx="9">
-                  <c:v>18.0</c:v>
-                </c:pt>
-              </c:numCache>
-            </c:numRef>
-          </c:cat>
-          <c:val>
-            <c:numRef>
-              <c:f>oppoProposedSize_percent!$O$8:$O$17</c:f>
-              <c:numCache>
-                <c:formatCode>General</c:formatCode>
-                <c:ptCount val="10"/>
-                <c:pt idx="0">
-                  <c:v>0.884057971014493</c:v>
-                </c:pt>
-                <c:pt idx="1">
-                  <c:v>0.913043478260869</c:v>
-                </c:pt>
-                <c:pt idx="2">
-                  <c:v>0.884057971014493</c:v>
-                </c:pt>
-                <c:pt idx="3">
-                  <c:v>0.797101449275362</c:v>
-                </c:pt>
-                <c:pt idx="4">
-                  <c:v>0.934782608695652</c:v>
-                </c:pt>
-                <c:pt idx="5">
-                  <c:v>0.869565217391304</c:v>
-                </c:pt>
-                <c:pt idx="6">
-                  <c:v>0.760869565217391</c:v>
-                </c:pt>
-                <c:pt idx="7">
-                  <c:v>0.934782608695652</c:v>
-                </c:pt>
-                <c:pt idx="8">
-                  <c:v>0.739130434782609</c:v>
-                </c:pt>
-                <c:pt idx="9">
-                  <c:v>0.760869565217391</c:v>
-                </c:pt>
-              </c:numCache>
-            </c:numRef>
-          </c:val>
-        </c:ser>
-        <c:ser>
-          <c:idx val="5"/>
-          <c:order val="4"/>
-          <c:tx>
-            <c:strRef>
-              <c:f>oppoProposedSize_percent!$P$7</c:f>
-              <c:strCache>
-                <c:ptCount val="1"/>
-                <c:pt idx="0">
-                  <c:v>ideator</c:v>
-                </c:pt>
-              </c:strCache>
-            </c:strRef>
-          </c:tx>
-          <c:spPr>
-            <a:solidFill>
-              <a:schemeClr val="accent6"/>
-            </a:solidFill>
-            <a:ln>
-              <a:noFill/>
-            </a:ln>
-            <a:effectLst/>
-          </c:spPr>
-          <c:invertIfNegative val="0"/>
-          <c:errBars>
-            <c:errBarType val="both"/>
-            <c:errValType val="stdErr"/>
-            <c:noEndCap val="0"/>
-            <c:spPr>
-              <a:noFill/>
-              <a:ln w="9525" cap="flat" cmpd="sng" algn="ctr">
-                <a:solidFill>
-                  <a:schemeClr val="tx1">
-                    <a:lumMod val="65000"/>
-                    <a:lumOff val="35000"/>
-                  </a:schemeClr>
-                </a:solidFill>
-                <a:round/>
-              </a:ln>
-              <a:effectLst/>
-            </c:spPr>
-          </c:errBars>
-          <c:cat>
-            <c:numRef>
-              <c:f>oppoProposedSize_percent!$K$8:$K$17</c:f>
-              <c:numCache>
-                <c:formatCode>General</c:formatCode>
-                <c:ptCount val="10"/>
-                <c:pt idx="0">
-                  <c:v>4.0</c:v>
-                </c:pt>
-                <c:pt idx="1">
-                  <c:v>7.0</c:v>
-                </c:pt>
-                <c:pt idx="2">
-                  <c:v>8.0</c:v>
-                </c:pt>
-                <c:pt idx="3">
-                  <c:v>9.0</c:v>
-                </c:pt>
-                <c:pt idx="4">
-                  <c:v>10.0</c:v>
-                </c:pt>
-                <c:pt idx="5">
-                  <c:v>11.0</c:v>
-                </c:pt>
-                <c:pt idx="6">
-                  <c:v>12.0</c:v>
-                </c:pt>
-                <c:pt idx="7">
-                  <c:v>14.0</c:v>
-                </c:pt>
-                <c:pt idx="8">
-                  <c:v>16.0</c:v>
-                </c:pt>
-                <c:pt idx="9">
-                  <c:v>18.0</c:v>
-                </c:pt>
-              </c:numCache>
-            </c:numRef>
-          </c:cat>
-          <c:val>
-            <c:numRef>
-              <c:f>oppoProposedSize_percent!$P$8:$P$17</c:f>
-              <c:numCache>
-                <c:formatCode>General</c:formatCode>
-                <c:ptCount val="10"/>
-                <c:pt idx="0">
-                  <c:v>0.975</c:v>
-                </c:pt>
-                <c:pt idx="1">
-                  <c:v>1.0</c:v>
-                </c:pt>
-                <c:pt idx="2">
-                  <c:v>0.883333333333333</c:v>
-                </c:pt>
-                <c:pt idx="3">
-                  <c:v>0.85</c:v>
-                </c:pt>
-                <c:pt idx="4">
-                  <c:v>0.975</c:v>
-                </c:pt>
-                <c:pt idx="5">
-                  <c:v>1.0</c:v>
-                </c:pt>
-                <c:pt idx="6">
-                  <c:v>0.875</c:v>
-                </c:pt>
-                <c:pt idx="7">
-                  <c:v>1.0</c:v>
-                </c:pt>
-                <c:pt idx="8">
-                  <c:v>0.85</c:v>
-                </c:pt>
-                <c:pt idx="9">
-                  <c:v>0.875</c:v>
-                </c:pt>
-              </c:numCache>
-            </c:numRef>
-          </c:val>
-        </c:ser>
-        <c:dLbls>
-          <c:showLegendKey val="0"/>
-          <c:showVal val="0"/>
-          <c:showCatName val="0"/>
-          <c:showSerName val="0"/>
-          <c:showPercent val="0"/>
-          <c:showBubbleSize val="0"/>
-        </c:dLbls>
-        <c:gapWidth val="219"/>
-        <c:overlap val="-10"/>
-        <c:axId val="1360311008"/>
-        <c:axId val="1397458784"/>
-      </c:barChart>
-      <c:catAx>
-        <c:axId val="1360311008"/>
-        <c:scaling>
-          <c:orientation val="minMax"/>
-        </c:scaling>
-        <c:delete val="0"/>
-        <c:axPos val="b"/>
-        <c:title>
-          <c:tx>
-            <c:rich>
-              <a:bodyPr rot="0" spcFirstLastPara="1" vertOverflow="ellipsis" vert="horz" wrap="square" anchor="ctr" anchorCtr="1"/>
-              <a:lstStyle/>
-              <a:p>
-                <a:pPr>
-                  <a:defRPr sz="1000" b="0" i="0" u="none" strike="noStrike" kern="1200" baseline="0">
-                    <a:solidFill>
-                      <a:schemeClr val="tx1">
-                        <a:lumMod val="65000"/>
-                        <a:lumOff val="35000"/>
-                      </a:schemeClr>
-                    </a:solidFill>
-                    <a:latin typeface="+mn-lt"/>
-                    <a:ea typeface="+mn-ea"/>
-                    <a:cs typeface="+mn-cs"/>
-                  </a:defRPr>
-                </a:pPr>
-                <a:r>
-                  <a:rPr lang="en-US"/>
-                  <a:t>Opponent</a:t>
-                </a:r>
-                <a:r>
-                  <a:rPr lang="en-US" baseline="0"/>
-                  <a:t> proposed amount</a:t>
-                </a:r>
-                <a:endParaRPr lang="en-US"/>
-              </a:p>
-            </c:rich>
-          </c:tx>
-          <c:layout/>
-          <c:overlay val="0"/>
-          <c:spPr>
-            <a:noFill/>
-            <a:ln>
-              <a:noFill/>
-            </a:ln>
-            <a:effectLst/>
-          </c:spPr>
-          <c:txPr>
-            <a:bodyPr rot="0" spcFirstLastPara="1" vertOverflow="ellipsis" vert="horz" wrap="square" anchor="ctr" anchorCtr="1"/>
-            <a:lstStyle/>
-            <a:p>
-              <a:pPr>
-                <a:defRPr sz="1000" b="0" i="0" u="none" strike="noStrike" kern="1200" baseline="0">
-                  <a:solidFill>
-                    <a:schemeClr val="tx1">
-                      <a:lumMod val="65000"/>
-                      <a:lumOff val="35000"/>
-                    </a:schemeClr>
-                  </a:solidFill>
-                  <a:latin typeface="+mn-lt"/>
-                  <a:ea typeface="+mn-ea"/>
-                  <a:cs typeface="+mn-cs"/>
-                </a:defRPr>
-              </a:pPr>
-              <a:endParaRPr lang="en-US"/>
-            </a:p>
-          </c:txPr>
-        </c:title>
-        <c:numFmt formatCode="General" sourceLinked="1"/>
-        <c:majorTickMark val="none"/>
-        <c:minorTickMark val="none"/>
-        <c:tickLblPos val="nextTo"/>
-        <c:spPr>
-          <a:noFill/>
-          <a:ln w="9525" cap="flat" cmpd="sng" algn="ctr">
-            <a:solidFill>
-              <a:schemeClr val="tx1">
-                <a:lumMod val="15000"/>
-                <a:lumOff val="85000"/>
-              </a:schemeClr>
-            </a:solidFill>
-            <a:round/>
-          </a:ln>
-          <a:effectLst/>
-        </c:spPr>
-        <c:txPr>
-          <a:bodyPr rot="-60000000" spcFirstLastPara="1" vertOverflow="ellipsis" vert="horz" wrap="square" anchor="ctr" anchorCtr="1"/>
-          <a:lstStyle/>
-          <a:p>
-            <a:pPr>
-              <a:defRPr sz="900" b="0" i="0" u="none" strike="noStrike" kern="1200" baseline="0">
-                <a:solidFill>
-                  <a:schemeClr val="tx1">
-                    <a:lumMod val="65000"/>
-                    <a:lumOff val="35000"/>
-                  </a:schemeClr>
-                </a:solidFill>
-                <a:latin typeface="+mn-lt"/>
-                <a:ea typeface="+mn-ea"/>
-                <a:cs typeface="+mn-cs"/>
-              </a:defRPr>
-            </a:pPr>
-            <a:endParaRPr lang="en-US"/>
-          </a:p>
-        </c:txPr>
-        <c:crossAx val="1397458784"/>
-        <c:crosses val="autoZero"/>
-        <c:auto val="1"/>
-        <c:lblAlgn val="ctr"/>
-        <c:lblOffset val="100"/>
-        <c:noMultiLvlLbl val="0"/>
-      </c:catAx>
-      <c:valAx>
-        <c:axId val="1397458784"/>
-        <c:scaling>
-          <c:orientation val="minMax"/>
-          <c:max val="1.0"/>
-        </c:scaling>
-        <c:delete val="0"/>
-        <c:axPos val="l"/>
-        <c:majorGridlines>
-          <c:spPr>
-            <a:ln w="9525" cap="flat" cmpd="sng" algn="ctr">
-              <a:solidFill>
-                <a:schemeClr val="tx1">
-                  <a:lumMod val="15000"/>
-                  <a:lumOff val="85000"/>
-                </a:schemeClr>
-              </a:solidFill>
-              <a:round/>
-            </a:ln>
-            <a:effectLst/>
-          </c:spPr>
-        </c:majorGridlines>
-        <c:title>
-          <c:tx>
-            <c:rich>
-              <a:bodyPr rot="-5400000" spcFirstLastPara="1" vertOverflow="ellipsis" vert="horz" wrap="square" anchor="ctr" anchorCtr="1"/>
-              <a:lstStyle/>
-              <a:p>
-                <a:pPr>
-                  <a:defRPr sz="1000" b="0" i="0" u="none" strike="noStrike" kern="1200" baseline="0">
-                    <a:solidFill>
-                      <a:schemeClr val="tx1">
-                        <a:lumMod val="65000"/>
-                        <a:lumOff val="35000"/>
-                      </a:schemeClr>
-                    </a:solidFill>
-                    <a:latin typeface="+mn-lt"/>
-                    <a:ea typeface="+mn-ea"/>
-                    <a:cs typeface="+mn-cs"/>
-                  </a:defRPr>
-                </a:pPr>
-                <a:r>
-                  <a:rPr lang="en-US"/>
-                  <a:t>Acceptance</a:t>
-                </a:r>
-                <a:r>
-                  <a:rPr lang="en-US" baseline="0"/>
-                  <a:t> rate</a:t>
-                </a:r>
-                <a:endParaRPr lang="en-US"/>
-              </a:p>
-            </c:rich>
-          </c:tx>
-          <c:layout/>
-          <c:overlay val="0"/>
-          <c:spPr>
-            <a:noFill/>
-            <a:ln>
-              <a:noFill/>
-            </a:ln>
-            <a:effectLst/>
-          </c:spPr>
-          <c:txPr>
-            <a:bodyPr rot="-5400000" spcFirstLastPara="1" vertOverflow="ellipsis" vert="horz" wrap="square" anchor="ctr" anchorCtr="1"/>
-            <a:lstStyle/>
-            <a:p>
-              <a:pPr>
-                <a:defRPr sz="1000" b="0" i="0" u="none" strike="noStrike" kern="1200" baseline="0">
-                  <a:solidFill>
-                    <a:schemeClr val="tx1">
-                      <a:lumMod val="65000"/>
-                      <a:lumOff val="35000"/>
-                    </a:schemeClr>
-                  </a:solidFill>
-                  <a:latin typeface="+mn-lt"/>
-                  <a:ea typeface="+mn-ea"/>
-                  <a:cs typeface="+mn-cs"/>
-                </a:defRPr>
-              </a:pPr>
-              <a:endParaRPr lang="en-US"/>
-            </a:p>
-          </c:txPr>
-        </c:title>
-        <c:majorTickMark val="none"/>
-        <c:minorTickMark val="none"/>
-        <c:tickLblPos val="nextTo"/>
-        <c:spPr>
-          <a:noFill/>
-          <a:ln>
-            <a:noFill/>
-          </a:ln>
-          <a:effectLst/>
-        </c:spPr>
-        <c:txPr>
-          <a:bodyPr rot="-60000000" spcFirstLastPara="1" vertOverflow="ellipsis" vert="horz" wrap="square" anchor="ctr" anchorCtr="1"/>
-          <a:lstStyle/>
-          <a:p>
-            <a:pPr>
-              <a:defRPr sz="900" b="0" i="0" u="none" strike="noStrike" kern="1200" baseline="0">
-                <a:solidFill>
-                  <a:schemeClr val="tx1">
-                    <a:lumMod val="65000"/>
-                    <a:lumOff val="35000"/>
-                  </a:schemeClr>
-                </a:solidFill>
-                <a:latin typeface="+mn-lt"/>
-                <a:ea typeface="+mn-ea"/>
-                <a:cs typeface="+mn-cs"/>
-              </a:defRPr>
-            </a:pPr>
-            <a:endParaRPr lang="en-US"/>
-          </a:p>
-        </c:txPr>
-        <c:crossAx val="1360311008"/>
-        <c:crosses val="autoZero"/>
-        <c:crossBetween val="between"/>
-      </c:valAx>
-      <c:spPr>
-        <a:noFill/>
-        <a:ln>
-          <a:noFill/>
-        </a:ln>
-        <a:effectLst/>
-      </c:spPr>
-    </c:plotArea>
-    <c:legend>
-      <c:legendPos val="b"/>
-      <c:layout/>
-      <c:overlay val="0"/>
-      <c:spPr>
-        <a:noFill/>
-        <a:ln>
-          <a:noFill/>
-        </a:ln>
-        <a:effectLst/>
-      </c:spPr>
-      <c:txPr>
-        <a:bodyPr rot="0" spcFirstLastPara="1" vertOverflow="ellipsis" vert="horz" wrap="square" anchor="ctr" anchorCtr="1"/>
-        <a:lstStyle/>
-        <a:p>
-          <a:pPr>
-            <a:defRPr sz="900" b="0" i="0" u="none" strike="noStrike" kern="1200" baseline="0">
-              <a:solidFill>
-                <a:schemeClr val="tx1">
-                  <a:lumMod val="65000"/>
-                  <a:lumOff val="35000"/>
-                </a:schemeClr>
-              </a:solidFill>
-              <a:latin typeface="+mn-lt"/>
-              <a:ea typeface="+mn-ea"/>
-              <a:cs typeface="+mn-cs"/>
-            </a:defRPr>
-          </a:pPr>
-          <a:endParaRPr lang="en-US"/>
-        </a:p>
-      </c:txPr>
-    </c:legend>
-    <c:plotVisOnly val="1"/>
-    <c:dispBlanksAs val="gap"/>
-    <c:showDLblsOverMax val="0"/>
-  </c:chart>
-  <c:spPr>
-    <a:noFill/>
-    <a:ln>
-      <a:noFill/>
-    </a:ln>
-    <a:effectLst/>
-  </c:spPr>
-  <c:txPr>
-    <a:bodyPr/>
-    <a:lstStyle/>
-    <a:p>
-      <a:pPr>
-        <a:defRPr/>
-      </a:pPr>
-      <a:endParaRPr lang="en-US"/>
-    </a:p>
-  </c:txPr>
-  <c:externalData r:id="rId3">
-    <c:autoUpdate val="0"/>
-  </c:externalData>
-</c:chartSpace>
-</file>
-
-<file path=ppt/charts/chart18.xml><?xml version="1.0" encoding="utf-8"?>
-<c:chartSpace xmlns:c="http://schemas.openxmlformats.org/drawingml/2006/chart" xmlns:a="http://schemas.openxmlformats.org/drawingml/2006/main" xmlns:r="http://schemas.openxmlformats.org/officeDocument/2006/relationships">
-  <c:date1904 val="0"/>
-  <c:lang val="en-US"/>
-  <c:roundedCorners val="0"/>
-  <mc:AlternateContent xmlns:mc="http://schemas.openxmlformats.org/markup-compatibility/2006">
-    <mc:Choice xmlns:c14="http://schemas.microsoft.com/office/drawing/2007/8/2/chart" Requires="c14">
-      <c14:style val="102"/>
-    </mc:Choice>
-    <mc:Fallback>
-      <c:style val="2"/>
-    </mc:Fallback>
-  </mc:AlternateContent>
-  <c:chart>
-    <c:title>
-      <c:tx>
-        <c:rich>
-          <a:bodyPr rot="0" spcFirstLastPara="1" vertOverflow="ellipsis" vert="horz" wrap="square" anchor="ctr" anchorCtr="1"/>
-          <a:lstStyle/>
-          <a:p>
-            <a:pPr>
-              <a:defRPr sz="1400" b="0" i="0" u="none" strike="noStrike" kern="1200" spc="0" baseline="0">
-                <a:solidFill>
-                  <a:schemeClr val="tx1">
-                    <a:lumMod val="65000"/>
-                    <a:lumOff val="35000"/>
-                  </a:schemeClr>
-                </a:solidFill>
-                <a:latin typeface="+mn-lt"/>
-                <a:ea typeface="+mn-ea"/>
-                <a:cs typeface="+mn-cs"/>
-              </a:defRPr>
-            </a:pPr>
-            <a:r>
-              <a:rPr lang="en-US"/>
-              <a:t>Punish and opponent proposed</a:t>
-            </a:r>
-            <a:r>
-              <a:rPr lang="en-US" baseline="0"/>
-              <a:t> size</a:t>
-            </a:r>
-            <a:endParaRPr lang="en-US"/>
-          </a:p>
-        </c:rich>
-      </c:tx>
-      <c:layout>
-        <c:manualLayout>
-          <c:xMode val="edge"/>
-          <c:yMode val="edge"/>
-          <c:x val="0.207520778652668"/>
-          <c:y val="0.037037037037037"/>
-        </c:manualLayout>
-      </c:layout>
-      <c:overlay val="0"/>
-      <c:spPr>
-        <a:noFill/>
-        <a:ln>
-          <a:noFill/>
-        </a:ln>
-        <a:effectLst/>
-      </c:spPr>
-      <c:txPr>
-        <a:bodyPr rot="0" spcFirstLastPara="1" vertOverflow="ellipsis" vert="horz" wrap="square" anchor="ctr" anchorCtr="1"/>
-        <a:lstStyle/>
-        <a:p>
-          <a:pPr>
-            <a:defRPr sz="1400" b="0" i="0" u="none" strike="noStrike" kern="1200" spc="0" baseline="0">
-              <a:solidFill>
-                <a:schemeClr val="tx1">
-                  <a:lumMod val="65000"/>
-                  <a:lumOff val="35000"/>
-                </a:schemeClr>
-              </a:solidFill>
-              <a:latin typeface="+mn-lt"/>
-              <a:ea typeface="+mn-ea"/>
-              <a:cs typeface="+mn-cs"/>
-            </a:defRPr>
-          </a:pPr>
-          <a:endParaRPr lang="en-US"/>
-        </a:p>
-      </c:txPr>
-    </c:title>
-    <c:autoTitleDeleted val="0"/>
-    <c:plotArea>
-      <c:layout/>
-      <c:barChart>
-        <c:barDir val="col"/>
-        <c:grouping val="clustered"/>
-        <c:varyColors val="0"/>
-        <c:ser>
-          <c:idx val="0"/>
-          <c:order val="0"/>
-          <c:tx>
-            <c:strRef>
-              <c:f>oppoProposedSize_percent!$L$9</c:f>
-              <c:strCache>
-                <c:ptCount val="1"/>
-                <c:pt idx="0">
-                  <c:v>AttempterHL</c:v>
-                </c:pt>
-              </c:strCache>
-            </c:strRef>
-          </c:tx>
-          <c:spPr>
-            <a:solidFill>
-              <a:schemeClr val="accent1"/>
-            </a:solidFill>
-            <a:ln>
-              <a:noFill/>
-            </a:ln>
-            <a:effectLst/>
-          </c:spPr>
-          <c:invertIfNegative val="0"/>
-          <c:errBars>
-            <c:errBarType val="both"/>
-            <c:errValType val="stdErr"/>
-            <c:noEndCap val="0"/>
-            <c:spPr>
-              <a:noFill/>
-              <a:ln w="9525" cap="flat" cmpd="sng" algn="ctr">
-                <a:solidFill>
-                  <a:schemeClr val="tx1">
-                    <a:lumMod val="65000"/>
-                    <a:lumOff val="35000"/>
-                  </a:schemeClr>
-                </a:solidFill>
-                <a:round/>
-              </a:ln>
-              <a:effectLst/>
-            </c:spPr>
-          </c:errBars>
-          <c:val>
-            <c:numRef>
-              <c:f>oppoProposedSize_percent!$L$10:$L$18</c:f>
-              <c:numCache>
-                <c:formatCode>General</c:formatCode>
-                <c:ptCount val="9"/>
-                <c:pt idx="0">
-                  <c:v>0.431372549019608</c:v>
-                </c:pt>
-                <c:pt idx="1">
-                  <c:v>0.764705882352941</c:v>
-                </c:pt>
-                <c:pt idx="2">
-                  <c:v>0.411764705882353</c:v>
-                </c:pt>
-                <c:pt idx="3">
-                  <c:v>0.264705882352941</c:v>
-                </c:pt>
-                <c:pt idx="4">
-                  <c:v>0.34640522875817</c:v>
-                </c:pt>
-                <c:pt idx="5">
-                  <c:v>0.470588235294118</c:v>
-                </c:pt>
-                <c:pt idx="6">
-                  <c:v>0.411764705882353</c:v>
-                </c:pt>
-                <c:pt idx="7">
-                  <c:v>0.441176470588235</c:v>
-                </c:pt>
-                <c:pt idx="8">
-                  <c:v>0.196078431372549</c:v>
-                </c:pt>
-              </c:numCache>
-            </c:numRef>
-          </c:val>
-        </c:ser>
-        <c:ser>
-          <c:idx val="1"/>
-          <c:order val="1"/>
-          <c:tx>
-            <c:strRef>
-              <c:f>oppoProposedSize_percent!$M$9</c:f>
-              <c:strCache>
-                <c:ptCount val="1"/>
-                <c:pt idx="0">
-                  <c:v>AttempterLL</c:v>
-                </c:pt>
-              </c:strCache>
-            </c:strRef>
-          </c:tx>
-          <c:spPr>
-            <a:solidFill>
-              <a:schemeClr val="accent2"/>
-            </a:solidFill>
-            <a:ln>
-              <a:noFill/>
-            </a:ln>
-            <a:effectLst/>
-          </c:spPr>
-          <c:invertIfNegative val="0"/>
-          <c:errBars>
-            <c:errBarType val="both"/>
-            <c:errValType val="stdErr"/>
-            <c:noEndCap val="0"/>
-            <c:spPr>
-              <a:noFill/>
-              <a:ln w="9525" cap="flat" cmpd="sng" algn="ctr">
-                <a:solidFill>
-                  <a:schemeClr val="tx1">
-                    <a:lumMod val="65000"/>
-                    <a:lumOff val="35000"/>
-                  </a:schemeClr>
-                </a:solidFill>
-                <a:round/>
-              </a:ln>
-              <a:effectLst/>
-            </c:spPr>
-          </c:errBars>
-          <c:val>
-            <c:numRef>
-              <c:f>oppoProposedSize_percent!$M$10:$M$18</c:f>
-              <c:numCache>
-                <c:formatCode>General</c:formatCode>
-                <c:ptCount val="9"/>
-                <c:pt idx="0">
-                  <c:v>0.508771929824561</c:v>
-                </c:pt>
-                <c:pt idx="1">
-                  <c:v>0.894736842105263</c:v>
-                </c:pt>
-                <c:pt idx="2">
-                  <c:v>0.394736842105263</c:v>
-                </c:pt>
-                <c:pt idx="3">
-                  <c:v>0.236842105263158</c:v>
-                </c:pt>
-                <c:pt idx="4">
-                  <c:v>0.391812865497076</c:v>
-                </c:pt>
-                <c:pt idx="5">
-                  <c:v>0.578947368421053</c:v>
-                </c:pt>
-                <c:pt idx="6">
-                  <c:v>0.473684210526316</c:v>
-                </c:pt>
-                <c:pt idx="7">
-                  <c:v>0.368421052631579</c:v>
-                </c:pt>
-                <c:pt idx="8">
-                  <c:v>0.228070175438596</c:v>
-                </c:pt>
-              </c:numCache>
-            </c:numRef>
-          </c:val>
-        </c:ser>
-        <c:ser>
-          <c:idx val="2"/>
-          <c:order val="2"/>
-          <c:tx>
-            <c:strRef>
-              <c:f>oppoProposedSize_percent!$N$9</c:f>
-              <c:strCache>
-                <c:ptCount val="1"/>
-                <c:pt idx="0">
-                  <c:v>control</c:v>
-                </c:pt>
-              </c:strCache>
-            </c:strRef>
-          </c:tx>
-          <c:spPr>
-            <a:solidFill>
-              <a:schemeClr val="accent3"/>
-            </a:solidFill>
-            <a:ln>
-              <a:noFill/>
-            </a:ln>
-            <a:effectLst/>
-          </c:spPr>
-          <c:invertIfNegative val="0"/>
-          <c:errBars>
-            <c:errBarType val="both"/>
-            <c:errValType val="stdErr"/>
-            <c:noEndCap val="0"/>
-            <c:spPr>
-              <a:noFill/>
-              <a:ln w="9525" cap="flat" cmpd="sng" algn="ctr">
-                <a:solidFill>
-                  <a:schemeClr val="tx1">
-                    <a:lumMod val="65000"/>
-                    <a:lumOff val="35000"/>
-                  </a:schemeClr>
-                </a:solidFill>
-                <a:round/>
-              </a:ln>
-              <a:effectLst/>
-            </c:spPr>
-          </c:errBars>
-          <c:val>
-            <c:numRef>
-              <c:f>oppoProposedSize_percent!$N$10:$N$18</c:f>
-              <c:numCache>
-                <c:formatCode>General</c:formatCode>
-                <c:ptCount val="9"/>
-                <c:pt idx="0">
-                  <c:v>0.597222222222222</c:v>
-                </c:pt>
-                <c:pt idx="1">
-                  <c:v>0.708333333333333</c:v>
-                </c:pt>
-                <c:pt idx="2">
-                  <c:v>0.520833333333333</c:v>
-                </c:pt>
-                <c:pt idx="3">
-                  <c:v>0.291666666666667</c:v>
-                </c:pt>
-                <c:pt idx="4">
-                  <c:v>0.416666666666667</c:v>
-                </c:pt>
-                <c:pt idx="5">
-                  <c:v>0.625</c:v>
-                </c:pt>
-                <c:pt idx="6">
-                  <c:v>0.569444444444444</c:v>
-                </c:pt>
-                <c:pt idx="7">
-                  <c:v>0.479166666666667</c:v>
-                </c:pt>
-                <c:pt idx="8">
-                  <c:v>0.222222222222222</c:v>
-                </c:pt>
-              </c:numCache>
-            </c:numRef>
-          </c:val>
-        </c:ser>
-        <c:ser>
-          <c:idx val="3"/>
-          <c:order val="3"/>
-          <c:tx>
-            <c:strRef>
-              <c:f>oppoProposedSize_percent!$O$9</c:f>
-              <c:strCache>
-                <c:ptCount val="1"/>
-                <c:pt idx="0">
-                  <c:v>depression</c:v>
-                </c:pt>
-              </c:strCache>
-            </c:strRef>
-          </c:tx>
-          <c:spPr>
-            <a:solidFill>
-              <a:schemeClr val="accent4"/>
-            </a:solidFill>
-            <a:ln>
-              <a:noFill/>
-            </a:ln>
-            <a:effectLst/>
-          </c:spPr>
-          <c:invertIfNegative val="0"/>
-          <c:errBars>
-            <c:errBarType val="both"/>
-            <c:errValType val="stdErr"/>
-            <c:noEndCap val="0"/>
-            <c:spPr>
-              <a:noFill/>
-              <a:ln w="9525" cap="flat" cmpd="sng" algn="ctr">
-                <a:solidFill>
-                  <a:schemeClr val="tx1">
-                    <a:lumMod val="65000"/>
-                    <a:lumOff val="35000"/>
-                  </a:schemeClr>
-                </a:solidFill>
-                <a:round/>
-              </a:ln>
-              <a:effectLst/>
-            </c:spPr>
-          </c:errBars>
-          <c:val>
-            <c:numRef>
-              <c:f>oppoProposedSize_percent!$O$10:$O$18</c:f>
-              <c:numCache>
-                <c:formatCode>General</c:formatCode>
-                <c:ptCount val="9"/>
-                <c:pt idx="0">
-                  <c:v>0.623188405797101</c:v>
-                </c:pt>
-                <c:pt idx="1">
-                  <c:v>0.826086956521739</c:v>
-                </c:pt>
-                <c:pt idx="2">
-                  <c:v>0.58695652173913</c:v>
-                </c:pt>
-                <c:pt idx="3">
-                  <c:v>0.478260869565217</c:v>
-                </c:pt>
-                <c:pt idx="4">
-                  <c:v>0.531400966183575</c:v>
-                </c:pt>
-                <c:pt idx="5">
-                  <c:v>0.695652173913043</c:v>
-                </c:pt>
-                <c:pt idx="6">
-                  <c:v>0.623188405797101</c:v>
-                </c:pt>
-                <c:pt idx="7">
-                  <c:v>0.695652173913043</c:v>
-                </c:pt>
-                <c:pt idx="8">
-                  <c:v>0.376811594202899</c:v>
-                </c:pt>
-              </c:numCache>
-            </c:numRef>
-          </c:val>
-        </c:ser>
-        <c:ser>
-          <c:idx val="4"/>
-          <c:order val="4"/>
-          <c:tx>
-            <c:strRef>
-              <c:f>oppoProposedSize_percent!$P$9</c:f>
-              <c:strCache>
-                <c:ptCount val="1"/>
-                <c:pt idx="0">
-                  <c:v>ideator</c:v>
-                </c:pt>
-              </c:strCache>
-            </c:strRef>
-          </c:tx>
-          <c:spPr>
-            <a:solidFill>
-              <a:schemeClr val="accent5"/>
-            </a:solidFill>
-            <a:ln>
-              <a:noFill/>
-            </a:ln>
-            <a:effectLst/>
-          </c:spPr>
-          <c:invertIfNegative val="0"/>
-          <c:errBars>
-            <c:errBarType val="both"/>
-            <c:errValType val="stdErr"/>
-            <c:noEndCap val="0"/>
-            <c:spPr>
-              <a:noFill/>
-              <a:ln w="9525" cap="flat" cmpd="sng" algn="ctr">
-                <a:solidFill>
-                  <a:schemeClr val="tx1">
-                    <a:lumMod val="65000"/>
-                    <a:lumOff val="35000"/>
-                  </a:schemeClr>
-                </a:solidFill>
-                <a:round/>
-              </a:ln>
-              <a:effectLst/>
-            </c:spPr>
-          </c:errBars>
-          <c:val>
-            <c:numRef>
-              <c:f>oppoProposedSize_percent!$P$10:$P$18</c:f>
-              <c:numCache>
-                <c:formatCode>General</c:formatCode>
-                <c:ptCount val="9"/>
-                <c:pt idx="0">
-                  <c:v>0.533333333333333</c:v>
-                </c:pt>
-                <c:pt idx="1">
-                  <c:v>0.75</c:v>
-                </c:pt>
-                <c:pt idx="2">
-                  <c:v>0.525</c:v>
-                </c:pt>
-                <c:pt idx="3">
-                  <c:v>0.325</c:v>
-                </c:pt>
-                <c:pt idx="4">
-                  <c:v>0.455555555555555</c:v>
-                </c:pt>
-                <c:pt idx="5">
-                  <c:v>0.6</c:v>
-                </c:pt>
-                <c:pt idx="6">
-                  <c:v>0.45</c:v>
-                </c:pt>
-                <c:pt idx="7">
-                  <c:v>0.525</c:v>
-                </c:pt>
-                <c:pt idx="8">
-                  <c:v>0.316666666666667</c:v>
-                </c:pt>
-              </c:numCache>
-            </c:numRef>
-          </c:val>
-        </c:ser>
-        <c:dLbls>
-          <c:showLegendKey val="0"/>
-          <c:showVal val="0"/>
-          <c:showCatName val="0"/>
-          <c:showSerName val="0"/>
-          <c:showPercent val="0"/>
-          <c:showBubbleSize val="0"/>
-        </c:dLbls>
-        <c:gapWidth val="219"/>
-        <c:overlap val="-7"/>
-        <c:axId val="1279283216"/>
-        <c:axId val="1360348880"/>
-      </c:barChart>
-      <c:catAx>
-        <c:axId val="1279283216"/>
-        <c:scaling>
-          <c:orientation val="minMax"/>
-        </c:scaling>
-        <c:delete val="0"/>
-        <c:axPos val="b"/>
-        <c:title>
-          <c:tx>
-            <c:rich>
-              <a:bodyPr rot="0" spcFirstLastPara="1" vertOverflow="ellipsis" vert="horz" wrap="square" anchor="ctr" anchorCtr="1"/>
-              <a:lstStyle/>
-              <a:p>
-                <a:pPr>
-                  <a:defRPr sz="1000" b="0" i="0" u="none" strike="noStrike" kern="1200" baseline="0">
-                    <a:solidFill>
-                      <a:schemeClr val="tx1">
-                        <a:lumMod val="65000"/>
-                        <a:lumOff val="35000"/>
-                      </a:schemeClr>
-                    </a:solidFill>
-                    <a:latin typeface="+mn-lt"/>
-                    <a:ea typeface="+mn-ea"/>
-                    <a:cs typeface="+mn-cs"/>
-                  </a:defRPr>
-                </a:pPr>
-                <a:r>
-                  <a:rPr lang="en-US"/>
-                  <a:t>Opponent proposed size</a:t>
-                </a:r>
-              </a:p>
-            </c:rich>
-          </c:tx>
-          <c:layout/>
-          <c:overlay val="0"/>
-          <c:spPr>
-            <a:noFill/>
-            <a:ln>
-              <a:noFill/>
-            </a:ln>
-            <a:effectLst/>
-          </c:spPr>
-          <c:txPr>
-            <a:bodyPr rot="0" spcFirstLastPara="1" vertOverflow="ellipsis" vert="horz" wrap="square" anchor="ctr" anchorCtr="1"/>
-            <a:lstStyle/>
-            <a:p>
-              <a:pPr>
-                <a:defRPr sz="1000" b="0" i="0" u="none" strike="noStrike" kern="1200" baseline="0">
-                  <a:solidFill>
-                    <a:schemeClr val="tx1">
-                      <a:lumMod val="65000"/>
-                      <a:lumOff val="35000"/>
-                    </a:schemeClr>
-                  </a:solidFill>
-                  <a:latin typeface="+mn-lt"/>
-                  <a:ea typeface="+mn-ea"/>
-                  <a:cs typeface="+mn-cs"/>
-                </a:defRPr>
-              </a:pPr>
-              <a:endParaRPr lang="en-US"/>
-            </a:p>
-          </c:txPr>
-        </c:title>
-        <c:numFmt formatCode="General" sourceLinked="1"/>
-        <c:majorTickMark val="none"/>
-        <c:minorTickMark val="none"/>
-        <c:tickLblPos val="nextTo"/>
-        <c:spPr>
-          <a:noFill/>
-          <a:ln w="9525" cap="flat" cmpd="sng" algn="ctr">
-            <a:solidFill>
-              <a:schemeClr val="tx1">
-                <a:lumMod val="15000"/>
-                <a:lumOff val="85000"/>
-              </a:schemeClr>
-            </a:solidFill>
-            <a:round/>
-          </a:ln>
-          <a:effectLst/>
-        </c:spPr>
-        <c:txPr>
-          <a:bodyPr rot="-60000000" spcFirstLastPara="1" vertOverflow="ellipsis" vert="horz" wrap="square" anchor="ctr" anchorCtr="1"/>
-          <a:lstStyle/>
-          <a:p>
-            <a:pPr>
-              <a:defRPr sz="900" b="0" i="0" u="none" strike="noStrike" kern="1200" baseline="0">
-                <a:solidFill>
-                  <a:schemeClr val="tx1">
-                    <a:lumMod val="65000"/>
-                    <a:lumOff val="35000"/>
-                  </a:schemeClr>
-                </a:solidFill>
-                <a:latin typeface="+mn-lt"/>
-                <a:ea typeface="+mn-ea"/>
-                <a:cs typeface="+mn-cs"/>
-              </a:defRPr>
-            </a:pPr>
-            <a:endParaRPr lang="en-US"/>
-          </a:p>
-        </c:txPr>
-        <c:crossAx val="1360348880"/>
-        <c:crosses val="autoZero"/>
-        <c:auto val="1"/>
-        <c:lblAlgn val="ctr"/>
-        <c:lblOffset val="100"/>
-        <c:noMultiLvlLbl val="0"/>
-      </c:catAx>
-      <c:valAx>
-        <c:axId val="1360348880"/>
-        <c:scaling>
-          <c:orientation val="minMax"/>
-          <c:max val="1.0"/>
-        </c:scaling>
-        <c:delete val="0"/>
-        <c:axPos val="l"/>
-        <c:majorGridlines>
-          <c:spPr>
-            <a:ln w="9525" cap="flat" cmpd="sng" algn="ctr">
-              <a:solidFill>
-                <a:schemeClr val="tx1">
-                  <a:lumMod val="15000"/>
-                  <a:lumOff val="85000"/>
-                </a:schemeClr>
-              </a:solidFill>
-              <a:round/>
-            </a:ln>
-            <a:effectLst/>
-          </c:spPr>
-        </c:majorGridlines>
-        <c:title>
-          <c:tx>
-            <c:rich>
-              <a:bodyPr rot="-5400000" spcFirstLastPara="1" vertOverflow="ellipsis" vert="horz" wrap="square" anchor="ctr" anchorCtr="1"/>
-              <a:lstStyle/>
-              <a:p>
-                <a:pPr>
-                  <a:defRPr sz="1000" b="0" i="0" u="none" strike="noStrike" kern="1200" baseline="0">
-                    <a:solidFill>
-                      <a:schemeClr val="tx1">
-                        <a:lumMod val="65000"/>
-                        <a:lumOff val="35000"/>
-                      </a:schemeClr>
-                    </a:solidFill>
-                    <a:latin typeface="+mn-lt"/>
-                    <a:ea typeface="+mn-ea"/>
-                    <a:cs typeface="+mn-cs"/>
-                  </a:defRPr>
-                </a:pPr>
-                <a:r>
-                  <a:rPr lang="en-US"/>
-                  <a:t>Acceptance rate</a:t>
-                </a:r>
-              </a:p>
-            </c:rich>
-          </c:tx>
-          <c:layout/>
-          <c:overlay val="0"/>
-          <c:spPr>
-            <a:noFill/>
-            <a:ln>
-              <a:noFill/>
-            </a:ln>
-            <a:effectLst/>
-          </c:spPr>
-          <c:txPr>
-            <a:bodyPr rot="-5400000" spcFirstLastPara="1" vertOverflow="ellipsis" vert="horz" wrap="square" anchor="ctr" anchorCtr="1"/>
-            <a:lstStyle/>
-            <a:p>
-              <a:pPr>
-                <a:defRPr sz="1000" b="0" i="0" u="none" strike="noStrike" kern="1200" baseline="0">
-                  <a:solidFill>
-                    <a:schemeClr val="tx1">
-                      <a:lumMod val="65000"/>
-                      <a:lumOff val="35000"/>
-                    </a:schemeClr>
-                  </a:solidFill>
-                  <a:latin typeface="+mn-lt"/>
-                  <a:ea typeface="+mn-ea"/>
-                  <a:cs typeface="+mn-cs"/>
-                </a:defRPr>
-              </a:pPr>
-              <a:endParaRPr lang="en-US"/>
-            </a:p>
-          </c:txPr>
-        </c:title>
-        <c:majorTickMark val="none"/>
-        <c:minorTickMark val="none"/>
-        <c:tickLblPos val="nextTo"/>
-        <c:spPr>
-          <a:noFill/>
-          <a:ln>
-            <a:noFill/>
-          </a:ln>
-          <a:effectLst/>
-        </c:spPr>
-        <c:txPr>
-          <a:bodyPr rot="-60000000" spcFirstLastPara="1" vertOverflow="ellipsis" vert="horz" wrap="square" anchor="ctr" anchorCtr="1"/>
-          <a:lstStyle/>
-          <a:p>
-            <a:pPr>
-              <a:defRPr sz="900" b="0" i="0" u="none" strike="noStrike" kern="1200" baseline="0">
-                <a:solidFill>
-                  <a:schemeClr val="tx1">
-                    <a:lumMod val="65000"/>
-                    <a:lumOff val="35000"/>
-                  </a:schemeClr>
-                </a:solidFill>
-                <a:latin typeface="+mn-lt"/>
-                <a:ea typeface="+mn-ea"/>
-                <a:cs typeface="+mn-cs"/>
-              </a:defRPr>
-            </a:pPr>
-            <a:endParaRPr lang="en-US"/>
-          </a:p>
-        </c:txPr>
-        <c:crossAx val="1279283216"/>
+        <c:crossAx val="-1400462480"/>
         <c:crosses val="autoZero"/>
         <c:crossBetween val="between"/>
       </c:valAx>
@@ -8009,6 +5236,7 @@
           </a:p>
         </c:rich>
       </c:tx>
+      <c:layout/>
       <c:overlay val="0"/>
       <c:spPr>
         <a:noFill/>
@@ -8460,11 +5688,11 @@
         </c:dLbls>
         <c:gapWidth val="219"/>
         <c:overlap val="-27"/>
-        <c:axId val="1365179792"/>
-        <c:axId val="1365182544"/>
+        <c:axId val="-1430018032"/>
+        <c:axId val="-1430015984"/>
       </c:barChart>
       <c:catAx>
-        <c:axId val="1365179792"/>
+        <c:axId val="-1430018032"/>
         <c:scaling>
           <c:orientation val="minMax"/>
         </c:scaling>
@@ -8507,7 +5735,7 @@
             <a:endParaRPr lang="en-US"/>
           </a:p>
         </c:txPr>
-        <c:crossAx val="1365182544"/>
+        <c:crossAx val="-1430015984"/>
         <c:crosses val="autoZero"/>
         <c:auto val="1"/>
         <c:lblAlgn val="ctr"/>
@@ -8515,7 +5743,7 @@
         <c:noMultiLvlLbl val="0"/>
       </c:catAx>
       <c:valAx>
-        <c:axId val="1365182544"/>
+        <c:axId val="-1430015984"/>
         <c:scaling>
           <c:orientation val="minMax"/>
         </c:scaling>
@@ -8566,7 +5794,7 @@
             <a:endParaRPr lang="en-US"/>
           </a:p>
         </c:txPr>
-        <c:crossAx val="1365179792"/>
+        <c:crossAx val="-1430018032"/>
         <c:crosses val="autoZero"/>
         <c:crossBetween val="between"/>
       </c:valAx>
@@ -8580,6 +5808,7 @@
     </c:plotArea>
     <c:legend>
       <c:legendPos val="b"/>
+      <c:layout/>
       <c:overlay val="0"/>
       <c:spPr>
         <a:noFill/>
@@ -8681,6 +5910,7 @@
           </a:p>
         </c:rich>
       </c:tx>
+      <c:layout/>
       <c:overlay val="0"/>
       <c:spPr>
         <a:noFill/>
@@ -9203,11 +6433,11 @@
         </c:dLbls>
         <c:gapWidth val="219"/>
         <c:overlap val="-27"/>
-        <c:axId val="1365202112"/>
-        <c:axId val="1365205104"/>
+        <c:axId val="-1429970128"/>
+        <c:axId val="-1430115792"/>
       </c:barChart>
       <c:catAx>
-        <c:axId val="1365202112"/>
+        <c:axId val="-1429970128"/>
         <c:scaling>
           <c:orientation val="minMax"/>
         </c:scaling>
@@ -9250,7 +6480,7 @@
             <a:endParaRPr lang="en-US"/>
           </a:p>
         </c:txPr>
-        <c:crossAx val="1365205104"/>
+        <c:crossAx val="-1430115792"/>
         <c:crosses val="autoZero"/>
         <c:auto val="1"/>
         <c:lblAlgn val="ctr"/>
@@ -9258,7 +6488,7 @@
         <c:noMultiLvlLbl val="0"/>
       </c:catAx>
       <c:valAx>
-        <c:axId val="1365205104"/>
+        <c:axId val="-1430115792"/>
         <c:scaling>
           <c:orientation val="minMax"/>
           <c:max val="1.0"/>
@@ -9310,7 +6540,7 @@
             <a:endParaRPr lang="en-US"/>
           </a:p>
         </c:txPr>
-        <c:crossAx val="1365202112"/>
+        <c:crossAx val="-1429970128"/>
         <c:crosses val="autoZero"/>
         <c:crossBetween val="between"/>
       </c:valAx>
@@ -9324,6 +6554,7 @@
     </c:plotArea>
     <c:legend>
       <c:legendPos val="b"/>
+      <c:layout/>
       <c:overlay val="0"/>
       <c:spPr>
         <a:noFill/>
@@ -9421,6 +6652,7 @@
           </a:p>
         </c:rich>
       </c:tx>
+      <c:layout/>
       <c:overlay val="0"/>
       <c:spPr>
         <a:noFill/>
@@ -10062,11 +7294,11 @@
         </c:dLbls>
         <c:gapWidth val="219"/>
         <c:overlap val="-27"/>
-        <c:axId val="1318041728"/>
-        <c:axId val="1280467376"/>
+        <c:axId val="-1580652592"/>
+        <c:axId val="-1580640928"/>
       </c:barChart>
       <c:catAx>
-        <c:axId val="1318041728"/>
+        <c:axId val="-1580652592"/>
         <c:scaling>
           <c:orientation val="minMax"/>
         </c:scaling>
@@ -10109,7 +7341,7 @@
             <a:endParaRPr lang="en-US"/>
           </a:p>
         </c:txPr>
-        <c:crossAx val="1280467376"/>
+        <c:crossAx val="-1580640928"/>
         <c:crosses val="autoZero"/>
         <c:auto val="1"/>
         <c:lblAlgn val="ctr"/>
@@ -10117,7 +7349,7 @@
         <c:noMultiLvlLbl val="0"/>
       </c:catAx>
       <c:valAx>
-        <c:axId val="1280467376"/>
+        <c:axId val="-1580640928"/>
         <c:scaling>
           <c:orientation val="minMax"/>
           <c:max val="1.0"/>
@@ -10169,7 +7401,7 @@
             <a:endParaRPr lang="en-US"/>
           </a:p>
         </c:txPr>
-        <c:crossAx val="1318041728"/>
+        <c:crossAx val="-1580652592"/>
         <c:crosses val="autoZero"/>
         <c:crossBetween val="between"/>
       </c:valAx>
@@ -10183,6 +7415,7 @@
     </c:plotArea>
     <c:legend>
       <c:legendPos val="b"/>
+      <c:layout/>
       <c:overlay val="0"/>
       <c:spPr>
         <a:noFill/>
@@ -10619,11 +7852,11 @@
         </c:dLbls>
         <c:gapWidth val="219"/>
         <c:overlap val="-27"/>
-        <c:axId val="1361531744"/>
-        <c:axId val="1361534064"/>
+        <c:axId val="-1429280432"/>
+        <c:axId val="-1580929296"/>
       </c:barChart>
       <c:catAx>
-        <c:axId val="1361531744"/>
+        <c:axId val="-1429280432"/>
         <c:scaling>
           <c:orientation val="minMax"/>
         </c:scaling>
@@ -10666,7 +7899,7 @@
             <a:endParaRPr lang="en-US"/>
           </a:p>
         </c:txPr>
-        <c:crossAx val="1361534064"/>
+        <c:crossAx val="-1580929296"/>
         <c:crosses val="autoZero"/>
         <c:auto val="1"/>
         <c:lblAlgn val="ctr"/>
@@ -10674,7 +7907,7 @@
         <c:noMultiLvlLbl val="0"/>
       </c:catAx>
       <c:valAx>
-        <c:axId val="1361534064"/>
+        <c:axId val="-1580929296"/>
         <c:scaling>
           <c:orientation val="minMax"/>
           <c:max val="1.0"/>
@@ -10726,7 +7959,7 @@
             <a:endParaRPr lang="en-US"/>
           </a:p>
         </c:txPr>
-        <c:crossAx val="1361531744"/>
+        <c:crossAx val="-1429280432"/>
         <c:crosses val="autoZero"/>
         <c:crossBetween val="between"/>
       </c:valAx>
@@ -11106,11 +8339,11 @@
         </c:dLbls>
         <c:gapWidth val="219"/>
         <c:overlap val="-27"/>
-        <c:axId val="1359602128"/>
-        <c:axId val="1359604448"/>
+        <c:axId val="-1532422240"/>
+        <c:axId val="-1532419920"/>
       </c:barChart>
       <c:catAx>
-        <c:axId val="1359602128"/>
+        <c:axId val="-1532422240"/>
         <c:scaling>
           <c:orientation val="minMax"/>
         </c:scaling>
@@ -11153,7 +8386,7 @@
             <a:endParaRPr lang="en-US"/>
           </a:p>
         </c:txPr>
-        <c:crossAx val="1359604448"/>
+        <c:crossAx val="-1532419920"/>
         <c:crosses val="autoZero"/>
         <c:auto val="1"/>
         <c:lblAlgn val="ctr"/>
@@ -11161,7 +8394,7 @@
         <c:noMultiLvlLbl val="0"/>
       </c:catAx>
       <c:valAx>
-        <c:axId val="1359604448"/>
+        <c:axId val="-1532419920"/>
         <c:scaling>
           <c:orientation val="minMax"/>
           <c:max val="1.0"/>
@@ -11213,7 +8446,7 @@
             <a:endParaRPr lang="en-US"/>
           </a:p>
         </c:txPr>
-        <c:crossAx val="1359602128"/>
+        <c:crossAx val="-1532422240"/>
         <c:crosses val="autoZero"/>
         <c:crossBetween val="between"/>
       </c:valAx>
@@ -11901,11 +9134,11 @@
         </c:dLbls>
         <c:gapWidth val="219"/>
         <c:overlap val="-27"/>
-        <c:axId val="1359507296"/>
-        <c:axId val="1359510688"/>
+        <c:axId val="-1528723632"/>
+        <c:axId val="-1433310928"/>
       </c:barChart>
       <c:catAx>
-        <c:axId val="1359507296"/>
+        <c:axId val="-1528723632"/>
         <c:scaling>
           <c:orientation val="minMax"/>
         </c:scaling>
@@ -12009,7 +9242,7 @@
             <a:endParaRPr lang="en-US"/>
           </a:p>
         </c:txPr>
-        <c:crossAx val="1359510688"/>
+        <c:crossAx val="-1433310928"/>
         <c:crosses val="autoZero"/>
         <c:auto val="1"/>
         <c:lblAlgn val="ctr"/>
@@ -12017,7 +9250,7 @@
         <c:noMultiLvlLbl val="0"/>
       </c:catAx>
       <c:valAx>
-        <c:axId val="1359510688"/>
+        <c:axId val="-1433310928"/>
         <c:scaling>
           <c:orientation val="minMax"/>
           <c:max val="1.0"/>
@@ -12129,7 +9362,7 @@
             <a:endParaRPr lang="en-US"/>
           </a:p>
         </c:txPr>
-        <c:crossAx val="1359507296"/>
+        <c:crossAx val="-1528723632"/>
         <c:crosses val="autoZero"/>
         <c:crossBetween val="between"/>
       </c:valAx>
@@ -12871,11 +10104,11 @@
         </c:dLbls>
         <c:gapWidth val="219"/>
         <c:overlap val="-27"/>
-        <c:axId val="1359417328"/>
-        <c:axId val="1359406848"/>
+        <c:axId val="-1490613792"/>
+        <c:axId val="-1530577808"/>
       </c:barChart>
       <c:catAx>
-        <c:axId val="1359417328"/>
+        <c:axId val="-1490613792"/>
         <c:scaling>
           <c:orientation val="minMax"/>
         </c:scaling>
@@ -12979,7 +10212,7 @@
             <a:endParaRPr lang="en-US"/>
           </a:p>
         </c:txPr>
-        <c:crossAx val="1359406848"/>
+        <c:crossAx val="-1530577808"/>
         <c:crosses val="autoZero"/>
         <c:auto val="1"/>
         <c:lblAlgn val="ctr"/>
@@ -12987,7 +10220,7 @@
         <c:noMultiLvlLbl val="0"/>
       </c:catAx>
       <c:valAx>
-        <c:axId val="1359406848"/>
+        <c:axId val="-1530577808"/>
         <c:scaling>
           <c:orientation val="minMax"/>
           <c:max val="1.0"/>
@@ -13103,7 +10336,7 @@
             <a:endParaRPr lang="en-US"/>
           </a:p>
         </c:txPr>
-        <c:crossAx val="1359417328"/>
+        <c:crossAx val="-1490613792"/>
         <c:crosses val="autoZero"/>
         <c:crossBetween val="between"/>
       </c:valAx>
@@ -13678,11 +10911,11 @@
         </c:dLbls>
         <c:gapWidth val="219"/>
         <c:overlap val="-27"/>
-        <c:axId val="1361589296"/>
-        <c:axId val="1361592688"/>
+        <c:axId val="-1426965776"/>
+        <c:axId val="-1426963232"/>
       </c:barChart>
       <c:catAx>
-        <c:axId val="1361589296"/>
+        <c:axId val="-1426965776"/>
         <c:scaling>
           <c:orientation val="minMax"/>
         </c:scaling>
@@ -13797,7 +11030,7 @@
             <a:endParaRPr lang="en-US"/>
           </a:p>
         </c:txPr>
-        <c:crossAx val="1361592688"/>
+        <c:crossAx val="-1426963232"/>
         <c:crosses val="autoZero"/>
         <c:auto val="1"/>
         <c:lblAlgn val="ctr"/>
@@ -13805,7 +11038,7 @@
         <c:noMultiLvlLbl val="0"/>
       </c:catAx>
       <c:valAx>
-        <c:axId val="1361592688"/>
+        <c:axId val="-1426963232"/>
         <c:scaling>
           <c:orientation val="minMax"/>
         </c:scaling>
@@ -13920,7 +11153,7 @@
             <a:endParaRPr lang="en-US"/>
           </a:p>
         </c:txPr>
-        <c:crossAx val="1361589296"/>
+        <c:crossAx val="-1426965776"/>
         <c:crosses val="autoZero"/>
         <c:crossBetween val="between"/>
       </c:valAx>
@@ -14232,126 +11465,6 @@
 </file>
 
 <file path=ppt/charts/colors15.xml><?xml version="1.0" encoding="utf-8"?>
-<cs:colorStyle xmlns:cs="http://schemas.microsoft.com/office/drawing/2012/chartStyle" xmlns:a="http://schemas.openxmlformats.org/drawingml/2006/main" meth="cycle" id="10">
-  <a:schemeClr val="accent1"/>
-  <a:schemeClr val="accent2"/>
-  <a:schemeClr val="accent3"/>
-  <a:schemeClr val="accent4"/>
-  <a:schemeClr val="accent5"/>
-  <a:schemeClr val="accent6"/>
-  <cs:variation/>
-  <cs:variation>
-    <a:lumMod val="60000"/>
-  </cs:variation>
-  <cs:variation>
-    <a:lumMod val="80000"/>
-    <a:lumOff val="20000"/>
-  </cs:variation>
-  <cs:variation>
-    <a:lumMod val="80000"/>
-  </cs:variation>
-  <cs:variation>
-    <a:lumMod val="60000"/>
-    <a:lumOff val="40000"/>
-  </cs:variation>
-  <cs:variation>
-    <a:lumMod val="50000"/>
-  </cs:variation>
-  <cs:variation>
-    <a:lumMod val="70000"/>
-    <a:lumOff val="30000"/>
-  </cs:variation>
-  <cs:variation>
-    <a:lumMod val="70000"/>
-  </cs:variation>
-  <cs:variation>
-    <a:lumMod val="50000"/>
-    <a:lumOff val="50000"/>
-  </cs:variation>
-</cs:colorStyle>
-</file>
-
-<file path=ppt/charts/colors16.xml><?xml version="1.0" encoding="utf-8"?>
-<cs:colorStyle xmlns:cs="http://schemas.microsoft.com/office/drawing/2012/chartStyle" xmlns:a="http://schemas.openxmlformats.org/drawingml/2006/main" meth="cycle" id="10">
-  <a:schemeClr val="accent1"/>
-  <a:schemeClr val="accent2"/>
-  <a:schemeClr val="accent3"/>
-  <a:schemeClr val="accent4"/>
-  <a:schemeClr val="accent5"/>
-  <a:schemeClr val="accent6"/>
-  <cs:variation/>
-  <cs:variation>
-    <a:lumMod val="60000"/>
-  </cs:variation>
-  <cs:variation>
-    <a:lumMod val="80000"/>
-    <a:lumOff val="20000"/>
-  </cs:variation>
-  <cs:variation>
-    <a:lumMod val="80000"/>
-  </cs:variation>
-  <cs:variation>
-    <a:lumMod val="60000"/>
-    <a:lumOff val="40000"/>
-  </cs:variation>
-  <cs:variation>
-    <a:lumMod val="50000"/>
-  </cs:variation>
-  <cs:variation>
-    <a:lumMod val="70000"/>
-    <a:lumOff val="30000"/>
-  </cs:variation>
-  <cs:variation>
-    <a:lumMod val="70000"/>
-  </cs:variation>
-  <cs:variation>
-    <a:lumMod val="50000"/>
-    <a:lumOff val="50000"/>
-  </cs:variation>
-</cs:colorStyle>
-</file>
-
-<file path=ppt/charts/colors17.xml><?xml version="1.0" encoding="utf-8"?>
-<cs:colorStyle xmlns:cs="http://schemas.microsoft.com/office/drawing/2012/chartStyle" xmlns:a="http://schemas.openxmlformats.org/drawingml/2006/main" meth="cycle" id="10">
-  <a:schemeClr val="accent1"/>
-  <a:schemeClr val="accent2"/>
-  <a:schemeClr val="accent3"/>
-  <a:schemeClr val="accent4"/>
-  <a:schemeClr val="accent5"/>
-  <a:schemeClr val="accent6"/>
-  <cs:variation/>
-  <cs:variation>
-    <a:lumMod val="60000"/>
-  </cs:variation>
-  <cs:variation>
-    <a:lumMod val="80000"/>
-    <a:lumOff val="20000"/>
-  </cs:variation>
-  <cs:variation>
-    <a:lumMod val="80000"/>
-  </cs:variation>
-  <cs:variation>
-    <a:lumMod val="60000"/>
-    <a:lumOff val="40000"/>
-  </cs:variation>
-  <cs:variation>
-    <a:lumMod val="50000"/>
-  </cs:variation>
-  <cs:variation>
-    <a:lumMod val="70000"/>
-    <a:lumOff val="30000"/>
-  </cs:variation>
-  <cs:variation>
-    <a:lumMod val="70000"/>
-  </cs:variation>
-  <cs:variation>
-    <a:lumMod val="50000"/>
-    <a:lumOff val="50000"/>
-  </cs:variation>
-</cs:colorStyle>
-</file>
-
-<file path=ppt/charts/colors18.xml><?xml version="1.0" encoding="utf-8"?>
 <cs:colorStyle xmlns:cs="http://schemas.microsoft.com/office/drawing/2012/chartStyle" xmlns:a="http://schemas.openxmlformats.org/drawingml/2006/main" meth="cycle" id="10">
   <a:schemeClr val="accent1"/>
   <a:schemeClr val="accent2"/>
@@ -18232,1515 +15345,6 @@
 </cs:chartStyle>
 </file>
 
-<file path=ppt/charts/style16.xml><?xml version="1.0" encoding="utf-8"?>
-<cs:chartStyle xmlns:cs="http://schemas.microsoft.com/office/drawing/2012/chartStyle" xmlns:a="http://schemas.openxmlformats.org/drawingml/2006/main" id="201">
-  <cs:axisTitle>
-    <cs:lnRef idx="0"/>
-    <cs:fillRef idx="0"/>
-    <cs:effectRef idx="0"/>
-    <cs:fontRef idx="minor">
-      <a:schemeClr val="tx1">
-        <a:lumMod val="65000"/>
-        <a:lumOff val="35000"/>
-      </a:schemeClr>
-    </cs:fontRef>
-    <cs:defRPr sz="1000" kern="1200"/>
-  </cs:axisTitle>
-  <cs:categoryAxis>
-    <cs:lnRef idx="0"/>
-    <cs:fillRef idx="0"/>
-    <cs:effectRef idx="0"/>
-    <cs:fontRef idx="minor">
-      <a:schemeClr val="tx1">
-        <a:lumMod val="65000"/>
-        <a:lumOff val="35000"/>
-      </a:schemeClr>
-    </cs:fontRef>
-    <cs:spPr>
-      <a:ln w="9525" cap="flat" cmpd="sng" algn="ctr">
-        <a:solidFill>
-          <a:schemeClr val="tx1">
-            <a:lumMod val="15000"/>
-            <a:lumOff val="85000"/>
-          </a:schemeClr>
-        </a:solidFill>
-        <a:round/>
-      </a:ln>
-    </cs:spPr>
-    <cs:defRPr sz="900" kern="1200"/>
-  </cs:categoryAxis>
-  <cs:chartArea mods="allowNoFillOverride allowNoLineOverride">
-    <cs:lnRef idx="0"/>
-    <cs:fillRef idx="0"/>
-    <cs:effectRef idx="0"/>
-    <cs:fontRef idx="minor">
-      <a:schemeClr val="tx1"/>
-    </cs:fontRef>
-    <cs:spPr>
-      <a:solidFill>
-        <a:schemeClr val="bg1"/>
-      </a:solidFill>
-      <a:ln w="9525" cap="flat" cmpd="sng" algn="ctr">
-        <a:solidFill>
-          <a:schemeClr val="tx1">
-            <a:lumMod val="15000"/>
-            <a:lumOff val="85000"/>
-          </a:schemeClr>
-        </a:solidFill>
-        <a:round/>
-      </a:ln>
-    </cs:spPr>
-    <cs:defRPr sz="1000" kern="1200"/>
-  </cs:chartArea>
-  <cs:dataLabel>
-    <cs:lnRef idx="0"/>
-    <cs:fillRef idx="0"/>
-    <cs:effectRef idx="0"/>
-    <cs:fontRef idx="minor">
-      <a:schemeClr val="tx1">
-        <a:lumMod val="75000"/>
-        <a:lumOff val="25000"/>
-      </a:schemeClr>
-    </cs:fontRef>
-    <cs:defRPr sz="900" kern="1200"/>
-  </cs:dataLabel>
-  <cs:dataLabelCallout>
-    <cs:lnRef idx="0"/>
-    <cs:fillRef idx="0"/>
-    <cs:effectRef idx="0"/>
-    <cs:fontRef idx="minor">
-      <a:schemeClr val="dk1">
-        <a:lumMod val="65000"/>
-        <a:lumOff val="35000"/>
-      </a:schemeClr>
-    </cs:fontRef>
-    <cs:spPr>
-      <a:solidFill>
-        <a:schemeClr val="lt1"/>
-      </a:solidFill>
-      <a:ln>
-        <a:solidFill>
-          <a:schemeClr val="dk1">
-            <a:lumMod val="25000"/>
-            <a:lumOff val="75000"/>
-          </a:schemeClr>
-        </a:solidFill>
-      </a:ln>
-    </cs:spPr>
-    <cs:defRPr sz="900" kern="1200"/>
-    <cs:bodyPr rot="0" spcFirstLastPara="1" vertOverflow="clip" horzOverflow="clip" vert="horz" wrap="square" lIns="36576" tIns="18288" rIns="36576" bIns="18288" anchor="ctr" anchorCtr="1">
-      <a:spAutoFit/>
-    </cs:bodyPr>
-  </cs:dataLabelCallout>
-  <cs:dataPoint>
-    <cs:lnRef idx="0"/>
-    <cs:fillRef idx="1">
-      <cs:styleClr val="auto"/>
-    </cs:fillRef>
-    <cs:effectRef idx="0"/>
-    <cs:fontRef idx="minor">
-      <a:schemeClr val="tx1"/>
-    </cs:fontRef>
-  </cs:dataPoint>
-  <cs:dataPoint3D>
-    <cs:lnRef idx="0"/>
-    <cs:fillRef idx="1">
-      <cs:styleClr val="auto"/>
-    </cs:fillRef>
-    <cs:effectRef idx="0"/>
-    <cs:fontRef idx="minor">
-      <a:schemeClr val="tx1"/>
-    </cs:fontRef>
-  </cs:dataPoint3D>
-  <cs:dataPointLine>
-    <cs:lnRef idx="0">
-      <cs:styleClr val="auto"/>
-    </cs:lnRef>
-    <cs:fillRef idx="1"/>
-    <cs:effectRef idx="0"/>
-    <cs:fontRef idx="minor">
-      <a:schemeClr val="tx1"/>
-    </cs:fontRef>
-    <cs:spPr>
-      <a:ln w="28575" cap="rnd">
-        <a:solidFill>
-          <a:schemeClr val="phClr"/>
-        </a:solidFill>
-        <a:round/>
-      </a:ln>
-    </cs:spPr>
-  </cs:dataPointLine>
-  <cs:dataPointMarker>
-    <cs:lnRef idx="0">
-      <cs:styleClr val="auto"/>
-    </cs:lnRef>
-    <cs:fillRef idx="1">
-      <cs:styleClr val="auto"/>
-    </cs:fillRef>
-    <cs:effectRef idx="0"/>
-    <cs:fontRef idx="minor">
-      <a:schemeClr val="tx1"/>
-    </cs:fontRef>
-    <cs:spPr>
-      <a:ln w="9525">
-        <a:solidFill>
-          <a:schemeClr val="phClr"/>
-        </a:solidFill>
-      </a:ln>
-    </cs:spPr>
-  </cs:dataPointMarker>
-  <cs:dataPointMarkerLayout symbol="circle" size="5"/>
-  <cs:dataPointWireframe>
-    <cs:lnRef idx="0">
-      <cs:styleClr val="auto"/>
-    </cs:lnRef>
-    <cs:fillRef idx="1"/>
-    <cs:effectRef idx="0"/>
-    <cs:fontRef idx="minor">
-      <a:schemeClr val="tx1"/>
-    </cs:fontRef>
-    <cs:spPr>
-      <a:ln w="9525" cap="rnd">
-        <a:solidFill>
-          <a:schemeClr val="phClr"/>
-        </a:solidFill>
-        <a:round/>
-      </a:ln>
-    </cs:spPr>
-  </cs:dataPointWireframe>
-  <cs:dataTable>
-    <cs:lnRef idx="0"/>
-    <cs:fillRef idx="0"/>
-    <cs:effectRef idx="0"/>
-    <cs:fontRef idx="minor">
-      <a:schemeClr val="tx1">
-        <a:lumMod val="65000"/>
-        <a:lumOff val="35000"/>
-      </a:schemeClr>
-    </cs:fontRef>
-    <cs:spPr>
-      <a:noFill/>
-      <a:ln w="9525" cap="flat" cmpd="sng" algn="ctr">
-        <a:solidFill>
-          <a:schemeClr val="tx1">
-            <a:lumMod val="15000"/>
-            <a:lumOff val="85000"/>
-          </a:schemeClr>
-        </a:solidFill>
-        <a:round/>
-      </a:ln>
-    </cs:spPr>
-    <cs:defRPr sz="900" kern="1200"/>
-  </cs:dataTable>
-  <cs:downBar>
-    <cs:lnRef idx="0"/>
-    <cs:fillRef idx="0"/>
-    <cs:effectRef idx="0"/>
-    <cs:fontRef idx="minor">
-      <a:schemeClr val="dk1"/>
-    </cs:fontRef>
-    <cs:spPr>
-      <a:solidFill>
-        <a:schemeClr val="dk1">
-          <a:lumMod val="65000"/>
-          <a:lumOff val="35000"/>
-        </a:schemeClr>
-      </a:solidFill>
-      <a:ln w="9525">
-        <a:solidFill>
-          <a:schemeClr val="tx1">
-            <a:lumMod val="65000"/>
-            <a:lumOff val="35000"/>
-          </a:schemeClr>
-        </a:solidFill>
-      </a:ln>
-    </cs:spPr>
-  </cs:downBar>
-  <cs:dropLine>
-    <cs:lnRef idx="0"/>
-    <cs:fillRef idx="0"/>
-    <cs:effectRef idx="0"/>
-    <cs:fontRef idx="minor">
-      <a:schemeClr val="tx1"/>
-    </cs:fontRef>
-    <cs:spPr>
-      <a:ln w="9525" cap="flat" cmpd="sng" algn="ctr">
-        <a:solidFill>
-          <a:schemeClr val="tx1">
-            <a:lumMod val="35000"/>
-            <a:lumOff val="65000"/>
-          </a:schemeClr>
-        </a:solidFill>
-        <a:round/>
-      </a:ln>
-    </cs:spPr>
-  </cs:dropLine>
-  <cs:errorBar>
-    <cs:lnRef idx="0"/>
-    <cs:fillRef idx="0"/>
-    <cs:effectRef idx="0"/>
-    <cs:fontRef idx="minor">
-      <a:schemeClr val="tx1"/>
-    </cs:fontRef>
-    <cs:spPr>
-      <a:ln w="9525" cap="flat" cmpd="sng" algn="ctr">
-        <a:solidFill>
-          <a:schemeClr val="tx1">
-            <a:lumMod val="65000"/>
-            <a:lumOff val="35000"/>
-          </a:schemeClr>
-        </a:solidFill>
-        <a:round/>
-      </a:ln>
-    </cs:spPr>
-  </cs:errorBar>
-  <cs:floor>
-    <cs:lnRef idx="0"/>
-    <cs:fillRef idx="0"/>
-    <cs:effectRef idx="0"/>
-    <cs:fontRef idx="minor">
-      <a:schemeClr val="tx1"/>
-    </cs:fontRef>
-    <cs:spPr>
-      <a:noFill/>
-      <a:ln>
-        <a:noFill/>
-      </a:ln>
-    </cs:spPr>
-  </cs:floor>
-  <cs:gridlineMajor>
-    <cs:lnRef idx="0"/>
-    <cs:fillRef idx="0"/>
-    <cs:effectRef idx="0"/>
-    <cs:fontRef idx="minor">
-      <a:schemeClr val="tx1"/>
-    </cs:fontRef>
-    <cs:spPr>
-      <a:ln w="9525" cap="flat" cmpd="sng" algn="ctr">
-        <a:solidFill>
-          <a:schemeClr val="tx1">
-            <a:lumMod val="15000"/>
-            <a:lumOff val="85000"/>
-          </a:schemeClr>
-        </a:solidFill>
-        <a:round/>
-      </a:ln>
-    </cs:spPr>
-  </cs:gridlineMajor>
-  <cs:gridlineMinor>
-    <cs:lnRef idx="0"/>
-    <cs:fillRef idx="0"/>
-    <cs:effectRef idx="0"/>
-    <cs:fontRef idx="minor">
-      <a:schemeClr val="tx1"/>
-    </cs:fontRef>
-    <cs:spPr>
-      <a:ln w="9525" cap="flat" cmpd="sng" algn="ctr">
-        <a:solidFill>
-          <a:schemeClr val="tx1">
-            <a:lumMod val="5000"/>
-            <a:lumOff val="95000"/>
-          </a:schemeClr>
-        </a:solidFill>
-        <a:round/>
-      </a:ln>
-    </cs:spPr>
-  </cs:gridlineMinor>
-  <cs:hiLoLine>
-    <cs:lnRef idx="0"/>
-    <cs:fillRef idx="0"/>
-    <cs:effectRef idx="0"/>
-    <cs:fontRef idx="minor">
-      <a:schemeClr val="tx1"/>
-    </cs:fontRef>
-    <cs:spPr>
-      <a:ln w="9525" cap="flat" cmpd="sng" algn="ctr">
-        <a:solidFill>
-          <a:schemeClr val="tx1">
-            <a:lumMod val="75000"/>
-            <a:lumOff val="25000"/>
-          </a:schemeClr>
-        </a:solidFill>
-        <a:round/>
-      </a:ln>
-    </cs:spPr>
-  </cs:hiLoLine>
-  <cs:leaderLine>
-    <cs:lnRef idx="0"/>
-    <cs:fillRef idx="0"/>
-    <cs:effectRef idx="0"/>
-    <cs:fontRef idx="minor">
-      <a:schemeClr val="tx1"/>
-    </cs:fontRef>
-    <cs:spPr>
-      <a:ln w="9525" cap="flat" cmpd="sng" algn="ctr">
-        <a:solidFill>
-          <a:schemeClr val="tx1">
-            <a:lumMod val="35000"/>
-            <a:lumOff val="65000"/>
-          </a:schemeClr>
-        </a:solidFill>
-        <a:round/>
-      </a:ln>
-    </cs:spPr>
-  </cs:leaderLine>
-  <cs:legend>
-    <cs:lnRef idx="0"/>
-    <cs:fillRef idx="0"/>
-    <cs:effectRef idx="0"/>
-    <cs:fontRef idx="minor">
-      <a:schemeClr val="tx1">
-        <a:lumMod val="65000"/>
-        <a:lumOff val="35000"/>
-      </a:schemeClr>
-    </cs:fontRef>
-    <cs:defRPr sz="900" kern="1200"/>
-  </cs:legend>
-  <cs:plotArea mods="allowNoFillOverride allowNoLineOverride">
-    <cs:lnRef idx="0"/>
-    <cs:fillRef idx="0"/>
-    <cs:effectRef idx="0"/>
-    <cs:fontRef idx="minor">
-      <a:schemeClr val="tx1"/>
-    </cs:fontRef>
-  </cs:plotArea>
-  <cs:plotArea3D mods="allowNoFillOverride allowNoLineOverride">
-    <cs:lnRef idx="0"/>
-    <cs:fillRef idx="0"/>
-    <cs:effectRef idx="0"/>
-    <cs:fontRef idx="minor">
-      <a:schemeClr val="tx1"/>
-    </cs:fontRef>
-  </cs:plotArea3D>
-  <cs:seriesAxis>
-    <cs:lnRef idx="0"/>
-    <cs:fillRef idx="0"/>
-    <cs:effectRef idx="0"/>
-    <cs:fontRef idx="minor">
-      <a:schemeClr val="tx1">
-        <a:lumMod val="65000"/>
-        <a:lumOff val="35000"/>
-      </a:schemeClr>
-    </cs:fontRef>
-    <cs:defRPr sz="900" kern="1200"/>
-  </cs:seriesAxis>
-  <cs:seriesLine>
-    <cs:lnRef idx="0"/>
-    <cs:fillRef idx="0"/>
-    <cs:effectRef idx="0"/>
-    <cs:fontRef idx="minor">
-      <a:schemeClr val="tx1"/>
-    </cs:fontRef>
-    <cs:spPr>
-      <a:ln w="9525" cap="flat" cmpd="sng" algn="ctr">
-        <a:solidFill>
-          <a:schemeClr val="tx1">
-            <a:lumMod val="35000"/>
-            <a:lumOff val="65000"/>
-          </a:schemeClr>
-        </a:solidFill>
-        <a:round/>
-      </a:ln>
-    </cs:spPr>
-  </cs:seriesLine>
-  <cs:title>
-    <cs:lnRef idx="0"/>
-    <cs:fillRef idx="0"/>
-    <cs:effectRef idx="0"/>
-    <cs:fontRef idx="minor">
-      <a:schemeClr val="tx1">
-        <a:lumMod val="65000"/>
-        <a:lumOff val="35000"/>
-      </a:schemeClr>
-    </cs:fontRef>
-    <cs:defRPr sz="1400" b="0" kern="1200" spc="0" baseline="0"/>
-  </cs:title>
-  <cs:trendline>
-    <cs:lnRef idx="0">
-      <cs:styleClr val="auto"/>
-    </cs:lnRef>
-    <cs:fillRef idx="0"/>
-    <cs:effectRef idx="0"/>
-    <cs:fontRef idx="minor">
-      <a:schemeClr val="tx1"/>
-    </cs:fontRef>
-    <cs:spPr>
-      <a:ln w="19050" cap="rnd">
-        <a:solidFill>
-          <a:schemeClr val="phClr"/>
-        </a:solidFill>
-        <a:prstDash val="sysDot"/>
-      </a:ln>
-    </cs:spPr>
-  </cs:trendline>
-  <cs:trendlineLabel>
-    <cs:lnRef idx="0"/>
-    <cs:fillRef idx="0"/>
-    <cs:effectRef idx="0"/>
-    <cs:fontRef idx="minor">
-      <a:schemeClr val="tx1">
-        <a:lumMod val="65000"/>
-        <a:lumOff val="35000"/>
-      </a:schemeClr>
-    </cs:fontRef>
-    <cs:defRPr sz="900" kern="1200"/>
-  </cs:trendlineLabel>
-  <cs:upBar>
-    <cs:lnRef idx="0"/>
-    <cs:fillRef idx="0"/>
-    <cs:effectRef idx="0"/>
-    <cs:fontRef idx="minor">
-      <a:schemeClr val="dk1"/>
-    </cs:fontRef>
-    <cs:spPr>
-      <a:solidFill>
-        <a:schemeClr val="lt1"/>
-      </a:solidFill>
-      <a:ln w="9525">
-        <a:solidFill>
-          <a:schemeClr val="tx1">
-            <a:lumMod val="15000"/>
-            <a:lumOff val="85000"/>
-          </a:schemeClr>
-        </a:solidFill>
-      </a:ln>
-    </cs:spPr>
-  </cs:upBar>
-  <cs:valueAxis>
-    <cs:lnRef idx="0"/>
-    <cs:fillRef idx="0"/>
-    <cs:effectRef idx="0"/>
-    <cs:fontRef idx="minor">
-      <a:schemeClr val="tx1">
-        <a:lumMod val="65000"/>
-        <a:lumOff val="35000"/>
-      </a:schemeClr>
-    </cs:fontRef>
-    <cs:defRPr sz="900" kern="1200"/>
-  </cs:valueAxis>
-  <cs:wall>
-    <cs:lnRef idx="0"/>
-    <cs:fillRef idx="0"/>
-    <cs:effectRef idx="0"/>
-    <cs:fontRef idx="minor">
-      <a:schemeClr val="tx1"/>
-    </cs:fontRef>
-    <cs:spPr>
-      <a:noFill/>
-      <a:ln>
-        <a:noFill/>
-      </a:ln>
-    </cs:spPr>
-  </cs:wall>
-</cs:chartStyle>
-</file>
-
-<file path=ppt/charts/style17.xml><?xml version="1.0" encoding="utf-8"?>
-<cs:chartStyle xmlns:cs="http://schemas.microsoft.com/office/drawing/2012/chartStyle" xmlns:a="http://schemas.openxmlformats.org/drawingml/2006/main" id="201">
-  <cs:axisTitle>
-    <cs:lnRef idx="0"/>
-    <cs:fillRef idx="0"/>
-    <cs:effectRef idx="0"/>
-    <cs:fontRef idx="minor">
-      <a:schemeClr val="tx1">
-        <a:lumMod val="65000"/>
-        <a:lumOff val="35000"/>
-      </a:schemeClr>
-    </cs:fontRef>
-    <cs:defRPr sz="1000" kern="1200"/>
-  </cs:axisTitle>
-  <cs:categoryAxis>
-    <cs:lnRef idx="0"/>
-    <cs:fillRef idx="0"/>
-    <cs:effectRef idx="0"/>
-    <cs:fontRef idx="minor">
-      <a:schemeClr val="tx1">
-        <a:lumMod val="65000"/>
-        <a:lumOff val="35000"/>
-      </a:schemeClr>
-    </cs:fontRef>
-    <cs:spPr>
-      <a:ln w="9525" cap="flat" cmpd="sng" algn="ctr">
-        <a:solidFill>
-          <a:schemeClr val="tx1">
-            <a:lumMod val="15000"/>
-            <a:lumOff val="85000"/>
-          </a:schemeClr>
-        </a:solidFill>
-        <a:round/>
-      </a:ln>
-    </cs:spPr>
-    <cs:defRPr sz="900" kern="1200"/>
-  </cs:categoryAxis>
-  <cs:chartArea mods="allowNoFillOverride allowNoLineOverride">
-    <cs:lnRef idx="0"/>
-    <cs:fillRef idx="0"/>
-    <cs:effectRef idx="0"/>
-    <cs:fontRef idx="minor">
-      <a:schemeClr val="tx1"/>
-    </cs:fontRef>
-    <cs:spPr>
-      <a:solidFill>
-        <a:schemeClr val="bg1"/>
-      </a:solidFill>
-      <a:ln w="9525" cap="flat" cmpd="sng" algn="ctr">
-        <a:solidFill>
-          <a:schemeClr val="tx1">
-            <a:lumMod val="15000"/>
-            <a:lumOff val="85000"/>
-          </a:schemeClr>
-        </a:solidFill>
-        <a:round/>
-      </a:ln>
-    </cs:spPr>
-    <cs:defRPr sz="1000" kern="1200"/>
-  </cs:chartArea>
-  <cs:dataLabel>
-    <cs:lnRef idx="0"/>
-    <cs:fillRef idx="0"/>
-    <cs:effectRef idx="0"/>
-    <cs:fontRef idx="minor">
-      <a:schemeClr val="tx1">
-        <a:lumMod val="75000"/>
-        <a:lumOff val="25000"/>
-      </a:schemeClr>
-    </cs:fontRef>
-    <cs:defRPr sz="900" kern="1200"/>
-  </cs:dataLabel>
-  <cs:dataLabelCallout>
-    <cs:lnRef idx="0"/>
-    <cs:fillRef idx="0"/>
-    <cs:effectRef idx="0"/>
-    <cs:fontRef idx="minor">
-      <a:schemeClr val="dk1">
-        <a:lumMod val="65000"/>
-        <a:lumOff val="35000"/>
-      </a:schemeClr>
-    </cs:fontRef>
-    <cs:spPr>
-      <a:solidFill>
-        <a:schemeClr val="lt1"/>
-      </a:solidFill>
-      <a:ln>
-        <a:solidFill>
-          <a:schemeClr val="dk1">
-            <a:lumMod val="25000"/>
-            <a:lumOff val="75000"/>
-          </a:schemeClr>
-        </a:solidFill>
-      </a:ln>
-    </cs:spPr>
-    <cs:defRPr sz="900" kern="1200"/>
-    <cs:bodyPr rot="0" spcFirstLastPara="1" vertOverflow="clip" horzOverflow="clip" vert="horz" wrap="square" lIns="36576" tIns="18288" rIns="36576" bIns="18288" anchor="ctr" anchorCtr="1">
-      <a:spAutoFit/>
-    </cs:bodyPr>
-  </cs:dataLabelCallout>
-  <cs:dataPoint>
-    <cs:lnRef idx="0"/>
-    <cs:fillRef idx="1">
-      <cs:styleClr val="auto"/>
-    </cs:fillRef>
-    <cs:effectRef idx="0"/>
-    <cs:fontRef idx="minor">
-      <a:schemeClr val="tx1"/>
-    </cs:fontRef>
-  </cs:dataPoint>
-  <cs:dataPoint3D>
-    <cs:lnRef idx="0"/>
-    <cs:fillRef idx="1">
-      <cs:styleClr val="auto"/>
-    </cs:fillRef>
-    <cs:effectRef idx="0"/>
-    <cs:fontRef idx="minor">
-      <a:schemeClr val="tx1"/>
-    </cs:fontRef>
-  </cs:dataPoint3D>
-  <cs:dataPointLine>
-    <cs:lnRef idx="0">
-      <cs:styleClr val="auto"/>
-    </cs:lnRef>
-    <cs:fillRef idx="1"/>
-    <cs:effectRef idx="0"/>
-    <cs:fontRef idx="minor">
-      <a:schemeClr val="tx1"/>
-    </cs:fontRef>
-    <cs:spPr>
-      <a:ln w="28575" cap="rnd">
-        <a:solidFill>
-          <a:schemeClr val="phClr"/>
-        </a:solidFill>
-        <a:round/>
-      </a:ln>
-    </cs:spPr>
-  </cs:dataPointLine>
-  <cs:dataPointMarker>
-    <cs:lnRef idx="0">
-      <cs:styleClr val="auto"/>
-    </cs:lnRef>
-    <cs:fillRef idx="1">
-      <cs:styleClr val="auto"/>
-    </cs:fillRef>
-    <cs:effectRef idx="0"/>
-    <cs:fontRef idx="minor">
-      <a:schemeClr val="tx1"/>
-    </cs:fontRef>
-    <cs:spPr>
-      <a:ln w="9525">
-        <a:solidFill>
-          <a:schemeClr val="phClr"/>
-        </a:solidFill>
-      </a:ln>
-    </cs:spPr>
-  </cs:dataPointMarker>
-  <cs:dataPointMarkerLayout symbol="circle" size="5"/>
-  <cs:dataPointWireframe>
-    <cs:lnRef idx="0">
-      <cs:styleClr val="auto"/>
-    </cs:lnRef>
-    <cs:fillRef idx="1"/>
-    <cs:effectRef idx="0"/>
-    <cs:fontRef idx="minor">
-      <a:schemeClr val="tx1"/>
-    </cs:fontRef>
-    <cs:spPr>
-      <a:ln w="9525" cap="rnd">
-        <a:solidFill>
-          <a:schemeClr val="phClr"/>
-        </a:solidFill>
-        <a:round/>
-      </a:ln>
-    </cs:spPr>
-  </cs:dataPointWireframe>
-  <cs:dataTable>
-    <cs:lnRef idx="0"/>
-    <cs:fillRef idx="0"/>
-    <cs:effectRef idx="0"/>
-    <cs:fontRef idx="minor">
-      <a:schemeClr val="tx1">
-        <a:lumMod val="65000"/>
-        <a:lumOff val="35000"/>
-      </a:schemeClr>
-    </cs:fontRef>
-    <cs:spPr>
-      <a:noFill/>
-      <a:ln w="9525" cap="flat" cmpd="sng" algn="ctr">
-        <a:solidFill>
-          <a:schemeClr val="tx1">
-            <a:lumMod val="15000"/>
-            <a:lumOff val="85000"/>
-          </a:schemeClr>
-        </a:solidFill>
-        <a:round/>
-      </a:ln>
-    </cs:spPr>
-    <cs:defRPr sz="900" kern="1200"/>
-  </cs:dataTable>
-  <cs:downBar>
-    <cs:lnRef idx="0"/>
-    <cs:fillRef idx="0"/>
-    <cs:effectRef idx="0"/>
-    <cs:fontRef idx="minor">
-      <a:schemeClr val="dk1"/>
-    </cs:fontRef>
-    <cs:spPr>
-      <a:solidFill>
-        <a:schemeClr val="dk1">
-          <a:lumMod val="65000"/>
-          <a:lumOff val="35000"/>
-        </a:schemeClr>
-      </a:solidFill>
-      <a:ln w="9525">
-        <a:solidFill>
-          <a:schemeClr val="tx1">
-            <a:lumMod val="65000"/>
-            <a:lumOff val="35000"/>
-          </a:schemeClr>
-        </a:solidFill>
-      </a:ln>
-    </cs:spPr>
-  </cs:downBar>
-  <cs:dropLine>
-    <cs:lnRef idx="0"/>
-    <cs:fillRef idx="0"/>
-    <cs:effectRef idx="0"/>
-    <cs:fontRef idx="minor">
-      <a:schemeClr val="tx1"/>
-    </cs:fontRef>
-    <cs:spPr>
-      <a:ln w="9525" cap="flat" cmpd="sng" algn="ctr">
-        <a:solidFill>
-          <a:schemeClr val="tx1">
-            <a:lumMod val="35000"/>
-            <a:lumOff val="65000"/>
-          </a:schemeClr>
-        </a:solidFill>
-        <a:round/>
-      </a:ln>
-    </cs:spPr>
-  </cs:dropLine>
-  <cs:errorBar>
-    <cs:lnRef idx="0"/>
-    <cs:fillRef idx="0"/>
-    <cs:effectRef idx="0"/>
-    <cs:fontRef idx="minor">
-      <a:schemeClr val="tx1"/>
-    </cs:fontRef>
-    <cs:spPr>
-      <a:ln w="9525" cap="flat" cmpd="sng" algn="ctr">
-        <a:solidFill>
-          <a:schemeClr val="tx1">
-            <a:lumMod val="65000"/>
-            <a:lumOff val="35000"/>
-          </a:schemeClr>
-        </a:solidFill>
-        <a:round/>
-      </a:ln>
-    </cs:spPr>
-  </cs:errorBar>
-  <cs:floor>
-    <cs:lnRef idx="0"/>
-    <cs:fillRef idx="0"/>
-    <cs:effectRef idx="0"/>
-    <cs:fontRef idx="minor">
-      <a:schemeClr val="tx1"/>
-    </cs:fontRef>
-    <cs:spPr>
-      <a:noFill/>
-      <a:ln>
-        <a:noFill/>
-      </a:ln>
-    </cs:spPr>
-  </cs:floor>
-  <cs:gridlineMajor>
-    <cs:lnRef idx="0"/>
-    <cs:fillRef idx="0"/>
-    <cs:effectRef idx="0"/>
-    <cs:fontRef idx="minor">
-      <a:schemeClr val="tx1"/>
-    </cs:fontRef>
-    <cs:spPr>
-      <a:ln w="9525" cap="flat" cmpd="sng" algn="ctr">
-        <a:solidFill>
-          <a:schemeClr val="tx1">
-            <a:lumMod val="15000"/>
-            <a:lumOff val="85000"/>
-          </a:schemeClr>
-        </a:solidFill>
-        <a:round/>
-      </a:ln>
-    </cs:spPr>
-  </cs:gridlineMajor>
-  <cs:gridlineMinor>
-    <cs:lnRef idx="0"/>
-    <cs:fillRef idx="0"/>
-    <cs:effectRef idx="0"/>
-    <cs:fontRef idx="minor">
-      <a:schemeClr val="tx1"/>
-    </cs:fontRef>
-    <cs:spPr>
-      <a:ln w="9525" cap="flat" cmpd="sng" algn="ctr">
-        <a:solidFill>
-          <a:schemeClr val="tx1">
-            <a:lumMod val="5000"/>
-            <a:lumOff val="95000"/>
-          </a:schemeClr>
-        </a:solidFill>
-        <a:round/>
-      </a:ln>
-    </cs:spPr>
-  </cs:gridlineMinor>
-  <cs:hiLoLine>
-    <cs:lnRef idx="0"/>
-    <cs:fillRef idx="0"/>
-    <cs:effectRef idx="0"/>
-    <cs:fontRef idx="minor">
-      <a:schemeClr val="tx1"/>
-    </cs:fontRef>
-    <cs:spPr>
-      <a:ln w="9525" cap="flat" cmpd="sng" algn="ctr">
-        <a:solidFill>
-          <a:schemeClr val="tx1">
-            <a:lumMod val="75000"/>
-            <a:lumOff val="25000"/>
-          </a:schemeClr>
-        </a:solidFill>
-        <a:round/>
-      </a:ln>
-    </cs:spPr>
-  </cs:hiLoLine>
-  <cs:leaderLine>
-    <cs:lnRef idx="0"/>
-    <cs:fillRef idx="0"/>
-    <cs:effectRef idx="0"/>
-    <cs:fontRef idx="minor">
-      <a:schemeClr val="tx1"/>
-    </cs:fontRef>
-    <cs:spPr>
-      <a:ln w="9525" cap="flat" cmpd="sng" algn="ctr">
-        <a:solidFill>
-          <a:schemeClr val="tx1">
-            <a:lumMod val="35000"/>
-            <a:lumOff val="65000"/>
-          </a:schemeClr>
-        </a:solidFill>
-        <a:round/>
-      </a:ln>
-    </cs:spPr>
-  </cs:leaderLine>
-  <cs:legend>
-    <cs:lnRef idx="0"/>
-    <cs:fillRef idx="0"/>
-    <cs:effectRef idx="0"/>
-    <cs:fontRef idx="minor">
-      <a:schemeClr val="tx1">
-        <a:lumMod val="65000"/>
-        <a:lumOff val="35000"/>
-      </a:schemeClr>
-    </cs:fontRef>
-    <cs:defRPr sz="900" kern="1200"/>
-  </cs:legend>
-  <cs:plotArea mods="allowNoFillOverride allowNoLineOverride">
-    <cs:lnRef idx="0"/>
-    <cs:fillRef idx="0"/>
-    <cs:effectRef idx="0"/>
-    <cs:fontRef idx="minor">
-      <a:schemeClr val="tx1"/>
-    </cs:fontRef>
-  </cs:plotArea>
-  <cs:plotArea3D mods="allowNoFillOverride allowNoLineOverride">
-    <cs:lnRef idx="0"/>
-    <cs:fillRef idx="0"/>
-    <cs:effectRef idx="0"/>
-    <cs:fontRef idx="minor">
-      <a:schemeClr val="tx1"/>
-    </cs:fontRef>
-  </cs:plotArea3D>
-  <cs:seriesAxis>
-    <cs:lnRef idx="0"/>
-    <cs:fillRef idx="0"/>
-    <cs:effectRef idx="0"/>
-    <cs:fontRef idx="minor">
-      <a:schemeClr val="tx1">
-        <a:lumMod val="65000"/>
-        <a:lumOff val="35000"/>
-      </a:schemeClr>
-    </cs:fontRef>
-    <cs:defRPr sz="900" kern="1200"/>
-  </cs:seriesAxis>
-  <cs:seriesLine>
-    <cs:lnRef idx="0"/>
-    <cs:fillRef idx="0"/>
-    <cs:effectRef idx="0"/>
-    <cs:fontRef idx="minor">
-      <a:schemeClr val="tx1"/>
-    </cs:fontRef>
-    <cs:spPr>
-      <a:ln w="9525" cap="flat" cmpd="sng" algn="ctr">
-        <a:solidFill>
-          <a:schemeClr val="tx1">
-            <a:lumMod val="35000"/>
-            <a:lumOff val="65000"/>
-          </a:schemeClr>
-        </a:solidFill>
-        <a:round/>
-      </a:ln>
-    </cs:spPr>
-  </cs:seriesLine>
-  <cs:title>
-    <cs:lnRef idx="0"/>
-    <cs:fillRef idx="0"/>
-    <cs:effectRef idx="0"/>
-    <cs:fontRef idx="minor">
-      <a:schemeClr val="tx1">
-        <a:lumMod val="65000"/>
-        <a:lumOff val="35000"/>
-      </a:schemeClr>
-    </cs:fontRef>
-    <cs:defRPr sz="1400" b="0" kern="1200" spc="0" baseline="0"/>
-  </cs:title>
-  <cs:trendline>
-    <cs:lnRef idx="0">
-      <cs:styleClr val="auto"/>
-    </cs:lnRef>
-    <cs:fillRef idx="0"/>
-    <cs:effectRef idx="0"/>
-    <cs:fontRef idx="minor">
-      <a:schemeClr val="tx1"/>
-    </cs:fontRef>
-    <cs:spPr>
-      <a:ln w="19050" cap="rnd">
-        <a:solidFill>
-          <a:schemeClr val="phClr"/>
-        </a:solidFill>
-        <a:prstDash val="sysDot"/>
-      </a:ln>
-    </cs:spPr>
-  </cs:trendline>
-  <cs:trendlineLabel>
-    <cs:lnRef idx="0"/>
-    <cs:fillRef idx="0"/>
-    <cs:effectRef idx="0"/>
-    <cs:fontRef idx="minor">
-      <a:schemeClr val="tx1">
-        <a:lumMod val="65000"/>
-        <a:lumOff val="35000"/>
-      </a:schemeClr>
-    </cs:fontRef>
-    <cs:defRPr sz="900" kern="1200"/>
-  </cs:trendlineLabel>
-  <cs:upBar>
-    <cs:lnRef idx="0"/>
-    <cs:fillRef idx="0"/>
-    <cs:effectRef idx="0"/>
-    <cs:fontRef idx="minor">
-      <a:schemeClr val="dk1"/>
-    </cs:fontRef>
-    <cs:spPr>
-      <a:solidFill>
-        <a:schemeClr val="lt1"/>
-      </a:solidFill>
-      <a:ln w="9525">
-        <a:solidFill>
-          <a:schemeClr val="tx1">
-            <a:lumMod val="15000"/>
-            <a:lumOff val="85000"/>
-          </a:schemeClr>
-        </a:solidFill>
-      </a:ln>
-    </cs:spPr>
-  </cs:upBar>
-  <cs:valueAxis>
-    <cs:lnRef idx="0"/>
-    <cs:fillRef idx="0"/>
-    <cs:effectRef idx="0"/>
-    <cs:fontRef idx="minor">
-      <a:schemeClr val="tx1">
-        <a:lumMod val="65000"/>
-        <a:lumOff val="35000"/>
-      </a:schemeClr>
-    </cs:fontRef>
-    <cs:defRPr sz="900" kern="1200"/>
-  </cs:valueAxis>
-  <cs:wall>
-    <cs:lnRef idx="0"/>
-    <cs:fillRef idx="0"/>
-    <cs:effectRef idx="0"/>
-    <cs:fontRef idx="minor">
-      <a:schemeClr val="tx1"/>
-    </cs:fontRef>
-    <cs:spPr>
-      <a:noFill/>
-      <a:ln>
-        <a:noFill/>
-      </a:ln>
-    </cs:spPr>
-  </cs:wall>
-</cs:chartStyle>
-</file>
-
-<file path=ppt/charts/style18.xml><?xml version="1.0" encoding="utf-8"?>
-<cs:chartStyle xmlns:cs="http://schemas.microsoft.com/office/drawing/2012/chartStyle" xmlns:a="http://schemas.openxmlformats.org/drawingml/2006/main" id="201">
-  <cs:axisTitle>
-    <cs:lnRef idx="0"/>
-    <cs:fillRef idx="0"/>
-    <cs:effectRef idx="0"/>
-    <cs:fontRef idx="minor">
-      <a:schemeClr val="tx1">
-        <a:lumMod val="65000"/>
-        <a:lumOff val="35000"/>
-      </a:schemeClr>
-    </cs:fontRef>
-    <cs:defRPr sz="1000" kern="1200"/>
-  </cs:axisTitle>
-  <cs:categoryAxis>
-    <cs:lnRef idx="0"/>
-    <cs:fillRef idx="0"/>
-    <cs:effectRef idx="0"/>
-    <cs:fontRef idx="minor">
-      <a:schemeClr val="tx1">
-        <a:lumMod val="65000"/>
-        <a:lumOff val="35000"/>
-      </a:schemeClr>
-    </cs:fontRef>
-    <cs:spPr>
-      <a:ln w="9525" cap="flat" cmpd="sng" algn="ctr">
-        <a:solidFill>
-          <a:schemeClr val="tx1">
-            <a:lumMod val="15000"/>
-            <a:lumOff val="85000"/>
-          </a:schemeClr>
-        </a:solidFill>
-        <a:round/>
-      </a:ln>
-    </cs:spPr>
-    <cs:defRPr sz="900" kern="1200"/>
-  </cs:categoryAxis>
-  <cs:chartArea mods="allowNoFillOverride allowNoLineOverride">
-    <cs:lnRef idx="0"/>
-    <cs:fillRef idx="0"/>
-    <cs:effectRef idx="0"/>
-    <cs:fontRef idx="minor">
-      <a:schemeClr val="tx1"/>
-    </cs:fontRef>
-    <cs:spPr>
-      <a:solidFill>
-        <a:schemeClr val="bg1"/>
-      </a:solidFill>
-      <a:ln w="9525" cap="flat" cmpd="sng" algn="ctr">
-        <a:solidFill>
-          <a:schemeClr val="tx1">
-            <a:lumMod val="15000"/>
-            <a:lumOff val="85000"/>
-          </a:schemeClr>
-        </a:solidFill>
-        <a:round/>
-      </a:ln>
-    </cs:spPr>
-    <cs:defRPr sz="1000" kern="1200"/>
-  </cs:chartArea>
-  <cs:dataLabel>
-    <cs:lnRef idx="0"/>
-    <cs:fillRef idx="0"/>
-    <cs:effectRef idx="0"/>
-    <cs:fontRef idx="minor">
-      <a:schemeClr val="tx1">
-        <a:lumMod val="75000"/>
-        <a:lumOff val="25000"/>
-      </a:schemeClr>
-    </cs:fontRef>
-    <cs:defRPr sz="900" kern="1200"/>
-  </cs:dataLabel>
-  <cs:dataLabelCallout>
-    <cs:lnRef idx="0"/>
-    <cs:fillRef idx="0"/>
-    <cs:effectRef idx="0"/>
-    <cs:fontRef idx="minor">
-      <a:schemeClr val="dk1">
-        <a:lumMod val="65000"/>
-        <a:lumOff val="35000"/>
-      </a:schemeClr>
-    </cs:fontRef>
-    <cs:spPr>
-      <a:solidFill>
-        <a:schemeClr val="lt1"/>
-      </a:solidFill>
-      <a:ln>
-        <a:solidFill>
-          <a:schemeClr val="dk1">
-            <a:lumMod val="25000"/>
-            <a:lumOff val="75000"/>
-          </a:schemeClr>
-        </a:solidFill>
-      </a:ln>
-    </cs:spPr>
-    <cs:defRPr sz="900" kern="1200"/>
-    <cs:bodyPr rot="0" spcFirstLastPara="1" vertOverflow="clip" horzOverflow="clip" vert="horz" wrap="square" lIns="36576" tIns="18288" rIns="36576" bIns="18288" anchor="ctr" anchorCtr="1">
-      <a:spAutoFit/>
-    </cs:bodyPr>
-  </cs:dataLabelCallout>
-  <cs:dataPoint>
-    <cs:lnRef idx="0"/>
-    <cs:fillRef idx="1">
-      <cs:styleClr val="auto"/>
-    </cs:fillRef>
-    <cs:effectRef idx="0"/>
-    <cs:fontRef idx="minor">
-      <a:schemeClr val="tx1"/>
-    </cs:fontRef>
-  </cs:dataPoint>
-  <cs:dataPoint3D>
-    <cs:lnRef idx="0"/>
-    <cs:fillRef idx="1">
-      <cs:styleClr val="auto"/>
-    </cs:fillRef>
-    <cs:effectRef idx="0"/>
-    <cs:fontRef idx="minor">
-      <a:schemeClr val="tx1"/>
-    </cs:fontRef>
-  </cs:dataPoint3D>
-  <cs:dataPointLine>
-    <cs:lnRef idx="0">
-      <cs:styleClr val="auto"/>
-    </cs:lnRef>
-    <cs:fillRef idx="1"/>
-    <cs:effectRef idx="0"/>
-    <cs:fontRef idx="minor">
-      <a:schemeClr val="tx1"/>
-    </cs:fontRef>
-    <cs:spPr>
-      <a:ln w="28575" cap="rnd">
-        <a:solidFill>
-          <a:schemeClr val="phClr"/>
-        </a:solidFill>
-        <a:round/>
-      </a:ln>
-    </cs:spPr>
-  </cs:dataPointLine>
-  <cs:dataPointMarker>
-    <cs:lnRef idx="0">
-      <cs:styleClr val="auto"/>
-    </cs:lnRef>
-    <cs:fillRef idx="1">
-      <cs:styleClr val="auto"/>
-    </cs:fillRef>
-    <cs:effectRef idx="0"/>
-    <cs:fontRef idx="minor">
-      <a:schemeClr val="tx1"/>
-    </cs:fontRef>
-    <cs:spPr>
-      <a:ln w="9525">
-        <a:solidFill>
-          <a:schemeClr val="phClr"/>
-        </a:solidFill>
-      </a:ln>
-    </cs:spPr>
-  </cs:dataPointMarker>
-  <cs:dataPointMarkerLayout symbol="circle" size="5"/>
-  <cs:dataPointWireframe>
-    <cs:lnRef idx="0">
-      <cs:styleClr val="auto"/>
-    </cs:lnRef>
-    <cs:fillRef idx="1"/>
-    <cs:effectRef idx="0"/>
-    <cs:fontRef idx="minor">
-      <a:schemeClr val="tx1"/>
-    </cs:fontRef>
-    <cs:spPr>
-      <a:ln w="9525" cap="rnd">
-        <a:solidFill>
-          <a:schemeClr val="phClr"/>
-        </a:solidFill>
-        <a:round/>
-      </a:ln>
-    </cs:spPr>
-  </cs:dataPointWireframe>
-  <cs:dataTable>
-    <cs:lnRef idx="0"/>
-    <cs:fillRef idx="0"/>
-    <cs:effectRef idx="0"/>
-    <cs:fontRef idx="minor">
-      <a:schemeClr val="tx1">
-        <a:lumMod val="65000"/>
-        <a:lumOff val="35000"/>
-      </a:schemeClr>
-    </cs:fontRef>
-    <cs:spPr>
-      <a:noFill/>
-      <a:ln w="9525" cap="flat" cmpd="sng" algn="ctr">
-        <a:solidFill>
-          <a:schemeClr val="tx1">
-            <a:lumMod val="15000"/>
-            <a:lumOff val="85000"/>
-          </a:schemeClr>
-        </a:solidFill>
-        <a:round/>
-      </a:ln>
-    </cs:spPr>
-    <cs:defRPr sz="900" kern="1200"/>
-  </cs:dataTable>
-  <cs:downBar>
-    <cs:lnRef idx="0"/>
-    <cs:fillRef idx="0"/>
-    <cs:effectRef idx="0"/>
-    <cs:fontRef idx="minor">
-      <a:schemeClr val="dk1"/>
-    </cs:fontRef>
-    <cs:spPr>
-      <a:solidFill>
-        <a:schemeClr val="dk1">
-          <a:lumMod val="65000"/>
-          <a:lumOff val="35000"/>
-        </a:schemeClr>
-      </a:solidFill>
-      <a:ln w="9525">
-        <a:solidFill>
-          <a:schemeClr val="tx1">
-            <a:lumMod val="65000"/>
-            <a:lumOff val="35000"/>
-          </a:schemeClr>
-        </a:solidFill>
-      </a:ln>
-    </cs:spPr>
-  </cs:downBar>
-  <cs:dropLine>
-    <cs:lnRef idx="0"/>
-    <cs:fillRef idx="0"/>
-    <cs:effectRef idx="0"/>
-    <cs:fontRef idx="minor">
-      <a:schemeClr val="tx1"/>
-    </cs:fontRef>
-    <cs:spPr>
-      <a:ln w="9525" cap="flat" cmpd="sng" algn="ctr">
-        <a:solidFill>
-          <a:schemeClr val="tx1">
-            <a:lumMod val="35000"/>
-            <a:lumOff val="65000"/>
-          </a:schemeClr>
-        </a:solidFill>
-        <a:round/>
-      </a:ln>
-    </cs:spPr>
-  </cs:dropLine>
-  <cs:errorBar>
-    <cs:lnRef idx="0"/>
-    <cs:fillRef idx="0"/>
-    <cs:effectRef idx="0"/>
-    <cs:fontRef idx="minor">
-      <a:schemeClr val="tx1"/>
-    </cs:fontRef>
-    <cs:spPr>
-      <a:ln w="9525" cap="flat" cmpd="sng" algn="ctr">
-        <a:solidFill>
-          <a:schemeClr val="tx1">
-            <a:lumMod val="65000"/>
-            <a:lumOff val="35000"/>
-          </a:schemeClr>
-        </a:solidFill>
-        <a:round/>
-      </a:ln>
-    </cs:spPr>
-  </cs:errorBar>
-  <cs:floor>
-    <cs:lnRef idx="0"/>
-    <cs:fillRef idx="0"/>
-    <cs:effectRef idx="0"/>
-    <cs:fontRef idx="minor">
-      <a:schemeClr val="tx1"/>
-    </cs:fontRef>
-    <cs:spPr>
-      <a:noFill/>
-      <a:ln>
-        <a:noFill/>
-      </a:ln>
-    </cs:spPr>
-  </cs:floor>
-  <cs:gridlineMajor>
-    <cs:lnRef idx="0"/>
-    <cs:fillRef idx="0"/>
-    <cs:effectRef idx="0"/>
-    <cs:fontRef idx="minor">
-      <a:schemeClr val="tx1"/>
-    </cs:fontRef>
-    <cs:spPr>
-      <a:ln w="9525" cap="flat" cmpd="sng" algn="ctr">
-        <a:solidFill>
-          <a:schemeClr val="tx1">
-            <a:lumMod val="15000"/>
-            <a:lumOff val="85000"/>
-          </a:schemeClr>
-        </a:solidFill>
-        <a:round/>
-      </a:ln>
-    </cs:spPr>
-  </cs:gridlineMajor>
-  <cs:gridlineMinor>
-    <cs:lnRef idx="0"/>
-    <cs:fillRef idx="0"/>
-    <cs:effectRef idx="0"/>
-    <cs:fontRef idx="minor">
-      <a:schemeClr val="tx1"/>
-    </cs:fontRef>
-    <cs:spPr>
-      <a:ln w="9525" cap="flat" cmpd="sng" algn="ctr">
-        <a:solidFill>
-          <a:schemeClr val="tx1">
-            <a:lumMod val="5000"/>
-            <a:lumOff val="95000"/>
-          </a:schemeClr>
-        </a:solidFill>
-        <a:round/>
-      </a:ln>
-    </cs:spPr>
-  </cs:gridlineMinor>
-  <cs:hiLoLine>
-    <cs:lnRef idx="0"/>
-    <cs:fillRef idx="0"/>
-    <cs:effectRef idx="0"/>
-    <cs:fontRef idx="minor">
-      <a:schemeClr val="tx1"/>
-    </cs:fontRef>
-    <cs:spPr>
-      <a:ln w="9525" cap="flat" cmpd="sng" algn="ctr">
-        <a:solidFill>
-          <a:schemeClr val="tx1">
-            <a:lumMod val="75000"/>
-            <a:lumOff val="25000"/>
-          </a:schemeClr>
-        </a:solidFill>
-        <a:round/>
-      </a:ln>
-    </cs:spPr>
-  </cs:hiLoLine>
-  <cs:leaderLine>
-    <cs:lnRef idx="0"/>
-    <cs:fillRef idx="0"/>
-    <cs:effectRef idx="0"/>
-    <cs:fontRef idx="minor">
-      <a:schemeClr val="tx1"/>
-    </cs:fontRef>
-    <cs:spPr>
-      <a:ln w="9525" cap="flat" cmpd="sng" algn="ctr">
-        <a:solidFill>
-          <a:schemeClr val="tx1">
-            <a:lumMod val="35000"/>
-            <a:lumOff val="65000"/>
-          </a:schemeClr>
-        </a:solidFill>
-        <a:round/>
-      </a:ln>
-    </cs:spPr>
-  </cs:leaderLine>
-  <cs:legend>
-    <cs:lnRef idx="0"/>
-    <cs:fillRef idx="0"/>
-    <cs:effectRef idx="0"/>
-    <cs:fontRef idx="minor">
-      <a:schemeClr val="tx1">
-        <a:lumMod val="65000"/>
-        <a:lumOff val="35000"/>
-      </a:schemeClr>
-    </cs:fontRef>
-    <cs:defRPr sz="900" kern="1200"/>
-  </cs:legend>
-  <cs:plotArea mods="allowNoFillOverride allowNoLineOverride">
-    <cs:lnRef idx="0"/>
-    <cs:fillRef idx="0"/>
-    <cs:effectRef idx="0"/>
-    <cs:fontRef idx="minor">
-      <a:schemeClr val="tx1"/>
-    </cs:fontRef>
-  </cs:plotArea>
-  <cs:plotArea3D mods="allowNoFillOverride allowNoLineOverride">
-    <cs:lnRef idx="0"/>
-    <cs:fillRef idx="0"/>
-    <cs:effectRef idx="0"/>
-    <cs:fontRef idx="minor">
-      <a:schemeClr val="tx1"/>
-    </cs:fontRef>
-  </cs:plotArea3D>
-  <cs:seriesAxis>
-    <cs:lnRef idx="0"/>
-    <cs:fillRef idx="0"/>
-    <cs:effectRef idx="0"/>
-    <cs:fontRef idx="minor">
-      <a:schemeClr val="tx1">
-        <a:lumMod val="65000"/>
-        <a:lumOff val="35000"/>
-      </a:schemeClr>
-    </cs:fontRef>
-    <cs:defRPr sz="900" kern="1200"/>
-  </cs:seriesAxis>
-  <cs:seriesLine>
-    <cs:lnRef idx="0"/>
-    <cs:fillRef idx="0"/>
-    <cs:effectRef idx="0"/>
-    <cs:fontRef idx="minor">
-      <a:schemeClr val="tx1"/>
-    </cs:fontRef>
-    <cs:spPr>
-      <a:ln w="9525" cap="flat" cmpd="sng" algn="ctr">
-        <a:solidFill>
-          <a:schemeClr val="tx1">
-            <a:lumMod val="35000"/>
-            <a:lumOff val="65000"/>
-          </a:schemeClr>
-        </a:solidFill>
-        <a:round/>
-      </a:ln>
-    </cs:spPr>
-  </cs:seriesLine>
-  <cs:title>
-    <cs:lnRef idx="0"/>
-    <cs:fillRef idx="0"/>
-    <cs:effectRef idx="0"/>
-    <cs:fontRef idx="minor">
-      <a:schemeClr val="tx1">
-        <a:lumMod val="65000"/>
-        <a:lumOff val="35000"/>
-      </a:schemeClr>
-    </cs:fontRef>
-    <cs:defRPr sz="1400" b="0" kern="1200" spc="0" baseline="0"/>
-  </cs:title>
-  <cs:trendline>
-    <cs:lnRef idx="0">
-      <cs:styleClr val="auto"/>
-    </cs:lnRef>
-    <cs:fillRef idx="0"/>
-    <cs:effectRef idx="0"/>
-    <cs:fontRef idx="minor">
-      <a:schemeClr val="tx1"/>
-    </cs:fontRef>
-    <cs:spPr>
-      <a:ln w="19050" cap="rnd">
-        <a:solidFill>
-          <a:schemeClr val="phClr"/>
-        </a:solidFill>
-        <a:prstDash val="sysDot"/>
-      </a:ln>
-    </cs:spPr>
-  </cs:trendline>
-  <cs:trendlineLabel>
-    <cs:lnRef idx="0"/>
-    <cs:fillRef idx="0"/>
-    <cs:effectRef idx="0"/>
-    <cs:fontRef idx="minor">
-      <a:schemeClr val="tx1">
-        <a:lumMod val="65000"/>
-        <a:lumOff val="35000"/>
-      </a:schemeClr>
-    </cs:fontRef>
-    <cs:defRPr sz="900" kern="1200"/>
-  </cs:trendlineLabel>
-  <cs:upBar>
-    <cs:lnRef idx="0"/>
-    <cs:fillRef idx="0"/>
-    <cs:effectRef idx="0"/>
-    <cs:fontRef idx="minor">
-      <a:schemeClr val="dk1"/>
-    </cs:fontRef>
-    <cs:spPr>
-      <a:solidFill>
-        <a:schemeClr val="lt1"/>
-      </a:solidFill>
-      <a:ln w="9525">
-        <a:solidFill>
-          <a:schemeClr val="tx1">
-            <a:lumMod val="15000"/>
-            <a:lumOff val="85000"/>
-          </a:schemeClr>
-        </a:solidFill>
-      </a:ln>
-    </cs:spPr>
-  </cs:upBar>
-  <cs:valueAxis>
-    <cs:lnRef idx="0"/>
-    <cs:fillRef idx="0"/>
-    <cs:effectRef idx="0"/>
-    <cs:fontRef idx="minor">
-      <a:schemeClr val="tx1">
-        <a:lumMod val="65000"/>
-        <a:lumOff val="35000"/>
-      </a:schemeClr>
-    </cs:fontRef>
-    <cs:defRPr sz="900" kern="1200"/>
-  </cs:valueAxis>
-  <cs:wall>
-    <cs:lnRef idx="0"/>
-    <cs:fillRef idx="0"/>
-    <cs:effectRef idx="0"/>
-    <cs:fontRef idx="minor">
-      <a:schemeClr val="tx1"/>
-    </cs:fontRef>
-    <cs:spPr>
-      <a:noFill/>
-      <a:ln>
-        <a:noFill/>
-      </a:ln>
-    </cs:spPr>
-  </cs:wall>
-</cs:chartStyle>
-</file>
-
 <file path=ppt/charts/style2.xml><?xml version="1.0" encoding="utf-8"?>
 <cs:chartStyle xmlns:cs="http://schemas.microsoft.com/office/drawing/2012/chartStyle" xmlns:a="http://schemas.openxmlformats.org/drawingml/2006/main" id="201">
   <cs:axisTitle>
@@ -23781,7 +19385,7 @@
         <cdr:cNvPr id="3" name="Straight Connector 2">
           <a:extLst xmlns:a="http://schemas.openxmlformats.org/drawingml/2006/main">
             <a:ext uri="{FF2B5EF4-FFF2-40B4-BE49-F238E27FC236}">
-              <a16:creationId xmlns="" xmlns:a16="http://schemas.microsoft.com/office/drawing/2014/main" id="{F9788135-A0C2-44BA-9AB5-F364FDEB0915}"/>
+              <a16:creationId xmlns:a16="http://schemas.microsoft.com/office/drawing/2014/main" xmlns="" id="{F9788135-A0C2-44BA-9AB5-F364FDEB0915}"/>
             </a:ext>
           </a:extLst>
         </cdr:cNvPr>
@@ -23941,7 +19545,7 @@
           <a:p>
             <a:fld id="{DDB2C63F-F1EF-D148-8DAC-B2E032798CF4}" type="datetimeFigureOut">
               <a:rPr lang="en-US" smtClean="0"/>
-              <a:t>10/28/17</a:t>
+              <a:t>10/25/17</a:t>
             </a:fld>
             <a:endParaRPr lang="en-US"/>
           </a:p>
@@ -24361,7 +19965,7 @@
           <p:cNvPr id="2" name="Title 1">
             <a:extLst>
               <a:ext uri="{FF2B5EF4-FFF2-40B4-BE49-F238E27FC236}">
-                <a16:creationId xmlns="" xmlns:a16="http://schemas.microsoft.com/office/drawing/2014/main" id="{A770637A-7F70-4788-A8DB-6F8A001AE731}"/>
+                <a16:creationId xmlns:a16="http://schemas.microsoft.com/office/drawing/2014/main" xmlns="" id="{A770637A-7F70-4788-A8DB-6F8A001AE731}"/>
               </a:ext>
             </a:extLst>
           </p:cNvPr>
@@ -24399,7 +20003,7 @@
           <p:cNvPr id="3" name="Subtitle 2">
             <a:extLst>
               <a:ext uri="{FF2B5EF4-FFF2-40B4-BE49-F238E27FC236}">
-                <a16:creationId xmlns="" xmlns:a16="http://schemas.microsoft.com/office/drawing/2014/main" id="{F9D5404F-EB55-4B5E-B9CE-AC2A0B6C47CB}"/>
+                <a16:creationId xmlns:a16="http://schemas.microsoft.com/office/drawing/2014/main" xmlns="" id="{F9D5404F-EB55-4B5E-B9CE-AC2A0B6C47CB}"/>
               </a:ext>
             </a:extLst>
           </p:cNvPr>
@@ -24470,7 +20074,7 @@
           <p:cNvPr id="4" name="Date Placeholder 3">
             <a:extLst>
               <a:ext uri="{FF2B5EF4-FFF2-40B4-BE49-F238E27FC236}">
-                <a16:creationId xmlns="" xmlns:a16="http://schemas.microsoft.com/office/drawing/2014/main" id="{7808CDBC-CAE1-487B-A4E5-3CB70D4EAEEB}"/>
+                <a16:creationId xmlns:a16="http://schemas.microsoft.com/office/drawing/2014/main" xmlns="" id="{7808CDBC-CAE1-487B-A4E5-3CB70D4EAEEB}"/>
               </a:ext>
             </a:extLst>
           </p:cNvPr>
@@ -24488,7 +20092,7 @@
           <a:p>
             <a:fld id="{96B0AB5A-E802-48CF-A5B9-FE8704AC6519}" type="datetimeFigureOut">
               <a:rPr lang="en-CA" smtClean="0"/>
-              <a:t>2017-10-28</a:t>
+              <a:t>2017-10-25</a:t>
             </a:fld>
             <a:endParaRPr lang="en-CA"/>
           </a:p>
@@ -24499,7 +20103,7 @@
           <p:cNvPr id="5" name="Footer Placeholder 4">
             <a:extLst>
               <a:ext uri="{FF2B5EF4-FFF2-40B4-BE49-F238E27FC236}">
-                <a16:creationId xmlns="" xmlns:a16="http://schemas.microsoft.com/office/drawing/2014/main" id="{50D5A8BB-D166-4343-997B-EF673CB40FAD}"/>
+                <a16:creationId xmlns:a16="http://schemas.microsoft.com/office/drawing/2014/main" xmlns="" id="{50D5A8BB-D166-4343-997B-EF673CB40FAD}"/>
               </a:ext>
             </a:extLst>
           </p:cNvPr>
@@ -24524,7 +20128,7 @@
           <p:cNvPr id="6" name="Slide Number Placeholder 5">
             <a:extLst>
               <a:ext uri="{FF2B5EF4-FFF2-40B4-BE49-F238E27FC236}">
-                <a16:creationId xmlns="" xmlns:a16="http://schemas.microsoft.com/office/drawing/2014/main" id="{6BC260DA-D757-4992-B138-BBE00B22D846}"/>
+                <a16:creationId xmlns:a16="http://schemas.microsoft.com/office/drawing/2014/main" xmlns="" id="{6BC260DA-D757-4992-B138-BBE00B22D846}"/>
               </a:ext>
             </a:extLst>
           </p:cNvPr>
@@ -24583,7 +20187,7 @@
           <p:cNvPr id="2" name="Title 1">
             <a:extLst>
               <a:ext uri="{FF2B5EF4-FFF2-40B4-BE49-F238E27FC236}">
-                <a16:creationId xmlns="" xmlns:a16="http://schemas.microsoft.com/office/drawing/2014/main" id="{68951A57-6E16-4A71-98CB-2307E282C3C2}"/>
+                <a16:creationId xmlns:a16="http://schemas.microsoft.com/office/drawing/2014/main" xmlns="" id="{68951A57-6E16-4A71-98CB-2307E282C3C2}"/>
               </a:ext>
             </a:extLst>
           </p:cNvPr>
@@ -24612,7 +20216,7 @@
           <p:cNvPr id="3" name="Vertical Text Placeholder 2">
             <a:extLst>
               <a:ext uri="{FF2B5EF4-FFF2-40B4-BE49-F238E27FC236}">
-                <a16:creationId xmlns="" xmlns:a16="http://schemas.microsoft.com/office/drawing/2014/main" id="{7F111875-20D3-450B-8A7D-100D7AD10DA2}"/>
+                <a16:creationId xmlns:a16="http://schemas.microsoft.com/office/drawing/2014/main" xmlns="" id="{7F111875-20D3-450B-8A7D-100D7AD10DA2}"/>
               </a:ext>
             </a:extLst>
           </p:cNvPr>
@@ -24670,7 +20274,7 @@
           <p:cNvPr id="4" name="Date Placeholder 3">
             <a:extLst>
               <a:ext uri="{FF2B5EF4-FFF2-40B4-BE49-F238E27FC236}">
-                <a16:creationId xmlns="" xmlns:a16="http://schemas.microsoft.com/office/drawing/2014/main" id="{98F3875F-0C83-48C3-8881-97B38467BFC0}"/>
+                <a16:creationId xmlns:a16="http://schemas.microsoft.com/office/drawing/2014/main" xmlns="" id="{98F3875F-0C83-48C3-8881-97B38467BFC0}"/>
               </a:ext>
             </a:extLst>
           </p:cNvPr>
@@ -24688,7 +20292,7 @@
           <a:p>
             <a:fld id="{96B0AB5A-E802-48CF-A5B9-FE8704AC6519}" type="datetimeFigureOut">
               <a:rPr lang="en-CA" smtClean="0"/>
-              <a:t>2017-10-28</a:t>
+              <a:t>2017-10-25</a:t>
             </a:fld>
             <a:endParaRPr lang="en-CA"/>
           </a:p>
@@ -24699,7 +20303,7 @@
           <p:cNvPr id="5" name="Footer Placeholder 4">
             <a:extLst>
               <a:ext uri="{FF2B5EF4-FFF2-40B4-BE49-F238E27FC236}">
-                <a16:creationId xmlns="" xmlns:a16="http://schemas.microsoft.com/office/drawing/2014/main" id="{F2640ABB-0B39-4E48-B67F-13EB2E5E88B0}"/>
+                <a16:creationId xmlns:a16="http://schemas.microsoft.com/office/drawing/2014/main" xmlns="" id="{F2640ABB-0B39-4E48-B67F-13EB2E5E88B0}"/>
               </a:ext>
             </a:extLst>
           </p:cNvPr>
@@ -24724,7 +20328,7 @@
           <p:cNvPr id="6" name="Slide Number Placeholder 5">
             <a:extLst>
               <a:ext uri="{FF2B5EF4-FFF2-40B4-BE49-F238E27FC236}">
-                <a16:creationId xmlns="" xmlns:a16="http://schemas.microsoft.com/office/drawing/2014/main" id="{D54C0341-9536-4979-9F6E-429B5834248C}"/>
+                <a16:creationId xmlns:a16="http://schemas.microsoft.com/office/drawing/2014/main" xmlns="" id="{D54C0341-9536-4979-9F6E-429B5834248C}"/>
               </a:ext>
             </a:extLst>
           </p:cNvPr>
@@ -24783,7 +20387,7 @@
           <p:cNvPr id="2" name="Vertical Title 1">
             <a:extLst>
               <a:ext uri="{FF2B5EF4-FFF2-40B4-BE49-F238E27FC236}">
-                <a16:creationId xmlns="" xmlns:a16="http://schemas.microsoft.com/office/drawing/2014/main" id="{20D0E6FE-C5AB-4578-BB2A-E718F0F3D4BA}"/>
+                <a16:creationId xmlns:a16="http://schemas.microsoft.com/office/drawing/2014/main" xmlns="" id="{20D0E6FE-C5AB-4578-BB2A-E718F0F3D4BA}"/>
               </a:ext>
             </a:extLst>
           </p:cNvPr>
@@ -24817,7 +20421,7 @@
           <p:cNvPr id="3" name="Vertical Text Placeholder 2">
             <a:extLst>
               <a:ext uri="{FF2B5EF4-FFF2-40B4-BE49-F238E27FC236}">
-                <a16:creationId xmlns="" xmlns:a16="http://schemas.microsoft.com/office/drawing/2014/main" id="{4D9442B6-6798-4E3F-BC43-D487421D33ED}"/>
+                <a16:creationId xmlns:a16="http://schemas.microsoft.com/office/drawing/2014/main" xmlns="" id="{4D9442B6-6798-4E3F-BC43-D487421D33ED}"/>
               </a:ext>
             </a:extLst>
           </p:cNvPr>
@@ -24880,7 +20484,7 @@
           <p:cNvPr id="4" name="Date Placeholder 3">
             <a:extLst>
               <a:ext uri="{FF2B5EF4-FFF2-40B4-BE49-F238E27FC236}">
-                <a16:creationId xmlns="" xmlns:a16="http://schemas.microsoft.com/office/drawing/2014/main" id="{D8E8FDF4-0673-47D2-AEF1-4ECE10E40BDA}"/>
+                <a16:creationId xmlns:a16="http://schemas.microsoft.com/office/drawing/2014/main" xmlns="" id="{D8E8FDF4-0673-47D2-AEF1-4ECE10E40BDA}"/>
               </a:ext>
             </a:extLst>
           </p:cNvPr>
@@ -24898,7 +20502,7 @@
           <a:p>
             <a:fld id="{96B0AB5A-E802-48CF-A5B9-FE8704AC6519}" type="datetimeFigureOut">
               <a:rPr lang="en-CA" smtClean="0"/>
-              <a:t>2017-10-28</a:t>
+              <a:t>2017-10-25</a:t>
             </a:fld>
             <a:endParaRPr lang="en-CA"/>
           </a:p>
@@ -24909,7 +20513,7 @@
           <p:cNvPr id="5" name="Footer Placeholder 4">
             <a:extLst>
               <a:ext uri="{FF2B5EF4-FFF2-40B4-BE49-F238E27FC236}">
-                <a16:creationId xmlns="" xmlns:a16="http://schemas.microsoft.com/office/drawing/2014/main" id="{E953779D-E55D-4C51-B09C-5B7930947D6C}"/>
+                <a16:creationId xmlns:a16="http://schemas.microsoft.com/office/drawing/2014/main" xmlns="" id="{E953779D-E55D-4C51-B09C-5B7930947D6C}"/>
               </a:ext>
             </a:extLst>
           </p:cNvPr>
@@ -24934,7 +20538,7 @@
           <p:cNvPr id="6" name="Slide Number Placeholder 5">
             <a:extLst>
               <a:ext uri="{FF2B5EF4-FFF2-40B4-BE49-F238E27FC236}">
-                <a16:creationId xmlns="" xmlns:a16="http://schemas.microsoft.com/office/drawing/2014/main" id="{28E9A841-3B09-42DC-8684-FE1A19B9552A}"/>
+                <a16:creationId xmlns:a16="http://schemas.microsoft.com/office/drawing/2014/main" xmlns="" id="{28E9A841-3B09-42DC-8684-FE1A19B9552A}"/>
               </a:ext>
             </a:extLst>
           </p:cNvPr>
@@ -24993,7 +20597,7 @@
           <p:cNvPr id="2" name="Title 1">
             <a:extLst>
               <a:ext uri="{FF2B5EF4-FFF2-40B4-BE49-F238E27FC236}">
-                <a16:creationId xmlns="" xmlns:a16="http://schemas.microsoft.com/office/drawing/2014/main" id="{1C2B00DB-F0DF-4138-ABCE-C402834F38C7}"/>
+                <a16:creationId xmlns:a16="http://schemas.microsoft.com/office/drawing/2014/main" xmlns="" id="{1C2B00DB-F0DF-4138-ABCE-C402834F38C7}"/>
               </a:ext>
             </a:extLst>
           </p:cNvPr>
@@ -25022,7 +20626,7 @@
           <p:cNvPr id="3" name="Content Placeholder 2">
             <a:extLst>
               <a:ext uri="{FF2B5EF4-FFF2-40B4-BE49-F238E27FC236}">
-                <a16:creationId xmlns="" xmlns:a16="http://schemas.microsoft.com/office/drawing/2014/main" id="{C393E18F-528D-46DF-8DCA-5674757975BF}"/>
+                <a16:creationId xmlns:a16="http://schemas.microsoft.com/office/drawing/2014/main" xmlns="" id="{C393E18F-528D-46DF-8DCA-5674757975BF}"/>
               </a:ext>
             </a:extLst>
           </p:cNvPr>
@@ -25080,7 +20684,7 @@
           <p:cNvPr id="4" name="Date Placeholder 3">
             <a:extLst>
               <a:ext uri="{FF2B5EF4-FFF2-40B4-BE49-F238E27FC236}">
-                <a16:creationId xmlns="" xmlns:a16="http://schemas.microsoft.com/office/drawing/2014/main" id="{AE5FACCA-E424-4C6C-B376-B62146CE191B}"/>
+                <a16:creationId xmlns:a16="http://schemas.microsoft.com/office/drawing/2014/main" xmlns="" id="{AE5FACCA-E424-4C6C-B376-B62146CE191B}"/>
               </a:ext>
             </a:extLst>
           </p:cNvPr>
@@ -25098,7 +20702,7 @@
           <a:p>
             <a:fld id="{96B0AB5A-E802-48CF-A5B9-FE8704AC6519}" type="datetimeFigureOut">
               <a:rPr lang="en-CA" smtClean="0"/>
-              <a:t>2017-10-28</a:t>
+              <a:t>2017-10-25</a:t>
             </a:fld>
             <a:endParaRPr lang="en-CA"/>
           </a:p>
@@ -25109,7 +20713,7 @@
           <p:cNvPr id="5" name="Footer Placeholder 4">
             <a:extLst>
               <a:ext uri="{FF2B5EF4-FFF2-40B4-BE49-F238E27FC236}">
-                <a16:creationId xmlns="" xmlns:a16="http://schemas.microsoft.com/office/drawing/2014/main" id="{E88A8849-1252-418B-86C9-3FB1D770E4C1}"/>
+                <a16:creationId xmlns:a16="http://schemas.microsoft.com/office/drawing/2014/main" xmlns="" id="{E88A8849-1252-418B-86C9-3FB1D770E4C1}"/>
               </a:ext>
             </a:extLst>
           </p:cNvPr>
@@ -25134,7 +20738,7 @@
           <p:cNvPr id="6" name="Slide Number Placeholder 5">
             <a:extLst>
               <a:ext uri="{FF2B5EF4-FFF2-40B4-BE49-F238E27FC236}">
-                <a16:creationId xmlns="" xmlns:a16="http://schemas.microsoft.com/office/drawing/2014/main" id="{2213DBDE-BBC2-4EE9-AA49-CBE1CA9AF8E1}"/>
+                <a16:creationId xmlns:a16="http://schemas.microsoft.com/office/drawing/2014/main" xmlns="" id="{2213DBDE-BBC2-4EE9-AA49-CBE1CA9AF8E1}"/>
               </a:ext>
             </a:extLst>
           </p:cNvPr>
@@ -25193,7 +20797,7 @@
           <p:cNvPr id="2" name="Title 1">
             <a:extLst>
               <a:ext uri="{FF2B5EF4-FFF2-40B4-BE49-F238E27FC236}">
-                <a16:creationId xmlns="" xmlns:a16="http://schemas.microsoft.com/office/drawing/2014/main" id="{32D6B6B8-2C76-441A-90C7-2648223BB744}"/>
+                <a16:creationId xmlns:a16="http://schemas.microsoft.com/office/drawing/2014/main" xmlns="" id="{32D6B6B8-2C76-441A-90C7-2648223BB744}"/>
               </a:ext>
             </a:extLst>
           </p:cNvPr>
@@ -25231,7 +20835,7 @@
           <p:cNvPr id="3" name="Text Placeholder 2">
             <a:extLst>
               <a:ext uri="{FF2B5EF4-FFF2-40B4-BE49-F238E27FC236}">
-                <a16:creationId xmlns="" xmlns:a16="http://schemas.microsoft.com/office/drawing/2014/main" id="{B4FD13C0-2671-4F5B-BC76-3285DF8F0D0A}"/>
+                <a16:creationId xmlns:a16="http://schemas.microsoft.com/office/drawing/2014/main" xmlns="" id="{B4FD13C0-2671-4F5B-BC76-3285DF8F0D0A}"/>
               </a:ext>
             </a:extLst>
           </p:cNvPr>
@@ -25356,7 +20960,7 @@
           <p:cNvPr id="4" name="Date Placeholder 3">
             <a:extLst>
               <a:ext uri="{FF2B5EF4-FFF2-40B4-BE49-F238E27FC236}">
-                <a16:creationId xmlns="" xmlns:a16="http://schemas.microsoft.com/office/drawing/2014/main" id="{15FAF587-BBF7-4795-A539-160E1CBB4D0C}"/>
+                <a16:creationId xmlns:a16="http://schemas.microsoft.com/office/drawing/2014/main" xmlns="" id="{15FAF587-BBF7-4795-A539-160E1CBB4D0C}"/>
               </a:ext>
             </a:extLst>
           </p:cNvPr>
@@ -25374,7 +20978,7 @@
           <a:p>
             <a:fld id="{96B0AB5A-E802-48CF-A5B9-FE8704AC6519}" type="datetimeFigureOut">
               <a:rPr lang="en-CA" smtClean="0"/>
-              <a:t>2017-10-28</a:t>
+              <a:t>2017-10-25</a:t>
             </a:fld>
             <a:endParaRPr lang="en-CA"/>
           </a:p>
@@ -25385,7 +20989,7 @@
           <p:cNvPr id="5" name="Footer Placeholder 4">
             <a:extLst>
               <a:ext uri="{FF2B5EF4-FFF2-40B4-BE49-F238E27FC236}">
-                <a16:creationId xmlns="" xmlns:a16="http://schemas.microsoft.com/office/drawing/2014/main" id="{A43711F6-2BA4-43F7-ADE4-F55606E83807}"/>
+                <a16:creationId xmlns:a16="http://schemas.microsoft.com/office/drawing/2014/main" xmlns="" id="{A43711F6-2BA4-43F7-ADE4-F55606E83807}"/>
               </a:ext>
             </a:extLst>
           </p:cNvPr>
@@ -25410,7 +21014,7 @@
           <p:cNvPr id="6" name="Slide Number Placeholder 5">
             <a:extLst>
               <a:ext uri="{FF2B5EF4-FFF2-40B4-BE49-F238E27FC236}">
-                <a16:creationId xmlns="" xmlns:a16="http://schemas.microsoft.com/office/drawing/2014/main" id="{A0814A98-C0EE-4830-9E95-AB51A3D46328}"/>
+                <a16:creationId xmlns:a16="http://schemas.microsoft.com/office/drawing/2014/main" xmlns="" id="{A0814A98-C0EE-4830-9E95-AB51A3D46328}"/>
               </a:ext>
             </a:extLst>
           </p:cNvPr>
@@ -25469,7 +21073,7 @@
           <p:cNvPr id="2" name="Title 1">
             <a:extLst>
               <a:ext uri="{FF2B5EF4-FFF2-40B4-BE49-F238E27FC236}">
-                <a16:creationId xmlns="" xmlns:a16="http://schemas.microsoft.com/office/drawing/2014/main" id="{0F190E3E-504C-44BD-9375-90382E6A4B2D}"/>
+                <a16:creationId xmlns:a16="http://schemas.microsoft.com/office/drawing/2014/main" xmlns="" id="{0F190E3E-504C-44BD-9375-90382E6A4B2D}"/>
               </a:ext>
             </a:extLst>
           </p:cNvPr>
@@ -25498,7 +21102,7 @@
           <p:cNvPr id="3" name="Content Placeholder 2">
             <a:extLst>
               <a:ext uri="{FF2B5EF4-FFF2-40B4-BE49-F238E27FC236}">
-                <a16:creationId xmlns="" xmlns:a16="http://schemas.microsoft.com/office/drawing/2014/main" id="{F6CAE47C-1CB8-4A76-9E77-960D3E128C25}"/>
+                <a16:creationId xmlns:a16="http://schemas.microsoft.com/office/drawing/2014/main" xmlns="" id="{F6CAE47C-1CB8-4A76-9E77-960D3E128C25}"/>
               </a:ext>
             </a:extLst>
           </p:cNvPr>
@@ -25561,7 +21165,7 @@
           <p:cNvPr id="4" name="Content Placeholder 3">
             <a:extLst>
               <a:ext uri="{FF2B5EF4-FFF2-40B4-BE49-F238E27FC236}">
-                <a16:creationId xmlns="" xmlns:a16="http://schemas.microsoft.com/office/drawing/2014/main" id="{7020F4A4-A6BF-47E5-92FC-8201B6593F83}"/>
+                <a16:creationId xmlns:a16="http://schemas.microsoft.com/office/drawing/2014/main" xmlns="" id="{7020F4A4-A6BF-47E5-92FC-8201B6593F83}"/>
               </a:ext>
             </a:extLst>
           </p:cNvPr>
@@ -25624,7 +21228,7 @@
           <p:cNvPr id="5" name="Date Placeholder 4">
             <a:extLst>
               <a:ext uri="{FF2B5EF4-FFF2-40B4-BE49-F238E27FC236}">
-                <a16:creationId xmlns="" xmlns:a16="http://schemas.microsoft.com/office/drawing/2014/main" id="{1AA361B5-9AA3-4229-8D44-CEB57C12ED73}"/>
+                <a16:creationId xmlns:a16="http://schemas.microsoft.com/office/drawing/2014/main" xmlns="" id="{1AA361B5-9AA3-4229-8D44-CEB57C12ED73}"/>
               </a:ext>
             </a:extLst>
           </p:cNvPr>
@@ -25642,7 +21246,7 @@
           <a:p>
             <a:fld id="{96B0AB5A-E802-48CF-A5B9-FE8704AC6519}" type="datetimeFigureOut">
               <a:rPr lang="en-CA" smtClean="0"/>
-              <a:t>2017-10-28</a:t>
+              <a:t>2017-10-25</a:t>
             </a:fld>
             <a:endParaRPr lang="en-CA"/>
           </a:p>
@@ -25653,7 +21257,7 @@
           <p:cNvPr id="6" name="Footer Placeholder 5">
             <a:extLst>
               <a:ext uri="{FF2B5EF4-FFF2-40B4-BE49-F238E27FC236}">
-                <a16:creationId xmlns="" xmlns:a16="http://schemas.microsoft.com/office/drawing/2014/main" id="{8AAA7D8C-2AFC-4C12-92A2-9D98EF3FC76A}"/>
+                <a16:creationId xmlns:a16="http://schemas.microsoft.com/office/drawing/2014/main" xmlns="" id="{8AAA7D8C-2AFC-4C12-92A2-9D98EF3FC76A}"/>
               </a:ext>
             </a:extLst>
           </p:cNvPr>
@@ -25678,7 +21282,7 @@
           <p:cNvPr id="7" name="Slide Number Placeholder 6">
             <a:extLst>
               <a:ext uri="{FF2B5EF4-FFF2-40B4-BE49-F238E27FC236}">
-                <a16:creationId xmlns="" xmlns:a16="http://schemas.microsoft.com/office/drawing/2014/main" id="{33FD714B-B89C-43C1-A417-A6A05C50FDD6}"/>
+                <a16:creationId xmlns:a16="http://schemas.microsoft.com/office/drawing/2014/main" xmlns="" id="{33FD714B-B89C-43C1-A417-A6A05C50FDD6}"/>
               </a:ext>
             </a:extLst>
           </p:cNvPr>
@@ -25737,7 +21341,7 @@
           <p:cNvPr id="2" name="Title 1">
             <a:extLst>
               <a:ext uri="{FF2B5EF4-FFF2-40B4-BE49-F238E27FC236}">
-                <a16:creationId xmlns="" xmlns:a16="http://schemas.microsoft.com/office/drawing/2014/main" id="{B0D13C32-3583-406D-BB55-24C24E430751}"/>
+                <a16:creationId xmlns:a16="http://schemas.microsoft.com/office/drawing/2014/main" xmlns="" id="{B0D13C32-3583-406D-BB55-24C24E430751}"/>
               </a:ext>
             </a:extLst>
           </p:cNvPr>
@@ -25771,7 +21375,7 @@
           <p:cNvPr id="3" name="Text Placeholder 2">
             <a:extLst>
               <a:ext uri="{FF2B5EF4-FFF2-40B4-BE49-F238E27FC236}">
-                <a16:creationId xmlns="" xmlns:a16="http://schemas.microsoft.com/office/drawing/2014/main" id="{B918888A-2B6D-46A5-AE6E-A1FF449737AB}"/>
+                <a16:creationId xmlns:a16="http://schemas.microsoft.com/office/drawing/2014/main" xmlns="" id="{B918888A-2B6D-46A5-AE6E-A1FF449737AB}"/>
               </a:ext>
             </a:extLst>
           </p:cNvPr>
@@ -25842,7 +21446,7 @@
           <p:cNvPr id="4" name="Content Placeholder 3">
             <a:extLst>
               <a:ext uri="{FF2B5EF4-FFF2-40B4-BE49-F238E27FC236}">
-                <a16:creationId xmlns="" xmlns:a16="http://schemas.microsoft.com/office/drawing/2014/main" id="{8376B253-61D6-4CF9-B63B-20481633C4B7}"/>
+                <a16:creationId xmlns:a16="http://schemas.microsoft.com/office/drawing/2014/main" xmlns="" id="{8376B253-61D6-4CF9-B63B-20481633C4B7}"/>
               </a:ext>
             </a:extLst>
           </p:cNvPr>
@@ -25905,7 +21509,7 @@
           <p:cNvPr id="5" name="Text Placeholder 4">
             <a:extLst>
               <a:ext uri="{FF2B5EF4-FFF2-40B4-BE49-F238E27FC236}">
-                <a16:creationId xmlns="" xmlns:a16="http://schemas.microsoft.com/office/drawing/2014/main" id="{382753D1-7E4F-4976-AE02-B8CA399556CE}"/>
+                <a16:creationId xmlns:a16="http://schemas.microsoft.com/office/drawing/2014/main" xmlns="" id="{382753D1-7E4F-4976-AE02-B8CA399556CE}"/>
               </a:ext>
             </a:extLst>
           </p:cNvPr>
@@ -25976,7 +21580,7 @@
           <p:cNvPr id="6" name="Content Placeholder 5">
             <a:extLst>
               <a:ext uri="{FF2B5EF4-FFF2-40B4-BE49-F238E27FC236}">
-                <a16:creationId xmlns="" xmlns:a16="http://schemas.microsoft.com/office/drawing/2014/main" id="{4C468A93-F5B5-49E9-B836-9872129CC484}"/>
+                <a16:creationId xmlns:a16="http://schemas.microsoft.com/office/drawing/2014/main" xmlns="" id="{4C468A93-F5B5-49E9-B836-9872129CC484}"/>
               </a:ext>
             </a:extLst>
           </p:cNvPr>
@@ -26039,7 +21643,7 @@
           <p:cNvPr id="7" name="Date Placeholder 6">
             <a:extLst>
               <a:ext uri="{FF2B5EF4-FFF2-40B4-BE49-F238E27FC236}">
-                <a16:creationId xmlns="" xmlns:a16="http://schemas.microsoft.com/office/drawing/2014/main" id="{695DD8CB-5889-49EA-9BAD-528818612ABE}"/>
+                <a16:creationId xmlns:a16="http://schemas.microsoft.com/office/drawing/2014/main" xmlns="" id="{695DD8CB-5889-49EA-9BAD-528818612ABE}"/>
               </a:ext>
             </a:extLst>
           </p:cNvPr>
@@ -26057,7 +21661,7 @@
           <a:p>
             <a:fld id="{96B0AB5A-E802-48CF-A5B9-FE8704AC6519}" type="datetimeFigureOut">
               <a:rPr lang="en-CA" smtClean="0"/>
-              <a:t>2017-10-28</a:t>
+              <a:t>2017-10-25</a:t>
             </a:fld>
             <a:endParaRPr lang="en-CA"/>
           </a:p>
@@ -26068,7 +21672,7 @@
           <p:cNvPr id="8" name="Footer Placeholder 7">
             <a:extLst>
               <a:ext uri="{FF2B5EF4-FFF2-40B4-BE49-F238E27FC236}">
-                <a16:creationId xmlns="" xmlns:a16="http://schemas.microsoft.com/office/drawing/2014/main" id="{8501B846-1316-4807-8A54-DA3AC47AD72F}"/>
+                <a16:creationId xmlns:a16="http://schemas.microsoft.com/office/drawing/2014/main" xmlns="" id="{8501B846-1316-4807-8A54-DA3AC47AD72F}"/>
               </a:ext>
             </a:extLst>
           </p:cNvPr>
@@ -26093,7 +21697,7 @@
           <p:cNvPr id="9" name="Slide Number Placeholder 8">
             <a:extLst>
               <a:ext uri="{FF2B5EF4-FFF2-40B4-BE49-F238E27FC236}">
-                <a16:creationId xmlns="" xmlns:a16="http://schemas.microsoft.com/office/drawing/2014/main" id="{689B354F-D580-4F3A-AB73-5BC965F2B569}"/>
+                <a16:creationId xmlns:a16="http://schemas.microsoft.com/office/drawing/2014/main" xmlns="" id="{689B354F-D580-4F3A-AB73-5BC965F2B569}"/>
               </a:ext>
             </a:extLst>
           </p:cNvPr>
@@ -26152,7 +21756,7 @@
           <p:cNvPr id="2" name="Title 1">
             <a:extLst>
               <a:ext uri="{FF2B5EF4-FFF2-40B4-BE49-F238E27FC236}">
-                <a16:creationId xmlns="" xmlns:a16="http://schemas.microsoft.com/office/drawing/2014/main" id="{79DDE365-D52A-428F-AB9F-8CF9AC3D43A2}"/>
+                <a16:creationId xmlns:a16="http://schemas.microsoft.com/office/drawing/2014/main" xmlns="" id="{79DDE365-D52A-428F-AB9F-8CF9AC3D43A2}"/>
               </a:ext>
             </a:extLst>
           </p:cNvPr>
@@ -26181,7 +21785,7 @@
           <p:cNvPr id="3" name="Date Placeholder 2">
             <a:extLst>
               <a:ext uri="{FF2B5EF4-FFF2-40B4-BE49-F238E27FC236}">
-                <a16:creationId xmlns="" xmlns:a16="http://schemas.microsoft.com/office/drawing/2014/main" id="{1B902405-9BC8-4DCF-89BD-1C3021158836}"/>
+                <a16:creationId xmlns:a16="http://schemas.microsoft.com/office/drawing/2014/main" xmlns="" id="{1B902405-9BC8-4DCF-89BD-1C3021158836}"/>
               </a:ext>
             </a:extLst>
           </p:cNvPr>
@@ -26199,7 +21803,7 @@
           <a:p>
             <a:fld id="{96B0AB5A-E802-48CF-A5B9-FE8704AC6519}" type="datetimeFigureOut">
               <a:rPr lang="en-CA" smtClean="0"/>
-              <a:t>2017-10-28</a:t>
+              <a:t>2017-10-25</a:t>
             </a:fld>
             <a:endParaRPr lang="en-CA"/>
           </a:p>
@@ -26210,7 +21814,7 @@
           <p:cNvPr id="4" name="Footer Placeholder 3">
             <a:extLst>
               <a:ext uri="{FF2B5EF4-FFF2-40B4-BE49-F238E27FC236}">
-                <a16:creationId xmlns="" xmlns:a16="http://schemas.microsoft.com/office/drawing/2014/main" id="{5741E3B3-AB1D-4FEA-A844-6DD4E7C45709}"/>
+                <a16:creationId xmlns:a16="http://schemas.microsoft.com/office/drawing/2014/main" xmlns="" id="{5741E3B3-AB1D-4FEA-A844-6DD4E7C45709}"/>
               </a:ext>
             </a:extLst>
           </p:cNvPr>
@@ -26235,7 +21839,7 @@
           <p:cNvPr id="5" name="Slide Number Placeholder 4">
             <a:extLst>
               <a:ext uri="{FF2B5EF4-FFF2-40B4-BE49-F238E27FC236}">
-                <a16:creationId xmlns="" xmlns:a16="http://schemas.microsoft.com/office/drawing/2014/main" id="{449737C3-89A9-4077-A0AE-16155EBF7C96}"/>
+                <a16:creationId xmlns:a16="http://schemas.microsoft.com/office/drawing/2014/main" xmlns="" id="{449737C3-89A9-4077-A0AE-16155EBF7C96}"/>
               </a:ext>
             </a:extLst>
           </p:cNvPr>
@@ -26294,7 +21898,7 @@
           <p:cNvPr id="2" name="Date Placeholder 1">
             <a:extLst>
               <a:ext uri="{FF2B5EF4-FFF2-40B4-BE49-F238E27FC236}">
-                <a16:creationId xmlns="" xmlns:a16="http://schemas.microsoft.com/office/drawing/2014/main" id="{67E2FC56-905E-4427-BB9F-0599D987CF0A}"/>
+                <a16:creationId xmlns:a16="http://schemas.microsoft.com/office/drawing/2014/main" xmlns="" id="{67E2FC56-905E-4427-BB9F-0599D987CF0A}"/>
               </a:ext>
             </a:extLst>
           </p:cNvPr>
@@ -26312,7 +21916,7 @@
           <a:p>
             <a:fld id="{96B0AB5A-E802-48CF-A5B9-FE8704AC6519}" type="datetimeFigureOut">
               <a:rPr lang="en-CA" smtClean="0"/>
-              <a:t>2017-10-28</a:t>
+              <a:t>2017-10-25</a:t>
             </a:fld>
             <a:endParaRPr lang="en-CA"/>
           </a:p>
@@ -26323,7 +21927,7 @@
           <p:cNvPr id="3" name="Footer Placeholder 2">
             <a:extLst>
               <a:ext uri="{FF2B5EF4-FFF2-40B4-BE49-F238E27FC236}">
-                <a16:creationId xmlns="" xmlns:a16="http://schemas.microsoft.com/office/drawing/2014/main" id="{487C4D51-B9C6-4DF9-B99D-02567E8C682D}"/>
+                <a16:creationId xmlns:a16="http://schemas.microsoft.com/office/drawing/2014/main" xmlns="" id="{487C4D51-B9C6-4DF9-B99D-02567E8C682D}"/>
               </a:ext>
             </a:extLst>
           </p:cNvPr>
@@ -26348,7 +21952,7 @@
           <p:cNvPr id="4" name="Slide Number Placeholder 3">
             <a:extLst>
               <a:ext uri="{FF2B5EF4-FFF2-40B4-BE49-F238E27FC236}">
-                <a16:creationId xmlns="" xmlns:a16="http://schemas.microsoft.com/office/drawing/2014/main" id="{0190AAD4-0860-4BD5-8057-18876B454949}"/>
+                <a16:creationId xmlns:a16="http://schemas.microsoft.com/office/drawing/2014/main" xmlns="" id="{0190AAD4-0860-4BD5-8057-18876B454949}"/>
               </a:ext>
             </a:extLst>
           </p:cNvPr>
@@ -26407,7 +22011,7 @@
           <p:cNvPr id="2" name="Title 1">
             <a:extLst>
               <a:ext uri="{FF2B5EF4-FFF2-40B4-BE49-F238E27FC236}">
-                <a16:creationId xmlns="" xmlns:a16="http://schemas.microsoft.com/office/drawing/2014/main" id="{38D0AC77-2DD6-4F80-AED8-5F2DEAFE47A5}"/>
+                <a16:creationId xmlns:a16="http://schemas.microsoft.com/office/drawing/2014/main" xmlns="" id="{38D0AC77-2DD6-4F80-AED8-5F2DEAFE47A5}"/>
               </a:ext>
             </a:extLst>
           </p:cNvPr>
@@ -26445,7 +22049,7 @@
           <p:cNvPr id="3" name="Content Placeholder 2">
             <a:extLst>
               <a:ext uri="{FF2B5EF4-FFF2-40B4-BE49-F238E27FC236}">
-                <a16:creationId xmlns="" xmlns:a16="http://schemas.microsoft.com/office/drawing/2014/main" id="{8A50F9F6-EF62-405A-BD73-A4D257EA25C1}"/>
+                <a16:creationId xmlns:a16="http://schemas.microsoft.com/office/drawing/2014/main" xmlns="" id="{8A50F9F6-EF62-405A-BD73-A4D257EA25C1}"/>
               </a:ext>
             </a:extLst>
           </p:cNvPr>
@@ -26536,7 +22140,7 @@
           <p:cNvPr id="4" name="Text Placeholder 3">
             <a:extLst>
               <a:ext uri="{FF2B5EF4-FFF2-40B4-BE49-F238E27FC236}">
-                <a16:creationId xmlns="" xmlns:a16="http://schemas.microsoft.com/office/drawing/2014/main" id="{C2D29C1A-CCB3-4892-8341-4E47EA725C2E}"/>
+                <a16:creationId xmlns:a16="http://schemas.microsoft.com/office/drawing/2014/main" xmlns="" id="{C2D29C1A-CCB3-4892-8341-4E47EA725C2E}"/>
               </a:ext>
             </a:extLst>
           </p:cNvPr>
@@ -26607,7 +22211,7 @@
           <p:cNvPr id="5" name="Date Placeholder 4">
             <a:extLst>
               <a:ext uri="{FF2B5EF4-FFF2-40B4-BE49-F238E27FC236}">
-                <a16:creationId xmlns="" xmlns:a16="http://schemas.microsoft.com/office/drawing/2014/main" id="{4A49B093-3DB2-42E5-90E6-7961FD1DEF69}"/>
+                <a16:creationId xmlns:a16="http://schemas.microsoft.com/office/drawing/2014/main" xmlns="" id="{4A49B093-3DB2-42E5-90E6-7961FD1DEF69}"/>
               </a:ext>
             </a:extLst>
           </p:cNvPr>
@@ -26625,7 +22229,7 @@
           <a:p>
             <a:fld id="{96B0AB5A-E802-48CF-A5B9-FE8704AC6519}" type="datetimeFigureOut">
               <a:rPr lang="en-CA" smtClean="0"/>
-              <a:t>2017-10-28</a:t>
+              <a:t>2017-10-25</a:t>
             </a:fld>
             <a:endParaRPr lang="en-CA"/>
           </a:p>
@@ -26636,7 +22240,7 @@
           <p:cNvPr id="6" name="Footer Placeholder 5">
             <a:extLst>
               <a:ext uri="{FF2B5EF4-FFF2-40B4-BE49-F238E27FC236}">
-                <a16:creationId xmlns="" xmlns:a16="http://schemas.microsoft.com/office/drawing/2014/main" id="{DF18E932-8D4E-4B86-ADE7-DAF5963F6D69}"/>
+                <a16:creationId xmlns:a16="http://schemas.microsoft.com/office/drawing/2014/main" xmlns="" id="{DF18E932-8D4E-4B86-ADE7-DAF5963F6D69}"/>
               </a:ext>
             </a:extLst>
           </p:cNvPr>
@@ -26661,7 +22265,7 @@
           <p:cNvPr id="7" name="Slide Number Placeholder 6">
             <a:extLst>
               <a:ext uri="{FF2B5EF4-FFF2-40B4-BE49-F238E27FC236}">
-                <a16:creationId xmlns="" xmlns:a16="http://schemas.microsoft.com/office/drawing/2014/main" id="{2A6BCD62-2E53-46BB-8674-8A6BC93614B3}"/>
+                <a16:creationId xmlns:a16="http://schemas.microsoft.com/office/drawing/2014/main" xmlns="" id="{2A6BCD62-2E53-46BB-8674-8A6BC93614B3}"/>
               </a:ext>
             </a:extLst>
           </p:cNvPr>
@@ -26720,7 +22324,7 @@
           <p:cNvPr id="2" name="Title 1">
             <a:extLst>
               <a:ext uri="{FF2B5EF4-FFF2-40B4-BE49-F238E27FC236}">
-                <a16:creationId xmlns="" xmlns:a16="http://schemas.microsoft.com/office/drawing/2014/main" id="{BE66942B-4AEE-47BA-A130-8FE3D07A2517}"/>
+                <a16:creationId xmlns:a16="http://schemas.microsoft.com/office/drawing/2014/main" xmlns="" id="{BE66942B-4AEE-47BA-A130-8FE3D07A2517}"/>
               </a:ext>
             </a:extLst>
           </p:cNvPr>
@@ -26758,7 +22362,7 @@
           <p:cNvPr id="3" name="Picture Placeholder 2">
             <a:extLst>
               <a:ext uri="{FF2B5EF4-FFF2-40B4-BE49-F238E27FC236}">
-                <a16:creationId xmlns="" xmlns:a16="http://schemas.microsoft.com/office/drawing/2014/main" id="{A24C110B-5666-4CAC-9935-17BA900407EB}"/>
+                <a16:creationId xmlns:a16="http://schemas.microsoft.com/office/drawing/2014/main" xmlns="" id="{A24C110B-5666-4CAC-9935-17BA900407EB}"/>
               </a:ext>
             </a:extLst>
           </p:cNvPr>
@@ -26825,7 +22429,7 @@
           <p:cNvPr id="4" name="Text Placeholder 3">
             <a:extLst>
               <a:ext uri="{FF2B5EF4-FFF2-40B4-BE49-F238E27FC236}">
-                <a16:creationId xmlns="" xmlns:a16="http://schemas.microsoft.com/office/drawing/2014/main" id="{1A5EEBFA-7C3F-40BC-A736-89E2871AB916}"/>
+                <a16:creationId xmlns:a16="http://schemas.microsoft.com/office/drawing/2014/main" xmlns="" id="{1A5EEBFA-7C3F-40BC-A736-89E2871AB916}"/>
               </a:ext>
             </a:extLst>
           </p:cNvPr>
@@ -26896,7 +22500,7 @@
           <p:cNvPr id="5" name="Date Placeholder 4">
             <a:extLst>
               <a:ext uri="{FF2B5EF4-FFF2-40B4-BE49-F238E27FC236}">
-                <a16:creationId xmlns="" xmlns:a16="http://schemas.microsoft.com/office/drawing/2014/main" id="{0F9791BC-52F7-4098-BD77-EB52CAD311D7}"/>
+                <a16:creationId xmlns:a16="http://schemas.microsoft.com/office/drawing/2014/main" xmlns="" id="{0F9791BC-52F7-4098-BD77-EB52CAD311D7}"/>
               </a:ext>
             </a:extLst>
           </p:cNvPr>
@@ -26914,7 +22518,7 @@
           <a:p>
             <a:fld id="{96B0AB5A-E802-48CF-A5B9-FE8704AC6519}" type="datetimeFigureOut">
               <a:rPr lang="en-CA" smtClean="0"/>
-              <a:t>2017-10-28</a:t>
+              <a:t>2017-10-25</a:t>
             </a:fld>
             <a:endParaRPr lang="en-CA"/>
           </a:p>
@@ -26925,7 +22529,7 @@
           <p:cNvPr id="6" name="Footer Placeholder 5">
             <a:extLst>
               <a:ext uri="{FF2B5EF4-FFF2-40B4-BE49-F238E27FC236}">
-                <a16:creationId xmlns="" xmlns:a16="http://schemas.microsoft.com/office/drawing/2014/main" id="{E2F409E7-1C98-4E39-B7A6-5F89DA98469F}"/>
+                <a16:creationId xmlns:a16="http://schemas.microsoft.com/office/drawing/2014/main" xmlns="" id="{E2F409E7-1C98-4E39-B7A6-5F89DA98469F}"/>
               </a:ext>
             </a:extLst>
           </p:cNvPr>
@@ -26950,7 +22554,7 @@
           <p:cNvPr id="7" name="Slide Number Placeholder 6">
             <a:extLst>
               <a:ext uri="{FF2B5EF4-FFF2-40B4-BE49-F238E27FC236}">
-                <a16:creationId xmlns="" xmlns:a16="http://schemas.microsoft.com/office/drawing/2014/main" id="{BDC7D36C-18CF-4995-B3BF-440113BC7738}"/>
+                <a16:creationId xmlns:a16="http://schemas.microsoft.com/office/drawing/2014/main" xmlns="" id="{BDC7D36C-18CF-4995-B3BF-440113BC7738}"/>
               </a:ext>
             </a:extLst>
           </p:cNvPr>
@@ -27014,7 +22618,7 @@
           <p:cNvPr id="2" name="Title Placeholder 1">
             <a:extLst>
               <a:ext uri="{FF2B5EF4-FFF2-40B4-BE49-F238E27FC236}">
-                <a16:creationId xmlns="" xmlns:a16="http://schemas.microsoft.com/office/drawing/2014/main" id="{E5B4AD75-DD9C-4FBC-861B-1923DAD4C653}"/>
+                <a16:creationId xmlns:a16="http://schemas.microsoft.com/office/drawing/2014/main" xmlns="" id="{E5B4AD75-DD9C-4FBC-861B-1923DAD4C653}"/>
               </a:ext>
             </a:extLst>
           </p:cNvPr>
@@ -27053,7 +22657,7 @@
           <p:cNvPr id="3" name="Text Placeholder 2">
             <a:extLst>
               <a:ext uri="{FF2B5EF4-FFF2-40B4-BE49-F238E27FC236}">
-                <a16:creationId xmlns="" xmlns:a16="http://schemas.microsoft.com/office/drawing/2014/main" id="{4D568E8A-8FC5-429A-BBC2-86B33A87A88A}"/>
+                <a16:creationId xmlns:a16="http://schemas.microsoft.com/office/drawing/2014/main" xmlns="" id="{4D568E8A-8FC5-429A-BBC2-86B33A87A88A}"/>
               </a:ext>
             </a:extLst>
           </p:cNvPr>
@@ -27121,7 +22725,7 @@
           <p:cNvPr id="4" name="Date Placeholder 3">
             <a:extLst>
               <a:ext uri="{FF2B5EF4-FFF2-40B4-BE49-F238E27FC236}">
-                <a16:creationId xmlns="" xmlns:a16="http://schemas.microsoft.com/office/drawing/2014/main" id="{29A9B9B8-7E0D-4EC3-A0F8-0CFBC57A3D7E}"/>
+                <a16:creationId xmlns:a16="http://schemas.microsoft.com/office/drawing/2014/main" xmlns="" id="{29A9B9B8-7E0D-4EC3-A0F8-0CFBC57A3D7E}"/>
               </a:ext>
             </a:extLst>
           </p:cNvPr>
@@ -27157,7 +22761,7 @@
           <a:p>
             <a:fld id="{96B0AB5A-E802-48CF-A5B9-FE8704AC6519}" type="datetimeFigureOut">
               <a:rPr lang="en-CA" smtClean="0"/>
-              <a:t>2017-10-28</a:t>
+              <a:t>2017-10-25</a:t>
             </a:fld>
             <a:endParaRPr lang="en-CA"/>
           </a:p>
@@ -27168,7 +22772,7 @@
           <p:cNvPr id="5" name="Footer Placeholder 4">
             <a:extLst>
               <a:ext uri="{FF2B5EF4-FFF2-40B4-BE49-F238E27FC236}">
-                <a16:creationId xmlns="" xmlns:a16="http://schemas.microsoft.com/office/drawing/2014/main" id="{5701BCBF-10E5-4F5A-AFDC-06F55B5CAA8F}"/>
+                <a16:creationId xmlns:a16="http://schemas.microsoft.com/office/drawing/2014/main" xmlns="" id="{5701BCBF-10E5-4F5A-AFDC-06F55B5CAA8F}"/>
               </a:ext>
             </a:extLst>
           </p:cNvPr>
@@ -27211,7 +22815,7 @@
           <p:cNvPr id="6" name="Slide Number Placeholder 5">
             <a:extLst>
               <a:ext uri="{FF2B5EF4-FFF2-40B4-BE49-F238E27FC236}">
-                <a16:creationId xmlns="" xmlns:a16="http://schemas.microsoft.com/office/drawing/2014/main" id="{68C4BCD5-C523-4222-8576-785E1DE19235}"/>
+                <a16:creationId xmlns:a16="http://schemas.microsoft.com/office/drawing/2014/main" xmlns="" id="{68C4BCD5-C523-4222-8576-785E1DE19235}"/>
               </a:ext>
             </a:extLst>
           </p:cNvPr>
@@ -27579,7 +23183,7 @@
           <p:cNvPr id="2" name="Title 1">
             <a:extLst>
               <a:ext uri="{FF2B5EF4-FFF2-40B4-BE49-F238E27FC236}">
-                <a16:creationId xmlns="" xmlns:a16="http://schemas.microsoft.com/office/drawing/2014/main" id="{FA47EB2B-4331-4E3D-9575-372974FA84E1}"/>
+                <a16:creationId xmlns:a16="http://schemas.microsoft.com/office/drawing/2014/main" xmlns="" id="{FA47EB2B-4331-4E3D-9575-372974FA84E1}"/>
               </a:ext>
             </a:extLst>
           </p:cNvPr>
@@ -27604,7 +23208,7 @@
           <p:cNvPr id="3" name="Subtitle 2">
             <a:extLst>
               <a:ext uri="{FF2B5EF4-FFF2-40B4-BE49-F238E27FC236}">
-                <a16:creationId xmlns="" xmlns:a16="http://schemas.microsoft.com/office/drawing/2014/main" id="{A4D09F98-919E-4EAE-8FE4-8DF28106A8A4}"/>
+                <a16:creationId xmlns:a16="http://schemas.microsoft.com/office/drawing/2014/main" xmlns="" id="{A4D09F98-919E-4EAE-8FE4-8DF28106A8A4}"/>
               </a:ext>
             </a:extLst>
           </p:cNvPr>
@@ -27976,7 +23580,7 @@
           <p:cNvPr id="2" name="Title 1">
             <a:extLst>
               <a:ext uri="{FF2B5EF4-FFF2-40B4-BE49-F238E27FC236}">
-                <a16:creationId xmlns="" xmlns:a16="http://schemas.microsoft.com/office/drawing/2014/main" id="{F88480CC-95B7-44B5-8595-50BB9107EA28}"/>
+                <a16:creationId xmlns:a16="http://schemas.microsoft.com/office/drawing/2014/main" xmlns="" id="{F88480CC-95B7-44B5-8595-50BB9107EA28}"/>
               </a:ext>
             </a:extLst>
           </p:cNvPr>
@@ -28005,7 +23609,7 @@
           <p:cNvPr id="3" name="Content Placeholder 2">
             <a:extLst>
               <a:ext uri="{FF2B5EF4-FFF2-40B4-BE49-F238E27FC236}">
-                <a16:creationId xmlns="" xmlns:a16="http://schemas.microsoft.com/office/drawing/2014/main" id="{52049869-60E6-4A46-87A4-494EC470CA10}"/>
+                <a16:creationId xmlns:a16="http://schemas.microsoft.com/office/drawing/2014/main" xmlns="" id="{52049869-60E6-4A46-87A4-494EC470CA10}"/>
               </a:ext>
             </a:extLst>
           </p:cNvPr>
@@ -28042,7 +23646,7 @@
           <p:cNvPr id="7" name="Picture 6">
             <a:extLst>
               <a:ext uri="{FF2B5EF4-FFF2-40B4-BE49-F238E27FC236}">
-                <a16:creationId xmlns="" xmlns:a16="http://schemas.microsoft.com/office/drawing/2014/main" id="{8D531DE4-F542-40B1-BC6B-BDF4366F0CB8}"/>
+                <a16:creationId xmlns:a16="http://schemas.microsoft.com/office/drawing/2014/main" xmlns="" id="{8D531DE4-F542-40B1-BC6B-BDF4366F0CB8}"/>
               </a:ext>
             </a:extLst>
           </p:cNvPr>
@@ -28078,7 +23682,7 @@
           <p:cNvPr id="8" name="Picture 7">
             <a:extLst>
               <a:ext uri="{FF2B5EF4-FFF2-40B4-BE49-F238E27FC236}">
-                <a16:creationId xmlns="" xmlns:a16="http://schemas.microsoft.com/office/drawing/2014/main" id="{B2B6335A-A462-4125-9593-B2BBFB05446D}"/>
+                <a16:creationId xmlns:a16="http://schemas.microsoft.com/office/drawing/2014/main" xmlns="" id="{B2B6335A-A462-4125-9593-B2BBFB05446D}"/>
               </a:ext>
             </a:extLst>
           </p:cNvPr>
@@ -28551,7 +24155,7 @@
           <p:cNvPr id="2" name="Title 1">
             <a:extLst>
               <a:ext uri="{FF2B5EF4-FFF2-40B4-BE49-F238E27FC236}">
-                <a16:creationId xmlns="" xmlns:a16="http://schemas.microsoft.com/office/drawing/2014/main" id="{9E72733B-3ADC-4709-8C8B-A6CBD9E2C805}"/>
+                <a16:creationId xmlns:a16="http://schemas.microsoft.com/office/drawing/2014/main" xmlns="" id="{9E72733B-3ADC-4709-8C8B-A6CBD9E2C805}"/>
               </a:ext>
             </a:extLst>
           </p:cNvPr>
@@ -28580,7 +24184,7 @@
           <p:cNvPr id="4" name="Content Placeholder 3">
             <a:extLst>
               <a:ext uri="{FF2B5EF4-FFF2-40B4-BE49-F238E27FC236}">
-                <a16:creationId xmlns="" xmlns:a16="http://schemas.microsoft.com/office/drawing/2014/main" id="{85AFC881-2077-45C1-B5BB-B740550E0611}"/>
+                <a16:creationId xmlns:a16="http://schemas.microsoft.com/office/drawing/2014/main" xmlns="" id="{85AFC881-2077-45C1-B5BB-B740550E0611}"/>
               </a:ext>
             </a:extLst>
           </p:cNvPr>
@@ -28605,7 +24209,7 @@
           <p:cNvPr id="7" name="Chart 6">
             <a:extLst>
               <a:ext uri="{FF2B5EF4-FFF2-40B4-BE49-F238E27FC236}">
-                <a16:creationId xmlns="" xmlns:a16="http://schemas.microsoft.com/office/drawing/2014/main" id="{FBE87CE3-BBDF-4804-A7B0-0371F4AC7394}"/>
+                <a16:creationId xmlns:a16="http://schemas.microsoft.com/office/drawing/2014/main" xmlns="" id="{FBE87CE3-BBDF-4804-A7B0-0371F4AC7394}"/>
               </a:ext>
             </a:extLst>
           </p:cNvPr>
@@ -28717,7 +24321,7 @@
           <p:cNvPr id="8" name="Content Placeholder 7">
             <a:extLst>
               <a:ext uri="{FF2B5EF4-FFF2-40B4-BE49-F238E27FC236}">
-                <a16:creationId xmlns:lc="http://schemas.openxmlformats.org/drawingml/2006/lockedCanvas" xmlns:a16="http://schemas.microsoft.com/office/drawing/2014/main" xmlns:xdr="http://schemas.openxmlformats.org/drawingml/2006/spreadsheetDrawing" xmlns="" id="{C00C8559-FC29-48FF-AC1F-859F3EB85551}"/>
+                <a16:creationId xmlns="" xmlns:xdr="http://schemas.openxmlformats.org/drawingml/2006/spreadsheetDrawing" xmlns:a16="http://schemas.microsoft.com/office/drawing/2014/main" xmlns:lc="http://schemas.openxmlformats.org/drawingml/2006/lockedCanvas" id="{C00C8559-FC29-48FF-AC1F-859F3EB85551}"/>
               </a:ext>
             </a:extLst>
           </p:cNvPr>
@@ -29180,7 +24784,7 @@
           <p:cNvPr id="2" name="Title 1">
             <a:extLst>
               <a:ext uri="{FF2B5EF4-FFF2-40B4-BE49-F238E27FC236}">
-                <a16:creationId xmlns="" xmlns:a16="http://schemas.microsoft.com/office/drawing/2014/main" id="{5506469E-1244-4642-907B-B1433F60711B}"/>
+                <a16:creationId xmlns:a16="http://schemas.microsoft.com/office/drawing/2014/main" xmlns="" id="{5506469E-1244-4642-907B-B1433F60711B}"/>
               </a:ext>
             </a:extLst>
           </p:cNvPr>
@@ -29208,7 +24812,7 @@
           <p:cNvPr id="4" name="Content Placeholder 3">
             <a:extLst>
               <a:ext uri="{FF2B5EF4-FFF2-40B4-BE49-F238E27FC236}">
-                <a16:creationId xmlns="" xmlns:a16="http://schemas.microsoft.com/office/drawing/2014/main" id="{14837406-5535-4D53-B38D-5FA66CF97038}"/>
+                <a16:creationId xmlns:a16="http://schemas.microsoft.com/office/drawing/2014/main" xmlns="" id="{14837406-5535-4D53-B38D-5FA66CF97038}"/>
               </a:ext>
             </a:extLst>
           </p:cNvPr>
@@ -29313,79 +24917,25 @@
           </a:p>
         </p:txBody>
       </p:sp>
-      <p:graphicFrame>
-        <p:nvGraphicFramePr>
-          <p:cNvPr id="4" name="Content Placeholder 3"/>
-          <p:cNvGraphicFramePr>
-            <a:graphicFrameLocks noGrp="1"/>
-          </p:cNvGraphicFramePr>
+      <p:sp>
+        <p:nvSpPr>
+          <p:cNvPr id="3" name="Content Placeholder 2"/>
+          <p:cNvSpPr>
+            <a:spLocks noGrp="1"/>
+          </p:cNvSpPr>
           <p:nvPr>
             <p:ph idx="1"/>
-            <p:extLst>
-              <p:ext uri="{D42A27DB-BD31-4B8C-83A1-F6EECF244321}">
-                <p14:modId xmlns:p14="http://schemas.microsoft.com/office/powerpoint/2010/main" val="1751464441"/>
-              </p:ext>
-            </p:extLst>
           </p:nvPr>
-        </p:nvGraphicFramePr>
-        <p:xfrm>
-          <a:off x="546100" y="2111772"/>
-          <a:ext cx="5099050" cy="2887663"/>
-        </p:xfrm>
-        <a:graphic>
-          <a:graphicData uri="http://schemas.openxmlformats.org/drawingml/2006/chart">
-            <c:chart xmlns:c="http://schemas.openxmlformats.org/drawingml/2006/chart" xmlns:r="http://schemas.openxmlformats.org/officeDocument/2006/relationships" r:id="rId2"/>
-          </a:graphicData>
-        </a:graphic>
-      </p:graphicFrame>
-      <p:graphicFrame>
-        <p:nvGraphicFramePr>
-          <p:cNvPr id="5" name="Chart 4"/>
-          <p:cNvGraphicFramePr>
-            <a:graphicFrameLocks/>
-          </p:cNvGraphicFramePr>
-          <p:nvPr>
-            <p:extLst>
-              <p:ext uri="{D42A27DB-BD31-4B8C-83A1-F6EECF244321}">
-                <p14:modId xmlns:p14="http://schemas.microsoft.com/office/powerpoint/2010/main" val="1578573015"/>
-              </p:ext>
-            </p:extLst>
-          </p:nvPr>
-        </p:nvGraphicFramePr>
-        <p:xfrm>
-          <a:off x="6146800" y="1296988"/>
-          <a:ext cx="5416550" cy="2887663"/>
-        </p:xfrm>
-        <a:graphic>
-          <a:graphicData uri="http://schemas.openxmlformats.org/drawingml/2006/chart">
-            <c:chart xmlns:c="http://schemas.openxmlformats.org/drawingml/2006/chart" xmlns:r="http://schemas.openxmlformats.org/officeDocument/2006/relationships" r:id="rId3"/>
-          </a:graphicData>
-        </a:graphic>
-      </p:graphicFrame>
-      <p:graphicFrame>
-        <p:nvGraphicFramePr>
-          <p:cNvPr id="6" name="Chart 5"/>
-          <p:cNvGraphicFramePr>
-            <a:graphicFrameLocks/>
-          </p:cNvGraphicFramePr>
-          <p:nvPr>
-            <p:extLst>
-              <p:ext uri="{D42A27DB-BD31-4B8C-83A1-F6EECF244321}">
-                <p14:modId xmlns:p14="http://schemas.microsoft.com/office/powerpoint/2010/main" val="1063688067"/>
-              </p:ext>
-            </p:extLst>
-          </p:nvPr>
-        </p:nvGraphicFramePr>
-        <p:xfrm>
-          <a:off x="6146800" y="4042568"/>
-          <a:ext cx="5416550" cy="2815432"/>
-        </p:xfrm>
-        <a:graphic>
-          <a:graphicData uri="http://schemas.openxmlformats.org/drawingml/2006/chart">
-            <c:chart xmlns:c="http://schemas.openxmlformats.org/drawingml/2006/chart" xmlns:r="http://schemas.openxmlformats.org/officeDocument/2006/relationships" r:id="rId4"/>
-          </a:graphicData>
-        </a:graphic>
-      </p:graphicFrame>
+        </p:nvSpPr>
+        <p:spPr/>
+        <p:txBody>
+          <a:bodyPr/>
+          <a:lstStyle/>
+          <a:p>
+            <a:endParaRPr lang="en-US"/>
+          </a:p>
+        </p:txBody>
+      </p:sp>
     </p:spTree>
     <p:extLst>
       <p:ext uri="{BB962C8B-B14F-4D97-AF65-F5344CB8AC3E}">
@@ -29489,7 +25039,7 @@
           <p:cNvPr id="2" name="Title 1">
             <a:extLst>
               <a:ext uri="{FF2B5EF4-FFF2-40B4-BE49-F238E27FC236}">
-                <a16:creationId xmlns="" xmlns:a16="http://schemas.microsoft.com/office/drawing/2014/main" id="{C3F5CDFC-1D41-42B8-9223-6129DEC6C293}"/>
+                <a16:creationId xmlns:a16="http://schemas.microsoft.com/office/drawing/2014/main" xmlns="" id="{C3F5CDFC-1D41-42B8-9223-6129DEC6C293}"/>
               </a:ext>
             </a:extLst>
           </p:cNvPr>
@@ -29517,7 +25067,7 @@
           <p:cNvPr id="4" name="Content Placeholder 3">
             <a:extLst>
               <a:ext uri="{FF2B5EF4-FFF2-40B4-BE49-F238E27FC236}">
-                <a16:creationId xmlns="" xmlns:a16="http://schemas.microsoft.com/office/drawing/2014/main" id="{63ECDBED-7E6C-40D5-AC3A-4B4B35A132F9}"/>
+                <a16:creationId xmlns:a16="http://schemas.microsoft.com/office/drawing/2014/main" xmlns="" id="{63ECDBED-7E6C-40D5-AC3A-4B4B35A132F9}"/>
               </a:ext>
             </a:extLst>
           </p:cNvPr>
@@ -29608,7 +25158,7 @@
           <p:cNvPr id="2" name="Title 1">
             <a:extLst>
               <a:ext uri="{FF2B5EF4-FFF2-40B4-BE49-F238E27FC236}">
-                <a16:creationId xmlns="" xmlns:a16="http://schemas.microsoft.com/office/drawing/2014/main" id="{99B70518-582A-46A1-8C6C-709B5B3C47F4}"/>
+                <a16:creationId xmlns:a16="http://schemas.microsoft.com/office/drawing/2014/main" xmlns="" id="{99B70518-582A-46A1-8C6C-709B5B3C47F4}"/>
               </a:ext>
             </a:extLst>
           </p:cNvPr>
@@ -29828,7 +25378,7 @@
           <p:cNvPr id="2" name="Title 1">
             <a:extLst>
               <a:ext uri="{FF2B5EF4-FFF2-40B4-BE49-F238E27FC236}">
-                <a16:creationId xmlns="" xmlns:a16="http://schemas.microsoft.com/office/drawing/2014/main" id="{C0DC2B9B-FCB5-4621-ABB4-77B660602A25}"/>
+                <a16:creationId xmlns:a16="http://schemas.microsoft.com/office/drawing/2014/main" xmlns="" id="{C0DC2B9B-FCB5-4621-ABB4-77B660602A25}"/>
               </a:ext>
             </a:extLst>
           </p:cNvPr>
@@ -29856,7 +25406,7 @@
           <p:cNvPr id="4" name="Content Placeholder 3" descr="C:\Users\ke\Desktop\Figure_1.png">
             <a:extLst>
               <a:ext uri="{FF2B5EF4-FFF2-40B4-BE49-F238E27FC236}">
-                <a16:creationId xmlns="" xmlns:a16="http://schemas.microsoft.com/office/drawing/2014/main" id="{4D21BC85-7DF2-4CAA-BD03-EE4871E463F2}"/>
+                <a16:creationId xmlns:a16="http://schemas.microsoft.com/office/drawing/2014/main" xmlns="" id="{4D21BC85-7DF2-4CAA-BD03-EE4871E463F2}"/>
               </a:ext>
             </a:extLst>
           </p:cNvPr>
@@ -29899,7 +25449,7 @@
           <p:cNvPr id="6" name="TextBox 5">
             <a:extLst>
               <a:ext uri="{FF2B5EF4-FFF2-40B4-BE49-F238E27FC236}">
-                <a16:creationId xmlns="" xmlns:a16="http://schemas.microsoft.com/office/drawing/2014/main" id="{FF07B87F-C8DD-4F75-AF75-8EE671EF4690}"/>
+                <a16:creationId xmlns:a16="http://schemas.microsoft.com/office/drawing/2014/main" xmlns="" id="{FF07B87F-C8DD-4F75-AF75-8EE671EF4690}"/>
               </a:ext>
             </a:extLst>
           </p:cNvPr>
@@ -29958,7 +25508,7 @@
           <p:cNvPr id="5" name="Table 4">
             <a:extLst>
               <a:ext uri="{FF2B5EF4-FFF2-40B4-BE49-F238E27FC236}">
-                <a16:creationId xmlns="" xmlns:a16="http://schemas.microsoft.com/office/drawing/2014/main" id="{7229B7B9-B18A-4703-9B4E-3C8CBCE0D5D8}"/>
+                <a16:creationId xmlns:a16="http://schemas.microsoft.com/office/drawing/2014/main" xmlns="" id="{7229B7B9-B18A-4703-9B4E-3C8CBCE0D5D8}"/>
               </a:ext>
             </a:extLst>
           </p:cNvPr>
@@ -29987,21 +25537,21 @@
                 <a:gridCol w="983916">
                   <a:extLst>
                     <a:ext uri="{9D8B030D-6E8A-4147-A177-3AD203B41FA5}">
-                      <a16:colId xmlns="" xmlns:a16="http://schemas.microsoft.com/office/drawing/2014/main" val="3735259432"/>
+                      <a16:colId xmlns:a16="http://schemas.microsoft.com/office/drawing/2014/main" xmlns="" val="3735259432"/>
                     </a:ext>
                   </a:extLst>
                 </a:gridCol>
                 <a:gridCol w="983916">
                   <a:extLst>
                     <a:ext uri="{9D8B030D-6E8A-4147-A177-3AD203B41FA5}">
-                      <a16:colId xmlns="" xmlns:a16="http://schemas.microsoft.com/office/drawing/2014/main" val="1134382208"/>
+                      <a16:colId xmlns:a16="http://schemas.microsoft.com/office/drawing/2014/main" xmlns="" val="1134382208"/>
                     </a:ext>
                   </a:extLst>
                 </a:gridCol>
                 <a:gridCol w="983916">
                   <a:extLst>
                     <a:ext uri="{9D8B030D-6E8A-4147-A177-3AD203B41FA5}">
-                      <a16:colId xmlns="" xmlns:a16="http://schemas.microsoft.com/office/drawing/2014/main" val="1257578719"/>
+                      <a16:colId xmlns:a16="http://schemas.microsoft.com/office/drawing/2014/main" xmlns="" val="1257578719"/>
                     </a:ext>
                   </a:extLst>
                 </a:gridCol>
@@ -30078,7 +25628,7 @@
                 </a:tc>
                 <a:extLst>
                   <a:ext uri="{0D108BD9-81ED-4DB2-BD59-A6C34878D82A}">
-                    <a16:rowId xmlns="" xmlns:a16="http://schemas.microsoft.com/office/drawing/2014/main" val="1625375486"/>
+                    <a16:rowId xmlns:a16="http://schemas.microsoft.com/office/drawing/2014/main" xmlns="" val="1625375486"/>
                   </a:ext>
                 </a:extLst>
               </a:tr>
@@ -30154,7 +25704,7 @@
                 </a:tc>
                 <a:extLst>
                   <a:ext uri="{0D108BD9-81ED-4DB2-BD59-A6C34878D82A}">
-                    <a16:rowId xmlns="" xmlns:a16="http://schemas.microsoft.com/office/drawing/2014/main" val="1346036712"/>
+                    <a16:rowId xmlns:a16="http://schemas.microsoft.com/office/drawing/2014/main" xmlns="" val="1346036712"/>
                   </a:ext>
                 </a:extLst>
               </a:tr>
@@ -30230,7 +25780,7 @@
                 </a:tc>
                 <a:extLst>
                   <a:ext uri="{0D108BD9-81ED-4DB2-BD59-A6C34878D82A}">
-                    <a16:rowId xmlns="" xmlns:a16="http://schemas.microsoft.com/office/drawing/2014/main" val="2275640152"/>
+                    <a16:rowId xmlns:a16="http://schemas.microsoft.com/office/drawing/2014/main" xmlns="" val="2275640152"/>
                   </a:ext>
                 </a:extLst>
               </a:tr>
